--- a/lab-notebooks.pptx
+++ b/lab-notebooks.pptx
@@ -5,13 +5,33 @@
     <p:sldMasterId id="2147483935" r:id="rId4"/>
   </p:sldMasterIdLst>
   <p:notesMasterIdLst>
-    <p:notesMasterId r:id="rId6"/>
+    <p:notesMasterId r:id="rId26"/>
   </p:notesMasterIdLst>
   <p:handoutMasterIdLst>
-    <p:handoutMasterId r:id="rId7"/>
+    <p:handoutMasterId r:id="rId27"/>
   </p:handoutMasterIdLst>
   <p:sldIdLst>
     <p:sldId id="256" r:id="rId5"/>
+    <p:sldId id="321" r:id="rId6"/>
+    <p:sldId id="322" r:id="rId7"/>
+    <p:sldId id="323" r:id="rId8"/>
+    <p:sldId id="325" r:id="rId9"/>
+    <p:sldId id="326" r:id="rId10"/>
+    <p:sldId id="327" r:id="rId11"/>
+    <p:sldId id="328" r:id="rId12"/>
+    <p:sldId id="329" r:id="rId13"/>
+    <p:sldId id="330" r:id="rId14"/>
+    <p:sldId id="332" r:id="rId15"/>
+    <p:sldId id="331" r:id="rId16"/>
+    <p:sldId id="333" r:id="rId17"/>
+    <p:sldId id="336" r:id="rId18"/>
+    <p:sldId id="341" r:id="rId19"/>
+    <p:sldId id="338" r:id="rId20"/>
+    <p:sldId id="335" r:id="rId21"/>
+    <p:sldId id="342" r:id="rId22"/>
+    <p:sldId id="343" r:id="rId23"/>
+    <p:sldId id="339" r:id="rId24"/>
+    <p:sldId id="344" r:id="rId25"/>
   </p:sldIdLst>
   <p:sldSz cx="12188825" cy="6858000"/>
   <p:notesSz cx="7010400" cy="9296400"/>
@@ -255,7 +275,7 @@
           <a:p>
             <a:fld id="{0B842F42-2CE9-4E35-95C1-410DC08A50B1}" type="datetimeFigureOut">
               <a:rPr lang="en-US" smtClean="0"/>
-              <a:t>7/10/2022</a:t>
+              <a:t>7/19/22</a:t>
             </a:fld>
             <a:endParaRPr lang="en-US"/>
           </a:p>
@@ -420,7 +440,7 @@
           <a:p>
             <a:fld id="{6F282904-F315-4730-8D91-37D99E141A6F}" type="datetimeFigureOut">
               <a:rPr lang="en-US" smtClean="0"/>
-              <a:t>7/10/2022</a:t>
+              <a:t>7/19/22</a:t>
             </a:fld>
             <a:endParaRPr lang="en-US"/>
           </a:p>
@@ -685,6 +705,1551 @@
     </a:lvl9pPr>
   </p:notesStyle>
 </p:notesMaster>
+</file>
+
+<file path=ppt/notesSlides/notesSlide1.xml><?xml version="1.0" encoding="utf-8"?>
+<p:notes xmlns:a="http://schemas.openxmlformats.org/drawingml/2006/main" xmlns:r="http://schemas.openxmlformats.org/officeDocument/2006/relationships" xmlns:p="http://schemas.openxmlformats.org/presentationml/2006/main">
+  <p:cSld>
+    <p:spTree>
+      <p:nvGrpSpPr>
+        <p:cNvPr id="1" name=""/>
+        <p:cNvGrpSpPr/>
+        <p:nvPr/>
+      </p:nvGrpSpPr>
+      <p:grpSpPr>
+        <a:xfrm>
+          <a:off x="0" y="0"/>
+          <a:ext cx="0" cy="0"/>
+          <a:chOff x="0" y="0"/>
+          <a:chExt cx="0" cy="0"/>
+        </a:xfrm>
+      </p:grpSpPr>
+      <p:sp>
+        <p:nvSpPr>
+          <p:cNvPr id="2" name="Slide Image Placeholder 1"/>
+          <p:cNvSpPr>
+            <a:spLocks noGrp="1" noRot="1" noChangeAspect="1"/>
+          </p:cNvSpPr>
+          <p:nvPr>
+            <p:ph type="sldImg"/>
+          </p:nvPr>
+        </p:nvSpPr>
+        <p:spPr/>
+      </p:sp>
+      <p:sp>
+        <p:nvSpPr>
+          <p:cNvPr id="3" name="Notes Placeholder 2"/>
+          <p:cNvSpPr>
+            <a:spLocks noGrp="1"/>
+          </p:cNvSpPr>
+          <p:nvPr>
+            <p:ph type="body" idx="1"/>
+          </p:nvPr>
+        </p:nvSpPr>
+        <p:spPr/>
+        <p:txBody>
+          <a:bodyPr/>
+          <a:lstStyle/>
+          <a:p>
+            <a:pPr marL="0" marR="0" lvl="0" indent="0" algn="l" defTabSz="914400" rtl="0" eaLnBrk="1" fontAlgn="auto" latinLnBrk="0" hangingPunct="1">
+              <a:lnSpc>
+                <a:spcPct val="100000"/>
+              </a:lnSpc>
+              <a:spcBef>
+                <a:spcPts val="0"/>
+              </a:spcBef>
+              <a:spcAft>
+                <a:spcPts val="0"/>
+              </a:spcAft>
+              <a:buClrTx/>
+              <a:buSzTx/>
+              <a:buFontTx/>
+              <a:buNone/>
+              <a:tabLst/>
+              <a:defRPr/>
+            </a:pPr>
+            <a:r>
+              <a:rPr lang="en-US" sz="1200" kern="1200" dirty="0">
+                <a:solidFill>
+                  <a:schemeClr val="tx1"/>
+                </a:solidFill>
+                <a:effectLst/>
+                <a:latin typeface="+mn-lt"/>
+                <a:ea typeface="+mn-ea"/>
+                <a:cs typeface="+mn-cs"/>
+              </a:rPr>
+              <a:t>This talk has grown from many interesting conversations that I have had with a variety of different computational sciences.  This includes different disciplines and different experience levels.  When I have these conversations, all parties generally tend to learn something.  This module will continue along those lines.  I am not here to convince anyone of anything.  I am not here to preach.  I am just here to present a novel experience.  Please ask me questions.  I will be direct and state strong opinions.  Therefore, please be direct and push back on some of these.</a:t>
+            </a:r>
+          </a:p>
+          <a:p>
+            <a:endParaRPr lang="en-US" dirty="0"/>
+          </a:p>
+        </p:txBody>
+      </p:sp>
+      <p:sp>
+        <p:nvSpPr>
+          <p:cNvPr id="4" name="Slide Number Placeholder 3"/>
+          <p:cNvSpPr>
+            <a:spLocks noGrp="1"/>
+          </p:cNvSpPr>
+          <p:nvPr>
+            <p:ph type="sldNum" sz="quarter" idx="5"/>
+          </p:nvPr>
+        </p:nvSpPr>
+        <p:spPr/>
+        <p:txBody>
+          <a:bodyPr/>
+          <a:lstStyle/>
+          <a:p>
+            <a:fld id="{54E672D7-8E2D-4611-973D-F4591A707C34}" type="slidenum">
+              <a:rPr lang="en-US" smtClean="0"/>
+              <a:t>3</a:t>
+            </a:fld>
+            <a:endParaRPr lang="en-US"/>
+          </a:p>
+        </p:txBody>
+      </p:sp>
+    </p:spTree>
+    <p:extLst>
+      <p:ext uri="{BB962C8B-B14F-4D97-AF65-F5344CB8AC3E}">
+        <p14:creationId xmlns:p14="http://schemas.microsoft.com/office/powerpoint/2010/main" val="1936705258"/>
+      </p:ext>
+    </p:extLst>
+  </p:cSld>
+  <p:clrMapOvr>
+    <a:masterClrMapping/>
+  </p:clrMapOvr>
+</p:notes>
+</file>
+
+<file path=ppt/notesSlides/notesSlide10.xml><?xml version="1.0" encoding="utf-8"?>
+<p:notes xmlns:a="http://schemas.openxmlformats.org/drawingml/2006/main" xmlns:r="http://schemas.openxmlformats.org/officeDocument/2006/relationships" xmlns:p="http://schemas.openxmlformats.org/presentationml/2006/main">
+  <p:cSld>
+    <p:spTree>
+      <p:nvGrpSpPr>
+        <p:cNvPr id="1" name=""/>
+        <p:cNvGrpSpPr/>
+        <p:nvPr/>
+      </p:nvGrpSpPr>
+      <p:grpSpPr>
+        <a:xfrm>
+          <a:off x="0" y="0"/>
+          <a:ext cx="0" cy="0"/>
+          <a:chOff x="0" y="0"/>
+          <a:chExt cx="0" cy="0"/>
+        </a:xfrm>
+      </p:grpSpPr>
+      <p:sp>
+        <p:nvSpPr>
+          <p:cNvPr id="2" name="Slide Image Placeholder 1"/>
+          <p:cNvSpPr>
+            <a:spLocks noGrp="1" noRot="1" noChangeAspect="1"/>
+          </p:cNvSpPr>
+          <p:nvPr>
+            <p:ph type="sldImg"/>
+          </p:nvPr>
+        </p:nvSpPr>
+        <p:spPr/>
+      </p:sp>
+      <p:sp>
+        <p:nvSpPr>
+          <p:cNvPr id="3" name="Notes Placeholder 2"/>
+          <p:cNvSpPr>
+            <a:spLocks noGrp="1"/>
+          </p:cNvSpPr>
+          <p:nvPr>
+            <p:ph type="body" idx="1"/>
+          </p:nvPr>
+        </p:nvSpPr>
+        <p:spPr/>
+        <p:txBody>
+          <a:bodyPr/>
+          <a:lstStyle/>
+          <a:p>
+            <a:r>
+              <a:rPr lang="en-US" dirty="0" err="1"/>
+              <a:t>Kanare’s</a:t>
+            </a:r>
+            <a:r>
+              <a:rPr lang="en-US" dirty="0"/>
+              <a:t> quote does not imply that we need to put in motivation, reasoning, conclusions.  The quote makes it sound more like a cookbook.  I like to expand that so that the content captures the state of my brain and my train of thought.  Then, rereading my notes helps me load that state into my brain.</a:t>
+            </a:r>
+          </a:p>
+        </p:txBody>
+      </p:sp>
+      <p:sp>
+        <p:nvSpPr>
+          <p:cNvPr id="4" name="Slide Number Placeholder 3"/>
+          <p:cNvSpPr>
+            <a:spLocks noGrp="1"/>
+          </p:cNvSpPr>
+          <p:nvPr>
+            <p:ph type="sldNum" sz="quarter" idx="5"/>
+          </p:nvPr>
+        </p:nvSpPr>
+        <p:spPr/>
+        <p:txBody>
+          <a:bodyPr/>
+          <a:lstStyle/>
+          <a:p>
+            <a:fld id="{54E672D7-8E2D-4611-973D-F4591A707C34}" type="slidenum">
+              <a:rPr lang="en-US" smtClean="0"/>
+              <a:t>15</a:t>
+            </a:fld>
+            <a:endParaRPr lang="en-US"/>
+          </a:p>
+        </p:txBody>
+      </p:sp>
+    </p:spTree>
+    <p:extLst>
+      <p:ext uri="{BB962C8B-B14F-4D97-AF65-F5344CB8AC3E}">
+        <p14:creationId xmlns:p14="http://schemas.microsoft.com/office/powerpoint/2010/main" val="2768668385"/>
+      </p:ext>
+    </p:extLst>
+  </p:cSld>
+  <p:clrMapOvr>
+    <a:masterClrMapping/>
+  </p:clrMapOvr>
+</p:notes>
+</file>
+
+<file path=ppt/notesSlides/notesSlide11.xml><?xml version="1.0" encoding="utf-8"?>
+<p:notes xmlns:a="http://schemas.openxmlformats.org/drawingml/2006/main" xmlns:r="http://schemas.openxmlformats.org/officeDocument/2006/relationships" xmlns:p="http://schemas.openxmlformats.org/presentationml/2006/main">
+  <p:cSld>
+    <p:spTree>
+      <p:nvGrpSpPr>
+        <p:cNvPr id="1" name=""/>
+        <p:cNvGrpSpPr/>
+        <p:nvPr/>
+      </p:nvGrpSpPr>
+      <p:grpSpPr>
+        <a:xfrm>
+          <a:off x="0" y="0"/>
+          <a:ext cx="0" cy="0"/>
+          <a:chOff x="0" y="0"/>
+          <a:chExt cx="0" cy="0"/>
+        </a:xfrm>
+      </p:grpSpPr>
+      <p:sp>
+        <p:nvSpPr>
+          <p:cNvPr id="2" name="Slide Image Placeholder 1"/>
+          <p:cNvSpPr>
+            <a:spLocks noGrp="1" noRot="1" noChangeAspect="1"/>
+          </p:cNvSpPr>
+          <p:nvPr>
+            <p:ph type="sldImg"/>
+          </p:nvPr>
+        </p:nvSpPr>
+        <p:spPr/>
+      </p:sp>
+      <p:sp>
+        <p:nvSpPr>
+          <p:cNvPr id="3" name="Notes Placeholder 2"/>
+          <p:cNvSpPr>
+            <a:spLocks noGrp="1"/>
+          </p:cNvSpPr>
+          <p:nvPr>
+            <p:ph type="body" idx="1"/>
+          </p:nvPr>
+        </p:nvSpPr>
+        <p:spPr/>
+        <p:txBody>
+          <a:bodyPr/>
+          <a:lstStyle/>
+          <a:p>
+            <a:r>
+              <a:rPr lang="en-US" dirty="0"/>
+              <a:t>The filtered lab notebook is from the instrument CRIRES+.  You have a team that has worked on the science verification and interfacing with public (user manual, tools), a team that works on data analysis pipelines (pipeline changes), a team that works on the hardware.  We can imagine that each team maintained a true lab notebook for their work.  These were then filtered and merged for the consumption by public.  </a:t>
+            </a:r>
+          </a:p>
+          <a:p>
+            <a:endParaRPr lang="en-US" dirty="0"/>
+          </a:p>
+          <a:p>
+            <a:r>
+              <a:rPr lang="en-US" dirty="0"/>
+              <a:t>The filtering should not be too strong as one cannot know what details are necessary for all the public scientists to do their work.</a:t>
+            </a:r>
+          </a:p>
+        </p:txBody>
+      </p:sp>
+      <p:sp>
+        <p:nvSpPr>
+          <p:cNvPr id="4" name="Slide Number Placeholder 3"/>
+          <p:cNvSpPr>
+            <a:spLocks noGrp="1"/>
+          </p:cNvSpPr>
+          <p:nvPr>
+            <p:ph type="sldNum" sz="quarter" idx="5"/>
+          </p:nvPr>
+        </p:nvSpPr>
+        <p:spPr/>
+        <p:txBody>
+          <a:bodyPr/>
+          <a:lstStyle/>
+          <a:p>
+            <a:fld id="{54E672D7-8E2D-4611-973D-F4591A707C34}" type="slidenum">
+              <a:rPr lang="en-US" smtClean="0"/>
+              <a:t>16</a:t>
+            </a:fld>
+            <a:endParaRPr lang="en-US"/>
+          </a:p>
+        </p:txBody>
+      </p:sp>
+    </p:spTree>
+    <p:extLst>
+      <p:ext uri="{BB962C8B-B14F-4D97-AF65-F5344CB8AC3E}">
+        <p14:creationId xmlns:p14="http://schemas.microsoft.com/office/powerpoint/2010/main" val="2213378732"/>
+      </p:ext>
+    </p:extLst>
+  </p:cSld>
+  <p:clrMapOvr>
+    <a:masterClrMapping/>
+  </p:clrMapOvr>
+</p:notes>
+</file>
+
+<file path=ppt/notesSlides/notesSlide12.xml><?xml version="1.0" encoding="utf-8"?>
+<p:notes xmlns:a="http://schemas.openxmlformats.org/drawingml/2006/main" xmlns:r="http://schemas.openxmlformats.org/officeDocument/2006/relationships" xmlns:p="http://schemas.openxmlformats.org/presentationml/2006/main">
+  <p:cSld>
+    <p:spTree>
+      <p:nvGrpSpPr>
+        <p:cNvPr id="1" name=""/>
+        <p:cNvGrpSpPr/>
+        <p:nvPr/>
+      </p:nvGrpSpPr>
+      <p:grpSpPr>
+        <a:xfrm>
+          <a:off x="0" y="0"/>
+          <a:ext cx="0" cy="0"/>
+          <a:chOff x="0" y="0"/>
+          <a:chExt cx="0" cy="0"/>
+        </a:xfrm>
+      </p:grpSpPr>
+      <p:sp>
+        <p:nvSpPr>
+          <p:cNvPr id="2" name="Slide Image Placeholder 1"/>
+          <p:cNvSpPr>
+            <a:spLocks noGrp="1" noRot="1" noChangeAspect="1"/>
+          </p:cNvSpPr>
+          <p:nvPr>
+            <p:ph type="sldImg"/>
+          </p:nvPr>
+        </p:nvSpPr>
+        <p:spPr/>
+      </p:sp>
+      <p:sp>
+        <p:nvSpPr>
+          <p:cNvPr id="3" name="Notes Placeholder 2"/>
+          <p:cNvSpPr>
+            <a:spLocks noGrp="1"/>
+          </p:cNvSpPr>
+          <p:nvPr>
+            <p:ph type="body" idx="1"/>
+          </p:nvPr>
+        </p:nvSpPr>
+        <p:spPr/>
+        <p:txBody>
+          <a:bodyPr/>
+          <a:lstStyle/>
+          <a:p>
+            <a:r>
+              <a:rPr lang="en-US" dirty="0"/>
+              <a:t>Ask if any of the attendees ever sensed in their gut that things were not being done sufficiently cleanly or well.  Does this notion of inventing techniques resonate with them?  Have you reinvented the wheel?</a:t>
+            </a:r>
+          </a:p>
+          <a:p>
+            <a:endParaRPr lang="en-US" dirty="0"/>
+          </a:p>
+          <a:p>
+            <a:r>
+              <a:rPr lang="en-US" dirty="0"/>
+              <a:t>Is this surprising to anyone?  Does anyone already use something akin to a lab notebook?</a:t>
+            </a:r>
+          </a:p>
+        </p:txBody>
+      </p:sp>
+      <p:sp>
+        <p:nvSpPr>
+          <p:cNvPr id="4" name="Slide Number Placeholder 3"/>
+          <p:cNvSpPr>
+            <a:spLocks noGrp="1"/>
+          </p:cNvSpPr>
+          <p:nvPr>
+            <p:ph type="sldNum" sz="quarter" idx="5"/>
+          </p:nvPr>
+        </p:nvSpPr>
+        <p:spPr/>
+        <p:txBody>
+          <a:bodyPr/>
+          <a:lstStyle/>
+          <a:p>
+            <a:fld id="{54E672D7-8E2D-4611-973D-F4591A707C34}" type="slidenum">
+              <a:rPr lang="en-US" smtClean="0"/>
+              <a:t>17</a:t>
+            </a:fld>
+            <a:endParaRPr lang="en-US"/>
+          </a:p>
+        </p:txBody>
+      </p:sp>
+    </p:spTree>
+    <p:extLst>
+      <p:ext uri="{BB962C8B-B14F-4D97-AF65-F5344CB8AC3E}">
+        <p14:creationId xmlns:p14="http://schemas.microsoft.com/office/powerpoint/2010/main" val="3785804979"/>
+      </p:ext>
+    </p:extLst>
+  </p:cSld>
+  <p:clrMapOvr>
+    <a:masterClrMapping/>
+  </p:clrMapOvr>
+</p:notes>
+</file>
+
+<file path=ppt/notesSlides/notesSlide13.xml><?xml version="1.0" encoding="utf-8"?>
+<p:notes xmlns:a="http://schemas.openxmlformats.org/drawingml/2006/main" xmlns:r="http://schemas.openxmlformats.org/officeDocument/2006/relationships" xmlns:p="http://schemas.openxmlformats.org/presentationml/2006/main">
+  <p:cSld>
+    <p:spTree>
+      <p:nvGrpSpPr>
+        <p:cNvPr id="1" name=""/>
+        <p:cNvGrpSpPr/>
+        <p:nvPr/>
+      </p:nvGrpSpPr>
+      <p:grpSpPr>
+        <a:xfrm>
+          <a:off x="0" y="0"/>
+          <a:ext cx="0" cy="0"/>
+          <a:chOff x="0" y="0"/>
+          <a:chExt cx="0" cy="0"/>
+        </a:xfrm>
+      </p:grpSpPr>
+      <p:sp>
+        <p:nvSpPr>
+          <p:cNvPr id="2" name="Slide Image Placeholder 1"/>
+          <p:cNvSpPr>
+            <a:spLocks noGrp="1" noRot="1" noChangeAspect="1"/>
+          </p:cNvSpPr>
+          <p:nvPr>
+            <p:ph type="sldImg"/>
+          </p:nvPr>
+        </p:nvSpPr>
+        <p:spPr/>
+      </p:sp>
+      <p:sp>
+        <p:nvSpPr>
+          <p:cNvPr id="3" name="Notes Placeholder 2"/>
+          <p:cNvSpPr>
+            <a:spLocks noGrp="1"/>
+          </p:cNvSpPr>
+          <p:nvPr>
+            <p:ph type="body" idx="1"/>
+          </p:nvPr>
+        </p:nvSpPr>
+        <p:spPr/>
+        <p:txBody>
+          <a:bodyPr/>
+          <a:lstStyle/>
+          <a:p>
+            <a:r>
+              <a:rPr lang="en-US" dirty="0"/>
+              <a:t>Let’s me concentrate on the work </a:t>
+            </a:r>
+          </a:p>
+        </p:txBody>
+      </p:sp>
+      <p:sp>
+        <p:nvSpPr>
+          <p:cNvPr id="4" name="Slide Number Placeholder 3"/>
+          <p:cNvSpPr>
+            <a:spLocks noGrp="1"/>
+          </p:cNvSpPr>
+          <p:nvPr>
+            <p:ph type="sldNum" sz="quarter" idx="5"/>
+          </p:nvPr>
+        </p:nvSpPr>
+        <p:spPr/>
+        <p:txBody>
+          <a:bodyPr/>
+          <a:lstStyle/>
+          <a:p>
+            <a:fld id="{54E672D7-8E2D-4611-973D-F4591A707C34}" type="slidenum">
+              <a:rPr lang="en-US" smtClean="0"/>
+              <a:t>18</a:t>
+            </a:fld>
+            <a:endParaRPr lang="en-US"/>
+          </a:p>
+        </p:txBody>
+      </p:sp>
+    </p:spTree>
+    <p:extLst>
+      <p:ext uri="{BB962C8B-B14F-4D97-AF65-F5344CB8AC3E}">
+        <p14:creationId xmlns:p14="http://schemas.microsoft.com/office/powerpoint/2010/main" val="2021161080"/>
+      </p:ext>
+    </p:extLst>
+  </p:cSld>
+  <p:clrMapOvr>
+    <a:masterClrMapping/>
+  </p:clrMapOvr>
+</p:notes>
+</file>
+
+<file path=ppt/notesSlides/notesSlide14.xml><?xml version="1.0" encoding="utf-8"?>
+<p:notes xmlns:a="http://schemas.openxmlformats.org/drawingml/2006/main" xmlns:r="http://schemas.openxmlformats.org/officeDocument/2006/relationships" xmlns:p="http://schemas.openxmlformats.org/presentationml/2006/main">
+  <p:cSld>
+    <p:spTree>
+      <p:nvGrpSpPr>
+        <p:cNvPr id="1" name=""/>
+        <p:cNvGrpSpPr/>
+        <p:nvPr/>
+      </p:nvGrpSpPr>
+      <p:grpSpPr>
+        <a:xfrm>
+          <a:off x="0" y="0"/>
+          <a:ext cx="0" cy="0"/>
+          <a:chOff x="0" y="0"/>
+          <a:chExt cx="0" cy="0"/>
+        </a:xfrm>
+      </p:grpSpPr>
+      <p:sp>
+        <p:nvSpPr>
+          <p:cNvPr id="2" name="Slide Image Placeholder 1"/>
+          <p:cNvSpPr>
+            <a:spLocks noGrp="1" noRot="1" noChangeAspect="1"/>
+          </p:cNvSpPr>
+          <p:nvPr>
+            <p:ph type="sldImg"/>
+          </p:nvPr>
+        </p:nvSpPr>
+        <p:spPr/>
+      </p:sp>
+      <p:sp>
+        <p:nvSpPr>
+          <p:cNvPr id="3" name="Notes Placeholder 2"/>
+          <p:cNvSpPr>
+            <a:spLocks noGrp="1"/>
+          </p:cNvSpPr>
+          <p:nvPr>
+            <p:ph type="body" idx="1"/>
+          </p:nvPr>
+        </p:nvSpPr>
+        <p:spPr/>
+        <p:txBody>
+          <a:bodyPr/>
+          <a:lstStyle/>
+          <a:p>
+            <a:r>
+              <a:rPr lang="en-US" dirty="0"/>
+              <a:t>I have tried playing around with multiple different non-ELN tools to adapt them to my needs.  To date, Microsoft OneNote was the closest to what I expect and need, but still fell short.</a:t>
+            </a:r>
+          </a:p>
+          <a:p>
+            <a:endParaRPr lang="en-US" dirty="0"/>
+          </a:p>
+          <a:p>
+            <a:r>
+              <a:rPr lang="en-US" dirty="0"/>
+              <a:t>I, and I have seen others, end up jumping around, which might work if done well, but could make life harder.</a:t>
+            </a:r>
+          </a:p>
+        </p:txBody>
+      </p:sp>
+      <p:sp>
+        <p:nvSpPr>
+          <p:cNvPr id="4" name="Slide Number Placeholder 3"/>
+          <p:cNvSpPr>
+            <a:spLocks noGrp="1"/>
+          </p:cNvSpPr>
+          <p:nvPr>
+            <p:ph type="sldNum" sz="quarter" idx="5"/>
+          </p:nvPr>
+        </p:nvSpPr>
+        <p:spPr/>
+        <p:txBody>
+          <a:bodyPr/>
+          <a:lstStyle/>
+          <a:p>
+            <a:fld id="{54E672D7-8E2D-4611-973D-F4591A707C34}" type="slidenum">
+              <a:rPr lang="en-US" smtClean="0"/>
+              <a:t>19</a:t>
+            </a:fld>
+            <a:endParaRPr lang="en-US"/>
+          </a:p>
+        </p:txBody>
+      </p:sp>
+    </p:spTree>
+    <p:extLst>
+      <p:ext uri="{BB962C8B-B14F-4D97-AF65-F5344CB8AC3E}">
+        <p14:creationId xmlns:p14="http://schemas.microsoft.com/office/powerpoint/2010/main" val="3675372732"/>
+      </p:ext>
+    </p:extLst>
+  </p:cSld>
+  <p:clrMapOvr>
+    <a:masterClrMapping/>
+  </p:clrMapOvr>
+</p:notes>
+</file>
+
+<file path=ppt/notesSlides/notesSlide15.xml><?xml version="1.0" encoding="utf-8"?>
+<p:notes xmlns:a="http://schemas.openxmlformats.org/drawingml/2006/main" xmlns:r="http://schemas.openxmlformats.org/officeDocument/2006/relationships" xmlns:p="http://schemas.openxmlformats.org/presentationml/2006/main">
+  <p:cSld>
+    <p:spTree>
+      <p:nvGrpSpPr>
+        <p:cNvPr id="1" name=""/>
+        <p:cNvGrpSpPr/>
+        <p:nvPr/>
+      </p:nvGrpSpPr>
+      <p:grpSpPr>
+        <a:xfrm>
+          <a:off x="0" y="0"/>
+          <a:ext cx="0" cy="0"/>
+          <a:chOff x="0" y="0"/>
+          <a:chExt cx="0" cy="0"/>
+        </a:xfrm>
+      </p:grpSpPr>
+      <p:sp>
+        <p:nvSpPr>
+          <p:cNvPr id="2" name="Slide Image Placeholder 1"/>
+          <p:cNvSpPr>
+            <a:spLocks noGrp="1" noRot="1" noChangeAspect="1"/>
+          </p:cNvSpPr>
+          <p:nvPr>
+            <p:ph type="sldImg"/>
+          </p:nvPr>
+        </p:nvSpPr>
+        <p:spPr/>
+      </p:sp>
+      <p:sp>
+        <p:nvSpPr>
+          <p:cNvPr id="3" name="Notes Placeholder 2"/>
+          <p:cNvSpPr>
+            <a:spLocks noGrp="1"/>
+          </p:cNvSpPr>
+          <p:nvPr>
+            <p:ph type="body" idx="1"/>
+          </p:nvPr>
+        </p:nvSpPr>
+        <p:spPr/>
+        <p:txBody>
+          <a:bodyPr/>
+          <a:lstStyle/>
+          <a:p>
+            <a:r>
+              <a:rPr lang="en-US" dirty="0"/>
+              <a:t>If we scatter notes across multiple tools, how do we and should we be able to combine them into something that looks like an actual lab notebook?</a:t>
+            </a:r>
+          </a:p>
+          <a:p>
+            <a:endParaRPr lang="en-US" dirty="0"/>
+          </a:p>
+          <a:p>
+            <a:r>
+              <a:rPr lang="en-US" dirty="0"/>
+              <a:t>I would imagine that many developers would say that this commit message is not great.</a:t>
+            </a:r>
+          </a:p>
+          <a:p>
+            <a:endParaRPr lang="en-US" dirty="0"/>
+          </a:p>
+          <a:p>
+            <a:r>
+              <a:rPr lang="en-US" dirty="0"/>
+              <a:t>The git commit message is not just about recording changes.  I want it to encapsulate the state of my brain a bit so that I can reload it into my brain if I need to study or revisit the commit.  If I’m hunting for a bug, I want to know how I tested code to understand how a bug was undetected.  These messages can also help me design a set of manual testing in the future.  Therefore, this is as much of a communication to other developers as it is a communication to myself.</a:t>
+            </a:r>
+          </a:p>
+          <a:p>
+            <a:endParaRPr lang="en-US" dirty="0"/>
+          </a:p>
+          <a:p>
+            <a:r>
+              <a:rPr lang="en-US" dirty="0"/>
+              <a:t>Rereading my commit messages as a first part of a code review helps me load the chronology and the big picture.</a:t>
+            </a:r>
+          </a:p>
+        </p:txBody>
+      </p:sp>
+      <p:sp>
+        <p:nvSpPr>
+          <p:cNvPr id="4" name="Slide Number Placeholder 3"/>
+          <p:cNvSpPr>
+            <a:spLocks noGrp="1"/>
+          </p:cNvSpPr>
+          <p:nvPr>
+            <p:ph type="sldNum" sz="quarter" idx="5"/>
+          </p:nvPr>
+        </p:nvSpPr>
+        <p:spPr/>
+        <p:txBody>
+          <a:bodyPr/>
+          <a:lstStyle/>
+          <a:p>
+            <a:fld id="{54E672D7-8E2D-4611-973D-F4591A707C34}" type="slidenum">
+              <a:rPr lang="en-US" smtClean="0"/>
+              <a:t>20</a:t>
+            </a:fld>
+            <a:endParaRPr lang="en-US"/>
+          </a:p>
+        </p:txBody>
+      </p:sp>
+    </p:spTree>
+    <p:extLst>
+      <p:ext uri="{BB962C8B-B14F-4D97-AF65-F5344CB8AC3E}">
+        <p14:creationId xmlns:p14="http://schemas.microsoft.com/office/powerpoint/2010/main" val="1908684428"/>
+      </p:ext>
+    </p:extLst>
+  </p:cSld>
+  <p:clrMapOvr>
+    <a:masterClrMapping/>
+  </p:clrMapOvr>
+</p:notes>
+</file>
+
+<file path=ppt/notesSlides/notesSlide2.xml><?xml version="1.0" encoding="utf-8"?>
+<p:notes xmlns:a="http://schemas.openxmlformats.org/drawingml/2006/main" xmlns:r="http://schemas.openxmlformats.org/officeDocument/2006/relationships" xmlns:p="http://schemas.openxmlformats.org/presentationml/2006/main">
+  <p:cSld>
+    <p:spTree>
+      <p:nvGrpSpPr>
+        <p:cNvPr id="1" name=""/>
+        <p:cNvGrpSpPr/>
+        <p:nvPr/>
+      </p:nvGrpSpPr>
+      <p:grpSpPr>
+        <a:xfrm>
+          <a:off x="0" y="0"/>
+          <a:ext cx="0" cy="0"/>
+          <a:chOff x="0" y="0"/>
+          <a:chExt cx="0" cy="0"/>
+        </a:xfrm>
+      </p:grpSpPr>
+      <p:sp>
+        <p:nvSpPr>
+          <p:cNvPr id="2" name="Slide Image Placeholder 1"/>
+          <p:cNvSpPr>
+            <a:spLocks noGrp="1" noRot="1" noChangeAspect="1"/>
+          </p:cNvSpPr>
+          <p:nvPr>
+            <p:ph type="sldImg"/>
+          </p:nvPr>
+        </p:nvSpPr>
+        <p:spPr/>
+      </p:sp>
+      <p:sp>
+        <p:nvSpPr>
+          <p:cNvPr id="3" name="Notes Placeholder 2"/>
+          <p:cNvSpPr>
+            <a:spLocks noGrp="1"/>
+          </p:cNvSpPr>
+          <p:nvPr>
+            <p:ph type="body" idx="1"/>
+          </p:nvPr>
+        </p:nvSpPr>
+        <p:spPr/>
+        <p:txBody>
+          <a:bodyPr/>
+          <a:lstStyle/>
+          <a:p>
+            <a:pPr marL="171450" indent="-171450">
+              <a:buFont typeface="Arial" panose="020B0604020202020204" pitchFamily="34" charset="0"/>
+              <a:buChar char="•"/>
+            </a:pPr>
+            <a:r>
+              <a:rPr lang="en-US" dirty="0"/>
+              <a:t>Physics was mostly about designing, constructing, all aspects of scientific data including data analysis.</a:t>
+            </a:r>
+          </a:p>
+          <a:p>
+            <a:pPr marL="171450" indent="-171450">
+              <a:buFont typeface="Arial" panose="020B0604020202020204" pitchFamily="34" charset="0"/>
+              <a:buChar char="•"/>
+            </a:pPr>
+            <a:endParaRPr lang="en-US" dirty="0"/>
+          </a:p>
+          <a:p>
+            <a:pPr marL="0" marR="0" lvl="0" indent="0" algn="l" defTabSz="914400" rtl="0" eaLnBrk="1" fontAlgn="auto" latinLnBrk="0" hangingPunct="1">
+              <a:lnSpc>
+                <a:spcPct val="100000"/>
+              </a:lnSpc>
+              <a:spcBef>
+                <a:spcPts val="0"/>
+              </a:spcBef>
+              <a:spcAft>
+                <a:spcPts val="0"/>
+              </a:spcAft>
+              <a:buClrTx/>
+              <a:buSzTx/>
+              <a:buFontTx/>
+              <a:buNone/>
+              <a:tabLst/>
+              <a:defRPr/>
+            </a:pPr>
+            <a:r>
+              <a:rPr lang="en-US" dirty="0"/>
+              <a:t>* Observatory was working to ensure high-quality results with full context so that public can do science</a:t>
+            </a:r>
+          </a:p>
+          <a:p>
+            <a:endParaRPr lang="en-US" dirty="0"/>
+          </a:p>
+          <a:p>
+            <a:pPr marL="171450" indent="-171450">
+              <a:buFont typeface="Arial" panose="020B0604020202020204" pitchFamily="34" charset="0"/>
+              <a:buChar char="•"/>
+            </a:pPr>
+            <a:r>
+              <a:rPr lang="en-US" dirty="0"/>
+              <a:t>While my experimental background was closer to R&amp;D, the laboratory work was clearly more about operations - Paranal is a science factory.  This is different in some ways, very rigorous, and at a very large scale.  To adapt ideas/tips/tricks/tools for observatory, there needs to be some simplification.</a:t>
+            </a:r>
+          </a:p>
+          <a:p>
+            <a:pPr marL="171450" indent="-171450">
+              <a:buFont typeface="Arial" panose="020B0604020202020204" pitchFamily="34" charset="0"/>
+              <a:buChar char="•"/>
+            </a:pPr>
+            <a:endParaRPr lang="en-US" dirty="0"/>
+          </a:p>
+          <a:p>
+            <a:pPr marL="171450" marR="0" lvl="0" indent="-171450" algn="l" defTabSz="914400" rtl="0" eaLnBrk="1" fontAlgn="auto" latinLnBrk="0" hangingPunct="1">
+              <a:lnSpc>
+                <a:spcPct val="100000"/>
+              </a:lnSpc>
+              <a:spcBef>
+                <a:spcPts val="0"/>
+              </a:spcBef>
+              <a:spcAft>
+                <a:spcPts val="0"/>
+              </a:spcAft>
+              <a:buClrTx/>
+              <a:buSzTx/>
+              <a:buFont typeface="Arial" panose="020B0604020202020204" pitchFamily="34" charset="0"/>
+              <a:buChar char="•"/>
+              <a:tabLst/>
+              <a:defRPr/>
+            </a:pPr>
+            <a:r>
+              <a:rPr lang="en-US" dirty="0"/>
+              <a:t>Part of working on scientific instrumentation is understanding how the data is generated and therefore understanding how to correctly and rigorously </a:t>
+            </a:r>
+            <a:r>
+              <a:rPr lang="en-US" dirty="0" err="1"/>
+              <a:t>analyse</a:t>
+            </a:r>
+            <a:r>
+              <a:rPr lang="en-US" dirty="0"/>
+              <a:t> data and draw conclusions from data.</a:t>
+            </a:r>
+          </a:p>
+          <a:p>
+            <a:pPr marL="171450" indent="-171450">
+              <a:buFont typeface="Arial" panose="020B0604020202020204" pitchFamily="34" charset="0"/>
+              <a:buChar char="•"/>
+            </a:pPr>
+            <a:endParaRPr lang="en-US" dirty="0"/>
+          </a:p>
+          <a:p>
+            <a:pPr marL="171450" marR="0" lvl="0" indent="-171450" algn="l" defTabSz="914400" rtl="0" eaLnBrk="1" fontAlgn="auto" latinLnBrk="0" hangingPunct="1">
+              <a:lnSpc>
+                <a:spcPct val="100000"/>
+              </a:lnSpc>
+              <a:spcBef>
+                <a:spcPts val="0"/>
+              </a:spcBef>
+              <a:spcAft>
+                <a:spcPts val="0"/>
+              </a:spcAft>
+              <a:buClrTx/>
+              <a:buSzTx/>
+              <a:buFont typeface="Arial" panose="020B0604020202020204" pitchFamily="34" charset="0"/>
+              <a:buChar char="•"/>
+              <a:tabLst/>
+              <a:defRPr/>
+            </a:pPr>
+            <a:r>
+              <a:rPr lang="en-US" dirty="0"/>
+              <a:t>Emphasize that implicit in this is my belief that developing scientific software is developing a scientific instrument.  How many people share this view?  If not, how do people view their software and how they use it?</a:t>
+            </a:r>
+          </a:p>
+          <a:p>
+            <a:pPr marL="171450" indent="-171450">
+              <a:buFont typeface="Arial" panose="020B0604020202020204" pitchFamily="34" charset="0"/>
+              <a:buChar char="•"/>
+            </a:pPr>
+            <a:endParaRPr lang="en-US" dirty="0"/>
+          </a:p>
+        </p:txBody>
+      </p:sp>
+      <p:sp>
+        <p:nvSpPr>
+          <p:cNvPr id="4" name="Slide Number Placeholder 3"/>
+          <p:cNvSpPr>
+            <a:spLocks noGrp="1"/>
+          </p:cNvSpPr>
+          <p:nvPr>
+            <p:ph type="sldNum" sz="quarter" idx="5"/>
+          </p:nvPr>
+        </p:nvSpPr>
+        <p:spPr/>
+        <p:txBody>
+          <a:bodyPr/>
+          <a:lstStyle/>
+          <a:p>
+            <a:fld id="{54E672D7-8E2D-4611-973D-F4591A707C34}" type="slidenum">
+              <a:rPr lang="en-US" smtClean="0"/>
+              <a:t>4</a:t>
+            </a:fld>
+            <a:endParaRPr lang="en-US"/>
+          </a:p>
+        </p:txBody>
+      </p:sp>
+    </p:spTree>
+    <p:extLst>
+      <p:ext uri="{BB962C8B-B14F-4D97-AF65-F5344CB8AC3E}">
+        <p14:creationId xmlns:p14="http://schemas.microsoft.com/office/powerpoint/2010/main" val="795729674"/>
+      </p:ext>
+    </p:extLst>
+  </p:cSld>
+  <p:clrMapOvr>
+    <a:masterClrMapping/>
+  </p:clrMapOvr>
+</p:notes>
+</file>
+
+<file path=ppt/notesSlides/notesSlide3.xml><?xml version="1.0" encoding="utf-8"?>
+<p:notes xmlns:a="http://schemas.openxmlformats.org/drawingml/2006/main" xmlns:r="http://schemas.openxmlformats.org/officeDocument/2006/relationships" xmlns:p="http://schemas.openxmlformats.org/presentationml/2006/main">
+  <p:cSld>
+    <p:spTree>
+      <p:nvGrpSpPr>
+        <p:cNvPr id="1" name=""/>
+        <p:cNvGrpSpPr/>
+        <p:nvPr/>
+      </p:nvGrpSpPr>
+      <p:grpSpPr>
+        <a:xfrm>
+          <a:off x="0" y="0"/>
+          <a:ext cx="0" cy="0"/>
+          <a:chOff x="0" y="0"/>
+          <a:chExt cx="0" cy="0"/>
+        </a:xfrm>
+      </p:grpSpPr>
+      <p:sp>
+        <p:nvSpPr>
+          <p:cNvPr id="2" name="Slide Image Placeholder 1"/>
+          <p:cNvSpPr>
+            <a:spLocks noGrp="1" noRot="1" noChangeAspect="1"/>
+          </p:cNvSpPr>
+          <p:nvPr>
+            <p:ph type="sldImg"/>
+          </p:nvPr>
+        </p:nvSpPr>
+        <p:spPr/>
+      </p:sp>
+      <p:sp>
+        <p:nvSpPr>
+          <p:cNvPr id="3" name="Notes Placeholder 2"/>
+          <p:cNvSpPr>
+            <a:spLocks noGrp="1"/>
+          </p:cNvSpPr>
+          <p:nvPr>
+            <p:ph type="body" idx="1"/>
+          </p:nvPr>
+        </p:nvSpPr>
+        <p:spPr/>
+        <p:txBody>
+          <a:bodyPr/>
+          <a:lstStyle/>
+          <a:p>
+            <a:r>
+              <a:rPr lang="en-US" dirty="0"/>
+              <a:t>Point out that if they search for this, they will find many pages.  Those pages have changed over time.  For instance, I often times no longer see understanding included.  I don’t know much beyond this classification, but find the classification to be quite useful.</a:t>
+            </a:r>
+          </a:p>
+        </p:txBody>
+      </p:sp>
+      <p:sp>
+        <p:nvSpPr>
+          <p:cNvPr id="4" name="Slide Number Placeholder 3"/>
+          <p:cNvSpPr>
+            <a:spLocks noGrp="1"/>
+          </p:cNvSpPr>
+          <p:nvPr>
+            <p:ph type="sldNum" sz="quarter" idx="5"/>
+          </p:nvPr>
+        </p:nvSpPr>
+        <p:spPr/>
+        <p:txBody>
+          <a:bodyPr/>
+          <a:lstStyle/>
+          <a:p>
+            <a:fld id="{54E672D7-8E2D-4611-973D-F4591A707C34}" type="slidenum">
+              <a:rPr lang="en-US" smtClean="0"/>
+              <a:t>5</a:t>
+            </a:fld>
+            <a:endParaRPr lang="en-US"/>
+          </a:p>
+        </p:txBody>
+      </p:sp>
+    </p:spTree>
+    <p:extLst>
+      <p:ext uri="{BB962C8B-B14F-4D97-AF65-F5344CB8AC3E}">
+        <p14:creationId xmlns:p14="http://schemas.microsoft.com/office/powerpoint/2010/main" val="2958482426"/>
+      </p:ext>
+    </p:extLst>
+  </p:cSld>
+  <p:clrMapOvr>
+    <a:masterClrMapping/>
+  </p:clrMapOvr>
+</p:notes>
+</file>
+
+<file path=ppt/notesSlides/notesSlide4.xml><?xml version="1.0" encoding="utf-8"?>
+<p:notes xmlns:a="http://schemas.openxmlformats.org/drawingml/2006/main" xmlns:r="http://schemas.openxmlformats.org/officeDocument/2006/relationships" xmlns:p="http://schemas.openxmlformats.org/presentationml/2006/main">
+  <p:cSld>
+    <p:spTree>
+      <p:nvGrpSpPr>
+        <p:cNvPr id="1" name=""/>
+        <p:cNvGrpSpPr/>
+        <p:nvPr/>
+      </p:nvGrpSpPr>
+      <p:grpSpPr>
+        <a:xfrm>
+          <a:off x="0" y="0"/>
+          <a:ext cx="0" cy="0"/>
+          <a:chOff x="0" y="0"/>
+          <a:chExt cx="0" cy="0"/>
+        </a:xfrm>
+      </p:grpSpPr>
+      <p:sp>
+        <p:nvSpPr>
+          <p:cNvPr id="2" name="Slide Image Placeholder 1"/>
+          <p:cNvSpPr>
+            <a:spLocks noGrp="1" noRot="1" noChangeAspect="1"/>
+          </p:cNvSpPr>
+          <p:nvPr>
+            <p:ph type="sldImg"/>
+          </p:nvPr>
+        </p:nvSpPr>
+        <p:spPr/>
+      </p:sp>
+      <p:sp>
+        <p:nvSpPr>
+          <p:cNvPr id="3" name="Notes Placeholder 2"/>
+          <p:cNvSpPr>
+            <a:spLocks noGrp="1"/>
+          </p:cNvSpPr>
+          <p:nvPr>
+            <p:ph type="body" idx="1"/>
+          </p:nvPr>
+        </p:nvSpPr>
+        <p:spPr/>
+        <p:txBody>
+          <a:bodyPr/>
+          <a:lstStyle/>
+          <a:p>
+            <a:r>
+              <a:rPr lang="en-US" dirty="0"/>
+              <a:t>Information</a:t>
+            </a:r>
+          </a:p>
+        </p:txBody>
+      </p:sp>
+      <p:sp>
+        <p:nvSpPr>
+          <p:cNvPr id="4" name="Slide Number Placeholder 3"/>
+          <p:cNvSpPr>
+            <a:spLocks noGrp="1"/>
+          </p:cNvSpPr>
+          <p:nvPr>
+            <p:ph type="sldNum" sz="quarter" idx="5"/>
+          </p:nvPr>
+        </p:nvSpPr>
+        <p:spPr/>
+        <p:txBody>
+          <a:bodyPr/>
+          <a:lstStyle/>
+          <a:p>
+            <a:fld id="{54E672D7-8E2D-4611-973D-F4591A707C34}" type="slidenum">
+              <a:rPr lang="en-US" smtClean="0"/>
+              <a:t>6</a:t>
+            </a:fld>
+            <a:endParaRPr lang="en-US"/>
+          </a:p>
+        </p:txBody>
+      </p:sp>
+    </p:spTree>
+    <p:extLst>
+      <p:ext uri="{BB962C8B-B14F-4D97-AF65-F5344CB8AC3E}">
+        <p14:creationId xmlns:p14="http://schemas.microsoft.com/office/powerpoint/2010/main" val="720366741"/>
+      </p:ext>
+    </p:extLst>
+  </p:cSld>
+  <p:clrMapOvr>
+    <a:masterClrMapping/>
+  </p:clrMapOvr>
+</p:notes>
+</file>
+
+<file path=ppt/notesSlides/notesSlide5.xml><?xml version="1.0" encoding="utf-8"?>
+<p:notes xmlns:a="http://schemas.openxmlformats.org/drawingml/2006/main" xmlns:r="http://schemas.openxmlformats.org/officeDocument/2006/relationships" xmlns:p="http://schemas.openxmlformats.org/presentationml/2006/main">
+  <p:cSld>
+    <p:spTree>
+      <p:nvGrpSpPr>
+        <p:cNvPr id="1" name=""/>
+        <p:cNvGrpSpPr/>
+        <p:nvPr/>
+      </p:nvGrpSpPr>
+      <p:grpSpPr>
+        <a:xfrm>
+          <a:off x="0" y="0"/>
+          <a:ext cx="0" cy="0"/>
+          <a:chOff x="0" y="0"/>
+          <a:chExt cx="0" cy="0"/>
+        </a:xfrm>
+      </p:grpSpPr>
+      <p:sp>
+        <p:nvSpPr>
+          <p:cNvPr id="2" name="Slide Image Placeholder 1"/>
+          <p:cNvSpPr>
+            <a:spLocks noGrp="1" noRot="1" noChangeAspect="1"/>
+          </p:cNvSpPr>
+          <p:nvPr>
+            <p:ph type="sldImg"/>
+          </p:nvPr>
+        </p:nvSpPr>
+        <p:spPr/>
+      </p:sp>
+      <p:sp>
+        <p:nvSpPr>
+          <p:cNvPr id="3" name="Notes Placeholder 2"/>
+          <p:cNvSpPr>
+            <a:spLocks noGrp="1"/>
+          </p:cNvSpPr>
+          <p:nvPr>
+            <p:ph type="body" idx="1"/>
+          </p:nvPr>
+        </p:nvSpPr>
+        <p:spPr/>
+        <p:txBody>
+          <a:bodyPr/>
+          <a:lstStyle/>
+          <a:p>
+            <a:r>
+              <a:rPr lang="en-US" dirty="0"/>
+              <a:t>I didn’t use the given timeseries information to derive this knowledge.  Someone with understanding of meteorology did they have a deep understanding derived from years of study and experience. However, that person presented and communicated the knowledge for consumption by those without understanding.</a:t>
+            </a:r>
+          </a:p>
+          <a:p>
+            <a:endParaRPr lang="en-US" dirty="0"/>
+          </a:p>
+          <a:p>
+            <a:r>
+              <a:rPr lang="en-US" dirty="0"/>
+              <a:t>When you go to school, are your teachers and professors putting understanding in your head or do they share knowledge and create an environment in which one can generate understanding.  When you read the internet are you gaining knowledge of understanding?</a:t>
+            </a:r>
+          </a:p>
+          <a:p>
+            <a:endParaRPr lang="en-US" dirty="0"/>
+          </a:p>
+          <a:p>
+            <a:r>
+              <a:rPr lang="en-US" dirty="0"/>
+              <a:t>Understanding is built on the shoulders of giants.  You read an article that helps you generate understanding.  But the author of that article generated it from understanding he developed from taking classes with </a:t>
+            </a:r>
+            <a:r>
+              <a:rPr lang="en-US"/>
+              <a:t>other </a:t>
+            </a:r>
+            <a:endParaRPr lang="en-US" dirty="0"/>
+          </a:p>
+        </p:txBody>
+      </p:sp>
+      <p:sp>
+        <p:nvSpPr>
+          <p:cNvPr id="4" name="Slide Number Placeholder 3"/>
+          <p:cNvSpPr>
+            <a:spLocks noGrp="1"/>
+          </p:cNvSpPr>
+          <p:nvPr>
+            <p:ph type="sldNum" sz="quarter" idx="5"/>
+          </p:nvPr>
+        </p:nvSpPr>
+        <p:spPr/>
+        <p:txBody>
+          <a:bodyPr/>
+          <a:lstStyle/>
+          <a:p>
+            <a:fld id="{54E672D7-8E2D-4611-973D-F4591A707C34}" type="slidenum">
+              <a:rPr lang="en-US" smtClean="0"/>
+              <a:t>7</a:t>
+            </a:fld>
+            <a:endParaRPr lang="en-US"/>
+          </a:p>
+        </p:txBody>
+      </p:sp>
+    </p:spTree>
+    <p:extLst>
+      <p:ext uri="{BB962C8B-B14F-4D97-AF65-F5344CB8AC3E}">
+        <p14:creationId xmlns:p14="http://schemas.microsoft.com/office/powerpoint/2010/main" val="2638889168"/>
+      </p:ext>
+    </p:extLst>
+  </p:cSld>
+  <p:clrMapOvr>
+    <a:masterClrMapping/>
+  </p:clrMapOvr>
+</p:notes>
+</file>
+
+<file path=ppt/notesSlides/notesSlide6.xml><?xml version="1.0" encoding="utf-8"?>
+<p:notes xmlns:a="http://schemas.openxmlformats.org/drawingml/2006/main" xmlns:r="http://schemas.openxmlformats.org/officeDocument/2006/relationships" xmlns:p="http://schemas.openxmlformats.org/presentationml/2006/main">
+  <p:cSld>
+    <p:spTree>
+      <p:nvGrpSpPr>
+        <p:cNvPr id="1" name=""/>
+        <p:cNvGrpSpPr/>
+        <p:nvPr/>
+      </p:nvGrpSpPr>
+      <p:grpSpPr>
+        <a:xfrm>
+          <a:off x="0" y="0"/>
+          <a:ext cx="0" cy="0"/>
+          <a:chOff x="0" y="0"/>
+          <a:chExt cx="0" cy="0"/>
+        </a:xfrm>
+      </p:grpSpPr>
+      <p:sp>
+        <p:nvSpPr>
+          <p:cNvPr id="2" name="Slide Image Placeholder 1"/>
+          <p:cNvSpPr>
+            <a:spLocks noGrp="1" noRot="1" noChangeAspect="1"/>
+          </p:cNvSpPr>
+          <p:nvPr>
+            <p:ph type="sldImg"/>
+          </p:nvPr>
+        </p:nvSpPr>
+        <p:spPr/>
+      </p:sp>
+      <p:sp>
+        <p:nvSpPr>
+          <p:cNvPr id="3" name="Notes Placeholder 2"/>
+          <p:cNvSpPr>
+            <a:spLocks noGrp="1"/>
+          </p:cNvSpPr>
+          <p:nvPr>
+            <p:ph type="body" idx="1"/>
+          </p:nvPr>
+        </p:nvSpPr>
+        <p:spPr/>
+        <p:txBody>
+          <a:bodyPr/>
+          <a:lstStyle/>
+          <a:p>
+            <a:r>
+              <a:rPr lang="en-US" dirty="0"/>
+              <a:t>Really most any project benefits from some sort of knowledge management.  </a:t>
+            </a:r>
+          </a:p>
+        </p:txBody>
+      </p:sp>
+      <p:sp>
+        <p:nvSpPr>
+          <p:cNvPr id="4" name="Slide Number Placeholder 3"/>
+          <p:cNvSpPr>
+            <a:spLocks noGrp="1"/>
+          </p:cNvSpPr>
+          <p:nvPr>
+            <p:ph type="sldNum" sz="quarter" idx="5"/>
+          </p:nvPr>
+        </p:nvSpPr>
+        <p:spPr/>
+        <p:txBody>
+          <a:bodyPr/>
+          <a:lstStyle/>
+          <a:p>
+            <a:fld id="{54E672D7-8E2D-4611-973D-F4591A707C34}" type="slidenum">
+              <a:rPr lang="en-US" smtClean="0"/>
+              <a:t>10</a:t>
+            </a:fld>
+            <a:endParaRPr lang="en-US"/>
+          </a:p>
+        </p:txBody>
+      </p:sp>
+    </p:spTree>
+    <p:extLst>
+      <p:ext uri="{BB962C8B-B14F-4D97-AF65-F5344CB8AC3E}">
+        <p14:creationId xmlns:p14="http://schemas.microsoft.com/office/powerpoint/2010/main" val="1399277158"/>
+      </p:ext>
+    </p:extLst>
+  </p:cSld>
+  <p:clrMapOvr>
+    <a:masterClrMapping/>
+  </p:clrMapOvr>
+</p:notes>
+</file>
+
+<file path=ppt/notesSlides/notesSlide7.xml><?xml version="1.0" encoding="utf-8"?>
+<p:notes xmlns:a="http://schemas.openxmlformats.org/drawingml/2006/main" xmlns:r="http://schemas.openxmlformats.org/officeDocument/2006/relationships" xmlns:p="http://schemas.openxmlformats.org/presentationml/2006/main">
+  <p:cSld>
+    <p:spTree>
+      <p:nvGrpSpPr>
+        <p:cNvPr id="1" name=""/>
+        <p:cNvGrpSpPr/>
+        <p:nvPr/>
+      </p:nvGrpSpPr>
+      <p:grpSpPr>
+        <a:xfrm>
+          <a:off x="0" y="0"/>
+          <a:ext cx="0" cy="0"/>
+          <a:chOff x="0" y="0"/>
+          <a:chExt cx="0" cy="0"/>
+        </a:xfrm>
+      </p:grpSpPr>
+      <p:sp>
+        <p:nvSpPr>
+          <p:cNvPr id="2" name="Slide Image Placeholder 1"/>
+          <p:cNvSpPr>
+            <a:spLocks noGrp="1" noRot="1" noChangeAspect="1"/>
+          </p:cNvSpPr>
+          <p:nvPr>
+            <p:ph type="sldImg"/>
+          </p:nvPr>
+        </p:nvSpPr>
+        <p:spPr/>
+      </p:sp>
+      <p:sp>
+        <p:nvSpPr>
+          <p:cNvPr id="3" name="Notes Placeholder 2"/>
+          <p:cNvSpPr>
+            <a:spLocks noGrp="1"/>
+          </p:cNvSpPr>
+          <p:nvPr>
+            <p:ph type="body" idx="1"/>
+          </p:nvPr>
+        </p:nvSpPr>
+        <p:spPr/>
+        <p:txBody>
+          <a:bodyPr/>
+          <a:lstStyle/>
+          <a:p>
+            <a:r>
+              <a:rPr lang="en-US" dirty="0"/>
+              <a:t>When we go through experiences we can grow and improve.  But processes exist to help us maximize that growth and improvement.</a:t>
+            </a:r>
+          </a:p>
+        </p:txBody>
+      </p:sp>
+      <p:sp>
+        <p:nvSpPr>
+          <p:cNvPr id="4" name="Slide Number Placeholder 3"/>
+          <p:cNvSpPr>
+            <a:spLocks noGrp="1"/>
+          </p:cNvSpPr>
+          <p:nvPr>
+            <p:ph type="sldNum" sz="quarter" idx="5"/>
+          </p:nvPr>
+        </p:nvSpPr>
+        <p:spPr/>
+        <p:txBody>
+          <a:bodyPr/>
+          <a:lstStyle/>
+          <a:p>
+            <a:fld id="{54E672D7-8E2D-4611-973D-F4591A707C34}" type="slidenum">
+              <a:rPr lang="en-US" smtClean="0"/>
+              <a:t>11</a:t>
+            </a:fld>
+            <a:endParaRPr lang="en-US"/>
+          </a:p>
+        </p:txBody>
+      </p:sp>
+    </p:spTree>
+    <p:extLst>
+      <p:ext uri="{BB962C8B-B14F-4D97-AF65-F5344CB8AC3E}">
+        <p14:creationId xmlns:p14="http://schemas.microsoft.com/office/powerpoint/2010/main" val="3152359200"/>
+      </p:ext>
+    </p:extLst>
+  </p:cSld>
+  <p:clrMapOvr>
+    <a:masterClrMapping/>
+  </p:clrMapOvr>
+</p:notes>
+</file>
+
+<file path=ppt/notesSlides/notesSlide8.xml><?xml version="1.0" encoding="utf-8"?>
+<p:notes xmlns:a="http://schemas.openxmlformats.org/drawingml/2006/main" xmlns:r="http://schemas.openxmlformats.org/officeDocument/2006/relationships" xmlns:p="http://schemas.openxmlformats.org/presentationml/2006/main">
+  <p:cSld>
+    <p:spTree>
+      <p:nvGrpSpPr>
+        <p:cNvPr id="1" name=""/>
+        <p:cNvGrpSpPr/>
+        <p:nvPr/>
+      </p:nvGrpSpPr>
+      <p:grpSpPr>
+        <a:xfrm>
+          <a:off x="0" y="0"/>
+          <a:ext cx="0" cy="0"/>
+          <a:chOff x="0" y="0"/>
+          <a:chExt cx="0" cy="0"/>
+        </a:xfrm>
+      </p:grpSpPr>
+      <p:sp>
+        <p:nvSpPr>
+          <p:cNvPr id="2" name="Slide Image Placeholder 1"/>
+          <p:cNvSpPr>
+            <a:spLocks noGrp="1" noRot="1" noChangeAspect="1"/>
+          </p:cNvSpPr>
+          <p:nvPr>
+            <p:ph type="sldImg"/>
+          </p:nvPr>
+        </p:nvSpPr>
+        <p:spPr/>
+      </p:sp>
+      <p:sp>
+        <p:nvSpPr>
+          <p:cNvPr id="3" name="Notes Placeholder 2"/>
+          <p:cNvSpPr>
+            <a:spLocks noGrp="1"/>
+          </p:cNvSpPr>
+          <p:nvPr>
+            <p:ph type="body" idx="1"/>
+          </p:nvPr>
+        </p:nvSpPr>
+        <p:spPr/>
+        <p:txBody>
+          <a:bodyPr/>
+          <a:lstStyle/>
+          <a:p>
+            <a:r>
+              <a:rPr lang="en-US" dirty="0"/>
+              <a:t>Mention that this is just a cartoon.  If we want a real hierarchy we might need to think some more about this.</a:t>
+            </a:r>
+          </a:p>
+          <a:p>
+            <a:endParaRPr lang="en-US" dirty="0"/>
+          </a:p>
+          <a:p>
+            <a:r>
+              <a:rPr lang="en-US" dirty="0"/>
+              <a:t>Developer docs are an example of living docs.  PRs and Issue are living but the frozen.  Commit messages are frozen.</a:t>
+            </a:r>
+          </a:p>
+        </p:txBody>
+      </p:sp>
+      <p:sp>
+        <p:nvSpPr>
+          <p:cNvPr id="4" name="Slide Number Placeholder 3"/>
+          <p:cNvSpPr>
+            <a:spLocks noGrp="1"/>
+          </p:cNvSpPr>
+          <p:nvPr>
+            <p:ph type="sldNum" sz="quarter" idx="5"/>
+          </p:nvPr>
+        </p:nvSpPr>
+        <p:spPr/>
+        <p:txBody>
+          <a:bodyPr/>
+          <a:lstStyle/>
+          <a:p>
+            <a:fld id="{54E672D7-8E2D-4611-973D-F4591A707C34}" type="slidenum">
+              <a:rPr lang="en-US" smtClean="0"/>
+              <a:t>13</a:t>
+            </a:fld>
+            <a:endParaRPr lang="en-US"/>
+          </a:p>
+        </p:txBody>
+      </p:sp>
+    </p:spTree>
+    <p:extLst>
+      <p:ext uri="{BB962C8B-B14F-4D97-AF65-F5344CB8AC3E}">
+        <p14:creationId xmlns:p14="http://schemas.microsoft.com/office/powerpoint/2010/main" val="2191483250"/>
+      </p:ext>
+    </p:extLst>
+  </p:cSld>
+  <p:clrMapOvr>
+    <a:masterClrMapping/>
+  </p:clrMapOvr>
+</p:notes>
+</file>
+
+<file path=ppt/notesSlides/notesSlide9.xml><?xml version="1.0" encoding="utf-8"?>
+<p:notes xmlns:a="http://schemas.openxmlformats.org/drawingml/2006/main" xmlns:r="http://schemas.openxmlformats.org/officeDocument/2006/relationships" xmlns:p="http://schemas.openxmlformats.org/presentationml/2006/main">
+  <p:cSld>
+    <p:spTree>
+      <p:nvGrpSpPr>
+        <p:cNvPr id="1" name=""/>
+        <p:cNvGrpSpPr/>
+        <p:nvPr/>
+      </p:nvGrpSpPr>
+      <p:grpSpPr>
+        <a:xfrm>
+          <a:off x="0" y="0"/>
+          <a:ext cx="0" cy="0"/>
+          <a:chOff x="0" y="0"/>
+          <a:chExt cx="0" cy="0"/>
+        </a:xfrm>
+      </p:grpSpPr>
+      <p:sp>
+        <p:nvSpPr>
+          <p:cNvPr id="2" name="Slide Image Placeholder 1"/>
+          <p:cNvSpPr>
+            <a:spLocks noGrp="1" noRot="1" noChangeAspect="1"/>
+          </p:cNvSpPr>
+          <p:nvPr>
+            <p:ph type="sldImg"/>
+          </p:nvPr>
+        </p:nvSpPr>
+        <p:spPr/>
+      </p:sp>
+      <p:sp>
+        <p:nvSpPr>
+          <p:cNvPr id="3" name="Notes Placeholder 2"/>
+          <p:cNvSpPr>
+            <a:spLocks noGrp="1"/>
+          </p:cNvSpPr>
+          <p:nvPr>
+            <p:ph type="body" idx="1"/>
+          </p:nvPr>
+        </p:nvSpPr>
+        <p:spPr/>
+        <p:txBody>
+          <a:bodyPr/>
+          <a:lstStyle/>
+          <a:p>
+            <a:r>
+              <a:rPr lang="en-US" dirty="0"/>
+              <a:t>Automated is in quotes because the TIOs and astronomers still needed to input information into a system.  But there was a process for them to input such data into tools that aggregated their input with other notes.</a:t>
+            </a:r>
+          </a:p>
+        </p:txBody>
+      </p:sp>
+      <p:sp>
+        <p:nvSpPr>
+          <p:cNvPr id="4" name="Slide Number Placeholder 3"/>
+          <p:cNvSpPr>
+            <a:spLocks noGrp="1"/>
+          </p:cNvSpPr>
+          <p:nvPr>
+            <p:ph type="sldNum" sz="quarter" idx="5"/>
+          </p:nvPr>
+        </p:nvSpPr>
+        <p:spPr/>
+        <p:txBody>
+          <a:bodyPr/>
+          <a:lstStyle/>
+          <a:p>
+            <a:fld id="{54E672D7-8E2D-4611-973D-F4591A707C34}" type="slidenum">
+              <a:rPr lang="en-US" smtClean="0"/>
+              <a:t>14</a:t>
+            </a:fld>
+            <a:endParaRPr lang="en-US"/>
+          </a:p>
+        </p:txBody>
+      </p:sp>
+    </p:spTree>
+    <p:extLst>
+      <p:ext uri="{BB962C8B-B14F-4D97-AF65-F5344CB8AC3E}">
+        <p14:creationId xmlns:p14="http://schemas.microsoft.com/office/powerpoint/2010/main" val="2141150432"/>
+      </p:ext>
+    </p:extLst>
+  </p:cSld>
+  <p:clrMapOvr>
+    <a:masterClrMapping/>
+  </p:clrMapOvr>
+</p:notes>
 </file>
 
 <file path=ppt/slideLayouts/slideLayout1.xml><?xml version="1.0" encoding="utf-8"?>
@@ -4323,7 +5888,14 @@
           <a:p>
             <a:r>
               <a:rPr lang="en-US" dirty="0"/>
-              <a:t>Lab Notebooks for Computational Science</a:t>
+              <a:t>A Journey Toward Lab Notebooks</a:t>
+            </a:r>
+            <a:br>
+              <a:rPr lang="en-US" dirty="0"/>
+            </a:br>
+            <a:r>
+              <a:rPr lang="en-US" sz="2000" b="0" dirty="0"/>
+              <a:t>One ex-experimentalist’s perspective</a:t>
             </a:r>
           </a:p>
         </p:txBody>
@@ -4526,6 +6098,3338 @@
     <p:extLst>
       <p:ext uri="{BB962C8B-B14F-4D97-AF65-F5344CB8AC3E}">
         <p14:creationId xmlns:p14="http://schemas.microsoft.com/office/powerpoint/2010/main" val="2194705569"/>
+      </p:ext>
+    </p:extLst>
+  </p:cSld>
+  <p:clrMapOvr>
+    <a:masterClrMapping/>
+  </p:clrMapOvr>
+</p:sld>
+</file>
+
+<file path=ppt/slides/slide10.xml><?xml version="1.0" encoding="utf-8"?>
+<p:sld xmlns:a="http://schemas.openxmlformats.org/drawingml/2006/main" xmlns:r="http://schemas.openxmlformats.org/officeDocument/2006/relationships" xmlns:p="http://schemas.openxmlformats.org/presentationml/2006/main">
+  <p:cSld>
+    <p:spTree>
+      <p:nvGrpSpPr>
+        <p:cNvPr id="1" name=""/>
+        <p:cNvGrpSpPr/>
+        <p:nvPr/>
+      </p:nvGrpSpPr>
+      <p:grpSpPr>
+        <a:xfrm>
+          <a:off x="0" y="0"/>
+          <a:ext cx="0" cy="0"/>
+          <a:chOff x="0" y="0"/>
+          <a:chExt cx="0" cy="0"/>
+        </a:xfrm>
+      </p:grpSpPr>
+      <p:sp>
+        <p:nvSpPr>
+          <p:cNvPr id="2" name="Title 1">
+            <a:extLst>
+              <a:ext uri="{FF2B5EF4-FFF2-40B4-BE49-F238E27FC236}">
+                <a16:creationId xmlns:a16="http://schemas.microsoft.com/office/drawing/2014/main" id="{E542B024-8735-A0E3-7EDB-ED276763E02D}"/>
+              </a:ext>
+            </a:extLst>
+          </p:cNvPr>
+          <p:cNvSpPr>
+            <a:spLocks noGrp="1"/>
+          </p:cNvSpPr>
+          <p:nvPr>
+            <p:ph type="title"/>
+          </p:nvPr>
+        </p:nvSpPr>
+        <p:spPr/>
+        <p:txBody>
+          <a:bodyPr/>
+          <a:lstStyle/>
+          <a:p>
+            <a:r>
+              <a:rPr lang="en-US" dirty="0"/>
+              <a:t>Knowledge Management</a:t>
+            </a:r>
+          </a:p>
+        </p:txBody>
+      </p:sp>
+      <p:sp>
+        <p:nvSpPr>
+          <p:cNvPr id="3" name="Content Placeholder 2">
+            <a:extLst>
+              <a:ext uri="{FF2B5EF4-FFF2-40B4-BE49-F238E27FC236}">
+                <a16:creationId xmlns:a16="http://schemas.microsoft.com/office/drawing/2014/main" id="{B23602B9-E02D-3978-3DB6-3540696C46F2}"/>
+              </a:ext>
+            </a:extLst>
+          </p:cNvPr>
+          <p:cNvSpPr>
+            <a:spLocks noGrp="1"/>
+          </p:cNvSpPr>
+          <p:nvPr>
+            <p:ph idx="1"/>
+          </p:nvPr>
+        </p:nvSpPr>
+        <p:spPr/>
+        <p:txBody>
+          <a:bodyPr/>
+          <a:lstStyle/>
+          <a:p>
+            <a:r>
+              <a:rPr lang="en-US" dirty="0"/>
+              <a:t>DIKUW is about knowledge management.</a:t>
+            </a:r>
+          </a:p>
+          <a:p>
+            <a:r>
+              <a:rPr lang="en-US" dirty="0"/>
+              <a:t>Performing scientific work including developing/maintaining scientific instruments can benefit from knowledge management.</a:t>
+            </a:r>
+          </a:p>
+          <a:p>
+            <a:r>
+              <a:rPr lang="en-US" dirty="0"/>
+              <a:t>We want to</a:t>
+            </a:r>
+          </a:p>
+          <a:p>
+            <a:pPr lvl="1"/>
+            <a:r>
+              <a:rPr lang="en-US" b="1" dirty="0"/>
+              <a:t>Recognize</a:t>
+            </a:r>
+            <a:r>
+              <a:rPr lang="en-US" dirty="0"/>
+              <a:t> when we generate knowledge</a:t>
+            </a:r>
+          </a:p>
+          <a:p>
+            <a:pPr lvl="1"/>
+            <a:r>
+              <a:rPr lang="en-US" b="1" dirty="0"/>
+              <a:t>Capture</a:t>
+            </a:r>
+            <a:r>
+              <a:rPr lang="en-US" dirty="0"/>
+              <a:t> and </a:t>
+            </a:r>
+            <a:r>
+              <a:rPr lang="en-US" b="1" dirty="0"/>
+              <a:t>preserve</a:t>
+            </a:r>
+            <a:r>
+              <a:rPr lang="en-US" dirty="0"/>
+              <a:t> that knowledge</a:t>
+            </a:r>
+          </a:p>
+          <a:p>
+            <a:pPr lvl="1"/>
+            <a:r>
+              <a:rPr lang="en-US" b="1" dirty="0"/>
+              <a:t>Communicate</a:t>
+            </a:r>
+            <a:r>
+              <a:rPr lang="en-US" dirty="0"/>
+              <a:t> that knowledge</a:t>
+            </a:r>
+          </a:p>
+          <a:p>
+            <a:pPr marL="0" indent="0">
+              <a:buNone/>
+            </a:pPr>
+            <a:endParaRPr lang="en-US" dirty="0"/>
+          </a:p>
+        </p:txBody>
+      </p:sp>
+      <p:sp>
+        <p:nvSpPr>
+          <p:cNvPr id="4" name="TextBox 3">
+            <a:extLst>
+              <a:ext uri="{FF2B5EF4-FFF2-40B4-BE49-F238E27FC236}">
+                <a16:creationId xmlns:a16="http://schemas.microsoft.com/office/drawing/2014/main" id="{1DF53030-262B-B41C-84EE-E79A5A5F4D5F}"/>
+              </a:ext>
+            </a:extLst>
+          </p:cNvPr>
+          <p:cNvSpPr txBox="1"/>
+          <p:nvPr/>
+        </p:nvSpPr>
+        <p:spPr>
+          <a:xfrm>
+            <a:off x="1437079" y="5085977"/>
+            <a:ext cx="9314666" cy="517065"/>
+          </a:xfrm>
+          <a:prstGeom prst="rect">
+            <a:avLst/>
+          </a:prstGeom>
+          <a:noFill/>
+        </p:spPr>
+        <p:txBody>
+          <a:bodyPr wrap="none" lIns="118872" tIns="91440" rIns="118872" bIns="91440" rtlCol="0" anchor="ctr" anchorCtr="0">
+            <a:spAutoFit/>
+          </a:bodyPr>
+          <a:lstStyle/>
+          <a:p>
+            <a:pPr algn="l">
+              <a:lnSpc>
+                <a:spcPct val="90000"/>
+              </a:lnSpc>
+            </a:pPr>
+            <a:r>
+              <a:rPr lang="en-US" sz="2400" dirty="0"/>
+              <a:t>Is knowledge communication only about communicating to others?</a:t>
+            </a:r>
+          </a:p>
+        </p:txBody>
+      </p:sp>
+    </p:spTree>
+    <p:extLst>
+      <p:ext uri="{BB962C8B-B14F-4D97-AF65-F5344CB8AC3E}">
+        <p14:creationId xmlns:p14="http://schemas.microsoft.com/office/powerpoint/2010/main" val="2964406316"/>
+      </p:ext>
+    </p:extLst>
+  </p:cSld>
+  <p:clrMapOvr>
+    <a:masterClrMapping/>
+  </p:clrMapOvr>
+</p:sld>
+</file>
+
+<file path=ppt/slides/slide11.xml><?xml version="1.0" encoding="utf-8"?>
+<p:sld xmlns:a="http://schemas.openxmlformats.org/drawingml/2006/main" xmlns:r="http://schemas.openxmlformats.org/officeDocument/2006/relationships" xmlns:p="http://schemas.openxmlformats.org/presentationml/2006/main">
+  <p:cSld>
+    <p:spTree>
+      <p:nvGrpSpPr>
+        <p:cNvPr id="1" name=""/>
+        <p:cNvGrpSpPr/>
+        <p:nvPr/>
+      </p:nvGrpSpPr>
+      <p:grpSpPr>
+        <a:xfrm>
+          <a:off x="0" y="0"/>
+          <a:ext cx="0" cy="0"/>
+          <a:chOff x="0" y="0"/>
+          <a:chExt cx="0" cy="0"/>
+        </a:xfrm>
+      </p:grpSpPr>
+      <p:sp>
+        <p:nvSpPr>
+          <p:cNvPr id="2" name="Title 1">
+            <a:extLst>
+              <a:ext uri="{FF2B5EF4-FFF2-40B4-BE49-F238E27FC236}">
+                <a16:creationId xmlns:a16="http://schemas.microsoft.com/office/drawing/2014/main" id="{96AE34BC-5E36-C205-FC77-0BE3BC6B219C}"/>
+              </a:ext>
+            </a:extLst>
+          </p:cNvPr>
+          <p:cNvSpPr>
+            <a:spLocks noGrp="1"/>
+          </p:cNvSpPr>
+          <p:nvPr>
+            <p:ph type="title"/>
+          </p:nvPr>
+        </p:nvSpPr>
+        <p:spPr/>
+        <p:txBody>
+          <a:bodyPr/>
+          <a:lstStyle/>
+          <a:p>
+            <a:r>
+              <a:rPr lang="en-US" dirty="0"/>
+              <a:t>An Example: Lessons Learned</a:t>
+            </a:r>
+          </a:p>
+        </p:txBody>
+      </p:sp>
+      <p:sp>
+        <p:nvSpPr>
+          <p:cNvPr id="3" name="Content Placeholder 2">
+            <a:extLst>
+              <a:ext uri="{FF2B5EF4-FFF2-40B4-BE49-F238E27FC236}">
+                <a16:creationId xmlns:a16="http://schemas.microsoft.com/office/drawing/2014/main" id="{9411637D-F75A-13D4-D37F-CB72F82649B7}"/>
+              </a:ext>
+            </a:extLst>
+          </p:cNvPr>
+          <p:cNvSpPr>
+            <a:spLocks noGrp="1"/>
+          </p:cNvSpPr>
+          <p:nvPr>
+            <p:ph idx="1"/>
+          </p:nvPr>
+        </p:nvSpPr>
+        <p:spPr/>
+        <p:txBody>
+          <a:bodyPr/>
+          <a:lstStyle/>
+          <a:p>
+            <a:r>
+              <a:rPr lang="en-US" dirty="0"/>
+              <a:t>After we live through an experience we want to derive lessons learned.</a:t>
+            </a:r>
+          </a:p>
+          <a:p>
+            <a:pPr lvl="1"/>
+            <a:r>
+              <a:rPr lang="en-US" dirty="0"/>
+              <a:t>Experience is valuable, more so if we reflect and are thoughtful</a:t>
+            </a:r>
+          </a:p>
+          <a:p>
+            <a:pPr lvl="1"/>
+            <a:r>
+              <a:rPr lang="en-US" dirty="0"/>
+              <a:t>Take the time to study the experience to create and capture knowledge so that we can grow, improve, and avoid difficulties/mistakes</a:t>
+            </a:r>
+          </a:p>
+          <a:p>
+            <a:r>
+              <a:rPr lang="en-US" dirty="0"/>
+              <a:t>We get more if we derive lessons learned together.</a:t>
+            </a:r>
+          </a:p>
+          <a:p>
+            <a:pPr lvl="1"/>
+            <a:r>
+              <a:rPr lang="en-US" dirty="0"/>
+              <a:t>Create more or higher quality knowledge</a:t>
+            </a:r>
+          </a:p>
+          <a:p>
+            <a:pPr lvl="1"/>
+            <a:r>
+              <a:rPr lang="en-US" dirty="0"/>
+              <a:t>Communicate the knowledge implicitly</a:t>
+            </a:r>
+          </a:p>
+          <a:p>
+            <a:r>
+              <a:rPr lang="en-US" dirty="0"/>
+              <a:t>We hope that understanding can be improved or generated.</a:t>
+            </a:r>
+          </a:p>
+          <a:p>
+            <a:pPr marL="0" indent="0">
+              <a:buNone/>
+            </a:pPr>
+            <a:endParaRPr lang="en-US" dirty="0"/>
+          </a:p>
+          <a:p>
+            <a:pPr marL="0" indent="0">
+              <a:buNone/>
+            </a:pPr>
+            <a:endParaRPr lang="en-US" dirty="0"/>
+          </a:p>
+        </p:txBody>
+      </p:sp>
+      <p:sp>
+        <p:nvSpPr>
+          <p:cNvPr id="4" name="TextBox 3">
+            <a:extLst>
+              <a:ext uri="{FF2B5EF4-FFF2-40B4-BE49-F238E27FC236}">
+                <a16:creationId xmlns:a16="http://schemas.microsoft.com/office/drawing/2014/main" id="{3CFA863B-7CD4-95D5-F274-D75A0739E6AF}"/>
+              </a:ext>
+            </a:extLst>
+          </p:cNvPr>
+          <p:cNvSpPr txBox="1"/>
+          <p:nvPr/>
+        </p:nvSpPr>
+        <p:spPr>
+          <a:xfrm>
+            <a:off x="2327547" y="5268073"/>
+            <a:ext cx="7533729" cy="517065"/>
+          </a:xfrm>
+          <a:prstGeom prst="rect">
+            <a:avLst/>
+          </a:prstGeom>
+          <a:noFill/>
+        </p:spPr>
+        <p:txBody>
+          <a:bodyPr wrap="none" lIns="118872" tIns="91440" rIns="118872" bIns="91440" rtlCol="0" anchor="ctr" anchorCtr="0">
+            <a:spAutoFit/>
+          </a:bodyPr>
+          <a:lstStyle/>
+          <a:p>
+            <a:pPr>
+              <a:lnSpc>
+                <a:spcPct val="90000"/>
+              </a:lnSpc>
+            </a:pPr>
+            <a:r>
+              <a:rPr lang="en-US" sz="2400" dirty="0"/>
+              <a:t>Should we communicate lessons learned to others?</a:t>
+            </a:r>
+          </a:p>
+        </p:txBody>
+      </p:sp>
+    </p:spTree>
+    <p:extLst>
+      <p:ext uri="{BB962C8B-B14F-4D97-AF65-F5344CB8AC3E}">
+        <p14:creationId xmlns:p14="http://schemas.microsoft.com/office/powerpoint/2010/main" val="1526914382"/>
+      </p:ext>
+    </p:extLst>
+  </p:cSld>
+  <p:clrMapOvr>
+    <a:masterClrMapping/>
+  </p:clrMapOvr>
+</p:sld>
+</file>
+
+<file path=ppt/slides/slide12.xml><?xml version="1.0" encoding="utf-8"?>
+<p:sld xmlns:a="http://schemas.openxmlformats.org/drawingml/2006/main" xmlns:r="http://schemas.openxmlformats.org/officeDocument/2006/relationships" xmlns:p="http://schemas.openxmlformats.org/presentationml/2006/main">
+  <p:cSld>
+    <p:spTree>
+      <p:nvGrpSpPr>
+        <p:cNvPr id="1" name=""/>
+        <p:cNvGrpSpPr/>
+        <p:nvPr/>
+      </p:nvGrpSpPr>
+      <p:grpSpPr>
+        <a:xfrm>
+          <a:off x="0" y="0"/>
+          <a:ext cx="0" cy="0"/>
+          <a:chOff x="0" y="0"/>
+          <a:chExt cx="0" cy="0"/>
+        </a:xfrm>
+      </p:grpSpPr>
+      <p:sp>
+        <p:nvSpPr>
+          <p:cNvPr id="2" name="Title 1">
+            <a:extLst>
+              <a:ext uri="{FF2B5EF4-FFF2-40B4-BE49-F238E27FC236}">
+                <a16:creationId xmlns:a16="http://schemas.microsoft.com/office/drawing/2014/main" id="{13090B39-A834-D719-6F55-65D8713FAC45}"/>
+              </a:ext>
+            </a:extLst>
+          </p:cNvPr>
+          <p:cNvSpPr>
+            <a:spLocks noGrp="1"/>
+          </p:cNvSpPr>
+          <p:nvPr>
+            <p:ph type="title"/>
+          </p:nvPr>
+        </p:nvSpPr>
+        <p:spPr/>
+        <p:txBody>
+          <a:bodyPr/>
+          <a:lstStyle/>
+          <a:p>
+            <a:r>
+              <a:rPr lang="en-US" dirty="0"/>
+              <a:t>Which leads us to documentation</a:t>
+            </a:r>
+          </a:p>
+        </p:txBody>
+      </p:sp>
+      <p:sp>
+        <p:nvSpPr>
+          <p:cNvPr id="3" name="Content Placeholder 2">
+            <a:extLst>
+              <a:ext uri="{FF2B5EF4-FFF2-40B4-BE49-F238E27FC236}">
+                <a16:creationId xmlns:a16="http://schemas.microsoft.com/office/drawing/2014/main" id="{A484D605-965D-02D6-7E0D-950ACA53C4F9}"/>
+              </a:ext>
+            </a:extLst>
+          </p:cNvPr>
+          <p:cNvSpPr>
+            <a:spLocks noGrp="1"/>
+          </p:cNvSpPr>
+          <p:nvPr>
+            <p:ph idx="1"/>
+          </p:nvPr>
+        </p:nvSpPr>
+        <p:spPr>
+          <a:xfrm>
+            <a:off x="365760" y="1159297"/>
+            <a:ext cx="11369809" cy="4047778"/>
+          </a:xfrm>
+        </p:spPr>
+        <p:txBody>
+          <a:bodyPr/>
+          <a:lstStyle/>
+          <a:p>
+            <a:r>
+              <a:rPr lang="en-US" dirty="0"/>
+              <a:t>Documentation is a fundamental form of knowledge communication.</a:t>
+            </a:r>
+          </a:p>
+          <a:p>
+            <a:r>
+              <a:rPr lang="en-US" dirty="0"/>
+              <a:t>Studying documentation can lead to increased understanding.</a:t>
+            </a:r>
+          </a:p>
+          <a:p>
+            <a:r>
+              <a:rPr lang="en-US" dirty="0"/>
+              <a:t>The cynical point of view</a:t>
+            </a:r>
+          </a:p>
+          <a:p>
+            <a:pPr lvl="1"/>
+            <a:r>
+              <a:rPr lang="en-US" dirty="0"/>
+              <a:t>We want and appreciate documentation that is well done,</a:t>
+            </a:r>
+          </a:p>
+          <a:p>
+            <a:pPr lvl="1"/>
+            <a:r>
+              <a:rPr lang="en-US" dirty="0"/>
+              <a:t>We love to consume documentation; write it, not so much.</a:t>
+            </a:r>
+          </a:p>
+          <a:p>
+            <a:r>
+              <a:rPr lang="en-US" dirty="0"/>
+              <a:t>Rephrased</a:t>
+            </a:r>
+          </a:p>
+          <a:p>
+            <a:pPr lvl="1"/>
+            <a:r>
+              <a:rPr lang="en-US" dirty="0"/>
+              <a:t>We want and appreciate it when others share knowledge with us.</a:t>
+            </a:r>
+          </a:p>
+          <a:p>
+            <a:pPr lvl="1"/>
+            <a:r>
+              <a:rPr lang="en-US" dirty="0"/>
+              <a:t>We don’t want to take the time to capture, preserve, and communicate knowledge we generate.</a:t>
+            </a:r>
+          </a:p>
+          <a:p>
+            <a:r>
+              <a:rPr lang="en-US" dirty="0"/>
+              <a:t>This is one aspect of productivity</a:t>
+            </a:r>
+          </a:p>
+          <a:p>
+            <a:pPr lvl="1"/>
+            <a:r>
+              <a:rPr lang="en-US" dirty="0"/>
+              <a:t>One person decreases their short-term efficiency so that many (and the team) achieve long-term efficiency and quality.</a:t>
+            </a:r>
+          </a:p>
+        </p:txBody>
+      </p:sp>
+    </p:spTree>
+    <p:extLst>
+      <p:ext uri="{BB962C8B-B14F-4D97-AF65-F5344CB8AC3E}">
+        <p14:creationId xmlns:p14="http://schemas.microsoft.com/office/powerpoint/2010/main" val="3042653022"/>
+      </p:ext>
+    </p:extLst>
+  </p:cSld>
+  <p:clrMapOvr>
+    <a:masterClrMapping/>
+  </p:clrMapOvr>
+</p:sld>
+</file>
+
+<file path=ppt/slides/slide13.xml><?xml version="1.0" encoding="utf-8"?>
+<p:sld xmlns:a="http://schemas.openxmlformats.org/drawingml/2006/main" xmlns:r="http://schemas.openxmlformats.org/officeDocument/2006/relationships" xmlns:p="http://schemas.openxmlformats.org/presentationml/2006/main">
+  <p:cSld>
+    <p:spTree>
+      <p:nvGrpSpPr>
+        <p:cNvPr id="1" name=""/>
+        <p:cNvGrpSpPr/>
+        <p:nvPr/>
+      </p:nvGrpSpPr>
+      <p:grpSpPr>
+        <a:xfrm>
+          <a:off x="0" y="0"/>
+          <a:ext cx="0" cy="0"/>
+          <a:chOff x="0" y="0"/>
+          <a:chExt cx="0" cy="0"/>
+        </a:xfrm>
+      </p:grpSpPr>
+      <p:sp>
+        <p:nvSpPr>
+          <p:cNvPr id="2" name="Title 1">
+            <a:extLst>
+              <a:ext uri="{FF2B5EF4-FFF2-40B4-BE49-F238E27FC236}">
+                <a16:creationId xmlns:a16="http://schemas.microsoft.com/office/drawing/2014/main" id="{31E37D79-D84D-7A00-1AAB-2EBE242FDD5F}"/>
+              </a:ext>
+            </a:extLst>
+          </p:cNvPr>
+          <p:cNvSpPr>
+            <a:spLocks noGrp="1"/>
+          </p:cNvSpPr>
+          <p:nvPr>
+            <p:ph type="title"/>
+          </p:nvPr>
+        </p:nvSpPr>
+        <p:spPr/>
+        <p:txBody>
+          <a:bodyPr/>
+          <a:lstStyle/>
+          <a:p>
+            <a:r>
+              <a:rPr lang="en-US" dirty="0"/>
+              <a:t>Hierarchy of Documentation</a:t>
+            </a:r>
+            <a:br>
+              <a:rPr lang="en-US" dirty="0"/>
+            </a:br>
+            <a:r>
+              <a:rPr lang="en-US" sz="2400" b="0" dirty="0"/>
+              <a:t>Not all documents are alike</a:t>
+            </a:r>
+          </a:p>
+        </p:txBody>
+      </p:sp>
+      <p:sp>
+        <p:nvSpPr>
+          <p:cNvPr id="3" name="Content Placeholder 2">
+            <a:extLst>
+              <a:ext uri="{FF2B5EF4-FFF2-40B4-BE49-F238E27FC236}">
+                <a16:creationId xmlns:a16="http://schemas.microsoft.com/office/drawing/2014/main" id="{804AAC5C-AC1D-1FC8-4345-5BA9FFB6CFC6}"/>
+              </a:ext>
+            </a:extLst>
+          </p:cNvPr>
+          <p:cNvSpPr>
+            <a:spLocks noGrp="1"/>
+          </p:cNvSpPr>
+          <p:nvPr>
+            <p:ph idx="1"/>
+          </p:nvPr>
+        </p:nvSpPr>
+        <p:spPr>
+          <a:xfrm>
+            <a:off x="365760" y="4430648"/>
+            <a:ext cx="11626543" cy="1875290"/>
+          </a:xfrm>
+        </p:spPr>
+        <p:txBody>
+          <a:bodyPr/>
+          <a:lstStyle/>
+          <a:p>
+            <a:r>
+              <a:rPr lang="en-US" dirty="0"/>
+              <a:t>Data at the bottom.  Knowledge as we move up?</a:t>
+            </a:r>
+          </a:p>
+          <a:p>
+            <a:r>
+              <a:rPr lang="en-US" dirty="0"/>
+              <a:t>Some documents frozen at creation.  Others are living.</a:t>
+            </a:r>
+          </a:p>
+          <a:p>
+            <a:r>
+              <a:rPr lang="en-US" dirty="0"/>
+              <a:t>Does this capture how hard it is to do documentation in a distributed, digital world?</a:t>
+            </a:r>
+          </a:p>
+          <a:p>
+            <a:endParaRPr lang="en-US" dirty="0"/>
+          </a:p>
+        </p:txBody>
+      </p:sp>
+      <p:pic>
+        <p:nvPicPr>
+          <p:cNvPr id="4" name="Picture 3">
+            <a:extLst>
+              <a:ext uri="{FF2B5EF4-FFF2-40B4-BE49-F238E27FC236}">
+                <a16:creationId xmlns:a16="http://schemas.microsoft.com/office/drawing/2014/main" id="{D4346C03-4119-536B-2ED5-9CC8793FF322}"/>
+              </a:ext>
+            </a:extLst>
+          </p:cNvPr>
+          <p:cNvPicPr>
+            <a:picLocks noChangeAspect="1"/>
+          </p:cNvPicPr>
+          <p:nvPr/>
+        </p:nvPicPr>
+        <p:blipFill>
+          <a:blip r:embed="rId3"/>
+          <a:stretch>
+            <a:fillRect/>
+          </a:stretch>
+        </p:blipFill>
+        <p:spPr>
+          <a:xfrm>
+            <a:off x="2114704" y="1535199"/>
+            <a:ext cx="7874583" cy="2574158"/>
+          </a:xfrm>
+          <a:prstGeom prst="rect">
+            <a:avLst/>
+          </a:prstGeom>
+        </p:spPr>
+      </p:pic>
+    </p:spTree>
+    <p:extLst>
+      <p:ext uri="{BB962C8B-B14F-4D97-AF65-F5344CB8AC3E}">
+        <p14:creationId xmlns:p14="http://schemas.microsoft.com/office/powerpoint/2010/main" val="854180296"/>
+      </p:ext>
+    </p:extLst>
+  </p:cSld>
+  <p:clrMapOvr>
+    <a:masterClrMapping/>
+  </p:clrMapOvr>
+</p:sld>
+</file>
+
+<file path=ppt/slides/slide14.xml><?xml version="1.0" encoding="utf-8"?>
+<p:sld xmlns:a="http://schemas.openxmlformats.org/drawingml/2006/main" xmlns:r="http://schemas.openxmlformats.org/officeDocument/2006/relationships" xmlns:p="http://schemas.openxmlformats.org/presentationml/2006/main">
+  <p:cSld>
+    <p:spTree>
+      <p:nvGrpSpPr>
+        <p:cNvPr id="1" name=""/>
+        <p:cNvGrpSpPr/>
+        <p:nvPr/>
+      </p:nvGrpSpPr>
+      <p:grpSpPr>
+        <a:xfrm>
+          <a:off x="0" y="0"/>
+          <a:ext cx="0" cy="0"/>
+          <a:chOff x="0" y="0"/>
+          <a:chExt cx="0" cy="0"/>
+        </a:xfrm>
+      </p:grpSpPr>
+      <p:sp>
+        <p:nvSpPr>
+          <p:cNvPr id="2" name="Title 1">
+            <a:extLst>
+              <a:ext uri="{FF2B5EF4-FFF2-40B4-BE49-F238E27FC236}">
+                <a16:creationId xmlns:a16="http://schemas.microsoft.com/office/drawing/2014/main" id="{9CDA5DAC-D638-AA10-5E70-A77E5B69D79E}"/>
+              </a:ext>
+            </a:extLst>
+          </p:cNvPr>
+          <p:cNvSpPr>
+            <a:spLocks noGrp="1"/>
+          </p:cNvSpPr>
+          <p:nvPr>
+            <p:ph type="title"/>
+          </p:nvPr>
+        </p:nvSpPr>
+        <p:spPr/>
+        <p:txBody>
+          <a:bodyPr/>
+          <a:lstStyle/>
+          <a:p>
+            <a:r>
+              <a:rPr lang="en-US" dirty="0"/>
+              <a:t>And finally we reach our destination</a:t>
+            </a:r>
+          </a:p>
+        </p:txBody>
+      </p:sp>
+      <p:sp>
+        <p:nvSpPr>
+          <p:cNvPr id="3" name="Content Placeholder 2">
+            <a:extLst>
+              <a:ext uri="{FF2B5EF4-FFF2-40B4-BE49-F238E27FC236}">
+                <a16:creationId xmlns:a16="http://schemas.microsoft.com/office/drawing/2014/main" id="{5BE9B2DA-E858-1EB6-45DC-E8398F9475E3}"/>
+              </a:ext>
+            </a:extLst>
+          </p:cNvPr>
+          <p:cNvSpPr>
+            <a:spLocks noGrp="1"/>
+          </p:cNvSpPr>
+          <p:nvPr>
+            <p:ph idx="1"/>
+          </p:nvPr>
+        </p:nvSpPr>
+        <p:spPr>
+          <a:xfrm>
+            <a:off x="744239" y="3575491"/>
+            <a:ext cx="10700346" cy="2358779"/>
+          </a:xfrm>
+        </p:spPr>
+        <p:txBody>
+          <a:bodyPr/>
+          <a:lstStyle/>
+          <a:p>
+            <a:pPr marL="0" indent="0">
+              <a:buNone/>
+            </a:pPr>
+            <a:r>
+              <a:rPr lang="en-US" dirty="0"/>
+              <a:t>"...to write with enough detail and clarity that another scientist could pick up the notebook at some time in the future, repeat the work based on the written descriptions, and make the same observations that were originally recorded. If this guideline is followed, even the original author will be able to understand the notes when looking back on them after considerable time has passed!”</a:t>
+            </a:r>
+          </a:p>
+          <a:p>
+            <a:pPr marL="0" indent="0">
+              <a:buNone/>
+            </a:pPr>
+            <a:r>
+              <a:rPr lang="en-US" dirty="0"/>
+              <a:t>	- Howard </a:t>
+            </a:r>
+            <a:r>
+              <a:rPr lang="en-US" dirty="0" err="1"/>
+              <a:t>Kanare</a:t>
+            </a:r>
+            <a:r>
+              <a:rPr lang="en-US" dirty="0"/>
+              <a:t>, “</a:t>
+            </a:r>
+            <a:r>
+              <a:rPr lang="en-US" i="1" dirty="0"/>
+              <a:t>Writing the Laboratory Notebook</a:t>
+            </a:r>
+            <a:r>
+              <a:rPr lang="en-US" dirty="0"/>
+              <a:t>”, 1985</a:t>
+            </a:r>
+          </a:p>
+        </p:txBody>
+      </p:sp>
+      <p:sp>
+        <p:nvSpPr>
+          <p:cNvPr id="4" name="Rectangle 3">
+            <a:extLst>
+              <a:ext uri="{FF2B5EF4-FFF2-40B4-BE49-F238E27FC236}">
+                <a16:creationId xmlns:a16="http://schemas.microsoft.com/office/drawing/2014/main" id="{ABF114B4-557E-6985-4AE3-A655B0543BBC}"/>
+              </a:ext>
+            </a:extLst>
+          </p:cNvPr>
+          <p:cNvSpPr/>
+          <p:nvPr/>
+        </p:nvSpPr>
+        <p:spPr>
+          <a:xfrm>
+            <a:off x="365760" y="1308152"/>
+            <a:ext cx="10536470" cy="1631216"/>
+          </a:xfrm>
+          <a:prstGeom prst="rect">
+            <a:avLst/>
+          </a:prstGeom>
+        </p:spPr>
+        <p:txBody>
+          <a:bodyPr wrap="square">
+            <a:spAutoFit/>
+          </a:bodyPr>
+          <a:lstStyle/>
+          <a:p>
+            <a:r>
+              <a:rPr lang="en-US" sz="2000" dirty="0"/>
+              <a:t>Lab notebooks are</a:t>
+            </a:r>
+          </a:p>
+          <a:p>
+            <a:pPr marL="285750" indent="-285750">
+              <a:buFont typeface="Arial" panose="020B0604020202020204" pitchFamily="34" charset="0"/>
+              <a:buChar char="•"/>
+            </a:pPr>
+            <a:r>
+              <a:rPr lang="en-US" sz="2000" dirty="0"/>
+              <a:t>a fundamental part of communication as well as rigorous, reproducible science in a lab,</a:t>
+            </a:r>
+          </a:p>
+          <a:p>
+            <a:pPr marL="285750" indent="-285750">
+              <a:buFont typeface="Arial" panose="020B0604020202020204" pitchFamily="34" charset="0"/>
+              <a:buChar char="•"/>
+            </a:pPr>
+            <a:r>
+              <a:rPr lang="en-US" sz="2000" dirty="0"/>
+              <a:t>a tool for preventing scientific fraud and for defending against allegations of fraud,</a:t>
+            </a:r>
+          </a:p>
+          <a:p>
+            <a:pPr marL="285750" indent="-285750">
+              <a:buFont typeface="Arial" panose="020B0604020202020204" pitchFamily="34" charset="0"/>
+              <a:buChar char="•"/>
+            </a:pPr>
+            <a:r>
+              <a:rPr lang="en-US" sz="2000" dirty="0"/>
+              <a:t>a common-place or required part of an experimental laboratory, and</a:t>
+            </a:r>
+          </a:p>
+          <a:p>
+            <a:pPr marL="285750" indent="-285750">
+              <a:buFont typeface="Arial" panose="020B0604020202020204" pitchFamily="34" charset="0"/>
+              <a:buChar char="•"/>
+            </a:pPr>
+            <a:r>
+              <a:rPr lang="en-US" sz="2000" dirty="0"/>
+              <a:t>Populating a scientific “lab notebook” was an “automated” process at the observatory.</a:t>
+            </a:r>
+          </a:p>
+        </p:txBody>
+      </p:sp>
+    </p:spTree>
+    <p:extLst>
+      <p:ext uri="{BB962C8B-B14F-4D97-AF65-F5344CB8AC3E}">
+        <p14:creationId xmlns:p14="http://schemas.microsoft.com/office/powerpoint/2010/main" val="1526375668"/>
+      </p:ext>
+    </p:extLst>
+  </p:cSld>
+  <p:clrMapOvr>
+    <a:masterClrMapping/>
+  </p:clrMapOvr>
+</p:sld>
+</file>
+
+<file path=ppt/slides/slide15.xml><?xml version="1.0" encoding="utf-8"?>
+<p:sld xmlns:a="http://schemas.openxmlformats.org/drawingml/2006/main" xmlns:r="http://schemas.openxmlformats.org/officeDocument/2006/relationships" xmlns:p="http://schemas.openxmlformats.org/presentationml/2006/main">
+  <p:cSld>
+    <p:spTree>
+      <p:nvGrpSpPr>
+        <p:cNvPr id="1" name=""/>
+        <p:cNvGrpSpPr/>
+        <p:nvPr/>
+      </p:nvGrpSpPr>
+      <p:grpSpPr>
+        <a:xfrm>
+          <a:off x="0" y="0"/>
+          <a:ext cx="0" cy="0"/>
+          <a:chOff x="0" y="0"/>
+          <a:chExt cx="0" cy="0"/>
+        </a:xfrm>
+      </p:grpSpPr>
+      <p:sp>
+        <p:nvSpPr>
+          <p:cNvPr id="2" name="Title 1">
+            <a:extLst>
+              <a:ext uri="{FF2B5EF4-FFF2-40B4-BE49-F238E27FC236}">
+                <a16:creationId xmlns:a16="http://schemas.microsoft.com/office/drawing/2014/main" id="{D91B3A35-D31B-5202-5327-3F2E4D74433D}"/>
+              </a:ext>
+            </a:extLst>
+          </p:cNvPr>
+          <p:cNvSpPr>
+            <a:spLocks noGrp="1"/>
+          </p:cNvSpPr>
+          <p:nvPr>
+            <p:ph type="title"/>
+          </p:nvPr>
+        </p:nvSpPr>
+        <p:spPr/>
+        <p:txBody>
+          <a:bodyPr/>
+          <a:lstStyle/>
+          <a:p>
+            <a:r>
+              <a:rPr lang="en-US" dirty="0"/>
+              <a:t>Lab notebooks in the hierarchy</a:t>
+            </a:r>
+          </a:p>
+        </p:txBody>
+      </p:sp>
+      <p:sp>
+        <p:nvSpPr>
+          <p:cNvPr id="3" name="Content Placeholder 2">
+            <a:extLst>
+              <a:ext uri="{FF2B5EF4-FFF2-40B4-BE49-F238E27FC236}">
+                <a16:creationId xmlns:a16="http://schemas.microsoft.com/office/drawing/2014/main" id="{2E4B68F5-6213-73EF-47E8-D46F30CA4597}"/>
+              </a:ext>
+            </a:extLst>
+          </p:cNvPr>
+          <p:cNvSpPr>
+            <a:spLocks noGrp="1"/>
+          </p:cNvSpPr>
+          <p:nvPr>
+            <p:ph idx="1"/>
+          </p:nvPr>
+        </p:nvSpPr>
+        <p:spPr>
+          <a:xfrm>
+            <a:off x="365760" y="1242835"/>
+            <a:ext cx="11369809" cy="4047778"/>
+          </a:xfrm>
+        </p:spPr>
+        <p:txBody>
+          <a:bodyPr/>
+          <a:lstStyle/>
+          <a:p>
+            <a:pPr marL="0" indent="0">
+              <a:buNone/>
+            </a:pPr>
+            <a:r>
+              <a:rPr lang="en-US" dirty="0"/>
+              <a:t>Lab notebooks</a:t>
+            </a:r>
+          </a:p>
+          <a:p>
+            <a:r>
+              <a:rPr lang="en-US" dirty="0"/>
+              <a:t>Should be used regularly,</a:t>
+            </a:r>
+          </a:p>
+          <a:p>
+            <a:r>
+              <a:rPr lang="en-US" dirty="0"/>
+              <a:t>Should be comprehensive and never filtered,</a:t>
+            </a:r>
+          </a:p>
+          <a:p>
+            <a:r>
+              <a:rPr lang="en-US" dirty="0"/>
+              <a:t>Don’t need perfect grammar and full sentences, </a:t>
+            </a:r>
+          </a:p>
+          <a:p>
+            <a:r>
+              <a:rPr lang="en-US" dirty="0"/>
+              <a:t>Content is frozen at creation, and</a:t>
+            </a:r>
+          </a:p>
+          <a:p>
+            <a:r>
+              <a:rPr lang="en-US" dirty="0"/>
+              <a:t>Hopefully contains more than just data (e.g., motivation, reasoning, conclusions).</a:t>
+            </a:r>
+          </a:p>
+        </p:txBody>
+      </p:sp>
+      <p:sp>
+        <p:nvSpPr>
+          <p:cNvPr id="4" name="TextBox 3">
+            <a:extLst>
+              <a:ext uri="{FF2B5EF4-FFF2-40B4-BE49-F238E27FC236}">
+                <a16:creationId xmlns:a16="http://schemas.microsoft.com/office/drawing/2014/main" id="{78DBDA0F-751C-1E3D-AABD-B45E1F71804C}"/>
+              </a:ext>
+            </a:extLst>
+          </p:cNvPr>
+          <p:cNvSpPr txBox="1"/>
+          <p:nvPr/>
+        </p:nvSpPr>
+        <p:spPr>
+          <a:xfrm>
+            <a:off x="1007808" y="4765702"/>
+            <a:ext cx="10085711" cy="849463"/>
+          </a:xfrm>
+          <a:prstGeom prst="rect">
+            <a:avLst/>
+          </a:prstGeom>
+          <a:noFill/>
+        </p:spPr>
+        <p:txBody>
+          <a:bodyPr wrap="none" lIns="118872" tIns="91440" rIns="118872" bIns="91440" rtlCol="0" anchor="ctr" anchorCtr="0">
+            <a:spAutoFit/>
+          </a:bodyPr>
+          <a:lstStyle/>
+          <a:p>
+            <a:pPr algn="ctr">
+              <a:lnSpc>
+                <a:spcPct val="90000"/>
+              </a:lnSpc>
+            </a:pPr>
+            <a:r>
+              <a:rPr lang="en-US" sz="2400" dirty="0"/>
+              <a:t>They aren’t good at communicating knowledge, </a:t>
+            </a:r>
+            <a:r>
+              <a:rPr lang="en-US" sz="2400" b="1" dirty="0"/>
+              <a:t>but</a:t>
+            </a:r>
+          </a:p>
+          <a:p>
+            <a:pPr algn="ctr">
+              <a:lnSpc>
+                <a:spcPct val="90000"/>
+              </a:lnSpc>
+            </a:pPr>
+            <a:r>
+              <a:rPr lang="en-US" sz="2400" dirty="0"/>
+              <a:t>people interact, evolve, and grow by collaborating through the notebook.</a:t>
+            </a:r>
+          </a:p>
+        </p:txBody>
+      </p:sp>
+    </p:spTree>
+    <p:extLst>
+      <p:ext uri="{BB962C8B-B14F-4D97-AF65-F5344CB8AC3E}">
+        <p14:creationId xmlns:p14="http://schemas.microsoft.com/office/powerpoint/2010/main" val="3444215669"/>
+      </p:ext>
+    </p:extLst>
+  </p:cSld>
+  <p:clrMapOvr>
+    <a:masterClrMapping/>
+  </p:clrMapOvr>
+</p:sld>
+</file>
+
+<file path=ppt/slides/slide16.xml><?xml version="1.0" encoding="utf-8"?>
+<p:sld xmlns:a="http://schemas.openxmlformats.org/drawingml/2006/main" xmlns:r="http://schemas.openxmlformats.org/officeDocument/2006/relationships" xmlns:p="http://schemas.openxmlformats.org/presentationml/2006/main">
+  <p:cSld>
+    <p:spTree>
+      <p:nvGrpSpPr>
+        <p:cNvPr id="1" name=""/>
+        <p:cNvGrpSpPr/>
+        <p:nvPr/>
+      </p:nvGrpSpPr>
+      <p:grpSpPr>
+        <a:xfrm>
+          <a:off x="0" y="0"/>
+          <a:ext cx="0" cy="0"/>
+          <a:chOff x="0" y="0"/>
+          <a:chExt cx="0" cy="0"/>
+        </a:xfrm>
+      </p:grpSpPr>
+      <p:sp>
+        <p:nvSpPr>
+          <p:cNvPr id="2" name="Title 1">
+            <a:extLst>
+              <a:ext uri="{FF2B5EF4-FFF2-40B4-BE49-F238E27FC236}">
+                <a16:creationId xmlns:a16="http://schemas.microsoft.com/office/drawing/2014/main" id="{2EB5B951-67DB-4419-93FD-4CAD47176224}"/>
+              </a:ext>
+            </a:extLst>
+          </p:cNvPr>
+          <p:cNvSpPr>
+            <a:spLocks noGrp="1"/>
+          </p:cNvSpPr>
+          <p:nvPr>
+            <p:ph type="title"/>
+          </p:nvPr>
+        </p:nvSpPr>
+        <p:spPr/>
+        <p:txBody>
+          <a:bodyPr/>
+          <a:lstStyle/>
+          <a:p>
+            <a:r>
+              <a:rPr lang="en-US" dirty="0"/>
+              <a:t>Not all lab notebooks are alike</a:t>
+            </a:r>
+          </a:p>
+        </p:txBody>
+      </p:sp>
+      <p:sp>
+        <p:nvSpPr>
+          <p:cNvPr id="3" name="Content Placeholder 2">
+            <a:extLst>
+              <a:ext uri="{FF2B5EF4-FFF2-40B4-BE49-F238E27FC236}">
+                <a16:creationId xmlns:a16="http://schemas.microsoft.com/office/drawing/2014/main" id="{5C86F130-DE76-7359-06FA-B27539011EC1}"/>
+              </a:ext>
+            </a:extLst>
+          </p:cNvPr>
+          <p:cNvSpPr>
+            <a:spLocks noGrp="1"/>
+          </p:cNvSpPr>
+          <p:nvPr>
+            <p:ph idx="1"/>
+          </p:nvPr>
+        </p:nvSpPr>
+        <p:spPr>
+          <a:xfrm>
+            <a:off x="367091" y="1046886"/>
+            <a:ext cx="11369809" cy="4047778"/>
+          </a:xfrm>
+        </p:spPr>
+        <p:txBody>
+          <a:bodyPr/>
+          <a:lstStyle/>
+          <a:p>
+            <a:r>
+              <a:rPr lang="en-US" sz="2000" dirty="0"/>
+              <a:t>Lab notebooks to record work done on instrument</a:t>
+            </a:r>
+          </a:p>
+          <a:p>
+            <a:r>
+              <a:rPr lang="en-US" sz="2000" dirty="0"/>
+              <a:t>Lab notebooks to record acquisition of data</a:t>
+            </a:r>
+          </a:p>
+          <a:p>
+            <a:r>
+              <a:rPr lang="en-US" sz="2000" b="1" dirty="0"/>
+              <a:t>Filtered</a:t>
+            </a:r>
+            <a:r>
+              <a:rPr lang="en-US" sz="2000" dirty="0"/>
+              <a:t> lab notebook for users – higher up the hierarchy</a:t>
+            </a:r>
+          </a:p>
+        </p:txBody>
+      </p:sp>
+      <p:pic>
+        <p:nvPicPr>
+          <p:cNvPr id="5" name="Picture 4">
+            <a:extLst>
+              <a:ext uri="{FF2B5EF4-FFF2-40B4-BE49-F238E27FC236}">
+                <a16:creationId xmlns:a16="http://schemas.microsoft.com/office/drawing/2014/main" id="{165DF1E6-57EE-EE4F-D378-1F1E7128CB25}"/>
+              </a:ext>
+            </a:extLst>
+          </p:cNvPr>
+          <p:cNvPicPr>
+            <a:picLocks noChangeAspect="1"/>
+          </p:cNvPicPr>
+          <p:nvPr/>
+        </p:nvPicPr>
+        <p:blipFill>
+          <a:blip r:embed="rId3"/>
+          <a:stretch>
+            <a:fillRect/>
+          </a:stretch>
+        </p:blipFill>
+        <p:spPr>
+          <a:xfrm>
+            <a:off x="408175" y="2741965"/>
+            <a:ext cx="11372473" cy="3329934"/>
+          </a:xfrm>
+          <a:prstGeom prst="rect">
+            <a:avLst/>
+          </a:prstGeom>
+        </p:spPr>
+      </p:pic>
+      <p:sp>
+        <p:nvSpPr>
+          <p:cNvPr id="6" name="TextBox 5">
+            <a:extLst>
+              <a:ext uri="{FF2B5EF4-FFF2-40B4-BE49-F238E27FC236}">
+                <a16:creationId xmlns:a16="http://schemas.microsoft.com/office/drawing/2014/main" id="{2A061F78-B910-0B84-FDDE-E692607A67D2}"/>
+              </a:ext>
+            </a:extLst>
+          </p:cNvPr>
+          <p:cNvSpPr txBox="1"/>
+          <p:nvPr/>
+        </p:nvSpPr>
+        <p:spPr>
+          <a:xfrm>
+            <a:off x="4015508" y="2524982"/>
+            <a:ext cx="4157805" cy="433965"/>
+          </a:xfrm>
+          <a:prstGeom prst="rect">
+            <a:avLst/>
+          </a:prstGeom>
+          <a:noFill/>
+        </p:spPr>
+        <p:txBody>
+          <a:bodyPr wrap="none" lIns="118872" tIns="91440" rIns="118872" bIns="91440" rtlCol="0" anchor="ctr" anchorCtr="0">
+            <a:spAutoFit/>
+          </a:bodyPr>
+          <a:lstStyle/>
+          <a:p>
+            <a:pPr algn="l">
+              <a:lnSpc>
+                <a:spcPct val="90000"/>
+              </a:lnSpc>
+            </a:pPr>
+            <a:r>
+              <a:rPr lang="en-US" dirty="0"/>
+              <a:t>From the </a:t>
+            </a:r>
+            <a:r>
+              <a:rPr lang="en-US" dirty="0">
+                <a:hlinkClick r:id="rId4"/>
+              </a:rPr>
+              <a:t>CRIRES+ News (ESO)</a:t>
+            </a:r>
+            <a:r>
+              <a:rPr lang="en-US" dirty="0"/>
+              <a:t> page</a:t>
+            </a:r>
+          </a:p>
+        </p:txBody>
+      </p:sp>
+    </p:spTree>
+    <p:extLst>
+      <p:ext uri="{BB962C8B-B14F-4D97-AF65-F5344CB8AC3E}">
+        <p14:creationId xmlns:p14="http://schemas.microsoft.com/office/powerpoint/2010/main" val="1981766383"/>
+      </p:ext>
+    </p:extLst>
+  </p:cSld>
+  <p:clrMapOvr>
+    <a:masterClrMapping/>
+  </p:clrMapOvr>
+</p:sld>
+</file>
+
+<file path=ppt/slides/slide17.xml><?xml version="1.0" encoding="utf-8"?>
+<p:sld xmlns:a="http://schemas.openxmlformats.org/drawingml/2006/main" xmlns:r="http://schemas.openxmlformats.org/officeDocument/2006/relationships" xmlns:p="http://schemas.openxmlformats.org/presentationml/2006/main">
+  <p:cSld>
+    <p:spTree>
+      <p:nvGrpSpPr>
+        <p:cNvPr id="1" name=""/>
+        <p:cNvGrpSpPr/>
+        <p:nvPr/>
+      </p:nvGrpSpPr>
+      <p:grpSpPr>
+        <a:xfrm>
+          <a:off x="0" y="0"/>
+          <a:ext cx="0" cy="0"/>
+          <a:chOff x="0" y="0"/>
+          <a:chExt cx="0" cy="0"/>
+        </a:xfrm>
+      </p:grpSpPr>
+      <p:sp>
+        <p:nvSpPr>
+          <p:cNvPr id="2" name="Title 1">
+            <a:extLst>
+              <a:ext uri="{FF2B5EF4-FFF2-40B4-BE49-F238E27FC236}">
+                <a16:creationId xmlns:a16="http://schemas.microsoft.com/office/drawing/2014/main" id="{D7828D69-26F6-5C57-6CEC-39DA8CBA68BD}"/>
+              </a:ext>
+            </a:extLst>
+          </p:cNvPr>
+          <p:cNvSpPr>
+            <a:spLocks noGrp="1"/>
+          </p:cNvSpPr>
+          <p:nvPr>
+            <p:ph type="title"/>
+          </p:nvPr>
+        </p:nvSpPr>
+        <p:spPr/>
+        <p:txBody>
+          <a:bodyPr/>
+          <a:lstStyle/>
+          <a:p>
+            <a:r>
+              <a:rPr lang="en-US" dirty="0"/>
+              <a:t>Conversations with Carlo</a:t>
+            </a:r>
+          </a:p>
+        </p:txBody>
+      </p:sp>
+      <p:sp>
+        <p:nvSpPr>
+          <p:cNvPr id="3" name="Content Placeholder 2">
+            <a:extLst>
+              <a:ext uri="{FF2B5EF4-FFF2-40B4-BE49-F238E27FC236}">
+                <a16:creationId xmlns:a16="http://schemas.microsoft.com/office/drawing/2014/main" id="{39208A49-46C7-B1E2-E1D1-963759133B99}"/>
+              </a:ext>
+            </a:extLst>
+          </p:cNvPr>
+          <p:cNvSpPr>
+            <a:spLocks noGrp="1"/>
+          </p:cNvSpPr>
+          <p:nvPr>
+            <p:ph idx="1"/>
+          </p:nvPr>
+        </p:nvSpPr>
+        <p:spPr>
+          <a:xfrm>
+            <a:off x="365760" y="1809356"/>
+            <a:ext cx="7769247" cy="4047778"/>
+          </a:xfrm>
+        </p:spPr>
+        <p:txBody>
+          <a:bodyPr/>
+          <a:lstStyle/>
+          <a:p>
+            <a:pPr marL="0" indent="0">
+              <a:buNone/>
+            </a:pPr>
+            <a:endParaRPr lang="en-US" dirty="0"/>
+          </a:p>
+          <a:p>
+            <a:pPr marL="0" indent="0">
+              <a:buNone/>
+            </a:pPr>
+            <a:r>
+              <a:rPr lang="en-US" dirty="0"/>
+              <a:t>My take away from the article and conversations </a:t>
+            </a:r>
+          </a:p>
+          <a:p>
+            <a:r>
+              <a:rPr lang="en-US" dirty="0"/>
+              <a:t>As junior researchers progress,</a:t>
+            </a:r>
+          </a:p>
+          <a:p>
+            <a:pPr lvl="1"/>
+            <a:r>
+              <a:rPr lang="en-US" dirty="0"/>
+              <a:t>the problems become more complex and larger,</a:t>
+            </a:r>
+          </a:p>
+          <a:p>
+            <a:pPr lvl="1"/>
+            <a:r>
+              <a:rPr lang="en-US" dirty="0"/>
+              <a:t>previous informal techniques for executing a study start to fail,</a:t>
+            </a:r>
+          </a:p>
+          <a:p>
+            <a:pPr lvl="1"/>
+            <a:r>
+              <a:rPr lang="en-US" dirty="0"/>
+              <a:t>the researchers sense that something is missing, and</a:t>
+            </a:r>
+          </a:p>
+          <a:p>
+            <a:pPr lvl="1"/>
+            <a:r>
+              <a:rPr lang="en-US" dirty="0"/>
+              <a:t>they invent processes and tools to compensate.</a:t>
+            </a:r>
+          </a:p>
+          <a:p>
+            <a:pPr lvl="1"/>
+            <a:endParaRPr lang="en-US" dirty="0"/>
+          </a:p>
+          <a:p>
+            <a:pPr marL="346075" lvl="1" indent="0" algn="ctr">
+              <a:buNone/>
+            </a:pPr>
+            <a:r>
+              <a:rPr lang="en-US" dirty="0"/>
+              <a:t>This happened to Carlo and at some point he realized that</a:t>
+            </a:r>
+          </a:p>
+          <a:p>
+            <a:pPr marL="346075" lvl="1" indent="0" algn="ctr">
+              <a:buNone/>
+            </a:pPr>
+            <a:r>
+              <a:rPr lang="en-US" b="1" dirty="0"/>
+              <a:t>“I had re-invented the lab notebook!”</a:t>
+            </a:r>
+          </a:p>
+        </p:txBody>
+      </p:sp>
+      <p:pic>
+        <p:nvPicPr>
+          <p:cNvPr id="1026" name="Picture 2">
+            <a:extLst>
+              <a:ext uri="{FF2B5EF4-FFF2-40B4-BE49-F238E27FC236}">
+                <a16:creationId xmlns:a16="http://schemas.microsoft.com/office/drawing/2014/main" id="{1E549EE4-28B2-D26E-39A2-B404B46A21AA}"/>
+              </a:ext>
+            </a:extLst>
+          </p:cNvPr>
+          <p:cNvPicPr>
+            <a:picLocks noChangeAspect="1" noChangeArrowheads="1"/>
+          </p:cNvPicPr>
+          <p:nvPr/>
+        </p:nvPicPr>
+        <p:blipFill>
+          <a:blip r:embed="rId3">
+            <a:extLst>
+              <a:ext uri="{28A0092B-C50C-407E-A947-70E740481C1C}">
+                <a14:useLocalDpi xmlns:a14="http://schemas.microsoft.com/office/drawing/2010/main" val="0"/>
+              </a:ext>
+            </a:extLst>
+          </a:blip>
+          <a:srcRect/>
+          <a:stretch>
+            <a:fillRect/>
+          </a:stretch>
+        </p:blipFill>
+        <p:spPr bwMode="auto">
+          <a:xfrm>
+            <a:off x="8582318" y="2445142"/>
+            <a:ext cx="3107997" cy="3107997"/>
+          </a:xfrm>
+          <a:prstGeom prst="rect">
+            <a:avLst/>
+          </a:prstGeom>
+          <a:noFill/>
+          <a:extLst>
+            <a:ext uri="{909E8E84-426E-40DD-AFC4-6F175D3DCCD1}">
+              <a14:hiddenFill xmlns:a14="http://schemas.microsoft.com/office/drawing/2010/main">
+                <a:solidFill>
+                  <a:srgbClr val="FFFFFF"/>
+                </a:solidFill>
+              </a14:hiddenFill>
+            </a:ext>
+          </a:extLst>
+        </p:spPr>
+      </p:pic>
+      <p:sp>
+        <p:nvSpPr>
+          <p:cNvPr id="4" name="TextBox 3">
+            <a:extLst>
+              <a:ext uri="{FF2B5EF4-FFF2-40B4-BE49-F238E27FC236}">
+                <a16:creationId xmlns:a16="http://schemas.microsoft.com/office/drawing/2014/main" id="{16D525C9-54D1-8271-CFDE-574DC890627E}"/>
+              </a:ext>
+            </a:extLst>
+          </p:cNvPr>
+          <p:cNvSpPr txBox="1"/>
+          <p:nvPr/>
+        </p:nvSpPr>
+        <p:spPr>
+          <a:xfrm>
+            <a:off x="2578457" y="1215441"/>
+            <a:ext cx="7031910" cy="987963"/>
+          </a:xfrm>
+          <a:prstGeom prst="rect">
+            <a:avLst/>
+          </a:prstGeom>
+          <a:noFill/>
+        </p:spPr>
+        <p:txBody>
+          <a:bodyPr wrap="square" lIns="118872" tIns="91440" rIns="118872" bIns="91440" rtlCol="0" anchor="ctr" anchorCtr="0">
+            <a:spAutoFit/>
+          </a:bodyPr>
+          <a:lstStyle/>
+          <a:p>
+            <a:pPr algn="ctr">
+              <a:lnSpc>
+                <a:spcPct val="90000"/>
+              </a:lnSpc>
+            </a:pPr>
+            <a:r>
+              <a:rPr lang="en-US" sz="2000" dirty="0"/>
+              <a:t>Carlo Graziani is a Computational Scientist at ANL and author of the BSSW blog article </a:t>
+            </a:r>
+            <a:r>
+              <a:rPr lang="en-US" sz="2000" dirty="0">
+                <a:hlinkClick r:id="rId4"/>
+              </a:rPr>
+              <a:t>HPC and the Lab Manager</a:t>
+            </a:r>
+            <a:endParaRPr lang="en-US" sz="2000" dirty="0"/>
+          </a:p>
+          <a:p>
+            <a:pPr algn="l">
+              <a:lnSpc>
+                <a:spcPct val="90000"/>
+              </a:lnSpc>
+            </a:pPr>
+            <a:endParaRPr lang="en-US" dirty="0"/>
+          </a:p>
+        </p:txBody>
+      </p:sp>
+    </p:spTree>
+    <p:extLst>
+      <p:ext uri="{BB962C8B-B14F-4D97-AF65-F5344CB8AC3E}">
+        <p14:creationId xmlns:p14="http://schemas.microsoft.com/office/powerpoint/2010/main" val="3269410790"/>
+      </p:ext>
+    </p:extLst>
+  </p:cSld>
+  <p:clrMapOvr>
+    <a:masterClrMapping/>
+  </p:clrMapOvr>
+</p:sld>
+</file>
+
+<file path=ppt/slides/slide18.xml><?xml version="1.0" encoding="utf-8"?>
+<p:sld xmlns:a="http://schemas.openxmlformats.org/drawingml/2006/main" xmlns:r="http://schemas.openxmlformats.org/officeDocument/2006/relationships" xmlns:p="http://schemas.openxmlformats.org/presentationml/2006/main">
+  <p:cSld>
+    <p:spTree>
+      <p:nvGrpSpPr>
+        <p:cNvPr id="1" name=""/>
+        <p:cNvGrpSpPr/>
+        <p:nvPr/>
+      </p:nvGrpSpPr>
+      <p:grpSpPr>
+        <a:xfrm>
+          <a:off x="0" y="0"/>
+          <a:ext cx="0" cy="0"/>
+          <a:chOff x="0" y="0"/>
+          <a:chExt cx="0" cy="0"/>
+        </a:xfrm>
+      </p:grpSpPr>
+      <p:sp>
+        <p:nvSpPr>
+          <p:cNvPr id="2" name="Title 1">
+            <a:extLst>
+              <a:ext uri="{FF2B5EF4-FFF2-40B4-BE49-F238E27FC236}">
+                <a16:creationId xmlns:a16="http://schemas.microsoft.com/office/drawing/2014/main" id="{6CA68844-F8F5-FE2F-1739-60DE75BBE948}"/>
+              </a:ext>
+            </a:extLst>
+          </p:cNvPr>
+          <p:cNvSpPr>
+            <a:spLocks noGrp="1"/>
+          </p:cNvSpPr>
+          <p:nvPr>
+            <p:ph type="title"/>
+          </p:nvPr>
+        </p:nvSpPr>
+        <p:spPr/>
+        <p:txBody>
+          <a:bodyPr/>
+          <a:lstStyle/>
+          <a:p>
+            <a:r>
+              <a:rPr lang="en-US" dirty="0"/>
+              <a:t>Tried and True</a:t>
+            </a:r>
+          </a:p>
+        </p:txBody>
+      </p:sp>
+      <p:sp>
+        <p:nvSpPr>
+          <p:cNvPr id="3" name="Content Placeholder 2">
+            <a:extLst>
+              <a:ext uri="{FF2B5EF4-FFF2-40B4-BE49-F238E27FC236}">
+                <a16:creationId xmlns:a16="http://schemas.microsoft.com/office/drawing/2014/main" id="{B745DA1A-B760-AD97-531D-3C6EA0486C89}"/>
+              </a:ext>
+            </a:extLst>
+          </p:cNvPr>
+          <p:cNvSpPr>
+            <a:spLocks noGrp="1"/>
+          </p:cNvSpPr>
+          <p:nvPr>
+            <p:ph idx="1"/>
+          </p:nvPr>
+        </p:nvSpPr>
+        <p:spPr/>
+        <p:txBody>
+          <a:bodyPr/>
+          <a:lstStyle/>
+          <a:p>
+            <a:pPr marL="0" indent="0" algn="ctr">
+              <a:buNone/>
+            </a:pPr>
+            <a:r>
+              <a:rPr lang="en-US" dirty="0"/>
+              <a:t>Nothing will ever beat good </a:t>
+            </a:r>
+            <a:r>
+              <a:rPr lang="en-US" dirty="0" err="1"/>
+              <a:t>ol</a:t>
+            </a:r>
+            <a:r>
+              <a:rPr lang="en-US" dirty="0"/>
+              <a:t>’ paper and pencil.</a:t>
+            </a:r>
+          </a:p>
+          <a:p>
+            <a:pPr marL="0" indent="0">
+              <a:buNone/>
+            </a:pPr>
+            <a:endParaRPr lang="en-US" dirty="0"/>
+          </a:p>
+          <a:p>
+            <a:r>
+              <a:rPr lang="en-US" dirty="0"/>
+              <a:t>Anyone can use paper and pencil in any situation</a:t>
+            </a:r>
+          </a:p>
+          <a:p>
+            <a:r>
+              <a:rPr lang="en-US" dirty="0"/>
+              <a:t>It can be quicker to scribble down notes than to use a digital tool</a:t>
+            </a:r>
+          </a:p>
+          <a:p>
+            <a:r>
+              <a:rPr lang="en-US" dirty="0"/>
+              <a:t>Concentrate on the work that I am performing rather than on tooling</a:t>
+            </a:r>
+          </a:p>
+          <a:p>
+            <a:r>
+              <a:rPr lang="en-US" dirty="0"/>
+              <a:t>Sometimes it’s good if notetaking slows down progress</a:t>
+            </a:r>
+          </a:p>
+          <a:p>
+            <a:r>
+              <a:rPr lang="en-US" dirty="0"/>
+              <a:t>Open format can allow for creativity and easier annotation</a:t>
+            </a:r>
+          </a:p>
+          <a:p>
+            <a:r>
+              <a:rPr lang="en-US" dirty="0"/>
+              <a:t>The notebook is stored </a:t>
+            </a:r>
+            <a:r>
+              <a:rPr lang="en-US" b="1" dirty="0"/>
+              <a:t>publicly</a:t>
+            </a:r>
+            <a:r>
+              <a:rPr lang="en-US" dirty="0"/>
+              <a:t> next to where it is used</a:t>
+            </a:r>
+          </a:p>
+        </p:txBody>
+      </p:sp>
+    </p:spTree>
+    <p:extLst>
+      <p:ext uri="{BB962C8B-B14F-4D97-AF65-F5344CB8AC3E}">
+        <p14:creationId xmlns:p14="http://schemas.microsoft.com/office/powerpoint/2010/main" val="2673186691"/>
+      </p:ext>
+    </p:extLst>
+  </p:cSld>
+  <p:clrMapOvr>
+    <a:masterClrMapping/>
+  </p:clrMapOvr>
+</p:sld>
+</file>
+
+<file path=ppt/slides/slide19.xml><?xml version="1.0" encoding="utf-8"?>
+<p:sld xmlns:a="http://schemas.openxmlformats.org/drawingml/2006/main" xmlns:r="http://schemas.openxmlformats.org/officeDocument/2006/relationships" xmlns:p="http://schemas.openxmlformats.org/presentationml/2006/main">
+  <p:cSld>
+    <p:spTree>
+      <p:nvGrpSpPr>
+        <p:cNvPr id="1" name=""/>
+        <p:cNvGrpSpPr/>
+        <p:nvPr/>
+      </p:nvGrpSpPr>
+      <p:grpSpPr>
+        <a:xfrm>
+          <a:off x="0" y="0"/>
+          <a:ext cx="0" cy="0"/>
+          <a:chOff x="0" y="0"/>
+          <a:chExt cx="0" cy="0"/>
+        </a:xfrm>
+      </p:grpSpPr>
+      <p:sp>
+        <p:nvSpPr>
+          <p:cNvPr id="2" name="Title 1">
+            <a:extLst>
+              <a:ext uri="{FF2B5EF4-FFF2-40B4-BE49-F238E27FC236}">
+                <a16:creationId xmlns:a16="http://schemas.microsoft.com/office/drawing/2014/main" id="{FC4D255F-6B22-D90A-D3FA-6B3758CEF6F0}"/>
+              </a:ext>
+            </a:extLst>
+          </p:cNvPr>
+          <p:cNvSpPr>
+            <a:spLocks noGrp="1"/>
+          </p:cNvSpPr>
+          <p:nvPr>
+            <p:ph type="title"/>
+          </p:nvPr>
+        </p:nvSpPr>
+        <p:spPr/>
+        <p:txBody>
+          <a:bodyPr/>
+          <a:lstStyle/>
+          <a:p>
+            <a:r>
+              <a:rPr lang="en-US" dirty="0"/>
+              <a:t>No really.  I’m not joking…</a:t>
+            </a:r>
+          </a:p>
+        </p:txBody>
+      </p:sp>
+      <p:sp>
+        <p:nvSpPr>
+          <p:cNvPr id="3" name="Content Placeholder 2">
+            <a:extLst>
+              <a:ext uri="{FF2B5EF4-FFF2-40B4-BE49-F238E27FC236}">
+                <a16:creationId xmlns:a16="http://schemas.microsoft.com/office/drawing/2014/main" id="{2A5FC098-DAFE-4D6E-F648-3A3DB5E24581}"/>
+              </a:ext>
+            </a:extLst>
+          </p:cNvPr>
+          <p:cNvSpPr>
+            <a:spLocks noGrp="1"/>
+          </p:cNvSpPr>
+          <p:nvPr>
+            <p:ph idx="1"/>
+          </p:nvPr>
+        </p:nvSpPr>
+        <p:spPr>
+          <a:xfrm>
+            <a:off x="365760" y="1018897"/>
+            <a:ext cx="11369809" cy="4047778"/>
+          </a:xfrm>
+        </p:spPr>
+        <p:txBody>
+          <a:bodyPr/>
+          <a:lstStyle/>
+          <a:p>
+            <a:pPr marL="0" indent="0">
+              <a:buNone/>
+            </a:pPr>
+            <a:r>
+              <a:rPr lang="en-US" dirty="0"/>
+              <a:t>“Since at least the 1990s, articles on technology have predicted the imminent, widespread adoption of electronic laboratory notebooks (ELNs) by researchers. It has yet to happen — but more and more scientists are taking the plunge.”</a:t>
+            </a:r>
+          </a:p>
+          <a:p>
+            <a:pPr marL="0" indent="0">
+              <a:buNone/>
+            </a:pPr>
+            <a:r>
+              <a:rPr lang="en-US" dirty="0"/>
+              <a:t>	- </a:t>
+            </a:r>
+            <a:r>
+              <a:rPr lang="en-US" sz="1800" dirty="0"/>
+              <a:t>Roberta Kwok, </a:t>
+            </a:r>
+            <a:r>
+              <a:rPr lang="en-US" sz="1800" dirty="0">
+                <a:hlinkClick r:id="rId3"/>
+              </a:rPr>
+              <a:t>“How to pick an electronic laboratory notebook”</a:t>
+            </a:r>
+            <a:r>
+              <a:rPr lang="en-US" sz="1800" dirty="0"/>
+              <a:t>, Nature, 2017.</a:t>
+            </a:r>
+          </a:p>
+          <a:p>
+            <a:pPr marL="0" indent="0">
+              <a:buNone/>
+            </a:pPr>
+            <a:endParaRPr lang="en-US" sz="1800" dirty="0"/>
+          </a:p>
+          <a:p>
+            <a:r>
+              <a:rPr lang="en-US" sz="1800" dirty="0"/>
+              <a:t>Some must be purchased to access features and lift resource limits</a:t>
+            </a:r>
+          </a:p>
+          <a:p>
+            <a:r>
+              <a:rPr lang="en-US" sz="1800" dirty="0"/>
+              <a:t>Some include templates and collaboration tools</a:t>
+            </a:r>
+          </a:p>
+          <a:p>
+            <a:r>
+              <a:rPr lang="en-US" sz="1800" dirty="0"/>
+              <a:t>Tied to technology that could fail</a:t>
+            </a:r>
+          </a:p>
+          <a:p>
+            <a:r>
+              <a:rPr lang="en-US" sz="1800" b="1" dirty="0"/>
+              <a:t>Overwhelming variety of possible solutions with different pros and cons</a:t>
+            </a:r>
+          </a:p>
+          <a:p>
+            <a:r>
+              <a:rPr lang="en-US" sz="1800" b="1" dirty="0"/>
+              <a:t>Uncertainty about future of tool, increased costs, inability to export</a:t>
+            </a:r>
+          </a:p>
+          <a:p>
+            <a:r>
+              <a:rPr lang="en-US" sz="1800" b="1" dirty="0"/>
+              <a:t>Does funding restrict where and how digital notes can be stored?</a:t>
+            </a:r>
+          </a:p>
+          <a:p>
+            <a:endParaRPr lang="en-US" sz="1800" dirty="0"/>
+          </a:p>
+        </p:txBody>
+      </p:sp>
+    </p:spTree>
+    <p:extLst>
+      <p:ext uri="{BB962C8B-B14F-4D97-AF65-F5344CB8AC3E}">
+        <p14:creationId xmlns:p14="http://schemas.microsoft.com/office/powerpoint/2010/main" val="1192855188"/>
+      </p:ext>
+    </p:extLst>
+  </p:cSld>
+  <p:clrMapOvr>
+    <a:masterClrMapping/>
+  </p:clrMapOvr>
+</p:sld>
+</file>
+
+<file path=ppt/slides/slide2.xml><?xml version="1.0" encoding="utf-8"?>
+<p:sld xmlns:a="http://schemas.openxmlformats.org/drawingml/2006/main" xmlns:r="http://schemas.openxmlformats.org/officeDocument/2006/relationships" xmlns:p="http://schemas.openxmlformats.org/presentationml/2006/main">
+  <p:cSld>
+    <p:spTree>
+      <p:nvGrpSpPr>
+        <p:cNvPr id="1" name=""/>
+        <p:cNvGrpSpPr/>
+        <p:nvPr/>
+      </p:nvGrpSpPr>
+      <p:grpSpPr>
+        <a:xfrm>
+          <a:off x="0" y="0"/>
+          <a:ext cx="0" cy="0"/>
+          <a:chOff x="0" y="0"/>
+          <a:chExt cx="0" cy="0"/>
+        </a:xfrm>
+      </p:grpSpPr>
+      <p:sp>
+        <p:nvSpPr>
+          <p:cNvPr id="2" name="Title 1">
+            <a:extLst>
+              <a:ext uri="{FF2B5EF4-FFF2-40B4-BE49-F238E27FC236}">
+                <a16:creationId xmlns:a16="http://schemas.microsoft.com/office/drawing/2014/main" id="{EAB11D2D-6F7D-4460-33DC-AE1BC71433E3}"/>
+              </a:ext>
+            </a:extLst>
+          </p:cNvPr>
+          <p:cNvSpPr>
+            <a:spLocks noGrp="1"/>
+          </p:cNvSpPr>
+          <p:nvPr>
+            <p:ph type="title"/>
+          </p:nvPr>
+        </p:nvSpPr>
+        <p:spPr/>
+        <p:txBody>
+          <a:bodyPr/>
+          <a:lstStyle/>
+          <a:p>
+            <a:r>
+              <a:rPr lang="en-US" dirty="0">
+                <a:solidFill>
+                  <a:srgbClr val="FF0000"/>
+                </a:solidFill>
+              </a:rPr>
+              <a:t>TODO: Add license page in accord with official process</a:t>
+            </a:r>
+          </a:p>
+        </p:txBody>
+      </p:sp>
+      <p:sp>
+        <p:nvSpPr>
+          <p:cNvPr id="3" name="Content Placeholder 2">
+            <a:extLst>
+              <a:ext uri="{FF2B5EF4-FFF2-40B4-BE49-F238E27FC236}">
+                <a16:creationId xmlns:a16="http://schemas.microsoft.com/office/drawing/2014/main" id="{A8716687-4F36-A3C7-DF8B-075A834E1B43}"/>
+              </a:ext>
+            </a:extLst>
+          </p:cNvPr>
+          <p:cNvSpPr>
+            <a:spLocks noGrp="1"/>
+          </p:cNvSpPr>
+          <p:nvPr>
+            <p:ph idx="1"/>
+          </p:nvPr>
+        </p:nvSpPr>
+        <p:spPr/>
+        <p:txBody>
+          <a:bodyPr/>
+          <a:lstStyle/>
+          <a:p>
+            <a:endParaRPr lang="en-US" dirty="0"/>
+          </a:p>
+        </p:txBody>
+      </p:sp>
+    </p:spTree>
+    <p:extLst>
+      <p:ext uri="{BB962C8B-B14F-4D97-AF65-F5344CB8AC3E}">
+        <p14:creationId xmlns:p14="http://schemas.microsoft.com/office/powerpoint/2010/main" val="2193331451"/>
+      </p:ext>
+    </p:extLst>
+  </p:cSld>
+  <p:clrMapOvr>
+    <a:masterClrMapping/>
+  </p:clrMapOvr>
+</p:sld>
+</file>
+
+<file path=ppt/slides/slide20.xml><?xml version="1.0" encoding="utf-8"?>
+<p:sld xmlns:a="http://schemas.openxmlformats.org/drawingml/2006/main" xmlns:r="http://schemas.openxmlformats.org/officeDocument/2006/relationships" xmlns:p="http://schemas.openxmlformats.org/presentationml/2006/main">
+  <p:cSld>
+    <p:spTree>
+      <p:nvGrpSpPr>
+        <p:cNvPr id="1" name=""/>
+        <p:cNvGrpSpPr/>
+        <p:nvPr/>
+      </p:nvGrpSpPr>
+      <p:grpSpPr>
+        <a:xfrm>
+          <a:off x="0" y="0"/>
+          <a:ext cx="0" cy="0"/>
+          <a:chOff x="0" y="0"/>
+          <a:chExt cx="0" cy="0"/>
+        </a:xfrm>
+      </p:grpSpPr>
+      <p:sp>
+        <p:nvSpPr>
+          <p:cNvPr id="2" name="Title 1">
+            <a:extLst>
+              <a:ext uri="{FF2B5EF4-FFF2-40B4-BE49-F238E27FC236}">
+                <a16:creationId xmlns:a16="http://schemas.microsoft.com/office/drawing/2014/main" id="{A1FF3B6A-EE49-5CE4-E131-37168F913EC8}"/>
+              </a:ext>
+            </a:extLst>
+          </p:cNvPr>
+          <p:cNvSpPr>
+            <a:spLocks noGrp="1"/>
+          </p:cNvSpPr>
+          <p:nvPr>
+            <p:ph type="title"/>
+          </p:nvPr>
+        </p:nvSpPr>
+        <p:spPr/>
+        <p:txBody>
+          <a:bodyPr/>
+          <a:lstStyle/>
+          <a:p>
+            <a:r>
+              <a:rPr lang="en-US" dirty="0"/>
+              <a:t>What would a lab notebook look like for us?</a:t>
+            </a:r>
+          </a:p>
+        </p:txBody>
+      </p:sp>
+      <p:sp>
+        <p:nvSpPr>
+          <p:cNvPr id="3" name="Content Placeholder 2">
+            <a:extLst>
+              <a:ext uri="{FF2B5EF4-FFF2-40B4-BE49-F238E27FC236}">
+                <a16:creationId xmlns:a16="http://schemas.microsoft.com/office/drawing/2014/main" id="{87FC7B46-6306-EDA8-27BF-A17A474C2A6E}"/>
+              </a:ext>
+            </a:extLst>
+          </p:cNvPr>
+          <p:cNvSpPr>
+            <a:spLocks noGrp="1"/>
+          </p:cNvSpPr>
+          <p:nvPr>
+            <p:ph idx="1"/>
+          </p:nvPr>
+        </p:nvSpPr>
+        <p:spPr>
+          <a:xfrm>
+            <a:off x="365760" y="1093543"/>
+            <a:ext cx="11369809" cy="4047778"/>
+          </a:xfrm>
+        </p:spPr>
+        <p:txBody>
+          <a:bodyPr/>
+          <a:lstStyle/>
+          <a:p>
+            <a:r>
+              <a:rPr lang="en-US" sz="2000" dirty="0"/>
+              <a:t>We work anywhere and sometimes in distributed way.  Paper won’t work.</a:t>
+            </a:r>
+          </a:p>
+          <a:p>
+            <a:r>
+              <a:rPr lang="en-US" sz="2000" dirty="0"/>
+              <a:t>Should notebooks be public and how to do that?</a:t>
+            </a:r>
+          </a:p>
+          <a:p>
+            <a:r>
+              <a:rPr lang="en-US" sz="2000" dirty="0"/>
+              <a:t>How many different types of notebooks do we need?</a:t>
+            </a:r>
+          </a:p>
+          <a:p>
+            <a:r>
+              <a:rPr lang="en-US" sz="2000" dirty="0"/>
+              <a:t>Do we use a single ELN or distribute notes across a suite of tools?</a:t>
+            </a:r>
+          </a:p>
+          <a:p>
+            <a:r>
+              <a:rPr lang="en-US" sz="2000" dirty="0"/>
+              <a:t>How can we use automation appropriately to overcome difficulties and increase productivity?</a:t>
+            </a:r>
+          </a:p>
+        </p:txBody>
+      </p:sp>
+      <p:pic>
+        <p:nvPicPr>
+          <p:cNvPr id="4" name="Picture 3">
+            <a:extLst>
+              <a:ext uri="{FF2B5EF4-FFF2-40B4-BE49-F238E27FC236}">
+                <a16:creationId xmlns:a16="http://schemas.microsoft.com/office/drawing/2014/main" id="{DEBAF7D5-A08B-07C1-D340-1E11DC5F4E80}"/>
+              </a:ext>
+            </a:extLst>
+          </p:cNvPr>
+          <p:cNvPicPr>
+            <a:picLocks noChangeAspect="1"/>
+          </p:cNvPicPr>
+          <p:nvPr/>
+        </p:nvPicPr>
+        <p:blipFill>
+          <a:blip r:embed="rId3"/>
+          <a:stretch>
+            <a:fillRect/>
+          </a:stretch>
+        </p:blipFill>
+        <p:spPr>
+          <a:xfrm>
+            <a:off x="453256" y="3614022"/>
+            <a:ext cx="6936197" cy="2345477"/>
+          </a:xfrm>
+          <a:prstGeom prst="rect">
+            <a:avLst/>
+          </a:prstGeom>
+        </p:spPr>
+      </p:pic>
+      <p:sp>
+        <p:nvSpPr>
+          <p:cNvPr id="5" name="TextBox 4">
+            <a:extLst>
+              <a:ext uri="{FF2B5EF4-FFF2-40B4-BE49-F238E27FC236}">
+                <a16:creationId xmlns:a16="http://schemas.microsoft.com/office/drawing/2014/main" id="{73FEB8E6-5508-340A-DE1E-0F7279FEC66B}"/>
+              </a:ext>
+            </a:extLst>
+          </p:cNvPr>
+          <p:cNvSpPr txBox="1"/>
+          <p:nvPr/>
+        </p:nvSpPr>
+        <p:spPr>
+          <a:xfrm>
+            <a:off x="7686768" y="4074825"/>
+            <a:ext cx="4048801" cy="683264"/>
+          </a:xfrm>
+          <a:prstGeom prst="rect">
+            <a:avLst/>
+          </a:prstGeom>
+          <a:noFill/>
+        </p:spPr>
+        <p:txBody>
+          <a:bodyPr wrap="none" lIns="118872" tIns="91440" rIns="118872" bIns="91440" rtlCol="0" anchor="ctr" anchorCtr="0">
+            <a:spAutoFit/>
+          </a:bodyPr>
+          <a:lstStyle/>
+          <a:p>
+            <a:pPr algn="l">
+              <a:lnSpc>
+                <a:spcPct val="90000"/>
+              </a:lnSpc>
+            </a:pPr>
+            <a:r>
+              <a:rPr lang="en-US" dirty="0"/>
+              <a:t>Details not obvious from commit diff:</a:t>
+            </a:r>
+          </a:p>
+          <a:p>
+            <a:pPr algn="l">
+              <a:lnSpc>
+                <a:spcPct val="90000"/>
+              </a:lnSpc>
+            </a:pPr>
+            <a:r>
+              <a:rPr lang="en-US" dirty="0"/>
+              <a:t>Motivation, reasoning, consequences</a:t>
+            </a:r>
+          </a:p>
+        </p:txBody>
+      </p:sp>
+      <p:sp>
+        <p:nvSpPr>
+          <p:cNvPr id="6" name="TextBox 5">
+            <a:extLst>
+              <a:ext uri="{FF2B5EF4-FFF2-40B4-BE49-F238E27FC236}">
+                <a16:creationId xmlns:a16="http://schemas.microsoft.com/office/drawing/2014/main" id="{9376D524-9A68-7982-3181-D5BB3240B277}"/>
+              </a:ext>
+            </a:extLst>
+          </p:cNvPr>
+          <p:cNvSpPr txBox="1"/>
+          <p:nvPr/>
+        </p:nvSpPr>
+        <p:spPr>
+          <a:xfrm>
+            <a:off x="7686768" y="5277461"/>
+            <a:ext cx="1599477" cy="433965"/>
+          </a:xfrm>
+          <a:prstGeom prst="rect">
+            <a:avLst/>
+          </a:prstGeom>
+          <a:noFill/>
+        </p:spPr>
+        <p:txBody>
+          <a:bodyPr wrap="none" lIns="118872" tIns="91440" rIns="118872" bIns="91440" rtlCol="0" anchor="ctr" anchorCtr="0">
+            <a:spAutoFit/>
+          </a:bodyPr>
+          <a:lstStyle/>
+          <a:p>
+            <a:pPr algn="l">
+              <a:lnSpc>
+                <a:spcPct val="90000"/>
+              </a:lnSpc>
+            </a:pPr>
+            <a:r>
+              <a:rPr lang="en-US" dirty="0"/>
+              <a:t>Testing notes</a:t>
+            </a:r>
+          </a:p>
+        </p:txBody>
+      </p:sp>
+    </p:spTree>
+    <p:extLst>
+      <p:ext uri="{BB962C8B-B14F-4D97-AF65-F5344CB8AC3E}">
+        <p14:creationId xmlns:p14="http://schemas.microsoft.com/office/powerpoint/2010/main" val="2420427987"/>
+      </p:ext>
+    </p:extLst>
+  </p:cSld>
+  <p:clrMapOvr>
+    <a:masterClrMapping/>
+  </p:clrMapOvr>
+</p:sld>
+</file>
+
+<file path=ppt/slides/slide21.xml><?xml version="1.0" encoding="utf-8"?>
+<p:sld xmlns:a="http://schemas.openxmlformats.org/drawingml/2006/main" xmlns:r="http://schemas.openxmlformats.org/officeDocument/2006/relationships" xmlns:p="http://schemas.openxmlformats.org/presentationml/2006/main">
+  <p:cSld>
+    <p:spTree>
+      <p:nvGrpSpPr>
+        <p:cNvPr id="1" name=""/>
+        <p:cNvGrpSpPr/>
+        <p:nvPr/>
+      </p:nvGrpSpPr>
+      <p:grpSpPr>
+        <a:xfrm>
+          <a:off x="0" y="0"/>
+          <a:ext cx="0" cy="0"/>
+          <a:chOff x="0" y="0"/>
+          <a:chExt cx="0" cy="0"/>
+        </a:xfrm>
+      </p:grpSpPr>
+      <p:sp>
+        <p:nvSpPr>
+          <p:cNvPr id="2" name="Title 1">
+            <a:extLst>
+              <a:ext uri="{FF2B5EF4-FFF2-40B4-BE49-F238E27FC236}">
+                <a16:creationId xmlns:a16="http://schemas.microsoft.com/office/drawing/2014/main" id="{CFF41FA5-42C6-DCF5-A690-885EE464A380}"/>
+              </a:ext>
+            </a:extLst>
+          </p:cNvPr>
+          <p:cNvSpPr>
+            <a:spLocks noGrp="1"/>
+          </p:cNvSpPr>
+          <p:nvPr>
+            <p:ph type="title"/>
+          </p:nvPr>
+        </p:nvSpPr>
+        <p:spPr/>
+        <p:txBody>
+          <a:bodyPr/>
+          <a:lstStyle/>
+          <a:p>
+            <a:r>
+              <a:rPr lang="en-US" dirty="0"/>
+              <a:t>Citations</a:t>
+            </a:r>
+          </a:p>
+        </p:txBody>
+      </p:sp>
+      <p:sp>
+        <p:nvSpPr>
+          <p:cNvPr id="3" name="Content Placeholder 2">
+            <a:extLst>
+              <a:ext uri="{FF2B5EF4-FFF2-40B4-BE49-F238E27FC236}">
+                <a16:creationId xmlns:a16="http://schemas.microsoft.com/office/drawing/2014/main" id="{A0FB830B-A920-605F-D6B5-8AD108EDFB73}"/>
+              </a:ext>
+            </a:extLst>
+          </p:cNvPr>
+          <p:cNvSpPr>
+            <a:spLocks noGrp="1"/>
+          </p:cNvSpPr>
+          <p:nvPr>
+            <p:ph idx="1"/>
+          </p:nvPr>
+        </p:nvSpPr>
+        <p:spPr/>
+        <p:txBody>
+          <a:bodyPr/>
+          <a:lstStyle/>
+          <a:p>
+            <a:r>
+              <a:rPr lang="en-US" dirty="0">
+                <a:solidFill>
+                  <a:srgbClr val="FF0000"/>
+                </a:solidFill>
+              </a:rPr>
+              <a:t>TODO: Add in all citations</a:t>
+            </a:r>
+          </a:p>
+        </p:txBody>
+      </p:sp>
+    </p:spTree>
+    <p:extLst>
+      <p:ext uri="{BB962C8B-B14F-4D97-AF65-F5344CB8AC3E}">
+        <p14:creationId xmlns:p14="http://schemas.microsoft.com/office/powerpoint/2010/main" val="1016376094"/>
+      </p:ext>
+    </p:extLst>
+  </p:cSld>
+  <p:clrMapOvr>
+    <a:masterClrMapping/>
+  </p:clrMapOvr>
+</p:sld>
+</file>
+
+<file path=ppt/slides/slide3.xml><?xml version="1.0" encoding="utf-8"?>
+<p:sld xmlns:a="http://schemas.openxmlformats.org/drawingml/2006/main" xmlns:r="http://schemas.openxmlformats.org/officeDocument/2006/relationships" xmlns:p="http://schemas.openxmlformats.org/presentationml/2006/main">
+  <p:cSld>
+    <p:spTree>
+      <p:nvGrpSpPr>
+        <p:cNvPr id="1" name=""/>
+        <p:cNvGrpSpPr/>
+        <p:nvPr/>
+      </p:nvGrpSpPr>
+      <p:grpSpPr>
+        <a:xfrm>
+          <a:off x="0" y="0"/>
+          <a:ext cx="0" cy="0"/>
+          <a:chOff x="0" y="0"/>
+          <a:chExt cx="0" cy="0"/>
+        </a:xfrm>
+      </p:grpSpPr>
+      <p:sp>
+        <p:nvSpPr>
+          <p:cNvPr id="2" name="Title 1">
+            <a:extLst>
+              <a:ext uri="{FF2B5EF4-FFF2-40B4-BE49-F238E27FC236}">
+                <a16:creationId xmlns:a16="http://schemas.microsoft.com/office/drawing/2014/main" id="{D1E181A3-6671-7FC8-9B8C-EFA7CD94AE43}"/>
+              </a:ext>
+            </a:extLst>
+          </p:cNvPr>
+          <p:cNvSpPr>
+            <a:spLocks noGrp="1"/>
+          </p:cNvSpPr>
+          <p:nvPr>
+            <p:ph type="title"/>
+          </p:nvPr>
+        </p:nvSpPr>
+        <p:spPr/>
+        <p:txBody>
+          <a:bodyPr/>
+          <a:lstStyle/>
+          <a:p>
+            <a:r>
+              <a:rPr lang="en-US" dirty="0"/>
+              <a:t>Why discuss experimental sciences at ATPESC?</a:t>
+            </a:r>
+          </a:p>
+        </p:txBody>
+      </p:sp>
+      <p:sp>
+        <p:nvSpPr>
+          <p:cNvPr id="3" name="Content Placeholder 2">
+            <a:extLst>
+              <a:ext uri="{FF2B5EF4-FFF2-40B4-BE49-F238E27FC236}">
+                <a16:creationId xmlns:a16="http://schemas.microsoft.com/office/drawing/2014/main" id="{7478E814-3FD6-683A-287B-C6BF8DC954B1}"/>
+              </a:ext>
+            </a:extLst>
+          </p:cNvPr>
+          <p:cNvSpPr>
+            <a:spLocks noGrp="1"/>
+          </p:cNvSpPr>
+          <p:nvPr>
+            <p:ph idx="1"/>
+          </p:nvPr>
+        </p:nvSpPr>
+        <p:spPr>
+          <a:xfrm>
+            <a:off x="365760" y="1259840"/>
+            <a:ext cx="11369809" cy="4047778"/>
+          </a:xfrm>
+        </p:spPr>
+        <p:txBody>
+          <a:bodyPr/>
+          <a:lstStyle/>
+          <a:p>
+            <a:pPr marL="0" indent="0">
+              <a:buNone/>
+            </a:pPr>
+            <a:r>
+              <a:rPr lang="en-US" dirty="0"/>
+              <a:t>“… practicing the scientific method properly requires good software practices.  This is understood in the experimental community…The computational science side has had a historic problem with it.  As we can see, it’s getting better.”</a:t>
+            </a:r>
+          </a:p>
+          <a:p>
+            <a:pPr marL="0" indent="0">
+              <a:buNone/>
+            </a:pPr>
+            <a:r>
+              <a:rPr lang="en-US" dirty="0"/>
+              <a:t>	- </a:t>
+            </a:r>
+            <a:r>
+              <a:rPr lang="en-US" sz="2000" dirty="0"/>
+              <a:t>Katherine Riley, Director of Science at ALCF, ATPESC 2019</a:t>
+            </a:r>
+          </a:p>
+          <a:p>
+            <a:pPr marL="0" indent="0">
+              <a:buNone/>
+            </a:pPr>
+            <a:endParaRPr lang="en-US" sz="2000" dirty="0"/>
+          </a:p>
+          <a:p>
+            <a:pPr marL="0" indent="0">
+              <a:buNone/>
+            </a:pPr>
+            <a:r>
+              <a:rPr lang="en-US" dirty="0"/>
+              <a:t>Scientific HPC is several young fields that “on close examination, have not really stabilized or optimized their collaborative processes in a manner analogous to that of more mature, "classical" sciences. As a consequence, valuable science is often needlessly lost, or left uncollected.”</a:t>
+            </a:r>
+          </a:p>
+          <a:p>
+            <a:pPr marL="0" indent="0">
+              <a:buNone/>
+            </a:pPr>
+            <a:r>
+              <a:rPr lang="en-US" dirty="0"/>
+              <a:t>	- </a:t>
+            </a:r>
+            <a:r>
+              <a:rPr lang="en-US" sz="2000" dirty="0"/>
+              <a:t>Carlo Graziani, Computational Scientist at ANL, </a:t>
+            </a:r>
+            <a:r>
+              <a:rPr lang="en-US" sz="2000" dirty="0">
+                <a:hlinkClick r:id="rId3"/>
+              </a:rPr>
+              <a:t>BSSW blog article </a:t>
+            </a:r>
+            <a:endParaRPr lang="en-US" sz="2000" dirty="0"/>
+          </a:p>
+          <a:p>
+            <a:r>
+              <a:rPr lang="en-US" dirty="0">
+                <a:solidFill>
+                  <a:srgbClr val="FF0000"/>
+                </a:solidFill>
+              </a:rPr>
+              <a:t>Find Mike’s quote</a:t>
+            </a:r>
+          </a:p>
+          <a:p>
+            <a:r>
+              <a:rPr lang="en-US" dirty="0">
+                <a:solidFill>
+                  <a:srgbClr val="FF0000"/>
+                </a:solidFill>
+              </a:rPr>
+              <a:t>Refer back to content in Intro?</a:t>
+            </a:r>
+          </a:p>
+          <a:p>
+            <a:pPr marL="0" indent="0">
+              <a:buNone/>
+            </a:pPr>
+            <a:endParaRPr lang="en-US" dirty="0"/>
+          </a:p>
+        </p:txBody>
+      </p:sp>
+    </p:spTree>
+    <p:extLst>
+      <p:ext uri="{BB962C8B-B14F-4D97-AF65-F5344CB8AC3E}">
+        <p14:creationId xmlns:p14="http://schemas.microsoft.com/office/powerpoint/2010/main" val="437670017"/>
+      </p:ext>
+    </p:extLst>
+  </p:cSld>
+  <p:clrMapOvr>
+    <a:masterClrMapping/>
+  </p:clrMapOvr>
+</p:sld>
+</file>
+
+<file path=ppt/slides/slide4.xml><?xml version="1.0" encoding="utf-8"?>
+<p:sld xmlns:a="http://schemas.openxmlformats.org/drawingml/2006/main" xmlns:r="http://schemas.openxmlformats.org/officeDocument/2006/relationships" xmlns:p="http://schemas.openxmlformats.org/presentationml/2006/main">
+  <p:cSld>
+    <p:spTree>
+      <p:nvGrpSpPr>
+        <p:cNvPr id="1" name=""/>
+        <p:cNvGrpSpPr/>
+        <p:nvPr/>
+      </p:nvGrpSpPr>
+      <p:grpSpPr>
+        <a:xfrm>
+          <a:off x="0" y="0"/>
+          <a:ext cx="0" cy="0"/>
+          <a:chOff x="0" y="0"/>
+          <a:chExt cx="0" cy="0"/>
+        </a:xfrm>
+      </p:grpSpPr>
+      <p:sp>
+        <p:nvSpPr>
+          <p:cNvPr id="2" name="Title 1">
+            <a:extLst>
+              <a:ext uri="{FF2B5EF4-FFF2-40B4-BE49-F238E27FC236}">
+                <a16:creationId xmlns:a16="http://schemas.microsoft.com/office/drawing/2014/main" id="{DD7726F5-3910-8BD6-E06A-CE367C4572DD}"/>
+              </a:ext>
+            </a:extLst>
+          </p:cNvPr>
+          <p:cNvSpPr>
+            <a:spLocks noGrp="1"/>
+          </p:cNvSpPr>
+          <p:nvPr>
+            <p:ph type="title"/>
+          </p:nvPr>
+        </p:nvSpPr>
+        <p:spPr/>
+        <p:txBody>
+          <a:bodyPr/>
+          <a:lstStyle/>
+          <a:p>
+            <a:r>
+              <a:rPr lang="en-US" dirty="0"/>
+              <a:t>Why me?</a:t>
+            </a:r>
+          </a:p>
+        </p:txBody>
+      </p:sp>
+      <p:sp>
+        <p:nvSpPr>
+          <p:cNvPr id="3" name="Content Placeholder 2">
+            <a:extLst>
+              <a:ext uri="{FF2B5EF4-FFF2-40B4-BE49-F238E27FC236}">
+                <a16:creationId xmlns:a16="http://schemas.microsoft.com/office/drawing/2014/main" id="{EBD2BFD3-91EC-7E65-A99A-FDC0ED7B4620}"/>
+              </a:ext>
+            </a:extLst>
+          </p:cNvPr>
+          <p:cNvSpPr>
+            <a:spLocks noGrp="1"/>
+          </p:cNvSpPr>
+          <p:nvPr>
+            <p:ph idx="1"/>
+          </p:nvPr>
+        </p:nvSpPr>
+        <p:spPr/>
+        <p:txBody>
+          <a:bodyPr/>
+          <a:lstStyle/>
+          <a:p>
+            <a:r>
+              <a:rPr lang="en-US" dirty="0"/>
+              <a:t>Experimental condensed matter physics background</a:t>
+            </a:r>
+          </a:p>
+          <a:p>
+            <a:pPr lvl="1"/>
+            <a:r>
+              <a:rPr lang="en-US" dirty="0"/>
+              <a:t>Low-energy positron diffraction</a:t>
+            </a:r>
+          </a:p>
+          <a:p>
+            <a:pPr lvl="1"/>
+            <a:r>
+              <a:rPr lang="en-US" dirty="0"/>
+              <a:t>Low-temperature, ultra-high-vacuum scanning tunneling microscopy</a:t>
+            </a:r>
+          </a:p>
+          <a:p>
+            <a:r>
+              <a:rPr lang="en-US" dirty="0"/>
+              <a:t>Professional experience in observational science environment</a:t>
+            </a:r>
+          </a:p>
+          <a:p>
+            <a:pPr lvl="1"/>
+            <a:r>
+              <a:rPr lang="en-US" dirty="0"/>
+              <a:t>European Southern Observatory’s Paranal Observatory</a:t>
+            </a:r>
+          </a:p>
+          <a:p>
+            <a:pPr lvl="1"/>
+            <a:r>
+              <a:rPr lang="en-US" dirty="0"/>
+              <a:t>Systems engineer specialized in adaptive optics</a:t>
+            </a:r>
+          </a:p>
+          <a:p>
+            <a:r>
+              <a:rPr lang="en-US" dirty="0"/>
+              <a:t>Scientific software developer</a:t>
+            </a:r>
+          </a:p>
+          <a:p>
+            <a:pPr lvl="1"/>
+            <a:r>
+              <a:rPr lang="en-US" dirty="0"/>
+              <a:t>Primarily focused on applications</a:t>
+            </a:r>
+          </a:p>
+          <a:p>
+            <a:pPr marL="0" indent="0">
+              <a:buNone/>
+            </a:pPr>
+            <a:endParaRPr lang="en-US" dirty="0"/>
+          </a:p>
+        </p:txBody>
+      </p:sp>
+      <p:sp>
+        <p:nvSpPr>
+          <p:cNvPr id="5" name="TextBox 4">
+            <a:extLst>
+              <a:ext uri="{FF2B5EF4-FFF2-40B4-BE49-F238E27FC236}">
+                <a16:creationId xmlns:a16="http://schemas.microsoft.com/office/drawing/2014/main" id="{32FF8EC1-19AD-86DC-1D34-D5AA90E512D2}"/>
+              </a:ext>
+            </a:extLst>
+          </p:cNvPr>
+          <p:cNvSpPr txBox="1"/>
+          <p:nvPr/>
+        </p:nvSpPr>
+        <p:spPr>
+          <a:xfrm>
+            <a:off x="3121573" y="5307363"/>
+            <a:ext cx="6620017" cy="766364"/>
+          </a:xfrm>
+          <a:prstGeom prst="rect">
+            <a:avLst/>
+          </a:prstGeom>
+          <a:noFill/>
+        </p:spPr>
+        <p:txBody>
+          <a:bodyPr wrap="none" lIns="118872" tIns="91440" rIns="118872" bIns="91440" rtlCol="0" anchor="ctr" anchorCtr="0">
+            <a:spAutoFit/>
+          </a:bodyPr>
+          <a:lstStyle/>
+          <a:p>
+            <a:pPr>
+              <a:lnSpc>
+                <a:spcPct val="90000"/>
+              </a:lnSpc>
+            </a:pPr>
+            <a:r>
+              <a:rPr lang="en-US" sz="2400" dirty="0"/>
+              <a:t>Always working on </a:t>
+            </a:r>
+            <a:r>
+              <a:rPr lang="en-US" sz="2400" b="1" dirty="0"/>
+              <a:t>scientific instrumentation</a:t>
+            </a:r>
+          </a:p>
+          <a:p>
+            <a:pPr algn="l">
+              <a:lnSpc>
+                <a:spcPct val="90000"/>
+              </a:lnSpc>
+            </a:pPr>
+            <a:endParaRPr lang="en-US" dirty="0"/>
+          </a:p>
+        </p:txBody>
+      </p:sp>
+    </p:spTree>
+    <p:extLst>
+      <p:ext uri="{BB962C8B-B14F-4D97-AF65-F5344CB8AC3E}">
+        <p14:creationId xmlns:p14="http://schemas.microsoft.com/office/powerpoint/2010/main" val="1597596200"/>
+      </p:ext>
+    </p:extLst>
+  </p:cSld>
+  <p:clrMapOvr>
+    <a:masterClrMapping/>
+  </p:clrMapOvr>
+</p:sld>
+</file>
+
+<file path=ppt/slides/slide5.xml><?xml version="1.0" encoding="utf-8"?>
+<p:sld xmlns:a="http://schemas.openxmlformats.org/drawingml/2006/main" xmlns:r="http://schemas.openxmlformats.org/officeDocument/2006/relationships" xmlns:p="http://schemas.openxmlformats.org/presentationml/2006/main">
+  <p:cSld>
+    <p:spTree>
+      <p:nvGrpSpPr>
+        <p:cNvPr id="1" name=""/>
+        <p:cNvGrpSpPr/>
+        <p:nvPr/>
+      </p:nvGrpSpPr>
+      <p:grpSpPr>
+        <a:xfrm>
+          <a:off x="0" y="0"/>
+          <a:ext cx="0" cy="0"/>
+          <a:chOff x="0" y="0"/>
+          <a:chExt cx="0" cy="0"/>
+        </a:xfrm>
+      </p:grpSpPr>
+      <p:sp>
+        <p:nvSpPr>
+          <p:cNvPr id="2" name="Title 1">
+            <a:extLst>
+              <a:ext uri="{FF2B5EF4-FFF2-40B4-BE49-F238E27FC236}">
+                <a16:creationId xmlns:a16="http://schemas.microsoft.com/office/drawing/2014/main" id="{8880C00D-F409-2FF4-8FF6-C940EB9DAD4D}"/>
+              </a:ext>
+            </a:extLst>
+          </p:cNvPr>
+          <p:cNvSpPr>
+            <a:spLocks noGrp="1"/>
+          </p:cNvSpPr>
+          <p:nvPr>
+            <p:ph type="title"/>
+          </p:nvPr>
+        </p:nvSpPr>
+        <p:spPr/>
+        <p:txBody>
+          <a:bodyPr/>
+          <a:lstStyle/>
+          <a:p>
+            <a:r>
+              <a:rPr lang="en-US" dirty="0"/>
+              <a:t>DIKUW</a:t>
+            </a:r>
+          </a:p>
+        </p:txBody>
+      </p:sp>
+      <p:sp>
+        <p:nvSpPr>
+          <p:cNvPr id="3" name="Content Placeholder 2">
+            <a:extLst>
+              <a:ext uri="{FF2B5EF4-FFF2-40B4-BE49-F238E27FC236}">
+                <a16:creationId xmlns:a16="http://schemas.microsoft.com/office/drawing/2014/main" id="{0B114E63-4B3C-C54B-FFCC-78B019BD23C1}"/>
+              </a:ext>
+            </a:extLst>
+          </p:cNvPr>
+          <p:cNvSpPr>
+            <a:spLocks noGrp="1"/>
+          </p:cNvSpPr>
+          <p:nvPr>
+            <p:ph idx="1"/>
+          </p:nvPr>
+        </p:nvSpPr>
+        <p:spPr/>
+        <p:txBody>
+          <a:bodyPr/>
+          <a:lstStyle/>
+          <a:p>
+            <a:pPr marL="0" indent="0">
+              <a:buNone/>
+            </a:pPr>
+            <a:r>
+              <a:rPr lang="en-US" dirty="0"/>
+              <a:t>A classification scheme that overloads every day words so that we can use the same language and understand each other.</a:t>
+            </a:r>
+          </a:p>
+          <a:p>
+            <a:r>
+              <a:rPr lang="en-US" dirty="0"/>
+              <a:t>Data</a:t>
+            </a:r>
+          </a:p>
+          <a:p>
+            <a:r>
+              <a:rPr lang="en-US" dirty="0"/>
+              <a:t>Information</a:t>
+            </a:r>
+          </a:p>
+          <a:p>
+            <a:r>
+              <a:rPr lang="en-US" dirty="0"/>
+              <a:t>Knowledge</a:t>
+            </a:r>
+          </a:p>
+          <a:p>
+            <a:r>
+              <a:rPr lang="en-US" dirty="0"/>
+              <a:t>Understanding</a:t>
+            </a:r>
+          </a:p>
+          <a:p>
+            <a:r>
+              <a:rPr lang="en-US" dirty="0"/>
+              <a:t>Wisdom</a:t>
+            </a:r>
+          </a:p>
+        </p:txBody>
+      </p:sp>
+    </p:spTree>
+    <p:extLst>
+      <p:ext uri="{BB962C8B-B14F-4D97-AF65-F5344CB8AC3E}">
+        <p14:creationId xmlns:p14="http://schemas.microsoft.com/office/powerpoint/2010/main" val="1041287334"/>
+      </p:ext>
+    </p:extLst>
+  </p:cSld>
+  <p:clrMapOvr>
+    <a:masterClrMapping/>
+  </p:clrMapOvr>
+</p:sld>
+</file>
+
+<file path=ppt/slides/slide6.xml><?xml version="1.0" encoding="utf-8"?>
+<p:sld xmlns:a="http://schemas.openxmlformats.org/drawingml/2006/main" xmlns:r="http://schemas.openxmlformats.org/officeDocument/2006/relationships" xmlns:p="http://schemas.openxmlformats.org/presentationml/2006/main">
+  <p:cSld>
+    <p:spTree>
+      <p:nvGrpSpPr>
+        <p:cNvPr id="1" name=""/>
+        <p:cNvGrpSpPr/>
+        <p:nvPr/>
+      </p:nvGrpSpPr>
+      <p:grpSpPr>
+        <a:xfrm>
+          <a:off x="0" y="0"/>
+          <a:ext cx="0" cy="0"/>
+          <a:chOff x="0" y="0"/>
+          <a:chExt cx="0" cy="0"/>
+        </a:xfrm>
+      </p:grpSpPr>
+      <p:sp>
+        <p:nvSpPr>
+          <p:cNvPr id="2" name="Title 1">
+            <a:extLst>
+              <a:ext uri="{FF2B5EF4-FFF2-40B4-BE49-F238E27FC236}">
+                <a16:creationId xmlns:a16="http://schemas.microsoft.com/office/drawing/2014/main" id="{9D3BEC0D-AF53-6375-54A6-F89A29585952}"/>
+              </a:ext>
+            </a:extLst>
+          </p:cNvPr>
+          <p:cNvSpPr>
+            <a:spLocks noGrp="1"/>
+          </p:cNvSpPr>
+          <p:nvPr>
+            <p:ph type="title"/>
+          </p:nvPr>
+        </p:nvSpPr>
+        <p:spPr/>
+        <p:txBody>
+          <a:bodyPr/>
+          <a:lstStyle/>
+          <a:p>
+            <a:r>
+              <a:rPr lang="en-US" dirty="0"/>
+              <a:t>Data &amp; Information</a:t>
+            </a:r>
+          </a:p>
+        </p:txBody>
+      </p:sp>
+      <p:sp>
+        <p:nvSpPr>
+          <p:cNvPr id="3" name="Content Placeholder 2">
+            <a:extLst>
+              <a:ext uri="{FF2B5EF4-FFF2-40B4-BE49-F238E27FC236}">
+                <a16:creationId xmlns:a16="http://schemas.microsoft.com/office/drawing/2014/main" id="{D86BEDF2-C3A6-598C-A740-C9E1F393C048}"/>
+              </a:ext>
+            </a:extLst>
+          </p:cNvPr>
+          <p:cNvSpPr>
+            <a:spLocks noGrp="1"/>
+          </p:cNvSpPr>
+          <p:nvPr>
+            <p:ph idx="1"/>
+          </p:nvPr>
+        </p:nvSpPr>
+        <p:spPr>
+          <a:xfrm>
+            <a:off x="365760" y="1325880"/>
+            <a:ext cx="11369809" cy="4047778"/>
+          </a:xfrm>
+        </p:spPr>
+        <p:txBody>
+          <a:bodyPr/>
+          <a:lstStyle/>
+          <a:p>
+            <a:r>
+              <a:rPr lang="en-US" dirty="0"/>
+              <a:t>Data</a:t>
+            </a:r>
+          </a:p>
+          <a:p>
+            <a:pPr lvl="1"/>
+            <a:r>
+              <a:rPr lang="en-US" dirty="0"/>
+              <a:t>Collection of numbers, symbols, text, </a:t>
+            </a:r>
+            <a:r>
+              <a:rPr lang="en-US" i="1" dirty="0"/>
+              <a:t>etc.</a:t>
+            </a:r>
+          </a:p>
+          <a:p>
+            <a:pPr lvl="1"/>
+            <a:r>
+              <a:rPr lang="en-US" dirty="0"/>
+              <a:t>It has value only because it was recorded and exists.</a:t>
+            </a:r>
+          </a:p>
+          <a:p>
+            <a:pPr lvl="1"/>
+            <a:r>
+              <a:rPr lang="en-US" dirty="0"/>
+              <a:t>Example: Timeseries data of temperature, relative humidity, and precipitation.</a:t>
+            </a:r>
+          </a:p>
+          <a:p>
+            <a:r>
+              <a:rPr lang="en-US" dirty="0"/>
+              <a:t>Information</a:t>
+            </a:r>
+          </a:p>
+          <a:p>
+            <a:pPr lvl="1"/>
+            <a:r>
+              <a:rPr lang="en-US" dirty="0"/>
+              <a:t>Facts gleaned from data</a:t>
+            </a:r>
+          </a:p>
+          <a:p>
+            <a:pPr lvl="1"/>
+            <a:r>
+              <a:rPr lang="en-US" dirty="0"/>
+              <a:t>Answers questions such as who, what, when, how much, how long, </a:t>
+            </a:r>
+            <a:r>
+              <a:rPr lang="en-US" i="1" dirty="0"/>
+              <a:t>etc</a:t>
+            </a:r>
+            <a:r>
+              <a:rPr lang="en-US" dirty="0"/>
+              <a:t>.</a:t>
+            </a:r>
+          </a:p>
+          <a:p>
+            <a:pPr lvl="1"/>
+            <a:r>
+              <a:rPr lang="en-US" dirty="0"/>
+              <a:t>Example: Starting at 2pm the temperature dropped by 5ºF over 15 minutes.  At 2:05 pm it started to rain and 0.25” of rain was accumulated over the next 30 minutes.</a:t>
+            </a:r>
+          </a:p>
+        </p:txBody>
+      </p:sp>
+    </p:spTree>
+    <p:extLst>
+      <p:ext uri="{BB962C8B-B14F-4D97-AF65-F5344CB8AC3E}">
+        <p14:creationId xmlns:p14="http://schemas.microsoft.com/office/powerpoint/2010/main" val="2193434764"/>
+      </p:ext>
+    </p:extLst>
+  </p:cSld>
+  <p:clrMapOvr>
+    <a:masterClrMapping/>
+  </p:clrMapOvr>
+</p:sld>
+</file>
+
+<file path=ppt/slides/slide7.xml><?xml version="1.0" encoding="utf-8"?>
+<p:sld xmlns:a="http://schemas.openxmlformats.org/drawingml/2006/main" xmlns:r="http://schemas.openxmlformats.org/officeDocument/2006/relationships" xmlns:p="http://schemas.openxmlformats.org/presentationml/2006/main">
+  <p:cSld>
+    <p:spTree>
+      <p:nvGrpSpPr>
+        <p:cNvPr id="1" name=""/>
+        <p:cNvGrpSpPr/>
+        <p:nvPr/>
+      </p:nvGrpSpPr>
+      <p:grpSpPr>
+        <a:xfrm>
+          <a:off x="0" y="0"/>
+          <a:ext cx="0" cy="0"/>
+          <a:chOff x="0" y="0"/>
+          <a:chExt cx="0" cy="0"/>
+        </a:xfrm>
+      </p:grpSpPr>
+      <p:sp>
+        <p:nvSpPr>
+          <p:cNvPr id="2" name="Title 1">
+            <a:extLst>
+              <a:ext uri="{FF2B5EF4-FFF2-40B4-BE49-F238E27FC236}">
+                <a16:creationId xmlns:a16="http://schemas.microsoft.com/office/drawing/2014/main" id="{D058ED4F-BC78-0A36-F75C-E4005B3DFBAE}"/>
+              </a:ext>
+            </a:extLst>
+          </p:cNvPr>
+          <p:cNvSpPr>
+            <a:spLocks noGrp="1"/>
+          </p:cNvSpPr>
+          <p:nvPr>
+            <p:ph type="title"/>
+          </p:nvPr>
+        </p:nvSpPr>
+        <p:spPr/>
+        <p:txBody>
+          <a:bodyPr/>
+          <a:lstStyle/>
+          <a:p>
+            <a:r>
+              <a:rPr lang="en-US" dirty="0"/>
+              <a:t>Knowledge &amp; Understanding</a:t>
+            </a:r>
+          </a:p>
+        </p:txBody>
+      </p:sp>
+      <p:sp>
+        <p:nvSpPr>
+          <p:cNvPr id="3" name="Content Placeholder 2">
+            <a:extLst>
+              <a:ext uri="{FF2B5EF4-FFF2-40B4-BE49-F238E27FC236}">
+                <a16:creationId xmlns:a16="http://schemas.microsoft.com/office/drawing/2014/main" id="{3EC7F33F-88DD-3100-7BF9-E8C247CEEC72}"/>
+              </a:ext>
+            </a:extLst>
+          </p:cNvPr>
+          <p:cNvSpPr>
+            <a:spLocks noGrp="1"/>
+          </p:cNvSpPr>
+          <p:nvPr>
+            <p:ph idx="1"/>
+          </p:nvPr>
+        </p:nvSpPr>
+        <p:spPr/>
+        <p:txBody>
+          <a:bodyPr/>
+          <a:lstStyle/>
+          <a:p>
+            <a:r>
+              <a:rPr lang="en-US" dirty="0"/>
+              <a:t>Knowledge</a:t>
+            </a:r>
+          </a:p>
+          <a:p>
+            <a:pPr lvl="1"/>
+            <a:r>
+              <a:rPr lang="en-US" dirty="0"/>
+              <a:t>Derived from information, experience, and </a:t>
+            </a:r>
+            <a:r>
+              <a:rPr lang="en-US" b="1" dirty="0"/>
+              <a:t>understanding</a:t>
+            </a:r>
+            <a:r>
+              <a:rPr lang="en-US" dirty="0"/>
+              <a:t>.</a:t>
+            </a:r>
+          </a:p>
+          <a:p>
+            <a:pPr lvl="1"/>
+            <a:r>
+              <a:rPr lang="en-US" dirty="0"/>
+              <a:t>Example: When relative humidity levels are high and the temperature drops, there is an increased probability of precipitation. </a:t>
+            </a:r>
+            <a:r>
+              <a:rPr lang="en-US" dirty="0">
+                <a:solidFill>
+                  <a:srgbClr val="FF0000"/>
+                </a:solidFill>
+              </a:rPr>
+              <a:t>TODO: Add in better paragraph.</a:t>
+            </a:r>
+          </a:p>
+          <a:p>
+            <a:r>
+              <a:rPr lang="en-US" dirty="0"/>
+              <a:t>Understanding</a:t>
+            </a:r>
+          </a:p>
+          <a:p>
+            <a:pPr lvl="1"/>
+            <a:r>
+              <a:rPr lang="en-US" dirty="0"/>
+              <a:t>A deep theoretical background in and practical experience with </a:t>
+            </a:r>
+            <a:r>
+              <a:rPr lang="en-US" dirty="0" err="1"/>
+              <a:t>thesystem</a:t>
+            </a:r>
+            <a:r>
+              <a:rPr lang="en-US" dirty="0"/>
+              <a:t> whose data was acquired and studied.</a:t>
+            </a:r>
+          </a:p>
+          <a:p>
+            <a:pPr lvl="1"/>
+            <a:r>
+              <a:rPr lang="en-US" dirty="0"/>
+              <a:t>Example: A meteorologist could explain (at different levels of detail) how the atmosphere works to substantiate the knowledge.</a:t>
+            </a:r>
+          </a:p>
+          <a:p>
+            <a:pPr marL="0" indent="0">
+              <a:buNone/>
+            </a:pPr>
+            <a:endParaRPr lang="en-US" dirty="0"/>
+          </a:p>
+        </p:txBody>
+      </p:sp>
+      <p:sp>
+        <p:nvSpPr>
+          <p:cNvPr id="4" name="TextBox 3">
+            <a:extLst>
+              <a:ext uri="{FF2B5EF4-FFF2-40B4-BE49-F238E27FC236}">
+                <a16:creationId xmlns:a16="http://schemas.microsoft.com/office/drawing/2014/main" id="{F55B5B07-2D57-D639-458E-BFF94A99FE7A}"/>
+              </a:ext>
+            </a:extLst>
+          </p:cNvPr>
+          <p:cNvSpPr txBox="1"/>
+          <p:nvPr/>
+        </p:nvSpPr>
+        <p:spPr>
+          <a:xfrm>
+            <a:off x="2057954" y="5180570"/>
+            <a:ext cx="8072916" cy="517065"/>
+          </a:xfrm>
+          <a:prstGeom prst="rect">
+            <a:avLst/>
+          </a:prstGeom>
+          <a:noFill/>
+        </p:spPr>
+        <p:txBody>
+          <a:bodyPr wrap="none" lIns="118872" tIns="91440" rIns="118872" bIns="91440" rtlCol="0" anchor="ctr" anchorCtr="0">
+            <a:spAutoFit/>
+          </a:bodyPr>
+          <a:lstStyle/>
+          <a:p>
+            <a:pPr algn="l">
+              <a:lnSpc>
+                <a:spcPct val="90000"/>
+              </a:lnSpc>
+            </a:pPr>
+            <a:r>
+              <a:rPr lang="en-US" sz="2400" dirty="0"/>
+              <a:t>You can share knowledge, can you share understanding?</a:t>
+            </a:r>
+          </a:p>
+        </p:txBody>
+      </p:sp>
+    </p:spTree>
+    <p:extLst>
+      <p:ext uri="{BB962C8B-B14F-4D97-AF65-F5344CB8AC3E}">
+        <p14:creationId xmlns:p14="http://schemas.microsoft.com/office/powerpoint/2010/main" val="2366589001"/>
+      </p:ext>
+    </p:extLst>
+  </p:cSld>
+  <p:clrMapOvr>
+    <a:masterClrMapping/>
+  </p:clrMapOvr>
+</p:sld>
+</file>
+
+<file path=ppt/slides/slide8.xml><?xml version="1.0" encoding="utf-8"?>
+<p:sld xmlns:a="http://schemas.openxmlformats.org/drawingml/2006/main" xmlns:r="http://schemas.openxmlformats.org/officeDocument/2006/relationships" xmlns:p="http://schemas.openxmlformats.org/presentationml/2006/main">
+  <p:cSld>
+    <p:spTree>
+      <p:nvGrpSpPr>
+        <p:cNvPr id="1" name=""/>
+        <p:cNvGrpSpPr/>
+        <p:nvPr/>
+      </p:nvGrpSpPr>
+      <p:grpSpPr>
+        <a:xfrm>
+          <a:off x="0" y="0"/>
+          <a:ext cx="0" cy="0"/>
+          <a:chOff x="0" y="0"/>
+          <a:chExt cx="0" cy="0"/>
+        </a:xfrm>
+      </p:grpSpPr>
+      <p:sp>
+        <p:nvSpPr>
+          <p:cNvPr id="2" name="Title 1">
+            <a:extLst>
+              <a:ext uri="{FF2B5EF4-FFF2-40B4-BE49-F238E27FC236}">
+                <a16:creationId xmlns:a16="http://schemas.microsoft.com/office/drawing/2014/main" id="{923FF528-4ADA-DA4E-A959-E1EFEAD4DC5A}"/>
+              </a:ext>
+            </a:extLst>
+          </p:cNvPr>
+          <p:cNvSpPr>
+            <a:spLocks noGrp="1"/>
+          </p:cNvSpPr>
+          <p:nvPr>
+            <p:ph type="title"/>
+          </p:nvPr>
+        </p:nvSpPr>
+        <p:spPr/>
+        <p:txBody>
+          <a:bodyPr/>
+          <a:lstStyle/>
+          <a:p>
+            <a:r>
+              <a:rPr lang="en-US" dirty="0"/>
+              <a:t>Obligatory Einstein Quote</a:t>
+            </a:r>
+            <a:br>
+              <a:rPr lang="en-US" dirty="0"/>
+            </a:br>
+            <a:endParaRPr lang="en-US" dirty="0"/>
+          </a:p>
+        </p:txBody>
+      </p:sp>
+      <p:sp>
+        <p:nvSpPr>
+          <p:cNvPr id="3" name="Content Placeholder 2">
+            <a:extLst>
+              <a:ext uri="{FF2B5EF4-FFF2-40B4-BE49-F238E27FC236}">
+                <a16:creationId xmlns:a16="http://schemas.microsoft.com/office/drawing/2014/main" id="{B1C4588A-E6F1-E870-2F2D-600085D93BB1}"/>
+              </a:ext>
+            </a:extLst>
+          </p:cNvPr>
+          <p:cNvSpPr>
+            <a:spLocks noGrp="1"/>
+          </p:cNvSpPr>
+          <p:nvPr>
+            <p:ph idx="1"/>
+          </p:nvPr>
+        </p:nvSpPr>
+        <p:spPr>
+          <a:xfrm>
+            <a:off x="1167009" y="1716340"/>
+            <a:ext cx="10028971" cy="4047778"/>
+          </a:xfrm>
+        </p:spPr>
+        <p:txBody>
+          <a:bodyPr/>
+          <a:lstStyle/>
+          <a:p>
+            <a:pPr marL="0" indent="0">
+              <a:buNone/>
+            </a:pPr>
+            <a:r>
+              <a:rPr lang="en-US" sz="3600" dirty="0"/>
+              <a:t>“Any fool can know. The point is to understand.” </a:t>
+            </a:r>
+          </a:p>
+          <a:p>
+            <a:pPr marL="0" indent="0">
+              <a:buNone/>
+            </a:pPr>
+            <a:r>
+              <a:rPr lang="en-US" dirty="0"/>
+              <a:t>	- </a:t>
+            </a:r>
+            <a:r>
+              <a:rPr lang="en-US" sz="2800" dirty="0"/>
+              <a:t>Albert Einstein</a:t>
+            </a:r>
+          </a:p>
+          <a:p>
+            <a:pPr marL="0" indent="0">
+              <a:buNone/>
+            </a:pPr>
+            <a:endParaRPr lang="en-US" dirty="0"/>
+          </a:p>
+        </p:txBody>
+      </p:sp>
+      <p:sp>
+        <p:nvSpPr>
+          <p:cNvPr id="4" name="TextBox 3">
+            <a:extLst>
+              <a:ext uri="{FF2B5EF4-FFF2-40B4-BE49-F238E27FC236}">
+                <a16:creationId xmlns:a16="http://schemas.microsoft.com/office/drawing/2014/main" id="{DCA5C706-847F-F402-A9B0-751B368A165A}"/>
+              </a:ext>
+            </a:extLst>
+          </p:cNvPr>
+          <p:cNvSpPr txBox="1"/>
+          <p:nvPr/>
+        </p:nvSpPr>
+        <p:spPr>
+          <a:xfrm>
+            <a:off x="2315108" y="4153999"/>
+            <a:ext cx="7558608" cy="1098762"/>
+          </a:xfrm>
+          <a:prstGeom prst="rect">
+            <a:avLst/>
+          </a:prstGeom>
+          <a:noFill/>
+        </p:spPr>
+        <p:txBody>
+          <a:bodyPr wrap="none" lIns="118872" tIns="91440" rIns="118872" bIns="91440" rtlCol="0" anchor="ctr" anchorCtr="0">
+            <a:spAutoFit/>
+          </a:bodyPr>
+          <a:lstStyle/>
+          <a:p>
+            <a:pPr marL="285750" indent="-285750">
+              <a:lnSpc>
+                <a:spcPct val="90000"/>
+              </a:lnSpc>
+              <a:buFont typeface="Arial" panose="020B0604020202020204" pitchFamily="34" charset="0"/>
+              <a:buChar char="•"/>
+            </a:pPr>
+            <a:r>
+              <a:rPr lang="en-US" sz="2400" dirty="0"/>
+              <a:t>Is understanding always the ultimate goal?</a:t>
+            </a:r>
+          </a:p>
+          <a:p>
+            <a:pPr marL="285750" indent="-285750">
+              <a:lnSpc>
+                <a:spcPct val="90000"/>
+              </a:lnSpc>
+              <a:buFont typeface="Arial" panose="020B0604020202020204" pitchFamily="34" charset="0"/>
+              <a:buChar char="•"/>
+            </a:pPr>
+            <a:r>
+              <a:rPr lang="en-US" sz="2400" dirty="0"/>
+              <a:t>Are there times when mere knowledge is sufficient?</a:t>
+            </a:r>
+          </a:p>
+          <a:p>
+            <a:pPr algn="l">
+              <a:lnSpc>
+                <a:spcPct val="90000"/>
+              </a:lnSpc>
+            </a:pPr>
+            <a:endParaRPr lang="en-US" dirty="0"/>
+          </a:p>
+        </p:txBody>
+      </p:sp>
+    </p:spTree>
+    <p:extLst>
+      <p:ext uri="{BB962C8B-B14F-4D97-AF65-F5344CB8AC3E}">
+        <p14:creationId xmlns:p14="http://schemas.microsoft.com/office/powerpoint/2010/main" val="3553658350"/>
+      </p:ext>
+    </p:extLst>
+  </p:cSld>
+  <p:clrMapOvr>
+    <a:masterClrMapping/>
+  </p:clrMapOvr>
+</p:sld>
+</file>
+
+<file path=ppt/slides/slide9.xml><?xml version="1.0" encoding="utf-8"?>
+<p:sld xmlns:a="http://schemas.openxmlformats.org/drawingml/2006/main" xmlns:r="http://schemas.openxmlformats.org/officeDocument/2006/relationships" xmlns:p="http://schemas.openxmlformats.org/presentationml/2006/main">
+  <p:cSld>
+    <p:spTree>
+      <p:nvGrpSpPr>
+        <p:cNvPr id="1" name=""/>
+        <p:cNvGrpSpPr/>
+        <p:nvPr/>
+      </p:nvGrpSpPr>
+      <p:grpSpPr>
+        <a:xfrm>
+          <a:off x="0" y="0"/>
+          <a:ext cx="0" cy="0"/>
+          <a:chOff x="0" y="0"/>
+          <a:chExt cx="0" cy="0"/>
+        </a:xfrm>
+      </p:grpSpPr>
+      <p:sp>
+        <p:nvSpPr>
+          <p:cNvPr id="2" name="Title 1">
+            <a:extLst>
+              <a:ext uri="{FF2B5EF4-FFF2-40B4-BE49-F238E27FC236}">
+                <a16:creationId xmlns:a16="http://schemas.microsoft.com/office/drawing/2014/main" id="{4B0C36B9-6C84-3FAA-9EB8-F4892CA417F6}"/>
+              </a:ext>
+            </a:extLst>
+          </p:cNvPr>
+          <p:cNvSpPr>
+            <a:spLocks noGrp="1"/>
+          </p:cNvSpPr>
+          <p:nvPr>
+            <p:ph type="title"/>
+          </p:nvPr>
+        </p:nvSpPr>
+        <p:spPr/>
+        <p:txBody>
+          <a:bodyPr/>
+          <a:lstStyle/>
+          <a:p>
+            <a:r>
+              <a:rPr lang="en-US" dirty="0"/>
+              <a:t>Sometimes we just want “good enough”</a:t>
+            </a:r>
+            <a:br>
+              <a:rPr lang="en-US" dirty="0"/>
+            </a:br>
+            <a:endParaRPr lang="en-US" dirty="0"/>
+          </a:p>
+        </p:txBody>
+      </p:sp>
+      <p:sp>
+        <p:nvSpPr>
+          <p:cNvPr id="3" name="Content Placeholder 2">
+            <a:extLst>
+              <a:ext uri="{FF2B5EF4-FFF2-40B4-BE49-F238E27FC236}">
+                <a16:creationId xmlns:a16="http://schemas.microsoft.com/office/drawing/2014/main" id="{91CD74C3-5BD5-8A90-67BE-B26792277680}"/>
+              </a:ext>
+            </a:extLst>
+          </p:cNvPr>
+          <p:cNvSpPr>
+            <a:spLocks noGrp="1"/>
+          </p:cNvSpPr>
+          <p:nvPr>
+            <p:ph idx="1"/>
+          </p:nvPr>
+        </p:nvSpPr>
+        <p:spPr/>
+        <p:txBody>
+          <a:bodyPr/>
+          <a:lstStyle/>
+          <a:p>
+            <a:r>
+              <a:rPr lang="en-US" dirty="0"/>
+              <a:t>I don’t need to understand atmospheric science or weather prediction.  I just need basic knowledge to determine if I should take an umbrella with me.</a:t>
+            </a:r>
+          </a:p>
+          <a:p>
+            <a:r>
+              <a:rPr lang="en-US" dirty="0"/>
+              <a:t>Not every developer needs to be an expert in git</a:t>
+            </a:r>
+          </a:p>
+          <a:p>
+            <a:r>
+              <a:rPr lang="en-US" dirty="0"/>
+              <a:t>We want the people designing the rules of how we use and interact through git to have </a:t>
+            </a:r>
+            <a:r>
+              <a:rPr lang="en-US" b="1" dirty="0"/>
+              <a:t>understanding</a:t>
+            </a:r>
+            <a:r>
+              <a:rPr lang="en-US" dirty="0"/>
+              <a:t> so that collaborating in git requires minimal git </a:t>
+            </a:r>
+            <a:r>
+              <a:rPr lang="en-US" b="1" dirty="0"/>
+              <a:t>knowledge</a:t>
+            </a:r>
+          </a:p>
+          <a:p>
+            <a:pPr lvl="1"/>
+            <a:r>
+              <a:rPr lang="en-US" dirty="0"/>
+              <a:t>This workflow should protect code so that we can’t do damage</a:t>
+            </a:r>
+          </a:p>
+          <a:p>
+            <a:pPr lvl="1"/>
+            <a:r>
+              <a:rPr lang="en-US" dirty="0"/>
+              <a:t>Focus on the development/testing and not on git</a:t>
+            </a:r>
+          </a:p>
+          <a:p>
+            <a:pPr lvl="1"/>
+            <a:r>
+              <a:rPr lang="en-US" dirty="0"/>
+              <a:t>Lower barrier for newcomers</a:t>
+            </a:r>
+          </a:p>
+          <a:p>
+            <a:endParaRPr lang="en-US" dirty="0"/>
+          </a:p>
+        </p:txBody>
+      </p:sp>
+    </p:spTree>
+    <p:extLst>
+      <p:ext uri="{BB962C8B-B14F-4D97-AF65-F5344CB8AC3E}">
+        <p14:creationId xmlns:p14="http://schemas.microsoft.com/office/powerpoint/2010/main" val="2408602807"/>
       </p:ext>
     </p:extLst>
   </p:cSld>
@@ -5448,15 +10352,6 @@
 </file>
 
 <file path=customXml/item1.xml><?xml version="1.0" encoding="utf-8"?>
-<?mso-contentType ?>
-<FormTemplates xmlns="http://schemas.microsoft.com/sharepoint/v3/contenttype/forms">
-  <Display>DocumentLibraryForm</Display>
-  <Edit>DocumentLibraryForm</Edit>
-  <New>DocumentLibraryForm</New>
-</FormTemplates>
-</file>
-
-<file path=customXml/item2.xml><?xml version="1.0" encoding="utf-8"?>
 <ct:contentTypeSchema xmlns:ct="http://schemas.microsoft.com/office/2006/metadata/contentType" xmlns:ma="http://schemas.microsoft.com/office/2006/metadata/properties/metaAttributes" ct:_="" ma:_="" ma:contentTypeName="Document" ma:contentTypeID="0x010100565464437F680748A68B85EB6594EA7D" ma:contentTypeVersion="0" ma:contentTypeDescription="Create a new document." ma:contentTypeScope="" ma:versionID="fe3f4dd58d5914c51cfc6deaa8ad845c">
   <xsd:schema xmlns:xsd="http://www.w3.org/2001/XMLSchema" xmlns:p="http://schemas.microsoft.com/office/2006/metadata/properties" targetNamespace="http://schemas.microsoft.com/office/2006/metadata/properties" ma:root="true" ma:fieldsID="4aeb20c0e3442673af7ee10786458764">
     <xsd:element name="properties">
@@ -5505,6 +10400,15 @@
 </ct:contentTypeSchema>
 </file>
 
+<file path=customXml/item2.xml><?xml version="1.0" encoding="utf-8"?>
+<?mso-contentType ?>
+<FormTemplates xmlns="http://schemas.microsoft.com/sharepoint/v3/contenttype/forms">
+  <Display>DocumentLibraryForm</Display>
+  <Edit>DocumentLibraryForm</Edit>
+  <New>DocumentLibraryForm</New>
+</FormTemplates>
+</file>
+
 <file path=customXml/item3.xml><?xml version="1.0" encoding="utf-8"?>
 <p:properties xmlns:p="http://schemas.microsoft.com/office/2006/metadata/properties" xmlns:xsi="http://www.w3.org/2001/XMLSchema-instance" xmlns:pc="http://schemas.microsoft.com/office/infopath/2007/PartnerControls">
   <documentManagement/>
@@ -5512,14 +10416,6 @@
 </file>
 
 <file path=customXml/itemProps1.xml><?xml version="1.0" encoding="utf-8"?>
-<ds:datastoreItem xmlns:ds="http://schemas.openxmlformats.org/officeDocument/2006/customXml" ds:itemID="{19E20559-B232-4371-8690-E3D8007EDB82}">
-  <ds:schemaRefs>
-    <ds:schemaRef ds:uri="http://schemas.microsoft.com/sharepoint/v3/contenttype/forms"/>
-  </ds:schemaRefs>
-</ds:datastoreItem>
-</file>
-
-<file path=customXml/itemProps2.xml><?xml version="1.0" encoding="utf-8"?>
 <ds:datastoreItem xmlns:ds="http://schemas.openxmlformats.org/officeDocument/2006/customXml" ds:itemID="{E8DB7DEB-074E-4EE8-9B6E-FD277323109C}">
   <ds:schemaRefs>
     <ds:schemaRef ds:uri="http://schemas.microsoft.com/office/2006/metadata/contentType"/>
@@ -5530,6 +10426,14 @@
     <ds:schemaRef ds:uri="http://purl.org/dc/elements/1.1/"/>
     <ds:schemaRef ds:uri="http://purl.org/dc/terms/"/>
     <ds:schemaRef ds:uri="http://schemas.microsoft.com/office/internal/2005/internalDocumentation"/>
+  </ds:schemaRefs>
+</ds:datastoreItem>
+</file>
+
+<file path=customXml/itemProps2.xml><?xml version="1.0" encoding="utf-8"?>
+<ds:datastoreItem xmlns:ds="http://schemas.openxmlformats.org/officeDocument/2006/customXml" ds:itemID="{19E20559-B232-4371-8690-E3D8007EDB82}">
+  <ds:schemaRefs>
+    <ds:schemaRef ds:uri="http://schemas.microsoft.com/sharepoint/v3/contenttype/forms"/>
   </ds:schemaRefs>
 </ds:datastoreItem>
 </file>

--- a/lab-notebooks.pptx
+++ b/lab-notebooks.pptx
@@ -23,10 +23,10 @@
     <p:sldId id="330" r:id="rId14"/>
     <p:sldId id="332" r:id="rId15"/>
     <p:sldId id="331" r:id="rId16"/>
-    <p:sldId id="333" r:id="rId17"/>
-    <p:sldId id="336" r:id="rId18"/>
-    <p:sldId id="341" r:id="rId19"/>
-    <p:sldId id="338" r:id="rId20"/>
+    <p:sldId id="336" r:id="rId17"/>
+    <p:sldId id="341" r:id="rId18"/>
+    <p:sldId id="338" r:id="rId19"/>
+    <p:sldId id="345" r:id="rId20"/>
     <p:sldId id="335" r:id="rId21"/>
     <p:sldId id="342" r:id="rId22"/>
     <p:sldId id="343" r:id="rId23"/>
@@ -275,7 +275,7 @@
           <a:p>
             <a:fld id="{0B842F42-2CE9-4E35-95C1-410DC08A50B1}" type="datetimeFigureOut">
               <a:rPr lang="en-US" smtClean="0"/>
-              <a:t>7/19/22</a:t>
+              <a:t>7/22/22</a:t>
             </a:fld>
             <a:endParaRPr lang="en-US"/>
           </a:p>
@@ -440,7 +440,7 @@
           <a:p>
             <a:fld id="{6F282904-F315-4730-8D91-37D99E141A6F}" type="datetimeFigureOut">
               <a:rPr lang="en-US" smtClean="0"/>
-              <a:t>7/19/22</a:t>
+              <a:t>7/22/22</a:t>
             </a:fld>
             <a:endParaRPr lang="en-US"/>
           </a:p>
@@ -751,38 +751,35 @@
           <a:bodyPr/>
           <a:lstStyle/>
           <a:p>
-            <a:pPr marL="0" marR="0" lvl="0" indent="0" algn="l" defTabSz="914400" rtl="0" eaLnBrk="1" fontAlgn="auto" latinLnBrk="0" hangingPunct="1">
-              <a:lnSpc>
-                <a:spcPct val="100000"/>
-              </a:lnSpc>
-              <a:spcBef>
-                <a:spcPts val="0"/>
-              </a:spcBef>
-              <a:spcAft>
-                <a:spcPts val="0"/>
-              </a:spcAft>
-              <a:buClrTx/>
-              <a:buSzTx/>
-              <a:buFontTx/>
-              <a:buNone/>
-              <a:tabLst/>
-              <a:defRPr/>
-            </a:pPr>
-            <a:r>
-              <a:rPr lang="en-US" sz="1200" kern="1200" dirty="0">
-                <a:solidFill>
-                  <a:schemeClr val="tx1"/>
-                </a:solidFill>
-                <a:effectLst/>
-                <a:latin typeface="+mn-lt"/>
-                <a:ea typeface="+mn-ea"/>
-                <a:cs typeface="+mn-cs"/>
-              </a:rPr>
-              <a:t>This talk has grown from many interesting conversations that I have had with a variety of different computational sciences.  This includes different disciplines and different experience levels.  When I have these conversations, all parties generally tend to learn something.  This module will continue along those lines.  I am not here to convince anyone of anything.  I am not here to preach.  I am just here to present a novel experience.  Please ask me questions.  I will be direct and state strong opinions.  Therefore, please be direct and push back on some of these.</a:t>
+            <a:r>
+              <a:rPr lang="en-US" dirty="0"/>
+              <a:t>This talk was designed for 45 minutes</a:t>
             </a:r>
           </a:p>
           <a:p>
             <a:endParaRPr lang="en-US" dirty="0"/>
+          </a:p>
+          <a:p>
+            <a:r>
+              <a:rPr lang="en-US" dirty="0"/>
+              <a:t>This is a journey because we ramp up from fundamental, high-level concepts, through documentation to a concrete example of documentation.  </a:t>
+            </a:r>
+            <a:r>
+              <a:rPr lang="en-US" dirty="0" err="1"/>
+              <a:t>Anshu</a:t>
+            </a:r>
+            <a:r>
+              <a:rPr lang="en-US" dirty="0"/>
+              <a:t> and I have designed this talk and the talk on lab environments that follows it so that one is the extension of the other.  The second acknowledges that lab notebooks don’t exist as a single entity but must be baked into a larger lab env.  </a:t>
+            </a:r>
+            <a:r>
+              <a:rPr lang="en-US" dirty="0" err="1"/>
+              <a:t>Anshu</a:t>
+            </a:r>
+            <a:r>
+              <a:rPr lang="en-US" dirty="0"/>
+              <a:t> caps it all off by discussing how to use a lab env in the larger scale of a research campaign.  In this case, we have structured the journey as a long, sustained bottom-up crescendo toward discussing the importance of scientific rigor in computational sciences in a way that will hopefully be immediately relatable to the audience’s life.  Hopefully, this will help them appreciate retroactively the mundane low-level details discussed earlier.</a:t>
+            </a:r>
           </a:p>
         </p:txBody>
       </p:sp>
@@ -803,7 +800,7 @@
           <a:p>
             <a:fld id="{54E672D7-8E2D-4611-973D-F4591A707C34}" type="slidenum">
               <a:rPr lang="en-US" smtClean="0"/>
-              <a:t>3</a:t>
+              <a:t>1</a:t>
             </a:fld>
             <a:endParaRPr lang="en-US"/>
           </a:p>
@@ -812,7 +809,7 @@
     </p:spTree>
     <p:extLst>
       <p:ext uri="{BB962C8B-B14F-4D97-AF65-F5344CB8AC3E}">
-        <p14:creationId xmlns:p14="http://schemas.microsoft.com/office/powerpoint/2010/main" val="1936705258"/>
+        <p14:creationId xmlns:p14="http://schemas.microsoft.com/office/powerpoint/2010/main" val="4134398682"/>
       </p:ext>
     </p:extLst>
   </p:cSld>
@@ -867,12 +864,17 @@
           <a:lstStyle/>
           <a:p>
             <a:r>
-              <a:rPr lang="en-US" dirty="0" err="1"/>
-              <a:t>Kanare’s</a:t>
-            </a:r>
-            <a:r>
-              <a:rPr lang="en-US" dirty="0"/>
-              <a:t> quote does not imply that we need to put in motivation, reasoning, conclusions.  The quote makes it sound more like a cookbook.  I like to expand that so that the content captures the state of my brain and my train of thought.  Then, rereading my notes helps me load that state into my brain.</a:t>
+              <a:rPr lang="en-US" dirty="0"/>
+              <a:t>I believe that this is also known as debriefing.</a:t>
+            </a:r>
+          </a:p>
+          <a:p>
+            <a:endParaRPr lang="en-US" dirty="0"/>
+          </a:p>
+          <a:p>
+            <a:r>
+              <a:rPr lang="en-US" dirty="0"/>
+              <a:t>When we go through experiences we can grow and improve.  But processes exist to help us maximize that growth and improvement.</a:t>
             </a:r>
           </a:p>
         </p:txBody>
@@ -894,7 +896,7 @@
           <a:p>
             <a:fld id="{54E672D7-8E2D-4611-973D-F4591A707C34}" type="slidenum">
               <a:rPr lang="en-US" smtClean="0"/>
-              <a:t>15</a:t>
+              <a:t>11</a:t>
             </a:fld>
             <a:endParaRPr lang="en-US"/>
           </a:p>
@@ -903,7 +905,7 @@
     </p:spTree>
     <p:extLst>
       <p:ext uri="{BB962C8B-B14F-4D97-AF65-F5344CB8AC3E}">
-        <p14:creationId xmlns:p14="http://schemas.microsoft.com/office/powerpoint/2010/main" val="2768668385"/>
+        <p14:creationId xmlns:p14="http://schemas.microsoft.com/office/powerpoint/2010/main" val="3152359200"/>
       </p:ext>
     </p:extLst>
   </p:cSld>
@@ -959,16 +961,7 @@
           <a:p>
             <a:r>
               <a:rPr lang="en-US" dirty="0"/>
-              <a:t>The filtered lab notebook is from the instrument CRIRES+.  You have a team that has worked on the science verification and interfacing with public (user manual, tools), a team that works on data analysis pipelines (pipeline changes), a team that works on the hardware.  We can imagine that each team maintained a true lab notebook for their work.  These were then filtered and merged for the consumption by public.  </a:t>
-            </a:r>
-          </a:p>
-          <a:p>
-            <a:endParaRPr lang="en-US" dirty="0"/>
-          </a:p>
-          <a:p>
-            <a:r>
-              <a:rPr lang="en-US" dirty="0"/>
-              <a:t>The filtering should not be too strong as one cannot know what details are necessary for all the public scientists to do their work.</a:t>
+              <a:t>Not all documents are alike.</a:t>
             </a:r>
           </a:p>
         </p:txBody>
@@ -990,7 +983,7 @@
           <a:p>
             <a:fld id="{54E672D7-8E2D-4611-973D-F4591A707C34}" type="slidenum">
               <a:rPr lang="en-US" smtClean="0"/>
-              <a:t>16</a:t>
+              <a:t>12</a:t>
             </a:fld>
             <a:endParaRPr lang="en-US"/>
           </a:p>
@@ -999,7 +992,7 @@
     </p:spTree>
     <p:extLst>
       <p:ext uri="{BB962C8B-B14F-4D97-AF65-F5344CB8AC3E}">
-        <p14:creationId xmlns:p14="http://schemas.microsoft.com/office/powerpoint/2010/main" val="2213378732"/>
+        <p14:creationId xmlns:p14="http://schemas.microsoft.com/office/powerpoint/2010/main" val="4157260062"/>
       </p:ext>
     </p:extLst>
   </p:cSld>
@@ -1055,16 +1048,7 @@
           <a:p>
             <a:r>
               <a:rPr lang="en-US" dirty="0"/>
-              <a:t>Ask if any of the attendees ever sensed in their gut that things were not being done sufficiently cleanly or well.  Does this notion of inventing techniques resonate with them?  Have you reinvented the wheel?</a:t>
-            </a:r>
-          </a:p>
-          <a:p>
-            <a:endParaRPr lang="en-US" dirty="0"/>
-          </a:p>
-          <a:p>
-            <a:r>
-              <a:rPr lang="en-US" dirty="0"/>
-              <a:t>Is this surprising to anyone?  Does anyone already use something akin to a lab notebook?</a:t>
+              <a:t>Automated is in quotes because the TIOs and astronomers still needed to input information into a system.  But there was a process for them to input such data into tools that aggregated their input with other notes.</a:t>
             </a:r>
           </a:p>
         </p:txBody>
@@ -1086,7 +1070,7 @@
           <a:p>
             <a:fld id="{54E672D7-8E2D-4611-973D-F4591A707C34}" type="slidenum">
               <a:rPr lang="en-US" smtClean="0"/>
-              <a:t>17</a:t>
+              <a:t>13</a:t>
             </a:fld>
             <a:endParaRPr lang="en-US"/>
           </a:p>
@@ -1095,7 +1079,7 @@
     </p:spTree>
     <p:extLst>
       <p:ext uri="{BB962C8B-B14F-4D97-AF65-F5344CB8AC3E}">
-        <p14:creationId xmlns:p14="http://schemas.microsoft.com/office/powerpoint/2010/main" val="3785804979"/>
+        <p14:creationId xmlns:p14="http://schemas.microsoft.com/office/powerpoint/2010/main" val="2141150432"/>
       </p:ext>
     </p:extLst>
   </p:cSld>
@@ -1151,7 +1135,20 @@
           <a:p>
             <a:r>
               <a:rPr lang="en-US" dirty="0"/>
-              <a:t>Let’s me concentrate on the work </a:t>
+              <a:t>Emphasize no filtering.  We often believe in the moment that we can predict what will be relevant and useful.  We are usually wrong.</a:t>
+            </a:r>
+          </a:p>
+          <a:p>
+            <a:endParaRPr lang="en-US" dirty="0"/>
+          </a:p>
+          <a:p>
+            <a:r>
+              <a:rPr lang="en-US" dirty="0" err="1"/>
+              <a:t>Kanare’s</a:t>
+            </a:r>
+            <a:r>
+              <a:rPr lang="en-US" dirty="0"/>
+              <a:t> quote does not imply that we need to put in motivation, reasoning, conclusions.  The quote makes it sound more like a cookbook.  I like to expand that so that the content captures the state of my brain and my train of thought.  Then, rereading my notes helps me load that state into my brain.  Hopefully it will do the same for others.</a:t>
             </a:r>
           </a:p>
         </p:txBody>
@@ -1173,7 +1170,7 @@
           <a:p>
             <a:fld id="{54E672D7-8E2D-4611-973D-F4591A707C34}" type="slidenum">
               <a:rPr lang="en-US" smtClean="0"/>
-              <a:t>18</a:t>
+              <a:t>14</a:t>
             </a:fld>
             <a:endParaRPr lang="en-US"/>
           </a:p>
@@ -1182,7 +1179,7 @@
     </p:spTree>
     <p:extLst>
       <p:ext uri="{BB962C8B-B14F-4D97-AF65-F5344CB8AC3E}">
-        <p14:creationId xmlns:p14="http://schemas.microsoft.com/office/powerpoint/2010/main" val="2021161080"/>
+        <p14:creationId xmlns:p14="http://schemas.microsoft.com/office/powerpoint/2010/main" val="2768668385"/>
       </p:ext>
     </p:extLst>
   </p:cSld>
@@ -1238,7 +1235,7 @@
           <a:p>
             <a:r>
               <a:rPr lang="en-US" dirty="0"/>
-              <a:t>I have tried playing around with multiple different non-ELN tools to adapt them to my needs.  To date, Microsoft OneNote was the closest to what I expect and need, but still fell short.</a:t>
+              <a:t>The filtered lab notebook is from the instrument CRIRES+.  You have a team that has worked on the science verification and interfacing with public (user manual, tools), a team that works on data analysis pipelines (pipeline changes), a distributed team that works on the hardware.  We can imagine that each team maintained a true lab notebook for their work.  These were then filtered and merged for the consumption by public.  </a:t>
             </a:r>
           </a:p>
           <a:p>
@@ -1247,7 +1244,7 @@
           <a:p>
             <a:r>
               <a:rPr lang="en-US" dirty="0"/>
-              <a:t>I, and I have seen others, end up jumping around, which might work if done well, but could make life harder.</a:t>
+              <a:t>The filtering should not be too strong as one cannot know what details are necessary for all the public scientists to do their work.</a:t>
             </a:r>
           </a:p>
         </p:txBody>
@@ -1269,7 +1266,7 @@
           <a:p>
             <a:fld id="{54E672D7-8E2D-4611-973D-F4591A707C34}" type="slidenum">
               <a:rPr lang="en-US" smtClean="0"/>
-              <a:t>19</a:t>
+              <a:t>15</a:t>
             </a:fld>
             <a:endParaRPr lang="en-US"/>
           </a:p>
@@ -1278,7 +1275,7 @@
     </p:spTree>
     <p:extLst>
       <p:ext uri="{BB962C8B-B14F-4D97-AF65-F5344CB8AC3E}">
-        <p14:creationId xmlns:p14="http://schemas.microsoft.com/office/powerpoint/2010/main" val="3675372732"/>
+        <p14:creationId xmlns:p14="http://schemas.microsoft.com/office/powerpoint/2010/main" val="2213378732"/>
       </p:ext>
     </p:extLst>
   </p:cSld>
@@ -1334,6 +1331,294 @@
           <a:p>
             <a:r>
               <a:rPr lang="en-US" dirty="0"/>
+              <a:t>Ask if any of the attendees ever sensed in their gut that things were not being done sufficiently cleanly or well.  Does this notion of inventing techniques resonate with them?  Have you reinvented the wheel?</a:t>
+            </a:r>
+          </a:p>
+          <a:p>
+            <a:endParaRPr lang="en-US" dirty="0"/>
+          </a:p>
+          <a:p>
+            <a:r>
+              <a:rPr lang="en-US" dirty="0"/>
+              <a:t>Is this surprising to anyone?  Does anyone already use something akin to a lab notebook?</a:t>
+            </a:r>
+          </a:p>
+        </p:txBody>
+      </p:sp>
+      <p:sp>
+        <p:nvSpPr>
+          <p:cNvPr id="4" name="Slide Number Placeholder 3"/>
+          <p:cNvSpPr>
+            <a:spLocks noGrp="1"/>
+          </p:cNvSpPr>
+          <p:nvPr>
+            <p:ph type="sldNum" sz="quarter" idx="5"/>
+          </p:nvPr>
+        </p:nvSpPr>
+        <p:spPr/>
+        <p:txBody>
+          <a:bodyPr/>
+          <a:lstStyle/>
+          <a:p>
+            <a:fld id="{54E672D7-8E2D-4611-973D-F4591A707C34}" type="slidenum">
+              <a:rPr lang="en-US" smtClean="0"/>
+              <a:t>17</a:t>
+            </a:fld>
+            <a:endParaRPr lang="en-US"/>
+          </a:p>
+        </p:txBody>
+      </p:sp>
+    </p:spTree>
+    <p:extLst>
+      <p:ext uri="{BB962C8B-B14F-4D97-AF65-F5344CB8AC3E}">
+        <p14:creationId xmlns:p14="http://schemas.microsoft.com/office/powerpoint/2010/main" val="3785804979"/>
+      </p:ext>
+    </p:extLst>
+  </p:cSld>
+  <p:clrMapOvr>
+    <a:masterClrMapping/>
+  </p:clrMapOvr>
+</p:notes>
+</file>
+
+<file path=ppt/notesSlides/notesSlide16.xml><?xml version="1.0" encoding="utf-8"?>
+<p:notes xmlns:a="http://schemas.openxmlformats.org/drawingml/2006/main" xmlns:r="http://schemas.openxmlformats.org/officeDocument/2006/relationships" xmlns:p="http://schemas.openxmlformats.org/presentationml/2006/main">
+  <p:cSld>
+    <p:spTree>
+      <p:nvGrpSpPr>
+        <p:cNvPr id="1" name=""/>
+        <p:cNvGrpSpPr/>
+        <p:nvPr/>
+      </p:nvGrpSpPr>
+      <p:grpSpPr>
+        <a:xfrm>
+          <a:off x="0" y="0"/>
+          <a:ext cx="0" cy="0"/>
+          <a:chOff x="0" y="0"/>
+          <a:chExt cx="0" cy="0"/>
+        </a:xfrm>
+      </p:grpSpPr>
+      <p:sp>
+        <p:nvSpPr>
+          <p:cNvPr id="2" name="Slide Image Placeholder 1"/>
+          <p:cNvSpPr>
+            <a:spLocks noGrp="1" noRot="1" noChangeAspect="1"/>
+          </p:cNvSpPr>
+          <p:nvPr>
+            <p:ph type="sldImg"/>
+          </p:nvPr>
+        </p:nvSpPr>
+        <p:spPr/>
+      </p:sp>
+      <p:sp>
+        <p:nvSpPr>
+          <p:cNvPr id="3" name="Notes Placeholder 2"/>
+          <p:cNvSpPr>
+            <a:spLocks noGrp="1"/>
+          </p:cNvSpPr>
+          <p:nvPr>
+            <p:ph type="body" idx="1"/>
+          </p:nvPr>
+        </p:nvSpPr>
+        <p:spPr/>
+        <p:txBody>
+          <a:bodyPr/>
+          <a:lstStyle/>
+          <a:p>
+            <a:r>
+              <a:rPr lang="en-US" dirty="0"/>
+              <a:t>Let’s me concentrate on the work </a:t>
+            </a:r>
+          </a:p>
+        </p:txBody>
+      </p:sp>
+      <p:sp>
+        <p:nvSpPr>
+          <p:cNvPr id="4" name="Slide Number Placeholder 3"/>
+          <p:cNvSpPr>
+            <a:spLocks noGrp="1"/>
+          </p:cNvSpPr>
+          <p:nvPr>
+            <p:ph type="sldNum" sz="quarter" idx="5"/>
+          </p:nvPr>
+        </p:nvSpPr>
+        <p:spPr/>
+        <p:txBody>
+          <a:bodyPr/>
+          <a:lstStyle/>
+          <a:p>
+            <a:fld id="{54E672D7-8E2D-4611-973D-F4591A707C34}" type="slidenum">
+              <a:rPr lang="en-US" smtClean="0"/>
+              <a:t>18</a:t>
+            </a:fld>
+            <a:endParaRPr lang="en-US"/>
+          </a:p>
+        </p:txBody>
+      </p:sp>
+    </p:spTree>
+    <p:extLst>
+      <p:ext uri="{BB962C8B-B14F-4D97-AF65-F5344CB8AC3E}">
+        <p14:creationId xmlns:p14="http://schemas.microsoft.com/office/powerpoint/2010/main" val="2021161080"/>
+      </p:ext>
+    </p:extLst>
+  </p:cSld>
+  <p:clrMapOvr>
+    <a:masterClrMapping/>
+  </p:clrMapOvr>
+</p:notes>
+</file>
+
+<file path=ppt/notesSlides/notesSlide17.xml><?xml version="1.0" encoding="utf-8"?>
+<p:notes xmlns:a="http://schemas.openxmlformats.org/drawingml/2006/main" xmlns:r="http://schemas.openxmlformats.org/officeDocument/2006/relationships" xmlns:p="http://schemas.openxmlformats.org/presentationml/2006/main">
+  <p:cSld>
+    <p:spTree>
+      <p:nvGrpSpPr>
+        <p:cNvPr id="1" name=""/>
+        <p:cNvGrpSpPr/>
+        <p:nvPr/>
+      </p:nvGrpSpPr>
+      <p:grpSpPr>
+        <a:xfrm>
+          <a:off x="0" y="0"/>
+          <a:ext cx="0" cy="0"/>
+          <a:chOff x="0" y="0"/>
+          <a:chExt cx="0" cy="0"/>
+        </a:xfrm>
+      </p:grpSpPr>
+      <p:sp>
+        <p:nvSpPr>
+          <p:cNvPr id="2" name="Slide Image Placeholder 1"/>
+          <p:cNvSpPr>
+            <a:spLocks noGrp="1" noRot="1" noChangeAspect="1"/>
+          </p:cNvSpPr>
+          <p:nvPr>
+            <p:ph type="sldImg"/>
+          </p:nvPr>
+        </p:nvSpPr>
+        <p:spPr/>
+      </p:sp>
+      <p:sp>
+        <p:nvSpPr>
+          <p:cNvPr id="3" name="Notes Placeholder 2"/>
+          <p:cNvSpPr>
+            <a:spLocks noGrp="1"/>
+          </p:cNvSpPr>
+          <p:nvPr>
+            <p:ph type="body" idx="1"/>
+          </p:nvPr>
+        </p:nvSpPr>
+        <p:spPr/>
+        <p:txBody>
+          <a:bodyPr/>
+          <a:lstStyle/>
+          <a:p>
+            <a:r>
+              <a:rPr lang="en-US" dirty="0"/>
+              <a:t>I have tried playing around with multiple different non-ELN tools to adapt them to my needs.  To date, Microsoft OneNote was the closest to what I expect and need, but still fell short.</a:t>
+            </a:r>
+          </a:p>
+          <a:p>
+            <a:endParaRPr lang="en-US" dirty="0"/>
+          </a:p>
+          <a:p>
+            <a:r>
+              <a:rPr lang="en-US" dirty="0"/>
+              <a:t>I, and I have seen others, end up jumping around, which might work if done well, but could make life harder.</a:t>
+            </a:r>
+          </a:p>
+        </p:txBody>
+      </p:sp>
+      <p:sp>
+        <p:nvSpPr>
+          <p:cNvPr id="4" name="Slide Number Placeholder 3"/>
+          <p:cNvSpPr>
+            <a:spLocks noGrp="1"/>
+          </p:cNvSpPr>
+          <p:nvPr>
+            <p:ph type="sldNum" sz="quarter" idx="5"/>
+          </p:nvPr>
+        </p:nvSpPr>
+        <p:spPr/>
+        <p:txBody>
+          <a:bodyPr/>
+          <a:lstStyle/>
+          <a:p>
+            <a:fld id="{54E672D7-8E2D-4611-973D-F4591A707C34}" type="slidenum">
+              <a:rPr lang="en-US" smtClean="0"/>
+              <a:t>19</a:t>
+            </a:fld>
+            <a:endParaRPr lang="en-US"/>
+          </a:p>
+        </p:txBody>
+      </p:sp>
+    </p:spTree>
+    <p:extLst>
+      <p:ext uri="{BB962C8B-B14F-4D97-AF65-F5344CB8AC3E}">
+        <p14:creationId xmlns:p14="http://schemas.microsoft.com/office/powerpoint/2010/main" val="3675372732"/>
+      </p:ext>
+    </p:extLst>
+  </p:cSld>
+  <p:clrMapOvr>
+    <a:masterClrMapping/>
+  </p:clrMapOvr>
+</p:notes>
+</file>
+
+<file path=ppt/notesSlides/notesSlide18.xml><?xml version="1.0" encoding="utf-8"?>
+<p:notes xmlns:a="http://schemas.openxmlformats.org/drawingml/2006/main" xmlns:r="http://schemas.openxmlformats.org/officeDocument/2006/relationships" xmlns:p="http://schemas.openxmlformats.org/presentationml/2006/main">
+  <p:cSld>
+    <p:spTree>
+      <p:nvGrpSpPr>
+        <p:cNvPr id="1" name=""/>
+        <p:cNvGrpSpPr/>
+        <p:nvPr/>
+      </p:nvGrpSpPr>
+      <p:grpSpPr>
+        <a:xfrm>
+          <a:off x="0" y="0"/>
+          <a:ext cx="0" cy="0"/>
+          <a:chOff x="0" y="0"/>
+          <a:chExt cx="0" cy="0"/>
+        </a:xfrm>
+      </p:grpSpPr>
+      <p:sp>
+        <p:nvSpPr>
+          <p:cNvPr id="2" name="Slide Image Placeholder 1"/>
+          <p:cNvSpPr>
+            <a:spLocks noGrp="1" noRot="1" noChangeAspect="1"/>
+          </p:cNvSpPr>
+          <p:nvPr>
+            <p:ph type="sldImg"/>
+          </p:nvPr>
+        </p:nvSpPr>
+        <p:spPr/>
+      </p:sp>
+      <p:sp>
+        <p:nvSpPr>
+          <p:cNvPr id="3" name="Notes Placeholder 2"/>
+          <p:cNvSpPr>
+            <a:spLocks noGrp="1"/>
+          </p:cNvSpPr>
+          <p:nvPr>
+            <p:ph type="body" idx="1"/>
+          </p:nvPr>
+        </p:nvSpPr>
+        <p:spPr/>
+        <p:txBody>
+          <a:bodyPr/>
+          <a:lstStyle/>
+          <a:p>
+            <a:r>
+              <a:rPr lang="en-US" dirty="0"/>
+              <a:t>Explain that this slide is a cliffhanger.  We will explore this topic and attempt to answer these questions in the next talk.  Also, be frank and explain that I am presently in the process of re-inventing the wheel and don’t necessarily know the answers to these questions.</a:t>
+            </a:r>
+          </a:p>
+          <a:p>
+            <a:endParaRPr lang="en-US" dirty="0"/>
+          </a:p>
+          <a:p>
+            <a:r>
+              <a:rPr lang="en-US" dirty="0"/>
               <a:t>If we scatter notes across multiple tools, how do we and should we be able to combine them into something that looks like an actual lab notebook?</a:t>
             </a:r>
           </a:p>
@@ -1343,7 +1628,7 @@
           <a:p>
             <a:r>
               <a:rPr lang="en-US" dirty="0"/>
-              <a:t>I would imagine that many developers would say that this commit message is not great.</a:t>
+              <a:t>I would imagine that many SW engineers would say that this commit message is not great.  In fact GitHub and GitLab often tell me that my messages don’t conform to best practices.</a:t>
             </a:r>
           </a:p>
           <a:p>
@@ -1363,6 +1648,43 @@
               <a:rPr lang="en-US" dirty="0"/>
               <a:t>Rereading my commit messages as a first part of a code review helps me load the chronology and the big picture.</a:t>
             </a:r>
+          </a:p>
+          <a:p>
+            <a:endParaRPr lang="en-US" dirty="0"/>
+          </a:p>
+          <a:p>
+            <a:pPr marL="0" marR="0" lvl="0" indent="0" algn="l" defTabSz="914400" rtl="0" eaLnBrk="1" fontAlgn="auto" latinLnBrk="0" hangingPunct="1">
+              <a:lnSpc>
+                <a:spcPct val="100000"/>
+              </a:lnSpc>
+              <a:spcBef>
+                <a:spcPts val="0"/>
+              </a:spcBef>
+              <a:spcAft>
+                <a:spcPts val="0"/>
+              </a:spcAft>
+              <a:buClrTx/>
+              <a:buSzTx/>
+              <a:buFontTx/>
+              <a:buNone/>
+              <a:tabLst/>
+              <a:defRPr/>
+            </a:pPr>
+            <a:r>
+              <a:rPr lang="en-US" dirty="0"/>
+              <a:t>I assume that there are areas of computational science (e.g., nuclear science and engineering, simulations that aid in designing life critical systems such as planes).  This is what I mentioned at the beginning of the talk.  Rather than search out differences, we need to search out </a:t>
+            </a:r>
+            <a:r>
+              <a:rPr lang="en-US" dirty="0" err="1"/>
+              <a:t>similiarities</a:t>
+            </a:r>
+            <a:r>
+              <a:rPr lang="en-US" dirty="0"/>
+              <a:t> when we talk with people from different disciplines and sub-disciplines.  Ask them about the pain points related to doing low-level foundational science and how they try to overcome them.   Yes, we are reinventing the wheel, but hopefully we can do so quickly and successfully by sharing with and learning from others.</a:t>
+            </a:r>
+          </a:p>
+          <a:p>
+            <a:endParaRPr lang="en-US" dirty="0"/>
           </a:p>
         </p:txBody>
       </p:sp>
@@ -1446,13 +1768,19 @@
           <a:bodyPr/>
           <a:lstStyle/>
           <a:p>
+            <a:r>
+              <a:rPr lang="en-US" dirty="0"/>
+              <a:t>Emphasize that Katherine’s quote has three main points, each of which resonates with me.</a:t>
+            </a:r>
+          </a:p>
+          <a:p>
             <a:pPr marL="171450" indent="-171450">
               <a:buFont typeface="Arial" panose="020B0604020202020204" pitchFamily="34" charset="0"/>
               <a:buChar char="•"/>
             </a:pPr>
             <a:r>
               <a:rPr lang="en-US" dirty="0"/>
-              <a:t>Physics was mostly about designing, constructing, all aspects of scientific data including data analysis.</a:t>
+              <a:t>low-level science practices are required to do rigorous, reproducible science</a:t>
             </a:r>
           </a:p>
           <a:p>
@@ -1460,33 +1788,10 @@
               <a:buFont typeface="Arial" panose="020B0604020202020204" pitchFamily="34" charset="0"/>
               <a:buChar char="•"/>
             </a:pPr>
-            <a:endParaRPr lang="en-US" dirty="0"/>
-          </a:p>
-          <a:p>
-            <a:pPr marL="0" marR="0" lvl="0" indent="0" algn="l" defTabSz="914400" rtl="0" eaLnBrk="1" fontAlgn="auto" latinLnBrk="0" hangingPunct="1">
-              <a:lnSpc>
-                <a:spcPct val="100000"/>
-              </a:lnSpc>
-              <a:spcBef>
-                <a:spcPts val="0"/>
-              </a:spcBef>
-              <a:spcAft>
-                <a:spcPts val="0"/>
-              </a:spcAft>
-              <a:buClrTx/>
-              <a:buSzTx/>
-              <a:buFontTx/>
-              <a:buNone/>
-              <a:tabLst/>
-              <a:defRPr/>
-            </a:pPr>
-            <a:r>
-              <a:rPr lang="en-US" dirty="0"/>
-              <a:t>* Observatory was working to ensure high-quality results with full context so that public can do science</a:t>
-            </a:r>
-          </a:p>
-          <a:p>
-            <a:endParaRPr lang="en-US" dirty="0"/>
+            <a:r>
+              <a:rPr lang="en-US" dirty="0"/>
+              <a:t>Experimentalists do understand this</a:t>
+            </a:r>
           </a:p>
           <a:p>
             <a:pPr marL="171450" indent="-171450">
@@ -1495,7 +1800,16 @@
             </a:pPr>
             <a:r>
               <a:rPr lang="en-US" dirty="0"/>
-              <a:t>While my experimental background was closer to R&amp;D, the laboratory work was clearly more about operations - Paranal is a science factory.  This is different in some ways, very rigorous, and at a very large scale.  To adapt ideas/tips/tricks/tools for observatory, there needs to be some simplification.</a:t>
+              <a:t>Computational science not so much</a:t>
+            </a:r>
+          </a:p>
+          <a:p>
+            <a:endParaRPr lang="en-US" dirty="0"/>
+          </a:p>
+          <a:p>
+            <a:r>
+              <a:rPr lang="en-US" dirty="0"/>
+              <a:t>What does she mean by software practices</a:t>
             </a:r>
           </a:p>
           <a:p>
@@ -1503,37 +1817,9 @@
               <a:buFont typeface="Arial" panose="020B0604020202020204" pitchFamily="34" charset="0"/>
               <a:buChar char="•"/>
             </a:pPr>
-            <a:endParaRPr lang="en-US" dirty="0"/>
-          </a:p>
-          <a:p>
-            <a:pPr marL="171450" marR="0" lvl="0" indent="-171450" algn="l" defTabSz="914400" rtl="0" eaLnBrk="1" fontAlgn="auto" latinLnBrk="0" hangingPunct="1">
-              <a:lnSpc>
-                <a:spcPct val="100000"/>
-              </a:lnSpc>
-              <a:spcBef>
-                <a:spcPts val="0"/>
-              </a:spcBef>
-              <a:spcAft>
-                <a:spcPts val="0"/>
-              </a:spcAft>
-              <a:buClrTx/>
-              <a:buSzTx/>
-              <a:buFont typeface="Arial" panose="020B0604020202020204" pitchFamily="34" charset="0"/>
-              <a:buChar char="•"/>
-              <a:tabLst/>
-              <a:defRPr/>
-            </a:pPr>
-            <a:r>
-              <a:rPr lang="en-US" dirty="0"/>
-              <a:t>Part of working on scientific instrumentation is understanding how the data is generated and therefore understanding how to correctly and rigorously </a:t>
-            </a:r>
-            <a:r>
-              <a:rPr lang="en-US" dirty="0" err="1"/>
-              <a:t>analyse</a:t>
-            </a:r>
-            <a:r>
-              <a:rPr lang="en-US" dirty="0"/>
-              <a:t> data and draw conclusions from data.</a:t>
+            <a:r>
+              <a:rPr lang="en-US" dirty="0"/>
+              <a:t>Design and implement software following best practices</a:t>
             </a:r>
           </a:p>
           <a:p>
@@ -1541,29 +1827,9 @@
               <a:buFont typeface="Arial" panose="020B0604020202020204" pitchFamily="34" charset="0"/>
               <a:buChar char="•"/>
             </a:pPr>
-            <a:endParaRPr lang="en-US" dirty="0"/>
-          </a:p>
-          <a:p>
-            <a:pPr marL="171450" marR="0" lvl="0" indent="-171450" algn="l" defTabSz="914400" rtl="0" eaLnBrk="1" fontAlgn="auto" latinLnBrk="0" hangingPunct="1">
-              <a:lnSpc>
-                <a:spcPct val="100000"/>
-              </a:lnSpc>
-              <a:spcBef>
-                <a:spcPts val="0"/>
-              </a:spcBef>
-              <a:spcAft>
-                <a:spcPts val="0"/>
-              </a:spcAft>
-              <a:buClrTx/>
-              <a:buSzTx/>
-              <a:buFont typeface="Arial" panose="020B0604020202020204" pitchFamily="34" charset="0"/>
-              <a:buChar char="•"/>
-              <a:tabLst/>
-              <a:defRPr/>
-            </a:pPr>
-            <a:r>
-              <a:rPr lang="en-US" dirty="0"/>
-              <a:t>Emphasize that implicit in this is my belief that developing scientific software is developing a scientific instrument.  How many people share this view?  If not, how do people view their software and how they use it?</a:t>
+            <a:r>
+              <a:rPr lang="en-US" dirty="0"/>
+              <a:t>Test your code</a:t>
             </a:r>
           </a:p>
           <a:p>
@@ -1571,7 +1837,47 @@
               <a:buFont typeface="Arial" panose="020B0604020202020204" pitchFamily="34" charset="0"/>
               <a:buChar char="•"/>
             </a:pPr>
+            <a:r>
+              <a:rPr lang="en-US" dirty="0"/>
+              <a:t>Use version control and use it well</a:t>
+            </a:r>
+          </a:p>
+          <a:p>
+            <a:pPr marL="171450" indent="-171450">
+              <a:buFont typeface="Arial" panose="020B0604020202020204" pitchFamily="34" charset="0"/>
+              <a:buChar char="•"/>
+            </a:pPr>
+            <a:r>
+              <a:rPr lang="en-US" dirty="0"/>
+              <a:t>Code reviews</a:t>
+            </a:r>
+          </a:p>
+          <a:p>
+            <a:pPr marL="171450" indent="-171450">
+              <a:buFont typeface="Arial" panose="020B0604020202020204" pitchFamily="34" charset="0"/>
+              <a:buChar char="•"/>
+            </a:pPr>
+            <a:r>
+              <a:rPr lang="en-US" dirty="0"/>
+              <a:t>Documentation (e.g., document your assumptions)</a:t>
+            </a:r>
+          </a:p>
+          <a:p>
             <a:endParaRPr lang="en-US" dirty="0"/>
+          </a:p>
+          <a:p>
+            <a:r>
+              <a:rPr lang="en-US" dirty="0"/>
+              <a:t>Many people refer to this as “software engineering”.  I whole-heartedly disagree with this.  I understand this work to be foundational, bedrock science that is required to do high-quality trustworthy high-level science.  But, we need not reinvent the wheel.  We can learn from the SW </a:t>
+            </a:r>
+            <a:r>
+              <a:rPr lang="en-US" dirty="0" err="1"/>
+              <a:t>Eng</a:t>
+            </a:r>
+            <a:r>
+              <a:rPr lang="en-US" dirty="0"/>
+              <a:t> community and adapt what they know and use.</a:t>
+            </a:r>
           </a:p>
         </p:txBody>
       </p:sp>
@@ -1592,7 +1898,7 @@
           <a:p>
             <a:fld id="{54E672D7-8E2D-4611-973D-F4591A707C34}" type="slidenum">
               <a:rPr lang="en-US" smtClean="0"/>
-              <a:t>4</a:t>
+              <a:t>3</a:t>
             </a:fld>
             <a:endParaRPr lang="en-US"/>
           </a:p>
@@ -1601,7 +1907,7 @@
     </p:spTree>
     <p:extLst>
       <p:ext uri="{BB962C8B-B14F-4D97-AF65-F5344CB8AC3E}">
-        <p14:creationId xmlns:p14="http://schemas.microsoft.com/office/powerpoint/2010/main" val="795729674"/>
+        <p14:creationId xmlns:p14="http://schemas.microsoft.com/office/powerpoint/2010/main" val="1936705258"/>
       </p:ext>
     </p:extLst>
   </p:cSld>
@@ -1655,10 +1961,141 @@
           <a:bodyPr/>
           <a:lstStyle/>
           <a:p>
-            <a:r>
-              <a:rPr lang="en-US" dirty="0"/>
-              <a:t>Point out that if they search for this, they will find many pages.  Those pages have changed over time.  For instance, I often times no longer see understanding included.  I don’t know much beyond this classification, but find the classification to be quite useful.</a:t>
-            </a:r>
+            <a:pPr marL="171450" indent="-171450">
+              <a:buFont typeface="Arial" panose="020B0604020202020204" pitchFamily="34" charset="0"/>
+              <a:buChar char="•"/>
+            </a:pPr>
+            <a:r>
+              <a:rPr lang="en-US" dirty="0"/>
+              <a:t>This slide should give them context for understanding my point of view.  Emphasize that one main point of this talk is to maintain an open mind when talking to people whose work is slightly different.  Therefore, if role is different from yours, don’t assume that what I will say is useless.  Rather, search out similarities rather than differences.</a:t>
+            </a:r>
+          </a:p>
+          <a:p>
+            <a:pPr marL="171450" indent="-171450">
+              <a:buFont typeface="Arial" panose="020B0604020202020204" pitchFamily="34" charset="0"/>
+              <a:buChar char="•"/>
+            </a:pPr>
+            <a:endParaRPr lang="en-US" dirty="0"/>
+          </a:p>
+          <a:p>
+            <a:pPr marL="171450" indent="-171450">
+              <a:buFont typeface="Arial" panose="020B0604020202020204" pitchFamily="34" charset="0"/>
+              <a:buChar char="•"/>
+            </a:pPr>
+            <a:r>
+              <a:rPr lang="en-US" dirty="0"/>
+              <a:t>Physics was mostly about designing, constructing, all aspects of scientific data including data analysis.</a:t>
+            </a:r>
+          </a:p>
+          <a:p>
+            <a:pPr marL="171450" indent="-171450">
+              <a:buFont typeface="Arial" panose="020B0604020202020204" pitchFamily="34" charset="0"/>
+              <a:buChar char="•"/>
+            </a:pPr>
+            <a:endParaRPr lang="en-US" dirty="0"/>
+          </a:p>
+          <a:p>
+            <a:pPr marL="0" marR="0" lvl="0" indent="0" algn="l" defTabSz="914400" rtl="0" eaLnBrk="1" fontAlgn="auto" latinLnBrk="0" hangingPunct="1">
+              <a:lnSpc>
+                <a:spcPct val="100000"/>
+              </a:lnSpc>
+              <a:spcBef>
+                <a:spcPts val="0"/>
+              </a:spcBef>
+              <a:spcAft>
+                <a:spcPts val="0"/>
+              </a:spcAft>
+              <a:buClrTx/>
+              <a:buSzTx/>
+              <a:buFontTx/>
+              <a:buNone/>
+              <a:tabLst/>
+              <a:defRPr/>
+            </a:pPr>
+            <a:r>
+              <a:rPr lang="en-US" dirty="0"/>
+              <a:t>* Observatory was working to ensure high-quality results with full context so that public can do science</a:t>
+            </a:r>
+          </a:p>
+          <a:p>
+            <a:endParaRPr lang="en-US" dirty="0"/>
+          </a:p>
+          <a:p>
+            <a:pPr marL="171450" indent="-171450">
+              <a:buFont typeface="Arial" panose="020B0604020202020204" pitchFamily="34" charset="0"/>
+              <a:buChar char="•"/>
+            </a:pPr>
+            <a:r>
+              <a:rPr lang="en-US" dirty="0"/>
+              <a:t>While my experimental background was closer to R&amp;D, the laboratory work was clearly more about operations - Paranal is a science factory.  This is different in some ways, very rigorous, and at a very large scale.  To adapt ideas/tips/tricks/tools for observatory, there needs to be some simplification.</a:t>
+            </a:r>
+          </a:p>
+          <a:p>
+            <a:pPr marL="171450" indent="-171450">
+              <a:buFont typeface="Arial" panose="020B0604020202020204" pitchFamily="34" charset="0"/>
+              <a:buChar char="•"/>
+            </a:pPr>
+            <a:endParaRPr lang="en-US" dirty="0"/>
+          </a:p>
+          <a:p>
+            <a:pPr marL="171450" marR="0" lvl="0" indent="-171450" algn="l" defTabSz="914400" rtl="0" eaLnBrk="1" fontAlgn="auto" latinLnBrk="0" hangingPunct="1">
+              <a:lnSpc>
+                <a:spcPct val="100000"/>
+              </a:lnSpc>
+              <a:spcBef>
+                <a:spcPts val="0"/>
+              </a:spcBef>
+              <a:spcAft>
+                <a:spcPts val="0"/>
+              </a:spcAft>
+              <a:buClrTx/>
+              <a:buSzTx/>
+              <a:buFont typeface="Arial" panose="020B0604020202020204" pitchFamily="34" charset="0"/>
+              <a:buChar char="•"/>
+              <a:tabLst/>
+              <a:defRPr/>
+            </a:pPr>
+            <a:r>
+              <a:rPr lang="en-US" dirty="0"/>
+              <a:t>Part of working on scientific instrumentation is understanding how the data is generated and therefore understanding how to correctly and rigorously analyze data and draw conclusions from data.</a:t>
+            </a:r>
+          </a:p>
+          <a:p>
+            <a:pPr marL="171450" indent="-171450">
+              <a:buFont typeface="Arial" panose="020B0604020202020204" pitchFamily="34" charset="0"/>
+              <a:buChar char="•"/>
+            </a:pPr>
+            <a:endParaRPr lang="en-US" dirty="0"/>
+          </a:p>
+          <a:p>
+            <a:pPr marL="171450" marR="0" lvl="0" indent="-171450" algn="l" defTabSz="914400" rtl="0" eaLnBrk="1" fontAlgn="auto" latinLnBrk="0" hangingPunct="1">
+              <a:lnSpc>
+                <a:spcPct val="100000"/>
+              </a:lnSpc>
+              <a:spcBef>
+                <a:spcPts val="0"/>
+              </a:spcBef>
+              <a:spcAft>
+                <a:spcPts val="0"/>
+              </a:spcAft>
+              <a:buClrTx/>
+              <a:buSzTx/>
+              <a:buFont typeface="Arial" panose="020B0604020202020204" pitchFamily="34" charset="0"/>
+              <a:buChar char="•"/>
+              <a:tabLst/>
+              <a:defRPr/>
+            </a:pPr>
+            <a:r>
+              <a:rPr lang="en-US" dirty="0"/>
+              <a:t>Emphasize that implicit in this is my belief that developing scientific software is developing a scientific instrument.  How many people share this view?  If not, how do people view their software and how they use it?</a:t>
+            </a:r>
+          </a:p>
+          <a:p>
+            <a:pPr marL="171450" indent="-171450">
+              <a:buFont typeface="Arial" panose="020B0604020202020204" pitchFamily="34" charset="0"/>
+              <a:buChar char="•"/>
+            </a:pPr>
+            <a:endParaRPr lang="en-US" dirty="0"/>
           </a:p>
         </p:txBody>
       </p:sp>
@@ -1679,7 +2116,7 @@
           <a:p>
             <a:fld id="{54E672D7-8E2D-4611-973D-F4591A707C34}" type="slidenum">
               <a:rPr lang="en-US" smtClean="0"/>
-              <a:t>5</a:t>
+              <a:t>4</a:t>
             </a:fld>
             <a:endParaRPr lang="en-US"/>
           </a:p>
@@ -1688,7 +2125,7 @@
     </p:spTree>
     <p:extLst>
       <p:ext uri="{BB962C8B-B14F-4D97-AF65-F5344CB8AC3E}">
-        <p14:creationId xmlns:p14="http://schemas.microsoft.com/office/powerpoint/2010/main" val="2958482426"/>
+        <p14:creationId xmlns:p14="http://schemas.microsoft.com/office/powerpoint/2010/main" val="795729674"/>
       </p:ext>
     </p:extLst>
   </p:cSld>
@@ -1742,9 +2179,53 @@
           <a:bodyPr/>
           <a:lstStyle/>
           <a:p>
-            <a:r>
-              <a:rPr lang="en-US" dirty="0"/>
-              <a:t>Information</a:t>
+            <a:pPr marL="0" marR="0" lvl="0" indent="0" algn="l" defTabSz="914400" rtl="0" eaLnBrk="1" fontAlgn="auto" latinLnBrk="0" hangingPunct="1">
+              <a:lnSpc>
+                <a:spcPct val="100000"/>
+              </a:lnSpc>
+              <a:spcBef>
+                <a:spcPts val="0"/>
+              </a:spcBef>
+              <a:spcAft>
+                <a:spcPts val="0"/>
+              </a:spcAft>
+              <a:buClrTx/>
+              <a:buSzTx/>
+              <a:buFontTx/>
+              <a:buNone/>
+              <a:tabLst/>
+              <a:defRPr/>
+            </a:pPr>
+            <a:r>
+              <a:rPr lang="en-US" sz="1200" kern="1200" dirty="0">
+                <a:solidFill>
+                  <a:schemeClr val="tx1"/>
+                </a:solidFill>
+                <a:effectLst/>
+                <a:latin typeface="+mn-lt"/>
+                <a:ea typeface="+mn-ea"/>
+                <a:cs typeface="+mn-cs"/>
+              </a:rPr>
+              <a:t>This talk has grown from many interesting conversations that I have had with a variety of different computational sciences.  This includes different disciplines and different experience levels.  When I have these conversations, all parties generally tend to learn something.  This module will continue along those lines.  I am not here to convince anyone of anything.  I am not here to preach.  I am just here to present a novel experience.  Please ask me questions.  I will be direct and state strong opinions.  Therefore, please be direct and push back on some of these.</a:t>
+            </a:r>
+            <a:endParaRPr lang="en-US" dirty="0"/>
+          </a:p>
+          <a:p>
+            <a:endParaRPr lang="en-US" dirty="0"/>
+          </a:p>
+          <a:p>
+            <a:r>
+              <a:rPr lang="en-US" dirty="0"/>
+              <a:t>Point out that if they search for this, they will find many pages.  Those pages have changed over time – it used to be DIKUW, not it’s the DIKW pyramid.  For instance, I often times no longer see understanding included.  I don’t know much beyond this classification, but find the classification to be quite useful.</a:t>
+            </a:r>
+          </a:p>
+          <a:p>
+            <a:endParaRPr lang="en-US" dirty="0"/>
+          </a:p>
+          <a:p>
+            <a:r>
+              <a:rPr lang="en-US" dirty="0"/>
+              <a:t>We won’t be defining these terms exactly as that is likely quite hard.  We will go through examples to gain an intuitive understanding of these concepts.</a:t>
             </a:r>
           </a:p>
         </p:txBody>
@@ -1766,7 +2247,7 @@
           <a:p>
             <a:fld id="{54E672D7-8E2D-4611-973D-F4591A707C34}" type="slidenum">
               <a:rPr lang="en-US" smtClean="0"/>
-              <a:t>6</a:t>
+              <a:t>5</a:t>
             </a:fld>
             <a:endParaRPr lang="en-US"/>
           </a:p>
@@ -1775,7 +2256,7 @@
     </p:spTree>
     <p:extLst>
       <p:ext uri="{BB962C8B-B14F-4D97-AF65-F5344CB8AC3E}">
-        <p14:creationId xmlns:p14="http://schemas.microsoft.com/office/powerpoint/2010/main" val="720366741"/>
+        <p14:creationId xmlns:p14="http://schemas.microsoft.com/office/powerpoint/2010/main" val="2958482426"/>
       </p:ext>
     </p:extLst>
   </p:cSld>
@@ -1831,7 +2312,7 @@
           <a:p>
             <a:r>
               <a:rPr lang="en-US" dirty="0"/>
-              <a:t>I didn’t use the given timeseries information to derive this knowledge.  Someone with understanding of meteorology did they have a deep understanding derived from years of study and experience. However, that person presented and communicated the knowledge for consumption by those without understanding.</a:t>
+              <a:t>My understanding is that data is *not* facts, as some claim.  Rather, data can be flawed and noisy.  Information is facts that are true relative to the potentially flawed data.</a:t>
             </a:r>
           </a:p>
           <a:p>
@@ -1840,7 +2321,7 @@
           <a:p>
             <a:r>
               <a:rPr lang="en-US" dirty="0"/>
-              <a:t>When you go to school, are your teachers and professors putting understanding in your head or do they share knowledge and create an environment in which one can generate understanding.  When you read the internet are you gaining knowledge of understanding?</a:t>
+              <a:t>Data is valuable because it helps us make decisions.</a:t>
             </a:r>
           </a:p>
           <a:p>
@@ -1849,13 +2330,8 @@
           <a:p>
             <a:r>
               <a:rPr lang="en-US" dirty="0"/>
-              <a:t>Understanding is built on the shoulders of giants.  You read an article that helps you generate understanding.  But the author of that article generated it from understanding he developed from taking classes with </a:t>
-            </a:r>
-            <a:r>
-              <a:rPr lang="en-US"/>
-              <a:t>other </a:t>
-            </a:r>
-            <a:endParaRPr lang="en-US" dirty="0"/>
+              <a:t>Information is data made (hopefully) useful.</a:t>
+            </a:r>
           </a:p>
         </p:txBody>
       </p:sp>
@@ -1876,7 +2352,7 @@
           <a:p>
             <a:fld id="{54E672D7-8E2D-4611-973D-F4591A707C34}" type="slidenum">
               <a:rPr lang="en-US" smtClean="0"/>
-              <a:t>7</a:t>
+              <a:t>6</a:t>
             </a:fld>
             <a:endParaRPr lang="en-US"/>
           </a:p>
@@ -1885,7 +2361,7 @@
     </p:spTree>
     <p:extLst>
       <p:ext uri="{BB962C8B-B14F-4D97-AF65-F5344CB8AC3E}">
-        <p14:creationId xmlns:p14="http://schemas.microsoft.com/office/powerpoint/2010/main" val="2638889168"/>
+        <p14:creationId xmlns:p14="http://schemas.microsoft.com/office/powerpoint/2010/main" val="720366741"/>
       </p:ext>
     </p:extLst>
   </p:cSld>
@@ -1941,7 +2417,51 @@
           <a:p>
             <a:r>
               <a:rPr lang="en-US" dirty="0"/>
-              <a:t>Really most any project benefits from some sort of knowledge management.  </a:t>
+              <a:t>Knowledge is generated by a process in such a way that it is an educated best guess.  But, it should be a solid and justifiable educated guess.  In this sense, it is not true but our best current guess at what is true.</a:t>
+            </a:r>
+          </a:p>
+          <a:p>
+            <a:endParaRPr lang="en-US" dirty="0"/>
+          </a:p>
+          <a:p>
+            <a:r>
+              <a:rPr lang="en-US" dirty="0"/>
+              <a:t>It’s hard to define understanding.  I have just written down my best guesses.</a:t>
+            </a:r>
+          </a:p>
+          <a:p>
+            <a:endParaRPr lang="en-US" dirty="0"/>
+          </a:p>
+          <a:p>
+            <a:r>
+              <a:rPr lang="en-US" dirty="0"/>
+              <a:t>I didn’t use the given timeseries information to derive this knowledge.  Someone with understanding of meteorology did. </a:t>
+            </a:r>
+            <a:r>
+              <a:rPr lang="en-US" dirty="0" err="1"/>
+              <a:t>Tthey</a:t>
+            </a:r>
+            <a:r>
+              <a:rPr lang="en-US" dirty="0"/>
+              <a:t> have a deep understanding derived from years of study and experience. However, that person presented and communicated the knowledge for consumption by those without understanding.</a:t>
+            </a:r>
+          </a:p>
+          <a:p>
+            <a:endParaRPr lang="en-US" dirty="0"/>
+          </a:p>
+          <a:p>
+            <a:r>
+              <a:rPr lang="en-US" dirty="0"/>
+              <a:t>When you go to school, are your teachers and professors putting understanding in your head or do they share knowledge and create an environment in which one can generate understanding?</a:t>
+            </a:r>
+          </a:p>
+          <a:p>
+            <a:endParaRPr lang="en-US" dirty="0"/>
+          </a:p>
+          <a:p>
+            <a:r>
+              <a:rPr lang="en-US" dirty="0"/>
+              <a:t>Understanding is built on the shoulders of giants.  You read an article that helps you generate understanding.  But the author of that article generated it from understanding he developed from taking classes with other </a:t>
             </a:r>
           </a:p>
         </p:txBody>
@@ -1963,7 +2483,7 @@
           <a:p>
             <a:fld id="{54E672D7-8E2D-4611-973D-F4591A707C34}" type="slidenum">
               <a:rPr lang="en-US" smtClean="0"/>
-              <a:t>10</a:t>
+              <a:t>7</a:t>
             </a:fld>
             <a:endParaRPr lang="en-US"/>
           </a:p>
@@ -1972,7 +2492,7 @@
     </p:spTree>
     <p:extLst>
       <p:ext uri="{BB962C8B-B14F-4D97-AF65-F5344CB8AC3E}">
-        <p14:creationId xmlns:p14="http://schemas.microsoft.com/office/powerpoint/2010/main" val="1399277158"/>
+        <p14:creationId xmlns:p14="http://schemas.microsoft.com/office/powerpoint/2010/main" val="2638889168"/>
       </p:ext>
     </p:extLst>
   </p:cSld>
@@ -2026,9 +2546,158 @@
           <a:bodyPr/>
           <a:lstStyle/>
           <a:p>
-            <a:r>
-              <a:rPr lang="en-US" dirty="0"/>
-              <a:t>When we go through experiences we can grow and improve.  But processes exist to help us maximize that growth and improvement.</a:t>
+            <a:pPr marL="0" marR="0" lvl="0" indent="0" algn="l" defTabSz="914400" rtl="0" eaLnBrk="1" fontAlgn="auto" latinLnBrk="0" hangingPunct="1">
+              <a:lnSpc>
+                <a:spcPct val="100000"/>
+              </a:lnSpc>
+              <a:spcBef>
+                <a:spcPts val="0"/>
+              </a:spcBef>
+              <a:spcAft>
+                <a:spcPts val="0"/>
+              </a:spcAft>
+              <a:buClrTx/>
+              <a:buSzTx/>
+              <a:buFontTx/>
+              <a:buNone/>
+              <a:tabLst/>
+              <a:defRPr/>
+            </a:pPr>
+            <a:r>
+              <a:rPr lang="en-US" dirty="0"/>
+              <a:t>One extreme is trying to understand all aspects of the work that we do.  Is that feasible or even achievable?</a:t>
+            </a:r>
+          </a:p>
+          <a:p>
+            <a:pPr marL="0" marR="0" lvl="0" indent="0" algn="l" defTabSz="914400" rtl="0" eaLnBrk="1" fontAlgn="auto" latinLnBrk="0" hangingPunct="1">
+              <a:lnSpc>
+                <a:spcPct val="100000"/>
+              </a:lnSpc>
+              <a:spcBef>
+                <a:spcPts val="0"/>
+              </a:spcBef>
+              <a:spcAft>
+                <a:spcPts val="0"/>
+              </a:spcAft>
+              <a:buClrTx/>
+              <a:buSzTx/>
+              <a:buFontTx/>
+              <a:buNone/>
+              <a:tabLst/>
+              <a:defRPr/>
+            </a:pPr>
+            <a:endParaRPr lang="en-US" dirty="0"/>
+          </a:p>
+          <a:p>
+            <a:pPr marL="0" marR="0" lvl="0" indent="0" algn="l" defTabSz="914400" rtl="0" eaLnBrk="1" fontAlgn="auto" latinLnBrk="0" hangingPunct="1">
+              <a:lnSpc>
+                <a:spcPct val="100000"/>
+              </a:lnSpc>
+              <a:spcBef>
+                <a:spcPts val="0"/>
+              </a:spcBef>
+              <a:spcAft>
+                <a:spcPts val="0"/>
+              </a:spcAft>
+              <a:buClrTx/>
+              <a:buSzTx/>
+              <a:buFontTx/>
+              <a:buNone/>
+              <a:tabLst/>
+              <a:defRPr/>
+            </a:pPr>
+            <a:r>
+              <a:rPr lang="en-US" dirty="0"/>
+              <a:t>The other extreme is in choosing how we use the internet:</a:t>
+            </a:r>
+          </a:p>
+          <a:p>
+            <a:pPr marL="0" marR="0" lvl="0" indent="0" algn="l" defTabSz="914400" rtl="0" eaLnBrk="1" fontAlgn="auto" latinLnBrk="0" hangingPunct="1">
+              <a:lnSpc>
+                <a:spcPct val="100000"/>
+              </a:lnSpc>
+              <a:spcBef>
+                <a:spcPts val="0"/>
+              </a:spcBef>
+              <a:spcAft>
+                <a:spcPts val="0"/>
+              </a:spcAft>
+              <a:buClrTx/>
+              <a:buSzTx/>
+              <a:buFontTx/>
+              <a:buNone/>
+              <a:tabLst/>
+              <a:defRPr/>
+            </a:pPr>
+            <a:r>
+              <a:rPr lang="en-US" dirty="0"/>
+              <a:t>When you read the internet are you gaining knowledge of understanding?  Is it possible to build understanding by only accessing bits of knowledge scattered across the internet?  I believe that Elaine’s work would say no.  You need someone with understanding to collect knowledge sources across the internet, organize these, and present them in such a way that the novice can generate understanding.</a:t>
+            </a:r>
+          </a:p>
+          <a:p>
+            <a:pPr marL="0" marR="0" lvl="0" indent="0" algn="l" defTabSz="914400" rtl="0" eaLnBrk="1" fontAlgn="auto" latinLnBrk="0" hangingPunct="1">
+              <a:lnSpc>
+                <a:spcPct val="100000"/>
+              </a:lnSpc>
+              <a:spcBef>
+                <a:spcPts val="0"/>
+              </a:spcBef>
+              <a:spcAft>
+                <a:spcPts val="0"/>
+              </a:spcAft>
+              <a:buClrTx/>
+              <a:buSzTx/>
+              <a:buFontTx/>
+              <a:buNone/>
+              <a:tabLst/>
+              <a:defRPr/>
+            </a:pPr>
+            <a:endParaRPr lang="en-US" dirty="0"/>
+          </a:p>
+          <a:p>
+            <a:pPr marL="0" marR="0" lvl="0" indent="0" algn="l" defTabSz="914400" rtl="0" eaLnBrk="1" fontAlgn="auto" latinLnBrk="0" hangingPunct="1">
+              <a:lnSpc>
+                <a:spcPct val="100000"/>
+              </a:lnSpc>
+              <a:spcBef>
+                <a:spcPts val="0"/>
+              </a:spcBef>
+              <a:spcAft>
+                <a:spcPts val="0"/>
+              </a:spcAft>
+              <a:buClrTx/>
+              <a:buSzTx/>
+              <a:buFontTx/>
+              <a:buNone/>
+              <a:tabLst/>
+              <a:defRPr/>
+            </a:pPr>
+            <a:r>
+              <a:rPr lang="en-US" dirty="0"/>
+              <a:t>A different, modern way to approach this same question:</a:t>
+            </a:r>
+          </a:p>
+          <a:p>
+            <a:pPr marL="0" marR="0" lvl="0" indent="0" algn="l" defTabSz="914400" rtl="0" eaLnBrk="1" fontAlgn="auto" latinLnBrk="0" hangingPunct="1">
+              <a:lnSpc>
+                <a:spcPct val="100000"/>
+              </a:lnSpc>
+              <a:spcBef>
+                <a:spcPts val="0"/>
+              </a:spcBef>
+              <a:spcAft>
+                <a:spcPts val="0"/>
+              </a:spcAft>
+              <a:buClrTx/>
+              <a:buSzTx/>
+              <a:buFontTx/>
+              <a:buNone/>
+              <a:tabLst/>
+              <a:defRPr/>
+            </a:pPr>
+            <a:r>
+              <a:rPr lang="en-US" dirty="0"/>
+              <a:t>If an ML/DL code had generated the knowledge given in the example but in such a way that interpretability is low, are we OK with inexpressible or inaccessible understanding?</a:t>
             </a:r>
           </a:p>
         </p:txBody>
@@ -2050,7 +2719,7 @@
           <a:p>
             <a:fld id="{54E672D7-8E2D-4611-973D-F4591A707C34}" type="slidenum">
               <a:rPr lang="en-US" smtClean="0"/>
-              <a:t>11</a:t>
+              <a:t>8</a:t>
             </a:fld>
             <a:endParaRPr lang="en-US"/>
           </a:p>
@@ -2059,7 +2728,7 @@
     </p:spTree>
     <p:extLst>
       <p:ext uri="{BB962C8B-B14F-4D97-AF65-F5344CB8AC3E}">
-        <p14:creationId xmlns:p14="http://schemas.microsoft.com/office/powerpoint/2010/main" val="3152359200"/>
+        <p14:creationId xmlns:p14="http://schemas.microsoft.com/office/powerpoint/2010/main" val="29386948"/>
       </p:ext>
     </p:extLst>
   </p:cSld>
@@ -2115,16 +2784,7 @@
           <a:p>
             <a:r>
               <a:rPr lang="en-US" dirty="0"/>
-              <a:t>Mention that this is just a cartoon.  If we want a real hierarchy we might need to think some more about this.</a:t>
-            </a:r>
-          </a:p>
-          <a:p>
-            <a:endParaRPr lang="en-US" dirty="0"/>
-          </a:p>
-          <a:p>
-            <a:r>
-              <a:rPr lang="en-US" dirty="0"/>
-              <a:t>Developer docs are an example of living docs.  PRs and Issue are living but the frozen.  Commit messages are frozen.</a:t>
+              <a:t>This can explain some of the difficulties that occur when a git expert is forced to use a workflow designed for a team with only git knowledge.  They aren’t allowed to work in a more powerful, efficient, and effective way.  If they do work in their powerful, they can upset all those with insufficient understanding.</a:t>
             </a:r>
           </a:p>
         </p:txBody>
@@ -2146,7 +2806,7 @@
           <a:p>
             <a:fld id="{54E672D7-8E2D-4611-973D-F4591A707C34}" type="slidenum">
               <a:rPr lang="en-US" smtClean="0"/>
-              <a:t>13</a:t>
+              <a:t>9</a:t>
             </a:fld>
             <a:endParaRPr lang="en-US"/>
           </a:p>
@@ -2155,7 +2815,7 @@
     </p:spTree>
     <p:extLst>
       <p:ext uri="{BB962C8B-B14F-4D97-AF65-F5344CB8AC3E}">
-        <p14:creationId xmlns:p14="http://schemas.microsoft.com/office/powerpoint/2010/main" val="2191483250"/>
+        <p14:creationId xmlns:p14="http://schemas.microsoft.com/office/powerpoint/2010/main" val="153949558"/>
       </p:ext>
     </p:extLst>
   </p:cSld>
@@ -2211,7 +2871,25 @@
           <a:p>
             <a:r>
               <a:rPr lang="en-US" dirty="0"/>
-              <a:t>Automated is in quotes because the TIOs and astronomers still needed to input information into a system.  But there was a process for them to input such data into tools that aggregated their input with other notes.</a:t>
+              <a:t>Really most any project benefits from some sort of knowledge management.  </a:t>
+            </a:r>
+          </a:p>
+          <a:p>
+            <a:endParaRPr lang="en-US" dirty="0"/>
+          </a:p>
+          <a:p>
+            <a:r>
+              <a:rPr lang="en-US" dirty="0"/>
+              <a:t>The key is first to recognize when knowledge is generated.  Once I became aware of this classification and began to think in terms of it, it became easier for me to recognize knowledge generation.  It’s as if a bell goes off in my brain that indicates we need to record what was just said.</a:t>
+            </a:r>
+          </a:p>
+          <a:p>
+            <a:endParaRPr lang="en-US" dirty="0"/>
+          </a:p>
+          <a:p>
+            <a:r>
+              <a:rPr lang="en-US" dirty="0"/>
+              <a:t>The answer to the question is ”clearly no”,  We need to communicate to our future selves for the sake of productivity and reproducible research.</a:t>
             </a:r>
           </a:p>
         </p:txBody>
@@ -2233,7 +2911,7 @@
           <a:p>
             <a:fld id="{54E672D7-8E2D-4611-973D-F4591A707C34}" type="slidenum">
               <a:rPr lang="en-US" smtClean="0"/>
-              <a:t>14</a:t>
+              <a:t>10</a:t>
             </a:fld>
             <a:endParaRPr lang="en-US"/>
           </a:p>
@@ -2242,7 +2920,7 @@
     </p:spTree>
     <p:extLst>
       <p:ext uri="{BB962C8B-B14F-4D97-AF65-F5344CB8AC3E}">
-        <p14:creationId xmlns:p14="http://schemas.microsoft.com/office/powerpoint/2010/main" val="2141150432"/>
+        <p14:creationId xmlns:p14="http://schemas.microsoft.com/office/powerpoint/2010/main" val="1399277158"/>
       </p:ext>
     </p:extLst>
   </p:cSld>
@@ -6334,6 +7012,7 @@
               <a:rPr lang="en-US" dirty="0"/>
               <a:t>An Example: Lessons Learned</a:t>
             </a:r>
+            <a:endParaRPr lang="en-US" b="0" dirty="0"/>
           </a:p>
         </p:txBody>
       </p:sp>
@@ -6541,69 +7220,285 @@
           <a:bodyPr/>
           <a:lstStyle/>
           <a:p>
-            <a:r>
-              <a:rPr lang="en-US" dirty="0"/>
-              <a:t>Documentation is a fundamental form of knowledge communication.</a:t>
-            </a:r>
-          </a:p>
-          <a:p>
-            <a:r>
-              <a:rPr lang="en-US" dirty="0"/>
-              <a:t>Studying documentation can lead to increased understanding.</a:t>
-            </a:r>
-          </a:p>
-          <a:p>
-            <a:r>
-              <a:rPr lang="en-US" dirty="0"/>
-              <a:t>The cynical point of view</a:t>
-            </a:r>
-          </a:p>
-          <a:p>
-            <a:pPr lvl="1"/>
-            <a:r>
-              <a:rPr lang="en-US" dirty="0"/>
-              <a:t>We want and appreciate documentation that is well done,</a:t>
-            </a:r>
-          </a:p>
-          <a:p>
-            <a:pPr lvl="1"/>
-            <a:r>
-              <a:rPr lang="en-US" dirty="0"/>
-              <a:t>We love to consume documentation; write it, not so much.</a:t>
-            </a:r>
-          </a:p>
-          <a:p>
-            <a:r>
-              <a:rPr lang="en-US" dirty="0"/>
-              <a:t>Rephrased</a:t>
-            </a:r>
-          </a:p>
-          <a:p>
-            <a:pPr lvl="1"/>
-            <a:r>
-              <a:rPr lang="en-US" dirty="0"/>
-              <a:t>We want and appreciate it when others share knowledge with us.</a:t>
-            </a:r>
-          </a:p>
-          <a:p>
-            <a:pPr lvl="1"/>
-            <a:r>
-              <a:rPr lang="en-US" dirty="0"/>
-              <a:t>We don’t want to take the time to capture, preserve, and communicate knowledge we generate.</a:t>
-            </a:r>
-          </a:p>
-          <a:p>
-            <a:r>
-              <a:rPr lang="en-US" dirty="0"/>
-              <a:t>This is one aspect of productivity</a:t>
-            </a:r>
-          </a:p>
-          <a:p>
-            <a:pPr lvl="1"/>
-            <a:r>
-              <a:rPr lang="en-US" dirty="0"/>
-              <a:t>One person decreases their short-term efficiency so that many (and the team) achieve long-term efficiency and quality.</a:t>
-            </a:r>
+            <a:pPr marL="0" indent="0" algn="ctr">
+              <a:buNone/>
+            </a:pPr>
+            <a:r>
+              <a:rPr lang="en-US" dirty="0"/>
+              <a:t>Documentation is knowledge communication &amp; can build understanding</a:t>
+            </a:r>
+          </a:p>
+        </p:txBody>
+      </p:sp>
+      <p:pic>
+        <p:nvPicPr>
+          <p:cNvPr id="4" name="Picture 3">
+            <a:extLst>
+              <a:ext uri="{FF2B5EF4-FFF2-40B4-BE49-F238E27FC236}">
+                <a16:creationId xmlns:a16="http://schemas.microsoft.com/office/drawing/2014/main" id="{2806206A-CDD0-AC37-139B-D8CCA944AA6B}"/>
+              </a:ext>
+            </a:extLst>
+          </p:cNvPr>
+          <p:cNvPicPr>
+            <a:picLocks noChangeAspect="1"/>
+          </p:cNvPicPr>
+          <p:nvPr/>
+        </p:nvPicPr>
+        <p:blipFill>
+          <a:blip r:embed="rId3"/>
+          <a:stretch>
+            <a:fillRect/>
+          </a:stretch>
+        </p:blipFill>
+        <p:spPr>
+          <a:xfrm>
+            <a:off x="1853448" y="1716242"/>
+            <a:ext cx="7874583" cy="2574158"/>
+          </a:xfrm>
+          <a:prstGeom prst="rect">
+            <a:avLst/>
+          </a:prstGeom>
+        </p:spPr>
+      </p:pic>
+      <p:sp>
+        <p:nvSpPr>
+          <p:cNvPr id="5" name="Content Placeholder 2">
+            <a:extLst>
+              <a:ext uri="{FF2B5EF4-FFF2-40B4-BE49-F238E27FC236}">
+                <a16:creationId xmlns:a16="http://schemas.microsoft.com/office/drawing/2014/main" id="{656F91B9-4DFC-6521-8532-ACAE057615CC}"/>
+              </a:ext>
+            </a:extLst>
+          </p:cNvPr>
+          <p:cNvSpPr txBox="1">
+            <a:spLocks/>
+          </p:cNvSpPr>
+          <p:nvPr/>
+        </p:nvSpPr>
+        <p:spPr bwMode="auto">
+          <a:xfrm>
+            <a:off x="1242838" y="4571230"/>
+            <a:ext cx="11626543" cy="1875290"/>
+          </a:xfrm>
+          <a:prstGeom prst="rect">
+            <a:avLst/>
+          </a:prstGeom>
+          <a:noFill/>
+          <a:ln w="9525">
+            <a:noFill/>
+            <a:miter lim="800000"/>
+            <a:headEnd/>
+            <a:tailEnd/>
+          </a:ln>
+        </p:spPr>
+        <p:txBody>
+          <a:bodyPr vert="horz" wrap="square" lIns="91440" tIns="45720" rIns="91440" bIns="45720" numCol="1" anchor="t" anchorCtr="0" compatLnSpc="1">
+            <a:prstTxWarp prst="textNoShape">
+              <a:avLst/>
+            </a:prstTxWarp>
+            <a:noAutofit/>
+          </a:bodyPr>
+          <a:lstStyle>
+            <a:lvl1pPr marL="230188" indent="-230188" algn="l" rtl="0" eaLnBrk="1" fontAlgn="base" hangingPunct="1">
+              <a:lnSpc>
+                <a:spcPct val="90000"/>
+              </a:lnSpc>
+              <a:spcBef>
+                <a:spcPts val="1400"/>
+              </a:spcBef>
+              <a:spcAft>
+                <a:spcPct val="0"/>
+              </a:spcAft>
+              <a:buClr>
+                <a:schemeClr val="tx1"/>
+              </a:buClr>
+              <a:buFont typeface="Arial" charset="0"/>
+              <a:buChar char="•"/>
+              <a:defRPr sz="2400" kern="1200">
+                <a:solidFill>
+                  <a:schemeClr val="tx1"/>
+                </a:solidFill>
+                <a:latin typeface="Arial" panose="020B0604020202020204" pitchFamily="34" charset="0"/>
+                <a:ea typeface="+mn-ea"/>
+                <a:cs typeface="Arial" panose="020B0604020202020204" pitchFamily="34" charset="0"/>
+              </a:defRPr>
+            </a:lvl1pPr>
+            <a:lvl2pPr marL="625475" indent="-279400" algn="l" rtl="0" eaLnBrk="1" fontAlgn="base" hangingPunct="1">
+              <a:lnSpc>
+                <a:spcPct val="90000"/>
+              </a:lnSpc>
+              <a:spcBef>
+                <a:spcPts val="800"/>
+              </a:spcBef>
+              <a:spcAft>
+                <a:spcPct val="0"/>
+              </a:spcAft>
+              <a:buClr>
+                <a:schemeClr val="tx1"/>
+              </a:buClr>
+              <a:buFont typeface="Arial" charset="0"/>
+              <a:buChar char="–"/>
+              <a:defRPr sz="2000" kern="1200">
+                <a:solidFill>
+                  <a:schemeClr val="tx1"/>
+                </a:solidFill>
+                <a:latin typeface="Arial" panose="020B0604020202020204" pitchFamily="34" charset="0"/>
+                <a:ea typeface="+mn-ea"/>
+                <a:cs typeface="Arial" panose="020B0604020202020204" pitchFamily="34" charset="0"/>
+              </a:defRPr>
+            </a:lvl2pPr>
+            <a:lvl3pPr marL="914400" indent="-230188" algn="l" rtl="0" eaLnBrk="1" fontAlgn="base" hangingPunct="1">
+              <a:lnSpc>
+                <a:spcPct val="90000"/>
+              </a:lnSpc>
+              <a:spcBef>
+                <a:spcPts val="800"/>
+              </a:spcBef>
+              <a:spcAft>
+                <a:spcPct val="0"/>
+              </a:spcAft>
+              <a:buClr>
+                <a:schemeClr val="tx1"/>
+              </a:buClr>
+              <a:buFont typeface="Arial" charset="0"/>
+              <a:buChar char="•"/>
+              <a:defRPr sz="1800" kern="1200">
+                <a:solidFill>
+                  <a:schemeClr val="tx1"/>
+                </a:solidFill>
+                <a:latin typeface="Arial" panose="020B0604020202020204" pitchFamily="34" charset="0"/>
+                <a:ea typeface="+mn-ea"/>
+                <a:cs typeface="Arial" panose="020B0604020202020204" pitchFamily="34" charset="0"/>
+              </a:defRPr>
+            </a:lvl3pPr>
+            <a:lvl4pPr marL="1144588" indent="-173038" algn="l" rtl="0" eaLnBrk="1" fontAlgn="base" hangingPunct="1">
+              <a:lnSpc>
+                <a:spcPct val="90000"/>
+              </a:lnSpc>
+              <a:spcBef>
+                <a:spcPts val="800"/>
+              </a:spcBef>
+              <a:spcAft>
+                <a:spcPct val="0"/>
+              </a:spcAft>
+              <a:buClr>
+                <a:schemeClr val="tx1"/>
+              </a:buClr>
+              <a:buFont typeface="Arial" charset="0"/>
+              <a:buChar char="–"/>
+              <a:defRPr sz="1600" kern="1200">
+                <a:solidFill>
+                  <a:schemeClr val="tx1"/>
+                </a:solidFill>
+                <a:latin typeface="Arial" panose="020B0604020202020204" pitchFamily="34" charset="0"/>
+                <a:ea typeface="+mn-ea"/>
+                <a:cs typeface="Arial" panose="020B0604020202020204" pitchFamily="34" charset="0"/>
+              </a:defRPr>
+            </a:lvl4pPr>
+            <a:lvl5pPr marL="1482725" indent="-222250" algn="l" rtl="0" eaLnBrk="1" fontAlgn="base" hangingPunct="1">
+              <a:lnSpc>
+                <a:spcPct val="90000"/>
+              </a:lnSpc>
+              <a:spcBef>
+                <a:spcPts val="600"/>
+              </a:spcBef>
+              <a:spcAft>
+                <a:spcPct val="0"/>
+              </a:spcAft>
+              <a:buClr>
+                <a:schemeClr val="tx1"/>
+              </a:buClr>
+              <a:buFont typeface="Arial" panose="020B0604020202020204" pitchFamily="34" charset="0"/>
+              <a:buChar char="•"/>
+              <a:defRPr sz="1600" kern="1200">
+                <a:solidFill>
+                  <a:schemeClr val="tx1"/>
+                </a:solidFill>
+                <a:latin typeface="Arial" panose="020B0604020202020204" pitchFamily="34" charset="0"/>
+                <a:ea typeface="+mn-ea"/>
+                <a:cs typeface="Arial" panose="020B0604020202020204" pitchFamily="34" charset="0"/>
+              </a:defRPr>
+            </a:lvl5pPr>
+            <a:lvl6pPr marL="2514600" indent="-228600" algn="l" defTabSz="914400" rtl="0" eaLnBrk="1" latinLnBrk="0" hangingPunct="1">
+              <a:spcBef>
+                <a:spcPct val="20000"/>
+              </a:spcBef>
+              <a:buFont typeface="Arial" pitchFamily="34" charset="0"/>
+              <a:buChar char="•"/>
+              <a:defRPr sz="2000" kern="1200">
+                <a:solidFill>
+                  <a:schemeClr val="tx1"/>
+                </a:solidFill>
+                <a:latin typeface="+mn-lt"/>
+                <a:ea typeface="+mn-ea"/>
+                <a:cs typeface="+mn-cs"/>
+              </a:defRPr>
+            </a:lvl6pPr>
+            <a:lvl7pPr marL="2971800" indent="-228600" algn="l" defTabSz="914400" rtl="0" eaLnBrk="1" latinLnBrk="0" hangingPunct="1">
+              <a:spcBef>
+                <a:spcPct val="20000"/>
+              </a:spcBef>
+              <a:buFont typeface="Arial" pitchFamily="34" charset="0"/>
+              <a:buChar char="•"/>
+              <a:defRPr sz="2000" kern="1200">
+                <a:solidFill>
+                  <a:schemeClr val="tx1"/>
+                </a:solidFill>
+                <a:latin typeface="+mn-lt"/>
+                <a:ea typeface="+mn-ea"/>
+                <a:cs typeface="+mn-cs"/>
+              </a:defRPr>
+            </a:lvl7pPr>
+            <a:lvl8pPr marL="3429000" indent="-228600" algn="l" defTabSz="914400" rtl="0" eaLnBrk="1" latinLnBrk="0" hangingPunct="1">
+              <a:spcBef>
+                <a:spcPct val="20000"/>
+              </a:spcBef>
+              <a:buFont typeface="Arial" pitchFamily="34" charset="0"/>
+              <a:buChar char="•"/>
+              <a:defRPr sz="2000" kern="1200">
+                <a:solidFill>
+                  <a:schemeClr val="tx1"/>
+                </a:solidFill>
+                <a:latin typeface="+mn-lt"/>
+                <a:ea typeface="+mn-ea"/>
+                <a:cs typeface="+mn-cs"/>
+              </a:defRPr>
+            </a:lvl8pPr>
+            <a:lvl9pPr marL="3886200" indent="-228600" algn="l" defTabSz="914400" rtl="0" eaLnBrk="1" latinLnBrk="0" hangingPunct="1">
+              <a:spcBef>
+                <a:spcPct val="20000"/>
+              </a:spcBef>
+              <a:buFont typeface="Arial" pitchFamily="34" charset="0"/>
+              <a:buChar char="•"/>
+              <a:defRPr sz="2000" kern="1200">
+                <a:solidFill>
+                  <a:schemeClr val="tx1"/>
+                </a:solidFill>
+                <a:latin typeface="+mn-lt"/>
+                <a:ea typeface="+mn-ea"/>
+                <a:cs typeface="+mn-cs"/>
+              </a:defRPr>
+            </a:lvl9pPr>
+          </a:lstStyle>
+          <a:p>
+            <a:r>
+              <a:rPr lang="en-US" sz="2000" dirty="0"/>
+              <a:t>Data at the bottom.  Knowledge as we move up?</a:t>
+            </a:r>
+          </a:p>
+          <a:p>
+            <a:r>
+              <a:rPr lang="en-US" sz="2000" dirty="0"/>
+              <a:t>Some documents frozen at creation.  Others are living.</a:t>
+            </a:r>
+          </a:p>
+          <a:p>
+            <a:r>
+              <a:rPr lang="en-US" sz="2000" dirty="0"/>
+              <a:t>Does this capture how hard it is to do documentation in a distributed, digital world?</a:t>
+            </a:r>
+          </a:p>
+          <a:p>
+            <a:endParaRPr lang="en-US" sz="2000" dirty="0"/>
           </a:p>
         </p:txBody>
       </p:sp>
@@ -6642,7 +7537,7 @@
           <p:cNvPr id="2" name="Title 1">
             <a:extLst>
               <a:ext uri="{FF2B5EF4-FFF2-40B4-BE49-F238E27FC236}">
-                <a16:creationId xmlns:a16="http://schemas.microsoft.com/office/drawing/2014/main" id="{31E37D79-D84D-7A00-1AAB-2EBE242FDD5F}"/>
+                <a16:creationId xmlns:a16="http://schemas.microsoft.com/office/drawing/2014/main" id="{9CDA5DAC-D638-AA10-5E70-A77E5B69D79E}"/>
               </a:ext>
             </a:extLst>
           </p:cNvPr>
@@ -6660,14 +7555,7 @@
           <a:p>
             <a:r>
               <a:rPr lang="en-US" dirty="0"/>
-              <a:t>Hierarchy of Documentation</a:t>
-            </a:r>
-            <a:br>
-              <a:rPr lang="en-US" dirty="0"/>
-            </a:br>
-            <a:r>
-              <a:rPr lang="en-US" sz="2400" b="0" dirty="0"/>
-              <a:t>Not all documents are alike</a:t>
+              <a:t>And finally we reach our destination</a:t>
             </a:r>
           </a:p>
         </p:txBody>
@@ -6677,7 +7565,7 @@
           <p:cNvPr id="3" name="Content Placeholder 2">
             <a:extLst>
               <a:ext uri="{FF2B5EF4-FFF2-40B4-BE49-F238E27FC236}">
-                <a16:creationId xmlns:a16="http://schemas.microsoft.com/office/drawing/2014/main" id="{804AAC5C-AC1D-1FC8-4345-5BA9FFB6CFC6}"/>
+                <a16:creationId xmlns:a16="http://schemas.microsoft.com/office/drawing/2014/main" id="{5BE9B2DA-E858-1EB6-45DC-E8398F9475E3}"/>
               </a:ext>
             </a:extLst>
           </p:cNvPr>
@@ -6690,70 +7578,127 @@
         </p:nvSpPr>
         <p:spPr>
           <a:xfrm>
-            <a:off x="365760" y="4430648"/>
-            <a:ext cx="11626543" cy="1875290"/>
+            <a:off x="744239" y="3575491"/>
+            <a:ext cx="10700346" cy="2358779"/>
           </a:xfrm>
         </p:spPr>
         <p:txBody>
           <a:bodyPr/>
           <a:lstStyle/>
           <a:p>
-            <a:r>
-              <a:rPr lang="en-US" dirty="0"/>
-              <a:t>Data at the bottom.  Knowledge as we move up?</a:t>
-            </a:r>
-          </a:p>
-          <a:p>
-            <a:r>
-              <a:rPr lang="en-US" dirty="0"/>
-              <a:t>Some documents frozen at creation.  Others are living.</a:t>
-            </a:r>
-          </a:p>
-          <a:p>
-            <a:r>
-              <a:rPr lang="en-US" dirty="0"/>
-              <a:t>Does this capture how hard it is to do documentation in a distributed, digital world?</a:t>
-            </a:r>
-          </a:p>
-          <a:p>
-            <a:endParaRPr lang="en-US" dirty="0"/>
-          </a:p>
-        </p:txBody>
-      </p:sp>
-      <p:pic>
-        <p:nvPicPr>
-          <p:cNvPr id="4" name="Picture 3">
+            <a:pPr marL="0" indent="0">
+              <a:buNone/>
+            </a:pPr>
+            <a:r>
+              <a:rPr lang="en-US" dirty="0"/>
+              <a:t>"...to write with enough detail and clarity that another scientist could pick up the notebook at some time in the future, repeat the work based on the written descriptions, and make the same observations that were originally recorded. If this guideline is followed, even the original author will be able to understand the notes when looking back on them after considerable time has passed!”</a:t>
+            </a:r>
+          </a:p>
+          <a:p>
+            <a:pPr marL="0" indent="0">
+              <a:buNone/>
+            </a:pPr>
+            <a:r>
+              <a:rPr lang="en-US" dirty="0"/>
+              <a:t>	- Howard </a:t>
+            </a:r>
+            <a:r>
+              <a:rPr lang="en-US" dirty="0" err="1"/>
+              <a:t>Kanare</a:t>
+            </a:r>
+            <a:r>
+              <a:rPr lang="en-US" dirty="0"/>
+              <a:t>, “</a:t>
+            </a:r>
+            <a:r>
+              <a:rPr lang="en-US" i="1" dirty="0"/>
+              <a:t>Writing the Laboratory Notebook</a:t>
+            </a:r>
+            <a:r>
+              <a:rPr lang="en-US" dirty="0"/>
+              <a:t>”, 1985</a:t>
+            </a:r>
+          </a:p>
+        </p:txBody>
+      </p:sp>
+      <p:sp>
+        <p:nvSpPr>
+          <p:cNvPr id="4" name="Rectangle 3">
             <a:extLst>
               <a:ext uri="{FF2B5EF4-FFF2-40B4-BE49-F238E27FC236}">
-                <a16:creationId xmlns:a16="http://schemas.microsoft.com/office/drawing/2014/main" id="{D4346C03-4119-536B-2ED5-9CC8793FF322}"/>
+                <a16:creationId xmlns:a16="http://schemas.microsoft.com/office/drawing/2014/main" id="{ABF114B4-557E-6985-4AE3-A655B0543BBC}"/>
               </a:ext>
             </a:extLst>
           </p:cNvPr>
-          <p:cNvPicPr>
-            <a:picLocks noChangeAspect="1"/>
-          </p:cNvPicPr>
+          <p:cNvSpPr/>
           <p:nvPr/>
-        </p:nvPicPr>
-        <p:blipFill>
-          <a:blip r:embed="rId3"/>
-          <a:stretch>
-            <a:fillRect/>
-          </a:stretch>
-        </p:blipFill>
+        </p:nvSpPr>
         <p:spPr>
           <a:xfrm>
-            <a:off x="2114704" y="1535199"/>
-            <a:ext cx="7874583" cy="2574158"/>
+            <a:off x="365760" y="1308152"/>
+            <a:ext cx="10536470" cy="1631216"/>
           </a:xfrm>
           <a:prstGeom prst="rect">
             <a:avLst/>
           </a:prstGeom>
         </p:spPr>
-      </p:pic>
+        <p:txBody>
+          <a:bodyPr wrap="square">
+            <a:spAutoFit/>
+          </a:bodyPr>
+          <a:lstStyle/>
+          <a:p>
+            <a:r>
+              <a:rPr lang="en-US" sz="2000" dirty="0"/>
+              <a:t>Lab notebooks are</a:t>
+            </a:r>
+          </a:p>
+          <a:p>
+            <a:pPr marL="285750" indent="-285750">
+              <a:buFont typeface="Arial" panose="020B0604020202020204" pitchFamily="34" charset="0"/>
+              <a:buChar char="•"/>
+            </a:pPr>
+            <a:r>
+              <a:rPr lang="en-US" sz="2000" dirty="0"/>
+              <a:t>a fundamental part of communication as well as rigorous, reproducible science in a lab,</a:t>
+            </a:r>
+          </a:p>
+          <a:p>
+            <a:pPr marL="285750" indent="-285750">
+              <a:buFont typeface="Arial" panose="020B0604020202020204" pitchFamily="34" charset="0"/>
+              <a:buChar char="•"/>
+            </a:pPr>
+            <a:r>
+              <a:rPr lang="en-US" sz="2000" dirty="0"/>
+              <a:t>a tool for preventing scientific fraud and for defending against allegations of fraud,</a:t>
+            </a:r>
+          </a:p>
+          <a:p>
+            <a:pPr marL="285750" indent="-285750">
+              <a:buFont typeface="Arial" panose="020B0604020202020204" pitchFamily="34" charset="0"/>
+              <a:buChar char="•"/>
+            </a:pPr>
+            <a:r>
+              <a:rPr lang="en-US" sz="2000" dirty="0"/>
+              <a:t>a common-place or required part of an experimental laboratory, and</a:t>
+            </a:r>
+          </a:p>
+          <a:p>
+            <a:pPr marL="285750" indent="-285750">
+              <a:buFont typeface="Arial" panose="020B0604020202020204" pitchFamily="34" charset="0"/>
+              <a:buChar char="•"/>
+            </a:pPr>
+            <a:r>
+              <a:rPr lang="en-US" sz="2000" dirty="0"/>
+              <a:t>Populating a scientific “lab notebook” was an “automated” process at the observatory.</a:t>
+            </a:r>
+          </a:p>
+        </p:txBody>
+      </p:sp>
     </p:spTree>
     <p:extLst>
       <p:ext uri="{BB962C8B-B14F-4D97-AF65-F5344CB8AC3E}">
-        <p14:creationId xmlns:p14="http://schemas.microsoft.com/office/powerpoint/2010/main" val="854180296"/>
+        <p14:creationId xmlns:p14="http://schemas.microsoft.com/office/powerpoint/2010/main" val="1526375668"/>
       </p:ext>
     </p:extLst>
   </p:cSld>
@@ -6785,199 +7730,6 @@
           <p:cNvPr id="2" name="Title 1">
             <a:extLst>
               <a:ext uri="{FF2B5EF4-FFF2-40B4-BE49-F238E27FC236}">
-                <a16:creationId xmlns:a16="http://schemas.microsoft.com/office/drawing/2014/main" id="{9CDA5DAC-D638-AA10-5E70-A77E5B69D79E}"/>
-              </a:ext>
-            </a:extLst>
-          </p:cNvPr>
-          <p:cNvSpPr>
-            <a:spLocks noGrp="1"/>
-          </p:cNvSpPr>
-          <p:nvPr>
-            <p:ph type="title"/>
-          </p:nvPr>
-        </p:nvSpPr>
-        <p:spPr/>
-        <p:txBody>
-          <a:bodyPr/>
-          <a:lstStyle/>
-          <a:p>
-            <a:r>
-              <a:rPr lang="en-US" dirty="0"/>
-              <a:t>And finally we reach our destination</a:t>
-            </a:r>
-          </a:p>
-        </p:txBody>
-      </p:sp>
-      <p:sp>
-        <p:nvSpPr>
-          <p:cNvPr id="3" name="Content Placeholder 2">
-            <a:extLst>
-              <a:ext uri="{FF2B5EF4-FFF2-40B4-BE49-F238E27FC236}">
-                <a16:creationId xmlns:a16="http://schemas.microsoft.com/office/drawing/2014/main" id="{5BE9B2DA-E858-1EB6-45DC-E8398F9475E3}"/>
-              </a:ext>
-            </a:extLst>
-          </p:cNvPr>
-          <p:cNvSpPr>
-            <a:spLocks noGrp="1"/>
-          </p:cNvSpPr>
-          <p:nvPr>
-            <p:ph idx="1"/>
-          </p:nvPr>
-        </p:nvSpPr>
-        <p:spPr>
-          <a:xfrm>
-            <a:off x="744239" y="3575491"/>
-            <a:ext cx="10700346" cy="2358779"/>
-          </a:xfrm>
-        </p:spPr>
-        <p:txBody>
-          <a:bodyPr/>
-          <a:lstStyle/>
-          <a:p>
-            <a:pPr marL="0" indent="0">
-              <a:buNone/>
-            </a:pPr>
-            <a:r>
-              <a:rPr lang="en-US" dirty="0"/>
-              <a:t>"...to write with enough detail and clarity that another scientist could pick up the notebook at some time in the future, repeat the work based on the written descriptions, and make the same observations that were originally recorded. If this guideline is followed, even the original author will be able to understand the notes when looking back on them after considerable time has passed!”</a:t>
-            </a:r>
-          </a:p>
-          <a:p>
-            <a:pPr marL="0" indent="0">
-              <a:buNone/>
-            </a:pPr>
-            <a:r>
-              <a:rPr lang="en-US" dirty="0"/>
-              <a:t>	- Howard </a:t>
-            </a:r>
-            <a:r>
-              <a:rPr lang="en-US" dirty="0" err="1"/>
-              <a:t>Kanare</a:t>
-            </a:r>
-            <a:r>
-              <a:rPr lang="en-US" dirty="0"/>
-              <a:t>, “</a:t>
-            </a:r>
-            <a:r>
-              <a:rPr lang="en-US" i="1" dirty="0"/>
-              <a:t>Writing the Laboratory Notebook</a:t>
-            </a:r>
-            <a:r>
-              <a:rPr lang="en-US" dirty="0"/>
-              <a:t>”, 1985</a:t>
-            </a:r>
-          </a:p>
-        </p:txBody>
-      </p:sp>
-      <p:sp>
-        <p:nvSpPr>
-          <p:cNvPr id="4" name="Rectangle 3">
-            <a:extLst>
-              <a:ext uri="{FF2B5EF4-FFF2-40B4-BE49-F238E27FC236}">
-                <a16:creationId xmlns:a16="http://schemas.microsoft.com/office/drawing/2014/main" id="{ABF114B4-557E-6985-4AE3-A655B0543BBC}"/>
-              </a:ext>
-            </a:extLst>
-          </p:cNvPr>
-          <p:cNvSpPr/>
-          <p:nvPr/>
-        </p:nvSpPr>
-        <p:spPr>
-          <a:xfrm>
-            <a:off x="365760" y="1308152"/>
-            <a:ext cx="10536470" cy="1631216"/>
-          </a:xfrm>
-          <a:prstGeom prst="rect">
-            <a:avLst/>
-          </a:prstGeom>
-        </p:spPr>
-        <p:txBody>
-          <a:bodyPr wrap="square">
-            <a:spAutoFit/>
-          </a:bodyPr>
-          <a:lstStyle/>
-          <a:p>
-            <a:r>
-              <a:rPr lang="en-US" sz="2000" dirty="0"/>
-              <a:t>Lab notebooks are</a:t>
-            </a:r>
-          </a:p>
-          <a:p>
-            <a:pPr marL="285750" indent="-285750">
-              <a:buFont typeface="Arial" panose="020B0604020202020204" pitchFamily="34" charset="0"/>
-              <a:buChar char="•"/>
-            </a:pPr>
-            <a:r>
-              <a:rPr lang="en-US" sz="2000" dirty="0"/>
-              <a:t>a fundamental part of communication as well as rigorous, reproducible science in a lab,</a:t>
-            </a:r>
-          </a:p>
-          <a:p>
-            <a:pPr marL="285750" indent="-285750">
-              <a:buFont typeface="Arial" panose="020B0604020202020204" pitchFamily="34" charset="0"/>
-              <a:buChar char="•"/>
-            </a:pPr>
-            <a:r>
-              <a:rPr lang="en-US" sz="2000" dirty="0"/>
-              <a:t>a tool for preventing scientific fraud and for defending against allegations of fraud,</a:t>
-            </a:r>
-          </a:p>
-          <a:p>
-            <a:pPr marL="285750" indent="-285750">
-              <a:buFont typeface="Arial" panose="020B0604020202020204" pitchFamily="34" charset="0"/>
-              <a:buChar char="•"/>
-            </a:pPr>
-            <a:r>
-              <a:rPr lang="en-US" sz="2000" dirty="0"/>
-              <a:t>a common-place or required part of an experimental laboratory, and</a:t>
-            </a:r>
-          </a:p>
-          <a:p>
-            <a:pPr marL="285750" indent="-285750">
-              <a:buFont typeface="Arial" panose="020B0604020202020204" pitchFamily="34" charset="0"/>
-              <a:buChar char="•"/>
-            </a:pPr>
-            <a:r>
-              <a:rPr lang="en-US" sz="2000" dirty="0"/>
-              <a:t>Populating a scientific “lab notebook” was an “automated” process at the observatory.</a:t>
-            </a:r>
-          </a:p>
-        </p:txBody>
-      </p:sp>
-    </p:spTree>
-    <p:extLst>
-      <p:ext uri="{BB962C8B-B14F-4D97-AF65-F5344CB8AC3E}">
-        <p14:creationId xmlns:p14="http://schemas.microsoft.com/office/powerpoint/2010/main" val="1526375668"/>
-      </p:ext>
-    </p:extLst>
-  </p:cSld>
-  <p:clrMapOvr>
-    <a:masterClrMapping/>
-  </p:clrMapOvr>
-</p:sld>
-</file>
-
-<file path=ppt/slides/slide15.xml><?xml version="1.0" encoding="utf-8"?>
-<p:sld xmlns:a="http://schemas.openxmlformats.org/drawingml/2006/main" xmlns:r="http://schemas.openxmlformats.org/officeDocument/2006/relationships" xmlns:p="http://schemas.openxmlformats.org/presentationml/2006/main">
-  <p:cSld>
-    <p:spTree>
-      <p:nvGrpSpPr>
-        <p:cNvPr id="1" name=""/>
-        <p:cNvGrpSpPr/>
-        <p:nvPr/>
-      </p:nvGrpSpPr>
-      <p:grpSpPr>
-        <a:xfrm>
-          <a:off x="0" y="0"/>
-          <a:ext cx="0" cy="0"/>
-          <a:chOff x="0" y="0"/>
-          <a:chExt cx="0" cy="0"/>
-        </a:xfrm>
-      </p:grpSpPr>
-      <p:sp>
-        <p:nvSpPr>
-          <p:cNvPr id="2" name="Title 1">
-            <a:extLst>
-              <a:ext uri="{FF2B5EF4-FFF2-40B4-BE49-F238E27FC236}">
                 <a16:creationId xmlns:a16="http://schemas.microsoft.com/office/drawing/2014/main" id="{D91B3A35-D31B-5202-5327-3F2E4D74433D}"/>
               </a:ext>
             </a:extLst>
@@ -7050,7 +7802,7 @@
           <a:p>
             <a:r>
               <a:rPr lang="en-US" dirty="0"/>
-              <a:t>Don’t need perfect grammar and full sentences, </a:t>
+              <a:t>Don’t need perfect grammar and full sentences,</a:t>
             </a:r>
           </a:p>
           <a:p>
@@ -7135,7 +7887,7 @@
 </p:sld>
 </file>
 
-<file path=ppt/slides/slide16.xml><?xml version="1.0" encoding="utf-8"?>
+<file path=ppt/slides/slide15.xml><?xml version="1.0" encoding="utf-8"?>
 <p:sld xmlns:a="http://schemas.openxmlformats.org/drawingml/2006/main" xmlns:r="http://schemas.openxmlformats.org/officeDocument/2006/relationships" xmlns:p="http://schemas.openxmlformats.org/presentationml/2006/main">
   <p:cSld>
     <p:spTree>
@@ -7313,6 +8065,461 @@
     <p:extLst>
       <p:ext uri="{BB962C8B-B14F-4D97-AF65-F5344CB8AC3E}">
         <p14:creationId xmlns:p14="http://schemas.microsoft.com/office/powerpoint/2010/main" val="1981766383"/>
+      </p:ext>
+    </p:extLst>
+  </p:cSld>
+  <p:clrMapOvr>
+    <a:masterClrMapping/>
+  </p:clrMapOvr>
+</p:sld>
+</file>
+
+<file path=ppt/slides/slide16.xml><?xml version="1.0" encoding="utf-8"?>
+<p:sld xmlns:a="http://schemas.openxmlformats.org/drawingml/2006/main" xmlns:r="http://schemas.openxmlformats.org/officeDocument/2006/relationships" xmlns:p="http://schemas.openxmlformats.org/presentationml/2006/main">
+  <p:cSld>
+    <p:spTree>
+      <p:nvGrpSpPr>
+        <p:cNvPr id="1" name=""/>
+        <p:cNvGrpSpPr/>
+        <p:nvPr/>
+      </p:nvGrpSpPr>
+      <p:grpSpPr>
+        <a:xfrm>
+          <a:off x="0" y="0"/>
+          <a:ext cx="0" cy="0"/>
+          <a:chOff x="0" y="0"/>
+          <a:chExt cx="0" cy="0"/>
+        </a:xfrm>
+      </p:grpSpPr>
+      <p:sp>
+        <p:nvSpPr>
+          <p:cNvPr id="2" name="Title 1">
+            <a:extLst>
+              <a:ext uri="{FF2B5EF4-FFF2-40B4-BE49-F238E27FC236}">
+                <a16:creationId xmlns:a16="http://schemas.microsoft.com/office/drawing/2014/main" id="{3068DB0C-F0BD-C810-0320-3476DE4A6F55}"/>
+              </a:ext>
+            </a:extLst>
+          </p:cNvPr>
+          <p:cNvSpPr>
+            <a:spLocks noGrp="1"/>
+          </p:cNvSpPr>
+          <p:nvPr>
+            <p:ph type="title"/>
+          </p:nvPr>
+        </p:nvSpPr>
+        <p:spPr/>
+        <p:txBody>
+          <a:bodyPr/>
+          <a:lstStyle/>
+          <a:p>
+            <a:r>
+              <a:rPr lang="en-US" dirty="0"/>
+              <a:t>No one likes writing lab notes…</a:t>
+            </a:r>
+          </a:p>
+        </p:txBody>
+      </p:sp>
+      <p:sp>
+        <p:nvSpPr>
+          <p:cNvPr id="3" name="Content Placeholder 2">
+            <a:extLst>
+              <a:ext uri="{FF2B5EF4-FFF2-40B4-BE49-F238E27FC236}">
+                <a16:creationId xmlns:a16="http://schemas.microsoft.com/office/drawing/2014/main" id="{F100E866-8F79-2218-7AE0-147862690C86}"/>
+              </a:ext>
+            </a:extLst>
+          </p:cNvPr>
+          <p:cNvSpPr>
+            <a:spLocks noGrp="1"/>
+          </p:cNvSpPr>
+          <p:nvPr>
+            <p:ph idx="1"/>
+          </p:nvPr>
+        </p:nvSpPr>
+        <p:spPr>
+          <a:xfrm>
+            <a:off x="409507" y="2092357"/>
+            <a:ext cx="5440787" cy="4047778"/>
+          </a:xfrm>
+        </p:spPr>
+        <p:txBody>
+          <a:bodyPr/>
+          <a:lstStyle/>
+          <a:p>
+            <a:pPr marL="0" indent="0">
+              <a:buNone/>
+            </a:pPr>
+            <a:r>
+              <a:rPr lang="en-US" sz="2000" dirty="0"/>
+              <a:t>Optimistic</a:t>
+            </a:r>
+          </a:p>
+          <a:p>
+            <a:r>
+              <a:rPr lang="en-US" sz="2000" dirty="0"/>
+              <a:t>Lack of experience</a:t>
+            </a:r>
+          </a:p>
+          <a:p>
+            <a:r>
+              <a:rPr lang="en-US" sz="2000" dirty="0"/>
+              <a:t>Lack of training</a:t>
+            </a:r>
+          </a:p>
+          <a:p>
+            <a:r>
+              <a:rPr lang="en-US" sz="2000" dirty="0"/>
+              <a:t>Lack of appreciation</a:t>
+            </a:r>
+          </a:p>
+          <a:p>
+            <a:r>
+              <a:rPr lang="en-US" sz="2000" dirty="0"/>
+              <a:t>Lack of incentives</a:t>
+            </a:r>
+          </a:p>
+        </p:txBody>
+      </p:sp>
+      <p:sp>
+        <p:nvSpPr>
+          <p:cNvPr id="4" name="Content Placeholder 2">
+            <a:extLst>
+              <a:ext uri="{FF2B5EF4-FFF2-40B4-BE49-F238E27FC236}">
+                <a16:creationId xmlns:a16="http://schemas.microsoft.com/office/drawing/2014/main" id="{4F285C41-25FD-7164-0152-69A4495BCC55}"/>
+              </a:ext>
+            </a:extLst>
+          </p:cNvPr>
+          <p:cNvSpPr txBox="1">
+            <a:spLocks/>
+          </p:cNvSpPr>
+          <p:nvPr/>
+        </p:nvSpPr>
+        <p:spPr bwMode="auto">
+          <a:xfrm>
+            <a:off x="5934268" y="2092357"/>
+            <a:ext cx="5801300" cy="2479641"/>
+          </a:xfrm>
+          <a:prstGeom prst="rect">
+            <a:avLst/>
+          </a:prstGeom>
+          <a:noFill/>
+          <a:ln w="9525">
+            <a:noFill/>
+            <a:miter lim="800000"/>
+            <a:headEnd/>
+            <a:tailEnd/>
+          </a:ln>
+        </p:spPr>
+        <p:txBody>
+          <a:bodyPr vert="horz" wrap="square" lIns="91440" tIns="45720" rIns="91440" bIns="45720" numCol="1" anchor="t" anchorCtr="0" compatLnSpc="1">
+            <a:prstTxWarp prst="textNoShape">
+              <a:avLst/>
+            </a:prstTxWarp>
+            <a:noAutofit/>
+          </a:bodyPr>
+          <a:lstStyle>
+            <a:lvl1pPr marL="230188" indent="-230188" algn="l" rtl="0" eaLnBrk="1" fontAlgn="base" hangingPunct="1">
+              <a:lnSpc>
+                <a:spcPct val="90000"/>
+              </a:lnSpc>
+              <a:spcBef>
+                <a:spcPts val="1400"/>
+              </a:spcBef>
+              <a:spcAft>
+                <a:spcPct val="0"/>
+              </a:spcAft>
+              <a:buClr>
+                <a:schemeClr val="tx1"/>
+              </a:buClr>
+              <a:buFont typeface="Arial" charset="0"/>
+              <a:buChar char="•"/>
+              <a:defRPr sz="2400" kern="1200">
+                <a:solidFill>
+                  <a:schemeClr val="tx1"/>
+                </a:solidFill>
+                <a:latin typeface="Arial" panose="020B0604020202020204" pitchFamily="34" charset="0"/>
+                <a:ea typeface="+mn-ea"/>
+                <a:cs typeface="Arial" panose="020B0604020202020204" pitchFamily="34" charset="0"/>
+              </a:defRPr>
+            </a:lvl1pPr>
+            <a:lvl2pPr marL="625475" indent="-279400" algn="l" rtl="0" eaLnBrk="1" fontAlgn="base" hangingPunct="1">
+              <a:lnSpc>
+                <a:spcPct val="90000"/>
+              </a:lnSpc>
+              <a:spcBef>
+                <a:spcPts val="800"/>
+              </a:spcBef>
+              <a:spcAft>
+                <a:spcPct val="0"/>
+              </a:spcAft>
+              <a:buClr>
+                <a:schemeClr val="tx1"/>
+              </a:buClr>
+              <a:buFont typeface="Arial" charset="0"/>
+              <a:buChar char="–"/>
+              <a:defRPr sz="2000" kern="1200">
+                <a:solidFill>
+                  <a:schemeClr val="tx1"/>
+                </a:solidFill>
+                <a:latin typeface="Arial" panose="020B0604020202020204" pitchFamily="34" charset="0"/>
+                <a:ea typeface="+mn-ea"/>
+                <a:cs typeface="Arial" panose="020B0604020202020204" pitchFamily="34" charset="0"/>
+              </a:defRPr>
+            </a:lvl2pPr>
+            <a:lvl3pPr marL="914400" indent="-230188" algn="l" rtl="0" eaLnBrk="1" fontAlgn="base" hangingPunct="1">
+              <a:lnSpc>
+                <a:spcPct val="90000"/>
+              </a:lnSpc>
+              <a:spcBef>
+                <a:spcPts val="800"/>
+              </a:spcBef>
+              <a:spcAft>
+                <a:spcPct val="0"/>
+              </a:spcAft>
+              <a:buClr>
+                <a:schemeClr val="tx1"/>
+              </a:buClr>
+              <a:buFont typeface="Arial" charset="0"/>
+              <a:buChar char="•"/>
+              <a:defRPr sz="1800" kern="1200">
+                <a:solidFill>
+                  <a:schemeClr val="tx1"/>
+                </a:solidFill>
+                <a:latin typeface="Arial" panose="020B0604020202020204" pitchFamily="34" charset="0"/>
+                <a:ea typeface="+mn-ea"/>
+                <a:cs typeface="Arial" panose="020B0604020202020204" pitchFamily="34" charset="0"/>
+              </a:defRPr>
+            </a:lvl3pPr>
+            <a:lvl4pPr marL="1144588" indent="-173038" algn="l" rtl="0" eaLnBrk="1" fontAlgn="base" hangingPunct="1">
+              <a:lnSpc>
+                <a:spcPct val="90000"/>
+              </a:lnSpc>
+              <a:spcBef>
+                <a:spcPts val="800"/>
+              </a:spcBef>
+              <a:spcAft>
+                <a:spcPct val="0"/>
+              </a:spcAft>
+              <a:buClr>
+                <a:schemeClr val="tx1"/>
+              </a:buClr>
+              <a:buFont typeface="Arial" charset="0"/>
+              <a:buChar char="–"/>
+              <a:defRPr sz="1600" kern="1200">
+                <a:solidFill>
+                  <a:schemeClr val="tx1"/>
+                </a:solidFill>
+                <a:latin typeface="Arial" panose="020B0604020202020204" pitchFamily="34" charset="0"/>
+                <a:ea typeface="+mn-ea"/>
+                <a:cs typeface="Arial" panose="020B0604020202020204" pitchFamily="34" charset="0"/>
+              </a:defRPr>
+            </a:lvl4pPr>
+            <a:lvl5pPr marL="1482725" indent="-222250" algn="l" rtl="0" eaLnBrk="1" fontAlgn="base" hangingPunct="1">
+              <a:lnSpc>
+                <a:spcPct val="90000"/>
+              </a:lnSpc>
+              <a:spcBef>
+                <a:spcPts val="600"/>
+              </a:spcBef>
+              <a:spcAft>
+                <a:spcPct val="0"/>
+              </a:spcAft>
+              <a:buClr>
+                <a:schemeClr val="tx1"/>
+              </a:buClr>
+              <a:buFont typeface="Arial" panose="020B0604020202020204" pitchFamily="34" charset="0"/>
+              <a:buChar char="•"/>
+              <a:defRPr sz="1600" kern="1200">
+                <a:solidFill>
+                  <a:schemeClr val="tx1"/>
+                </a:solidFill>
+                <a:latin typeface="Arial" panose="020B0604020202020204" pitchFamily="34" charset="0"/>
+                <a:ea typeface="+mn-ea"/>
+                <a:cs typeface="Arial" panose="020B0604020202020204" pitchFamily="34" charset="0"/>
+              </a:defRPr>
+            </a:lvl5pPr>
+            <a:lvl6pPr marL="2514600" indent="-228600" algn="l" defTabSz="914400" rtl="0" eaLnBrk="1" latinLnBrk="0" hangingPunct="1">
+              <a:spcBef>
+                <a:spcPct val="20000"/>
+              </a:spcBef>
+              <a:buFont typeface="Arial" pitchFamily="34" charset="0"/>
+              <a:buChar char="•"/>
+              <a:defRPr sz="2000" kern="1200">
+                <a:solidFill>
+                  <a:schemeClr val="tx1"/>
+                </a:solidFill>
+                <a:latin typeface="+mn-lt"/>
+                <a:ea typeface="+mn-ea"/>
+                <a:cs typeface="+mn-cs"/>
+              </a:defRPr>
+            </a:lvl6pPr>
+            <a:lvl7pPr marL="2971800" indent="-228600" algn="l" defTabSz="914400" rtl="0" eaLnBrk="1" latinLnBrk="0" hangingPunct="1">
+              <a:spcBef>
+                <a:spcPct val="20000"/>
+              </a:spcBef>
+              <a:buFont typeface="Arial" pitchFamily="34" charset="0"/>
+              <a:buChar char="•"/>
+              <a:defRPr sz="2000" kern="1200">
+                <a:solidFill>
+                  <a:schemeClr val="tx1"/>
+                </a:solidFill>
+                <a:latin typeface="+mn-lt"/>
+                <a:ea typeface="+mn-ea"/>
+                <a:cs typeface="+mn-cs"/>
+              </a:defRPr>
+            </a:lvl7pPr>
+            <a:lvl8pPr marL="3429000" indent="-228600" algn="l" defTabSz="914400" rtl="0" eaLnBrk="1" latinLnBrk="0" hangingPunct="1">
+              <a:spcBef>
+                <a:spcPct val="20000"/>
+              </a:spcBef>
+              <a:buFont typeface="Arial" pitchFamily="34" charset="0"/>
+              <a:buChar char="•"/>
+              <a:defRPr sz="2000" kern="1200">
+                <a:solidFill>
+                  <a:schemeClr val="tx1"/>
+                </a:solidFill>
+                <a:latin typeface="+mn-lt"/>
+                <a:ea typeface="+mn-ea"/>
+                <a:cs typeface="+mn-cs"/>
+              </a:defRPr>
+            </a:lvl8pPr>
+            <a:lvl9pPr marL="3886200" indent="-228600" algn="l" defTabSz="914400" rtl="0" eaLnBrk="1" latinLnBrk="0" hangingPunct="1">
+              <a:spcBef>
+                <a:spcPct val="20000"/>
+              </a:spcBef>
+              <a:buFont typeface="Arial" pitchFamily="34" charset="0"/>
+              <a:buChar char="•"/>
+              <a:defRPr sz="2000" kern="1200">
+                <a:solidFill>
+                  <a:schemeClr val="tx1"/>
+                </a:solidFill>
+                <a:latin typeface="+mn-lt"/>
+                <a:ea typeface="+mn-ea"/>
+                <a:cs typeface="+mn-cs"/>
+              </a:defRPr>
+            </a:lvl9pPr>
+          </a:lstStyle>
+          <a:p>
+            <a:pPr marL="0" indent="0">
+              <a:buNone/>
+            </a:pPr>
+            <a:r>
+              <a:rPr lang="en-US" sz="2000" dirty="0"/>
+              <a:t>Cynical</a:t>
+            </a:r>
+          </a:p>
+          <a:p>
+            <a:r>
+              <a:rPr lang="en-US" sz="2000" dirty="0"/>
+              <a:t>We want and appreciate it when others share knowledge with us.</a:t>
+            </a:r>
+          </a:p>
+          <a:p>
+            <a:r>
+              <a:rPr lang="en-US" sz="2000" dirty="0"/>
+              <a:t>We don’t want to take the time to capture, preserve, and communicate knowledge we generate.</a:t>
+            </a:r>
+          </a:p>
+        </p:txBody>
+      </p:sp>
+      <p:sp>
+        <p:nvSpPr>
+          <p:cNvPr id="5" name="TextBox 4">
+            <a:extLst>
+              <a:ext uri="{FF2B5EF4-FFF2-40B4-BE49-F238E27FC236}">
+                <a16:creationId xmlns:a16="http://schemas.microsoft.com/office/drawing/2014/main" id="{62A06DBE-0C76-4BBC-6218-0B193ACAD5FE}"/>
+              </a:ext>
+            </a:extLst>
+          </p:cNvPr>
+          <p:cNvSpPr txBox="1"/>
+          <p:nvPr/>
+        </p:nvSpPr>
+        <p:spPr>
+          <a:xfrm>
+            <a:off x="1642805" y="1157496"/>
+            <a:ext cx="8582927" cy="803297"/>
+          </a:xfrm>
+          <a:prstGeom prst="rect">
+            <a:avLst/>
+          </a:prstGeom>
+          <a:noFill/>
+        </p:spPr>
+        <p:txBody>
+          <a:bodyPr wrap="none" lIns="118872" tIns="91440" rIns="118872" bIns="91440" rtlCol="0" anchor="ctr" anchorCtr="0">
+            <a:spAutoFit/>
+          </a:bodyPr>
+          <a:lstStyle/>
+          <a:p>
+            <a:pPr lvl="1"/>
+            <a:r>
+              <a:rPr lang="en-US" sz="2400" dirty="0"/>
+              <a:t>We love to consume documentation; write it, not so much.</a:t>
+            </a:r>
+          </a:p>
+          <a:p>
+            <a:pPr algn="l">
+              <a:lnSpc>
+                <a:spcPct val="90000"/>
+              </a:lnSpc>
+            </a:pPr>
+            <a:endParaRPr lang="en-US" dirty="0"/>
+          </a:p>
+        </p:txBody>
+      </p:sp>
+      <p:sp>
+        <p:nvSpPr>
+          <p:cNvPr id="6" name="TextBox 5">
+            <a:extLst>
+              <a:ext uri="{FF2B5EF4-FFF2-40B4-BE49-F238E27FC236}">
+                <a16:creationId xmlns:a16="http://schemas.microsoft.com/office/drawing/2014/main" id="{2DB2D50D-DAD0-2A00-E9BE-362D6401030C}"/>
+              </a:ext>
+            </a:extLst>
+          </p:cNvPr>
+          <p:cNvSpPr txBox="1"/>
+          <p:nvPr/>
+        </p:nvSpPr>
+        <p:spPr>
+          <a:xfrm>
+            <a:off x="1306285" y="4618653"/>
+            <a:ext cx="9088017" cy="1541961"/>
+          </a:xfrm>
+          <a:prstGeom prst="rect">
+            <a:avLst/>
+          </a:prstGeom>
+          <a:noFill/>
+        </p:spPr>
+        <p:txBody>
+          <a:bodyPr wrap="square" lIns="118872" tIns="91440" rIns="118872" bIns="91440" rtlCol="0" anchor="ctr" anchorCtr="0">
+            <a:spAutoFit/>
+          </a:bodyPr>
+          <a:lstStyle/>
+          <a:p>
+            <a:pPr algn="ctr"/>
+            <a:r>
+              <a:rPr lang="en-US" sz="2400" b="1" dirty="0"/>
+              <a:t>One aspect of productivity</a:t>
+            </a:r>
+          </a:p>
+          <a:p>
+            <a:pPr lvl="1" algn="ctr"/>
+            <a:r>
+              <a:rPr lang="en-US" sz="2400" dirty="0"/>
+              <a:t>One person decreases their short-term efficiency so that many (and the team) achieve long-term efficiency and quality.</a:t>
+            </a:r>
+          </a:p>
+          <a:p>
+            <a:pPr algn="ctr">
+              <a:lnSpc>
+                <a:spcPct val="90000"/>
+              </a:lnSpc>
+            </a:pPr>
+            <a:endParaRPr lang="en-US" dirty="0"/>
+          </a:p>
+        </p:txBody>
+      </p:sp>
+    </p:spTree>
+    <p:extLst>
+      <p:ext uri="{BB962C8B-B14F-4D97-AF65-F5344CB8AC3E}">
+        <p14:creationId xmlns:p14="http://schemas.microsoft.com/office/powerpoint/2010/main" val="872583987"/>
       </p:ext>
     </p:extLst>
   </p:cSld>
@@ -7683,13 +8890,13 @@
           <a:p>
             <a:r>
               <a:rPr lang="en-US" dirty="0"/>
+              <a:t>Sometimes it’s good if notetaking slows down progress</a:t>
+            </a:r>
+          </a:p>
+          <a:p>
+            <a:r>
+              <a:rPr lang="en-US" dirty="0"/>
               <a:t>Concentrate on the work that I am performing rather than on tooling</a:t>
-            </a:r>
-          </a:p>
-          <a:p>
-            <a:r>
-              <a:rPr lang="en-US" dirty="0"/>
-              <a:t>Sometimes it’s good if notetaking slows down progress</a:t>
             </a:r>
           </a:p>
           <a:p>
@@ -8406,7 +9613,7 @@
             </a:pPr>
             <a:r>
               <a:rPr lang="en-US" dirty="0"/>
-              <a:t>Scientific HPC is several young fields that “on close examination, have not really stabilized or optimized their collaborative processes in a manner analogous to that of more mature, "classical" sciences. As a consequence, valuable science is often needlessly lost, or left uncollected.”</a:t>
+              <a:t>Scientific HPC is several young fields that “on close examination, have not really stabilized or optimized their collaborative processes in a manner analogous to that of more mature, ‘classical’ sciences. As a consequence, valuable science is often needlessly lost, or left uncollected.”</a:t>
             </a:r>
           </a:p>
           <a:p>
@@ -8531,7 +9738,12 @@
             <p:ph idx="1"/>
           </p:nvPr>
         </p:nvSpPr>
-        <p:spPr/>
+        <p:spPr>
+          <a:xfrm>
+            <a:off x="365760" y="1438778"/>
+            <a:ext cx="11369809" cy="4047778"/>
+          </a:xfrm>
+        </p:spPr>
         <p:txBody>
           <a:bodyPr/>
           <a:lstStyle/>
@@ -8610,7 +9822,7 @@
         </p:nvSpPr>
         <p:spPr>
           <a:xfrm>
-            <a:off x="3121573" y="5307363"/>
+            <a:off x="3121573" y="5232715"/>
             <a:ext cx="6620017" cy="766364"/>
           </a:xfrm>
           <a:prstGeom prst="rect">
@@ -8992,7 +10204,12 @@
             <p:ph idx="1"/>
           </p:nvPr>
         </p:nvSpPr>
-        <p:spPr/>
+        <p:spPr>
+          <a:xfrm>
+            <a:off x="365760" y="1196184"/>
+            <a:ext cx="11369809" cy="4047778"/>
+          </a:xfrm>
+        </p:spPr>
         <p:txBody>
           <a:bodyPr/>
           <a:lstStyle/>
@@ -9020,8 +10237,12 @@
           <a:p>
             <a:pPr lvl="1"/>
             <a:r>
-              <a:rPr lang="en-US" dirty="0"/>
-              <a:t>Example: When relative humidity levels are high and the temperature drops, there is an increased probability of precipitation. </a:t>
+              <a:rPr lang="en-US" b="1" dirty="0"/>
+              <a:t>Example</a:t>
+            </a:r>
+            <a:r>
+              <a:rPr lang="en-US" dirty="0"/>
+              <a:t>: When relative humidity levels are high and the temperature drops, there is an increased probability of precipitation. </a:t>
             </a:r>
             <a:r>
               <a:rPr lang="en-US" dirty="0">
@@ -9042,22 +10263,32 @@
             <a:pPr lvl="1"/>
             <a:r>
               <a:rPr lang="en-US" dirty="0"/>
-              <a:t>A deep theoretical background in and practical experience with </a:t>
-            </a:r>
-            <a:r>
-              <a:rPr lang="en-US" dirty="0" err="1"/>
-              <a:t>thesystem</a:t>
-            </a:r>
-            <a:r>
-              <a:rPr lang="en-US" dirty="0"/>
-              <a:t> whose data was acquired and studied.</a:t>
+              <a:t>A deep theoretical background in and practical experience with the system whose data was acquired and studied?</a:t>
             </a:r>
           </a:p>
           <a:p>
             <a:pPr lvl="1"/>
             <a:r>
               <a:rPr lang="en-US" dirty="0"/>
-              <a:t>Example: A meteorologist could explain (at different levels of detail) how the atmosphere works to substantiate the knowledge.</a:t>
+              <a:t>The ability to explain why?</a:t>
+            </a:r>
+          </a:p>
+          <a:p>
+            <a:pPr lvl="1"/>
+            <a:r>
+              <a:rPr lang="en-US" dirty="0"/>
+              <a:t>“Understanding is a kind of ecstasy” – Carl Sagan </a:t>
+            </a:r>
+          </a:p>
+          <a:p>
+            <a:pPr lvl="1"/>
+            <a:r>
+              <a:rPr lang="en-US" b="1" dirty="0"/>
+              <a:t>Example</a:t>
+            </a:r>
+            <a:r>
+              <a:rPr lang="en-US" dirty="0"/>
+              <a:t>: A meteorologist could explain at different levels of detail how the atmosphere works to justify the knowledge.</a:t>
             </a:r>
           </a:p>
           <a:p>
@@ -9082,7 +10313,7 @@
         </p:nvSpPr>
         <p:spPr>
           <a:xfrm>
-            <a:off x="2057954" y="5180570"/>
+            <a:off x="2057954" y="5311200"/>
             <a:ext cx="8072916" cy="517065"/>
           </a:xfrm>
           <a:prstGeom prst="rect">
@@ -10352,6 +11583,15 @@
 </file>
 
 <file path=customXml/item1.xml><?xml version="1.0" encoding="utf-8"?>
+<?mso-contentType ?>
+<FormTemplates xmlns="http://schemas.microsoft.com/sharepoint/v3/contenttype/forms">
+  <Display>DocumentLibraryForm</Display>
+  <Edit>DocumentLibraryForm</Edit>
+  <New>DocumentLibraryForm</New>
+</FormTemplates>
+</file>
+
+<file path=customXml/item2.xml><?xml version="1.0" encoding="utf-8"?>
 <ct:contentTypeSchema xmlns:ct="http://schemas.microsoft.com/office/2006/metadata/contentType" xmlns:ma="http://schemas.microsoft.com/office/2006/metadata/properties/metaAttributes" ct:_="" ma:_="" ma:contentTypeName="Document" ma:contentTypeID="0x010100565464437F680748A68B85EB6594EA7D" ma:contentTypeVersion="0" ma:contentTypeDescription="Create a new document." ma:contentTypeScope="" ma:versionID="fe3f4dd58d5914c51cfc6deaa8ad845c">
   <xsd:schema xmlns:xsd="http://www.w3.org/2001/XMLSchema" xmlns:p="http://schemas.microsoft.com/office/2006/metadata/properties" targetNamespace="http://schemas.microsoft.com/office/2006/metadata/properties" ma:root="true" ma:fieldsID="4aeb20c0e3442673af7ee10786458764">
     <xsd:element name="properties">
@@ -10400,15 +11640,6 @@
 </ct:contentTypeSchema>
 </file>
 
-<file path=customXml/item2.xml><?xml version="1.0" encoding="utf-8"?>
-<?mso-contentType ?>
-<FormTemplates xmlns="http://schemas.microsoft.com/sharepoint/v3/contenttype/forms">
-  <Display>DocumentLibraryForm</Display>
-  <Edit>DocumentLibraryForm</Edit>
-  <New>DocumentLibraryForm</New>
-</FormTemplates>
-</file>
-
 <file path=customXml/item3.xml><?xml version="1.0" encoding="utf-8"?>
 <p:properties xmlns:p="http://schemas.microsoft.com/office/2006/metadata/properties" xmlns:xsi="http://www.w3.org/2001/XMLSchema-instance" xmlns:pc="http://schemas.microsoft.com/office/infopath/2007/PartnerControls">
   <documentManagement/>
@@ -10416,6 +11647,14 @@
 </file>
 
 <file path=customXml/itemProps1.xml><?xml version="1.0" encoding="utf-8"?>
+<ds:datastoreItem xmlns:ds="http://schemas.openxmlformats.org/officeDocument/2006/customXml" ds:itemID="{19E20559-B232-4371-8690-E3D8007EDB82}">
+  <ds:schemaRefs>
+    <ds:schemaRef ds:uri="http://schemas.microsoft.com/sharepoint/v3/contenttype/forms"/>
+  </ds:schemaRefs>
+</ds:datastoreItem>
+</file>
+
+<file path=customXml/itemProps2.xml><?xml version="1.0" encoding="utf-8"?>
 <ds:datastoreItem xmlns:ds="http://schemas.openxmlformats.org/officeDocument/2006/customXml" ds:itemID="{E8DB7DEB-074E-4EE8-9B6E-FD277323109C}">
   <ds:schemaRefs>
     <ds:schemaRef ds:uri="http://schemas.microsoft.com/office/2006/metadata/contentType"/>
@@ -10426,14 +11665,6 @@
     <ds:schemaRef ds:uri="http://purl.org/dc/elements/1.1/"/>
     <ds:schemaRef ds:uri="http://purl.org/dc/terms/"/>
     <ds:schemaRef ds:uri="http://schemas.microsoft.com/office/internal/2005/internalDocumentation"/>
-  </ds:schemaRefs>
-</ds:datastoreItem>
-</file>
-
-<file path=customXml/itemProps2.xml><?xml version="1.0" encoding="utf-8"?>
-<ds:datastoreItem xmlns:ds="http://schemas.openxmlformats.org/officeDocument/2006/customXml" ds:itemID="{19E20559-B232-4371-8690-E3D8007EDB82}">
-  <ds:schemaRefs>
-    <ds:schemaRef ds:uri="http://schemas.microsoft.com/sharepoint/v3/contenttype/forms"/>
   </ds:schemaRefs>
 </ds:datastoreItem>
 </file>

--- a/lab-notebooks.pptx
+++ b/lab-notebooks.pptx
@@ -5,10 +5,10 @@
     <p:sldMasterId id="2147483935" r:id="rId4"/>
   </p:sldMasterIdLst>
   <p:notesMasterIdLst>
-    <p:notesMasterId r:id="rId26"/>
+    <p:notesMasterId r:id="rId27"/>
   </p:notesMasterIdLst>
   <p:handoutMasterIdLst>
-    <p:handoutMasterId r:id="rId27"/>
+    <p:handoutMasterId r:id="rId28"/>
   </p:handoutMasterIdLst>
   <p:sldIdLst>
     <p:sldId id="256" r:id="rId5"/>
@@ -25,13 +25,14 @@
     <p:sldId id="331" r:id="rId16"/>
     <p:sldId id="336" r:id="rId17"/>
     <p:sldId id="341" r:id="rId18"/>
-    <p:sldId id="338" r:id="rId19"/>
-    <p:sldId id="345" r:id="rId20"/>
-    <p:sldId id="335" r:id="rId21"/>
-    <p:sldId id="342" r:id="rId22"/>
-    <p:sldId id="343" r:id="rId23"/>
-    <p:sldId id="339" r:id="rId24"/>
-    <p:sldId id="344" r:id="rId25"/>
+    <p:sldId id="346" r:id="rId19"/>
+    <p:sldId id="338" r:id="rId20"/>
+    <p:sldId id="345" r:id="rId21"/>
+    <p:sldId id="335" r:id="rId22"/>
+    <p:sldId id="342" r:id="rId23"/>
+    <p:sldId id="343" r:id="rId24"/>
+    <p:sldId id="339" r:id="rId25"/>
+    <p:sldId id="344" r:id="rId26"/>
   </p:sldIdLst>
   <p:sldSz cx="12188825" cy="6858000"/>
   <p:notesSz cx="7010400" cy="9296400"/>
@@ -275,7 +276,7 @@
           <a:p>
             <a:fld id="{0B842F42-2CE9-4E35-95C1-410DC08A50B1}" type="datetimeFigureOut">
               <a:rPr lang="en-US" smtClean="0"/>
-              <a:t>7/22/22</a:t>
+              <a:t>7/25/22</a:t>
             </a:fld>
             <a:endParaRPr lang="en-US"/>
           </a:p>
@@ -440,7 +441,7 @@
           <a:p>
             <a:fld id="{6F282904-F315-4730-8D91-37D99E141A6F}" type="datetimeFigureOut">
               <a:rPr lang="en-US" smtClean="0"/>
-              <a:t>7/22/22</a:t>
+              <a:t>7/25/22</a:t>
             </a:fld>
             <a:endParaRPr lang="en-US"/>
           </a:p>
@@ -781,6 +782,43 @@
               <a:t> caps it all off by discussing how to use a lab env in the larger scale of a research campaign.  In this case, we have structured the journey as a long, sustained bottom-up crescendo toward discussing the importance of scientific rigor in computational sciences in a way that will hopefully be immediately relatable to the audience’s life.  Hopefully, this will help them appreciate retroactively the mundane low-level details discussed earlier.</a:t>
             </a:r>
           </a:p>
+          <a:p>
+            <a:endParaRPr lang="en-US" dirty="0"/>
+          </a:p>
+          <a:p>
+            <a:r>
+              <a:rPr lang="en-US" dirty="0"/>
+              <a:t>If you look at the content of this </a:t>
+            </a:r>
+            <a:r>
+              <a:rPr lang="en-US" dirty="0" err="1"/>
+              <a:t>slidedeck</a:t>
+            </a:r>
+            <a:r>
+              <a:rPr lang="en-US" dirty="0"/>
+              <a:t> alone, the content fizzles out.  In particular, it just raises questions at the end.  Therefore, it should be stated up front that</a:t>
+            </a:r>
+          </a:p>
+          <a:p>
+            <a:pPr marL="171450" indent="-171450">
+              <a:buFont typeface="Arial" panose="020B0604020202020204" pitchFamily="34" charset="0"/>
+              <a:buChar char="•"/>
+            </a:pPr>
+            <a:r>
+              <a:rPr lang="en-US" dirty="0"/>
+              <a:t>There is no single format for a lab notebook.  It will depend on each user, on a team, on a project.  Also, the tools and needs will change with time.  Therefore, this is not a talk designed to inform or instruct.  It is a discussion and its intent is to get people thinking.</a:t>
+            </a:r>
+          </a:p>
+          <a:p>
+            <a:pPr marL="171450" indent="-171450">
+              <a:buFont typeface="Arial" panose="020B0604020202020204" pitchFamily="34" charset="0"/>
+              <a:buChar char="•"/>
+            </a:pPr>
+            <a:r>
+              <a:rPr lang="en-US" dirty="0"/>
+              <a:t>That this journey doesn’t end with this talk.  It flows into the next talk.</a:t>
+            </a:r>
+          </a:p>
         </p:txBody>
       </p:sp>
       <p:sp>
@@ -1266,7 +1304,7 @@
           <a:p>
             <a:fld id="{54E672D7-8E2D-4611-973D-F4591A707C34}" type="slidenum">
               <a:rPr lang="en-US" smtClean="0"/>
-              <a:t>15</a:t>
+              <a:t>16</a:t>
             </a:fld>
             <a:endParaRPr lang="en-US"/>
           </a:p>
@@ -1362,7 +1400,7 @@
           <a:p>
             <a:fld id="{54E672D7-8E2D-4611-973D-F4591A707C34}" type="slidenum">
               <a:rPr lang="en-US" smtClean="0"/>
-              <a:t>17</a:t>
+              <a:t>18</a:t>
             </a:fld>
             <a:endParaRPr lang="en-US"/>
           </a:p>
@@ -1427,7 +1465,7 @@
           <a:p>
             <a:r>
               <a:rPr lang="en-US" dirty="0"/>
-              <a:t>Let’s me concentrate on the work </a:t>
+              <a:t>Mention that the next three slides are a review of what is done and what could be done.  The point is to start to understand what we want and what we don’t want.  It’s also to understand some of the difficulties that we face.</a:t>
             </a:r>
           </a:p>
         </p:txBody>
@@ -1449,7 +1487,7 @@
           <a:p>
             <a:fld id="{54E672D7-8E2D-4611-973D-F4591A707C34}" type="slidenum">
               <a:rPr lang="en-US" smtClean="0"/>
-              <a:t>18</a:t>
+              <a:t>19</a:t>
             </a:fld>
             <a:endParaRPr lang="en-US"/>
           </a:p>
@@ -1545,7 +1583,7 @@
           <a:p>
             <a:fld id="{54E672D7-8E2D-4611-973D-F4591A707C34}" type="slidenum">
               <a:rPr lang="en-US" smtClean="0"/>
-              <a:t>19</a:t>
+              <a:t>20</a:t>
             </a:fld>
             <a:endParaRPr lang="en-US"/>
           </a:p>
@@ -1705,7 +1743,7 @@
           <a:p>
             <a:fld id="{54E672D7-8E2D-4611-973D-F4591A707C34}" type="slidenum">
               <a:rPr lang="en-US" smtClean="0"/>
-              <a:t>20</a:t>
+              <a:t>21</a:t>
             </a:fld>
             <a:endParaRPr lang="en-US"/>
           </a:p>
@@ -7909,6 +7947,96 @@
           <p:cNvPr id="2" name="Title 1">
             <a:extLst>
               <a:ext uri="{FF2B5EF4-FFF2-40B4-BE49-F238E27FC236}">
+                <a16:creationId xmlns:a16="http://schemas.microsoft.com/office/drawing/2014/main" id="{914D1871-6578-CE2C-CEDE-6D61809C72C6}"/>
+              </a:ext>
+            </a:extLst>
+          </p:cNvPr>
+          <p:cNvSpPr>
+            <a:spLocks noGrp="1"/>
+          </p:cNvSpPr>
+          <p:nvPr>
+            <p:ph type="title"/>
+          </p:nvPr>
+        </p:nvSpPr>
+        <p:spPr/>
+        <p:txBody>
+          <a:bodyPr/>
+          <a:lstStyle/>
+          <a:p>
+            <a:r>
+              <a:rPr lang="en-US" dirty="0"/>
+              <a:t>Example notebook entries</a:t>
+            </a:r>
+          </a:p>
+        </p:txBody>
+      </p:sp>
+      <p:sp>
+        <p:nvSpPr>
+          <p:cNvPr id="3" name="Content Placeholder 2">
+            <a:extLst>
+              <a:ext uri="{FF2B5EF4-FFF2-40B4-BE49-F238E27FC236}">
+                <a16:creationId xmlns:a16="http://schemas.microsoft.com/office/drawing/2014/main" id="{FD2BB90A-5F89-FD52-A0CA-88B6C58DE3A3}"/>
+              </a:ext>
+            </a:extLst>
+          </p:cNvPr>
+          <p:cNvSpPr>
+            <a:spLocks noGrp="1"/>
+          </p:cNvSpPr>
+          <p:nvPr>
+            <p:ph idx="1"/>
+          </p:nvPr>
+        </p:nvSpPr>
+        <p:spPr/>
+        <p:txBody>
+          <a:bodyPr/>
+          <a:lstStyle/>
+          <a:p>
+            <a:r>
+              <a:rPr lang="en-US" dirty="0">
+                <a:solidFill>
+                  <a:srgbClr val="FF0000"/>
+                </a:solidFill>
+              </a:rPr>
+              <a:t>TODO: Add in bad and good examples.</a:t>
+            </a:r>
+          </a:p>
+        </p:txBody>
+      </p:sp>
+    </p:spTree>
+    <p:extLst>
+      <p:ext uri="{BB962C8B-B14F-4D97-AF65-F5344CB8AC3E}">
+        <p14:creationId xmlns:p14="http://schemas.microsoft.com/office/powerpoint/2010/main" val="3878095345"/>
+      </p:ext>
+    </p:extLst>
+  </p:cSld>
+  <p:clrMapOvr>
+    <a:masterClrMapping/>
+  </p:clrMapOvr>
+</p:sld>
+</file>
+
+<file path=ppt/slides/slide16.xml><?xml version="1.0" encoding="utf-8"?>
+<p:sld xmlns:a="http://schemas.openxmlformats.org/drawingml/2006/main" xmlns:r="http://schemas.openxmlformats.org/officeDocument/2006/relationships" xmlns:p="http://schemas.openxmlformats.org/presentationml/2006/main">
+  <p:cSld>
+    <p:spTree>
+      <p:nvGrpSpPr>
+        <p:cNvPr id="1" name=""/>
+        <p:cNvGrpSpPr/>
+        <p:nvPr/>
+      </p:nvGrpSpPr>
+      <p:grpSpPr>
+        <a:xfrm>
+          <a:off x="0" y="0"/>
+          <a:ext cx="0" cy="0"/>
+          <a:chOff x="0" y="0"/>
+          <a:chExt cx="0" cy="0"/>
+        </a:xfrm>
+      </p:grpSpPr>
+      <p:sp>
+        <p:nvSpPr>
+          <p:cNvPr id="2" name="Title 1">
+            <a:extLst>
+              <a:ext uri="{FF2B5EF4-FFF2-40B4-BE49-F238E27FC236}">
                 <a16:creationId xmlns:a16="http://schemas.microsoft.com/office/drawing/2014/main" id="{2EB5B951-67DB-4419-93FD-4CAD47176224}"/>
               </a:ext>
             </a:extLst>
@@ -8074,7 +8202,7 @@
 </p:sld>
 </file>
 
-<file path=ppt/slides/slide16.xml><?xml version="1.0" encoding="utf-8"?>
+<file path=ppt/slides/slide17.xml><?xml version="1.0" encoding="utf-8"?>
 <p:sld xmlns:a="http://schemas.openxmlformats.org/drawingml/2006/main" xmlns:r="http://schemas.openxmlformats.org/officeDocument/2006/relationships" xmlns:p="http://schemas.openxmlformats.org/presentationml/2006/main">
   <p:cSld>
     <p:spTree>
@@ -8529,7 +8657,7 @@
 </p:sld>
 </file>
 
-<file path=ppt/slides/slide17.xml><?xml version="1.0" encoding="utf-8"?>
+<file path=ppt/slides/slide18.xml><?xml version="1.0" encoding="utf-8"?>
 <p:sld xmlns:a="http://schemas.openxmlformats.org/drawingml/2006/main" xmlns:r="http://schemas.openxmlformats.org/officeDocument/2006/relationships" xmlns:p="http://schemas.openxmlformats.org/presentationml/2006/main">
   <p:cSld>
     <p:spTree>
@@ -8787,153 +8915,6 @@
 </p:sld>
 </file>
 
-<file path=ppt/slides/slide18.xml><?xml version="1.0" encoding="utf-8"?>
-<p:sld xmlns:a="http://schemas.openxmlformats.org/drawingml/2006/main" xmlns:r="http://schemas.openxmlformats.org/officeDocument/2006/relationships" xmlns:p="http://schemas.openxmlformats.org/presentationml/2006/main">
-  <p:cSld>
-    <p:spTree>
-      <p:nvGrpSpPr>
-        <p:cNvPr id="1" name=""/>
-        <p:cNvGrpSpPr/>
-        <p:nvPr/>
-      </p:nvGrpSpPr>
-      <p:grpSpPr>
-        <a:xfrm>
-          <a:off x="0" y="0"/>
-          <a:ext cx="0" cy="0"/>
-          <a:chOff x="0" y="0"/>
-          <a:chExt cx="0" cy="0"/>
-        </a:xfrm>
-      </p:grpSpPr>
-      <p:sp>
-        <p:nvSpPr>
-          <p:cNvPr id="2" name="Title 1">
-            <a:extLst>
-              <a:ext uri="{FF2B5EF4-FFF2-40B4-BE49-F238E27FC236}">
-                <a16:creationId xmlns:a16="http://schemas.microsoft.com/office/drawing/2014/main" id="{6CA68844-F8F5-FE2F-1739-60DE75BBE948}"/>
-              </a:ext>
-            </a:extLst>
-          </p:cNvPr>
-          <p:cNvSpPr>
-            <a:spLocks noGrp="1"/>
-          </p:cNvSpPr>
-          <p:nvPr>
-            <p:ph type="title"/>
-          </p:nvPr>
-        </p:nvSpPr>
-        <p:spPr/>
-        <p:txBody>
-          <a:bodyPr/>
-          <a:lstStyle/>
-          <a:p>
-            <a:r>
-              <a:rPr lang="en-US" dirty="0"/>
-              <a:t>Tried and True</a:t>
-            </a:r>
-          </a:p>
-        </p:txBody>
-      </p:sp>
-      <p:sp>
-        <p:nvSpPr>
-          <p:cNvPr id="3" name="Content Placeholder 2">
-            <a:extLst>
-              <a:ext uri="{FF2B5EF4-FFF2-40B4-BE49-F238E27FC236}">
-                <a16:creationId xmlns:a16="http://schemas.microsoft.com/office/drawing/2014/main" id="{B745DA1A-B760-AD97-531D-3C6EA0486C89}"/>
-              </a:ext>
-            </a:extLst>
-          </p:cNvPr>
-          <p:cNvSpPr>
-            <a:spLocks noGrp="1"/>
-          </p:cNvSpPr>
-          <p:nvPr>
-            <p:ph idx="1"/>
-          </p:nvPr>
-        </p:nvSpPr>
-        <p:spPr/>
-        <p:txBody>
-          <a:bodyPr/>
-          <a:lstStyle/>
-          <a:p>
-            <a:pPr marL="0" indent="0" algn="ctr">
-              <a:buNone/>
-            </a:pPr>
-            <a:r>
-              <a:rPr lang="en-US" dirty="0"/>
-              <a:t>Nothing will ever beat good </a:t>
-            </a:r>
-            <a:r>
-              <a:rPr lang="en-US" dirty="0" err="1"/>
-              <a:t>ol</a:t>
-            </a:r>
-            <a:r>
-              <a:rPr lang="en-US" dirty="0"/>
-              <a:t>’ paper and pencil.</a:t>
-            </a:r>
-          </a:p>
-          <a:p>
-            <a:pPr marL="0" indent="0">
-              <a:buNone/>
-            </a:pPr>
-            <a:endParaRPr lang="en-US" dirty="0"/>
-          </a:p>
-          <a:p>
-            <a:r>
-              <a:rPr lang="en-US" dirty="0"/>
-              <a:t>Anyone can use paper and pencil in any situation</a:t>
-            </a:r>
-          </a:p>
-          <a:p>
-            <a:r>
-              <a:rPr lang="en-US" dirty="0"/>
-              <a:t>It can be quicker to scribble down notes than to use a digital tool</a:t>
-            </a:r>
-          </a:p>
-          <a:p>
-            <a:r>
-              <a:rPr lang="en-US" dirty="0"/>
-              <a:t>Sometimes it’s good if notetaking slows down progress</a:t>
-            </a:r>
-          </a:p>
-          <a:p>
-            <a:r>
-              <a:rPr lang="en-US" dirty="0"/>
-              <a:t>Concentrate on the work that I am performing rather than on tooling</a:t>
-            </a:r>
-          </a:p>
-          <a:p>
-            <a:r>
-              <a:rPr lang="en-US" dirty="0"/>
-              <a:t>Open format can allow for creativity and easier annotation</a:t>
-            </a:r>
-          </a:p>
-          <a:p>
-            <a:r>
-              <a:rPr lang="en-US" dirty="0"/>
-              <a:t>The notebook is stored </a:t>
-            </a:r>
-            <a:r>
-              <a:rPr lang="en-US" b="1" dirty="0"/>
-              <a:t>publicly</a:t>
-            </a:r>
-            <a:r>
-              <a:rPr lang="en-US" dirty="0"/>
-              <a:t> next to where it is used</a:t>
-            </a:r>
-          </a:p>
-        </p:txBody>
-      </p:sp>
-    </p:spTree>
-    <p:extLst>
-      <p:ext uri="{BB962C8B-B14F-4D97-AF65-F5344CB8AC3E}">
-        <p14:creationId xmlns:p14="http://schemas.microsoft.com/office/powerpoint/2010/main" val="2673186691"/>
-      </p:ext>
-    </p:extLst>
-  </p:cSld>
-  <p:clrMapOvr>
-    <a:masterClrMapping/>
-  </p:clrMapOvr>
-</p:sld>
-</file>
-
 <file path=ppt/slides/slide19.xml><?xml version="1.0" encoding="utf-8"?>
 <p:sld xmlns:a="http://schemas.openxmlformats.org/drawingml/2006/main" xmlns:r="http://schemas.openxmlformats.org/officeDocument/2006/relationships" xmlns:p="http://schemas.openxmlformats.org/presentationml/2006/main">
   <p:cSld>
@@ -8956,7 +8937,7 @@
           <p:cNvPr id="2" name="Title 1">
             <a:extLst>
               <a:ext uri="{FF2B5EF4-FFF2-40B4-BE49-F238E27FC236}">
-                <a16:creationId xmlns:a16="http://schemas.microsoft.com/office/drawing/2014/main" id="{FC4D255F-6B22-D90A-D3FA-6B3758CEF6F0}"/>
+                <a16:creationId xmlns:a16="http://schemas.microsoft.com/office/drawing/2014/main" id="{6CA68844-F8F5-FE2F-1739-60DE75BBE948}"/>
               </a:ext>
             </a:extLst>
           </p:cNvPr>
@@ -8974,7 +8955,7 @@
           <a:p>
             <a:r>
               <a:rPr lang="en-US" dirty="0"/>
-              <a:t>No really.  I’m not joking…</a:t>
+              <a:t>Tried and True</a:t>
             </a:r>
           </a:p>
         </p:txBody>
@@ -8984,7 +8965,7 @@
           <p:cNvPr id="3" name="Content Placeholder 2">
             <a:extLst>
               <a:ext uri="{FF2B5EF4-FFF2-40B4-BE49-F238E27FC236}">
-                <a16:creationId xmlns:a16="http://schemas.microsoft.com/office/drawing/2014/main" id="{2A5FC098-DAFE-4D6E-F648-3A3DB5E24581}"/>
+                <a16:creationId xmlns:a16="http://schemas.microsoft.com/office/drawing/2014/main" id="{B745DA1A-B760-AD97-531D-3C6EA0486C89}"/>
               </a:ext>
             </a:extLst>
           </p:cNvPr>
@@ -8995,98 +8976,83 @@
             <p:ph idx="1"/>
           </p:nvPr>
         </p:nvSpPr>
-        <p:spPr>
-          <a:xfrm>
-            <a:off x="365760" y="1018897"/>
-            <a:ext cx="11369809" cy="4047778"/>
-          </a:xfrm>
-        </p:spPr>
+        <p:spPr/>
         <p:txBody>
           <a:bodyPr/>
           <a:lstStyle/>
+          <a:p>
+            <a:pPr marL="0" indent="0" algn="ctr">
+              <a:buNone/>
+            </a:pPr>
+            <a:r>
+              <a:rPr lang="en-US" dirty="0"/>
+              <a:t>Nothing will ever beat good </a:t>
+            </a:r>
+            <a:r>
+              <a:rPr lang="en-US" dirty="0" err="1"/>
+              <a:t>ol</a:t>
+            </a:r>
+            <a:r>
+              <a:rPr lang="en-US" dirty="0"/>
+              <a:t>’ paper and pencil.</a:t>
+            </a:r>
+          </a:p>
           <a:p>
             <a:pPr marL="0" indent="0">
               <a:buNone/>
             </a:pPr>
-            <a:r>
-              <a:rPr lang="en-US" dirty="0"/>
-              <a:t>“Since at least the 1990s, articles on technology have predicted the imminent, widespread adoption of electronic laboratory notebooks (ELNs) by researchers. It has yet to happen — but more and more scientists are taking the plunge.”</a:t>
-            </a:r>
-          </a:p>
-          <a:p>
-            <a:pPr marL="0" indent="0">
-              <a:buNone/>
-            </a:pPr>
-            <a:r>
-              <a:rPr lang="en-US" dirty="0"/>
-              <a:t>	- </a:t>
-            </a:r>
-            <a:r>
-              <a:rPr lang="en-US" sz="1800" dirty="0"/>
-              <a:t>Roberta Kwok, </a:t>
-            </a:r>
-            <a:r>
-              <a:rPr lang="en-US" sz="1800" dirty="0">
-                <a:hlinkClick r:id="rId3"/>
-              </a:rPr>
-              <a:t>“How to pick an electronic laboratory notebook”</a:t>
-            </a:r>
-            <a:r>
-              <a:rPr lang="en-US" sz="1800" dirty="0"/>
-              <a:t>, Nature, 2017.</a:t>
-            </a:r>
-          </a:p>
-          <a:p>
-            <a:pPr marL="0" indent="0">
-              <a:buNone/>
-            </a:pPr>
-            <a:endParaRPr lang="en-US" sz="1800" dirty="0"/>
-          </a:p>
-          <a:p>
-            <a:r>
-              <a:rPr lang="en-US" sz="1800" dirty="0"/>
-              <a:t>Some must be purchased to access features and lift resource limits</a:t>
-            </a:r>
-          </a:p>
-          <a:p>
-            <a:r>
-              <a:rPr lang="en-US" sz="1800" dirty="0"/>
-              <a:t>Some include templates and collaboration tools</a:t>
-            </a:r>
-          </a:p>
-          <a:p>
-            <a:r>
-              <a:rPr lang="en-US" sz="1800" dirty="0"/>
-              <a:t>Tied to technology that could fail</a:t>
-            </a:r>
-          </a:p>
-          <a:p>
-            <a:r>
-              <a:rPr lang="en-US" sz="1800" b="1" dirty="0"/>
-              <a:t>Overwhelming variety of possible solutions with different pros and cons</a:t>
-            </a:r>
-          </a:p>
-          <a:p>
-            <a:r>
-              <a:rPr lang="en-US" sz="1800" b="1" dirty="0"/>
-              <a:t>Uncertainty about future of tool, increased costs, inability to export</a:t>
-            </a:r>
-          </a:p>
-          <a:p>
-            <a:r>
-              <a:rPr lang="en-US" sz="1800" b="1" dirty="0"/>
-              <a:t>Does funding restrict where and how digital notes can be stored?</a:t>
-            </a:r>
-          </a:p>
-          <a:p>
-            <a:endParaRPr lang="en-US" sz="1800" dirty="0"/>
+            <a:endParaRPr lang="en-US" dirty="0"/>
+          </a:p>
+          <a:p>
+            <a:r>
+              <a:rPr lang="en-US" dirty="0"/>
+              <a:t>Anyone can use paper and pencil in any situation</a:t>
+            </a:r>
+          </a:p>
+          <a:p>
+            <a:r>
+              <a:rPr lang="en-US" dirty="0"/>
+              <a:t>Concentrate on the work that I am performing rather than on tooling</a:t>
+            </a:r>
+          </a:p>
+          <a:p>
+            <a:r>
+              <a:rPr lang="en-US" dirty="0"/>
+              <a:t>It can be quicker to scribble down notes than to use a digital tool</a:t>
+            </a:r>
+          </a:p>
+          <a:p>
+            <a:r>
+              <a:rPr lang="en-US" dirty="0"/>
+              <a:t>Sometimes it’s good if notetaking slows down progress</a:t>
+            </a:r>
+          </a:p>
+          <a:p>
+            <a:r>
+              <a:rPr lang="en-US" dirty="0"/>
+              <a:t>Open format can allow for creativity and easier annotation</a:t>
+            </a:r>
+          </a:p>
+          <a:p>
+            <a:r>
+              <a:rPr lang="en-US" dirty="0"/>
+              <a:t>The notebook is stored </a:t>
+            </a:r>
+            <a:r>
+              <a:rPr lang="en-US" b="1" dirty="0"/>
+              <a:t>publicly</a:t>
+            </a:r>
+            <a:r>
+              <a:rPr lang="en-US" dirty="0"/>
+              <a:t> next to where it is used</a:t>
+            </a:r>
           </a:p>
         </p:txBody>
       </p:sp>
     </p:spTree>
     <p:extLst>
       <p:ext uri="{BB962C8B-B14F-4D97-AF65-F5344CB8AC3E}">
-        <p14:creationId xmlns:p14="http://schemas.microsoft.com/office/powerpoint/2010/main" val="1192855188"/>
+        <p14:creationId xmlns:p14="http://schemas.microsoft.com/office/powerpoint/2010/main" val="2673186691"/>
       </p:ext>
     </p:extLst>
   </p:cSld>
@@ -9205,6 +9171,168 @@
           <p:cNvPr id="2" name="Title 1">
             <a:extLst>
               <a:ext uri="{FF2B5EF4-FFF2-40B4-BE49-F238E27FC236}">
+                <a16:creationId xmlns:a16="http://schemas.microsoft.com/office/drawing/2014/main" id="{FC4D255F-6B22-D90A-D3FA-6B3758CEF6F0}"/>
+              </a:ext>
+            </a:extLst>
+          </p:cNvPr>
+          <p:cNvSpPr>
+            <a:spLocks noGrp="1"/>
+          </p:cNvSpPr>
+          <p:nvPr>
+            <p:ph type="title"/>
+          </p:nvPr>
+        </p:nvSpPr>
+        <p:spPr/>
+        <p:txBody>
+          <a:bodyPr/>
+          <a:lstStyle/>
+          <a:p>
+            <a:r>
+              <a:rPr lang="en-US" dirty="0"/>
+              <a:t>No really.  I’m not joking…</a:t>
+            </a:r>
+          </a:p>
+        </p:txBody>
+      </p:sp>
+      <p:sp>
+        <p:nvSpPr>
+          <p:cNvPr id="3" name="Content Placeholder 2">
+            <a:extLst>
+              <a:ext uri="{FF2B5EF4-FFF2-40B4-BE49-F238E27FC236}">
+                <a16:creationId xmlns:a16="http://schemas.microsoft.com/office/drawing/2014/main" id="{2A5FC098-DAFE-4D6E-F648-3A3DB5E24581}"/>
+              </a:ext>
+            </a:extLst>
+          </p:cNvPr>
+          <p:cNvSpPr>
+            <a:spLocks noGrp="1"/>
+          </p:cNvSpPr>
+          <p:nvPr>
+            <p:ph idx="1"/>
+          </p:nvPr>
+        </p:nvSpPr>
+        <p:spPr>
+          <a:xfrm>
+            <a:off x="365760" y="1018897"/>
+            <a:ext cx="11369809" cy="4047778"/>
+          </a:xfrm>
+        </p:spPr>
+        <p:txBody>
+          <a:bodyPr/>
+          <a:lstStyle/>
+          <a:p>
+            <a:pPr marL="0" indent="0">
+              <a:buNone/>
+            </a:pPr>
+            <a:r>
+              <a:rPr lang="en-US" dirty="0"/>
+              <a:t>“Since at least the 1990s, articles on technology have predicted the imminent, widespread adoption of electronic laboratory notebooks (ELNs) by researchers. It has yet to happen — but more and more scientists are taking the plunge.”</a:t>
+            </a:r>
+          </a:p>
+          <a:p>
+            <a:pPr marL="0" indent="0">
+              <a:buNone/>
+            </a:pPr>
+            <a:r>
+              <a:rPr lang="en-US" dirty="0"/>
+              <a:t>	- </a:t>
+            </a:r>
+            <a:r>
+              <a:rPr lang="en-US" sz="1800" dirty="0"/>
+              <a:t>Roberta Kwok, </a:t>
+            </a:r>
+            <a:r>
+              <a:rPr lang="en-US" sz="1800" dirty="0">
+                <a:hlinkClick r:id="rId3"/>
+              </a:rPr>
+              <a:t>“How to pick an electronic laboratory notebook”</a:t>
+            </a:r>
+            <a:r>
+              <a:rPr lang="en-US" sz="1800" dirty="0"/>
+              <a:t>, Nature, 2017.</a:t>
+            </a:r>
+          </a:p>
+          <a:p>
+            <a:pPr marL="0" indent="0">
+              <a:buNone/>
+            </a:pPr>
+            <a:endParaRPr lang="en-US" sz="1800" dirty="0"/>
+          </a:p>
+          <a:p>
+            <a:r>
+              <a:rPr lang="en-US" sz="1800" dirty="0"/>
+              <a:t>Some must be purchased to access features and lift resource limits</a:t>
+            </a:r>
+          </a:p>
+          <a:p>
+            <a:r>
+              <a:rPr lang="en-US" sz="1800" dirty="0"/>
+              <a:t>Some include templates and collaboration tools</a:t>
+            </a:r>
+          </a:p>
+          <a:p>
+            <a:r>
+              <a:rPr lang="en-US" sz="1800" dirty="0"/>
+              <a:t>Tied to technology that could fail</a:t>
+            </a:r>
+          </a:p>
+          <a:p>
+            <a:r>
+              <a:rPr lang="en-US" sz="1800" b="1" dirty="0"/>
+              <a:t>Overwhelming variety of possible solutions with different pros and cons</a:t>
+            </a:r>
+          </a:p>
+          <a:p>
+            <a:r>
+              <a:rPr lang="en-US" sz="1800" b="1" dirty="0"/>
+              <a:t>Uncertainty about future of tool, increased costs, inability to export</a:t>
+            </a:r>
+          </a:p>
+          <a:p>
+            <a:r>
+              <a:rPr lang="en-US" sz="1800" b="1" dirty="0"/>
+              <a:t>Does funding restrict where and how digital notes can be stored?</a:t>
+            </a:r>
+          </a:p>
+          <a:p>
+            <a:endParaRPr lang="en-US" sz="1800" dirty="0"/>
+          </a:p>
+        </p:txBody>
+      </p:sp>
+    </p:spTree>
+    <p:extLst>
+      <p:ext uri="{BB962C8B-B14F-4D97-AF65-F5344CB8AC3E}">
+        <p14:creationId xmlns:p14="http://schemas.microsoft.com/office/powerpoint/2010/main" val="1192855188"/>
+      </p:ext>
+    </p:extLst>
+  </p:cSld>
+  <p:clrMapOvr>
+    <a:masterClrMapping/>
+  </p:clrMapOvr>
+</p:sld>
+</file>
+
+<file path=ppt/slides/slide21.xml><?xml version="1.0" encoding="utf-8"?>
+<p:sld xmlns:a="http://schemas.openxmlformats.org/drawingml/2006/main" xmlns:r="http://schemas.openxmlformats.org/officeDocument/2006/relationships" xmlns:p="http://schemas.openxmlformats.org/presentationml/2006/main">
+  <p:cSld>
+    <p:spTree>
+      <p:nvGrpSpPr>
+        <p:cNvPr id="1" name=""/>
+        <p:cNvGrpSpPr/>
+        <p:nvPr/>
+      </p:nvGrpSpPr>
+      <p:grpSpPr>
+        <a:xfrm>
+          <a:off x="0" y="0"/>
+          <a:ext cx="0" cy="0"/>
+          <a:chOff x="0" y="0"/>
+          <a:chExt cx="0" cy="0"/>
+        </a:xfrm>
+      </p:grpSpPr>
+      <p:sp>
+        <p:nvSpPr>
+          <p:cNvPr id="2" name="Title 1">
+            <a:extLst>
+              <a:ext uri="{FF2B5EF4-FFF2-40B4-BE49-F238E27FC236}">
                 <a16:creationId xmlns:a16="http://schemas.microsoft.com/office/drawing/2014/main" id="{A1FF3B6A-EE49-5CE4-E131-37168F913EC8}"/>
               </a:ext>
             </a:extLst>
@@ -9419,7 +9547,7 @@
 </p:sld>
 </file>
 
-<file path=ppt/slides/slide21.xml><?xml version="1.0" encoding="utf-8"?>
+<file path=ppt/slides/slide22.xml><?xml version="1.0" encoding="utf-8"?>
 <p:sld xmlns:a="http://schemas.openxmlformats.org/drawingml/2006/main" xmlns:r="http://schemas.openxmlformats.org/officeDocument/2006/relationships" xmlns:p="http://schemas.openxmlformats.org/presentationml/2006/main">
   <p:cSld>
     <p:spTree>
@@ -10419,7 +10547,7 @@
         </p:nvSpPr>
         <p:spPr>
           <a:xfrm>
-            <a:off x="1167009" y="1716340"/>
+            <a:off x="1167009" y="1602040"/>
             <a:ext cx="10028971" cy="4047778"/>
           </a:xfrm>
         </p:spPr>
@@ -10470,8 +10598,8 @@
         </p:nvSpPr>
         <p:spPr>
           <a:xfrm>
-            <a:off x="2315108" y="4153999"/>
-            <a:ext cx="7558608" cy="1098762"/>
+            <a:off x="992845" y="3391983"/>
+            <a:ext cx="9707880" cy="3093154"/>
           </a:xfrm>
           <a:prstGeom prst="rect">
             <a:avLst/>
@@ -10479,7 +10607,7 @@
           <a:noFill/>
         </p:spPr>
         <p:txBody>
-          <a:bodyPr wrap="none" lIns="118872" tIns="91440" rIns="118872" bIns="91440" rtlCol="0" anchor="ctr" anchorCtr="0">
+          <a:bodyPr wrap="square" lIns="118872" tIns="91440" rIns="118872" bIns="91440" rtlCol="0" anchor="ctr" anchorCtr="0">
             <a:spAutoFit/>
           </a:bodyPr>
           <a:lstStyle/>
@@ -10508,6 +10636,43 @@
               <a:rPr lang="en-US" sz="2400" dirty="0"/>
               <a:t>Are there times when mere knowledge is sufficient?</a:t>
             </a:r>
+          </a:p>
+          <a:p>
+            <a:pPr marL="285750" indent="-285750">
+              <a:lnSpc>
+                <a:spcPct val="90000"/>
+              </a:lnSpc>
+              <a:buFont typeface="Arial" panose="020B0604020202020204" pitchFamily="34" charset="0"/>
+              <a:buChar char="•"/>
+            </a:pPr>
+            <a:endParaRPr lang="en-US" sz="2400" dirty="0"/>
+          </a:p>
+          <a:p>
+            <a:pPr>
+              <a:lnSpc>
+                <a:spcPct val="90000"/>
+              </a:lnSpc>
+            </a:pPr>
+            <a:endParaRPr lang="en-US" sz="2400" dirty="0"/>
+          </a:p>
+          <a:p>
+            <a:pPr algn="ctr">
+              <a:lnSpc>
+                <a:spcPct val="90000"/>
+              </a:lnSpc>
+            </a:pPr>
+            <a:r>
+              <a:rPr lang="en-US" sz="2400" dirty="0"/>
+              <a:t>I don’t need to understand atmospheric science or weather prediction.  I just need basic knowledge to determine if I should take an umbrella with me.</a:t>
+            </a:r>
+          </a:p>
+          <a:p>
+            <a:pPr>
+              <a:lnSpc>
+                <a:spcPct val="90000"/>
+              </a:lnSpc>
+            </a:pPr>
+            <a:endParaRPr lang="en-US" sz="2400" dirty="0"/>
           </a:p>
           <a:p>
             <a:pPr algn="l">
@@ -10601,12 +10766,6 @@
         <p:txBody>
           <a:bodyPr/>
           <a:lstStyle/>
-          <a:p>
-            <a:r>
-              <a:rPr lang="en-US" dirty="0"/>
-              <a:t>I don’t need to understand atmospheric science or weather prediction.  I just need basic knowledge to determine if I should take an umbrella with me.</a:t>
-            </a:r>
-          </a:p>
           <a:p>
             <a:r>
               <a:rPr lang="en-US" dirty="0"/>
@@ -11583,12 +11742,9 @@
 </file>
 
 <file path=customXml/item1.xml><?xml version="1.0" encoding="utf-8"?>
-<?mso-contentType ?>
-<FormTemplates xmlns="http://schemas.microsoft.com/sharepoint/v3/contenttype/forms">
-  <Display>DocumentLibraryForm</Display>
-  <Edit>DocumentLibraryForm</Edit>
-  <New>DocumentLibraryForm</New>
-</FormTemplates>
+<p:properties xmlns:p="http://schemas.microsoft.com/office/2006/metadata/properties" xmlns:xsi="http://www.w3.org/2001/XMLSchema-instance" xmlns:pc="http://schemas.microsoft.com/office/infopath/2007/PartnerControls">
+  <documentManagement/>
+</p:properties>
 </file>
 
 <file path=customXml/item2.xml><?xml version="1.0" encoding="utf-8"?>
@@ -11641,15 +11797,25 @@
 </file>
 
 <file path=customXml/item3.xml><?xml version="1.0" encoding="utf-8"?>
-<p:properties xmlns:p="http://schemas.microsoft.com/office/2006/metadata/properties" xmlns:xsi="http://www.w3.org/2001/XMLSchema-instance" xmlns:pc="http://schemas.microsoft.com/office/infopath/2007/PartnerControls">
-  <documentManagement/>
-</p:properties>
+<?mso-contentType ?>
+<FormTemplates xmlns="http://schemas.microsoft.com/sharepoint/v3/contenttype/forms">
+  <Display>DocumentLibraryForm</Display>
+  <Edit>DocumentLibraryForm</Edit>
+  <New>DocumentLibraryForm</New>
+</FormTemplates>
 </file>
 
 <file path=customXml/itemProps1.xml><?xml version="1.0" encoding="utf-8"?>
-<ds:datastoreItem xmlns:ds="http://schemas.openxmlformats.org/officeDocument/2006/customXml" ds:itemID="{19E20559-B232-4371-8690-E3D8007EDB82}">
+<ds:datastoreItem xmlns:ds="http://schemas.openxmlformats.org/officeDocument/2006/customXml" ds:itemID="{A50EC660-24D0-43A0-AE5E-E274115E726B}">
   <ds:schemaRefs>
-    <ds:schemaRef ds:uri="http://schemas.microsoft.com/sharepoint/v3/contenttype/forms"/>
+    <ds:schemaRef ds:uri="http://purl.org/dc/elements/1.1/"/>
+    <ds:schemaRef ds:uri="http://schemas.microsoft.com/office/2006/metadata/properties"/>
+    <ds:schemaRef ds:uri="http://purl.org/dc/terms/"/>
+    <ds:schemaRef ds:uri="http://schemas.openxmlformats.org/package/2006/metadata/core-properties"/>
+    <ds:schemaRef ds:uri="http://schemas.microsoft.com/office/2006/documentManagement/types"/>
+    <ds:schemaRef ds:uri="http://www.w3.org/XML/1998/namespace"/>
+    <ds:schemaRef ds:uri="http://purl.org/dc/dcmitype/"/>
+    <ds:schemaRef ds:uri="http://schemas.microsoft.com/office/infopath/2007/PartnerControls"/>
   </ds:schemaRefs>
 </ds:datastoreItem>
 </file>
@@ -11670,16 +11836,9 @@
 </file>
 
 <file path=customXml/itemProps3.xml><?xml version="1.0" encoding="utf-8"?>
-<ds:datastoreItem xmlns:ds="http://schemas.openxmlformats.org/officeDocument/2006/customXml" ds:itemID="{A50EC660-24D0-43A0-AE5E-E274115E726B}">
+<ds:datastoreItem xmlns:ds="http://schemas.openxmlformats.org/officeDocument/2006/customXml" ds:itemID="{19E20559-B232-4371-8690-E3D8007EDB82}">
   <ds:schemaRefs>
-    <ds:schemaRef ds:uri="http://purl.org/dc/elements/1.1/"/>
-    <ds:schemaRef ds:uri="http://schemas.microsoft.com/office/2006/metadata/properties"/>
-    <ds:schemaRef ds:uri="http://purl.org/dc/terms/"/>
-    <ds:schemaRef ds:uri="http://schemas.openxmlformats.org/package/2006/metadata/core-properties"/>
-    <ds:schemaRef ds:uri="http://schemas.microsoft.com/office/2006/documentManagement/types"/>
-    <ds:schemaRef ds:uri="http://www.w3.org/XML/1998/namespace"/>
-    <ds:schemaRef ds:uri="http://purl.org/dc/dcmitype/"/>
-    <ds:schemaRef ds:uri="http://schemas.microsoft.com/office/infopath/2007/PartnerControls"/>
+    <ds:schemaRef ds:uri="http://schemas.microsoft.com/sharepoint/v3/contenttype/forms"/>
   </ds:schemaRefs>
 </ds:datastoreItem>
 </file>
--- a/lab-notebooks.pptx
+++ b/lab-notebooks.pptx
@@ -5,26 +5,26 @@
     <p:sldMasterId id="2147483935" r:id="rId4"/>
   </p:sldMasterIdLst>
   <p:notesMasterIdLst>
-    <p:notesMasterId r:id="rId27"/>
+    <p:notesMasterId r:id="rId29"/>
   </p:notesMasterIdLst>
   <p:handoutMasterIdLst>
-    <p:handoutMasterId r:id="rId28"/>
+    <p:handoutMasterId r:id="rId30"/>
   </p:handoutMasterIdLst>
   <p:sldIdLst>
     <p:sldId id="256" r:id="rId5"/>
     <p:sldId id="321" r:id="rId6"/>
     <p:sldId id="322" r:id="rId7"/>
     <p:sldId id="323" r:id="rId8"/>
-    <p:sldId id="325" r:id="rId9"/>
-    <p:sldId id="326" r:id="rId10"/>
-    <p:sldId id="327" r:id="rId11"/>
-    <p:sldId id="328" r:id="rId12"/>
-    <p:sldId id="329" r:id="rId13"/>
-    <p:sldId id="330" r:id="rId14"/>
-    <p:sldId id="332" r:id="rId15"/>
-    <p:sldId id="331" r:id="rId16"/>
-    <p:sldId id="336" r:id="rId17"/>
-    <p:sldId id="341" r:id="rId18"/>
+    <p:sldId id="349" r:id="rId9"/>
+    <p:sldId id="325" r:id="rId10"/>
+    <p:sldId id="326" r:id="rId11"/>
+    <p:sldId id="327" r:id="rId12"/>
+    <p:sldId id="328" r:id="rId13"/>
+    <p:sldId id="329" r:id="rId14"/>
+    <p:sldId id="330" r:id="rId15"/>
+    <p:sldId id="332" r:id="rId16"/>
+    <p:sldId id="331" r:id="rId17"/>
+    <p:sldId id="336" r:id="rId18"/>
     <p:sldId id="346" r:id="rId19"/>
     <p:sldId id="338" r:id="rId20"/>
     <p:sldId id="345" r:id="rId21"/>
@@ -33,6 +33,8 @@
     <p:sldId id="343" r:id="rId24"/>
     <p:sldId id="339" r:id="rId25"/>
     <p:sldId id="344" r:id="rId26"/>
+    <p:sldId id="348" r:id="rId27"/>
+    <p:sldId id="347" r:id="rId28"/>
   </p:sldIdLst>
   <p:sldSz cx="12188825" cy="6858000"/>
   <p:notesSz cx="7010400" cy="9296400"/>
@@ -934,7 +936,7 @@
           <a:p>
             <a:fld id="{54E672D7-8E2D-4611-973D-F4591A707C34}" type="slidenum">
               <a:rPr lang="en-US" smtClean="0"/>
-              <a:t>11</a:t>
+              <a:t>12</a:t>
             </a:fld>
             <a:endParaRPr lang="en-US"/>
           </a:p>
@@ -1021,7 +1023,7 @@
           <a:p>
             <a:fld id="{54E672D7-8E2D-4611-973D-F4591A707C34}" type="slidenum">
               <a:rPr lang="en-US" smtClean="0"/>
-              <a:t>12</a:t>
+              <a:t>13</a:t>
             </a:fld>
             <a:endParaRPr lang="en-US"/>
           </a:p>
@@ -1108,7 +1110,7 @@
           <a:p>
             <a:fld id="{54E672D7-8E2D-4611-973D-F4591A707C34}" type="slidenum">
               <a:rPr lang="en-US" smtClean="0"/>
-              <a:t>13</a:t>
+              <a:t>14</a:t>
             </a:fld>
             <a:endParaRPr lang="en-US"/>
           </a:p>
@@ -1173,20 +1175,124 @@
           <a:p>
             <a:r>
               <a:rPr lang="en-US" dirty="0"/>
-              <a:t>Emphasize no filtering.  We often believe in the moment that we can predict what will be relevant and useful.  We are usually wrong.</a:t>
-            </a:r>
-          </a:p>
-          <a:p>
+              <a:t>Reasons why the bad is indeed bad.</a:t>
+            </a:r>
+          </a:p>
+          <a:p>
+            <a:pPr marL="171450" indent="-171450">
+              <a:buFont typeface="Arial" panose="020B0604020202020204" pitchFamily="34" charset="0"/>
+              <a:buChar char="•"/>
+            </a:pPr>
+            <a:r>
+              <a:rPr lang="en-US" dirty="0"/>
+              <a:t>Not at all comprehensive.</a:t>
+            </a:r>
+          </a:p>
+          <a:p>
+            <a:pPr marL="171450" indent="-171450">
+              <a:buFont typeface="Arial" panose="020B0604020202020204" pitchFamily="34" charset="0"/>
+              <a:buChar char="•"/>
+            </a:pPr>
+            <a:r>
+              <a:rPr lang="en-US" dirty="0"/>
+              <a:t>Don’t explain what the bug is.</a:t>
+            </a:r>
+          </a:p>
+          <a:p>
+            <a:pPr marL="171450" indent="-171450">
+              <a:buFont typeface="Arial" panose="020B0604020202020204" pitchFamily="34" charset="0"/>
+              <a:buChar char="•"/>
+            </a:pPr>
+            <a:r>
+              <a:rPr lang="en-US" dirty="0"/>
+              <a:t>Didn’t explain what library nor what the issue was with the bug.</a:t>
+            </a:r>
+          </a:p>
+          <a:p>
+            <a:pPr marL="171450" indent="-171450">
+              <a:buFont typeface="Arial" panose="020B0604020202020204" pitchFamily="34" charset="0"/>
+              <a:buChar char="•"/>
+            </a:pPr>
+            <a:r>
+              <a:rPr lang="en-US" dirty="0"/>
+              <a:t>Didn’t explain if tests were failing before and if so, which and how.</a:t>
+            </a:r>
+          </a:p>
+          <a:p>
+            <a:pPr marL="171450" indent="-171450">
+              <a:buFont typeface="Arial" panose="020B0604020202020204" pitchFamily="34" charset="0"/>
+              <a:buChar char="•"/>
+            </a:pPr>
+            <a:r>
+              <a:rPr lang="en-US" dirty="0"/>
+              <a:t>It was a lot of work.  Some details about how the debugging progressed my be useful for others or for future me.  If we had done this well, such notes might serve as a procedure for finding similar bugs in the future.</a:t>
+            </a:r>
+          </a:p>
+          <a:p>
+            <a:pPr marL="171450" indent="-171450">
+              <a:buFont typeface="Arial" panose="020B0604020202020204" pitchFamily="34" charset="0"/>
+              <a:buChar char="•"/>
+            </a:pPr>
             <a:endParaRPr lang="en-US" dirty="0"/>
           </a:p>
           <a:p>
-            <a:r>
-              <a:rPr lang="en-US" dirty="0" err="1"/>
-              <a:t>Kanare’s</a:t>
-            </a:r>
-            <a:r>
-              <a:rPr lang="en-US" dirty="0"/>
-              <a:t> quote does not imply that we need to put in motivation, reasoning, conclusions.  The quote makes it sound more like a cookbook.  I like to expand that so that the content captures the state of my brain and my train of thought.  Then, rereading my notes helps me load that state into my brain.  Hopefully it will do the same for others.</a:t>
+            <a:pPr marL="171450" indent="-171450">
+              <a:buFont typeface="Arial" panose="020B0604020202020204" pitchFamily="34" charset="0"/>
+              <a:buChar char="•"/>
+            </a:pPr>
+            <a:r>
+              <a:rPr lang="en-US" dirty="0"/>
+              <a:t>Doesn’t need to be exhaustive.  I can just leave myself some bread crumbs with the expectation that writing notes is easier, but recreating notes could be time consuming should I ever need to do so.</a:t>
+            </a:r>
+          </a:p>
+          <a:p>
+            <a:pPr marL="171450" indent="-171450">
+              <a:buFont typeface="Arial" panose="020B0604020202020204" pitchFamily="34" charset="0"/>
+              <a:buChar char="•"/>
+            </a:pPr>
+            <a:r>
+              <a:rPr lang="en-US" dirty="0"/>
+              <a:t>Are the bread crumbs enough?  Can they determine what flags are implied by debug version?  What about the full SW stack?  What about the SW stack for the analysis?  Is such detail needed for this stage of work and if not, is that filtering?</a:t>
+            </a:r>
+          </a:p>
+          <a:p>
+            <a:pPr marL="171450" indent="-171450">
+              <a:buFont typeface="Arial" panose="020B0604020202020204" pitchFamily="34" charset="0"/>
+              <a:buChar char="•"/>
+            </a:pPr>
+            <a:r>
+              <a:rPr lang="en-US" dirty="0"/>
+              <a:t>Note that the build logs are acting as lab notes.</a:t>
+            </a:r>
+          </a:p>
+          <a:p>
+            <a:pPr marL="171450" indent="-171450">
+              <a:buFont typeface="Arial" panose="020B0604020202020204" pitchFamily="34" charset="0"/>
+              <a:buChar char="•"/>
+            </a:pPr>
+            <a:r>
+              <a:rPr lang="en-US" dirty="0"/>
+              <a:t>Note also, that we could have included git information in the build logs to make things simpler.</a:t>
+            </a:r>
+          </a:p>
+          <a:p>
+            <a:pPr marL="171450" indent="-171450">
+              <a:buFont typeface="Arial" panose="020B0604020202020204" pitchFamily="34" charset="0"/>
+              <a:buChar char="•"/>
+            </a:pPr>
+            <a:r>
+              <a:rPr lang="en-US" dirty="0"/>
+              <a:t>We likely should have included a graphic that points out missing peak.  Annotating the graphic with what was expected would be nice.</a:t>
+            </a:r>
+          </a:p>
+          <a:p>
+            <a:pPr marL="171450" indent="-171450">
+              <a:buFont typeface="Arial" panose="020B0604020202020204" pitchFamily="34" charset="0"/>
+              <a:buChar char="•"/>
+            </a:pPr>
+            <a:r>
+              <a:rPr lang="en-US" dirty="0"/>
+              <a:t>The better example is also not great.</a:t>
             </a:r>
           </a:p>
         </p:txBody>
@@ -1208,7 +1314,7 @@
           <a:p>
             <a:fld id="{54E672D7-8E2D-4611-973D-F4591A707C34}" type="slidenum">
               <a:rPr lang="en-US" smtClean="0"/>
-              <a:t>14</a:t>
+              <a:t>15</a:t>
             </a:fld>
             <a:endParaRPr lang="en-US"/>
           </a:p>
@@ -1217,7 +1323,7 @@
     </p:spTree>
     <p:extLst>
       <p:ext uri="{BB962C8B-B14F-4D97-AF65-F5344CB8AC3E}">
-        <p14:creationId xmlns:p14="http://schemas.microsoft.com/office/powerpoint/2010/main" val="2768668385"/>
+        <p14:creationId xmlns:p14="http://schemas.microsoft.com/office/powerpoint/2010/main" val="1636867555"/>
       </p:ext>
     </p:extLst>
   </p:cSld>
@@ -2285,7 +2391,7 @@
           <a:p>
             <a:fld id="{54E672D7-8E2D-4611-973D-F4591A707C34}" type="slidenum">
               <a:rPr lang="en-US" smtClean="0"/>
-              <a:t>5</a:t>
+              <a:t>6</a:t>
             </a:fld>
             <a:endParaRPr lang="en-US"/>
           </a:p>
@@ -2390,7 +2496,7 @@
           <a:p>
             <a:fld id="{54E672D7-8E2D-4611-973D-F4591A707C34}" type="slidenum">
               <a:rPr lang="en-US" smtClean="0"/>
-              <a:t>6</a:t>
+              <a:t>7</a:t>
             </a:fld>
             <a:endParaRPr lang="en-US"/>
           </a:p>
@@ -2521,7 +2627,7 @@
           <a:p>
             <a:fld id="{54E672D7-8E2D-4611-973D-F4591A707C34}" type="slidenum">
               <a:rPr lang="en-US" smtClean="0"/>
-              <a:t>7</a:t>
+              <a:t>8</a:t>
             </a:fld>
             <a:endParaRPr lang="en-US"/>
           </a:p>
@@ -2757,7 +2863,7 @@
           <a:p>
             <a:fld id="{54E672D7-8E2D-4611-973D-F4591A707C34}" type="slidenum">
               <a:rPr lang="en-US" smtClean="0"/>
-              <a:t>8</a:t>
+              <a:t>9</a:t>
             </a:fld>
             <a:endParaRPr lang="en-US"/>
           </a:p>
@@ -2844,7 +2950,7 @@
           <a:p>
             <a:fld id="{54E672D7-8E2D-4611-973D-F4591A707C34}" type="slidenum">
               <a:rPr lang="en-US" smtClean="0"/>
-              <a:t>9</a:t>
+              <a:t>10</a:t>
             </a:fld>
             <a:endParaRPr lang="en-US"/>
           </a:p>
@@ -2949,7 +3055,7 @@
           <a:p>
             <a:fld id="{54E672D7-8E2D-4611-973D-F4591A707C34}" type="slidenum">
               <a:rPr lang="en-US" smtClean="0"/>
-              <a:t>10</a:t>
+              <a:t>11</a:t>
             </a:fld>
             <a:endParaRPr lang="en-US"/>
           </a:p>
@@ -6845,7 +6951,7 @@
           <p:cNvPr id="2" name="Title 1">
             <a:extLst>
               <a:ext uri="{FF2B5EF4-FFF2-40B4-BE49-F238E27FC236}">
-                <a16:creationId xmlns:a16="http://schemas.microsoft.com/office/drawing/2014/main" id="{E542B024-8735-A0E3-7EDB-ED276763E02D}"/>
+                <a16:creationId xmlns:a16="http://schemas.microsoft.com/office/drawing/2014/main" id="{4B0C36B9-6C84-3FAA-9EB8-F4892CA417F6}"/>
               </a:ext>
             </a:extLst>
           </p:cNvPr>
@@ -6863,8 +6969,12 @@
           <a:p>
             <a:r>
               <a:rPr lang="en-US" dirty="0"/>
-              <a:t>Knowledge Management</a:t>
-            </a:r>
+              <a:t>Sometimes we just want “good enough”</a:t>
+            </a:r>
+            <a:br>
+              <a:rPr lang="en-US" dirty="0"/>
+            </a:br>
+            <a:endParaRPr lang="en-US" dirty="0"/>
           </a:p>
         </p:txBody>
       </p:sp>
@@ -6873,7 +6983,7 @@
           <p:cNvPr id="3" name="Content Placeholder 2">
             <a:extLst>
               <a:ext uri="{FF2B5EF4-FFF2-40B4-BE49-F238E27FC236}">
-                <a16:creationId xmlns:a16="http://schemas.microsoft.com/office/drawing/2014/main" id="{B23602B9-E02D-3978-3DB6-3540696C46F2}"/>
+                <a16:creationId xmlns:a16="http://schemas.microsoft.com/office/drawing/2014/main" id="{91CD74C3-5BD5-8A90-67BE-B26792277680}"/>
               </a:ext>
             </a:extLst>
           </p:cNvPr>
@@ -6891,114 +7001,57 @@
           <a:p>
             <a:r>
               <a:rPr lang="en-US" dirty="0"/>
-              <a:t>DIKUW is about knowledge management.</a:t>
-            </a:r>
-          </a:p>
-          <a:p>
-            <a:r>
-              <a:rPr lang="en-US" dirty="0"/>
-              <a:t>Performing scientific work including developing/maintaining scientific instruments can benefit from knowledge management.</a:t>
-            </a:r>
-          </a:p>
-          <a:p>
-            <a:r>
-              <a:rPr lang="en-US" dirty="0"/>
-              <a:t>We want to</a:t>
+              <a:t>Not every developer needs to be an expert in git</a:t>
+            </a:r>
+          </a:p>
+          <a:p>
+            <a:r>
+              <a:rPr lang="en-US" dirty="0"/>
+              <a:t>We want the people designing the rules of how we use and interact through git to have </a:t>
+            </a:r>
+            <a:r>
+              <a:rPr lang="en-US" b="1" dirty="0"/>
+              <a:t>understanding</a:t>
+            </a:r>
+            <a:r>
+              <a:rPr lang="en-US" dirty="0"/>
+              <a:t> so that collaborating in git requires minimal git </a:t>
+            </a:r>
+            <a:r>
+              <a:rPr lang="en-US" b="1" dirty="0"/>
+              <a:t>knowledge</a:t>
             </a:r>
           </a:p>
           <a:p>
             <a:pPr lvl="1"/>
             <a:r>
-              <a:rPr lang="en-US" b="1" dirty="0"/>
-              <a:t>Recognize</a:t>
-            </a:r>
-            <a:r>
-              <a:rPr lang="en-US" dirty="0"/>
-              <a:t> when we generate knowledge</a:t>
+              <a:rPr lang="en-US" dirty="0"/>
+              <a:t>This workflow should protect code so that we can’t do damage</a:t>
             </a:r>
           </a:p>
           <a:p>
             <a:pPr lvl="1"/>
             <a:r>
-              <a:rPr lang="en-US" b="1" dirty="0"/>
-              <a:t>Capture</a:t>
-            </a:r>
-            <a:r>
-              <a:rPr lang="en-US" dirty="0"/>
-              <a:t> and </a:t>
-            </a:r>
-            <a:r>
-              <a:rPr lang="en-US" b="1" dirty="0"/>
-              <a:t>preserve</a:t>
-            </a:r>
-            <a:r>
-              <a:rPr lang="en-US" dirty="0"/>
-              <a:t> that knowledge</a:t>
+              <a:rPr lang="en-US" dirty="0"/>
+              <a:t>Focus on the development/testing and not on git</a:t>
             </a:r>
           </a:p>
           <a:p>
             <a:pPr lvl="1"/>
             <a:r>
-              <a:rPr lang="en-US" b="1" dirty="0"/>
-              <a:t>Communicate</a:t>
-            </a:r>
-            <a:r>
-              <a:rPr lang="en-US" dirty="0"/>
-              <a:t> that knowledge</a:t>
-            </a:r>
-          </a:p>
-          <a:p>
-            <a:pPr marL="0" indent="0">
-              <a:buNone/>
-            </a:pPr>
+              <a:rPr lang="en-US" dirty="0"/>
+              <a:t>Lower barrier for newcomers</a:t>
+            </a:r>
+          </a:p>
+          <a:p>
             <a:endParaRPr lang="en-US" dirty="0"/>
-          </a:p>
-        </p:txBody>
-      </p:sp>
-      <p:sp>
-        <p:nvSpPr>
-          <p:cNvPr id="4" name="TextBox 3">
-            <a:extLst>
-              <a:ext uri="{FF2B5EF4-FFF2-40B4-BE49-F238E27FC236}">
-                <a16:creationId xmlns:a16="http://schemas.microsoft.com/office/drawing/2014/main" id="{1DF53030-262B-B41C-84EE-E79A5A5F4D5F}"/>
-              </a:ext>
-            </a:extLst>
-          </p:cNvPr>
-          <p:cNvSpPr txBox="1"/>
-          <p:nvPr/>
-        </p:nvSpPr>
-        <p:spPr>
-          <a:xfrm>
-            <a:off x="1437079" y="5085977"/>
-            <a:ext cx="9314666" cy="517065"/>
-          </a:xfrm>
-          <a:prstGeom prst="rect">
-            <a:avLst/>
-          </a:prstGeom>
-          <a:noFill/>
-        </p:spPr>
-        <p:txBody>
-          <a:bodyPr wrap="none" lIns="118872" tIns="91440" rIns="118872" bIns="91440" rtlCol="0" anchor="ctr" anchorCtr="0">
-            <a:spAutoFit/>
-          </a:bodyPr>
-          <a:lstStyle/>
-          <a:p>
-            <a:pPr algn="l">
-              <a:lnSpc>
-                <a:spcPct val="90000"/>
-              </a:lnSpc>
-            </a:pPr>
-            <a:r>
-              <a:rPr lang="en-US" sz="2400" dirty="0"/>
-              <a:t>Is knowledge communication only about communicating to others?</a:t>
-            </a:r>
           </a:p>
         </p:txBody>
       </p:sp>
     </p:spTree>
     <p:extLst>
       <p:ext uri="{BB962C8B-B14F-4D97-AF65-F5344CB8AC3E}">
-        <p14:creationId xmlns:p14="http://schemas.microsoft.com/office/powerpoint/2010/main" val="2964406316"/>
+        <p14:creationId xmlns:p14="http://schemas.microsoft.com/office/powerpoint/2010/main" val="2408602807"/>
       </p:ext>
     </p:extLst>
   </p:cSld>
@@ -7030,6 +7083,191 @@
           <p:cNvPr id="2" name="Title 1">
             <a:extLst>
               <a:ext uri="{FF2B5EF4-FFF2-40B4-BE49-F238E27FC236}">
+                <a16:creationId xmlns:a16="http://schemas.microsoft.com/office/drawing/2014/main" id="{E542B024-8735-A0E3-7EDB-ED276763E02D}"/>
+              </a:ext>
+            </a:extLst>
+          </p:cNvPr>
+          <p:cNvSpPr>
+            <a:spLocks noGrp="1"/>
+          </p:cNvSpPr>
+          <p:nvPr>
+            <p:ph type="title"/>
+          </p:nvPr>
+        </p:nvSpPr>
+        <p:spPr/>
+        <p:txBody>
+          <a:bodyPr/>
+          <a:lstStyle/>
+          <a:p>
+            <a:r>
+              <a:rPr lang="en-US" dirty="0"/>
+              <a:t>Knowledge Management</a:t>
+            </a:r>
+          </a:p>
+        </p:txBody>
+      </p:sp>
+      <p:sp>
+        <p:nvSpPr>
+          <p:cNvPr id="3" name="Content Placeholder 2">
+            <a:extLst>
+              <a:ext uri="{FF2B5EF4-FFF2-40B4-BE49-F238E27FC236}">
+                <a16:creationId xmlns:a16="http://schemas.microsoft.com/office/drawing/2014/main" id="{B23602B9-E02D-3978-3DB6-3540696C46F2}"/>
+              </a:ext>
+            </a:extLst>
+          </p:cNvPr>
+          <p:cNvSpPr>
+            <a:spLocks noGrp="1"/>
+          </p:cNvSpPr>
+          <p:nvPr>
+            <p:ph idx="1"/>
+          </p:nvPr>
+        </p:nvSpPr>
+        <p:spPr/>
+        <p:txBody>
+          <a:bodyPr/>
+          <a:lstStyle/>
+          <a:p>
+            <a:r>
+              <a:rPr lang="en-US" dirty="0"/>
+              <a:t>DIKUW is about knowledge management.</a:t>
+            </a:r>
+          </a:p>
+          <a:p>
+            <a:r>
+              <a:rPr lang="en-US" dirty="0"/>
+              <a:t>Performing scientific work including developing/maintaining scientific instruments can benefit from knowledge management.</a:t>
+            </a:r>
+          </a:p>
+          <a:p>
+            <a:r>
+              <a:rPr lang="en-US" dirty="0"/>
+              <a:t>We want to</a:t>
+            </a:r>
+          </a:p>
+          <a:p>
+            <a:pPr lvl="1"/>
+            <a:r>
+              <a:rPr lang="en-US" b="1" dirty="0"/>
+              <a:t>Recognize</a:t>
+            </a:r>
+            <a:r>
+              <a:rPr lang="en-US" dirty="0"/>
+              <a:t> when we generate knowledge</a:t>
+            </a:r>
+          </a:p>
+          <a:p>
+            <a:pPr lvl="1"/>
+            <a:r>
+              <a:rPr lang="en-US" b="1" dirty="0"/>
+              <a:t>Capture</a:t>
+            </a:r>
+            <a:r>
+              <a:rPr lang="en-US" dirty="0"/>
+              <a:t> and </a:t>
+            </a:r>
+            <a:r>
+              <a:rPr lang="en-US" b="1" dirty="0"/>
+              <a:t>preserve</a:t>
+            </a:r>
+            <a:r>
+              <a:rPr lang="en-US" dirty="0"/>
+              <a:t> that knowledge</a:t>
+            </a:r>
+          </a:p>
+          <a:p>
+            <a:pPr lvl="1"/>
+            <a:r>
+              <a:rPr lang="en-US" b="1" dirty="0"/>
+              <a:t>Communicate</a:t>
+            </a:r>
+            <a:r>
+              <a:rPr lang="en-US" dirty="0"/>
+              <a:t> that knowledge</a:t>
+            </a:r>
+          </a:p>
+          <a:p>
+            <a:pPr marL="0" indent="0">
+              <a:buNone/>
+            </a:pPr>
+            <a:endParaRPr lang="en-US" dirty="0"/>
+          </a:p>
+        </p:txBody>
+      </p:sp>
+      <p:sp>
+        <p:nvSpPr>
+          <p:cNvPr id="4" name="TextBox 3">
+            <a:extLst>
+              <a:ext uri="{FF2B5EF4-FFF2-40B4-BE49-F238E27FC236}">
+                <a16:creationId xmlns:a16="http://schemas.microsoft.com/office/drawing/2014/main" id="{1DF53030-262B-B41C-84EE-E79A5A5F4D5F}"/>
+              </a:ext>
+            </a:extLst>
+          </p:cNvPr>
+          <p:cNvSpPr txBox="1"/>
+          <p:nvPr/>
+        </p:nvSpPr>
+        <p:spPr>
+          <a:xfrm>
+            <a:off x="1437079" y="5085977"/>
+            <a:ext cx="9314666" cy="517065"/>
+          </a:xfrm>
+          <a:prstGeom prst="rect">
+            <a:avLst/>
+          </a:prstGeom>
+          <a:noFill/>
+        </p:spPr>
+        <p:txBody>
+          <a:bodyPr wrap="none" lIns="118872" tIns="91440" rIns="118872" bIns="91440" rtlCol="0" anchor="ctr" anchorCtr="0">
+            <a:spAutoFit/>
+          </a:bodyPr>
+          <a:lstStyle/>
+          <a:p>
+            <a:pPr algn="l">
+              <a:lnSpc>
+                <a:spcPct val="90000"/>
+              </a:lnSpc>
+            </a:pPr>
+            <a:r>
+              <a:rPr lang="en-US" sz="2400" dirty="0"/>
+              <a:t>Is knowledge communication only about communicating to others?</a:t>
+            </a:r>
+          </a:p>
+        </p:txBody>
+      </p:sp>
+    </p:spTree>
+    <p:extLst>
+      <p:ext uri="{BB962C8B-B14F-4D97-AF65-F5344CB8AC3E}">
+        <p14:creationId xmlns:p14="http://schemas.microsoft.com/office/powerpoint/2010/main" val="2964406316"/>
+      </p:ext>
+    </p:extLst>
+  </p:cSld>
+  <p:clrMapOvr>
+    <a:masterClrMapping/>
+  </p:clrMapOvr>
+</p:sld>
+</file>
+
+<file path=ppt/slides/slide12.xml><?xml version="1.0" encoding="utf-8"?>
+<p:sld xmlns:a="http://schemas.openxmlformats.org/drawingml/2006/main" xmlns:r="http://schemas.openxmlformats.org/officeDocument/2006/relationships" xmlns:p="http://schemas.openxmlformats.org/presentationml/2006/main">
+  <p:cSld>
+    <p:spTree>
+      <p:nvGrpSpPr>
+        <p:cNvPr id="1" name=""/>
+        <p:cNvGrpSpPr/>
+        <p:nvPr/>
+      </p:nvGrpSpPr>
+      <p:grpSpPr>
+        <a:xfrm>
+          <a:off x="0" y="0"/>
+          <a:ext cx="0" cy="0"/>
+          <a:chOff x="0" y="0"/>
+          <a:chExt cx="0" cy="0"/>
+        </a:xfrm>
+      </p:grpSpPr>
+      <p:sp>
+        <p:nvSpPr>
+          <p:cNvPr id="2" name="Title 1">
+            <a:extLst>
+              <a:ext uri="{FF2B5EF4-FFF2-40B4-BE49-F238E27FC236}">
                 <a16:creationId xmlns:a16="http://schemas.microsoft.com/office/drawing/2014/main" id="{96AE34BC-5E36-C205-FC77-0BE3BC6B219C}"/>
               </a:ext>
             </a:extLst>
@@ -7187,7 +7425,7 @@
 </p:sld>
 </file>
 
-<file path=ppt/slides/slide12.xml><?xml version="1.0" encoding="utf-8"?>
+<file path=ppt/slides/slide13.xml><?xml version="1.0" encoding="utf-8"?>
 <p:sld xmlns:a="http://schemas.openxmlformats.org/drawingml/2006/main" xmlns:r="http://schemas.openxmlformats.org/officeDocument/2006/relationships" xmlns:p="http://schemas.openxmlformats.org/presentationml/2006/main">
   <p:cSld>
     <p:spTree>
@@ -7553,199 +7791,6 @@
 </p:sld>
 </file>
 
-<file path=ppt/slides/slide13.xml><?xml version="1.0" encoding="utf-8"?>
-<p:sld xmlns:a="http://schemas.openxmlformats.org/drawingml/2006/main" xmlns:r="http://schemas.openxmlformats.org/officeDocument/2006/relationships" xmlns:p="http://schemas.openxmlformats.org/presentationml/2006/main">
-  <p:cSld>
-    <p:spTree>
-      <p:nvGrpSpPr>
-        <p:cNvPr id="1" name=""/>
-        <p:cNvGrpSpPr/>
-        <p:nvPr/>
-      </p:nvGrpSpPr>
-      <p:grpSpPr>
-        <a:xfrm>
-          <a:off x="0" y="0"/>
-          <a:ext cx="0" cy="0"/>
-          <a:chOff x="0" y="0"/>
-          <a:chExt cx="0" cy="0"/>
-        </a:xfrm>
-      </p:grpSpPr>
-      <p:sp>
-        <p:nvSpPr>
-          <p:cNvPr id="2" name="Title 1">
-            <a:extLst>
-              <a:ext uri="{FF2B5EF4-FFF2-40B4-BE49-F238E27FC236}">
-                <a16:creationId xmlns:a16="http://schemas.microsoft.com/office/drawing/2014/main" id="{9CDA5DAC-D638-AA10-5E70-A77E5B69D79E}"/>
-              </a:ext>
-            </a:extLst>
-          </p:cNvPr>
-          <p:cNvSpPr>
-            <a:spLocks noGrp="1"/>
-          </p:cNvSpPr>
-          <p:nvPr>
-            <p:ph type="title"/>
-          </p:nvPr>
-        </p:nvSpPr>
-        <p:spPr/>
-        <p:txBody>
-          <a:bodyPr/>
-          <a:lstStyle/>
-          <a:p>
-            <a:r>
-              <a:rPr lang="en-US" dirty="0"/>
-              <a:t>And finally we reach our destination</a:t>
-            </a:r>
-          </a:p>
-        </p:txBody>
-      </p:sp>
-      <p:sp>
-        <p:nvSpPr>
-          <p:cNvPr id="3" name="Content Placeholder 2">
-            <a:extLst>
-              <a:ext uri="{FF2B5EF4-FFF2-40B4-BE49-F238E27FC236}">
-                <a16:creationId xmlns:a16="http://schemas.microsoft.com/office/drawing/2014/main" id="{5BE9B2DA-E858-1EB6-45DC-E8398F9475E3}"/>
-              </a:ext>
-            </a:extLst>
-          </p:cNvPr>
-          <p:cNvSpPr>
-            <a:spLocks noGrp="1"/>
-          </p:cNvSpPr>
-          <p:nvPr>
-            <p:ph idx="1"/>
-          </p:nvPr>
-        </p:nvSpPr>
-        <p:spPr>
-          <a:xfrm>
-            <a:off x="744239" y="3575491"/>
-            <a:ext cx="10700346" cy="2358779"/>
-          </a:xfrm>
-        </p:spPr>
-        <p:txBody>
-          <a:bodyPr/>
-          <a:lstStyle/>
-          <a:p>
-            <a:pPr marL="0" indent="0">
-              <a:buNone/>
-            </a:pPr>
-            <a:r>
-              <a:rPr lang="en-US" dirty="0"/>
-              <a:t>"...to write with enough detail and clarity that another scientist could pick up the notebook at some time in the future, repeat the work based on the written descriptions, and make the same observations that were originally recorded. If this guideline is followed, even the original author will be able to understand the notes when looking back on them after considerable time has passed!”</a:t>
-            </a:r>
-          </a:p>
-          <a:p>
-            <a:pPr marL="0" indent="0">
-              <a:buNone/>
-            </a:pPr>
-            <a:r>
-              <a:rPr lang="en-US" dirty="0"/>
-              <a:t>	- Howard </a:t>
-            </a:r>
-            <a:r>
-              <a:rPr lang="en-US" dirty="0" err="1"/>
-              <a:t>Kanare</a:t>
-            </a:r>
-            <a:r>
-              <a:rPr lang="en-US" dirty="0"/>
-              <a:t>, “</a:t>
-            </a:r>
-            <a:r>
-              <a:rPr lang="en-US" i="1" dirty="0"/>
-              <a:t>Writing the Laboratory Notebook</a:t>
-            </a:r>
-            <a:r>
-              <a:rPr lang="en-US" dirty="0"/>
-              <a:t>”, 1985</a:t>
-            </a:r>
-          </a:p>
-        </p:txBody>
-      </p:sp>
-      <p:sp>
-        <p:nvSpPr>
-          <p:cNvPr id="4" name="Rectangle 3">
-            <a:extLst>
-              <a:ext uri="{FF2B5EF4-FFF2-40B4-BE49-F238E27FC236}">
-                <a16:creationId xmlns:a16="http://schemas.microsoft.com/office/drawing/2014/main" id="{ABF114B4-557E-6985-4AE3-A655B0543BBC}"/>
-              </a:ext>
-            </a:extLst>
-          </p:cNvPr>
-          <p:cNvSpPr/>
-          <p:nvPr/>
-        </p:nvSpPr>
-        <p:spPr>
-          <a:xfrm>
-            <a:off x="365760" y="1308152"/>
-            <a:ext cx="10536470" cy="1631216"/>
-          </a:xfrm>
-          <a:prstGeom prst="rect">
-            <a:avLst/>
-          </a:prstGeom>
-        </p:spPr>
-        <p:txBody>
-          <a:bodyPr wrap="square">
-            <a:spAutoFit/>
-          </a:bodyPr>
-          <a:lstStyle/>
-          <a:p>
-            <a:r>
-              <a:rPr lang="en-US" sz="2000" dirty="0"/>
-              <a:t>Lab notebooks are</a:t>
-            </a:r>
-          </a:p>
-          <a:p>
-            <a:pPr marL="285750" indent="-285750">
-              <a:buFont typeface="Arial" panose="020B0604020202020204" pitchFamily="34" charset="0"/>
-              <a:buChar char="•"/>
-            </a:pPr>
-            <a:r>
-              <a:rPr lang="en-US" sz="2000" dirty="0"/>
-              <a:t>a fundamental part of communication as well as rigorous, reproducible science in a lab,</a:t>
-            </a:r>
-          </a:p>
-          <a:p>
-            <a:pPr marL="285750" indent="-285750">
-              <a:buFont typeface="Arial" panose="020B0604020202020204" pitchFamily="34" charset="0"/>
-              <a:buChar char="•"/>
-            </a:pPr>
-            <a:r>
-              <a:rPr lang="en-US" sz="2000" dirty="0"/>
-              <a:t>a tool for preventing scientific fraud and for defending against allegations of fraud,</a:t>
-            </a:r>
-          </a:p>
-          <a:p>
-            <a:pPr marL="285750" indent="-285750">
-              <a:buFont typeface="Arial" panose="020B0604020202020204" pitchFamily="34" charset="0"/>
-              <a:buChar char="•"/>
-            </a:pPr>
-            <a:r>
-              <a:rPr lang="en-US" sz="2000" dirty="0"/>
-              <a:t>a common-place or required part of an experimental laboratory, and</a:t>
-            </a:r>
-          </a:p>
-          <a:p>
-            <a:pPr marL="285750" indent="-285750">
-              <a:buFont typeface="Arial" panose="020B0604020202020204" pitchFamily="34" charset="0"/>
-              <a:buChar char="•"/>
-            </a:pPr>
-            <a:r>
-              <a:rPr lang="en-US" sz="2000" dirty="0"/>
-              <a:t>Populating a scientific “lab notebook” was an “automated” process at the observatory.</a:t>
-            </a:r>
-          </a:p>
-        </p:txBody>
-      </p:sp>
-    </p:spTree>
-    <p:extLst>
-      <p:ext uri="{BB962C8B-B14F-4D97-AF65-F5344CB8AC3E}">
-        <p14:creationId xmlns:p14="http://schemas.microsoft.com/office/powerpoint/2010/main" val="1526375668"/>
-      </p:ext>
-    </p:extLst>
-  </p:cSld>
-  <p:clrMapOvr>
-    <a:masterClrMapping/>
-  </p:clrMapOvr>
-</p:sld>
-</file>
-
 <file path=ppt/slides/slide14.xml><?xml version="1.0" encoding="utf-8"?>
 <p:sld xmlns:a="http://schemas.openxmlformats.org/drawingml/2006/main" xmlns:r="http://schemas.openxmlformats.org/officeDocument/2006/relationships" xmlns:p="http://schemas.openxmlformats.org/presentationml/2006/main">
   <p:cSld>
@@ -7768,7 +7813,7 @@
           <p:cNvPr id="2" name="Title 1">
             <a:extLst>
               <a:ext uri="{FF2B5EF4-FFF2-40B4-BE49-F238E27FC236}">
-                <a16:creationId xmlns:a16="http://schemas.microsoft.com/office/drawing/2014/main" id="{D91B3A35-D31B-5202-5327-3F2E4D74433D}"/>
+                <a16:creationId xmlns:a16="http://schemas.microsoft.com/office/drawing/2014/main" id="{9CDA5DAC-D638-AA10-5E70-A77E5B69D79E}"/>
               </a:ext>
             </a:extLst>
           </p:cNvPr>
@@ -7786,104 +7831,152 @@
           <a:p>
             <a:r>
               <a:rPr lang="en-US" dirty="0"/>
-              <a:t>Lab notebooks in the hierarchy</a:t>
-            </a:r>
-          </a:p>
-        </p:txBody>
-      </p:sp>
-      <p:sp>
-        <p:nvSpPr>
-          <p:cNvPr id="3" name="Content Placeholder 2">
+              <a:t>And finally we reach our destination</a:t>
+            </a:r>
+          </a:p>
+        </p:txBody>
+      </p:sp>
+      <p:sp>
+        <p:nvSpPr>
+          <p:cNvPr id="4" name="Rectangle 3">
             <a:extLst>
               <a:ext uri="{FF2B5EF4-FFF2-40B4-BE49-F238E27FC236}">
-                <a16:creationId xmlns:a16="http://schemas.microsoft.com/office/drawing/2014/main" id="{2E4B68F5-6213-73EF-47E8-D46F30CA4597}"/>
+                <a16:creationId xmlns:a16="http://schemas.microsoft.com/office/drawing/2014/main" id="{ABF114B4-557E-6985-4AE3-A655B0543BBC}"/>
               </a:ext>
             </a:extLst>
           </p:cNvPr>
-          <p:cNvSpPr>
-            <a:spLocks noGrp="1"/>
-          </p:cNvSpPr>
-          <p:nvPr>
-            <p:ph idx="1"/>
-          </p:nvPr>
+          <p:cNvSpPr/>
+          <p:nvPr/>
         </p:nvSpPr>
         <p:spPr>
           <a:xfrm>
-            <a:off x="365760" y="1242835"/>
-            <a:ext cx="11369809" cy="4047778"/>
-          </a:xfrm>
-        </p:spPr>
-        <p:txBody>
-          <a:bodyPr/>
-          <a:lstStyle/>
-          <a:p>
-            <a:pPr marL="0" indent="0">
-              <a:buNone/>
-            </a:pPr>
-            <a:r>
-              <a:rPr lang="en-US" dirty="0"/>
-              <a:t>Lab notebooks</a:t>
-            </a:r>
-          </a:p>
-          <a:p>
-            <a:r>
-              <a:rPr lang="en-US" dirty="0"/>
-              <a:t>Should be used regularly,</a:t>
-            </a:r>
-          </a:p>
-          <a:p>
-            <a:r>
-              <a:rPr lang="en-US" dirty="0"/>
-              <a:t>Should be comprehensive and never filtered,</a:t>
-            </a:r>
-          </a:p>
-          <a:p>
-            <a:r>
-              <a:rPr lang="en-US" dirty="0"/>
-              <a:t>Don’t need perfect grammar and full sentences,</a:t>
-            </a:r>
-          </a:p>
-          <a:p>
-            <a:r>
-              <a:rPr lang="en-US" dirty="0"/>
-              <a:t>Content is frozen at creation, and</a:t>
-            </a:r>
-          </a:p>
-          <a:p>
-            <a:r>
-              <a:rPr lang="en-US" dirty="0"/>
-              <a:t>Hopefully contains more than just data (e.g., motivation, reasoning, conclusions).</a:t>
-            </a:r>
-          </a:p>
-        </p:txBody>
-      </p:sp>
-      <p:sp>
-        <p:nvSpPr>
-          <p:cNvPr id="4" name="TextBox 3">
-            <a:extLst>
-              <a:ext uri="{FF2B5EF4-FFF2-40B4-BE49-F238E27FC236}">
-                <a16:creationId xmlns:a16="http://schemas.microsoft.com/office/drawing/2014/main" id="{78DBDA0F-751C-1E3D-AABD-B45E1F71804C}"/>
-              </a:ext>
-            </a:extLst>
-          </p:cNvPr>
-          <p:cNvSpPr txBox="1"/>
-          <p:nvPr/>
-        </p:nvSpPr>
-        <p:spPr>
-          <a:xfrm>
-            <a:off x="1007808" y="4765702"/>
-            <a:ext cx="10085711" cy="849463"/>
+            <a:off x="365760" y="1102412"/>
+            <a:ext cx="10536470" cy="4955203"/>
           </a:xfrm>
           <a:prstGeom prst="rect">
             <a:avLst/>
           </a:prstGeom>
-          <a:noFill/>
         </p:spPr>
         <p:txBody>
-          <a:bodyPr wrap="none" lIns="118872" tIns="91440" rIns="118872" bIns="91440" rtlCol="0" anchor="ctr" anchorCtr="0">
+          <a:bodyPr wrap="square">
             <a:spAutoFit/>
           </a:bodyPr>
           <a:lstStyle/>
+          <a:p>
+            <a:r>
+              <a:rPr lang="en-US" sz="2000" dirty="0"/>
+              <a:t>Lab notebooks are</a:t>
+            </a:r>
+          </a:p>
+          <a:p>
+            <a:pPr marL="285750" indent="-285750">
+              <a:buFont typeface="Arial" panose="020B0604020202020204" pitchFamily="34" charset="0"/>
+              <a:buChar char="•"/>
+            </a:pPr>
+            <a:r>
+              <a:rPr lang="en-US" sz="2000" dirty="0"/>
+              <a:t>a fundamental part of communication as well as rigorous, reproducible science in a lab,</a:t>
+            </a:r>
+          </a:p>
+          <a:p>
+            <a:pPr marL="285750" indent="-285750">
+              <a:buFont typeface="Arial" panose="020B0604020202020204" pitchFamily="34" charset="0"/>
+              <a:buChar char="•"/>
+            </a:pPr>
+            <a:r>
+              <a:rPr lang="en-US" sz="2000" dirty="0"/>
+              <a:t>a common-place or required part of an experimental laboratory,</a:t>
+            </a:r>
+          </a:p>
+          <a:p>
+            <a:pPr marL="285750" indent="-285750">
+              <a:buFont typeface="Arial" panose="020B0604020202020204" pitchFamily="34" charset="0"/>
+              <a:buChar char="•"/>
+            </a:pPr>
+            <a:r>
+              <a:rPr lang="en-US" sz="2000" dirty="0"/>
+              <a:t>populating a scientific “lab notebook” was an “automated” process at the observatory, and</a:t>
+            </a:r>
+          </a:p>
+          <a:p>
+            <a:pPr marL="285750" indent="-285750">
+              <a:buFont typeface="Arial" panose="020B0604020202020204" pitchFamily="34" charset="0"/>
+              <a:buChar char="•"/>
+            </a:pPr>
+            <a:r>
+              <a:rPr lang="en-US" sz="2000" dirty="0"/>
+              <a:t>a tool for preventing scientific fraud and for defending against allegations of fraud.</a:t>
+            </a:r>
+          </a:p>
+          <a:p>
+            <a:endParaRPr lang="en-US" sz="2000" dirty="0"/>
+          </a:p>
+          <a:p>
+            <a:pPr marL="0" indent="0">
+              <a:buNone/>
+            </a:pPr>
+            <a:r>
+              <a:rPr lang="en-US" sz="2000" dirty="0"/>
+              <a:t>Lab notebooks</a:t>
+            </a:r>
+          </a:p>
+          <a:p>
+            <a:pPr marL="342900" indent="-342900">
+              <a:buFont typeface="Arial" panose="020B0604020202020204" pitchFamily="34" charset="0"/>
+              <a:buChar char="•"/>
+            </a:pPr>
+            <a:r>
+              <a:rPr lang="en-US" sz="2000" dirty="0"/>
+              <a:t>Should be used regularly,</a:t>
+            </a:r>
+          </a:p>
+          <a:p>
+            <a:pPr marL="342900" indent="-342900">
+              <a:buFont typeface="Arial" panose="020B0604020202020204" pitchFamily="34" charset="0"/>
+              <a:buChar char="•"/>
+            </a:pPr>
+            <a:r>
+              <a:rPr lang="en-US" sz="2000" dirty="0"/>
+              <a:t>Should be comprehensive and never filtered,</a:t>
+            </a:r>
+          </a:p>
+          <a:p>
+            <a:pPr marL="342900" indent="-342900">
+              <a:buFont typeface="Arial" panose="020B0604020202020204" pitchFamily="34" charset="0"/>
+              <a:buChar char="•"/>
+            </a:pPr>
+            <a:r>
+              <a:rPr lang="en-US" sz="2000" dirty="0"/>
+              <a:t>Don’t need perfect grammar and full sentences,</a:t>
+            </a:r>
+          </a:p>
+          <a:p>
+            <a:pPr marL="342900" indent="-342900">
+              <a:buFont typeface="Arial" panose="020B0604020202020204" pitchFamily="34" charset="0"/>
+              <a:buChar char="•"/>
+            </a:pPr>
+            <a:r>
+              <a:rPr lang="en-US" sz="2000" dirty="0"/>
+              <a:t>Content is frozen at creation, and</a:t>
+            </a:r>
+          </a:p>
+          <a:p>
+            <a:pPr marL="342900" indent="-342900">
+              <a:buFont typeface="Arial" panose="020B0604020202020204" pitchFamily="34" charset="0"/>
+              <a:buChar char="•"/>
+            </a:pPr>
+            <a:r>
+              <a:rPr lang="en-US" sz="2000" dirty="0"/>
+              <a:t>Hopefully contains more than just data (e.g., motivation, reasoning, conclusions).</a:t>
+            </a:r>
+          </a:p>
+          <a:p>
+            <a:pPr marL="342900" indent="-342900">
+              <a:buFont typeface="Arial" panose="020B0604020202020204" pitchFamily="34" charset="0"/>
+              <a:buChar char="•"/>
+            </a:pPr>
+            <a:endParaRPr lang="en-US" sz="2000" dirty="0"/>
+          </a:p>
           <a:p>
             <a:pPr algn="ctr">
               <a:lnSpc>
@@ -7891,11 +7984,11 @@
               </a:lnSpc>
             </a:pPr>
             <a:r>
-              <a:rPr lang="en-US" sz="2400" dirty="0"/>
+              <a:rPr lang="en-US" sz="2000" dirty="0"/>
               <a:t>They aren’t good at communicating knowledge, </a:t>
             </a:r>
             <a:r>
-              <a:rPr lang="en-US" sz="2400" b="1" dirty="0"/>
+              <a:rPr lang="en-US" sz="2000" b="1" dirty="0"/>
               <a:t>but</a:t>
             </a:r>
           </a:p>
@@ -7906,16 +7999,19 @@
               </a:lnSpc>
             </a:pPr>
             <a:r>
-              <a:rPr lang="en-US" sz="2400" dirty="0"/>
+              <a:rPr lang="en-US" sz="2000" dirty="0"/>
               <a:t>people interact, evolve, and grow by collaborating through the notebook.</a:t>
             </a:r>
+          </a:p>
+          <a:p>
+            <a:endParaRPr lang="en-US" sz="2000" dirty="0"/>
           </a:p>
         </p:txBody>
       </p:sp>
     </p:spTree>
     <p:extLst>
       <p:ext uri="{BB962C8B-B14F-4D97-AF65-F5344CB8AC3E}">
-        <p14:creationId xmlns:p14="http://schemas.microsoft.com/office/powerpoint/2010/main" val="3444215669"/>
+        <p14:creationId xmlns:p14="http://schemas.microsoft.com/office/powerpoint/2010/main" val="1526375668"/>
       </p:ext>
     </p:extLst>
   </p:cSld>
@@ -7972,32 +8068,399 @@
       </p:sp>
       <p:sp>
         <p:nvSpPr>
-          <p:cNvPr id="3" name="Content Placeholder 2">
+          <p:cNvPr id="8" name="TextBox 7">
             <a:extLst>
               <a:ext uri="{FF2B5EF4-FFF2-40B4-BE49-F238E27FC236}">
-                <a16:creationId xmlns:a16="http://schemas.microsoft.com/office/drawing/2014/main" id="{FD2BB90A-5F89-FD52-A0CA-88B6C58DE3A3}"/>
+                <a16:creationId xmlns:a16="http://schemas.microsoft.com/office/drawing/2014/main" id="{42B00271-B090-7E98-2613-C5ACE15A4551}"/>
               </a:ext>
             </a:extLst>
           </p:cNvPr>
-          <p:cNvSpPr>
-            <a:spLocks noGrp="1"/>
-          </p:cNvSpPr>
-          <p:nvPr>
-            <p:ph idx="1"/>
-          </p:nvPr>
-        </p:nvSpPr>
-        <p:spPr/>
-        <p:txBody>
-          <a:bodyPr/>
+          <p:cNvSpPr txBox="1"/>
+          <p:nvPr/>
+        </p:nvSpPr>
+        <p:spPr>
+          <a:xfrm>
+            <a:off x="365760" y="2206618"/>
+            <a:ext cx="4955011" cy="1929759"/>
+          </a:xfrm>
+          <a:prstGeom prst="rect">
+            <a:avLst/>
+          </a:prstGeom>
+          <a:noFill/>
+        </p:spPr>
+        <p:txBody>
+          <a:bodyPr wrap="none" lIns="118872" tIns="91440" rIns="118872" bIns="91440" rtlCol="0" anchor="ctr" anchorCtr="0">
+            <a:spAutoFit/>
+          </a:bodyPr>
           <a:lstStyle/>
           <a:p>
+            <a:pPr algn="l">
+              <a:lnSpc>
+                <a:spcPct val="90000"/>
+              </a:lnSpc>
+            </a:pPr>
+            <a:r>
+              <a:rPr lang="en-US" dirty="0"/>
+              <a:t>A bad example</a:t>
+            </a:r>
+          </a:p>
+          <a:p>
+            <a:pPr algn="l">
+              <a:lnSpc>
+                <a:spcPct val="90000"/>
+              </a:lnSpc>
+            </a:pPr>
+            <a:endParaRPr lang="en-US" dirty="0"/>
+          </a:p>
+          <a:p>
+            <a:pPr algn="l">
+              <a:lnSpc>
+                <a:spcPct val="90000"/>
+              </a:lnSpc>
+            </a:pPr>
+            <a:r>
+              <a:rPr lang="en-US" b="1" u="sng" dirty="0"/>
+              <a:t>Monday July 25, 2022</a:t>
+            </a:r>
+          </a:p>
+          <a:p>
+            <a:pPr algn="l">
+              <a:lnSpc>
+                <a:spcPct val="90000"/>
+              </a:lnSpc>
+            </a:pPr>
+            <a:r>
+              <a:rPr lang="en-US" dirty="0"/>
+              <a:t>9:05 am - Need to identify and resolve bug.</a:t>
+            </a:r>
+          </a:p>
+          <a:p>
+            <a:pPr algn="l">
+              <a:lnSpc>
+                <a:spcPct val="90000"/>
+              </a:lnSpc>
+            </a:pPr>
+            <a:r>
+              <a:rPr lang="en-US" dirty="0"/>
+              <a:t>8:47 pm - Solved it!  Problem was with library.</a:t>
+            </a:r>
+          </a:p>
+          <a:p>
+            <a:pPr algn="l">
+              <a:lnSpc>
+                <a:spcPct val="90000"/>
+              </a:lnSpc>
+            </a:pPr>
+            <a:r>
+              <a:rPr lang="en-US" dirty="0"/>
+              <a:t>              - All tests passing again.</a:t>
+            </a:r>
+          </a:p>
+          <a:p>
+            <a:pPr algn="l">
+              <a:lnSpc>
+                <a:spcPct val="90000"/>
+              </a:lnSpc>
+            </a:pPr>
+            <a:endParaRPr lang="en-US" dirty="0"/>
+          </a:p>
+        </p:txBody>
+      </p:sp>
+      <p:sp>
+        <p:nvSpPr>
+          <p:cNvPr id="9" name="TextBox 8">
+            <a:extLst>
+              <a:ext uri="{FF2B5EF4-FFF2-40B4-BE49-F238E27FC236}">
+                <a16:creationId xmlns:a16="http://schemas.microsoft.com/office/drawing/2014/main" id="{EA4853CD-8614-95AA-C341-E49641DA6302}"/>
+              </a:ext>
+            </a:extLst>
+          </p:cNvPr>
+          <p:cNvSpPr txBox="1"/>
+          <p:nvPr/>
+        </p:nvSpPr>
+        <p:spPr>
+          <a:xfrm>
+            <a:off x="5935980" y="283536"/>
+            <a:ext cx="5887085" cy="5669244"/>
+          </a:xfrm>
+          <a:prstGeom prst="rect">
+            <a:avLst/>
+          </a:prstGeom>
+          <a:noFill/>
+        </p:spPr>
+        <p:txBody>
+          <a:bodyPr wrap="square" lIns="118872" tIns="91440" rIns="118872" bIns="91440" rtlCol="0" anchor="ctr" anchorCtr="0">
+            <a:spAutoFit/>
+          </a:bodyPr>
+          <a:lstStyle/>
+          <a:p>
+            <a:pPr algn="l">
+              <a:lnSpc>
+                <a:spcPct val="90000"/>
+              </a:lnSpc>
+            </a:pPr>
+            <a:r>
+              <a:rPr lang="en-US" dirty="0"/>
+              <a:t>A better example</a:t>
+            </a:r>
+          </a:p>
+          <a:p>
+            <a:pPr algn="l">
+              <a:lnSpc>
+                <a:spcPct val="90000"/>
+              </a:lnSpc>
+            </a:pPr>
+            <a:endParaRPr lang="en-US" b="1" u="sng" dirty="0"/>
+          </a:p>
+          <a:p>
+            <a:pPr algn="l">
+              <a:lnSpc>
+                <a:spcPct val="90000"/>
+              </a:lnSpc>
+            </a:pPr>
+            <a:r>
+              <a:rPr lang="en-US" b="1" u="sng" dirty="0"/>
+              <a:t>Monday July 25, 2022</a:t>
+            </a:r>
+          </a:p>
+          <a:p>
+            <a:pPr algn="l">
+              <a:lnSpc>
+                <a:spcPct val="90000"/>
+              </a:lnSpc>
+            </a:pPr>
+            <a:r>
+              <a:rPr lang="en-US" b="1" dirty="0"/>
+              <a:t>9:05 am </a:t>
+            </a:r>
+            <a:r>
+              <a:rPr lang="en-US" dirty="0"/>
+              <a:t>- Continuing work for study ABC.  (See July 7)</a:t>
+            </a:r>
+          </a:p>
+          <a:p>
+            <a:pPr algn="l">
+              <a:lnSpc>
+                <a:spcPct val="90000"/>
+              </a:lnSpc>
+            </a:pPr>
+            <a:r>
+              <a:rPr lang="en-US" dirty="0"/>
+              <a:t>- I presently believe that if A happens, then B must also happen.</a:t>
+            </a:r>
+          </a:p>
+          <a:p>
+            <a:pPr algn="l">
+              <a:lnSpc>
+                <a:spcPct val="90000"/>
+              </a:lnSpc>
+            </a:pPr>
+            <a:r>
+              <a:rPr lang="en-US" dirty="0"/>
+              <a:t>- To verify this, I intend to</a:t>
+            </a:r>
+          </a:p>
+          <a:p>
+            <a:pPr marL="742950" lvl="1" indent="-285750">
+              <a:lnSpc>
+                <a:spcPct val="90000"/>
+              </a:lnSpc>
+              <a:buFont typeface="Arial" panose="020B0604020202020204" pitchFamily="34" charset="0"/>
+              <a:buChar char="•"/>
+            </a:pPr>
+            <a:r>
+              <a:rPr lang="en-US" dirty="0"/>
+              <a:t>…</a:t>
+            </a:r>
+          </a:p>
+          <a:p>
+            <a:pPr marL="742950" lvl="1" indent="-285750">
+              <a:lnSpc>
+                <a:spcPct val="90000"/>
+              </a:lnSpc>
+              <a:buFont typeface="Arial" panose="020B0604020202020204" pitchFamily="34" charset="0"/>
+              <a:buChar char="•"/>
+            </a:pPr>
+            <a:r>
+              <a:rPr lang="en-US" dirty="0"/>
+              <a:t>***</a:t>
+            </a:r>
+          </a:p>
+          <a:p>
+            <a:pPr>
+              <a:lnSpc>
+                <a:spcPct val="90000"/>
+              </a:lnSpc>
+            </a:pPr>
+            <a:r>
+              <a:rPr lang="en-US" b="1" dirty="0"/>
+              <a:t>9:30 am </a:t>
+            </a:r>
+            <a:r>
+              <a:rPr lang="en-US" dirty="0"/>
+              <a:t>- Started executing this experiment on Bebop.</a:t>
+            </a:r>
+          </a:p>
+          <a:p>
+            <a:pPr marL="742950" lvl="1" indent="-285750">
+              <a:lnSpc>
+                <a:spcPct val="90000"/>
+              </a:lnSpc>
+              <a:buFont typeface="Arial" panose="020B0604020202020204" pitchFamily="34" charset="0"/>
+              <a:buChar char="•"/>
+            </a:pPr>
+            <a:r>
+              <a:rPr lang="en-US" dirty="0"/>
+              <a:t>Built debug version of binary with Intel 20.4</a:t>
+            </a:r>
+          </a:p>
+          <a:p>
+            <a:pPr marL="742950" lvl="1" indent="-285750">
+              <a:lnSpc>
+                <a:spcPct val="90000"/>
+              </a:lnSpc>
+              <a:buFont typeface="Arial" panose="020B0604020202020204" pitchFamily="34" charset="0"/>
+              <a:buChar char="•"/>
+            </a:pPr>
+            <a:r>
+              <a:rPr lang="en-US" dirty="0"/>
+              <a:t>Based on </a:t>
+            </a:r>
+            <a:r>
+              <a:rPr lang="en-US" u="sng" dirty="0"/>
+              <a:t>clean</a:t>
+            </a:r>
+            <a:r>
+              <a:rPr lang="en-US" dirty="0"/>
+              <a:t> commit 5a43b21c</a:t>
+            </a:r>
+          </a:p>
+          <a:p>
+            <a:pPr marL="742950" lvl="1" indent="-285750">
+              <a:lnSpc>
+                <a:spcPct val="90000"/>
+              </a:lnSpc>
+              <a:buFont typeface="Arial" panose="020B0604020202020204" pitchFamily="34" charset="0"/>
+              <a:buChar char="•"/>
+            </a:pPr>
+            <a:r>
+              <a:rPr lang="en-US" dirty="0"/>
+              <a:t>Build log saved to </a:t>
+            </a:r>
             <a:r>
               <a:rPr lang="en-US" dirty="0">
-                <a:solidFill>
-                  <a:srgbClr val="FF0000"/>
-                </a:solidFill>
+                <a:latin typeface="American Typewriter" panose="02090604020004020304" pitchFamily="18" charset="77"/>
               </a:rPr>
-              <a:t>TODO: Add in bad and good examples.</a:t>
+              <a:t>my_test_2022.log</a:t>
+            </a:r>
+          </a:p>
+          <a:p>
+            <a:pPr marL="742950" lvl="1" indent="-285750">
+              <a:lnSpc>
+                <a:spcPct val="90000"/>
+              </a:lnSpc>
+              <a:buFont typeface="Arial" panose="020B0604020202020204" pitchFamily="34" charset="0"/>
+              <a:buChar char="•"/>
+            </a:pPr>
+            <a:r>
+              <a:rPr lang="en-US" dirty="0"/>
+              <a:t>No errors or warnings emitted</a:t>
+            </a:r>
+          </a:p>
+          <a:p>
+            <a:pPr marL="742950" lvl="1" indent="-285750">
+              <a:lnSpc>
+                <a:spcPct val="90000"/>
+              </a:lnSpc>
+              <a:buFont typeface="Arial" panose="020B0604020202020204" pitchFamily="34" charset="0"/>
+              <a:buChar char="•"/>
+            </a:pPr>
+            <a:r>
+              <a:rPr lang="en-US" dirty="0"/>
+              <a:t>Used job script </a:t>
+            </a:r>
+            <a:r>
+              <a:rPr lang="en-US" dirty="0" err="1">
+                <a:latin typeface="American Typewriter" panose="02090604020004020304" pitchFamily="18" charset="77"/>
+              </a:rPr>
+              <a:t>run_my_test</a:t>
+            </a:r>
+            <a:r>
+              <a:rPr lang="en-US" dirty="0">
+                <a:latin typeface="American Typewriter" panose="02090604020004020304" pitchFamily="18" charset="77"/>
+              </a:rPr>
+              <a:t> </a:t>
+            </a:r>
+            <a:r>
+              <a:rPr lang="en-US" dirty="0"/>
+              <a:t>with configuration 24 (Job ID 123456)</a:t>
+            </a:r>
+          </a:p>
+          <a:p>
+            <a:pPr marL="742950" lvl="1" indent="-285750">
+              <a:lnSpc>
+                <a:spcPct val="90000"/>
+              </a:lnSpc>
+              <a:buFont typeface="Arial" panose="020B0604020202020204" pitchFamily="34" charset="0"/>
+              <a:buChar char="•"/>
+            </a:pPr>
+            <a:r>
+              <a:rPr lang="en-US" dirty="0" err="1"/>
+              <a:t>Stdout</a:t>
+            </a:r>
+            <a:r>
+              <a:rPr lang="en-US" dirty="0"/>
+              <a:t>/err &amp; results saved in folder ABC</a:t>
+            </a:r>
+          </a:p>
+          <a:p>
+            <a:pPr>
+              <a:lnSpc>
+                <a:spcPct val="90000"/>
+              </a:lnSpc>
+            </a:pPr>
+            <a:r>
+              <a:rPr lang="en-US" b="1" dirty="0"/>
+              <a:t>10:07 am </a:t>
+            </a:r>
+            <a:r>
+              <a:rPr lang="en-US" dirty="0"/>
+              <a:t>- Analysis run with script </a:t>
+            </a:r>
+            <a:r>
+              <a:rPr lang="en-US" dirty="0" err="1">
+                <a:latin typeface="American Typewriter" panose="02090604020004020304" pitchFamily="18" charset="77"/>
+              </a:rPr>
+              <a:t>analyze_my_test.py</a:t>
+            </a:r>
+            <a:r>
+              <a:rPr lang="en-US" dirty="0">
+                <a:latin typeface="American Typewriter" panose="02090604020004020304" pitchFamily="18" charset="77"/>
+              </a:rPr>
+              <a:t> </a:t>
+            </a:r>
+            <a:r>
+              <a:rPr lang="en-US" dirty="0"/>
+              <a:t>and results saved in same folder.</a:t>
+            </a:r>
+          </a:p>
+          <a:p>
+            <a:pPr>
+              <a:lnSpc>
+                <a:spcPct val="90000"/>
+              </a:lnSpc>
+            </a:pPr>
+            <a:r>
+              <a:rPr lang="en-US" dirty="0"/>
+              <a:t>- Since no peak seen around 1.5 MeV, I was wrong.  But based on this, I now </a:t>
+            </a:r>
+            <a:r>
+              <a:rPr lang="en-US" i="1" dirty="0"/>
+              <a:t>believe</a:t>
+            </a:r>
+            <a:r>
+              <a:rPr lang="en-US" dirty="0"/>
+              <a:t> that if A happens, then C must also happen.</a:t>
             </a:r>
           </a:p>
         </p:txBody>
@@ -8882,15 +9345,23 @@
             </a:pPr>
             <a:r>
               <a:rPr lang="en-US" sz="2000" dirty="0"/>
-              <a:t>Carlo Graziani is a Computational Scientist at ANL and author of the BSSW blog article </a:t>
-            </a:r>
-            <a:r>
-              <a:rPr lang="en-US" sz="2000" dirty="0">
-                <a:hlinkClick r:id="rId4"/>
-              </a:rPr>
+              <a:t>Carlo Graziani is a Computational Scientist at ANL</a:t>
+            </a:r>
+          </a:p>
+          <a:p>
+            <a:pPr algn="ctr">
+              <a:lnSpc>
+                <a:spcPct val="90000"/>
+              </a:lnSpc>
+            </a:pPr>
+            <a:r>
+              <a:rPr lang="en-US" sz="2000" dirty="0"/>
+              <a:t>BSSW blog article </a:t>
+            </a:r>
+            <a:r>
+              <a:rPr lang="en-US" sz="2000" i="1" dirty="0"/>
               <a:t>HPC and the Lab Manager</a:t>
             </a:r>
-            <a:endParaRPr lang="en-US" sz="2000" dirty="0"/>
           </a:p>
           <a:p>
             <a:pPr algn="l">
@@ -8994,7 +9465,7 @@
             </a:r>
             <a:r>
               <a:rPr lang="en-US" dirty="0"/>
-              <a:t>’ paper and pencil.</a:t>
+              <a:t>’ paper and pen</a:t>
             </a:r>
           </a:p>
           <a:p>
@@ -9006,7 +9477,7 @@
           <a:p>
             <a:r>
               <a:rPr lang="en-US" dirty="0"/>
-              <a:t>Anyone can use paper and pencil in any situation</a:t>
+              <a:t>Anyone can use paper and pen in any situation</a:t>
             </a:r>
           </a:p>
           <a:p>
@@ -9241,14 +9712,12 @@
               <a:t>Roberta Kwok, </a:t>
             </a:r>
             <a:r>
-              <a:rPr lang="en-US" sz="1800" dirty="0">
-                <a:hlinkClick r:id="rId3"/>
-              </a:rPr>
-              <a:t>“How to pick an electronic laboratory notebook”</a:t>
+              <a:rPr lang="en-US" sz="1800" i="1" dirty="0"/>
+              <a:t>How to pick an electronic laboratory notebook</a:t>
             </a:r>
             <a:r>
               <a:rPr lang="en-US" sz="1800" dirty="0"/>
-              <a:t>, Nature, 2017.</a:t>
+              <a:t>, Nature</a:t>
             </a:r>
           </a:p>
           <a:p>
@@ -9614,13 +10083,118 @@
           <a:lstStyle/>
           <a:p>
             <a:r>
+              <a:rPr lang="en-US" dirty="0"/>
+              <a:t>Carlo Graziani, </a:t>
+            </a:r>
+            <a:r>
+              <a:rPr lang="en-US" i="1" dirty="0"/>
+              <a:t>HPC and the Lab Manager</a:t>
+            </a:r>
+            <a:r>
+              <a:rPr lang="en-US" dirty="0"/>
+              <a:t>.  </a:t>
+            </a:r>
+            <a:r>
+              <a:rPr lang="en-US" b="1" dirty="0"/>
+              <a:t>Better Scientific Software</a:t>
+            </a:r>
+            <a:r>
+              <a:rPr lang="en-US" dirty="0"/>
+              <a:t>. </a:t>
+            </a:r>
+            <a:r>
               <a:rPr lang="en-US" dirty="0">
-                <a:solidFill>
-                  <a:srgbClr val="FF0000"/>
-                </a:solidFill>
+                <a:hlinkClick r:id="rId2"/>
               </a:rPr>
-              <a:t>TODO: Add in all citations</a:t>
-            </a:r>
+              <a:t>https://bssw.io/blog_posts/hpc-and-the-lab-manager</a:t>
+            </a:r>
+            <a:r>
+              <a:rPr lang="en-US" dirty="0"/>
+              <a:t>. Nov 17, 2021.</a:t>
+            </a:r>
+          </a:p>
+          <a:p>
+            <a:r>
+              <a:rPr lang="en-US" dirty="0"/>
+              <a:t>Katherine Riley, </a:t>
+            </a:r>
+            <a:r>
+              <a:rPr lang="en-US" i="1" dirty="0"/>
+              <a:t>What All Codes Should Do: Best Practices</a:t>
+            </a:r>
+            <a:r>
+              <a:rPr lang="en-US" dirty="0"/>
+              <a:t>. ATPESC 2019 presentation.  Retrieved from </a:t>
+            </a:r>
+            <a:r>
+              <a:rPr lang="en-US" dirty="0">
+                <a:hlinkClick r:id="rId3"/>
+              </a:rPr>
+              <a:t>YouTub</a:t>
+            </a:r>
+            <a:r>
+              <a:rPr lang="en-US" dirty="0">
+                <a:hlinkClick r:id="rId3"/>
+              </a:rPr>
+              <a:t>e</a:t>
+            </a:r>
+            <a:r>
+              <a:rPr lang="en-US" dirty="0"/>
+              <a:t>. Nov 5, 2019.</a:t>
+            </a:r>
+          </a:p>
+          <a:p>
+            <a:r>
+              <a:rPr lang="en-US" dirty="0"/>
+              <a:t>Howard M. </a:t>
+            </a:r>
+            <a:r>
+              <a:rPr lang="en-US" dirty="0" err="1"/>
+              <a:t>Kanare</a:t>
+            </a:r>
+            <a:r>
+              <a:rPr lang="en-US" dirty="0"/>
+              <a:t>, </a:t>
+            </a:r>
+            <a:r>
+              <a:rPr lang="en-US" i="1" dirty="0">
+                <a:hlinkClick r:id="rId4"/>
+              </a:rPr>
+              <a:t>Writing the Laboratory Notebook</a:t>
+            </a:r>
+            <a:r>
+              <a:rPr lang="en-US" i="1" dirty="0"/>
+              <a:t>. </a:t>
+            </a:r>
+            <a:r>
+              <a:rPr lang="en-US" dirty="0"/>
+              <a:t>American Chemical Society, Washington, D.C., 1985.</a:t>
+            </a:r>
+          </a:p>
+          <a:p>
+            <a:r>
+              <a:rPr lang="en-US" dirty="0"/>
+              <a:t>Roberta Kwok, </a:t>
+            </a:r>
+            <a:r>
+              <a:rPr lang="en-US" i="1" dirty="0">
+                <a:hlinkClick r:id="rId5"/>
+              </a:rPr>
+              <a:t>How to pick an electronic laboratory notebook</a:t>
+            </a:r>
+            <a:r>
+              <a:rPr lang="en-US" i="1" dirty="0"/>
+              <a:t>.  </a:t>
+            </a:r>
+            <a:r>
+              <a:rPr lang="en-US" b="1" dirty="0"/>
+              <a:t>Nature </a:t>
+            </a:r>
+            <a:r>
+              <a:rPr lang="en-US" dirty="0"/>
+              <a:t>560, pp. 269-270, Aug 6, 2018.</a:t>
+            </a:r>
+            <a:endParaRPr lang="en-US" b="1" dirty="0"/>
           </a:p>
         </p:txBody>
       </p:sp>
@@ -9628,6 +10202,277 @@
     <p:extLst>
       <p:ext uri="{BB962C8B-B14F-4D97-AF65-F5344CB8AC3E}">
         <p14:creationId xmlns:p14="http://schemas.microsoft.com/office/powerpoint/2010/main" val="1016376094"/>
+      </p:ext>
+    </p:extLst>
+  </p:cSld>
+  <p:clrMapOvr>
+    <a:masterClrMapping/>
+  </p:clrMapOvr>
+</p:sld>
+</file>
+
+<file path=ppt/slides/slide23.xml><?xml version="1.0" encoding="utf-8"?>
+<p:sld xmlns:a="http://schemas.openxmlformats.org/drawingml/2006/main" xmlns:r="http://schemas.openxmlformats.org/officeDocument/2006/relationships" xmlns:p="http://schemas.openxmlformats.org/presentationml/2006/main">
+  <p:cSld>
+    <p:spTree>
+      <p:nvGrpSpPr>
+        <p:cNvPr id="1" name=""/>
+        <p:cNvGrpSpPr/>
+        <p:nvPr/>
+      </p:nvGrpSpPr>
+      <p:grpSpPr>
+        <a:xfrm>
+          <a:off x="0" y="0"/>
+          <a:ext cx="0" cy="0"/>
+          <a:chOff x="0" y="0"/>
+          <a:chExt cx="0" cy="0"/>
+        </a:xfrm>
+      </p:grpSpPr>
+      <p:sp>
+        <p:nvSpPr>
+          <p:cNvPr id="2" name="Title 1">
+            <a:extLst>
+              <a:ext uri="{FF2B5EF4-FFF2-40B4-BE49-F238E27FC236}">
+                <a16:creationId xmlns:a16="http://schemas.microsoft.com/office/drawing/2014/main" id="{500318CC-56B3-5319-6130-F67EAC5F1465}"/>
+              </a:ext>
+            </a:extLst>
+          </p:cNvPr>
+          <p:cNvSpPr>
+            <a:spLocks noGrp="1"/>
+          </p:cNvSpPr>
+          <p:nvPr>
+            <p:ph type="title"/>
+          </p:nvPr>
+        </p:nvSpPr>
+        <p:spPr/>
+        <p:txBody>
+          <a:bodyPr/>
+          <a:lstStyle/>
+          <a:p>
+            <a:r>
+              <a:rPr lang="en-US" dirty="0"/>
+              <a:t>Meta Conclusions</a:t>
+            </a:r>
+          </a:p>
+        </p:txBody>
+      </p:sp>
+      <p:sp>
+        <p:nvSpPr>
+          <p:cNvPr id="3" name="Content Placeholder 2">
+            <a:extLst>
+              <a:ext uri="{FF2B5EF4-FFF2-40B4-BE49-F238E27FC236}">
+                <a16:creationId xmlns:a16="http://schemas.microsoft.com/office/drawing/2014/main" id="{A1A03074-7EEE-E717-D988-C8FD1B2561D4}"/>
+              </a:ext>
+            </a:extLst>
+          </p:cNvPr>
+          <p:cNvSpPr>
+            <a:spLocks noGrp="1"/>
+          </p:cNvSpPr>
+          <p:nvPr>
+            <p:ph idx="1"/>
+          </p:nvPr>
+        </p:nvSpPr>
+        <p:spPr/>
+        <p:txBody>
+          <a:bodyPr/>
+          <a:lstStyle/>
+          <a:p>
+            <a:pPr marL="0" indent="0">
+              <a:buNone/>
+            </a:pPr>
+            <a:r>
+              <a:rPr lang="en-US" dirty="0"/>
+              <a:t>This discussion</a:t>
+            </a:r>
+          </a:p>
+          <a:p>
+            <a:r>
+              <a:rPr lang="en-US" dirty="0"/>
+              <a:t>Was</a:t>
+            </a:r>
+            <a:r>
+              <a:rPr lang="en-US" b="1" dirty="0"/>
+              <a:t> not</a:t>
+            </a:r>
+            <a:r>
+              <a:rPr lang="en-US" dirty="0"/>
+              <a:t> about sharing knowledge, but</a:t>
+            </a:r>
+          </a:p>
+          <a:p>
+            <a:r>
+              <a:rPr lang="en-US" dirty="0"/>
+              <a:t>Was about (hopefully) building </a:t>
+            </a:r>
+            <a:r>
+              <a:rPr lang="en-US" b="1" dirty="0"/>
+              <a:t>understanding</a:t>
+            </a:r>
+          </a:p>
+          <a:p>
+            <a:endParaRPr lang="en-US" b="1" dirty="0"/>
+          </a:p>
+          <a:p>
+            <a:pPr marL="0" indent="0">
+              <a:buNone/>
+            </a:pPr>
+            <a:endParaRPr lang="en-US" b="1" dirty="0"/>
+          </a:p>
+        </p:txBody>
+      </p:sp>
+    </p:spTree>
+    <p:extLst>
+      <p:ext uri="{BB962C8B-B14F-4D97-AF65-F5344CB8AC3E}">
+        <p14:creationId xmlns:p14="http://schemas.microsoft.com/office/powerpoint/2010/main" val="4279419405"/>
+      </p:ext>
+    </p:extLst>
+  </p:cSld>
+  <p:clrMapOvr>
+    <a:masterClrMapping/>
+  </p:clrMapOvr>
+</p:sld>
+</file>
+
+<file path=ppt/slides/slide24.xml><?xml version="1.0" encoding="utf-8"?>
+<p:sld xmlns:a="http://schemas.openxmlformats.org/drawingml/2006/main" xmlns:r="http://schemas.openxmlformats.org/officeDocument/2006/relationships" xmlns:p="http://schemas.openxmlformats.org/presentationml/2006/main">
+  <p:cSld>
+    <p:spTree>
+      <p:nvGrpSpPr>
+        <p:cNvPr id="1" name=""/>
+        <p:cNvGrpSpPr/>
+        <p:nvPr/>
+      </p:nvGrpSpPr>
+      <p:grpSpPr>
+        <a:xfrm>
+          <a:off x="0" y="0"/>
+          <a:ext cx="0" cy="0"/>
+          <a:chOff x="0" y="0"/>
+          <a:chExt cx="0" cy="0"/>
+        </a:xfrm>
+      </p:grpSpPr>
+      <p:sp>
+        <p:nvSpPr>
+          <p:cNvPr id="2" name="Title 1">
+            <a:extLst>
+              <a:ext uri="{FF2B5EF4-FFF2-40B4-BE49-F238E27FC236}">
+                <a16:creationId xmlns:a16="http://schemas.microsoft.com/office/drawing/2014/main" id="{1FAC2A80-D3DC-977C-1FB0-0763FA18DCA5}"/>
+              </a:ext>
+            </a:extLst>
+          </p:cNvPr>
+          <p:cNvSpPr>
+            <a:spLocks noGrp="1"/>
+          </p:cNvSpPr>
+          <p:nvPr>
+            <p:ph type="title"/>
+          </p:nvPr>
+        </p:nvSpPr>
+        <p:spPr/>
+        <p:txBody>
+          <a:bodyPr/>
+          <a:lstStyle/>
+          <a:p>
+            <a:r>
+              <a:rPr lang="en-US" dirty="0"/>
+              <a:t>From my perspective</a:t>
+            </a:r>
+            <a:br>
+              <a:rPr lang="en-US" dirty="0"/>
+            </a:br>
+            <a:endParaRPr lang="en-US" dirty="0"/>
+          </a:p>
+        </p:txBody>
+      </p:sp>
+      <p:sp>
+        <p:nvSpPr>
+          <p:cNvPr id="3" name="Content Placeholder 2">
+            <a:extLst>
+              <a:ext uri="{FF2B5EF4-FFF2-40B4-BE49-F238E27FC236}">
+                <a16:creationId xmlns:a16="http://schemas.microsoft.com/office/drawing/2014/main" id="{9EF6A4B5-7EA5-6DFC-5EAB-6002CEA1765C}"/>
+              </a:ext>
+            </a:extLst>
+          </p:cNvPr>
+          <p:cNvSpPr>
+            <a:spLocks noGrp="1"/>
+          </p:cNvSpPr>
+          <p:nvPr>
+            <p:ph idx="1"/>
+          </p:nvPr>
+        </p:nvSpPr>
+        <p:spPr>
+          <a:xfrm>
+            <a:off x="365760" y="1325880"/>
+            <a:ext cx="11369809" cy="4047778"/>
+          </a:xfrm>
+        </p:spPr>
+        <p:txBody>
+          <a:bodyPr/>
+          <a:lstStyle/>
+          <a:p>
+            <a:r>
+              <a:rPr lang="en-US" dirty="0"/>
+              <a:t>Software best practices are foundational science &amp; are mandatory</a:t>
+            </a:r>
+          </a:p>
+          <a:p>
+            <a:r>
+              <a:rPr lang="en-US" dirty="0"/>
+              <a:t>Knowledge management can improve science &amp; productivity</a:t>
+            </a:r>
+          </a:p>
+          <a:p>
+            <a:r>
+              <a:rPr lang="en-US" dirty="0"/>
+              <a:t>Productivity can benefit from selflessness</a:t>
+            </a:r>
+          </a:p>
+          <a:p>
+            <a:r>
+              <a:rPr lang="en-US" dirty="0"/>
+              <a:t>Not all documents are alike</a:t>
+            </a:r>
+          </a:p>
+          <a:p>
+            <a:r>
+              <a:rPr lang="en-US" dirty="0"/>
+              <a:t>Lab notebooks are mandatory</a:t>
+            </a:r>
+          </a:p>
+          <a:p>
+            <a:r>
+              <a:rPr lang="en-US" dirty="0"/>
+              <a:t>Lab notebooks allow for learning</a:t>
+            </a:r>
+          </a:p>
+          <a:p>
+            <a:r>
+              <a:rPr lang="en-US" dirty="0"/>
+              <a:t>Lab notebooks for CMSE are hard</a:t>
+            </a:r>
+          </a:p>
+          <a:p>
+            <a:endParaRPr lang="en-US" dirty="0"/>
+          </a:p>
+          <a:p>
+            <a:pPr marL="0" indent="0" algn="ctr">
+              <a:buNone/>
+            </a:pPr>
+            <a:r>
+              <a:rPr lang="en-US" b="1" dirty="0"/>
+              <a:t>To be continued…</a:t>
+            </a:r>
+          </a:p>
+          <a:p>
+            <a:endParaRPr lang="en-US" dirty="0"/>
+          </a:p>
+          <a:p>
+            <a:endParaRPr lang="en-US" dirty="0"/>
+          </a:p>
+        </p:txBody>
+      </p:sp>
+    </p:spTree>
+    <p:extLst>
+      <p:ext uri="{BB962C8B-B14F-4D97-AF65-F5344CB8AC3E}">
+        <p14:creationId xmlns:p14="http://schemas.microsoft.com/office/powerpoint/2010/main" val="1043221574"/>
       </p:ext>
     </p:extLst>
   </p:cSld>
@@ -9713,7 +10558,7 @@
             </a:pPr>
             <a:r>
               <a:rPr lang="en-US" dirty="0"/>
-              <a:t>“… practicing the scientific method properly requires good software practices.  This is understood in the experimental community…The computational science side has had a historic problem with it.  As we can see, it’s getting better.”</a:t>
+              <a:t>Scientific HPC is several young fields that “on close examination, have not really stabilized or optimized their collaborative processes in a manner analogous to that of more mature, ‘classical’ sciences. As a consequence, valuable science is often needlessly lost, or left uncollected.”</a:t>
             </a:r>
           </a:p>
           <a:p>
@@ -9726,14 +10571,18 @@
             </a:r>
             <a:r>
               <a:rPr lang="en-US" sz="2000" dirty="0"/>
-              <a:t>Katherine Riley, Director of Science at ALCF, ATPESC 2019</a:t>
+              <a:t>Carlo Graziani, Computational Scientist at ANL, </a:t>
+            </a:r>
+            <a:r>
+              <a:rPr lang="en-US" sz="2000" i="1" dirty="0"/>
+              <a:t>HPC and the Lab Manager</a:t>
             </a:r>
           </a:p>
           <a:p>
             <a:pPr marL="0" indent="0">
               <a:buNone/>
             </a:pPr>
-            <a:endParaRPr lang="en-US" sz="2000" dirty="0"/>
+            <a:endParaRPr lang="en-US" dirty="0"/>
           </a:p>
           <a:p>
             <a:pPr marL="0" indent="0">
@@ -9741,7 +10590,7 @@
             </a:pPr>
             <a:r>
               <a:rPr lang="en-US" dirty="0"/>
-              <a:t>Scientific HPC is several young fields that “on close examination, have not really stabilized or optimized their collaborative processes in a manner analogous to that of more mature, ‘classical’ sciences. As a consequence, valuable science is often needlessly lost, or left uncollected.”</a:t>
+              <a:t>“… practicing the scientific method properly requires good software practices.  This is understood in the experimental community…The computational science side has had a historic problem with it.  As we can see, it’s getting better.”</a:t>
             </a:r>
           </a:p>
           <a:p>
@@ -9754,34 +10603,7 @@
             </a:r>
             <a:r>
               <a:rPr lang="en-US" sz="2000" dirty="0"/>
-              <a:t>Carlo Graziani, Computational Scientist at ANL, </a:t>
-            </a:r>
-            <a:r>
-              <a:rPr lang="en-US" sz="2000" dirty="0">
-                <a:hlinkClick r:id="rId3"/>
-              </a:rPr>
-              <a:t>BSSW blog article </a:t>
-            </a:r>
-            <a:endParaRPr lang="en-US" sz="2000" dirty="0"/>
-          </a:p>
-          <a:p>
-            <a:r>
-              <a:rPr lang="en-US" dirty="0">
-                <a:solidFill>
-                  <a:srgbClr val="FF0000"/>
-                </a:solidFill>
-              </a:rPr>
-              <a:t>Find Mike’s quote</a:t>
-            </a:r>
-          </a:p>
-          <a:p>
-            <a:r>
-              <a:rPr lang="en-US" dirty="0">
-                <a:solidFill>
-                  <a:srgbClr val="FF0000"/>
-                </a:solidFill>
-              </a:rPr>
-              <a:t>Refer back to content in Intro?</a:t>
+              <a:t>Katherine Riley, Director of Science at ALCF, ATPESC 2019</a:t>
             </a:r>
           </a:p>
           <a:p>
@@ -10023,7 +10845,7 @@
           <p:cNvPr id="2" name="Title 1">
             <a:extLst>
               <a:ext uri="{FF2B5EF4-FFF2-40B4-BE49-F238E27FC236}">
-                <a16:creationId xmlns:a16="http://schemas.microsoft.com/office/drawing/2014/main" id="{8880C00D-F409-2FF4-8FF6-C940EB9DAD4D}"/>
+                <a16:creationId xmlns:a16="http://schemas.microsoft.com/office/drawing/2014/main" id="{F35627EA-0A9D-2FF7-2CBF-461CD73F1D60}"/>
               </a:ext>
             </a:extLst>
           </p:cNvPr>
@@ -10041,17 +10863,17 @@
           <a:p>
             <a:r>
               <a:rPr lang="en-US" dirty="0"/>
-              <a:t>DIKUW</a:t>
-            </a:r>
-          </a:p>
-        </p:txBody>
-      </p:sp>
-      <p:sp>
-        <p:nvSpPr>
-          <p:cNvPr id="3" name="Content Placeholder 2">
+              <a:t>A minimal definition</a:t>
+            </a:r>
+          </a:p>
+        </p:txBody>
+      </p:sp>
+      <p:sp>
+        <p:nvSpPr>
+          <p:cNvPr id="4" name="Content Placeholder 2">
             <a:extLst>
               <a:ext uri="{FF2B5EF4-FFF2-40B4-BE49-F238E27FC236}">
-                <a16:creationId xmlns:a16="http://schemas.microsoft.com/office/drawing/2014/main" id="{0B114E63-4B3C-C54B-FFCC-78B019BD23C1}"/>
+                <a16:creationId xmlns:a16="http://schemas.microsoft.com/office/drawing/2014/main" id="{5A1F561D-C93C-67C0-49AE-92C353A04E25}"/>
               </a:ext>
             </a:extLst>
           </p:cNvPr>
@@ -10072,45 +10894,37 @@
             </a:pPr>
             <a:r>
               <a:rPr lang="en-US" dirty="0"/>
-              <a:t>A classification scheme that overloads every day words so that we can use the same language and understand each other.</a:t>
-            </a:r>
-          </a:p>
-          <a:p>
-            <a:r>
-              <a:rPr lang="en-US" dirty="0"/>
-              <a:t>Data</a:t>
-            </a:r>
-          </a:p>
-          <a:p>
-            <a:r>
-              <a:rPr lang="en-US" dirty="0"/>
-              <a:t>Information</a:t>
-            </a:r>
-          </a:p>
-          <a:p>
-            <a:r>
-              <a:rPr lang="en-US" dirty="0"/>
-              <a:t>Knowledge</a:t>
-            </a:r>
-          </a:p>
-          <a:p>
-            <a:r>
-              <a:rPr lang="en-US" dirty="0"/>
-              <a:t>Understanding</a:t>
-            </a:r>
-          </a:p>
-          <a:p>
-            <a:r>
-              <a:rPr lang="en-US" dirty="0"/>
-              <a:t>Wisdom</a:t>
-            </a:r>
+              <a:t>A goal of keeping a lab notebook is "...to write with enough detail and clarity that another scientist could pick up the notebook at some time in the future, repeat the work based on the written descriptions, and make the same observations that were originally recorded. If this guideline is followed, even the original author will be able to understand the notes when looking back on them after considerable time has passed!”</a:t>
+            </a:r>
+          </a:p>
+          <a:p>
+            <a:pPr marL="0" indent="0">
+              <a:buNone/>
+            </a:pPr>
+            <a:r>
+              <a:rPr lang="en-US" dirty="0"/>
+              <a:t>	- Howard </a:t>
+            </a:r>
+            <a:r>
+              <a:rPr lang="en-US" dirty="0" err="1"/>
+              <a:t>Kanare</a:t>
+            </a:r>
+            <a:r>
+              <a:rPr lang="en-US" dirty="0"/>
+              <a:t>, </a:t>
+            </a:r>
+            <a:r>
+              <a:rPr lang="en-US" i="1" dirty="0"/>
+              <a:t>Writing the Laboratory Notebook</a:t>
+            </a:r>
+            <a:endParaRPr lang="en-US" dirty="0"/>
           </a:p>
         </p:txBody>
       </p:sp>
     </p:spTree>
     <p:extLst>
       <p:ext uri="{BB962C8B-B14F-4D97-AF65-F5344CB8AC3E}">
-        <p14:creationId xmlns:p14="http://schemas.microsoft.com/office/powerpoint/2010/main" val="1041287334"/>
+        <p14:creationId xmlns:p14="http://schemas.microsoft.com/office/powerpoint/2010/main" val="3036165320"/>
       </p:ext>
     </p:extLst>
   </p:cSld>
@@ -10142,7 +10956,7 @@
           <p:cNvPr id="2" name="Title 1">
             <a:extLst>
               <a:ext uri="{FF2B5EF4-FFF2-40B4-BE49-F238E27FC236}">
-                <a16:creationId xmlns:a16="http://schemas.microsoft.com/office/drawing/2014/main" id="{9D3BEC0D-AF53-6375-54A6-F89A29585952}"/>
+                <a16:creationId xmlns:a16="http://schemas.microsoft.com/office/drawing/2014/main" id="{8880C00D-F409-2FF4-8FF6-C940EB9DAD4D}"/>
               </a:ext>
             </a:extLst>
           </p:cNvPr>
@@ -10160,7 +10974,7 @@
           <a:p>
             <a:r>
               <a:rPr lang="en-US" dirty="0"/>
-              <a:t>Data &amp; Information</a:t>
+              <a:t>DIKUW</a:t>
             </a:r>
           </a:p>
         </p:txBody>
@@ -10170,7 +10984,7 @@
           <p:cNvPr id="3" name="Content Placeholder 2">
             <a:extLst>
               <a:ext uri="{FF2B5EF4-FFF2-40B4-BE49-F238E27FC236}">
-                <a16:creationId xmlns:a16="http://schemas.microsoft.com/office/drawing/2014/main" id="{D86BEDF2-C3A6-598C-A740-C9E1F393C048}"/>
+                <a16:creationId xmlns:a16="http://schemas.microsoft.com/office/drawing/2014/main" id="{0B114E63-4B3C-C54B-FFCC-78B019BD23C1}"/>
               </a:ext>
             </a:extLst>
           </p:cNvPr>
@@ -10181,79 +10995,47 @@
             <p:ph idx="1"/>
           </p:nvPr>
         </p:nvSpPr>
-        <p:spPr>
-          <a:xfrm>
-            <a:off x="365760" y="1325880"/>
-            <a:ext cx="11369809" cy="4047778"/>
-          </a:xfrm>
-        </p:spPr>
+        <p:spPr/>
         <p:txBody>
           <a:bodyPr/>
           <a:lstStyle/>
           <a:p>
+            <a:pPr marL="0" indent="0">
+              <a:buNone/>
+            </a:pPr>
+            <a:r>
+              <a:rPr lang="en-US" dirty="0"/>
+              <a:t>A classification scheme that overloads every day words so that we can use the same language and understand each other.</a:t>
+            </a:r>
+          </a:p>
+          <a:p>
             <a:r>
               <a:rPr lang="en-US" dirty="0"/>
               <a:t>Data</a:t>
             </a:r>
           </a:p>
           <a:p>
-            <a:pPr lvl="1"/>
-            <a:r>
-              <a:rPr lang="en-US" dirty="0"/>
-              <a:t>Collection of numbers, symbols, text, </a:t>
-            </a:r>
-            <a:r>
-              <a:rPr lang="en-US" i="1" dirty="0"/>
-              <a:t>etc.</a:t>
-            </a:r>
-          </a:p>
-          <a:p>
-            <a:pPr lvl="1"/>
-            <a:r>
-              <a:rPr lang="en-US" dirty="0"/>
-              <a:t>It has value only because it was recorded and exists.</a:t>
-            </a:r>
-          </a:p>
-          <a:p>
-            <a:pPr lvl="1"/>
-            <a:r>
-              <a:rPr lang="en-US" dirty="0"/>
-              <a:t>Example: Timeseries data of temperature, relative humidity, and precipitation.</a:t>
-            </a:r>
-          </a:p>
-          <a:p>
             <a:r>
               <a:rPr lang="en-US" dirty="0"/>
               <a:t>Information</a:t>
             </a:r>
           </a:p>
           <a:p>
-            <a:pPr lvl="1"/>
-            <a:r>
-              <a:rPr lang="en-US" dirty="0"/>
-              <a:t>Facts gleaned from data</a:t>
-            </a:r>
-          </a:p>
-          <a:p>
-            <a:pPr lvl="1"/>
-            <a:r>
-              <a:rPr lang="en-US" dirty="0"/>
-              <a:t>Answers questions such as who, what, when, how much, how long, </a:t>
-            </a:r>
-            <a:r>
-              <a:rPr lang="en-US" i="1" dirty="0"/>
-              <a:t>etc</a:t>
-            </a:r>
-            <a:r>
-              <a:rPr lang="en-US" dirty="0"/>
-              <a:t>.</a:t>
-            </a:r>
-          </a:p>
-          <a:p>
-            <a:pPr lvl="1"/>
-            <a:r>
-              <a:rPr lang="en-US" dirty="0"/>
-              <a:t>Example: Starting at 2pm the temperature dropped by 5ºF over 15 minutes.  At 2:05 pm it started to rain and 0.25” of rain was accumulated over the next 30 minutes.</a:t>
+            <a:r>
+              <a:rPr lang="en-US" dirty="0"/>
+              <a:t>Knowledge</a:t>
+            </a:r>
+          </a:p>
+          <a:p>
+            <a:r>
+              <a:rPr lang="en-US" dirty="0"/>
+              <a:t>Understanding</a:t>
+            </a:r>
+          </a:p>
+          <a:p>
+            <a:r>
+              <a:rPr lang="en-US" dirty="0"/>
+              <a:t>Wisdom</a:t>
             </a:r>
           </a:p>
         </p:txBody>
@@ -10261,7 +11043,7 @@
     </p:spTree>
     <p:extLst>
       <p:ext uri="{BB962C8B-B14F-4D97-AF65-F5344CB8AC3E}">
-        <p14:creationId xmlns:p14="http://schemas.microsoft.com/office/powerpoint/2010/main" val="2193434764"/>
+        <p14:creationId xmlns:p14="http://schemas.microsoft.com/office/powerpoint/2010/main" val="1041287334"/>
       </p:ext>
     </p:extLst>
   </p:cSld>
@@ -10293,7 +11075,7 @@
           <p:cNvPr id="2" name="Title 1">
             <a:extLst>
               <a:ext uri="{FF2B5EF4-FFF2-40B4-BE49-F238E27FC236}">
-                <a16:creationId xmlns:a16="http://schemas.microsoft.com/office/drawing/2014/main" id="{D058ED4F-BC78-0A36-F75C-E4005B3DFBAE}"/>
+                <a16:creationId xmlns:a16="http://schemas.microsoft.com/office/drawing/2014/main" id="{9D3BEC0D-AF53-6375-54A6-F89A29585952}"/>
               </a:ext>
             </a:extLst>
           </p:cNvPr>
@@ -10311,7 +11093,7 @@
           <a:p>
             <a:r>
               <a:rPr lang="en-US" dirty="0"/>
-              <a:t>Knowledge &amp; Understanding</a:t>
+              <a:t>Data &amp; Information</a:t>
             </a:r>
           </a:p>
         </p:txBody>
@@ -10321,7 +11103,7 @@
           <p:cNvPr id="3" name="Content Placeholder 2">
             <a:extLst>
               <a:ext uri="{FF2B5EF4-FFF2-40B4-BE49-F238E27FC236}">
-                <a16:creationId xmlns:a16="http://schemas.microsoft.com/office/drawing/2014/main" id="{3EC7F33F-88DD-3100-7BF9-E8C247CEEC72}"/>
+                <a16:creationId xmlns:a16="http://schemas.microsoft.com/office/drawing/2014/main" id="{D86BEDF2-C3A6-598C-A740-C9E1F393C048}"/>
               </a:ext>
             </a:extLst>
           </p:cNvPr>
@@ -10334,7 +11116,7 @@
         </p:nvSpPr>
         <p:spPr>
           <a:xfrm>
-            <a:off x="365760" y="1196184"/>
+            <a:off x="365760" y="1325880"/>
             <a:ext cx="11369809" cy="4047778"/>
           </a:xfrm>
         </p:spPr>
@@ -10344,18 +11126,56 @@
           <a:p>
             <a:r>
               <a:rPr lang="en-US" dirty="0"/>
-              <a:t>Knowledge</a:t>
+              <a:t>Data</a:t>
             </a:r>
           </a:p>
           <a:p>
             <a:pPr lvl="1"/>
             <a:r>
               <a:rPr lang="en-US" dirty="0"/>
-              <a:t>Derived from information, experience, and </a:t>
-            </a:r>
-            <a:r>
-              <a:rPr lang="en-US" b="1" dirty="0"/>
-              <a:t>understanding</a:t>
+              <a:t>Collection of numbers, symbols, text, </a:t>
+            </a:r>
+            <a:r>
+              <a:rPr lang="en-US" i="1" dirty="0"/>
+              <a:t>etc.</a:t>
+            </a:r>
+          </a:p>
+          <a:p>
+            <a:pPr lvl="1"/>
+            <a:r>
+              <a:rPr lang="en-US" dirty="0"/>
+              <a:t>It has value only because it was recorded and exists.</a:t>
+            </a:r>
+          </a:p>
+          <a:p>
+            <a:pPr lvl="1"/>
+            <a:r>
+              <a:rPr lang="en-US" dirty="0"/>
+              <a:t>Example: Timeseries representation of temperature, relative humidity, and precipitation.</a:t>
+            </a:r>
+          </a:p>
+          <a:p>
+            <a:r>
+              <a:rPr lang="en-US" dirty="0"/>
+              <a:t>Information</a:t>
+            </a:r>
+          </a:p>
+          <a:p>
+            <a:pPr lvl="1"/>
+            <a:r>
+              <a:rPr lang="en-US" dirty="0"/>
+              <a:t>Facts gleaned from data</a:t>
+            </a:r>
+          </a:p>
+          <a:p>
+            <a:pPr lvl="1"/>
+            <a:r>
+              <a:rPr lang="en-US" dirty="0"/>
+              <a:t>Answers questions such as who, what, when, how much, how long, </a:t>
+            </a:r>
+            <a:r>
+              <a:rPr lang="en-US" i="1" dirty="0"/>
+              <a:t>etc</a:t>
             </a:r>
             <a:r>
               <a:rPr lang="en-US" dirty="0"/>
@@ -10365,104 +11185,8 @@
           <a:p>
             <a:pPr lvl="1"/>
             <a:r>
-              <a:rPr lang="en-US" b="1" dirty="0"/>
-              <a:t>Example</a:t>
-            </a:r>
-            <a:r>
-              <a:rPr lang="en-US" dirty="0"/>
-              <a:t>: When relative humidity levels are high and the temperature drops, there is an increased probability of precipitation. </a:t>
-            </a:r>
-            <a:r>
-              <a:rPr lang="en-US" dirty="0">
-                <a:solidFill>
-                  <a:srgbClr val="FF0000"/>
-                </a:solidFill>
-              </a:rPr>
-              <a:t>TODO: Add in better paragraph.</a:t>
-            </a:r>
-          </a:p>
-          <a:p>
-            <a:r>
-              <a:rPr lang="en-US" dirty="0"/>
-              <a:t>Understanding</a:t>
-            </a:r>
-          </a:p>
-          <a:p>
-            <a:pPr lvl="1"/>
-            <a:r>
-              <a:rPr lang="en-US" dirty="0"/>
-              <a:t>A deep theoretical background in and practical experience with the system whose data was acquired and studied?</a:t>
-            </a:r>
-          </a:p>
-          <a:p>
-            <a:pPr lvl="1"/>
-            <a:r>
-              <a:rPr lang="en-US" dirty="0"/>
-              <a:t>The ability to explain why?</a:t>
-            </a:r>
-          </a:p>
-          <a:p>
-            <a:pPr lvl="1"/>
-            <a:r>
-              <a:rPr lang="en-US" dirty="0"/>
-              <a:t>“Understanding is a kind of ecstasy” – Carl Sagan </a:t>
-            </a:r>
-          </a:p>
-          <a:p>
-            <a:pPr lvl="1"/>
-            <a:r>
-              <a:rPr lang="en-US" b="1" dirty="0"/>
-              <a:t>Example</a:t>
-            </a:r>
-            <a:r>
-              <a:rPr lang="en-US" dirty="0"/>
-              <a:t>: A meteorologist could explain at different levels of detail how the atmosphere works to justify the knowledge.</a:t>
-            </a:r>
-          </a:p>
-          <a:p>
-            <a:pPr marL="0" indent="0">
-              <a:buNone/>
-            </a:pPr>
-            <a:endParaRPr lang="en-US" dirty="0"/>
-          </a:p>
-        </p:txBody>
-      </p:sp>
-      <p:sp>
-        <p:nvSpPr>
-          <p:cNvPr id="4" name="TextBox 3">
-            <a:extLst>
-              <a:ext uri="{FF2B5EF4-FFF2-40B4-BE49-F238E27FC236}">
-                <a16:creationId xmlns:a16="http://schemas.microsoft.com/office/drawing/2014/main" id="{F55B5B07-2D57-D639-458E-BFF94A99FE7A}"/>
-              </a:ext>
-            </a:extLst>
-          </p:cNvPr>
-          <p:cNvSpPr txBox="1"/>
-          <p:nvPr/>
-        </p:nvSpPr>
-        <p:spPr>
-          <a:xfrm>
-            <a:off x="2057954" y="5311200"/>
-            <a:ext cx="8072916" cy="517065"/>
-          </a:xfrm>
-          <a:prstGeom prst="rect">
-            <a:avLst/>
-          </a:prstGeom>
-          <a:noFill/>
-        </p:spPr>
-        <p:txBody>
-          <a:bodyPr wrap="none" lIns="118872" tIns="91440" rIns="118872" bIns="91440" rtlCol="0" anchor="ctr" anchorCtr="0">
-            <a:spAutoFit/>
-          </a:bodyPr>
-          <a:lstStyle/>
-          <a:p>
-            <a:pPr algn="l">
-              <a:lnSpc>
-                <a:spcPct val="90000"/>
-              </a:lnSpc>
-            </a:pPr>
-            <a:r>
-              <a:rPr lang="en-US" sz="2400" dirty="0"/>
-              <a:t>You can share knowledge, can you share understanding?</a:t>
+              <a:rPr lang="en-US" dirty="0"/>
+              <a:t>Example: Starting at 2pm the temperature dropped by 5ºF over 15 minutes.  At 2:05 pm it started to rain and 0.25” of rain was accumulated over the next 30 minutes.</a:t>
             </a:r>
           </a:p>
         </p:txBody>
@@ -10470,7 +11194,7 @@
     </p:spTree>
     <p:extLst>
       <p:ext uri="{BB962C8B-B14F-4D97-AF65-F5344CB8AC3E}">
-        <p14:creationId xmlns:p14="http://schemas.microsoft.com/office/powerpoint/2010/main" val="2366589001"/>
+        <p14:creationId xmlns:p14="http://schemas.microsoft.com/office/powerpoint/2010/main" val="2193434764"/>
       </p:ext>
     </p:extLst>
   </p:cSld>
@@ -10502,7 +11226,7 @@
           <p:cNvPr id="2" name="Title 1">
             <a:extLst>
               <a:ext uri="{FF2B5EF4-FFF2-40B4-BE49-F238E27FC236}">
-                <a16:creationId xmlns:a16="http://schemas.microsoft.com/office/drawing/2014/main" id="{923FF528-4ADA-DA4E-A959-E1EFEAD4DC5A}"/>
+                <a16:creationId xmlns:a16="http://schemas.microsoft.com/office/drawing/2014/main" id="{D058ED4F-BC78-0A36-F75C-E4005B3DFBAE}"/>
               </a:ext>
             </a:extLst>
           </p:cNvPr>
@@ -10520,12 +11244,8 @@
           <a:p>
             <a:r>
               <a:rPr lang="en-US" dirty="0"/>
-              <a:t>Obligatory Einstein Quote</a:t>
-            </a:r>
-            <a:br>
-              <a:rPr lang="en-US" dirty="0"/>
-            </a:br>
-            <a:endParaRPr lang="en-US" dirty="0"/>
+              <a:t>Knowledge &amp; Understanding</a:t>
+            </a:r>
           </a:p>
         </p:txBody>
       </p:sp>
@@ -10534,7 +11254,7 @@
           <p:cNvPr id="3" name="Content Placeholder 2">
             <a:extLst>
               <a:ext uri="{FF2B5EF4-FFF2-40B4-BE49-F238E27FC236}">
-                <a16:creationId xmlns:a16="http://schemas.microsoft.com/office/drawing/2014/main" id="{B1C4588A-E6F1-E870-2F2D-600085D93BB1}"/>
+                <a16:creationId xmlns:a16="http://schemas.microsoft.com/office/drawing/2014/main" id="{3EC7F33F-88DD-3100-7BF9-E8C247CEEC72}"/>
               </a:ext>
             </a:extLst>
           </p:cNvPr>
@@ -10547,33 +11267,86 @@
         </p:nvSpPr>
         <p:spPr>
           <a:xfrm>
-            <a:off x="1167009" y="1602040"/>
-            <a:ext cx="10028971" cy="4047778"/>
+            <a:off x="365760" y="1196184"/>
+            <a:ext cx="11369809" cy="4047778"/>
           </a:xfrm>
         </p:spPr>
         <p:txBody>
           <a:bodyPr/>
           <a:lstStyle/>
           <a:p>
-            <a:pPr marL="0" indent="0">
-              <a:buNone/>
-            </a:pPr>
-            <a:r>
-              <a:rPr lang="en-US" sz="3600" dirty="0"/>
-              <a:t>“Any fool can know. The point is to understand.” </a:t>
-            </a:r>
-          </a:p>
-          <a:p>
-            <a:pPr marL="0" indent="0">
-              <a:buNone/>
-            </a:pPr>
-            <a:r>
-              <a:rPr lang="en-US" dirty="0"/>
-              <a:t>	- </a:t>
-            </a:r>
-            <a:r>
-              <a:rPr lang="en-US" sz="2800" dirty="0"/>
-              <a:t>Albert Einstein</a:t>
+            <a:r>
+              <a:rPr lang="en-US" dirty="0"/>
+              <a:t>Knowledge</a:t>
+            </a:r>
+          </a:p>
+          <a:p>
+            <a:pPr lvl="1"/>
+            <a:r>
+              <a:rPr lang="en-US" dirty="0"/>
+              <a:t>Derived from information, experience, and </a:t>
+            </a:r>
+            <a:r>
+              <a:rPr lang="en-US" b="1" dirty="0"/>
+              <a:t>understanding</a:t>
+            </a:r>
+            <a:r>
+              <a:rPr lang="en-US" dirty="0"/>
+              <a:t>.</a:t>
+            </a:r>
+          </a:p>
+          <a:p>
+            <a:pPr lvl="1"/>
+            <a:r>
+              <a:rPr lang="en-US" b="1" dirty="0"/>
+              <a:t>Example</a:t>
+            </a:r>
+            <a:r>
+              <a:rPr lang="en-US" dirty="0"/>
+              <a:t>: When relative humidity levels are high and the temperature drops substantially, there is an increased probability of precipitation.</a:t>
+            </a:r>
+            <a:endParaRPr lang="en-US" dirty="0">
+              <a:solidFill>
+                <a:srgbClr val="FF0000"/>
+              </a:solidFill>
+            </a:endParaRPr>
+          </a:p>
+          <a:p>
+            <a:r>
+              <a:rPr lang="en-US" dirty="0"/>
+              <a:t>Understanding</a:t>
+            </a:r>
+          </a:p>
+          <a:p>
+            <a:pPr lvl="1"/>
+            <a:r>
+              <a:rPr lang="en-US" dirty="0"/>
+              <a:t>“Understanding is a kind of ecstasy” – Carl Sagan </a:t>
+            </a:r>
+          </a:p>
+          <a:p>
+            <a:pPr lvl="1"/>
+            <a:r>
+              <a:rPr lang="en-US" dirty="0"/>
+              <a:t>A deep theoretical background in and practical experience with the system whose data was acquired and studied?</a:t>
+            </a:r>
+          </a:p>
+          <a:p>
+            <a:pPr lvl="1"/>
+            <a:r>
+              <a:rPr lang="en-US" dirty="0"/>
+              <a:t>The ability to explain why?</a:t>
+            </a:r>
+          </a:p>
+          <a:p>
+            <a:pPr lvl="1"/>
+            <a:r>
+              <a:rPr lang="en-US" b="1" dirty="0"/>
+              <a:t>Example</a:t>
+            </a:r>
+            <a:r>
+              <a:rPr lang="en-US" dirty="0"/>
+              <a:t>: A meteorologist could explain at different levels of detail how the atmosphere works to justify the knowledge.</a:t>
             </a:r>
           </a:p>
           <a:p>
@@ -10589,7 +11362,7 @@
           <p:cNvPr id="4" name="TextBox 3">
             <a:extLst>
               <a:ext uri="{FF2B5EF4-FFF2-40B4-BE49-F238E27FC236}">
-                <a16:creationId xmlns:a16="http://schemas.microsoft.com/office/drawing/2014/main" id="{DCA5C706-847F-F402-A9B0-751B368A165A}"/>
+                <a16:creationId xmlns:a16="http://schemas.microsoft.com/office/drawing/2014/main" id="{F55B5B07-2D57-D639-458E-BFF94A99FE7A}"/>
               </a:ext>
             </a:extLst>
           </p:cNvPr>
@@ -10598,8 +11371,8 @@
         </p:nvSpPr>
         <p:spPr>
           <a:xfrm>
-            <a:off x="992845" y="3391983"/>
-            <a:ext cx="9707880" cy="3093154"/>
+            <a:off x="2057954" y="5341680"/>
+            <a:ext cx="8072916" cy="517065"/>
           </a:xfrm>
           <a:prstGeom prst="rect">
             <a:avLst/>
@@ -10607,87 +11380,27 @@
           <a:noFill/>
         </p:spPr>
         <p:txBody>
-          <a:bodyPr wrap="square" lIns="118872" tIns="91440" rIns="118872" bIns="91440" rtlCol="0" anchor="ctr" anchorCtr="0">
+          <a:bodyPr wrap="none" lIns="118872" tIns="91440" rIns="118872" bIns="91440" rtlCol="0" anchor="ctr" anchorCtr="0">
             <a:spAutoFit/>
           </a:bodyPr>
           <a:lstStyle/>
-          <a:p>
-            <a:pPr marL="285750" indent="-285750">
-              <a:lnSpc>
-                <a:spcPct val="90000"/>
-              </a:lnSpc>
-              <a:buFont typeface="Arial" panose="020B0604020202020204" pitchFamily="34" charset="0"/>
-              <a:buChar char="•"/>
-            </a:pPr>
-            <a:r>
-              <a:rPr lang="en-US" sz="2400" dirty="0"/>
-              <a:t>Is understanding always the ultimate goal?</a:t>
-            </a:r>
-          </a:p>
-          <a:p>
-            <a:pPr marL="285750" indent="-285750">
-              <a:lnSpc>
-                <a:spcPct val="90000"/>
-              </a:lnSpc>
-              <a:buFont typeface="Arial" panose="020B0604020202020204" pitchFamily="34" charset="0"/>
-              <a:buChar char="•"/>
-            </a:pPr>
-            <a:r>
-              <a:rPr lang="en-US" sz="2400" dirty="0"/>
-              <a:t>Are there times when mere knowledge is sufficient?</a:t>
-            </a:r>
-          </a:p>
-          <a:p>
-            <a:pPr marL="285750" indent="-285750">
-              <a:lnSpc>
-                <a:spcPct val="90000"/>
-              </a:lnSpc>
-              <a:buFont typeface="Arial" panose="020B0604020202020204" pitchFamily="34" charset="0"/>
-              <a:buChar char="•"/>
-            </a:pPr>
-            <a:endParaRPr lang="en-US" sz="2400" dirty="0"/>
-          </a:p>
-          <a:p>
-            <a:pPr>
-              <a:lnSpc>
-                <a:spcPct val="90000"/>
-              </a:lnSpc>
-            </a:pPr>
-            <a:endParaRPr lang="en-US" sz="2400" dirty="0"/>
-          </a:p>
-          <a:p>
-            <a:pPr algn="ctr">
-              <a:lnSpc>
-                <a:spcPct val="90000"/>
-              </a:lnSpc>
-            </a:pPr>
-            <a:r>
-              <a:rPr lang="en-US" sz="2400" dirty="0"/>
-              <a:t>I don’t need to understand atmospheric science or weather prediction.  I just need basic knowledge to determine if I should take an umbrella with me.</a:t>
-            </a:r>
-          </a:p>
-          <a:p>
-            <a:pPr>
-              <a:lnSpc>
-                <a:spcPct val="90000"/>
-              </a:lnSpc>
-            </a:pPr>
-            <a:endParaRPr lang="en-US" sz="2400" dirty="0"/>
-          </a:p>
           <a:p>
             <a:pPr algn="l">
               <a:lnSpc>
                 <a:spcPct val="90000"/>
               </a:lnSpc>
             </a:pPr>
-            <a:endParaRPr lang="en-US" dirty="0"/>
+            <a:r>
+              <a:rPr lang="en-US" sz="2400" dirty="0"/>
+              <a:t>You can share knowledge, can you share understanding?</a:t>
+            </a:r>
           </a:p>
         </p:txBody>
       </p:sp>
     </p:spTree>
     <p:extLst>
       <p:ext uri="{BB962C8B-B14F-4D97-AF65-F5344CB8AC3E}">
-        <p14:creationId xmlns:p14="http://schemas.microsoft.com/office/powerpoint/2010/main" val="3553658350"/>
+        <p14:creationId xmlns:p14="http://schemas.microsoft.com/office/powerpoint/2010/main" val="2366589001"/>
       </p:ext>
     </p:extLst>
   </p:cSld>
@@ -10719,7 +11432,7 @@
           <p:cNvPr id="2" name="Title 1">
             <a:extLst>
               <a:ext uri="{FF2B5EF4-FFF2-40B4-BE49-F238E27FC236}">
-                <a16:creationId xmlns:a16="http://schemas.microsoft.com/office/drawing/2014/main" id="{4B0C36B9-6C84-3FAA-9EB8-F4892CA417F6}"/>
+                <a16:creationId xmlns:a16="http://schemas.microsoft.com/office/drawing/2014/main" id="{923FF528-4ADA-DA4E-A959-E1EFEAD4DC5A}"/>
               </a:ext>
             </a:extLst>
           </p:cNvPr>
@@ -10737,7 +11450,7 @@
           <a:p>
             <a:r>
               <a:rPr lang="en-US" dirty="0"/>
-              <a:t>Sometimes we just want “good enough”</a:t>
+              <a:t>Obligatory Einstein Quote</a:t>
             </a:r>
             <a:br>
               <a:rPr lang="en-US" dirty="0"/>
@@ -10751,7 +11464,7 @@
           <p:cNvPr id="3" name="Content Placeholder 2">
             <a:extLst>
               <a:ext uri="{FF2B5EF4-FFF2-40B4-BE49-F238E27FC236}">
-                <a16:creationId xmlns:a16="http://schemas.microsoft.com/office/drawing/2014/main" id="{91CD74C3-5BD5-8A90-67BE-B26792277680}"/>
+                <a16:creationId xmlns:a16="http://schemas.microsoft.com/office/drawing/2014/main" id="{B1C4588A-E6F1-E870-2F2D-600085D93BB1}"/>
               </a:ext>
             </a:extLst>
           </p:cNvPr>
@@ -10762,56 +11475,141 @@
             <p:ph idx="1"/>
           </p:nvPr>
         </p:nvSpPr>
-        <p:spPr/>
+        <p:spPr>
+          <a:xfrm>
+            <a:off x="1167009" y="1602040"/>
+            <a:ext cx="10028971" cy="4047778"/>
+          </a:xfrm>
+        </p:spPr>
         <p:txBody>
           <a:bodyPr/>
           <a:lstStyle/>
           <a:p>
-            <a:r>
-              <a:rPr lang="en-US" dirty="0"/>
-              <a:t>Not every developer needs to be an expert in git</a:t>
-            </a:r>
-          </a:p>
-          <a:p>
-            <a:r>
-              <a:rPr lang="en-US" dirty="0"/>
-              <a:t>We want the people designing the rules of how we use and interact through git to have </a:t>
-            </a:r>
-            <a:r>
-              <a:rPr lang="en-US" b="1" dirty="0"/>
-              <a:t>understanding</a:t>
-            </a:r>
-            <a:r>
-              <a:rPr lang="en-US" dirty="0"/>
-              <a:t> so that collaborating in git requires minimal git </a:t>
-            </a:r>
-            <a:r>
-              <a:rPr lang="en-US" b="1" dirty="0"/>
-              <a:t>knowledge</a:t>
-            </a:r>
-          </a:p>
-          <a:p>
-            <a:pPr lvl="1"/>
-            <a:r>
-              <a:rPr lang="en-US" dirty="0"/>
-              <a:t>This workflow should protect code so that we can’t do damage</a:t>
-            </a:r>
-          </a:p>
-          <a:p>
-            <a:pPr lvl="1"/>
-            <a:r>
-              <a:rPr lang="en-US" dirty="0"/>
-              <a:t>Focus on the development/testing and not on git</a:t>
-            </a:r>
-          </a:p>
-          <a:p>
-            <a:pPr lvl="1"/>
-            <a:r>
-              <a:rPr lang="en-US" dirty="0"/>
-              <a:t>Lower barrier for newcomers</a:t>
-            </a:r>
-          </a:p>
-          <a:p>
+            <a:pPr marL="0" indent="0">
+              <a:buNone/>
+            </a:pPr>
+            <a:r>
+              <a:rPr lang="en-US" sz="3600" dirty="0"/>
+              <a:t>“Any fool can know. The point is to understand.” </a:t>
+            </a:r>
+          </a:p>
+          <a:p>
+            <a:pPr marL="0" indent="0">
+              <a:buNone/>
+            </a:pPr>
+            <a:r>
+              <a:rPr lang="en-US" dirty="0"/>
+              <a:t>	- </a:t>
+            </a:r>
+            <a:r>
+              <a:rPr lang="en-US" sz="2800" dirty="0"/>
+              <a:t>Albert Einstein</a:t>
+            </a:r>
+          </a:p>
+          <a:p>
+            <a:pPr marL="0" indent="0">
+              <a:buNone/>
+            </a:pPr>
+            <a:endParaRPr lang="en-US" dirty="0"/>
+          </a:p>
+        </p:txBody>
+      </p:sp>
+      <p:sp>
+        <p:nvSpPr>
+          <p:cNvPr id="4" name="TextBox 3">
+            <a:extLst>
+              <a:ext uri="{FF2B5EF4-FFF2-40B4-BE49-F238E27FC236}">
+                <a16:creationId xmlns:a16="http://schemas.microsoft.com/office/drawing/2014/main" id="{DCA5C706-847F-F402-A9B0-751B368A165A}"/>
+              </a:ext>
+            </a:extLst>
+          </p:cNvPr>
+          <p:cNvSpPr txBox="1"/>
+          <p:nvPr/>
+        </p:nvSpPr>
+        <p:spPr>
+          <a:xfrm>
+            <a:off x="992845" y="3391983"/>
+            <a:ext cx="9707880" cy="3093154"/>
+          </a:xfrm>
+          <a:prstGeom prst="rect">
+            <a:avLst/>
+          </a:prstGeom>
+          <a:noFill/>
+        </p:spPr>
+        <p:txBody>
+          <a:bodyPr wrap="square" lIns="118872" tIns="91440" rIns="118872" bIns="91440" rtlCol="0" anchor="ctr" anchorCtr="0">
+            <a:spAutoFit/>
+          </a:bodyPr>
+          <a:lstStyle/>
+          <a:p>
+            <a:pPr marL="285750" indent="-285750">
+              <a:lnSpc>
+                <a:spcPct val="90000"/>
+              </a:lnSpc>
+              <a:buFont typeface="Arial" panose="020B0604020202020204" pitchFamily="34" charset="0"/>
+              <a:buChar char="•"/>
+            </a:pPr>
+            <a:r>
+              <a:rPr lang="en-US" sz="2400" dirty="0"/>
+              <a:t>Is understanding always the ultimate goal?</a:t>
+            </a:r>
+          </a:p>
+          <a:p>
+            <a:pPr marL="285750" indent="-285750">
+              <a:lnSpc>
+                <a:spcPct val="90000"/>
+              </a:lnSpc>
+              <a:buFont typeface="Arial" panose="020B0604020202020204" pitchFamily="34" charset="0"/>
+              <a:buChar char="•"/>
+            </a:pPr>
+            <a:r>
+              <a:rPr lang="en-US" sz="2400" dirty="0"/>
+              <a:t>Are there times when mere knowledge is sufficient?</a:t>
+            </a:r>
+          </a:p>
+          <a:p>
+            <a:pPr marL="285750" indent="-285750">
+              <a:lnSpc>
+                <a:spcPct val="90000"/>
+              </a:lnSpc>
+              <a:buFont typeface="Arial" panose="020B0604020202020204" pitchFamily="34" charset="0"/>
+              <a:buChar char="•"/>
+            </a:pPr>
+            <a:endParaRPr lang="en-US" sz="2400" dirty="0"/>
+          </a:p>
+          <a:p>
+            <a:pPr>
+              <a:lnSpc>
+                <a:spcPct val="90000"/>
+              </a:lnSpc>
+            </a:pPr>
+            <a:endParaRPr lang="en-US" sz="2400" dirty="0"/>
+          </a:p>
+          <a:p>
+            <a:pPr algn="ctr">
+              <a:lnSpc>
+                <a:spcPct val="90000"/>
+              </a:lnSpc>
+            </a:pPr>
+            <a:r>
+              <a:rPr lang="en-US" sz="2400" dirty="0"/>
+              <a:t>I don’t need to understand atmospheric science or weather prediction.  I just need basic knowledge to determine if I should take an umbrella with me.</a:t>
+            </a:r>
+          </a:p>
+          <a:p>
+            <a:pPr>
+              <a:lnSpc>
+                <a:spcPct val="90000"/>
+              </a:lnSpc>
+            </a:pPr>
+            <a:endParaRPr lang="en-US" sz="2400" dirty="0"/>
+          </a:p>
+          <a:p>
+            <a:pPr algn="l">
+              <a:lnSpc>
+                <a:spcPct val="90000"/>
+              </a:lnSpc>
+            </a:pPr>
             <a:endParaRPr lang="en-US" dirty="0"/>
           </a:p>
         </p:txBody>
@@ -10819,7 +11617,7 @@
     </p:spTree>
     <p:extLst>
       <p:ext uri="{BB962C8B-B14F-4D97-AF65-F5344CB8AC3E}">
-        <p14:creationId xmlns:p14="http://schemas.microsoft.com/office/powerpoint/2010/main" val="2408602807"/>
+        <p14:creationId xmlns:p14="http://schemas.microsoft.com/office/powerpoint/2010/main" val="3553658350"/>
       </p:ext>
     </p:extLst>
   </p:cSld>

--- a/lab-notebooks.pptx
+++ b/lab-notebooks.pptx
@@ -788,6 +788,41 @@
             <a:endParaRPr lang="en-US" dirty="0"/>
           </a:p>
           <a:p>
+            <a:pPr marL="0" marR="0" lvl="0" indent="0" algn="l" defTabSz="914400" rtl="0" eaLnBrk="1" fontAlgn="auto" latinLnBrk="0" hangingPunct="1">
+              <a:lnSpc>
+                <a:spcPct val="100000"/>
+              </a:lnSpc>
+              <a:spcBef>
+                <a:spcPts val="0"/>
+              </a:spcBef>
+              <a:spcAft>
+                <a:spcPts val="0"/>
+              </a:spcAft>
+              <a:buClrTx/>
+              <a:buSzTx/>
+              <a:buFontTx/>
+              <a:buNone/>
+              <a:tabLst/>
+              <a:defRPr/>
+            </a:pPr>
+            <a:r>
+              <a:rPr lang="en-US" sz="1200" kern="1200" dirty="0">
+                <a:solidFill>
+                  <a:schemeClr val="tx1"/>
+                </a:solidFill>
+                <a:effectLst/>
+                <a:latin typeface="+mn-lt"/>
+                <a:ea typeface="+mn-ea"/>
+                <a:cs typeface="+mn-cs"/>
+              </a:rPr>
+              <a:t>This talk has grown from many interesting conversations that I have had with a variety of different computational sciences.  This includes different disciplines and different experience levels.  When I have these conversations, all parties generally tend to learn something.  This module will continue along those lines.  I am not here to convince anyone of anything.  I am not here to preach.  I am just here to present a novel experience. </a:t>
+            </a:r>
+            <a:endParaRPr lang="en-US" dirty="0"/>
+          </a:p>
+          <a:p>
+            <a:endParaRPr lang="en-US" dirty="0"/>
+          </a:p>
+          <a:p>
             <a:r>
               <a:rPr lang="en-US" dirty="0"/>
               <a:t>If you look at the content of this </a:t>
@@ -905,7 +940,7 @@
           <a:p>
             <a:r>
               <a:rPr lang="en-US" dirty="0"/>
-              <a:t>I believe that this is also known as debriefing.</a:t>
+              <a:t>Really most any project benefits from some sort of knowledge management.  </a:t>
             </a:r>
           </a:p>
           <a:p>
@@ -914,7 +949,16 @@
           <a:p>
             <a:r>
               <a:rPr lang="en-US" dirty="0"/>
-              <a:t>When we go through experiences we can grow and improve.  But processes exist to help us maximize that growth and improvement.</a:t>
+              <a:t>The key is first to recognize when knowledge is generated.  Once I became aware of this classification and began to think in terms of it, it became easier for me to recognize knowledge generation.  It’s as if a bell goes off in my brain that indicates we need to record what was just said.</a:t>
+            </a:r>
+          </a:p>
+          <a:p>
+            <a:endParaRPr lang="en-US" dirty="0"/>
+          </a:p>
+          <a:p>
+            <a:r>
+              <a:rPr lang="en-US" dirty="0"/>
+              <a:t>The answer to the question is ”clearly no”,  We need to communicate to our future selves for the sake of productivity and reproducible research.</a:t>
             </a:r>
           </a:p>
         </p:txBody>
@@ -936,7 +980,7 @@
           <a:p>
             <a:fld id="{54E672D7-8E2D-4611-973D-F4591A707C34}" type="slidenum">
               <a:rPr lang="en-US" smtClean="0"/>
-              <a:t>12</a:t>
+              <a:t>11</a:t>
             </a:fld>
             <a:endParaRPr lang="en-US"/>
           </a:p>
@@ -945,7 +989,7 @@
     </p:spTree>
     <p:extLst>
       <p:ext uri="{BB962C8B-B14F-4D97-AF65-F5344CB8AC3E}">
-        <p14:creationId xmlns:p14="http://schemas.microsoft.com/office/powerpoint/2010/main" val="3152359200"/>
+        <p14:creationId xmlns:p14="http://schemas.microsoft.com/office/powerpoint/2010/main" val="1399277158"/>
       </p:ext>
     </p:extLst>
   </p:cSld>
@@ -1001,7 +1045,16 @@
           <a:p>
             <a:r>
               <a:rPr lang="en-US" dirty="0"/>
-              <a:t>Not all documents are alike.</a:t>
+              <a:t>I believe that this is also known as debriefing.</a:t>
+            </a:r>
+          </a:p>
+          <a:p>
+            <a:endParaRPr lang="en-US" dirty="0"/>
+          </a:p>
+          <a:p>
+            <a:r>
+              <a:rPr lang="en-US" dirty="0"/>
+              <a:t>When we go through experiences we can grow and improve.  But processes exist to help us maximize that growth and improvement.</a:t>
             </a:r>
           </a:p>
         </p:txBody>
@@ -1023,7 +1076,7 @@
           <a:p>
             <a:fld id="{54E672D7-8E2D-4611-973D-F4591A707C34}" type="slidenum">
               <a:rPr lang="en-US" smtClean="0"/>
-              <a:t>13</a:t>
+              <a:t>12</a:t>
             </a:fld>
             <a:endParaRPr lang="en-US"/>
           </a:p>
@@ -1032,7 +1085,7 @@
     </p:spTree>
     <p:extLst>
       <p:ext uri="{BB962C8B-B14F-4D97-AF65-F5344CB8AC3E}">
-        <p14:creationId xmlns:p14="http://schemas.microsoft.com/office/powerpoint/2010/main" val="4157260062"/>
+        <p14:creationId xmlns:p14="http://schemas.microsoft.com/office/powerpoint/2010/main" val="3152359200"/>
       </p:ext>
     </p:extLst>
   </p:cSld>
@@ -1088,7 +1141,7 @@
           <a:p>
             <a:r>
               <a:rPr lang="en-US" dirty="0"/>
-              <a:t>Automated is in quotes because the TIOs and astronomers still needed to input information into a system.  But there was a process for them to input such data into tools that aggregated their input with other notes.</a:t>
+              <a:t>Not all documents are alike.</a:t>
             </a:r>
           </a:p>
         </p:txBody>
@@ -1110,7 +1163,7 @@
           <a:p>
             <a:fld id="{54E672D7-8E2D-4611-973D-F4591A707C34}" type="slidenum">
               <a:rPr lang="en-US" smtClean="0"/>
-              <a:t>14</a:t>
+              <a:t>13</a:t>
             </a:fld>
             <a:endParaRPr lang="en-US"/>
           </a:p>
@@ -1119,7 +1172,7 @@
     </p:spTree>
     <p:extLst>
       <p:ext uri="{BB962C8B-B14F-4D97-AF65-F5344CB8AC3E}">
-        <p14:creationId xmlns:p14="http://schemas.microsoft.com/office/powerpoint/2010/main" val="2141150432"/>
+        <p14:creationId xmlns:p14="http://schemas.microsoft.com/office/powerpoint/2010/main" val="4157260062"/>
       </p:ext>
     </p:extLst>
   </p:cSld>
@@ -1175,124 +1228,7 @@
           <a:p>
             <a:r>
               <a:rPr lang="en-US" dirty="0"/>
-              <a:t>Reasons why the bad is indeed bad.</a:t>
-            </a:r>
-          </a:p>
-          <a:p>
-            <a:pPr marL="171450" indent="-171450">
-              <a:buFont typeface="Arial" panose="020B0604020202020204" pitchFamily="34" charset="0"/>
-              <a:buChar char="•"/>
-            </a:pPr>
-            <a:r>
-              <a:rPr lang="en-US" dirty="0"/>
-              <a:t>Not at all comprehensive.</a:t>
-            </a:r>
-          </a:p>
-          <a:p>
-            <a:pPr marL="171450" indent="-171450">
-              <a:buFont typeface="Arial" panose="020B0604020202020204" pitchFamily="34" charset="0"/>
-              <a:buChar char="•"/>
-            </a:pPr>
-            <a:r>
-              <a:rPr lang="en-US" dirty="0"/>
-              <a:t>Don’t explain what the bug is.</a:t>
-            </a:r>
-          </a:p>
-          <a:p>
-            <a:pPr marL="171450" indent="-171450">
-              <a:buFont typeface="Arial" panose="020B0604020202020204" pitchFamily="34" charset="0"/>
-              <a:buChar char="•"/>
-            </a:pPr>
-            <a:r>
-              <a:rPr lang="en-US" dirty="0"/>
-              <a:t>Didn’t explain what library nor what the issue was with the bug.</a:t>
-            </a:r>
-          </a:p>
-          <a:p>
-            <a:pPr marL="171450" indent="-171450">
-              <a:buFont typeface="Arial" panose="020B0604020202020204" pitchFamily="34" charset="0"/>
-              <a:buChar char="•"/>
-            </a:pPr>
-            <a:r>
-              <a:rPr lang="en-US" dirty="0"/>
-              <a:t>Didn’t explain if tests were failing before and if so, which and how.</a:t>
-            </a:r>
-          </a:p>
-          <a:p>
-            <a:pPr marL="171450" indent="-171450">
-              <a:buFont typeface="Arial" panose="020B0604020202020204" pitchFamily="34" charset="0"/>
-              <a:buChar char="•"/>
-            </a:pPr>
-            <a:r>
-              <a:rPr lang="en-US" dirty="0"/>
-              <a:t>It was a lot of work.  Some details about how the debugging progressed my be useful for others or for future me.  If we had done this well, such notes might serve as a procedure for finding similar bugs in the future.</a:t>
-            </a:r>
-          </a:p>
-          <a:p>
-            <a:pPr marL="171450" indent="-171450">
-              <a:buFont typeface="Arial" panose="020B0604020202020204" pitchFamily="34" charset="0"/>
-              <a:buChar char="•"/>
-            </a:pPr>
-            <a:endParaRPr lang="en-US" dirty="0"/>
-          </a:p>
-          <a:p>
-            <a:pPr marL="171450" indent="-171450">
-              <a:buFont typeface="Arial" panose="020B0604020202020204" pitchFamily="34" charset="0"/>
-              <a:buChar char="•"/>
-            </a:pPr>
-            <a:r>
-              <a:rPr lang="en-US" dirty="0"/>
-              <a:t>Doesn’t need to be exhaustive.  I can just leave myself some bread crumbs with the expectation that writing notes is easier, but recreating notes could be time consuming should I ever need to do so.</a:t>
-            </a:r>
-          </a:p>
-          <a:p>
-            <a:pPr marL="171450" indent="-171450">
-              <a:buFont typeface="Arial" panose="020B0604020202020204" pitchFamily="34" charset="0"/>
-              <a:buChar char="•"/>
-            </a:pPr>
-            <a:r>
-              <a:rPr lang="en-US" dirty="0"/>
-              <a:t>Are the bread crumbs enough?  Can they determine what flags are implied by debug version?  What about the full SW stack?  What about the SW stack for the analysis?  Is such detail needed for this stage of work and if not, is that filtering?</a:t>
-            </a:r>
-          </a:p>
-          <a:p>
-            <a:pPr marL="171450" indent="-171450">
-              <a:buFont typeface="Arial" panose="020B0604020202020204" pitchFamily="34" charset="0"/>
-              <a:buChar char="•"/>
-            </a:pPr>
-            <a:r>
-              <a:rPr lang="en-US" dirty="0"/>
-              <a:t>Note that the build logs are acting as lab notes.</a:t>
-            </a:r>
-          </a:p>
-          <a:p>
-            <a:pPr marL="171450" indent="-171450">
-              <a:buFont typeface="Arial" panose="020B0604020202020204" pitchFamily="34" charset="0"/>
-              <a:buChar char="•"/>
-            </a:pPr>
-            <a:r>
-              <a:rPr lang="en-US" dirty="0"/>
-              <a:t>Note also, that we could have included git information in the build logs to make things simpler.</a:t>
-            </a:r>
-          </a:p>
-          <a:p>
-            <a:pPr marL="171450" indent="-171450">
-              <a:buFont typeface="Arial" panose="020B0604020202020204" pitchFamily="34" charset="0"/>
-              <a:buChar char="•"/>
-            </a:pPr>
-            <a:r>
-              <a:rPr lang="en-US" dirty="0"/>
-              <a:t>We likely should have included a graphic that points out missing peak.  Annotating the graphic with what was expected would be nice.</a:t>
-            </a:r>
-          </a:p>
-          <a:p>
-            <a:pPr marL="171450" indent="-171450">
-              <a:buFont typeface="Arial" panose="020B0604020202020204" pitchFamily="34" charset="0"/>
-              <a:buChar char="•"/>
-            </a:pPr>
-            <a:r>
-              <a:rPr lang="en-US" dirty="0"/>
-              <a:t>The better example is also not great.</a:t>
+              <a:t>Automated is in quotes because the TIOs and astronomers still needed to input information into a system.  But there was a process for them to input such data into tools that aggregated their input with other notes.</a:t>
             </a:r>
           </a:p>
         </p:txBody>
@@ -1314,7 +1250,7 @@
           <a:p>
             <a:fld id="{54E672D7-8E2D-4611-973D-F4591A707C34}" type="slidenum">
               <a:rPr lang="en-US" smtClean="0"/>
-              <a:t>15</a:t>
+              <a:t>14</a:t>
             </a:fld>
             <a:endParaRPr lang="en-US"/>
           </a:p>
@@ -1323,7 +1259,7 @@
     </p:spTree>
     <p:extLst>
       <p:ext uri="{BB962C8B-B14F-4D97-AF65-F5344CB8AC3E}">
-        <p14:creationId xmlns:p14="http://schemas.microsoft.com/office/powerpoint/2010/main" val="1636867555"/>
+        <p14:creationId xmlns:p14="http://schemas.microsoft.com/office/powerpoint/2010/main" val="2141150432"/>
       </p:ext>
     </p:extLst>
   </p:cSld>
@@ -1379,16 +1315,124 @@
           <a:p>
             <a:r>
               <a:rPr lang="en-US" dirty="0"/>
-              <a:t>The filtered lab notebook is from the instrument CRIRES+.  You have a team that has worked on the science verification and interfacing with public (user manual, tools), a team that works on data analysis pipelines (pipeline changes), a distributed team that works on the hardware.  We can imagine that each team maintained a true lab notebook for their work.  These were then filtered and merged for the consumption by public.  </a:t>
-            </a:r>
-          </a:p>
-          <a:p>
+              <a:t>Reasons why the bad is indeed bad.</a:t>
+            </a:r>
+          </a:p>
+          <a:p>
+            <a:pPr marL="171450" indent="-171450">
+              <a:buFont typeface="Arial" panose="020B0604020202020204" pitchFamily="34" charset="0"/>
+              <a:buChar char="•"/>
+            </a:pPr>
+            <a:r>
+              <a:rPr lang="en-US" dirty="0"/>
+              <a:t>Not at all comprehensive.</a:t>
+            </a:r>
+          </a:p>
+          <a:p>
+            <a:pPr marL="171450" indent="-171450">
+              <a:buFont typeface="Arial" panose="020B0604020202020204" pitchFamily="34" charset="0"/>
+              <a:buChar char="•"/>
+            </a:pPr>
+            <a:r>
+              <a:rPr lang="en-US" dirty="0"/>
+              <a:t>Don’t explain what the bug is.</a:t>
+            </a:r>
+          </a:p>
+          <a:p>
+            <a:pPr marL="171450" indent="-171450">
+              <a:buFont typeface="Arial" panose="020B0604020202020204" pitchFamily="34" charset="0"/>
+              <a:buChar char="•"/>
+            </a:pPr>
+            <a:r>
+              <a:rPr lang="en-US" dirty="0"/>
+              <a:t>Didn’t explain what library nor what the issue was with the bug.</a:t>
+            </a:r>
+          </a:p>
+          <a:p>
+            <a:pPr marL="171450" indent="-171450">
+              <a:buFont typeface="Arial" panose="020B0604020202020204" pitchFamily="34" charset="0"/>
+              <a:buChar char="•"/>
+            </a:pPr>
+            <a:r>
+              <a:rPr lang="en-US" dirty="0"/>
+              <a:t>Didn’t explain if tests were failing before and if so, which and how.</a:t>
+            </a:r>
+          </a:p>
+          <a:p>
+            <a:pPr marL="171450" indent="-171450">
+              <a:buFont typeface="Arial" panose="020B0604020202020204" pitchFamily="34" charset="0"/>
+              <a:buChar char="•"/>
+            </a:pPr>
+            <a:r>
+              <a:rPr lang="en-US" dirty="0"/>
+              <a:t>It was a lot of work.  Some details about how the debugging progressed my be useful for others or for future me.  If we had done this well, such notes might serve as a procedure for finding similar bugs in the future.</a:t>
+            </a:r>
+          </a:p>
+          <a:p>
+            <a:pPr marL="171450" indent="-171450">
+              <a:buFont typeface="Arial" panose="020B0604020202020204" pitchFamily="34" charset="0"/>
+              <a:buChar char="•"/>
+            </a:pPr>
             <a:endParaRPr lang="en-US" dirty="0"/>
           </a:p>
           <a:p>
-            <a:r>
-              <a:rPr lang="en-US" dirty="0"/>
-              <a:t>The filtering should not be too strong as one cannot know what details are necessary for all the public scientists to do their work.</a:t>
+            <a:pPr marL="171450" indent="-171450">
+              <a:buFont typeface="Arial" panose="020B0604020202020204" pitchFamily="34" charset="0"/>
+              <a:buChar char="•"/>
+            </a:pPr>
+            <a:r>
+              <a:rPr lang="en-US" dirty="0"/>
+              <a:t>Doesn’t need to be exhaustive.  I can just leave myself some bread crumbs with the expectation that writing notes is easier, but recreating notes could be time consuming should I ever need to do so.</a:t>
+            </a:r>
+          </a:p>
+          <a:p>
+            <a:pPr marL="171450" indent="-171450">
+              <a:buFont typeface="Arial" panose="020B0604020202020204" pitchFamily="34" charset="0"/>
+              <a:buChar char="•"/>
+            </a:pPr>
+            <a:r>
+              <a:rPr lang="en-US" dirty="0"/>
+              <a:t>Are the bread crumbs enough?  Can they determine what flags are implied by debug version?  What about the full SW stack?  What about the SW stack for the analysis?  Is such detail needed for this stage of work and if not, is that filtering?</a:t>
+            </a:r>
+          </a:p>
+          <a:p>
+            <a:pPr marL="171450" indent="-171450">
+              <a:buFont typeface="Arial" panose="020B0604020202020204" pitchFamily="34" charset="0"/>
+              <a:buChar char="•"/>
+            </a:pPr>
+            <a:r>
+              <a:rPr lang="en-US" dirty="0"/>
+              <a:t>Note that the build logs are acting as lab notes.</a:t>
+            </a:r>
+          </a:p>
+          <a:p>
+            <a:pPr marL="171450" indent="-171450">
+              <a:buFont typeface="Arial" panose="020B0604020202020204" pitchFamily="34" charset="0"/>
+              <a:buChar char="•"/>
+            </a:pPr>
+            <a:r>
+              <a:rPr lang="en-US" dirty="0"/>
+              <a:t>Note also, that we could have included git information in the build logs to make things simpler.</a:t>
+            </a:r>
+          </a:p>
+          <a:p>
+            <a:pPr marL="171450" indent="-171450">
+              <a:buFont typeface="Arial" panose="020B0604020202020204" pitchFamily="34" charset="0"/>
+              <a:buChar char="•"/>
+            </a:pPr>
+            <a:r>
+              <a:rPr lang="en-US" dirty="0"/>
+              <a:t>We likely should have included a graphic that points out missing peak.  Annotating the graphic with what was expected would be nice.</a:t>
+            </a:r>
+          </a:p>
+          <a:p>
+            <a:pPr marL="171450" indent="-171450">
+              <a:buFont typeface="Arial" panose="020B0604020202020204" pitchFamily="34" charset="0"/>
+              <a:buChar char="•"/>
+            </a:pPr>
+            <a:r>
+              <a:rPr lang="en-US" dirty="0"/>
+              <a:t>The better example is also not great.</a:t>
             </a:r>
           </a:p>
         </p:txBody>
@@ -1410,7 +1454,7 @@
           <a:p>
             <a:fld id="{54E672D7-8E2D-4611-973D-F4591A707C34}" type="slidenum">
               <a:rPr lang="en-US" smtClean="0"/>
-              <a:t>16</a:t>
+              <a:t>15</a:t>
             </a:fld>
             <a:endParaRPr lang="en-US"/>
           </a:p>
@@ -1419,7 +1463,7 @@
     </p:spTree>
     <p:extLst>
       <p:ext uri="{BB962C8B-B14F-4D97-AF65-F5344CB8AC3E}">
-        <p14:creationId xmlns:p14="http://schemas.microsoft.com/office/powerpoint/2010/main" val="2213378732"/>
+        <p14:creationId xmlns:p14="http://schemas.microsoft.com/office/powerpoint/2010/main" val="1636867555"/>
       </p:ext>
     </p:extLst>
   </p:cSld>
@@ -1475,7 +1519,7 @@
           <a:p>
             <a:r>
               <a:rPr lang="en-US" dirty="0"/>
-              <a:t>Ask if any of the attendees ever sensed in their gut that things were not being done sufficiently cleanly or well.  Does this notion of inventing techniques resonate with them?  Have you reinvented the wheel?</a:t>
+              <a:t>The filtered lab notebook is from the instrument CRIRES+.  You have a team that has worked on the science verification and interfacing with public (user manual, tools), a team that works on data analysis pipelines (pipeline changes), a distributed team that works on the hardware.  We can imagine that each team maintained a true lab notebook for their work.  These were then filtered and merged for the consumption by public.  </a:t>
             </a:r>
           </a:p>
           <a:p>
@@ -1484,7 +1528,7 @@
           <a:p>
             <a:r>
               <a:rPr lang="en-US" dirty="0"/>
-              <a:t>Is this surprising to anyone?  Does anyone already use something akin to a lab notebook?</a:t>
+              <a:t>The filtering should not be too strong as one cannot know what details are necessary for all the public scientists to do their work.</a:t>
             </a:r>
           </a:p>
         </p:txBody>
@@ -1506,7 +1550,7 @@
           <a:p>
             <a:fld id="{54E672D7-8E2D-4611-973D-F4591A707C34}" type="slidenum">
               <a:rPr lang="en-US" smtClean="0"/>
-              <a:t>18</a:t>
+              <a:t>16</a:t>
             </a:fld>
             <a:endParaRPr lang="en-US"/>
           </a:p>
@@ -1515,7 +1559,7 @@
     </p:spTree>
     <p:extLst>
       <p:ext uri="{BB962C8B-B14F-4D97-AF65-F5344CB8AC3E}">
-        <p14:creationId xmlns:p14="http://schemas.microsoft.com/office/powerpoint/2010/main" val="3785804979"/>
+        <p14:creationId xmlns:p14="http://schemas.microsoft.com/office/powerpoint/2010/main" val="2213378732"/>
       </p:ext>
     </p:extLst>
   </p:cSld>
@@ -1571,7 +1615,16 @@
           <a:p>
             <a:r>
               <a:rPr lang="en-US" dirty="0"/>
-              <a:t>Mention that the next three slides are a review of what is done and what could be done.  The point is to start to understand what we want and what we don’t want.  It’s also to understand some of the difficulties that we face.</a:t>
+              <a:t>Ask if any of the attendees ever sensed in their gut that things were not being done sufficiently cleanly or well.  Does this notion of inventing techniques resonate with them?  Have you reinvented the wheel?</a:t>
+            </a:r>
+          </a:p>
+          <a:p>
+            <a:endParaRPr lang="en-US" dirty="0"/>
+          </a:p>
+          <a:p>
+            <a:r>
+              <a:rPr lang="en-US" dirty="0"/>
+              <a:t>Is this surprising to anyone?  Does anyone already use something akin to a lab notebook?</a:t>
             </a:r>
           </a:p>
         </p:txBody>
@@ -1593,7 +1646,7 @@
           <a:p>
             <a:fld id="{54E672D7-8E2D-4611-973D-F4591A707C34}" type="slidenum">
               <a:rPr lang="en-US" smtClean="0"/>
-              <a:t>19</a:t>
+              <a:t>18</a:t>
             </a:fld>
             <a:endParaRPr lang="en-US"/>
           </a:p>
@@ -1602,7 +1655,7 @@
     </p:spTree>
     <p:extLst>
       <p:ext uri="{BB962C8B-B14F-4D97-AF65-F5344CB8AC3E}">
-        <p14:creationId xmlns:p14="http://schemas.microsoft.com/office/powerpoint/2010/main" val="2021161080"/>
+        <p14:creationId xmlns:p14="http://schemas.microsoft.com/office/powerpoint/2010/main" val="3785804979"/>
       </p:ext>
     </p:extLst>
   </p:cSld>
@@ -1658,6 +1711,93 @@
           <a:p>
             <a:r>
               <a:rPr lang="en-US" dirty="0"/>
+              <a:t>Mention that the next three slides are a review of what is done and what could be done.  The point is to start to understand what we want and what we don’t want.  It’s also to understand some of the difficulties that we face.</a:t>
+            </a:r>
+          </a:p>
+        </p:txBody>
+      </p:sp>
+      <p:sp>
+        <p:nvSpPr>
+          <p:cNvPr id="4" name="Slide Number Placeholder 3"/>
+          <p:cNvSpPr>
+            <a:spLocks noGrp="1"/>
+          </p:cNvSpPr>
+          <p:nvPr>
+            <p:ph type="sldNum" sz="quarter" idx="5"/>
+          </p:nvPr>
+        </p:nvSpPr>
+        <p:spPr/>
+        <p:txBody>
+          <a:bodyPr/>
+          <a:lstStyle/>
+          <a:p>
+            <a:fld id="{54E672D7-8E2D-4611-973D-F4591A707C34}" type="slidenum">
+              <a:rPr lang="en-US" smtClean="0"/>
+              <a:t>19</a:t>
+            </a:fld>
+            <a:endParaRPr lang="en-US"/>
+          </a:p>
+        </p:txBody>
+      </p:sp>
+    </p:spTree>
+    <p:extLst>
+      <p:ext uri="{BB962C8B-B14F-4D97-AF65-F5344CB8AC3E}">
+        <p14:creationId xmlns:p14="http://schemas.microsoft.com/office/powerpoint/2010/main" val="2021161080"/>
+      </p:ext>
+    </p:extLst>
+  </p:cSld>
+  <p:clrMapOvr>
+    <a:masterClrMapping/>
+  </p:clrMapOvr>
+</p:notes>
+</file>
+
+<file path=ppt/notesSlides/notesSlide18.xml><?xml version="1.0" encoding="utf-8"?>
+<p:notes xmlns:a="http://schemas.openxmlformats.org/drawingml/2006/main" xmlns:r="http://schemas.openxmlformats.org/officeDocument/2006/relationships" xmlns:p="http://schemas.openxmlformats.org/presentationml/2006/main">
+  <p:cSld>
+    <p:spTree>
+      <p:nvGrpSpPr>
+        <p:cNvPr id="1" name=""/>
+        <p:cNvGrpSpPr/>
+        <p:nvPr/>
+      </p:nvGrpSpPr>
+      <p:grpSpPr>
+        <a:xfrm>
+          <a:off x="0" y="0"/>
+          <a:ext cx="0" cy="0"/>
+          <a:chOff x="0" y="0"/>
+          <a:chExt cx="0" cy="0"/>
+        </a:xfrm>
+      </p:grpSpPr>
+      <p:sp>
+        <p:nvSpPr>
+          <p:cNvPr id="2" name="Slide Image Placeholder 1"/>
+          <p:cNvSpPr>
+            <a:spLocks noGrp="1" noRot="1" noChangeAspect="1"/>
+          </p:cNvSpPr>
+          <p:nvPr>
+            <p:ph type="sldImg"/>
+          </p:nvPr>
+        </p:nvSpPr>
+        <p:spPr/>
+      </p:sp>
+      <p:sp>
+        <p:nvSpPr>
+          <p:cNvPr id="3" name="Notes Placeholder 2"/>
+          <p:cNvSpPr>
+            <a:spLocks noGrp="1"/>
+          </p:cNvSpPr>
+          <p:nvPr>
+            <p:ph type="body" idx="1"/>
+          </p:nvPr>
+        </p:nvSpPr>
+        <p:spPr/>
+        <p:txBody>
+          <a:bodyPr/>
+          <a:lstStyle/>
+          <a:p>
+            <a:r>
+              <a:rPr lang="en-US" dirty="0"/>
               <a:t>I have tried playing around with multiple different non-ELN tools to adapt them to my needs.  To date, Microsoft OneNote was the closest to what I expect and need, but still fell short.</a:t>
             </a:r>
           </a:p>
@@ -1708,7 +1848,7 @@
 </p:notes>
 </file>
 
-<file path=ppt/notesSlides/notesSlide18.xml><?xml version="1.0" encoding="utf-8"?>
+<file path=ppt/notesSlides/notesSlide19.xml><?xml version="1.0" encoding="utf-8"?>
 <p:notes xmlns:a="http://schemas.openxmlformats.org/drawingml/2006/main" xmlns:r="http://schemas.openxmlformats.org/officeDocument/2006/relationships" xmlns:p="http://schemas.openxmlformats.org/presentationml/2006/main">
   <p:cSld>
     <p:spTree>
@@ -2012,7 +2152,7 @@
           <a:p>
             <a:r>
               <a:rPr lang="en-US" dirty="0"/>
-              <a:t>Many people refer to this as “software engineering”.  I whole-heartedly disagree with this.  I understand this work to be foundational, bedrock science that is required to do high-quality trustworthy high-level science.  But, we need not reinvent the wheel.  We can learn from the SW </a:t>
+              <a:t>Many people refer to software practices as “software engineering”.  I whole-heartedly disagree with this.  I understand this work to be foundational, bedrock science that is required to do high-quality trustworthy high-level science.  But, we need not reinvent the wheel.  We can learn from the SW </a:t>
             </a:r>
             <a:r>
               <a:rPr lang="en-US" dirty="0" err="1"/>
@@ -2052,6 +2192,90 @@
     <p:extLst>
       <p:ext uri="{BB962C8B-B14F-4D97-AF65-F5344CB8AC3E}">
         <p14:creationId xmlns:p14="http://schemas.microsoft.com/office/powerpoint/2010/main" val="1936705258"/>
+      </p:ext>
+    </p:extLst>
+  </p:cSld>
+  <p:clrMapOvr>
+    <a:masterClrMapping/>
+  </p:clrMapOvr>
+</p:notes>
+</file>
+
+<file path=ppt/notesSlides/notesSlide20.xml><?xml version="1.0" encoding="utf-8"?>
+<p:notes xmlns:a="http://schemas.openxmlformats.org/drawingml/2006/main" xmlns:r="http://schemas.openxmlformats.org/officeDocument/2006/relationships" xmlns:p="http://schemas.openxmlformats.org/presentationml/2006/main">
+  <p:cSld>
+    <p:spTree>
+      <p:nvGrpSpPr>
+        <p:cNvPr id="1" name=""/>
+        <p:cNvGrpSpPr/>
+        <p:nvPr/>
+      </p:nvGrpSpPr>
+      <p:grpSpPr>
+        <a:xfrm>
+          <a:off x="0" y="0"/>
+          <a:ext cx="0" cy="0"/>
+          <a:chOff x="0" y="0"/>
+          <a:chExt cx="0" cy="0"/>
+        </a:xfrm>
+      </p:grpSpPr>
+      <p:sp>
+        <p:nvSpPr>
+          <p:cNvPr id="2" name="Slide Image Placeholder 1"/>
+          <p:cNvSpPr>
+            <a:spLocks noGrp="1" noRot="1" noChangeAspect="1"/>
+          </p:cNvSpPr>
+          <p:nvPr>
+            <p:ph type="sldImg"/>
+          </p:nvPr>
+        </p:nvSpPr>
+        <p:spPr/>
+      </p:sp>
+      <p:sp>
+        <p:nvSpPr>
+          <p:cNvPr id="3" name="Notes Placeholder 2"/>
+          <p:cNvSpPr>
+            <a:spLocks noGrp="1"/>
+          </p:cNvSpPr>
+          <p:nvPr>
+            <p:ph type="body" idx="1"/>
+          </p:nvPr>
+        </p:nvSpPr>
+        <p:spPr/>
+        <p:txBody>
+          <a:bodyPr/>
+          <a:lstStyle/>
+          <a:p>
+            <a:endParaRPr lang="en-US" dirty="0"/>
+          </a:p>
+        </p:txBody>
+      </p:sp>
+      <p:sp>
+        <p:nvSpPr>
+          <p:cNvPr id="4" name="Slide Number Placeholder 3"/>
+          <p:cNvSpPr>
+            <a:spLocks noGrp="1"/>
+          </p:cNvSpPr>
+          <p:nvPr>
+            <p:ph type="sldNum" sz="quarter" idx="5"/>
+          </p:nvPr>
+        </p:nvSpPr>
+        <p:spPr/>
+        <p:txBody>
+          <a:bodyPr/>
+          <a:lstStyle/>
+          <a:p>
+            <a:fld id="{54E672D7-8E2D-4611-973D-F4591A707C34}" type="slidenum">
+              <a:rPr lang="en-US" smtClean="0"/>
+              <a:t>23</a:t>
+            </a:fld>
+            <a:endParaRPr lang="en-US"/>
+          </a:p>
+        </p:txBody>
+      </p:sp>
+    </p:spTree>
+    <p:extLst>
+      <p:ext uri="{BB962C8B-B14F-4D97-AF65-F5344CB8AC3E}">
+        <p14:creationId xmlns:p14="http://schemas.microsoft.com/office/powerpoint/2010/main" val="2226181781"/>
       </p:ext>
     </p:extLst>
   </p:cSld>
@@ -2323,53 +2547,18 @@
           <a:bodyPr/>
           <a:lstStyle/>
           <a:p>
-            <a:pPr marL="0" marR="0" lvl="0" indent="0" algn="l" defTabSz="914400" rtl="0" eaLnBrk="1" fontAlgn="auto" latinLnBrk="0" hangingPunct="1">
-              <a:lnSpc>
-                <a:spcPct val="100000"/>
-              </a:lnSpc>
-              <a:spcBef>
-                <a:spcPts val="0"/>
-              </a:spcBef>
-              <a:spcAft>
-                <a:spcPts val="0"/>
-              </a:spcAft>
-              <a:buClrTx/>
-              <a:buSzTx/>
-              <a:buFontTx/>
-              <a:buNone/>
-              <a:tabLst/>
-              <a:defRPr/>
-            </a:pPr>
-            <a:r>
-              <a:rPr lang="en-US" sz="1200" kern="1200" dirty="0">
-                <a:solidFill>
-                  <a:schemeClr val="tx1"/>
-                </a:solidFill>
-                <a:effectLst/>
-                <a:latin typeface="+mn-lt"/>
-                <a:ea typeface="+mn-ea"/>
-                <a:cs typeface="+mn-cs"/>
-              </a:rPr>
-              <a:t>This talk has grown from many interesting conversations that I have had with a variety of different computational sciences.  This includes different disciplines and different experience levels.  When I have these conversations, all parties generally tend to learn something.  This module will continue along those lines.  I am not here to convince anyone of anything.  I am not here to preach.  I am just here to present a novel experience.  Please ask me questions.  I will be direct and state strong opinions.  Therefore, please be direct and push back on some of these.</a:t>
-            </a:r>
+            <a:r>
+              <a:rPr lang="en-US" dirty="0"/>
+              <a:t>Module designed with the expectation that attendees have a basic idea of what a lab notebook is as well as some experience (e.g., in university lab classes).</a:t>
+            </a:r>
+          </a:p>
+          <a:p>
             <a:endParaRPr lang="en-US" dirty="0"/>
           </a:p>
           <a:p>
-            <a:endParaRPr lang="en-US" dirty="0"/>
-          </a:p>
-          <a:p>
-            <a:r>
-              <a:rPr lang="en-US" dirty="0"/>
-              <a:t>Point out that if they search for this, they will find many pages.  Those pages have changed over time – it used to be DIKUW, not it’s the DIKW pyramid.  For instance, I often times no longer see understanding included.  I don’t know much beyond this classification, but find the classification to be quite useful.</a:t>
-            </a:r>
-          </a:p>
-          <a:p>
-            <a:endParaRPr lang="en-US" dirty="0"/>
-          </a:p>
-          <a:p>
-            <a:r>
-              <a:rPr lang="en-US" dirty="0"/>
-              <a:t>We won’t be defining these terms exactly as that is likely quite hard.  We will go through examples to gain an intuitive understanding of these concepts.</a:t>
+            <a:r>
+              <a:rPr lang="en-US" dirty="0"/>
+              <a:t>This is just a moment to confirm this and understand the bare minimum of what a lab notebook should do.  Put this up front so that people can relate slides to what they understand of lab notes.</a:t>
             </a:r>
           </a:p>
         </p:txBody>
@@ -2391,7 +2580,7 @@
           <a:p>
             <a:fld id="{54E672D7-8E2D-4611-973D-F4591A707C34}" type="slidenum">
               <a:rPr lang="en-US" smtClean="0"/>
-              <a:t>6</a:t>
+              <a:t>5</a:t>
             </a:fld>
             <a:endParaRPr lang="en-US"/>
           </a:p>
@@ -2400,7 +2589,7 @@
     </p:spTree>
     <p:extLst>
       <p:ext uri="{BB962C8B-B14F-4D97-AF65-F5344CB8AC3E}">
-        <p14:creationId xmlns:p14="http://schemas.microsoft.com/office/powerpoint/2010/main" val="2958482426"/>
+        <p14:creationId xmlns:p14="http://schemas.microsoft.com/office/powerpoint/2010/main" val="95302566"/>
       </p:ext>
     </p:extLst>
   </p:cSld>
@@ -2456,7 +2645,7 @@
           <a:p>
             <a:r>
               <a:rPr lang="en-US" dirty="0"/>
-              <a:t>My understanding is that data is *not* facts, as some claim.  Rather, data can be flawed and noisy.  Information is facts that are true relative to the potentially flawed data.</a:t>
+              <a:t>Point out that if they search for this, they will find many pages.  Those pages have changed over time – it used to be DIKUW, not it’s the DIKW pyramid.  For instance, I often times no longer see understanding included.  I don’t know much beyond this classification, but find the classification to be quite useful.</a:t>
             </a:r>
           </a:p>
           <a:p>
@@ -2465,16 +2654,7 @@
           <a:p>
             <a:r>
               <a:rPr lang="en-US" dirty="0"/>
-              <a:t>Data is valuable because it helps us make decisions.</a:t>
-            </a:r>
-          </a:p>
-          <a:p>
-            <a:endParaRPr lang="en-US" dirty="0"/>
-          </a:p>
-          <a:p>
-            <a:r>
-              <a:rPr lang="en-US" dirty="0"/>
-              <a:t>Information is data made (hopefully) useful.</a:t>
+              <a:t>We won’t be defining these terms exactly as that is likely quite hard.  We will go through examples to gain an intuitive understanding of these concepts.</a:t>
             </a:r>
           </a:p>
         </p:txBody>
@@ -2496,7 +2676,7 @@
           <a:p>
             <a:fld id="{54E672D7-8E2D-4611-973D-F4591A707C34}" type="slidenum">
               <a:rPr lang="en-US" smtClean="0"/>
-              <a:t>7</a:t>
+              <a:t>6</a:t>
             </a:fld>
             <a:endParaRPr lang="en-US"/>
           </a:p>
@@ -2505,7 +2685,7 @@
     </p:spTree>
     <p:extLst>
       <p:ext uri="{BB962C8B-B14F-4D97-AF65-F5344CB8AC3E}">
-        <p14:creationId xmlns:p14="http://schemas.microsoft.com/office/powerpoint/2010/main" val="720366741"/>
+        <p14:creationId xmlns:p14="http://schemas.microsoft.com/office/powerpoint/2010/main" val="2958482426"/>
       </p:ext>
     </p:extLst>
   </p:cSld>
@@ -2561,7 +2741,7 @@
           <a:p>
             <a:r>
               <a:rPr lang="en-US" dirty="0"/>
-              <a:t>Knowledge is generated by a process in such a way that it is an educated best guess.  But, it should be a solid and justifiable educated guess.  In this sense, it is not true but our best current guess at what is true.</a:t>
+              <a:t>My understanding is that data is *not* facts, as some claim.  Rather, data can be flawed and noisy.  Information is facts that are true relative to the potentially flawed data.</a:t>
             </a:r>
           </a:p>
           <a:p>
@@ -2570,7 +2750,7 @@
           <a:p>
             <a:r>
               <a:rPr lang="en-US" dirty="0"/>
-              <a:t>It’s hard to define understanding.  I have just written down my best guesses.</a:t>
+              <a:t>Data is valuable because it helps us make decisions.</a:t>
             </a:r>
           </a:p>
           <a:p>
@@ -2579,33 +2759,7 @@
           <a:p>
             <a:r>
               <a:rPr lang="en-US" dirty="0"/>
-              <a:t>I didn’t use the given timeseries information to derive this knowledge.  Someone with understanding of meteorology did. </a:t>
-            </a:r>
-            <a:r>
-              <a:rPr lang="en-US" dirty="0" err="1"/>
-              <a:t>Tthey</a:t>
-            </a:r>
-            <a:r>
-              <a:rPr lang="en-US" dirty="0"/>
-              <a:t> have a deep understanding derived from years of study and experience. However, that person presented and communicated the knowledge for consumption by those without understanding.</a:t>
-            </a:r>
-          </a:p>
-          <a:p>
-            <a:endParaRPr lang="en-US" dirty="0"/>
-          </a:p>
-          <a:p>
-            <a:r>
-              <a:rPr lang="en-US" dirty="0"/>
-              <a:t>When you go to school, are your teachers and professors putting understanding in your head or do they share knowledge and create an environment in which one can generate understanding?</a:t>
-            </a:r>
-          </a:p>
-          <a:p>
-            <a:endParaRPr lang="en-US" dirty="0"/>
-          </a:p>
-          <a:p>
-            <a:r>
-              <a:rPr lang="en-US" dirty="0"/>
-              <a:t>Understanding is built on the shoulders of giants.  You read an article that helps you generate understanding.  But the author of that article generated it from understanding he developed from taking classes with other </a:t>
+              <a:t>Information is data made (hopefully) useful.</a:t>
             </a:r>
           </a:p>
         </p:txBody>
@@ -2627,7 +2781,7 @@
           <a:p>
             <a:fld id="{54E672D7-8E2D-4611-973D-F4591A707C34}" type="slidenum">
               <a:rPr lang="en-US" smtClean="0"/>
-              <a:t>8</a:t>
+              <a:t>7</a:t>
             </a:fld>
             <a:endParaRPr lang="en-US"/>
           </a:p>
@@ -2636,7 +2790,7 @@
     </p:spTree>
     <p:extLst>
       <p:ext uri="{BB962C8B-B14F-4D97-AF65-F5344CB8AC3E}">
-        <p14:creationId xmlns:p14="http://schemas.microsoft.com/office/powerpoint/2010/main" val="2638889168"/>
+        <p14:creationId xmlns:p14="http://schemas.microsoft.com/office/powerpoint/2010/main" val="720366741"/>
       </p:ext>
     </p:extLst>
   </p:cSld>
@@ -2690,158 +2844,53 @@
           <a:bodyPr/>
           <a:lstStyle/>
           <a:p>
-            <a:pPr marL="0" marR="0" lvl="0" indent="0" algn="l" defTabSz="914400" rtl="0" eaLnBrk="1" fontAlgn="auto" latinLnBrk="0" hangingPunct="1">
-              <a:lnSpc>
-                <a:spcPct val="100000"/>
-              </a:lnSpc>
-              <a:spcBef>
-                <a:spcPts val="0"/>
-              </a:spcBef>
-              <a:spcAft>
-                <a:spcPts val="0"/>
-              </a:spcAft>
-              <a:buClrTx/>
-              <a:buSzTx/>
-              <a:buFontTx/>
-              <a:buNone/>
-              <a:tabLst/>
-              <a:defRPr/>
-            </a:pPr>
-            <a:r>
-              <a:rPr lang="en-US" dirty="0"/>
-              <a:t>One extreme is trying to understand all aspects of the work that we do.  Is that feasible or even achievable?</a:t>
-            </a:r>
-          </a:p>
-          <a:p>
-            <a:pPr marL="0" marR="0" lvl="0" indent="0" algn="l" defTabSz="914400" rtl="0" eaLnBrk="1" fontAlgn="auto" latinLnBrk="0" hangingPunct="1">
-              <a:lnSpc>
-                <a:spcPct val="100000"/>
-              </a:lnSpc>
-              <a:spcBef>
-                <a:spcPts val="0"/>
-              </a:spcBef>
-              <a:spcAft>
-                <a:spcPts val="0"/>
-              </a:spcAft>
-              <a:buClrTx/>
-              <a:buSzTx/>
-              <a:buFontTx/>
-              <a:buNone/>
-              <a:tabLst/>
-              <a:defRPr/>
-            </a:pPr>
+            <a:r>
+              <a:rPr lang="en-US" dirty="0"/>
+              <a:t>Knowledge is generated by a process in such a way that it is an educated best guess.  But, it should be a solid and justifiable educated guess.  In this sense, it is not true but our best current guess at what is true.</a:t>
+            </a:r>
+          </a:p>
+          <a:p>
             <a:endParaRPr lang="en-US" dirty="0"/>
           </a:p>
           <a:p>
-            <a:pPr marL="0" marR="0" lvl="0" indent="0" algn="l" defTabSz="914400" rtl="0" eaLnBrk="1" fontAlgn="auto" latinLnBrk="0" hangingPunct="1">
-              <a:lnSpc>
-                <a:spcPct val="100000"/>
-              </a:lnSpc>
-              <a:spcBef>
-                <a:spcPts val="0"/>
-              </a:spcBef>
-              <a:spcAft>
-                <a:spcPts val="0"/>
-              </a:spcAft>
-              <a:buClrTx/>
-              <a:buSzTx/>
-              <a:buFontTx/>
-              <a:buNone/>
-              <a:tabLst/>
-              <a:defRPr/>
-            </a:pPr>
-            <a:r>
-              <a:rPr lang="en-US" dirty="0"/>
-              <a:t>The other extreme is in choosing how we use the internet:</a:t>
-            </a:r>
-          </a:p>
-          <a:p>
-            <a:pPr marL="0" marR="0" lvl="0" indent="0" algn="l" defTabSz="914400" rtl="0" eaLnBrk="1" fontAlgn="auto" latinLnBrk="0" hangingPunct="1">
-              <a:lnSpc>
-                <a:spcPct val="100000"/>
-              </a:lnSpc>
-              <a:spcBef>
-                <a:spcPts val="0"/>
-              </a:spcBef>
-              <a:spcAft>
-                <a:spcPts val="0"/>
-              </a:spcAft>
-              <a:buClrTx/>
-              <a:buSzTx/>
-              <a:buFontTx/>
-              <a:buNone/>
-              <a:tabLst/>
-              <a:defRPr/>
-            </a:pPr>
-            <a:r>
-              <a:rPr lang="en-US" dirty="0"/>
-              <a:t>When you read the internet are you gaining knowledge of understanding?  Is it possible to build understanding by only accessing bits of knowledge scattered across the internet?  I believe that Elaine’s work would say no.  You need someone with understanding to collect knowledge sources across the internet, organize these, and present them in such a way that the novice can generate understanding.</a:t>
-            </a:r>
-          </a:p>
-          <a:p>
-            <a:pPr marL="0" marR="0" lvl="0" indent="0" algn="l" defTabSz="914400" rtl="0" eaLnBrk="1" fontAlgn="auto" latinLnBrk="0" hangingPunct="1">
-              <a:lnSpc>
-                <a:spcPct val="100000"/>
-              </a:lnSpc>
-              <a:spcBef>
-                <a:spcPts val="0"/>
-              </a:spcBef>
-              <a:spcAft>
-                <a:spcPts val="0"/>
-              </a:spcAft>
-              <a:buClrTx/>
-              <a:buSzTx/>
-              <a:buFontTx/>
-              <a:buNone/>
-              <a:tabLst/>
-              <a:defRPr/>
-            </a:pPr>
+            <a:r>
+              <a:rPr lang="en-US" dirty="0"/>
+              <a:t>It’s hard to define understanding.  I have just written down my best guesses.</a:t>
+            </a:r>
+          </a:p>
+          <a:p>
             <a:endParaRPr lang="en-US" dirty="0"/>
           </a:p>
           <a:p>
-            <a:pPr marL="0" marR="0" lvl="0" indent="0" algn="l" defTabSz="914400" rtl="0" eaLnBrk="1" fontAlgn="auto" latinLnBrk="0" hangingPunct="1">
-              <a:lnSpc>
-                <a:spcPct val="100000"/>
-              </a:lnSpc>
-              <a:spcBef>
-                <a:spcPts val="0"/>
-              </a:spcBef>
-              <a:spcAft>
-                <a:spcPts val="0"/>
-              </a:spcAft>
-              <a:buClrTx/>
-              <a:buSzTx/>
-              <a:buFontTx/>
-              <a:buNone/>
-              <a:tabLst/>
-              <a:defRPr/>
-            </a:pPr>
-            <a:r>
-              <a:rPr lang="en-US" dirty="0"/>
-              <a:t>A different, modern way to approach this same question:</a:t>
-            </a:r>
-          </a:p>
-          <a:p>
-            <a:pPr marL="0" marR="0" lvl="0" indent="0" algn="l" defTabSz="914400" rtl="0" eaLnBrk="1" fontAlgn="auto" latinLnBrk="0" hangingPunct="1">
-              <a:lnSpc>
-                <a:spcPct val="100000"/>
-              </a:lnSpc>
-              <a:spcBef>
-                <a:spcPts val="0"/>
-              </a:spcBef>
-              <a:spcAft>
-                <a:spcPts val="0"/>
-              </a:spcAft>
-              <a:buClrTx/>
-              <a:buSzTx/>
-              <a:buFontTx/>
-              <a:buNone/>
-              <a:tabLst/>
-              <a:defRPr/>
-            </a:pPr>
-            <a:r>
-              <a:rPr lang="en-US" dirty="0"/>
-              <a:t>If an ML/DL code had generated the knowledge given in the example but in such a way that interpretability is low, are we OK with inexpressible or inaccessible understanding?</a:t>
+            <a:r>
+              <a:rPr lang="en-US" dirty="0"/>
+              <a:t>I didn’t use the given timeseries information to derive this knowledge.  Someone with understanding of meteorology did. </a:t>
+            </a:r>
+            <a:r>
+              <a:rPr lang="en-US" dirty="0" err="1"/>
+              <a:t>Tthey</a:t>
+            </a:r>
+            <a:r>
+              <a:rPr lang="en-US" dirty="0"/>
+              <a:t> have a deep understanding derived from years of study and experience. However, that person presented and communicated the knowledge for consumption by those without understanding.</a:t>
+            </a:r>
+          </a:p>
+          <a:p>
+            <a:endParaRPr lang="en-US" dirty="0"/>
+          </a:p>
+          <a:p>
+            <a:r>
+              <a:rPr lang="en-US" dirty="0"/>
+              <a:t>When you go to school, are your teachers and professors putting understanding in your head or do they share knowledge and create an environment in which one can generate understanding?</a:t>
+            </a:r>
+          </a:p>
+          <a:p>
+            <a:endParaRPr lang="en-US" dirty="0"/>
+          </a:p>
+          <a:p>
+            <a:r>
+              <a:rPr lang="en-US" dirty="0"/>
+              <a:t>Understanding is built on the shoulders of giants.  You read an article that helps you generate understanding.  But the author of that article generated it from understanding he developed from taking classes with other </a:t>
             </a:r>
           </a:p>
         </p:txBody>
@@ -2863,7 +2912,7 @@
           <a:p>
             <a:fld id="{54E672D7-8E2D-4611-973D-F4591A707C34}" type="slidenum">
               <a:rPr lang="en-US" smtClean="0"/>
-              <a:t>9</a:t>
+              <a:t>8</a:t>
             </a:fld>
             <a:endParaRPr lang="en-US"/>
           </a:p>
@@ -2872,7 +2921,7 @@
     </p:spTree>
     <p:extLst>
       <p:ext uri="{BB962C8B-B14F-4D97-AF65-F5344CB8AC3E}">
-        <p14:creationId xmlns:p14="http://schemas.microsoft.com/office/powerpoint/2010/main" val="29386948"/>
+        <p14:creationId xmlns:p14="http://schemas.microsoft.com/office/powerpoint/2010/main" val="2638889168"/>
       </p:ext>
     </p:extLst>
   </p:cSld>
@@ -2926,9 +2975,158 @@
           <a:bodyPr/>
           <a:lstStyle/>
           <a:p>
-            <a:r>
-              <a:rPr lang="en-US" dirty="0"/>
-              <a:t>This can explain some of the difficulties that occur when a git expert is forced to use a workflow designed for a team with only git knowledge.  They aren’t allowed to work in a more powerful, efficient, and effective way.  If they do work in their powerful, they can upset all those with insufficient understanding.</a:t>
+            <a:pPr marL="0" marR="0" lvl="0" indent="0" algn="l" defTabSz="914400" rtl="0" eaLnBrk="1" fontAlgn="auto" latinLnBrk="0" hangingPunct="1">
+              <a:lnSpc>
+                <a:spcPct val="100000"/>
+              </a:lnSpc>
+              <a:spcBef>
+                <a:spcPts val="0"/>
+              </a:spcBef>
+              <a:spcAft>
+                <a:spcPts val="0"/>
+              </a:spcAft>
+              <a:buClrTx/>
+              <a:buSzTx/>
+              <a:buFontTx/>
+              <a:buNone/>
+              <a:tabLst/>
+              <a:defRPr/>
+            </a:pPr>
+            <a:r>
+              <a:rPr lang="en-US" dirty="0"/>
+              <a:t>One extreme is trying to understand all aspects of the work that we do.  Is that feasible or even achievable?</a:t>
+            </a:r>
+          </a:p>
+          <a:p>
+            <a:pPr marL="0" marR="0" lvl="0" indent="0" algn="l" defTabSz="914400" rtl="0" eaLnBrk="1" fontAlgn="auto" latinLnBrk="0" hangingPunct="1">
+              <a:lnSpc>
+                <a:spcPct val="100000"/>
+              </a:lnSpc>
+              <a:spcBef>
+                <a:spcPts val="0"/>
+              </a:spcBef>
+              <a:spcAft>
+                <a:spcPts val="0"/>
+              </a:spcAft>
+              <a:buClrTx/>
+              <a:buSzTx/>
+              <a:buFontTx/>
+              <a:buNone/>
+              <a:tabLst/>
+              <a:defRPr/>
+            </a:pPr>
+            <a:endParaRPr lang="en-US" dirty="0"/>
+          </a:p>
+          <a:p>
+            <a:pPr marL="0" marR="0" lvl="0" indent="0" algn="l" defTabSz="914400" rtl="0" eaLnBrk="1" fontAlgn="auto" latinLnBrk="0" hangingPunct="1">
+              <a:lnSpc>
+                <a:spcPct val="100000"/>
+              </a:lnSpc>
+              <a:spcBef>
+                <a:spcPts val="0"/>
+              </a:spcBef>
+              <a:spcAft>
+                <a:spcPts val="0"/>
+              </a:spcAft>
+              <a:buClrTx/>
+              <a:buSzTx/>
+              <a:buFontTx/>
+              <a:buNone/>
+              <a:tabLst/>
+              <a:defRPr/>
+            </a:pPr>
+            <a:r>
+              <a:rPr lang="en-US" dirty="0"/>
+              <a:t>The other extreme is in choosing how we use the internet:</a:t>
+            </a:r>
+          </a:p>
+          <a:p>
+            <a:pPr marL="0" marR="0" lvl="0" indent="0" algn="l" defTabSz="914400" rtl="0" eaLnBrk="1" fontAlgn="auto" latinLnBrk="0" hangingPunct="1">
+              <a:lnSpc>
+                <a:spcPct val="100000"/>
+              </a:lnSpc>
+              <a:spcBef>
+                <a:spcPts val="0"/>
+              </a:spcBef>
+              <a:spcAft>
+                <a:spcPts val="0"/>
+              </a:spcAft>
+              <a:buClrTx/>
+              <a:buSzTx/>
+              <a:buFontTx/>
+              <a:buNone/>
+              <a:tabLst/>
+              <a:defRPr/>
+            </a:pPr>
+            <a:r>
+              <a:rPr lang="en-US" dirty="0"/>
+              <a:t>When you read the internet are you gaining knowledge of understanding?  Is it possible to build understanding by only accessing bits of knowledge scattered across the internet?  I believe that Elaine’s work would say no.  You need someone with understanding to collect knowledge sources across the internet, organize these, and present them in such a way that the novice can generate understanding.</a:t>
+            </a:r>
+          </a:p>
+          <a:p>
+            <a:pPr marL="0" marR="0" lvl="0" indent="0" algn="l" defTabSz="914400" rtl="0" eaLnBrk="1" fontAlgn="auto" latinLnBrk="0" hangingPunct="1">
+              <a:lnSpc>
+                <a:spcPct val="100000"/>
+              </a:lnSpc>
+              <a:spcBef>
+                <a:spcPts val="0"/>
+              </a:spcBef>
+              <a:spcAft>
+                <a:spcPts val="0"/>
+              </a:spcAft>
+              <a:buClrTx/>
+              <a:buSzTx/>
+              <a:buFontTx/>
+              <a:buNone/>
+              <a:tabLst/>
+              <a:defRPr/>
+            </a:pPr>
+            <a:endParaRPr lang="en-US" dirty="0"/>
+          </a:p>
+          <a:p>
+            <a:pPr marL="0" marR="0" lvl="0" indent="0" algn="l" defTabSz="914400" rtl="0" eaLnBrk="1" fontAlgn="auto" latinLnBrk="0" hangingPunct="1">
+              <a:lnSpc>
+                <a:spcPct val="100000"/>
+              </a:lnSpc>
+              <a:spcBef>
+                <a:spcPts val="0"/>
+              </a:spcBef>
+              <a:spcAft>
+                <a:spcPts val="0"/>
+              </a:spcAft>
+              <a:buClrTx/>
+              <a:buSzTx/>
+              <a:buFontTx/>
+              <a:buNone/>
+              <a:tabLst/>
+              <a:defRPr/>
+            </a:pPr>
+            <a:r>
+              <a:rPr lang="en-US" dirty="0"/>
+              <a:t>A different, modern way to approach this same question:</a:t>
+            </a:r>
+          </a:p>
+          <a:p>
+            <a:pPr marL="0" marR="0" lvl="0" indent="0" algn="l" defTabSz="914400" rtl="0" eaLnBrk="1" fontAlgn="auto" latinLnBrk="0" hangingPunct="1">
+              <a:lnSpc>
+                <a:spcPct val="100000"/>
+              </a:lnSpc>
+              <a:spcBef>
+                <a:spcPts val="0"/>
+              </a:spcBef>
+              <a:spcAft>
+                <a:spcPts val="0"/>
+              </a:spcAft>
+              <a:buClrTx/>
+              <a:buSzTx/>
+              <a:buFontTx/>
+              <a:buNone/>
+              <a:tabLst/>
+              <a:defRPr/>
+            </a:pPr>
+            <a:r>
+              <a:rPr lang="en-US" dirty="0"/>
+              <a:t>If an ML/DL code had generated the knowledge given in the example but in such a way that interpretability is low, are we OK with inexpressible or inaccessible understanding?</a:t>
             </a:r>
           </a:p>
         </p:txBody>
@@ -2950,7 +3148,7 @@
           <a:p>
             <a:fld id="{54E672D7-8E2D-4611-973D-F4591A707C34}" type="slidenum">
               <a:rPr lang="en-US" smtClean="0"/>
-              <a:t>10</a:t>
+              <a:t>9</a:t>
             </a:fld>
             <a:endParaRPr lang="en-US"/>
           </a:p>
@@ -2959,7 +3157,7 @@
     </p:spTree>
     <p:extLst>
       <p:ext uri="{BB962C8B-B14F-4D97-AF65-F5344CB8AC3E}">
-        <p14:creationId xmlns:p14="http://schemas.microsoft.com/office/powerpoint/2010/main" val="153949558"/>
+        <p14:creationId xmlns:p14="http://schemas.microsoft.com/office/powerpoint/2010/main" val="29386948"/>
       </p:ext>
     </p:extLst>
   </p:cSld>
@@ -3015,25 +3213,7 @@
           <a:p>
             <a:r>
               <a:rPr lang="en-US" dirty="0"/>
-              <a:t>Really most any project benefits from some sort of knowledge management.  </a:t>
-            </a:r>
-          </a:p>
-          <a:p>
-            <a:endParaRPr lang="en-US" dirty="0"/>
-          </a:p>
-          <a:p>
-            <a:r>
-              <a:rPr lang="en-US" dirty="0"/>
-              <a:t>The key is first to recognize when knowledge is generated.  Once I became aware of this classification and began to think in terms of it, it became easier for me to recognize knowledge generation.  It’s as if a bell goes off in my brain that indicates we need to record what was just said.</a:t>
-            </a:r>
-          </a:p>
-          <a:p>
-            <a:endParaRPr lang="en-US" dirty="0"/>
-          </a:p>
-          <a:p>
-            <a:r>
-              <a:rPr lang="en-US" dirty="0"/>
-              <a:t>The answer to the question is ”clearly no”,  We need to communicate to our future selves for the sake of productivity and reproducible research.</a:t>
+              <a:t>This can explain some of the difficulties that occur when a git expert is forced to use a workflow designed for a team with only git knowledge.  They aren’t allowed to work in a more powerful, efficient, and effective way.  If they do work in their powerful, they can upset all those with insufficient understanding.</a:t>
             </a:r>
           </a:p>
         </p:txBody>
@@ -3055,7 +3235,7 @@
           <a:p>
             <a:fld id="{54E672D7-8E2D-4611-973D-F4591A707C34}" type="slidenum">
               <a:rPr lang="en-US" smtClean="0"/>
-              <a:t>11</a:t>
+              <a:t>10</a:t>
             </a:fld>
             <a:endParaRPr lang="en-US"/>
           </a:p>
@@ -3064,7 +3244,7 @@
     </p:spTree>
     <p:extLst>
       <p:ext uri="{BB962C8B-B14F-4D97-AF65-F5344CB8AC3E}">
-        <p14:creationId xmlns:p14="http://schemas.microsoft.com/office/powerpoint/2010/main" val="1399277158"/>
+        <p14:creationId xmlns:p14="http://schemas.microsoft.com/office/powerpoint/2010/main" val="153949558"/>
       </p:ext>
     </p:extLst>
   </p:cSld>
@@ -8652,6 +8832,247 @@
           </a:p>
         </p:txBody>
       </p:sp>
+      <p:cxnSp>
+        <p:nvCxnSpPr>
+          <p:cNvPr id="7" name="Straight Arrow Connector 6">
+            <a:extLst>
+              <a:ext uri="{FF2B5EF4-FFF2-40B4-BE49-F238E27FC236}">
+                <a16:creationId xmlns:a16="http://schemas.microsoft.com/office/drawing/2014/main" id="{C63BC0F0-6574-B496-52C2-E4D872815F5D}"/>
+              </a:ext>
+            </a:extLst>
+          </p:cNvPr>
+          <p:cNvCxnSpPr>
+            <a:cxnSpLocks/>
+          </p:cNvCxnSpPr>
+          <p:nvPr/>
+        </p:nvCxnSpPr>
+        <p:spPr>
+          <a:xfrm flipH="1" flipV="1">
+            <a:off x="5166360" y="6050280"/>
+            <a:ext cx="220980" cy="312420"/>
+          </a:xfrm>
+          <a:prstGeom prst="straightConnector1">
+            <a:avLst/>
+          </a:prstGeom>
+          <a:ln>
+            <a:tailEnd type="triangle"/>
+          </a:ln>
+        </p:spPr>
+        <p:style>
+          <a:lnRef idx="1">
+            <a:schemeClr val="accent1"/>
+          </a:lnRef>
+          <a:fillRef idx="0">
+            <a:schemeClr val="accent1"/>
+          </a:fillRef>
+          <a:effectRef idx="0">
+            <a:schemeClr val="accent1"/>
+          </a:effectRef>
+          <a:fontRef idx="minor">
+            <a:schemeClr val="tx1"/>
+          </a:fontRef>
+        </p:style>
+      </p:cxnSp>
+      <p:sp>
+        <p:nvSpPr>
+          <p:cNvPr id="8" name="TextBox 7">
+            <a:extLst>
+              <a:ext uri="{FF2B5EF4-FFF2-40B4-BE49-F238E27FC236}">
+                <a16:creationId xmlns:a16="http://schemas.microsoft.com/office/drawing/2014/main" id="{B24FB57D-760B-1116-DD61-3CD63BFC4E82}"/>
+              </a:ext>
+            </a:extLst>
+          </p:cNvPr>
+          <p:cNvSpPr txBox="1"/>
+          <p:nvPr/>
+        </p:nvSpPr>
+        <p:spPr>
+          <a:xfrm>
+            <a:off x="4856368" y="6281804"/>
+            <a:ext cx="1169807" cy="350865"/>
+          </a:xfrm>
+          <a:prstGeom prst="rect">
+            <a:avLst/>
+          </a:prstGeom>
+          <a:noFill/>
+        </p:spPr>
+        <p:txBody>
+          <a:bodyPr wrap="none" lIns="118872" tIns="91440" rIns="118872" bIns="91440" rtlCol="0" anchor="ctr" anchorCtr="0">
+            <a:spAutoFit/>
+          </a:bodyPr>
+          <a:lstStyle/>
+          <a:p>
+            <a:pPr algn="l">
+              <a:lnSpc>
+                <a:spcPct val="90000"/>
+              </a:lnSpc>
+            </a:pPr>
+            <a:r>
+              <a:rPr lang="en-US" sz="1200" dirty="0"/>
+              <a:t>Science team</a:t>
+            </a:r>
+          </a:p>
+        </p:txBody>
+      </p:sp>
+      <p:sp>
+        <p:nvSpPr>
+          <p:cNvPr id="10" name="TextBox 9">
+            <a:extLst>
+              <a:ext uri="{FF2B5EF4-FFF2-40B4-BE49-F238E27FC236}">
+                <a16:creationId xmlns:a16="http://schemas.microsoft.com/office/drawing/2014/main" id="{F948E01E-207D-4CAE-A083-779CA543001C}"/>
+              </a:ext>
+            </a:extLst>
+          </p:cNvPr>
+          <p:cNvSpPr txBox="1"/>
+          <p:nvPr/>
+        </p:nvSpPr>
+        <p:spPr>
+          <a:xfrm>
+            <a:off x="6250828" y="5460249"/>
+            <a:ext cx="1544910" cy="350865"/>
+          </a:xfrm>
+          <a:prstGeom prst="rect">
+            <a:avLst/>
+          </a:prstGeom>
+          <a:noFill/>
+        </p:spPr>
+        <p:txBody>
+          <a:bodyPr wrap="none" lIns="118872" tIns="91440" rIns="118872" bIns="91440" rtlCol="0" anchor="ctr" anchorCtr="0">
+            <a:spAutoFit/>
+          </a:bodyPr>
+          <a:lstStyle/>
+          <a:p>
+            <a:pPr algn="l">
+              <a:lnSpc>
+                <a:spcPct val="90000"/>
+              </a:lnSpc>
+            </a:pPr>
+            <a:r>
+              <a:rPr lang="en-US" sz="1200" dirty="0"/>
+              <a:t>Data analysis team</a:t>
+            </a:r>
+          </a:p>
+        </p:txBody>
+      </p:sp>
+      <p:cxnSp>
+        <p:nvCxnSpPr>
+          <p:cNvPr id="12" name="Straight Arrow Connector 11">
+            <a:extLst>
+              <a:ext uri="{FF2B5EF4-FFF2-40B4-BE49-F238E27FC236}">
+                <a16:creationId xmlns:a16="http://schemas.microsoft.com/office/drawing/2014/main" id="{A63E753B-D971-7587-F389-5E0840348E99}"/>
+              </a:ext>
+            </a:extLst>
+          </p:cNvPr>
+          <p:cNvCxnSpPr>
+            <a:stCxn id="10" idx="1"/>
+          </p:cNvCxnSpPr>
+          <p:nvPr/>
+        </p:nvCxnSpPr>
+        <p:spPr>
+          <a:xfrm flipH="1">
+            <a:off x="4145280" y="5635682"/>
+            <a:ext cx="2105548" cy="102178"/>
+          </a:xfrm>
+          <a:prstGeom prst="straightConnector1">
+            <a:avLst/>
+          </a:prstGeom>
+          <a:ln>
+            <a:tailEnd type="triangle"/>
+          </a:ln>
+        </p:spPr>
+        <p:style>
+          <a:lnRef idx="1">
+            <a:schemeClr val="accent1"/>
+          </a:lnRef>
+          <a:fillRef idx="0">
+            <a:schemeClr val="accent1"/>
+          </a:fillRef>
+          <a:effectRef idx="0">
+            <a:schemeClr val="accent1"/>
+          </a:effectRef>
+          <a:fontRef idx="minor">
+            <a:schemeClr val="tx1"/>
+          </a:fontRef>
+        </p:style>
+      </p:cxnSp>
+      <p:sp>
+        <p:nvSpPr>
+          <p:cNvPr id="13" name="TextBox 12">
+            <a:extLst>
+              <a:ext uri="{FF2B5EF4-FFF2-40B4-BE49-F238E27FC236}">
+                <a16:creationId xmlns:a16="http://schemas.microsoft.com/office/drawing/2014/main" id="{689D75E1-B860-6118-599A-F0AAB770B8DF}"/>
+              </a:ext>
+            </a:extLst>
+          </p:cNvPr>
+          <p:cNvSpPr txBox="1"/>
+          <p:nvPr/>
+        </p:nvSpPr>
+        <p:spPr>
+          <a:xfrm>
+            <a:off x="8392048" y="3197109"/>
+            <a:ext cx="1288430" cy="350865"/>
+          </a:xfrm>
+          <a:prstGeom prst="rect">
+            <a:avLst/>
+          </a:prstGeom>
+          <a:noFill/>
+        </p:spPr>
+        <p:txBody>
+          <a:bodyPr wrap="none" lIns="118872" tIns="91440" rIns="118872" bIns="91440" rtlCol="0" anchor="ctr" anchorCtr="0">
+            <a:spAutoFit/>
+          </a:bodyPr>
+          <a:lstStyle/>
+          <a:p>
+            <a:pPr algn="l">
+              <a:lnSpc>
+                <a:spcPct val="90000"/>
+              </a:lnSpc>
+            </a:pPr>
+            <a:r>
+              <a:rPr lang="en-US" sz="1200" dirty="0"/>
+              <a:t>Hardware team</a:t>
+            </a:r>
+          </a:p>
+        </p:txBody>
+      </p:sp>
+      <p:cxnSp>
+        <p:nvCxnSpPr>
+          <p:cNvPr id="15" name="Straight Arrow Connector 14">
+            <a:extLst>
+              <a:ext uri="{FF2B5EF4-FFF2-40B4-BE49-F238E27FC236}">
+                <a16:creationId xmlns:a16="http://schemas.microsoft.com/office/drawing/2014/main" id="{A2691F45-CE5F-B888-B980-642EEFDB88A8}"/>
+              </a:ext>
+            </a:extLst>
+          </p:cNvPr>
+          <p:cNvCxnSpPr/>
+          <p:nvPr/>
+        </p:nvCxnSpPr>
+        <p:spPr>
+          <a:xfrm flipH="1">
+            <a:off x="7673340" y="3372541"/>
+            <a:ext cx="718708" cy="0"/>
+          </a:xfrm>
+          <a:prstGeom prst="straightConnector1">
+            <a:avLst/>
+          </a:prstGeom>
+          <a:ln>
+            <a:tailEnd type="triangle"/>
+          </a:ln>
+        </p:spPr>
+        <p:style>
+          <a:lnRef idx="1">
+            <a:schemeClr val="accent1"/>
+          </a:lnRef>
+          <a:fillRef idx="0">
+            <a:schemeClr val="accent1"/>
+          </a:fillRef>
+          <a:effectRef idx="0">
+            <a:schemeClr val="accent1"/>
+          </a:effectRef>
+          <a:fontRef idx="minor">
+            <a:schemeClr val="tx1"/>
+          </a:fontRef>
+        </p:style>
+      </p:cxnSp>
     </p:spTree>
     <p:extLst>
       <p:ext uri="{BB962C8B-B14F-4D97-AF65-F5344CB8AC3E}">
@@ -10422,7 +10843,7 @@
           <a:p>
             <a:r>
               <a:rPr lang="en-US" dirty="0"/>
-              <a:t>Productivity can benefit from selflessness</a:t>
+              <a:t>Productivity can arise from selflessness</a:t>
             </a:r>
           </a:p>
           <a:p>

--- a/lab-notebooks.pptx
+++ b/lab-notebooks.pptx
@@ -13,8 +13,8 @@
   <p:sldIdLst>
     <p:sldId id="256" r:id="rId5"/>
     <p:sldId id="321" r:id="rId6"/>
-    <p:sldId id="322" r:id="rId7"/>
-    <p:sldId id="323" r:id="rId8"/>
+    <p:sldId id="323" r:id="rId7"/>
+    <p:sldId id="322" r:id="rId8"/>
     <p:sldId id="349" r:id="rId9"/>
     <p:sldId id="325" r:id="rId10"/>
     <p:sldId id="326" r:id="rId11"/>
@@ -278,7 +278,7 @@
           <a:p>
             <a:fld id="{0B842F42-2CE9-4E35-95C1-410DC08A50B1}" type="datetimeFigureOut">
               <a:rPr lang="en-US" smtClean="0"/>
-              <a:t>7/25/22</a:t>
+              <a:t>8/2/22</a:t>
             </a:fld>
             <a:endParaRPr lang="en-US"/>
           </a:p>
@@ -443,7 +443,7 @@
           <a:p>
             <a:fld id="{6F282904-F315-4730-8D91-37D99E141A6F}" type="datetimeFigureOut">
               <a:rPr lang="en-US" smtClean="0"/>
-              <a:t>7/25/22</a:t>
+              <a:t>8/2/22</a:t>
             </a:fld>
             <a:endParaRPr lang="en-US"/>
           </a:p>
@@ -2052,19 +2052,13 @@
           <a:bodyPr/>
           <a:lstStyle/>
           <a:p>
-            <a:r>
-              <a:rPr lang="en-US" dirty="0"/>
-              <a:t>Emphasize that Katherine’s quote has three main points, each of which resonates with me.</a:t>
-            </a:r>
-          </a:p>
-          <a:p>
             <a:pPr marL="171450" indent="-171450">
               <a:buFont typeface="Arial" panose="020B0604020202020204" pitchFamily="34" charset="0"/>
               <a:buChar char="•"/>
             </a:pPr>
             <a:r>
               <a:rPr lang="en-US" dirty="0"/>
-              <a:t>low-level science practices are required to do rigorous, reproducible science</a:t>
+              <a:t>This slide should give them context for understanding my point of view.  Emphasize that one main point of this talk is to maintain an open mind when talking to people whose work is slightly different.  Therefore, if role is different from yours, don’t assume that what I will say is useless.  Rather, search out similarities rather than differences.</a:t>
             </a:r>
           </a:p>
           <a:p>
@@ -2072,10 +2066,7 @@
               <a:buFont typeface="Arial" panose="020B0604020202020204" pitchFamily="34" charset="0"/>
               <a:buChar char="•"/>
             </a:pPr>
-            <a:r>
-              <a:rPr lang="en-US" dirty="0"/>
-              <a:t>Experimentalists do understand this</a:t>
-            </a:r>
+            <a:endParaRPr lang="en-US" dirty="0"/>
           </a:p>
           <a:p>
             <a:pPr marL="171450" indent="-171450">
@@ -2084,16 +2075,7 @@
             </a:pPr>
             <a:r>
               <a:rPr lang="en-US" dirty="0"/>
-              <a:t>Computational science not so much</a:t>
-            </a:r>
-          </a:p>
-          <a:p>
-            <a:endParaRPr lang="en-US" dirty="0"/>
-          </a:p>
-          <a:p>
-            <a:r>
-              <a:rPr lang="en-US" dirty="0"/>
-              <a:t>What does she mean by software practices</a:t>
+              <a:t>Physics was mostly about designing, constructing, all aspects of scientific data including data analysis.</a:t>
             </a:r>
           </a:p>
           <a:p>
@@ -2101,10 +2083,33 @@
               <a:buFont typeface="Arial" panose="020B0604020202020204" pitchFamily="34" charset="0"/>
               <a:buChar char="•"/>
             </a:pPr>
-            <a:r>
-              <a:rPr lang="en-US" dirty="0"/>
-              <a:t>Design and implement software following best practices</a:t>
-            </a:r>
+            <a:endParaRPr lang="en-US" dirty="0"/>
+          </a:p>
+          <a:p>
+            <a:pPr marL="0" marR="0" lvl="0" indent="0" algn="l" defTabSz="914400" rtl="0" eaLnBrk="1" fontAlgn="auto" latinLnBrk="0" hangingPunct="1">
+              <a:lnSpc>
+                <a:spcPct val="100000"/>
+              </a:lnSpc>
+              <a:spcBef>
+                <a:spcPts val="0"/>
+              </a:spcBef>
+              <a:spcAft>
+                <a:spcPts val="0"/>
+              </a:spcAft>
+              <a:buClrTx/>
+              <a:buSzTx/>
+              <a:buFontTx/>
+              <a:buNone/>
+              <a:tabLst/>
+              <a:defRPr/>
+            </a:pPr>
+            <a:r>
+              <a:rPr lang="en-US" dirty="0"/>
+              <a:t>* Observatory was working to ensure high-quality results with full context so that public can do science</a:t>
+            </a:r>
+          </a:p>
+          <a:p>
+            <a:endParaRPr lang="en-US" dirty="0"/>
           </a:p>
           <a:p>
             <a:pPr marL="171450" indent="-171450">
@@ -2113,7 +2118,7 @@
             </a:pPr>
             <a:r>
               <a:rPr lang="en-US" dirty="0"/>
-              <a:t>Test your code</a:t>
+              <a:t>While my experimental background was closer to R&amp;D, the laboratory work was clearly more about operations - Paranal is a science factory.  This is different in some ways, very rigorous, and at a very large scale.  To adapt ideas/tips/tricks/tools for observatory, there needs to be some simplification.</a:t>
             </a:r>
           </a:p>
           <a:p>
@@ -2121,9 +2126,29 @@
               <a:buFont typeface="Arial" panose="020B0604020202020204" pitchFamily="34" charset="0"/>
               <a:buChar char="•"/>
             </a:pPr>
-            <a:r>
-              <a:rPr lang="en-US" dirty="0"/>
-              <a:t>Use version control and use it well</a:t>
+            <a:endParaRPr lang="en-US" dirty="0"/>
+          </a:p>
+          <a:p>
+            <a:pPr marL="171450" marR="0" lvl="0" indent="-171450" algn="l" defTabSz="914400" rtl="0" eaLnBrk="1" fontAlgn="auto" latinLnBrk="0" hangingPunct="1">
+              <a:lnSpc>
+                <a:spcPct val="100000"/>
+              </a:lnSpc>
+              <a:spcBef>
+                <a:spcPts val="0"/>
+              </a:spcBef>
+              <a:spcAft>
+                <a:spcPts val="0"/>
+              </a:spcAft>
+              <a:buClrTx/>
+              <a:buSzTx/>
+              <a:buFont typeface="Arial" panose="020B0604020202020204" pitchFamily="34" charset="0"/>
+              <a:buChar char="•"/>
+              <a:tabLst/>
+              <a:defRPr/>
+            </a:pPr>
+            <a:r>
+              <a:rPr lang="en-US" dirty="0"/>
+              <a:t>Part of working on scientific instrumentation is understanding how the data is generated and therefore understanding how to correctly and rigorously analyze data and draw conclusions from data.</a:t>
             </a:r>
           </a:p>
           <a:p>
@@ -2131,9 +2156,29 @@
               <a:buFont typeface="Arial" panose="020B0604020202020204" pitchFamily="34" charset="0"/>
               <a:buChar char="•"/>
             </a:pPr>
-            <a:r>
-              <a:rPr lang="en-US" dirty="0"/>
-              <a:t>Code reviews</a:t>
+            <a:endParaRPr lang="en-US" dirty="0"/>
+          </a:p>
+          <a:p>
+            <a:pPr marL="171450" marR="0" lvl="0" indent="-171450" algn="l" defTabSz="914400" rtl="0" eaLnBrk="1" fontAlgn="auto" latinLnBrk="0" hangingPunct="1">
+              <a:lnSpc>
+                <a:spcPct val="100000"/>
+              </a:lnSpc>
+              <a:spcBef>
+                <a:spcPts val="0"/>
+              </a:spcBef>
+              <a:spcAft>
+                <a:spcPts val="0"/>
+              </a:spcAft>
+              <a:buClrTx/>
+              <a:buSzTx/>
+              <a:buFont typeface="Arial" panose="020B0604020202020204" pitchFamily="34" charset="0"/>
+              <a:buChar char="•"/>
+              <a:tabLst/>
+              <a:defRPr/>
+            </a:pPr>
+            <a:r>
+              <a:rPr lang="en-US" dirty="0"/>
+              <a:t>Emphasize that implicit in this is my belief that developing scientific software is developing a scientific instrument.  How many people share this view?  If not, how do people view their software and how they use it?</a:t>
             </a:r>
           </a:p>
           <a:p>
@@ -2141,27 +2186,7 @@
               <a:buFont typeface="Arial" panose="020B0604020202020204" pitchFamily="34" charset="0"/>
               <a:buChar char="•"/>
             </a:pPr>
-            <a:r>
-              <a:rPr lang="en-US" dirty="0"/>
-              <a:t>Documentation (e.g., document your assumptions)</a:t>
-            </a:r>
-          </a:p>
-          <a:p>
             <a:endParaRPr lang="en-US" dirty="0"/>
-          </a:p>
-          <a:p>
-            <a:r>
-              <a:rPr lang="en-US" dirty="0"/>
-              <a:t>Many people refer to software practices as “software engineering”.  I whole-heartedly disagree with this.  I understand this work to be foundational, bedrock science that is required to do high-quality trustworthy high-level science.  But, we need not reinvent the wheel.  We can learn from the SW </a:t>
-            </a:r>
-            <a:r>
-              <a:rPr lang="en-US" dirty="0" err="1"/>
-              <a:t>Eng</a:t>
-            </a:r>
-            <a:r>
-              <a:rPr lang="en-US" dirty="0"/>
-              <a:t> community and adapt what they know and use.</a:t>
-            </a:r>
           </a:p>
         </p:txBody>
       </p:sp>
@@ -2191,7 +2216,7 @@
     </p:spTree>
     <p:extLst>
       <p:ext uri="{BB962C8B-B14F-4D97-AF65-F5344CB8AC3E}">
-        <p14:creationId xmlns:p14="http://schemas.microsoft.com/office/powerpoint/2010/main" val="1936705258"/>
+        <p14:creationId xmlns:p14="http://schemas.microsoft.com/office/powerpoint/2010/main" val="795729674"/>
       </p:ext>
     </p:extLst>
   </p:cSld>
@@ -2329,13 +2354,19 @@
           <a:bodyPr/>
           <a:lstStyle/>
           <a:p>
+            <a:r>
+              <a:rPr lang="en-US" dirty="0"/>
+              <a:t>Emphasize that Katherine’s quote has three main points, each of which resonates with me.</a:t>
+            </a:r>
+          </a:p>
+          <a:p>
             <a:pPr marL="171450" indent="-171450">
               <a:buFont typeface="Arial" panose="020B0604020202020204" pitchFamily="34" charset="0"/>
               <a:buChar char="•"/>
             </a:pPr>
             <a:r>
               <a:rPr lang="en-US" dirty="0"/>
-              <a:t>This slide should give them context for understanding my point of view.  Emphasize that one main point of this talk is to maintain an open mind when talking to people whose work is slightly different.  Therefore, if role is different from yours, don’t assume that what I will say is useless.  Rather, search out similarities rather than differences.</a:t>
+              <a:t>low-level science practices are required to do rigorous, reproducible science</a:t>
             </a:r>
           </a:p>
           <a:p>
@@ -2343,7 +2374,10 @@
               <a:buFont typeface="Arial" panose="020B0604020202020204" pitchFamily="34" charset="0"/>
               <a:buChar char="•"/>
             </a:pPr>
-            <a:endParaRPr lang="en-US" dirty="0"/>
+            <a:r>
+              <a:rPr lang="en-US" dirty="0"/>
+              <a:t>Experimentalists do understand this</a:t>
+            </a:r>
           </a:p>
           <a:p>
             <a:pPr marL="171450" indent="-171450">
@@ -2352,7 +2386,16 @@
             </a:pPr>
             <a:r>
               <a:rPr lang="en-US" dirty="0"/>
-              <a:t>Physics was mostly about designing, constructing, all aspects of scientific data including data analysis.</a:t>
+              <a:t>Computational science not so much</a:t>
+            </a:r>
+          </a:p>
+          <a:p>
+            <a:endParaRPr lang="en-US" dirty="0"/>
+          </a:p>
+          <a:p>
+            <a:r>
+              <a:rPr lang="en-US" dirty="0"/>
+              <a:t>What does she mean by software practices</a:t>
             </a:r>
           </a:p>
           <a:p>
@@ -2360,33 +2403,10 @@
               <a:buFont typeface="Arial" panose="020B0604020202020204" pitchFamily="34" charset="0"/>
               <a:buChar char="•"/>
             </a:pPr>
-            <a:endParaRPr lang="en-US" dirty="0"/>
-          </a:p>
-          <a:p>
-            <a:pPr marL="0" marR="0" lvl="0" indent="0" algn="l" defTabSz="914400" rtl="0" eaLnBrk="1" fontAlgn="auto" latinLnBrk="0" hangingPunct="1">
-              <a:lnSpc>
-                <a:spcPct val="100000"/>
-              </a:lnSpc>
-              <a:spcBef>
-                <a:spcPts val="0"/>
-              </a:spcBef>
-              <a:spcAft>
-                <a:spcPts val="0"/>
-              </a:spcAft>
-              <a:buClrTx/>
-              <a:buSzTx/>
-              <a:buFontTx/>
-              <a:buNone/>
-              <a:tabLst/>
-              <a:defRPr/>
-            </a:pPr>
-            <a:r>
-              <a:rPr lang="en-US" dirty="0"/>
-              <a:t>* Observatory was working to ensure high-quality results with full context so that public can do science</a:t>
-            </a:r>
-          </a:p>
-          <a:p>
-            <a:endParaRPr lang="en-US" dirty="0"/>
+            <a:r>
+              <a:rPr lang="en-US" dirty="0"/>
+              <a:t>Design and implement software following best practices</a:t>
+            </a:r>
           </a:p>
           <a:p>
             <a:pPr marL="171450" indent="-171450">
@@ -2395,7 +2415,7 @@
             </a:pPr>
             <a:r>
               <a:rPr lang="en-US" dirty="0"/>
-              <a:t>While my experimental background was closer to R&amp;D, the laboratory work was clearly more about operations - Paranal is a science factory.  This is different in some ways, very rigorous, and at a very large scale.  To adapt ideas/tips/tricks/tools for observatory, there needs to be some simplification.</a:t>
+              <a:t>Test your code</a:t>
             </a:r>
           </a:p>
           <a:p>
@@ -2403,29 +2423,9 @@
               <a:buFont typeface="Arial" panose="020B0604020202020204" pitchFamily="34" charset="0"/>
               <a:buChar char="•"/>
             </a:pPr>
-            <a:endParaRPr lang="en-US" dirty="0"/>
-          </a:p>
-          <a:p>
-            <a:pPr marL="171450" marR="0" lvl="0" indent="-171450" algn="l" defTabSz="914400" rtl="0" eaLnBrk="1" fontAlgn="auto" latinLnBrk="0" hangingPunct="1">
-              <a:lnSpc>
-                <a:spcPct val="100000"/>
-              </a:lnSpc>
-              <a:spcBef>
-                <a:spcPts val="0"/>
-              </a:spcBef>
-              <a:spcAft>
-                <a:spcPts val="0"/>
-              </a:spcAft>
-              <a:buClrTx/>
-              <a:buSzTx/>
-              <a:buFont typeface="Arial" panose="020B0604020202020204" pitchFamily="34" charset="0"/>
-              <a:buChar char="•"/>
-              <a:tabLst/>
-              <a:defRPr/>
-            </a:pPr>
-            <a:r>
-              <a:rPr lang="en-US" dirty="0"/>
-              <a:t>Part of working on scientific instrumentation is understanding how the data is generated and therefore understanding how to correctly and rigorously analyze data and draw conclusions from data.</a:t>
+            <a:r>
+              <a:rPr lang="en-US" dirty="0"/>
+              <a:t>Use version control and use it well</a:t>
             </a:r>
           </a:p>
           <a:p>
@@ -2433,29 +2433,9 @@
               <a:buFont typeface="Arial" panose="020B0604020202020204" pitchFamily="34" charset="0"/>
               <a:buChar char="•"/>
             </a:pPr>
-            <a:endParaRPr lang="en-US" dirty="0"/>
-          </a:p>
-          <a:p>
-            <a:pPr marL="171450" marR="0" lvl="0" indent="-171450" algn="l" defTabSz="914400" rtl="0" eaLnBrk="1" fontAlgn="auto" latinLnBrk="0" hangingPunct="1">
-              <a:lnSpc>
-                <a:spcPct val="100000"/>
-              </a:lnSpc>
-              <a:spcBef>
-                <a:spcPts val="0"/>
-              </a:spcBef>
-              <a:spcAft>
-                <a:spcPts val="0"/>
-              </a:spcAft>
-              <a:buClrTx/>
-              <a:buSzTx/>
-              <a:buFont typeface="Arial" panose="020B0604020202020204" pitchFamily="34" charset="0"/>
-              <a:buChar char="•"/>
-              <a:tabLst/>
-              <a:defRPr/>
-            </a:pPr>
-            <a:r>
-              <a:rPr lang="en-US" dirty="0"/>
-              <a:t>Emphasize that implicit in this is my belief that developing scientific software is developing a scientific instrument.  How many people share this view?  If not, how do people view their software and how they use it?</a:t>
+            <a:r>
+              <a:rPr lang="en-US" dirty="0"/>
+              <a:t>Code reviews</a:t>
             </a:r>
           </a:p>
           <a:p>
@@ -2463,7 +2443,27 @@
               <a:buFont typeface="Arial" panose="020B0604020202020204" pitchFamily="34" charset="0"/>
               <a:buChar char="•"/>
             </a:pPr>
+            <a:r>
+              <a:rPr lang="en-US" dirty="0"/>
+              <a:t>Documentation (e.g., document your assumptions)</a:t>
+            </a:r>
+          </a:p>
+          <a:p>
             <a:endParaRPr lang="en-US" dirty="0"/>
+          </a:p>
+          <a:p>
+            <a:r>
+              <a:rPr lang="en-US" dirty="0"/>
+              <a:t>Many people refer to software practices as “software engineering”.  I whole-heartedly disagree with this.  I understand this work to be foundational, bedrock science that is required to do high-quality trustworthy high-level science.  But, we need not reinvent the wheel.  We can learn from the SW </a:t>
+            </a:r>
+            <a:r>
+              <a:rPr lang="en-US" dirty="0" err="1"/>
+              <a:t>Eng</a:t>
+            </a:r>
+            <a:r>
+              <a:rPr lang="en-US" dirty="0"/>
+              <a:t> community and adapt what they know and use.</a:t>
+            </a:r>
           </a:p>
         </p:txBody>
       </p:sp>
@@ -2493,7 +2493,7 @@
     </p:spTree>
     <p:extLst>
       <p:ext uri="{BB962C8B-B14F-4D97-AF65-F5344CB8AC3E}">
-        <p14:creationId xmlns:p14="http://schemas.microsoft.com/office/powerpoint/2010/main" val="795729674"/>
+        <p14:creationId xmlns:p14="http://schemas.microsoft.com/office/powerpoint/2010/main" val="1936705258"/>
       </p:ext>
     </p:extLst>
   </p:cSld>
@@ -7206,7 +7206,7 @@
             <a:pPr lvl="1"/>
             <a:r>
               <a:rPr lang="en-US" dirty="0"/>
-              <a:t>This workflow should protect code so that we can’t do damage</a:t>
+              <a:t>This git workflow should protect code so that we can’t do damage</a:t>
             </a:r>
           </a:p>
           <a:p>
@@ -7513,6 +7513,13 @@
             </a:r>
           </a:p>
           <a:p>
+            <a:pPr lvl="1"/>
+            <a:r>
+              <a:rPr lang="en-US" dirty="0"/>
+              <a:t>Hope to improve understanding</a:t>
+            </a:r>
+          </a:p>
+          <a:p>
             <a:r>
               <a:rPr lang="en-US" dirty="0"/>
               <a:t>We get more if we derive lessons learned together.</a:t>
@@ -7530,12 +7537,6 @@
             <a:r>
               <a:rPr lang="en-US" dirty="0"/>
               <a:t>Communicate the knowledge implicitly</a:t>
-            </a:r>
-          </a:p>
-          <a:p>
-            <a:r>
-              <a:rPr lang="en-US" dirty="0"/>
-              <a:t>We hope that understanding can be improved or generated.</a:t>
             </a:r>
           </a:p>
           <a:p>
@@ -9904,6 +9905,12 @@
           <a:p>
             <a:r>
               <a:rPr lang="en-US" dirty="0"/>
+              <a:t>Open format can allow for creativity and easier annotation</a:t>
+            </a:r>
+          </a:p>
+          <a:p>
+            <a:r>
+              <a:rPr lang="en-US" dirty="0"/>
               <a:t>Concentrate on the work that I am performing rather than on tooling</a:t>
             </a:r>
           </a:p>
@@ -9917,12 +9924,6 @@
             <a:r>
               <a:rPr lang="en-US" dirty="0"/>
               <a:t>Sometimes it’s good if notetaking slows down progress</a:t>
-            </a:r>
-          </a:p>
-          <a:p>
-            <a:r>
-              <a:rPr lang="en-US" dirty="0"/>
-              <a:t>Open format can allow for creativity and easier annotation</a:t>
             </a:r>
           </a:p>
           <a:p>
@@ -10551,13 +10552,7 @@
               <a:rPr lang="en-US" dirty="0">
                 <a:hlinkClick r:id="rId3"/>
               </a:rPr>
-              <a:t>YouTub</a:t>
-            </a:r>
-            <a:r>
-              <a:rPr lang="en-US" dirty="0">
-                <a:hlinkClick r:id="rId3"/>
-              </a:rPr>
-              <a:t>e</a:t>
+              <a:t>YouTube</a:t>
             </a:r>
             <a:r>
               <a:rPr lang="en-US" dirty="0"/>
@@ -10925,7 +10920,7 @@
           <p:cNvPr id="2" name="Title 1">
             <a:extLst>
               <a:ext uri="{FF2B5EF4-FFF2-40B4-BE49-F238E27FC236}">
-                <a16:creationId xmlns:a16="http://schemas.microsoft.com/office/drawing/2014/main" id="{D1E181A3-6671-7FC8-9B8C-EFA7CD94AE43}"/>
+                <a16:creationId xmlns:a16="http://schemas.microsoft.com/office/drawing/2014/main" id="{DD7726F5-3910-8BD6-E06A-CE367C4572DD}"/>
               </a:ext>
             </a:extLst>
           </p:cNvPr>
@@ -10943,7 +10938,7 @@
           <a:p>
             <a:r>
               <a:rPr lang="en-US" dirty="0"/>
-              <a:t>Why discuss experimental sciences at ATPESC?</a:t>
+              <a:t>My background</a:t>
             </a:r>
           </a:p>
         </p:txBody>
@@ -10953,7 +10948,7 @@
           <p:cNvPr id="3" name="Content Placeholder 2">
             <a:extLst>
               <a:ext uri="{FF2B5EF4-FFF2-40B4-BE49-F238E27FC236}">
-                <a16:creationId xmlns:a16="http://schemas.microsoft.com/office/drawing/2014/main" id="{7478E814-3FD6-683A-287B-C6BF8DC954B1}"/>
+                <a16:creationId xmlns:a16="http://schemas.microsoft.com/office/drawing/2014/main" id="{EBD2BFD3-91EC-7E65-A99A-FDC0ED7B4620}"/>
               </a:ext>
             </a:extLst>
           </p:cNvPr>
@@ -10966,7 +10961,7 @@
         </p:nvSpPr>
         <p:spPr>
           <a:xfrm>
-            <a:off x="365760" y="1259840"/>
+            <a:off x="365760" y="1438778"/>
             <a:ext cx="11369809" cy="4047778"/>
           </a:xfrm>
         </p:spPr>
@@ -10974,62 +10969,113 @@
           <a:bodyPr/>
           <a:lstStyle/>
           <a:p>
+            <a:r>
+              <a:rPr lang="en-US" dirty="0"/>
+              <a:t>Experimental condensed matter physics background</a:t>
+            </a:r>
+          </a:p>
+          <a:p>
+            <a:pPr lvl="1"/>
+            <a:r>
+              <a:rPr lang="en-US" dirty="0"/>
+              <a:t>Low-energy positron diffraction</a:t>
+            </a:r>
+          </a:p>
+          <a:p>
+            <a:pPr lvl="1"/>
+            <a:r>
+              <a:rPr lang="en-US" dirty="0"/>
+              <a:t>Low-temperature, ultra-high-vacuum scanning tunneling microscopy</a:t>
+            </a:r>
+          </a:p>
+          <a:p>
+            <a:r>
+              <a:rPr lang="en-US" dirty="0"/>
+              <a:t>Professional experience in observational science environment</a:t>
+            </a:r>
+          </a:p>
+          <a:p>
+            <a:pPr lvl="1"/>
+            <a:r>
+              <a:rPr lang="en-US" dirty="0"/>
+              <a:t>European Southern Observatory’s Paranal Observatory</a:t>
+            </a:r>
+          </a:p>
+          <a:p>
+            <a:pPr lvl="1"/>
+            <a:r>
+              <a:rPr lang="en-US" dirty="0"/>
+              <a:t>Systems engineer specialized in adaptive optics</a:t>
+            </a:r>
+          </a:p>
+          <a:p>
+            <a:r>
+              <a:rPr lang="en-US" dirty="0"/>
+              <a:t>Scientific software developer</a:t>
+            </a:r>
+          </a:p>
+          <a:p>
+            <a:pPr lvl="1"/>
+            <a:r>
+              <a:rPr lang="en-US" dirty="0"/>
+              <a:t>Primarily focused on applications</a:t>
+            </a:r>
+          </a:p>
+          <a:p>
             <a:pPr marL="0" indent="0">
               <a:buNone/>
             </a:pPr>
-            <a:r>
-              <a:rPr lang="en-US" dirty="0"/>
-              <a:t>Scientific HPC is several young fields that “on close examination, have not really stabilized or optimized their collaborative processes in a manner analogous to that of more mature, ‘classical’ sciences. As a consequence, valuable science is often needlessly lost, or left uncollected.”</a:t>
-            </a:r>
-          </a:p>
-          <a:p>
-            <a:pPr marL="0" indent="0">
-              <a:buNone/>
-            </a:pPr>
-            <a:r>
-              <a:rPr lang="en-US" dirty="0"/>
-              <a:t>	- </a:t>
-            </a:r>
-            <a:r>
-              <a:rPr lang="en-US" sz="2000" dirty="0"/>
-              <a:t>Carlo Graziani, Computational Scientist at ANL, </a:t>
-            </a:r>
-            <a:r>
-              <a:rPr lang="en-US" sz="2000" i="1" dirty="0"/>
-              <a:t>HPC and the Lab Manager</a:t>
-            </a:r>
-          </a:p>
-          <a:p>
-            <a:pPr marL="0" indent="0">
-              <a:buNone/>
-            </a:pPr>
             <a:endParaRPr lang="en-US" dirty="0"/>
           </a:p>
-          <a:p>
-            <a:pPr marL="0" indent="0">
-              <a:buNone/>
-            </a:pPr>
-            <a:r>
-              <a:rPr lang="en-US" dirty="0"/>
-              <a:t>“… practicing the scientific method properly requires good software practices.  This is understood in the experimental community…The computational science side has had a historic problem with it.  As we can see, it’s getting better.”</a:t>
-            </a:r>
-          </a:p>
-          <a:p>
-            <a:pPr marL="0" indent="0">
-              <a:buNone/>
-            </a:pPr>
-            <a:r>
-              <a:rPr lang="en-US" dirty="0"/>
-              <a:t>	- </a:t>
-            </a:r>
-            <a:r>
-              <a:rPr lang="en-US" sz="2000" dirty="0"/>
-              <a:t>Katherine Riley, Director of Science at ALCF, ATPESC 2019</a:t>
-            </a:r>
-          </a:p>
-          <a:p>
-            <a:pPr marL="0" indent="0">
-              <a:buNone/>
+        </p:txBody>
+      </p:sp>
+      <p:sp>
+        <p:nvSpPr>
+          <p:cNvPr id="5" name="TextBox 4">
+            <a:extLst>
+              <a:ext uri="{FF2B5EF4-FFF2-40B4-BE49-F238E27FC236}">
+                <a16:creationId xmlns:a16="http://schemas.microsoft.com/office/drawing/2014/main" id="{32FF8EC1-19AD-86DC-1D34-D5AA90E512D2}"/>
+              </a:ext>
+            </a:extLst>
+          </p:cNvPr>
+          <p:cNvSpPr txBox="1"/>
+          <p:nvPr/>
+        </p:nvSpPr>
+        <p:spPr>
+          <a:xfrm>
+            <a:off x="3121573" y="5232715"/>
+            <a:ext cx="6620017" cy="766364"/>
+          </a:xfrm>
+          <a:prstGeom prst="rect">
+            <a:avLst/>
+          </a:prstGeom>
+          <a:noFill/>
+        </p:spPr>
+        <p:txBody>
+          <a:bodyPr wrap="none" lIns="118872" tIns="91440" rIns="118872" bIns="91440" rtlCol="0" anchor="ctr" anchorCtr="0">
+            <a:spAutoFit/>
+          </a:bodyPr>
+          <a:lstStyle/>
+          <a:p>
+            <a:pPr>
+              <a:lnSpc>
+                <a:spcPct val="90000"/>
+              </a:lnSpc>
+            </a:pPr>
+            <a:r>
+              <a:rPr lang="en-US" sz="2400" dirty="0"/>
+              <a:t>Always working on </a:t>
+            </a:r>
+            <a:r>
+              <a:rPr lang="en-US" sz="2400" b="1" dirty="0"/>
+              <a:t>scientific instrumentation</a:t>
+            </a:r>
+          </a:p>
+          <a:p>
+            <a:pPr algn="l">
+              <a:lnSpc>
+                <a:spcPct val="90000"/>
+              </a:lnSpc>
             </a:pPr>
             <a:endParaRPr lang="en-US" dirty="0"/>
           </a:p>
@@ -11038,7 +11084,7 @@
     </p:spTree>
     <p:extLst>
       <p:ext uri="{BB962C8B-B14F-4D97-AF65-F5344CB8AC3E}">
-        <p14:creationId xmlns:p14="http://schemas.microsoft.com/office/powerpoint/2010/main" val="437670017"/>
+        <p14:creationId xmlns:p14="http://schemas.microsoft.com/office/powerpoint/2010/main" val="1597596200"/>
       </p:ext>
     </p:extLst>
   </p:cSld>
@@ -11070,7 +11116,7 @@
           <p:cNvPr id="2" name="Title 1">
             <a:extLst>
               <a:ext uri="{FF2B5EF4-FFF2-40B4-BE49-F238E27FC236}">
-                <a16:creationId xmlns:a16="http://schemas.microsoft.com/office/drawing/2014/main" id="{DD7726F5-3910-8BD6-E06A-CE367C4572DD}"/>
+                <a16:creationId xmlns:a16="http://schemas.microsoft.com/office/drawing/2014/main" id="{D1E181A3-6671-7FC8-9B8C-EFA7CD94AE43}"/>
               </a:ext>
             </a:extLst>
           </p:cNvPr>
@@ -11088,7 +11134,7 @@
           <a:p>
             <a:r>
               <a:rPr lang="en-US" dirty="0"/>
-              <a:t>Why me?</a:t>
+              <a:t>Why discuss experimental sciences at ATPESC?</a:t>
             </a:r>
           </a:p>
         </p:txBody>
@@ -11098,7 +11144,7 @@
           <p:cNvPr id="3" name="Content Placeholder 2">
             <a:extLst>
               <a:ext uri="{FF2B5EF4-FFF2-40B4-BE49-F238E27FC236}">
-                <a16:creationId xmlns:a16="http://schemas.microsoft.com/office/drawing/2014/main" id="{EBD2BFD3-91EC-7E65-A99A-FDC0ED7B4620}"/>
+                <a16:creationId xmlns:a16="http://schemas.microsoft.com/office/drawing/2014/main" id="{7478E814-3FD6-683A-287B-C6BF8DC954B1}"/>
               </a:ext>
             </a:extLst>
           </p:cNvPr>
@@ -11111,7 +11157,7 @@
         </p:nvSpPr>
         <p:spPr>
           <a:xfrm>
-            <a:off x="365760" y="1438778"/>
+            <a:off x="365760" y="1259840"/>
             <a:ext cx="11369809" cy="4047778"/>
           </a:xfrm>
         </p:spPr>
@@ -11119,113 +11165,62 @@
           <a:bodyPr/>
           <a:lstStyle/>
           <a:p>
-            <a:r>
-              <a:rPr lang="en-US" dirty="0"/>
-              <a:t>Experimental condensed matter physics background</a:t>
-            </a:r>
-          </a:p>
-          <a:p>
-            <a:pPr lvl="1"/>
-            <a:r>
-              <a:rPr lang="en-US" dirty="0"/>
-              <a:t>Low-energy positron diffraction</a:t>
-            </a:r>
-          </a:p>
-          <a:p>
-            <a:pPr lvl="1"/>
-            <a:r>
-              <a:rPr lang="en-US" dirty="0"/>
-              <a:t>Low-temperature, ultra-high-vacuum scanning tunneling microscopy</a:t>
-            </a:r>
-          </a:p>
-          <a:p>
-            <a:r>
-              <a:rPr lang="en-US" dirty="0"/>
-              <a:t>Professional experience in observational science environment</a:t>
-            </a:r>
-          </a:p>
-          <a:p>
-            <a:pPr lvl="1"/>
-            <a:r>
-              <a:rPr lang="en-US" dirty="0"/>
-              <a:t>European Southern Observatory’s Paranal Observatory</a:t>
-            </a:r>
-          </a:p>
-          <a:p>
-            <a:pPr lvl="1"/>
-            <a:r>
-              <a:rPr lang="en-US" dirty="0"/>
-              <a:t>Systems engineer specialized in adaptive optics</a:t>
-            </a:r>
-          </a:p>
-          <a:p>
-            <a:r>
-              <a:rPr lang="en-US" dirty="0"/>
-              <a:t>Scientific software developer</a:t>
-            </a:r>
-          </a:p>
-          <a:p>
-            <a:pPr lvl="1"/>
-            <a:r>
-              <a:rPr lang="en-US" dirty="0"/>
-              <a:t>Primarily focused on applications</a:t>
-            </a:r>
-          </a:p>
-          <a:p>
             <a:pPr marL="0" indent="0">
               <a:buNone/>
             </a:pPr>
+            <a:r>
+              <a:rPr lang="en-US" dirty="0"/>
+              <a:t>Scientific HPC is several young fields that “on close examination, have not really stabilized or optimized their collaborative processes in a manner analogous to that of more mature, ‘classical’ sciences. As a consequence, valuable science is often needlessly lost, or left uncollected.”</a:t>
+            </a:r>
+          </a:p>
+          <a:p>
+            <a:pPr marL="0" indent="0">
+              <a:buNone/>
+            </a:pPr>
+            <a:r>
+              <a:rPr lang="en-US" dirty="0"/>
+              <a:t>	- </a:t>
+            </a:r>
+            <a:r>
+              <a:rPr lang="en-US" sz="2000" dirty="0"/>
+              <a:t>Carlo Graziani, Computational Scientist at ANL, </a:t>
+            </a:r>
+            <a:r>
+              <a:rPr lang="en-US" sz="2000" i="1" dirty="0"/>
+              <a:t>HPC and the Lab Manager</a:t>
+            </a:r>
+          </a:p>
+          <a:p>
+            <a:pPr marL="0" indent="0">
+              <a:buNone/>
+            </a:pPr>
             <a:endParaRPr lang="en-US" dirty="0"/>
           </a:p>
-        </p:txBody>
-      </p:sp>
-      <p:sp>
-        <p:nvSpPr>
-          <p:cNvPr id="5" name="TextBox 4">
-            <a:extLst>
-              <a:ext uri="{FF2B5EF4-FFF2-40B4-BE49-F238E27FC236}">
-                <a16:creationId xmlns:a16="http://schemas.microsoft.com/office/drawing/2014/main" id="{32FF8EC1-19AD-86DC-1D34-D5AA90E512D2}"/>
-              </a:ext>
-            </a:extLst>
-          </p:cNvPr>
-          <p:cNvSpPr txBox="1"/>
-          <p:nvPr/>
-        </p:nvSpPr>
-        <p:spPr>
-          <a:xfrm>
-            <a:off x="3121573" y="5232715"/>
-            <a:ext cx="6620017" cy="766364"/>
-          </a:xfrm>
-          <a:prstGeom prst="rect">
-            <a:avLst/>
-          </a:prstGeom>
-          <a:noFill/>
-        </p:spPr>
-        <p:txBody>
-          <a:bodyPr wrap="none" lIns="118872" tIns="91440" rIns="118872" bIns="91440" rtlCol="0" anchor="ctr" anchorCtr="0">
-            <a:spAutoFit/>
-          </a:bodyPr>
-          <a:lstStyle/>
-          <a:p>
-            <a:pPr>
-              <a:lnSpc>
-                <a:spcPct val="90000"/>
-              </a:lnSpc>
-            </a:pPr>
-            <a:r>
-              <a:rPr lang="en-US" sz="2400" dirty="0"/>
-              <a:t>Always working on </a:t>
-            </a:r>
-            <a:r>
-              <a:rPr lang="en-US" sz="2400" b="1" dirty="0"/>
-              <a:t>scientific instrumentation</a:t>
-            </a:r>
-          </a:p>
-          <a:p>
-            <a:pPr algn="l">
-              <a:lnSpc>
-                <a:spcPct val="90000"/>
-              </a:lnSpc>
+          <a:p>
+            <a:pPr marL="0" indent="0">
+              <a:buNone/>
+            </a:pPr>
+            <a:r>
+              <a:rPr lang="en-US" dirty="0"/>
+              <a:t>“… practicing the scientific method properly requires good software practices.  This is understood in the experimental community…The computational science side has had a historic problem with it.  As we can see, it’s getting better.”</a:t>
+            </a:r>
+          </a:p>
+          <a:p>
+            <a:pPr marL="0" indent="0">
+              <a:buNone/>
+            </a:pPr>
+            <a:r>
+              <a:rPr lang="en-US" dirty="0"/>
+              <a:t>	- </a:t>
+            </a:r>
+            <a:r>
+              <a:rPr lang="en-US" sz="2000" dirty="0"/>
+              <a:t>Katherine Riley, Director of Science at ALCF, ATPESC 2019</a:t>
+            </a:r>
+          </a:p>
+          <a:p>
+            <a:pPr marL="0" indent="0">
+              <a:buNone/>
             </a:pPr>
             <a:endParaRPr lang="en-US" dirty="0"/>
           </a:p>
@@ -11234,7 +11229,7 @@
     </p:spTree>
     <p:extLst>
       <p:ext uri="{BB962C8B-B14F-4D97-AF65-F5344CB8AC3E}">
-        <p14:creationId xmlns:p14="http://schemas.microsoft.com/office/powerpoint/2010/main" val="1597596200"/>
+        <p14:creationId xmlns:p14="http://schemas.microsoft.com/office/powerpoint/2010/main" val="437670017"/>
       </p:ext>
     </p:extLst>
   </p:cSld>
@@ -11742,21 +11737,21 @@
             <a:pPr lvl="1"/>
             <a:r>
               <a:rPr lang="en-US" dirty="0"/>
+              <a:t>A deep theoretical background in and practical experience with the system whose data was acquired and studied?</a:t>
+            </a:r>
+          </a:p>
+          <a:p>
+            <a:pPr lvl="1"/>
+            <a:r>
+              <a:rPr lang="en-US" dirty="0"/>
+              <a:t>The ability to explain why?</a:t>
+            </a:r>
+          </a:p>
+          <a:p>
+            <a:pPr lvl="1"/>
+            <a:r>
+              <a:rPr lang="en-US" dirty="0"/>
               <a:t>“Understanding is a kind of ecstasy” – Carl Sagan </a:t>
-            </a:r>
-          </a:p>
-          <a:p>
-            <a:pPr lvl="1"/>
-            <a:r>
-              <a:rPr lang="en-US" dirty="0"/>
-              <a:t>A deep theoretical background in and practical experience with the system whose data was acquired and studied?</a:t>
-            </a:r>
-          </a:p>
-          <a:p>
-            <a:pPr lvl="1"/>
-            <a:r>
-              <a:rPr lang="en-US" dirty="0"/>
-              <a:t>The ability to explain why?</a:t>
             </a:r>
           </a:p>
           <a:p>
@@ -12961,12 +12956,6 @@
 </file>
 
 <file path=customXml/item1.xml><?xml version="1.0" encoding="utf-8"?>
-<p:properties xmlns:p="http://schemas.microsoft.com/office/2006/metadata/properties" xmlns:xsi="http://www.w3.org/2001/XMLSchema-instance" xmlns:pc="http://schemas.microsoft.com/office/infopath/2007/PartnerControls">
-  <documentManagement/>
-</p:properties>
-</file>
-
-<file path=customXml/item2.xml><?xml version="1.0" encoding="utf-8"?>
 <ct:contentTypeSchema xmlns:ct="http://schemas.microsoft.com/office/2006/metadata/contentType" xmlns:ma="http://schemas.microsoft.com/office/2006/metadata/properties/metaAttributes" ct:_="" ma:_="" ma:contentTypeName="Document" ma:contentTypeID="0x010100565464437F680748A68B85EB6594EA7D" ma:contentTypeVersion="0" ma:contentTypeDescription="Create a new document." ma:contentTypeScope="" ma:versionID="fe3f4dd58d5914c51cfc6deaa8ad845c">
   <xsd:schema xmlns:xsd="http://www.w3.org/2001/XMLSchema" xmlns:p="http://schemas.microsoft.com/office/2006/metadata/properties" targetNamespace="http://schemas.microsoft.com/office/2006/metadata/properties" ma:root="true" ma:fieldsID="4aeb20c0e3442673af7ee10786458764">
     <xsd:element name="properties">
@@ -13015,6 +13004,12 @@
 </ct:contentTypeSchema>
 </file>
 
+<file path=customXml/item2.xml><?xml version="1.0" encoding="utf-8"?>
+<p:properties xmlns:p="http://schemas.microsoft.com/office/2006/metadata/properties" xmlns:xsi="http://www.w3.org/2001/XMLSchema-instance" xmlns:pc="http://schemas.microsoft.com/office/infopath/2007/PartnerControls">
+  <documentManagement/>
+</p:properties>
+</file>
+
 <file path=customXml/item3.xml><?xml version="1.0" encoding="utf-8"?>
 <?mso-contentType ?>
 <FormTemplates xmlns="http://schemas.microsoft.com/sharepoint/v3/contenttype/forms">
@@ -13025,6 +13020,21 @@
 </file>
 
 <file path=customXml/itemProps1.xml><?xml version="1.0" encoding="utf-8"?>
+<ds:datastoreItem xmlns:ds="http://schemas.openxmlformats.org/officeDocument/2006/customXml" ds:itemID="{E8DB7DEB-074E-4EE8-9B6E-FD277323109C}">
+  <ds:schemaRefs>
+    <ds:schemaRef ds:uri="http://schemas.microsoft.com/office/2006/metadata/contentType"/>
+    <ds:schemaRef ds:uri="http://schemas.microsoft.com/office/2006/metadata/properties/metaAttributes"/>
+    <ds:schemaRef ds:uri="http://www.w3.org/2001/XMLSchema"/>
+    <ds:schemaRef ds:uri="http://schemas.microsoft.com/office/2006/metadata/properties"/>
+    <ds:schemaRef ds:uri="http://schemas.openxmlformats.org/package/2006/metadata/core-properties"/>
+    <ds:schemaRef ds:uri="http://purl.org/dc/elements/1.1/"/>
+    <ds:schemaRef ds:uri="http://purl.org/dc/terms/"/>
+    <ds:schemaRef ds:uri="http://schemas.microsoft.com/office/internal/2005/internalDocumentation"/>
+  </ds:schemaRefs>
+</ds:datastoreItem>
+</file>
+
+<file path=customXml/itemProps2.xml><?xml version="1.0" encoding="utf-8"?>
 <ds:datastoreItem xmlns:ds="http://schemas.openxmlformats.org/officeDocument/2006/customXml" ds:itemID="{A50EC660-24D0-43A0-AE5E-E274115E726B}">
   <ds:schemaRefs>
     <ds:schemaRef ds:uri="http://purl.org/dc/elements/1.1/"/>
@@ -13039,21 +13049,6 @@
 </ds:datastoreItem>
 </file>
 
-<file path=customXml/itemProps2.xml><?xml version="1.0" encoding="utf-8"?>
-<ds:datastoreItem xmlns:ds="http://schemas.openxmlformats.org/officeDocument/2006/customXml" ds:itemID="{E8DB7DEB-074E-4EE8-9B6E-FD277323109C}">
-  <ds:schemaRefs>
-    <ds:schemaRef ds:uri="http://schemas.microsoft.com/office/2006/metadata/contentType"/>
-    <ds:schemaRef ds:uri="http://schemas.microsoft.com/office/2006/metadata/properties/metaAttributes"/>
-    <ds:schemaRef ds:uri="http://www.w3.org/2001/XMLSchema"/>
-    <ds:schemaRef ds:uri="http://schemas.microsoft.com/office/2006/metadata/properties"/>
-    <ds:schemaRef ds:uri="http://schemas.openxmlformats.org/package/2006/metadata/core-properties"/>
-    <ds:schemaRef ds:uri="http://purl.org/dc/elements/1.1/"/>
-    <ds:schemaRef ds:uri="http://purl.org/dc/terms/"/>
-    <ds:schemaRef ds:uri="http://schemas.microsoft.com/office/internal/2005/internalDocumentation"/>
-  </ds:schemaRefs>
-</ds:datastoreItem>
-</file>
-
 <file path=customXml/itemProps3.xml><?xml version="1.0" encoding="utf-8"?>
 <ds:datastoreItem xmlns:ds="http://schemas.openxmlformats.org/officeDocument/2006/customXml" ds:itemID="{19E20559-B232-4371-8690-E3D8007EDB82}">
   <ds:schemaRefs>

--- a/lab-notebooks.pptx
+++ b/lab-notebooks.pptx
@@ -5,42 +5,41 @@
     <p:sldMasterId id="2147483935" r:id="rId4"/>
   </p:sldMasterIdLst>
   <p:notesMasterIdLst>
-    <p:notesMasterId r:id="rId35"/>
+    <p:notesMasterId r:id="rId34"/>
   </p:notesMasterIdLst>
   <p:handoutMasterIdLst>
-    <p:handoutMasterId r:id="rId36"/>
+    <p:handoutMasterId r:id="rId35"/>
   </p:handoutMasterIdLst>
   <p:sldIdLst>
     <p:sldId id="256" r:id="rId5"/>
-    <p:sldId id="320" r:id="rId6"/>
+    <p:sldId id="350" r:id="rId6"/>
     <p:sldId id="349" r:id="rId7"/>
     <p:sldId id="322" r:id="rId8"/>
     <p:sldId id="325" r:id="rId9"/>
     <p:sldId id="326" r:id="rId10"/>
     <p:sldId id="327" r:id="rId11"/>
     <p:sldId id="328" r:id="rId12"/>
-    <p:sldId id="329" r:id="rId13"/>
-    <p:sldId id="330" r:id="rId14"/>
-    <p:sldId id="332" r:id="rId15"/>
-    <p:sldId id="331" r:id="rId16"/>
-    <p:sldId id="336" r:id="rId17"/>
-    <p:sldId id="346" r:id="rId18"/>
-    <p:sldId id="335" r:id="rId19"/>
-    <p:sldId id="275" r:id="rId20"/>
-    <p:sldId id="293" r:id="rId21"/>
-    <p:sldId id="276" r:id="rId22"/>
-    <p:sldId id="277" r:id="rId23"/>
-    <p:sldId id="279" r:id="rId24"/>
-    <p:sldId id="287" r:id="rId25"/>
-    <p:sldId id="280" r:id="rId26"/>
-    <p:sldId id="281" r:id="rId27"/>
-    <p:sldId id="294" r:id="rId28"/>
-    <p:sldId id="295" r:id="rId29"/>
-    <p:sldId id="288" r:id="rId30"/>
-    <p:sldId id="282" r:id="rId31"/>
-    <p:sldId id="283" r:id="rId32"/>
-    <p:sldId id="347" r:id="rId33"/>
-    <p:sldId id="344" r:id="rId34"/>
+    <p:sldId id="330" r:id="rId13"/>
+    <p:sldId id="332" r:id="rId14"/>
+    <p:sldId id="331" r:id="rId15"/>
+    <p:sldId id="336" r:id="rId16"/>
+    <p:sldId id="335" r:id="rId17"/>
+    <p:sldId id="276" r:id="rId18"/>
+    <p:sldId id="346" r:id="rId19"/>
+    <p:sldId id="277" r:id="rId20"/>
+    <p:sldId id="279" r:id="rId21"/>
+    <p:sldId id="287" r:id="rId22"/>
+    <p:sldId id="280" r:id="rId23"/>
+    <p:sldId id="275" r:id="rId24"/>
+    <p:sldId id="293" r:id="rId25"/>
+    <p:sldId id="281" r:id="rId26"/>
+    <p:sldId id="294" r:id="rId27"/>
+    <p:sldId id="295" r:id="rId28"/>
+    <p:sldId id="288" r:id="rId29"/>
+    <p:sldId id="282" r:id="rId30"/>
+    <p:sldId id="283" r:id="rId31"/>
+    <p:sldId id="347" r:id="rId32"/>
+    <p:sldId id="344" r:id="rId33"/>
   </p:sldIdLst>
   <p:sldSz cx="12188825" cy="6858000"/>
   <p:notesSz cx="7010400" cy="9296400"/>
@@ -284,7 +283,7 @@
           <a:p>
             <a:fld id="{0B842F42-2CE9-4E35-95C1-410DC08A50B1}" type="datetimeFigureOut">
               <a:rPr lang="en-US" smtClean="0"/>
-              <a:t>2/1/2023</a:t>
+              <a:t>2/5/2023</a:t>
             </a:fld>
             <a:endParaRPr lang="en-US"/>
           </a:p>
@@ -449,7 +448,7 @@
           <a:p>
             <a:fld id="{6F282904-F315-4730-8D91-37D99E141A6F}" type="datetimeFigureOut">
               <a:rPr lang="en-US" smtClean="0"/>
-              <a:t>2/1/2023</a:t>
+              <a:t>2/5/2023</a:t>
             </a:fld>
             <a:endParaRPr lang="en-US"/>
           </a:p>
@@ -946,7 +945,7 @@
           <a:p>
             <a:r>
               <a:rPr lang="en-US" dirty="0"/>
-              <a:t>The point of this slide is to map the high-level, abstract concepts (which some might not like) onto a concrete example that we know &amp; understand.</a:t>
+              <a:t>Documentation is capture, preserve, &amp; communicate</a:t>
             </a:r>
           </a:p>
           <a:p>
@@ -955,7 +954,7 @@
           <a:p>
             <a:r>
               <a:rPr lang="en-US" dirty="0"/>
-              <a:t>I believe that this is also known as debriefing.</a:t>
+              <a:t>Not all documents are alike.</a:t>
             </a:r>
           </a:p>
           <a:p>
@@ -992,7 +991,7 @@
     </p:spTree>
     <p:extLst>
       <p:ext uri="{BB962C8B-B14F-4D97-AF65-F5344CB8AC3E}">
-        <p14:creationId xmlns:p14="http://schemas.microsoft.com/office/powerpoint/2010/main" val="3152359200"/>
+        <p14:creationId xmlns:p14="http://schemas.microsoft.com/office/powerpoint/2010/main" val="4157260062"/>
       </p:ext>
     </p:extLst>
   </p:cSld>
@@ -1048,7 +1047,7 @@
           <a:p>
             <a:r>
               <a:rPr lang="en-US" dirty="0"/>
-              <a:t>Documentation is capture, preserve, &amp; communicate</a:t>
+              <a:t>Automated is in quotes because the TIOs and astronomers still needed to input information into a system.  But there was a process for them to input such data into tools that aggregated their input with other notes.</a:t>
             </a:r>
           </a:p>
           <a:p>
@@ -1057,14 +1056,17 @@
           <a:p>
             <a:r>
               <a:rPr lang="en-US" dirty="0"/>
-              <a:t>Not all documents are alike.</a:t>
+              <a:t>Relate back to minimal lab notebook definition.  We want more that just a cookbook.</a:t>
             </a:r>
           </a:p>
           <a:p>
             <a:endParaRPr lang="en-US" dirty="0"/>
           </a:p>
           <a:p>
-            <a:endParaRPr lang="en-US" dirty="0"/>
+            <a:r>
+              <a:rPr lang="en-US" dirty="0"/>
+              <a:t>Notebooks serve as implicit communication</a:t>
+            </a:r>
           </a:p>
         </p:txBody>
       </p:sp>
@@ -1094,7 +1096,7 @@
     </p:spTree>
     <p:extLst>
       <p:ext uri="{BB962C8B-B14F-4D97-AF65-F5344CB8AC3E}">
-        <p14:creationId xmlns:p14="http://schemas.microsoft.com/office/powerpoint/2010/main" val="4157260062"/>
+        <p14:creationId xmlns:p14="http://schemas.microsoft.com/office/powerpoint/2010/main" val="2141150432"/>
       </p:ext>
     </p:extLst>
   </p:cSld>
@@ -1148,28 +1150,7 @@
           <a:bodyPr/>
           <a:lstStyle/>
           <a:p>
-            <a:r>
-              <a:rPr lang="en-US" dirty="0"/>
-              <a:t>Automated is in quotes because the TIOs and astronomers still needed to input information into a system.  But there was a process for them to input such data into tools that aggregated their input with other notes.</a:t>
-            </a:r>
-          </a:p>
-          <a:p>
             <a:endParaRPr lang="en-US" dirty="0"/>
-          </a:p>
-          <a:p>
-            <a:r>
-              <a:rPr lang="en-US" dirty="0"/>
-              <a:t>Relate back to minimal lab notebook definition.  We want more that just a cookbook.</a:t>
-            </a:r>
-          </a:p>
-          <a:p>
-            <a:endParaRPr lang="en-US" dirty="0"/>
-          </a:p>
-          <a:p>
-            <a:r>
-              <a:rPr lang="en-US" dirty="0"/>
-              <a:t>Notebooks serve as implicit communication</a:t>
-            </a:r>
           </a:p>
         </p:txBody>
       </p:sp>
@@ -1199,7 +1180,7 @@
     </p:spTree>
     <p:extLst>
       <p:ext uri="{BB962C8B-B14F-4D97-AF65-F5344CB8AC3E}">
-        <p14:creationId xmlns:p14="http://schemas.microsoft.com/office/powerpoint/2010/main" val="2141150432"/>
+        <p14:creationId xmlns:p14="http://schemas.microsoft.com/office/powerpoint/2010/main" val="3785804979"/>
       </p:ext>
     </p:extLst>
   </p:cSld>
@@ -1253,80 +1234,18 @@
           <a:bodyPr/>
           <a:lstStyle/>
           <a:p>
-            <a:pPr marL="0" indent="0">
-              <a:buFont typeface="Arial" panose="020B0604020202020204" pitchFamily="34" charset="0"/>
-              <a:buNone/>
-            </a:pPr>
-            <a:r>
-              <a:rPr lang="en-US" dirty="0"/>
-              <a:t>Bad example is not at all comprehensive.  Imagine if we have three different researchers acquiring data and taking no notes or just these notes.  How can you stitch the whole data set together at the time much less at a later time?</a:t>
-            </a:r>
-          </a:p>
-          <a:p>
-            <a:pPr marL="171450" indent="-171450">
-              <a:buFont typeface="Arial" panose="020B0604020202020204" pitchFamily="34" charset="0"/>
-              <a:buChar char="•"/>
-            </a:pPr>
+            <a:r>
+              <a:rPr lang="en-US" dirty="0"/>
+              <a:t>Procedures – someone with understanding writes down a recipe so that someone with knowledge can execute it.</a:t>
+            </a:r>
+          </a:p>
+          <a:p>
             <a:endParaRPr lang="en-US" dirty="0"/>
           </a:p>
           <a:p>
-            <a:pPr marL="171450" indent="-171450">
-              <a:buFont typeface="Arial" panose="020B0604020202020204" pitchFamily="34" charset="0"/>
-              <a:buChar char="•"/>
-            </a:pPr>
-            <a:r>
-              <a:rPr lang="en-US" dirty="0"/>
-              <a:t>Doesn’t need to be exhaustive.  I can just leave myself some bread crumbs with the expectation that writing notes is easier, but recreating notes could be time consuming should I ever need to do so.</a:t>
-            </a:r>
-          </a:p>
-          <a:p>
-            <a:pPr marL="171450" indent="-171450">
-              <a:buFont typeface="Arial" panose="020B0604020202020204" pitchFamily="34" charset="0"/>
-              <a:buChar char="•"/>
-            </a:pPr>
-            <a:r>
-              <a:rPr lang="en-US" dirty="0"/>
-              <a:t>Are the bread crumbs enough?  Can they determine what flags are implied by debug version?  What about the full SW stack?  What about the SW stack for the analysis?  Is such detail needed for this stage of work and if not, is that filtering?</a:t>
-            </a:r>
-          </a:p>
-          <a:p>
-            <a:pPr marL="171450" indent="-171450">
-              <a:buFont typeface="Arial" panose="020B0604020202020204" pitchFamily="34" charset="0"/>
-              <a:buChar char="•"/>
-            </a:pPr>
-            <a:r>
-              <a:rPr lang="en-US" dirty="0"/>
-              <a:t>Note that the build logs are acting as lab notes.</a:t>
-            </a:r>
-          </a:p>
-          <a:p>
-            <a:pPr marL="171450" indent="-171450">
-              <a:buFont typeface="Arial" panose="020B0604020202020204" pitchFamily="34" charset="0"/>
-              <a:buChar char="•"/>
-            </a:pPr>
-            <a:r>
-              <a:rPr lang="en-US" dirty="0"/>
-              <a:t>Note also, that we could have included git information in the build logs to make things simpler.</a:t>
-            </a:r>
-          </a:p>
-          <a:p>
-            <a:pPr marL="171450" indent="-171450">
-              <a:buFont typeface="Arial" panose="020B0604020202020204" pitchFamily="34" charset="0"/>
-              <a:buChar char="•"/>
-            </a:pPr>
-            <a:r>
-              <a:rPr lang="en-US" dirty="0"/>
-              <a:t>We likely should have included a graphic that points out missing peak.  Annotating the graphic with what was expected would be nice.</a:t>
-            </a:r>
-          </a:p>
-          <a:p>
-            <a:pPr marL="171450" indent="-171450">
-              <a:buFont typeface="Arial" panose="020B0604020202020204" pitchFamily="34" charset="0"/>
-              <a:buChar char="•"/>
-            </a:pPr>
-            <a:r>
-              <a:rPr lang="en-US" dirty="0"/>
-              <a:t>The better example is also not great.</a:t>
+            <a:r>
+              <a:rPr lang="en-US" dirty="0"/>
+              <a:t>How about, "I went into science because I hated English. Now you're telling me my English teacher was right?"</a:t>
             </a:r>
           </a:p>
         </p:txBody>
@@ -1346,7 +1265,7 @@
           <a:bodyPr/>
           <a:lstStyle/>
           <a:p>
-            <a:fld id="{54E672D7-8E2D-4611-973D-F4591A707C34}" type="slidenum">
+            <a:fld id="{3EAA7A1A-8011-3A42-91B8-EE1BD44E4455}" type="slidenum">
               <a:rPr lang="en-US" smtClean="0"/>
               <a:t>14</a:t>
             </a:fld>
@@ -1357,7 +1276,7 @@
     </p:spTree>
     <p:extLst>
       <p:ext uri="{BB962C8B-B14F-4D97-AF65-F5344CB8AC3E}">
-        <p14:creationId xmlns:p14="http://schemas.microsoft.com/office/powerpoint/2010/main" val="1636867555"/>
+        <p14:creationId xmlns:p14="http://schemas.microsoft.com/office/powerpoint/2010/main" val="633075281"/>
       </p:ext>
     </p:extLst>
   </p:cSld>
@@ -1411,7 +1330,81 @@
           <a:bodyPr/>
           <a:lstStyle/>
           <a:p>
+            <a:pPr marL="0" indent="0">
+              <a:buFont typeface="Arial" panose="020B0604020202020204" pitchFamily="34" charset="0"/>
+              <a:buNone/>
+            </a:pPr>
+            <a:r>
+              <a:rPr lang="en-US" dirty="0"/>
+              <a:t>Bad example is not at all comprehensive.  Imagine if we have three different researchers acquiring data and taking no notes or just these notes.  How can you stitch the whole data set together at the time much less at a later time?</a:t>
+            </a:r>
+          </a:p>
+          <a:p>
+            <a:pPr marL="171450" indent="-171450">
+              <a:buFont typeface="Arial" panose="020B0604020202020204" pitchFamily="34" charset="0"/>
+              <a:buChar char="•"/>
+            </a:pPr>
             <a:endParaRPr lang="en-US" dirty="0"/>
+          </a:p>
+          <a:p>
+            <a:pPr marL="171450" indent="-171450">
+              <a:buFont typeface="Arial" panose="020B0604020202020204" pitchFamily="34" charset="0"/>
+              <a:buChar char="•"/>
+            </a:pPr>
+            <a:r>
+              <a:rPr lang="en-US" dirty="0"/>
+              <a:t>Doesn’t need to be exhaustive.  I can just leave myself some bread crumbs with the expectation that writing notes is easier, but recreating notes could be time consuming should I ever need to do so.</a:t>
+            </a:r>
+          </a:p>
+          <a:p>
+            <a:pPr marL="171450" indent="-171450">
+              <a:buFont typeface="Arial" panose="020B0604020202020204" pitchFamily="34" charset="0"/>
+              <a:buChar char="•"/>
+            </a:pPr>
+            <a:r>
+              <a:rPr lang="en-US" dirty="0"/>
+              <a:t>Are the bread crumbs enough?  Can they determine what flags are implied by debug version?  What about the full SW stack?  What about the SW stack for the analysis?  Is such detail needed for this stage of work and if not, is that filtering?</a:t>
+            </a:r>
+          </a:p>
+          <a:p>
+            <a:pPr marL="171450" indent="-171450">
+              <a:buFont typeface="Arial" panose="020B0604020202020204" pitchFamily="34" charset="0"/>
+              <a:buChar char="•"/>
+            </a:pPr>
+            <a:r>
+              <a:rPr lang="en-US" dirty="0"/>
+              <a:t>Note that the build logs are acting as lab notes.</a:t>
+            </a:r>
+          </a:p>
+          <a:p>
+            <a:pPr marL="171450" indent="-171450">
+              <a:buFont typeface="Arial" panose="020B0604020202020204" pitchFamily="34" charset="0"/>
+              <a:buChar char="•"/>
+            </a:pPr>
+            <a:r>
+              <a:rPr lang="en-US" dirty="0"/>
+              <a:t>Note also, that we could have included git information in the build logs to make things simpler.</a:t>
+            </a:r>
+          </a:p>
+          <a:p>
+            <a:pPr marL="171450" indent="-171450">
+              <a:buFont typeface="Arial" panose="020B0604020202020204" pitchFamily="34" charset="0"/>
+              <a:buChar char="•"/>
+            </a:pPr>
+            <a:r>
+              <a:rPr lang="en-US" dirty="0"/>
+              <a:t>We likely should have included a graphic that points out missing peak.  Annotating the graphic with what was expected would be nice.</a:t>
+            </a:r>
+          </a:p>
+          <a:p>
+            <a:pPr marL="171450" indent="-171450">
+              <a:buFont typeface="Arial" panose="020B0604020202020204" pitchFamily="34" charset="0"/>
+              <a:buChar char="•"/>
+            </a:pPr>
+            <a:r>
+              <a:rPr lang="en-US" dirty="0"/>
+              <a:t>The better example is also not great.</a:t>
+            </a:r>
           </a:p>
         </p:txBody>
       </p:sp>
@@ -1441,7 +1434,7 @@
     </p:spTree>
     <p:extLst>
       <p:ext uri="{BB962C8B-B14F-4D97-AF65-F5344CB8AC3E}">
-        <p14:creationId xmlns:p14="http://schemas.microsoft.com/office/powerpoint/2010/main" val="3785804979"/>
+        <p14:creationId xmlns:p14="http://schemas.microsoft.com/office/powerpoint/2010/main" val="1636867555"/>
       </p:ext>
     </p:extLst>
   </p:cSld>
@@ -1495,7 +1488,28 @@
           <a:bodyPr/>
           <a:lstStyle/>
           <a:p>
+            <a:r>
+              <a:rPr lang="en-US" dirty="0"/>
+              <a:t>Don’t say so much about paper &amp; pen since it won’t work.  This will save time.  Still worthwhile saying why paper &amp; pen is good.</a:t>
+            </a:r>
+          </a:p>
+          <a:p>
             <a:endParaRPr lang="en-US" dirty="0"/>
+          </a:p>
+          <a:p>
+            <a:r>
+              <a:rPr lang="en-US" dirty="0"/>
+              <a:t>Emphasize how difficult it is to choose the solutions and that clearly, then, each team will need to figure out what they need to use.</a:t>
+            </a:r>
+          </a:p>
+          <a:p>
+            <a:endParaRPr lang="en-US" dirty="0"/>
+          </a:p>
+          <a:p>
+            <a:r>
+              <a:rPr lang="en-US" dirty="0"/>
+              <a:t>Need to find a solution that, among other things, makes it as easy as possible to write notes.  Especially important since no one likes writing lab notes…</a:t>
+            </a:r>
           </a:p>
         </p:txBody>
       </p:sp>
@@ -1525,7 +1539,7 @@
     </p:spTree>
     <p:extLst>
       <p:ext uri="{BB962C8B-B14F-4D97-AF65-F5344CB8AC3E}">
-        <p14:creationId xmlns:p14="http://schemas.microsoft.com/office/powerpoint/2010/main" val="2694901290"/>
+        <p14:creationId xmlns:p14="http://schemas.microsoft.com/office/powerpoint/2010/main" val="3564644443"/>
       </p:ext>
     </p:extLst>
   </p:cSld>
@@ -1579,19 +1593,7 @@
           <a:bodyPr/>
           <a:lstStyle/>
           <a:p>
-            <a:r>
-              <a:rPr lang="en-US" dirty="0"/>
-              <a:t>Procedures – someone with understanding writes down a recipe so that someone with knowledge can execute it.</a:t>
-            </a:r>
-          </a:p>
-          <a:p>
             <a:endParaRPr lang="en-US" dirty="0"/>
-          </a:p>
-          <a:p>
-            <a:r>
-              <a:rPr lang="en-US" dirty="0"/>
-              <a:t>How about, "I went into science because I hated English. Now you're telling me my English teacher was right?"</a:t>
-            </a:r>
           </a:p>
         </p:txBody>
       </p:sp>
@@ -1612,7 +1614,7 @@
           <a:p>
             <a:fld id="{3EAA7A1A-8011-3A42-91B8-EE1BD44E4455}" type="slidenum">
               <a:rPr lang="en-US" smtClean="0"/>
-              <a:t>18</a:t>
+              <a:t>20</a:t>
             </a:fld>
             <a:endParaRPr lang="en-US"/>
           </a:p>
@@ -1621,7 +1623,7 @@
     </p:spTree>
     <p:extLst>
       <p:ext uri="{BB962C8B-B14F-4D97-AF65-F5344CB8AC3E}">
-        <p14:creationId xmlns:p14="http://schemas.microsoft.com/office/powerpoint/2010/main" val="633075281"/>
+        <p14:creationId xmlns:p14="http://schemas.microsoft.com/office/powerpoint/2010/main" val="2694901290"/>
       </p:ext>
     </p:extLst>
   </p:cSld>
@@ -1675,28 +1677,7 @@
           <a:bodyPr/>
           <a:lstStyle/>
           <a:p>
-            <a:r>
-              <a:rPr lang="en-US" dirty="0"/>
-              <a:t>Don’t say so much about paper &amp; pen since it won’t work.  This will save time.  Still worthwhile saying why paper &amp; pen is good.</a:t>
-            </a:r>
-          </a:p>
-          <a:p>
             <a:endParaRPr lang="en-US" dirty="0"/>
-          </a:p>
-          <a:p>
-            <a:r>
-              <a:rPr lang="en-US" dirty="0"/>
-              <a:t>Emphasize how difficult it is to choose the solutions and that clearly, then, each team will need to figure out what they need to use.</a:t>
-            </a:r>
-          </a:p>
-          <a:p>
-            <a:endParaRPr lang="en-US" dirty="0"/>
-          </a:p>
-          <a:p>
-            <a:r>
-              <a:rPr lang="en-US" dirty="0"/>
-              <a:t>Need to find a solution that, among other things, makes it as easy as possible to write notes.  Especially important since no one likes writing lab notes…</a:t>
-            </a:r>
           </a:p>
         </p:txBody>
       </p:sp>
@@ -1715,93 +1696,9 @@
           <a:bodyPr/>
           <a:lstStyle/>
           <a:p>
-            <a:fld id="{3EAA7A1A-8011-3A42-91B8-EE1BD44E4455}" type="slidenum">
-              <a:rPr lang="en-US" smtClean="0"/>
-              <a:t>19</a:t>
-            </a:fld>
-            <a:endParaRPr lang="en-US"/>
-          </a:p>
-        </p:txBody>
-      </p:sp>
-    </p:spTree>
-    <p:extLst>
-      <p:ext uri="{BB962C8B-B14F-4D97-AF65-F5344CB8AC3E}">
-        <p14:creationId xmlns:p14="http://schemas.microsoft.com/office/powerpoint/2010/main" val="3564644443"/>
-      </p:ext>
-    </p:extLst>
-  </p:cSld>
-  <p:clrMapOvr>
-    <a:masterClrMapping/>
-  </p:clrMapOvr>
-</p:notes>
-</file>
-
-<file path=ppt/notesSlides/notesSlide18.xml><?xml version="1.0" encoding="utf-8"?>
-<p:notes xmlns:a="http://schemas.openxmlformats.org/drawingml/2006/main" xmlns:r="http://schemas.openxmlformats.org/officeDocument/2006/relationships" xmlns:p="http://schemas.openxmlformats.org/presentationml/2006/main">
-  <p:cSld>
-    <p:spTree>
-      <p:nvGrpSpPr>
-        <p:cNvPr id="1" name=""/>
-        <p:cNvGrpSpPr/>
-        <p:nvPr/>
-      </p:nvGrpSpPr>
-      <p:grpSpPr>
-        <a:xfrm>
-          <a:off x="0" y="0"/>
-          <a:ext cx="0" cy="0"/>
-          <a:chOff x="0" y="0"/>
-          <a:chExt cx="0" cy="0"/>
-        </a:xfrm>
-      </p:grpSpPr>
-      <p:sp>
-        <p:nvSpPr>
-          <p:cNvPr id="2" name="Slide Image Placeholder 1"/>
-          <p:cNvSpPr>
-            <a:spLocks noGrp="1" noRot="1" noChangeAspect="1"/>
-          </p:cNvSpPr>
-          <p:nvPr>
-            <p:ph type="sldImg"/>
-          </p:nvPr>
-        </p:nvSpPr>
-        <p:spPr/>
-      </p:sp>
-      <p:sp>
-        <p:nvSpPr>
-          <p:cNvPr id="3" name="Notes Placeholder 2"/>
-          <p:cNvSpPr>
-            <a:spLocks noGrp="1"/>
-          </p:cNvSpPr>
-          <p:nvPr>
-            <p:ph type="body" idx="1"/>
-          </p:nvPr>
-        </p:nvSpPr>
-        <p:spPr/>
-        <p:txBody>
-          <a:bodyPr/>
-          <a:lstStyle/>
-          <a:p>
-            <a:endParaRPr lang="en-US" dirty="0"/>
-          </a:p>
-        </p:txBody>
-      </p:sp>
-      <p:sp>
-        <p:nvSpPr>
-          <p:cNvPr id="4" name="Slide Number Placeholder 3"/>
-          <p:cNvSpPr>
-            <a:spLocks noGrp="1"/>
-          </p:cNvSpPr>
-          <p:nvPr>
-            <p:ph type="sldNum" sz="quarter" idx="5"/>
-          </p:nvPr>
-        </p:nvSpPr>
-        <p:spPr/>
-        <p:txBody>
-          <a:bodyPr/>
-          <a:lstStyle/>
-          <a:p>
             <a:fld id="{54E672D7-8E2D-4611-973D-F4591A707C34}" type="slidenum">
               <a:rPr lang="en-US" smtClean="0"/>
-              <a:t>29</a:t>
+              <a:t>28</a:t>
             </a:fld>
             <a:endParaRPr lang="en-US"/>
           </a:p>
@@ -2750,7 +2647,25 @@
           <a:p>
             <a:r>
               <a:rPr lang="en-US" dirty="0"/>
-              <a:t>This can explain some of the difficulties that occur when a git expert is forced to use a workflow designed for a team with only git knowledge.  They aren’t allowed to work in a more powerful, efficient, and effective way.  If they do work in their powerful way, they can upset all those with insufficient understanding.</a:t>
+              <a:t>Really most any project benefits from putting some thought into knowledge management.  </a:t>
+            </a:r>
+          </a:p>
+          <a:p>
+            <a:endParaRPr lang="en-US" dirty="0"/>
+          </a:p>
+          <a:p>
+            <a:r>
+              <a:rPr lang="en-US" dirty="0"/>
+              <a:t>The key is first to recognize when knowledge is generated.  Once I became aware of this classification and began to think in terms of it, it became easier for me to recognize knowledge generation.  It’s as if a bell goes off in my brain that indicates we need to record what was just said.</a:t>
+            </a:r>
+          </a:p>
+          <a:p>
+            <a:endParaRPr lang="en-US" dirty="0"/>
+          </a:p>
+          <a:p>
+            <a:r>
+              <a:rPr lang="en-US" dirty="0"/>
+              <a:t>The answer to the question is ”clearly no”,  We need to communicate to our future selves for the sake of productivity and reproducible research.  Refer back to minimal definition of lab notebooks.</a:t>
             </a:r>
           </a:p>
         </p:txBody>
@@ -2781,7 +2696,7 @@
     </p:spTree>
     <p:extLst>
       <p:ext uri="{BB962C8B-B14F-4D97-AF65-F5344CB8AC3E}">
-        <p14:creationId xmlns:p14="http://schemas.microsoft.com/office/powerpoint/2010/main" val="153949558"/>
+        <p14:creationId xmlns:p14="http://schemas.microsoft.com/office/powerpoint/2010/main" val="1399277158"/>
       </p:ext>
     </p:extLst>
   </p:cSld>
@@ -2837,7 +2752,7 @@
           <a:p>
             <a:r>
               <a:rPr lang="en-US" dirty="0"/>
-              <a:t>Really most any project benefits from putting some thought into knowledge management.  </a:t>
+              <a:t>The point of this slide is to map the high-level, abstract concepts (which some might not like) onto a concrete example that we know &amp; understand.</a:t>
             </a:r>
           </a:p>
           <a:p>
@@ -2846,17 +2761,14 @@
           <a:p>
             <a:r>
               <a:rPr lang="en-US" dirty="0"/>
-              <a:t>The key is first to recognize when knowledge is generated.  Once I became aware of this classification and began to think in terms of it, it became easier for me to recognize knowledge generation.  It’s as if a bell goes off in my brain that indicates we need to record what was just said.</a:t>
+              <a:t>I believe that this is also known as debriefing.</a:t>
             </a:r>
           </a:p>
           <a:p>
             <a:endParaRPr lang="en-US" dirty="0"/>
           </a:p>
           <a:p>
-            <a:r>
-              <a:rPr lang="en-US" dirty="0"/>
-              <a:t>The answer to the question is ”clearly no”,  We need to communicate to our future selves for the sake of productivity and reproducible research.  Refer back to minimal definition of lab notebooks.</a:t>
-            </a:r>
+            <a:endParaRPr lang="en-US" dirty="0"/>
           </a:p>
         </p:txBody>
       </p:sp>
@@ -2886,7 +2798,7 @@
     </p:spTree>
     <p:extLst>
       <p:ext uri="{BB962C8B-B14F-4D97-AF65-F5344CB8AC3E}">
-        <p14:creationId xmlns:p14="http://schemas.microsoft.com/office/powerpoint/2010/main" val="1399277158"/>
+        <p14:creationId xmlns:p14="http://schemas.microsoft.com/office/powerpoint/2010/main" val="3152359200"/>
       </p:ext>
     </p:extLst>
   </p:cSld>
@@ -7010,191 +6922,6 @@
           <p:cNvPr id="2" name="Title 1">
             <a:extLst>
               <a:ext uri="{FF2B5EF4-FFF2-40B4-BE49-F238E27FC236}">
-                <a16:creationId xmlns:a16="http://schemas.microsoft.com/office/drawing/2014/main" id="{E542B024-8735-A0E3-7EDB-ED276763E02D}"/>
-              </a:ext>
-            </a:extLst>
-          </p:cNvPr>
-          <p:cNvSpPr>
-            <a:spLocks noGrp="1"/>
-          </p:cNvSpPr>
-          <p:nvPr>
-            <p:ph type="title"/>
-          </p:nvPr>
-        </p:nvSpPr>
-        <p:spPr/>
-        <p:txBody>
-          <a:bodyPr/>
-          <a:lstStyle/>
-          <a:p>
-            <a:r>
-              <a:rPr lang="en-US" dirty="0"/>
-              <a:t>Knowledge Management</a:t>
-            </a:r>
-          </a:p>
-        </p:txBody>
-      </p:sp>
-      <p:sp>
-        <p:nvSpPr>
-          <p:cNvPr id="3" name="Content Placeholder 2">
-            <a:extLst>
-              <a:ext uri="{FF2B5EF4-FFF2-40B4-BE49-F238E27FC236}">
-                <a16:creationId xmlns:a16="http://schemas.microsoft.com/office/drawing/2014/main" id="{B23602B9-E02D-3978-3DB6-3540696C46F2}"/>
-              </a:ext>
-            </a:extLst>
-          </p:cNvPr>
-          <p:cNvSpPr>
-            <a:spLocks noGrp="1"/>
-          </p:cNvSpPr>
-          <p:nvPr>
-            <p:ph idx="1"/>
-          </p:nvPr>
-        </p:nvSpPr>
-        <p:spPr/>
-        <p:txBody>
-          <a:bodyPr/>
-          <a:lstStyle/>
-          <a:p>
-            <a:r>
-              <a:rPr lang="en-US" dirty="0"/>
-              <a:t>DIKUW is related to knowledge management</a:t>
-            </a:r>
-          </a:p>
-          <a:p>
-            <a:r>
-              <a:rPr lang="en-US" dirty="0"/>
-              <a:t>We want to</a:t>
-            </a:r>
-          </a:p>
-          <a:p>
-            <a:pPr lvl="1"/>
-            <a:r>
-              <a:rPr lang="en-US" b="1" dirty="0"/>
-              <a:t>Recognize</a:t>
-            </a:r>
-            <a:r>
-              <a:rPr lang="en-US" dirty="0"/>
-              <a:t> when we generate knowledge</a:t>
-            </a:r>
-          </a:p>
-          <a:p>
-            <a:pPr lvl="1"/>
-            <a:r>
-              <a:rPr lang="en-US" b="1" dirty="0"/>
-              <a:t>Capture</a:t>
-            </a:r>
-            <a:r>
-              <a:rPr lang="en-US" dirty="0"/>
-              <a:t> and </a:t>
-            </a:r>
-            <a:r>
-              <a:rPr lang="en-US" b="1" dirty="0"/>
-              <a:t>preserve</a:t>
-            </a:r>
-            <a:r>
-              <a:rPr lang="en-US" dirty="0"/>
-              <a:t> that knowledge</a:t>
-            </a:r>
-          </a:p>
-          <a:p>
-            <a:pPr lvl="1"/>
-            <a:r>
-              <a:rPr lang="en-US" b="1" dirty="0"/>
-              <a:t>Communicate</a:t>
-            </a:r>
-            <a:r>
-              <a:rPr lang="en-US" dirty="0"/>
-              <a:t> that knowledge</a:t>
-            </a:r>
-          </a:p>
-          <a:p>
-            <a:r>
-              <a:rPr lang="en-US" dirty="0"/>
-              <a:t>Scientific work can benefit from knowledge management</a:t>
-            </a:r>
-          </a:p>
-          <a:p>
-            <a:pPr marL="0" indent="0">
-              <a:buNone/>
-            </a:pPr>
-            <a:endParaRPr lang="en-US" dirty="0"/>
-          </a:p>
-        </p:txBody>
-      </p:sp>
-      <p:sp>
-        <p:nvSpPr>
-          <p:cNvPr id="4" name="TextBox 3">
-            <a:extLst>
-              <a:ext uri="{FF2B5EF4-FFF2-40B4-BE49-F238E27FC236}">
-                <a16:creationId xmlns:a16="http://schemas.microsoft.com/office/drawing/2014/main" id="{1DF53030-262B-B41C-84EE-E79A5A5F4D5F}"/>
-              </a:ext>
-            </a:extLst>
-          </p:cNvPr>
-          <p:cNvSpPr txBox="1"/>
-          <p:nvPr/>
-        </p:nvSpPr>
-        <p:spPr>
-          <a:xfrm>
-            <a:off x="1437079" y="4969016"/>
-            <a:ext cx="9314666" cy="517065"/>
-          </a:xfrm>
-          <a:prstGeom prst="rect">
-            <a:avLst/>
-          </a:prstGeom>
-          <a:noFill/>
-        </p:spPr>
-        <p:txBody>
-          <a:bodyPr wrap="none" lIns="118872" tIns="91440" rIns="118872" bIns="91440" rtlCol="0" anchor="ctr" anchorCtr="0">
-            <a:spAutoFit/>
-          </a:bodyPr>
-          <a:lstStyle/>
-          <a:p>
-            <a:pPr algn="l">
-              <a:lnSpc>
-                <a:spcPct val="90000"/>
-              </a:lnSpc>
-            </a:pPr>
-            <a:r>
-              <a:rPr lang="en-US" sz="2400" dirty="0"/>
-              <a:t>Is knowledge communication only about communicating to others?</a:t>
-            </a:r>
-          </a:p>
-        </p:txBody>
-      </p:sp>
-    </p:spTree>
-    <p:extLst>
-      <p:ext uri="{BB962C8B-B14F-4D97-AF65-F5344CB8AC3E}">
-        <p14:creationId xmlns:p14="http://schemas.microsoft.com/office/powerpoint/2010/main" val="2964406316"/>
-      </p:ext>
-    </p:extLst>
-  </p:cSld>
-  <p:clrMapOvr>
-    <a:masterClrMapping/>
-  </p:clrMapOvr>
-</p:sld>
-</file>
-
-<file path=ppt/slides/slide11.xml><?xml version="1.0" encoding="utf-8"?>
-<p:sld xmlns:a="http://schemas.openxmlformats.org/drawingml/2006/main" xmlns:r="http://schemas.openxmlformats.org/officeDocument/2006/relationships" xmlns:p="http://schemas.openxmlformats.org/presentationml/2006/main">
-  <p:cSld>
-    <p:spTree>
-      <p:nvGrpSpPr>
-        <p:cNvPr id="1" name=""/>
-        <p:cNvGrpSpPr/>
-        <p:nvPr/>
-      </p:nvGrpSpPr>
-      <p:grpSpPr>
-        <a:xfrm>
-          <a:off x="0" y="0"/>
-          <a:ext cx="0" cy="0"/>
-          <a:chOff x="0" y="0"/>
-          <a:chExt cx="0" cy="0"/>
-        </a:xfrm>
-      </p:grpSpPr>
-      <p:sp>
-        <p:nvSpPr>
-          <p:cNvPr id="2" name="Title 1">
-            <a:extLst>
-              <a:ext uri="{FF2B5EF4-FFF2-40B4-BE49-F238E27FC236}">
                 <a16:creationId xmlns:a16="http://schemas.microsoft.com/office/drawing/2014/main" id="{96AE34BC-5E36-C205-FC77-0BE3BC6B219C}"/>
               </a:ext>
             </a:extLst>
@@ -7353,7 +7080,7 @@
 </p:sld>
 </file>
 
-<file path=ppt/slides/slide12.xml><?xml version="1.0" encoding="utf-8"?>
+<file path=ppt/slides/slide11.xml><?xml version="1.0" encoding="utf-8"?>
 <p:sld xmlns:a="http://schemas.openxmlformats.org/drawingml/2006/main" xmlns:r="http://schemas.openxmlformats.org/officeDocument/2006/relationships" xmlns:p="http://schemas.openxmlformats.org/presentationml/2006/main">
   <p:cSld>
     <p:spTree>
@@ -7719,6 +7446,250 @@
 </p:sld>
 </file>
 
+<file path=ppt/slides/slide12.xml><?xml version="1.0" encoding="utf-8"?>
+<p:sld xmlns:a="http://schemas.openxmlformats.org/drawingml/2006/main" xmlns:r="http://schemas.openxmlformats.org/officeDocument/2006/relationships" xmlns:p="http://schemas.openxmlformats.org/presentationml/2006/main">
+  <p:cSld>
+    <p:spTree>
+      <p:nvGrpSpPr>
+        <p:cNvPr id="1" name=""/>
+        <p:cNvGrpSpPr/>
+        <p:nvPr/>
+      </p:nvGrpSpPr>
+      <p:grpSpPr>
+        <a:xfrm>
+          <a:off x="0" y="0"/>
+          <a:ext cx="0" cy="0"/>
+          <a:chOff x="0" y="0"/>
+          <a:chExt cx="0" cy="0"/>
+        </a:xfrm>
+      </p:grpSpPr>
+      <p:sp>
+        <p:nvSpPr>
+          <p:cNvPr id="2" name="Title 1">
+            <a:extLst>
+              <a:ext uri="{FF2B5EF4-FFF2-40B4-BE49-F238E27FC236}">
+                <a16:creationId xmlns:a16="http://schemas.microsoft.com/office/drawing/2014/main" id="{9CDA5DAC-D638-AA10-5E70-A77E5B69D79E}"/>
+              </a:ext>
+            </a:extLst>
+          </p:cNvPr>
+          <p:cNvSpPr>
+            <a:spLocks noGrp="1"/>
+          </p:cNvSpPr>
+          <p:nvPr>
+            <p:ph type="title"/>
+          </p:nvPr>
+        </p:nvSpPr>
+        <p:spPr/>
+        <p:txBody>
+          <a:bodyPr/>
+          <a:lstStyle/>
+          <a:p>
+            <a:r>
+              <a:rPr lang="en-US" dirty="0"/>
+              <a:t>And finally, we reach our destination</a:t>
+            </a:r>
+          </a:p>
+        </p:txBody>
+      </p:sp>
+      <p:sp>
+        <p:nvSpPr>
+          <p:cNvPr id="4" name="Rectangle 3">
+            <a:extLst>
+              <a:ext uri="{FF2B5EF4-FFF2-40B4-BE49-F238E27FC236}">
+                <a16:creationId xmlns:a16="http://schemas.microsoft.com/office/drawing/2014/main" id="{ABF114B4-557E-6985-4AE3-A655B0543BBC}"/>
+              </a:ext>
+            </a:extLst>
+          </p:cNvPr>
+          <p:cNvSpPr/>
+          <p:nvPr/>
+        </p:nvSpPr>
+        <p:spPr>
+          <a:xfrm>
+            <a:off x="365760" y="953119"/>
+            <a:ext cx="10536470" cy="5416868"/>
+          </a:xfrm>
+          <a:prstGeom prst="rect">
+            <a:avLst/>
+          </a:prstGeom>
+        </p:spPr>
+        <p:txBody>
+          <a:bodyPr wrap="square">
+            <a:spAutoFit/>
+          </a:bodyPr>
+          <a:lstStyle/>
+          <a:p>
+            <a:r>
+              <a:rPr lang="en-US" sz="2000" dirty="0"/>
+              <a:t>Lab notebooks are</a:t>
+            </a:r>
+          </a:p>
+          <a:p>
+            <a:pPr marL="285750" indent="-285750">
+              <a:buFont typeface="Arial" panose="020B0604020202020204" pitchFamily="34" charset="0"/>
+              <a:buChar char="•"/>
+            </a:pPr>
+            <a:r>
+              <a:rPr lang="en-US" sz="2000" dirty="0"/>
+              <a:t>A fundamental part of communication as well as rigorous, reproducible science in a lab,</a:t>
+            </a:r>
+          </a:p>
+          <a:p>
+            <a:pPr marL="285750" indent="-285750">
+              <a:buFont typeface="Arial" panose="020B0604020202020204" pitchFamily="34" charset="0"/>
+              <a:buChar char="•"/>
+            </a:pPr>
+            <a:r>
+              <a:rPr lang="en-US" sz="2000" dirty="0"/>
+              <a:t>A common-place or required part of an experimental laboratory,</a:t>
+            </a:r>
+          </a:p>
+          <a:p>
+            <a:pPr marL="285750" indent="-285750">
+              <a:buFont typeface="Arial" panose="020B0604020202020204" pitchFamily="34" charset="0"/>
+              <a:buChar char="•"/>
+            </a:pPr>
+            <a:r>
+              <a:rPr lang="en-US" sz="2000" dirty="0"/>
+              <a:t>Populating a scientific “lab notebook” is increasingly an “automated” process in many modern experimental and observational research environments,</a:t>
+            </a:r>
+          </a:p>
+          <a:p>
+            <a:pPr marL="285750" indent="-285750">
+              <a:buFont typeface="Arial" panose="020B0604020202020204" pitchFamily="34" charset="0"/>
+              <a:buChar char="•"/>
+            </a:pPr>
+            <a:r>
+              <a:rPr lang="en-US" sz="2000" dirty="0"/>
+              <a:t>A tool for preventing scientific fraud, and</a:t>
+            </a:r>
+          </a:p>
+          <a:p>
+            <a:pPr marL="285750" indent="-285750">
+              <a:buFont typeface="Arial" panose="020B0604020202020204" pitchFamily="34" charset="0"/>
+              <a:buChar char="•"/>
+            </a:pPr>
+            <a:r>
+              <a:rPr lang="en-US" sz="2000" dirty="0"/>
+              <a:t>Record of invention and defending against allegations of fraud.</a:t>
+            </a:r>
+          </a:p>
+          <a:p>
+            <a:endParaRPr lang="en-US" sz="2000" dirty="0"/>
+          </a:p>
+          <a:p>
+            <a:pPr marL="0" indent="0">
+              <a:buNone/>
+            </a:pPr>
+            <a:r>
+              <a:rPr lang="en-US" sz="2000" dirty="0"/>
+              <a:t>Lab notebooks</a:t>
+            </a:r>
+          </a:p>
+          <a:p>
+            <a:pPr marL="342900" indent="-342900">
+              <a:buFont typeface="Arial" panose="020B0604020202020204" pitchFamily="34" charset="0"/>
+              <a:buChar char="•"/>
+            </a:pPr>
+            <a:r>
+              <a:rPr lang="en-US" sz="2000" dirty="0"/>
+              <a:t>Should be used regularly,</a:t>
+            </a:r>
+          </a:p>
+          <a:p>
+            <a:pPr marL="342900" indent="-342900">
+              <a:buFont typeface="Arial" panose="020B0604020202020204" pitchFamily="34" charset="0"/>
+              <a:buChar char="•"/>
+            </a:pPr>
+            <a:r>
+              <a:rPr lang="en-US" sz="2000" dirty="0"/>
+              <a:t>Should be comprehensive and never filtered,</a:t>
+            </a:r>
+          </a:p>
+          <a:p>
+            <a:pPr marL="342900" indent="-342900">
+              <a:buFont typeface="Arial" panose="020B0604020202020204" pitchFamily="34" charset="0"/>
+              <a:buChar char="•"/>
+            </a:pPr>
+            <a:r>
+              <a:rPr lang="en-US" sz="2000" dirty="0"/>
+              <a:t>Don’t need perfect grammar and full sentences,</a:t>
+            </a:r>
+          </a:p>
+          <a:p>
+            <a:pPr marL="342900" indent="-342900">
+              <a:buFont typeface="Arial" panose="020B0604020202020204" pitchFamily="34" charset="0"/>
+              <a:buChar char="•"/>
+            </a:pPr>
+            <a:r>
+              <a:rPr lang="en-US" sz="2000" dirty="0"/>
+              <a:t>Content is frozen at creation, and</a:t>
+            </a:r>
+          </a:p>
+          <a:p>
+            <a:pPr marL="342900" indent="-342900">
+              <a:buFont typeface="Arial" panose="020B0604020202020204" pitchFamily="34" charset="0"/>
+              <a:buChar char="•"/>
+            </a:pPr>
+            <a:r>
+              <a:rPr lang="en-US" sz="2000" dirty="0"/>
+              <a:t>Hopefully contains more than just data (</a:t>
+            </a:r>
+            <a:r>
+              <a:rPr lang="en-US" sz="2000" i="1" dirty="0"/>
+              <a:t>e.g.</a:t>
+            </a:r>
+            <a:r>
+              <a:rPr lang="en-US" sz="2000" dirty="0"/>
+              <a:t>, motivation, reasoning, conclusions).</a:t>
+            </a:r>
+          </a:p>
+          <a:p>
+            <a:pPr algn="ctr">
+              <a:lnSpc>
+                <a:spcPct val="90000"/>
+              </a:lnSpc>
+              <a:spcBef>
+                <a:spcPts val="1200"/>
+              </a:spcBef>
+            </a:pPr>
+            <a:r>
+              <a:rPr lang="en-US" sz="2000" dirty="0"/>
+              <a:t>They aren’t good at communicating knowledge, </a:t>
+            </a:r>
+            <a:r>
+              <a:rPr lang="en-US" sz="2000" b="1" dirty="0"/>
+              <a:t>but</a:t>
+            </a:r>
+          </a:p>
+          <a:p>
+            <a:pPr algn="ctr">
+              <a:lnSpc>
+                <a:spcPct val="90000"/>
+              </a:lnSpc>
+            </a:pPr>
+            <a:r>
+              <a:rPr lang="en-US" sz="2000" dirty="0"/>
+              <a:t>people interact, evolve, and grow by collaborating through the notebook.</a:t>
+            </a:r>
+          </a:p>
+          <a:p>
+            <a:endParaRPr lang="en-US" sz="2000" dirty="0"/>
+          </a:p>
+        </p:txBody>
+      </p:sp>
+    </p:spTree>
+    <p:extLst>
+      <p:ext uri="{BB962C8B-B14F-4D97-AF65-F5344CB8AC3E}">
+        <p14:creationId xmlns:p14="http://schemas.microsoft.com/office/powerpoint/2010/main" val="1526375668"/>
+      </p:ext>
+    </p:extLst>
+  </p:cSld>
+  <p:clrMapOvr>
+    <a:masterClrMapping/>
+  </p:clrMapOvr>
+</p:sld>
+</file>
+
 <file path=ppt/slides/slide13.xml><?xml version="1.0" encoding="utf-8"?>
 <p:sld xmlns:a="http://schemas.openxmlformats.org/drawingml/2006/main" xmlns:r="http://schemas.openxmlformats.org/officeDocument/2006/relationships" xmlns:p="http://schemas.openxmlformats.org/presentationml/2006/main">
   <p:cSld>
@@ -7741,719 +7712,6 @@
           <p:cNvPr id="2" name="Title 1">
             <a:extLst>
               <a:ext uri="{FF2B5EF4-FFF2-40B4-BE49-F238E27FC236}">
-                <a16:creationId xmlns:a16="http://schemas.microsoft.com/office/drawing/2014/main" id="{9CDA5DAC-D638-AA10-5E70-A77E5B69D79E}"/>
-              </a:ext>
-            </a:extLst>
-          </p:cNvPr>
-          <p:cNvSpPr>
-            <a:spLocks noGrp="1"/>
-          </p:cNvSpPr>
-          <p:nvPr>
-            <p:ph type="title"/>
-          </p:nvPr>
-        </p:nvSpPr>
-        <p:spPr/>
-        <p:txBody>
-          <a:bodyPr/>
-          <a:lstStyle/>
-          <a:p>
-            <a:r>
-              <a:rPr lang="en-US" dirty="0"/>
-              <a:t>And finally, we reach our destination</a:t>
-            </a:r>
-          </a:p>
-        </p:txBody>
-      </p:sp>
-      <p:sp>
-        <p:nvSpPr>
-          <p:cNvPr id="4" name="Rectangle 3">
-            <a:extLst>
-              <a:ext uri="{FF2B5EF4-FFF2-40B4-BE49-F238E27FC236}">
-                <a16:creationId xmlns:a16="http://schemas.microsoft.com/office/drawing/2014/main" id="{ABF114B4-557E-6985-4AE3-A655B0543BBC}"/>
-              </a:ext>
-            </a:extLst>
-          </p:cNvPr>
-          <p:cNvSpPr/>
-          <p:nvPr/>
-        </p:nvSpPr>
-        <p:spPr>
-          <a:xfrm>
-            <a:off x="365760" y="953119"/>
-            <a:ext cx="10536470" cy="5416868"/>
-          </a:xfrm>
-          <a:prstGeom prst="rect">
-            <a:avLst/>
-          </a:prstGeom>
-        </p:spPr>
-        <p:txBody>
-          <a:bodyPr wrap="square">
-            <a:spAutoFit/>
-          </a:bodyPr>
-          <a:lstStyle/>
-          <a:p>
-            <a:r>
-              <a:rPr lang="en-US" sz="2000" dirty="0"/>
-              <a:t>Lab notebooks are</a:t>
-            </a:r>
-          </a:p>
-          <a:p>
-            <a:pPr marL="285750" indent="-285750">
-              <a:buFont typeface="Arial" panose="020B0604020202020204" pitchFamily="34" charset="0"/>
-              <a:buChar char="•"/>
-            </a:pPr>
-            <a:r>
-              <a:rPr lang="en-US" sz="2000" dirty="0"/>
-              <a:t>A fundamental part of communication as well as rigorous, reproducible science in a lab,</a:t>
-            </a:r>
-          </a:p>
-          <a:p>
-            <a:pPr marL="285750" indent="-285750">
-              <a:buFont typeface="Arial" panose="020B0604020202020204" pitchFamily="34" charset="0"/>
-              <a:buChar char="•"/>
-            </a:pPr>
-            <a:r>
-              <a:rPr lang="en-US" sz="2000" dirty="0"/>
-              <a:t>A common-place or required part of an experimental laboratory,</a:t>
-            </a:r>
-          </a:p>
-          <a:p>
-            <a:pPr marL="285750" indent="-285750">
-              <a:buFont typeface="Arial" panose="020B0604020202020204" pitchFamily="34" charset="0"/>
-              <a:buChar char="•"/>
-            </a:pPr>
-            <a:r>
-              <a:rPr lang="en-US" sz="2000" dirty="0"/>
-              <a:t>Populating a scientific “lab notebook” is increasingly an “automated” process in many modern experimental and observational research environments,</a:t>
-            </a:r>
-          </a:p>
-          <a:p>
-            <a:pPr marL="285750" indent="-285750">
-              <a:buFont typeface="Arial" panose="020B0604020202020204" pitchFamily="34" charset="0"/>
-              <a:buChar char="•"/>
-            </a:pPr>
-            <a:r>
-              <a:rPr lang="en-US" sz="2000" dirty="0"/>
-              <a:t>A tool for preventing scientific fraud, and</a:t>
-            </a:r>
-          </a:p>
-          <a:p>
-            <a:pPr marL="285750" indent="-285750">
-              <a:buFont typeface="Arial" panose="020B0604020202020204" pitchFamily="34" charset="0"/>
-              <a:buChar char="•"/>
-            </a:pPr>
-            <a:r>
-              <a:rPr lang="en-US" sz="2000" dirty="0"/>
-              <a:t>Record of invention and defending against allegations of fraud.</a:t>
-            </a:r>
-          </a:p>
-          <a:p>
-            <a:endParaRPr lang="en-US" sz="2000" dirty="0"/>
-          </a:p>
-          <a:p>
-            <a:pPr marL="0" indent="0">
-              <a:buNone/>
-            </a:pPr>
-            <a:r>
-              <a:rPr lang="en-US" sz="2000" dirty="0"/>
-              <a:t>Lab notebooks</a:t>
-            </a:r>
-          </a:p>
-          <a:p>
-            <a:pPr marL="342900" indent="-342900">
-              <a:buFont typeface="Arial" panose="020B0604020202020204" pitchFamily="34" charset="0"/>
-              <a:buChar char="•"/>
-            </a:pPr>
-            <a:r>
-              <a:rPr lang="en-US" sz="2000" dirty="0"/>
-              <a:t>Should be used regularly,</a:t>
-            </a:r>
-          </a:p>
-          <a:p>
-            <a:pPr marL="342900" indent="-342900">
-              <a:buFont typeface="Arial" panose="020B0604020202020204" pitchFamily="34" charset="0"/>
-              <a:buChar char="•"/>
-            </a:pPr>
-            <a:r>
-              <a:rPr lang="en-US" sz="2000" dirty="0"/>
-              <a:t>Should be comprehensive and never filtered,</a:t>
-            </a:r>
-          </a:p>
-          <a:p>
-            <a:pPr marL="342900" indent="-342900">
-              <a:buFont typeface="Arial" panose="020B0604020202020204" pitchFamily="34" charset="0"/>
-              <a:buChar char="•"/>
-            </a:pPr>
-            <a:r>
-              <a:rPr lang="en-US" sz="2000" dirty="0"/>
-              <a:t>Don’t need perfect grammar and full sentences,</a:t>
-            </a:r>
-          </a:p>
-          <a:p>
-            <a:pPr marL="342900" indent="-342900">
-              <a:buFont typeface="Arial" panose="020B0604020202020204" pitchFamily="34" charset="0"/>
-              <a:buChar char="•"/>
-            </a:pPr>
-            <a:r>
-              <a:rPr lang="en-US" sz="2000" dirty="0"/>
-              <a:t>Content is frozen at creation, and</a:t>
-            </a:r>
-          </a:p>
-          <a:p>
-            <a:pPr marL="342900" indent="-342900">
-              <a:buFont typeface="Arial" panose="020B0604020202020204" pitchFamily="34" charset="0"/>
-              <a:buChar char="•"/>
-            </a:pPr>
-            <a:r>
-              <a:rPr lang="en-US" sz="2000" dirty="0"/>
-              <a:t>Hopefully contains more than just data (</a:t>
-            </a:r>
-            <a:r>
-              <a:rPr lang="en-US" sz="2000" i="1" dirty="0"/>
-              <a:t>e.g.</a:t>
-            </a:r>
-            <a:r>
-              <a:rPr lang="en-US" sz="2000" dirty="0"/>
-              <a:t>, motivation, reasoning, conclusions).</a:t>
-            </a:r>
-          </a:p>
-          <a:p>
-            <a:pPr algn="ctr">
-              <a:lnSpc>
-                <a:spcPct val="90000"/>
-              </a:lnSpc>
-              <a:spcBef>
-                <a:spcPts val="1200"/>
-              </a:spcBef>
-            </a:pPr>
-            <a:r>
-              <a:rPr lang="en-US" sz="2000" dirty="0"/>
-              <a:t>They aren’t good at communicating knowledge, </a:t>
-            </a:r>
-            <a:r>
-              <a:rPr lang="en-US" sz="2000" b="1" dirty="0"/>
-              <a:t>but</a:t>
-            </a:r>
-          </a:p>
-          <a:p>
-            <a:pPr algn="ctr">
-              <a:lnSpc>
-                <a:spcPct val="90000"/>
-              </a:lnSpc>
-            </a:pPr>
-            <a:r>
-              <a:rPr lang="en-US" sz="2000" dirty="0"/>
-              <a:t>people interact, evolve, and grow by collaborating through the notebook.</a:t>
-            </a:r>
-          </a:p>
-          <a:p>
-            <a:endParaRPr lang="en-US" sz="2000" dirty="0"/>
-          </a:p>
-        </p:txBody>
-      </p:sp>
-    </p:spTree>
-    <p:extLst>
-      <p:ext uri="{BB962C8B-B14F-4D97-AF65-F5344CB8AC3E}">
-        <p14:creationId xmlns:p14="http://schemas.microsoft.com/office/powerpoint/2010/main" val="1526375668"/>
-      </p:ext>
-    </p:extLst>
-  </p:cSld>
-  <p:clrMapOvr>
-    <a:masterClrMapping/>
-  </p:clrMapOvr>
-</p:sld>
-</file>
-
-<file path=ppt/slides/slide14.xml><?xml version="1.0" encoding="utf-8"?>
-<p:sld xmlns:a="http://schemas.openxmlformats.org/drawingml/2006/main" xmlns:r="http://schemas.openxmlformats.org/officeDocument/2006/relationships" xmlns:p="http://schemas.openxmlformats.org/presentationml/2006/main">
-  <p:cSld>
-    <p:spTree>
-      <p:nvGrpSpPr>
-        <p:cNvPr id="1" name=""/>
-        <p:cNvGrpSpPr/>
-        <p:nvPr/>
-      </p:nvGrpSpPr>
-      <p:grpSpPr>
-        <a:xfrm>
-          <a:off x="0" y="0"/>
-          <a:ext cx="0" cy="0"/>
-          <a:chOff x="0" y="0"/>
-          <a:chExt cx="0" cy="0"/>
-        </a:xfrm>
-      </p:grpSpPr>
-      <p:sp>
-        <p:nvSpPr>
-          <p:cNvPr id="2" name="Title 1">
-            <a:extLst>
-              <a:ext uri="{FF2B5EF4-FFF2-40B4-BE49-F238E27FC236}">
-                <a16:creationId xmlns:a16="http://schemas.microsoft.com/office/drawing/2014/main" id="{914D1871-6578-CE2C-CEDE-6D61809C72C6}"/>
-              </a:ext>
-            </a:extLst>
-          </p:cNvPr>
-          <p:cNvSpPr>
-            <a:spLocks noGrp="1"/>
-          </p:cNvSpPr>
-          <p:nvPr>
-            <p:ph type="title"/>
-          </p:nvPr>
-        </p:nvSpPr>
-        <p:spPr/>
-        <p:txBody>
-          <a:bodyPr/>
-          <a:lstStyle/>
-          <a:p>
-            <a:r>
-              <a:rPr lang="en-US" dirty="0"/>
-              <a:t>Example notebook entries</a:t>
-            </a:r>
-          </a:p>
-        </p:txBody>
-      </p:sp>
-      <p:sp>
-        <p:nvSpPr>
-          <p:cNvPr id="8" name="TextBox 7">
-            <a:extLst>
-              <a:ext uri="{FF2B5EF4-FFF2-40B4-BE49-F238E27FC236}">
-                <a16:creationId xmlns:a16="http://schemas.microsoft.com/office/drawing/2014/main" id="{42B00271-B090-7E98-2613-C5ACE15A4551}"/>
-              </a:ext>
-            </a:extLst>
-          </p:cNvPr>
-          <p:cNvSpPr txBox="1"/>
-          <p:nvPr/>
-        </p:nvSpPr>
-        <p:spPr>
-          <a:xfrm>
-            <a:off x="365760" y="2081969"/>
-            <a:ext cx="3724033" cy="2179058"/>
-          </a:xfrm>
-          <a:prstGeom prst="rect">
-            <a:avLst/>
-          </a:prstGeom>
-          <a:noFill/>
-        </p:spPr>
-        <p:txBody>
-          <a:bodyPr wrap="none" lIns="118872" tIns="91440" rIns="118872" bIns="91440" rtlCol="0" anchor="ctr" anchorCtr="0">
-            <a:spAutoFit/>
-          </a:bodyPr>
-          <a:lstStyle/>
-          <a:p>
-            <a:pPr algn="l">
-              <a:lnSpc>
-                <a:spcPct val="90000"/>
-              </a:lnSpc>
-            </a:pPr>
-            <a:r>
-              <a:rPr lang="en-US" dirty="0"/>
-              <a:t>A bad example</a:t>
-            </a:r>
-          </a:p>
-          <a:p>
-            <a:pPr algn="l">
-              <a:lnSpc>
-                <a:spcPct val="90000"/>
-              </a:lnSpc>
-            </a:pPr>
-            <a:endParaRPr lang="en-US" dirty="0"/>
-          </a:p>
-          <a:p>
-            <a:pPr algn="l">
-              <a:lnSpc>
-                <a:spcPct val="90000"/>
-              </a:lnSpc>
-            </a:pPr>
-            <a:r>
-              <a:rPr lang="en-US" b="1" u="sng" dirty="0"/>
-              <a:t>Monday July 25, 2022</a:t>
-            </a:r>
-          </a:p>
-          <a:p>
-            <a:pPr algn="l">
-              <a:lnSpc>
-                <a:spcPct val="90000"/>
-              </a:lnSpc>
-            </a:pPr>
-            <a:r>
-              <a:rPr lang="en-US" dirty="0"/>
-              <a:t>9:05 am - Do study ABC</a:t>
-            </a:r>
-          </a:p>
-          <a:p>
-            <a:pPr algn="l">
-              <a:lnSpc>
-                <a:spcPct val="90000"/>
-              </a:lnSpc>
-            </a:pPr>
-            <a:r>
-              <a:rPr lang="en-US" dirty="0"/>
-              <a:t>8:47 pm - Lot’s of interesting data!</a:t>
-            </a:r>
-          </a:p>
-          <a:p>
-            <a:pPr algn="l">
-              <a:lnSpc>
-                <a:spcPct val="90000"/>
-              </a:lnSpc>
-            </a:pPr>
-            <a:r>
-              <a:rPr lang="en-US" dirty="0"/>
-              <a:t>              - Results are in GCE</a:t>
-            </a:r>
-          </a:p>
-          <a:p>
-            <a:pPr algn="l">
-              <a:lnSpc>
-                <a:spcPct val="90000"/>
-              </a:lnSpc>
-            </a:pPr>
-            <a:endParaRPr lang="en-US" dirty="0"/>
-          </a:p>
-          <a:p>
-            <a:pPr algn="l">
-              <a:lnSpc>
-                <a:spcPct val="90000"/>
-              </a:lnSpc>
-            </a:pPr>
-            <a:endParaRPr lang="en-US" dirty="0"/>
-          </a:p>
-        </p:txBody>
-      </p:sp>
-      <p:sp>
-        <p:nvSpPr>
-          <p:cNvPr id="9" name="TextBox 8">
-            <a:extLst>
-              <a:ext uri="{FF2B5EF4-FFF2-40B4-BE49-F238E27FC236}">
-                <a16:creationId xmlns:a16="http://schemas.microsoft.com/office/drawing/2014/main" id="{EA4853CD-8614-95AA-C341-E49641DA6302}"/>
-              </a:ext>
-            </a:extLst>
-          </p:cNvPr>
-          <p:cNvSpPr txBox="1"/>
-          <p:nvPr/>
-        </p:nvSpPr>
-        <p:spPr>
-          <a:xfrm>
-            <a:off x="5935980" y="283536"/>
-            <a:ext cx="5887085" cy="5669244"/>
-          </a:xfrm>
-          <a:prstGeom prst="rect">
-            <a:avLst/>
-          </a:prstGeom>
-          <a:noFill/>
-        </p:spPr>
-        <p:txBody>
-          <a:bodyPr wrap="square" lIns="118872" tIns="91440" rIns="118872" bIns="91440" rtlCol="0" anchor="ctr" anchorCtr="0">
-            <a:spAutoFit/>
-          </a:bodyPr>
-          <a:lstStyle/>
-          <a:p>
-            <a:pPr algn="l">
-              <a:lnSpc>
-                <a:spcPct val="90000"/>
-              </a:lnSpc>
-            </a:pPr>
-            <a:r>
-              <a:rPr lang="en-US" dirty="0"/>
-              <a:t>A better example</a:t>
-            </a:r>
-          </a:p>
-          <a:p>
-            <a:pPr algn="l">
-              <a:lnSpc>
-                <a:spcPct val="90000"/>
-              </a:lnSpc>
-            </a:pPr>
-            <a:endParaRPr lang="en-US" b="1" u="sng" dirty="0"/>
-          </a:p>
-          <a:p>
-            <a:pPr algn="l">
-              <a:lnSpc>
-                <a:spcPct val="90000"/>
-              </a:lnSpc>
-            </a:pPr>
-            <a:r>
-              <a:rPr lang="en-US" b="1" u="sng" dirty="0"/>
-              <a:t>Monday July 25, 2022</a:t>
-            </a:r>
-            <a:r>
-              <a:rPr lang="en-US" dirty="0"/>
-              <a:t> (Jared)</a:t>
-            </a:r>
-          </a:p>
-          <a:p>
-            <a:pPr algn="l">
-              <a:lnSpc>
-                <a:spcPct val="90000"/>
-              </a:lnSpc>
-            </a:pPr>
-            <a:r>
-              <a:rPr lang="en-US" b="1" dirty="0"/>
-              <a:t>9:05 am </a:t>
-            </a:r>
-            <a:r>
-              <a:rPr lang="en-US" dirty="0"/>
-              <a:t>- Continuing work for study ABC.  (See July 7)</a:t>
-            </a:r>
-          </a:p>
-          <a:p>
-            <a:pPr algn="l">
-              <a:lnSpc>
-                <a:spcPct val="90000"/>
-              </a:lnSpc>
-            </a:pPr>
-            <a:r>
-              <a:rPr lang="en-US" dirty="0"/>
-              <a:t>- I presently believe that if A happens, then B must also happen.</a:t>
-            </a:r>
-          </a:p>
-          <a:p>
-            <a:pPr algn="l">
-              <a:lnSpc>
-                <a:spcPct val="90000"/>
-              </a:lnSpc>
-            </a:pPr>
-            <a:r>
-              <a:rPr lang="en-US" dirty="0"/>
-              <a:t>- To verify this, I intend to</a:t>
-            </a:r>
-          </a:p>
-          <a:p>
-            <a:pPr marL="742950" lvl="1" indent="-285750">
-              <a:lnSpc>
-                <a:spcPct val="90000"/>
-              </a:lnSpc>
-              <a:buFont typeface="Arial" panose="020B0604020202020204" pitchFamily="34" charset="0"/>
-              <a:buChar char="•"/>
-            </a:pPr>
-            <a:r>
-              <a:rPr lang="en-US" dirty="0"/>
-              <a:t>…</a:t>
-            </a:r>
-          </a:p>
-          <a:p>
-            <a:pPr marL="742950" lvl="1" indent="-285750">
-              <a:lnSpc>
-                <a:spcPct val="90000"/>
-              </a:lnSpc>
-              <a:buFont typeface="Arial" panose="020B0604020202020204" pitchFamily="34" charset="0"/>
-              <a:buChar char="•"/>
-            </a:pPr>
-            <a:r>
-              <a:rPr lang="en-US" dirty="0"/>
-              <a:t>***</a:t>
-            </a:r>
-          </a:p>
-          <a:p>
-            <a:pPr>
-              <a:lnSpc>
-                <a:spcPct val="90000"/>
-              </a:lnSpc>
-            </a:pPr>
-            <a:r>
-              <a:rPr lang="en-US" b="1" dirty="0"/>
-              <a:t>9:30 am </a:t>
-            </a:r>
-            <a:r>
-              <a:rPr lang="en-US" dirty="0"/>
-              <a:t>- Started executing this experiment on Bebop.</a:t>
-            </a:r>
-          </a:p>
-          <a:p>
-            <a:pPr marL="742950" lvl="1" indent="-285750">
-              <a:lnSpc>
-                <a:spcPct val="90000"/>
-              </a:lnSpc>
-              <a:buFont typeface="Arial" panose="020B0604020202020204" pitchFamily="34" charset="0"/>
-              <a:buChar char="•"/>
-            </a:pPr>
-            <a:r>
-              <a:rPr lang="en-US" dirty="0"/>
-              <a:t>Built debug version of binary with Intel 20.4</a:t>
-            </a:r>
-          </a:p>
-          <a:p>
-            <a:pPr marL="742950" lvl="1" indent="-285750">
-              <a:lnSpc>
-                <a:spcPct val="90000"/>
-              </a:lnSpc>
-              <a:buFont typeface="Arial" panose="020B0604020202020204" pitchFamily="34" charset="0"/>
-              <a:buChar char="•"/>
-            </a:pPr>
-            <a:r>
-              <a:rPr lang="en-US" dirty="0"/>
-              <a:t>Based on </a:t>
-            </a:r>
-            <a:r>
-              <a:rPr lang="en-US" u="sng" dirty="0"/>
-              <a:t>clean</a:t>
-            </a:r>
-            <a:r>
-              <a:rPr lang="en-US" dirty="0"/>
-              <a:t> commit 5a43b21c</a:t>
-            </a:r>
-          </a:p>
-          <a:p>
-            <a:pPr marL="742950" lvl="1" indent="-285750">
-              <a:lnSpc>
-                <a:spcPct val="90000"/>
-              </a:lnSpc>
-              <a:buFont typeface="Arial" panose="020B0604020202020204" pitchFamily="34" charset="0"/>
-              <a:buChar char="•"/>
-            </a:pPr>
-            <a:r>
-              <a:rPr lang="en-US" dirty="0"/>
-              <a:t>Build log saved to </a:t>
-            </a:r>
-            <a:r>
-              <a:rPr lang="en-US" dirty="0">
-                <a:latin typeface="American Typewriter" panose="02090604020004020304" pitchFamily="18" charset="77"/>
-              </a:rPr>
-              <a:t>my_test_2022.log</a:t>
-            </a:r>
-          </a:p>
-          <a:p>
-            <a:pPr marL="742950" lvl="1" indent="-285750">
-              <a:lnSpc>
-                <a:spcPct val="90000"/>
-              </a:lnSpc>
-              <a:buFont typeface="Arial" panose="020B0604020202020204" pitchFamily="34" charset="0"/>
-              <a:buChar char="•"/>
-            </a:pPr>
-            <a:r>
-              <a:rPr lang="en-US" dirty="0"/>
-              <a:t>No errors or warnings emitted</a:t>
-            </a:r>
-          </a:p>
-          <a:p>
-            <a:pPr marL="742950" lvl="1" indent="-285750">
-              <a:lnSpc>
-                <a:spcPct val="90000"/>
-              </a:lnSpc>
-              <a:buFont typeface="Arial" panose="020B0604020202020204" pitchFamily="34" charset="0"/>
-              <a:buChar char="•"/>
-            </a:pPr>
-            <a:r>
-              <a:rPr lang="en-US" dirty="0"/>
-              <a:t>Used job script </a:t>
-            </a:r>
-            <a:r>
-              <a:rPr lang="en-US" dirty="0" err="1">
-                <a:latin typeface="American Typewriter" panose="02090604020004020304" pitchFamily="18" charset="77"/>
-              </a:rPr>
-              <a:t>run_my_test</a:t>
-            </a:r>
-            <a:r>
-              <a:rPr lang="en-US" dirty="0">
-                <a:latin typeface="American Typewriter" panose="02090604020004020304" pitchFamily="18" charset="77"/>
-              </a:rPr>
-              <a:t> </a:t>
-            </a:r>
-            <a:r>
-              <a:rPr lang="en-US" dirty="0"/>
-              <a:t>with configuration 24 (Job ID 123456)</a:t>
-            </a:r>
-          </a:p>
-          <a:p>
-            <a:pPr marL="742950" lvl="1" indent="-285750">
-              <a:lnSpc>
-                <a:spcPct val="90000"/>
-              </a:lnSpc>
-              <a:buFont typeface="Arial" panose="020B0604020202020204" pitchFamily="34" charset="0"/>
-              <a:buChar char="•"/>
-            </a:pPr>
-            <a:r>
-              <a:rPr lang="en-US" dirty="0" err="1"/>
-              <a:t>Stdout</a:t>
-            </a:r>
-            <a:r>
-              <a:rPr lang="en-US" dirty="0"/>
-              <a:t>/err &amp; results saved in folder ABC</a:t>
-            </a:r>
-          </a:p>
-          <a:p>
-            <a:pPr>
-              <a:lnSpc>
-                <a:spcPct val="90000"/>
-              </a:lnSpc>
-            </a:pPr>
-            <a:r>
-              <a:rPr lang="en-US" b="1" dirty="0"/>
-              <a:t>10:07 am </a:t>
-            </a:r>
-            <a:r>
-              <a:rPr lang="en-US" dirty="0"/>
-              <a:t>- Analysis run with script </a:t>
-            </a:r>
-            <a:r>
-              <a:rPr lang="en-US" dirty="0" err="1">
-                <a:latin typeface="American Typewriter" panose="02090604020004020304" pitchFamily="18" charset="77"/>
-              </a:rPr>
-              <a:t>analyze_my_test.py</a:t>
-            </a:r>
-            <a:r>
-              <a:rPr lang="en-US" dirty="0">
-                <a:latin typeface="American Typewriter" panose="02090604020004020304" pitchFamily="18" charset="77"/>
-              </a:rPr>
-              <a:t> </a:t>
-            </a:r>
-            <a:r>
-              <a:rPr lang="en-US" dirty="0"/>
-              <a:t>and results saved in same folder.</a:t>
-            </a:r>
-          </a:p>
-          <a:p>
-            <a:pPr>
-              <a:lnSpc>
-                <a:spcPct val="90000"/>
-              </a:lnSpc>
-            </a:pPr>
-            <a:r>
-              <a:rPr lang="en-US" dirty="0"/>
-              <a:t>- Since no peak seen around 1.5 MeV, I was wrong.  But based on this, I now </a:t>
-            </a:r>
-            <a:r>
-              <a:rPr lang="en-US" i="1" dirty="0"/>
-              <a:t>believe</a:t>
-            </a:r>
-            <a:r>
-              <a:rPr lang="en-US" dirty="0"/>
-              <a:t> that if A happens, then C must also happen.</a:t>
-            </a:r>
-          </a:p>
-        </p:txBody>
-      </p:sp>
-    </p:spTree>
-    <p:extLst>
-      <p:ext uri="{BB962C8B-B14F-4D97-AF65-F5344CB8AC3E}">
-        <p14:creationId xmlns:p14="http://schemas.microsoft.com/office/powerpoint/2010/main" val="3878095345"/>
-      </p:ext>
-    </p:extLst>
-  </p:cSld>
-  <p:clrMapOvr>
-    <a:masterClrMapping/>
-  </p:clrMapOvr>
-</p:sld>
-</file>
-
-<file path=ppt/slides/slide15.xml><?xml version="1.0" encoding="utf-8"?>
-<p:sld xmlns:a="http://schemas.openxmlformats.org/drawingml/2006/main" xmlns:r="http://schemas.openxmlformats.org/officeDocument/2006/relationships" xmlns:p="http://schemas.openxmlformats.org/presentationml/2006/main">
-  <p:cSld>
-    <p:spTree>
-      <p:nvGrpSpPr>
-        <p:cNvPr id="1" name=""/>
-        <p:cNvGrpSpPr/>
-        <p:nvPr/>
-      </p:nvGrpSpPr>
-      <p:grpSpPr>
-        <a:xfrm>
-          <a:off x="0" y="0"/>
-          <a:ext cx="0" cy="0"/>
-          <a:chOff x="0" y="0"/>
-          <a:chExt cx="0" cy="0"/>
-        </a:xfrm>
-      </p:grpSpPr>
-      <p:sp>
-        <p:nvSpPr>
-          <p:cNvPr id="2" name="Title 1">
-            <a:extLst>
-              <a:ext uri="{FF2B5EF4-FFF2-40B4-BE49-F238E27FC236}">
                 <a16:creationId xmlns:a16="http://schemas.microsoft.com/office/drawing/2014/main" id="{D7828D69-26F6-5C57-6CEC-39DA8CBA68BD}"/>
               </a:ext>
             </a:extLst>
@@ -8511,35 +7769,42 @@
           <a:p>
             <a:r>
               <a:rPr lang="en-US" dirty="0"/>
-              <a:t>As researchers’ careers progress,</a:t>
+              <a:t>As researchers’ careers progress</a:t>
             </a:r>
           </a:p>
           <a:p>
             <a:pPr lvl="1"/>
             <a:r>
               <a:rPr lang="en-US" dirty="0"/>
-              <a:t>The problems become more complex and larger,</a:t>
+              <a:t>The problems become more complex and larger</a:t>
             </a:r>
           </a:p>
           <a:p>
             <a:pPr lvl="1"/>
             <a:r>
               <a:rPr lang="en-US" dirty="0"/>
-              <a:t>Previous informal techniques for executing a study start to fail,</a:t>
+              <a:t>Previous informal techniques for executing a study start to fail</a:t>
             </a:r>
           </a:p>
           <a:p>
             <a:pPr lvl="1"/>
             <a:r>
               <a:rPr lang="en-US" dirty="0"/>
-              <a:t>The researchers' sense that something is missing, and</a:t>
+              <a:t>The researchers' sense that something is missing</a:t>
+            </a:r>
+          </a:p>
+          <a:p>
+            <a:pPr lvl="2"/>
+            <a:r>
+              <a:rPr lang="en-US" i="1" dirty="0"/>
+              <a:t>“Doing in-flight airplane repair”</a:t>
             </a:r>
           </a:p>
           <a:p>
             <a:pPr lvl="1"/>
             <a:r>
               <a:rPr lang="en-US" dirty="0"/>
-              <a:t>They invent processes and tools to compensate.</a:t>
+              <a:t>They invent processes and tools to compensate</a:t>
             </a:r>
           </a:p>
           <a:p>
@@ -8696,6 +7961,671 @@
 </p:sld>
 </file>
 
+<file path=ppt/slides/slide14.xml><?xml version="1.0" encoding="utf-8"?>
+<p:sld xmlns:a="http://schemas.openxmlformats.org/drawingml/2006/main" xmlns:r="http://schemas.openxmlformats.org/officeDocument/2006/relationships" xmlns:p="http://schemas.openxmlformats.org/presentationml/2006/main">
+  <p:cSld>
+    <p:spTree>
+      <p:nvGrpSpPr>
+        <p:cNvPr id="1" name=""/>
+        <p:cNvGrpSpPr/>
+        <p:nvPr/>
+      </p:nvGrpSpPr>
+      <p:grpSpPr>
+        <a:xfrm>
+          <a:off x="0" y="0"/>
+          <a:ext cx="0" cy="0"/>
+          <a:chOff x="0" y="0"/>
+          <a:chExt cx="0" cy="0"/>
+        </a:xfrm>
+      </p:grpSpPr>
+      <p:sp>
+        <p:nvSpPr>
+          <p:cNvPr id="2" name="Title 1">
+            <a:extLst>
+              <a:ext uri="{FF2B5EF4-FFF2-40B4-BE49-F238E27FC236}">
+                <a16:creationId xmlns:a16="http://schemas.microsoft.com/office/drawing/2014/main" id="{854DDF3B-E98A-D5CA-A59B-85FA8971B392}"/>
+              </a:ext>
+            </a:extLst>
+          </p:cNvPr>
+          <p:cNvSpPr>
+            <a:spLocks noGrp="1"/>
+          </p:cNvSpPr>
+          <p:nvPr>
+            <p:ph type="title"/>
+          </p:nvPr>
+        </p:nvSpPr>
+        <p:spPr/>
+        <p:txBody>
+          <a:bodyPr/>
+          <a:lstStyle/>
+          <a:p>
+            <a:r>
+              <a:rPr lang="en-US" dirty="0"/>
+              <a:t>No one likes writing lab notes</a:t>
+            </a:r>
+          </a:p>
+        </p:txBody>
+      </p:sp>
+      <p:sp>
+        <p:nvSpPr>
+          <p:cNvPr id="6" name="Content Placeholder 2">
+            <a:extLst>
+              <a:ext uri="{FF2B5EF4-FFF2-40B4-BE49-F238E27FC236}">
+                <a16:creationId xmlns:a16="http://schemas.microsoft.com/office/drawing/2014/main" id="{0886154B-3FDF-98B1-DE0A-7ECA10358CE8}"/>
+              </a:ext>
+            </a:extLst>
+          </p:cNvPr>
+          <p:cNvSpPr>
+            <a:spLocks noGrp="1"/>
+          </p:cNvSpPr>
+          <p:nvPr>
+            <p:ph idx="1"/>
+          </p:nvPr>
+        </p:nvSpPr>
+        <p:spPr>
+          <a:xfrm>
+            <a:off x="365760" y="2426904"/>
+            <a:ext cx="11369809" cy="4047778"/>
+          </a:xfrm>
+        </p:spPr>
+        <p:txBody>
+          <a:bodyPr/>
+          <a:lstStyle/>
+          <a:p>
+            <a:r>
+              <a:rPr lang="en-US" dirty="0"/>
+              <a:t>This attitude comes from lack of experience &amp; awareness</a:t>
+            </a:r>
+          </a:p>
+          <a:p>
+            <a:pPr lvl="1"/>
+            <a:r>
+              <a:rPr lang="en-US" dirty="0"/>
+              <a:t>Good notes are implicit communication &amp; sharing</a:t>
+            </a:r>
+          </a:p>
+          <a:p>
+            <a:pPr lvl="1"/>
+            <a:r>
+              <a:rPr lang="en-US" dirty="0"/>
+              <a:t>Good notes can be turned into procedures</a:t>
+            </a:r>
+          </a:p>
+          <a:p>
+            <a:r>
+              <a:rPr lang="en-US" dirty="0"/>
+              <a:t>Lab notes become more useful as time passes</a:t>
+            </a:r>
+          </a:p>
+          <a:p>
+            <a:pPr lvl="1"/>
+            <a:r>
+              <a:rPr lang="en-US" dirty="0"/>
+              <a:t>Our memory fades</a:t>
+            </a:r>
+          </a:p>
+          <a:p>
+            <a:pPr lvl="1"/>
+            <a:r>
+              <a:rPr lang="en-US" dirty="0"/>
+              <a:t>It can take years before we see the benefit</a:t>
+            </a:r>
+          </a:p>
+          <a:p>
+            <a:r>
+              <a:rPr lang="en-US" dirty="0"/>
+              <a:t>Writing but not reading lab notes is a good thing</a:t>
+            </a:r>
+          </a:p>
+          <a:p>
+            <a:pPr lvl="1"/>
+            <a:r>
+              <a:rPr lang="en-US" dirty="0"/>
+              <a:t>Lab notes are most useful when something has gone wrong</a:t>
+            </a:r>
+          </a:p>
+          <a:p>
+            <a:endParaRPr lang="en-US" dirty="0"/>
+          </a:p>
+          <a:p>
+            <a:endParaRPr lang="en-US" dirty="0"/>
+          </a:p>
+          <a:p>
+            <a:pPr lvl="1"/>
+            <a:endParaRPr lang="en-US" dirty="0"/>
+          </a:p>
+        </p:txBody>
+      </p:sp>
+      <p:sp>
+        <p:nvSpPr>
+          <p:cNvPr id="8" name="TextBox 7">
+            <a:extLst>
+              <a:ext uri="{FF2B5EF4-FFF2-40B4-BE49-F238E27FC236}">
+                <a16:creationId xmlns:a16="http://schemas.microsoft.com/office/drawing/2014/main" id="{C9881524-C838-C412-4A57-905FB327196F}"/>
+              </a:ext>
+            </a:extLst>
+          </p:cNvPr>
+          <p:cNvSpPr txBox="1"/>
+          <p:nvPr/>
+        </p:nvSpPr>
+        <p:spPr>
+          <a:xfrm>
+            <a:off x="112954" y="1088815"/>
+            <a:ext cx="11353474" cy="1107931"/>
+          </a:xfrm>
+          <a:prstGeom prst="rect">
+            <a:avLst/>
+          </a:prstGeom>
+          <a:noFill/>
+        </p:spPr>
+        <p:txBody>
+          <a:bodyPr wrap="none" lIns="158455" tIns="121888" rIns="158455" bIns="121888" rtlCol="0" anchor="ctr" anchorCtr="0">
+            <a:spAutoFit/>
+          </a:bodyPr>
+          <a:lstStyle/>
+          <a:p>
+            <a:pPr lvl="1" algn="ctr"/>
+            <a:r>
+              <a:rPr lang="en-US" sz="2800" dirty="0"/>
+              <a:t>“Lab notes are a waste of time.  I write notes, but never use them.”</a:t>
+            </a:r>
+          </a:p>
+          <a:p>
+            <a:pPr lvl="1"/>
+            <a:r>
+              <a:rPr lang="en-US" sz="2800" dirty="0"/>
+              <a:t>        - </a:t>
+            </a:r>
+            <a:r>
+              <a:rPr lang="en-US" sz="2400" dirty="0"/>
+              <a:t>Almost all newcomers to lab notebooks</a:t>
+            </a:r>
+            <a:endParaRPr lang="en-US" sz="2800" dirty="0"/>
+          </a:p>
+        </p:txBody>
+      </p:sp>
+    </p:spTree>
+    <p:extLst>
+      <p:ext uri="{BB962C8B-B14F-4D97-AF65-F5344CB8AC3E}">
+        <p14:creationId xmlns:p14="http://schemas.microsoft.com/office/powerpoint/2010/main" val="2257096921"/>
+      </p:ext>
+    </p:extLst>
+  </p:cSld>
+  <p:clrMapOvr>
+    <a:masterClrMapping/>
+  </p:clrMapOvr>
+</p:sld>
+</file>
+
+<file path=ppt/slides/slide15.xml><?xml version="1.0" encoding="utf-8"?>
+<p:sld xmlns:a="http://schemas.openxmlformats.org/drawingml/2006/main" xmlns:r="http://schemas.openxmlformats.org/officeDocument/2006/relationships" xmlns:p="http://schemas.openxmlformats.org/presentationml/2006/main">
+  <p:cSld>
+    <p:spTree>
+      <p:nvGrpSpPr>
+        <p:cNvPr id="1" name=""/>
+        <p:cNvGrpSpPr/>
+        <p:nvPr/>
+      </p:nvGrpSpPr>
+      <p:grpSpPr>
+        <a:xfrm>
+          <a:off x="0" y="0"/>
+          <a:ext cx="0" cy="0"/>
+          <a:chOff x="0" y="0"/>
+          <a:chExt cx="0" cy="0"/>
+        </a:xfrm>
+      </p:grpSpPr>
+      <p:sp>
+        <p:nvSpPr>
+          <p:cNvPr id="2" name="Title 1">
+            <a:extLst>
+              <a:ext uri="{FF2B5EF4-FFF2-40B4-BE49-F238E27FC236}">
+                <a16:creationId xmlns:a16="http://schemas.microsoft.com/office/drawing/2014/main" id="{914D1871-6578-CE2C-CEDE-6D61809C72C6}"/>
+              </a:ext>
+            </a:extLst>
+          </p:cNvPr>
+          <p:cNvSpPr>
+            <a:spLocks noGrp="1"/>
+          </p:cNvSpPr>
+          <p:nvPr>
+            <p:ph type="title"/>
+          </p:nvPr>
+        </p:nvSpPr>
+        <p:spPr/>
+        <p:txBody>
+          <a:bodyPr/>
+          <a:lstStyle/>
+          <a:p>
+            <a:r>
+              <a:rPr lang="en-US" dirty="0"/>
+              <a:t>Example notebook entries</a:t>
+            </a:r>
+          </a:p>
+        </p:txBody>
+      </p:sp>
+      <p:sp>
+        <p:nvSpPr>
+          <p:cNvPr id="8" name="TextBox 7">
+            <a:extLst>
+              <a:ext uri="{FF2B5EF4-FFF2-40B4-BE49-F238E27FC236}">
+                <a16:creationId xmlns:a16="http://schemas.microsoft.com/office/drawing/2014/main" id="{42B00271-B090-7E98-2613-C5ACE15A4551}"/>
+              </a:ext>
+            </a:extLst>
+          </p:cNvPr>
+          <p:cNvSpPr txBox="1"/>
+          <p:nvPr/>
+        </p:nvSpPr>
+        <p:spPr>
+          <a:xfrm>
+            <a:off x="365760" y="2081969"/>
+            <a:ext cx="3724033" cy="2179058"/>
+          </a:xfrm>
+          <a:prstGeom prst="rect">
+            <a:avLst/>
+          </a:prstGeom>
+          <a:noFill/>
+        </p:spPr>
+        <p:txBody>
+          <a:bodyPr wrap="none" lIns="118872" tIns="91440" rIns="118872" bIns="91440" rtlCol="0" anchor="ctr" anchorCtr="0">
+            <a:spAutoFit/>
+          </a:bodyPr>
+          <a:lstStyle/>
+          <a:p>
+            <a:pPr algn="l">
+              <a:lnSpc>
+                <a:spcPct val="90000"/>
+              </a:lnSpc>
+            </a:pPr>
+            <a:r>
+              <a:rPr lang="en-US" dirty="0"/>
+              <a:t>A bad example</a:t>
+            </a:r>
+          </a:p>
+          <a:p>
+            <a:pPr algn="l">
+              <a:lnSpc>
+                <a:spcPct val="90000"/>
+              </a:lnSpc>
+            </a:pPr>
+            <a:endParaRPr lang="en-US" dirty="0"/>
+          </a:p>
+          <a:p>
+            <a:pPr algn="l">
+              <a:lnSpc>
+                <a:spcPct val="90000"/>
+              </a:lnSpc>
+            </a:pPr>
+            <a:r>
+              <a:rPr lang="en-US" b="1" u="sng" dirty="0"/>
+              <a:t>Monday July 25, 2022</a:t>
+            </a:r>
+          </a:p>
+          <a:p>
+            <a:pPr algn="l">
+              <a:lnSpc>
+                <a:spcPct val="90000"/>
+              </a:lnSpc>
+            </a:pPr>
+            <a:r>
+              <a:rPr lang="en-US" dirty="0"/>
+              <a:t>9:05 am - Do study ABC</a:t>
+            </a:r>
+          </a:p>
+          <a:p>
+            <a:pPr algn="l">
+              <a:lnSpc>
+                <a:spcPct val="90000"/>
+              </a:lnSpc>
+            </a:pPr>
+            <a:r>
+              <a:rPr lang="en-US" dirty="0"/>
+              <a:t>8:47 pm - Lot’s of interesting data!</a:t>
+            </a:r>
+          </a:p>
+          <a:p>
+            <a:pPr algn="l">
+              <a:lnSpc>
+                <a:spcPct val="90000"/>
+              </a:lnSpc>
+            </a:pPr>
+            <a:r>
+              <a:rPr lang="en-US" dirty="0"/>
+              <a:t>              - Results are in GCE</a:t>
+            </a:r>
+          </a:p>
+          <a:p>
+            <a:pPr algn="l">
+              <a:lnSpc>
+                <a:spcPct val="90000"/>
+              </a:lnSpc>
+            </a:pPr>
+            <a:endParaRPr lang="en-US" dirty="0"/>
+          </a:p>
+          <a:p>
+            <a:pPr algn="l">
+              <a:lnSpc>
+                <a:spcPct val="90000"/>
+              </a:lnSpc>
+            </a:pPr>
+            <a:endParaRPr lang="en-US" dirty="0"/>
+          </a:p>
+        </p:txBody>
+      </p:sp>
+      <p:sp>
+        <p:nvSpPr>
+          <p:cNvPr id="9" name="TextBox 8">
+            <a:extLst>
+              <a:ext uri="{FF2B5EF4-FFF2-40B4-BE49-F238E27FC236}">
+                <a16:creationId xmlns:a16="http://schemas.microsoft.com/office/drawing/2014/main" id="{EA4853CD-8614-95AA-C341-E49641DA6302}"/>
+              </a:ext>
+            </a:extLst>
+          </p:cNvPr>
+          <p:cNvSpPr txBox="1"/>
+          <p:nvPr/>
+        </p:nvSpPr>
+        <p:spPr>
+          <a:xfrm>
+            <a:off x="5935980" y="283536"/>
+            <a:ext cx="5887085" cy="5669244"/>
+          </a:xfrm>
+          <a:prstGeom prst="rect">
+            <a:avLst/>
+          </a:prstGeom>
+          <a:noFill/>
+        </p:spPr>
+        <p:txBody>
+          <a:bodyPr wrap="square" lIns="118872" tIns="91440" rIns="118872" bIns="91440" rtlCol="0" anchor="ctr" anchorCtr="0">
+            <a:spAutoFit/>
+          </a:bodyPr>
+          <a:lstStyle/>
+          <a:p>
+            <a:pPr algn="l">
+              <a:lnSpc>
+                <a:spcPct val="90000"/>
+              </a:lnSpc>
+            </a:pPr>
+            <a:r>
+              <a:rPr lang="en-US" dirty="0"/>
+              <a:t>A better example</a:t>
+            </a:r>
+          </a:p>
+          <a:p>
+            <a:pPr algn="l">
+              <a:lnSpc>
+                <a:spcPct val="90000"/>
+              </a:lnSpc>
+            </a:pPr>
+            <a:endParaRPr lang="en-US" b="1" u="sng" dirty="0"/>
+          </a:p>
+          <a:p>
+            <a:pPr algn="l">
+              <a:lnSpc>
+                <a:spcPct val="90000"/>
+              </a:lnSpc>
+            </a:pPr>
+            <a:r>
+              <a:rPr lang="en-US" b="1" u="sng" dirty="0"/>
+              <a:t>Monday July 25, 2022</a:t>
+            </a:r>
+            <a:r>
+              <a:rPr lang="en-US" dirty="0"/>
+              <a:t> (Jared)</a:t>
+            </a:r>
+          </a:p>
+          <a:p>
+            <a:pPr algn="l">
+              <a:lnSpc>
+                <a:spcPct val="90000"/>
+              </a:lnSpc>
+            </a:pPr>
+            <a:r>
+              <a:rPr lang="en-US" b="1" dirty="0"/>
+              <a:t>9:05 am </a:t>
+            </a:r>
+            <a:r>
+              <a:rPr lang="en-US" dirty="0"/>
+              <a:t>- Continuing work for study ABC.  (See July 7)</a:t>
+            </a:r>
+          </a:p>
+          <a:p>
+            <a:pPr algn="l">
+              <a:lnSpc>
+                <a:spcPct val="90000"/>
+              </a:lnSpc>
+            </a:pPr>
+            <a:r>
+              <a:rPr lang="en-US" dirty="0"/>
+              <a:t>- I presently believe that if A happens, then B must also happen.</a:t>
+            </a:r>
+          </a:p>
+          <a:p>
+            <a:pPr algn="l">
+              <a:lnSpc>
+                <a:spcPct val="90000"/>
+              </a:lnSpc>
+            </a:pPr>
+            <a:r>
+              <a:rPr lang="en-US" dirty="0"/>
+              <a:t>- To verify this, I intend to</a:t>
+            </a:r>
+          </a:p>
+          <a:p>
+            <a:pPr marL="742950" lvl="1" indent="-285750">
+              <a:lnSpc>
+                <a:spcPct val="90000"/>
+              </a:lnSpc>
+              <a:buFont typeface="Arial" panose="020B0604020202020204" pitchFamily="34" charset="0"/>
+              <a:buChar char="•"/>
+            </a:pPr>
+            <a:r>
+              <a:rPr lang="en-US" dirty="0"/>
+              <a:t>…</a:t>
+            </a:r>
+          </a:p>
+          <a:p>
+            <a:pPr marL="742950" lvl="1" indent="-285750">
+              <a:lnSpc>
+                <a:spcPct val="90000"/>
+              </a:lnSpc>
+              <a:buFont typeface="Arial" panose="020B0604020202020204" pitchFamily="34" charset="0"/>
+              <a:buChar char="•"/>
+            </a:pPr>
+            <a:r>
+              <a:rPr lang="en-US" dirty="0"/>
+              <a:t>***</a:t>
+            </a:r>
+          </a:p>
+          <a:p>
+            <a:pPr>
+              <a:lnSpc>
+                <a:spcPct val="90000"/>
+              </a:lnSpc>
+            </a:pPr>
+            <a:r>
+              <a:rPr lang="en-US" b="1" dirty="0"/>
+              <a:t>9:30 am </a:t>
+            </a:r>
+            <a:r>
+              <a:rPr lang="en-US" dirty="0"/>
+              <a:t>- Started executing this experiment on Bebop.</a:t>
+            </a:r>
+          </a:p>
+          <a:p>
+            <a:pPr marL="742950" lvl="1" indent="-285750">
+              <a:lnSpc>
+                <a:spcPct val="90000"/>
+              </a:lnSpc>
+              <a:buFont typeface="Arial" panose="020B0604020202020204" pitchFamily="34" charset="0"/>
+              <a:buChar char="•"/>
+            </a:pPr>
+            <a:r>
+              <a:rPr lang="en-US" dirty="0"/>
+              <a:t>Built debug version of binary with Intel 20.4</a:t>
+            </a:r>
+          </a:p>
+          <a:p>
+            <a:pPr marL="742950" lvl="1" indent="-285750">
+              <a:lnSpc>
+                <a:spcPct val="90000"/>
+              </a:lnSpc>
+              <a:buFont typeface="Arial" panose="020B0604020202020204" pitchFamily="34" charset="0"/>
+              <a:buChar char="•"/>
+            </a:pPr>
+            <a:r>
+              <a:rPr lang="en-US" dirty="0"/>
+              <a:t>Based on </a:t>
+            </a:r>
+            <a:r>
+              <a:rPr lang="en-US" u="sng" dirty="0"/>
+              <a:t>clean</a:t>
+            </a:r>
+            <a:r>
+              <a:rPr lang="en-US" dirty="0"/>
+              <a:t> commit 5a43b21c</a:t>
+            </a:r>
+          </a:p>
+          <a:p>
+            <a:pPr marL="742950" lvl="1" indent="-285750">
+              <a:lnSpc>
+                <a:spcPct val="90000"/>
+              </a:lnSpc>
+              <a:buFont typeface="Arial" panose="020B0604020202020204" pitchFamily="34" charset="0"/>
+              <a:buChar char="•"/>
+            </a:pPr>
+            <a:r>
+              <a:rPr lang="en-US" dirty="0"/>
+              <a:t>Build log saved to </a:t>
+            </a:r>
+            <a:r>
+              <a:rPr lang="en-US" dirty="0">
+                <a:latin typeface="American Typewriter" panose="02090604020004020304" pitchFamily="18" charset="77"/>
+              </a:rPr>
+              <a:t>my_test_2022.log</a:t>
+            </a:r>
+          </a:p>
+          <a:p>
+            <a:pPr marL="742950" lvl="1" indent="-285750">
+              <a:lnSpc>
+                <a:spcPct val="90000"/>
+              </a:lnSpc>
+              <a:buFont typeface="Arial" panose="020B0604020202020204" pitchFamily="34" charset="0"/>
+              <a:buChar char="•"/>
+            </a:pPr>
+            <a:r>
+              <a:rPr lang="en-US" dirty="0"/>
+              <a:t>No errors or warnings emitted</a:t>
+            </a:r>
+          </a:p>
+          <a:p>
+            <a:pPr marL="742950" lvl="1" indent="-285750">
+              <a:lnSpc>
+                <a:spcPct val="90000"/>
+              </a:lnSpc>
+              <a:buFont typeface="Arial" panose="020B0604020202020204" pitchFamily="34" charset="0"/>
+              <a:buChar char="•"/>
+            </a:pPr>
+            <a:r>
+              <a:rPr lang="en-US" dirty="0"/>
+              <a:t>Used job script </a:t>
+            </a:r>
+            <a:r>
+              <a:rPr lang="en-US" dirty="0" err="1">
+                <a:latin typeface="American Typewriter" panose="02090604020004020304" pitchFamily="18" charset="77"/>
+              </a:rPr>
+              <a:t>run_my_test</a:t>
+            </a:r>
+            <a:r>
+              <a:rPr lang="en-US" dirty="0">
+                <a:latin typeface="American Typewriter" panose="02090604020004020304" pitchFamily="18" charset="77"/>
+              </a:rPr>
+              <a:t> </a:t>
+            </a:r>
+            <a:r>
+              <a:rPr lang="en-US" dirty="0"/>
+              <a:t>with configuration 24 (Job ID 123456)</a:t>
+            </a:r>
+          </a:p>
+          <a:p>
+            <a:pPr marL="742950" lvl="1" indent="-285750">
+              <a:lnSpc>
+                <a:spcPct val="90000"/>
+              </a:lnSpc>
+              <a:buFont typeface="Arial" panose="020B0604020202020204" pitchFamily="34" charset="0"/>
+              <a:buChar char="•"/>
+            </a:pPr>
+            <a:r>
+              <a:rPr lang="en-US" dirty="0" err="1"/>
+              <a:t>Stdout</a:t>
+            </a:r>
+            <a:r>
+              <a:rPr lang="en-US" dirty="0"/>
+              <a:t>/err &amp; results saved in folder ABC</a:t>
+            </a:r>
+          </a:p>
+          <a:p>
+            <a:pPr>
+              <a:lnSpc>
+                <a:spcPct val="90000"/>
+              </a:lnSpc>
+            </a:pPr>
+            <a:r>
+              <a:rPr lang="en-US" b="1" dirty="0"/>
+              <a:t>10:07 am </a:t>
+            </a:r>
+            <a:r>
+              <a:rPr lang="en-US" dirty="0"/>
+              <a:t>- Analysis run with script </a:t>
+            </a:r>
+            <a:r>
+              <a:rPr lang="en-US" dirty="0" err="1">
+                <a:latin typeface="American Typewriter" panose="02090604020004020304" pitchFamily="18" charset="77"/>
+              </a:rPr>
+              <a:t>analyze_my_test.py</a:t>
+            </a:r>
+            <a:r>
+              <a:rPr lang="en-US" dirty="0">
+                <a:latin typeface="American Typewriter" panose="02090604020004020304" pitchFamily="18" charset="77"/>
+              </a:rPr>
+              <a:t> </a:t>
+            </a:r>
+            <a:r>
+              <a:rPr lang="en-US" dirty="0"/>
+              <a:t>and results saved in same folder.</a:t>
+            </a:r>
+          </a:p>
+          <a:p>
+            <a:pPr>
+              <a:lnSpc>
+                <a:spcPct val="90000"/>
+              </a:lnSpc>
+            </a:pPr>
+            <a:r>
+              <a:rPr lang="en-US" dirty="0"/>
+              <a:t>- Since no peak seen around 1.5 MeV, I was wrong.  But based on this, I now </a:t>
+            </a:r>
+            <a:r>
+              <a:rPr lang="en-US" i="1" dirty="0"/>
+              <a:t>believe</a:t>
+            </a:r>
+            <a:r>
+              <a:rPr lang="en-US" dirty="0"/>
+              <a:t> that if A happens, then C must also happen.</a:t>
+            </a:r>
+          </a:p>
+        </p:txBody>
+      </p:sp>
+    </p:spTree>
+    <p:extLst>
+      <p:ext uri="{BB962C8B-B14F-4D97-AF65-F5344CB8AC3E}">
+        <p14:creationId xmlns:p14="http://schemas.microsoft.com/office/powerpoint/2010/main" val="3878095345"/>
+      </p:ext>
+    </p:extLst>
+  </p:cSld>
+  <p:clrMapOvr>
+    <a:masterClrMapping/>
+  </p:clrMapOvr>
+</p:sld>
+</file>
+
 <file path=ppt/slides/slide16.xml><?xml version="1.0" encoding="utf-8"?>
 <p:sld xmlns:a="http://schemas.openxmlformats.org/drawingml/2006/main" xmlns:r="http://schemas.openxmlformats.org/officeDocument/2006/relationships" xmlns:p="http://schemas.openxmlformats.org/presentationml/2006/main">
   <p:cSld>
@@ -8718,7 +8648,7 @@
           <p:cNvPr id="2" name="Title 1">
             <a:extLst>
               <a:ext uri="{FF2B5EF4-FFF2-40B4-BE49-F238E27FC236}">
-                <a16:creationId xmlns:a16="http://schemas.microsoft.com/office/drawing/2014/main" id="{AE065790-4FFF-A93D-2B74-AAFA4028C68D}"/>
+                <a16:creationId xmlns:a16="http://schemas.microsoft.com/office/drawing/2014/main" id="{584ACD2F-B0D4-4783-5910-05FB02545B06}"/>
               </a:ext>
             </a:extLst>
           </p:cNvPr>
@@ -8736,7 +8666,48 @@
           <a:p>
             <a:r>
               <a:rPr lang="en-US" dirty="0"/>
-              <a:t>Not all lab notebooks are alike</a:t>
+              <a:t>Nothing beats good </a:t>
+            </a:r>
+            <a:r>
+              <a:rPr lang="en-US" dirty="0" err="1"/>
+              <a:t>ol</a:t>
+            </a:r>
+            <a:r>
+              <a:rPr lang="en-US" dirty="0"/>
+              <a:t>’ pen and paper</a:t>
+            </a:r>
+          </a:p>
+        </p:txBody>
+      </p:sp>
+      <p:sp>
+        <p:nvSpPr>
+          <p:cNvPr id="4" name="Text Placeholder 3">
+            <a:extLst>
+              <a:ext uri="{FF2B5EF4-FFF2-40B4-BE49-F238E27FC236}">
+                <a16:creationId xmlns:a16="http://schemas.microsoft.com/office/drawing/2014/main" id="{3C225170-B825-8E65-4107-25733A185B12}"/>
+              </a:ext>
+            </a:extLst>
+          </p:cNvPr>
+          <p:cNvSpPr>
+            <a:spLocks noGrp="1"/>
+          </p:cNvSpPr>
+          <p:nvPr>
+            <p:ph type="body" idx="1"/>
+          </p:nvPr>
+        </p:nvSpPr>
+        <p:spPr>
+          <a:xfrm>
+            <a:off x="457200" y="2546822"/>
+            <a:ext cx="5588582" cy="821190"/>
+          </a:xfrm>
+        </p:spPr>
+        <p:txBody>
+          <a:bodyPr/>
+          <a:lstStyle/>
+          <a:p>
+            <a:r>
+              <a:rPr lang="en-US" sz="2000" dirty="0"/>
+              <a:t>Pen &amp; Paper Pros</a:t>
             </a:r>
           </a:p>
         </p:txBody>
@@ -8746,7 +8717,7 @@
           <p:cNvPr id="3" name="Content Placeholder 2">
             <a:extLst>
               <a:ext uri="{FF2B5EF4-FFF2-40B4-BE49-F238E27FC236}">
-                <a16:creationId xmlns:a16="http://schemas.microsoft.com/office/drawing/2014/main" id="{16752DD2-A8C1-142A-ADF4-A061E5E58937}"/>
+                <a16:creationId xmlns:a16="http://schemas.microsoft.com/office/drawing/2014/main" id="{F9258E3C-1D8D-18BD-90A6-502B818DA2CC}"/>
               </a:ext>
             </a:extLst>
           </p:cNvPr>
@@ -8754,13 +8725,13 @@
             <a:spLocks noGrp="1"/>
           </p:cNvSpPr>
           <p:nvPr>
-            <p:ph idx="1"/>
+            <p:ph sz="half" idx="2"/>
           </p:nvPr>
         </p:nvSpPr>
         <p:spPr>
           <a:xfrm>
-            <a:off x="365760" y="1303408"/>
-            <a:ext cx="11369809" cy="4047778"/>
+            <a:off x="457200" y="3368012"/>
+            <a:ext cx="5588582" cy="3373229"/>
           </a:xfrm>
         </p:spPr>
         <p:txBody>
@@ -8768,83 +8739,185 @@
           <a:lstStyle/>
           <a:p>
             <a:r>
-              <a:rPr lang="en-US" dirty="0"/>
-              <a:t>Lab notebooks to record work done on instrument</a:t>
-            </a:r>
-          </a:p>
-          <a:p>
-            <a:r>
-              <a:rPr lang="en-US" dirty="0"/>
-              <a:t>Lab notebooks to record acquisition of data</a:t>
-            </a:r>
-          </a:p>
-          <a:p>
-            <a:r>
-              <a:rPr lang="en-US" dirty="0"/>
-              <a:t>Filtered lab notebook – higher up the hierarchy</a:t>
-            </a:r>
-          </a:p>
-          <a:p>
-            <a:pPr lvl="1"/>
-            <a:r>
-              <a:rPr lang="en-US" dirty="0"/>
-              <a:t>Pull Request for Flash-X (PR #247)</a:t>
-            </a:r>
-          </a:p>
-          <a:p>
-            <a:pPr lvl="1"/>
-            <a:r>
-              <a:rPr lang="en-US" dirty="0"/>
-              <a:t>Record process to verify correctness of changes</a:t>
-            </a:r>
-          </a:p>
-          <a:p>
-            <a:pPr lvl="1"/>
-            <a:r>
-              <a:rPr lang="en-US" dirty="0"/>
-              <a:t>2-2.5 days effort carried out over a week</a:t>
-            </a:r>
-          </a:p>
-          <a:p>
-            <a:pPr lvl="1"/>
-            <a:r>
-              <a:rPr lang="en-US" dirty="0"/>
-              <a:t>Copy/pasted from previous PR and adapted first (designed process)</a:t>
-            </a:r>
-          </a:p>
-          <a:p>
-            <a:pPr lvl="1"/>
-            <a:r>
-              <a:rPr lang="en-US" dirty="0"/>
-              <a:t>Improved as carried out process – converging on a quasi-procedure</a:t>
-            </a:r>
-          </a:p>
-          <a:p>
-            <a:pPr lvl="1"/>
-            <a:r>
-              <a:rPr lang="en-US" dirty="0"/>
-              <a:t>Filtered so that reviewers aren’t overwhelmed</a:t>
-            </a:r>
-          </a:p>
-          <a:p>
-            <a:pPr lvl="1"/>
-            <a:r>
-              <a:rPr lang="en-US" dirty="0"/>
-              <a:t>Helped organize effort &amp; design good tests</a:t>
-            </a:r>
-          </a:p>
-          <a:p>
-            <a:pPr lvl="1"/>
-            <a:r>
-              <a:rPr lang="en-US" dirty="0"/>
-              <a:t>Senior reviewers provide feedback &amp; suggest improvements</a:t>
-            </a:r>
-          </a:p>
-          <a:p>
-            <a:pPr lvl="1"/>
-            <a:r>
-              <a:rPr lang="en-US" dirty="0"/>
-              <a:t>Junior reviewers exposed to work habits of other people</a:t>
+              <a:rPr lang="en-US" sz="2000" dirty="0"/>
+              <a:t>Most can use paper and pen in any situation</a:t>
+            </a:r>
+          </a:p>
+          <a:p>
+            <a:r>
+              <a:rPr lang="en-US" sz="2000" dirty="0"/>
+              <a:t>Open format can allow for creativity and easier annotation</a:t>
+            </a:r>
+          </a:p>
+          <a:p>
+            <a:r>
+              <a:rPr lang="en-US" sz="2000" dirty="0"/>
+              <a:t>Concentrate on the work rather than tooling</a:t>
+            </a:r>
+          </a:p>
+          <a:p>
+            <a:r>
+              <a:rPr lang="en-US" sz="2000" dirty="0"/>
+              <a:t>Good if notetaking slows down progress</a:t>
+            </a:r>
+          </a:p>
+          <a:p>
+            <a:r>
+              <a:rPr lang="en-US" sz="2000" dirty="0"/>
+              <a:t>Notebook is stored </a:t>
+            </a:r>
+            <a:r>
+              <a:rPr lang="en-US" sz="2000" b="1" dirty="0"/>
+              <a:t>publicly</a:t>
+            </a:r>
+            <a:r>
+              <a:rPr lang="en-US" sz="2000" dirty="0"/>
+              <a:t> next to where it is used</a:t>
+            </a:r>
+          </a:p>
+        </p:txBody>
+      </p:sp>
+      <p:sp>
+        <p:nvSpPr>
+          <p:cNvPr id="7" name="Text Placeholder 6">
+            <a:extLst>
+              <a:ext uri="{FF2B5EF4-FFF2-40B4-BE49-F238E27FC236}">
+                <a16:creationId xmlns:a16="http://schemas.microsoft.com/office/drawing/2014/main" id="{C7D2FAF1-99B6-77D6-67CA-9BCD3AF3390A}"/>
+              </a:ext>
+            </a:extLst>
+          </p:cNvPr>
+          <p:cNvSpPr>
+            <a:spLocks noGrp="1"/>
+          </p:cNvSpPr>
+          <p:nvPr>
+            <p:ph type="body" sz="quarter" idx="3"/>
+          </p:nvPr>
+        </p:nvSpPr>
+        <p:spPr>
+          <a:xfrm>
+            <a:off x="6218914" y="2546822"/>
+            <a:ext cx="5531934" cy="821190"/>
+          </a:xfrm>
+        </p:spPr>
+        <p:txBody>
+          <a:bodyPr/>
+          <a:lstStyle/>
+          <a:p>
+            <a:r>
+              <a:rPr lang="en-US" sz="2000" dirty="0"/>
+              <a:t>Electronic Woes</a:t>
+            </a:r>
+          </a:p>
+        </p:txBody>
+      </p:sp>
+      <p:sp>
+        <p:nvSpPr>
+          <p:cNvPr id="9" name="Content Placeholder 8">
+            <a:extLst>
+              <a:ext uri="{FF2B5EF4-FFF2-40B4-BE49-F238E27FC236}">
+                <a16:creationId xmlns:a16="http://schemas.microsoft.com/office/drawing/2014/main" id="{3460387C-329A-6D82-3F47-363415AFE6DA}"/>
+              </a:ext>
+            </a:extLst>
+          </p:cNvPr>
+          <p:cNvSpPr>
+            <a:spLocks noGrp="1"/>
+          </p:cNvSpPr>
+          <p:nvPr>
+            <p:ph sz="quarter" idx="4"/>
+          </p:nvPr>
+        </p:nvSpPr>
+        <p:spPr>
+          <a:xfrm>
+            <a:off x="6218914" y="3368012"/>
+            <a:ext cx="5531934" cy="3373229"/>
+          </a:xfrm>
+        </p:spPr>
+        <p:txBody>
+          <a:bodyPr/>
+          <a:lstStyle/>
+          <a:p>
+            <a:r>
+              <a:rPr lang="en-US" sz="2000" dirty="0"/>
+              <a:t>Tied to technology that could fail</a:t>
+            </a:r>
+          </a:p>
+          <a:p>
+            <a:r>
+              <a:rPr lang="en-US" sz="2000" dirty="0"/>
+              <a:t>Overwhelming variety of possible solutions with different pros and cons</a:t>
+            </a:r>
+          </a:p>
+          <a:p>
+            <a:r>
+              <a:rPr lang="en-US" sz="2000" dirty="0"/>
+              <a:t>Uncertainty about future of tool, increased costs, inability to export</a:t>
+            </a:r>
+          </a:p>
+          <a:p>
+            <a:r>
+              <a:rPr lang="en-US" sz="2000" dirty="0"/>
+              <a:t>Does funding restrict where and how digital notes can be stored?</a:t>
+            </a:r>
+          </a:p>
+        </p:txBody>
+      </p:sp>
+      <p:sp>
+        <p:nvSpPr>
+          <p:cNvPr id="11" name="TextBox 10">
+            <a:extLst>
+              <a:ext uri="{FF2B5EF4-FFF2-40B4-BE49-F238E27FC236}">
+                <a16:creationId xmlns:a16="http://schemas.microsoft.com/office/drawing/2014/main" id="{4F5A0A35-B381-EDED-A055-E3A37D0AF05F}"/>
+              </a:ext>
+            </a:extLst>
+          </p:cNvPr>
+          <p:cNvSpPr txBox="1"/>
+          <p:nvPr/>
+        </p:nvSpPr>
+        <p:spPr>
+          <a:xfrm>
+            <a:off x="437977" y="1003590"/>
+            <a:ext cx="11302919" cy="1323439"/>
+          </a:xfrm>
+          <a:prstGeom prst="rect">
+            <a:avLst/>
+          </a:prstGeom>
+          <a:noFill/>
+        </p:spPr>
+        <p:txBody>
+          <a:bodyPr wrap="square">
+            <a:spAutoFit/>
+          </a:bodyPr>
+          <a:lstStyle/>
+          <a:p>
+            <a:pPr marL="0" indent="0">
+              <a:buNone/>
+            </a:pPr>
+            <a:r>
+              <a:rPr lang="en-US" sz="2000" dirty="0"/>
+              <a:t>“Since at least the 1990s, articles on technology have predicted the imminent, widespread adoption of electronic laboratory notebooks (ELNs) by researchers. It has yet to happen — but more and more scientists are taking the plunge.”</a:t>
+            </a:r>
+          </a:p>
+          <a:p>
+            <a:pPr marL="0" indent="0">
+              <a:buNone/>
+            </a:pPr>
+            <a:r>
+              <a:rPr lang="en-US" sz="2000" dirty="0"/>
+              <a:t>	- </a:t>
+            </a:r>
+            <a:r>
+              <a:rPr lang="en-US" sz="1600" dirty="0"/>
+              <a:t>Roberta Kwok, </a:t>
+            </a:r>
+            <a:r>
+              <a:rPr lang="en-US" sz="1600" i="1" dirty="0">
+                <a:hlinkClick r:id="rId3"/>
+              </a:rPr>
+              <a:t>How to pick an electronic laboratory notebook</a:t>
+            </a:r>
+            <a:r>
+              <a:rPr lang="en-US" sz="1600" dirty="0"/>
+              <a:t>, Nature</a:t>
             </a:r>
           </a:p>
         </p:txBody>
@@ -8852,7 +8925,7 @@
     </p:spTree>
     <p:extLst>
       <p:ext uri="{BB962C8B-B14F-4D97-AF65-F5344CB8AC3E}">
-        <p14:creationId xmlns:p14="http://schemas.microsoft.com/office/powerpoint/2010/main" val="1212233571"/>
+        <p14:creationId xmlns:p14="http://schemas.microsoft.com/office/powerpoint/2010/main" val="2028353678"/>
       </p:ext>
     </p:extLst>
   </p:cSld>
@@ -8881,10 +8954,10 @@
       </p:grpSpPr>
       <p:sp>
         <p:nvSpPr>
-          <p:cNvPr id="5" name="Slide Number Placeholder 4">
+          <p:cNvPr id="2" name="Title 1">
             <a:extLst>
               <a:ext uri="{FF2B5EF4-FFF2-40B4-BE49-F238E27FC236}">
-                <a16:creationId xmlns:a16="http://schemas.microsoft.com/office/drawing/2014/main" id="{51913058-559F-714A-DFD9-37BACE442572}"/>
+                <a16:creationId xmlns:a16="http://schemas.microsoft.com/office/drawing/2014/main" id="{4118D88C-7B28-1754-36A6-873750233694}"/>
               </a:ext>
             </a:extLst>
           </p:cNvPr>
@@ -8892,61 +8965,89 @@
             <a:spLocks noGrp="1"/>
           </p:cNvSpPr>
           <p:nvPr>
-            <p:ph type="sldNum" sz="quarter" idx="4294967295"/>
-          </p:nvPr>
-        </p:nvSpPr>
-        <p:spPr>
-          <a:xfrm>
-            <a:off x="0" y="0"/>
-            <a:ext cx="0" cy="0"/>
-          </a:xfrm>
-        </p:spPr>
+            <p:ph type="title"/>
+          </p:nvPr>
+        </p:nvSpPr>
+        <p:spPr/>
         <p:txBody>
           <a:bodyPr/>
           <a:lstStyle/>
           <a:p>
-            <a:endParaRPr lang="en-US" dirty="0"/>
-          </a:p>
-          <a:p>
-            <a:endParaRPr lang="en-US" dirty="0"/>
-          </a:p>
-        </p:txBody>
-      </p:sp>
-      <p:pic>
-        <p:nvPicPr>
-          <p:cNvPr id="6" name="Picture 5">
+            <a:r>
+              <a:rPr lang="en-US" dirty="0"/>
+              <a:t>Criteria for lab notebooks for computing?</a:t>
+            </a:r>
+          </a:p>
+        </p:txBody>
+      </p:sp>
+      <p:sp>
+        <p:nvSpPr>
+          <p:cNvPr id="3" name="Content Placeholder 2">
             <a:extLst>
               <a:ext uri="{FF2B5EF4-FFF2-40B4-BE49-F238E27FC236}">
-                <a16:creationId xmlns:a16="http://schemas.microsoft.com/office/drawing/2014/main" id="{383BE8A3-5C00-AD84-445D-A10220053C82}"/>
+                <a16:creationId xmlns:a16="http://schemas.microsoft.com/office/drawing/2014/main" id="{F77746CD-E501-0512-A2E3-3EA3A7A9AF56}"/>
               </a:ext>
             </a:extLst>
           </p:cNvPr>
-          <p:cNvPicPr>
-            <a:picLocks noChangeAspect="1"/>
-          </p:cNvPicPr>
-          <p:nvPr/>
-        </p:nvPicPr>
-        <p:blipFill rotWithShape="1">
-          <a:blip r:embed="rId2"/>
-          <a:srcRect b="10715"/>
-          <a:stretch/>
-        </p:blipFill>
-        <p:spPr>
-          <a:xfrm>
-            <a:off x="2505815" y="164160"/>
-            <a:ext cx="9569678" cy="6693839"/>
-          </a:xfrm>
-          <a:prstGeom prst="rect">
-            <a:avLst/>
-          </a:prstGeom>
-        </p:spPr>
-      </p:pic>
-      <p:sp>
-        <p:nvSpPr>
-          <p:cNvPr id="7" name="TextBox 6">
+          <p:cNvSpPr>
+            <a:spLocks noGrp="1"/>
+          </p:cNvSpPr>
+          <p:nvPr>
+            <p:ph idx="1"/>
+          </p:nvPr>
+        </p:nvSpPr>
+        <p:spPr/>
+        <p:txBody>
+          <a:bodyPr/>
+          <a:lstStyle/>
+          <a:p>
+            <a:r>
+              <a:rPr lang="en-US" b="1" dirty="0"/>
+              <a:t>Paper won’t work.  </a:t>
+            </a:r>
+            <a:r>
+              <a:rPr lang="en-US" dirty="0"/>
+              <a:t>We work anywhere and sometimes in distributed way.</a:t>
+            </a:r>
+          </a:p>
+          <a:p>
+            <a:r>
+              <a:rPr lang="en-US" dirty="0"/>
+              <a:t>Should notebooks be public and how to do that?</a:t>
+            </a:r>
+          </a:p>
+          <a:p>
+            <a:r>
+              <a:rPr lang="en-US" dirty="0"/>
+              <a:t>How many different types of notebooks do we need?</a:t>
+            </a:r>
+          </a:p>
+          <a:p>
+            <a:r>
+              <a:rPr lang="en-US" dirty="0"/>
+              <a:t>Do we use a single ELN or distribute notes across a suite of tools?</a:t>
+            </a:r>
+          </a:p>
+          <a:p>
+            <a:r>
+              <a:rPr lang="en-US" dirty="0"/>
+              <a:t>How can we use automation appropriately to overcome difficulties and increase productivity?</a:t>
+            </a:r>
+          </a:p>
+          <a:p>
+            <a:pPr marL="0" indent="0">
+              <a:buNone/>
+            </a:pPr>
+            <a:endParaRPr lang="en-US" dirty="0"/>
+          </a:p>
+        </p:txBody>
+      </p:sp>
+      <p:sp>
+        <p:nvSpPr>
+          <p:cNvPr id="6" name="TextBox 5">
             <a:extLst>
               <a:ext uri="{FF2B5EF4-FFF2-40B4-BE49-F238E27FC236}">
-                <a16:creationId xmlns:a16="http://schemas.microsoft.com/office/drawing/2014/main" id="{B64E9ACB-0E43-DF6C-DB6A-7D3B96707729}"/>
+                <a16:creationId xmlns:a16="http://schemas.microsoft.com/office/drawing/2014/main" id="{C44A63BE-444C-487D-FF8C-6D5A3E79CAEE}"/>
               </a:ext>
             </a:extLst>
           </p:cNvPr>
@@ -8955,8 +9056,8 @@
         </p:nvSpPr>
         <p:spPr>
           <a:xfrm>
-            <a:off x="634214" y="2967335"/>
-            <a:ext cx="1694544" cy="923330"/>
+            <a:off x="3155530" y="5108463"/>
+            <a:ext cx="5877764" cy="461665"/>
           </a:xfrm>
           <a:prstGeom prst="rect">
             <a:avLst/>
@@ -8964,20 +9065,15 @@
           <a:noFill/>
         </p:spPr>
         <p:txBody>
-          <a:bodyPr wrap="square" rtlCol="0">
+          <a:bodyPr wrap="none" rtlCol="0">
             <a:spAutoFit/>
           </a:bodyPr>
           <a:lstStyle/>
           <a:p>
-            <a:r>
-              <a:rPr lang="en-US" b="1" dirty="0"/>
-              <a:t>Example: Flash-X</a:t>
-            </a:r>
-          </a:p>
-          <a:p>
-            <a:r>
-              <a:rPr lang="en-US" b="1" dirty="0"/>
-              <a:t>PR #247</a:t>
+            <a:pPr algn="ctr"/>
+            <a:r>
+              <a:rPr lang="en-US" sz="2400" dirty="0"/>
+              <a:t>We likely need many streams of lab notes</a:t>
             </a:r>
           </a:p>
         </p:txBody>
@@ -8985,7 +9081,7 @@
     </p:spTree>
     <p:extLst>
       <p:ext uri="{BB962C8B-B14F-4D97-AF65-F5344CB8AC3E}">
-        <p14:creationId xmlns:p14="http://schemas.microsoft.com/office/powerpoint/2010/main" val="3027973350"/>
+        <p14:creationId xmlns:p14="http://schemas.microsoft.com/office/powerpoint/2010/main" val="2241001939"/>
       </p:ext>
     </p:extLst>
   </p:cSld>
@@ -9017,7 +9113,7 @@
           <p:cNvPr id="2" name="Title 1">
             <a:extLst>
               <a:ext uri="{FF2B5EF4-FFF2-40B4-BE49-F238E27FC236}">
-                <a16:creationId xmlns:a16="http://schemas.microsoft.com/office/drawing/2014/main" id="{854DDF3B-E98A-D5CA-A59B-85FA8971B392}"/>
+                <a16:creationId xmlns:a16="http://schemas.microsoft.com/office/drawing/2014/main" id="{4D833D66-35AF-AF0C-8EA4-C60E0843DE20}"/>
               </a:ext>
             </a:extLst>
           </p:cNvPr>
@@ -9035,17 +9131,17 @@
           <a:p>
             <a:r>
               <a:rPr lang="en-US" dirty="0"/>
-              <a:t>No one likes writing lab notes</a:t>
-            </a:r>
-          </a:p>
-        </p:txBody>
-      </p:sp>
-      <p:sp>
-        <p:nvSpPr>
-          <p:cNvPr id="6" name="Content Placeholder 2">
+              <a:t>Different streams of lab notes</a:t>
+            </a:r>
+          </a:p>
+        </p:txBody>
+      </p:sp>
+      <p:sp>
+        <p:nvSpPr>
+          <p:cNvPr id="3" name="Content Placeholder 2">
             <a:extLst>
               <a:ext uri="{FF2B5EF4-FFF2-40B4-BE49-F238E27FC236}">
-                <a16:creationId xmlns:a16="http://schemas.microsoft.com/office/drawing/2014/main" id="{0886154B-3FDF-98B1-DE0A-7ECA10358CE8}"/>
+                <a16:creationId xmlns:a16="http://schemas.microsoft.com/office/drawing/2014/main" id="{D98AB940-836C-ED7C-839C-E277B4205C49}"/>
               </a:ext>
             </a:extLst>
           </p:cNvPr>
@@ -9056,132 +9152,71 @@
             <p:ph idx="1"/>
           </p:nvPr>
         </p:nvSpPr>
-        <p:spPr>
-          <a:xfrm>
-            <a:off x="365760" y="2426904"/>
-            <a:ext cx="11369809" cy="4047778"/>
-          </a:xfrm>
-        </p:spPr>
+        <p:spPr/>
         <p:txBody>
           <a:bodyPr/>
           <a:lstStyle/>
           <a:p>
             <a:r>
               <a:rPr lang="en-US" dirty="0"/>
-              <a:t>Lack of experience &amp; awareness</a:t>
+              <a:t>Lab notebook for changes to scientific instrument</a:t>
             </a:r>
           </a:p>
           <a:p>
             <a:pPr lvl="1"/>
             <a:r>
               <a:rPr lang="en-US" dirty="0"/>
-              <a:t>Good notes are implicit communication &amp; sharing</a:t>
+              <a:t>Changes in code repo necessary for study</a:t>
             </a:r>
           </a:p>
           <a:p>
             <a:pPr lvl="1"/>
             <a:r>
               <a:rPr lang="en-US" dirty="0"/>
-              <a:t>Good notes can be turned into procedures</a:t>
-            </a:r>
-          </a:p>
-          <a:p>
-            <a:r>
-              <a:rPr lang="en-US" dirty="0"/>
-              <a:t>Lab notes become more useful as time passes</a:t>
+              <a:t>Changes to SW environments</a:t>
             </a:r>
           </a:p>
           <a:p>
             <a:pPr lvl="1"/>
             <a:r>
               <a:rPr lang="en-US" dirty="0"/>
-              <a:t>Our memory fades</a:t>
+              <a:t>Changes to build/job files and build systems</a:t>
+            </a:r>
+          </a:p>
+          <a:p>
+            <a:r>
+              <a:rPr lang="en-US" dirty="0"/>
+              <a:t>Lab notebook for data analysis tools</a:t>
+            </a:r>
+          </a:p>
+          <a:p>
+            <a:r>
+              <a:rPr lang="en-US" dirty="0"/>
+              <a:t>Lab notebook to detail how experiment was designed and executed</a:t>
+            </a:r>
+          </a:p>
+          <a:p>
+            <a:r>
+              <a:rPr lang="en-US" dirty="0"/>
+              <a:t>Right tool for the job</a:t>
             </a:r>
           </a:p>
           <a:p>
             <a:pPr lvl="1"/>
             <a:r>
               <a:rPr lang="en-US" dirty="0"/>
-              <a:t>It can take years before we see the benefit</a:t>
-            </a:r>
-          </a:p>
-          <a:p>
-            <a:r>
-              <a:rPr lang="en-US" dirty="0"/>
-              <a:t>Writing but not reading lab notes is a good thing</a:t>
-            </a:r>
-          </a:p>
-          <a:p>
-            <a:pPr lvl="1"/>
-            <a:r>
-              <a:rPr lang="en-US" dirty="0"/>
-              <a:t>Lab notes are most useful when something has gone wrong</a:t>
+              <a:t>We don’t want a single 10,000-line README</a:t>
             </a:r>
           </a:p>
           <a:p>
             <a:endParaRPr lang="en-US" dirty="0"/>
-          </a:p>
-          <a:p>
-            <a:endParaRPr lang="en-US" dirty="0"/>
-          </a:p>
-          <a:p>
-            <a:pPr lvl="1"/>
-            <a:endParaRPr lang="en-US" dirty="0"/>
-          </a:p>
-        </p:txBody>
-      </p:sp>
-      <p:sp>
-        <p:nvSpPr>
-          <p:cNvPr id="8" name="TextBox 7">
-            <a:extLst>
-              <a:ext uri="{FF2B5EF4-FFF2-40B4-BE49-F238E27FC236}">
-                <a16:creationId xmlns:a16="http://schemas.microsoft.com/office/drawing/2014/main" id="{C9881524-C838-C412-4A57-905FB327196F}"/>
-              </a:ext>
-            </a:extLst>
-          </p:cNvPr>
-          <p:cNvSpPr txBox="1"/>
-          <p:nvPr/>
-        </p:nvSpPr>
-        <p:spPr>
-          <a:xfrm>
-            <a:off x="112954" y="1088815"/>
-            <a:ext cx="11353474" cy="1107931"/>
-          </a:xfrm>
-          <a:prstGeom prst="rect">
-            <a:avLst/>
-          </a:prstGeom>
-          <a:noFill/>
-        </p:spPr>
-        <p:txBody>
-          <a:bodyPr wrap="none" lIns="158455" tIns="121888" rIns="158455" bIns="121888" rtlCol="0" anchor="ctr" anchorCtr="0">
-            <a:spAutoFit/>
-          </a:bodyPr>
-          <a:lstStyle/>
-          <a:p>
-            <a:pPr lvl="1" algn="ctr"/>
-            <a:r>
-              <a:rPr lang="en-US" sz="2800" dirty="0"/>
-              <a:t>“Lab notes are a waste of time.  I write notes, but never use them.”</a:t>
-            </a:r>
-          </a:p>
-          <a:p>
-            <a:pPr lvl="1"/>
-            <a:r>
-              <a:rPr lang="en-US" sz="2800" dirty="0"/>
-              <a:t>        - </a:t>
-            </a:r>
-            <a:r>
-              <a:rPr lang="en-US" sz="2400" dirty="0"/>
-              <a:t>Almost all newcomers to lab notebooks</a:t>
-            </a:r>
-            <a:endParaRPr lang="en-US" sz="2800" dirty="0"/>
           </a:p>
         </p:txBody>
       </p:sp>
     </p:spTree>
     <p:extLst>
       <p:ext uri="{BB962C8B-B14F-4D97-AF65-F5344CB8AC3E}">
-        <p14:creationId xmlns:p14="http://schemas.microsoft.com/office/powerpoint/2010/main" val="2257096921"/>
+        <p14:creationId xmlns:p14="http://schemas.microsoft.com/office/powerpoint/2010/main" val="1003005272"/>
       </p:ext>
     </p:extLst>
   </p:cSld>
@@ -9213,7 +9248,7 @@
           <p:cNvPr id="2" name="Title 1">
             <a:extLst>
               <a:ext uri="{FF2B5EF4-FFF2-40B4-BE49-F238E27FC236}">
-                <a16:creationId xmlns:a16="http://schemas.microsoft.com/office/drawing/2014/main" id="{584ACD2F-B0D4-4783-5910-05FB02545B06}"/>
+                <a16:creationId xmlns:a16="http://schemas.microsoft.com/office/drawing/2014/main" id="{B852E499-1C3F-BF05-6826-EA41875043AF}"/>
               </a:ext>
             </a:extLst>
           </p:cNvPr>
@@ -9231,15 +9266,7 @@
           <a:p>
             <a:r>
               <a:rPr lang="en-US" dirty="0"/>
-              <a:t>Nothing beats good </a:t>
-            </a:r>
-            <a:r>
-              <a:rPr lang="en-US" dirty="0" err="1"/>
-              <a:t>ol</a:t>
-            </a:r>
-            <a:r>
-              <a:rPr lang="en-US" dirty="0"/>
-              <a:t>’ pen and paper</a:t>
+              <a:t>Git lab notes stream</a:t>
             </a:r>
           </a:p>
         </p:txBody>
@@ -9249,7 +9276,7 @@
           <p:cNvPr id="4" name="Text Placeholder 3">
             <a:extLst>
               <a:ext uri="{FF2B5EF4-FFF2-40B4-BE49-F238E27FC236}">
-                <a16:creationId xmlns:a16="http://schemas.microsoft.com/office/drawing/2014/main" id="{3C225170-B825-8E65-4107-25733A185B12}"/>
+                <a16:creationId xmlns:a16="http://schemas.microsoft.com/office/drawing/2014/main" id="{07227A27-5F3E-7988-EF2E-E23834C09336}"/>
               </a:ext>
             </a:extLst>
           </p:cNvPr>
@@ -9257,181 +9284,69 @@
             <a:spLocks noGrp="1"/>
           </p:cNvSpPr>
           <p:nvPr>
-            <p:ph type="body" idx="1"/>
+            <p:ph idx="1"/>
           </p:nvPr>
         </p:nvSpPr>
         <p:spPr>
           <a:xfrm>
-            <a:off x="457200" y="2546822"/>
-            <a:ext cx="5588582" cy="821190"/>
+            <a:off x="365760" y="1349903"/>
+            <a:ext cx="11369809" cy="4047778"/>
           </a:xfrm>
         </p:spPr>
         <p:txBody>
           <a:bodyPr/>
           <a:lstStyle/>
           <a:p>
-            <a:r>
-              <a:rPr lang="en-US" sz="2000" dirty="0"/>
-              <a:t>Pen &amp; Paper Pros</a:t>
-            </a:r>
-          </a:p>
-        </p:txBody>
-      </p:sp>
-      <p:sp>
-        <p:nvSpPr>
-          <p:cNvPr id="3" name="Content Placeholder 2">
+            <a:pPr marL="0" indent="0">
+              <a:buNone/>
+            </a:pPr>
+            <a:r>
+              <a:rPr lang="en-US" dirty="0">
+                <a:solidFill>
+                  <a:schemeClr val="tx2"/>
+                </a:solidFill>
+              </a:rPr>
+              <a:t>Keep lab notes for your software as close to the “instrument” as possible</a:t>
+            </a:r>
+          </a:p>
+        </p:txBody>
+      </p:sp>
+      <p:pic>
+        <p:nvPicPr>
+          <p:cNvPr id="6" name="Picture 5">
             <a:extLst>
               <a:ext uri="{FF2B5EF4-FFF2-40B4-BE49-F238E27FC236}">
-                <a16:creationId xmlns:a16="http://schemas.microsoft.com/office/drawing/2014/main" id="{F9258E3C-1D8D-18BD-90A6-502B818DA2CC}"/>
+                <a16:creationId xmlns:a16="http://schemas.microsoft.com/office/drawing/2014/main" id="{6761C1E8-DA24-1844-B0E3-CC7DF7671F26}"/>
               </a:ext>
             </a:extLst>
           </p:cNvPr>
-          <p:cNvSpPr>
-            <a:spLocks noGrp="1"/>
-          </p:cNvSpPr>
-          <p:nvPr>
-            <p:ph sz="half" idx="2"/>
-          </p:nvPr>
-        </p:nvSpPr>
+          <p:cNvPicPr>
+            <a:picLocks noChangeAspect="1"/>
+          </p:cNvPicPr>
+          <p:nvPr/>
+        </p:nvPicPr>
+        <p:blipFill>
+          <a:blip r:embed="rId2"/>
+          <a:stretch>
+            <a:fillRect/>
+          </a:stretch>
+        </p:blipFill>
         <p:spPr>
           <a:xfrm>
-            <a:off x="457200" y="3368012"/>
-            <a:ext cx="5588582" cy="3373229"/>
+            <a:off x="609443" y="2067111"/>
+            <a:ext cx="7144004" cy="2415747"/>
           </a:xfrm>
+          <a:prstGeom prst="rect">
+            <a:avLst/>
+          </a:prstGeom>
         </p:spPr>
-        <p:txBody>
-          <a:bodyPr/>
-          <a:lstStyle/>
-          <a:p>
-            <a:r>
-              <a:rPr lang="en-US" sz="2000" dirty="0"/>
-              <a:t>Most can use paper and pen in any situation</a:t>
-            </a:r>
-          </a:p>
-          <a:p>
-            <a:r>
-              <a:rPr lang="en-US" sz="2000" dirty="0"/>
-              <a:t>Open format can allow for creativity and easier annotation</a:t>
-            </a:r>
-          </a:p>
-          <a:p>
-            <a:r>
-              <a:rPr lang="en-US" sz="2000" dirty="0"/>
-              <a:t>Concentrate on the work rather than tooling</a:t>
-            </a:r>
-          </a:p>
-          <a:p>
-            <a:r>
-              <a:rPr lang="en-US" sz="2000" dirty="0"/>
-              <a:t>Good if notetaking slows down progress</a:t>
-            </a:r>
-          </a:p>
-          <a:p>
-            <a:r>
-              <a:rPr lang="en-US" sz="2000" dirty="0"/>
-              <a:t>Notebook is stored </a:t>
-            </a:r>
-            <a:r>
-              <a:rPr lang="en-US" sz="2000" b="1" dirty="0"/>
-              <a:t>publicly</a:t>
-            </a:r>
-            <a:r>
-              <a:rPr lang="en-US" sz="2000" dirty="0"/>
-              <a:t> next to where it is used</a:t>
-            </a:r>
-          </a:p>
-        </p:txBody>
-      </p:sp>
-      <p:sp>
-        <p:nvSpPr>
-          <p:cNvPr id="7" name="Text Placeholder 6">
+      </p:pic>
+      <p:sp>
+        <p:nvSpPr>
+          <p:cNvPr id="7" name="TextBox 6">
             <a:extLst>
               <a:ext uri="{FF2B5EF4-FFF2-40B4-BE49-F238E27FC236}">
-                <a16:creationId xmlns:a16="http://schemas.microsoft.com/office/drawing/2014/main" id="{C7D2FAF1-99B6-77D6-67CA-9BCD3AF3390A}"/>
-              </a:ext>
-            </a:extLst>
-          </p:cNvPr>
-          <p:cNvSpPr>
-            <a:spLocks noGrp="1"/>
-          </p:cNvSpPr>
-          <p:nvPr>
-            <p:ph type="body" sz="quarter" idx="3"/>
-          </p:nvPr>
-        </p:nvSpPr>
-        <p:spPr>
-          <a:xfrm>
-            <a:off x="6218914" y="2546822"/>
-            <a:ext cx="5531934" cy="821190"/>
-          </a:xfrm>
-        </p:spPr>
-        <p:txBody>
-          <a:bodyPr/>
-          <a:lstStyle/>
-          <a:p>
-            <a:r>
-              <a:rPr lang="en-US" sz="2000" dirty="0"/>
-              <a:t>Electronic Woes</a:t>
-            </a:r>
-          </a:p>
-        </p:txBody>
-      </p:sp>
-      <p:sp>
-        <p:nvSpPr>
-          <p:cNvPr id="9" name="Content Placeholder 8">
-            <a:extLst>
-              <a:ext uri="{FF2B5EF4-FFF2-40B4-BE49-F238E27FC236}">
-                <a16:creationId xmlns:a16="http://schemas.microsoft.com/office/drawing/2014/main" id="{3460387C-329A-6D82-3F47-363415AFE6DA}"/>
-              </a:ext>
-            </a:extLst>
-          </p:cNvPr>
-          <p:cNvSpPr>
-            <a:spLocks noGrp="1"/>
-          </p:cNvSpPr>
-          <p:nvPr>
-            <p:ph sz="quarter" idx="4"/>
-          </p:nvPr>
-        </p:nvSpPr>
-        <p:spPr>
-          <a:xfrm>
-            <a:off x="6218914" y="3368012"/>
-            <a:ext cx="5531934" cy="3373229"/>
-          </a:xfrm>
-        </p:spPr>
-        <p:txBody>
-          <a:bodyPr/>
-          <a:lstStyle/>
-          <a:p>
-            <a:r>
-              <a:rPr lang="en-US" sz="2000" dirty="0"/>
-              <a:t>Tied to technology that could fail</a:t>
-            </a:r>
-          </a:p>
-          <a:p>
-            <a:r>
-              <a:rPr lang="en-US" sz="2000" dirty="0"/>
-              <a:t>Overwhelming variety of possible solutions with different pros and cons</a:t>
-            </a:r>
-          </a:p>
-          <a:p>
-            <a:r>
-              <a:rPr lang="en-US" sz="2000" dirty="0"/>
-              <a:t>Uncertainty about future of tool, increased costs, inability to export</a:t>
-            </a:r>
-          </a:p>
-          <a:p>
-            <a:r>
-              <a:rPr lang="en-US" sz="2000" dirty="0"/>
-              <a:t>Does funding restrict where and how digital notes can be stored?</a:t>
-            </a:r>
-          </a:p>
-        </p:txBody>
-      </p:sp>
-      <p:sp>
-        <p:nvSpPr>
-          <p:cNvPr id="11" name="TextBox 10">
-            <a:extLst>
-              <a:ext uri="{FF2B5EF4-FFF2-40B4-BE49-F238E27FC236}">
-                <a16:creationId xmlns:a16="http://schemas.microsoft.com/office/drawing/2014/main" id="{4F5A0A35-B381-EDED-A055-E3A37D0AF05F}"/>
+                <a16:creationId xmlns:a16="http://schemas.microsoft.com/office/drawing/2014/main" id="{60E896B1-244F-EE2C-31BB-0AFFB63A9E19}"/>
               </a:ext>
             </a:extLst>
           </p:cNvPr>
@@ -9440,8 +9355,8 @@
         </p:nvSpPr>
         <p:spPr>
           <a:xfrm>
-            <a:off x="437977" y="1003590"/>
-            <a:ext cx="11302919" cy="1323439"/>
+            <a:off x="7745530" y="2459506"/>
+            <a:ext cx="4551933" cy="800154"/>
           </a:xfrm>
           <a:prstGeom prst="rect">
             <a:avLst/>
@@ -9449,40 +9364,140 @@
           <a:noFill/>
         </p:spPr>
         <p:txBody>
-          <a:bodyPr wrap="square">
+          <a:bodyPr wrap="none" lIns="158455" tIns="121888" rIns="158455" bIns="121888" rtlCol="0" anchor="ctr" anchorCtr="0">
             <a:spAutoFit/>
           </a:bodyPr>
           <a:lstStyle/>
           <a:p>
-            <a:pPr marL="0" indent="0">
-              <a:buNone/>
+            <a:pPr algn="l">
+              <a:lnSpc>
+                <a:spcPct val="90000"/>
+              </a:lnSpc>
             </a:pPr>
             <a:r>
               <a:rPr lang="en-US" sz="2000" dirty="0"/>
-              <a:t>“Since at least the 1990s, articles on technology have predicted the imminent, widespread adoption of electronic laboratory notebooks (ELNs) by researchers. It has yet to happen — but more and more scientists are taking the plunge.”</a:t>
-            </a:r>
-          </a:p>
-          <a:p>
-            <a:pPr marL="0" indent="0">
-              <a:buNone/>
+              <a:t>Details not obvious from commit diff:</a:t>
+            </a:r>
+          </a:p>
+          <a:p>
+            <a:pPr algn="l">
+              <a:lnSpc>
+                <a:spcPct val="90000"/>
+              </a:lnSpc>
             </a:pPr>
             <a:r>
               <a:rPr lang="en-US" sz="2000" dirty="0"/>
-              <a:t>	- </a:t>
-            </a:r>
-            <a:r>
-              <a:rPr lang="en-US" sz="1600" dirty="0"/>
-              <a:t>Roberta Kwok, </a:t>
-            </a:r>
-            <a:r>
-              <a:rPr lang="en-US" sz="1600" i="1" dirty="0">
-                <a:hlinkClick r:id="rId3"/>
-              </a:rPr>
-              <a:t>How to pick an electronic laboratory notebook</a:t>
-            </a:r>
-            <a:r>
-              <a:rPr lang="en-US" sz="1600" dirty="0"/>
-              <a:t>, Nature</a:t>
+              <a:t>Motivation, reasoning, consequences</a:t>
+            </a:r>
+          </a:p>
+        </p:txBody>
+      </p:sp>
+      <p:sp>
+        <p:nvSpPr>
+          <p:cNvPr id="9" name="TextBox 8">
+            <a:extLst>
+              <a:ext uri="{FF2B5EF4-FFF2-40B4-BE49-F238E27FC236}">
+                <a16:creationId xmlns:a16="http://schemas.microsoft.com/office/drawing/2014/main" id="{68B70498-A0C5-59CB-57DA-920DF432411D}"/>
+              </a:ext>
+            </a:extLst>
+          </p:cNvPr>
+          <p:cNvSpPr txBox="1"/>
+          <p:nvPr/>
+        </p:nvSpPr>
+        <p:spPr>
+          <a:xfrm>
+            <a:off x="7745530" y="3711406"/>
+            <a:ext cx="1830483" cy="523156"/>
+          </a:xfrm>
+          <a:prstGeom prst="rect">
+            <a:avLst/>
+          </a:prstGeom>
+          <a:noFill/>
+        </p:spPr>
+        <p:txBody>
+          <a:bodyPr wrap="none" lIns="158455" tIns="121888" rIns="158455" bIns="121888" rtlCol="0" anchor="ctr" anchorCtr="0">
+            <a:spAutoFit/>
+          </a:bodyPr>
+          <a:lstStyle/>
+          <a:p>
+            <a:pPr algn="l">
+              <a:lnSpc>
+                <a:spcPct val="90000"/>
+              </a:lnSpc>
+            </a:pPr>
+            <a:r>
+              <a:rPr lang="en-US" sz="2000" dirty="0"/>
+              <a:t>Testing notes</a:t>
+            </a:r>
+          </a:p>
+        </p:txBody>
+      </p:sp>
+      <p:sp>
+        <p:nvSpPr>
+          <p:cNvPr id="10" name="TextBox 9">
+            <a:extLst>
+              <a:ext uri="{FF2B5EF4-FFF2-40B4-BE49-F238E27FC236}">
+                <a16:creationId xmlns:a16="http://schemas.microsoft.com/office/drawing/2014/main" id="{1593B09E-9231-51A2-B64E-296F74875893}"/>
+              </a:ext>
+            </a:extLst>
+          </p:cNvPr>
+          <p:cNvSpPr txBox="1"/>
+          <p:nvPr/>
+        </p:nvSpPr>
+        <p:spPr>
+          <a:xfrm>
+            <a:off x="2390514" y="5264751"/>
+            <a:ext cx="7407797" cy="461665"/>
+          </a:xfrm>
+          <a:prstGeom prst="rect">
+            <a:avLst/>
+          </a:prstGeom>
+          <a:noFill/>
+        </p:spPr>
+        <p:txBody>
+          <a:bodyPr wrap="none" rtlCol="0">
+            <a:spAutoFit/>
+          </a:bodyPr>
+          <a:lstStyle/>
+          <a:p>
+            <a:r>
+              <a:rPr lang="en-US" sz="2400" dirty="0"/>
+              <a:t>Use Pull Request to capture final verification streams</a:t>
+            </a:r>
+          </a:p>
+        </p:txBody>
+      </p:sp>
+      <p:sp>
+        <p:nvSpPr>
+          <p:cNvPr id="3" name="TextBox 2">
+            <a:extLst>
+              <a:ext uri="{FF2B5EF4-FFF2-40B4-BE49-F238E27FC236}">
+                <a16:creationId xmlns:a16="http://schemas.microsoft.com/office/drawing/2014/main" id="{E94AB6A2-7EE4-6C85-EB1E-B4A6BBFCE505}"/>
+              </a:ext>
+            </a:extLst>
+          </p:cNvPr>
+          <p:cNvSpPr txBox="1"/>
+          <p:nvPr/>
+        </p:nvSpPr>
+        <p:spPr>
+          <a:xfrm>
+            <a:off x="1913038" y="4471546"/>
+            <a:ext cx="5019323" cy="369332"/>
+          </a:xfrm>
+          <a:prstGeom prst="rect">
+            <a:avLst/>
+          </a:prstGeom>
+          <a:noFill/>
+        </p:spPr>
+        <p:txBody>
+          <a:bodyPr wrap="none" rtlCol="0">
+            <a:spAutoFit/>
+          </a:bodyPr>
+          <a:lstStyle/>
+          <a:p>
+            <a:r>
+              <a:rPr lang="en-US" dirty="0"/>
+              <a:t>*This message is missing a title as the first line.</a:t>
             </a:r>
           </a:p>
         </p:txBody>
@@ -9490,7 +9505,7 @@
     </p:spTree>
     <p:extLst>
       <p:ext uri="{BB962C8B-B14F-4D97-AF65-F5344CB8AC3E}">
-        <p14:creationId xmlns:p14="http://schemas.microsoft.com/office/powerpoint/2010/main" val="2028353678"/>
+        <p14:creationId xmlns:p14="http://schemas.microsoft.com/office/powerpoint/2010/main" val="2864858358"/>
       </p:ext>
     </p:extLst>
   </p:cSld>
@@ -9619,32 +9634,37 @@
             </a:pPr>
             <a:r>
               <a:rPr lang="en-US" sz="1600" b="1" dirty="0"/>
-              <a:t>The requested citation the overall tutorial is: David E. Bernholdt, Anshu Dubey, Todd Gamblin, Jared O’Neal, and </a:t>
-            </a:r>
-            <a:r>
-              <a:rPr lang="en-US" sz="1600" b="1" dirty="0" err="1"/>
-              <a:t>Boyana</a:t>
-            </a:r>
-            <a:r>
-              <a:rPr lang="en-US" sz="1600" b="1" dirty="0"/>
-              <a:t> R. Norris, Software Productivity and Sustainability track, in Argonne Training Program on Extreme-Scale Computing</a:t>
-            </a:r>
-            <a:r>
-              <a:rPr lang="en-US" sz="1600" b="1"/>
-              <a:t>, St</a:t>
-            </a:r>
-            <a:r>
-              <a:rPr lang="en-US" sz="1600" b="1" dirty="0"/>
-              <a:t>. Charles, Illinois, 2022. DOI: </a:t>
-            </a:r>
-            <a:r>
-              <a:rPr lang="en-US" sz="1600" b="1" dirty="0">
+              <a:t>The requested citation the overall tutorial is: </a:t>
+            </a:r>
+            <a:r>
+              <a:rPr lang="en-US" sz="1600" b="0" i="0" dirty="0">
+                <a:solidFill>
+                  <a:srgbClr val="111111"/>
+                </a:solidFill>
+                <a:effectLst/>
+                <a:latin typeface="+mn-lt"/>
+              </a:rPr>
+              <a:t>David E. Bernholdt, David M. Rogers, and Gregory R. Watson, Software Practices for Better Science: Testing, Reproducibility, and Documentation tutorial, in Exascale Computing Project Tutorial Days, online, 2023. DOI: </a:t>
+            </a:r>
+            <a:r>
+              <a:rPr lang="en-US" sz="1600" b="0" i="0" u="none" strike="noStrike" dirty="0">
+                <a:solidFill>
+                  <a:srgbClr val="2A7AE2"/>
+                </a:solidFill>
+                <a:effectLst/>
+                <a:latin typeface="+mn-lt"/>
                 <a:hlinkClick r:id="rId4"/>
               </a:rPr>
-              <a:t>10.6084/m9.figshare.20416215</a:t>
-            </a:r>
-            <a:r>
-              <a:rPr lang="en-US" sz="1600" b="1" dirty="0"/>
+              <a:t>10.6084/m9.figshare.21989507</a:t>
+            </a:r>
+            <a:r>
+              <a:rPr lang="en-US" sz="1600" b="0" i="0" dirty="0">
+                <a:solidFill>
+                  <a:srgbClr val="111111"/>
+                </a:solidFill>
+                <a:effectLst/>
+                <a:latin typeface="+mn-lt"/>
+              </a:rPr>
               <a:t>.</a:t>
             </a:r>
           </a:p>
@@ -9664,7 +9684,29 @@
             </a:r>
             <a:r>
               <a:rPr lang="en-US" sz="1600" dirty="0"/>
-              <a:t>, in Better Scientific Software tutorial, ISC, 2022 …</a:t>
+              <a:t>, </a:t>
+            </a:r>
+            <a:r>
+              <a:rPr lang="en-US" sz="1600"/>
+              <a:t>in </a:t>
+            </a:r>
+            <a:r>
+              <a:rPr lang="en-US" sz="1600" b="0" i="0">
+                <a:solidFill>
+                  <a:srgbClr val="111111"/>
+                </a:solidFill>
+                <a:effectLst/>
+                <a:latin typeface="+mn-lt"/>
+              </a:rPr>
+              <a:t>Software Practices for Better Science: Testing, Reproducibility, and Documentation tutorial</a:t>
+            </a:r>
+            <a:r>
+              <a:rPr lang="en-US" sz="1600"/>
+              <a:t>, </a:t>
+            </a:r>
+            <a:r>
+              <a:rPr lang="en-US" sz="1600" dirty="0"/>
+              <a:t>…</a:t>
             </a:r>
           </a:p>
           <a:p>
@@ -9748,17 +9790,6 @@
             <a:r>
               <a:rPr lang="en-US" sz="1400" dirty="0"/>
               <a:t>This work was performed in part at Sandia National Laboratories. Sandia National Laboratories is a multi-mission laboratory managed and operated by National Technology and Engineering Solutions of Sandia, LLC., a wholly owned subsidiary of Honeywell International, Inc., for the U.S. Department of Energy’s National Nuclear Security Administration under contract DE-NA0003525.</a:t>
-            </a:r>
-          </a:p>
-          <a:p>
-            <a:pPr>
-              <a:spcBef>
-                <a:spcPts val="400"/>
-              </a:spcBef>
-            </a:pPr>
-            <a:r>
-              <a:rPr lang="en-US" sz="1400" dirty="0"/>
-              <a:t>This work was performed in part at University of Oregon through a subcontract with Argonne National Laboratory.</a:t>
             </a:r>
           </a:p>
         </p:txBody>
@@ -9813,7 +9844,7 @@
     </p:spTree>
     <p:extLst>
       <p:ext uri="{BB962C8B-B14F-4D97-AF65-F5344CB8AC3E}">
-        <p14:creationId xmlns:p14="http://schemas.microsoft.com/office/powerpoint/2010/main" val="978726433"/>
+        <p14:creationId xmlns:p14="http://schemas.microsoft.com/office/powerpoint/2010/main" val="2870026930"/>
       </p:ext>
     </p:extLst>
   </p:cSld>
@@ -9845,7 +9876,7 @@
           <p:cNvPr id="2" name="Title 1">
             <a:extLst>
               <a:ext uri="{FF2B5EF4-FFF2-40B4-BE49-F238E27FC236}">
-                <a16:creationId xmlns:a16="http://schemas.microsoft.com/office/drawing/2014/main" id="{4118D88C-7B28-1754-36A6-873750233694}"/>
+                <a16:creationId xmlns:a16="http://schemas.microsoft.com/office/drawing/2014/main" id="{AE065790-4FFF-A93D-2B74-AAFA4028C68D}"/>
               </a:ext>
             </a:extLst>
           </p:cNvPr>
@@ -9863,7 +9894,7 @@
           <a:p>
             <a:r>
               <a:rPr lang="en-US" dirty="0"/>
-              <a:t>Lab notebooks for computing?</a:t>
+              <a:t>Pull request as a “filtered” notebook entry</a:t>
             </a:r>
           </a:p>
         </p:txBody>
@@ -9873,7 +9904,7 @@
           <p:cNvPr id="3" name="Content Placeholder 2">
             <a:extLst>
               <a:ext uri="{FF2B5EF4-FFF2-40B4-BE49-F238E27FC236}">
-                <a16:creationId xmlns:a16="http://schemas.microsoft.com/office/drawing/2014/main" id="{F77746CD-E501-0512-A2E3-3EA3A7A9AF56}"/>
+                <a16:creationId xmlns:a16="http://schemas.microsoft.com/office/drawing/2014/main" id="{16752DD2-A8C1-142A-ADF4-A061E5E58937}"/>
               </a:ext>
             </a:extLst>
           </p:cNvPr>
@@ -9884,84 +9915,103 @@
             <p:ph idx="1"/>
           </p:nvPr>
         </p:nvSpPr>
-        <p:spPr/>
+        <p:spPr>
+          <a:xfrm>
+            <a:off x="365760" y="1079469"/>
+            <a:ext cx="11369809" cy="4047778"/>
+          </a:xfrm>
+        </p:spPr>
         <p:txBody>
           <a:bodyPr/>
           <a:lstStyle/>
           <a:p>
             <a:r>
-              <a:rPr lang="en-US" b="1" dirty="0"/>
-              <a:t>Paper won’t work.  </a:t>
-            </a:r>
-            <a:r>
-              <a:rPr lang="en-US" dirty="0"/>
-              <a:t>We work anywhere and sometimes in distributed way.</a:t>
-            </a:r>
-          </a:p>
-          <a:p>
-            <a:r>
-              <a:rPr lang="en-US" dirty="0"/>
-              <a:t>Should notebooks be public and how to do that?</a:t>
-            </a:r>
-          </a:p>
-          <a:p>
-            <a:r>
-              <a:rPr lang="en-US" dirty="0"/>
-              <a:t>How many different types of notebooks do we need?</a:t>
-            </a:r>
-          </a:p>
-          <a:p>
-            <a:r>
-              <a:rPr lang="en-US" dirty="0"/>
-              <a:t>Do we use a single ELN or distribute notes across a suite of tools?</a:t>
-            </a:r>
-          </a:p>
-          <a:p>
-            <a:r>
-              <a:rPr lang="en-US" dirty="0"/>
-              <a:t>How can we use automation appropriately to overcome difficulties and increase productivity?</a:t>
-            </a:r>
-          </a:p>
-          <a:p>
-            <a:pPr marL="0" indent="0">
-              <a:buNone/>
-            </a:pPr>
-            <a:endParaRPr lang="en-US" dirty="0"/>
-          </a:p>
-        </p:txBody>
-      </p:sp>
-      <p:sp>
-        <p:nvSpPr>
-          <p:cNvPr id="6" name="TextBox 5">
-            <a:extLst>
-              <a:ext uri="{FF2B5EF4-FFF2-40B4-BE49-F238E27FC236}">
-                <a16:creationId xmlns:a16="http://schemas.microsoft.com/office/drawing/2014/main" id="{C44A63BE-444C-487D-FF8C-6D5A3E79CAEE}"/>
-              </a:ext>
-            </a:extLst>
-          </p:cNvPr>
-          <p:cNvSpPr txBox="1"/>
-          <p:nvPr/>
-        </p:nvSpPr>
-        <p:spPr>
-          <a:xfrm>
-            <a:off x="3155530" y="5108463"/>
-            <a:ext cx="5877764" cy="461665"/>
-          </a:xfrm>
-          <a:prstGeom prst="rect">
-            <a:avLst/>
-          </a:prstGeom>
-          <a:noFill/>
-        </p:spPr>
-        <p:txBody>
-          <a:bodyPr wrap="none" rtlCol="0">
-            <a:spAutoFit/>
-          </a:bodyPr>
-          <a:lstStyle/>
-          <a:p>
-            <a:pPr algn="ctr"/>
-            <a:r>
-              <a:rPr lang="en-US" sz="2400" dirty="0"/>
-              <a:t>We likely need many streams of lab notes</a:t>
+              <a:rPr lang="en-US" dirty="0"/>
+              <a:t>A pull request is an aggregation of commits to a git repo</a:t>
+            </a:r>
+          </a:p>
+          <a:p>
+            <a:pPr lvl="1"/>
+            <a:r>
+              <a:rPr lang="en-US" dirty="0"/>
+              <a:t>Individual commits are linked to the pull request</a:t>
+            </a:r>
+          </a:p>
+          <a:p>
+            <a:r>
+              <a:rPr lang="en-US" dirty="0">
+                <a:solidFill>
+                  <a:schemeClr val="tx2"/>
+                </a:solidFill>
+              </a:rPr>
+              <a:t>The PR allows for additional content that’s distinct from the individual commits</a:t>
+            </a:r>
+          </a:p>
+          <a:p>
+            <a:r>
+              <a:rPr lang="en-US" dirty="0"/>
+              <a:t>Use PR description to record process to verify correctness of changes</a:t>
+            </a:r>
+          </a:p>
+          <a:p>
+            <a:pPr lvl="1"/>
+            <a:r>
+              <a:rPr lang="en-US" dirty="0"/>
+              <a:t>2-2.5 days effort carried out over a week</a:t>
+            </a:r>
+          </a:p>
+          <a:p>
+            <a:pPr lvl="1"/>
+            <a:r>
+              <a:rPr lang="en-US" dirty="0"/>
+              <a:t>Copy/pasted from previous PR and adapted first (designed process)</a:t>
+            </a:r>
+          </a:p>
+          <a:p>
+            <a:pPr lvl="1"/>
+            <a:r>
+              <a:rPr lang="en-US" dirty="0"/>
+              <a:t>Improved as carried out process – converging on a quasi-procedure</a:t>
+            </a:r>
+          </a:p>
+          <a:p>
+            <a:pPr lvl="1"/>
+            <a:r>
+              <a:rPr lang="en-US" dirty="0"/>
+              <a:t>Filtered so that reviewers aren’t overwhelmed</a:t>
+            </a:r>
+          </a:p>
+          <a:p>
+            <a:pPr lvl="1"/>
+            <a:r>
+              <a:rPr lang="en-US" dirty="0"/>
+              <a:t>Helped organize effort &amp; design good tests</a:t>
+            </a:r>
+          </a:p>
+          <a:p>
+            <a:r>
+              <a:rPr lang="en-US" dirty="0"/>
+              <a:t>Additional benefits</a:t>
+            </a:r>
+          </a:p>
+          <a:p>
+            <a:pPr lvl="1"/>
+            <a:r>
+              <a:rPr lang="en-US" dirty="0"/>
+              <a:t>Senior reviewers provide feedback &amp; suggest improvements</a:t>
+            </a:r>
+          </a:p>
+          <a:p>
+            <a:pPr lvl="1"/>
+            <a:r>
+              <a:rPr lang="en-US" dirty="0"/>
+              <a:t>Junior reviewers exposed to work habits of other people</a:t>
+            </a:r>
+          </a:p>
+          <a:p>
+            <a:r>
+              <a:rPr lang="en-US" dirty="0"/>
+              <a:t>Example: Flash-X PR #247 on next slide</a:t>
             </a:r>
           </a:p>
         </p:txBody>
@@ -9969,7 +10019,7 @@
     </p:spTree>
     <p:extLst>
       <p:ext uri="{BB962C8B-B14F-4D97-AF65-F5344CB8AC3E}">
-        <p14:creationId xmlns:p14="http://schemas.microsoft.com/office/powerpoint/2010/main" val="2241001939"/>
+        <p14:creationId xmlns:p14="http://schemas.microsoft.com/office/powerpoint/2010/main" val="1212233571"/>
       </p:ext>
     </p:extLst>
   </p:cSld>
@@ -9998,10 +10048,10 @@
       </p:grpSpPr>
       <p:sp>
         <p:nvSpPr>
-          <p:cNvPr id="2" name="Title 1">
+          <p:cNvPr id="5" name="Slide Number Placeholder 4">
             <a:extLst>
               <a:ext uri="{FF2B5EF4-FFF2-40B4-BE49-F238E27FC236}">
-                <a16:creationId xmlns:a16="http://schemas.microsoft.com/office/drawing/2014/main" id="{4D833D66-35AF-AF0C-8EA4-C60E0843DE20}"/>
+                <a16:creationId xmlns:a16="http://schemas.microsoft.com/office/drawing/2014/main" id="{51913058-559F-714A-DFD9-37BACE442572}"/>
               </a:ext>
             </a:extLst>
           </p:cNvPr>
@@ -10009,102 +10059,100 @@
             <a:spLocks noGrp="1"/>
           </p:cNvSpPr>
           <p:nvPr>
-            <p:ph type="title"/>
-          </p:nvPr>
-        </p:nvSpPr>
-        <p:spPr/>
+            <p:ph type="sldNum" sz="quarter" idx="4294967295"/>
+          </p:nvPr>
+        </p:nvSpPr>
+        <p:spPr>
+          <a:xfrm>
+            <a:off x="0" y="0"/>
+            <a:ext cx="0" cy="0"/>
+          </a:xfrm>
+        </p:spPr>
         <p:txBody>
           <a:bodyPr/>
           <a:lstStyle/>
           <a:p>
-            <a:r>
-              <a:rPr lang="en-US" dirty="0"/>
-              <a:t>Different streams of lab notes</a:t>
-            </a:r>
-          </a:p>
-        </p:txBody>
-      </p:sp>
-      <p:sp>
-        <p:nvSpPr>
-          <p:cNvPr id="3" name="Content Placeholder 2">
+            <a:endParaRPr lang="en-US" dirty="0"/>
+          </a:p>
+          <a:p>
+            <a:endParaRPr lang="en-US" dirty="0"/>
+          </a:p>
+        </p:txBody>
+      </p:sp>
+      <p:pic>
+        <p:nvPicPr>
+          <p:cNvPr id="6" name="Picture 5">
             <a:extLst>
               <a:ext uri="{FF2B5EF4-FFF2-40B4-BE49-F238E27FC236}">
-                <a16:creationId xmlns:a16="http://schemas.microsoft.com/office/drawing/2014/main" id="{D98AB940-836C-ED7C-839C-E277B4205C49}"/>
+                <a16:creationId xmlns:a16="http://schemas.microsoft.com/office/drawing/2014/main" id="{383BE8A3-5C00-AD84-445D-A10220053C82}"/>
               </a:ext>
             </a:extLst>
           </p:cNvPr>
-          <p:cNvSpPr>
-            <a:spLocks noGrp="1"/>
-          </p:cNvSpPr>
-          <p:nvPr>
-            <p:ph idx="1"/>
-          </p:nvPr>
-        </p:nvSpPr>
-        <p:spPr/>
-        <p:txBody>
-          <a:bodyPr/>
+          <p:cNvPicPr>
+            <a:picLocks noChangeAspect="1"/>
+          </p:cNvPicPr>
+          <p:nvPr/>
+        </p:nvPicPr>
+        <p:blipFill rotWithShape="1">
+          <a:blip r:embed="rId2"/>
+          <a:srcRect b="10715"/>
+          <a:stretch/>
+        </p:blipFill>
+        <p:spPr>
+          <a:xfrm>
+            <a:off x="2505815" y="164160"/>
+            <a:ext cx="9569678" cy="6693839"/>
+          </a:xfrm>
+          <a:prstGeom prst="rect">
+            <a:avLst/>
+          </a:prstGeom>
+        </p:spPr>
+      </p:pic>
+      <p:sp>
+        <p:nvSpPr>
+          <p:cNvPr id="7" name="TextBox 6">
+            <a:extLst>
+              <a:ext uri="{FF2B5EF4-FFF2-40B4-BE49-F238E27FC236}">
+                <a16:creationId xmlns:a16="http://schemas.microsoft.com/office/drawing/2014/main" id="{B64E9ACB-0E43-DF6C-DB6A-7D3B96707729}"/>
+              </a:ext>
+            </a:extLst>
+          </p:cNvPr>
+          <p:cNvSpPr txBox="1"/>
+          <p:nvPr/>
+        </p:nvSpPr>
+        <p:spPr>
+          <a:xfrm>
+            <a:off x="634214" y="2967335"/>
+            <a:ext cx="1694544" cy="923330"/>
+          </a:xfrm>
+          <a:prstGeom prst="rect">
+            <a:avLst/>
+          </a:prstGeom>
+          <a:noFill/>
+        </p:spPr>
+        <p:txBody>
+          <a:bodyPr wrap="square" rtlCol="0">
+            <a:spAutoFit/>
+          </a:bodyPr>
           <a:lstStyle/>
           <a:p>
             <a:r>
-              <a:rPr lang="en-US" dirty="0"/>
-              <a:t>Lab notebook for changes to scientific instrument</a:t>
-            </a:r>
-          </a:p>
-          <a:p>
-            <a:pPr lvl="1"/>
-            <a:r>
-              <a:rPr lang="en-US" dirty="0"/>
-              <a:t>Changes in code repo necessary for study</a:t>
-            </a:r>
-          </a:p>
-          <a:p>
-            <a:pPr lvl="1"/>
-            <a:r>
-              <a:rPr lang="en-US" dirty="0"/>
-              <a:t>Changes to SW environments</a:t>
-            </a:r>
-          </a:p>
-          <a:p>
-            <a:pPr lvl="1"/>
-            <a:r>
-              <a:rPr lang="en-US" dirty="0"/>
-              <a:t>Changes to build/job files and build systems</a:t>
-            </a:r>
-          </a:p>
-          <a:p>
-            <a:r>
-              <a:rPr lang="en-US" dirty="0"/>
-              <a:t>Lab notebook for data analysis tools</a:t>
-            </a:r>
-          </a:p>
-          <a:p>
-            <a:r>
-              <a:rPr lang="en-US" dirty="0"/>
-              <a:t>Lab notebook to detail how experiment was designed and executed</a:t>
-            </a:r>
-          </a:p>
-          <a:p>
-            <a:r>
-              <a:rPr lang="en-US" dirty="0"/>
-              <a:t>Right tool for the job</a:t>
-            </a:r>
-          </a:p>
-          <a:p>
-            <a:pPr lvl="1"/>
-            <a:r>
-              <a:rPr lang="en-US" dirty="0"/>
-              <a:t>We don’t want a single 10,000-line README</a:t>
-            </a:r>
-          </a:p>
-          <a:p>
-            <a:endParaRPr lang="en-US" dirty="0"/>
+              <a:rPr lang="en-US" b="1" dirty="0"/>
+              <a:t>Example: Flash-X</a:t>
+            </a:r>
+          </a:p>
+          <a:p>
+            <a:r>
+              <a:rPr lang="en-US" b="1" dirty="0"/>
+              <a:t>PR #247</a:t>
+            </a:r>
           </a:p>
         </p:txBody>
       </p:sp>
     </p:spTree>
     <p:extLst>
       <p:ext uri="{BB962C8B-B14F-4D97-AF65-F5344CB8AC3E}">
-        <p14:creationId xmlns:p14="http://schemas.microsoft.com/office/powerpoint/2010/main" val="1003005272"/>
+        <p14:creationId xmlns:p14="http://schemas.microsoft.com/office/powerpoint/2010/main" val="3027973350"/>
       </p:ext>
     </p:extLst>
   </p:cSld>
@@ -10136,295 +10184,6 @@
           <p:cNvPr id="2" name="Title 1">
             <a:extLst>
               <a:ext uri="{FF2B5EF4-FFF2-40B4-BE49-F238E27FC236}">
-                <a16:creationId xmlns:a16="http://schemas.microsoft.com/office/drawing/2014/main" id="{B852E499-1C3F-BF05-6826-EA41875043AF}"/>
-              </a:ext>
-            </a:extLst>
-          </p:cNvPr>
-          <p:cNvSpPr>
-            <a:spLocks noGrp="1"/>
-          </p:cNvSpPr>
-          <p:nvPr>
-            <p:ph type="title"/>
-          </p:nvPr>
-        </p:nvSpPr>
-        <p:spPr/>
-        <p:txBody>
-          <a:bodyPr/>
-          <a:lstStyle/>
-          <a:p>
-            <a:r>
-              <a:rPr lang="en-US" dirty="0"/>
-              <a:t>Git lab notes stream</a:t>
-            </a:r>
-          </a:p>
-        </p:txBody>
-      </p:sp>
-      <p:sp>
-        <p:nvSpPr>
-          <p:cNvPr id="4" name="Text Placeholder 3">
-            <a:extLst>
-              <a:ext uri="{FF2B5EF4-FFF2-40B4-BE49-F238E27FC236}">
-                <a16:creationId xmlns:a16="http://schemas.microsoft.com/office/drawing/2014/main" id="{07227A27-5F3E-7988-EF2E-E23834C09336}"/>
-              </a:ext>
-            </a:extLst>
-          </p:cNvPr>
-          <p:cNvSpPr>
-            <a:spLocks noGrp="1"/>
-          </p:cNvSpPr>
-          <p:nvPr>
-            <p:ph idx="1"/>
-          </p:nvPr>
-        </p:nvSpPr>
-        <p:spPr>
-          <a:xfrm>
-            <a:off x="365760" y="1349903"/>
-            <a:ext cx="11369809" cy="4047778"/>
-          </a:xfrm>
-        </p:spPr>
-        <p:txBody>
-          <a:bodyPr/>
-          <a:lstStyle/>
-          <a:p>
-            <a:pPr marL="0" indent="0">
-              <a:buNone/>
-            </a:pPr>
-            <a:r>
-              <a:rPr lang="en-US" dirty="0">
-                <a:solidFill>
-                  <a:schemeClr val="tx2"/>
-                </a:solidFill>
-              </a:rPr>
-              <a:t>Keep lab notes for your software as close to the “instrument” as possible</a:t>
-            </a:r>
-          </a:p>
-        </p:txBody>
-      </p:sp>
-      <p:pic>
-        <p:nvPicPr>
-          <p:cNvPr id="6" name="Picture 5">
-            <a:extLst>
-              <a:ext uri="{FF2B5EF4-FFF2-40B4-BE49-F238E27FC236}">
-                <a16:creationId xmlns:a16="http://schemas.microsoft.com/office/drawing/2014/main" id="{6761C1E8-DA24-1844-B0E3-CC7DF7671F26}"/>
-              </a:ext>
-            </a:extLst>
-          </p:cNvPr>
-          <p:cNvPicPr>
-            <a:picLocks noChangeAspect="1"/>
-          </p:cNvPicPr>
-          <p:nvPr/>
-        </p:nvPicPr>
-        <p:blipFill>
-          <a:blip r:embed="rId2"/>
-          <a:stretch>
-            <a:fillRect/>
-          </a:stretch>
-        </p:blipFill>
-        <p:spPr>
-          <a:xfrm>
-            <a:off x="609443" y="2067111"/>
-            <a:ext cx="7144004" cy="2415747"/>
-          </a:xfrm>
-          <a:prstGeom prst="rect">
-            <a:avLst/>
-          </a:prstGeom>
-        </p:spPr>
-      </p:pic>
-      <p:sp>
-        <p:nvSpPr>
-          <p:cNvPr id="7" name="TextBox 6">
-            <a:extLst>
-              <a:ext uri="{FF2B5EF4-FFF2-40B4-BE49-F238E27FC236}">
-                <a16:creationId xmlns:a16="http://schemas.microsoft.com/office/drawing/2014/main" id="{60E896B1-244F-EE2C-31BB-0AFFB63A9E19}"/>
-              </a:ext>
-            </a:extLst>
-          </p:cNvPr>
-          <p:cNvSpPr txBox="1"/>
-          <p:nvPr/>
-        </p:nvSpPr>
-        <p:spPr>
-          <a:xfrm>
-            <a:off x="7745530" y="2459506"/>
-            <a:ext cx="4551933" cy="800154"/>
-          </a:xfrm>
-          <a:prstGeom prst="rect">
-            <a:avLst/>
-          </a:prstGeom>
-          <a:noFill/>
-        </p:spPr>
-        <p:txBody>
-          <a:bodyPr wrap="none" lIns="158455" tIns="121888" rIns="158455" bIns="121888" rtlCol="0" anchor="ctr" anchorCtr="0">
-            <a:spAutoFit/>
-          </a:bodyPr>
-          <a:lstStyle/>
-          <a:p>
-            <a:pPr algn="l">
-              <a:lnSpc>
-                <a:spcPct val="90000"/>
-              </a:lnSpc>
-            </a:pPr>
-            <a:r>
-              <a:rPr lang="en-US" sz="2000" dirty="0"/>
-              <a:t>Details not obvious from commit diff:</a:t>
-            </a:r>
-          </a:p>
-          <a:p>
-            <a:pPr algn="l">
-              <a:lnSpc>
-                <a:spcPct val="90000"/>
-              </a:lnSpc>
-            </a:pPr>
-            <a:r>
-              <a:rPr lang="en-US" sz="2000" dirty="0"/>
-              <a:t>Motivation, reasoning, consequences</a:t>
-            </a:r>
-          </a:p>
-        </p:txBody>
-      </p:sp>
-      <p:sp>
-        <p:nvSpPr>
-          <p:cNvPr id="9" name="TextBox 8">
-            <a:extLst>
-              <a:ext uri="{FF2B5EF4-FFF2-40B4-BE49-F238E27FC236}">
-                <a16:creationId xmlns:a16="http://schemas.microsoft.com/office/drawing/2014/main" id="{68B70498-A0C5-59CB-57DA-920DF432411D}"/>
-              </a:ext>
-            </a:extLst>
-          </p:cNvPr>
-          <p:cNvSpPr txBox="1"/>
-          <p:nvPr/>
-        </p:nvSpPr>
-        <p:spPr>
-          <a:xfrm>
-            <a:off x="7745530" y="3711406"/>
-            <a:ext cx="1830483" cy="523156"/>
-          </a:xfrm>
-          <a:prstGeom prst="rect">
-            <a:avLst/>
-          </a:prstGeom>
-          <a:noFill/>
-        </p:spPr>
-        <p:txBody>
-          <a:bodyPr wrap="none" lIns="158455" tIns="121888" rIns="158455" bIns="121888" rtlCol="0" anchor="ctr" anchorCtr="0">
-            <a:spAutoFit/>
-          </a:bodyPr>
-          <a:lstStyle/>
-          <a:p>
-            <a:pPr algn="l">
-              <a:lnSpc>
-                <a:spcPct val="90000"/>
-              </a:lnSpc>
-            </a:pPr>
-            <a:r>
-              <a:rPr lang="en-US" sz="2000" dirty="0"/>
-              <a:t>Testing notes</a:t>
-            </a:r>
-          </a:p>
-        </p:txBody>
-      </p:sp>
-      <p:sp>
-        <p:nvSpPr>
-          <p:cNvPr id="10" name="TextBox 9">
-            <a:extLst>
-              <a:ext uri="{FF2B5EF4-FFF2-40B4-BE49-F238E27FC236}">
-                <a16:creationId xmlns:a16="http://schemas.microsoft.com/office/drawing/2014/main" id="{1593B09E-9231-51A2-B64E-296F74875893}"/>
-              </a:ext>
-            </a:extLst>
-          </p:cNvPr>
-          <p:cNvSpPr txBox="1"/>
-          <p:nvPr/>
-        </p:nvSpPr>
-        <p:spPr>
-          <a:xfrm>
-            <a:off x="2390514" y="5264751"/>
-            <a:ext cx="7407797" cy="461665"/>
-          </a:xfrm>
-          <a:prstGeom prst="rect">
-            <a:avLst/>
-          </a:prstGeom>
-          <a:noFill/>
-        </p:spPr>
-        <p:txBody>
-          <a:bodyPr wrap="none" rtlCol="0">
-            <a:spAutoFit/>
-          </a:bodyPr>
-          <a:lstStyle/>
-          <a:p>
-            <a:r>
-              <a:rPr lang="en-US" sz="2400" dirty="0"/>
-              <a:t>Use Pull Request to capture final verification streams</a:t>
-            </a:r>
-          </a:p>
-        </p:txBody>
-      </p:sp>
-      <p:sp>
-        <p:nvSpPr>
-          <p:cNvPr id="3" name="TextBox 2">
-            <a:extLst>
-              <a:ext uri="{FF2B5EF4-FFF2-40B4-BE49-F238E27FC236}">
-                <a16:creationId xmlns:a16="http://schemas.microsoft.com/office/drawing/2014/main" id="{E94AB6A2-7EE4-6C85-EB1E-B4A6BBFCE505}"/>
-              </a:ext>
-            </a:extLst>
-          </p:cNvPr>
-          <p:cNvSpPr txBox="1"/>
-          <p:nvPr/>
-        </p:nvSpPr>
-        <p:spPr>
-          <a:xfrm>
-            <a:off x="1913038" y="4471546"/>
-            <a:ext cx="5019323" cy="369332"/>
-          </a:xfrm>
-          <a:prstGeom prst="rect">
-            <a:avLst/>
-          </a:prstGeom>
-          <a:noFill/>
-        </p:spPr>
-        <p:txBody>
-          <a:bodyPr wrap="none" rtlCol="0">
-            <a:spAutoFit/>
-          </a:bodyPr>
-          <a:lstStyle/>
-          <a:p>
-            <a:r>
-              <a:rPr lang="en-US" dirty="0"/>
-              <a:t>*This message is missing a title as the first line.</a:t>
-            </a:r>
-          </a:p>
-        </p:txBody>
-      </p:sp>
-    </p:spTree>
-    <p:extLst>
-      <p:ext uri="{BB962C8B-B14F-4D97-AF65-F5344CB8AC3E}">
-        <p14:creationId xmlns:p14="http://schemas.microsoft.com/office/powerpoint/2010/main" val="2864858358"/>
-      </p:ext>
-    </p:extLst>
-  </p:cSld>
-  <p:clrMapOvr>
-    <a:masterClrMapping/>
-  </p:clrMapOvr>
-</p:sld>
-</file>
-
-<file path=ppt/slides/slide23.xml><?xml version="1.0" encoding="utf-8"?>
-<p:sld xmlns:a="http://schemas.openxmlformats.org/drawingml/2006/main" xmlns:r="http://schemas.openxmlformats.org/officeDocument/2006/relationships" xmlns:p="http://schemas.openxmlformats.org/presentationml/2006/main">
-  <p:cSld>
-    <p:spTree>
-      <p:nvGrpSpPr>
-        <p:cNvPr id="1" name=""/>
-        <p:cNvGrpSpPr/>
-        <p:nvPr/>
-      </p:nvGrpSpPr>
-      <p:grpSpPr>
-        <a:xfrm>
-          <a:off x="0" y="0"/>
-          <a:ext cx="0" cy="0"/>
-          <a:chOff x="0" y="0"/>
-          <a:chExt cx="0" cy="0"/>
-        </a:xfrm>
-      </p:grpSpPr>
-      <p:sp>
-        <p:nvSpPr>
-          <p:cNvPr id="2" name="Title 1">
-            <a:extLst>
-              <a:ext uri="{FF2B5EF4-FFF2-40B4-BE49-F238E27FC236}">
                 <a16:creationId xmlns:a16="http://schemas.microsoft.com/office/drawing/2014/main" id="{4484D68C-51DF-DA67-4540-49447D382649}"/>
               </a:ext>
             </a:extLst>
@@ -10522,7 +10281,7 @@
 </p:sld>
 </file>
 
-<file path=ppt/slides/slide24.xml><?xml version="1.0" encoding="utf-8"?>
+<file path=ppt/slides/slide23.xml><?xml version="1.0" encoding="utf-8"?>
 <p:sld xmlns:a="http://schemas.openxmlformats.org/drawingml/2006/main" xmlns:r="http://schemas.openxmlformats.org/officeDocument/2006/relationships" xmlns:p="http://schemas.openxmlformats.org/presentationml/2006/main">
   <p:cSld>
     <p:spTree>
@@ -10615,7 +10374,7 @@
 </p:sld>
 </file>
 
-<file path=ppt/slides/slide25.xml><?xml version="1.0" encoding="utf-8"?>
+<file path=ppt/slides/slide24.xml><?xml version="1.0" encoding="utf-8"?>
 <p:sld xmlns:a="http://schemas.openxmlformats.org/drawingml/2006/main" xmlns:r="http://schemas.openxmlformats.org/officeDocument/2006/relationships" xmlns:p="http://schemas.openxmlformats.org/presentationml/2006/main">
   <p:cSld>
     <p:spTree>
@@ -10708,6 +10467,142 @@
 </p:sld>
 </file>
 
+<file path=ppt/slides/slide25.xml><?xml version="1.0" encoding="utf-8"?>
+<p:sld xmlns:a="http://schemas.openxmlformats.org/drawingml/2006/main" xmlns:r="http://schemas.openxmlformats.org/officeDocument/2006/relationships" xmlns:p="http://schemas.openxmlformats.org/presentationml/2006/main">
+  <p:cSld>
+    <p:spTree>
+      <p:nvGrpSpPr>
+        <p:cNvPr id="1" name=""/>
+        <p:cNvGrpSpPr/>
+        <p:nvPr/>
+      </p:nvGrpSpPr>
+      <p:grpSpPr>
+        <a:xfrm>
+          <a:off x="0" y="0"/>
+          <a:ext cx="0" cy="0"/>
+          <a:chOff x="0" y="0"/>
+          <a:chExt cx="0" cy="0"/>
+        </a:xfrm>
+      </p:grpSpPr>
+      <p:sp>
+        <p:nvSpPr>
+          <p:cNvPr id="2" name="Title 1">
+            <a:extLst>
+              <a:ext uri="{FF2B5EF4-FFF2-40B4-BE49-F238E27FC236}">
+                <a16:creationId xmlns:a16="http://schemas.microsoft.com/office/drawing/2014/main" id="{6B5E1852-3656-C951-2EBF-E42F0C05DC1E}"/>
+              </a:ext>
+            </a:extLst>
+          </p:cNvPr>
+          <p:cNvSpPr>
+            <a:spLocks noGrp="1"/>
+          </p:cNvSpPr>
+          <p:nvPr>
+            <p:ph type="title"/>
+          </p:nvPr>
+        </p:nvSpPr>
+        <p:spPr/>
+        <p:txBody>
+          <a:bodyPr/>
+          <a:lstStyle/>
+          <a:p>
+            <a:r>
+              <a:rPr lang="en-US" dirty="0"/>
+              <a:t>Capturing data context &amp; metadata</a:t>
+            </a:r>
+          </a:p>
+        </p:txBody>
+      </p:sp>
+      <p:sp>
+        <p:nvSpPr>
+          <p:cNvPr id="3" name="Content Placeholder 2">
+            <a:extLst>
+              <a:ext uri="{FF2B5EF4-FFF2-40B4-BE49-F238E27FC236}">
+                <a16:creationId xmlns:a16="http://schemas.microsoft.com/office/drawing/2014/main" id="{E77B46AA-44D3-F27C-F535-2F68FAE575D0}"/>
+              </a:ext>
+            </a:extLst>
+          </p:cNvPr>
+          <p:cNvSpPr>
+            <a:spLocks noGrp="1"/>
+          </p:cNvSpPr>
+          <p:nvPr>
+            <p:ph idx="1"/>
+          </p:nvPr>
+        </p:nvSpPr>
+        <p:spPr/>
+        <p:txBody>
+          <a:bodyPr/>
+          <a:lstStyle/>
+          <a:p>
+            <a:r>
+              <a:rPr lang="en-US" dirty="0"/>
+              <a:t>Automate as much as possible</a:t>
+            </a:r>
+          </a:p>
+          <a:p>
+            <a:r>
+              <a:rPr lang="en-US" dirty="0"/>
+              <a:t>Build dates, user, system name, git hashes, configuration data in file headers</a:t>
+            </a:r>
+          </a:p>
+          <a:p>
+            <a:pPr lvl="1"/>
+            <a:r>
+              <a:rPr lang="en-US" dirty="0"/>
+              <a:t>Self-documenting files</a:t>
+            </a:r>
+          </a:p>
+          <a:p>
+            <a:r>
+              <a:rPr lang="en-US" dirty="0"/>
+              <a:t>Build &amp; job logs</a:t>
+            </a:r>
+          </a:p>
+          <a:p>
+            <a:pPr lvl="1"/>
+            <a:r>
+              <a:rPr lang="en-US" dirty="0"/>
+              <a:t>Software environment info (e.g., modules, </a:t>
+            </a:r>
+            <a:r>
+              <a:rPr lang="en-US" dirty="0" err="1">
+                <a:latin typeface="American Typewriter" panose="02090604020004020304"/>
+              </a:rPr>
+              <a:t>ldd</a:t>
+            </a:r>
+            <a:r>
+              <a:rPr lang="en-US" dirty="0"/>
+              <a:t> output)</a:t>
+            </a:r>
+          </a:p>
+          <a:p>
+            <a:pPr lvl="1"/>
+            <a:r>
+              <a:rPr lang="en-US" dirty="0"/>
+              <a:t>git diffs</a:t>
+            </a:r>
+          </a:p>
+          <a:p>
+            <a:pPr lvl="1"/>
+            <a:r>
+              <a:rPr lang="en-US" dirty="0"/>
+              <a:t>Environment variables</a:t>
+            </a:r>
+          </a:p>
+        </p:txBody>
+      </p:sp>
+    </p:spTree>
+    <p:extLst>
+      <p:ext uri="{BB962C8B-B14F-4D97-AF65-F5344CB8AC3E}">
+        <p14:creationId xmlns:p14="http://schemas.microsoft.com/office/powerpoint/2010/main" val="3023913539"/>
+      </p:ext>
+    </p:extLst>
+  </p:cSld>
+  <p:clrMapOvr>
+    <a:masterClrMapping/>
+  </p:clrMapOvr>
+</p:sld>
+</file>
+
 <file path=ppt/slides/slide26.xml><?xml version="1.0" encoding="utf-8"?>
 <p:sld xmlns:a="http://schemas.openxmlformats.org/drawingml/2006/main" xmlns:r="http://schemas.openxmlformats.org/officeDocument/2006/relationships" xmlns:p="http://schemas.openxmlformats.org/presentationml/2006/main">
   <p:cSld>
@@ -10730,7 +10625,7 @@
           <p:cNvPr id="2" name="Title 1">
             <a:extLst>
               <a:ext uri="{FF2B5EF4-FFF2-40B4-BE49-F238E27FC236}">
-                <a16:creationId xmlns:a16="http://schemas.microsoft.com/office/drawing/2014/main" id="{6B5E1852-3656-C951-2EBF-E42F0C05DC1E}"/>
+                <a16:creationId xmlns:a16="http://schemas.microsoft.com/office/drawing/2014/main" id="{982A7D5F-8954-D467-6CF2-B5D266517268}"/>
               </a:ext>
             </a:extLst>
           </p:cNvPr>
@@ -10747,8 +10642,12 @@
           <a:lstStyle/>
           <a:p>
             <a:r>
-              <a:rPr lang="en-US" dirty="0"/>
-              <a:t>Data context &amp; metadata</a:t>
+              <a:rPr lang="en-US" dirty="0" err="1"/>
+              <a:t>Jupyter</a:t>
+            </a:r>
+            <a:r>
+              <a:rPr lang="en-US" dirty="0"/>
+              <a:t> notebooks</a:t>
             </a:r>
           </a:p>
         </p:txBody>
@@ -10758,7 +10657,7 @@
           <p:cNvPr id="3" name="Content Placeholder 2">
             <a:extLst>
               <a:ext uri="{FF2B5EF4-FFF2-40B4-BE49-F238E27FC236}">
-                <a16:creationId xmlns:a16="http://schemas.microsoft.com/office/drawing/2014/main" id="{E77B46AA-44D3-F27C-F535-2F68FAE575D0}"/>
+                <a16:creationId xmlns:a16="http://schemas.microsoft.com/office/drawing/2014/main" id="{E1076D7A-4C21-B8C1-0B36-BC5C121B7E20}"/>
               </a:ext>
             </a:extLst>
           </p:cNvPr>
@@ -10775,58 +10674,112 @@
           <a:lstStyle/>
           <a:p>
             <a:r>
-              <a:rPr lang="en-US" dirty="0"/>
-              <a:t>Automate as much as possible</a:t>
-            </a:r>
-          </a:p>
-          <a:p>
-            <a:r>
-              <a:rPr lang="en-US" dirty="0"/>
-              <a:t>Build dates, user, system name, git hashes, configuration data in file headers</a:t>
+              <a:rPr lang="en-US" dirty="0" err="1"/>
+              <a:t>Jupyter</a:t>
+            </a:r>
+            <a:r>
+              <a:rPr lang="en-US" dirty="0"/>
+              <a:t> notebook can put context &amp; metadata next to data</a:t>
             </a:r>
           </a:p>
           <a:p>
             <a:pPr lvl="1"/>
             <a:r>
               <a:rPr lang="en-US" dirty="0"/>
-              <a:t>Self-documenting files</a:t>
-            </a:r>
-          </a:p>
-          <a:p>
-            <a:r>
-              <a:rPr lang="en-US" dirty="0"/>
-              <a:t>Build &amp; job logs</a:t>
+              <a:t>High-level design &amp; motivation up top</a:t>
             </a:r>
           </a:p>
           <a:p>
             <a:pPr lvl="1"/>
             <a:r>
               <a:rPr lang="en-US" dirty="0"/>
-              <a:t>Software environment info (e.g., modules, </a:t>
-            </a:r>
-            <a:r>
-              <a:rPr lang="en-US" dirty="0" err="1">
-                <a:latin typeface="American Typewriter" panose="02090604020004020304"/>
+              <a:t>Low-level lab notes for acquiring data</a:t>
+            </a:r>
+          </a:p>
+          <a:p>
+            <a:pPr lvl="1"/>
+            <a:r>
+              <a:rPr lang="en-US" dirty="0"/>
+              <a:t>Load &amp; use data</a:t>
+            </a:r>
+          </a:p>
+          <a:p>
+            <a:pPr lvl="1"/>
+            <a:r>
+              <a:rPr lang="en-US" dirty="0"/>
+              <a:t>Generate visualizations in place</a:t>
+            </a:r>
+          </a:p>
+          <a:p>
+            <a:pPr lvl="1"/>
+            <a:r>
+              <a:rPr lang="en-US" dirty="0"/>
+              <a:t>Comment on results</a:t>
+            </a:r>
+          </a:p>
+          <a:p>
+            <a:r>
+              <a:rPr lang="en-US" dirty="0"/>
+              <a:t>Where do notebooks fit into the documentation hierarchy?</a:t>
+            </a:r>
+          </a:p>
+          <a:p>
+            <a:r>
+              <a:rPr lang="en-US" dirty="0"/>
+              <a:t>Repetitive use of notebook?</a:t>
+            </a:r>
+          </a:p>
+          <a:p>
+            <a:pPr lvl="1"/>
+            <a:r>
+              <a:rPr lang="en-US" dirty="0"/>
+              <a:t>Limit amount of code in notebook</a:t>
+            </a:r>
+          </a:p>
+          <a:p>
+            <a:pPr marL="0" indent="0">
+              <a:buNone/>
+            </a:pPr>
+            <a:endParaRPr lang="en-US" dirty="0"/>
+          </a:p>
+        </p:txBody>
+      </p:sp>
+      <p:sp>
+        <p:nvSpPr>
+          <p:cNvPr id="4" name="Text Placeholder 3">
+            <a:extLst>
+              <a:ext uri="{FF2B5EF4-FFF2-40B4-BE49-F238E27FC236}">
+                <a16:creationId xmlns:a16="http://schemas.microsoft.com/office/drawing/2014/main" id="{6A0893C9-E9DD-4083-137F-7A971294B14D}"/>
+              </a:ext>
+            </a:extLst>
+          </p:cNvPr>
+          <p:cNvSpPr>
+            <a:spLocks noGrp="1"/>
+          </p:cNvSpPr>
+          <p:nvPr>
+            <p:ph type="body" sz="quarter" idx="4294967295"/>
+          </p:nvPr>
+        </p:nvSpPr>
+        <p:spPr>
+          <a:xfrm>
+            <a:off x="365760" y="1019393"/>
+            <a:ext cx="11160125" cy="500063"/>
+          </a:xfrm>
+        </p:spPr>
+        <p:txBody>
+          <a:bodyPr/>
+          <a:lstStyle/>
+          <a:p>
+            <a:pPr marL="0" indent="0">
+              <a:buNone/>
+            </a:pPr>
+            <a:r>
+              <a:rPr lang="en-US" b="1" dirty="0">
+                <a:solidFill>
+                  <a:schemeClr val="tx2"/>
+                </a:solidFill>
               </a:rPr>
-              <a:t>ldd</a:t>
-            </a:r>
-            <a:r>
-              <a:rPr lang="en-US" dirty="0"/>
-              <a:t> output)</a:t>
-            </a:r>
-          </a:p>
-          <a:p>
-            <a:pPr lvl="1"/>
-            <a:r>
-              <a:rPr lang="en-US" dirty="0"/>
-              <a:t>git diffs</a:t>
-            </a:r>
-          </a:p>
-          <a:p>
-            <a:pPr lvl="1"/>
-            <a:r>
-              <a:rPr lang="en-US" dirty="0"/>
-              <a:t>Environment variables</a:t>
+              <a:t>The exception to the rule?</a:t>
             </a:r>
           </a:p>
         </p:txBody>
@@ -10834,7 +10787,7 @@
     </p:spTree>
     <p:extLst>
       <p:ext uri="{BB962C8B-B14F-4D97-AF65-F5344CB8AC3E}">
-        <p14:creationId xmlns:p14="http://schemas.microsoft.com/office/powerpoint/2010/main" val="3023913539"/>
+        <p14:creationId xmlns:p14="http://schemas.microsoft.com/office/powerpoint/2010/main" val="3842434103"/>
       </p:ext>
     </p:extLst>
   </p:cSld>
@@ -10866,7 +10819,7 @@
           <p:cNvPr id="2" name="Title 1">
             <a:extLst>
               <a:ext uri="{FF2B5EF4-FFF2-40B4-BE49-F238E27FC236}">
-                <a16:creationId xmlns:a16="http://schemas.microsoft.com/office/drawing/2014/main" id="{982A7D5F-8954-D467-6CF2-B5D266517268}"/>
+                <a16:creationId xmlns:a16="http://schemas.microsoft.com/office/drawing/2014/main" id="{A02A5748-338E-6BEC-6A08-75FF57B258D4}"/>
               </a:ext>
             </a:extLst>
           </p:cNvPr>
@@ -10883,12 +10836,8 @@
           <a:lstStyle/>
           <a:p>
             <a:r>
-              <a:rPr lang="en-US" dirty="0" err="1"/>
-              <a:t>Jupyter</a:t>
-            </a:r>
-            <a:r>
-              <a:rPr lang="en-US" dirty="0"/>
-              <a:t> notebooks</a:t>
+              <a:rPr lang="en-US" dirty="0"/>
+              <a:t>How to organize your “virtual” (multi-stream) lab notebook?</a:t>
             </a:r>
           </a:p>
         </p:txBody>
@@ -10898,7 +10847,7 @@
           <p:cNvPr id="3" name="Content Placeholder 2">
             <a:extLst>
               <a:ext uri="{FF2B5EF4-FFF2-40B4-BE49-F238E27FC236}">
-                <a16:creationId xmlns:a16="http://schemas.microsoft.com/office/drawing/2014/main" id="{E1076D7A-4C21-B8C1-0B36-BC5C121B7E20}"/>
+                <a16:creationId xmlns:a16="http://schemas.microsoft.com/office/drawing/2014/main" id="{97FF6560-002E-5313-38E2-48F067135E52}"/>
               </a:ext>
             </a:extLst>
           </p:cNvPr>
@@ -10909,126 +10858,105 @@
             <p:ph idx="1"/>
           </p:nvPr>
         </p:nvSpPr>
-        <p:spPr/>
+        <p:spPr>
+          <a:xfrm>
+            <a:off x="365760" y="1233504"/>
+            <a:ext cx="11369809" cy="4047778"/>
+          </a:xfrm>
+        </p:spPr>
         <p:txBody>
           <a:bodyPr/>
           <a:lstStyle/>
           <a:p>
             <a:r>
-              <a:rPr lang="en-US" dirty="0" err="1"/>
-              <a:t>Jupyter</a:t>
-            </a:r>
-            <a:r>
-              <a:rPr lang="en-US" dirty="0"/>
-              <a:t> notebook can put context &amp; metadata next to data</a:t>
+              <a:rPr lang="en-US" dirty="0"/>
+              <a:t>It should be</a:t>
             </a:r>
           </a:p>
           <a:p>
             <a:pPr lvl="1"/>
             <a:r>
               <a:rPr lang="en-US" dirty="0"/>
-              <a:t>High-level design &amp; motivation up top</a:t>
+              <a:t>Easy to create and maintain lab notes</a:t>
             </a:r>
           </a:p>
           <a:p>
             <a:pPr lvl="1"/>
             <a:r>
               <a:rPr lang="en-US" dirty="0"/>
-              <a:t>Low-level lab notes for acquiring data</a:t>
+              <a:t>Easy to concentrate more on executing work &amp; less on documenting it</a:t>
             </a:r>
           </a:p>
           <a:p>
             <a:pPr lvl="1"/>
             <a:r>
               <a:rPr lang="en-US" dirty="0"/>
-              <a:t>Load &amp; use data</a:t>
+              <a:t>Easy to find what you need</a:t>
+            </a:r>
+          </a:p>
+          <a:p>
+            <a:r>
+              <a:rPr lang="en-US" dirty="0"/>
+              <a:t>Each stream should</a:t>
             </a:r>
           </a:p>
           <a:p>
             <a:pPr lvl="1"/>
             <a:r>
               <a:rPr lang="en-US" dirty="0"/>
-              <a:t>Generate visualizations in place</a:t>
+              <a:t>Have a clear identity for what it records</a:t>
             </a:r>
           </a:p>
           <a:p>
             <a:pPr lvl="1"/>
             <a:r>
               <a:rPr lang="en-US" dirty="0"/>
-              <a:t>Comment on results</a:t>
-            </a:r>
-          </a:p>
-          <a:p>
-            <a:r>
-              <a:rPr lang="en-US" dirty="0"/>
-              <a:t>Where do notebooks fit into the documentation hierarchy?</a:t>
-            </a:r>
-          </a:p>
-          <a:p>
-            <a:r>
-              <a:rPr lang="en-US" dirty="0"/>
-              <a:t>Repetitive use of notebook?</a:t>
+              <a:t>Not contain notes contained in other streams</a:t>
             </a:r>
           </a:p>
           <a:p>
             <a:pPr lvl="1"/>
             <a:r>
               <a:rPr lang="en-US" dirty="0"/>
-              <a:t>Limit amount of code in notebook</a:t>
-            </a:r>
-          </a:p>
-          <a:p>
-            <a:pPr marL="0" indent="0">
+              <a:t>Be recorded by using the right tool for the job</a:t>
+            </a:r>
+          </a:p>
+          <a:p>
+            <a:pPr marL="378788" lvl="1" indent="0">
               <a:buNone/>
             </a:pPr>
             <a:endParaRPr lang="en-US" dirty="0"/>
           </a:p>
-        </p:txBody>
-      </p:sp>
-      <p:sp>
-        <p:nvSpPr>
-          <p:cNvPr id="4" name="Text Placeholder 3">
-            <a:extLst>
-              <a:ext uri="{FF2B5EF4-FFF2-40B4-BE49-F238E27FC236}">
-                <a16:creationId xmlns:a16="http://schemas.microsoft.com/office/drawing/2014/main" id="{6A0893C9-E9DD-4083-137F-7A971294B14D}"/>
-              </a:ext>
-            </a:extLst>
-          </p:cNvPr>
-          <p:cNvSpPr>
-            <a:spLocks noGrp="1"/>
-          </p:cNvSpPr>
-          <p:nvPr>
-            <p:ph type="body" sz="quarter" idx="4294967295"/>
-          </p:nvPr>
-        </p:nvSpPr>
-        <p:spPr>
-          <a:xfrm>
-            <a:off x="365760" y="1019393"/>
-            <a:ext cx="11160125" cy="500063"/>
-          </a:xfrm>
-        </p:spPr>
-        <p:txBody>
-          <a:bodyPr/>
-          <a:lstStyle/>
-          <a:p>
-            <a:pPr marL="0" indent="0">
+          <a:p>
+            <a:pPr marL="378788" lvl="1" indent="0" algn="ctr">
               <a:buNone/>
             </a:pPr>
             <a:r>
-              <a:rPr lang="en-US" b="1" dirty="0">
-                <a:solidFill>
-                  <a:schemeClr val="tx2"/>
-                </a:solidFill>
-              </a:rPr>
-              <a:t>The exception to the rule?</a:t>
-            </a:r>
+              <a:rPr lang="en-US" sz="2400" dirty="0"/>
+              <a:t>This implies the need for a documentation scheme.</a:t>
+            </a:r>
+          </a:p>
+          <a:p>
+            <a:pPr marL="378788" lvl="1" indent="0" algn="ctr">
+              <a:buNone/>
+            </a:pPr>
+            <a:r>
+              <a:rPr lang="en-US" sz="2400" dirty="0"/>
+              <a:t>Consider: design your lab notebooks into a larger execution environment.</a:t>
+            </a:r>
+          </a:p>
+          <a:p>
+            <a:pPr marL="378788" lvl="1" indent="0">
+              <a:buNone/>
+            </a:pPr>
+            <a:endParaRPr lang="en-US" dirty="0"/>
           </a:p>
         </p:txBody>
       </p:sp>
     </p:spTree>
     <p:extLst>
       <p:ext uri="{BB962C8B-B14F-4D97-AF65-F5344CB8AC3E}">
-        <p14:creationId xmlns:p14="http://schemas.microsoft.com/office/powerpoint/2010/main" val="3842434103"/>
+        <p14:creationId xmlns:p14="http://schemas.microsoft.com/office/powerpoint/2010/main" val="2397909454"/>
       </p:ext>
     </p:extLst>
   </p:cSld>
@@ -11060,7 +10988,7 @@
           <p:cNvPr id="2" name="Title 1">
             <a:extLst>
               <a:ext uri="{FF2B5EF4-FFF2-40B4-BE49-F238E27FC236}">
-                <a16:creationId xmlns:a16="http://schemas.microsoft.com/office/drawing/2014/main" id="{A02A5748-338E-6BEC-6A08-75FF57B258D4}"/>
+                <a16:creationId xmlns:a16="http://schemas.microsoft.com/office/drawing/2014/main" id="{1FAC2A80-D3DC-977C-1FB0-0763FA18DCA5}"/>
               </a:ext>
             </a:extLst>
           </p:cNvPr>
@@ -11078,7 +11006,7 @@
           <a:p>
             <a:r>
               <a:rPr lang="en-US" dirty="0"/>
-              <a:t>How to organize?</a:t>
+              <a:t>Summary</a:t>
             </a:r>
           </a:p>
         </p:txBody>
@@ -11088,7 +11016,7 @@
           <p:cNvPr id="3" name="Content Placeholder 2">
             <a:extLst>
               <a:ext uri="{FF2B5EF4-FFF2-40B4-BE49-F238E27FC236}">
-                <a16:creationId xmlns:a16="http://schemas.microsoft.com/office/drawing/2014/main" id="{97FF6560-002E-5313-38E2-48F067135E52}"/>
+                <a16:creationId xmlns:a16="http://schemas.microsoft.com/office/drawing/2014/main" id="{9EF6A4B5-7EA5-6DFC-5EAB-6002CEA1765C}"/>
               </a:ext>
             </a:extLst>
           </p:cNvPr>
@@ -11099,140 +11027,78 @@
             <p:ph idx="1"/>
           </p:nvPr>
         </p:nvSpPr>
-        <p:spPr/>
+        <p:spPr>
+          <a:xfrm>
+            <a:off x="365760" y="1230183"/>
+            <a:ext cx="11369809" cy="4047778"/>
+          </a:xfrm>
+        </p:spPr>
         <p:txBody>
           <a:bodyPr/>
           <a:lstStyle/>
           <a:p>
             <a:r>
               <a:rPr lang="en-US" dirty="0"/>
-              <a:t>It should be</a:t>
-            </a:r>
-          </a:p>
-          <a:p>
-            <a:pPr lvl="1"/>
-            <a:r>
-              <a:rPr lang="en-US" dirty="0"/>
-              <a:t>Easy to create and maintain lab notes</a:t>
-            </a:r>
-          </a:p>
-          <a:p>
-            <a:pPr lvl="1"/>
-            <a:r>
-              <a:rPr lang="en-US" dirty="0"/>
-              <a:t>Easy to concentrate more on executing work &amp; less on documenting it</a:t>
-            </a:r>
-          </a:p>
-          <a:p>
-            <a:pPr lvl="1"/>
-            <a:r>
-              <a:rPr lang="en-US" dirty="0"/>
-              <a:t>Easy to find what you need</a:t>
-            </a:r>
-          </a:p>
-          <a:p>
-            <a:r>
-              <a:rPr lang="en-US" dirty="0"/>
-              <a:t>Each stream should</a:t>
-            </a:r>
-          </a:p>
-          <a:p>
-            <a:pPr lvl="1"/>
-            <a:r>
-              <a:rPr lang="en-US" dirty="0"/>
-              <a:t>Have a clear identity for what it records</a:t>
-            </a:r>
-          </a:p>
-          <a:p>
-            <a:pPr lvl="1"/>
-            <a:r>
-              <a:rPr lang="en-US" dirty="0"/>
-              <a:t>Not contain notes contained in other streams</a:t>
-            </a:r>
-          </a:p>
-          <a:p>
-            <a:pPr lvl="1"/>
-            <a:r>
-              <a:rPr lang="en-US" dirty="0"/>
-              <a:t>Be recorded by using the right tool for the job</a:t>
-            </a:r>
-          </a:p>
-          <a:p>
-            <a:pPr marL="378788" lvl="1" indent="0">
-              <a:buNone/>
-            </a:pPr>
+              <a:t>Software best practices are foundational science &amp; are mandatory</a:t>
+            </a:r>
+          </a:p>
+          <a:p>
+            <a:r>
+              <a:rPr lang="en-US" dirty="0"/>
+              <a:t>Knowledge management can improve science &amp; productivity</a:t>
+            </a:r>
+          </a:p>
+          <a:p>
+            <a:r>
+              <a:rPr lang="en-US" dirty="0"/>
+              <a:t>Productivity can arise from selflessness</a:t>
+            </a:r>
+          </a:p>
+          <a:p>
+            <a:r>
+              <a:rPr lang="en-US" dirty="0"/>
+              <a:t>Not all documents are alike</a:t>
+            </a:r>
+          </a:p>
+          <a:p>
+            <a:r>
+              <a:rPr lang="en-US" dirty="0"/>
+              <a:t>Not all lab notebooks are alike</a:t>
+            </a:r>
+          </a:p>
+          <a:p>
+            <a:r>
+              <a:rPr lang="en-US" dirty="0"/>
+              <a:t>Lab notebooks are mandatory</a:t>
+            </a:r>
+          </a:p>
+          <a:p>
+            <a:r>
+              <a:rPr lang="en-US" dirty="0"/>
+              <a:t>Lab notebooks allow for learning</a:t>
+            </a:r>
+          </a:p>
+          <a:p>
+            <a:r>
+              <a:rPr lang="en-US" dirty="0"/>
+              <a:t>Lab notebooks for CMSE are hard</a:t>
+            </a:r>
+          </a:p>
+          <a:p>
+            <a:r>
+              <a:rPr lang="en-US" dirty="0"/>
+              <a:t>We want to construct an execution environment</a:t>
+            </a:r>
+          </a:p>
+          <a:p>
             <a:endParaRPr lang="en-US" dirty="0"/>
-          </a:p>
-          <a:p>
-            <a:pPr marL="378788" lvl="1" indent="0" algn="ctr">
-              <a:buNone/>
-            </a:pPr>
-            <a:r>
-              <a:rPr lang="en-US" sz="2400" dirty="0"/>
-              <a:t>This implies the need for a documentation scheme.</a:t>
-            </a:r>
-          </a:p>
-          <a:p>
-            <a:pPr marL="378788" lvl="1" indent="0" algn="ctr">
-              <a:buNone/>
-            </a:pPr>
-            <a:r>
-              <a:rPr lang="en-US" sz="2400" dirty="0"/>
-              <a:t>Consider: design your lab notebooks into a larger execution environment.</a:t>
-            </a:r>
-          </a:p>
-          <a:p>
-            <a:pPr marL="378788" lvl="1" indent="0">
-              <a:buNone/>
-            </a:pPr>
-            <a:endParaRPr lang="en-US" dirty="0"/>
-          </a:p>
-        </p:txBody>
-      </p:sp>
-      <p:sp>
-        <p:nvSpPr>
-          <p:cNvPr id="4" name="Text Placeholder 3">
-            <a:extLst>
-              <a:ext uri="{FF2B5EF4-FFF2-40B4-BE49-F238E27FC236}">
-                <a16:creationId xmlns:a16="http://schemas.microsoft.com/office/drawing/2014/main" id="{6F31EF1E-2B7C-4250-8220-03CDA1DA078A}"/>
-              </a:ext>
-            </a:extLst>
-          </p:cNvPr>
-          <p:cNvSpPr>
-            <a:spLocks noGrp="1"/>
-          </p:cNvSpPr>
-          <p:nvPr>
-            <p:ph type="body" sz="quarter" idx="4294967295"/>
-          </p:nvPr>
-        </p:nvSpPr>
-        <p:spPr>
-          <a:xfrm>
-            <a:off x="365760" y="1031557"/>
-            <a:ext cx="11160125" cy="500063"/>
-          </a:xfrm>
-        </p:spPr>
-        <p:txBody>
-          <a:bodyPr/>
-          <a:lstStyle/>
-          <a:p>
-            <a:pPr marL="0" indent="0">
-              <a:buNone/>
-            </a:pPr>
-            <a:r>
-              <a:rPr lang="en-US" b="1" dirty="0">
-                <a:solidFill>
-                  <a:schemeClr val="tx2"/>
-                </a:solidFill>
-              </a:rPr>
-              <a:t>Virtual laboratory notebooks</a:t>
-            </a:r>
           </a:p>
         </p:txBody>
       </p:sp>
     </p:spTree>
     <p:extLst>
       <p:ext uri="{BB962C8B-B14F-4D97-AF65-F5344CB8AC3E}">
-        <p14:creationId xmlns:p14="http://schemas.microsoft.com/office/powerpoint/2010/main" val="2397909454"/>
+        <p14:creationId xmlns:p14="http://schemas.microsoft.com/office/powerpoint/2010/main" val="1043221574"/>
       </p:ext>
     </p:extLst>
   </p:cSld>
@@ -11264,7 +11130,7 @@
           <p:cNvPr id="2" name="Title 1">
             <a:extLst>
               <a:ext uri="{FF2B5EF4-FFF2-40B4-BE49-F238E27FC236}">
-                <a16:creationId xmlns:a16="http://schemas.microsoft.com/office/drawing/2014/main" id="{1FAC2A80-D3DC-977C-1FB0-0763FA18DCA5}"/>
+                <a16:creationId xmlns:a16="http://schemas.microsoft.com/office/drawing/2014/main" id="{CFF41FA5-42C6-DCF5-A690-885EE464A380}"/>
               </a:ext>
             </a:extLst>
           </p:cNvPr>
@@ -11282,8 +11148,42 @@
           <a:p>
             <a:r>
               <a:rPr lang="en-US" dirty="0"/>
-              <a:t>Summary</a:t>
-            </a:r>
+              <a:t>Resources</a:t>
+            </a:r>
+          </a:p>
+        </p:txBody>
+      </p:sp>
+      <p:sp>
+        <p:nvSpPr>
+          <p:cNvPr id="4" name="Text Placeholder 3">
+            <a:extLst>
+              <a:ext uri="{FF2B5EF4-FFF2-40B4-BE49-F238E27FC236}">
+                <a16:creationId xmlns:a16="http://schemas.microsoft.com/office/drawing/2014/main" id="{49678F5C-DBB4-4095-1037-155CD6B9295A}"/>
+              </a:ext>
+            </a:extLst>
+          </p:cNvPr>
+          <p:cNvSpPr>
+            <a:spLocks noGrp="1"/>
+          </p:cNvSpPr>
+          <p:nvPr>
+            <p:ph type="body" idx="1"/>
+          </p:nvPr>
+        </p:nvSpPr>
+        <p:spPr>
+          <a:xfrm>
+            <a:off x="457200" y="946949"/>
+            <a:ext cx="5588582" cy="821190"/>
+          </a:xfrm>
+        </p:spPr>
+        <p:txBody>
+          <a:bodyPr/>
+          <a:lstStyle/>
+          <a:p>
+            <a:r>
+              <a:rPr lang="en-US" b="1" dirty="0"/>
+              <a:t>A Sampling of Execution Environments</a:t>
+            </a:r>
+            <a:endParaRPr lang="en-US" dirty="0"/>
           </a:p>
         </p:txBody>
       </p:sp>
@@ -11292,7 +11192,7 @@
           <p:cNvPr id="3" name="Content Placeholder 2">
             <a:extLst>
               <a:ext uri="{FF2B5EF4-FFF2-40B4-BE49-F238E27FC236}">
-                <a16:creationId xmlns:a16="http://schemas.microsoft.com/office/drawing/2014/main" id="{9EF6A4B5-7EA5-6DFC-5EAB-6002CEA1765C}"/>
+                <a16:creationId xmlns:a16="http://schemas.microsoft.com/office/drawing/2014/main" id="{A0FB830B-A920-605F-D6B5-8AD108EDFB73}"/>
               </a:ext>
             </a:extLst>
           </p:cNvPr>
@@ -11300,13 +11200,13 @@
             <a:spLocks noGrp="1"/>
           </p:cNvSpPr>
           <p:nvPr>
-            <p:ph idx="1"/>
+            <p:ph sz="half" idx="2"/>
           </p:nvPr>
         </p:nvSpPr>
         <p:spPr>
           <a:xfrm>
-            <a:off x="365760" y="1230183"/>
-            <a:ext cx="11369809" cy="4047778"/>
+            <a:off x="457200" y="1768139"/>
+            <a:ext cx="5588582" cy="3373229"/>
           </a:xfrm>
         </p:spPr>
         <p:txBody>
@@ -11314,67 +11214,347 @@
           <a:lstStyle/>
           <a:p>
             <a:r>
-              <a:rPr lang="en-US" dirty="0"/>
-              <a:t>Software best practices are foundational science &amp; are mandatory</a:t>
-            </a:r>
-          </a:p>
-          <a:p>
-            <a:r>
-              <a:rPr lang="en-US" dirty="0"/>
-              <a:t>Knowledge management can improve science &amp; productivity</a:t>
-            </a:r>
-          </a:p>
-          <a:p>
-            <a:r>
-              <a:rPr lang="en-US" dirty="0"/>
-              <a:t>Productivity can arise from selflessness</a:t>
-            </a:r>
-          </a:p>
-          <a:p>
-            <a:r>
-              <a:rPr lang="en-US" dirty="0"/>
-              <a:t>Not all documents are alike</a:t>
-            </a:r>
-          </a:p>
-          <a:p>
-            <a:r>
-              <a:rPr lang="en-US" dirty="0"/>
-              <a:t>Not all lab notebooks are alike</a:t>
-            </a:r>
-          </a:p>
-          <a:p>
-            <a:r>
-              <a:rPr lang="en-US" dirty="0"/>
-              <a:t>Lab notebooks are mandatory</a:t>
-            </a:r>
-          </a:p>
-          <a:p>
-            <a:r>
-              <a:rPr lang="en-US" dirty="0"/>
-              <a:t>Lab notebooks allow for learning</a:t>
-            </a:r>
-          </a:p>
-          <a:p>
-            <a:r>
-              <a:rPr lang="en-US" dirty="0"/>
-              <a:t>Lab notebooks for CMSE are hard</a:t>
-            </a:r>
-          </a:p>
-          <a:p>
-            <a:r>
-              <a:rPr lang="en-US" dirty="0"/>
-              <a:t>We want to construct an execution environment</a:t>
-            </a:r>
-          </a:p>
-          <a:p>
-            <a:endParaRPr lang="en-US" dirty="0"/>
+              <a:rPr lang="en-US" sz="1800" dirty="0">
+                <a:hlinkClick r:id="rId2"/>
+              </a:rPr>
+              <a:t>ATPESC 2022 Laboratory Environment </a:t>
+            </a:r>
+            <a:r>
+              <a:rPr lang="en-US" sz="1800" dirty="0" err="1">
+                <a:hlinkClick r:id="rId2"/>
+              </a:rPr>
+              <a:t>BSSw</a:t>
+            </a:r>
+            <a:r>
+              <a:rPr lang="en-US" sz="1800" dirty="0">
+                <a:hlinkClick r:id="rId2"/>
+              </a:rPr>
+              <a:t> Tutorial</a:t>
+            </a:r>
+            <a:r>
+              <a:rPr lang="en-US" sz="1800" dirty="0"/>
+              <a:t> – </a:t>
+            </a:r>
+            <a:r>
+              <a:rPr lang="en-US" sz="1800" dirty="0">
+                <a:hlinkClick r:id="rId3"/>
+              </a:rPr>
+              <a:t>Example Repo</a:t>
+            </a:r>
+            <a:endParaRPr lang="en-US" sz="1800" dirty="0"/>
+          </a:p>
+          <a:p>
+            <a:r>
+              <a:rPr lang="en-US" sz="1800" dirty="0">
+                <a:hlinkClick r:id="rId4"/>
+              </a:rPr>
+              <a:t>Lab Notebooks for Computational Mathematics, Sciences &amp; Engineering</a:t>
+            </a:r>
+            <a:r>
+              <a:rPr lang="en-US" sz="1800" dirty="0"/>
+              <a:t>, Best Practices for HPC Software Developers webinar series, December 2022 </a:t>
+            </a:r>
+          </a:p>
+          <a:p>
+            <a:r>
+              <a:rPr lang="en-US" sz="1800" dirty="0">
+                <a:hlinkClick r:id="rId5"/>
+              </a:rPr>
+              <a:t>Popper</a:t>
+            </a:r>
+            <a:r>
+              <a:rPr lang="en-US" sz="1800" dirty="0"/>
+              <a:t> – 2018 </a:t>
+            </a:r>
+            <a:r>
+              <a:rPr lang="en-US" sz="1800" dirty="0" err="1"/>
+              <a:t>BSSw</a:t>
+            </a:r>
+            <a:r>
+              <a:rPr lang="en-US" sz="1800" dirty="0"/>
+              <a:t> Fellow </a:t>
+            </a:r>
+            <a:r>
+              <a:rPr lang="en-US" sz="1800" dirty="0">
+                <a:hlinkClick r:id="rId6"/>
+              </a:rPr>
+              <a:t>Ivo Jimenez</a:t>
+            </a:r>
+            <a:endParaRPr lang="en-US" sz="1800" dirty="0"/>
+          </a:p>
+          <a:p>
+            <a:r>
+              <a:rPr lang="en-US" sz="1800" dirty="0" err="1">
+                <a:hlinkClick r:id="rId7"/>
+              </a:rPr>
+              <a:t>FlashKit</a:t>
+            </a:r>
+            <a:r>
+              <a:rPr lang="en-US" sz="1800" dirty="0">
+                <a:hlinkClick r:id="rId7"/>
+              </a:rPr>
+              <a:t> </a:t>
+            </a:r>
+            <a:r>
+              <a:rPr lang="en-US" sz="1800" dirty="0"/>
+              <a:t> – Aaron </a:t>
+            </a:r>
+            <a:r>
+              <a:rPr lang="en-US" sz="1800" dirty="0" err="1"/>
+              <a:t>Lentner</a:t>
+            </a:r>
+            <a:r>
+              <a:rPr lang="en-US" sz="1800" dirty="0"/>
+              <a:t> (George Washington University)</a:t>
+            </a:r>
+          </a:p>
+          <a:p>
+            <a:r>
+              <a:rPr lang="en-US" sz="1800" dirty="0">
+                <a:hlinkClick r:id="rId8"/>
+              </a:rPr>
+              <a:t>Code Ocean</a:t>
+            </a:r>
+            <a:endParaRPr lang="en-US" sz="1800" dirty="0"/>
+          </a:p>
+          <a:p>
+            <a:r>
+              <a:rPr lang="en-US" sz="1800" dirty="0">
+                <a:hlinkClick r:id="rId9"/>
+              </a:rPr>
+              <a:t>Weight &amp; Biases</a:t>
+            </a:r>
+            <a:r>
+              <a:rPr lang="en-US" sz="1800" dirty="0"/>
+              <a:t> (machine learning)</a:t>
+            </a:r>
+          </a:p>
+          <a:p>
+            <a:endParaRPr lang="en-US" sz="1800" b="1" dirty="0"/>
+          </a:p>
+        </p:txBody>
+      </p:sp>
+      <p:sp>
+        <p:nvSpPr>
+          <p:cNvPr id="5" name="Text Placeholder 4">
+            <a:extLst>
+              <a:ext uri="{FF2B5EF4-FFF2-40B4-BE49-F238E27FC236}">
+                <a16:creationId xmlns:a16="http://schemas.microsoft.com/office/drawing/2014/main" id="{E50346AC-02FA-1690-303E-4F807157DF97}"/>
+              </a:ext>
+            </a:extLst>
+          </p:cNvPr>
+          <p:cNvSpPr>
+            <a:spLocks noGrp="1"/>
+          </p:cNvSpPr>
+          <p:nvPr>
+            <p:ph type="body" sz="quarter" idx="3"/>
+          </p:nvPr>
+        </p:nvSpPr>
+        <p:spPr>
+          <a:xfrm>
+            <a:off x="6218914" y="946949"/>
+            <a:ext cx="5531934" cy="821190"/>
+          </a:xfrm>
+        </p:spPr>
+        <p:txBody>
+          <a:bodyPr/>
+          <a:lstStyle/>
+          <a:p>
+            <a:r>
+              <a:rPr lang="en-US" dirty="0"/>
+              <a:t>References</a:t>
+            </a:r>
+            <a:r>
+              <a:rPr lang="en-US" b="1" dirty="0"/>
+              <a:t> from slides</a:t>
+            </a:r>
+          </a:p>
+        </p:txBody>
+      </p:sp>
+      <p:sp>
+        <p:nvSpPr>
+          <p:cNvPr id="6" name="Content Placeholder 5">
+            <a:extLst>
+              <a:ext uri="{FF2B5EF4-FFF2-40B4-BE49-F238E27FC236}">
+                <a16:creationId xmlns:a16="http://schemas.microsoft.com/office/drawing/2014/main" id="{8F44AC7F-1ED7-F77E-2D96-B05454F0A113}"/>
+              </a:ext>
+            </a:extLst>
+          </p:cNvPr>
+          <p:cNvSpPr>
+            <a:spLocks noGrp="1"/>
+          </p:cNvSpPr>
+          <p:nvPr>
+            <p:ph sz="quarter" idx="4"/>
+          </p:nvPr>
+        </p:nvSpPr>
+        <p:spPr>
+          <a:xfrm>
+            <a:off x="6218914" y="1768139"/>
+            <a:ext cx="5531934" cy="3373229"/>
+          </a:xfrm>
+        </p:spPr>
+        <p:txBody>
+          <a:bodyPr/>
+          <a:lstStyle/>
+          <a:p>
+            <a:pPr>
+              <a:spcBef>
+                <a:spcPts val="400"/>
+              </a:spcBef>
+            </a:pPr>
+            <a:r>
+              <a:rPr lang="en-US" sz="1800" dirty="0"/>
+              <a:t>Howard M. </a:t>
+            </a:r>
+            <a:r>
+              <a:rPr lang="en-US" sz="1800" dirty="0" err="1"/>
+              <a:t>Kanare</a:t>
+            </a:r>
+            <a:r>
+              <a:rPr lang="en-US" sz="1800" dirty="0"/>
+              <a:t>, </a:t>
+            </a:r>
+            <a:r>
+              <a:rPr lang="en-US" sz="1800" i="1" dirty="0">
+                <a:hlinkClick r:id="rId10"/>
+              </a:rPr>
+              <a:t>Writing the Laboratory Notebook</a:t>
+            </a:r>
+            <a:r>
+              <a:rPr lang="en-US" sz="1800" i="1" dirty="0"/>
+              <a:t>. </a:t>
+            </a:r>
+            <a:r>
+              <a:rPr lang="en-US" sz="1800" dirty="0"/>
+              <a:t>American Chemical Society, Washington, D.C., 1985.</a:t>
+            </a:r>
+          </a:p>
+          <a:p>
+            <a:pPr>
+              <a:spcBef>
+                <a:spcPts val="400"/>
+              </a:spcBef>
+            </a:pPr>
+            <a:r>
+              <a:rPr lang="en-US" sz="1800" dirty="0"/>
+              <a:t>Carlo Graziani, </a:t>
+            </a:r>
+            <a:r>
+              <a:rPr lang="en-US" sz="1800" i="1" dirty="0"/>
+              <a:t>HPC and the Lab Manager</a:t>
+            </a:r>
+            <a:r>
+              <a:rPr lang="en-US" sz="1800" dirty="0"/>
+              <a:t>.  </a:t>
+            </a:r>
+            <a:r>
+              <a:rPr lang="en-US" sz="1800" b="1" dirty="0"/>
+              <a:t>Better Scientific Software</a:t>
+            </a:r>
+            <a:r>
+              <a:rPr lang="en-US" sz="1800" dirty="0"/>
+              <a:t>. </a:t>
+            </a:r>
+            <a:r>
+              <a:rPr lang="en-US" sz="1800" dirty="0">
+                <a:hlinkClick r:id="rId11"/>
+              </a:rPr>
+              <a:t>https://bssw.io/blog_posts/hpc-and-the-lab-manager</a:t>
+            </a:r>
+            <a:r>
+              <a:rPr lang="en-US" sz="1800" dirty="0"/>
+              <a:t>. Nov 17, 2021.</a:t>
+            </a:r>
+          </a:p>
+          <a:p>
+            <a:pPr>
+              <a:spcBef>
+                <a:spcPts val="400"/>
+              </a:spcBef>
+            </a:pPr>
+            <a:r>
+              <a:rPr lang="en-US" sz="1800" dirty="0"/>
+              <a:t>Katherine Riley, </a:t>
+            </a:r>
+            <a:r>
+              <a:rPr lang="en-US" sz="1800" i="1" dirty="0"/>
+              <a:t>What All Codes Should Do: Best Practices</a:t>
+            </a:r>
+            <a:r>
+              <a:rPr lang="en-US" sz="1800" dirty="0"/>
+              <a:t>. ATPESC 2019 presentation.  Retrieved from </a:t>
+            </a:r>
+            <a:r>
+              <a:rPr lang="en-US" sz="1800" dirty="0">
+                <a:hlinkClick r:id="rId12"/>
+              </a:rPr>
+              <a:t>YouTube</a:t>
+            </a:r>
+            <a:r>
+              <a:rPr lang="en-US" sz="1800" dirty="0"/>
+              <a:t>. Nov 5, 2019.</a:t>
+            </a:r>
+          </a:p>
+          <a:p>
+            <a:pPr>
+              <a:spcBef>
+                <a:spcPts val="400"/>
+              </a:spcBef>
+            </a:pPr>
+            <a:r>
+              <a:rPr lang="en-US" sz="1800" dirty="0"/>
+              <a:t>DIKW pyramid. 2022, August 4.  In </a:t>
+            </a:r>
+            <a:r>
+              <a:rPr lang="en-US" sz="1800" i="1" dirty="0"/>
+              <a:t>Wikipedia. </a:t>
+            </a:r>
+            <a:r>
+              <a:rPr lang="en-US" sz="1800" i="1" dirty="0">
+                <a:hlinkClick r:id="rId13"/>
+              </a:rPr>
+              <a:t>https://en.wikipedia.org/wiki/DIKW_pyramid</a:t>
+            </a:r>
+            <a:r>
+              <a:rPr lang="en-US" sz="1800" i="1" dirty="0"/>
+              <a:t>.</a:t>
+            </a:r>
+          </a:p>
+          <a:p>
+            <a:pPr>
+              <a:spcBef>
+                <a:spcPts val="400"/>
+              </a:spcBef>
+            </a:pPr>
+            <a:r>
+              <a:rPr lang="en-US" sz="1800" dirty="0"/>
+              <a:t>Roberta Kwok, </a:t>
+            </a:r>
+            <a:r>
+              <a:rPr lang="en-US" sz="1800" i="1" dirty="0">
+                <a:hlinkClick r:id="rId14"/>
+              </a:rPr>
+              <a:t>How to pick an electronic laboratory notebook</a:t>
+            </a:r>
+            <a:r>
+              <a:rPr lang="en-US" sz="1800" i="1" dirty="0"/>
+              <a:t>.  </a:t>
+            </a:r>
+            <a:r>
+              <a:rPr lang="en-US" sz="1800" b="1" dirty="0"/>
+              <a:t>Nature </a:t>
+            </a:r>
+            <a:r>
+              <a:rPr lang="en-US" sz="1800" dirty="0"/>
+              <a:t>560, pp. 269-270, Aug 6, 2018.</a:t>
+            </a:r>
           </a:p>
         </p:txBody>
       </p:sp>
     </p:spTree>
     <p:extLst>
       <p:ext uri="{BB962C8B-B14F-4D97-AF65-F5344CB8AC3E}">
-        <p14:creationId xmlns:p14="http://schemas.microsoft.com/office/powerpoint/2010/main" val="1043221574"/>
+        <p14:creationId xmlns:p14="http://schemas.microsoft.com/office/powerpoint/2010/main" val="1016376094"/>
       </p:ext>
     </p:extLst>
   </p:cSld>
@@ -11488,430 +11668,6 @@
     <p:extLst>
       <p:ext uri="{BB962C8B-B14F-4D97-AF65-F5344CB8AC3E}">
         <p14:creationId xmlns:p14="http://schemas.microsoft.com/office/powerpoint/2010/main" val="3036165320"/>
-      </p:ext>
-    </p:extLst>
-  </p:cSld>
-  <p:clrMapOvr>
-    <a:masterClrMapping/>
-  </p:clrMapOvr>
-</p:sld>
-</file>
-
-<file path=ppt/slides/slide30.xml><?xml version="1.0" encoding="utf-8"?>
-<p:sld xmlns:a="http://schemas.openxmlformats.org/drawingml/2006/main" xmlns:r="http://schemas.openxmlformats.org/officeDocument/2006/relationships" xmlns:p="http://schemas.openxmlformats.org/presentationml/2006/main">
-  <p:cSld>
-    <p:spTree>
-      <p:nvGrpSpPr>
-        <p:cNvPr id="1" name=""/>
-        <p:cNvGrpSpPr/>
-        <p:nvPr/>
-      </p:nvGrpSpPr>
-      <p:grpSpPr>
-        <a:xfrm>
-          <a:off x="0" y="0"/>
-          <a:ext cx="0" cy="0"/>
-          <a:chOff x="0" y="0"/>
-          <a:chExt cx="0" cy="0"/>
-        </a:xfrm>
-      </p:grpSpPr>
-      <p:sp>
-        <p:nvSpPr>
-          <p:cNvPr id="2" name="Title 1">
-            <a:extLst>
-              <a:ext uri="{FF2B5EF4-FFF2-40B4-BE49-F238E27FC236}">
-                <a16:creationId xmlns:a16="http://schemas.microsoft.com/office/drawing/2014/main" id="{CFF41FA5-42C6-DCF5-A690-885EE464A380}"/>
-              </a:ext>
-            </a:extLst>
-          </p:cNvPr>
-          <p:cNvSpPr>
-            <a:spLocks noGrp="1"/>
-          </p:cNvSpPr>
-          <p:nvPr>
-            <p:ph type="title"/>
-          </p:nvPr>
-        </p:nvSpPr>
-        <p:spPr/>
-        <p:txBody>
-          <a:bodyPr/>
-          <a:lstStyle/>
-          <a:p>
-            <a:r>
-              <a:rPr lang="en-US" dirty="0"/>
-              <a:t>Resources</a:t>
-            </a:r>
-          </a:p>
-        </p:txBody>
-      </p:sp>
-      <p:sp>
-        <p:nvSpPr>
-          <p:cNvPr id="4" name="Text Placeholder 3">
-            <a:extLst>
-              <a:ext uri="{FF2B5EF4-FFF2-40B4-BE49-F238E27FC236}">
-                <a16:creationId xmlns:a16="http://schemas.microsoft.com/office/drawing/2014/main" id="{49678F5C-DBB4-4095-1037-155CD6B9295A}"/>
-              </a:ext>
-            </a:extLst>
-          </p:cNvPr>
-          <p:cNvSpPr>
-            <a:spLocks noGrp="1"/>
-          </p:cNvSpPr>
-          <p:nvPr>
-            <p:ph type="body" idx="1"/>
-          </p:nvPr>
-        </p:nvSpPr>
-        <p:spPr>
-          <a:xfrm>
-            <a:off x="457200" y="946949"/>
-            <a:ext cx="5588582" cy="821190"/>
-          </a:xfrm>
-        </p:spPr>
-        <p:txBody>
-          <a:bodyPr/>
-          <a:lstStyle/>
-          <a:p>
-            <a:r>
-              <a:rPr lang="en-US" b="1" dirty="0"/>
-              <a:t>A Sampling of Execution Environments</a:t>
-            </a:r>
-            <a:endParaRPr lang="en-US" dirty="0"/>
-          </a:p>
-        </p:txBody>
-      </p:sp>
-      <p:sp>
-        <p:nvSpPr>
-          <p:cNvPr id="3" name="Content Placeholder 2">
-            <a:extLst>
-              <a:ext uri="{FF2B5EF4-FFF2-40B4-BE49-F238E27FC236}">
-                <a16:creationId xmlns:a16="http://schemas.microsoft.com/office/drawing/2014/main" id="{A0FB830B-A920-605F-D6B5-8AD108EDFB73}"/>
-              </a:ext>
-            </a:extLst>
-          </p:cNvPr>
-          <p:cNvSpPr>
-            <a:spLocks noGrp="1"/>
-          </p:cNvSpPr>
-          <p:nvPr>
-            <p:ph sz="half" idx="2"/>
-          </p:nvPr>
-        </p:nvSpPr>
-        <p:spPr>
-          <a:xfrm>
-            <a:off x="457200" y="1768139"/>
-            <a:ext cx="5588582" cy="3373229"/>
-          </a:xfrm>
-        </p:spPr>
-        <p:txBody>
-          <a:bodyPr/>
-          <a:lstStyle/>
-          <a:p>
-            <a:r>
-              <a:rPr lang="en-US" sz="1800" dirty="0">
-                <a:hlinkClick r:id="rId2"/>
-              </a:rPr>
-              <a:t>ATPESC 2022 Laboratory Environment BSSW Tutorial</a:t>
-            </a:r>
-            <a:r>
-              <a:rPr lang="en-US" sz="1800" dirty="0"/>
-              <a:t> – </a:t>
-            </a:r>
-            <a:r>
-              <a:rPr lang="en-US" sz="1800" dirty="0">
-                <a:hlinkClick r:id="rId3"/>
-              </a:rPr>
-              <a:t>Example Repo</a:t>
-            </a:r>
-            <a:endParaRPr lang="en-US" sz="1800" dirty="0"/>
-          </a:p>
-          <a:p>
-            <a:r>
-              <a:rPr lang="en-US" sz="1800" dirty="0">
-                <a:hlinkClick r:id="rId4"/>
-              </a:rPr>
-              <a:t>Popper</a:t>
-            </a:r>
-            <a:r>
-              <a:rPr lang="en-US" sz="1800" dirty="0"/>
-              <a:t> – 2018 BSSW Fellow </a:t>
-            </a:r>
-            <a:r>
-              <a:rPr lang="en-US" sz="1800" dirty="0">
-                <a:hlinkClick r:id="rId5"/>
-              </a:rPr>
-              <a:t>Ivo Jimenez</a:t>
-            </a:r>
-            <a:endParaRPr lang="en-US" sz="1800" dirty="0"/>
-          </a:p>
-          <a:p>
-            <a:r>
-              <a:rPr lang="en-US" sz="1800" dirty="0" err="1">
-                <a:hlinkClick r:id="rId6"/>
-              </a:rPr>
-              <a:t>FlashKit</a:t>
-            </a:r>
-            <a:r>
-              <a:rPr lang="en-US" sz="1800" dirty="0">
-                <a:hlinkClick r:id="rId6"/>
-              </a:rPr>
-              <a:t> </a:t>
-            </a:r>
-            <a:r>
-              <a:rPr lang="en-US" sz="1800" dirty="0"/>
-              <a:t> – Aaron </a:t>
-            </a:r>
-            <a:r>
-              <a:rPr lang="en-US" sz="1800" dirty="0" err="1"/>
-              <a:t>Lentner</a:t>
-            </a:r>
-            <a:r>
-              <a:rPr lang="en-US" sz="1800" dirty="0"/>
-              <a:t> (George Washington University)</a:t>
-            </a:r>
-          </a:p>
-          <a:p>
-            <a:r>
-              <a:rPr lang="en-US" sz="1800" dirty="0">
-                <a:hlinkClick r:id="rId7"/>
-              </a:rPr>
-              <a:t>Code Ocean</a:t>
-            </a:r>
-            <a:endParaRPr lang="en-US" sz="1800" dirty="0"/>
-          </a:p>
-          <a:p>
-            <a:r>
-              <a:rPr lang="en-US" sz="1800" dirty="0">
-                <a:hlinkClick r:id="rId8"/>
-              </a:rPr>
-              <a:t>Weight &amp; Biases</a:t>
-            </a:r>
-            <a:r>
-              <a:rPr lang="en-US" sz="1800" dirty="0"/>
-              <a:t> (ML)</a:t>
-            </a:r>
-          </a:p>
-          <a:p>
-            <a:endParaRPr lang="en-US" sz="1800" b="1" dirty="0"/>
-          </a:p>
-        </p:txBody>
-      </p:sp>
-      <p:sp>
-        <p:nvSpPr>
-          <p:cNvPr id="5" name="Text Placeholder 4">
-            <a:extLst>
-              <a:ext uri="{FF2B5EF4-FFF2-40B4-BE49-F238E27FC236}">
-                <a16:creationId xmlns:a16="http://schemas.microsoft.com/office/drawing/2014/main" id="{E50346AC-02FA-1690-303E-4F807157DF97}"/>
-              </a:ext>
-            </a:extLst>
-          </p:cNvPr>
-          <p:cNvSpPr>
-            <a:spLocks noGrp="1"/>
-          </p:cNvSpPr>
-          <p:nvPr>
-            <p:ph type="body" sz="quarter" idx="3"/>
-          </p:nvPr>
-        </p:nvSpPr>
-        <p:spPr>
-          <a:xfrm>
-            <a:off x="6218914" y="946949"/>
-            <a:ext cx="5531934" cy="821190"/>
-          </a:xfrm>
-        </p:spPr>
-        <p:txBody>
-          <a:bodyPr/>
-          <a:lstStyle/>
-          <a:p>
-            <a:r>
-              <a:rPr lang="en-US" dirty="0"/>
-              <a:t>References</a:t>
-            </a:r>
-            <a:r>
-              <a:rPr lang="en-US" b="1" dirty="0"/>
-              <a:t> from slides</a:t>
-            </a:r>
-          </a:p>
-        </p:txBody>
-      </p:sp>
-      <p:sp>
-        <p:nvSpPr>
-          <p:cNvPr id="6" name="Content Placeholder 5">
-            <a:extLst>
-              <a:ext uri="{FF2B5EF4-FFF2-40B4-BE49-F238E27FC236}">
-                <a16:creationId xmlns:a16="http://schemas.microsoft.com/office/drawing/2014/main" id="{8F44AC7F-1ED7-F77E-2D96-B05454F0A113}"/>
-              </a:ext>
-            </a:extLst>
-          </p:cNvPr>
-          <p:cNvSpPr>
-            <a:spLocks noGrp="1"/>
-          </p:cNvSpPr>
-          <p:nvPr>
-            <p:ph sz="quarter" idx="4"/>
-          </p:nvPr>
-        </p:nvSpPr>
-        <p:spPr>
-          <a:xfrm>
-            <a:off x="6218914" y="1768139"/>
-            <a:ext cx="5531934" cy="3373229"/>
-          </a:xfrm>
-        </p:spPr>
-        <p:txBody>
-          <a:bodyPr/>
-          <a:lstStyle/>
-          <a:p>
-            <a:pPr>
-              <a:spcBef>
-                <a:spcPts val="400"/>
-              </a:spcBef>
-            </a:pPr>
-            <a:r>
-              <a:rPr lang="en-US" sz="1800" dirty="0"/>
-              <a:t>Carlo Graziani, </a:t>
-            </a:r>
-            <a:r>
-              <a:rPr lang="en-US" sz="1800" i="1" dirty="0"/>
-              <a:t>HPC and the Lab Manager</a:t>
-            </a:r>
-            <a:r>
-              <a:rPr lang="en-US" sz="1800" dirty="0"/>
-              <a:t>.  </a:t>
-            </a:r>
-            <a:r>
-              <a:rPr lang="en-US" sz="1800" b="1" dirty="0"/>
-              <a:t>Better Scientific Software</a:t>
-            </a:r>
-            <a:r>
-              <a:rPr lang="en-US" sz="1800" dirty="0"/>
-              <a:t>. </a:t>
-            </a:r>
-            <a:r>
-              <a:rPr lang="en-US" sz="1800" dirty="0">
-                <a:hlinkClick r:id="rId9"/>
-              </a:rPr>
-              <a:t>https://bssw.io/blog_posts/hpc-and-the-lab-manager</a:t>
-            </a:r>
-            <a:r>
-              <a:rPr lang="en-US" sz="1800" dirty="0"/>
-              <a:t>. Nov 17, 2021.</a:t>
-            </a:r>
-          </a:p>
-          <a:p>
-            <a:pPr>
-              <a:spcBef>
-                <a:spcPts val="400"/>
-              </a:spcBef>
-            </a:pPr>
-            <a:r>
-              <a:rPr lang="en-US" sz="1800" dirty="0"/>
-              <a:t>Katherine Riley, </a:t>
-            </a:r>
-            <a:r>
-              <a:rPr lang="en-US" sz="1800" i="1" dirty="0"/>
-              <a:t>What All Codes Should Do: Best Practices</a:t>
-            </a:r>
-            <a:r>
-              <a:rPr lang="en-US" sz="1800" dirty="0"/>
-              <a:t>. ATPESC 2019 presentation.  Retrieved from </a:t>
-            </a:r>
-            <a:r>
-              <a:rPr lang="en-US" sz="1800" dirty="0">
-                <a:hlinkClick r:id="rId10"/>
-              </a:rPr>
-              <a:t>YouTube</a:t>
-            </a:r>
-            <a:r>
-              <a:rPr lang="en-US" sz="1800" dirty="0"/>
-              <a:t>. Nov 5, 2019.</a:t>
-            </a:r>
-          </a:p>
-          <a:p>
-            <a:pPr>
-              <a:spcBef>
-                <a:spcPts val="400"/>
-              </a:spcBef>
-            </a:pPr>
-            <a:r>
-              <a:rPr lang="en-US" sz="1800" dirty="0"/>
-              <a:t>Howard M. </a:t>
-            </a:r>
-            <a:r>
-              <a:rPr lang="en-US" sz="1800" dirty="0" err="1"/>
-              <a:t>Kanare</a:t>
-            </a:r>
-            <a:r>
-              <a:rPr lang="en-US" sz="1800" dirty="0"/>
-              <a:t>, </a:t>
-            </a:r>
-            <a:r>
-              <a:rPr lang="en-US" sz="1800" i="1" dirty="0">
-                <a:hlinkClick r:id="rId11"/>
-              </a:rPr>
-              <a:t>Writing the Laboratory Notebook</a:t>
-            </a:r>
-            <a:r>
-              <a:rPr lang="en-US" sz="1800" i="1" dirty="0"/>
-              <a:t>. </a:t>
-            </a:r>
-            <a:r>
-              <a:rPr lang="en-US" sz="1800" dirty="0"/>
-              <a:t>American Chemical Society, Washington, D.C., 1985.</a:t>
-            </a:r>
-          </a:p>
-          <a:p>
-            <a:pPr>
-              <a:spcBef>
-                <a:spcPts val="400"/>
-              </a:spcBef>
-            </a:pPr>
-            <a:r>
-              <a:rPr lang="en-US" sz="1800" dirty="0"/>
-              <a:t>Roberta Kwok, </a:t>
-            </a:r>
-            <a:r>
-              <a:rPr lang="en-US" sz="1800" i="1" dirty="0">
-                <a:hlinkClick r:id="rId12"/>
-              </a:rPr>
-              <a:t>How to pick an electronic laboratory notebook</a:t>
-            </a:r>
-            <a:r>
-              <a:rPr lang="en-US" sz="1800" i="1" dirty="0"/>
-              <a:t>.  </a:t>
-            </a:r>
-            <a:r>
-              <a:rPr lang="en-US" sz="1800" b="1" dirty="0"/>
-              <a:t>Nature </a:t>
-            </a:r>
-            <a:r>
-              <a:rPr lang="en-US" sz="1800" dirty="0"/>
-              <a:t>560, pp. 269-270, Aug 6, 2018.</a:t>
-            </a:r>
-          </a:p>
-          <a:p>
-            <a:pPr>
-              <a:spcBef>
-                <a:spcPts val="400"/>
-              </a:spcBef>
-            </a:pPr>
-            <a:r>
-              <a:rPr lang="en-US" sz="1800" dirty="0"/>
-              <a:t>DIKW pyramid. 2022, August 4.  In </a:t>
-            </a:r>
-            <a:r>
-              <a:rPr lang="en-US" sz="1800" i="1" dirty="0"/>
-              <a:t>Wikipedia. </a:t>
-            </a:r>
-            <a:r>
-              <a:rPr lang="en-US" sz="1800" i="1" dirty="0">
-                <a:hlinkClick r:id="rId13"/>
-              </a:rPr>
-              <a:t>https://en.wikipedia.org/wiki/DIKW_pyramid</a:t>
-            </a:r>
-            <a:r>
-              <a:rPr lang="en-US" sz="1800" i="1" dirty="0"/>
-              <a:t>.</a:t>
-            </a:r>
-          </a:p>
-        </p:txBody>
-      </p:sp>
-    </p:spTree>
-    <p:extLst>
-      <p:ext uri="{BB962C8B-B14F-4D97-AF65-F5344CB8AC3E}">
-        <p14:creationId xmlns:p14="http://schemas.microsoft.com/office/powerpoint/2010/main" val="1016376094"/>
       </p:ext>
     </p:extLst>
   </p:cSld>
@@ -12686,46 +12442,6 @@
           </a:p>
         </p:txBody>
       </p:sp>
-      <p:sp>
-        <p:nvSpPr>
-          <p:cNvPr id="4" name="TextBox 3">
-            <a:extLst>
-              <a:ext uri="{FF2B5EF4-FFF2-40B4-BE49-F238E27FC236}">
-                <a16:creationId xmlns:a16="http://schemas.microsoft.com/office/drawing/2014/main" id="{F55B5B07-2D57-D639-458E-BFF94A99FE7A}"/>
-              </a:ext>
-            </a:extLst>
-          </p:cNvPr>
-          <p:cNvSpPr txBox="1"/>
-          <p:nvPr/>
-        </p:nvSpPr>
-        <p:spPr>
-          <a:xfrm>
-            <a:off x="2057954" y="5362946"/>
-            <a:ext cx="8072916" cy="517065"/>
-          </a:xfrm>
-          <a:prstGeom prst="rect">
-            <a:avLst/>
-          </a:prstGeom>
-          <a:noFill/>
-        </p:spPr>
-        <p:txBody>
-          <a:bodyPr wrap="none" lIns="118872" tIns="91440" rIns="118872" bIns="91440" rtlCol="0" anchor="ctr" anchorCtr="0">
-            <a:spAutoFit/>
-          </a:bodyPr>
-          <a:lstStyle/>
-          <a:p>
-            <a:pPr algn="l">
-              <a:lnSpc>
-                <a:spcPct val="90000"/>
-              </a:lnSpc>
-            </a:pPr>
-            <a:r>
-              <a:rPr lang="en-US" sz="2400" dirty="0"/>
-              <a:t>You can share knowledge; can you share understanding?</a:t>
-            </a:r>
-          </a:p>
-        </p:txBody>
-      </p:sp>
     </p:spTree>
     <p:extLst>
       <p:ext uri="{BB962C8B-B14F-4D97-AF65-F5344CB8AC3E}">
@@ -12857,8 +12573,8 @@
         </p:nvSpPr>
         <p:spPr>
           <a:xfrm>
-            <a:off x="992845" y="3391983"/>
-            <a:ext cx="9707880" cy="3093154"/>
+            <a:off x="992845" y="3357102"/>
+            <a:ext cx="9707880" cy="3162917"/>
           </a:xfrm>
           <a:prstGeom prst="rect">
             <a:avLst/>
@@ -12875,6 +12591,9 @@
               <a:lnSpc>
                 <a:spcPct val="90000"/>
               </a:lnSpc>
+              <a:spcBef>
+                <a:spcPts val="800"/>
+              </a:spcBef>
               <a:buFont typeface="Arial" panose="020B0604020202020204" pitchFamily="34" charset="0"/>
               <a:buChar char="•"/>
             </a:pPr>
@@ -12888,12 +12607,31 @@
               <a:lnSpc>
                 <a:spcPct val="90000"/>
               </a:lnSpc>
+              <a:spcBef>
+                <a:spcPts val="800"/>
+              </a:spcBef>
               <a:buFont typeface="Arial" panose="020B0604020202020204" pitchFamily="34" charset="0"/>
               <a:buChar char="•"/>
             </a:pPr>
             <a:r>
               <a:rPr lang="en-US" sz="2400" dirty="0"/>
               <a:t>Are there times when mere knowledge is sufficient?</a:t>
+            </a:r>
+          </a:p>
+          <a:p>
+            <a:pPr marL="742950" lvl="1" indent="-285750">
+              <a:lnSpc>
+                <a:spcPct val="90000"/>
+              </a:lnSpc>
+              <a:spcBef>
+                <a:spcPts val="800"/>
+              </a:spcBef>
+              <a:buFont typeface="Arial" panose="020B0604020202020204" pitchFamily="34" charset="0"/>
+              <a:buChar char="•"/>
+            </a:pPr>
+            <a:r>
+              <a:rPr lang="en-US" sz="2000" dirty="0"/>
+              <a:t>I don’t need to understand atmospheric science or weather prediction.  I just need basic knowledge to determine if I should take an umbrella with me.</a:t>
             </a:r>
           </a:p>
           <a:p>
@@ -12901,43 +12639,41 @@
               <a:lnSpc>
                 <a:spcPct val="90000"/>
               </a:lnSpc>
+              <a:spcBef>
+                <a:spcPts val="800"/>
+              </a:spcBef>
               <a:buFont typeface="Arial" panose="020B0604020202020204" pitchFamily="34" charset="0"/>
               <a:buChar char="•"/>
             </a:pPr>
-            <a:endParaRPr lang="en-US" sz="2400" dirty="0"/>
-          </a:p>
-          <a:p>
-            <a:pPr>
+            <a:r>
+              <a:rPr lang="en-US" sz="2400" dirty="0"/>
+              <a:t>Data, information, and knowledge are key ingredients in developing understanding</a:t>
+            </a:r>
+          </a:p>
+          <a:p>
+            <a:pPr marL="742950" lvl="1" indent="-285750">
               <a:lnSpc>
                 <a:spcPct val="90000"/>
               </a:lnSpc>
-            </a:pPr>
-            <a:endParaRPr lang="en-US" sz="2400" dirty="0"/>
-          </a:p>
-          <a:p>
-            <a:pPr algn="ctr">
-              <a:lnSpc>
-                <a:spcPct val="90000"/>
-              </a:lnSpc>
-            </a:pPr>
-            <a:r>
-              <a:rPr lang="en-US" sz="2400" dirty="0"/>
-              <a:t>I don’t need to understand atmospheric science or weather prediction.  I just need basic knowledge to determine if I should take an umbrella with me.</a:t>
-            </a:r>
-          </a:p>
-          <a:p>
-            <a:pPr>
-              <a:lnSpc>
-                <a:spcPct val="90000"/>
-              </a:lnSpc>
-            </a:pPr>
-            <a:endParaRPr lang="en-US" sz="2400" dirty="0"/>
+              <a:spcBef>
+                <a:spcPts val="800"/>
+              </a:spcBef>
+              <a:buFont typeface="Arial" panose="020B0604020202020204" pitchFamily="34" charset="0"/>
+              <a:buChar char="•"/>
+            </a:pPr>
+            <a:r>
+              <a:rPr lang="en-US" sz="2000" dirty="0"/>
+              <a:t>Need to manage all, appropriately</a:t>
+            </a:r>
           </a:p>
           <a:p>
             <a:pPr algn="l">
               <a:lnSpc>
                 <a:spcPct val="90000"/>
               </a:lnSpc>
+              <a:spcBef>
+                <a:spcPts val="800"/>
+              </a:spcBef>
             </a:pPr>
             <a:endParaRPr lang="en-US" dirty="0"/>
           </a:p>
@@ -12978,7 +12714,7 @@
           <p:cNvPr id="2" name="Title 1">
             <a:extLst>
               <a:ext uri="{FF2B5EF4-FFF2-40B4-BE49-F238E27FC236}">
-                <a16:creationId xmlns:a16="http://schemas.microsoft.com/office/drawing/2014/main" id="{4B0C36B9-6C84-3FAA-9EB8-F4892CA417F6}"/>
+                <a16:creationId xmlns:a16="http://schemas.microsoft.com/office/drawing/2014/main" id="{E542B024-8735-A0E3-7EDB-ED276763E02D}"/>
               </a:ext>
             </a:extLst>
           </p:cNvPr>
@@ -12996,12 +12732,8 @@
           <a:p>
             <a:r>
               <a:rPr lang="en-US" dirty="0"/>
-              <a:t>Sometimes we just want “good enough”</a:t>
-            </a:r>
-            <a:br>
-              <a:rPr lang="en-US" dirty="0"/>
-            </a:br>
-            <a:endParaRPr lang="en-US" dirty="0"/>
+              <a:t>Knowledge Management</a:t>
+            </a:r>
           </a:p>
         </p:txBody>
       </p:sp>
@@ -13010,7 +12742,7 @@
           <p:cNvPr id="3" name="Content Placeholder 2">
             <a:extLst>
               <a:ext uri="{FF2B5EF4-FFF2-40B4-BE49-F238E27FC236}">
-                <a16:creationId xmlns:a16="http://schemas.microsoft.com/office/drawing/2014/main" id="{91CD74C3-5BD5-8A90-67BE-B26792277680}"/>
+                <a16:creationId xmlns:a16="http://schemas.microsoft.com/office/drawing/2014/main" id="{B23602B9-E02D-3978-3DB6-3540696C46F2}"/>
               </a:ext>
             </a:extLst>
           </p:cNvPr>
@@ -13028,65 +12760,114 @@
           <a:p>
             <a:r>
               <a:rPr lang="en-US" dirty="0"/>
-              <a:t>Not every developer needs to be an expert in git</a:t>
-            </a:r>
-          </a:p>
-          <a:p>
-            <a:r>
-              <a:rPr lang="en-US" dirty="0"/>
-              <a:t>We want the people designing the rules of how we use and interact through git to have </a:t>
-            </a:r>
+              <a:t>DIKUW is related to knowledge management</a:t>
+            </a:r>
+          </a:p>
+          <a:p>
+            <a:r>
+              <a:rPr lang="en-US" dirty="0"/>
+              <a:t>We want to</a:t>
+            </a:r>
+          </a:p>
+          <a:p>
+            <a:pPr lvl="1"/>
             <a:r>
               <a:rPr lang="en-US" b="1" dirty="0"/>
-              <a:t>understanding</a:t>
-            </a:r>
-            <a:r>
-              <a:rPr lang="en-US" dirty="0"/>
-              <a:t> so that collaborating </a:t>
-            </a:r>
-            <a:r>
-              <a:rPr lang="en-US" i="1" dirty="0"/>
-              <a:t>via</a:t>
-            </a:r>
-            <a:r>
-              <a:rPr lang="en-US" dirty="0"/>
-              <a:t> git requires minimal git </a:t>
-            </a:r>
+              <a:t>Recognize</a:t>
+            </a:r>
+            <a:r>
+              <a:rPr lang="en-US" dirty="0"/>
+              <a:t> when we generate knowledge</a:t>
+            </a:r>
+          </a:p>
+          <a:p>
+            <a:pPr lvl="1"/>
             <a:r>
               <a:rPr lang="en-US" b="1" dirty="0"/>
-              <a:t>knowledge</a:t>
+              <a:t>Capture</a:t>
+            </a:r>
+            <a:r>
+              <a:rPr lang="en-US" dirty="0"/>
+              <a:t> and </a:t>
+            </a:r>
+            <a:r>
+              <a:rPr lang="en-US" b="1" dirty="0"/>
+              <a:t>preserve</a:t>
+            </a:r>
+            <a:r>
+              <a:rPr lang="en-US" dirty="0"/>
+              <a:t> that knowledge</a:t>
             </a:r>
           </a:p>
           <a:p>
             <a:pPr lvl="1"/>
             <a:r>
-              <a:rPr lang="en-US" dirty="0"/>
-              <a:t>git workflow should protect code so that we can’t do damage</a:t>
-            </a:r>
-          </a:p>
-          <a:p>
-            <a:pPr lvl="1"/>
-            <a:r>
-              <a:rPr lang="en-US" dirty="0"/>
-              <a:t>Focus on the development/testing and not on git</a:t>
-            </a:r>
-          </a:p>
-          <a:p>
-            <a:pPr lvl="1"/>
-            <a:r>
-              <a:rPr lang="en-US" dirty="0"/>
-              <a:t>Low barrier for newcomers</a:t>
-            </a:r>
-          </a:p>
-          <a:p>
+              <a:rPr lang="en-US" b="1" dirty="0"/>
+              <a:t>Communicate</a:t>
+            </a:r>
+            <a:r>
+              <a:rPr lang="en-US" dirty="0"/>
+              <a:t> that knowledge</a:t>
+            </a:r>
+          </a:p>
+          <a:p>
+            <a:r>
+              <a:rPr lang="en-US" dirty="0"/>
+              <a:t>Scientific work can benefit from knowledge management</a:t>
+            </a:r>
+          </a:p>
+          <a:p>
+            <a:pPr marL="0" indent="0">
+              <a:buNone/>
+            </a:pPr>
             <a:endParaRPr lang="en-US" dirty="0"/>
+          </a:p>
+        </p:txBody>
+      </p:sp>
+      <p:sp>
+        <p:nvSpPr>
+          <p:cNvPr id="4" name="TextBox 3">
+            <a:extLst>
+              <a:ext uri="{FF2B5EF4-FFF2-40B4-BE49-F238E27FC236}">
+                <a16:creationId xmlns:a16="http://schemas.microsoft.com/office/drawing/2014/main" id="{1DF53030-262B-B41C-84EE-E79A5A5F4D5F}"/>
+              </a:ext>
+            </a:extLst>
+          </p:cNvPr>
+          <p:cNvSpPr txBox="1"/>
+          <p:nvPr/>
+        </p:nvSpPr>
+        <p:spPr>
+          <a:xfrm>
+            <a:off x="1437079" y="4969016"/>
+            <a:ext cx="9314666" cy="517065"/>
+          </a:xfrm>
+          <a:prstGeom prst="rect">
+            <a:avLst/>
+          </a:prstGeom>
+          <a:noFill/>
+        </p:spPr>
+        <p:txBody>
+          <a:bodyPr wrap="none" lIns="118872" tIns="91440" rIns="118872" bIns="91440" rtlCol="0" anchor="ctr" anchorCtr="0">
+            <a:spAutoFit/>
+          </a:bodyPr>
+          <a:lstStyle/>
+          <a:p>
+            <a:pPr algn="l">
+              <a:lnSpc>
+                <a:spcPct val="90000"/>
+              </a:lnSpc>
+            </a:pPr>
+            <a:r>
+              <a:rPr lang="en-US" sz="2400" dirty="0"/>
+              <a:t>Is knowledge communication only about communicating to others?</a:t>
+            </a:r>
           </a:p>
         </p:txBody>
       </p:sp>
     </p:spTree>
     <p:extLst>
       <p:ext uri="{BB962C8B-B14F-4D97-AF65-F5344CB8AC3E}">
-        <p14:creationId xmlns:p14="http://schemas.microsoft.com/office/powerpoint/2010/main" val="2408602807"/>
+        <p14:creationId xmlns:p14="http://schemas.microsoft.com/office/powerpoint/2010/main" val="2964406316"/>
       </p:ext>
     </p:extLst>
   </p:cSld>
@@ -14009,18 +13790,18 @@
 </file>
 
 <file path=customXml/item1.xml><?xml version="1.0" encoding="utf-8"?>
+<p:properties xmlns:p="http://schemas.microsoft.com/office/2006/metadata/properties" xmlns:xsi="http://www.w3.org/2001/XMLSchema-instance" xmlns:pc="http://schemas.microsoft.com/office/infopath/2007/PartnerControls">
+  <documentManagement/>
+</p:properties>
+</file>
+
+<file path=customXml/item2.xml><?xml version="1.0" encoding="utf-8"?>
 <?mso-contentType ?>
 <FormTemplates xmlns="http://schemas.microsoft.com/sharepoint/v3/contenttype/forms">
   <Display>DocumentLibraryForm</Display>
   <Edit>DocumentLibraryForm</Edit>
   <New>DocumentLibraryForm</New>
 </FormTemplates>
-</file>
-
-<file path=customXml/item2.xml><?xml version="1.0" encoding="utf-8"?>
-<p:properties xmlns:p="http://schemas.microsoft.com/office/2006/metadata/properties" xmlns:xsi="http://www.w3.org/2001/XMLSchema-instance" xmlns:pc="http://schemas.microsoft.com/office/infopath/2007/PartnerControls">
-  <documentManagement/>
-</p:properties>
 </file>
 
 <file path=customXml/item3.xml><?xml version="1.0" encoding="utf-8"?>
@@ -14073,14 +13854,6 @@
 </file>
 
 <file path=customXml/itemProps1.xml><?xml version="1.0" encoding="utf-8"?>
-<ds:datastoreItem xmlns:ds="http://schemas.openxmlformats.org/officeDocument/2006/customXml" ds:itemID="{19E20559-B232-4371-8690-E3D8007EDB82}">
-  <ds:schemaRefs>
-    <ds:schemaRef ds:uri="http://schemas.microsoft.com/sharepoint/v3/contenttype/forms"/>
-  </ds:schemaRefs>
-</ds:datastoreItem>
-</file>
-
-<file path=customXml/itemProps2.xml><?xml version="1.0" encoding="utf-8"?>
 <ds:datastoreItem xmlns:ds="http://schemas.openxmlformats.org/officeDocument/2006/customXml" ds:itemID="{A50EC660-24D0-43A0-AE5E-E274115E726B}">
   <ds:schemaRefs>
     <ds:schemaRef ds:uri="http://purl.org/dc/elements/1.1/"/>
@@ -14091,6 +13864,14 @@
     <ds:schemaRef ds:uri="http://www.w3.org/XML/1998/namespace"/>
     <ds:schemaRef ds:uri="http://purl.org/dc/dcmitype/"/>
     <ds:schemaRef ds:uri="http://schemas.microsoft.com/office/infopath/2007/PartnerControls"/>
+  </ds:schemaRefs>
+</ds:datastoreItem>
+</file>
+
+<file path=customXml/itemProps2.xml><?xml version="1.0" encoding="utf-8"?>
+<ds:datastoreItem xmlns:ds="http://schemas.openxmlformats.org/officeDocument/2006/customXml" ds:itemID="{19E20559-B232-4371-8690-E3D8007EDB82}">
+  <ds:schemaRefs>
+    <ds:schemaRef ds:uri="http://schemas.microsoft.com/sharepoint/v3/contenttype/forms"/>
   </ds:schemaRefs>
 </ds:datastoreItem>
 </file>

--- a/lab-notebooks.pptx
+++ b/lab-notebooks.pptx
@@ -5,41 +5,40 @@
     <p:sldMasterId id="2147483935" r:id="rId4"/>
   </p:sldMasterIdLst>
   <p:notesMasterIdLst>
-    <p:notesMasterId r:id="rId34"/>
+    <p:notesMasterId r:id="rId33"/>
   </p:notesMasterIdLst>
   <p:handoutMasterIdLst>
-    <p:handoutMasterId r:id="rId35"/>
+    <p:handoutMasterId r:id="rId34"/>
   </p:handoutMasterIdLst>
   <p:sldIdLst>
     <p:sldId id="256" r:id="rId5"/>
-    <p:sldId id="350" r:id="rId6"/>
-    <p:sldId id="349" r:id="rId7"/>
-    <p:sldId id="322" r:id="rId8"/>
-    <p:sldId id="325" r:id="rId9"/>
-    <p:sldId id="326" r:id="rId10"/>
-    <p:sldId id="327" r:id="rId11"/>
-    <p:sldId id="328" r:id="rId12"/>
-    <p:sldId id="330" r:id="rId13"/>
-    <p:sldId id="332" r:id="rId14"/>
-    <p:sldId id="331" r:id="rId15"/>
-    <p:sldId id="336" r:id="rId16"/>
-    <p:sldId id="335" r:id="rId17"/>
-    <p:sldId id="276" r:id="rId18"/>
-    <p:sldId id="346" r:id="rId19"/>
-    <p:sldId id="277" r:id="rId20"/>
-    <p:sldId id="279" r:id="rId21"/>
-    <p:sldId id="287" r:id="rId22"/>
-    <p:sldId id="280" r:id="rId23"/>
-    <p:sldId id="275" r:id="rId24"/>
-    <p:sldId id="293" r:id="rId25"/>
-    <p:sldId id="281" r:id="rId26"/>
-    <p:sldId id="294" r:id="rId27"/>
-    <p:sldId id="295" r:id="rId28"/>
-    <p:sldId id="288" r:id="rId29"/>
-    <p:sldId id="282" r:id="rId30"/>
-    <p:sldId id="283" r:id="rId31"/>
-    <p:sldId id="347" r:id="rId32"/>
-    <p:sldId id="344" r:id="rId33"/>
+    <p:sldId id="349" r:id="rId6"/>
+    <p:sldId id="322" r:id="rId7"/>
+    <p:sldId id="325" r:id="rId8"/>
+    <p:sldId id="326" r:id="rId9"/>
+    <p:sldId id="327" r:id="rId10"/>
+    <p:sldId id="328" r:id="rId11"/>
+    <p:sldId id="330" r:id="rId12"/>
+    <p:sldId id="332" r:id="rId13"/>
+    <p:sldId id="331" r:id="rId14"/>
+    <p:sldId id="336" r:id="rId15"/>
+    <p:sldId id="335" r:id="rId16"/>
+    <p:sldId id="276" r:id="rId17"/>
+    <p:sldId id="346" r:id="rId18"/>
+    <p:sldId id="277" r:id="rId19"/>
+    <p:sldId id="279" r:id="rId20"/>
+    <p:sldId id="287" r:id="rId21"/>
+    <p:sldId id="280" r:id="rId22"/>
+    <p:sldId id="275" r:id="rId23"/>
+    <p:sldId id="293" r:id="rId24"/>
+    <p:sldId id="281" r:id="rId25"/>
+    <p:sldId id="294" r:id="rId26"/>
+    <p:sldId id="295" r:id="rId27"/>
+    <p:sldId id="288" r:id="rId28"/>
+    <p:sldId id="282" r:id="rId29"/>
+    <p:sldId id="283" r:id="rId30"/>
+    <p:sldId id="347" r:id="rId31"/>
+    <p:sldId id="344" r:id="rId32"/>
   </p:sldIdLst>
   <p:sldSz cx="12188825" cy="6858000"/>
   <p:notesSz cx="7010400" cy="9296400"/>
@@ -283,7 +282,7 @@
           <a:p>
             <a:fld id="{0B842F42-2CE9-4E35-95C1-410DC08A50B1}" type="datetimeFigureOut">
               <a:rPr lang="en-US" smtClean="0"/>
-              <a:t>2/5/2023</a:t>
+              <a:t>4/18/23</a:t>
             </a:fld>
             <a:endParaRPr lang="en-US"/>
           </a:p>
@@ -448,7 +447,7 @@
           <a:p>
             <a:fld id="{6F282904-F315-4730-8D91-37D99E141A6F}" type="datetimeFigureOut">
               <a:rPr lang="en-US" smtClean="0"/>
-              <a:t>2/5/2023</a:t>
+              <a:t>4/18/23</a:t>
             </a:fld>
             <a:endParaRPr lang="en-US"/>
           </a:p>
@@ -982,7 +981,7 @@
           <a:p>
             <a:fld id="{54E672D7-8E2D-4611-973D-F4591A707C34}" type="slidenum">
               <a:rPr lang="en-US" smtClean="0"/>
-              <a:t>11</a:t>
+              <a:t>10</a:t>
             </a:fld>
             <a:endParaRPr lang="en-US"/>
           </a:p>
@@ -1087,7 +1086,7 @@
           <a:p>
             <a:fld id="{54E672D7-8E2D-4611-973D-F4591A707C34}" type="slidenum">
               <a:rPr lang="en-US" smtClean="0"/>
-              <a:t>12</a:t>
+              <a:t>11</a:t>
             </a:fld>
             <a:endParaRPr lang="en-US"/>
           </a:p>
@@ -1171,7 +1170,7 @@
           <a:p>
             <a:fld id="{54E672D7-8E2D-4611-973D-F4591A707C34}" type="slidenum">
               <a:rPr lang="en-US" smtClean="0"/>
-              <a:t>13</a:t>
+              <a:t>12</a:t>
             </a:fld>
             <a:endParaRPr lang="en-US"/>
           </a:p>
@@ -1267,7 +1266,7 @@
           <a:p>
             <a:fld id="{3EAA7A1A-8011-3A42-91B8-EE1BD44E4455}" type="slidenum">
               <a:rPr lang="en-US" smtClean="0"/>
-              <a:t>14</a:t>
+              <a:t>13</a:t>
             </a:fld>
             <a:endParaRPr lang="en-US"/>
           </a:p>
@@ -1425,7 +1424,7 @@
           <a:p>
             <a:fld id="{54E672D7-8E2D-4611-973D-F4591A707C34}" type="slidenum">
               <a:rPr lang="en-US" smtClean="0"/>
-              <a:t>15</a:t>
+              <a:t>14</a:t>
             </a:fld>
             <a:endParaRPr lang="en-US"/>
           </a:p>
@@ -1530,7 +1529,7 @@
           <a:p>
             <a:fld id="{3EAA7A1A-8011-3A42-91B8-EE1BD44E4455}" type="slidenum">
               <a:rPr lang="en-US" smtClean="0"/>
-              <a:t>16</a:t>
+              <a:t>15</a:t>
             </a:fld>
             <a:endParaRPr lang="en-US"/>
           </a:p>
@@ -1614,7 +1613,7 @@
           <a:p>
             <a:fld id="{3EAA7A1A-8011-3A42-91B8-EE1BD44E4455}" type="slidenum">
               <a:rPr lang="en-US" smtClean="0"/>
-              <a:t>20</a:t>
+              <a:t>19</a:t>
             </a:fld>
             <a:endParaRPr lang="en-US"/>
           </a:p>
@@ -1698,7 +1697,7 @@
           <a:p>
             <a:fld id="{54E672D7-8E2D-4611-973D-F4591A707C34}" type="slidenum">
               <a:rPr lang="en-US" smtClean="0"/>
-              <a:t>28</a:t>
+              <a:t>27</a:t>
             </a:fld>
             <a:endParaRPr lang="en-US"/>
           </a:p>
@@ -1803,7 +1802,7 @@
           <a:p>
             <a:fld id="{54E672D7-8E2D-4611-973D-F4591A707C34}" type="slidenum">
               <a:rPr lang="en-US" smtClean="0"/>
-              <a:t>3</a:t>
+              <a:t>2</a:t>
             </a:fld>
             <a:endParaRPr lang="en-US"/>
           </a:p>
@@ -1996,7 +1995,7 @@
           <a:p>
             <a:fld id="{54E672D7-8E2D-4611-973D-F4591A707C34}" type="slidenum">
               <a:rPr lang="en-US" smtClean="0"/>
-              <a:t>4</a:t>
+              <a:t>3</a:t>
             </a:fld>
             <a:endParaRPr lang="en-US"/>
           </a:p>
@@ -2092,7 +2091,7 @@
           <a:p>
             <a:fld id="{54E672D7-8E2D-4611-973D-F4591A707C34}" type="slidenum">
               <a:rPr lang="en-US" smtClean="0"/>
-              <a:t>5</a:t>
+              <a:t>4</a:t>
             </a:fld>
             <a:endParaRPr lang="en-US"/>
           </a:p>
@@ -2197,7 +2196,7 @@
           <a:p>
             <a:fld id="{54E672D7-8E2D-4611-973D-F4591A707C34}" type="slidenum">
               <a:rPr lang="en-US" smtClean="0"/>
-              <a:t>6</a:t>
+              <a:t>5</a:t>
             </a:fld>
             <a:endParaRPr lang="en-US"/>
           </a:p>
@@ -2346,7 +2345,7 @@
           <a:p>
             <a:fld id="{54E672D7-8E2D-4611-973D-F4591A707C34}" type="slidenum">
               <a:rPr lang="en-US" smtClean="0"/>
-              <a:t>7</a:t>
+              <a:t>6</a:t>
             </a:fld>
             <a:endParaRPr lang="en-US"/>
           </a:p>
@@ -2582,7 +2581,7 @@
           <a:p>
             <a:fld id="{54E672D7-8E2D-4611-973D-F4591A707C34}" type="slidenum">
               <a:rPr lang="en-US" smtClean="0"/>
-              <a:t>8</a:t>
+              <a:t>7</a:t>
             </a:fld>
             <a:endParaRPr lang="en-US"/>
           </a:p>
@@ -2687,7 +2686,7 @@
           <a:p>
             <a:fld id="{54E672D7-8E2D-4611-973D-F4591A707C34}" type="slidenum">
               <a:rPr lang="en-US" smtClean="0"/>
-              <a:t>9</a:t>
+              <a:t>8</a:t>
             </a:fld>
             <a:endParaRPr lang="en-US"/>
           </a:p>
@@ -2789,7 +2788,7 @@
           <a:p>
             <a:fld id="{54E672D7-8E2D-4611-973D-F4591A707C34}" type="slidenum">
               <a:rPr lang="en-US" smtClean="0"/>
-              <a:t>10</a:t>
+              <a:t>9</a:t>
             </a:fld>
             <a:endParaRPr lang="en-US"/>
           </a:p>
@@ -6494,7 +6493,7 @@
         <p:spPr>
           <a:xfrm>
             <a:off x="3176924" y="2085870"/>
-            <a:ext cx="2752677" cy="424732"/>
+            <a:ext cx="2034531" cy="424732"/>
           </a:xfrm>
         </p:spPr>
         <p:txBody>
@@ -6502,8 +6501,12 @@
           <a:lstStyle/>
           <a:p>
             <a:r>
-              <a:rPr lang="en-US" dirty="0"/>
-              <a:t>David E. Bernholdt</a:t>
+              <a:rPr lang="en-US" dirty="0" err="1"/>
+              <a:t>Anshu</a:t>
+            </a:r>
+            <a:r>
+              <a:rPr lang="en-US" dirty="0"/>
+              <a:t> Dubey</a:t>
             </a:r>
           </a:p>
         </p:txBody>
@@ -6536,7 +6539,7 @@
           <a:p>
             <a:r>
               <a:rPr lang="en-US" dirty="0"/>
-              <a:t>(he/him)</a:t>
+              <a:t>(she/her)</a:t>
             </a:r>
           </a:p>
         </p:txBody>
@@ -6564,7 +6567,7 @@
           <a:p>
             <a:r>
               <a:rPr lang="en-US" dirty="0"/>
-              <a:t>Oak Ridge National Laboratory</a:t>
+              <a:t>Argonne National Laboratory</a:t>
             </a:r>
           </a:p>
         </p:txBody>
@@ -6603,7 +6606,7 @@
                 <a:effectLst/>
                 <a:latin typeface="+mj-lt"/>
               </a:rPr>
-              <a:t>Software Practices for Better Science: Testing, Reproducibility, and Documentation tutorial @ Exascale Computing Project Tutorial Days</a:t>
+              <a:t>Software Practices for Better Science: Testing, Reproducibility, and Documentation tutorial @ ISC23</a:t>
             </a:r>
             <a:endParaRPr lang="en-US" dirty="0">
               <a:latin typeface="+mj-lt"/>
@@ -6922,186 +6925,6 @@
           <p:cNvPr id="2" name="Title 1">
             <a:extLst>
               <a:ext uri="{FF2B5EF4-FFF2-40B4-BE49-F238E27FC236}">
-                <a16:creationId xmlns:a16="http://schemas.microsoft.com/office/drawing/2014/main" id="{96AE34BC-5E36-C205-FC77-0BE3BC6B219C}"/>
-              </a:ext>
-            </a:extLst>
-          </p:cNvPr>
-          <p:cNvSpPr>
-            <a:spLocks noGrp="1"/>
-          </p:cNvSpPr>
-          <p:nvPr>
-            <p:ph type="title"/>
-          </p:nvPr>
-        </p:nvSpPr>
-        <p:spPr/>
-        <p:txBody>
-          <a:bodyPr/>
-          <a:lstStyle/>
-          <a:p>
-            <a:r>
-              <a:rPr lang="en-US" dirty="0"/>
-              <a:t>Example: Lessons learned</a:t>
-            </a:r>
-            <a:endParaRPr lang="en-US" b="0" dirty="0"/>
-          </a:p>
-        </p:txBody>
-      </p:sp>
-      <p:sp>
-        <p:nvSpPr>
-          <p:cNvPr id="3" name="Content Placeholder 2">
-            <a:extLst>
-              <a:ext uri="{FF2B5EF4-FFF2-40B4-BE49-F238E27FC236}">
-                <a16:creationId xmlns:a16="http://schemas.microsoft.com/office/drawing/2014/main" id="{9411637D-F75A-13D4-D37F-CB72F82649B7}"/>
-              </a:ext>
-            </a:extLst>
-          </p:cNvPr>
-          <p:cNvSpPr>
-            <a:spLocks noGrp="1"/>
-          </p:cNvSpPr>
-          <p:nvPr>
-            <p:ph idx="1"/>
-          </p:nvPr>
-        </p:nvSpPr>
-        <p:spPr/>
-        <p:txBody>
-          <a:bodyPr/>
-          <a:lstStyle/>
-          <a:p>
-            <a:r>
-              <a:rPr lang="en-US" dirty="0"/>
-              <a:t>After we live through an experience, we want to derive lessons learned</a:t>
-            </a:r>
-          </a:p>
-          <a:p>
-            <a:pPr lvl="1"/>
-            <a:r>
-              <a:rPr lang="en-US" dirty="0"/>
-              <a:t>Experience is valuable, more so if we reflect and are thoughtful</a:t>
-            </a:r>
-          </a:p>
-          <a:p>
-            <a:pPr lvl="1"/>
-            <a:r>
-              <a:rPr lang="en-US" dirty="0"/>
-              <a:t>Generate/capture knowledge to grow, improve, and avoid difficulties/mistakes</a:t>
-            </a:r>
-          </a:p>
-          <a:p>
-            <a:pPr lvl="1"/>
-            <a:r>
-              <a:rPr lang="en-US" dirty="0"/>
-              <a:t>Hope to improve understanding</a:t>
-            </a:r>
-          </a:p>
-          <a:p>
-            <a:r>
-              <a:rPr lang="en-US" dirty="0"/>
-              <a:t>We get more if we derive lessons learned together</a:t>
-            </a:r>
-          </a:p>
-          <a:p>
-            <a:pPr lvl="1"/>
-            <a:r>
-              <a:rPr lang="en-US" dirty="0"/>
-              <a:t>Create more or higher quality knowledge</a:t>
-            </a:r>
-          </a:p>
-          <a:p>
-            <a:pPr lvl="1"/>
-            <a:r>
-              <a:rPr lang="en-US" dirty="0"/>
-              <a:t>Communicate the knowledge implicitly</a:t>
-            </a:r>
-          </a:p>
-          <a:p>
-            <a:pPr marL="0" indent="0">
-              <a:buNone/>
-            </a:pPr>
-            <a:endParaRPr lang="en-US" dirty="0"/>
-          </a:p>
-          <a:p>
-            <a:pPr marL="0" indent="0">
-              <a:buNone/>
-            </a:pPr>
-            <a:endParaRPr lang="en-US" dirty="0"/>
-          </a:p>
-        </p:txBody>
-      </p:sp>
-      <p:sp>
-        <p:nvSpPr>
-          <p:cNvPr id="4" name="TextBox 3">
-            <a:extLst>
-              <a:ext uri="{FF2B5EF4-FFF2-40B4-BE49-F238E27FC236}">
-                <a16:creationId xmlns:a16="http://schemas.microsoft.com/office/drawing/2014/main" id="{3CFA863B-7CD4-95D5-F274-D75A0739E6AF}"/>
-              </a:ext>
-            </a:extLst>
-          </p:cNvPr>
-          <p:cNvSpPr txBox="1"/>
-          <p:nvPr/>
-        </p:nvSpPr>
-        <p:spPr>
-          <a:xfrm>
-            <a:off x="2327547" y="5108580"/>
-            <a:ext cx="7533729" cy="517065"/>
-          </a:xfrm>
-          <a:prstGeom prst="rect">
-            <a:avLst/>
-          </a:prstGeom>
-          <a:noFill/>
-        </p:spPr>
-        <p:txBody>
-          <a:bodyPr wrap="none" lIns="118872" tIns="91440" rIns="118872" bIns="91440" rtlCol="0" anchor="ctr" anchorCtr="0">
-            <a:spAutoFit/>
-          </a:bodyPr>
-          <a:lstStyle/>
-          <a:p>
-            <a:pPr>
-              <a:lnSpc>
-                <a:spcPct val="90000"/>
-              </a:lnSpc>
-            </a:pPr>
-            <a:r>
-              <a:rPr lang="en-US" sz="2400" dirty="0"/>
-              <a:t>Should we communicate lessons learned to others?</a:t>
-            </a:r>
-          </a:p>
-        </p:txBody>
-      </p:sp>
-    </p:spTree>
-    <p:extLst>
-      <p:ext uri="{BB962C8B-B14F-4D97-AF65-F5344CB8AC3E}">
-        <p14:creationId xmlns:p14="http://schemas.microsoft.com/office/powerpoint/2010/main" val="1526914382"/>
-      </p:ext>
-    </p:extLst>
-  </p:cSld>
-  <p:clrMapOvr>
-    <a:masterClrMapping/>
-  </p:clrMapOvr>
-</p:sld>
-</file>
-
-<file path=ppt/slides/slide11.xml><?xml version="1.0" encoding="utf-8"?>
-<p:sld xmlns:a="http://schemas.openxmlformats.org/drawingml/2006/main" xmlns:r="http://schemas.openxmlformats.org/officeDocument/2006/relationships" xmlns:p="http://schemas.openxmlformats.org/presentationml/2006/main">
-  <p:cSld>
-    <p:spTree>
-      <p:nvGrpSpPr>
-        <p:cNvPr id="1" name=""/>
-        <p:cNvGrpSpPr/>
-        <p:nvPr/>
-      </p:nvGrpSpPr>
-      <p:grpSpPr>
-        <a:xfrm>
-          <a:off x="0" y="0"/>
-          <a:ext cx="0" cy="0"/>
-          <a:chOff x="0" y="0"/>
-          <a:chExt cx="0" cy="0"/>
-        </a:xfrm>
-      </p:grpSpPr>
-      <p:sp>
-        <p:nvSpPr>
-          <p:cNvPr id="2" name="Title 1">
-            <a:extLst>
-              <a:ext uri="{FF2B5EF4-FFF2-40B4-BE49-F238E27FC236}">
                 <a16:creationId xmlns:a16="http://schemas.microsoft.com/office/drawing/2014/main" id="{13090B39-A834-D719-6F55-65D8713FAC45}"/>
               </a:ext>
             </a:extLst>
@@ -7446,7 +7269,7 @@
 </p:sld>
 </file>
 
-<file path=ppt/slides/slide12.xml><?xml version="1.0" encoding="utf-8"?>
+<file path=ppt/slides/slide11.xml><?xml version="1.0" encoding="utf-8"?>
 <p:sld xmlns:a="http://schemas.openxmlformats.org/drawingml/2006/main" xmlns:r="http://schemas.openxmlformats.org/officeDocument/2006/relationships" xmlns:p="http://schemas.openxmlformats.org/presentationml/2006/main">
   <p:cSld>
     <p:spTree>
@@ -7690,7 +7513,7 @@
 </p:sld>
 </file>
 
-<file path=ppt/slides/slide13.xml><?xml version="1.0" encoding="utf-8"?>
+<file path=ppt/slides/slide12.xml><?xml version="1.0" encoding="utf-8"?>
 <p:sld xmlns:a="http://schemas.openxmlformats.org/drawingml/2006/main" xmlns:r="http://schemas.openxmlformats.org/officeDocument/2006/relationships" xmlns:p="http://schemas.openxmlformats.org/presentationml/2006/main">
   <p:cSld>
     <p:spTree>
@@ -7961,6 +7784,202 @@
 </p:sld>
 </file>
 
+<file path=ppt/slides/slide13.xml><?xml version="1.0" encoding="utf-8"?>
+<p:sld xmlns:a="http://schemas.openxmlformats.org/drawingml/2006/main" xmlns:r="http://schemas.openxmlformats.org/officeDocument/2006/relationships" xmlns:p="http://schemas.openxmlformats.org/presentationml/2006/main">
+  <p:cSld>
+    <p:spTree>
+      <p:nvGrpSpPr>
+        <p:cNvPr id="1" name=""/>
+        <p:cNvGrpSpPr/>
+        <p:nvPr/>
+      </p:nvGrpSpPr>
+      <p:grpSpPr>
+        <a:xfrm>
+          <a:off x="0" y="0"/>
+          <a:ext cx="0" cy="0"/>
+          <a:chOff x="0" y="0"/>
+          <a:chExt cx="0" cy="0"/>
+        </a:xfrm>
+      </p:grpSpPr>
+      <p:sp>
+        <p:nvSpPr>
+          <p:cNvPr id="2" name="Title 1">
+            <a:extLst>
+              <a:ext uri="{FF2B5EF4-FFF2-40B4-BE49-F238E27FC236}">
+                <a16:creationId xmlns:a16="http://schemas.microsoft.com/office/drawing/2014/main" id="{854DDF3B-E98A-D5CA-A59B-85FA8971B392}"/>
+              </a:ext>
+            </a:extLst>
+          </p:cNvPr>
+          <p:cNvSpPr>
+            <a:spLocks noGrp="1"/>
+          </p:cNvSpPr>
+          <p:nvPr>
+            <p:ph type="title"/>
+          </p:nvPr>
+        </p:nvSpPr>
+        <p:spPr/>
+        <p:txBody>
+          <a:bodyPr/>
+          <a:lstStyle/>
+          <a:p>
+            <a:r>
+              <a:rPr lang="en-US" dirty="0"/>
+              <a:t>No one likes writing lab notes</a:t>
+            </a:r>
+          </a:p>
+        </p:txBody>
+      </p:sp>
+      <p:sp>
+        <p:nvSpPr>
+          <p:cNvPr id="6" name="Content Placeholder 2">
+            <a:extLst>
+              <a:ext uri="{FF2B5EF4-FFF2-40B4-BE49-F238E27FC236}">
+                <a16:creationId xmlns:a16="http://schemas.microsoft.com/office/drawing/2014/main" id="{0886154B-3FDF-98B1-DE0A-7ECA10358CE8}"/>
+              </a:ext>
+            </a:extLst>
+          </p:cNvPr>
+          <p:cNvSpPr>
+            <a:spLocks noGrp="1"/>
+          </p:cNvSpPr>
+          <p:nvPr>
+            <p:ph idx="1"/>
+          </p:nvPr>
+        </p:nvSpPr>
+        <p:spPr>
+          <a:xfrm>
+            <a:off x="365760" y="2426904"/>
+            <a:ext cx="11369809" cy="4047778"/>
+          </a:xfrm>
+        </p:spPr>
+        <p:txBody>
+          <a:bodyPr/>
+          <a:lstStyle/>
+          <a:p>
+            <a:r>
+              <a:rPr lang="en-US" dirty="0"/>
+              <a:t>This attitude comes from lack of experience &amp; awareness</a:t>
+            </a:r>
+          </a:p>
+          <a:p>
+            <a:pPr lvl="1"/>
+            <a:r>
+              <a:rPr lang="en-US" dirty="0"/>
+              <a:t>Good notes are implicit communication &amp; sharing</a:t>
+            </a:r>
+          </a:p>
+          <a:p>
+            <a:pPr lvl="1"/>
+            <a:r>
+              <a:rPr lang="en-US" dirty="0"/>
+              <a:t>Good notes can be turned into procedures</a:t>
+            </a:r>
+          </a:p>
+          <a:p>
+            <a:r>
+              <a:rPr lang="en-US" dirty="0"/>
+              <a:t>Lab notes become more useful as time passes</a:t>
+            </a:r>
+          </a:p>
+          <a:p>
+            <a:pPr lvl="1"/>
+            <a:r>
+              <a:rPr lang="en-US" dirty="0"/>
+              <a:t>Our memory fades</a:t>
+            </a:r>
+          </a:p>
+          <a:p>
+            <a:pPr lvl="1"/>
+            <a:r>
+              <a:rPr lang="en-US" dirty="0"/>
+              <a:t>It can take years before we see the benefit</a:t>
+            </a:r>
+          </a:p>
+          <a:p>
+            <a:r>
+              <a:rPr lang="en-US" dirty="0"/>
+              <a:t>Writing but not reading lab notes is a good thing</a:t>
+            </a:r>
+          </a:p>
+          <a:p>
+            <a:pPr lvl="1"/>
+            <a:r>
+              <a:rPr lang="en-US" dirty="0"/>
+              <a:t>Lab notes are most useful when something has gone wrong</a:t>
+            </a:r>
+          </a:p>
+          <a:p>
+            <a:endParaRPr lang="en-US" dirty="0"/>
+          </a:p>
+          <a:p>
+            <a:endParaRPr lang="en-US" dirty="0"/>
+          </a:p>
+          <a:p>
+            <a:pPr lvl="1"/>
+            <a:endParaRPr lang="en-US" dirty="0"/>
+          </a:p>
+        </p:txBody>
+      </p:sp>
+      <p:sp>
+        <p:nvSpPr>
+          <p:cNvPr id="8" name="TextBox 7">
+            <a:extLst>
+              <a:ext uri="{FF2B5EF4-FFF2-40B4-BE49-F238E27FC236}">
+                <a16:creationId xmlns:a16="http://schemas.microsoft.com/office/drawing/2014/main" id="{C9881524-C838-C412-4A57-905FB327196F}"/>
+              </a:ext>
+            </a:extLst>
+          </p:cNvPr>
+          <p:cNvSpPr txBox="1"/>
+          <p:nvPr/>
+        </p:nvSpPr>
+        <p:spPr>
+          <a:xfrm>
+            <a:off x="112954" y="1088815"/>
+            <a:ext cx="11353474" cy="1107931"/>
+          </a:xfrm>
+          <a:prstGeom prst="rect">
+            <a:avLst/>
+          </a:prstGeom>
+          <a:noFill/>
+        </p:spPr>
+        <p:txBody>
+          <a:bodyPr wrap="none" lIns="158455" tIns="121888" rIns="158455" bIns="121888" rtlCol="0" anchor="ctr" anchorCtr="0">
+            <a:spAutoFit/>
+          </a:bodyPr>
+          <a:lstStyle/>
+          <a:p>
+            <a:pPr lvl="1" algn="ctr"/>
+            <a:r>
+              <a:rPr lang="en-US" sz="2800" dirty="0"/>
+              <a:t>“Lab notes are a waste of time.  I write notes, but never use them.”</a:t>
+            </a:r>
+          </a:p>
+          <a:p>
+            <a:pPr lvl="1"/>
+            <a:r>
+              <a:rPr lang="en-US" sz="2800" dirty="0"/>
+              <a:t>        - </a:t>
+            </a:r>
+            <a:r>
+              <a:rPr lang="en-US" sz="2400" dirty="0"/>
+              <a:t>Almost all newcomers to lab notebooks</a:t>
+            </a:r>
+            <a:endParaRPr lang="en-US" sz="2800" dirty="0"/>
+          </a:p>
+        </p:txBody>
+      </p:sp>
+    </p:spTree>
+    <p:extLst>
+      <p:ext uri="{BB962C8B-B14F-4D97-AF65-F5344CB8AC3E}">
+        <p14:creationId xmlns:p14="http://schemas.microsoft.com/office/powerpoint/2010/main" val="2257096921"/>
+      </p:ext>
+    </p:extLst>
+  </p:cSld>
+  <p:clrMapOvr>
+    <a:masterClrMapping/>
+  </p:clrMapOvr>
+</p:sld>
+</file>
+
 <file path=ppt/slides/slide14.xml><?xml version="1.0" encoding="utf-8"?>
 <p:sld xmlns:a="http://schemas.openxmlformats.org/drawingml/2006/main" xmlns:r="http://schemas.openxmlformats.org/officeDocument/2006/relationships" xmlns:p="http://schemas.openxmlformats.org/presentationml/2006/main">
   <p:cSld>
@@ -7983,7 +8002,7 @@
           <p:cNvPr id="2" name="Title 1">
             <a:extLst>
               <a:ext uri="{FF2B5EF4-FFF2-40B4-BE49-F238E27FC236}">
-                <a16:creationId xmlns:a16="http://schemas.microsoft.com/office/drawing/2014/main" id="{854DDF3B-E98A-D5CA-A59B-85FA8971B392}"/>
+                <a16:creationId xmlns:a16="http://schemas.microsoft.com/office/drawing/2014/main" id="{914D1871-6578-CE2C-CEDE-6D61809C72C6}"/>
               </a:ext>
             </a:extLst>
           </p:cNvPr>
@@ -8001,98 +8020,8 @@
           <a:p>
             <a:r>
               <a:rPr lang="en-US" dirty="0"/>
-              <a:t>No one likes writing lab notes</a:t>
-            </a:r>
-          </a:p>
-        </p:txBody>
-      </p:sp>
-      <p:sp>
-        <p:nvSpPr>
-          <p:cNvPr id="6" name="Content Placeholder 2">
-            <a:extLst>
-              <a:ext uri="{FF2B5EF4-FFF2-40B4-BE49-F238E27FC236}">
-                <a16:creationId xmlns:a16="http://schemas.microsoft.com/office/drawing/2014/main" id="{0886154B-3FDF-98B1-DE0A-7ECA10358CE8}"/>
-              </a:ext>
-            </a:extLst>
-          </p:cNvPr>
-          <p:cNvSpPr>
-            <a:spLocks noGrp="1"/>
-          </p:cNvSpPr>
-          <p:nvPr>
-            <p:ph idx="1"/>
-          </p:nvPr>
-        </p:nvSpPr>
-        <p:spPr>
-          <a:xfrm>
-            <a:off x="365760" y="2426904"/>
-            <a:ext cx="11369809" cy="4047778"/>
-          </a:xfrm>
-        </p:spPr>
-        <p:txBody>
-          <a:bodyPr/>
-          <a:lstStyle/>
-          <a:p>
-            <a:r>
-              <a:rPr lang="en-US" dirty="0"/>
-              <a:t>This attitude comes from lack of experience &amp; awareness</a:t>
-            </a:r>
-          </a:p>
-          <a:p>
-            <a:pPr lvl="1"/>
-            <a:r>
-              <a:rPr lang="en-US" dirty="0"/>
-              <a:t>Good notes are implicit communication &amp; sharing</a:t>
-            </a:r>
-          </a:p>
-          <a:p>
-            <a:pPr lvl="1"/>
-            <a:r>
-              <a:rPr lang="en-US" dirty="0"/>
-              <a:t>Good notes can be turned into procedures</a:t>
-            </a:r>
-          </a:p>
-          <a:p>
-            <a:r>
-              <a:rPr lang="en-US" dirty="0"/>
-              <a:t>Lab notes become more useful as time passes</a:t>
-            </a:r>
-          </a:p>
-          <a:p>
-            <a:pPr lvl="1"/>
-            <a:r>
-              <a:rPr lang="en-US" dirty="0"/>
-              <a:t>Our memory fades</a:t>
-            </a:r>
-          </a:p>
-          <a:p>
-            <a:pPr lvl="1"/>
-            <a:r>
-              <a:rPr lang="en-US" dirty="0"/>
-              <a:t>It can take years before we see the benefit</a:t>
-            </a:r>
-          </a:p>
-          <a:p>
-            <a:r>
-              <a:rPr lang="en-US" dirty="0"/>
-              <a:t>Writing but not reading lab notes is a good thing</a:t>
-            </a:r>
-          </a:p>
-          <a:p>
-            <a:pPr lvl="1"/>
-            <a:r>
-              <a:rPr lang="en-US" dirty="0"/>
-              <a:t>Lab notes are most useful when something has gone wrong</a:t>
-            </a:r>
-          </a:p>
-          <a:p>
-            <a:endParaRPr lang="en-US" dirty="0"/>
-          </a:p>
-          <a:p>
-            <a:endParaRPr lang="en-US" dirty="0"/>
-          </a:p>
-          <a:p>
-            <a:pPr lvl="1"/>
-            <a:endParaRPr lang="en-US" dirty="0"/>
+              <a:t>Example notebook entries</a:t>
+            </a:r>
           </a:p>
         </p:txBody>
       </p:sp>
@@ -8101,7 +8030,7 @@
           <p:cNvPr id="8" name="TextBox 7">
             <a:extLst>
               <a:ext uri="{FF2B5EF4-FFF2-40B4-BE49-F238E27FC236}">
-                <a16:creationId xmlns:a16="http://schemas.microsoft.com/office/drawing/2014/main" id="{C9881524-C838-C412-4A57-905FB327196F}"/>
+                <a16:creationId xmlns:a16="http://schemas.microsoft.com/office/drawing/2014/main" id="{42B00271-B090-7E98-2613-C5ACE15A4551}"/>
               </a:ext>
             </a:extLst>
           </p:cNvPr>
@@ -8110,8 +8039,8 @@
         </p:nvSpPr>
         <p:spPr>
           <a:xfrm>
-            <a:off x="112954" y="1088815"/>
-            <a:ext cx="11353474" cy="1107931"/>
+            <a:off x="365760" y="2081969"/>
+            <a:ext cx="3724033" cy="2179058"/>
           </a:xfrm>
           <a:prstGeom prst="rect">
             <a:avLst/>
@@ -8119,35 +8048,398 @@
           <a:noFill/>
         </p:spPr>
         <p:txBody>
-          <a:bodyPr wrap="none" lIns="158455" tIns="121888" rIns="158455" bIns="121888" rtlCol="0" anchor="ctr" anchorCtr="0">
+          <a:bodyPr wrap="none" lIns="118872" tIns="91440" rIns="118872" bIns="91440" rtlCol="0" anchor="ctr" anchorCtr="0">
             <a:spAutoFit/>
           </a:bodyPr>
           <a:lstStyle/>
           <a:p>
-            <a:pPr lvl="1" algn="ctr"/>
-            <a:r>
-              <a:rPr lang="en-US" sz="2800" dirty="0"/>
-              <a:t>“Lab notes are a waste of time.  I write notes, but never use them.”</a:t>
-            </a:r>
-          </a:p>
-          <a:p>
-            <a:pPr lvl="1"/>
-            <a:r>
-              <a:rPr lang="en-US" sz="2800" dirty="0"/>
-              <a:t>        - </a:t>
-            </a:r>
-            <a:r>
-              <a:rPr lang="en-US" sz="2400" dirty="0"/>
-              <a:t>Almost all newcomers to lab notebooks</a:t>
-            </a:r>
-            <a:endParaRPr lang="en-US" sz="2800" dirty="0"/>
+            <a:pPr algn="l">
+              <a:lnSpc>
+                <a:spcPct val="90000"/>
+              </a:lnSpc>
+            </a:pPr>
+            <a:r>
+              <a:rPr lang="en-US" dirty="0"/>
+              <a:t>A bad example</a:t>
+            </a:r>
+          </a:p>
+          <a:p>
+            <a:pPr algn="l">
+              <a:lnSpc>
+                <a:spcPct val="90000"/>
+              </a:lnSpc>
+            </a:pPr>
+            <a:endParaRPr lang="en-US" dirty="0"/>
+          </a:p>
+          <a:p>
+            <a:pPr algn="l">
+              <a:lnSpc>
+                <a:spcPct val="90000"/>
+              </a:lnSpc>
+            </a:pPr>
+            <a:r>
+              <a:rPr lang="en-US" b="1" u="sng" dirty="0"/>
+              <a:t>Monday July 25, 2022</a:t>
+            </a:r>
+          </a:p>
+          <a:p>
+            <a:pPr algn="l">
+              <a:lnSpc>
+                <a:spcPct val="90000"/>
+              </a:lnSpc>
+            </a:pPr>
+            <a:r>
+              <a:rPr lang="en-US" dirty="0"/>
+              <a:t>9:05 am - Do study ABC</a:t>
+            </a:r>
+          </a:p>
+          <a:p>
+            <a:pPr algn="l">
+              <a:lnSpc>
+                <a:spcPct val="90000"/>
+              </a:lnSpc>
+            </a:pPr>
+            <a:r>
+              <a:rPr lang="en-US" dirty="0"/>
+              <a:t>8:47 pm - Lot’s of interesting data!</a:t>
+            </a:r>
+          </a:p>
+          <a:p>
+            <a:pPr algn="l">
+              <a:lnSpc>
+                <a:spcPct val="90000"/>
+              </a:lnSpc>
+            </a:pPr>
+            <a:r>
+              <a:rPr lang="en-US" dirty="0"/>
+              <a:t>              - Results are in GCE</a:t>
+            </a:r>
+          </a:p>
+          <a:p>
+            <a:pPr algn="l">
+              <a:lnSpc>
+                <a:spcPct val="90000"/>
+              </a:lnSpc>
+            </a:pPr>
+            <a:endParaRPr lang="en-US" dirty="0"/>
+          </a:p>
+          <a:p>
+            <a:pPr algn="l">
+              <a:lnSpc>
+                <a:spcPct val="90000"/>
+              </a:lnSpc>
+            </a:pPr>
+            <a:endParaRPr lang="en-US" dirty="0"/>
+          </a:p>
+        </p:txBody>
+      </p:sp>
+      <p:sp>
+        <p:nvSpPr>
+          <p:cNvPr id="9" name="TextBox 8">
+            <a:extLst>
+              <a:ext uri="{FF2B5EF4-FFF2-40B4-BE49-F238E27FC236}">
+                <a16:creationId xmlns:a16="http://schemas.microsoft.com/office/drawing/2014/main" id="{EA4853CD-8614-95AA-C341-E49641DA6302}"/>
+              </a:ext>
+            </a:extLst>
+          </p:cNvPr>
+          <p:cNvSpPr txBox="1"/>
+          <p:nvPr/>
+        </p:nvSpPr>
+        <p:spPr>
+          <a:xfrm>
+            <a:off x="5935980" y="283536"/>
+            <a:ext cx="5887085" cy="5669244"/>
+          </a:xfrm>
+          <a:prstGeom prst="rect">
+            <a:avLst/>
+          </a:prstGeom>
+          <a:noFill/>
+        </p:spPr>
+        <p:txBody>
+          <a:bodyPr wrap="square" lIns="118872" tIns="91440" rIns="118872" bIns="91440" rtlCol="0" anchor="ctr" anchorCtr="0">
+            <a:spAutoFit/>
+          </a:bodyPr>
+          <a:lstStyle/>
+          <a:p>
+            <a:pPr algn="l">
+              <a:lnSpc>
+                <a:spcPct val="90000"/>
+              </a:lnSpc>
+            </a:pPr>
+            <a:r>
+              <a:rPr lang="en-US" dirty="0"/>
+              <a:t>A better example</a:t>
+            </a:r>
+          </a:p>
+          <a:p>
+            <a:pPr algn="l">
+              <a:lnSpc>
+                <a:spcPct val="90000"/>
+              </a:lnSpc>
+            </a:pPr>
+            <a:endParaRPr lang="en-US" b="1" u="sng" dirty="0"/>
+          </a:p>
+          <a:p>
+            <a:pPr algn="l">
+              <a:lnSpc>
+                <a:spcPct val="90000"/>
+              </a:lnSpc>
+            </a:pPr>
+            <a:r>
+              <a:rPr lang="en-US" b="1" u="sng" dirty="0"/>
+              <a:t>Monday July 25, 2022</a:t>
+            </a:r>
+            <a:r>
+              <a:rPr lang="en-US" dirty="0"/>
+              <a:t> (Jared)</a:t>
+            </a:r>
+          </a:p>
+          <a:p>
+            <a:pPr algn="l">
+              <a:lnSpc>
+                <a:spcPct val="90000"/>
+              </a:lnSpc>
+            </a:pPr>
+            <a:r>
+              <a:rPr lang="en-US" b="1" dirty="0"/>
+              <a:t>9:05 am </a:t>
+            </a:r>
+            <a:r>
+              <a:rPr lang="en-US" dirty="0"/>
+              <a:t>- Continuing work for study ABC.  (See July 7)</a:t>
+            </a:r>
+          </a:p>
+          <a:p>
+            <a:pPr algn="l">
+              <a:lnSpc>
+                <a:spcPct val="90000"/>
+              </a:lnSpc>
+            </a:pPr>
+            <a:r>
+              <a:rPr lang="en-US" dirty="0"/>
+              <a:t>- I presently believe that if A happens, then B must also happen.</a:t>
+            </a:r>
+          </a:p>
+          <a:p>
+            <a:pPr algn="l">
+              <a:lnSpc>
+                <a:spcPct val="90000"/>
+              </a:lnSpc>
+            </a:pPr>
+            <a:r>
+              <a:rPr lang="en-US" dirty="0"/>
+              <a:t>- To verify this, I intend to</a:t>
+            </a:r>
+          </a:p>
+          <a:p>
+            <a:pPr marL="742950" lvl="1" indent="-285750">
+              <a:lnSpc>
+                <a:spcPct val="90000"/>
+              </a:lnSpc>
+              <a:buFont typeface="Arial" panose="020B0604020202020204" pitchFamily="34" charset="0"/>
+              <a:buChar char="•"/>
+            </a:pPr>
+            <a:r>
+              <a:rPr lang="en-US" dirty="0"/>
+              <a:t>…</a:t>
+            </a:r>
+          </a:p>
+          <a:p>
+            <a:pPr marL="742950" lvl="1" indent="-285750">
+              <a:lnSpc>
+                <a:spcPct val="90000"/>
+              </a:lnSpc>
+              <a:buFont typeface="Arial" panose="020B0604020202020204" pitchFamily="34" charset="0"/>
+              <a:buChar char="•"/>
+            </a:pPr>
+            <a:r>
+              <a:rPr lang="en-US" dirty="0"/>
+              <a:t>***</a:t>
+            </a:r>
+          </a:p>
+          <a:p>
+            <a:pPr>
+              <a:lnSpc>
+                <a:spcPct val="90000"/>
+              </a:lnSpc>
+            </a:pPr>
+            <a:r>
+              <a:rPr lang="en-US" b="1" dirty="0"/>
+              <a:t>9:30 am </a:t>
+            </a:r>
+            <a:r>
+              <a:rPr lang="en-US" dirty="0"/>
+              <a:t>- Started executing this experiment on Bebop.</a:t>
+            </a:r>
+          </a:p>
+          <a:p>
+            <a:pPr marL="742950" lvl="1" indent="-285750">
+              <a:lnSpc>
+                <a:spcPct val="90000"/>
+              </a:lnSpc>
+              <a:buFont typeface="Arial" panose="020B0604020202020204" pitchFamily="34" charset="0"/>
+              <a:buChar char="•"/>
+            </a:pPr>
+            <a:r>
+              <a:rPr lang="en-US" dirty="0"/>
+              <a:t>Built debug version of binary with Intel 20.4</a:t>
+            </a:r>
+          </a:p>
+          <a:p>
+            <a:pPr marL="742950" lvl="1" indent="-285750">
+              <a:lnSpc>
+                <a:spcPct val="90000"/>
+              </a:lnSpc>
+              <a:buFont typeface="Arial" panose="020B0604020202020204" pitchFamily="34" charset="0"/>
+              <a:buChar char="•"/>
+            </a:pPr>
+            <a:r>
+              <a:rPr lang="en-US" dirty="0"/>
+              <a:t>Based on </a:t>
+            </a:r>
+            <a:r>
+              <a:rPr lang="en-US" u="sng" dirty="0"/>
+              <a:t>clean</a:t>
+            </a:r>
+            <a:r>
+              <a:rPr lang="en-US" dirty="0"/>
+              <a:t> commit 5a43b21c</a:t>
+            </a:r>
+          </a:p>
+          <a:p>
+            <a:pPr marL="742950" lvl="1" indent="-285750">
+              <a:lnSpc>
+                <a:spcPct val="90000"/>
+              </a:lnSpc>
+              <a:buFont typeface="Arial" panose="020B0604020202020204" pitchFamily="34" charset="0"/>
+              <a:buChar char="•"/>
+            </a:pPr>
+            <a:r>
+              <a:rPr lang="en-US" dirty="0"/>
+              <a:t>Build log saved to </a:t>
+            </a:r>
+            <a:r>
+              <a:rPr lang="en-US" dirty="0">
+                <a:latin typeface="American Typewriter" panose="02090604020004020304" pitchFamily="18" charset="77"/>
+              </a:rPr>
+              <a:t>my_test_2022.log</a:t>
+            </a:r>
+          </a:p>
+          <a:p>
+            <a:pPr marL="742950" lvl="1" indent="-285750">
+              <a:lnSpc>
+                <a:spcPct val="90000"/>
+              </a:lnSpc>
+              <a:buFont typeface="Arial" panose="020B0604020202020204" pitchFamily="34" charset="0"/>
+              <a:buChar char="•"/>
+            </a:pPr>
+            <a:r>
+              <a:rPr lang="en-US" dirty="0"/>
+              <a:t>No errors or warnings emitted</a:t>
+            </a:r>
+          </a:p>
+          <a:p>
+            <a:pPr marL="742950" lvl="1" indent="-285750">
+              <a:lnSpc>
+                <a:spcPct val="90000"/>
+              </a:lnSpc>
+              <a:buFont typeface="Arial" panose="020B0604020202020204" pitchFamily="34" charset="0"/>
+              <a:buChar char="•"/>
+            </a:pPr>
+            <a:r>
+              <a:rPr lang="en-US" dirty="0"/>
+              <a:t>Used job script </a:t>
+            </a:r>
+            <a:r>
+              <a:rPr lang="en-US" dirty="0" err="1">
+                <a:latin typeface="American Typewriter" panose="02090604020004020304" pitchFamily="18" charset="77"/>
+              </a:rPr>
+              <a:t>run_my_test</a:t>
+            </a:r>
+            <a:r>
+              <a:rPr lang="en-US" dirty="0">
+                <a:latin typeface="American Typewriter" panose="02090604020004020304" pitchFamily="18" charset="77"/>
+              </a:rPr>
+              <a:t> </a:t>
+            </a:r>
+            <a:r>
+              <a:rPr lang="en-US" dirty="0"/>
+              <a:t>with configuration 24 (Job ID 123456)</a:t>
+            </a:r>
+          </a:p>
+          <a:p>
+            <a:pPr marL="742950" lvl="1" indent="-285750">
+              <a:lnSpc>
+                <a:spcPct val="90000"/>
+              </a:lnSpc>
+              <a:buFont typeface="Arial" panose="020B0604020202020204" pitchFamily="34" charset="0"/>
+              <a:buChar char="•"/>
+            </a:pPr>
+            <a:r>
+              <a:rPr lang="en-US" dirty="0" err="1"/>
+              <a:t>Stdout</a:t>
+            </a:r>
+            <a:r>
+              <a:rPr lang="en-US" dirty="0"/>
+              <a:t>/err &amp; results saved in folder ABC</a:t>
+            </a:r>
+          </a:p>
+          <a:p>
+            <a:pPr>
+              <a:lnSpc>
+                <a:spcPct val="90000"/>
+              </a:lnSpc>
+            </a:pPr>
+            <a:r>
+              <a:rPr lang="en-US" b="1" dirty="0"/>
+              <a:t>10:07 am </a:t>
+            </a:r>
+            <a:r>
+              <a:rPr lang="en-US" dirty="0"/>
+              <a:t>- Analysis run with script </a:t>
+            </a:r>
+            <a:r>
+              <a:rPr lang="en-US" dirty="0" err="1">
+                <a:latin typeface="American Typewriter" panose="02090604020004020304" pitchFamily="18" charset="77"/>
+              </a:rPr>
+              <a:t>analyze_my_test.py</a:t>
+            </a:r>
+            <a:r>
+              <a:rPr lang="en-US" dirty="0">
+                <a:latin typeface="American Typewriter" panose="02090604020004020304" pitchFamily="18" charset="77"/>
+              </a:rPr>
+              <a:t> </a:t>
+            </a:r>
+            <a:r>
+              <a:rPr lang="en-US" dirty="0"/>
+              <a:t>and results saved in same folder.</a:t>
+            </a:r>
+          </a:p>
+          <a:p>
+            <a:pPr>
+              <a:lnSpc>
+                <a:spcPct val="90000"/>
+              </a:lnSpc>
+            </a:pPr>
+            <a:r>
+              <a:rPr lang="en-US" dirty="0"/>
+              <a:t>- Since no peak seen around 1.5 MeV, I was wrong.  But based on this, I now </a:t>
+            </a:r>
+            <a:r>
+              <a:rPr lang="en-US" i="1" dirty="0"/>
+              <a:t>believe</a:t>
+            </a:r>
+            <a:r>
+              <a:rPr lang="en-US" dirty="0"/>
+              <a:t> that if A happens, then C must also happen.</a:t>
+            </a:r>
           </a:p>
         </p:txBody>
       </p:sp>
     </p:spTree>
     <p:extLst>
       <p:ext uri="{BB962C8B-B14F-4D97-AF65-F5344CB8AC3E}">
-        <p14:creationId xmlns:p14="http://schemas.microsoft.com/office/powerpoint/2010/main" val="2257096921"/>
+        <p14:creationId xmlns:p14="http://schemas.microsoft.com/office/powerpoint/2010/main" val="3878095345"/>
       </p:ext>
     </p:extLst>
   </p:cSld>
@@ -8179,7 +8471,7 @@
           <p:cNvPr id="2" name="Title 1">
             <a:extLst>
               <a:ext uri="{FF2B5EF4-FFF2-40B4-BE49-F238E27FC236}">
-                <a16:creationId xmlns:a16="http://schemas.microsoft.com/office/drawing/2014/main" id="{914D1871-6578-CE2C-CEDE-6D61809C72C6}"/>
+                <a16:creationId xmlns:a16="http://schemas.microsoft.com/office/drawing/2014/main" id="{584ACD2F-B0D4-4783-5910-05FB02545B06}"/>
               </a:ext>
             </a:extLst>
           </p:cNvPr>
@@ -8197,17 +8489,207 @@
           <a:p>
             <a:r>
               <a:rPr lang="en-US" dirty="0"/>
-              <a:t>Example notebook entries</a:t>
-            </a:r>
-          </a:p>
-        </p:txBody>
-      </p:sp>
-      <p:sp>
-        <p:nvSpPr>
-          <p:cNvPr id="8" name="TextBox 7">
+              <a:t>Nothing beats good </a:t>
+            </a:r>
+            <a:r>
+              <a:rPr lang="en-US" dirty="0" err="1"/>
+              <a:t>ol</a:t>
+            </a:r>
+            <a:r>
+              <a:rPr lang="en-US" dirty="0"/>
+              <a:t>’ pen and paper</a:t>
+            </a:r>
+          </a:p>
+        </p:txBody>
+      </p:sp>
+      <p:sp>
+        <p:nvSpPr>
+          <p:cNvPr id="4" name="Text Placeholder 3">
             <a:extLst>
               <a:ext uri="{FF2B5EF4-FFF2-40B4-BE49-F238E27FC236}">
-                <a16:creationId xmlns:a16="http://schemas.microsoft.com/office/drawing/2014/main" id="{42B00271-B090-7E98-2613-C5ACE15A4551}"/>
+                <a16:creationId xmlns:a16="http://schemas.microsoft.com/office/drawing/2014/main" id="{3C225170-B825-8E65-4107-25733A185B12}"/>
+              </a:ext>
+            </a:extLst>
+          </p:cNvPr>
+          <p:cNvSpPr>
+            <a:spLocks noGrp="1"/>
+          </p:cNvSpPr>
+          <p:nvPr>
+            <p:ph type="body" idx="1"/>
+          </p:nvPr>
+        </p:nvSpPr>
+        <p:spPr>
+          <a:xfrm>
+            <a:off x="457200" y="2546822"/>
+            <a:ext cx="5588582" cy="821190"/>
+          </a:xfrm>
+        </p:spPr>
+        <p:txBody>
+          <a:bodyPr/>
+          <a:lstStyle/>
+          <a:p>
+            <a:r>
+              <a:rPr lang="en-US" sz="2000" dirty="0"/>
+              <a:t>Pen &amp; Paper Pros</a:t>
+            </a:r>
+          </a:p>
+        </p:txBody>
+      </p:sp>
+      <p:sp>
+        <p:nvSpPr>
+          <p:cNvPr id="3" name="Content Placeholder 2">
+            <a:extLst>
+              <a:ext uri="{FF2B5EF4-FFF2-40B4-BE49-F238E27FC236}">
+                <a16:creationId xmlns:a16="http://schemas.microsoft.com/office/drawing/2014/main" id="{F9258E3C-1D8D-18BD-90A6-502B818DA2CC}"/>
+              </a:ext>
+            </a:extLst>
+          </p:cNvPr>
+          <p:cNvSpPr>
+            <a:spLocks noGrp="1"/>
+          </p:cNvSpPr>
+          <p:nvPr>
+            <p:ph sz="half" idx="2"/>
+          </p:nvPr>
+        </p:nvSpPr>
+        <p:spPr>
+          <a:xfrm>
+            <a:off x="457200" y="3368012"/>
+            <a:ext cx="5588582" cy="3373229"/>
+          </a:xfrm>
+        </p:spPr>
+        <p:txBody>
+          <a:bodyPr/>
+          <a:lstStyle/>
+          <a:p>
+            <a:r>
+              <a:rPr lang="en-US" sz="2000" dirty="0"/>
+              <a:t>Most can use paper and pen in any situation</a:t>
+            </a:r>
+          </a:p>
+          <a:p>
+            <a:r>
+              <a:rPr lang="en-US" sz="2000" dirty="0"/>
+              <a:t>Open format can allow for creativity and easier annotation</a:t>
+            </a:r>
+          </a:p>
+          <a:p>
+            <a:r>
+              <a:rPr lang="en-US" sz="2000" dirty="0"/>
+              <a:t>Concentrate on the work rather than tooling</a:t>
+            </a:r>
+          </a:p>
+          <a:p>
+            <a:r>
+              <a:rPr lang="en-US" sz="2000" dirty="0"/>
+              <a:t>Good if notetaking slows down progress</a:t>
+            </a:r>
+          </a:p>
+          <a:p>
+            <a:r>
+              <a:rPr lang="en-US" sz="2000" dirty="0"/>
+              <a:t>Notebook is stored </a:t>
+            </a:r>
+            <a:r>
+              <a:rPr lang="en-US" sz="2000" b="1" dirty="0"/>
+              <a:t>publicly</a:t>
+            </a:r>
+            <a:r>
+              <a:rPr lang="en-US" sz="2000" dirty="0"/>
+              <a:t> next to where it is used</a:t>
+            </a:r>
+          </a:p>
+        </p:txBody>
+      </p:sp>
+      <p:sp>
+        <p:nvSpPr>
+          <p:cNvPr id="7" name="Text Placeholder 6">
+            <a:extLst>
+              <a:ext uri="{FF2B5EF4-FFF2-40B4-BE49-F238E27FC236}">
+                <a16:creationId xmlns:a16="http://schemas.microsoft.com/office/drawing/2014/main" id="{C7D2FAF1-99B6-77D6-67CA-9BCD3AF3390A}"/>
+              </a:ext>
+            </a:extLst>
+          </p:cNvPr>
+          <p:cNvSpPr>
+            <a:spLocks noGrp="1"/>
+          </p:cNvSpPr>
+          <p:nvPr>
+            <p:ph type="body" sz="quarter" idx="3"/>
+          </p:nvPr>
+        </p:nvSpPr>
+        <p:spPr>
+          <a:xfrm>
+            <a:off x="6218914" y="2546822"/>
+            <a:ext cx="5531934" cy="821190"/>
+          </a:xfrm>
+        </p:spPr>
+        <p:txBody>
+          <a:bodyPr/>
+          <a:lstStyle/>
+          <a:p>
+            <a:r>
+              <a:rPr lang="en-US" sz="2000" dirty="0"/>
+              <a:t>Electronic Woes</a:t>
+            </a:r>
+          </a:p>
+        </p:txBody>
+      </p:sp>
+      <p:sp>
+        <p:nvSpPr>
+          <p:cNvPr id="9" name="Content Placeholder 8">
+            <a:extLst>
+              <a:ext uri="{FF2B5EF4-FFF2-40B4-BE49-F238E27FC236}">
+                <a16:creationId xmlns:a16="http://schemas.microsoft.com/office/drawing/2014/main" id="{3460387C-329A-6D82-3F47-363415AFE6DA}"/>
+              </a:ext>
+            </a:extLst>
+          </p:cNvPr>
+          <p:cNvSpPr>
+            <a:spLocks noGrp="1"/>
+          </p:cNvSpPr>
+          <p:nvPr>
+            <p:ph sz="quarter" idx="4"/>
+          </p:nvPr>
+        </p:nvSpPr>
+        <p:spPr>
+          <a:xfrm>
+            <a:off x="6218914" y="3368012"/>
+            <a:ext cx="5531934" cy="3373229"/>
+          </a:xfrm>
+        </p:spPr>
+        <p:txBody>
+          <a:bodyPr/>
+          <a:lstStyle/>
+          <a:p>
+            <a:r>
+              <a:rPr lang="en-US" sz="2000" dirty="0"/>
+              <a:t>Tied to technology that could fail</a:t>
+            </a:r>
+          </a:p>
+          <a:p>
+            <a:r>
+              <a:rPr lang="en-US" sz="2000" dirty="0"/>
+              <a:t>Overwhelming variety of possible solutions with different pros and cons</a:t>
+            </a:r>
+          </a:p>
+          <a:p>
+            <a:r>
+              <a:rPr lang="en-US" sz="2000" dirty="0"/>
+              <a:t>Uncertainty about future of tool, increased costs, inability to export</a:t>
+            </a:r>
+          </a:p>
+          <a:p>
+            <a:r>
+              <a:rPr lang="en-US" sz="2000" dirty="0"/>
+              <a:t>Does funding restrict where and how digital notes can be stored?</a:t>
+            </a:r>
+          </a:p>
+        </p:txBody>
+      </p:sp>
+      <p:sp>
+        <p:nvSpPr>
+          <p:cNvPr id="11" name="TextBox 10">
+            <a:extLst>
+              <a:ext uri="{FF2B5EF4-FFF2-40B4-BE49-F238E27FC236}">
+                <a16:creationId xmlns:a16="http://schemas.microsoft.com/office/drawing/2014/main" id="{4F5A0A35-B381-EDED-A055-E3A37D0AF05F}"/>
               </a:ext>
             </a:extLst>
           </p:cNvPr>
@@ -8216,8 +8698,8 @@
         </p:nvSpPr>
         <p:spPr>
           <a:xfrm>
-            <a:off x="365760" y="2081969"/>
-            <a:ext cx="3724033" cy="2179058"/>
+            <a:off x="437977" y="1003590"/>
+            <a:ext cx="11302919" cy="1323439"/>
           </a:xfrm>
           <a:prstGeom prst="rect">
             <a:avLst/>
@@ -8225,390 +8707,40 @@
           <a:noFill/>
         </p:spPr>
         <p:txBody>
-          <a:bodyPr wrap="none" lIns="118872" tIns="91440" rIns="118872" bIns="91440" rtlCol="0" anchor="ctr" anchorCtr="0">
+          <a:bodyPr wrap="square">
             <a:spAutoFit/>
           </a:bodyPr>
           <a:lstStyle/>
           <a:p>
-            <a:pPr algn="l">
-              <a:lnSpc>
-                <a:spcPct val="90000"/>
-              </a:lnSpc>
+            <a:pPr marL="0" indent="0">
+              <a:buNone/>
             </a:pPr>
             <a:r>
-              <a:rPr lang="en-US" dirty="0"/>
-              <a:t>A bad example</a:t>
-            </a:r>
-          </a:p>
-          <a:p>
-            <a:pPr algn="l">
-              <a:lnSpc>
-                <a:spcPct val="90000"/>
-              </a:lnSpc>
+              <a:rPr lang="en-US" sz="2000" dirty="0"/>
+              <a:t>“Since at least the 1990s, articles on technology have predicted the imminent, widespread adoption of electronic laboratory notebooks (ELNs) by researchers. It has yet to happen — but more and more scientists are taking the plunge.”</a:t>
+            </a:r>
+          </a:p>
+          <a:p>
+            <a:pPr marL="0" indent="0">
+              <a:buNone/>
             </a:pPr>
-            <a:endParaRPr lang="en-US" dirty="0"/>
-          </a:p>
-          <a:p>
-            <a:pPr algn="l">
-              <a:lnSpc>
-                <a:spcPct val="90000"/>
-              </a:lnSpc>
-            </a:pPr>
-            <a:r>
-              <a:rPr lang="en-US" b="1" u="sng" dirty="0"/>
-              <a:t>Monday July 25, 2022</a:t>
-            </a:r>
-          </a:p>
-          <a:p>
-            <a:pPr algn="l">
-              <a:lnSpc>
-                <a:spcPct val="90000"/>
-              </a:lnSpc>
-            </a:pPr>
-            <a:r>
-              <a:rPr lang="en-US" dirty="0"/>
-              <a:t>9:05 am - Do study ABC</a:t>
-            </a:r>
-          </a:p>
-          <a:p>
-            <a:pPr algn="l">
-              <a:lnSpc>
-                <a:spcPct val="90000"/>
-              </a:lnSpc>
-            </a:pPr>
-            <a:r>
-              <a:rPr lang="en-US" dirty="0"/>
-              <a:t>8:47 pm - Lot’s of interesting data!</a:t>
-            </a:r>
-          </a:p>
-          <a:p>
-            <a:pPr algn="l">
-              <a:lnSpc>
-                <a:spcPct val="90000"/>
-              </a:lnSpc>
-            </a:pPr>
-            <a:r>
-              <a:rPr lang="en-US" dirty="0"/>
-              <a:t>              - Results are in GCE</a:t>
-            </a:r>
-          </a:p>
-          <a:p>
-            <a:pPr algn="l">
-              <a:lnSpc>
-                <a:spcPct val="90000"/>
-              </a:lnSpc>
-            </a:pPr>
-            <a:endParaRPr lang="en-US" dirty="0"/>
-          </a:p>
-          <a:p>
-            <a:pPr algn="l">
-              <a:lnSpc>
-                <a:spcPct val="90000"/>
-              </a:lnSpc>
-            </a:pPr>
-            <a:endParaRPr lang="en-US" dirty="0"/>
-          </a:p>
-        </p:txBody>
-      </p:sp>
-      <p:sp>
-        <p:nvSpPr>
-          <p:cNvPr id="9" name="TextBox 8">
-            <a:extLst>
-              <a:ext uri="{FF2B5EF4-FFF2-40B4-BE49-F238E27FC236}">
-                <a16:creationId xmlns:a16="http://schemas.microsoft.com/office/drawing/2014/main" id="{EA4853CD-8614-95AA-C341-E49641DA6302}"/>
-              </a:ext>
-            </a:extLst>
-          </p:cNvPr>
-          <p:cNvSpPr txBox="1"/>
-          <p:nvPr/>
-        </p:nvSpPr>
-        <p:spPr>
-          <a:xfrm>
-            <a:off x="5935980" y="283536"/>
-            <a:ext cx="5887085" cy="5669244"/>
-          </a:xfrm>
-          <a:prstGeom prst="rect">
-            <a:avLst/>
-          </a:prstGeom>
-          <a:noFill/>
-        </p:spPr>
-        <p:txBody>
-          <a:bodyPr wrap="square" lIns="118872" tIns="91440" rIns="118872" bIns="91440" rtlCol="0" anchor="ctr" anchorCtr="0">
-            <a:spAutoFit/>
-          </a:bodyPr>
-          <a:lstStyle/>
-          <a:p>
-            <a:pPr algn="l">
-              <a:lnSpc>
-                <a:spcPct val="90000"/>
-              </a:lnSpc>
-            </a:pPr>
-            <a:r>
-              <a:rPr lang="en-US" dirty="0"/>
-              <a:t>A better example</a:t>
-            </a:r>
-          </a:p>
-          <a:p>
-            <a:pPr algn="l">
-              <a:lnSpc>
-                <a:spcPct val="90000"/>
-              </a:lnSpc>
-            </a:pPr>
-            <a:endParaRPr lang="en-US" b="1" u="sng" dirty="0"/>
-          </a:p>
-          <a:p>
-            <a:pPr algn="l">
-              <a:lnSpc>
-                <a:spcPct val="90000"/>
-              </a:lnSpc>
-            </a:pPr>
-            <a:r>
-              <a:rPr lang="en-US" b="1" u="sng" dirty="0"/>
-              <a:t>Monday July 25, 2022</a:t>
-            </a:r>
-            <a:r>
-              <a:rPr lang="en-US" dirty="0"/>
-              <a:t> (Jared)</a:t>
-            </a:r>
-          </a:p>
-          <a:p>
-            <a:pPr algn="l">
-              <a:lnSpc>
-                <a:spcPct val="90000"/>
-              </a:lnSpc>
-            </a:pPr>
-            <a:r>
-              <a:rPr lang="en-US" b="1" dirty="0"/>
-              <a:t>9:05 am </a:t>
-            </a:r>
-            <a:r>
-              <a:rPr lang="en-US" dirty="0"/>
-              <a:t>- Continuing work for study ABC.  (See July 7)</a:t>
-            </a:r>
-          </a:p>
-          <a:p>
-            <a:pPr algn="l">
-              <a:lnSpc>
-                <a:spcPct val="90000"/>
-              </a:lnSpc>
-            </a:pPr>
-            <a:r>
-              <a:rPr lang="en-US" dirty="0"/>
-              <a:t>- I presently believe that if A happens, then B must also happen.</a:t>
-            </a:r>
-          </a:p>
-          <a:p>
-            <a:pPr algn="l">
-              <a:lnSpc>
-                <a:spcPct val="90000"/>
-              </a:lnSpc>
-            </a:pPr>
-            <a:r>
-              <a:rPr lang="en-US" dirty="0"/>
-              <a:t>- To verify this, I intend to</a:t>
-            </a:r>
-          </a:p>
-          <a:p>
-            <a:pPr marL="742950" lvl="1" indent="-285750">
-              <a:lnSpc>
-                <a:spcPct val="90000"/>
-              </a:lnSpc>
-              <a:buFont typeface="Arial" panose="020B0604020202020204" pitchFamily="34" charset="0"/>
-              <a:buChar char="•"/>
-            </a:pPr>
-            <a:r>
-              <a:rPr lang="en-US" dirty="0"/>
-              <a:t>…</a:t>
-            </a:r>
-          </a:p>
-          <a:p>
-            <a:pPr marL="742950" lvl="1" indent="-285750">
-              <a:lnSpc>
-                <a:spcPct val="90000"/>
-              </a:lnSpc>
-              <a:buFont typeface="Arial" panose="020B0604020202020204" pitchFamily="34" charset="0"/>
-              <a:buChar char="•"/>
-            </a:pPr>
-            <a:r>
-              <a:rPr lang="en-US" dirty="0"/>
-              <a:t>***</a:t>
-            </a:r>
-          </a:p>
-          <a:p>
-            <a:pPr>
-              <a:lnSpc>
-                <a:spcPct val="90000"/>
-              </a:lnSpc>
-            </a:pPr>
-            <a:r>
-              <a:rPr lang="en-US" b="1" dirty="0"/>
-              <a:t>9:30 am </a:t>
-            </a:r>
-            <a:r>
-              <a:rPr lang="en-US" dirty="0"/>
-              <a:t>- Started executing this experiment on Bebop.</a:t>
-            </a:r>
-          </a:p>
-          <a:p>
-            <a:pPr marL="742950" lvl="1" indent="-285750">
-              <a:lnSpc>
-                <a:spcPct val="90000"/>
-              </a:lnSpc>
-              <a:buFont typeface="Arial" panose="020B0604020202020204" pitchFamily="34" charset="0"/>
-              <a:buChar char="•"/>
-            </a:pPr>
-            <a:r>
-              <a:rPr lang="en-US" dirty="0"/>
-              <a:t>Built debug version of binary with Intel 20.4</a:t>
-            </a:r>
-          </a:p>
-          <a:p>
-            <a:pPr marL="742950" lvl="1" indent="-285750">
-              <a:lnSpc>
-                <a:spcPct val="90000"/>
-              </a:lnSpc>
-              <a:buFont typeface="Arial" panose="020B0604020202020204" pitchFamily="34" charset="0"/>
-              <a:buChar char="•"/>
-            </a:pPr>
-            <a:r>
-              <a:rPr lang="en-US" dirty="0"/>
-              <a:t>Based on </a:t>
-            </a:r>
-            <a:r>
-              <a:rPr lang="en-US" u="sng" dirty="0"/>
-              <a:t>clean</a:t>
-            </a:r>
-            <a:r>
-              <a:rPr lang="en-US" dirty="0"/>
-              <a:t> commit 5a43b21c</a:t>
-            </a:r>
-          </a:p>
-          <a:p>
-            <a:pPr marL="742950" lvl="1" indent="-285750">
-              <a:lnSpc>
-                <a:spcPct val="90000"/>
-              </a:lnSpc>
-              <a:buFont typeface="Arial" panose="020B0604020202020204" pitchFamily="34" charset="0"/>
-              <a:buChar char="•"/>
-            </a:pPr>
-            <a:r>
-              <a:rPr lang="en-US" dirty="0"/>
-              <a:t>Build log saved to </a:t>
-            </a:r>
-            <a:r>
-              <a:rPr lang="en-US" dirty="0">
-                <a:latin typeface="American Typewriter" panose="02090604020004020304" pitchFamily="18" charset="77"/>
+            <a:r>
+              <a:rPr lang="en-US" sz="2000" dirty="0"/>
+              <a:t>	- </a:t>
+            </a:r>
+            <a:r>
+              <a:rPr lang="en-US" sz="1600" dirty="0"/>
+              <a:t>Roberta Kwok, </a:t>
+            </a:r>
+            <a:r>
+              <a:rPr lang="en-US" sz="1600" i="1" dirty="0">
+                <a:hlinkClick r:id="rId3"/>
               </a:rPr>
-              <a:t>my_test_2022.log</a:t>
-            </a:r>
-          </a:p>
-          <a:p>
-            <a:pPr marL="742950" lvl="1" indent="-285750">
-              <a:lnSpc>
-                <a:spcPct val="90000"/>
-              </a:lnSpc>
-              <a:buFont typeface="Arial" panose="020B0604020202020204" pitchFamily="34" charset="0"/>
-              <a:buChar char="•"/>
-            </a:pPr>
-            <a:r>
-              <a:rPr lang="en-US" dirty="0"/>
-              <a:t>No errors or warnings emitted</a:t>
-            </a:r>
-          </a:p>
-          <a:p>
-            <a:pPr marL="742950" lvl="1" indent="-285750">
-              <a:lnSpc>
-                <a:spcPct val="90000"/>
-              </a:lnSpc>
-              <a:buFont typeface="Arial" panose="020B0604020202020204" pitchFamily="34" charset="0"/>
-              <a:buChar char="•"/>
-            </a:pPr>
-            <a:r>
-              <a:rPr lang="en-US" dirty="0"/>
-              <a:t>Used job script </a:t>
-            </a:r>
-            <a:r>
-              <a:rPr lang="en-US" dirty="0" err="1">
-                <a:latin typeface="American Typewriter" panose="02090604020004020304" pitchFamily="18" charset="77"/>
-              </a:rPr>
-              <a:t>run_my_test</a:t>
-            </a:r>
-            <a:r>
-              <a:rPr lang="en-US" dirty="0">
-                <a:latin typeface="American Typewriter" panose="02090604020004020304" pitchFamily="18" charset="77"/>
-              </a:rPr>
-              <a:t> </a:t>
-            </a:r>
-            <a:r>
-              <a:rPr lang="en-US" dirty="0"/>
-              <a:t>with configuration 24 (Job ID 123456)</a:t>
-            </a:r>
-          </a:p>
-          <a:p>
-            <a:pPr marL="742950" lvl="1" indent="-285750">
-              <a:lnSpc>
-                <a:spcPct val="90000"/>
-              </a:lnSpc>
-              <a:buFont typeface="Arial" panose="020B0604020202020204" pitchFamily="34" charset="0"/>
-              <a:buChar char="•"/>
-            </a:pPr>
-            <a:r>
-              <a:rPr lang="en-US" dirty="0" err="1"/>
-              <a:t>Stdout</a:t>
-            </a:r>
-            <a:r>
-              <a:rPr lang="en-US" dirty="0"/>
-              <a:t>/err &amp; results saved in folder ABC</a:t>
-            </a:r>
-          </a:p>
-          <a:p>
-            <a:pPr>
-              <a:lnSpc>
-                <a:spcPct val="90000"/>
-              </a:lnSpc>
-            </a:pPr>
-            <a:r>
-              <a:rPr lang="en-US" b="1" dirty="0"/>
-              <a:t>10:07 am </a:t>
-            </a:r>
-            <a:r>
-              <a:rPr lang="en-US" dirty="0"/>
-              <a:t>- Analysis run with script </a:t>
-            </a:r>
-            <a:r>
-              <a:rPr lang="en-US" dirty="0" err="1">
-                <a:latin typeface="American Typewriter" panose="02090604020004020304" pitchFamily="18" charset="77"/>
-              </a:rPr>
-              <a:t>analyze_my_test.py</a:t>
-            </a:r>
-            <a:r>
-              <a:rPr lang="en-US" dirty="0">
-                <a:latin typeface="American Typewriter" panose="02090604020004020304" pitchFamily="18" charset="77"/>
-              </a:rPr>
-              <a:t> </a:t>
-            </a:r>
-            <a:r>
-              <a:rPr lang="en-US" dirty="0"/>
-              <a:t>and results saved in same folder.</a:t>
-            </a:r>
-          </a:p>
-          <a:p>
-            <a:pPr>
-              <a:lnSpc>
-                <a:spcPct val="90000"/>
-              </a:lnSpc>
-            </a:pPr>
-            <a:r>
-              <a:rPr lang="en-US" dirty="0"/>
-              <a:t>- Since no peak seen around 1.5 MeV, I was wrong.  But based on this, I now </a:t>
-            </a:r>
-            <a:r>
-              <a:rPr lang="en-US" i="1" dirty="0"/>
-              <a:t>believe</a:t>
-            </a:r>
-            <a:r>
-              <a:rPr lang="en-US" dirty="0"/>
-              <a:t> that if A happens, then C must also happen.</a:t>
+              <a:t>How to pick an electronic laboratory notebook</a:t>
+            </a:r>
+            <a:r>
+              <a:rPr lang="en-US" sz="1600" dirty="0"/>
+              <a:t>, Nature</a:t>
             </a:r>
           </a:p>
         </p:txBody>
@@ -8616,7 +8748,7 @@
     </p:spTree>
     <p:extLst>
       <p:ext uri="{BB962C8B-B14F-4D97-AF65-F5344CB8AC3E}">
-        <p14:creationId xmlns:p14="http://schemas.microsoft.com/office/powerpoint/2010/main" val="3878095345"/>
+        <p14:creationId xmlns:p14="http://schemas.microsoft.com/office/powerpoint/2010/main" val="2028353678"/>
       </p:ext>
     </p:extLst>
   </p:cSld>
@@ -8648,7 +8780,7 @@
           <p:cNvPr id="2" name="Title 1">
             <a:extLst>
               <a:ext uri="{FF2B5EF4-FFF2-40B4-BE49-F238E27FC236}">
-                <a16:creationId xmlns:a16="http://schemas.microsoft.com/office/drawing/2014/main" id="{584ACD2F-B0D4-4783-5910-05FB02545B06}"/>
+                <a16:creationId xmlns:a16="http://schemas.microsoft.com/office/drawing/2014/main" id="{4118D88C-7B28-1754-36A6-873750233694}"/>
               </a:ext>
             </a:extLst>
           </p:cNvPr>
@@ -8666,25 +8798,17 @@
           <a:p>
             <a:r>
               <a:rPr lang="en-US" dirty="0"/>
-              <a:t>Nothing beats good </a:t>
-            </a:r>
-            <a:r>
-              <a:rPr lang="en-US" dirty="0" err="1"/>
-              <a:t>ol</a:t>
-            </a:r>
-            <a:r>
-              <a:rPr lang="en-US" dirty="0"/>
-              <a:t>’ pen and paper</a:t>
-            </a:r>
-          </a:p>
-        </p:txBody>
-      </p:sp>
-      <p:sp>
-        <p:nvSpPr>
-          <p:cNvPr id="4" name="Text Placeholder 3">
+              <a:t>Criteria for lab notebooks for computing?</a:t>
+            </a:r>
+          </a:p>
+        </p:txBody>
+      </p:sp>
+      <p:sp>
+        <p:nvSpPr>
+          <p:cNvPr id="3" name="Content Placeholder 2">
             <a:extLst>
               <a:ext uri="{FF2B5EF4-FFF2-40B4-BE49-F238E27FC236}">
-                <a16:creationId xmlns:a16="http://schemas.microsoft.com/office/drawing/2014/main" id="{3C225170-B825-8E65-4107-25733A185B12}"/>
+                <a16:creationId xmlns:a16="http://schemas.microsoft.com/office/drawing/2014/main" id="{F77746CD-E501-0512-A2E3-3EA3A7A9AF56}"/>
               </a:ext>
             </a:extLst>
           </p:cNvPr>
@@ -8692,181 +8816,61 @@
             <a:spLocks noGrp="1"/>
           </p:cNvSpPr>
           <p:nvPr>
-            <p:ph type="body" idx="1"/>
-          </p:nvPr>
-        </p:nvSpPr>
-        <p:spPr>
-          <a:xfrm>
-            <a:off x="457200" y="2546822"/>
-            <a:ext cx="5588582" cy="821190"/>
-          </a:xfrm>
-        </p:spPr>
+            <p:ph idx="1"/>
+          </p:nvPr>
+        </p:nvSpPr>
+        <p:spPr/>
         <p:txBody>
           <a:bodyPr/>
           <a:lstStyle/>
           <a:p>
             <a:r>
-              <a:rPr lang="en-US" sz="2000" dirty="0"/>
-              <a:t>Pen &amp; Paper Pros</a:t>
-            </a:r>
-          </a:p>
-        </p:txBody>
-      </p:sp>
-      <p:sp>
-        <p:nvSpPr>
-          <p:cNvPr id="3" name="Content Placeholder 2">
+              <a:rPr lang="en-US" b="1" dirty="0"/>
+              <a:t>Paper won’t work.  </a:t>
+            </a:r>
+            <a:r>
+              <a:rPr lang="en-US" dirty="0"/>
+              <a:t>We work anywhere and sometimes in distributed way.</a:t>
+            </a:r>
+          </a:p>
+          <a:p>
+            <a:r>
+              <a:rPr lang="en-US" dirty="0"/>
+              <a:t>Should notebooks be public and how to do that?</a:t>
+            </a:r>
+          </a:p>
+          <a:p>
+            <a:r>
+              <a:rPr lang="en-US" dirty="0"/>
+              <a:t>How many different types of notebooks do we need?</a:t>
+            </a:r>
+          </a:p>
+          <a:p>
+            <a:r>
+              <a:rPr lang="en-US" dirty="0"/>
+              <a:t>Do we use a single ELN or distribute notes across a suite of tools?</a:t>
+            </a:r>
+          </a:p>
+          <a:p>
+            <a:r>
+              <a:rPr lang="en-US" dirty="0"/>
+              <a:t>How can we use automation appropriately to overcome difficulties and increase productivity?</a:t>
+            </a:r>
+          </a:p>
+          <a:p>
+            <a:pPr marL="0" indent="0">
+              <a:buNone/>
+            </a:pPr>
+            <a:endParaRPr lang="en-US" dirty="0"/>
+          </a:p>
+        </p:txBody>
+      </p:sp>
+      <p:sp>
+        <p:nvSpPr>
+          <p:cNvPr id="6" name="TextBox 5">
             <a:extLst>
               <a:ext uri="{FF2B5EF4-FFF2-40B4-BE49-F238E27FC236}">
-                <a16:creationId xmlns:a16="http://schemas.microsoft.com/office/drawing/2014/main" id="{F9258E3C-1D8D-18BD-90A6-502B818DA2CC}"/>
-              </a:ext>
-            </a:extLst>
-          </p:cNvPr>
-          <p:cNvSpPr>
-            <a:spLocks noGrp="1"/>
-          </p:cNvSpPr>
-          <p:nvPr>
-            <p:ph sz="half" idx="2"/>
-          </p:nvPr>
-        </p:nvSpPr>
-        <p:spPr>
-          <a:xfrm>
-            <a:off x="457200" y="3368012"/>
-            <a:ext cx="5588582" cy="3373229"/>
-          </a:xfrm>
-        </p:spPr>
-        <p:txBody>
-          <a:bodyPr/>
-          <a:lstStyle/>
-          <a:p>
-            <a:r>
-              <a:rPr lang="en-US" sz="2000" dirty="0"/>
-              <a:t>Most can use paper and pen in any situation</a:t>
-            </a:r>
-          </a:p>
-          <a:p>
-            <a:r>
-              <a:rPr lang="en-US" sz="2000" dirty="0"/>
-              <a:t>Open format can allow for creativity and easier annotation</a:t>
-            </a:r>
-          </a:p>
-          <a:p>
-            <a:r>
-              <a:rPr lang="en-US" sz="2000" dirty="0"/>
-              <a:t>Concentrate on the work rather than tooling</a:t>
-            </a:r>
-          </a:p>
-          <a:p>
-            <a:r>
-              <a:rPr lang="en-US" sz="2000" dirty="0"/>
-              <a:t>Good if notetaking slows down progress</a:t>
-            </a:r>
-          </a:p>
-          <a:p>
-            <a:r>
-              <a:rPr lang="en-US" sz="2000" dirty="0"/>
-              <a:t>Notebook is stored </a:t>
-            </a:r>
-            <a:r>
-              <a:rPr lang="en-US" sz="2000" b="1" dirty="0"/>
-              <a:t>publicly</a:t>
-            </a:r>
-            <a:r>
-              <a:rPr lang="en-US" sz="2000" dirty="0"/>
-              <a:t> next to where it is used</a:t>
-            </a:r>
-          </a:p>
-        </p:txBody>
-      </p:sp>
-      <p:sp>
-        <p:nvSpPr>
-          <p:cNvPr id="7" name="Text Placeholder 6">
-            <a:extLst>
-              <a:ext uri="{FF2B5EF4-FFF2-40B4-BE49-F238E27FC236}">
-                <a16:creationId xmlns:a16="http://schemas.microsoft.com/office/drawing/2014/main" id="{C7D2FAF1-99B6-77D6-67CA-9BCD3AF3390A}"/>
-              </a:ext>
-            </a:extLst>
-          </p:cNvPr>
-          <p:cNvSpPr>
-            <a:spLocks noGrp="1"/>
-          </p:cNvSpPr>
-          <p:nvPr>
-            <p:ph type="body" sz="quarter" idx="3"/>
-          </p:nvPr>
-        </p:nvSpPr>
-        <p:spPr>
-          <a:xfrm>
-            <a:off x="6218914" y="2546822"/>
-            <a:ext cx="5531934" cy="821190"/>
-          </a:xfrm>
-        </p:spPr>
-        <p:txBody>
-          <a:bodyPr/>
-          <a:lstStyle/>
-          <a:p>
-            <a:r>
-              <a:rPr lang="en-US" sz="2000" dirty="0"/>
-              <a:t>Electronic Woes</a:t>
-            </a:r>
-          </a:p>
-        </p:txBody>
-      </p:sp>
-      <p:sp>
-        <p:nvSpPr>
-          <p:cNvPr id="9" name="Content Placeholder 8">
-            <a:extLst>
-              <a:ext uri="{FF2B5EF4-FFF2-40B4-BE49-F238E27FC236}">
-                <a16:creationId xmlns:a16="http://schemas.microsoft.com/office/drawing/2014/main" id="{3460387C-329A-6D82-3F47-363415AFE6DA}"/>
-              </a:ext>
-            </a:extLst>
-          </p:cNvPr>
-          <p:cNvSpPr>
-            <a:spLocks noGrp="1"/>
-          </p:cNvSpPr>
-          <p:nvPr>
-            <p:ph sz="quarter" idx="4"/>
-          </p:nvPr>
-        </p:nvSpPr>
-        <p:spPr>
-          <a:xfrm>
-            <a:off x="6218914" y="3368012"/>
-            <a:ext cx="5531934" cy="3373229"/>
-          </a:xfrm>
-        </p:spPr>
-        <p:txBody>
-          <a:bodyPr/>
-          <a:lstStyle/>
-          <a:p>
-            <a:r>
-              <a:rPr lang="en-US" sz="2000" dirty="0"/>
-              <a:t>Tied to technology that could fail</a:t>
-            </a:r>
-          </a:p>
-          <a:p>
-            <a:r>
-              <a:rPr lang="en-US" sz="2000" dirty="0"/>
-              <a:t>Overwhelming variety of possible solutions with different pros and cons</a:t>
-            </a:r>
-          </a:p>
-          <a:p>
-            <a:r>
-              <a:rPr lang="en-US" sz="2000" dirty="0"/>
-              <a:t>Uncertainty about future of tool, increased costs, inability to export</a:t>
-            </a:r>
-          </a:p>
-          <a:p>
-            <a:r>
-              <a:rPr lang="en-US" sz="2000" dirty="0"/>
-              <a:t>Does funding restrict where and how digital notes can be stored?</a:t>
-            </a:r>
-          </a:p>
-        </p:txBody>
-      </p:sp>
-      <p:sp>
-        <p:nvSpPr>
-          <p:cNvPr id="11" name="TextBox 10">
-            <a:extLst>
-              <a:ext uri="{FF2B5EF4-FFF2-40B4-BE49-F238E27FC236}">
-                <a16:creationId xmlns:a16="http://schemas.microsoft.com/office/drawing/2014/main" id="{4F5A0A35-B381-EDED-A055-E3A37D0AF05F}"/>
+                <a16:creationId xmlns:a16="http://schemas.microsoft.com/office/drawing/2014/main" id="{C44A63BE-444C-487D-FF8C-6D5A3E79CAEE}"/>
               </a:ext>
             </a:extLst>
           </p:cNvPr>
@@ -8875,8 +8879,8 @@
         </p:nvSpPr>
         <p:spPr>
           <a:xfrm>
-            <a:off x="437977" y="1003590"/>
-            <a:ext cx="11302919" cy="1323439"/>
+            <a:off x="3155530" y="5108463"/>
+            <a:ext cx="5877764" cy="461665"/>
           </a:xfrm>
           <a:prstGeom prst="rect">
             <a:avLst/>
@@ -8884,40 +8888,15 @@
           <a:noFill/>
         </p:spPr>
         <p:txBody>
-          <a:bodyPr wrap="square">
+          <a:bodyPr wrap="none" rtlCol="0">
             <a:spAutoFit/>
           </a:bodyPr>
           <a:lstStyle/>
           <a:p>
-            <a:pPr marL="0" indent="0">
-              <a:buNone/>
-            </a:pPr>
-            <a:r>
-              <a:rPr lang="en-US" sz="2000" dirty="0"/>
-              <a:t>“Since at least the 1990s, articles on technology have predicted the imminent, widespread adoption of electronic laboratory notebooks (ELNs) by researchers. It has yet to happen — but more and more scientists are taking the plunge.”</a:t>
-            </a:r>
-          </a:p>
-          <a:p>
-            <a:pPr marL="0" indent="0">
-              <a:buNone/>
-            </a:pPr>
-            <a:r>
-              <a:rPr lang="en-US" sz="2000" dirty="0"/>
-              <a:t>	- </a:t>
-            </a:r>
-            <a:r>
-              <a:rPr lang="en-US" sz="1600" dirty="0"/>
-              <a:t>Roberta Kwok, </a:t>
-            </a:r>
-            <a:r>
-              <a:rPr lang="en-US" sz="1600" i="1" dirty="0">
-                <a:hlinkClick r:id="rId3"/>
-              </a:rPr>
-              <a:t>How to pick an electronic laboratory notebook</a:t>
-            </a:r>
-            <a:r>
-              <a:rPr lang="en-US" sz="1600" dirty="0"/>
-              <a:t>, Nature</a:t>
+            <a:pPr algn="ctr"/>
+            <a:r>
+              <a:rPr lang="en-US" sz="2400" dirty="0"/>
+              <a:t>We likely need many streams of lab notes</a:t>
             </a:r>
           </a:p>
         </p:txBody>
@@ -8925,7 +8904,7 @@
     </p:spTree>
     <p:extLst>
       <p:ext uri="{BB962C8B-B14F-4D97-AF65-F5344CB8AC3E}">
-        <p14:creationId xmlns:p14="http://schemas.microsoft.com/office/powerpoint/2010/main" val="2028353678"/>
+        <p14:creationId xmlns:p14="http://schemas.microsoft.com/office/powerpoint/2010/main" val="2241001939"/>
       </p:ext>
     </p:extLst>
   </p:cSld>
@@ -8957,162 +8936,6 @@
           <p:cNvPr id="2" name="Title 1">
             <a:extLst>
               <a:ext uri="{FF2B5EF4-FFF2-40B4-BE49-F238E27FC236}">
-                <a16:creationId xmlns:a16="http://schemas.microsoft.com/office/drawing/2014/main" id="{4118D88C-7B28-1754-36A6-873750233694}"/>
-              </a:ext>
-            </a:extLst>
-          </p:cNvPr>
-          <p:cNvSpPr>
-            <a:spLocks noGrp="1"/>
-          </p:cNvSpPr>
-          <p:nvPr>
-            <p:ph type="title"/>
-          </p:nvPr>
-        </p:nvSpPr>
-        <p:spPr/>
-        <p:txBody>
-          <a:bodyPr/>
-          <a:lstStyle/>
-          <a:p>
-            <a:r>
-              <a:rPr lang="en-US" dirty="0"/>
-              <a:t>Criteria for lab notebooks for computing?</a:t>
-            </a:r>
-          </a:p>
-        </p:txBody>
-      </p:sp>
-      <p:sp>
-        <p:nvSpPr>
-          <p:cNvPr id="3" name="Content Placeholder 2">
-            <a:extLst>
-              <a:ext uri="{FF2B5EF4-FFF2-40B4-BE49-F238E27FC236}">
-                <a16:creationId xmlns:a16="http://schemas.microsoft.com/office/drawing/2014/main" id="{F77746CD-E501-0512-A2E3-3EA3A7A9AF56}"/>
-              </a:ext>
-            </a:extLst>
-          </p:cNvPr>
-          <p:cNvSpPr>
-            <a:spLocks noGrp="1"/>
-          </p:cNvSpPr>
-          <p:nvPr>
-            <p:ph idx="1"/>
-          </p:nvPr>
-        </p:nvSpPr>
-        <p:spPr/>
-        <p:txBody>
-          <a:bodyPr/>
-          <a:lstStyle/>
-          <a:p>
-            <a:r>
-              <a:rPr lang="en-US" b="1" dirty="0"/>
-              <a:t>Paper won’t work.  </a:t>
-            </a:r>
-            <a:r>
-              <a:rPr lang="en-US" dirty="0"/>
-              <a:t>We work anywhere and sometimes in distributed way.</a:t>
-            </a:r>
-          </a:p>
-          <a:p>
-            <a:r>
-              <a:rPr lang="en-US" dirty="0"/>
-              <a:t>Should notebooks be public and how to do that?</a:t>
-            </a:r>
-          </a:p>
-          <a:p>
-            <a:r>
-              <a:rPr lang="en-US" dirty="0"/>
-              <a:t>How many different types of notebooks do we need?</a:t>
-            </a:r>
-          </a:p>
-          <a:p>
-            <a:r>
-              <a:rPr lang="en-US" dirty="0"/>
-              <a:t>Do we use a single ELN or distribute notes across a suite of tools?</a:t>
-            </a:r>
-          </a:p>
-          <a:p>
-            <a:r>
-              <a:rPr lang="en-US" dirty="0"/>
-              <a:t>How can we use automation appropriately to overcome difficulties and increase productivity?</a:t>
-            </a:r>
-          </a:p>
-          <a:p>
-            <a:pPr marL="0" indent="0">
-              <a:buNone/>
-            </a:pPr>
-            <a:endParaRPr lang="en-US" dirty="0"/>
-          </a:p>
-        </p:txBody>
-      </p:sp>
-      <p:sp>
-        <p:nvSpPr>
-          <p:cNvPr id="6" name="TextBox 5">
-            <a:extLst>
-              <a:ext uri="{FF2B5EF4-FFF2-40B4-BE49-F238E27FC236}">
-                <a16:creationId xmlns:a16="http://schemas.microsoft.com/office/drawing/2014/main" id="{C44A63BE-444C-487D-FF8C-6D5A3E79CAEE}"/>
-              </a:ext>
-            </a:extLst>
-          </p:cNvPr>
-          <p:cNvSpPr txBox="1"/>
-          <p:nvPr/>
-        </p:nvSpPr>
-        <p:spPr>
-          <a:xfrm>
-            <a:off x="3155530" y="5108463"/>
-            <a:ext cx="5877764" cy="461665"/>
-          </a:xfrm>
-          <a:prstGeom prst="rect">
-            <a:avLst/>
-          </a:prstGeom>
-          <a:noFill/>
-        </p:spPr>
-        <p:txBody>
-          <a:bodyPr wrap="none" rtlCol="0">
-            <a:spAutoFit/>
-          </a:bodyPr>
-          <a:lstStyle/>
-          <a:p>
-            <a:pPr algn="ctr"/>
-            <a:r>
-              <a:rPr lang="en-US" sz="2400" dirty="0"/>
-              <a:t>We likely need many streams of lab notes</a:t>
-            </a:r>
-          </a:p>
-        </p:txBody>
-      </p:sp>
-    </p:spTree>
-    <p:extLst>
-      <p:ext uri="{BB962C8B-B14F-4D97-AF65-F5344CB8AC3E}">
-        <p14:creationId xmlns:p14="http://schemas.microsoft.com/office/powerpoint/2010/main" val="2241001939"/>
-      </p:ext>
-    </p:extLst>
-  </p:cSld>
-  <p:clrMapOvr>
-    <a:masterClrMapping/>
-  </p:clrMapOvr>
-</p:sld>
-</file>
-
-<file path=ppt/slides/slide18.xml><?xml version="1.0" encoding="utf-8"?>
-<p:sld xmlns:a="http://schemas.openxmlformats.org/drawingml/2006/main" xmlns:r="http://schemas.openxmlformats.org/officeDocument/2006/relationships" xmlns:p="http://schemas.openxmlformats.org/presentationml/2006/main">
-  <p:cSld>
-    <p:spTree>
-      <p:nvGrpSpPr>
-        <p:cNvPr id="1" name=""/>
-        <p:cNvGrpSpPr/>
-        <p:nvPr/>
-      </p:nvGrpSpPr>
-      <p:grpSpPr>
-        <a:xfrm>
-          <a:off x="0" y="0"/>
-          <a:ext cx="0" cy="0"/>
-          <a:chOff x="0" y="0"/>
-          <a:chExt cx="0" cy="0"/>
-        </a:xfrm>
-      </p:grpSpPr>
-      <p:sp>
-        <p:nvSpPr>
-          <p:cNvPr id="2" name="Title 1">
-            <a:extLst>
-              <a:ext uri="{FF2B5EF4-FFF2-40B4-BE49-F238E27FC236}">
                 <a16:creationId xmlns:a16="http://schemas.microsoft.com/office/drawing/2014/main" id="{4D833D66-35AF-AF0C-8EA4-C60E0843DE20}"/>
               </a:ext>
             </a:extLst>
@@ -9226,7 +9049,7 @@
 </p:sld>
 </file>
 
-<file path=ppt/slides/slide19.xml><?xml version="1.0" encoding="utf-8"?>
+<file path=ppt/slides/slide18.xml><?xml version="1.0" encoding="utf-8"?>
 <p:sld xmlns:a="http://schemas.openxmlformats.org/drawingml/2006/main" xmlns:r="http://schemas.openxmlformats.org/officeDocument/2006/relationships" xmlns:p="http://schemas.openxmlformats.org/presentationml/2006/main">
   <p:cSld>
     <p:spTree>
@@ -9515,6 +9338,181 @@
 </p:sld>
 </file>
 
+<file path=ppt/slides/slide19.xml><?xml version="1.0" encoding="utf-8"?>
+<p:sld xmlns:a="http://schemas.openxmlformats.org/drawingml/2006/main" xmlns:r="http://schemas.openxmlformats.org/officeDocument/2006/relationships" xmlns:p="http://schemas.openxmlformats.org/presentationml/2006/main">
+  <p:cSld>
+    <p:spTree>
+      <p:nvGrpSpPr>
+        <p:cNvPr id="1" name=""/>
+        <p:cNvGrpSpPr/>
+        <p:nvPr/>
+      </p:nvGrpSpPr>
+      <p:grpSpPr>
+        <a:xfrm>
+          <a:off x="0" y="0"/>
+          <a:ext cx="0" cy="0"/>
+          <a:chOff x="0" y="0"/>
+          <a:chExt cx="0" cy="0"/>
+        </a:xfrm>
+      </p:grpSpPr>
+      <p:sp>
+        <p:nvSpPr>
+          <p:cNvPr id="2" name="Title 1">
+            <a:extLst>
+              <a:ext uri="{FF2B5EF4-FFF2-40B4-BE49-F238E27FC236}">
+                <a16:creationId xmlns:a16="http://schemas.microsoft.com/office/drawing/2014/main" id="{AE065790-4FFF-A93D-2B74-AAFA4028C68D}"/>
+              </a:ext>
+            </a:extLst>
+          </p:cNvPr>
+          <p:cNvSpPr>
+            <a:spLocks noGrp="1"/>
+          </p:cNvSpPr>
+          <p:nvPr>
+            <p:ph type="title"/>
+          </p:nvPr>
+        </p:nvSpPr>
+        <p:spPr/>
+        <p:txBody>
+          <a:bodyPr/>
+          <a:lstStyle/>
+          <a:p>
+            <a:r>
+              <a:rPr lang="en-US" dirty="0"/>
+              <a:t>Pull request as a “filtered” notebook entry</a:t>
+            </a:r>
+          </a:p>
+        </p:txBody>
+      </p:sp>
+      <p:sp>
+        <p:nvSpPr>
+          <p:cNvPr id="3" name="Content Placeholder 2">
+            <a:extLst>
+              <a:ext uri="{FF2B5EF4-FFF2-40B4-BE49-F238E27FC236}">
+                <a16:creationId xmlns:a16="http://schemas.microsoft.com/office/drawing/2014/main" id="{16752DD2-A8C1-142A-ADF4-A061E5E58937}"/>
+              </a:ext>
+            </a:extLst>
+          </p:cNvPr>
+          <p:cNvSpPr>
+            <a:spLocks noGrp="1"/>
+          </p:cNvSpPr>
+          <p:nvPr>
+            <p:ph idx="1"/>
+          </p:nvPr>
+        </p:nvSpPr>
+        <p:spPr>
+          <a:xfrm>
+            <a:off x="365760" y="1079469"/>
+            <a:ext cx="11369809" cy="4047778"/>
+          </a:xfrm>
+        </p:spPr>
+        <p:txBody>
+          <a:bodyPr/>
+          <a:lstStyle/>
+          <a:p>
+            <a:r>
+              <a:rPr lang="en-US" dirty="0"/>
+              <a:t>A pull request is an aggregation of commits to a git repo</a:t>
+            </a:r>
+          </a:p>
+          <a:p>
+            <a:pPr lvl="1"/>
+            <a:r>
+              <a:rPr lang="en-US" dirty="0"/>
+              <a:t>Individual commits are linked to the pull request</a:t>
+            </a:r>
+          </a:p>
+          <a:p>
+            <a:r>
+              <a:rPr lang="en-US" dirty="0">
+                <a:solidFill>
+                  <a:schemeClr val="tx2"/>
+                </a:solidFill>
+              </a:rPr>
+              <a:t>The PR allows for additional content that’s distinct from the individual commits</a:t>
+            </a:r>
+          </a:p>
+          <a:p>
+            <a:r>
+              <a:rPr lang="en-US" dirty="0"/>
+              <a:t>Use PR description to record process to verify correctness of changes</a:t>
+            </a:r>
+          </a:p>
+          <a:p>
+            <a:pPr lvl="1"/>
+            <a:r>
+              <a:rPr lang="en-US" dirty="0"/>
+              <a:t>2-2.5 days effort carried out over a week</a:t>
+            </a:r>
+          </a:p>
+          <a:p>
+            <a:pPr lvl="1"/>
+            <a:r>
+              <a:rPr lang="en-US" dirty="0"/>
+              <a:t>Copy/pasted from previous PR and adapted first (designed process)</a:t>
+            </a:r>
+          </a:p>
+          <a:p>
+            <a:pPr lvl="1"/>
+            <a:r>
+              <a:rPr lang="en-US" dirty="0"/>
+              <a:t>Improved as carried out process – converging on a quasi-procedure</a:t>
+            </a:r>
+          </a:p>
+          <a:p>
+            <a:pPr lvl="1"/>
+            <a:r>
+              <a:rPr lang="en-US" dirty="0"/>
+              <a:t>Filtered so that reviewers aren’t overwhelmed</a:t>
+            </a:r>
+          </a:p>
+          <a:p>
+            <a:pPr lvl="1"/>
+            <a:r>
+              <a:rPr lang="en-US" dirty="0"/>
+              <a:t>Helped organize effort &amp; design good tests</a:t>
+            </a:r>
+          </a:p>
+          <a:p>
+            <a:r>
+              <a:rPr lang="en-US" dirty="0"/>
+              <a:t>Additional benefits</a:t>
+            </a:r>
+          </a:p>
+          <a:p>
+            <a:pPr lvl="1"/>
+            <a:r>
+              <a:rPr lang="en-US" dirty="0"/>
+              <a:t>Senior reviewers provide feedback &amp; suggest improvements</a:t>
+            </a:r>
+          </a:p>
+          <a:p>
+            <a:pPr lvl="1"/>
+            <a:r>
+              <a:rPr lang="en-US" dirty="0"/>
+              <a:t>Junior reviewers exposed to work habits of other people</a:t>
+            </a:r>
+          </a:p>
+          <a:p>
+            <a:r>
+              <a:rPr lang="en-US" dirty="0"/>
+              <a:t>Example: Flash-X PR #247 on next slide</a:t>
+            </a:r>
+          </a:p>
+        </p:txBody>
+      </p:sp>
+    </p:spTree>
+    <p:extLst>
+      <p:ext uri="{BB962C8B-B14F-4D97-AF65-F5344CB8AC3E}">
+        <p14:creationId xmlns:p14="http://schemas.microsoft.com/office/powerpoint/2010/main" val="1212233571"/>
+      </p:ext>
+    </p:extLst>
+  </p:cSld>
+  <p:clrMapOvr>
+    <a:masterClrMapping/>
+  </p:clrMapOvr>
+</p:sld>
+</file>
+
 <file path=ppt/slides/slide2.xml><?xml version="1.0" encoding="utf-8"?>
 <p:sld xmlns:a="http://schemas.openxmlformats.org/drawingml/2006/main" xmlns:r="http://schemas.openxmlformats.org/officeDocument/2006/relationships" xmlns:p="http://schemas.openxmlformats.org/presentationml/2006/main">
   <p:cSld>
@@ -9537,7 +9535,7 @@
           <p:cNvPr id="2" name="Title 1">
             <a:extLst>
               <a:ext uri="{FF2B5EF4-FFF2-40B4-BE49-F238E27FC236}">
-                <a16:creationId xmlns:a16="http://schemas.microsoft.com/office/drawing/2014/main" id="{6442C24D-D970-4D40-8F14-D70C10A96304}"/>
+                <a16:creationId xmlns:a16="http://schemas.microsoft.com/office/drawing/2014/main" id="{F35627EA-0A9D-2FF7-2CBF-461CD73F1D60}"/>
               </a:ext>
             </a:extLst>
           </p:cNvPr>
@@ -9548,29 +9546,24 @@
             <p:ph type="title"/>
           </p:nvPr>
         </p:nvSpPr>
-        <p:spPr>
-          <a:xfrm>
-            <a:off x="363096" y="112911"/>
-            <a:ext cx="11372473" cy="914400"/>
-          </a:xfrm>
-        </p:spPr>
+        <p:spPr/>
         <p:txBody>
           <a:bodyPr/>
           <a:lstStyle/>
           <a:p>
             <a:r>
               <a:rPr lang="en-US" dirty="0"/>
-              <a:t>License, Citation and Acknowledgements</a:t>
-            </a:r>
-          </a:p>
-        </p:txBody>
-      </p:sp>
-      <p:sp>
-        <p:nvSpPr>
-          <p:cNvPr id="3" name="Content Placeholder 2">
+              <a:t>A minimal definition of a lab notebook</a:t>
+            </a:r>
+          </a:p>
+        </p:txBody>
+      </p:sp>
+      <p:sp>
+        <p:nvSpPr>
+          <p:cNvPr id="4" name="Content Placeholder 2">
             <a:extLst>
               <a:ext uri="{FF2B5EF4-FFF2-40B4-BE49-F238E27FC236}">
-                <a16:creationId xmlns:a16="http://schemas.microsoft.com/office/drawing/2014/main" id="{0385A3AB-B258-4D59-B407-F7D57545A163}"/>
+                <a16:creationId xmlns:a16="http://schemas.microsoft.com/office/drawing/2014/main" id="{5A1F561D-C93C-67C0-49AE-92C353A04E25}"/>
               </a:ext>
             </a:extLst>
           </p:cNvPr>
@@ -9581,12 +9574,7 @@
             <p:ph idx="1"/>
           </p:nvPr>
         </p:nvSpPr>
-        <p:spPr>
-          <a:xfrm>
-            <a:off x="409507" y="570111"/>
-            <a:ext cx="11369809" cy="4047778"/>
-          </a:xfrm>
-        </p:spPr>
+        <p:spPr/>
         <p:txBody>
           <a:bodyPr/>
           <a:lstStyle/>
@@ -9595,256 +9583,40 @@
               <a:buNone/>
             </a:pPr>
             <a:r>
-              <a:rPr lang="en-US" sz="2000" b="1" dirty="0"/>
-              <a:t>License and Citation</a:t>
-            </a:r>
-          </a:p>
-          <a:p>
-            <a:pPr>
-              <a:spcBef>
-                <a:spcPts val="400"/>
-              </a:spcBef>
+              <a:rPr lang="en-US" dirty="0"/>
+              <a:t>A goal of keeping a lab notebook is "...to write with enough detail and clarity that another scientist could pick up the notebook at some time in the future, repeat the work based on the written descriptions, and make the same observations that were originally recorded. If this guideline is followed, even the original author will be able to understand the notes when looking back on them after considerable time has passed!”</a:t>
+            </a:r>
+          </a:p>
+          <a:p>
+            <a:pPr marL="0" indent="0">
+              <a:buNone/>
             </a:pPr>
             <a:r>
-              <a:rPr lang="en-US" sz="1600" dirty="0"/>
-              <a:t>This work is licensed under a </a:t>
-            </a:r>
-            <a:r>
-              <a:rPr lang="en-US" sz="1600" dirty="0">
-                <a:hlinkClick r:id="rId2"/>
-              </a:rPr>
-              <a:t>Creative</a:t>
-            </a:r>
-            <a:r>
-              <a:rPr lang="en-US" sz="1600" dirty="0">
+              <a:rPr lang="en-US" dirty="0"/>
+              <a:t>	- Howard </a:t>
+            </a:r>
+            <a:r>
+              <a:rPr lang="en-US" dirty="0" err="1"/>
+              <a:t>Kanare</a:t>
+            </a:r>
+            <a:r>
+              <a:rPr lang="en-US" dirty="0"/>
+              <a:t>, </a:t>
+            </a:r>
+            <a:r>
+              <a:rPr lang="en-US" i="1" dirty="0">
                 <a:hlinkClick r:id="rId3"/>
               </a:rPr>
-              <a:t> Commons Attribution 4.0 International License</a:t>
-            </a:r>
-            <a:r>
-              <a:rPr lang="en-US" sz="1600" dirty="0"/>
-              <a:t> (CC BY 4.0).</a:t>
-            </a:r>
-          </a:p>
-          <a:p>
-            <a:pPr>
-              <a:spcBef>
-                <a:spcPts val="400"/>
-              </a:spcBef>
-            </a:pPr>
-            <a:r>
-              <a:rPr lang="en-US" sz="1600" b="1" dirty="0"/>
-              <a:t>The requested citation the overall tutorial is: </a:t>
-            </a:r>
-            <a:r>
-              <a:rPr lang="en-US" sz="1600" b="0" i="0" dirty="0">
-                <a:solidFill>
-                  <a:srgbClr val="111111"/>
-                </a:solidFill>
-                <a:effectLst/>
-                <a:latin typeface="+mn-lt"/>
-              </a:rPr>
-              <a:t>David E. Bernholdt, David M. Rogers, and Gregory R. Watson, Software Practices for Better Science: Testing, Reproducibility, and Documentation tutorial, in Exascale Computing Project Tutorial Days, online, 2023. DOI: </a:t>
-            </a:r>
-            <a:r>
-              <a:rPr lang="en-US" sz="1600" b="0" i="0" u="none" strike="noStrike" dirty="0">
-                <a:solidFill>
-                  <a:srgbClr val="2A7AE2"/>
-                </a:solidFill>
-                <a:effectLst/>
-                <a:latin typeface="+mn-lt"/>
-                <a:hlinkClick r:id="rId4"/>
-              </a:rPr>
-              <a:t>10.6084/m9.figshare.21989507</a:t>
-            </a:r>
-            <a:r>
-              <a:rPr lang="en-US" sz="1600" b="0" i="0" dirty="0">
-                <a:solidFill>
-                  <a:srgbClr val="111111"/>
-                </a:solidFill>
-                <a:effectLst/>
-                <a:latin typeface="+mn-lt"/>
-              </a:rPr>
-              <a:t>.</a:t>
-            </a:r>
-          </a:p>
-          <a:p>
-            <a:pPr>
-              <a:spcBef>
-                <a:spcPts val="400"/>
-              </a:spcBef>
-            </a:pPr>
-            <a:r>
-              <a:rPr lang="en-US" sz="1600" dirty="0"/>
-              <a:t>Individual modules may be cited as </a:t>
-            </a:r>
-            <a:r>
-              <a:rPr lang="en-US" sz="1600" i="1" dirty="0"/>
-              <a:t>Speaker, Module Title</a:t>
-            </a:r>
-            <a:r>
-              <a:rPr lang="en-US" sz="1600" dirty="0"/>
-              <a:t>, </a:t>
-            </a:r>
-            <a:r>
-              <a:rPr lang="en-US" sz="1600"/>
-              <a:t>in </a:t>
-            </a:r>
-            <a:r>
-              <a:rPr lang="en-US" sz="1600" b="0" i="0">
-                <a:solidFill>
-                  <a:srgbClr val="111111"/>
-                </a:solidFill>
-                <a:effectLst/>
-                <a:latin typeface="+mn-lt"/>
-              </a:rPr>
-              <a:t>Software Practices for Better Science: Testing, Reproducibility, and Documentation tutorial</a:t>
-            </a:r>
-            <a:r>
-              <a:rPr lang="en-US" sz="1600"/>
-              <a:t>, </a:t>
-            </a:r>
-            <a:r>
-              <a:rPr lang="en-US" sz="1600" dirty="0"/>
-              <a:t>…</a:t>
-            </a:r>
-          </a:p>
-          <a:p>
-            <a:pPr marL="0" indent="0">
-              <a:spcBef>
-                <a:spcPts val="800"/>
-              </a:spcBef>
-              <a:buNone/>
-            </a:pPr>
-            <a:r>
-              <a:rPr lang="en-US" sz="2000" b="1" dirty="0"/>
-              <a:t>Acknowledgements</a:t>
-            </a:r>
-          </a:p>
-          <a:p>
-            <a:pPr>
-              <a:spcBef>
-                <a:spcPts val="400"/>
-              </a:spcBef>
-            </a:pPr>
-            <a:r>
-              <a:rPr lang="en-US" sz="1400" dirty="0"/>
-              <a:t>This work was supported by the U.S. Department of Energy Office of Science, Office of Advanced Scientific Computing Research (ASCR), and by the Exascale Computing Project (17-SC-20-SC), a collaborative effort of the U.S. Department of Energy Office of Science and the National Nuclear Security Administration</a:t>
-            </a:r>
-            <a:r>
-              <a:rPr lang="en-US" sz="1400" i="1" dirty="0"/>
-              <a:t>.</a:t>
-            </a:r>
-            <a:endParaRPr lang="en-US" sz="1400" dirty="0"/>
-          </a:p>
-          <a:p>
-            <a:pPr>
-              <a:spcBef>
-                <a:spcPts val="400"/>
-              </a:spcBef>
-            </a:pPr>
-            <a:r>
-              <a:rPr lang="en-US" sz="1400" dirty="0"/>
-              <a:t>This work was performed in part at the Argonne National Laboratory, which is managed by UChicago Argonne, LLC for the U.S. Department of Energy under Contract No. DE-AC02-06CH11357.</a:t>
-            </a:r>
-          </a:p>
-          <a:p>
-            <a:pPr>
-              <a:spcBef>
-                <a:spcPts val="400"/>
-              </a:spcBef>
-            </a:pPr>
-            <a:r>
-              <a:rPr lang="en-US" sz="1400" dirty="0"/>
-              <a:t>This work was performed in part at the Lawrence Livermore National Laboratory, which is managed by Lawrence Livermore National Security, LLC for the U.S. Department of Energy under Contract No. DE-AC52-07NA27344.</a:t>
-            </a:r>
-          </a:p>
-          <a:p>
-            <a:pPr>
-              <a:spcBef>
-                <a:spcPts val="400"/>
-              </a:spcBef>
-            </a:pPr>
-            <a:r>
-              <a:rPr lang="en-US" sz="1400" dirty="0"/>
-              <a:t>This work was performed in part at the Los Alamos National Laboratory, which is managed by Triad National Security, LLC for the U.S. Department of Energy under Contract No.89233218CNA000001</a:t>
-            </a:r>
-          </a:p>
-          <a:p>
-            <a:pPr>
-              <a:spcBef>
-                <a:spcPts val="400"/>
-              </a:spcBef>
-            </a:pPr>
-            <a:r>
-              <a:rPr lang="en-US" sz="1400" dirty="0"/>
-              <a:t>This work was performed in part at the Oak Ridge National Laboratory, which is managed by UT-Battelle, LLC for the U.S. Department of Energy under Contract No. DE-AC05-00OR22725.</a:t>
-            </a:r>
-          </a:p>
-          <a:p>
-            <a:pPr>
-              <a:spcBef>
-                <a:spcPts val="400"/>
-              </a:spcBef>
-            </a:pPr>
-            <a:r>
-              <a:rPr lang="en-US" sz="1400" dirty="0"/>
-              <a:t>This work was performed in part at Sandia National Laboratories. Sandia National Laboratories is a multi-mission laboratory managed and operated by National Technology and Engineering Solutions of Sandia, LLC., a wholly owned subsidiary of Honeywell International, Inc., for the U.S. Department of Energy’s National Nuclear Security Administration under contract DE-NA0003525.</a:t>
-            </a:r>
-          </a:p>
-        </p:txBody>
-      </p:sp>
-      <p:pic>
-        <p:nvPicPr>
-          <p:cNvPr id="4" name="Picture 2" descr="https://licensebuttons.net/l/by/4.0/88x31.png">
-            <a:extLst>
-              <a:ext uri="{FF2B5EF4-FFF2-40B4-BE49-F238E27FC236}">
-                <a16:creationId xmlns:a16="http://schemas.microsoft.com/office/drawing/2014/main" id="{61840015-22A0-4634-A2DE-AA05F998FD3A}"/>
-              </a:ext>
-            </a:extLst>
-          </p:cNvPr>
-          <p:cNvPicPr>
-            <a:picLocks noChangeAspect="1" noChangeArrowheads="1"/>
-          </p:cNvPicPr>
-          <p:nvPr/>
-        </p:nvPicPr>
-        <p:blipFill>
-          <a:blip r:embed="rId5">
-            <a:extLst>
-              <a:ext uri="{28A0092B-C50C-407E-A947-70E740481C1C}">
-                <a14:useLocalDpi xmlns:a14="http://schemas.microsoft.com/office/drawing/2010/main" val="0"/>
-              </a:ext>
-            </a:extLst>
-          </a:blip>
-          <a:srcRect/>
-          <a:stretch>
-            <a:fillRect/>
-          </a:stretch>
-        </p:blipFill>
-        <p:spPr bwMode="auto">
-          <a:xfrm>
-            <a:off x="10230336" y="879673"/>
-            <a:ext cx="838200" cy="295275"/>
-          </a:xfrm>
-          <a:prstGeom prst="rect">
-            <a:avLst/>
-          </a:prstGeom>
-          <a:noFill/>
-          <a:extLst>
-            <a:ext uri="{909E8E84-426E-40DD-AFC4-6F175D3DCCD1}">
-              <a14:hiddenFill xmlns:a14="http://schemas.microsoft.com/office/drawing/2010/main">
-                <a:solidFill>
-                  <a:srgbClr val="FFFFFF"/>
-                </a:solidFill>
-              </a14:hiddenFill>
-            </a:ext>
-          </a:extLst>
-        </p:spPr>
-      </p:pic>
+              <a:t>Writing the Laboratory Notebook</a:t>
+            </a:r>
+            <a:endParaRPr lang="en-US" dirty="0"/>
+          </a:p>
+        </p:txBody>
+      </p:sp>
     </p:spTree>
     <p:extLst>
       <p:ext uri="{BB962C8B-B14F-4D97-AF65-F5344CB8AC3E}">
-        <p14:creationId xmlns:p14="http://schemas.microsoft.com/office/powerpoint/2010/main" val="2870026930"/>
+        <p14:creationId xmlns:p14="http://schemas.microsoft.com/office/powerpoint/2010/main" val="3036165320"/>
       </p:ext>
     </p:extLst>
   </p:cSld>
@@ -9855,181 +9627,6 @@
 </file>
 
 <file path=ppt/slides/slide20.xml><?xml version="1.0" encoding="utf-8"?>
-<p:sld xmlns:a="http://schemas.openxmlformats.org/drawingml/2006/main" xmlns:r="http://schemas.openxmlformats.org/officeDocument/2006/relationships" xmlns:p="http://schemas.openxmlformats.org/presentationml/2006/main">
-  <p:cSld>
-    <p:spTree>
-      <p:nvGrpSpPr>
-        <p:cNvPr id="1" name=""/>
-        <p:cNvGrpSpPr/>
-        <p:nvPr/>
-      </p:nvGrpSpPr>
-      <p:grpSpPr>
-        <a:xfrm>
-          <a:off x="0" y="0"/>
-          <a:ext cx="0" cy="0"/>
-          <a:chOff x="0" y="0"/>
-          <a:chExt cx="0" cy="0"/>
-        </a:xfrm>
-      </p:grpSpPr>
-      <p:sp>
-        <p:nvSpPr>
-          <p:cNvPr id="2" name="Title 1">
-            <a:extLst>
-              <a:ext uri="{FF2B5EF4-FFF2-40B4-BE49-F238E27FC236}">
-                <a16:creationId xmlns:a16="http://schemas.microsoft.com/office/drawing/2014/main" id="{AE065790-4FFF-A93D-2B74-AAFA4028C68D}"/>
-              </a:ext>
-            </a:extLst>
-          </p:cNvPr>
-          <p:cNvSpPr>
-            <a:spLocks noGrp="1"/>
-          </p:cNvSpPr>
-          <p:nvPr>
-            <p:ph type="title"/>
-          </p:nvPr>
-        </p:nvSpPr>
-        <p:spPr/>
-        <p:txBody>
-          <a:bodyPr/>
-          <a:lstStyle/>
-          <a:p>
-            <a:r>
-              <a:rPr lang="en-US" dirty="0"/>
-              <a:t>Pull request as a “filtered” notebook entry</a:t>
-            </a:r>
-          </a:p>
-        </p:txBody>
-      </p:sp>
-      <p:sp>
-        <p:nvSpPr>
-          <p:cNvPr id="3" name="Content Placeholder 2">
-            <a:extLst>
-              <a:ext uri="{FF2B5EF4-FFF2-40B4-BE49-F238E27FC236}">
-                <a16:creationId xmlns:a16="http://schemas.microsoft.com/office/drawing/2014/main" id="{16752DD2-A8C1-142A-ADF4-A061E5E58937}"/>
-              </a:ext>
-            </a:extLst>
-          </p:cNvPr>
-          <p:cNvSpPr>
-            <a:spLocks noGrp="1"/>
-          </p:cNvSpPr>
-          <p:nvPr>
-            <p:ph idx="1"/>
-          </p:nvPr>
-        </p:nvSpPr>
-        <p:spPr>
-          <a:xfrm>
-            <a:off x="365760" y="1079469"/>
-            <a:ext cx="11369809" cy="4047778"/>
-          </a:xfrm>
-        </p:spPr>
-        <p:txBody>
-          <a:bodyPr/>
-          <a:lstStyle/>
-          <a:p>
-            <a:r>
-              <a:rPr lang="en-US" dirty="0"/>
-              <a:t>A pull request is an aggregation of commits to a git repo</a:t>
-            </a:r>
-          </a:p>
-          <a:p>
-            <a:pPr lvl="1"/>
-            <a:r>
-              <a:rPr lang="en-US" dirty="0"/>
-              <a:t>Individual commits are linked to the pull request</a:t>
-            </a:r>
-          </a:p>
-          <a:p>
-            <a:r>
-              <a:rPr lang="en-US" dirty="0">
-                <a:solidFill>
-                  <a:schemeClr val="tx2"/>
-                </a:solidFill>
-              </a:rPr>
-              <a:t>The PR allows for additional content that’s distinct from the individual commits</a:t>
-            </a:r>
-          </a:p>
-          <a:p>
-            <a:r>
-              <a:rPr lang="en-US" dirty="0"/>
-              <a:t>Use PR description to record process to verify correctness of changes</a:t>
-            </a:r>
-          </a:p>
-          <a:p>
-            <a:pPr lvl="1"/>
-            <a:r>
-              <a:rPr lang="en-US" dirty="0"/>
-              <a:t>2-2.5 days effort carried out over a week</a:t>
-            </a:r>
-          </a:p>
-          <a:p>
-            <a:pPr lvl="1"/>
-            <a:r>
-              <a:rPr lang="en-US" dirty="0"/>
-              <a:t>Copy/pasted from previous PR and adapted first (designed process)</a:t>
-            </a:r>
-          </a:p>
-          <a:p>
-            <a:pPr lvl="1"/>
-            <a:r>
-              <a:rPr lang="en-US" dirty="0"/>
-              <a:t>Improved as carried out process – converging on a quasi-procedure</a:t>
-            </a:r>
-          </a:p>
-          <a:p>
-            <a:pPr lvl="1"/>
-            <a:r>
-              <a:rPr lang="en-US" dirty="0"/>
-              <a:t>Filtered so that reviewers aren’t overwhelmed</a:t>
-            </a:r>
-          </a:p>
-          <a:p>
-            <a:pPr lvl="1"/>
-            <a:r>
-              <a:rPr lang="en-US" dirty="0"/>
-              <a:t>Helped organize effort &amp; design good tests</a:t>
-            </a:r>
-          </a:p>
-          <a:p>
-            <a:r>
-              <a:rPr lang="en-US" dirty="0"/>
-              <a:t>Additional benefits</a:t>
-            </a:r>
-          </a:p>
-          <a:p>
-            <a:pPr lvl="1"/>
-            <a:r>
-              <a:rPr lang="en-US" dirty="0"/>
-              <a:t>Senior reviewers provide feedback &amp; suggest improvements</a:t>
-            </a:r>
-          </a:p>
-          <a:p>
-            <a:pPr lvl="1"/>
-            <a:r>
-              <a:rPr lang="en-US" dirty="0"/>
-              <a:t>Junior reviewers exposed to work habits of other people</a:t>
-            </a:r>
-          </a:p>
-          <a:p>
-            <a:r>
-              <a:rPr lang="en-US" dirty="0"/>
-              <a:t>Example: Flash-X PR #247 on next slide</a:t>
-            </a:r>
-          </a:p>
-        </p:txBody>
-      </p:sp>
-    </p:spTree>
-    <p:extLst>
-      <p:ext uri="{BB962C8B-B14F-4D97-AF65-F5344CB8AC3E}">
-        <p14:creationId xmlns:p14="http://schemas.microsoft.com/office/powerpoint/2010/main" val="1212233571"/>
-      </p:ext>
-    </p:extLst>
-  </p:cSld>
-  <p:clrMapOvr>
-    <a:masterClrMapping/>
-  </p:clrMapOvr>
-</p:sld>
-</file>
-
-<file path=ppt/slides/slide21.xml><?xml version="1.0" encoding="utf-8"?>
 <p:sld xmlns:a="http://schemas.openxmlformats.org/drawingml/2006/main" xmlns:r="http://schemas.openxmlformats.org/officeDocument/2006/relationships" xmlns:p="http://schemas.openxmlformats.org/presentationml/2006/main">
   <p:cSld>
     <p:spTree>
@@ -10162,7 +9759,7 @@
 </p:sld>
 </file>
 
-<file path=ppt/slides/slide22.xml><?xml version="1.0" encoding="utf-8"?>
+<file path=ppt/slides/slide21.xml><?xml version="1.0" encoding="utf-8"?>
 <p:sld xmlns:a="http://schemas.openxmlformats.org/drawingml/2006/main" xmlns:r="http://schemas.openxmlformats.org/officeDocument/2006/relationships" xmlns:p="http://schemas.openxmlformats.org/presentationml/2006/main">
   <p:cSld>
     <p:spTree>
@@ -10281,7 +9878,7 @@
 </p:sld>
 </file>
 
-<file path=ppt/slides/slide23.xml><?xml version="1.0" encoding="utf-8"?>
+<file path=ppt/slides/slide22.xml><?xml version="1.0" encoding="utf-8"?>
 <p:sld xmlns:a="http://schemas.openxmlformats.org/drawingml/2006/main" xmlns:r="http://schemas.openxmlformats.org/officeDocument/2006/relationships" xmlns:p="http://schemas.openxmlformats.org/presentationml/2006/main">
   <p:cSld>
     <p:spTree>
@@ -10374,7 +9971,7 @@
 </p:sld>
 </file>
 
-<file path=ppt/slides/slide24.xml><?xml version="1.0" encoding="utf-8"?>
+<file path=ppt/slides/slide23.xml><?xml version="1.0" encoding="utf-8"?>
 <p:sld xmlns:a="http://schemas.openxmlformats.org/drawingml/2006/main" xmlns:r="http://schemas.openxmlformats.org/officeDocument/2006/relationships" xmlns:p="http://schemas.openxmlformats.org/presentationml/2006/main">
   <p:cSld>
     <p:spTree>
@@ -10467,6 +10064,142 @@
 </p:sld>
 </file>
 
+<file path=ppt/slides/slide24.xml><?xml version="1.0" encoding="utf-8"?>
+<p:sld xmlns:a="http://schemas.openxmlformats.org/drawingml/2006/main" xmlns:r="http://schemas.openxmlformats.org/officeDocument/2006/relationships" xmlns:p="http://schemas.openxmlformats.org/presentationml/2006/main">
+  <p:cSld>
+    <p:spTree>
+      <p:nvGrpSpPr>
+        <p:cNvPr id="1" name=""/>
+        <p:cNvGrpSpPr/>
+        <p:nvPr/>
+      </p:nvGrpSpPr>
+      <p:grpSpPr>
+        <a:xfrm>
+          <a:off x="0" y="0"/>
+          <a:ext cx="0" cy="0"/>
+          <a:chOff x="0" y="0"/>
+          <a:chExt cx="0" cy="0"/>
+        </a:xfrm>
+      </p:grpSpPr>
+      <p:sp>
+        <p:nvSpPr>
+          <p:cNvPr id="2" name="Title 1">
+            <a:extLst>
+              <a:ext uri="{FF2B5EF4-FFF2-40B4-BE49-F238E27FC236}">
+                <a16:creationId xmlns:a16="http://schemas.microsoft.com/office/drawing/2014/main" id="{6B5E1852-3656-C951-2EBF-E42F0C05DC1E}"/>
+              </a:ext>
+            </a:extLst>
+          </p:cNvPr>
+          <p:cNvSpPr>
+            <a:spLocks noGrp="1"/>
+          </p:cNvSpPr>
+          <p:nvPr>
+            <p:ph type="title"/>
+          </p:nvPr>
+        </p:nvSpPr>
+        <p:spPr/>
+        <p:txBody>
+          <a:bodyPr/>
+          <a:lstStyle/>
+          <a:p>
+            <a:r>
+              <a:rPr lang="en-US" dirty="0"/>
+              <a:t>Capturing data context &amp; metadata</a:t>
+            </a:r>
+          </a:p>
+        </p:txBody>
+      </p:sp>
+      <p:sp>
+        <p:nvSpPr>
+          <p:cNvPr id="3" name="Content Placeholder 2">
+            <a:extLst>
+              <a:ext uri="{FF2B5EF4-FFF2-40B4-BE49-F238E27FC236}">
+                <a16:creationId xmlns:a16="http://schemas.microsoft.com/office/drawing/2014/main" id="{E77B46AA-44D3-F27C-F535-2F68FAE575D0}"/>
+              </a:ext>
+            </a:extLst>
+          </p:cNvPr>
+          <p:cNvSpPr>
+            <a:spLocks noGrp="1"/>
+          </p:cNvSpPr>
+          <p:nvPr>
+            <p:ph idx="1"/>
+          </p:nvPr>
+        </p:nvSpPr>
+        <p:spPr/>
+        <p:txBody>
+          <a:bodyPr/>
+          <a:lstStyle/>
+          <a:p>
+            <a:r>
+              <a:rPr lang="en-US" dirty="0"/>
+              <a:t>Automate as much as possible</a:t>
+            </a:r>
+          </a:p>
+          <a:p>
+            <a:r>
+              <a:rPr lang="en-US" dirty="0"/>
+              <a:t>Build dates, user, system name, git hashes, configuration data in file headers</a:t>
+            </a:r>
+          </a:p>
+          <a:p>
+            <a:pPr lvl="1"/>
+            <a:r>
+              <a:rPr lang="en-US" dirty="0"/>
+              <a:t>Self-documenting files</a:t>
+            </a:r>
+          </a:p>
+          <a:p>
+            <a:r>
+              <a:rPr lang="en-US" dirty="0"/>
+              <a:t>Build &amp; job logs</a:t>
+            </a:r>
+          </a:p>
+          <a:p>
+            <a:pPr lvl="1"/>
+            <a:r>
+              <a:rPr lang="en-US" dirty="0"/>
+              <a:t>Software environment info (e.g., modules, </a:t>
+            </a:r>
+            <a:r>
+              <a:rPr lang="en-US" dirty="0" err="1">
+                <a:latin typeface="American Typewriter" panose="02090604020004020304"/>
+              </a:rPr>
+              <a:t>ldd</a:t>
+            </a:r>
+            <a:r>
+              <a:rPr lang="en-US" dirty="0"/>
+              <a:t> output)</a:t>
+            </a:r>
+          </a:p>
+          <a:p>
+            <a:pPr lvl="1"/>
+            <a:r>
+              <a:rPr lang="en-US" dirty="0"/>
+              <a:t>git diffs</a:t>
+            </a:r>
+          </a:p>
+          <a:p>
+            <a:pPr lvl="1"/>
+            <a:r>
+              <a:rPr lang="en-US" dirty="0"/>
+              <a:t>Environment variables</a:t>
+            </a:r>
+          </a:p>
+        </p:txBody>
+      </p:sp>
+    </p:spTree>
+    <p:extLst>
+      <p:ext uri="{BB962C8B-B14F-4D97-AF65-F5344CB8AC3E}">
+        <p14:creationId xmlns:p14="http://schemas.microsoft.com/office/powerpoint/2010/main" val="3023913539"/>
+      </p:ext>
+    </p:extLst>
+  </p:cSld>
+  <p:clrMapOvr>
+    <a:masterClrMapping/>
+  </p:clrMapOvr>
+</p:sld>
+</file>
+
 <file path=ppt/slides/slide25.xml><?xml version="1.0" encoding="utf-8"?>
 <p:sld xmlns:a="http://schemas.openxmlformats.org/drawingml/2006/main" xmlns:r="http://schemas.openxmlformats.org/officeDocument/2006/relationships" xmlns:p="http://schemas.openxmlformats.org/presentationml/2006/main">
   <p:cSld>
@@ -10489,7 +10222,7 @@
           <p:cNvPr id="2" name="Title 1">
             <a:extLst>
               <a:ext uri="{FF2B5EF4-FFF2-40B4-BE49-F238E27FC236}">
-                <a16:creationId xmlns:a16="http://schemas.microsoft.com/office/drawing/2014/main" id="{6B5E1852-3656-C951-2EBF-E42F0C05DC1E}"/>
+                <a16:creationId xmlns:a16="http://schemas.microsoft.com/office/drawing/2014/main" id="{982A7D5F-8954-D467-6CF2-B5D266517268}"/>
               </a:ext>
             </a:extLst>
           </p:cNvPr>
@@ -10506,8 +10239,12 @@
           <a:lstStyle/>
           <a:p>
             <a:r>
-              <a:rPr lang="en-US" dirty="0"/>
-              <a:t>Capturing data context &amp; metadata</a:t>
+              <a:rPr lang="en-US" dirty="0" err="1"/>
+              <a:t>Jupyter</a:t>
+            </a:r>
+            <a:r>
+              <a:rPr lang="en-US" dirty="0"/>
+              <a:t> notebooks</a:t>
             </a:r>
           </a:p>
         </p:txBody>
@@ -10517,7 +10254,7 @@
           <p:cNvPr id="3" name="Content Placeholder 2">
             <a:extLst>
               <a:ext uri="{FF2B5EF4-FFF2-40B4-BE49-F238E27FC236}">
-                <a16:creationId xmlns:a16="http://schemas.microsoft.com/office/drawing/2014/main" id="{E77B46AA-44D3-F27C-F535-2F68FAE575D0}"/>
+                <a16:creationId xmlns:a16="http://schemas.microsoft.com/office/drawing/2014/main" id="{E1076D7A-4C21-B8C1-0B36-BC5C121B7E20}"/>
               </a:ext>
             </a:extLst>
           </p:cNvPr>
@@ -10534,58 +10271,112 @@
           <a:lstStyle/>
           <a:p>
             <a:r>
-              <a:rPr lang="en-US" dirty="0"/>
-              <a:t>Automate as much as possible</a:t>
-            </a:r>
-          </a:p>
-          <a:p>
-            <a:r>
-              <a:rPr lang="en-US" dirty="0"/>
-              <a:t>Build dates, user, system name, git hashes, configuration data in file headers</a:t>
+              <a:rPr lang="en-US" dirty="0" err="1"/>
+              <a:t>Jupyter</a:t>
+            </a:r>
+            <a:r>
+              <a:rPr lang="en-US" dirty="0"/>
+              <a:t> notebook can put context &amp; metadata next to data</a:t>
             </a:r>
           </a:p>
           <a:p>
             <a:pPr lvl="1"/>
             <a:r>
               <a:rPr lang="en-US" dirty="0"/>
-              <a:t>Self-documenting files</a:t>
-            </a:r>
-          </a:p>
-          <a:p>
-            <a:r>
-              <a:rPr lang="en-US" dirty="0"/>
-              <a:t>Build &amp; job logs</a:t>
+              <a:t>High-level design &amp; motivation up top</a:t>
             </a:r>
           </a:p>
           <a:p>
             <a:pPr lvl="1"/>
             <a:r>
               <a:rPr lang="en-US" dirty="0"/>
-              <a:t>Software environment info (e.g., modules, </a:t>
-            </a:r>
-            <a:r>
-              <a:rPr lang="en-US" dirty="0" err="1">
-                <a:latin typeface="American Typewriter" panose="02090604020004020304"/>
+              <a:t>Low-level lab notes for acquiring data</a:t>
+            </a:r>
+          </a:p>
+          <a:p>
+            <a:pPr lvl="1"/>
+            <a:r>
+              <a:rPr lang="en-US" dirty="0"/>
+              <a:t>Load &amp; use data</a:t>
+            </a:r>
+          </a:p>
+          <a:p>
+            <a:pPr lvl="1"/>
+            <a:r>
+              <a:rPr lang="en-US" dirty="0"/>
+              <a:t>Generate visualizations in place</a:t>
+            </a:r>
+          </a:p>
+          <a:p>
+            <a:pPr lvl="1"/>
+            <a:r>
+              <a:rPr lang="en-US" dirty="0"/>
+              <a:t>Comment on results</a:t>
+            </a:r>
+          </a:p>
+          <a:p>
+            <a:r>
+              <a:rPr lang="en-US" dirty="0"/>
+              <a:t>Where do notebooks fit into the documentation hierarchy?</a:t>
+            </a:r>
+          </a:p>
+          <a:p>
+            <a:r>
+              <a:rPr lang="en-US" dirty="0"/>
+              <a:t>Repetitive use of notebook?</a:t>
+            </a:r>
+          </a:p>
+          <a:p>
+            <a:pPr lvl="1"/>
+            <a:r>
+              <a:rPr lang="en-US" dirty="0"/>
+              <a:t>Limit amount of code in notebook</a:t>
+            </a:r>
+          </a:p>
+          <a:p>
+            <a:pPr marL="0" indent="0">
+              <a:buNone/>
+            </a:pPr>
+            <a:endParaRPr lang="en-US" dirty="0"/>
+          </a:p>
+        </p:txBody>
+      </p:sp>
+      <p:sp>
+        <p:nvSpPr>
+          <p:cNvPr id="4" name="Text Placeholder 3">
+            <a:extLst>
+              <a:ext uri="{FF2B5EF4-FFF2-40B4-BE49-F238E27FC236}">
+                <a16:creationId xmlns:a16="http://schemas.microsoft.com/office/drawing/2014/main" id="{6A0893C9-E9DD-4083-137F-7A971294B14D}"/>
+              </a:ext>
+            </a:extLst>
+          </p:cNvPr>
+          <p:cNvSpPr>
+            <a:spLocks noGrp="1"/>
+          </p:cNvSpPr>
+          <p:nvPr>
+            <p:ph type="body" sz="quarter" idx="4294967295"/>
+          </p:nvPr>
+        </p:nvSpPr>
+        <p:spPr>
+          <a:xfrm>
+            <a:off x="365760" y="1019393"/>
+            <a:ext cx="11160125" cy="500063"/>
+          </a:xfrm>
+        </p:spPr>
+        <p:txBody>
+          <a:bodyPr/>
+          <a:lstStyle/>
+          <a:p>
+            <a:pPr marL="0" indent="0">
+              <a:buNone/>
+            </a:pPr>
+            <a:r>
+              <a:rPr lang="en-US" b="1" dirty="0">
+                <a:solidFill>
+                  <a:schemeClr val="tx2"/>
+                </a:solidFill>
               </a:rPr>
-              <a:t>ldd</a:t>
-            </a:r>
-            <a:r>
-              <a:rPr lang="en-US" dirty="0"/>
-              <a:t> output)</a:t>
-            </a:r>
-          </a:p>
-          <a:p>
-            <a:pPr lvl="1"/>
-            <a:r>
-              <a:rPr lang="en-US" dirty="0"/>
-              <a:t>git diffs</a:t>
-            </a:r>
-          </a:p>
-          <a:p>
-            <a:pPr lvl="1"/>
-            <a:r>
-              <a:rPr lang="en-US" dirty="0"/>
-              <a:t>Environment variables</a:t>
+              <a:t>The exception to the rule?</a:t>
             </a:r>
           </a:p>
         </p:txBody>
@@ -10593,7 +10384,7 @@
     </p:spTree>
     <p:extLst>
       <p:ext uri="{BB962C8B-B14F-4D97-AF65-F5344CB8AC3E}">
-        <p14:creationId xmlns:p14="http://schemas.microsoft.com/office/powerpoint/2010/main" val="3023913539"/>
+        <p14:creationId xmlns:p14="http://schemas.microsoft.com/office/powerpoint/2010/main" val="3842434103"/>
       </p:ext>
     </p:extLst>
   </p:cSld>
@@ -10625,7 +10416,7 @@
           <p:cNvPr id="2" name="Title 1">
             <a:extLst>
               <a:ext uri="{FF2B5EF4-FFF2-40B4-BE49-F238E27FC236}">
-                <a16:creationId xmlns:a16="http://schemas.microsoft.com/office/drawing/2014/main" id="{982A7D5F-8954-D467-6CF2-B5D266517268}"/>
+                <a16:creationId xmlns:a16="http://schemas.microsoft.com/office/drawing/2014/main" id="{A02A5748-338E-6BEC-6A08-75FF57B258D4}"/>
               </a:ext>
             </a:extLst>
           </p:cNvPr>
@@ -10642,12 +10433,8 @@
           <a:lstStyle/>
           <a:p>
             <a:r>
-              <a:rPr lang="en-US" dirty="0" err="1"/>
-              <a:t>Jupyter</a:t>
-            </a:r>
-            <a:r>
-              <a:rPr lang="en-US" dirty="0"/>
-              <a:t> notebooks</a:t>
+              <a:rPr lang="en-US" dirty="0"/>
+              <a:t>How to organize your “virtual” (multi-stream) lab notebook?</a:t>
             </a:r>
           </a:p>
         </p:txBody>
@@ -10657,7 +10444,7 @@
           <p:cNvPr id="3" name="Content Placeholder 2">
             <a:extLst>
               <a:ext uri="{FF2B5EF4-FFF2-40B4-BE49-F238E27FC236}">
-                <a16:creationId xmlns:a16="http://schemas.microsoft.com/office/drawing/2014/main" id="{E1076D7A-4C21-B8C1-0B36-BC5C121B7E20}"/>
+                <a16:creationId xmlns:a16="http://schemas.microsoft.com/office/drawing/2014/main" id="{97FF6560-002E-5313-38E2-48F067135E52}"/>
               </a:ext>
             </a:extLst>
           </p:cNvPr>
@@ -10668,126 +10455,105 @@
             <p:ph idx="1"/>
           </p:nvPr>
         </p:nvSpPr>
-        <p:spPr/>
+        <p:spPr>
+          <a:xfrm>
+            <a:off x="365760" y="1233504"/>
+            <a:ext cx="11369809" cy="4047778"/>
+          </a:xfrm>
+        </p:spPr>
         <p:txBody>
           <a:bodyPr/>
           <a:lstStyle/>
           <a:p>
             <a:r>
-              <a:rPr lang="en-US" dirty="0" err="1"/>
-              <a:t>Jupyter</a:t>
-            </a:r>
-            <a:r>
-              <a:rPr lang="en-US" dirty="0"/>
-              <a:t> notebook can put context &amp; metadata next to data</a:t>
+              <a:rPr lang="en-US" dirty="0"/>
+              <a:t>It should be</a:t>
             </a:r>
           </a:p>
           <a:p>
             <a:pPr lvl="1"/>
             <a:r>
               <a:rPr lang="en-US" dirty="0"/>
-              <a:t>High-level design &amp; motivation up top</a:t>
+              <a:t>Easy to create and maintain lab notes</a:t>
             </a:r>
           </a:p>
           <a:p>
             <a:pPr lvl="1"/>
             <a:r>
               <a:rPr lang="en-US" dirty="0"/>
-              <a:t>Low-level lab notes for acquiring data</a:t>
+              <a:t>Easy to concentrate more on executing work &amp; less on documenting it</a:t>
             </a:r>
           </a:p>
           <a:p>
             <a:pPr lvl="1"/>
             <a:r>
               <a:rPr lang="en-US" dirty="0"/>
-              <a:t>Load &amp; use data</a:t>
+              <a:t>Easy to find what you need</a:t>
+            </a:r>
+          </a:p>
+          <a:p>
+            <a:r>
+              <a:rPr lang="en-US" dirty="0"/>
+              <a:t>Each stream should</a:t>
             </a:r>
           </a:p>
           <a:p>
             <a:pPr lvl="1"/>
             <a:r>
               <a:rPr lang="en-US" dirty="0"/>
-              <a:t>Generate visualizations in place</a:t>
+              <a:t>Have a clear identity for what it records</a:t>
             </a:r>
           </a:p>
           <a:p>
             <a:pPr lvl="1"/>
             <a:r>
               <a:rPr lang="en-US" dirty="0"/>
-              <a:t>Comment on results</a:t>
-            </a:r>
-          </a:p>
-          <a:p>
-            <a:r>
-              <a:rPr lang="en-US" dirty="0"/>
-              <a:t>Where do notebooks fit into the documentation hierarchy?</a:t>
-            </a:r>
-          </a:p>
-          <a:p>
-            <a:r>
-              <a:rPr lang="en-US" dirty="0"/>
-              <a:t>Repetitive use of notebook?</a:t>
+              <a:t>Not contain notes contained in other streams</a:t>
             </a:r>
           </a:p>
           <a:p>
             <a:pPr lvl="1"/>
             <a:r>
               <a:rPr lang="en-US" dirty="0"/>
-              <a:t>Limit amount of code in notebook</a:t>
-            </a:r>
-          </a:p>
-          <a:p>
-            <a:pPr marL="0" indent="0">
+              <a:t>Be recorded by using the right tool for the job</a:t>
+            </a:r>
+          </a:p>
+          <a:p>
+            <a:pPr marL="378788" lvl="1" indent="0">
               <a:buNone/>
             </a:pPr>
             <a:endParaRPr lang="en-US" dirty="0"/>
           </a:p>
-        </p:txBody>
-      </p:sp>
-      <p:sp>
-        <p:nvSpPr>
-          <p:cNvPr id="4" name="Text Placeholder 3">
-            <a:extLst>
-              <a:ext uri="{FF2B5EF4-FFF2-40B4-BE49-F238E27FC236}">
-                <a16:creationId xmlns:a16="http://schemas.microsoft.com/office/drawing/2014/main" id="{6A0893C9-E9DD-4083-137F-7A971294B14D}"/>
-              </a:ext>
-            </a:extLst>
-          </p:cNvPr>
-          <p:cNvSpPr>
-            <a:spLocks noGrp="1"/>
-          </p:cNvSpPr>
-          <p:nvPr>
-            <p:ph type="body" sz="quarter" idx="4294967295"/>
-          </p:nvPr>
-        </p:nvSpPr>
-        <p:spPr>
-          <a:xfrm>
-            <a:off x="365760" y="1019393"/>
-            <a:ext cx="11160125" cy="500063"/>
-          </a:xfrm>
-        </p:spPr>
-        <p:txBody>
-          <a:bodyPr/>
-          <a:lstStyle/>
-          <a:p>
-            <a:pPr marL="0" indent="0">
+          <a:p>
+            <a:pPr marL="378788" lvl="1" indent="0" algn="ctr">
               <a:buNone/>
             </a:pPr>
             <a:r>
-              <a:rPr lang="en-US" b="1" dirty="0">
-                <a:solidFill>
-                  <a:schemeClr val="tx2"/>
-                </a:solidFill>
-              </a:rPr>
-              <a:t>The exception to the rule?</a:t>
-            </a:r>
+              <a:rPr lang="en-US" sz="2400" dirty="0"/>
+              <a:t>This implies the need for a documentation scheme.</a:t>
+            </a:r>
+          </a:p>
+          <a:p>
+            <a:pPr marL="378788" lvl="1" indent="0" algn="ctr">
+              <a:buNone/>
+            </a:pPr>
+            <a:r>
+              <a:rPr lang="en-US" sz="2400" dirty="0"/>
+              <a:t>Consider: design your lab notebooks into a larger execution environment.</a:t>
+            </a:r>
+          </a:p>
+          <a:p>
+            <a:pPr marL="378788" lvl="1" indent="0">
+              <a:buNone/>
+            </a:pPr>
+            <a:endParaRPr lang="en-US" dirty="0"/>
           </a:p>
         </p:txBody>
       </p:sp>
     </p:spTree>
     <p:extLst>
       <p:ext uri="{BB962C8B-B14F-4D97-AF65-F5344CB8AC3E}">
-        <p14:creationId xmlns:p14="http://schemas.microsoft.com/office/powerpoint/2010/main" val="3842434103"/>
+        <p14:creationId xmlns:p14="http://schemas.microsoft.com/office/powerpoint/2010/main" val="2397909454"/>
       </p:ext>
     </p:extLst>
   </p:cSld>
@@ -10819,175 +10585,6 @@
           <p:cNvPr id="2" name="Title 1">
             <a:extLst>
               <a:ext uri="{FF2B5EF4-FFF2-40B4-BE49-F238E27FC236}">
-                <a16:creationId xmlns:a16="http://schemas.microsoft.com/office/drawing/2014/main" id="{A02A5748-338E-6BEC-6A08-75FF57B258D4}"/>
-              </a:ext>
-            </a:extLst>
-          </p:cNvPr>
-          <p:cNvSpPr>
-            <a:spLocks noGrp="1"/>
-          </p:cNvSpPr>
-          <p:nvPr>
-            <p:ph type="title"/>
-          </p:nvPr>
-        </p:nvSpPr>
-        <p:spPr/>
-        <p:txBody>
-          <a:bodyPr/>
-          <a:lstStyle/>
-          <a:p>
-            <a:r>
-              <a:rPr lang="en-US" dirty="0"/>
-              <a:t>How to organize your “virtual” (multi-stream) lab notebook?</a:t>
-            </a:r>
-          </a:p>
-        </p:txBody>
-      </p:sp>
-      <p:sp>
-        <p:nvSpPr>
-          <p:cNvPr id="3" name="Content Placeholder 2">
-            <a:extLst>
-              <a:ext uri="{FF2B5EF4-FFF2-40B4-BE49-F238E27FC236}">
-                <a16:creationId xmlns:a16="http://schemas.microsoft.com/office/drawing/2014/main" id="{97FF6560-002E-5313-38E2-48F067135E52}"/>
-              </a:ext>
-            </a:extLst>
-          </p:cNvPr>
-          <p:cNvSpPr>
-            <a:spLocks noGrp="1"/>
-          </p:cNvSpPr>
-          <p:nvPr>
-            <p:ph idx="1"/>
-          </p:nvPr>
-        </p:nvSpPr>
-        <p:spPr>
-          <a:xfrm>
-            <a:off x="365760" y="1233504"/>
-            <a:ext cx="11369809" cy="4047778"/>
-          </a:xfrm>
-        </p:spPr>
-        <p:txBody>
-          <a:bodyPr/>
-          <a:lstStyle/>
-          <a:p>
-            <a:r>
-              <a:rPr lang="en-US" dirty="0"/>
-              <a:t>It should be</a:t>
-            </a:r>
-          </a:p>
-          <a:p>
-            <a:pPr lvl="1"/>
-            <a:r>
-              <a:rPr lang="en-US" dirty="0"/>
-              <a:t>Easy to create and maintain lab notes</a:t>
-            </a:r>
-          </a:p>
-          <a:p>
-            <a:pPr lvl="1"/>
-            <a:r>
-              <a:rPr lang="en-US" dirty="0"/>
-              <a:t>Easy to concentrate more on executing work &amp; less on documenting it</a:t>
-            </a:r>
-          </a:p>
-          <a:p>
-            <a:pPr lvl="1"/>
-            <a:r>
-              <a:rPr lang="en-US" dirty="0"/>
-              <a:t>Easy to find what you need</a:t>
-            </a:r>
-          </a:p>
-          <a:p>
-            <a:r>
-              <a:rPr lang="en-US" dirty="0"/>
-              <a:t>Each stream should</a:t>
-            </a:r>
-          </a:p>
-          <a:p>
-            <a:pPr lvl="1"/>
-            <a:r>
-              <a:rPr lang="en-US" dirty="0"/>
-              <a:t>Have a clear identity for what it records</a:t>
-            </a:r>
-          </a:p>
-          <a:p>
-            <a:pPr lvl="1"/>
-            <a:r>
-              <a:rPr lang="en-US" dirty="0"/>
-              <a:t>Not contain notes contained in other streams</a:t>
-            </a:r>
-          </a:p>
-          <a:p>
-            <a:pPr lvl="1"/>
-            <a:r>
-              <a:rPr lang="en-US" dirty="0"/>
-              <a:t>Be recorded by using the right tool for the job</a:t>
-            </a:r>
-          </a:p>
-          <a:p>
-            <a:pPr marL="378788" lvl="1" indent="0">
-              <a:buNone/>
-            </a:pPr>
-            <a:endParaRPr lang="en-US" dirty="0"/>
-          </a:p>
-          <a:p>
-            <a:pPr marL="378788" lvl="1" indent="0" algn="ctr">
-              <a:buNone/>
-            </a:pPr>
-            <a:r>
-              <a:rPr lang="en-US" sz="2400" dirty="0"/>
-              <a:t>This implies the need for a documentation scheme.</a:t>
-            </a:r>
-          </a:p>
-          <a:p>
-            <a:pPr marL="378788" lvl="1" indent="0" algn="ctr">
-              <a:buNone/>
-            </a:pPr>
-            <a:r>
-              <a:rPr lang="en-US" sz="2400" dirty="0"/>
-              <a:t>Consider: design your lab notebooks into a larger execution environment.</a:t>
-            </a:r>
-          </a:p>
-          <a:p>
-            <a:pPr marL="378788" lvl="1" indent="0">
-              <a:buNone/>
-            </a:pPr>
-            <a:endParaRPr lang="en-US" dirty="0"/>
-          </a:p>
-        </p:txBody>
-      </p:sp>
-    </p:spTree>
-    <p:extLst>
-      <p:ext uri="{BB962C8B-B14F-4D97-AF65-F5344CB8AC3E}">
-        <p14:creationId xmlns:p14="http://schemas.microsoft.com/office/powerpoint/2010/main" val="2397909454"/>
-      </p:ext>
-    </p:extLst>
-  </p:cSld>
-  <p:clrMapOvr>
-    <a:masterClrMapping/>
-  </p:clrMapOvr>
-</p:sld>
-</file>
-
-<file path=ppt/slides/slide28.xml><?xml version="1.0" encoding="utf-8"?>
-<p:sld xmlns:a="http://schemas.openxmlformats.org/drawingml/2006/main" xmlns:r="http://schemas.openxmlformats.org/officeDocument/2006/relationships" xmlns:p="http://schemas.openxmlformats.org/presentationml/2006/main">
-  <p:cSld>
-    <p:spTree>
-      <p:nvGrpSpPr>
-        <p:cNvPr id="1" name=""/>
-        <p:cNvGrpSpPr/>
-        <p:nvPr/>
-      </p:nvGrpSpPr>
-      <p:grpSpPr>
-        <a:xfrm>
-          <a:off x="0" y="0"/>
-          <a:ext cx="0" cy="0"/>
-          <a:chOff x="0" y="0"/>
-          <a:chExt cx="0" cy="0"/>
-        </a:xfrm>
-      </p:grpSpPr>
-      <p:sp>
-        <p:nvSpPr>
-          <p:cNvPr id="2" name="Title 1">
-            <a:extLst>
-              <a:ext uri="{FF2B5EF4-FFF2-40B4-BE49-F238E27FC236}">
                 <a16:creationId xmlns:a16="http://schemas.microsoft.com/office/drawing/2014/main" id="{1FAC2A80-D3DC-977C-1FB0-0763FA18DCA5}"/>
               </a:ext>
             </a:extLst>
@@ -11108,7 +10705,7 @@
 </p:sld>
 </file>
 
-<file path=ppt/slides/slide29.xml><?xml version="1.0" encoding="utf-8"?>
+<file path=ppt/slides/slide28.xml><?xml version="1.0" encoding="utf-8"?>
 <p:sld xmlns:a="http://schemas.openxmlformats.org/drawingml/2006/main" xmlns:r="http://schemas.openxmlformats.org/officeDocument/2006/relationships" xmlns:p="http://schemas.openxmlformats.org/presentationml/2006/main">
   <p:cSld>
     <p:spTree>
@@ -11586,119 +11183,6 @@
           <p:cNvPr id="2" name="Title 1">
             <a:extLst>
               <a:ext uri="{FF2B5EF4-FFF2-40B4-BE49-F238E27FC236}">
-                <a16:creationId xmlns:a16="http://schemas.microsoft.com/office/drawing/2014/main" id="{F35627EA-0A9D-2FF7-2CBF-461CD73F1D60}"/>
-              </a:ext>
-            </a:extLst>
-          </p:cNvPr>
-          <p:cNvSpPr>
-            <a:spLocks noGrp="1"/>
-          </p:cNvSpPr>
-          <p:nvPr>
-            <p:ph type="title"/>
-          </p:nvPr>
-        </p:nvSpPr>
-        <p:spPr/>
-        <p:txBody>
-          <a:bodyPr/>
-          <a:lstStyle/>
-          <a:p>
-            <a:r>
-              <a:rPr lang="en-US" dirty="0"/>
-              <a:t>A minimal definition of a lab notebook</a:t>
-            </a:r>
-          </a:p>
-        </p:txBody>
-      </p:sp>
-      <p:sp>
-        <p:nvSpPr>
-          <p:cNvPr id="4" name="Content Placeholder 2">
-            <a:extLst>
-              <a:ext uri="{FF2B5EF4-FFF2-40B4-BE49-F238E27FC236}">
-                <a16:creationId xmlns:a16="http://schemas.microsoft.com/office/drawing/2014/main" id="{5A1F561D-C93C-67C0-49AE-92C353A04E25}"/>
-              </a:ext>
-            </a:extLst>
-          </p:cNvPr>
-          <p:cNvSpPr>
-            <a:spLocks noGrp="1"/>
-          </p:cNvSpPr>
-          <p:nvPr>
-            <p:ph idx="1"/>
-          </p:nvPr>
-        </p:nvSpPr>
-        <p:spPr/>
-        <p:txBody>
-          <a:bodyPr/>
-          <a:lstStyle/>
-          <a:p>
-            <a:pPr marL="0" indent="0">
-              <a:buNone/>
-            </a:pPr>
-            <a:r>
-              <a:rPr lang="en-US" dirty="0"/>
-              <a:t>A goal of keeping a lab notebook is "...to write with enough detail and clarity that another scientist could pick up the notebook at some time in the future, repeat the work based on the written descriptions, and make the same observations that were originally recorded. If this guideline is followed, even the original author will be able to understand the notes when looking back on them after considerable time has passed!”</a:t>
-            </a:r>
-          </a:p>
-          <a:p>
-            <a:pPr marL="0" indent="0">
-              <a:buNone/>
-            </a:pPr>
-            <a:r>
-              <a:rPr lang="en-US" dirty="0"/>
-              <a:t>	- Howard </a:t>
-            </a:r>
-            <a:r>
-              <a:rPr lang="en-US" dirty="0" err="1"/>
-              <a:t>Kanare</a:t>
-            </a:r>
-            <a:r>
-              <a:rPr lang="en-US" dirty="0"/>
-              <a:t>, </a:t>
-            </a:r>
-            <a:r>
-              <a:rPr lang="en-US" i="1" dirty="0">
-                <a:hlinkClick r:id="rId3"/>
-              </a:rPr>
-              <a:t>Writing the Laboratory Notebook</a:t>
-            </a:r>
-            <a:endParaRPr lang="en-US" dirty="0"/>
-          </a:p>
-        </p:txBody>
-      </p:sp>
-    </p:spTree>
-    <p:extLst>
-      <p:ext uri="{BB962C8B-B14F-4D97-AF65-F5344CB8AC3E}">
-        <p14:creationId xmlns:p14="http://schemas.microsoft.com/office/powerpoint/2010/main" val="3036165320"/>
-      </p:ext>
-    </p:extLst>
-  </p:cSld>
-  <p:clrMapOvr>
-    <a:masterClrMapping/>
-  </p:clrMapOvr>
-</p:sld>
-</file>
-
-<file path=ppt/slides/slide4.xml><?xml version="1.0" encoding="utf-8"?>
-<p:sld xmlns:a="http://schemas.openxmlformats.org/drawingml/2006/main" xmlns:r="http://schemas.openxmlformats.org/officeDocument/2006/relationships" xmlns:p="http://schemas.openxmlformats.org/presentationml/2006/main">
-  <p:cSld>
-    <p:spTree>
-      <p:nvGrpSpPr>
-        <p:cNvPr id="1" name=""/>
-        <p:cNvGrpSpPr/>
-        <p:nvPr/>
-      </p:nvGrpSpPr>
-      <p:grpSpPr>
-        <a:xfrm>
-          <a:off x="0" y="0"/>
-          <a:ext cx="0" cy="0"/>
-          <a:chOff x="0" y="0"/>
-          <a:chExt cx="0" cy="0"/>
-        </a:xfrm>
-      </p:grpSpPr>
-      <p:sp>
-        <p:nvSpPr>
-          <p:cNvPr id="2" name="Title 1">
-            <a:extLst>
-              <a:ext uri="{FF2B5EF4-FFF2-40B4-BE49-F238E27FC236}">
                 <a16:creationId xmlns:a16="http://schemas.microsoft.com/office/drawing/2014/main" id="{D1E181A3-6671-7FC8-9B8C-EFA7CD94AE43}"/>
               </a:ext>
             </a:extLst>
@@ -11832,7 +11316,7 @@
 </p:sld>
 </file>
 
-<file path=ppt/slides/slide5.xml><?xml version="1.0" encoding="utf-8"?>
+<file path=ppt/slides/slide4.xml><?xml version="1.0" encoding="utf-8"?>
 <p:sld xmlns:a="http://schemas.openxmlformats.org/drawingml/2006/main" xmlns:r="http://schemas.openxmlformats.org/officeDocument/2006/relationships" xmlns:p="http://schemas.openxmlformats.org/presentationml/2006/main">
   <p:cSld>
     <p:spTree>
@@ -12130,6 +11614,165 @@
 </p:sld>
 </file>
 
+<file path=ppt/slides/slide5.xml><?xml version="1.0" encoding="utf-8"?>
+<p:sld xmlns:a="http://schemas.openxmlformats.org/drawingml/2006/main" xmlns:r="http://schemas.openxmlformats.org/officeDocument/2006/relationships" xmlns:p="http://schemas.openxmlformats.org/presentationml/2006/main">
+  <p:cSld>
+    <p:spTree>
+      <p:nvGrpSpPr>
+        <p:cNvPr id="1" name=""/>
+        <p:cNvGrpSpPr/>
+        <p:nvPr/>
+      </p:nvGrpSpPr>
+      <p:grpSpPr>
+        <a:xfrm>
+          <a:off x="0" y="0"/>
+          <a:ext cx="0" cy="0"/>
+          <a:chOff x="0" y="0"/>
+          <a:chExt cx="0" cy="0"/>
+        </a:xfrm>
+      </p:grpSpPr>
+      <p:sp>
+        <p:nvSpPr>
+          <p:cNvPr id="2" name="Title 1">
+            <a:extLst>
+              <a:ext uri="{FF2B5EF4-FFF2-40B4-BE49-F238E27FC236}">
+                <a16:creationId xmlns:a16="http://schemas.microsoft.com/office/drawing/2014/main" id="{9D3BEC0D-AF53-6375-54A6-F89A29585952}"/>
+              </a:ext>
+            </a:extLst>
+          </p:cNvPr>
+          <p:cNvSpPr>
+            <a:spLocks noGrp="1"/>
+          </p:cNvSpPr>
+          <p:nvPr>
+            <p:ph type="title"/>
+          </p:nvPr>
+        </p:nvSpPr>
+        <p:spPr/>
+        <p:txBody>
+          <a:bodyPr/>
+          <a:lstStyle/>
+          <a:p>
+            <a:r>
+              <a:rPr lang="en-US" dirty="0"/>
+              <a:t>Data &amp; Information</a:t>
+            </a:r>
+          </a:p>
+        </p:txBody>
+      </p:sp>
+      <p:sp>
+        <p:nvSpPr>
+          <p:cNvPr id="3" name="Content Placeholder 2">
+            <a:extLst>
+              <a:ext uri="{FF2B5EF4-FFF2-40B4-BE49-F238E27FC236}">
+                <a16:creationId xmlns:a16="http://schemas.microsoft.com/office/drawing/2014/main" id="{D86BEDF2-C3A6-598C-A740-C9E1F393C048}"/>
+              </a:ext>
+            </a:extLst>
+          </p:cNvPr>
+          <p:cNvSpPr>
+            <a:spLocks noGrp="1"/>
+          </p:cNvSpPr>
+          <p:nvPr>
+            <p:ph idx="1"/>
+          </p:nvPr>
+        </p:nvSpPr>
+        <p:spPr>
+          <a:xfrm>
+            <a:off x="365760" y="1325880"/>
+            <a:ext cx="11369809" cy="4047778"/>
+          </a:xfrm>
+        </p:spPr>
+        <p:txBody>
+          <a:bodyPr/>
+          <a:lstStyle/>
+          <a:p>
+            <a:r>
+              <a:rPr lang="en-US" dirty="0"/>
+              <a:t>Data</a:t>
+            </a:r>
+          </a:p>
+          <a:p>
+            <a:pPr lvl="1"/>
+            <a:r>
+              <a:rPr lang="en-US" dirty="0"/>
+              <a:t>Collection of numbers, symbols, text, </a:t>
+            </a:r>
+            <a:r>
+              <a:rPr lang="en-US" i="1" dirty="0"/>
+              <a:t>etc.</a:t>
+            </a:r>
+          </a:p>
+          <a:p>
+            <a:pPr lvl="1"/>
+            <a:r>
+              <a:rPr lang="en-US" dirty="0"/>
+              <a:t>It has value only because it was recorded and exists.</a:t>
+            </a:r>
+          </a:p>
+          <a:p>
+            <a:pPr lvl="1"/>
+            <a:r>
+              <a:rPr lang="en-US" b="1" dirty="0"/>
+              <a:t>Example</a:t>
+            </a:r>
+            <a:r>
+              <a:rPr lang="en-US" dirty="0"/>
+              <a:t>: Timeseries representation of temperature, relative humidity, and precipitation.</a:t>
+            </a:r>
+          </a:p>
+          <a:p>
+            <a:r>
+              <a:rPr lang="en-US" dirty="0"/>
+              <a:t>Information</a:t>
+            </a:r>
+          </a:p>
+          <a:p>
+            <a:pPr lvl="1"/>
+            <a:r>
+              <a:rPr lang="en-US" dirty="0"/>
+              <a:t>Facts gleaned from data.</a:t>
+            </a:r>
+          </a:p>
+          <a:p>
+            <a:pPr lvl="1"/>
+            <a:r>
+              <a:rPr lang="en-US" dirty="0"/>
+              <a:t>Answers questions such as who, what, when, how much, how long, </a:t>
+            </a:r>
+            <a:r>
+              <a:rPr lang="en-US" i="1" dirty="0"/>
+              <a:t>etc</a:t>
+            </a:r>
+            <a:r>
+              <a:rPr lang="en-US" dirty="0"/>
+              <a:t>.</a:t>
+            </a:r>
+          </a:p>
+          <a:p>
+            <a:pPr lvl="1"/>
+            <a:r>
+              <a:rPr lang="en-US" b="1" dirty="0"/>
+              <a:t>Example</a:t>
+            </a:r>
+            <a:r>
+              <a:rPr lang="en-US" dirty="0"/>
+              <a:t>: Starting at 2pm the temperature dropped by 5ºF over 15 minutes.  At 2:05 pm it started to rain and 0.25” of rain was accumulated over the next 30 minutes.</a:t>
+            </a:r>
+          </a:p>
+        </p:txBody>
+      </p:sp>
+    </p:spTree>
+    <p:extLst>
+      <p:ext uri="{BB962C8B-B14F-4D97-AF65-F5344CB8AC3E}">
+        <p14:creationId xmlns:p14="http://schemas.microsoft.com/office/powerpoint/2010/main" val="2193434764"/>
+      </p:ext>
+    </p:extLst>
+  </p:cSld>
+  <p:clrMapOvr>
+    <a:masterClrMapping/>
+  </p:clrMapOvr>
+</p:sld>
+</file>
+
 <file path=ppt/slides/slide6.xml><?xml version="1.0" encoding="utf-8"?>
 <p:sld xmlns:a="http://schemas.openxmlformats.org/drawingml/2006/main" xmlns:r="http://schemas.openxmlformats.org/officeDocument/2006/relationships" xmlns:p="http://schemas.openxmlformats.org/presentationml/2006/main">
   <p:cSld>
@@ -12152,7 +11795,7 @@
           <p:cNvPr id="2" name="Title 1">
             <a:extLst>
               <a:ext uri="{FF2B5EF4-FFF2-40B4-BE49-F238E27FC236}">
-                <a16:creationId xmlns:a16="http://schemas.microsoft.com/office/drawing/2014/main" id="{9D3BEC0D-AF53-6375-54A6-F89A29585952}"/>
+                <a16:creationId xmlns:a16="http://schemas.microsoft.com/office/drawing/2014/main" id="{D058ED4F-BC78-0A36-F75C-E4005B3DFBAE}"/>
               </a:ext>
             </a:extLst>
           </p:cNvPr>
@@ -12170,7 +11813,7 @@
           <a:p>
             <a:r>
               <a:rPr lang="en-US" dirty="0"/>
-              <a:t>Data &amp; Information</a:t>
+              <a:t>Knowledge &amp; Understanding</a:t>
             </a:r>
           </a:p>
         </p:txBody>
@@ -12180,7 +11823,7 @@
           <p:cNvPr id="3" name="Content Placeholder 2">
             <a:extLst>
               <a:ext uri="{FF2B5EF4-FFF2-40B4-BE49-F238E27FC236}">
-                <a16:creationId xmlns:a16="http://schemas.microsoft.com/office/drawing/2014/main" id="{D86BEDF2-C3A6-598C-A740-C9E1F393C048}"/>
+                <a16:creationId xmlns:a16="http://schemas.microsoft.com/office/drawing/2014/main" id="{3EC7F33F-88DD-3100-7BF9-E8C247CEEC72}"/>
               </a:ext>
             </a:extLst>
           </p:cNvPr>
@@ -12193,7 +11836,7 @@
         </p:nvSpPr>
         <p:spPr>
           <a:xfrm>
-            <a:off x="365760" y="1325880"/>
+            <a:off x="365760" y="1196184"/>
             <a:ext cx="11369809" cy="4047778"/>
           </a:xfrm>
         </p:spPr>
@@ -12203,25 +11846,22 @@
           <a:p>
             <a:r>
               <a:rPr lang="en-US" dirty="0"/>
-              <a:t>Data</a:t>
+              <a:t>Knowledge</a:t>
             </a:r>
           </a:p>
           <a:p>
             <a:pPr lvl="1"/>
             <a:r>
               <a:rPr lang="en-US" dirty="0"/>
-              <a:t>Collection of numbers, symbols, text, </a:t>
-            </a:r>
-            <a:r>
-              <a:rPr lang="en-US" i="1" dirty="0"/>
-              <a:t>etc.</a:t>
-            </a:r>
-          </a:p>
-          <a:p>
-            <a:pPr lvl="1"/>
-            <a:r>
-              <a:rPr lang="en-US" dirty="0"/>
-              <a:t>It has value only because it was recorded and exists.</a:t>
+              <a:t>Derived from information, experience, and </a:t>
+            </a:r>
+            <a:r>
+              <a:rPr lang="en-US" b="1" dirty="0"/>
+              <a:t>understanding</a:t>
+            </a:r>
+            <a:r>
+              <a:rPr lang="en-US" dirty="0"/>
+              <a:t>.</a:t>
             </a:r>
           </a:p>
           <a:p>
@@ -12232,35 +11872,39 @@
             </a:r>
             <a:r>
               <a:rPr lang="en-US" dirty="0"/>
-              <a:t>: Timeseries representation of temperature, relative humidity, and precipitation.</a:t>
-            </a:r>
-          </a:p>
-          <a:p>
-            <a:r>
-              <a:rPr lang="en-US" dirty="0"/>
-              <a:t>Information</a:t>
+              <a:t>: When relative humidity levels are high and the temperature drops substantially, there is an increased probability of precipitation.</a:t>
+            </a:r>
+            <a:endParaRPr lang="en-US" dirty="0">
+              <a:solidFill>
+                <a:srgbClr val="FF0000"/>
+              </a:solidFill>
+            </a:endParaRPr>
+          </a:p>
+          <a:p>
+            <a:r>
+              <a:rPr lang="en-US" dirty="0"/>
+              <a:t>Understanding</a:t>
             </a:r>
           </a:p>
           <a:p>
             <a:pPr lvl="1"/>
             <a:r>
               <a:rPr lang="en-US" dirty="0"/>
-              <a:t>Facts gleaned from data.</a:t>
+              <a:t>A deep theoretical background in and practical experience with the system whose data was acquired and studied?</a:t>
             </a:r>
           </a:p>
           <a:p>
             <a:pPr lvl="1"/>
             <a:r>
               <a:rPr lang="en-US" dirty="0"/>
-              <a:t>Answers questions such as who, what, when, how much, how long, </a:t>
-            </a:r>
-            <a:r>
-              <a:rPr lang="en-US" i="1" dirty="0"/>
-              <a:t>etc</a:t>
-            </a:r>
-            <a:r>
-              <a:rPr lang="en-US" dirty="0"/>
-              <a:t>.</a:t>
+              <a:t>The ability to explain why?</a:t>
+            </a:r>
+          </a:p>
+          <a:p>
+            <a:pPr lvl="1"/>
+            <a:r>
+              <a:rPr lang="en-US" dirty="0"/>
+              <a:t>“Understanding is a kind of ecstasy” – Carl Sagan </a:t>
             </a:r>
           </a:p>
           <a:p>
@@ -12271,15 +11915,21 @@
             </a:r>
             <a:r>
               <a:rPr lang="en-US" dirty="0"/>
-              <a:t>: Starting at 2pm the temperature dropped by 5ºF over 15 minutes.  At 2:05 pm it started to rain and 0.25” of rain was accumulated over the next 30 minutes.</a:t>
-            </a:r>
+              <a:t>: A meteorologist could explain at different levels of detail how the atmosphere works to substantiate the knowledge.</a:t>
+            </a:r>
+          </a:p>
+          <a:p>
+            <a:pPr marL="0" indent="0">
+              <a:buNone/>
+            </a:pPr>
+            <a:endParaRPr lang="en-US" dirty="0"/>
           </a:p>
         </p:txBody>
       </p:sp>
     </p:spTree>
     <p:extLst>
       <p:ext uri="{BB962C8B-B14F-4D97-AF65-F5344CB8AC3E}">
-        <p14:creationId xmlns:p14="http://schemas.microsoft.com/office/powerpoint/2010/main" val="2193434764"/>
+        <p14:creationId xmlns:p14="http://schemas.microsoft.com/office/powerpoint/2010/main" val="2366589001"/>
       </p:ext>
     </p:extLst>
   </p:cSld>
@@ -12311,7 +11961,7 @@
           <p:cNvPr id="2" name="Title 1">
             <a:extLst>
               <a:ext uri="{FF2B5EF4-FFF2-40B4-BE49-F238E27FC236}">
-                <a16:creationId xmlns:a16="http://schemas.microsoft.com/office/drawing/2014/main" id="{D058ED4F-BC78-0A36-F75C-E4005B3DFBAE}"/>
+                <a16:creationId xmlns:a16="http://schemas.microsoft.com/office/drawing/2014/main" id="{923FF528-4ADA-DA4E-A959-E1EFEAD4DC5A}"/>
               </a:ext>
             </a:extLst>
           </p:cNvPr>
@@ -12329,8 +11979,12 @@
           <a:p>
             <a:r>
               <a:rPr lang="en-US" dirty="0"/>
-              <a:t>Knowledge &amp; Understanding</a:t>
-            </a:r>
+              <a:t>Obligatory Einstein quote</a:t>
+            </a:r>
+            <a:br>
+              <a:rPr lang="en-US" dirty="0"/>
+            </a:br>
+            <a:endParaRPr lang="en-US" dirty="0"/>
           </a:p>
         </p:txBody>
       </p:sp>
@@ -12339,7 +11993,7 @@
           <p:cNvPr id="3" name="Content Placeholder 2">
             <a:extLst>
               <a:ext uri="{FF2B5EF4-FFF2-40B4-BE49-F238E27FC236}">
-                <a16:creationId xmlns:a16="http://schemas.microsoft.com/office/drawing/2014/main" id="{3EC7F33F-88DD-3100-7BF9-E8C247CEEC72}"/>
+                <a16:creationId xmlns:a16="http://schemas.microsoft.com/office/drawing/2014/main" id="{B1C4588A-E6F1-E870-2F2D-600085D93BB1}"/>
               </a:ext>
             </a:extLst>
           </p:cNvPr>
@@ -12352,86 +12006,33 @@
         </p:nvSpPr>
         <p:spPr>
           <a:xfrm>
-            <a:off x="365760" y="1196184"/>
-            <a:ext cx="11369809" cy="4047778"/>
+            <a:off x="1167009" y="1602040"/>
+            <a:ext cx="10028971" cy="4047778"/>
           </a:xfrm>
         </p:spPr>
         <p:txBody>
           <a:bodyPr/>
           <a:lstStyle/>
           <a:p>
-            <a:r>
-              <a:rPr lang="en-US" dirty="0"/>
-              <a:t>Knowledge</a:t>
-            </a:r>
-          </a:p>
-          <a:p>
-            <a:pPr lvl="1"/>
-            <a:r>
-              <a:rPr lang="en-US" dirty="0"/>
-              <a:t>Derived from information, experience, and </a:t>
-            </a:r>
-            <a:r>
-              <a:rPr lang="en-US" b="1" dirty="0"/>
-              <a:t>understanding</a:t>
-            </a:r>
-            <a:r>
-              <a:rPr lang="en-US" dirty="0"/>
-              <a:t>.</a:t>
-            </a:r>
-          </a:p>
-          <a:p>
-            <a:pPr lvl="1"/>
-            <a:r>
-              <a:rPr lang="en-US" b="1" dirty="0"/>
-              <a:t>Example</a:t>
-            </a:r>
-            <a:r>
-              <a:rPr lang="en-US" dirty="0"/>
-              <a:t>: When relative humidity levels are high and the temperature drops substantially, there is an increased probability of precipitation.</a:t>
-            </a:r>
-            <a:endParaRPr lang="en-US" dirty="0">
-              <a:solidFill>
-                <a:srgbClr val="FF0000"/>
-              </a:solidFill>
-            </a:endParaRPr>
-          </a:p>
-          <a:p>
-            <a:r>
-              <a:rPr lang="en-US" dirty="0"/>
-              <a:t>Understanding</a:t>
-            </a:r>
-          </a:p>
-          <a:p>
-            <a:pPr lvl="1"/>
-            <a:r>
-              <a:rPr lang="en-US" dirty="0"/>
-              <a:t>A deep theoretical background in and practical experience with the system whose data was acquired and studied?</a:t>
-            </a:r>
-          </a:p>
-          <a:p>
-            <a:pPr lvl="1"/>
-            <a:r>
-              <a:rPr lang="en-US" dirty="0"/>
-              <a:t>The ability to explain why?</a:t>
-            </a:r>
-          </a:p>
-          <a:p>
-            <a:pPr lvl="1"/>
-            <a:r>
-              <a:rPr lang="en-US" dirty="0"/>
-              <a:t>“Understanding is a kind of ecstasy” – Carl Sagan </a:t>
-            </a:r>
-          </a:p>
-          <a:p>
-            <a:pPr lvl="1"/>
-            <a:r>
-              <a:rPr lang="en-US" b="1" dirty="0"/>
-              <a:t>Example</a:t>
-            </a:r>
-            <a:r>
-              <a:rPr lang="en-US" dirty="0"/>
-              <a:t>: A meteorologist could explain at different levels of detail how the atmosphere works to substantiate the knowledge.</a:t>
+            <a:pPr marL="0" indent="0">
+              <a:buNone/>
+            </a:pPr>
+            <a:r>
+              <a:rPr lang="en-US" sz="3600" dirty="0"/>
+              <a:t>“Any fool can know. The point is to understand.” </a:t>
+            </a:r>
+          </a:p>
+          <a:p>
+            <a:pPr marL="0" indent="0">
+              <a:buNone/>
+            </a:pPr>
+            <a:r>
+              <a:rPr lang="en-US" dirty="0"/>
+              <a:t>	- </a:t>
+            </a:r>
+            <a:r>
+              <a:rPr lang="en-US" sz="2800" dirty="0"/>
+              <a:t>Albert Einstein</a:t>
             </a:r>
           </a:p>
           <a:p>
@@ -12442,10 +12043,130 @@
           </a:p>
         </p:txBody>
       </p:sp>
+      <p:sp>
+        <p:nvSpPr>
+          <p:cNvPr id="4" name="TextBox 3">
+            <a:extLst>
+              <a:ext uri="{FF2B5EF4-FFF2-40B4-BE49-F238E27FC236}">
+                <a16:creationId xmlns:a16="http://schemas.microsoft.com/office/drawing/2014/main" id="{DCA5C706-847F-F402-A9B0-751B368A165A}"/>
+              </a:ext>
+            </a:extLst>
+          </p:cNvPr>
+          <p:cNvSpPr txBox="1"/>
+          <p:nvPr/>
+        </p:nvSpPr>
+        <p:spPr>
+          <a:xfrm>
+            <a:off x="992845" y="3357102"/>
+            <a:ext cx="9707880" cy="3162917"/>
+          </a:xfrm>
+          <a:prstGeom prst="rect">
+            <a:avLst/>
+          </a:prstGeom>
+          <a:noFill/>
+        </p:spPr>
+        <p:txBody>
+          <a:bodyPr wrap="square" lIns="118872" tIns="91440" rIns="118872" bIns="91440" rtlCol="0" anchor="ctr" anchorCtr="0">
+            <a:spAutoFit/>
+          </a:bodyPr>
+          <a:lstStyle/>
+          <a:p>
+            <a:pPr marL="285750" indent="-285750">
+              <a:lnSpc>
+                <a:spcPct val="90000"/>
+              </a:lnSpc>
+              <a:spcBef>
+                <a:spcPts val="800"/>
+              </a:spcBef>
+              <a:buFont typeface="Arial" panose="020B0604020202020204" pitchFamily="34" charset="0"/>
+              <a:buChar char="•"/>
+            </a:pPr>
+            <a:r>
+              <a:rPr lang="en-US" sz="2400" dirty="0"/>
+              <a:t>Is understanding always the ultimate goal?</a:t>
+            </a:r>
+          </a:p>
+          <a:p>
+            <a:pPr marL="285750" indent="-285750">
+              <a:lnSpc>
+                <a:spcPct val="90000"/>
+              </a:lnSpc>
+              <a:spcBef>
+                <a:spcPts val="800"/>
+              </a:spcBef>
+              <a:buFont typeface="Arial" panose="020B0604020202020204" pitchFamily="34" charset="0"/>
+              <a:buChar char="•"/>
+            </a:pPr>
+            <a:r>
+              <a:rPr lang="en-US" sz="2400" dirty="0"/>
+              <a:t>Are there times when mere knowledge is sufficient?</a:t>
+            </a:r>
+          </a:p>
+          <a:p>
+            <a:pPr marL="742950" lvl="1" indent="-285750">
+              <a:lnSpc>
+                <a:spcPct val="90000"/>
+              </a:lnSpc>
+              <a:spcBef>
+                <a:spcPts val="800"/>
+              </a:spcBef>
+              <a:buFont typeface="Arial" panose="020B0604020202020204" pitchFamily="34" charset="0"/>
+              <a:buChar char="•"/>
+            </a:pPr>
+            <a:r>
+              <a:rPr lang="en-US" sz="2000" dirty="0"/>
+              <a:t>I don’t need to understand atmospheric science or weather prediction.  I just need basic knowledge to determine if I should take an umbrella with me.</a:t>
+            </a:r>
+          </a:p>
+          <a:p>
+            <a:pPr marL="285750" indent="-285750">
+              <a:lnSpc>
+                <a:spcPct val="90000"/>
+              </a:lnSpc>
+              <a:spcBef>
+                <a:spcPts val="800"/>
+              </a:spcBef>
+              <a:buFont typeface="Arial" panose="020B0604020202020204" pitchFamily="34" charset="0"/>
+              <a:buChar char="•"/>
+            </a:pPr>
+            <a:r>
+              <a:rPr lang="en-US" sz="2400" dirty="0"/>
+              <a:t>Data, information, and knowledge are key ingredients in developing understanding</a:t>
+            </a:r>
+          </a:p>
+          <a:p>
+            <a:pPr marL="742950" lvl="1" indent="-285750">
+              <a:lnSpc>
+                <a:spcPct val="90000"/>
+              </a:lnSpc>
+              <a:spcBef>
+                <a:spcPts val="800"/>
+              </a:spcBef>
+              <a:buFont typeface="Arial" panose="020B0604020202020204" pitchFamily="34" charset="0"/>
+              <a:buChar char="•"/>
+            </a:pPr>
+            <a:r>
+              <a:rPr lang="en-US" sz="2000" dirty="0"/>
+              <a:t>Need to manage all, appropriately</a:t>
+            </a:r>
+          </a:p>
+          <a:p>
+            <a:pPr algn="l">
+              <a:lnSpc>
+                <a:spcPct val="90000"/>
+              </a:lnSpc>
+              <a:spcBef>
+                <a:spcPts val="800"/>
+              </a:spcBef>
+            </a:pPr>
+            <a:endParaRPr lang="en-US" dirty="0"/>
+          </a:p>
+        </p:txBody>
+      </p:sp>
     </p:spTree>
     <p:extLst>
       <p:ext uri="{BB962C8B-B14F-4D97-AF65-F5344CB8AC3E}">
-        <p14:creationId xmlns:p14="http://schemas.microsoft.com/office/powerpoint/2010/main" val="2366589001"/>
+        <p14:creationId xmlns:p14="http://schemas.microsoft.com/office/powerpoint/2010/main" val="3553658350"/>
       </p:ext>
     </p:extLst>
   </p:cSld>
@@ -12477,7 +12198,7 @@
           <p:cNvPr id="2" name="Title 1">
             <a:extLst>
               <a:ext uri="{FF2B5EF4-FFF2-40B4-BE49-F238E27FC236}">
-                <a16:creationId xmlns:a16="http://schemas.microsoft.com/office/drawing/2014/main" id="{923FF528-4ADA-DA4E-A959-E1EFEAD4DC5A}"/>
+                <a16:creationId xmlns:a16="http://schemas.microsoft.com/office/drawing/2014/main" id="{E542B024-8735-A0E3-7EDB-ED276763E02D}"/>
               </a:ext>
             </a:extLst>
           </p:cNvPr>
@@ -12495,12 +12216,8 @@
           <a:p>
             <a:r>
               <a:rPr lang="en-US" dirty="0"/>
-              <a:t>Obligatory Einstein quote</a:t>
-            </a:r>
-            <a:br>
-              <a:rPr lang="en-US" dirty="0"/>
-            </a:br>
-            <a:endParaRPr lang="en-US" dirty="0"/>
+              <a:t>Knowledge Management</a:t>
+            </a:r>
           </a:p>
         </p:txBody>
       </p:sp>
@@ -12509,7 +12226,7 @@
           <p:cNvPr id="3" name="Content Placeholder 2">
             <a:extLst>
               <a:ext uri="{FF2B5EF4-FFF2-40B4-BE49-F238E27FC236}">
-                <a16:creationId xmlns:a16="http://schemas.microsoft.com/office/drawing/2014/main" id="{B1C4588A-E6F1-E870-2F2D-600085D93BB1}"/>
+                <a16:creationId xmlns:a16="http://schemas.microsoft.com/office/drawing/2014/main" id="{B23602B9-E02D-3978-3DB6-3540696C46F2}"/>
               </a:ext>
             </a:extLst>
           </p:cNvPr>
@@ -12520,35 +12237,67 @@
             <p:ph idx="1"/>
           </p:nvPr>
         </p:nvSpPr>
-        <p:spPr>
-          <a:xfrm>
-            <a:off x="1167009" y="1602040"/>
-            <a:ext cx="10028971" cy="4047778"/>
-          </a:xfrm>
-        </p:spPr>
+        <p:spPr/>
         <p:txBody>
           <a:bodyPr/>
           <a:lstStyle/>
           <a:p>
-            <a:pPr marL="0" indent="0">
-              <a:buNone/>
-            </a:pPr>
-            <a:r>
-              <a:rPr lang="en-US" sz="3600" dirty="0"/>
-              <a:t>“Any fool can know. The point is to understand.” </a:t>
-            </a:r>
-          </a:p>
-          <a:p>
-            <a:pPr marL="0" indent="0">
-              <a:buNone/>
-            </a:pPr>
-            <a:r>
-              <a:rPr lang="en-US" dirty="0"/>
-              <a:t>	- </a:t>
-            </a:r>
-            <a:r>
-              <a:rPr lang="en-US" sz="2800" dirty="0"/>
-              <a:t>Albert Einstein</a:t>
+            <a:r>
+              <a:rPr lang="en-US" dirty="0"/>
+              <a:t>DIKUW is related to knowledge management</a:t>
+            </a:r>
+          </a:p>
+          <a:p>
+            <a:r>
+              <a:rPr lang="en-US" dirty="0"/>
+              <a:t>We want to</a:t>
+            </a:r>
+          </a:p>
+          <a:p>
+            <a:pPr lvl="1"/>
+            <a:r>
+              <a:rPr lang="en-US" b="1" dirty="0"/>
+              <a:t>Recognize</a:t>
+            </a:r>
+            <a:r>
+              <a:rPr lang="en-US" dirty="0"/>
+              <a:t> when we generate knowledge</a:t>
+            </a:r>
+          </a:p>
+          <a:p>
+            <a:pPr lvl="1"/>
+            <a:r>
+              <a:rPr lang="en-US" b="1" dirty="0"/>
+              <a:t>Capture</a:t>
+            </a:r>
+            <a:r>
+              <a:rPr lang="en-US" dirty="0"/>
+              <a:t> and </a:t>
+            </a:r>
+            <a:r>
+              <a:rPr lang="en-US" b="1" dirty="0"/>
+              <a:t>preserve</a:t>
+            </a:r>
+            <a:r>
+              <a:rPr lang="en-US" dirty="0"/>
+              <a:t> that knowledge</a:t>
+            </a:r>
+          </a:p>
+          <a:p>
+            <a:pPr lvl="1"/>
+            <a:r>
+              <a:rPr lang="en-US" b="1" dirty="0"/>
+              <a:t>Communicate</a:t>
+            </a:r>
+            <a:r>
+              <a:rPr lang="en-US" dirty="0"/>
+              <a:t> that knowledge</a:t>
+            </a:r>
+          </a:p>
+          <a:p>
+            <a:r>
+              <a:rPr lang="en-US" dirty="0"/>
+              <a:t>Scientific work can benefit from knowledge management</a:t>
             </a:r>
           </a:p>
           <a:p>
@@ -12564,7 +12313,7 @@
           <p:cNvPr id="4" name="TextBox 3">
             <a:extLst>
               <a:ext uri="{FF2B5EF4-FFF2-40B4-BE49-F238E27FC236}">
-                <a16:creationId xmlns:a16="http://schemas.microsoft.com/office/drawing/2014/main" id="{DCA5C706-847F-F402-A9B0-751B368A165A}"/>
+                <a16:creationId xmlns:a16="http://schemas.microsoft.com/office/drawing/2014/main" id="{1DF53030-262B-B41C-84EE-E79A5A5F4D5F}"/>
               </a:ext>
             </a:extLst>
           </p:cNvPr>
@@ -12573,8 +12322,8 @@
         </p:nvSpPr>
         <p:spPr>
           <a:xfrm>
-            <a:off x="992845" y="3357102"/>
-            <a:ext cx="9707880" cy="3162917"/>
+            <a:off x="1437079" y="4969016"/>
+            <a:ext cx="9314666" cy="517065"/>
           </a:xfrm>
           <a:prstGeom prst="rect">
             <a:avLst/>
@@ -12582,107 +12331,27 @@
           <a:noFill/>
         </p:spPr>
         <p:txBody>
-          <a:bodyPr wrap="square" lIns="118872" tIns="91440" rIns="118872" bIns="91440" rtlCol="0" anchor="ctr" anchorCtr="0">
+          <a:bodyPr wrap="none" lIns="118872" tIns="91440" rIns="118872" bIns="91440" rtlCol="0" anchor="ctr" anchorCtr="0">
             <a:spAutoFit/>
           </a:bodyPr>
           <a:lstStyle/>
-          <a:p>
-            <a:pPr marL="285750" indent="-285750">
-              <a:lnSpc>
-                <a:spcPct val="90000"/>
-              </a:lnSpc>
-              <a:spcBef>
-                <a:spcPts val="800"/>
-              </a:spcBef>
-              <a:buFont typeface="Arial" panose="020B0604020202020204" pitchFamily="34" charset="0"/>
-              <a:buChar char="•"/>
-            </a:pPr>
-            <a:r>
-              <a:rPr lang="en-US" sz="2400" dirty="0"/>
-              <a:t>Is understanding always the ultimate goal?</a:t>
-            </a:r>
-          </a:p>
-          <a:p>
-            <a:pPr marL="285750" indent="-285750">
-              <a:lnSpc>
-                <a:spcPct val="90000"/>
-              </a:lnSpc>
-              <a:spcBef>
-                <a:spcPts val="800"/>
-              </a:spcBef>
-              <a:buFont typeface="Arial" panose="020B0604020202020204" pitchFamily="34" charset="0"/>
-              <a:buChar char="•"/>
-            </a:pPr>
-            <a:r>
-              <a:rPr lang="en-US" sz="2400" dirty="0"/>
-              <a:t>Are there times when mere knowledge is sufficient?</a:t>
-            </a:r>
-          </a:p>
-          <a:p>
-            <a:pPr marL="742950" lvl="1" indent="-285750">
-              <a:lnSpc>
-                <a:spcPct val="90000"/>
-              </a:lnSpc>
-              <a:spcBef>
-                <a:spcPts val="800"/>
-              </a:spcBef>
-              <a:buFont typeface="Arial" panose="020B0604020202020204" pitchFamily="34" charset="0"/>
-              <a:buChar char="•"/>
-            </a:pPr>
-            <a:r>
-              <a:rPr lang="en-US" sz="2000" dirty="0"/>
-              <a:t>I don’t need to understand atmospheric science or weather prediction.  I just need basic knowledge to determine if I should take an umbrella with me.</a:t>
-            </a:r>
-          </a:p>
-          <a:p>
-            <a:pPr marL="285750" indent="-285750">
-              <a:lnSpc>
-                <a:spcPct val="90000"/>
-              </a:lnSpc>
-              <a:spcBef>
-                <a:spcPts val="800"/>
-              </a:spcBef>
-              <a:buFont typeface="Arial" panose="020B0604020202020204" pitchFamily="34" charset="0"/>
-              <a:buChar char="•"/>
-            </a:pPr>
-            <a:r>
-              <a:rPr lang="en-US" sz="2400" dirty="0"/>
-              <a:t>Data, information, and knowledge are key ingredients in developing understanding</a:t>
-            </a:r>
-          </a:p>
-          <a:p>
-            <a:pPr marL="742950" lvl="1" indent="-285750">
-              <a:lnSpc>
-                <a:spcPct val="90000"/>
-              </a:lnSpc>
-              <a:spcBef>
-                <a:spcPts val="800"/>
-              </a:spcBef>
-              <a:buFont typeface="Arial" panose="020B0604020202020204" pitchFamily="34" charset="0"/>
-              <a:buChar char="•"/>
-            </a:pPr>
-            <a:r>
-              <a:rPr lang="en-US" sz="2000" dirty="0"/>
-              <a:t>Need to manage all, appropriately</a:t>
-            </a:r>
-          </a:p>
           <a:p>
             <a:pPr algn="l">
               <a:lnSpc>
                 <a:spcPct val="90000"/>
               </a:lnSpc>
-              <a:spcBef>
-                <a:spcPts val="800"/>
-              </a:spcBef>
             </a:pPr>
-            <a:endParaRPr lang="en-US" dirty="0"/>
+            <a:r>
+              <a:rPr lang="en-US" sz="2400" dirty="0"/>
+              <a:t>Is knowledge communication only about communicating to others?</a:t>
+            </a:r>
           </a:p>
         </p:txBody>
       </p:sp>
     </p:spTree>
     <p:extLst>
       <p:ext uri="{BB962C8B-B14F-4D97-AF65-F5344CB8AC3E}">
-        <p14:creationId xmlns:p14="http://schemas.microsoft.com/office/powerpoint/2010/main" val="3553658350"/>
+        <p14:creationId xmlns:p14="http://schemas.microsoft.com/office/powerpoint/2010/main" val="2964406316"/>
       </p:ext>
     </p:extLst>
   </p:cSld>
@@ -12714,7 +12383,7 @@
           <p:cNvPr id="2" name="Title 1">
             <a:extLst>
               <a:ext uri="{FF2B5EF4-FFF2-40B4-BE49-F238E27FC236}">
-                <a16:creationId xmlns:a16="http://schemas.microsoft.com/office/drawing/2014/main" id="{E542B024-8735-A0E3-7EDB-ED276763E02D}"/>
+                <a16:creationId xmlns:a16="http://schemas.microsoft.com/office/drawing/2014/main" id="{96AE34BC-5E36-C205-FC77-0BE3BC6B219C}"/>
               </a:ext>
             </a:extLst>
           </p:cNvPr>
@@ -12732,8 +12401,9 @@
           <a:p>
             <a:r>
               <a:rPr lang="en-US" dirty="0"/>
-              <a:t>Knowledge Management</a:t>
-            </a:r>
+              <a:t>Example: Lessons learned</a:t>
+            </a:r>
+            <a:endParaRPr lang="en-US" b="0" dirty="0"/>
           </a:p>
         </p:txBody>
       </p:sp>
@@ -12742,7 +12412,7 @@
           <p:cNvPr id="3" name="Content Placeholder 2">
             <a:extLst>
               <a:ext uri="{FF2B5EF4-FFF2-40B4-BE49-F238E27FC236}">
-                <a16:creationId xmlns:a16="http://schemas.microsoft.com/office/drawing/2014/main" id="{B23602B9-E02D-3978-3DB6-3540696C46F2}"/>
+                <a16:creationId xmlns:a16="http://schemas.microsoft.com/office/drawing/2014/main" id="{9411637D-F75A-13D4-D37F-CB72F82649B7}"/>
               </a:ext>
             </a:extLst>
           </p:cNvPr>
@@ -12760,60 +12430,48 @@
           <a:p>
             <a:r>
               <a:rPr lang="en-US" dirty="0"/>
-              <a:t>DIKUW is related to knowledge management</a:t>
-            </a:r>
-          </a:p>
-          <a:p>
-            <a:r>
-              <a:rPr lang="en-US" dirty="0"/>
-              <a:t>We want to</a:t>
+              <a:t>After we live through an experience, we want to derive lessons learned</a:t>
             </a:r>
           </a:p>
           <a:p>
             <a:pPr lvl="1"/>
             <a:r>
-              <a:rPr lang="en-US" b="1" dirty="0"/>
-              <a:t>Recognize</a:t>
-            </a:r>
-            <a:r>
-              <a:rPr lang="en-US" dirty="0"/>
-              <a:t> when we generate knowledge</a:t>
+              <a:rPr lang="en-US" dirty="0"/>
+              <a:t>Experience is valuable, more so if we reflect and are thoughtful</a:t>
             </a:r>
           </a:p>
           <a:p>
             <a:pPr lvl="1"/>
             <a:r>
-              <a:rPr lang="en-US" b="1" dirty="0"/>
-              <a:t>Capture</a:t>
-            </a:r>
-            <a:r>
-              <a:rPr lang="en-US" dirty="0"/>
-              <a:t> and </a:t>
-            </a:r>
-            <a:r>
-              <a:rPr lang="en-US" b="1" dirty="0"/>
-              <a:t>preserve</a:t>
-            </a:r>
-            <a:r>
-              <a:rPr lang="en-US" dirty="0"/>
-              <a:t> that knowledge</a:t>
+              <a:rPr lang="en-US" dirty="0"/>
+              <a:t>Generate/capture knowledge to grow, improve, and avoid difficulties/mistakes</a:t>
             </a:r>
           </a:p>
           <a:p>
             <a:pPr lvl="1"/>
             <a:r>
-              <a:rPr lang="en-US" b="1" dirty="0"/>
-              <a:t>Communicate</a:t>
-            </a:r>
-            <a:r>
-              <a:rPr lang="en-US" dirty="0"/>
-              <a:t> that knowledge</a:t>
-            </a:r>
-          </a:p>
-          <a:p>
-            <a:r>
-              <a:rPr lang="en-US" dirty="0"/>
-              <a:t>Scientific work can benefit from knowledge management</a:t>
+              <a:rPr lang="en-US" dirty="0"/>
+              <a:t>Hope to improve understanding</a:t>
+            </a:r>
+          </a:p>
+          <a:p>
+            <a:r>
+              <a:rPr lang="en-US" dirty="0"/>
+              <a:t>We get more if we derive lessons learned together</a:t>
+            </a:r>
+          </a:p>
+          <a:p>
+            <a:pPr lvl="1"/>
+            <a:r>
+              <a:rPr lang="en-US" dirty="0"/>
+              <a:t>Create more or higher quality knowledge</a:t>
+            </a:r>
+          </a:p>
+          <a:p>
+            <a:pPr lvl="1"/>
+            <a:r>
+              <a:rPr lang="en-US" dirty="0"/>
+              <a:t>Communicate the knowledge implicitly</a:t>
             </a:r>
           </a:p>
           <a:p>
@@ -12822,6 +12480,12 @@
             </a:pPr>
             <a:endParaRPr lang="en-US" dirty="0"/>
           </a:p>
+          <a:p>
+            <a:pPr marL="0" indent="0">
+              <a:buNone/>
+            </a:pPr>
+            <a:endParaRPr lang="en-US" dirty="0"/>
+          </a:p>
         </p:txBody>
       </p:sp>
       <p:sp>
@@ -12829,7 +12493,7 @@
           <p:cNvPr id="4" name="TextBox 3">
             <a:extLst>
               <a:ext uri="{FF2B5EF4-FFF2-40B4-BE49-F238E27FC236}">
-                <a16:creationId xmlns:a16="http://schemas.microsoft.com/office/drawing/2014/main" id="{1DF53030-262B-B41C-84EE-E79A5A5F4D5F}"/>
+                <a16:creationId xmlns:a16="http://schemas.microsoft.com/office/drawing/2014/main" id="{3CFA863B-7CD4-95D5-F274-D75A0739E6AF}"/>
               </a:ext>
             </a:extLst>
           </p:cNvPr>
@@ -12838,8 +12502,8 @@
         </p:nvSpPr>
         <p:spPr>
           <a:xfrm>
-            <a:off x="1437079" y="4969016"/>
-            <a:ext cx="9314666" cy="517065"/>
+            <a:off x="2327547" y="5108580"/>
+            <a:ext cx="7533729" cy="517065"/>
           </a:xfrm>
           <a:prstGeom prst="rect">
             <a:avLst/>
@@ -12852,14 +12516,14 @@
           </a:bodyPr>
           <a:lstStyle/>
           <a:p>
-            <a:pPr algn="l">
+            <a:pPr>
               <a:lnSpc>
                 <a:spcPct val="90000"/>
               </a:lnSpc>
             </a:pPr>
             <a:r>
               <a:rPr lang="en-US" sz="2400" dirty="0"/>
-              <a:t>Is knowledge communication only about communicating to others?</a:t>
+              <a:t>Should we communicate lessons learned to others?</a:t>
             </a:r>
           </a:p>
         </p:txBody>
@@ -12867,7 +12531,7 @@
     </p:spTree>
     <p:extLst>
       <p:ext uri="{BB962C8B-B14F-4D97-AF65-F5344CB8AC3E}">
-        <p14:creationId xmlns:p14="http://schemas.microsoft.com/office/powerpoint/2010/main" val="2964406316"/>
+        <p14:creationId xmlns:p14="http://schemas.microsoft.com/office/powerpoint/2010/main" val="1526914382"/>
       </p:ext>
     </p:extLst>
   </p:cSld>
@@ -13790,18 +13454,18 @@
 </file>
 
 <file path=customXml/item1.xml><?xml version="1.0" encoding="utf-8"?>
-<p:properties xmlns:p="http://schemas.microsoft.com/office/2006/metadata/properties" xmlns:xsi="http://www.w3.org/2001/XMLSchema-instance" xmlns:pc="http://schemas.microsoft.com/office/infopath/2007/PartnerControls">
-  <documentManagement/>
-</p:properties>
-</file>
-
-<file path=customXml/item2.xml><?xml version="1.0" encoding="utf-8"?>
 <?mso-contentType ?>
 <FormTemplates xmlns="http://schemas.microsoft.com/sharepoint/v3/contenttype/forms">
   <Display>DocumentLibraryForm</Display>
   <Edit>DocumentLibraryForm</Edit>
   <New>DocumentLibraryForm</New>
 </FormTemplates>
+</file>
+
+<file path=customXml/item2.xml><?xml version="1.0" encoding="utf-8"?>
+<p:properties xmlns:p="http://schemas.microsoft.com/office/2006/metadata/properties" xmlns:xsi="http://www.w3.org/2001/XMLSchema-instance" xmlns:pc="http://schemas.microsoft.com/office/infopath/2007/PartnerControls">
+  <documentManagement/>
+</p:properties>
 </file>
 
 <file path=customXml/item3.xml><?xml version="1.0" encoding="utf-8"?>
@@ -13854,6 +13518,14 @@
 </file>
 
 <file path=customXml/itemProps1.xml><?xml version="1.0" encoding="utf-8"?>
+<ds:datastoreItem xmlns:ds="http://schemas.openxmlformats.org/officeDocument/2006/customXml" ds:itemID="{19E20559-B232-4371-8690-E3D8007EDB82}">
+  <ds:schemaRefs>
+    <ds:schemaRef ds:uri="http://schemas.microsoft.com/sharepoint/v3/contenttype/forms"/>
+  </ds:schemaRefs>
+</ds:datastoreItem>
+</file>
+
+<file path=customXml/itemProps2.xml><?xml version="1.0" encoding="utf-8"?>
 <ds:datastoreItem xmlns:ds="http://schemas.openxmlformats.org/officeDocument/2006/customXml" ds:itemID="{A50EC660-24D0-43A0-AE5E-E274115E726B}">
   <ds:schemaRefs>
     <ds:schemaRef ds:uri="http://purl.org/dc/elements/1.1/"/>
@@ -13864,14 +13536,6 @@
     <ds:schemaRef ds:uri="http://www.w3.org/XML/1998/namespace"/>
     <ds:schemaRef ds:uri="http://purl.org/dc/dcmitype/"/>
     <ds:schemaRef ds:uri="http://schemas.microsoft.com/office/infopath/2007/PartnerControls"/>
-  </ds:schemaRefs>
-</ds:datastoreItem>
-</file>
-
-<file path=customXml/itemProps2.xml><?xml version="1.0" encoding="utf-8"?>
-<ds:datastoreItem xmlns:ds="http://schemas.openxmlformats.org/officeDocument/2006/customXml" ds:itemID="{19E20559-B232-4371-8690-E3D8007EDB82}">
-  <ds:schemaRefs>
-    <ds:schemaRef ds:uri="http://schemas.microsoft.com/sharepoint/v3/contenttype/forms"/>
   </ds:schemaRefs>
 </ds:datastoreItem>
 </file>

--- a/lab-notebooks.pptx
+++ b/lab-notebooks.pptx
@@ -5,40 +5,41 @@
     <p:sldMasterId id="2147483935" r:id="rId4"/>
   </p:sldMasterIdLst>
   <p:notesMasterIdLst>
-    <p:notesMasterId r:id="rId33"/>
+    <p:notesMasterId r:id="rId34"/>
   </p:notesMasterIdLst>
   <p:handoutMasterIdLst>
-    <p:handoutMasterId r:id="rId34"/>
+    <p:handoutMasterId r:id="rId35"/>
   </p:handoutMasterIdLst>
   <p:sldIdLst>
     <p:sldId id="256" r:id="rId5"/>
-    <p:sldId id="349" r:id="rId6"/>
-    <p:sldId id="322" r:id="rId7"/>
-    <p:sldId id="325" r:id="rId8"/>
-    <p:sldId id="326" r:id="rId9"/>
-    <p:sldId id="327" r:id="rId10"/>
-    <p:sldId id="328" r:id="rId11"/>
-    <p:sldId id="330" r:id="rId12"/>
-    <p:sldId id="332" r:id="rId13"/>
-    <p:sldId id="331" r:id="rId14"/>
-    <p:sldId id="336" r:id="rId15"/>
-    <p:sldId id="335" r:id="rId16"/>
-    <p:sldId id="276" r:id="rId17"/>
-    <p:sldId id="346" r:id="rId18"/>
-    <p:sldId id="277" r:id="rId19"/>
-    <p:sldId id="279" r:id="rId20"/>
-    <p:sldId id="287" r:id="rId21"/>
-    <p:sldId id="280" r:id="rId22"/>
-    <p:sldId id="275" r:id="rId23"/>
-    <p:sldId id="293" r:id="rId24"/>
-    <p:sldId id="281" r:id="rId25"/>
-    <p:sldId id="294" r:id="rId26"/>
-    <p:sldId id="295" r:id="rId27"/>
-    <p:sldId id="288" r:id="rId28"/>
-    <p:sldId id="282" r:id="rId29"/>
-    <p:sldId id="283" r:id="rId30"/>
-    <p:sldId id="347" r:id="rId31"/>
-    <p:sldId id="344" r:id="rId32"/>
+    <p:sldId id="320" r:id="rId6"/>
+    <p:sldId id="349" r:id="rId7"/>
+    <p:sldId id="322" r:id="rId8"/>
+    <p:sldId id="325" r:id="rId9"/>
+    <p:sldId id="326" r:id="rId10"/>
+    <p:sldId id="327" r:id="rId11"/>
+    <p:sldId id="328" r:id="rId12"/>
+    <p:sldId id="330" r:id="rId13"/>
+    <p:sldId id="332" r:id="rId14"/>
+    <p:sldId id="331" r:id="rId15"/>
+    <p:sldId id="336" r:id="rId16"/>
+    <p:sldId id="335" r:id="rId17"/>
+    <p:sldId id="276" r:id="rId18"/>
+    <p:sldId id="346" r:id="rId19"/>
+    <p:sldId id="277" r:id="rId20"/>
+    <p:sldId id="279" r:id="rId21"/>
+    <p:sldId id="287" r:id="rId22"/>
+    <p:sldId id="280" r:id="rId23"/>
+    <p:sldId id="275" r:id="rId24"/>
+    <p:sldId id="293" r:id="rId25"/>
+    <p:sldId id="281" r:id="rId26"/>
+    <p:sldId id="294" r:id="rId27"/>
+    <p:sldId id="295" r:id="rId28"/>
+    <p:sldId id="288" r:id="rId29"/>
+    <p:sldId id="282" r:id="rId30"/>
+    <p:sldId id="283" r:id="rId31"/>
+    <p:sldId id="347" r:id="rId32"/>
+    <p:sldId id="344" r:id="rId33"/>
   </p:sldIdLst>
   <p:sldSz cx="12188825" cy="6858000"/>
   <p:notesSz cx="7010400" cy="9296400"/>
@@ -282,7 +283,7 @@
           <a:p>
             <a:fld id="{0B842F42-2CE9-4E35-95C1-410DC08A50B1}" type="datetimeFigureOut">
               <a:rPr lang="en-US" smtClean="0"/>
-              <a:t>4/18/23</a:t>
+              <a:t>5/9/2023</a:t>
             </a:fld>
             <a:endParaRPr lang="en-US"/>
           </a:p>
@@ -447,7 +448,7 @@
           <a:p>
             <a:fld id="{6F282904-F315-4730-8D91-37D99E141A6F}" type="datetimeFigureOut">
               <a:rPr lang="en-US" smtClean="0"/>
-              <a:t>4/18/23</a:t>
+              <a:t>5/9/2023</a:t>
             </a:fld>
             <a:endParaRPr lang="en-US"/>
           </a:p>
@@ -981,7 +982,7 @@
           <a:p>
             <a:fld id="{54E672D7-8E2D-4611-973D-F4591A707C34}" type="slidenum">
               <a:rPr lang="en-US" smtClean="0"/>
-              <a:t>10</a:t>
+              <a:t>11</a:t>
             </a:fld>
             <a:endParaRPr lang="en-US"/>
           </a:p>
@@ -1086,7 +1087,7 @@
           <a:p>
             <a:fld id="{54E672D7-8E2D-4611-973D-F4591A707C34}" type="slidenum">
               <a:rPr lang="en-US" smtClean="0"/>
-              <a:t>11</a:t>
+              <a:t>12</a:t>
             </a:fld>
             <a:endParaRPr lang="en-US"/>
           </a:p>
@@ -1170,7 +1171,7 @@
           <a:p>
             <a:fld id="{54E672D7-8E2D-4611-973D-F4591A707C34}" type="slidenum">
               <a:rPr lang="en-US" smtClean="0"/>
-              <a:t>12</a:t>
+              <a:t>13</a:t>
             </a:fld>
             <a:endParaRPr lang="en-US"/>
           </a:p>
@@ -1266,7 +1267,7 @@
           <a:p>
             <a:fld id="{3EAA7A1A-8011-3A42-91B8-EE1BD44E4455}" type="slidenum">
               <a:rPr lang="en-US" smtClean="0"/>
-              <a:t>13</a:t>
+              <a:t>14</a:t>
             </a:fld>
             <a:endParaRPr lang="en-US"/>
           </a:p>
@@ -1424,7 +1425,7 @@
           <a:p>
             <a:fld id="{54E672D7-8E2D-4611-973D-F4591A707C34}" type="slidenum">
               <a:rPr lang="en-US" smtClean="0"/>
-              <a:t>14</a:t>
+              <a:t>15</a:t>
             </a:fld>
             <a:endParaRPr lang="en-US"/>
           </a:p>
@@ -1529,7 +1530,7 @@
           <a:p>
             <a:fld id="{3EAA7A1A-8011-3A42-91B8-EE1BD44E4455}" type="slidenum">
               <a:rPr lang="en-US" smtClean="0"/>
-              <a:t>15</a:t>
+              <a:t>16</a:t>
             </a:fld>
             <a:endParaRPr lang="en-US"/>
           </a:p>
@@ -1613,7 +1614,7 @@
           <a:p>
             <a:fld id="{3EAA7A1A-8011-3A42-91B8-EE1BD44E4455}" type="slidenum">
               <a:rPr lang="en-US" smtClean="0"/>
-              <a:t>19</a:t>
+              <a:t>20</a:t>
             </a:fld>
             <a:endParaRPr lang="en-US"/>
           </a:p>
@@ -1697,7 +1698,7 @@
           <a:p>
             <a:fld id="{54E672D7-8E2D-4611-973D-F4591A707C34}" type="slidenum">
               <a:rPr lang="en-US" smtClean="0"/>
-              <a:t>27</a:t>
+              <a:t>28</a:t>
             </a:fld>
             <a:endParaRPr lang="en-US"/>
           </a:p>
@@ -1802,7 +1803,7 @@
           <a:p>
             <a:fld id="{54E672D7-8E2D-4611-973D-F4591A707C34}" type="slidenum">
               <a:rPr lang="en-US" smtClean="0"/>
-              <a:t>2</a:t>
+              <a:t>3</a:t>
             </a:fld>
             <a:endParaRPr lang="en-US"/>
           </a:p>
@@ -1995,7 +1996,7 @@
           <a:p>
             <a:fld id="{54E672D7-8E2D-4611-973D-F4591A707C34}" type="slidenum">
               <a:rPr lang="en-US" smtClean="0"/>
-              <a:t>3</a:t>
+              <a:t>4</a:t>
             </a:fld>
             <a:endParaRPr lang="en-US"/>
           </a:p>
@@ -2091,7 +2092,7 @@
           <a:p>
             <a:fld id="{54E672D7-8E2D-4611-973D-F4591A707C34}" type="slidenum">
               <a:rPr lang="en-US" smtClean="0"/>
-              <a:t>4</a:t>
+              <a:t>5</a:t>
             </a:fld>
             <a:endParaRPr lang="en-US"/>
           </a:p>
@@ -2196,7 +2197,7 @@
           <a:p>
             <a:fld id="{54E672D7-8E2D-4611-973D-F4591A707C34}" type="slidenum">
               <a:rPr lang="en-US" smtClean="0"/>
-              <a:t>5</a:t>
+              <a:t>6</a:t>
             </a:fld>
             <a:endParaRPr lang="en-US"/>
           </a:p>
@@ -2345,7 +2346,7 @@
           <a:p>
             <a:fld id="{54E672D7-8E2D-4611-973D-F4591A707C34}" type="slidenum">
               <a:rPr lang="en-US" smtClean="0"/>
-              <a:t>6</a:t>
+              <a:t>7</a:t>
             </a:fld>
             <a:endParaRPr lang="en-US"/>
           </a:p>
@@ -2581,7 +2582,7 @@
           <a:p>
             <a:fld id="{54E672D7-8E2D-4611-973D-F4591A707C34}" type="slidenum">
               <a:rPr lang="en-US" smtClean="0"/>
-              <a:t>7</a:t>
+              <a:t>8</a:t>
             </a:fld>
             <a:endParaRPr lang="en-US"/>
           </a:p>
@@ -2686,7 +2687,7 @@
           <a:p>
             <a:fld id="{54E672D7-8E2D-4611-973D-F4591A707C34}" type="slidenum">
               <a:rPr lang="en-US" smtClean="0"/>
-              <a:t>8</a:t>
+              <a:t>9</a:t>
             </a:fld>
             <a:endParaRPr lang="en-US"/>
           </a:p>
@@ -2788,7 +2789,7 @@
           <a:p>
             <a:fld id="{54E672D7-8E2D-4611-973D-F4591A707C34}" type="slidenum">
               <a:rPr lang="en-US" smtClean="0"/>
-              <a:t>9</a:t>
+              <a:t>10</a:t>
             </a:fld>
             <a:endParaRPr lang="en-US"/>
           </a:p>
@@ -6470,7 +6471,7 @@
           <a:bodyPr/>
           <a:lstStyle/>
           <a:p>
-            <a:endParaRPr lang="en-US"/>
+            <a:endParaRPr lang="en-US" dirty="0"/>
           </a:p>
         </p:txBody>
       </p:sp>
@@ -6529,7 +6530,7 @@
         </p:nvSpPr>
         <p:spPr>
           <a:xfrm>
-            <a:off x="5849205" y="2134517"/>
+            <a:off x="5224052" y="2134517"/>
             <a:ext cx="1690167" cy="376085"/>
           </a:xfrm>
         </p:spPr>
@@ -6591,26 +6592,22 @@
         <p:spPr>
           <a:xfrm>
             <a:off x="3176925" y="3161813"/>
-            <a:ext cx="8292316" cy="646331"/>
+            <a:ext cx="8292316" cy="369332"/>
           </a:xfrm>
         </p:spPr>
         <p:txBody>
           <a:bodyPr/>
           <a:lstStyle/>
           <a:p>
-            <a:r>
-              <a:rPr lang="en-US" b="0" i="0" dirty="0">
-                <a:solidFill>
-                  <a:srgbClr val="111111"/>
-                </a:solidFill>
-                <a:effectLst/>
-                <a:latin typeface="+mj-lt"/>
-              </a:rPr>
-              <a:t>Software Practices for Better Science: Testing, Reproducibility, and Documentation tutorial @ ISC23</a:t>
-            </a:r>
-            <a:endParaRPr lang="en-US" dirty="0">
-              <a:latin typeface="+mj-lt"/>
-            </a:endParaRPr>
+            <a:pPr>
+              <a:spcBef>
+                <a:spcPts val="2800"/>
+              </a:spcBef>
+            </a:pPr>
+            <a:r>
+              <a:rPr lang="en-US" sz="2000" dirty="0"/>
+              <a:t>Better Scientific Software tutorial @ ISC23</a:t>
+            </a:r>
           </a:p>
         </p:txBody>
       </p:sp>
@@ -6633,7 +6630,7 @@
         <p:spPr>
           <a:xfrm>
             <a:off x="3176924" y="4204068"/>
-            <a:ext cx="8292316" cy="369332"/>
+            <a:ext cx="8292316" cy="646331"/>
           </a:xfrm>
         </p:spPr>
         <p:txBody>
@@ -6642,7 +6639,7 @@
           <a:p>
             <a:r>
               <a:rPr lang="en-US" dirty="0"/>
-              <a:t>Contributors: David E. Bernholdt (ORNL), Jared O’Neal (ANL)</a:t>
+              <a:t>Contributors: David E. Bernholdt (ORNL), Anshu Dubey (ANL), Jared O’Neal (ANL)</a:t>
             </a:r>
           </a:p>
         </p:txBody>
@@ -6663,7 +6660,7 @@
         </p:nvSpPr>
         <p:spPr bwMode="auto">
           <a:xfrm>
-            <a:off x="3176923" y="4806591"/>
+            <a:off x="3176923" y="5133164"/>
             <a:ext cx="7923467" cy="646331"/>
           </a:xfrm>
           <a:prstGeom prst="rect">
@@ -6869,7 +6866,7 @@
           <a:p>
             <a:r>
               <a:rPr lang="en-US" dirty="0"/>
-              <a:t>Thanks to: Juan Pablo Haddad, Akash Dhruv, Anshu Dubey, Steve </a:t>
+              <a:t>Additional thanks to: Juan Pablo Haddad, Akash Dhruv, Steve </a:t>
             </a:r>
             <a:r>
               <a:rPr lang="en-US" dirty="0" err="1"/>
@@ -6904,6 +6901,186 @@
 </file>
 
 <file path=ppt/slides/slide10.xml><?xml version="1.0" encoding="utf-8"?>
+<p:sld xmlns:a="http://schemas.openxmlformats.org/drawingml/2006/main" xmlns:r="http://schemas.openxmlformats.org/officeDocument/2006/relationships" xmlns:p="http://schemas.openxmlformats.org/presentationml/2006/main">
+  <p:cSld>
+    <p:spTree>
+      <p:nvGrpSpPr>
+        <p:cNvPr id="1" name=""/>
+        <p:cNvGrpSpPr/>
+        <p:nvPr/>
+      </p:nvGrpSpPr>
+      <p:grpSpPr>
+        <a:xfrm>
+          <a:off x="0" y="0"/>
+          <a:ext cx="0" cy="0"/>
+          <a:chOff x="0" y="0"/>
+          <a:chExt cx="0" cy="0"/>
+        </a:xfrm>
+      </p:grpSpPr>
+      <p:sp>
+        <p:nvSpPr>
+          <p:cNvPr id="2" name="Title 1">
+            <a:extLst>
+              <a:ext uri="{FF2B5EF4-FFF2-40B4-BE49-F238E27FC236}">
+                <a16:creationId xmlns:a16="http://schemas.microsoft.com/office/drawing/2014/main" id="{96AE34BC-5E36-C205-FC77-0BE3BC6B219C}"/>
+              </a:ext>
+            </a:extLst>
+          </p:cNvPr>
+          <p:cNvSpPr>
+            <a:spLocks noGrp="1"/>
+          </p:cNvSpPr>
+          <p:nvPr>
+            <p:ph type="title"/>
+          </p:nvPr>
+        </p:nvSpPr>
+        <p:spPr/>
+        <p:txBody>
+          <a:bodyPr/>
+          <a:lstStyle/>
+          <a:p>
+            <a:r>
+              <a:rPr lang="en-US" dirty="0"/>
+              <a:t>Example: Lessons learned</a:t>
+            </a:r>
+            <a:endParaRPr lang="en-US" b="0" dirty="0"/>
+          </a:p>
+        </p:txBody>
+      </p:sp>
+      <p:sp>
+        <p:nvSpPr>
+          <p:cNvPr id="3" name="Content Placeholder 2">
+            <a:extLst>
+              <a:ext uri="{FF2B5EF4-FFF2-40B4-BE49-F238E27FC236}">
+                <a16:creationId xmlns:a16="http://schemas.microsoft.com/office/drawing/2014/main" id="{9411637D-F75A-13D4-D37F-CB72F82649B7}"/>
+              </a:ext>
+            </a:extLst>
+          </p:cNvPr>
+          <p:cNvSpPr>
+            <a:spLocks noGrp="1"/>
+          </p:cNvSpPr>
+          <p:nvPr>
+            <p:ph idx="1"/>
+          </p:nvPr>
+        </p:nvSpPr>
+        <p:spPr/>
+        <p:txBody>
+          <a:bodyPr/>
+          <a:lstStyle/>
+          <a:p>
+            <a:r>
+              <a:rPr lang="en-US" dirty="0"/>
+              <a:t>After we live through an experience, we want to derive lessons learned</a:t>
+            </a:r>
+          </a:p>
+          <a:p>
+            <a:pPr lvl="1"/>
+            <a:r>
+              <a:rPr lang="en-US" dirty="0"/>
+              <a:t>Experience is valuable, more so if we reflect and are thoughtful</a:t>
+            </a:r>
+          </a:p>
+          <a:p>
+            <a:pPr lvl="1"/>
+            <a:r>
+              <a:rPr lang="en-US" dirty="0"/>
+              <a:t>Generate/capture knowledge to grow, improve, and avoid difficulties/mistakes</a:t>
+            </a:r>
+          </a:p>
+          <a:p>
+            <a:pPr lvl="1"/>
+            <a:r>
+              <a:rPr lang="en-US" dirty="0"/>
+              <a:t>Hope to improve understanding</a:t>
+            </a:r>
+          </a:p>
+          <a:p>
+            <a:r>
+              <a:rPr lang="en-US" dirty="0"/>
+              <a:t>We get more if we derive lessons learned together</a:t>
+            </a:r>
+          </a:p>
+          <a:p>
+            <a:pPr lvl="1"/>
+            <a:r>
+              <a:rPr lang="en-US" dirty="0"/>
+              <a:t>Create more or higher quality knowledge</a:t>
+            </a:r>
+          </a:p>
+          <a:p>
+            <a:pPr lvl="1"/>
+            <a:r>
+              <a:rPr lang="en-US" dirty="0"/>
+              <a:t>Communicate the knowledge implicitly</a:t>
+            </a:r>
+          </a:p>
+          <a:p>
+            <a:pPr marL="0" indent="0">
+              <a:buNone/>
+            </a:pPr>
+            <a:endParaRPr lang="en-US" dirty="0"/>
+          </a:p>
+          <a:p>
+            <a:pPr marL="0" indent="0">
+              <a:buNone/>
+            </a:pPr>
+            <a:endParaRPr lang="en-US" dirty="0"/>
+          </a:p>
+        </p:txBody>
+      </p:sp>
+      <p:sp>
+        <p:nvSpPr>
+          <p:cNvPr id="4" name="TextBox 3">
+            <a:extLst>
+              <a:ext uri="{FF2B5EF4-FFF2-40B4-BE49-F238E27FC236}">
+                <a16:creationId xmlns:a16="http://schemas.microsoft.com/office/drawing/2014/main" id="{3CFA863B-7CD4-95D5-F274-D75A0739E6AF}"/>
+              </a:ext>
+            </a:extLst>
+          </p:cNvPr>
+          <p:cNvSpPr txBox="1"/>
+          <p:nvPr/>
+        </p:nvSpPr>
+        <p:spPr>
+          <a:xfrm>
+            <a:off x="2327547" y="5108580"/>
+            <a:ext cx="7533729" cy="517065"/>
+          </a:xfrm>
+          <a:prstGeom prst="rect">
+            <a:avLst/>
+          </a:prstGeom>
+          <a:noFill/>
+        </p:spPr>
+        <p:txBody>
+          <a:bodyPr wrap="none" lIns="118872" tIns="91440" rIns="118872" bIns="91440" rtlCol="0" anchor="ctr" anchorCtr="0">
+            <a:spAutoFit/>
+          </a:bodyPr>
+          <a:lstStyle/>
+          <a:p>
+            <a:pPr>
+              <a:lnSpc>
+                <a:spcPct val="90000"/>
+              </a:lnSpc>
+            </a:pPr>
+            <a:r>
+              <a:rPr lang="en-US" sz="2400" dirty="0"/>
+              <a:t>Should we communicate lessons learned to others?</a:t>
+            </a:r>
+          </a:p>
+        </p:txBody>
+      </p:sp>
+    </p:spTree>
+    <p:extLst>
+      <p:ext uri="{BB962C8B-B14F-4D97-AF65-F5344CB8AC3E}">
+        <p14:creationId xmlns:p14="http://schemas.microsoft.com/office/powerpoint/2010/main" val="1526914382"/>
+      </p:ext>
+    </p:extLst>
+  </p:cSld>
+  <p:clrMapOvr>
+    <a:masterClrMapping/>
+  </p:clrMapOvr>
+</p:sld>
+</file>
+
+<file path=ppt/slides/slide11.xml><?xml version="1.0" encoding="utf-8"?>
 <p:sld xmlns:a="http://schemas.openxmlformats.org/drawingml/2006/main" xmlns:r="http://schemas.openxmlformats.org/officeDocument/2006/relationships" xmlns:p="http://schemas.openxmlformats.org/presentationml/2006/main">
   <p:cSld>
     <p:spTree>
@@ -7269,7 +7446,7 @@
 </p:sld>
 </file>
 
-<file path=ppt/slides/slide11.xml><?xml version="1.0" encoding="utf-8"?>
+<file path=ppt/slides/slide12.xml><?xml version="1.0" encoding="utf-8"?>
 <p:sld xmlns:a="http://schemas.openxmlformats.org/drawingml/2006/main" xmlns:r="http://schemas.openxmlformats.org/officeDocument/2006/relationships" xmlns:p="http://schemas.openxmlformats.org/presentationml/2006/main">
   <p:cSld>
     <p:spTree>
@@ -7513,7 +7690,7 @@
 </p:sld>
 </file>
 
-<file path=ppt/slides/slide12.xml><?xml version="1.0" encoding="utf-8"?>
+<file path=ppt/slides/slide13.xml><?xml version="1.0" encoding="utf-8"?>
 <p:sld xmlns:a="http://schemas.openxmlformats.org/drawingml/2006/main" xmlns:r="http://schemas.openxmlformats.org/officeDocument/2006/relationships" xmlns:p="http://schemas.openxmlformats.org/presentationml/2006/main">
   <p:cSld>
     <p:spTree>
@@ -7784,202 +7961,6 @@
 </p:sld>
 </file>
 
-<file path=ppt/slides/slide13.xml><?xml version="1.0" encoding="utf-8"?>
-<p:sld xmlns:a="http://schemas.openxmlformats.org/drawingml/2006/main" xmlns:r="http://schemas.openxmlformats.org/officeDocument/2006/relationships" xmlns:p="http://schemas.openxmlformats.org/presentationml/2006/main">
-  <p:cSld>
-    <p:spTree>
-      <p:nvGrpSpPr>
-        <p:cNvPr id="1" name=""/>
-        <p:cNvGrpSpPr/>
-        <p:nvPr/>
-      </p:nvGrpSpPr>
-      <p:grpSpPr>
-        <a:xfrm>
-          <a:off x="0" y="0"/>
-          <a:ext cx="0" cy="0"/>
-          <a:chOff x="0" y="0"/>
-          <a:chExt cx="0" cy="0"/>
-        </a:xfrm>
-      </p:grpSpPr>
-      <p:sp>
-        <p:nvSpPr>
-          <p:cNvPr id="2" name="Title 1">
-            <a:extLst>
-              <a:ext uri="{FF2B5EF4-FFF2-40B4-BE49-F238E27FC236}">
-                <a16:creationId xmlns:a16="http://schemas.microsoft.com/office/drawing/2014/main" id="{854DDF3B-E98A-D5CA-A59B-85FA8971B392}"/>
-              </a:ext>
-            </a:extLst>
-          </p:cNvPr>
-          <p:cNvSpPr>
-            <a:spLocks noGrp="1"/>
-          </p:cNvSpPr>
-          <p:nvPr>
-            <p:ph type="title"/>
-          </p:nvPr>
-        </p:nvSpPr>
-        <p:spPr/>
-        <p:txBody>
-          <a:bodyPr/>
-          <a:lstStyle/>
-          <a:p>
-            <a:r>
-              <a:rPr lang="en-US" dirty="0"/>
-              <a:t>No one likes writing lab notes</a:t>
-            </a:r>
-          </a:p>
-        </p:txBody>
-      </p:sp>
-      <p:sp>
-        <p:nvSpPr>
-          <p:cNvPr id="6" name="Content Placeholder 2">
-            <a:extLst>
-              <a:ext uri="{FF2B5EF4-FFF2-40B4-BE49-F238E27FC236}">
-                <a16:creationId xmlns:a16="http://schemas.microsoft.com/office/drawing/2014/main" id="{0886154B-3FDF-98B1-DE0A-7ECA10358CE8}"/>
-              </a:ext>
-            </a:extLst>
-          </p:cNvPr>
-          <p:cNvSpPr>
-            <a:spLocks noGrp="1"/>
-          </p:cNvSpPr>
-          <p:nvPr>
-            <p:ph idx="1"/>
-          </p:nvPr>
-        </p:nvSpPr>
-        <p:spPr>
-          <a:xfrm>
-            <a:off x="365760" y="2426904"/>
-            <a:ext cx="11369809" cy="4047778"/>
-          </a:xfrm>
-        </p:spPr>
-        <p:txBody>
-          <a:bodyPr/>
-          <a:lstStyle/>
-          <a:p>
-            <a:r>
-              <a:rPr lang="en-US" dirty="0"/>
-              <a:t>This attitude comes from lack of experience &amp; awareness</a:t>
-            </a:r>
-          </a:p>
-          <a:p>
-            <a:pPr lvl="1"/>
-            <a:r>
-              <a:rPr lang="en-US" dirty="0"/>
-              <a:t>Good notes are implicit communication &amp; sharing</a:t>
-            </a:r>
-          </a:p>
-          <a:p>
-            <a:pPr lvl="1"/>
-            <a:r>
-              <a:rPr lang="en-US" dirty="0"/>
-              <a:t>Good notes can be turned into procedures</a:t>
-            </a:r>
-          </a:p>
-          <a:p>
-            <a:r>
-              <a:rPr lang="en-US" dirty="0"/>
-              <a:t>Lab notes become more useful as time passes</a:t>
-            </a:r>
-          </a:p>
-          <a:p>
-            <a:pPr lvl="1"/>
-            <a:r>
-              <a:rPr lang="en-US" dirty="0"/>
-              <a:t>Our memory fades</a:t>
-            </a:r>
-          </a:p>
-          <a:p>
-            <a:pPr lvl="1"/>
-            <a:r>
-              <a:rPr lang="en-US" dirty="0"/>
-              <a:t>It can take years before we see the benefit</a:t>
-            </a:r>
-          </a:p>
-          <a:p>
-            <a:r>
-              <a:rPr lang="en-US" dirty="0"/>
-              <a:t>Writing but not reading lab notes is a good thing</a:t>
-            </a:r>
-          </a:p>
-          <a:p>
-            <a:pPr lvl="1"/>
-            <a:r>
-              <a:rPr lang="en-US" dirty="0"/>
-              <a:t>Lab notes are most useful when something has gone wrong</a:t>
-            </a:r>
-          </a:p>
-          <a:p>
-            <a:endParaRPr lang="en-US" dirty="0"/>
-          </a:p>
-          <a:p>
-            <a:endParaRPr lang="en-US" dirty="0"/>
-          </a:p>
-          <a:p>
-            <a:pPr lvl="1"/>
-            <a:endParaRPr lang="en-US" dirty="0"/>
-          </a:p>
-        </p:txBody>
-      </p:sp>
-      <p:sp>
-        <p:nvSpPr>
-          <p:cNvPr id="8" name="TextBox 7">
-            <a:extLst>
-              <a:ext uri="{FF2B5EF4-FFF2-40B4-BE49-F238E27FC236}">
-                <a16:creationId xmlns:a16="http://schemas.microsoft.com/office/drawing/2014/main" id="{C9881524-C838-C412-4A57-905FB327196F}"/>
-              </a:ext>
-            </a:extLst>
-          </p:cNvPr>
-          <p:cNvSpPr txBox="1"/>
-          <p:nvPr/>
-        </p:nvSpPr>
-        <p:spPr>
-          <a:xfrm>
-            <a:off x="112954" y="1088815"/>
-            <a:ext cx="11353474" cy="1107931"/>
-          </a:xfrm>
-          <a:prstGeom prst="rect">
-            <a:avLst/>
-          </a:prstGeom>
-          <a:noFill/>
-        </p:spPr>
-        <p:txBody>
-          <a:bodyPr wrap="none" lIns="158455" tIns="121888" rIns="158455" bIns="121888" rtlCol="0" anchor="ctr" anchorCtr="0">
-            <a:spAutoFit/>
-          </a:bodyPr>
-          <a:lstStyle/>
-          <a:p>
-            <a:pPr lvl="1" algn="ctr"/>
-            <a:r>
-              <a:rPr lang="en-US" sz="2800" dirty="0"/>
-              <a:t>“Lab notes are a waste of time.  I write notes, but never use them.”</a:t>
-            </a:r>
-          </a:p>
-          <a:p>
-            <a:pPr lvl="1"/>
-            <a:r>
-              <a:rPr lang="en-US" sz="2800" dirty="0"/>
-              <a:t>        - </a:t>
-            </a:r>
-            <a:r>
-              <a:rPr lang="en-US" sz="2400" dirty="0"/>
-              <a:t>Almost all newcomers to lab notebooks</a:t>
-            </a:r>
-            <a:endParaRPr lang="en-US" sz="2800" dirty="0"/>
-          </a:p>
-        </p:txBody>
-      </p:sp>
-    </p:spTree>
-    <p:extLst>
-      <p:ext uri="{BB962C8B-B14F-4D97-AF65-F5344CB8AC3E}">
-        <p14:creationId xmlns:p14="http://schemas.microsoft.com/office/powerpoint/2010/main" val="2257096921"/>
-      </p:ext>
-    </p:extLst>
-  </p:cSld>
-  <p:clrMapOvr>
-    <a:masterClrMapping/>
-  </p:clrMapOvr>
-</p:sld>
-</file>
-
 <file path=ppt/slides/slide14.xml><?xml version="1.0" encoding="utf-8"?>
 <p:sld xmlns:a="http://schemas.openxmlformats.org/drawingml/2006/main" xmlns:r="http://schemas.openxmlformats.org/officeDocument/2006/relationships" xmlns:p="http://schemas.openxmlformats.org/presentationml/2006/main">
   <p:cSld>
@@ -8002,7 +7983,7 @@
           <p:cNvPr id="2" name="Title 1">
             <a:extLst>
               <a:ext uri="{FF2B5EF4-FFF2-40B4-BE49-F238E27FC236}">
-                <a16:creationId xmlns:a16="http://schemas.microsoft.com/office/drawing/2014/main" id="{914D1871-6578-CE2C-CEDE-6D61809C72C6}"/>
+                <a16:creationId xmlns:a16="http://schemas.microsoft.com/office/drawing/2014/main" id="{854DDF3B-E98A-D5CA-A59B-85FA8971B392}"/>
               </a:ext>
             </a:extLst>
           </p:cNvPr>
@@ -8020,8 +8001,98 @@
           <a:p>
             <a:r>
               <a:rPr lang="en-US" dirty="0"/>
-              <a:t>Example notebook entries</a:t>
-            </a:r>
+              <a:t>No one likes writing lab notes</a:t>
+            </a:r>
+          </a:p>
+        </p:txBody>
+      </p:sp>
+      <p:sp>
+        <p:nvSpPr>
+          <p:cNvPr id="6" name="Content Placeholder 2">
+            <a:extLst>
+              <a:ext uri="{FF2B5EF4-FFF2-40B4-BE49-F238E27FC236}">
+                <a16:creationId xmlns:a16="http://schemas.microsoft.com/office/drawing/2014/main" id="{0886154B-3FDF-98B1-DE0A-7ECA10358CE8}"/>
+              </a:ext>
+            </a:extLst>
+          </p:cNvPr>
+          <p:cNvSpPr>
+            <a:spLocks noGrp="1"/>
+          </p:cNvSpPr>
+          <p:nvPr>
+            <p:ph idx="1"/>
+          </p:nvPr>
+        </p:nvSpPr>
+        <p:spPr>
+          <a:xfrm>
+            <a:off x="365760" y="2426904"/>
+            <a:ext cx="11369809" cy="4047778"/>
+          </a:xfrm>
+        </p:spPr>
+        <p:txBody>
+          <a:bodyPr/>
+          <a:lstStyle/>
+          <a:p>
+            <a:r>
+              <a:rPr lang="en-US" dirty="0"/>
+              <a:t>This attitude comes from lack of experience &amp; awareness</a:t>
+            </a:r>
+          </a:p>
+          <a:p>
+            <a:pPr lvl="1"/>
+            <a:r>
+              <a:rPr lang="en-US" dirty="0"/>
+              <a:t>Good notes are implicit communication &amp; sharing</a:t>
+            </a:r>
+          </a:p>
+          <a:p>
+            <a:pPr lvl="1"/>
+            <a:r>
+              <a:rPr lang="en-US" dirty="0"/>
+              <a:t>Good notes can be turned into procedures</a:t>
+            </a:r>
+          </a:p>
+          <a:p>
+            <a:r>
+              <a:rPr lang="en-US" dirty="0"/>
+              <a:t>Lab notes become more useful as time passes</a:t>
+            </a:r>
+          </a:p>
+          <a:p>
+            <a:pPr lvl="1"/>
+            <a:r>
+              <a:rPr lang="en-US" dirty="0"/>
+              <a:t>Our memory fades</a:t>
+            </a:r>
+          </a:p>
+          <a:p>
+            <a:pPr lvl="1"/>
+            <a:r>
+              <a:rPr lang="en-US" dirty="0"/>
+              <a:t>It can take years before we see the benefit</a:t>
+            </a:r>
+          </a:p>
+          <a:p>
+            <a:r>
+              <a:rPr lang="en-US" dirty="0"/>
+              <a:t>Writing but not reading lab notes is a good thing</a:t>
+            </a:r>
+          </a:p>
+          <a:p>
+            <a:pPr lvl="1"/>
+            <a:r>
+              <a:rPr lang="en-US" dirty="0"/>
+              <a:t>Lab notes are most useful when something has gone wrong</a:t>
+            </a:r>
+          </a:p>
+          <a:p>
+            <a:endParaRPr lang="en-US" dirty="0"/>
+          </a:p>
+          <a:p>
+            <a:endParaRPr lang="en-US" dirty="0"/>
+          </a:p>
+          <a:p>
+            <a:pPr lvl="1"/>
+            <a:endParaRPr lang="en-US" dirty="0"/>
           </a:p>
         </p:txBody>
       </p:sp>
@@ -8030,7 +8101,7 @@
           <p:cNvPr id="8" name="TextBox 7">
             <a:extLst>
               <a:ext uri="{FF2B5EF4-FFF2-40B4-BE49-F238E27FC236}">
-                <a16:creationId xmlns:a16="http://schemas.microsoft.com/office/drawing/2014/main" id="{42B00271-B090-7E98-2613-C5ACE15A4551}"/>
+                <a16:creationId xmlns:a16="http://schemas.microsoft.com/office/drawing/2014/main" id="{C9881524-C838-C412-4A57-905FB327196F}"/>
               </a:ext>
             </a:extLst>
           </p:cNvPr>
@@ -8039,8 +8110,8 @@
         </p:nvSpPr>
         <p:spPr>
           <a:xfrm>
-            <a:off x="365760" y="2081969"/>
-            <a:ext cx="3724033" cy="2179058"/>
+            <a:off x="112954" y="1088815"/>
+            <a:ext cx="11353474" cy="1107931"/>
           </a:xfrm>
           <a:prstGeom prst="rect">
             <a:avLst/>
@@ -8048,398 +8119,35 @@
           <a:noFill/>
         </p:spPr>
         <p:txBody>
-          <a:bodyPr wrap="none" lIns="118872" tIns="91440" rIns="118872" bIns="91440" rtlCol="0" anchor="ctr" anchorCtr="0">
+          <a:bodyPr wrap="none" lIns="158455" tIns="121888" rIns="158455" bIns="121888" rtlCol="0" anchor="ctr" anchorCtr="0">
             <a:spAutoFit/>
           </a:bodyPr>
           <a:lstStyle/>
           <a:p>
-            <a:pPr algn="l">
-              <a:lnSpc>
-                <a:spcPct val="90000"/>
-              </a:lnSpc>
-            </a:pPr>
-            <a:r>
-              <a:rPr lang="en-US" dirty="0"/>
-              <a:t>A bad example</a:t>
-            </a:r>
-          </a:p>
-          <a:p>
-            <a:pPr algn="l">
-              <a:lnSpc>
-                <a:spcPct val="90000"/>
-              </a:lnSpc>
-            </a:pPr>
-            <a:endParaRPr lang="en-US" dirty="0"/>
-          </a:p>
-          <a:p>
-            <a:pPr algn="l">
-              <a:lnSpc>
-                <a:spcPct val="90000"/>
-              </a:lnSpc>
-            </a:pPr>
-            <a:r>
-              <a:rPr lang="en-US" b="1" u="sng" dirty="0"/>
-              <a:t>Monday July 25, 2022</a:t>
-            </a:r>
-          </a:p>
-          <a:p>
-            <a:pPr algn="l">
-              <a:lnSpc>
-                <a:spcPct val="90000"/>
-              </a:lnSpc>
-            </a:pPr>
-            <a:r>
-              <a:rPr lang="en-US" dirty="0"/>
-              <a:t>9:05 am - Do study ABC</a:t>
-            </a:r>
-          </a:p>
-          <a:p>
-            <a:pPr algn="l">
-              <a:lnSpc>
-                <a:spcPct val="90000"/>
-              </a:lnSpc>
-            </a:pPr>
-            <a:r>
-              <a:rPr lang="en-US" dirty="0"/>
-              <a:t>8:47 pm - Lot’s of interesting data!</a:t>
-            </a:r>
-          </a:p>
-          <a:p>
-            <a:pPr algn="l">
-              <a:lnSpc>
-                <a:spcPct val="90000"/>
-              </a:lnSpc>
-            </a:pPr>
-            <a:r>
-              <a:rPr lang="en-US" dirty="0"/>
-              <a:t>              - Results are in GCE</a:t>
-            </a:r>
-          </a:p>
-          <a:p>
-            <a:pPr algn="l">
-              <a:lnSpc>
-                <a:spcPct val="90000"/>
-              </a:lnSpc>
-            </a:pPr>
-            <a:endParaRPr lang="en-US" dirty="0"/>
-          </a:p>
-          <a:p>
-            <a:pPr algn="l">
-              <a:lnSpc>
-                <a:spcPct val="90000"/>
-              </a:lnSpc>
-            </a:pPr>
-            <a:endParaRPr lang="en-US" dirty="0"/>
-          </a:p>
-        </p:txBody>
-      </p:sp>
-      <p:sp>
-        <p:nvSpPr>
-          <p:cNvPr id="9" name="TextBox 8">
-            <a:extLst>
-              <a:ext uri="{FF2B5EF4-FFF2-40B4-BE49-F238E27FC236}">
-                <a16:creationId xmlns:a16="http://schemas.microsoft.com/office/drawing/2014/main" id="{EA4853CD-8614-95AA-C341-E49641DA6302}"/>
-              </a:ext>
-            </a:extLst>
-          </p:cNvPr>
-          <p:cNvSpPr txBox="1"/>
-          <p:nvPr/>
-        </p:nvSpPr>
-        <p:spPr>
-          <a:xfrm>
-            <a:off x="5935980" y="283536"/>
-            <a:ext cx="5887085" cy="5669244"/>
-          </a:xfrm>
-          <a:prstGeom prst="rect">
-            <a:avLst/>
-          </a:prstGeom>
-          <a:noFill/>
-        </p:spPr>
-        <p:txBody>
-          <a:bodyPr wrap="square" lIns="118872" tIns="91440" rIns="118872" bIns="91440" rtlCol="0" anchor="ctr" anchorCtr="0">
-            <a:spAutoFit/>
-          </a:bodyPr>
-          <a:lstStyle/>
-          <a:p>
-            <a:pPr algn="l">
-              <a:lnSpc>
-                <a:spcPct val="90000"/>
-              </a:lnSpc>
-            </a:pPr>
-            <a:r>
-              <a:rPr lang="en-US" dirty="0"/>
-              <a:t>A better example</a:t>
-            </a:r>
-          </a:p>
-          <a:p>
-            <a:pPr algn="l">
-              <a:lnSpc>
-                <a:spcPct val="90000"/>
-              </a:lnSpc>
-            </a:pPr>
-            <a:endParaRPr lang="en-US" b="1" u="sng" dirty="0"/>
-          </a:p>
-          <a:p>
-            <a:pPr algn="l">
-              <a:lnSpc>
-                <a:spcPct val="90000"/>
-              </a:lnSpc>
-            </a:pPr>
-            <a:r>
-              <a:rPr lang="en-US" b="1" u="sng" dirty="0"/>
-              <a:t>Monday July 25, 2022</a:t>
-            </a:r>
-            <a:r>
-              <a:rPr lang="en-US" dirty="0"/>
-              <a:t> (Jared)</a:t>
-            </a:r>
-          </a:p>
-          <a:p>
-            <a:pPr algn="l">
-              <a:lnSpc>
-                <a:spcPct val="90000"/>
-              </a:lnSpc>
-            </a:pPr>
-            <a:r>
-              <a:rPr lang="en-US" b="1" dirty="0"/>
-              <a:t>9:05 am </a:t>
-            </a:r>
-            <a:r>
-              <a:rPr lang="en-US" dirty="0"/>
-              <a:t>- Continuing work for study ABC.  (See July 7)</a:t>
-            </a:r>
-          </a:p>
-          <a:p>
-            <a:pPr algn="l">
-              <a:lnSpc>
-                <a:spcPct val="90000"/>
-              </a:lnSpc>
-            </a:pPr>
-            <a:r>
-              <a:rPr lang="en-US" dirty="0"/>
-              <a:t>- I presently believe that if A happens, then B must also happen.</a:t>
-            </a:r>
-          </a:p>
-          <a:p>
-            <a:pPr algn="l">
-              <a:lnSpc>
-                <a:spcPct val="90000"/>
-              </a:lnSpc>
-            </a:pPr>
-            <a:r>
-              <a:rPr lang="en-US" dirty="0"/>
-              <a:t>- To verify this, I intend to</a:t>
-            </a:r>
-          </a:p>
-          <a:p>
-            <a:pPr marL="742950" lvl="1" indent="-285750">
-              <a:lnSpc>
-                <a:spcPct val="90000"/>
-              </a:lnSpc>
-              <a:buFont typeface="Arial" panose="020B0604020202020204" pitchFamily="34" charset="0"/>
-              <a:buChar char="•"/>
-            </a:pPr>
-            <a:r>
-              <a:rPr lang="en-US" dirty="0"/>
-              <a:t>…</a:t>
-            </a:r>
-          </a:p>
-          <a:p>
-            <a:pPr marL="742950" lvl="1" indent="-285750">
-              <a:lnSpc>
-                <a:spcPct val="90000"/>
-              </a:lnSpc>
-              <a:buFont typeface="Arial" panose="020B0604020202020204" pitchFamily="34" charset="0"/>
-              <a:buChar char="•"/>
-            </a:pPr>
-            <a:r>
-              <a:rPr lang="en-US" dirty="0"/>
-              <a:t>***</a:t>
-            </a:r>
-          </a:p>
-          <a:p>
-            <a:pPr>
-              <a:lnSpc>
-                <a:spcPct val="90000"/>
-              </a:lnSpc>
-            </a:pPr>
-            <a:r>
-              <a:rPr lang="en-US" b="1" dirty="0"/>
-              <a:t>9:30 am </a:t>
-            </a:r>
-            <a:r>
-              <a:rPr lang="en-US" dirty="0"/>
-              <a:t>- Started executing this experiment on Bebop.</a:t>
-            </a:r>
-          </a:p>
-          <a:p>
-            <a:pPr marL="742950" lvl="1" indent="-285750">
-              <a:lnSpc>
-                <a:spcPct val="90000"/>
-              </a:lnSpc>
-              <a:buFont typeface="Arial" panose="020B0604020202020204" pitchFamily="34" charset="0"/>
-              <a:buChar char="•"/>
-            </a:pPr>
-            <a:r>
-              <a:rPr lang="en-US" dirty="0"/>
-              <a:t>Built debug version of binary with Intel 20.4</a:t>
-            </a:r>
-          </a:p>
-          <a:p>
-            <a:pPr marL="742950" lvl="1" indent="-285750">
-              <a:lnSpc>
-                <a:spcPct val="90000"/>
-              </a:lnSpc>
-              <a:buFont typeface="Arial" panose="020B0604020202020204" pitchFamily="34" charset="0"/>
-              <a:buChar char="•"/>
-            </a:pPr>
-            <a:r>
-              <a:rPr lang="en-US" dirty="0"/>
-              <a:t>Based on </a:t>
-            </a:r>
-            <a:r>
-              <a:rPr lang="en-US" u="sng" dirty="0"/>
-              <a:t>clean</a:t>
-            </a:r>
-            <a:r>
-              <a:rPr lang="en-US" dirty="0"/>
-              <a:t> commit 5a43b21c</a:t>
-            </a:r>
-          </a:p>
-          <a:p>
-            <a:pPr marL="742950" lvl="1" indent="-285750">
-              <a:lnSpc>
-                <a:spcPct val="90000"/>
-              </a:lnSpc>
-              <a:buFont typeface="Arial" panose="020B0604020202020204" pitchFamily="34" charset="0"/>
-              <a:buChar char="•"/>
-            </a:pPr>
-            <a:r>
-              <a:rPr lang="en-US" dirty="0"/>
-              <a:t>Build log saved to </a:t>
-            </a:r>
-            <a:r>
-              <a:rPr lang="en-US" dirty="0">
-                <a:latin typeface="American Typewriter" panose="02090604020004020304" pitchFamily="18" charset="77"/>
-              </a:rPr>
-              <a:t>my_test_2022.log</a:t>
-            </a:r>
-          </a:p>
-          <a:p>
-            <a:pPr marL="742950" lvl="1" indent="-285750">
-              <a:lnSpc>
-                <a:spcPct val="90000"/>
-              </a:lnSpc>
-              <a:buFont typeface="Arial" panose="020B0604020202020204" pitchFamily="34" charset="0"/>
-              <a:buChar char="•"/>
-            </a:pPr>
-            <a:r>
-              <a:rPr lang="en-US" dirty="0"/>
-              <a:t>No errors or warnings emitted</a:t>
-            </a:r>
-          </a:p>
-          <a:p>
-            <a:pPr marL="742950" lvl="1" indent="-285750">
-              <a:lnSpc>
-                <a:spcPct val="90000"/>
-              </a:lnSpc>
-              <a:buFont typeface="Arial" panose="020B0604020202020204" pitchFamily="34" charset="0"/>
-              <a:buChar char="•"/>
-            </a:pPr>
-            <a:r>
-              <a:rPr lang="en-US" dirty="0"/>
-              <a:t>Used job script </a:t>
-            </a:r>
-            <a:r>
-              <a:rPr lang="en-US" dirty="0" err="1">
-                <a:latin typeface="American Typewriter" panose="02090604020004020304" pitchFamily="18" charset="77"/>
-              </a:rPr>
-              <a:t>run_my_test</a:t>
-            </a:r>
-            <a:r>
-              <a:rPr lang="en-US" dirty="0">
-                <a:latin typeface="American Typewriter" panose="02090604020004020304" pitchFamily="18" charset="77"/>
-              </a:rPr>
-              <a:t> </a:t>
-            </a:r>
-            <a:r>
-              <a:rPr lang="en-US" dirty="0"/>
-              <a:t>with configuration 24 (Job ID 123456)</a:t>
-            </a:r>
-          </a:p>
-          <a:p>
-            <a:pPr marL="742950" lvl="1" indent="-285750">
-              <a:lnSpc>
-                <a:spcPct val="90000"/>
-              </a:lnSpc>
-              <a:buFont typeface="Arial" panose="020B0604020202020204" pitchFamily="34" charset="0"/>
-              <a:buChar char="•"/>
-            </a:pPr>
-            <a:r>
-              <a:rPr lang="en-US" dirty="0" err="1"/>
-              <a:t>Stdout</a:t>
-            </a:r>
-            <a:r>
-              <a:rPr lang="en-US" dirty="0"/>
-              <a:t>/err &amp; results saved in folder ABC</a:t>
-            </a:r>
-          </a:p>
-          <a:p>
-            <a:pPr>
-              <a:lnSpc>
-                <a:spcPct val="90000"/>
-              </a:lnSpc>
-            </a:pPr>
-            <a:r>
-              <a:rPr lang="en-US" b="1" dirty="0"/>
-              <a:t>10:07 am </a:t>
-            </a:r>
-            <a:r>
-              <a:rPr lang="en-US" dirty="0"/>
-              <a:t>- Analysis run with script </a:t>
-            </a:r>
-            <a:r>
-              <a:rPr lang="en-US" dirty="0" err="1">
-                <a:latin typeface="American Typewriter" panose="02090604020004020304" pitchFamily="18" charset="77"/>
-              </a:rPr>
-              <a:t>analyze_my_test.py</a:t>
-            </a:r>
-            <a:r>
-              <a:rPr lang="en-US" dirty="0">
-                <a:latin typeface="American Typewriter" panose="02090604020004020304" pitchFamily="18" charset="77"/>
-              </a:rPr>
-              <a:t> </a:t>
-            </a:r>
-            <a:r>
-              <a:rPr lang="en-US" dirty="0"/>
-              <a:t>and results saved in same folder.</a:t>
-            </a:r>
-          </a:p>
-          <a:p>
-            <a:pPr>
-              <a:lnSpc>
-                <a:spcPct val="90000"/>
-              </a:lnSpc>
-            </a:pPr>
-            <a:r>
-              <a:rPr lang="en-US" dirty="0"/>
-              <a:t>- Since no peak seen around 1.5 MeV, I was wrong.  But based on this, I now </a:t>
-            </a:r>
-            <a:r>
-              <a:rPr lang="en-US" i="1" dirty="0"/>
-              <a:t>believe</a:t>
-            </a:r>
-            <a:r>
-              <a:rPr lang="en-US" dirty="0"/>
-              <a:t> that if A happens, then C must also happen.</a:t>
-            </a:r>
+            <a:pPr lvl="1" algn="ctr"/>
+            <a:r>
+              <a:rPr lang="en-US" sz="2800" dirty="0"/>
+              <a:t>“Lab notes are a waste of time.  I write notes, but never use them.”</a:t>
+            </a:r>
+          </a:p>
+          <a:p>
+            <a:pPr lvl="1"/>
+            <a:r>
+              <a:rPr lang="en-US" sz="2800" dirty="0"/>
+              <a:t>        - </a:t>
+            </a:r>
+            <a:r>
+              <a:rPr lang="en-US" sz="2400" dirty="0"/>
+              <a:t>Almost all newcomers to lab notebooks</a:t>
+            </a:r>
+            <a:endParaRPr lang="en-US" sz="2800" dirty="0"/>
           </a:p>
         </p:txBody>
       </p:sp>
     </p:spTree>
     <p:extLst>
       <p:ext uri="{BB962C8B-B14F-4D97-AF65-F5344CB8AC3E}">
-        <p14:creationId xmlns:p14="http://schemas.microsoft.com/office/powerpoint/2010/main" val="3878095345"/>
+        <p14:creationId xmlns:p14="http://schemas.microsoft.com/office/powerpoint/2010/main" val="2257096921"/>
       </p:ext>
     </p:extLst>
   </p:cSld>
@@ -8471,7 +8179,7 @@
           <p:cNvPr id="2" name="Title 1">
             <a:extLst>
               <a:ext uri="{FF2B5EF4-FFF2-40B4-BE49-F238E27FC236}">
-                <a16:creationId xmlns:a16="http://schemas.microsoft.com/office/drawing/2014/main" id="{584ACD2F-B0D4-4783-5910-05FB02545B06}"/>
+                <a16:creationId xmlns:a16="http://schemas.microsoft.com/office/drawing/2014/main" id="{914D1871-6578-CE2C-CEDE-6D61809C72C6}"/>
               </a:ext>
             </a:extLst>
           </p:cNvPr>
@@ -8489,207 +8197,17 @@
           <a:p>
             <a:r>
               <a:rPr lang="en-US" dirty="0"/>
-              <a:t>Nothing beats good </a:t>
-            </a:r>
-            <a:r>
-              <a:rPr lang="en-US" dirty="0" err="1"/>
-              <a:t>ol</a:t>
-            </a:r>
-            <a:r>
-              <a:rPr lang="en-US" dirty="0"/>
-              <a:t>’ pen and paper</a:t>
-            </a:r>
-          </a:p>
-        </p:txBody>
-      </p:sp>
-      <p:sp>
-        <p:nvSpPr>
-          <p:cNvPr id="4" name="Text Placeholder 3">
+              <a:t>Example notebook entries</a:t>
+            </a:r>
+          </a:p>
+        </p:txBody>
+      </p:sp>
+      <p:sp>
+        <p:nvSpPr>
+          <p:cNvPr id="8" name="TextBox 7">
             <a:extLst>
               <a:ext uri="{FF2B5EF4-FFF2-40B4-BE49-F238E27FC236}">
-                <a16:creationId xmlns:a16="http://schemas.microsoft.com/office/drawing/2014/main" id="{3C225170-B825-8E65-4107-25733A185B12}"/>
-              </a:ext>
-            </a:extLst>
-          </p:cNvPr>
-          <p:cNvSpPr>
-            <a:spLocks noGrp="1"/>
-          </p:cNvSpPr>
-          <p:nvPr>
-            <p:ph type="body" idx="1"/>
-          </p:nvPr>
-        </p:nvSpPr>
-        <p:spPr>
-          <a:xfrm>
-            <a:off x="457200" y="2546822"/>
-            <a:ext cx="5588582" cy="821190"/>
-          </a:xfrm>
-        </p:spPr>
-        <p:txBody>
-          <a:bodyPr/>
-          <a:lstStyle/>
-          <a:p>
-            <a:r>
-              <a:rPr lang="en-US" sz="2000" dirty="0"/>
-              <a:t>Pen &amp; Paper Pros</a:t>
-            </a:r>
-          </a:p>
-        </p:txBody>
-      </p:sp>
-      <p:sp>
-        <p:nvSpPr>
-          <p:cNvPr id="3" name="Content Placeholder 2">
-            <a:extLst>
-              <a:ext uri="{FF2B5EF4-FFF2-40B4-BE49-F238E27FC236}">
-                <a16:creationId xmlns:a16="http://schemas.microsoft.com/office/drawing/2014/main" id="{F9258E3C-1D8D-18BD-90A6-502B818DA2CC}"/>
-              </a:ext>
-            </a:extLst>
-          </p:cNvPr>
-          <p:cNvSpPr>
-            <a:spLocks noGrp="1"/>
-          </p:cNvSpPr>
-          <p:nvPr>
-            <p:ph sz="half" idx="2"/>
-          </p:nvPr>
-        </p:nvSpPr>
-        <p:spPr>
-          <a:xfrm>
-            <a:off x="457200" y="3368012"/>
-            <a:ext cx="5588582" cy="3373229"/>
-          </a:xfrm>
-        </p:spPr>
-        <p:txBody>
-          <a:bodyPr/>
-          <a:lstStyle/>
-          <a:p>
-            <a:r>
-              <a:rPr lang="en-US" sz="2000" dirty="0"/>
-              <a:t>Most can use paper and pen in any situation</a:t>
-            </a:r>
-          </a:p>
-          <a:p>
-            <a:r>
-              <a:rPr lang="en-US" sz="2000" dirty="0"/>
-              <a:t>Open format can allow for creativity and easier annotation</a:t>
-            </a:r>
-          </a:p>
-          <a:p>
-            <a:r>
-              <a:rPr lang="en-US" sz="2000" dirty="0"/>
-              <a:t>Concentrate on the work rather than tooling</a:t>
-            </a:r>
-          </a:p>
-          <a:p>
-            <a:r>
-              <a:rPr lang="en-US" sz="2000" dirty="0"/>
-              <a:t>Good if notetaking slows down progress</a:t>
-            </a:r>
-          </a:p>
-          <a:p>
-            <a:r>
-              <a:rPr lang="en-US" sz="2000" dirty="0"/>
-              <a:t>Notebook is stored </a:t>
-            </a:r>
-            <a:r>
-              <a:rPr lang="en-US" sz="2000" b="1" dirty="0"/>
-              <a:t>publicly</a:t>
-            </a:r>
-            <a:r>
-              <a:rPr lang="en-US" sz="2000" dirty="0"/>
-              <a:t> next to where it is used</a:t>
-            </a:r>
-          </a:p>
-        </p:txBody>
-      </p:sp>
-      <p:sp>
-        <p:nvSpPr>
-          <p:cNvPr id="7" name="Text Placeholder 6">
-            <a:extLst>
-              <a:ext uri="{FF2B5EF4-FFF2-40B4-BE49-F238E27FC236}">
-                <a16:creationId xmlns:a16="http://schemas.microsoft.com/office/drawing/2014/main" id="{C7D2FAF1-99B6-77D6-67CA-9BCD3AF3390A}"/>
-              </a:ext>
-            </a:extLst>
-          </p:cNvPr>
-          <p:cNvSpPr>
-            <a:spLocks noGrp="1"/>
-          </p:cNvSpPr>
-          <p:nvPr>
-            <p:ph type="body" sz="quarter" idx="3"/>
-          </p:nvPr>
-        </p:nvSpPr>
-        <p:spPr>
-          <a:xfrm>
-            <a:off x="6218914" y="2546822"/>
-            <a:ext cx="5531934" cy="821190"/>
-          </a:xfrm>
-        </p:spPr>
-        <p:txBody>
-          <a:bodyPr/>
-          <a:lstStyle/>
-          <a:p>
-            <a:r>
-              <a:rPr lang="en-US" sz="2000" dirty="0"/>
-              <a:t>Electronic Woes</a:t>
-            </a:r>
-          </a:p>
-        </p:txBody>
-      </p:sp>
-      <p:sp>
-        <p:nvSpPr>
-          <p:cNvPr id="9" name="Content Placeholder 8">
-            <a:extLst>
-              <a:ext uri="{FF2B5EF4-FFF2-40B4-BE49-F238E27FC236}">
-                <a16:creationId xmlns:a16="http://schemas.microsoft.com/office/drawing/2014/main" id="{3460387C-329A-6D82-3F47-363415AFE6DA}"/>
-              </a:ext>
-            </a:extLst>
-          </p:cNvPr>
-          <p:cNvSpPr>
-            <a:spLocks noGrp="1"/>
-          </p:cNvSpPr>
-          <p:nvPr>
-            <p:ph sz="quarter" idx="4"/>
-          </p:nvPr>
-        </p:nvSpPr>
-        <p:spPr>
-          <a:xfrm>
-            <a:off x="6218914" y="3368012"/>
-            <a:ext cx="5531934" cy="3373229"/>
-          </a:xfrm>
-        </p:spPr>
-        <p:txBody>
-          <a:bodyPr/>
-          <a:lstStyle/>
-          <a:p>
-            <a:r>
-              <a:rPr lang="en-US" sz="2000" dirty="0"/>
-              <a:t>Tied to technology that could fail</a:t>
-            </a:r>
-          </a:p>
-          <a:p>
-            <a:r>
-              <a:rPr lang="en-US" sz="2000" dirty="0"/>
-              <a:t>Overwhelming variety of possible solutions with different pros and cons</a:t>
-            </a:r>
-          </a:p>
-          <a:p>
-            <a:r>
-              <a:rPr lang="en-US" sz="2000" dirty="0"/>
-              <a:t>Uncertainty about future of tool, increased costs, inability to export</a:t>
-            </a:r>
-          </a:p>
-          <a:p>
-            <a:r>
-              <a:rPr lang="en-US" sz="2000" dirty="0"/>
-              <a:t>Does funding restrict where and how digital notes can be stored?</a:t>
-            </a:r>
-          </a:p>
-        </p:txBody>
-      </p:sp>
-      <p:sp>
-        <p:nvSpPr>
-          <p:cNvPr id="11" name="TextBox 10">
-            <a:extLst>
-              <a:ext uri="{FF2B5EF4-FFF2-40B4-BE49-F238E27FC236}">
-                <a16:creationId xmlns:a16="http://schemas.microsoft.com/office/drawing/2014/main" id="{4F5A0A35-B381-EDED-A055-E3A37D0AF05F}"/>
+                <a16:creationId xmlns:a16="http://schemas.microsoft.com/office/drawing/2014/main" id="{42B00271-B090-7E98-2613-C5ACE15A4551}"/>
               </a:ext>
             </a:extLst>
           </p:cNvPr>
@@ -8698,8 +8216,8 @@
         </p:nvSpPr>
         <p:spPr>
           <a:xfrm>
-            <a:off x="437977" y="1003590"/>
-            <a:ext cx="11302919" cy="1323439"/>
+            <a:off x="365760" y="2081969"/>
+            <a:ext cx="3724033" cy="2179058"/>
           </a:xfrm>
           <a:prstGeom prst="rect">
             <a:avLst/>
@@ -8707,40 +8225,390 @@
           <a:noFill/>
         </p:spPr>
         <p:txBody>
-          <a:bodyPr wrap="square">
+          <a:bodyPr wrap="none" lIns="118872" tIns="91440" rIns="118872" bIns="91440" rtlCol="0" anchor="ctr" anchorCtr="0">
             <a:spAutoFit/>
           </a:bodyPr>
           <a:lstStyle/>
           <a:p>
-            <a:pPr marL="0" indent="0">
-              <a:buNone/>
-            </a:pPr>
-            <a:r>
-              <a:rPr lang="en-US" sz="2000" dirty="0"/>
-              <a:t>“Since at least the 1990s, articles on technology have predicted the imminent, widespread adoption of electronic laboratory notebooks (ELNs) by researchers. It has yet to happen — but more and more scientists are taking the plunge.”</a:t>
-            </a:r>
-          </a:p>
-          <a:p>
-            <a:pPr marL="0" indent="0">
-              <a:buNone/>
-            </a:pPr>
-            <a:r>
-              <a:rPr lang="en-US" sz="2000" dirty="0"/>
-              <a:t>	- </a:t>
-            </a:r>
-            <a:r>
-              <a:rPr lang="en-US" sz="1600" dirty="0"/>
-              <a:t>Roberta Kwok, </a:t>
-            </a:r>
-            <a:r>
-              <a:rPr lang="en-US" sz="1600" i="1" dirty="0">
-                <a:hlinkClick r:id="rId3"/>
+            <a:pPr algn="l">
+              <a:lnSpc>
+                <a:spcPct val="90000"/>
+              </a:lnSpc>
+            </a:pPr>
+            <a:r>
+              <a:rPr lang="en-US" dirty="0"/>
+              <a:t>A bad example</a:t>
+            </a:r>
+          </a:p>
+          <a:p>
+            <a:pPr algn="l">
+              <a:lnSpc>
+                <a:spcPct val="90000"/>
+              </a:lnSpc>
+            </a:pPr>
+            <a:endParaRPr lang="en-US" dirty="0"/>
+          </a:p>
+          <a:p>
+            <a:pPr algn="l">
+              <a:lnSpc>
+                <a:spcPct val="90000"/>
+              </a:lnSpc>
+            </a:pPr>
+            <a:r>
+              <a:rPr lang="en-US" b="1" u="sng" dirty="0"/>
+              <a:t>Monday July 25, 2022</a:t>
+            </a:r>
+          </a:p>
+          <a:p>
+            <a:pPr algn="l">
+              <a:lnSpc>
+                <a:spcPct val="90000"/>
+              </a:lnSpc>
+            </a:pPr>
+            <a:r>
+              <a:rPr lang="en-US" dirty="0"/>
+              <a:t>9:05 am - Do study ABC</a:t>
+            </a:r>
+          </a:p>
+          <a:p>
+            <a:pPr algn="l">
+              <a:lnSpc>
+                <a:spcPct val="90000"/>
+              </a:lnSpc>
+            </a:pPr>
+            <a:r>
+              <a:rPr lang="en-US" dirty="0"/>
+              <a:t>8:47 pm - Lot’s of interesting data!</a:t>
+            </a:r>
+          </a:p>
+          <a:p>
+            <a:pPr algn="l">
+              <a:lnSpc>
+                <a:spcPct val="90000"/>
+              </a:lnSpc>
+            </a:pPr>
+            <a:r>
+              <a:rPr lang="en-US" dirty="0"/>
+              <a:t>              - Results are in GCE</a:t>
+            </a:r>
+          </a:p>
+          <a:p>
+            <a:pPr algn="l">
+              <a:lnSpc>
+                <a:spcPct val="90000"/>
+              </a:lnSpc>
+            </a:pPr>
+            <a:endParaRPr lang="en-US" dirty="0"/>
+          </a:p>
+          <a:p>
+            <a:pPr algn="l">
+              <a:lnSpc>
+                <a:spcPct val="90000"/>
+              </a:lnSpc>
+            </a:pPr>
+            <a:endParaRPr lang="en-US" dirty="0"/>
+          </a:p>
+        </p:txBody>
+      </p:sp>
+      <p:sp>
+        <p:nvSpPr>
+          <p:cNvPr id="9" name="TextBox 8">
+            <a:extLst>
+              <a:ext uri="{FF2B5EF4-FFF2-40B4-BE49-F238E27FC236}">
+                <a16:creationId xmlns:a16="http://schemas.microsoft.com/office/drawing/2014/main" id="{EA4853CD-8614-95AA-C341-E49641DA6302}"/>
+              </a:ext>
+            </a:extLst>
+          </p:cNvPr>
+          <p:cNvSpPr txBox="1"/>
+          <p:nvPr/>
+        </p:nvSpPr>
+        <p:spPr>
+          <a:xfrm>
+            <a:off x="5935980" y="283536"/>
+            <a:ext cx="5887085" cy="5669244"/>
+          </a:xfrm>
+          <a:prstGeom prst="rect">
+            <a:avLst/>
+          </a:prstGeom>
+          <a:noFill/>
+        </p:spPr>
+        <p:txBody>
+          <a:bodyPr wrap="square" lIns="118872" tIns="91440" rIns="118872" bIns="91440" rtlCol="0" anchor="ctr" anchorCtr="0">
+            <a:spAutoFit/>
+          </a:bodyPr>
+          <a:lstStyle/>
+          <a:p>
+            <a:pPr algn="l">
+              <a:lnSpc>
+                <a:spcPct val="90000"/>
+              </a:lnSpc>
+            </a:pPr>
+            <a:r>
+              <a:rPr lang="en-US" dirty="0"/>
+              <a:t>A better example</a:t>
+            </a:r>
+          </a:p>
+          <a:p>
+            <a:pPr algn="l">
+              <a:lnSpc>
+                <a:spcPct val="90000"/>
+              </a:lnSpc>
+            </a:pPr>
+            <a:endParaRPr lang="en-US" b="1" u="sng" dirty="0"/>
+          </a:p>
+          <a:p>
+            <a:pPr algn="l">
+              <a:lnSpc>
+                <a:spcPct val="90000"/>
+              </a:lnSpc>
+            </a:pPr>
+            <a:r>
+              <a:rPr lang="en-US" b="1" u="sng" dirty="0"/>
+              <a:t>Monday July 25, 2022</a:t>
+            </a:r>
+            <a:r>
+              <a:rPr lang="en-US" dirty="0"/>
+              <a:t> (Jared)</a:t>
+            </a:r>
+          </a:p>
+          <a:p>
+            <a:pPr algn="l">
+              <a:lnSpc>
+                <a:spcPct val="90000"/>
+              </a:lnSpc>
+            </a:pPr>
+            <a:r>
+              <a:rPr lang="en-US" b="1" dirty="0"/>
+              <a:t>9:05 am </a:t>
+            </a:r>
+            <a:r>
+              <a:rPr lang="en-US" dirty="0"/>
+              <a:t>- Continuing work for study ABC.  (See July 7)</a:t>
+            </a:r>
+          </a:p>
+          <a:p>
+            <a:pPr algn="l">
+              <a:lnSpc>
+                <a:spcPct val="90000"/>
+              </a:lnSpc>
+            </a:pPr>
+            <a:r>
+              <a:rPr lang="en-US" dirty="0"/>
+              <a:t>- I presently believe that if A happens, then B must also happen.</a:t>
+            </a:r>
+          </a:p>
+          <a:p>
+            <a:pPr algn="l">
+              <a:lnSpc>
+                <a:spcPct val="90000"/>
+              </a:lnSpc>
+            </a:pPr>
+            <a:r>
+              <a:rPr lang="en-US" dirty="0"/>
+              <a:t>- To verify this, I intend to</a:t>
+            </a:r>
+          </a:p>
+          <a:p>
+            <a:pPr marL="742950" lvl="1" indent="-285750">
+              <a:lnSpc>
+                <a:spcPct val="90000"/>
+              </a:lnSpc>
+              <a:buFont typeface="Arial" panose="020B0604020202020204" pitchFamily="34" charset="0"/>
+              <a:buChar char="•"/>
+            </a:pPr>
+            <a:r>
+              <a:rPr lang="en-US" dirty="0"/>
+              <a:t>…</a:t>
+            </a:r>
+          </a:p>
+          <a:p>
+            <a:pPr marL="742950" lvl="1" indent="-285750">
+              <a:lnSpc>
+                <a:spcPct val="90000"/>
+              </a:lnSpc>
+              <a:buFont typeface="Arial" panose="020B0604020202020204" pitchFamily="34" charset="0"/>
+              <a:buChar char="•"/>
+            </a:pPr>
+            <a:r>
+              <a:rPr lang="en-US" dirty="0"/>
+              <a:t>***</a:t>
+            </a:r>
+          </a:p>
+          <a:p>
+            <a:pPr>
+              <a:lnSpc>
+                <a:spcPct val="90000"/>
+              </a:lnSpc>
+            </a:pPr>
+            <a:r>
+              <a:rPr lang="en-US" b="1" dirty="0"/>
+              <a:t>9:30 am </a:t>
+            </a:r>
+            <a:r>
+              <a:rPr lang="en-US" dirty="0"/>
+              <a:t>- Started executing this experiment on Bebop.</a:t>
+            </a:r>
+          </a:p>
+          <a:p>
+            <a:pPr marL="742950" lvl="1" indent="-285750">
+              <a:lnSpc>
+                <a:spcPct val="90000"/>
+              </a:lnSpc>
+              <a:buFont typeface="Arial" panose="020B0604020202020204" pitchFamily="34" charset="0"/>
+              <a:buChar char="•"/>
+            </a:pPr>
+            <a:r>
+              <a:rPr lang="en-US" dirty="0"/>
+              <a:t>Built debug version of binary with Intel 20.4</a:t>
+            </a:r>
+          </a:p>
+          <a:p>
+            <a:pPr marL="742950" lvl="1" indent="-285750">
+              <a:lnSpc>
+                <a:spcPct val="90000"/>
+              </a:lnSpc>
+              <a:buFont typeface="Arial" panose="020B0604020202020204" pitchFamily="34" charset="0"/>
+              <a:buChar char="•"/>
+            </a:pPr>
+            <a:r>
+              <a:rPr lang="en-US" dirty="0"/>
+              <a:t>Based on </a:t>
+            </a:r>
+            <a:r>
+              <a:rPr lang="en-US" u="sng" dirty="0"/>
+              <a:t>clean</a:t>
+            </a:r>
+            <a:r>
+              <a:rPr lang="en-US" dirty="0"/>
+              <a:t> commit 5a43b21c</a:t>
+            </a:r>
+          </a:p>
+          <a:p>
+            <a:pPr marL="742950" lvl="1" indent="-285750">
+              <a:lnSpc>
+                <a:spcPct val="90000"/>
+              </a:lnSpc>
+              <a:buFont typeface="Arial" panose="020B0604020202020204" pitchFamily="34" charset="0"/>
+              <a:buChar char="•"/>
+            </a:pPr>
+            <a:r>
+              <a:rPr lang="en-US" dirty="0"/>
+              <a:t>Build log saved to </a:t>
+            </a:r>
+            <a:r>
+              <a:rPr lang="en-US" dirty="0">
+                <a:latin typeface="American Typewriter" panose="02090604020004020304" pitchFamily="18" charset="77"/>
               </a:rPr>
-              <a:t>How to pick an electronic laboratory notebook</a:t>
-            </a:r>
-            <a:r>
-              <a:rPr lang="en-US" sz="1600" dirty="0"/>
-              <a:t>, Nature</a:t>
+              <a:t>my_test_2022.log</a:t>
+            </a:r>
+          </a:p>
+          <a:p>
+            <a:pPr marL="742950" lvl="1" indent="-285750">
+              <a:lnSpc>
+                <a:spcPct val="90000"/>
+              </a:lnSpc>
+              <a:buFont typeface="Arial" panose="020B0604020202020204" pitchFamily="34" charset="0"/>
+              <a:buChar char="•"/>
+            </a:pPr>
+            <a:r>
+              <a:rPr lang="en-US" dirty="0"/>
+              <a:t>No errors or warnings emitted</a:t>
+            </a:r>
+          </a:p>
+          <a:p>
+            <a:pPr marL="742950" lvl="1" indent="-285750">
+              <a:lnSpc>
+                <a:spcPct val="90000"/>
+              </a:lnSpc>
+              <a:buFont typeface="Arial" panose="020B0604020202020204" pitchFamily="34" charset="0"/>
+              <a:buChar char="•"/>
+            </a:pPr>
+            <a:r>
+              <a:rPr lang="en-US" dirty="0"/>
+              <a:t>Used job script </a:t>
+            </a:r>
+            <a:r>
+              <a:rPr lang="en-US" dirty="0" err="1">
+                <a:latin typeface="American Typewriter" panose="02090604020004020304" pitchFamily="18" charset="77"/>
+              </a:rPr>
+              <a:t>run_my_test</a:t>
+            </a:r>
+            <a:r>
+              <a:rPr lang="en-US" dirty="0">
+                <a:latin typeface="American Typewriter" panose="02090604020004020304" pitchFamily="18" charset="77"/>
+              </a:rPr>
+              <a:t> </a:t>
+            </a:r>
+            <a:r>
+              <a:rPr lang="en-US" dirty="0"/>
+              <a:t>with configuration 24 (Job ID 123456)</a:t>
+            </a:r>
+          </a:p>
+          <a:p>
+            <a:pPr marL="742950" lvl="1" indent="-285750">
+              <a:lnSpc>
+                <a:spcPct val="90000"/>
+              </a:lnSpc>
+              <a:buFont typeface="Arial" panose="020B0604020202020204" pitchFamily="34" charset="0"/>
+              <a:buChar char="•"/>
+            </a:pPr>
+            <a:r>
+              <a:rPr lang="en-US" dirty="0" err="1"/>
+              <a:t>Stdout</a:t>
+            </a:r>
+            <a:r>
+              <a:rPr lang="en-US" dirty="0"/>
+              <a:t>/err &amp; results saved in folder ABC</a:t>
+            </a:r>
+          </a:p>
+          <a:p>
+            <a:pPr>
+              <a:lnSpc>
+                <a:spcPct val="90000"/>
+              </a:lnSpc>
+            </a:pPr>
+            <a:r>
+              <a:rPr lang="en-US" b="1" dirty="0"/>
+              <a:t>10:07 am </a:t>
+            </a:r>
+            <a:r>
+              <a:rPr lang="en-US" dirty="0"/>
+              <a:t>- Analysis run with script </a:t>
+            </a:r>
+            <a:r>
+              <a:rPr lang="en-US" dirty="0" err="1">
+                <a:latin typeface="American Typewriter" panose="02090604020004020304" pitchFamily="18" charset="77"/>
+              </a:rPr>
+              <a:t>analyze_my_test.py</a:t>
+            </a:r>
+            <a:r>
+              <a:rPr lang="en-US" dirty="0">
+                <a:latin typeface="American Typewriter" panose="02090604020004020304" pitchFamily="18" charset="77"/>
+              </a:rPr>
+              <a:t> </a:t>
+            </a:r>
+            <a:r>
+              <a:rPr lang="en-US" dirty="0"/>
+              <a:t>and results saved in same folder.</a:t>
+            </a:r>
+          </a:p>
+          <a:p>
+            <a:pPr>
+              <a:lnSpc>
+                <a:spcPct val="90000"/>
+              </a:lnSpc>
+            </a:pPr>
+            <a:r>
+              <a:rPr lang="en-US" dirty="0"/>
+              <a:t>- Since no peak seen around 1.5 MeV, I was wrong.  But based on this, I now </a:t>
+            </a:r>
+            <a:r>
+              <a:rPr lang="en-US" i="1" dirty="0"/>
+              <a:t>believe</a:t>
+            </a:r>
+            <a:r>
+              <a:rPr lang="en-US" dirty="0"/>
+              <a:t> that if A happens, then C must also happen.</a:t>
             </a:r>
           </a:p>
         </p:txBody>
@@ -8748,7 +8616,7 @@
     </p:spTree>
     <p:extLst>
       <p:ext uri="{BB962C8B-B14F-4D97-AF65-F5344CB8AC3E}">
-        <p14:creationId xmlns:p14="http://schemas.microsoft.com/office/powerpoint/2010/main" val="2028353678"/>
+        <p14:creationId xmlns:p14="http://schemas.microsoft.com/office/powerpoint/2010/main" val="3878095345"/>
       </p:ext>
     </p:extLst>
   </p:cSld>
@@ -8780,7 +8648,7 @@
           <p:cNvPr id="2" name="Title 1">
             <a:extLst>
               <a:ext uri="{FF2B5EF4-FFF2-40B4-BE49-F238E27FC236}">
-                <a16:creationId xmlns:a16="http://schemas.microsoft.com/office/drawing/2014/main" id="{4118D88C-7B28-1754-36A6-873750233694}"/>
+                <a16:creationId xmlns:a16="http://schemas.microsoft.com/office/drawing/2014/main" id="{584ACD2F-B0D4-4783-5910-05FB02545B06}"/>
               </a:ext>
             </a:extLst>
           </p:cNvPr>
@@ -8798,7 +8666,48 @@
           <a:p>
             <a:r>
               <a:rPr lang="en-US" dirty="0"/>
-              <a:t>Criteria for lab notebooks for computing?</a:t>
+              <a:t>Nothing beats good </a:t>
+            </a:r>
+            <a:r>
+              <a:rPr lang="en-US" dirty="0" err="1"/>
+              <a:t>ol</a:t>
+            </a:r>
+            <a:r>
+              <a:rPr lang="en-US" dirty="0"/>
+              <a:t>’ pen and paper</a:t>
+            </a:r>
+          </a:p>
+        </p:txBody>
+      </p:sp>
+      <p:sp>
+        <p:nvSpPr>
+          <p:cNvPr id="4" name="Text Placeholder 3">
+            <a:extLst>
+              <a:ext uri="{FF2B5EF4-FFF2-40B4-BE49-F238E27FC236}">
+                <a16:creationId xmlns:a16="http://schemas.microsoft.com/office/drawing/2014/main" id="{3C225170-B825-8E65-4107-25733A185B12}"/>
+              </a:ext>
+            </a:extLst>
+          </p:cNvPr>
+          <p:cNvSpPr>
+            <a:spLocks noGrp="1"/>
+          </p:cNvSpPr>
+          <p:nvPr>
+            <p:ph type="body" idx="1"/>
+          </p:nvPr>
+        </p:nvSpPr>
+        <p:spPr>
+          <a:xfrm>
+            <a:off x="457200" y="2546822"/>
+            <a:ext cx="5588582" cy="821190"/>
+          </a:xfrm>
+        </p:spPr>
+        <p:txBody>
+          <a:bodyPr/>
+          <a:lstStyle/>
+          <a:p>
+            <a:r>
+              <a:rPr lang="en-US" sz="2000" dirty="0"/>
+              <a:t>Pen &amp; Paper Pros</a:t>
             </a:r>
           </a:p>
         </p:txBody>
@@ -8808,7 +8717,7 @@
           <p:cNvPr id="3" name="Content Placeholder 2">
             <a:extLst>
               <a:ext uri="{FF2B5EF4-FFF2-40B4-BE49-F238E27FC236}">
-                <a16:creationId xmlns:a16="http://schemas.microsoft.com/office/drawing/2014/main" id="{F77746CD-E501-0512-A2E3-3EA3A7A9AF56}"/>
+                <a16:creationId xmlns:a16="http://schemas.microsoft.com/office/drawing/2014/main" id="{F9258E3C-1D8D-18BD-90A6-502B818DA2CC}"/>
               </a:ext>
             </a:extLst>
           </p:cNvPr>
@@ -8816,61 +8725,148 @@
             <a:spLocks noGrp="1"/>
           </p:cNvSpPr>
           <p:nvPr>
-            <p:ph idx="1"/>
-          </p:nvPr>
-        </p:nvSpPr>
-        <p:spPr/>
+            <p:ph sz="half" idx="2"/>
+          </p:nvPr>
+        </p:nvSpPr>
+        <p:spPr>
+          <a:xfrm>
+            <a:off x="457200" y="3368012"/>
+            <a:ext cx="5588582" cy="3373229"/>
+          </a:xfrm>
+        </p:spPr>
         <p:txBody>
           <a:bodyPr/>
           <a:lstStyle/>
           <a:p>
             <a:r>
-              <a:rPr lang="en-US" b="1" dirty="0"/>
-              <a:t>Paper won’t work.  </a:t>
-            </a:r>
-            <a:r>
-              <a:rPr lang="en-US" dirty="0"/>
-              <a:t>We work anywhere and sometimes in distributed way.</a:t>
-            </a:r>
-          </a:p>
-          <a:p>
-            <a:r>
-              <a:rPr lang="en-US" dirty="0"/>
-              <a:t>Should notebooks be public and how to do that?</a:t>
-            </a:r>
-          </a:p>
-          <a:p>
-            <a:r>
-              <a:rPr lang="en-US" dirty="0"/>
-              <a:t>How many different types of notebooks do we need?</a:t>
-            </a:r>
-          </a:p>
-          <a:p>
-            <a:r>
-              <a:rPr lang="en-US" dirty="0"/>
-              <a:t>Do we use a single ELN or distribute notes across a suite of tools?</a:t>
-            </a:r>
-          </a:p>
-          <a:p>
-            <a:r>
-              <a:rPr lang="en-US" dirty="0"/>
-              <a:t>How can we use automation appropriately to overcome difficulties and increase productivity?</a:t>
-            </a:r>
-          </a:p>
-          <a:p>
-            <a:pPr marL="0" indent="0">
-              <a:buNone/>
-            </a:pPr>
-            <a:endParaRPr lang="en-US" dirty="0"/>
-          </a:p>
-        </p:txBody>
-      </p:sp>
-      <p:sp>
-        <p:nvSpPr>
-          <p:cNvPr id="6" name="TextBox 5">
+              <a:rPr lang="en-US" sz="2000" dirty="0"/>
+              <a:t>Most can use paper and pen in any situation</a:t>
+            </a:r>
+          </a:p>
+          <a:p>
+            <a:r>
+              <a:rPr lang="en-US" sz="2000" dirty="0"/>
+              <a:t>Open format can allow for creativity and easier annotation</a:t>
+            </a:r>
+          </a:p>
+          <a:p>
+            <a:r>
+              <a:rPr lang="en-US" sz="2000" dirty="0"/>
+              <a:t>Concentrate on the work rather than tooling</a:t>
+            </a:r>
+          </a:p>
+          <a:p>
+            <a:r>
+              <a:rPr lang="en-US" sz="2000" dirty="0"/>
+              <a:t>Good if notetaking slows down progress</a:t>
+            </a:r>
+          </a:p>
+          <a:p>
+            <a:r>
+              <a:rPr lang="en-US" sz="2000" dirty="0"/>
+              <a:t>Notebook is stored </a:t>
+            </a:r>
+            <a:r>
+              <a:rPr lang="en-US" sz="2000" b="1" dirty="0"/>
+              <a:t>publicly</a:t>
+            </a:r>
+            <a:r>
+              <a:rPr lang="en-US" sz="2000" dirty="0"/>
+              <a:t> next to where it is used</a:t>
+            </a:r>
+          </a:p>
+        </p:txBody>
+      </p:sp>
+      <p:sp>
+        <p:nvSpPr>
+          <p:cNvPr id="7" name="Text Placeholder 6">
             <a:extLst>
               <a:ext uri="{FF2B5EF4-FFF2-40B4-BE49-F238E27FC236}">
-                <a16:creationId xmlns:a16="http://schemas.microsoft.com/office/drawing/2014/main" id="{C44A63BE-444C-487D-FF8C-6D5A3E79CAEE}"/>
+                <a16:creationId xmlns:a16="http://schemas.microsoft.com/office/drawing/2014/main" id="{C7D2FAF1-99B6-77D6-67CA-9BCD3AF3390A}"/>
+              </a:ext>
+            </a:extLst>
+          </p:cNvPr>
+          <p:cNvSpPr>
+            <a:spLocks noGrp="1"/>
+          </p:cNvSpPr>
+          <p:nvPr>
+            <p:ph type="body" sz="quarter" idx="3"/>
+          </p:nvPr>
+        </p:nvSpPr>
+        <p:spPr>
+          <a:xfrm>
+            <a:off x="6218914" y="2546822"/>
+            <a:ext cx="5531934" cy="821190"/>
+          </a:xfrm>
+        </p:spPr>
+        <p:txBody>
+          <a:bodyPr/>
+          <a:lstStyle/>
+          <a:p>
+            <a:r>
+              <a:rPr lang="en-US" sz="2000" dirty="0"/>
+              <a:t>Electronic Woes</a:t>
+            </a:r>
+          </a:p>
+        </p:txBody>
+      </p:sp>
+      <p:sp>
+        <p:nvSpPr>
+          <p:cNvPr id="9" name="Content Placeholder 8">
+            <a:extLst>
+              <a:ext uri="{FF2B5EF4-FFF2-40B4-BE49-F238E27FC236}">
+                <a16:creationId xmlns:a16="http://schemas.microsoft.com/office/drawing/2014/main" id="{3460387C-329A-6D82-3F47-363415AFE6DA}"/>
+              </a:ext>
+            </a:extLst>
+          </p:cNvPr>
+          <p:cNvSpPr>
+            <a:spLocks noGrp="1"/>
+          </p:cNvSpPr>
+          <p:nvPr>
+            <p:ph sz="quarter" idx="4"/>
+          </p:nvPr>
+        </p:nvSpPr>
+        <p:spPr>
+          <a:xfrm>
+            <a:off x="6218914" y="3368012"/>
+            <a:ext cx="5531934" cy="3373229"/>
+          </a:xfrm>
+        </p:spPr>
+        <p:txBody>
+          <a:bodyPr/>
+          <a:lstStyle/>
+          <a:p>
+            <a:r>
+              <a:rPr lang="en-US" sz="2000" dirty="0"/>
+              <a:t>Tied to technology that could fail</a:t>
+            </a:r>
+          </a:p>
+          <a:p>
+            <a:r>
+              <a:rPr lang="en-US" sz="2000" dirty="0"/>
+              <a:t>Overwhelming variety of possible solutions with different pros and cons</a:t>
+            </a:r>
+          </a:p>
+          <a:p>
+            <a:r>
+              <a:rPr lang="en-US" sz="2000" dirty="0"/>
+              <a:t>Uncertainty about future of tool, increased costs, inability to export</a:t>
+            </a:r>
+          </a:p>
+          <a:p>
+            <a:r>
+              <a:rPr lang="en-US" sz="2000" dirty="0"/>
+              <a:t>Does funding restrict where and how digital notes can be stored?</a:t>
+            </a:r>
+          </a:p>
+        </p:txBody>
+      </p:sp>
+      <p:sp>
+        <p:nvSpPr>
+          <p:cNvPr id="11" name="TextBox 10">
+            <a:extLst>
+              <a:ext uri="{FF2B5EF4-FFF2-40B4-BE49-F238E27FC236}">
+                <a16:creationId xmlns:a16="http://schemas.microsoft.com/office/drawing/2014/main" id="{4F5A0A35-B381-EDED-A055-E3A37D0AF05F}"/>
               </a:ext>
             </a:extLst>
           </p:cNvPr>
@@ -8879,8 +8875,8 @@
         </p:nvSpPr>
         <p:spPr>
           <a:xfrm>
-            <a:off x="3155530" y="5108463"/>
-            <a:ext cx="5877764" cy="461665"/>
+            <a:off x="437977" y="1003590"/>
+            <a:ext cx="11302919" cy="1323439"/>
           </a:xfrm>
           <a:prstGeom prst="rect">
             <a:avLst/>
@@ -8888,15 +8884,40 @@
           <a:noFill/>
         </p:spPr>
         <p:txBody>
-          <a:bodyPr wrap="none" rtlCol="0">
+          <a:bodyPr wrap="square">
             <a:spAutoFit/>
           </a:bodyPr>
           <a:lstStyle/>
           <a:p>
-            <a:pPr algn="ctr"/>
-            <a:r>
-              <a:rPr lang="en-US" sz="2400" dirty="0"/>
-              <a:t>We likely need many streams of lab notes</a:t>
+            <a:pPr marL="0" indent="0">
+              <a:buNone/>
+            </a:pPr>
+            <a:r>
+              <a:rPr lang="en-US" sz="2000" dirty="0"/>
+              <a:t>“Since at least the 1990s, articles on technology have predicted the imminent, widespread adoption of electronic laboratory notebooks (ELNs) by researchers. It has yet to happen — but more and more scientists are taking the plunge.”</a:t>
+            </a:r>
+          </a:p>
+          <a:p>
+            <a:pPr marL="0" indent="0">
+              <a:buNone/>
+            </a:pPr>
+            <a:r>
+              <a:rPr lang="en-US" sz="2000" dirty="0"/>
+              <a:t>	- </a:t>
+            </a:r>
+            <a:r>
+              <a:rPr lang="en-US" sz="1600" dirty="0"/>
+              <a:t>Roberta Kwok, </a:t>
+            </a:r>
+            <a:r>
+              <a:rPr lang="en-US" sz="1600" i="1" dirty="0">
+                <a:hlinkClick r:id="rId3"/>
+              </a:rPr>
+              <a:t>How to pick an electronic laboratory notebook</a:t>
+            </a:r>
+            <a:r>
+              <a:rPr lang="en-US" sz="1600" dirty="0"/>
+              <a:t>, Nature</a:t>
             </a:r>
           </a:p>
         </p:txBody>
@@ -8904,7 +8925,7 @@
     </p:spTree>
     <p:extLst>
       <p:ext uri="{BB962C8B-B14F-4D97-AF65-F5344CB8AC3E}">
-        <p14:creationId xmlns:p14="http://schemas.microsoft.com/office/powerpoint/2010/main" val="2241001939"/>
+        <p14:creationId xmlns:p14="http://schemas.microsoft.com/office/powerpoint/2010/main" val="2028353678"/>
       </p:ext>
     </p:extLst>
   </p:cSld>
@@ -8936,6 +8957,162 @@
           <p:cNvPr id="2" name="Title 1">
             <a:extLst>
               <a:ext uri="{FF2B5EF4-FFF2-40B4-BE49-F238E27FC236}">
+                <a16:creationId xmlns:a16="http://schemas.microsoft.com/office/drawing/2014/main" id="{4118D88C-7B28-1754-36A6-873750233694}"/>
+              </a:ext>
+            </a:extLst>
+          </p:cNvPr>
+          <p:cNvSpPr>
+            <a:spLocks noGrp="1"/>
+          </p:cNvSpPr>
+          <p:nvPr>
+            <p:ph type="title"/>
+          </p:nvPr>
+        </p:nvSpPr>
+        <p:spPr/>
+        <p:txBody>
+          <a:bodyPr/>
+          <a:lstStyle/>
+          <a:p>
+            <a:r>
+              <a:rPr lang="en-US" dirty="0"/>
+              <a:t>Criteria for lab notebooks for computing?</a:t>
+            </a:r>
+          </a:p>
+        </p:txBody>
+      </p:sp>
+      <p:sp>
+        <p:nvSpPr>
+          <p:cNvPr id="3" name="Content Placeholder 2">
+            <a:extLst>
+              <a:ext uri="{FF2B5EF4-FFF2-40B4-BE49-F238E27FC236}">
+                <a16:creationId xmlns:a16="http://schemas.microsoft.com/office/drawing/2014/main" id="{F77746CD-E501-0512-A2E3-3EA3A7A9AF56}"/>
+              </a:ext>
+            </a:extLst>
+          </p:cNvPr>
+          <p:cNvSpPr>
+            <a:spLocks noGrp="1"/>
+          </p:cNvSpPr>
+          <p:nvPr>
+            <p:ph idx="1"/>
+          </p:nvPr>
+        </p:nvSpPr>
+        <p:spPr/>
+        <p:txBody>
+          <a:bodyPr/>
+          <a:lstStyle/>
+          <a:p>
+            <a:r>
+              <a:rPr lang="en-US" b="1" dirty="0"/>
+              <a:t>Paper won’t work.  </a:t>
+            </a:r>
+            <a:r>
+              <a:rPr lang="en-US" dirty="0"/>
+              <a:t>We work anywhere and sometimes in distributed way.</a:t>
+            </a:r>
+          </a:p>
+          <a:p>
+            <a:r>
+              <a:rPr lang="en-US" dirty="0"/>
+              <a:t>Should notebooks be public and how to do that?</a:t>
+            </a:r>
+          </a:p>
+          <a:p>
+            <a:r>
+              <a:rPr lang="en-US" dirty="0"/>
+              <a:t>How many different types of notebooks do we need?</a:t>
+            </a:r>
+          </a:p>
+          <a:p>
+            <a:r>
+              <a:rPr lang="en-US" dirty="0"/>
+              <a:t>Do we use a single ELN or distribute notes across a suite of tools?</a:t>
+            </a:r>
+          </a:p>
+          <a:p>
+            <a:r>
+              <a:rPr lang="en-US" dirty="0"/>
+              <a:t>How can we use automation appropriately to overcome difficulties and increase productivity?</a:t>
+            </a:r>
+          </a:p>
+          <a:p>
+            <a:pPr marL="0" indent="0">
+              <a:buNone/>
+            </a:pPr>
+            <a:endParaRPr lang="en-US" dirty="0"/>
+          </a:p>
+        </p:txBody>
+      </p:sp>
+      <p:sp>
+        <p:nvSpPr>
+          <p:cNvPr id="6" name="TextBox 5">
+            <a:extLst>
+              <a:ext uri="{FF2B5EF4-FFF2-40B4-BE49-F238E27FC236}">
+                <a16:creationId xmlns:a16="http://schemas.microsoft.com/office/drawing/2014/main" id="{C44A63BE-444C-487D-FF8C-6D5A3E79CAEE}"/>
+              </a:ext>
+            </a:extLst>
+          </p:cNvPr>
+          <p:cNvSpPr txBox="1"/>
+          <p:nvPr/>
+        </p:nvSpPr>
+        <p:spPr>
+          <a:xfrm>
+            <a:off x="3155530" y="5108463"/>
+            <a:ext cx="5877764" cy="461665"/>
+          </a:xfrm>
+          <a:prstGeom prst="rect">
+            <a:avLst/>
+          </a:prstGeom>
+          <a:noFill/>
+        </p:spPr>
+        <p:txBody>
+          <a:bodyPr wrap="none" rtlCol="0">
+            <a:spAutoFit/>
+          </a:bodyPr>
+          <a:lstStyle/>
+          <a:p>
+            <a:pPr algn="ctr"/>
+            <a:r>
+              <a:rPr lang="en-US" sz="2400" dirty="0"/>
+              <a:t>We likely need many streams of lab notes</a:t>
+            </a:r>
+          </a:p>
+        </p:txBody>
+      </p:sp>
+    </p:spTree>
+    <p:extLst>
+      <p:ext uri="{BB962C8B-B14F-4D97-AF65-F5344CB8AC3E}">
+        <p14:creationId xmlns:p14="http://schemas.microsoft.com/office/powerpoint/2010/main" val="2241001939"/>
+      </p:ext>
+    </p:extLst>
+  </p:cSld>
+  <p:clrMapOvr>
+    <a:masterClrMapping/>
+  </p:clrMapOvr>
+</p:sld>
+</file>
+
+<file path=ppt/slides/slide18.xml><?xml version="1.0" encoding="utf-8"?>
+<p:sld xmlns:a="http://schemas.openxmlformats.org/drawingml/2006/main" xmlns:r="http://schemas.openxmlformats.org/officeDocument/2006/relationships" xmlns:p="http://schemas.openxmlformats.org/presentationml/2006/main">
+  <p:cSld>
+    <p:spTree>
+      <p:nvGrpSpPr>
+        <p:cNvPr id="1" name=""/>
+        <p:cNvGrpSpPr/>
+        <p:nvPr/>
+      </p:nvGrpSpPr>
+      <p:grpSpPr>
+        <a:xfrm>
+          <a:off x="0" y="0"/>
+          <a:ext cx="0" cy="0"/>
+          <a:chOff x="0" y="0"/>
+          <a:chExt cx="0" cy="0"/>
+        </a:xfrm>
+      </p:grpSpPr>
+      <p:sp>
+        <p:nvSpPr>
+          <p:cNvPr id="2" name="Title 1">
+            <a:extLst>
+              <a:ext uri="{FF2B5EF4-FFF2-40B4-BE49-F238E27FC236}">
                 <a16:creationId xmlns:a16="http://schemas.microsoft.com/office/drawing/2014/main" id="{4D833D66-35AF-AF0C-8EA4-C60E0843DE20}"/>
               </a:ext>
             </a:extLst>
@@ -9049,7 +9226,7 @@
 </p:sld>
 </file>
 
-<file path=ppt/slides/slide18.xml><?xml version="1.0" encoding="utf-8"?>
+<file path=ppt/slides/slide19.xml><?xml version="1.0" encoding="utf-8"?>
 <p:sld xmlns:a="http://schemas.openxmlformats.org/drawingml/2006/main" xmlns:r="http://schemas.openxmlformats.org/officeDocument/2006/relationships" xmlns:p="http://schemas.openxmlformats.org/presentationml/2006/main">
   <p:cSld>
     <p:spTree>
@@ -9338,181 +9515,6 @@
 </p:sld>
 </file>
 
-<file path=ppt/slides/slide19.xml><?xml version="1.0" encoding="utf-8"?>
-<p:sld xmlns:a="http://schemas.openxmlformats.org/drawingml/2006/main" xmlns:r="http://schemas.openxmlformats.org/officeDocument/2006/relationships" xmlns:p="http://schemas.openxmlformats.org/presentationml/2006/main">
-  <p:cSld>
-    <p:spTree>
-      <p:nvGrpSpPr>
-        <p:cNvPr id="1" name=""/>
-        <p:cNvGrpSpPr/>
-        <p:nvPr/>
-      </p:nvGrpSpPr>
-      <p:grpSpPr>
-        <a:xfrm>
-          <a:off x="0" y="0"/>
-          <a:ext cx="0" cy="0"/>
-          <a:chOff x="0" y="0"/>
-          <a:chExt cx="0" cy="0"/>
-        </a:xfrm>
-      </p:grpSpPr>
-      <p:sp>
-        <p:nvSpPr>
-          <p:cNvPr id="2" name="Title 1">
-            <a:extLst>
-              <a:ext uri="{FF2B5EF4-FFF2-40B4-BE49-F238E27FC236}">
-                <a16:creationId xmlns:a16="http://schemas.microsoft.com/office/drawing/2014/main" id="{AE065790-4FFF-A93D-2B74-AAFA4028C68D}"/>
-              </a:ext>
-            </a:extLst>
-          </p:cNvPr>
-          <p:cNvSpPr>
-            <a:spLocks noGrp="1"/>
-          </p:cNvSpPr>
-          <p:nvPr>
-            <p:ph type="title"/>
-          </p:nvPr>
-        </p:nvSpPr>
-        <p:spPr/>
-        <p:txBody>
-          <a:bodyPr/>
-          <a:lstStyle/>
-          <a:p>
-            <a:r>
-              <a:rPr lang="en-US" dirty="0"/>
-              <a:t>Pull request as a “filtered” notebook entry</a:t>
-            </a:r>
-          </a:p>
-        </p:txBody>
-      </p:sp>
-      <p:sp>
-        <p:nvSpPr>
-          <p:cNvPr id="3" name="Content Placeholder 2">
-            <a:extLst>
-              <a:ext uri="{FF2B5EF4-FFF2-40B4-BE49-F238E27FC236}">
-                <a16:creationId xmlns:a16="http://schemas.microsoft.com/office/drawing/2014/main" id="{16752DD2-A8C1-142A-ADF4-A061E5E58937}"/>
-              </a:ext>
-            </a:extLst>
-          </p:cNvPr>
-          <p:cNvSpPr>
-            <a:spLocks noGrp="1"/>
-          </p:cNvSpPr>
-          <p:nvPr>
-            <p:ph idx="1"/>
-          </p:nvPr>
-        </p:nvSpPr>
-        <p:spPr>
-          <a:xfrm>
-            <a:off x="365760" y="1079469"/>
-            <a:ext cx="11369809" cy="4047778"/>
-          </a:xfrm>
-        </p:spPr>
-        <p:txBody>
-          <a:bodyPr/>
-          <a:lstStyle/>
-          <a:p>
-            <a:r>
-              <a:rPr lang="en-US" dirty="0"/>
-              <a:t>A pull request is an aggregation of commits to a git repo</a:t>
-            </a:r>
-          </a:p>
-          <a:p>
-            <a:pPr lvl="1"/>
-            <a:r>
-              <a:rPr lang="en-US" dirty="0"/>
-              <a:t>Individual commits are linked to the pull request</a:t>
-            </a:r>
-          </a:p>
-          <a:p>
-            <a:r>
-              <a:rPr lang="en-US" dirty="0">
-                <a:solidFill>
-                  <a:schemeClr val="tx2"/>
-                </a:solidFill>
-              </a:rPr>
-              <a:t>The PR allows for additional content that’s distinct from the individual commits</a:t>
-            </a:r>
-          </a:p>
-          <a:p>
-            <a:r>
-              <a:rPr lang="en-US" dirty="0"/>
-              <a:t>Use PR description to record process to verify correctness of changes</a:t>
-            </a:r>
-          </a:p>
-          <a:p>
-            <a:pPr lvl="1"/>
-            <a:r>
-              <a:rPr lang="en-US" dirty="0"/>
-              <a:t>2-2.5 days effort carried out over a week</a:t>
-            </a:r>
-          </a:p>
-          <a:p>
-            <a:pPr lvl="1"/>
-            <a:r>
-              <a:rPr lang="en-US" dirty="0"/>
-              <a:t>Copy/pasted from previous PR and adapted first (designed process)</a:t>
-            </a:r>
-          </a:p>
-          <a:p>
-            <a:pPr lvl="1"/>
-            <a:r>
-              <a:rPr lang="en-US" dirty="0"/>
-              <a:t>Improved as carried out process – converging on a quasi-procedure</a:t>
-            </a:r>
-          </a:p>
-          <a:p>
-            <a:pPr lvl="1"/>
-            <a:r>
-              <a:rPr lang="en-US" dirty="0"/>
-              <a:t>Filtered so that reviewers aren’t overwhelmed</a:t>
-            </a:r>
-          </a:p>
-          <a:p>
-            <a:pPr lvl="1"/>
-            <a:r>
-              <a:rPr lang="en-US" dirty="0"/>
-              <a:t>Helped organize effort &amp; design good tests</a:t>
-            </a:r>
-          </a:p>
-          <a:p>
-            <a:r>
-              <a:rPr lang="en-US" dirty="0"/>
-              <a:t>Additional benefits</a:t>
-            </a:r>
-          </a:p>
-          <a:p>
-            <a:pPr lvl="1"/>
-            <a:r>
-              <a:rPr lang="en-US" dirty="0"/>
-              <a:t>Senior reviewers provide feedback &amp; suggest improvements</a:t>
-            </a:r>
-          </a:p>
-          <a:p>
-            <a:pPr lvl="1"/>
-            <a:r>
-              <a:rPr lang="en-US" dirty="0"/>
-              <a:t>Junior reviewers exposed to work habits of other people</a:t>
-            </a:r>
-          </a:p>
-          <a:p>
-            <a:r>
-              <a:rPr lang="en-US" dirty="0"/>
-              <a:t>Example: Flash-X PR #247 on next slide</a:t>
-            </a:r>
-          </a:p>
-        </p:txBody>
-      </p:sp>
-    </p:spTree>
-    <p:extLst>
-      <p:ext uri="{BB962C8B-B14F-4D97-AF65-F5344CB8AC3E}">
-        <p14:creationId xmlns:p14="http://schemas.microsoft.com/office/powerpoint/2010/main" val="1212233571"/>
-      </p:ext>
-    </p:extLst>
-  </p:cSld>
-  <p:clrMapOvr>
-    <a:masterClrMapping/>
-  </p:clrMapOvr>
-</p:sld>
-</file>
-
 <file path=ppt/slides/slide2.xml><?xml version="1.0" encoding="utf-8"?>
 <p:sld xmlns:a="http://schemas.openxmlformats.org/drawingml/2006/main" xmlns:r="http://schemas.openxmlformats.org/officeDocument/2006/relationships" xmlns:p="http://schemas.openxmlformats.org/presentationml/2006/main">
   <p:cSld>
@@ -9535,7 +9537,7 @@
           <p:cNvPr id="2" name="Title 1">
             <a:extLst>
               <a:ext uri="{FF2B5EF4-FFF2-40B4-BE49-F238E27FC236}">
-                <a16:creationId xmlns:a16="http://schemas.microsoft.com/office/drawing/2014/main" id="{F35627EA-0A9D-2FF7-2CBF-461CD73F1D60}"/>
+                <a16:creationId xmlns:a16="http://schemas.microsoft.com/office/drawing/2014/main" id="{6442C24D-D970-4D40-8F14-D70C10A96304}"/>
               </a:ext>
             </a:extLst>
           </p:cNvPr>
@@ -9546,24 +9548,29 @@
             <p:ph type="title"/>
           </p:nvPr>
         </p:nvSpPr>
-        <p:spPr/>
+        <p:spPr>
+          <a:xfrm>
+            <a:off x="363096" y="112911"/>
+            <a:ext cx="11372473" cy="914400"/>
+          </a:xfrm>
+        </p:spPr>
         <p:txBody>
           <a:bodyPr/>
           <a:lstStyle/>
           <a:p>
             <a:r>
               <a:rPr lang="en-US" dirty="0"/>
-              <a:t>A minimal definition of a lab notebook</a:t>
-            </a:r>
-          </a:p>
-        </p:txBody>
-      </p:sp>
-      <p:sp>
-        <p:nvSpPr>
-          <p:cNvPr id="4" name="Content Placeholder 2">
+              <a:t>License, Citation and Acknowledgements</a:t>
+            </a:r>
+          </a:p>
+        </p:txBody>
+      </p:sp>
+      <p:sp>
+        <p:nvSpPr>
+          <p:cNvPr id="3" name="Content Placeholder 2">
             <a:extLst>
               <a:ext uri="{FF2B5EF4-FFF2-40B4-BE49-F238E27FC236}">
-                <a16:creationId xmlns:a16="http://schemas.microsoft.com/office/drawing/2014/main" id="{5A1F561D-C93C-67C0-49AE-92C353A04E25}"/>
+                <a16:creationId xmlns:a16="http://schemas.microsoft.com/office/drawing/2014/main" id="{0385A3AB-B258-4D59-B407-F7D57545A163}"/>
               </a:ext>
             </a:extLst>
           </p:cNvPr>
@@ -9574,7 +9581,12 @@
             <p:ph idx="1"/>
           </p:nvPr>
         </p:nvSpPr>
-        <p:spPr/>
+        <p:spPr>
+          <a:xfrm>
+            <a:off x="409507" y="570111"/>
+            <a:ext cx="11369809" cy="4047778"/>
+          </a:xfrm>
+        </p:spPr>
         <p:txBody>
           <a:bodyPr/>
           <a:lstStyle/>
@@ -9583,40 +9595,266 @@
               <a:buNone/>
             </a:pPr>
             <a:r>
-              <a:rPr lang="en-US" dirty="0"/>
-              <a:t>A goal of keeping a lab notebook is "...to write with enough detail and clarity that another scientist could pick up the notebook at some time in the future, repeat the work based on the written descriptions, and make the same observations that were originally recorded. If this guideline is followed, even the original author will be able to understand the notes when looking back on them after considerable time has passed!”</a:t>
-            </a:r>
-          </a:p>
-          <a:p>
-            <a:pPr marL="0" indent="0">
-              <a:buNone/>
-            </a:pPr>
-            <a:r>
-              <a:rPr lang="en-US" dirty="0"/>
-              <a:t>	- Howard </a:t>
-            </a:r>
-            <a:r>
-              <a:rPr lang="en-US" dirty="0" err="1"/>
-              <a:t>Kanare</a:t>
-            </a:r>
-            <a:r>
-              <a:rPr lang="en-US" dirty="0"/>
-              <a:t>, </a:t>
-            </a:r>
-            <a:r>
-              <a:rPr lang="en-US" i="1" dirty="0">
+              <a:rPr lang="en-US" sz="2000" b="1" dirty="0"/>
+              <a:t>License and Citation</a:t>
+            </a:r>
+          </a:p>
+          <a:p>
+            <a:pPr>
+              <a:spcBef>
+                <a:spcPts val="400"/>
+              </a:spcBef>
+            </a:pPr>
+            <a:r>
+              <a:rPr lang="en-US" sz="1600" dirty="0"/>
+              <a:t>This work is licensed under a </a:t>
+            </a:r>
+            <a:r>
+              <a:rPr lang="en-US" sz="1600" dirty="0">
+                <a:hlinkClick r:id="rId2"/>
+              </a:rPr>
+              <a:t>Creative</a:t>
+            </a:r>
+            <a:r>
+              <a:rPr lang="en-US" sz="1600" dirty="0">
                 <a:hlinkClick r:id="rId3"/>
               </a:rPr>
-              <a:t>Writing the Laboratory Notebook</a:t>
-            </a:r>
-            <a:endParaRPr lang="en-US" dirty="0"/>
-          </a:p>
-        </p:txBody>
-      </p:sp>
+              <a:t> Commons Attribution 4.0 International License</a:t>
+            </a:r>
+            <a:r>
+              <a:rPr lang="en-US" sz="1600" dirty="0"/>
+              <a:t> (CC BY 4.0).</a:t>
+            </a:r>
+          </a:p>
+          <a:p>
+            <a:pPr>
+              <a:spcBef>
+                <a:spcPts val="400"/>
+              </a:spcBef>
+            </a:pPr>
+            <a:r>
+              <a:rPr lang="en-US" sz="1600" b="1" dirty="0"/>
+              <a:t>The requested citation the overall tutorial is: </a:t>
+            </a:r>
+            <a:r>
+              <a:rPr lang="en-US" sz="1600" b="0" i="0" dirty="0">
+                <a:solidFill>
+                  <a:srgbClr val="111111"/>
+                </a:solidFill>
+                <a:effectLst/>
+                <a:latin typeface="+mn-lt"/>
+              </a:rPr>
+              <a:t>Anshu Dubey and David M. Rogers, Better Scientific Software tutorial, in ISC High Performance, Hamburg, Germany and online, 2023. DOI: </a:t>
+            </a:r>
+            <a:r>
+              <a:rPr lang="en-US" sz="1600" b="0" i="0" u="sng" dirty="0">
+                <a:solidFill>
+                  <a:srgbClr val="111111"/>
+                </a:solidFill>
+                <a:effectLst/>
+                <a:latin typeface="+mn-lt"/>
+                <a:hlinkClick r:id="rId4"/>
+              </a:rPr>
+              <a:t>10.6084/m9.figshare</a:t>
+            </a:r>
+            <a:r>
+              <a:rPr lang="en-US" sz="1600" b="0" i="0" u="sng">
+                <a:solidFill>
+                  <a:srgbClr val="111111"/>
+                </a:solidFill>
+                <a:effectLst/>
+                <a:latin typeface="+mn-lt"/>
+                <a:hlinkClick r:id="rId4"/>
+              </a:rPr>
+              <a:t>.22790762</a:t>
+            </a:r>
+            <a:r>
+              <a:rPr lang="en-US" sz="1600" b="0" i="0">
+                <a:solidFill>
+                  <a:srgbClr val="111111"/>
+                </a:solidFill>
+                <a:effectLst/>
+                <a:latin typeface="+mn-lt"/>
+              </a:rPr>
+              <a:t>.</a:t>
+            </a:r>
+            <a:endParaRPr lang="en-US" sz="1600" b="0" i="0" dirty="0">
+              <a:solidFill>
+                <a:srgbClr val="111111"/>
+              </a:solidFill>
+              <a:effectLst/>
+              <a:latin typeface="+mn-lt"/>
+            </a:endParaRPr>
+          </a:p>
+          <a:p>
+            <a:pPr>
+              <a:spcBef>
+                <a:spcPts val="400"/>
+              </a:spcBef>
+            </a:pPr>
+            <a:r>
+              <a:rPr lang="en-US" sz="1600" dirty="0"/>
+              <a:t>Individual modules may be cited as </a:t>
+            </a:r>
+            <a:r>
+              <a:rPr lang="en-US" sz="1600" i="1" dirty="0"/>
+              <a:t>Speaker, Module Title</a:t>
+            </a:r>
+            <a:r>
+              <a:rPr lang="en-US" sz="1600" dirty="0"/>
+              <a:t>, in </a:t>
+            </a:r>
+            <a:r>
+              <a:rPr lang="en-US" sz="1600" b="0" i="1" dirty="0">
+                <a:solidFill>
+                  <a:srgbClr val="111111"/>
+                </a:solidFill>
+                <a:effectLst/>
+                <a:latin typeface="+mn-lt"/>
+              </a:rPr>
+              <a:t>Tutorial Title</a:t>
+            </a:r>
+            <a:r>
+              <a:rPr lang="en-US" sz="1600" dirty="0"/>
+              <a:t>, …</a:t>
+            </a:r>
+          </a:p>
+          <a:p>
+            <a:pPr marL="0" indent="0">
+              <a:spcBef>
+                <a:spcPts val="800"/>
+              </a:spcBef>
+              <a:buNone/>
+            </a:pPr>
+            <a:r>
+              <a:rPr lang="en-US" sz="2000" b="1" dirty="0"/>
+              <a:t>Acknowledgements</a:t>
+            </a:r>
+          </a:p>
+          <a:p>
+            <a:pPr>
+              <a:spcBef>
+                <a:spcPts val="400"/>
+              </a:spcBef>
+            </a:pPr>
+            <a:r>
+              <a:rPr lang="en-US" sz="1400" dirty="0"/>
+              <a:t>This work was supported by the U.S. Department of Energy Office of Science, Office of Advanced Scientific Computing Research (ASCR), and by the Exascale Computing Project (17-SC-20-SC), a collaborative effort of the U.S. Department of Energy Office of Science and the National Nuclear Security Administration</a:t>
+            </a:r>
+            <a:r>
+              <a:rPr lang="en-US" sz="1400" i="1" dirty="0"/>
+              <a:t>.</a:t>
+            </a:r>
+            <a:endParaRPr lang="en-US" sz="1400" dirty="0"/>
+          </a:p>
+          <a:p>
+            <a:pPr>
+              <a:spcBef>
+                <a:spcPts val="400"/>
+              </a:spcBef>
+            </a:pPr>
+            <a:r>
+              <a:rPr lang="en-US" sz="1400" dirty="0"/>
+              <a:t>This work was performed in part at the Argonne National Laboratory, which is managed by UChicago Argonne, LLC for the U.S. Department of Energy under Contract No. DE-AC02-06CH11357.</a:t>
+            </a:r>
+          </a:p>
+          <a:p>
+            <a:pPr>
+              <a:spcBef>
+                <a:spcPts val="400"/>
+              </a:spcBef>
+            </a:pPr>
+            <a:r>
+              <a:rPr lang="en-US" sz="1400" dirty="0"/>
+              <a:t>This work was performed in part at the Lawrence Livermore National Laboratory, which is managed by Lawrence Livermore National Security, LLC for the U.S. Department of Energy under Contract No. DE-AC52-07NA27344.</a:t>
+            </a:r>
+          </a:p>
+          <a:p>
+            <a:pPr>
+              <a:spcBef>
+                <a:spcPts val="400"/>
+              </a:spcBef>
+            </a:pPr>
+            <a:r>
+              <a:rPr lang="en-US" sz="1400" dirty="0"/>
+              <a:t>This work was performed in part at the Los Alamos National Laboratory, which is managed by Triad National Security, LLC for the U.S. Department of Energy under Contract No.89233218CNA000001</a:t>
+            </a:r>
+          </a:p>
+          <a:p>
+            <a:pPr>
+              <a:spcBef>
+                <a:spcPts val="400"/>
+              </a:spcBef>
+            </a:pPr>
+            <a:r>
+              <a:rPr lang="en-US" sz="1400" dirty="0"/>
+              <a:t>This work was performed in part at the Oak Ridge National Laboratory, which is managed by UT-Battelle, LLC for the U.S. Department of Energy under Contract No. DE-AC05-00OR22725.</a:t>
+            </a:r>
+          </a:p>
+          <a:p>
+            <a:pPr>
+              <a:spcBef>
+                <a:spcPts val="400"/>
+              </a:spcBef>
+            </a:pPr>
+            <a:r>
+              <a:rPr lang="en-US" sz="1400" dirty="0"/>
+              <a:t>This work was performed in part at Sandia National Laboratories. Sandia National Laboratories is a multi-mission laboratory managed and operated by National Technology and Engineering Solutions of Sandia, LLC., a wholly owned subsidiary of Honeywell International, Inc., for the U.S. Department of Energy’s National Nuclear Security Administration under contract DE-NA0003525.</a:t>
+            </a:r>
+          </a:p>
+        </p:txBody>
+      </p:sp>
+      <p:pic>
+        <p:nvPicPr>
+          <p:cNvPr id="4" name="Picture 2" descr="https://licensebuttons.net/l/by/4.0/88x31.png">
+            <a:extLst>
+              <a:ext uri="{FF2B5EF4-FFF2-40B4-BE49-F238E27FC236}">
+                <a16:creationId xmlns:a16="http://schemas.microsoft.com/office/drawing/2014/main" id="{61840015-22A0-4634-A2DE-AA05F998FD3A}"/>
+              </a:ext>
+            </a:extLst>
+          </p:cNvPr>
+          <p:cNvPicPr>
+            <a:picLocks noChangeAspect="1" noChangeArrowheads="1"/>
+          </p:cNvPicPr>
+          <p:nvPr/>
+        </p:nvPicPr>
+        <p:blipFill>
+          <a:blip r:embed="rId5">
+            <a:extLst>
+              <a:ext uri="{28A0092B-C50C-407E-A947-70E740481C1C}">
+                <a14:useLocalDpi xmlns:a14="http://schemas.microsoft.com/office/drawing/2010/main" val="0"/>
+              </a:ext>
+            </a:extLst>
+          </a:blip>
+          <a:srcRect/>
+          <a:stretch>
+            <a:fillRect/>
+          </a:stretch>
+        </p:blipFill>
+        <p:spPr bwMode="auto">
+          <a:xfrm>
+            <a:off x="10230336" y="879673"/>
+            <a:ext cx="838200" cy="295275"/>
+          </a:xfrm>
+          <a:prstGeom prst="rect">
+            <a:avLst/>
+          </a:prstGeom>
+          <a:noFill/>
+          <a:extLst>
+            <a:ext uri="{909E8E84-426E-40DD-AFC4-6F175D3DCCD1}">
+              <a14:hiddenFill xmlns:a14="http://schemas.microsoft.com/office/drawing/2010/main">
+                <a:solidFill>
+                  <a:srgbClr val="FFFFFF"/>
+                </a:solidFill>
+              </a14:hiddenFill>
+            </a:ext>
+          </a:extLst>
+        </p:spPr>
+      </p:pic>
     </p:spTree>
     <p:extLst>
       <p:ext uri="{BB962C8B-B14F-4D97-AF65-F5344CB8AC3E}">
-        <p14:creationId xmlns:p14="http://schemas.microsoft.com/office/powerpoint/2010/main" val="3036165320"/>
+        <p14:creationId xmlns:p14="http://schemas.microsoft.com/office/powerpoint/2010/main" val="978726433"/>
       </p:ext>
     </p:extLst>
   </p:cSld>
@@ -9627,6 +9865,181 @@
 </file>
 
 <file path=ppt/slides/slide20.xml><?xml version="1.0" encoding="utf-8"?>
+<p:sld xmlns:a="http://schemas.openxmlformats.org/drawingml/2006/main" xmlns:r="http://schemas.openxmlformats.org/officeDocument/2006/relationships" xmlns:p="http://schemas.openxmlformats.org/presentationml/2006/main">
+  <p:cSld>
+    <p:spTree>
+      <p:nvGrpSpPr>
+        <p:cNvPr id="1" name=""/>
+        <p:cNvGrpSpPr/>
+        <p:nvPr/>
+      </p:nvGrpSpPr>
+      <p:grpSpPr>
+        <a:xfrm>
+          <a:off x="0" y="0"/>
+          <a:ext cx="0" cy="0"/>
+          <a:chOff x="0" y="0"/>
+          <a:chExt cx="0" cy="0"/>
+        </a:xfrm>
+      </p:grpSpPr>
+      <p:sp>
+        <p:nvSpPr>
+          <p:cNvPr id="2" name="Title 1">
+            <a:extLst>
+              <a:ext uri="{FF2B5EF4-FFF2-40B4-BE49-F238E27FC236}">
+                <a16:creationId xmlns:a16="http://schemas.microsoft.com/office/drawing/2014/main" id="{AE065790-4FFF-A93D-2B74-AAFA4028C68D}"/>
+              </a:ext>
+            </a:extLst>
+          </p:cNvPr>
+          <p:cNvSpPr>
+            <a:spLocks noGrp="1"/>
+          </p:cNvSpPr>
+          <p:nvPr>
+            <p:ph type="title"/>
+          </p:nvPr>
+        </p:nvSpPr>
+        <p:spPr/>
+        <p:txBody>
+          <a:bodyPr/>
+          <a:lstStyle/>
+          <a:p>
+            <a:r>
+              <a:rPr lang="en-US" dirty="0"/>
+              <a:t>Pull request as a “filtered” notebook entry</a:t>
+            </a:r>
+          </a:p>
+        </p:txBody>
+      </p:sp>
+      <p:sp>
+        <p:nvSpPr>
+          <p:cNvPr id="3" name="Content Placeholder 2">
+            <a:extLst>
+              <a:ext uri="{FF2B5EF4-FFF2-40B4-BE49-F238E27FC236}">
+                <a16:creationId xmlns:a16="http://schemas.microsoft.com/office/drawing/2014/main" id="{16752DD2-A8C1-142A-ADF4-A061E5E58937}"/>
+              </a:ext>
+            </a:extLst>
+          </p:cNvPr>
+          <p:cNvSpPr>
+            <a:spLocks noGrp="1"/>
+          </p:cNvSpPr>
+          <p:nvPr>
+            <p:ph idx="1"/>
+          </p:nvPr>
+        </p:nvSpPr>
+        <p:spPr>
+          <a:xfrm>
+            <a:off x="365760" y="1079469"/>
+            <a:ext cx="11369809" cy="4047778"/>
+          </a:xfrm>
+        </p:spPr>
+        <p:txBody>
+          <a:bodyPr/>
+          <a:lstStyle/>
+          <a:p>
+            <a:r>
+              <a:rPr lang="en-US" dirty="0"/>
+              <a:t>A pull request is an aggregation of commits to a git repo</a:t>
+            </a:r>
+          </a:p>
+          <a:p>
+            <a:pPr lvl="1"/>
+            <a:r>
+              <a:rPr lang="en-US" dirty="0"/>
+              <a:t>Individual commits are linked to the pull request</a:t>
+            </a:r>
+          </a:p>
+          <a:p>
+            <a:r>
+              <a:rPr lang="en-US" dirty="0">
+                <a:solidFill>
+                  <a:schemeClr val="tx2"/>
+                </a:solidFill>
+              </a:rPr>
+              <a:t>The PR allows for additional content that’s distinct from the individual commits</a:t>
+            </a:r>
+          </a:p>
+          <a:p>
+            <a:r>
+              <a:rPr lang="en-US" dirty="0"/>
+              <a:t>Use PR description to record process to verify correctness of changes</a:t>
+            </a:r>
+          </a:p>
+          <a:p>
+            <a:pPr lvl="1"/>
+            <a:r>
+              <a:rPr lang="en-US" dirty="0"/>
+              <a:t>2-2.5 days effort carried out over a week</a:t>
+            </a:r>
+          </a:p>
+          <a:p>
+            <a:pPr lvl="1"/>
+            <a:r>
+              <a:rPr lang="en-US" dirty="0"/>
+              <a:t>Copy/pasted from previous PR and adapted first (designed process)</a:t>
+            </a:r>
+          </a:p>
+          <a:p>
+            <a:pPr lvl="1"/>
+            <a:r>
+              <a:rPr lang="en-US" dirty="0"/>
+              <a:t>Improved as carried out process – converging on a quasi-procedure</a:t>
+            </a:r>
+          </a:p>
+          <a:p>
+            <a:pPr lvl="1"/>
+            <a:r>
+              <a:rPr lang="en-US" dirty="0"/>
+              <a:t>Filtered so that reviewers aren’t overwhelmed</a:t>
+            </a:r>
+          </a:p>
+          <a:p>
+            <a:pPr lvl="1"/>
+            <a:r>
+              <a:rPr lang="en-US" dirty="0"/>
+              <a:t>Helped organize effort &amp; design good tests</a:t>
+            </a:r>
+          </a:p>
+          <a:p>
+            <a:r>
+              <a:rPr lang="en-US" dirty="0"/>
+              <a:t>Additional benefits</a:t>
+            </a:r>
+          </a:p>
+          <a:p>
+            <a:pPr lvl="1"/>
+            <a:r>
+              <a:rPr lang="en-US" dirty="0"/>
+              <a:t>Senior reviewers provide feedback &amp; suggest improvements</a:t>
+            </a:r>
+          </a:p>
+          <a:p>
+            <a:pPr lvl="1"/>
+            <a:r>
+              <a:rPr lang="en-US" dirty="0"/>
+              <a:t>Junior reviewers exposed to work habits of other people</a:t>
+            </a:r>
+          </a:p>
+          <a:p>
+            <a:r>
+              <a:rPr lang="en-US" dirty="0"/>
+              <a:t>Example: Flash-X PR #247 on next slide</a:t>
+            </a:r>
+          </a:p>
+        </p:txBody>
+      </p:sp>
+    </p:spTree>
+    <p:extLst>
+      <p:ext uri="{BB962C8B-B14F-4D97-AF65-F5344CB8AC3E}">
+        <p14:creationId xmlns:p14="http://schemas.microsoft.com/office/powerpoint/2010/main" val="1212233571"/>
+      </p:ext>
+    </p:extLst>
+  </p:cSld>
+  <p:clrMapOvr>
+    <a:masterClrMapping/>
+  </p:clrMapOvr>
+</p:sld>
+</file>
+
+<file path=ppt/slides/slide21.xml><?xml version="1.0" encoding="utf-8"?>
 <p:sld xmlns:a="http://schemas.openxmlformats.org/drawingml/2006/main" xmlns:r="http://schemas.openxmlformats.org/officeDocument/2006/relationships" xmlns:p="http://schemas.openxmlformats.org/presentationml/2006/main">
   <p:cSld>
     <p:spTree>
@@ -9759,7 +10172,7 @@
 </p:sld>
 </file>
 
-<file path=ppt/slides/slide21.xml><?xml version="1.0" encoding="utf-8"?>
+<file path=ppt/slides/slide22.xml><?xml version="1.0" encoding="utf-8"?>
 <p:sld xmlns:a="http://schemas.openxmlformats.org/drawingml/2006/main" xmlns:r="http://schemas.openxmlformats.org/officeDocument/2006/relationships" xmlns:p="http://schemas.openxmlformats.org/presentationml/2006/main">
   <p:cSld>
     <p:spTree>
@@ -9878,7 +10291,7 @@
 </p:sld>
 </file>
 
-<file path=ppt/slides/slide22.xml><?xml version="1.0" encoding="utf-8"?>
+<file path=ppt/slides/slide23.xml><?xml version="1.0" encoding="utf-8"?>
 <p:sld xmlns:a="http://schemas.openxmlformats.org/drawingml/2006/main" xmlns:r="http://schemas.openxmlformats.org/officeDocument/2006/relationships" xmlns:p="http://schemas.openxmlformats.org/presentationml/2006/main">
   <p:cSld>
     <p:spTree>
@@ -9971,7 +10384,7 @@
 </p:sld>
 </file>
 
-<file path=ppt/slides/slide23.xml><?xml version="1.0" encoding="utf-8"?>
+<file path=ppt/slides/slide24.xml><?xml version="1.0" encoding="utf-8"?>
 <p:sld xmlns:a="http://schemas.openxmlformats.org/drawingml/2006/main" xmlns:r="http://schemas.openxmlformats.org/officeDocument/2006/relationships" xmlns:p="http://schemas.openxmlformats.org/presentationml/2006/main">
   <p:cSld>
     <p:spTree>
@@ -10064,142 +10477,6 @@
 </p:sld>
 </file>
 
-<file path=ppt/slides/slide24.xml><?xml version="1.0" encoding="utf-8"?>
-<p:sld xmlns:a="http://schemas.openxmlformats.org/drawingml/2006/main" xmlns:r="http://schemas.openxmlformats.org/officeDocument/2006/relationships" xmlns:p="http://schemas.openxmlformats.org/presentationml/2006/main">
-  <p:cSld>
-    <p:spTree>
-      <p:nvGrpSpPr>
-        <p:cNvPr id="1" name=""/>
-        <p:cNvGrpSpPr/>
-        <p:nvPr/>
-      </p:nvGrpSpPr>
-      <p:grpSpPr>
-        <a:xfrm>
-          <a:off x="0" y="0"/>
-          <a:ext cx="0" cy="0"/>
-          <a:chOff x="0" y="0"/>
-          <a:chExt cx="0" cy="0"/>
-        </a:xfrm>
-      </p:grpSpPr>
-      <p:sp>
-        <p:nvSpPr>
-          <p:cNvPr id="2" name="Title 1">
-            <a:extLst>
-              <a:ext uri="{FF2B5EF4-FFF2-40B4-BE49-F238E27FC236}">
-                <a16:creationId xmlns:a16="http://schemas.microsoft.com/office/drawing/2014/main" id="{6B5E1852-3656-C951-2EBF-E42F0C05DC1E}"/>
-              </a:ext>
-            </a:extLst>
-          </p:cNvPr>
-          <p:cNvSpPr>
-            <a:spLocks noGrp="1"/>
-          </p:cNvSpPr>
-          <p:nvPr>
-            <p:ph type="title"/>
-          </p:nvPr>
-        </p:nvSpPr>
-        <p:spPr/>
-        <p:txBody>
-          <a:bodyPr/>
-          <a:lstStyle/>
-          <a:p>
-            <a:r>
-              <a:rPr lang="en-US" dirty="0"/>
-              <a:t>Capturing data context &amp; metadata</a:t>
-            </a:r>
-          </a:p>
-        </p:txBody>
-      </p:sp>
-      <p:sp>
-        <p:nvSpPr>
-          <p:cNvPr id="3" name="Content Placeholder 2">
-            <a:extLst>
-              <a:ext uri="{FF2B5EF4-FFF2-40B4-BE49-F238E27FC236}">
-                <a16:creationId xmlns:a16="http://schemas.microsoft.com/office/drawing/2014/main" id="{E77B46AA-44D3-F27C-F535-2F68FAE575D0}"/>
-              </a:ext>
-            </a:extLst>
-          </p:cNvPr>
-          <p:cNvSpPr>
-            <a:spLocks noGrp="1"/>
-          </p:cNvSpPr>
-          <p:nvPr>
-            <p:ph idx="1"/>
-          </p:nvPr>
-        </p:nvSpPr>
-        <p:spPr/>
-        <p:txBody>
-          <a:bodyPr/>
-          <a:lstStyle/>
-          <a:p>
-            <a:r>
-              <a:rPr lang="en-US" dirty="0"/>
-              <a:t>Automate as much as possible</a:t>
-            </a:r>
-          </a:p>
-          <a:p>
-            <a:r>
-              <a:rPr lang="en-US" dirty="0"/>
-              <a:t>Build dates, user, system name, git hashes, configuration data in file headers</a:t>
-            </a:r>
-          </a:p>
-          <a:p>
-            <a:pPr lvl="1"/>
-            <a:r>
-              <a:rPr lang="en-US" dirty="0"/>
-              <a:t>Self-documenting files</a:t>
-            </a:r>
-          </a:p>
-          <a:p>
-            <a:r>
-              <a:rPr lang="en-US" dirty="0"/>
-              <a:t>Build &amp; job logs</a:t>
-            </a:r>
-          </a:p>
-          <a:p>
-            <a:pPr lvl="1"/>
-            <a:r>
-              <a:rPr lang="en-US" dirty="0"/>
-              <a:t>Software environment info (e.g., modules, </a:t>
-            </a:r>
-            <a:r>
-              <a:rPr lang="en-US" dirty="0" err="1">
-                <a:latin typeface="American Typewriter" panose="02090604020004020304"/>
-              </a:rPr>
-              <a:t>ldd</a:t>
-            </a:r>
-            <a:r>
-              <a:rPr lang="en-US" dirty="0"/>
-              <a:t> output)</a:t>
-            </a:r>
-          </a:p>
-          <a:p>
-            <a:pPr lvl="1"/>
-            <a:r>
-              <a:rPr lang="en-US" dirty="0"/>
-              <a:t>git diffs</a:t>
-            </a:r>
-          </a:p>
-          <a:p>
-            <a:pPr lvl="1"/>
-            <a:r>
-              <a:rPr lang="en-US" dirty="0"/>
-              <a:t>Environment variables</a:t>
-            </a:r>
-          </a:p>
-        </p:txBody>
-      </p:sp>
-    </p:spTree>
-    <p:extLst>
-      <p:ext uri="{BB962C8B-B14F-4D97-AF65-F5344CB8AC3E}">
-        <p14:creationId xmlns:p14="http://schemas.microsoft.com/office/powerpoint/2010/main" val="3023913539"/>
-      </p:ext>
-    </p:extLst>
-  </p:cSld>
-  <p:clrMapOvr>
-    <a:masterClrMapping/>
-  </p:clrMapOvr>
-</p:sld>
-</file>
-
 <file path=ppt/slides/slide25.xml><?xml version="1.0" encoding="utf-8"?>
 <p:sld xmlns:a="http://schemas.openxmlformats.org/drawingml/2006/main" xmlns:r="http://schemas.openxmlformats.org/officeDocument/2006/relationships" xmlns:p="http://schemas.openxmlformats.org/presentationml/2006/main">
   <p:cSld>
@@ -10222,7 +10499,7 @@
           <p:cNvPr id="2" name="Title 1">
             <a:extLst>
               <a:ext uri="{FF2B5EF4-FFF2-40B4-BE49-F238E27FC236}">
-                <a16:creationId xmlns:a16="http://schemas.microsoft.com/office/drawing/2014/main" id="{982A7D5F-8954-D467-6CF2-B5D266517268}"/>
+                <a16:creationId xmlns:a16="http://schemas.microsoft.com/office/drawing/2014/main" id="{6B5E1852-3656-C951-2EBF-E42F0C05DC1E}"/>
               </a:ext>
             </a:extLst>
           </p:cNvPr>
@@ -10239,12 +10516,8 @@
           <a:lstStyle/>
           <a:p>
             <a:r>
-              <a:rPr lang="en-US" dirty="0" err="1"/>
-              <a:t>Jupyter</a:t>
-            </a:r>
-            <a:r>
-              <a:rPr lang="en-US" dirty="0"/>
-              <a:t> notebooks</a:t>
+              <a:rPr lang="en-US" dirty="0"/>
+              <a:t>Capturing data context &amp; metadata</a:t>
             </a:r>
           </a:p>
         </p:txBody>
@@ -10254,7 +10527,7 @@
           <p:cNvPr id="3" name="Content Placeholder 2">
             <a:extLst>
               <a:ext uri="{FF2B5EF4-FFF2-40B4-BE49-F238E27FC236}">
-                <a16:creationId xmlns:a16="http://schemas.microsoft.com/office/drawing/2014/main" id="{E1076D7A-4C21-B8C1-0B36-BC5C121B7E20}"/>
+                <a16:creationId xmlns:a16="http://schemas.microsoft.com/office/drawing/2014/main" id="{E77B46AA-44D3-F27C-F535-2F68FAE575D0}"/>
               </a:ext>
             </a:extLst>
           </p:cNvPr>
@@ -10271,112 +10544,58 @@
           <a:lstStyle/>
           <a:p>
             <a:r>
-              <a:rPr lang="en-US" dirty="0" err="1"/>
-              <a:t>Jupyter</a:t>
-            </a:r>
-            <a:r>
-              <a:rPr lang="en-US" dirty="0"/>
-              <a:t> notebook can put context &amp; metadata next to data</a:t>
+              <a:rPr lang="en-US" dirty="0"/>
+              <a:t>Automate as much as possible</a:t>
+            </a:r>
+          </a:p>
+          <a:p>
+            <a:r>
+              <a:rPr lang="en-US" dirty="0"/>
+              <a:t>Build dates, user, system name, git hashes, configuration data in file headers</a:t>
             </a:r>
           </a:p>
           <a:p>
             <a:pPr lvl="1"/>
             <a:r>
               <a:rPr lang="en-US" dirty="0"/>
-              <a:t>High-level design &amp; motivation up top</a:t>
+              <a:t>Self-documenting files</a:t>
+            </a:r>
+          </a:p>
+          <a:p>
+            <a:r>
+              <a:rPr lang="en-US" dirty="0"/>
+              <a:t>Build &amp; job logs</a:t>
             </a:r>
           </a:p>
           <a:p>
             <a:pPr lvl="1"/>
             <a:r>
               <a:rPr lang="en-US" dirty="0"/>
-              <a:t>Low-level lab notes for acquiring data</a:t>
+              <a:t>Software environment info (e.g., modules, </a:t>
+            </a:r>
+            <a:r>
+              <a:rPr lang="en-US" dirty="0" err="1">
+                <a:latin typeface="American Typewriter" panose="02090604020004020304"/>
+              </a:rPr>
+              <a:t>ldd</a:t>
+            </a:r>
+            <a:r>
+              <a:rPr lang="en-US" dirty="0"/>
+              <a:t> output)</a:t>
             </a:r>
           </a:p>
           <a:p>
             <a:pPr lvl="1"/>
             <a:r>
               <a:rPr lang="en-US" dirty="0"/>
-              <a:t>Load &amp; use data</a:t>
+              <a:t>git diffs</a:t>
             </a:r>
           </a:p>
           <a:p>
             <a:pPr lvl="1"/>
             <a:r>
               <a:rPr lang="en-US" dirty="0"/>
-              <a:t>Generate visualizations in place</a:t>
-            </a:r>
-          </a:p>
-          <a:p>
-            <a:pPr lvl="1"/>
-            <a:r>
-              <a:rPr lang="en-US" dirty="0"/>
-              <a:t>Comment on results</a:t>
-            </a:r>
-          </a:p>
-          <a:p>
-            <a:r>
-              <a:rPr lang="en-US" dirty="0"/>
-              <a:t>Where do notebooks fit into the documentation hierarchy?</a:t>
-            </a:r>
-          </a:p>
-          <a:p>
-            <a:r>
-              <a:rPr lang="en-US" dirty="0"/>
-              <a:t>Repetitive use of notebook?</a:t>
-            </a:r>
-          </a:p>
-          <a:p>
-            <a:pPr lvl="1"/>
-            <a:r>
-              <a:rPr lang="en-US" dirty="0"/>
-              <a:t>Limit amount of code in notebook</a:t>
-            </a:r>
-          </a:p>
-          <a:p>
-            <a:pPr marL="0" indent="0">
-              <a:buNone/>
-            </a:pPr>
-            <a:endParaRPr lang="en-US" dirty="0"/>
-          </a:p>
-        </p:txBody>
-      </p:sp>
-      <p:sp>
-        <p:nvSpPr>
-          <p:cNvPr id="4" name="Text Placeholder 3">
-            <a:extLst>
-              <a:ext uri="{FF2B5EF4-FFF2-40B4-BE49-F238E27FC236}">
-                <a16:creationId xmlns:a16="http://schemas.microsoft.com/office/drawing/2014/main" id="{6A0893C9-E9DD-4083-137F-7A971294B14D}"/>
-              </a:ext>
-            </a:extLst>
-          </p:cNvPr>
-          <p:cNvSpPr>
-            <a:spLocks noGrp="1"/>
-          </p:cNvSpPr>
-          <p:nvPr>
-            <p:ph type="body" sz="quarter" idx="4294967295"/>
-          </p:nvPr>
-        </p:nvSpPr>
-        <p:spPr>
-          <a:xfrm>
-            <a:off x="365760" y="1019393"/>
-            <a:ext cx="11160125" cy="500063"/>
-          </a:xfrm>
-        </p:spPr>
-        <p:txBody>
-          <a:bodyPr/>
-          <a:lstStyle/>
-          <a:p>
-            <a:pPr marL="0" indent="0">
-              <a:buNone/>
-            </a:pPr>
-            <a:r>
-              <a:rPr lang="en-US" b="1" dirty="0">
-                <a:solidFill>
-                  <a:schemeClr val="tx2"/>
-                </a:solidFill>
-              </a:rPr>
-              <a:t>The exception to the rule?</a:t>
+              <a:t>Environment variables</a:t>
             </a:r>
           </a:p>
         </p:txBody>
@@ -10384,7 +10603,7 @@
     </p:spTree>
     <p:extLst>
       <p:ext uri="{BB962C8B-B14F-4D97-AF65-F5344CB8AC3E}">
-        <p14:creationId xmlns:p14="http://schemas.microsoft.com/office/powerpoint/2010/main" val="3842434103"/>
+        <p14:creationId xmlns:p14="http://schemas.microsoft.com/office/powerpoint/2010/main" val="3023913539"/>
       </p:ext>
     </p:extLst>
   </p:cSld>
@@ -10416,7 +10635,7 @@
           <p:cNvPr id="2" name="Title 1">
             <a:extLst>
               <a:ext uri="{FF2B5EF4-FFF2-40B4-BE49-F238E27FC236}">
-                <a16:creationId xmlns:a16="http://schemas.microsoft.com/office/drawing/2014/main" id="{A02A5748-338E-6BEC-6A08-75FF57B258D4}"/>
+                <a16:creationId xmlns:a16="http://schemas.microsoft.com/office/drawing/2014/main" id="{982A7D5F-8954-D467-6CF2-B5D266517268}"/>
               </a:ext>
             </a:extLst>
           </p:cNvPr>
@@ -10433,8 +10652,12 @@
           <a:lstStyle/>
           <a:p>
             <a:r>
-              <a:rPr lang="en-US" dirty="0"/>
-              <a:t>How to organize your “virtual” (multi-stream) lab notebook?</a:t>
+              <a:rPr lang="en-US" dirty="0" err="1"/>
+              <a:t>Jupyter</a:t>
+            </a:r>
+            <a:r>
+              <a:rPr lang="en-US" dirty="0"/>
+              <a:t> notebooks</a:t>
             </a:r>
           </a:p>
         </p:txBody>
@@ -10444,7 +10667,7 @@
           <p:cNvPr id="3" name="Content Placeholder 2">
             <a:extLst>
               <a:ext uri="{FF2B5EF4-FFF2-40B4-BE49-F238E27FC236}">
-                <a16:creationId xmlns:a16="http://schemas.microsoft.com/office/drawing/2014/main" id="{97FF6560-002E-5313-38E2-48F067135E52}"/>
+                <a16:creationId xmlns:a16="http://schemas.microsoft.com/office/drawing/2014/main" id="{E1076D7A-4C21-B8C1-0B36-BC5C121B7E20}"/>
               </a:ext>
             </a:extLst>
           </p:cNvPr>
@@ -10455,105 +10678,126 @@
             <p:ph idx="1"/>
           </p:nvPr>
         </p:nvSpPr>
+        <p:spPr/>
+        <p:txBody>
+          <a:bodyPr/>
+          <a:lstStyle/>
+          <a:p>
+            <a:r>
+              <a:rPr lang="en-US" dirty="0" err="1"/>
+              <a:t>Jupyter</a:t>
+            </a:r>
+            <a:r>
+              <a:rPr lang="en-US" dirty="0"/>
+              <a:t> notebook can put context &amp; metadata next to data</a:t>
+            </a:r>
+          </a:p>
+          <a:p>
+            <a:pPr lvl="1"/>
+            <a:r>
+              <a:rPr lang="en-US" dirty="0"/>
+              <a:t>High-level design &amp; motivation up top</a:t>
+            </a:r>
+          </a:p>
+          <a:p>
+            <a:pPr lvl="1"/>
+            <a:r>
+              <a:rPr lang="en-US" dirty="0"/>
+              <a:t>Low-level lab notes for acquiring data</a:t>
+            </a:r>
+          </a:p>
+          <a:p>
+            <a:pPr lvl="1"/>
+            <a:r>
+              <a:rPr lang="en-US" dirty="0"/>
+              <a:t>Load &amp; use data</a:t>
+            </a:r>
+          </a:p>
+          <a:p>
+            <a:pPr lvl="1"/>
+            <a:r>
+              <a:rPr lang="en-US" dirty="0"/>
+              <a:t>Generate visualizations in place</a:t>
+            </a:r>
+          </a:p>
+          <a:p>
+            <a:pPr lvl="1"/>
+            <a:r>
+              <a:rPr lang="en-US" dirty="0"/>
+              <a:t>Comment on results</a:t>
+            </a:r>
+          </a:p>
+          <a:p>
+            <a:r>
+              <a:rPr lang="en-US" dirty="0"/>
+              <a:t>Where do notebooks fit into the documentation hierarchy?</a:t>
+            </a:r>
+          </a:p>
+          <a:p>
+            <a:r>
+              <a:rPr lang="en-US" dirty="0"/>
+              <a:t>Repetitive use of notebook?</a:t>
+            </a:r>
+          </a:p>
+          <a:p>
+            <a:pPr lvl="1"/>
+            <a:r>
+              <a:rPr lang="en-US" dirty="0"/>
+              <a:t>Limit amount of code in notebook</a:t>
+            </a:r>
+          </a:p>
+          <a:p>
+            <a:pPr marL="0" indent="0">
+              <a:buNone/>
+            </a:pPr>
+            <a:endParaRPr lang="en-US" dirty="0"/>
+          </a:p>
+        </p:txBody>
+      </p:sp>
+      <p:sp>
+        <p:nvSpPr>
+          <p:cNvPr id="4" name="Text Placeholder 3">
+            <a:extLst>
+              <a:ext uri="{FF2B5EF4-FFF2-40B4-BE49-F238E27FC236}">
+                <a16:creationId xmlns:a16="http://schemas.microsoft.com/office/drawing/2014/main" id="{6A0893C9-E9DD-4083-137F-7A971294B14D}"/>
+              </a:ext>
+            </a:extLst>
+          </p:cNvPr>
+          <p:cNvSpPr>
+            <a:spLocks noGrp="1"/>
+          </p:cNvSpPr>
+          <p:nvPr>
+            <p:ph type="body" sz="quarter" idx="4294967295"/>
+          </p:nvPr>
+        </p:nvSpPr>
         <p:spPr>
           <a:xfrm>
-            <a:off x="365760" y="1233504"/>
-            <a:ext cx="11369809" cy="4047778"/>
+            <a:off x="365760" y="1019393"/>
+            <a:ext cx="11160125" cy="500063"/>
           </a:xfrm>
         </p:spPr>
         <p:txBody>
           <a:bodyPr/>
           <a:lstStyle/>
           <a:p>
-            <a:r>
-              <a:rPr lang="en-US" dirty="0"/>
-              <a:t>It should be</a:t>
-            </a:r>
-          </a:p>
-          <a:p>
-            <a:pPr lvl="1"/>
-            <a:r>
-              <a:rPr lang="en-US" dirty="0"/>
-              <a:t>Easy to create and maintain lab notes</a:t>
-            </a:r>
-          </a:p>
-          <a:p>
-            <a:pPr lvl="1"/>
-            <a:r>
-              <a:rPr lang="en-US" dirty="0"/>
-              <a:t>Easy to concentrate more on executing work &amp; less on documenting it</a:t>
-            </a:r>
-          </a:p>
-          <a:p>
-            <a:pPr lvl="1"/>
-            <a:r>
-              <a:rPr lang="en-US" dirty="0"/>
-              <a:t>Easy to find what you need</a:t>
-            </a:r>
-          </a:p>
-          <a:p>
-            <a:r>
-              <a:rPr lang="en-US" dirty="0"/>
-              <a:t>Each stream should</a:t>
-            </a:r>
-          </a:p>
-          <a:p>
-            <a:pPr lvl="1"/>
-            <a:r>
-              <a:rPr lang="en-US" dirty="0"/>
-              <a:t>Have a clear identity for what it records</a:t>
-            </a:r>
-          </a:p>
-          <a:p>
-            <a:pPr lvl="1"/>
-            <a:r>
-              <a:rPr lang="en-US" dirty="0"/>
-              <a:t>Not contain notes contained in other streams</a:t>
-            </a:r>
-          </a:p>
-          <a:p>
-            <a:pPr lvl="1"/>
-            <a:r>
-              <a:rPr lang="en-US" dirty="0"/>
-              <a:t>Be recorded by using the right tool for the job</a:t>
-            </a:r>
-          </a:p>
-          <a:p>
-            <a:pPr marL="378788" lvl="1" indent="0">
+            <a:pPr marL="0" indent="0">
               <a:buNone/>
             </a:pPr>
-            <a:endParaRPr lang="en-US" dirty="0"/>
-          </a:p>
-          <a:p>
-            <a:pPr marL="378788" lvl="1" indent="0" algn="ctr">
-              <a:buNone/>
-            </a:pPr>
-            <a:r>
-              <a:rPr lang="en-US" sz="2400" dirty="0"/>
-              <a:t>This implies the need for a documentation scheme.</a:t>
-            </a:r>
-          </a:p>
-          <a:p>
-            <a:pPr marL="378788" lvl="1" indent="0" algn="ctr">
-              <a:buNone/>
-            </a:pPr>
-            <a:r>
-              <a:rPr lang="en-US" sz="2400" dirty="0"/>
-              <a:t>Consider: design your lab notebooks into a larger execution environment.</a:t>
-            </a:r>
-          </a:p>
-          <a:p>
-            <a:pPr marL="378788" lvl="1" indent="0">
-              <a:buNone/>
-            </a:pPr>
-            <a:endParaRPr lang="en-US" dirty="0"/>
+            <a:r>
+              <a:rPr lang="en-US" b="1" dirty="0">
+                <a:solidFill>
+                  <a:schemeClr val="tx2"/>
+                </a:solidFill>
+              </a:rPr>
+              <a:t>The exception to the rule?</a:t>
+            </a:r>
           </a:p>
         </p:txBody>
       </p:sp>
     </p:spTree>
     <p:extLst>
       <p:ext uri="{BB962C8B-B14F-4D97-AF65-F5344CB8AC3E}">
-        <p14:creationId xmlns:p14="http://schemas.microsoft.com/office/powerpoint/2010/main" val="2397909454"/>
+        <p14:creationId xmlns:p14="http://schemas.microsoft.com/office/powerpoint/2010/main" val="3842434103"/>
       </p:ext>
     </p:extLst>
   </p:cSld>
@@ -10585,6 +10829,175 @@
           <p:cNvPr id="2" name="Title 1">
             <a:extLst>
               <a:ext uri="{FF2B5EF4-FFF2-40B4-BE49-F238E27FC236}">
+                <a16:creationId xmlns:a16="http://schemas.microsoft.com/office/drawing/2014/main" id="{A02A5748-338E-6BEC-6A08-75FF57B258D4}"/>
+              </a:ext>
+            </a:extLst>
+          </p:cNvPr>
+          <p:cNvSpPr>
+            <a:spLocks noGrp="1"/>
+          </p:cNvSpPr>
+          <p:nvPr>
+            <p:ph type="title"/>
+          </p:nvPr>
+        </p:nvSpPr>
+        <p:spPr/>
+        <p:txBody>
+          <a:bodyPr/>
+          <a:lstStyle/>
+          <a:p>
+            <a:r>
+              <a:rPr lang="en-US" dirty="0"/>
+              <a:t>How to organize your “virtual” (multi-stream) lab notebook?</a:t>
+            </a:r>
+          </a:p>
+        </p:txBody>
+      </p:sp>
+      <p:sp>
+        <p:nvSpPr>
+          <p:cNvPr id="3" name="Content Placeholder 2">
+            <a:extLst>
+              <a:ext uri="{FF2B5EF4-FFF2-40B4-BE49-F238E27FC236}">
+                <a16:creationId xmlns:a16="http://schemas.microsoft.com/office/drawing/2014/main" id="{97FF6560-002E-5313-38E2-48F067135E52}"/>
+              </a:ext>
+            </a:extLst>
+          </p:cNvPr>
+          <p:cNvSpPr>
+            <a:spLocks noGrp="1"/>
+          </p:cNvSpPr>
+          <p:nvPr>
+            <p:ph idx="1"/>
+          </p:nvPr>
+        </p:nvSpPr>
+        <p:spPr>
+          <a:xfrm>
+            <a:off x="365760" y="1233504"/>
+            <a:ext cx="11369809" cy="4047778"/>
+          </a:xfrm>
+        </p:spPr>
+        <p:txBody>
+          <a:bodyPr/>
+          <a:lstStyle/>
+          <a:p>
+            <a:r>
+              <a:rPr lang="en-US" dirty="0"/>
+              <a:t>It should be</a:t>
+            </a:r>
+          </a:p>
+          <a:p>
+            <a:pPr lvl="1"/>
+            <a:r>
+              <a:rPr lang="en-US" dirty="0"/>
+              <a:t>Easy to create and maintain lab notes</a:t>
+            </a:r>
+          </a:p>
+          <a:p>
+            <a:pPr lvl="1"/>
+            <a:r>
+              <a:rPr lang="en-US" dirty="0"/>
+              <a:t>Easy to concentrate more on executing work &amp; less on documenting it</a:t>
+            </a:r>
+          </a:p>
+          <a:p>
+            <a:pPr lvl="1"/>
+            <a:r>
+              <a:rPr lang="en-US" dirty="0"/>
+              <a:t>Easy to find what you need</a:t>
+            </a:r>
+          </a:p>
+          <a:p>
+            <a:r>
+              <a:rPr lang="en-US" dirty="0"/>
+              <a:t>Each stream should</a:t>
+            </a:r>
+          </a:p>
+          <a:p>
+            <a:pPr lvl="1"/>
+            <a:r>
+              <a:rPr lang="en-US" dirty="0"/>
+              <a:t>Have a clear identity for what it records</a:t>
+            </a:r>
+          </a:p>
+          <a:p>
+            <a:pPr lvl="1"/>
+            <a:r>
+              <a:rPr lang="en-US" dirty="0"/>
+              <a:t>Not contain notes contained in other streams</a:t>
+            </a:r>
+          </a:p>
+          <a:p>
+            <a:pPr lvl="1"/>
+            <a:r>
+              <a:rPr lang="en-US" dirty="0"/>
+              <a:t>Be recorded by using the right tool for the job</a:t>
+            </a:r>
+          </a:p>
+          <a:p>
+            <a:pPr marL="378788" lvl="1" indent="0">
+              <a:buNone/>
+            </a:pPr>
+            <a:endParaRPr lang="en-US" dirty="0"/>
+          </a:p>
+          <a:p>
+            <a:pPr marL="378788" lvl="1" indent="0" algn="ctr">
+              <a:buNone/>
+            </a:pPr>
+            <a:r>
+              <a:rPr lang="en-US" sz="2400" dirty="0"/>
+              <a:t>This implies the need for a documentation scheme.</a:t>
+            </a:r>
+          </a:p>
+          <a:p>
+            <a:pPr marL="378788" lvl="1" indent="0" algn="ctr">
+              <a:buNone/>
+            </a:pPr>
+            <a:r>
+              <a:rPr lang="en-US" sz="2400" dirty="0"/>
+              <a:t>Consider: design your lab notebooks into a larger execution environment.</a:t>
+            </a:r>
+          </a:p>
+          <a:p>
+            <a:pPr marL="378788" lvl="1" indent="0">
+              <a:buNone/>
+            </a:pPr>
+            <a:endParaRPr lang="en-US" dirty="0"/>
+          </a:p>
+        </p:txBody>
+      </p:sp>
+    </p:spTree>
+    <p:extLst>
+      <p:ext uri="{BB962C8B-B14F-4D97-AF65-F5344CB8AC3E}">
+        <p14:creationId xmlns:p14="http://schemas.microsoft.com/office/powerpoint/2010/main" val="2397909454"/>
+      </p:ext>
+    </p:extLst>
+  </p:cSld>
+  <p:clrMapOvr>
+    <a:masterClrMapping/>
+  </p:clrMapOvr>
+</p:sld>
+</file>
+
+<file path=ppt/slides/slide28.xml><?xml version="1.0" encoding="utf-8"?>
+<p:sld xmlns:a="http://schemas.openxmlformats.org/drawingml/2006/main" xmlns:r="http://schemas.openxmlformats.org/officeDocument/2006/relationships" xmlns:p="http://schemas.openxmlformats.org/presentationml/2006/main">
+  <p:cSld>
+    <p:spTree>
+      <p:nvGrpSpPr>
+        <p:cNvPr id="1" name=""/>
+        <p:cNvGrpSpPr/>
+        <p:nvPr/>
+      </p:nvGrpSpPr>
+      <p:grpSpPr>
+        <a:xfrm>
+          <a:off x="0" y="0"/>
+          <a:ext cx="0" cy="0"/>
+          <a:chOff x="0" y="0"/>
+          <a:chExt cx="0" cy="0"/>
+        </a:xfrm>
+      </p:grpSpPr>
+      <p:sp>
+        <p:nvSpPr>
+          <p:cNvPr id="2" name="Title 1">
+            <a:extLst>
+              <a:ext uri="{FF2B5EF4-FFF2-40B4-BE49-F238E27FC236}">
                 <a16:creationId xmlns:a16="http://schemas.microsoft.com/office/drawing/2014/main" id="{1FAC2A80-D3DC-977C-1FB0-0763FA18DCA5}"/>
               </a:ext>
             </a:extLst>
@@ -10705,7 +11118,7 @@
 </p:sld>
 </file>
 
-<file path=ppt/slides/slide28.xml><?xml version="1.0" encoding="utf-8"?>
+<file path=ppt/slides/slide29.xml><?xml version="1.0" encoding="utf-8"?>
 <p:sld xmlns:a="http://schemas.openxmlformats.org/drawingml/2006/main" xmlns:r="http://schemas.openxmlformats.org/officeDocument/2006/relationships" xmlns:p="http://schemas.openxmlformats.org/presentationml/2006/main">
   <p:cSld>
     <p:spTree>
@@ -11183,6 +11596,119 @@
           <p:cNvPr id="2" name="Title 1">
             <a:extLst>
               <a:ext uri="{FF2B5EF4-FFF2-40B4-BE49-F238E27FC236}">
+                <a16:creationId xmlns:a16="http://schemas.microsoft.com/office/drawing/2014/main" id="{F35627EA-0A9D-2FF7-2CBF-461CD73F1D60}"/>
+              </a:ext>
+            </a:extLst>
+          </p:cNvPr>
+          <p:cNvSpPr>
+            <a:spLocks noGrp="1"/>
+          </p:cNvSpPr>
+          <p:nvPr>
+            <p:ph type="title"/>
+          </p:nvPr>
+        </p:nvSpPr>
+        <p:spPr/>
+        <p:txBody>
+          <a:bodyPr/>
+          <a:lstStyle/>
+          <a:p>
+            <a:r>
+              <a:rPr lang="en-US" dirty="0"/>
+              <a:t>A minimal definition of a lab notebook</a:t>
+            </a:r>
+          </a:p>
+        </p:txBody>
+      </p:sp>
+      <p:sp>
+        <p:nvSpPr>
+          <p:cNvPr id="4" name="Content Placeholder 2">
+            <a:extLst>
+              <a:ext uri="{FF2B5EF4-FFF2-40B4-BE49-F238E27FC236}">
+                <a16:creationId xmlns:a16="http://schemas.microsoft.com/office/drawing/2014/main" id="{5A1F561D-C93C-67C0-49AE-92C353A04E25}"/>
+              </a:ext>
+            </a:extLst>
+          </p:cNvPr>
+          <p:cNvSpPr>
+            <a:spLocks noGrp="1"/>
+          </p:cNvSpPr>
+          <p:nvPr>
+            <p:ph idx="1"/>
+          </p:nvPr>
+        </p:nvSpPr>
+        <p:spPr/>
+        <p:txBody>
+          <a:bodyPr/>
+          <a:lstStyle/>
+          <a:p>
+            <a:pPr marL="0" indent="0">
+              <a:buNone/>
+            </a:pPr>
+            <a:r>
+              <a:rPr lang="en-US" dirty="0"/>
+              <a:t>A goal of keeping a lab notebook is "...to write with enough detail and clarity that another scientist could pick up the notebook at some time in the future, repeat the work based on the written descriptions, and make the same observations that were originally recorded. If this guideline is followed, even the original author will be able to understand the notes when looking back on them after considerable time has passed!”</a:t>
+            </a:r>
+          </a:p>
+          <a:p>
+            <a:pPr marL="0" indent="0">
+              <a:buNone/>
+            </a:pPr>
+            <a:r>
+              <a:rPr lang="en-US" dirty="0"/>
+              <a:t>	- Howard </a:t>
+            </a:r>
+            <a:r>
+              <a:rPr lang="en-US" dirty="0" err="1"/>
+              <a:t>Kanare</a:t>
+            </a:r>
+            <a:r>
+              <a:rPr lang="en-US" dirty="0"/>
+              <a:t>, </a:t>
+            </a:r>
+            <a:r>
+              <a:rPr lang="en-US" i="1" dirty="0">
+                <a:hlinkClick r:id="rId3"/>
+              </a:rPr>
+              <a:t>Writing the Laboratory Notebook</a:t>
+            </a:r>
+            <a:endParaRPr lang="en-US" dirty="0"/>
+          </a:p>
+        </p:txBody>
+      </p:sp>
+    </p:spTree>
+    <p:extLst>
+      <p:ext uri="{BB962C8B-B14F-4D97-AF65-F5344CB8AC3E}">
+        <p14:creationId xmlns:p14="http://schemas.microsoft.com/office/powerpoint/2010/main" val="3036165320"/>
+      </p:ext>
+    </p:extLst>
+  </p:cSld>
+  <p:clrMapOvr>
+    <a:masterClrMapping/>
+  </p:clrMapOvr>
+</p:sld>
+</file>
+
+<file path=ppt/slides/slide4.xml><?xml version="1.0" encoding="utf-8"?>
+<p:sld xmlns:a="http://schemas.openxmlformats.org/drawingml/2006/main" xmlns:r="http://schemas.openxmlformats.org/officeDocument/2006/relationships" xmlns:p="http://schemas.openxmlformats.org/presentationml/2006/main">
+  <p:cSld>
+    <p:spTree>
+      <p:nvGrpSpPr>
+        <p:cNvPr id="1" name=""/>
+        <p:cNvGrpSpPr/>
+        <p:nvPr/>
+      </p:nvGrpSpPr>
+      <p:grpSpPr>
+        <a:xfrm>
+          <a:off x="0" y="0"/>
+          <a:ext cx="0" cy="0"/>
+          <a:chOff x="0" y="0"/>
+          <a:chExt cx="0" cy="0"/>
+        </a:xfrm>
+      </p:grpSpPr>
+      <p:sp>
+        <p:nvSpPr>
+          <p:cNvPr id="2" name="Title 1">
+            <a:extLst>
+              <a:ext uri="{FF2B5EF4-FFF2-40B4-BE49-F238E27FC236}">
                 <a16:creationId xmlns:a16="http://schemas.microsoft.com/office/drawing/2014/main" id="{D1E181A3-6671-7FC8-9B8C-EFA7CD94AE43}"/>
               </a:ext>
             </a:extLst>
@@ -11316,7 +11842,7 @@
 </p:sld>
 </file>
 
-<file path=ppt/slides/slide4.xml><?xml version="1.0" encoding="utf-8"?>
+<file path=ppt/slides/slide5.xml><?xml version="1.0" encoding="utf-8"?>
 <p:sld xmlns:a="http://schemas.openxmlformats.org/drawingml/2006/main" xmlns:r="http://schemas.openxmlformats.org/officeDocument/2006/relationships" xmlns:p="http://schemas.openxmlformats.org/presentationml/2006/main">
   <p:cSld>
     <p:spTree>
@@ -11614,165 +12140,6 @@
 </p:sld>
 </file>
 
-<file path=ppt/slides/slide5.xml><?xml version="1.0" encoding="utf-8"?>
-<p:sld xmlns:a="http://schemas.openxmlformats.org/drawingml/2006/main" xmlns:r="http://schemas.openxmlformats.org/officeDocument/2006/relationships" xmlns:p="http://schemas.openxmlformats.org/presentationml/2006/main">
-  <p:cSld>
-    <p:spTree>
-      <p:nvGrpSpPr>
-        <p:cNvPr id="1" name=""/>
-        <p:cNvGrpSpPr/>
-        <p:nvPr/>
-      </p:nvGrpSpPr>
-      <p:grpSpPr>
-        <a:xfrm>
-          <a:off x="0" y="0"/>
-          <a:ext cx="0" cy="0"/>
-          <a:chOff x="0" y="0"/>
-          <a:chExt cx="0" cy="0"/>
-        </a:xfrm>
-      </p:grpSpPr>
-      <p:sp>
-        <p:nvSpPr>
-          <p:cNvPr id="2" name="Title 1">
-            <a:extLst>
-              <a:ext uri="{FF2B5EF4-FFF2-40B4-BE49-F238E27FC236}">
-                <a16:creationId xmlns:a16="http://schemas.microsoft.com/office/drawing/2014/main" id="{9D3BEC0D-AF53-6375-54A6-F89A29585952}"/>
-              </a:ext>
-            </a:extLst>
-          </p:cNvPr>
-          <p:cNvSpPr>
-            <a:spLocks noGrp="1"/>
-          </p:cNvSpPr>
-          <p:nvPr>
-            <p:ph type="title"/>
-          </p:nvPr>
-        </p:nvSpPr>
-        <p:spPr/>
-        <p:txBody>
-          <a:bodyPr/>
-          <a:lstStyle/>
-          <a:p>
-            <a:r>
-              <a:rPr lang="en-US" dirty="0"/>
-              <a:t>Data &amp; Information</a:t>
-            </a:r>
-          </a:p>
-        </p:txBody>
-      </p:sp>
-      <p:sp>
-        <p:nvSpPr>
-          <p:cNvPr id="3" name="Content Placeholder 2">
-            <a:extLst>
-              <a:ext uri="{FF2B5EF4-FFF2-40B4-BE49-F238E27FC236}">
-                <a16:creationId xmlns:a16="http://schemas.microsoft.com/office/drawing/2014/main" id="{D86BEDF2-C3A6-598C-A740-C9E1F393C048}"/>
-              </a:ext>
-            </a:extLst>
-          </p:cNvPr>
-          <p:cNvSpPr>
-            <a:spLocks noGrp="1"/>
-          </p:cNvSpPr>
-          <p:nvPr>
-            <p:ph idx="1"/>
-          </p:nvPr>
-        </p:nvSpPr>
-        <p:spPr>
-          <a:xfrm>
-            <a:off x="365760" y="1325880"/>
-            <a:ext cx="11369809" cy="4047778"/>
-          </a:xfrm>
-        </p:spPr>
-        <p:txBody>
-          <a:bodyPr/>
-          <a:lstStyle/>
-          <a:p>
-            <a:r>
-              <a:rPr lang="en-US" dirty="0"/>
-              <a:t>Data</a:t>
-            </a:r>
-          </a:p>
-          <a:p>
-            <a:pPr lvl="1"/>
-            <a:r>
-              <a:rPr lang="en-US" dirty="0"/>
-              <a:t>Collection of numbers, symbols, text, </a:t>
-            </a:r>
-            <a:r>
-              <a:rPr lang="en-US" i="1" dirty="0"/>
-              <a:t>etc.</a:t>
-            </a:r>
-          </a:p>
-          <a:p>
-            <a:pPr lvl="1"/>
-            <a:r>
-              <a:rPr lang="en-US" dirty="0"/>
-              <a:t>It has value only because it was recorded and exists.</a:t>
-            </a:r>
-          </a:p>
-          <a:p>
-            <a:pPr lvl="1"/>
-            <a:r>
-              <a:rPr lang="en-US" b="1" dirty="0"/>
-              <a:t>Example</a:t>
-            </a:r>
-            <a:r>
-              <a:rPr lang="en-US" dirty="0"/>
-              <a:t>: Timeseries representation of temperature, relative humidity, and precipitation.</a:t>
-            </a:r>
-          </a:p>
-          <a:p>
-            <a:r>
-              <a:rPr lang="en-US" dirty="0"/>
-              <a:t>Information</a:t>
-            </a:r>
-          </a:p>
-          <a:p>
-            <a:pPr lvl="1"/>
-            <a:r>
-              <a:rPr lang="en-US" dirty="0"/>
-              <a:t>Facts gleaned from data.</a:t>
-            </a:r>
-          </a:p>
-          <a:p>
-            <a:pPr lvl="1"/>
-            <a:r>
-              <a:rPr lang="en-US" dirty="0"/>
-              <a:t>Answers questions such as who, what, when, how much, how long, </a:t>
-            </a:r>
-            <a:r>
-              <a:rPr lang="en-US" i="1" dirty="0"/>
-              <a:t>etc</a:t>
-            </a:r>
-            <a:r>
-              <a:rPr lang="en-US" dirty="0"/>
-              <a:t>.</a:t>
-            </a:r>
-          </a:p>
-          <a:p>
-            <a:pPr lvl="1"/>
-            <a:r>
-              <a:rPr lang="en-US" b="1" dirty="0"/>
-              <a:t>Example</a:t>
-            </a:r>
-            <a:r>
-              <a:rPr lang="en-US" dirty="0"/>
-              <a:t>: Starting at 2pm the temperature dropped by 5ºF over 15 minutes.  At 2:05 pm it started to rain and 0.25” of rain was accumulated over the next 30 minutes.</a:t>
-            </a:r>
-          </a:p>
-        </p:txBody>
-      </p:sp>
-    </p:spTree>
-    <p:extLst>
-      <p:ext uri="{BB962C8B-B14F-4D97-AF65-F5344CB8AC3E}">
-        <p14:creationId xmlns:p14="http://schemas.microsoft.com/office/powerpoint/2010/main" val="2193434764"/>
-      </p:ext>
-    </p:extLst>
-  </p:cSld>
-  <p:clrMapOvr>
-    <a:masterClrMapping/>
-  </p:clrMapOvr>
-</p:sld>
-</file>
-
 <file path=ppt/slides/slide6.xml><?xml version="1.0" encoding="utf-8"?>
 <p:sld xmlns:a="http://schemas.openxmlformats.org/drawingml/2006/main" xmlns:r="http://schemas.openxmlformats.org/officeDocument/2006/relationships" xmlns:p="http://schemas.openxmlformats.org/presentationml/2006/main">
   <p:cSld>
@@ -11795,7 +12162,7 @@
           <p:cNvPr id="2" name="Title 1">
             <a:extLst>
               <a:ext uri="{FF2B5EF4-FFF2-40B4-BE49-F238E27FC236}">
-                <a16:creationId xmlns:a16="http://schemas.microsoft.com/office/drawing/2014/main" id="{D058ED4F-BC78-0A36-F75C-E4005B3DFBAE}"/>
+                <a16:creationId xmlns:a16="http://schemas.microsoft.com/office/drawing/2014/main" id="{9D3BEC0D-AF53-6375-54A6-F89A29585952}"/>
               </a:ext>
             </a:extLst>
           </p:cNvPr>
@@ -11813,7 +12180,7 @@
           <a:p>
             <a:r>
               <a:rPr lang="en-US" dirty="0"/>
-              <a:t>Knowledge &amp; Understanding</a:t>
+              <a:t>Data &amp; Information</a:t>
             </a:r>
           </a:p>
         </p:txBody>
@@ -11823,7 +12190,7 @@
           <p:cNvPr id="3" name="Content Placeholder 2">
             <a:extLst>
               <a:ext uri="{FF2B5EF4-FFF2-40B4-BE49-F238E27FC236}">
-                <a16:creationId xmlns:a16="http://schemas.microsoft.com/office/drawing/2014/main" id="{3EC7F33F-88DD-3100-7BF9-E8C247CEEC72}"/>
+                <a16:creationId xmlns:a16="http://schemas.microsoft.com/office/drawing/2014/main" id="{D86BEDF2-C3A6-598C-A740-C9E1F393C048}"/>
               </a:ext>
             </a:extLst>
           </p:cNvPr>
@@ -11836,7 +12203,7 @@
         </p:nvSpPr>
         <p:spPr>
           <a:xfrm>
-            <a:off x="365760" y="1196184"/>
+            <a:off x="365760" y="1325880"/>
             <a:ext cx="11369809" cy="4047778"/>
           </a:xfrm>
         </p:spPr>
@@ -11846,22 +12213,25 @@
           <a:p>
             <a:r>
               <a:rPr lang="en-US" dirty="0"/>
-              <a:t>Knowledge</a:t>
+              <a:t>Data</a:t>
             </a:r>
           </a:p>
           <a:p>
             <a:pPr lvl="1"/>
             <a:r>
               <a:rPr lang="en-US" dirty="0"/>
-              <a:t>Derived from information, experience, and </a:t>
-            </a:r>
-            <a:r>
-              <a:rPr lang="en-US" b="1" dirty="0"/>
-              <a:t>understanding</a:t>
-            </a:r>
-            <a:r>
-              <a:rPr lang="en-US" dirty="0"/>
-              <a:t>.</a:t>
+              <a:t>Collection of numbers, symbols, text, </a:t>
+            </a:r>
+            <a:r>
+              <a:rPr lang="en-US" i="1" dirty="0"/>
+              <a:t>etc.</a:t>
+            </a:r>
+          </a:p>
+          <a:p>
+            <a:pPr lvl="1"/>
+            <a:r>
+              <a:rPr lang="en-US" dirty="0"/>
+              <a:t>It has value only because it was recorded and exists.</a:t>
             </a:r>
           </a:p>
           <a:p>
@@ -11872,39 +12242,35 @@
             </a:r>
             <a:r>
               <a:rPr lang="en-US" dirty="0"/>
-              <a:t>: When relative humidity levels are high and the temperature drops substantially, there is an increased probability of precipitation.</a:t>
-            </a:r>
-            <a:endParaRPr lang="en-US" dirty="0">
-              <a:solidFill>
-                <a:srgbClr val="FF0000"/>
-              </a:solidFill>
-            </a:endParaRPr>
-          </a:p>
-          <a:p>
-            <a:r>
-              <a:rPr lang="en-US" dirty="0"/>
-              <a:t>Understanding</a:t>
+              <a:t>: Timeseries representation of temperature, relative humidity, and precipitation.</a:t>
+            </a:r>
+          </a:p>
+          <a:p>
+            <a:r>
+              <a:rPr lang="en-US" dirty="0"/>
+              <a:t>Information</a:t>
             </a:r>
           </a:p>
           <a:p>
             <a:pPr lvl="1"/>
             <a:r>
               <a:rPr lang="en-US" dirty="0"/>
-              <a:t>A deep theoretical background in and practical experience with the system whose data was acquired and studied?</a:t>
+              <a:t>Facts gleaned from data.</a:t>
             </a:r>
           </a:p>
           <a:p>
             <a:pPr lvl="1"/>
             <a:r>
               <a:rPr lang="en-US" dirty="0"/>
-              <a:t>The ability to explain why?</a:t>
-            </a:r>
-          </a:p>
-          <a:p>
-            <a:pPr lvl="1"/>
-            <a:r>
-              <a:rPr lang="en-US" dirty="0"/>
-              <a:t>“Understanding is a kind of ecstasy” – Carl Sagan </a:t>
+              <a:t>Answers questions such as who, what, when, how much, how long, </a:t>
+            </a:r>
+            <a:r>
+              <a:rPr lang="en-US" i="1" dirty="0"/>
+              <a:t>etc</a:t>
+            </a:r>
+            <a:r>
+              <a:rPr lang="en-US" dirty="0"/>
+              <a:t>.</a:t>
             </a:r>
           </a:p>
           <a:p>
@@ -11915,21 +12281,15 @@
             </a:r>
             <a:r>
               <a:rPr lang="en-US" dirty="0"/>
-              <a:t>: A meteorologist could explain at different levels of detail how the atmosphere works to substantiate the knowledge.</a:t>
-            </a:r>
-          </a:p>
-          <a:p>
-            <a:pPr marL="0" indent="0">
-              <a:buNone/>
-            </a:pPr>
-            <a:endParaRPr lang="en-US" dirty="0"/>
+              <a:t>: Starting at 2pm the temperature dropped by 5ºF over 15 minutes.  At 2:05 pm it started to rain and 0.25” of rain was accumulated over the next 30 minutes.</a:t>
+            </a:r>
           </a:p>
         </p:txBody>
       </p:sp>
     </p:spTree>
     <p:extLst>
       <p:ext uri="{BB962C8B-B14F-4D97-AF65-F5344CB8AC3E}">
-        <p14:creationId xmlns:p14="http://schemas.microsoft.com/office/powerpoint/2010/main" val="2366589001"/>
+        <p14:creationId xmlns:p14="http://schemas.microsoft.com/office/powerpoint/2010/main" val="2193434764"/>
       </p:ext>
     </p:extLst>
   </p:cSld>
@@ -11961,7 +12321,7 @@
           <p:cNvPr id="2" name="Title 1">
             <a:extLst>
               <a:ext uri="{FF2B5EF4-FFF2-40B4-BE49-F238E27FC236}">
-                <a16:creationId xmlns:a16="http://schemas.microsoft.com/office/drawing/2014/main" id="{923FF528-4ADA-DA4E-A959-E1EFEAD4DC5A}"/>
+                <a16:creationId xmlns:a16="http://schemas.microsoft.com/office/drawing/2014/main" id="{D058ED4F-BC78-0A36-F75C-E4005B3DFBAE}"/>
               </a:ext>
             </a:extLst>
           </p:cNvPr>
@@ -11979,12 +12339,8 @@
           <a:p>
             <a:r>
               <a:rPr lang="en-US" dirty="0"/>
-              <a:t>Obligatory Einstein quote</a:t>
-            </a:r>
-            <a:br>
-              <a:rPr lang="en-US" dirty="0"/>
-            </a:br>
-            <a:endParaRPr lang="en-US" dirty="0"/>
+              <a:t>Knowledge &amp; Understanding</a:t>
+            </a:r>
           </a:p>
         </p:txBody>
       </p:sp>
@@ -11993,7 +12349,7 @@
           <p:cNvPr id="3" name="Content Placeholder 2">
             <a:extLst>
               <a:ext uri="{FF2B5EF4-FFF2-40B4-BE49-F238E27FC236}">
-                <a16:creationId xmlns:a16="http://schemas.microsoft.com/office/drawing/2014/main" id="{B1C4588A-E6F1-E870-2F2D-600085D93BB1}"/>
+                <a16:creationId xmlns:a16="http://schemas.microsoft.com/office/drawing/2014/main" id="{3EC7F33F-88DD-3100-7BF9-E8C247CEEC72}"/>
               </a:ext>
             </a:extLst>
           </p:cNvPr>
@@ -12006,158 +12362,91 @@
         </p:nvSpPr>
         <p:spPr>
           <a:xfrm>
-            <a:off x="1167009" y="1602040"/>
-            <a:ext cx="10028971" cy="4047778"/>
+            <a:off x="365760" y="1196184"/>
+            <a:ext cx="11369809" cy="4047778"/>
           </a:xfrm>
         </p:spPr>
         <p:txBody>
           <a:bodyPr/>
           <a:lstStyle/>
           <a:p>
+            <a:r>
+              <a:rPr lang="en-US" dirty="0"/>
+              <a:t>Knowledge</a:t>
+            </a:r>
+          </a:p>
+          <a:p>
+            <a:pPr lvl="1"/>
+            <a:r>
+              <a:rPr lang="en-US" dirty="0"/>
+              <a:t>Derived from information, experience, and </a:t>
+            </a:r>
+            <a:r>
+              <a:rPr lang="en-US" b="1" dirty="0"/>
+              <a:t>understanding</a:t>
+            </a:r>
+            <a:r>
+              <a:rPr lang="en-US" dirty="0"/>
+              <a:t>.</a:t>
+            </a:r>
+          </a:p>
+          <a:p>
+            <a:pPr lvl="1"/>
+            <a:r>
+              <a:rPr lang="en-US" b="1" dirty="0"/>
+              <a:t>Example</a:t>
+            </a:r>
+            <a:r>
+              <a:rPr lang="en-US" dirty="0"/>
+              <a:t>: When relative humidity levels are high and the temperature drops substantially, there is an increased probability of precipitation.</a:t>
+            </a:r>
+            <a:endParaRPr lang="en-US" dirty="0">
+              <a:solidFill>
+                <a:srgbClr val="FF0000"/>
+              </a:solidFill>
+            </a:endParaRPr>
+          </a:p>
+          <a:p>
+            <a:r>
+              <a:rPr lang="en-US" dirty="0"/>
+              <a:t>Understanding</a:t>
+            </a:r>
+          </a:p>
+          <a:p>
+            <a:pPr lvl="1"/>
+            <a:r>
+              <a:rPr lang="en-US" dirty="0"/>
+              <a:t>A deep theoretical background in and practical experience with the system whose data was acquired and studied?</a:t>
+            </a:r>
+          </a:p>
+          <a:p>
+            <a:pPr lvl="1"/>
+            <a:r>
+              <a:rPr lang="en-US" dirty="0"/>
+              <a:t>The ability to explain why?</a:t>
+            </a:r>
+          </a:p>
+          <a:p>
+            <a:pPr lvl="1"/>
+            <a:r>
+              <a:rPr lang="en-US" dirty="0"/>
+              <a:t>“Understanding is a kind of ecstasy” – Carl Sagan </a:t>
+            </a:r>
+          </a:p>
+          <a:p>
+            <a:pPr lvl="1"/>
+            <a:r>
+              <a:rPr lang="en-US" b="1" dirty="0"/>
+              <a:t>Example</a:t>
+            </a:r>
+            <a:r>
+              <a:rPr lang="en-US" dirty="0"/>
+              <a:t>: A meteorologist could explain at different levels of detail how the atmosphere works to substantiate the knowledge.</a:t>
+            </a:r>
+          </a:p>
+          <a:p>
             <a:pPr marL="0" indent="0">
               <a:buNone/>
-            </a:pPr>
-            <a:r>
-              <a:rPr lang="en-US" sz="3600" dirty="0"/>
-              <a:t>“Any fool can know. The point is to understand.” </a:t>
-            </a:r>
-          </a:p>
-          <a:p>
-            <a:pPr marL="0" indent="0">
-              <a:buNone/>
-            </a:pPr>
-            <a:r>
-              <a:rPr lang="en-US" dirty="0"/>
-              <a:t>	- </a:t>
-            </a:r>
-            <a:r>
-              <a:rPr lang="en-US" sz="2800" dirty="0"/>
-              <a:t>Albert Einstein</a:t>
-            </a:r>
-          </a:p>
-          <a:p>
-            <a:pPr marL="0" indent="0">
-              <a:buNone/>
-            </a:pPr>
-            <a:endParaRPr lang="en-US" dirty="0"/>
-          </a:p>
-        </p:txBody>
-      </p:sp>
-      <p:sp>
-        <p:nvSpPr>
-          <p:cNvPr id="4" name="TextBox 3">
-            <a:extLst>
-              <a:ext uri="{FF2B5EF4-FFF2-40B4-BE49-F238E27FC236}">
-                <a16:creationId xmlns:a16="http://schemas.microsoft.com/office/drawing/2014/main" id="{DCA5C706-847F-F402-A9B0-751B368A165A}"/>
-              </a:ext>
-            </a:extLst>
-          </p:cNvPr>
-          <p:cNvSpPr txBox="1"/>
-          <p:nvPr/>
-        </p:nvSpPr>
-        <p:spPr>
-          <a:xfrm>
-            <a:off x="992845" y="3357102"/>
-            <a:ext cx="9707880" cy="3162917"/>
-          </a:xfrm>
-          <a:prstGeom prst="rect">
-            <a:avLst/>
-          </a:prstGeom>
-          <a:noFill/>
-        </p:spPr>
-        <p:txBody>
-          <a:bodyPr wrap="square" lIns="118872" tIns="91440" rIns="118872" bIns="91440" rtlCol="0" anchor="ctr" anchorCtr="0">
-            <a:spAutoFit/>
-          </a:bodyPr>
-          <a:lstStyle/>
-          <a:p>
-            <a:pPr marL="285750" indent="-285750">
-              <a:lnSpc>
-                <a:spcPct val="90000"/>
-              </a:lnSpc>
-              <a:spcBef>
-                <a:spcPts val="800"/>
-              </a:spcBef>
-              <a:buFont typeface="Arial" panose="020B0604020202020204" pitchFamily="34" charset="0"/>
-              <a:buChar char="•"/>
-            </a:pPr>
-            <a:r>
-              <a:rPr lang="en-US" sz="2400" dirty="0"/>
-              <a:t>Is understanding always the ultimate goal?</a:t>
-            </a:r>
-          </a:p>
-          <a:p>
-            <a:pPr marL="285750" indent="-285750">
-              <a:lnSpc>
-                <a:spcPct val="90000"/>
-              </a:lnSpc>
-              <a:spcBef>
-                <a:spcPts val="800"/>
-              </a:spcBef>
-              <a:buFont typeface="Arial" panose="020B0604020202020204" pitchFamily="34" charset="0"/>
-              <a:buChar char="•"/>
-            </a:pPr>
-            <a:r>
-              <a:rPr lang="en-US" sz="2400" dirty="0"/>
-              <a:t>Are there times when mere knowledge is sufficient?</a:t>
-            </a:r>
-          </a:p>
-          <a:p>
-            <a:pPr marL="742950" lvl="1" indent="-285750">
-              <a:lnSpc>
-                <a:spcPct val="90000"/>
-              </a:lnSpc>
-              <a:spcBef>
-                <a:spcPts val="800"/>
-              </a:spcBef>
-              <a:buFont typeface="Arial" panose="020B0604020202020204" pitchFamily="34" charset="0"/>
-              <a:buChar char="•"/>
-            </a:pPr>
-            <a:r>
-              <a:rPr lang="en-US" sz="2000" dirty="0"/>
-              <a:t>I don’t need to understand atmospheric science or weather prediction.  I just need basic knowledge to determine if I should take an umbrella with me.</a:t>
-            </a:r>
-          </a:p>
-          <a:p>
-            <a:pPr marL="285750" indent="-285750">
-              <a:lnSpc>
-                <a:spcPct val="90000"/>
-              </a:lnSpc>
-              <a:spcBef>
-                <a:spcPts val="800"/>
-              </a:spcBef>
-              <a:buFont typeface="Arial" panose="020B0604020202020204" pitchFamily="34" charset="0"/>
-              <a:buChar char="•"/>
-            </a:pPr>
-            <a:r>
-              <a:rPr lang="en-US" sz="2400" dirty="0"/>
-              <a:t>Data, information, and knowledge are key ingredients in developing understanding</a:t>
-            </a:r>
-          </a:p>
-          <a:p>
-            <a:pPr marL="742950" lvl="1" indent="-285750">
-              <a:lnSpc>
-                <a:spcPct val="90000"/>
-              </a:lnSpc>
-              <a:spcBef>
-                <a:spcPts val="800"/>
-              </a:spcBef>
-              <a:buFont typeface="Arial" panose="020B0604020202020204" pitchFamily="34" charset="0"/>
-              <a:buChar char="•"/>
-            </a:pPr>
-            <a:r>
-              <a:rPr lang="en-US" sz="2000" dirty="0"/>
-              <a:t>Need to manage all, appropriately</a:t>
-            </a:r>
-          </a:p>
-          <a:p>
-            <a:pPr algn="l">
-              <a:lnSpc>
-                <a:spcPct val="90000"/>
-              </a:lnSpc>
-              <a:spcBef>
-                <a:spcPts val="800"/>
-              </a:spcBef>
             </a:pPr>
             <a:endParaRPr lang="en-US" dirty="0"/>
           </a:p>
@@ -12166,7 +12455,7 @@
     </p:spTree>
     <p:extLst>
       <p:ext uri="{BB962C8B-B14F-4D97-AF65-F5344CB8AC3E}">
-        <p14:creationId xmlns:p14="http://schemas.microsoft.com/office/powerpoint/2010/main" val="3553658350"/>
+        <p14:creationId xmlns:p14="http://schemas.microsoft.com/office/powerpoint/2010/main" val="2366589001"/>
       </p:ext>
     </p:extLst>
   </p:cSld>
@@ -12198,7 +12487,7 @@
           <p:cNvPr id="2" name="Title 1">
             <a:extLst>
               <a:ext uri="{FF2B5EF4-FFF2-40B4-BE49-F238E27FC236}">
-                <a16:creationId xmlns:a16="http://schemas.microsoft.com/office/drawing/2014/main" id="{E542B024-8735-A0E3-7EDB-ED276763E02D}"/>
+                <a16:creationId xmlns:a16="http://schemas.microsoft.com/office/drawing/2014/main" id="{923FF528-4ADA-DA4E-A959-E1EFEAD4DC5A}"/>
               </a:ext>
             </a:extLst>
           </p:cNvPr>
@@ -12216,8 +12505,12 @@
           <a:p>
             <a:r>
               <a:rPr lang="en-US" dirty="0"/>
-              <a:t>Knowledge Management</a:t>
-            </a:r>
+              <a:t>Obligatory Einstein quote</a:t>
+            </a:r>
+            <a:br>
+              <a:rPr lang="en-US" dirty="0"/>
+            </a:br>
+            <a:endParaRPr lang="en-US" dirty="0"/>
           </a:p>
         </p:txBody>
       </p:sp>
@@ -12226,7 +12519,7 @@
           <p:cNvPr id="3" name="Content Placeholder 2">
             <a:extLst>
               <a:ext uri="{FF2B5EF4-FFF2-40B4-BE49-F238E27FC236}">
-                <a16:creationId xmlns:a16="http://schemas.microsoft.com/office/drawing/2014/main" id="{B23602B9-E02D-3978-3DB6-3540696C46F2}"/>
+                <a16:creationId xmlns:a16="http://schemas.microsoft.com/office/drawing/2014/main" id="{B1C4588A-E6F1-E870-2F2D-600085D93BB1}"/>
               </a:ext>
             </a:extLst>
           </p:cNvPr>
@@ -12237,67 +12530,35 @@
             <p:ph idx="1"/>
           </p:nvPr>
         </p:nvSpPr>
-        <p:spPr/>
+        <p:spPr>
+          <a:xfrm>
+            <a:off x="1167009" y="1602040"/>
+            <a:ext cx="10028971" cy="4047778"/>
+          </a:xfrm>
+        </p:spPr>
         <p:txBody>
           <a:bodyPr/>
           <a:lstStyle/>
           <a:p>
-            <a:r>
-              <a:rPr lang="en-US" dirty="0"/>
-              <a:t>DIKUW is related to knowledge management</a:t>
-            </a:r>
-          </a:p>
-          <a:p>
-            <a:r>
-              <a:rPr lang="en-US" dirty="0"/>
-              <a:t>We want to</a:t>
-            </a:r>
-          </a:p>
-          <a:p>
-            <a:pPr lvl="1"/>
-            <a:r>
-              <a:rPr lang="en-US" b="1" dirty="0"/>
-              <a:t>Recognize</a:t>
-            </a:r>
-            <a:r>
-              <a:rPr lang="en-US" dirty="0"/>
-              <a:t> when we generate knowledge</a:t>
-            </a:r>
-          </a:p>
-          <a:p>
-            <a:pPr lvl="1"/>
-            <a:r>
-              <a:rPr lang="en-US" b="1" dirty="0"/>
-              <a:t>Capture</a:t>
-            </a:r>
-            <a:r>
-              <a:rPr lang="en-US" dirty="0"/>
-              <a:t> and </a:t>
-            </a:r>
-            <a:r>
-              <a:rPr lang="en-US" b="1" dirty="0"/>
-              <a:t>preserve</a:t>
-            </a:r>
-            <a:r>
-              <a:rPr lang="en-US" dirty="0"/>
-              <a:t> that knowledge</a:t>
-            </a:r>
-          </a:p>
-          <a:p>
-            <a:pPr lvl="1"/>
-            <a:r>
-              <a:rPr lang="en-US" b="1" dirty="0"/>
-              <a:t>Communicate</a:t>
-            </a:r>
-            <a:r>
-              <a:rPr lang="en-US" dirty="0"/>
-              <a:t> that knowledge</a:t>
-            </a:r>
-          </a:p>
-          <a:p>
-            <a:r>
-              <a:rPr lang="en-US" dirty="0"/>
-              <a:t>Scientific work can benefit from knowledge management</a:t>
+            <a:pPr marL="0" indent="0">
+              <a:buNone/>
+            </a:pPr>
+            <a:r>
+              <a:rPr lang="en-US" sz="3600" dirty="0"/>
+              <a:t>“Any fool can know. The point is to understand.” </a:t>
+            </a:r>
+          </a:p>
+          <a:p>
+            <a:pPr marL="0" indent="0">
+              <a:buNone/>
+            </a:pPr>
+            <a:r>
+              <a:rPr lang="en-US" dirty="0"/>
+              <a:t>	- </a:t>
+            </a:r>
+            <a:r>
+              <a:rPr lang="en-US" sz="2800" dirty="0"/>
+              <a:t>Albert Einstein</a:t>
             </a:r>
           </a:p>
           <a:p>
@@ -12313,7 +12574,7 @@
           <p:cNvPr id="4" name="TextBox 3">
             <a:extLst>
               <a:ext uri="{FF2B5EF4-FFF2-40B4-BE49-F238E27FC236}">
-                <a16:creationId xmlns:a16="http://schemas.microsoft.com/office/drawing/2014/main" id="{1DF53030-262B-B41C-84EE-E79A5A5F4D5F}"/>
+                <a16:creationId xmlns:a16="http://schemas.microsoft.com/office/drawing/2014/main" id="{DCA5C706-847F-F402-A9B0-751B368A165A}"/>
               </a:ext>
             </a:extLst>
           </p:cNvPr>
@@ -12322,8 +12583,8 @@
         </p:nvSpPr>
         <p:spPr>
           <a:xfrm>
-            <a:off x="1437079" y="4969016"/>
-            <a:ext cx="9314666" cy="517065"/>
+            <a:off x="992845" y="3357102"/>
+            <a:ext cx="9707880" cy="3162917"/>
           </a:xfrm>
           <a:prstGeom prst="rect">
             <a:avLst/>
@@ -12331,27 +12592,107 @@
           <a:noFill/>
         </p:spPr>
         <p:txBody>
-          <a:bodyPr wrap="none" lIns="118872" tIns="91440" rIns="118872" bIns="91440" rtlCol="0" anchor="ctr" anchorCtr="0">
+          <a:bodyPr wrap="square" lIns="118872" tIns="91440" rIns="118872" bIns="91440" rtlCol="0" anchor="ctr" anchorCtr="0">
             <a:spAutoFit/>
           </a:bodyPr>
           <a:lstStyle/>
+          <a:p>
+            <a:pPr marL="285750" indent="-285750">
+              <a:lnSpc>
+                <a:spcPct val="90000"/>
+              </a:lnSpc>
+              <a:spcBef>
+                <a:spcPts val="800"/>
+              </a:spcBef>
+              <a:buFont typeface="Arial" panose="020B0604020202020204" pitchFamily="34" charset="0"/>
+              <a:buChar char="•"/>
+            </a:pPr>
+            <a:r>
+              <a:rPr lang="en-US" sz="2400" dirty="0"/>
+              <a:t>Is understanding always the ultimate goal?</a:t>
+            </a:r>
+          </a:p>
+          <a:p>
+            <a:pPr marL="285750" indent="-285750">
+              <a:lnSpc>
+                <a:spcPct val="90000"/>
+              </a:lnSpc>
+              <a:spcBef>
+                <a:spcPts val="800"/>
+              </a:spcBef>
+              <a:buFont typeface="Arial" panose="020B0604020202020204" pitchFamily="34" charset="0"/>
+              <a:buChar char="•"/>
+            </a:pPr>
+            <a:r>
+              <a:rPr lang="en-US" sz="2400" dirty="0"/>
+              <a:t>Are there times when mere knowledge is sufficient?</a:t>
+            </a:r>
+          </a:p>
+          <a:p>
+            <a:pPr marL="742950" lvl="1" indent="-285750">
+              <a:lnSpc>
+                <a:spcPct val="90000"/>
+              </a:lnSpc>
+              <a:spcBef>
+                <a:spcPts val="800"/>
+              </a:spcBef>
+              <a:buFont typeface="Arial" panose="020B0604020202020204" pitchFamily="34" charset="0"/>
+              <a:buChar char="•"/>
+            </a:pPr>
+            <a:r>
+              <a:rPr lang="en-US" sz="2000" dirty="0"/>
+              <a:t>I don’t need to understand atmospheric science or weather prediction.  I just need basic knowledge to determine if I should take an umbrella with me.</a:t>
+            </a:r>
+          </a:p>
+          <a:p>
+            <a:pPr marL="285750" indent="-285750">
+              <a:lnSpc>
+                <a:spcPct val="90000"/>
+              </a:lnSpc>
+              <a:spcBef>
+                <a:spcPts val="800"/>
+              </a:spcBef>
+              <a:buFont typeface="Arial" panose="020B0604020202020204" pitchFamily="34" charset="0"/>
+              <a:buChar char="•"/>
+            </a:pPr>
+            <a:r>
+              <a:rPr lang="en-US" sz="2400" dirty="0"/>
+              <a:t>Data, information, and knowledge are key ingredients in developing understanding</a:t>
+            </a:r>
+          </a:p>
+          <a:p>
+            <a:pPr marL="742950" lvl="1" indent="-285750">
+              <a:lnSpc>
+                <a:spcPct val="90000"/>
+              </a:lnSpc>
+              <a:spcBef>
+                <a:spcPts val="800"/>
+              </a:spcBef>
+              <a:buFont typeface="Arial" panose="020B0604020202020204" pitchFamily="34" charset="0"/>
+              <a:buChar char="•"/>
+            </a:pPr>
+            <a:r>
+              <a:rPr lang="en-US" sz="2000" dirty="0"/>
+              <a:t>Need to manage all, appropriately</a:t>
+            </a:r>
+          </a:p>
           <a:p>
             <a:pPr algn="l">
               <a:lnSpc>
                 <a:spcPct val="90000"/>
               </a:lnSpc>
-            </a:pPr>
-            <a:r>
-              <a:rPr lang="en-US" sz="2400" dirty="0"/>
-              <a:t>Is knowledge communication only about communicating to others?</a:t>
-            </a:r>
+              <a:spcBef>
+                <a:spcPts val="800"/>
+              </a:spcBef>
+            </a:pPr>
+            <a:endParaRPr lang="en-US" dirty="0"/>
           </a:p>
         </p:txBody>
       </p:sp>
     </p:spTree>
     <p:extLst>
       <p:ext uri="{BB962C8B-B14F-4D97-AF65-F5344CB8AC3E}">
-        <p14:creationId xmlns:p14="http://schemas.microsoft.com/office/powerpoint/2010/main" val="2964406316"/>
+        <p14:creationId xmlns:p14="http://schemas.microsoft.com/office/powerpoint/2010/main" val="3553658350"/>
       </p:ext>
     </p:extLst>
   </p:cSld>
@@ -12383,7 +12724,7 @@
           <p:cNvPr id="2" name="Title 1">
             <a:extLst>
               <a:ext uri="{FF2B5EF4-FFF2-40B4-BE49-F238E27FC236}">
-                <a16:creationId xmlns:a16="http://schemas.microsoft.com/office/drawing/2014/main" id="{96AE34BC-5E36-C205-FC77-0BE3BC6B219C}"/>
+                <a16:creationId xmlns:a16="http://schemas.microsoft.com/office/drawing/2014/main" id="{E542B024-8735-A0E3-7EDB-ED276763E02D}"/>
               </a:ext>
             </a:extLst>
           </p:cNvPr>
@@ -12401,9 +12742,8 @@
           <a:p>
             <a:r>
               <a:rPr lang="en-US" dirty="0"/>
-              <a:t>Example: Lessons learned</a:t>
-            </a:r>
-            <a:endParaRPr lang="en-US" b="0" dirty="0"/>
+              <a:t>Knowledge Management</a:t>
+            </a:r>
           </a:p>
         </p:txBody>
       </p:sp>
@@ -12412,7 +12752,7 @@
           <p:cNvPr id="3" name="Content Placeholder 2">
             <a:extLst>
               <a:ext uri="{FF2B5EF4-FFF2-40B4-BE49-F238E27FC236}">
-                <a16:creationId xmlns:a16="http://schemas.microsoft.com/office/drawing/2014/main" id="{9411637D-F75A-13D4-D37F-CB72F82649B7}"/>
+                <a16:creationId xmlns:a16="http://schemas.microsoft.com/office/drawing/2014/main" id="{B23602B9-E02D-3978-3DB6-3540696C46F2}"/>
               </a:ext>
             </a:extLst>
           </p:cNvPr>
@@ -12430,55 +12770,61 @@
           <a:p>
             <a:r>
               <a:rPr lang="en-US" dirty="0"/>
-              <a:t>After we live through an experience, we want to derive lessons learned</a:t>
+              <a:t>DIKUW is related to knowledge management</a:t>
+            </a:r>
+          </a:p>
+          <a:p>
+            <a:r>
+              <a:rPr lang="en-US" dirty="0"/>
+              <a:t>We want to</a:t>
             </a:r>
           </a:p>
           <a:p>
             <a:pPr lvl="1"/>
             <a:r>
-              <a:rPr lang="en-US" dirty="0"/>
-              <a:t>Experience is valuable, more so if we reflect and are thoughtful</a:t>
+              <a:rPr lang="en-US" b="1" dirty="0"/>
+              <a:t>Recognize</a:t>
+            </a:r>
+            <a:r>
+              <a:rPr lang="en-US" dirty="0"/>
+              <a:t> when we generate knowledge</a:t>
             </a:r>
           </a:p>
           <a:p>
             <a:pPr lvl="1"/>
             <a:r>
-              <a:rPr lang="en-US" dirty="0"/>
-              <a:t>Generate/capture knowledge to grow, improve, and avoid difficulties/mistakes</a:t>
+              <a:rPr lang="en-US" b="1" dirty="0"/>
+              <a:t>Capture</a:t>
+            </a:r>
+            <a:r>
+              <a:rPr lang="en-US" dirty="0"/>
+              <a:t> and </a:t>
+            </a:r>
+            <a:r>
+              <a:rPr lang="en-US" b="1" dirty="0"/>
+              <a:t>preserve</a:t>
+            </a:r>
+            <a:r>
+              <a:rPr lang="en-US" dirty="0"/>
+              <a:t> that knowledge</a:t>
             </a:r>
           </a:p>
           <a:p>
             <a:pPr lvl="1"/>
             <a:r>
-              <a:rPr lang="en-US" dirty="0"/>
-              <a:t>Hope to improve understanding</a:t>
-            </a:r>
-          </a:p>
-          <a:p>
-            <a:r>
-              <a:rPr lang="en-US" dirty="0"/>
-              <a:t>We get more if we derive lessons learned together</a:t>
-            </a:r>
-          </a:p>
-          <a:p>
-            <a:pPr lvl="1"/>
-            <a:r>
-              <a:rPr lang="en-US" dirty="0"/>
-              <a:t>Create more or higher quality knowledge</a:t>
-            </a:r>
-          </a:p>
-          <a:p>
-            <a:pPr lvl="1"/>
-            <a:r>
-              <a:rPr lang="en-US" dirty="0"/>
-              <a:t>Communicate the knowledge implicitly</a:t>
-            </a:r>
-          </a:p>
-          <a:p>
-            <a:pPr marL="0" indent="0">
-              <a:buNone/>
-            </a:pPr>
-            <a:endParaRPr lang="en-US" dirty="0"/>
+              <a:rPr lang="en-US" b="1" dirty="0"/>
+              <a:t>Communicate</a:t>
+            </a:r>
+            <a:r>
+              <a:rPr lang="en-US" dirty="0"/>
+              <a:t> that knowledge</a:t>
+            </a:r>
+          </a:p>
+          <a:p>
+            <a:r>
+              <a:rPr lang="en-US" dirty="0"/>
+              <a:t>Scientific work can benefit from knowledge management</a:t>
+            </a:r>
           </a:p>
           <a:p>
             <a:pPr marL="0" indent="0">
@@ -12493,7 +12839,7 @@
           <p:cNvPr id="4" name="TextBox 3">
             <a:extLst>
               <a:ext uri="{FF2B5EF4-FFF2-40B4-BE49-F238E27FC236}">
-                <a16:creationId xmlns:a16="http://schemas.microsoft.com/office/drawing/2014/main" id="{3CFA863B-7CD4-95D5-F274-D75A0739E6AF}"/>
+                <a16:creationId xmlns:a16="http://schemas.microsoft.com/office/drawing/2014/main" id="{1DF53030-262B-B41C-84EE-E79A5A5F4D5F}"/>
               </a:ext>
             </a:extLst>
           </p:cNvPr>
@@ -12502,8 +12848,8 @@
         </p:nvSpPr>
         <p:spPr>
           <a:xfrm>
-            <a:off x="2327547" y="5108580"/>
-            <a:ext cx="7533729" cy="517065"/>
+            <a:off x="1437079" y="4969016"/>
+            <a:ext cx="9314666" cy="517065"/>
           </a:xfrm>
           <a:prstGeom prst="rect">
             <a:avLst/>
@@ -12516,14 +12862,14 @@
           </a:bodyPr>
           <a:lstStyle/>
           <a:p>
-            <a:pPr>
+            <a:pPr algn="l">
               <a:lnSpc>
                 <a:spcPct val="90000"/>
               </a:lnSpc>
             </a:pPr>
             <a:r>
               <a:rPr lang="en-US" sz="2400" dirty="0"/>
-              <a:t>Should we communicate lessons learned to others?</a:t>
+              <a:t>Is knowledge communication only about communicating to others?</a:t>
             </a:r>
           </a:p>
         </p:txBody>
@@ -12531,7 +12877,7 @@
     </p:spTree>
     <p:extLst>
       <p:ext uri="{BB962C8B-B14F-4D97-AF65-F5344CB8AC3E}">
-        <p14:creationId xmlns:p14="http://schemas.microsoft.com/office/powerpoint/2010/main" val="1526914382"/>
+        <p14:creationId xmlns:p14="http://schemas.microsoft.com/office/powerpoint/2010/main" val="2964406316"/>
       </p:ext>
     </p:extLst>
   </p:cSld>
@@ -13454,21 +13800,6 @@
 </file>
 
 <file path=customXml/item1.xml><?xml version="1.0" encoding="utf-8"?>
-<?mso-contentType ?>
-<FormTemplates xmlns="http://schemas.microsoft.com/sharepoint/v3/contenttype/forms">
-  <Display>DocumentLibraryForm</Display>
-  <Edit>DocumentLibraryForm</Edit>
-  <New>DocumentLibraryForm</New>
-</FormTemplates>
-</file>
-
-<file path=customXml/item2.xml><?xml version="1.0" encoding="utf-8"?>
-<p:properties xmlns:p="http://schemas.microsoft.com/office/2006/metadata/properties" xmlns:xsi="http://www.w3.org/2001/XMLSchema-instance" xmlns:pc="http://schemas.microsoft.com/office/infopath/2007/PartnerControls">
-  <documentManagement/>
-</p:properties>
-</file>
-
-<file path=customXml/item3.xml><?xml version="1.0" encoding="utf-8"?>
 <ct:contentTypeSchema xmlns:ct="http://schemas.microsoft.com/office/2006/metadata/contentType" xmlns:ma="http://schemas.microsoft.com/office/2006/metadata/properties/metaAttributes" ct:_="" ma:_="" ma:contentTypeName="Document" ma:contentTypeID="0x010100565464437F680748A68B85EB6594EA7D" ma:contentTypeVersion="0" ma:contentTypeDescription="Create a new document." ma:contentTypeScope="" ma:versionID="fe3f4dd58d5914c51cfc6deaa8ad845c">
   <xsd:schema xmlns:xsd="http://www.w3.org/2001/XMLSchema" xmlns:p="http://schemas.microsoft.com/office/2006/metadata/properties" targetNamespace="http://schemas.microsoft.com/office/2006/metadata/properties" ma:root="true" ma:fieldsID="4aeb20c0e3442673af7ee10786458764">
     <xsd:element name="properties">
@@ -13517,7 +13848,37 @@
 </ct:contentTypeSchema>
 </file>
 
+<file path=customXml/item2.xml><?xml version="1.0" encoding="utf-8"?>
+<?mso-contentType ?>
+<FormTemplates xmlns="http://schemas.microsoft.com/sharepoint/v3/contenttype/forms">
+  <Display>DocumentLibraryForm</Display>
+  <Edit>DocumentLibraryForm</Edit>
+  <New>DocumentLibraryForm</New>
+</FormTemplates>
+</file>
+
+<file path=customXml/item3.xml><?xml version="1.0" encoding="utf-8"?>
+<p:properties xmlns:p="http://schemas.microsoft.com/office/2006/metadata/properties" xmlns:xsi="http://www.w3.org/2001/XMLSchema-instance" xmlns:pc="http://schemas.microsoft.com/office/infopath/2007/PartnerControls">
+  <documentManagement/>
+</p:properties>
+</file>
+
 <file path=customXml/itemProps1.xml><?xml version="1.0" encoding="utf-8"?>
+<ds:datastoreItem xmlns:ds="http://schemas.openxmlformats.org/officeDocument/2006/customXml" ds:itemID="{E8DB7DEB-074E-4EE8-9B6E-FD277323109C}">
+  <ds:schemaRefs>
+    <ds:schemaRef ds:uri="http://schemas.microsoft.com/office/2006/metadata/contentType"/>
+    <ds:schemaRef ds:uri="http://schemas.microsoft.com/office/2006/metadata/properties/metaAttributes"/>
+    <ds:schemaRef ds:uri="http://www.w3.org/2001/XMLSchema"/>
+    <ds:schemaRef ds:uri="http://schemas.microsoft.com/office/2006/metadata/properties"/>
+    <ds:schemaRef ds:uri="http://schemas.openxmlformats.org/package/2006/metadata/core-properties"/>
+    <ds:schemaRef ds:uri="http://purl.org/dc/elements/1.1/"/>
+    <ds:schemaRef ds:uri="http://purl.org/dc/terms/"/>
+    <ds:schemaRef ds:uri="http://schemas.microsoft.com/office/internal/2005/internalDocumentation"/>
+  </ds:schemaRefs>
+</ds:datastoreItem>
+</file>
+
+<file path=customXml/itemProps2.xml><?xml version="1.0" encoding="utf-8"?>
 <ds:datastoreItem xmlns:ds="http://schemas.openxmlformats.org/officeDocument/2006/customXml" ds:itemID="{19E20559-B232-4371-8690-E3D8007EDB82}">
   <ds:schemaRefs>
     <ds:schemaRef ds:uri="http://schemas.microsoft.com/sharepoint/v3/contenttype/forms"/>
@@ -13525,7 +13886,7 @@
 </ds:datastoreItem>
 </file>
 
-<file path=customXml/itemProps2.xml><?xml version="1.0" encoding="utf-8"?>
+<file path=customXml/itemProps3.xml><?xml version="1.0" encoding="utf-8"?>
 <ds:datastoreItem xmlns:ds="http://schemas.openxmlformats.org/officeDocument/2006/customXml" ds:itemID="{A50EC660-24D0-43A0-AE5E-E274115E726B}">
   <ds:schemaRefs>
     <ds:schemaRef ds:uri="http://purl.org/dc/elements/1.1/"/>
@@ -13538,19 +13899,4 @@
     <ds:schemaRef ds:uri="http://schemas.microsoft.com/office/infopath/2007/PartnerControls"/>
   </ds:schemaRefs>
 </ds:datastoreItem>
-</file>
-
-<file path=customXml/itemProps3.xml><?xml version="1.0" encoding="utf-8"?>
-<ds:datastoreItem xmlns:ds="http://schemas.openxmlformats.org/officeDocument/2006/customXml" ds:itemID="{E8DB7DEB-074E-4EE8-9B6E-FD277323109C}">
-  <ds:schemaRefs>
-    <ds:schemaRef ds:uri="http://schemas.microsoft.com/office/2006/metadata/contentType"/>
-    <ds:schemaRef ds:uri="http://schemas.microsoft.com/office/2006/metadata/properties/metaAttributes"/>
-    <ds:schemaRef ds:uri="http://www.w3.org/2001/XMLSchema"/>
-    <ds:schemaRef ds:uri="http://schemas.microsoft.com/office/2006/metadata/properties"/>
-    <ds:schemaRef ds:uri="http://schemas.openxmlformats.org/package/2006/metadata/core-properties"/>
-    <ds:schemaRef ds:uri="http://purl.org/dc/elements/1.1/"/>
-    <ds:schemaRef ds:uri="http://purl.org/dc/terms/"/>
-    <ds:schemaRef ds:uri="http://schemas.microsoft.com/office/internal/2005/internalDocumentation"/>
-  </ds:schemaRefs>
-</ds:datastoreItem>
 </file>
--- a/lab-notebooks.pptx
+++ b/lab-notebooks.pptx
@@ -12,7 +12,7 @@
   </p:handoutMasterIdLst>
   <p:sldIdLst>
     <p:sldId id="256" r:id="rId5"/>
-    <p:sldId id="320" r:id="rId6"/>
+    <p:sldId id="350" r:id="rId6"/>
     <p:sldId id="349" r:id="rId7"/>
     <p:sldId id="322" r:id="rId8"/>
     <p:sldId id="325" r:id="rId9"/>
@@ -283,7 +283,7 @@
           <a:p>
             <a:fld id="{0B842F42-2CE9-4E35-95C1-410DC08A50B1}" type="datetimeFigureOut">
               <a:rPr lang="en-US" smtClean="0"/>
-              <a:t>5/9/2023</a:t>
+              <a:t>7/28/2023</a:t>
             </a:fld>
             <a:endParaRPr lang="en-US"/>
           </a:p>
@@ -448,7 +448,7 @@
           <a:p>
             <a:fld id="{6F282904-F315-4730-8D91-37D99E141A6F}" type="datetimeFigureOut">
               <a:rPr lang="en-US" smtClean="0"/>
-              <a:t>5/9/2023</a:t>
+              <a:t>7/28/2023</a:t>
             </a:fld>
             <a:endParaRPr lang="en-US"/>
           </a:p>
@@ -6494,7 +6494,7 @@
         <p:spPr>
           <a:xfrm>
             <a:off x="3176924" y="2085870"/>
-            <a:ext cx="2034531" cy="424732"/>
+            <a:ext cx="2752677" cy="424732"/>
           </a:xfrm>
         </p:spPr>
         <p:txBody>
@@ -6502,12 +6502,8 @@
           <a:lstStyle/>
           <a:p>
             <a:r>
-              <a:rPr lang="en-US" dirty="0" err="1"/>
-              <a:t>Anshu</a:t>
-            </a:r>
-            <a:r>
-              <a:rPr lang="en-US" dirty="0"/>
-              <a:t> Dubey</a:t>
+              <a:rPr lang="en-US" dirty="0"/>
+              <a:t>David E. Bernholdt</a:t>
             </a:r>
           </a:p>
         </p:txBody>
@@ -6530,7 +6526,7 @@
         </p:nvSpPr>
         <p:spPr>
           <a:xfrm>
-            <a:off x="5224052" y="2134517"/>
+            <a:off x="5914520" y="2134517"/>
             <a:ext cx="1690167" cy="376085"/>
           </a:xfrm>
         </p:spPr>
@@ -6540,7 +6536,7 @@
           <a:p>
             <a:r>
               <a:rPr lang="en-US" dirty="0"/>
-              <a:t>(she/her)</a:t>
+              <a:t>(he/him)</a:t>
             </a:r>
           </a:p>
         </p:txBody>
@@ -6568,7 +6564,7 @@
           <a:p>
             <a:r>
               <a:rPr lang="en-US" dirty="0"/>
-              <a:t>Argonne National Laboratory</a:t>
+              <a:t>Oak Ridge National Laboratory</a:t>
             </a:r>
           </a:p>
         </p:txBody>
@@ -6606,7 +6602,7 @@
             </a:pPr>
             <a:r>
               <a:rPr lang="en-US" sz="2000" dirty="0"/>
-              <a:t>Better Scientific Software tutorial @ ISC23</a:t>
+              <a:t>Better Scientific Software tutorial @ NOAA Global Systems Laboratory </a:t>
             </a:r>
           </a:p>
         </p:txBody>
@@ -9642,49 +9638,31 @@
                   <a:srgbClr val="111111"/>
                 </a:solidFill>
                 <a:effectLst/>
-                <a:latin typeface="+mn-lt"/>
+                <a:latin typeface="+mj-lt"/>
               </a:rPr>
-              <a:t>Anshu Dubey and David M. Rogers, Better Scientific Software tutorial, in ISC High Performance, Hamburg, Germany and online, 2023. DOI: </a:t>
-            </a:r>
-            <a:r>
-              <a:rPr lang="en-US" sz="1600" b="0" i="0" u="sng" dirty="0">
+              <a:t>David E. Bernholdt, Anshu Dubey, and Patricia A. Grubel, Better Scientific Software tutorial, in NOAA Global Systems Laboratory, Boulder, Colorado, 2023. DOI: </a:t>
+            </a:r>
+            <a:r>
+              <a:rPr lang="en-US" sz="1600" b="0" i="0" u="none" strike="noStrike" dirty="0">
+                <a:solidFill>
+                  <a:srgbClr val="2A7AE2"/>
+                </a:solidFill>
+                <a:effectLst/>
+                <a:latin typeface="+mj-lt"/>
+                <a:hlinkClick r:id="rId4"/>
+              </a:rPr>
+              <a:t>10.6084/m9.figshare.23796606</a:t>
+            </a:r>
+            <a:r>
+              <a:rPr lang="en-US" sz="1600" b="0" i="0" dirty="0">
                 <a:solidFill>
                   <a:srgbClr val="111111"/>
                 </a:solidFill>
                 <a:effectLst/>
-                <a:latin typeface="+mn-lt"/>
-                <a:hlinkClick r:id="rId4"/>
-              </a:rPr>
-              <a:t>10.6084/m9.figshare</a:t>
-            </a:r>
-            <a:r>
-              <a:rPr lang="en-US" sz="1600" b="0" i="0" u="sng">
-                <a:solidFill>
-                  <a:srgbClr val="111111"/>
-                </a:solidFill>
-                <a:effectLst/>
-                <a:latin typeface="+mn-lt"/>
-                <a:hlinkClick r:id="rId4"/>
-              </a:rPr>
-              <a:t>.22790762</a:t>
-            </a:r>
-            <a:r>
-              <a:rPr lang="en-US" sz="1600" b="0" i="0">
-                <a:solidFill>
-                  <a:srgbClr val="111111"/>
-                </a:solidFill>
-                <a:effectLst/>
-                <a:latin typeface="+mn-lt"/>
+                <a:latin typeface="+mj-lt"/>
               </a:rPr>
               <a:t>.</a:t>
             </a:r>
-            <a:endParaRPr lang="en-US" sz="1600" b="0" i="0" dirty="0">
-              <a:solidFill>
-                <a:srgbClr val="111111"/>
-              </a:solidFill>
-              <a:effectLst/>
-              <a:latin typeface="+mn-lt"/>
-            </a:endParaRPr>
           </a:p>
           <a:p>
             <a:pPr>
@@ -9854,7 +9832,7 @@
     </p:spTree>
     <p:extLst>
       <p:ext uri="{BB962C8B-B14F-4D97-AF65-F5344CB8AC3E}">
-        <p14:creationId xmlns:p14="http://schemas.microsoft.com/office/powerpoint/2010/main" val="978726433"/>
+        <p14:creationId xmlns:p14="http://schemas.microsoft.com/office/powerpoint/2010/main" val="1080259182"/>
       </p:ext>
     </p:extLst>
   </p:cSld>
@@ -13800,6 +13778,15 @@
 </file>
 
 <file path=customXml/item1.xml><?xml version="1.0" encoding="utf-8"?>
+<?mso-contentType ?>
+<FormTemplates xmlns="http://schemas.microsoft.com/sharepoint/v3/contenttype/forms">
+  <Display>DocumentLibraryForm</Display>
+  <Edit>DocumentLibraryForm</Edit>
+  <New>DocumentLibraryForm</New>
+</FormTemplates>
+</file>
+
+<file path=customXml/item2.xml><?xml version="1.0" encoding="utf-8"?>
 <ct:contentTypeSchema xmlns:ct="http://schemas.microsoft.com/office/2006/metadata/contentType" xmlns:ma="http://schemas.microsoft.com/office/2006/metadata/properties/metaAttributes" ct:_="" ma:_="" ma:contentTypeName="Document" ma:contentTypeID="0x010100565464437F680748A68B85EB6594EA7D" ma:contentTypeVersion="0" ma:contentTypeDescription="Create a new document." ma:contentTypeScope="" ma:versionID="fe3f4dd58d5914c51cfc6deaa8ad845c">
   <xsd:schema xmlns:xsd="http://www.w3.org/2001/XMLSchema" xmlns:p="http://schemas.microsoft.com/office/2006/metadata/properties" targetNamespace="http://schemas.microsoft.com/office/2006/metadata/properties" ma:root="true" ma:fieldsID="4aeb20c0e3442673af7ee10786458764">
     <xsd:element name="properties">
@@ -13848,15 +13835,6 @@
 </ct:contentTypeSchema>
 </file>
 
-<file path=customXml/item2.xml><?xml version="1.0" encoding="utf-8"?>
-<?mso-contentType ?>
-<FormTemplates xmlns="http://schemas.microsoft.com/sharepoint/v3/contenttype/forms">
-  <Display>DocumentLibraryForm</Display>
-  <Edit>DocumentLibraryForm</Edit>
-  <New>DocumentLibraryForm</New>
-</FormTemplates>
-</file>
-
 <file path=customXml/item3.xml><?xml version="1.0" encoding="utf-8"?>
 <p:properties xmlns:p="http://schemas.microsoft.com/office/2006/metadata/properties" xmlns:xsi="http://www.w3.org/2001/XMLSchema-instance" xmlns:pc="http://schemas.microsoft.com/office/infopath/2007/PartnerControls">
   <documentManagement/>
@@ -13864,6 +13842,14 @@
 </file>
 
 <file path=customXml/itemProps1.xml><?xml version="1.0" encoding="utf-8"?>
+<ds:datastoreItem xmlns:ds="http://schemas.openxmlformats.org/officeDocument/2006/customXml" ds:itemID="{19E20559-B232-4371-8690-E3D8007EDB82}">
+  <ds:schemaRefs>
+    <ds:schemaRef ds:uri="http://schemas.microsoft.com/sharepoint/v3/contenttype/forms"/>
+  </ds:schemaRefs>
+</ds:datastoreItem>
+</file>
+
+<file path=customXml/itemProps2.xml><?xml version="1.0" encoding="utf-8"?>
 <ds:datastoreItem xmlns:ds="http://schemas.openxmlformats.org/officeDocument/2006/customXml" ds:itemID="{E8DB7DEB-074E-4EE8-9B6E-FD277323109C}">
   <ds:schemaRefs>
     <ds:schemaRef ds:uri="http://schemas.microsoft.com/office/2006/metadata/contentType"/>
@@ -13874,14 +13860,6 @@
     <ds:schemaRef ds:uri="http://purl.org/dc/elements/1.1/"/>
     <ds:schemaRef ds:uri="http://purl.org/dc/terms/"/>
     <ds:schemaRef ds:uri="http://schemas.microsoft.com/office/internal/2005/internalDocumentation"/>
-  </ds:schemaRefs>
-</ds:datastoreItem>
-</file>
-
-<file path=customXml/itemProps2.xml><?xml version="1.0" encoding="utf-8"?>
-<ds:datastoreItem xmlns:ds="http://schemas.openxmlformats.org/officeDocument/2006/customXml" ds:itemID="{19E20559-B232-4371-8690-E3D8007EDB82}">
-  <ds:schemaRefs>
-    <ds:schemaRef ds:uri="http://schemas.microsoft.com/sharepoint/v3/contenttype/forms"/>
   </ds:schemaRefs>
 </ds:datastoreItem>
 </file>

--- a/lab-notebooks.pptx
+++ b/lab-notebooks.pptx
@@ -12,7 +12,7 @@
   </p:handoutMasterIdLst>
   <p:sldIdLst>
     <p:sldId id="256" r:id="rId5"/>
-    <p:sldId id="350" r:id="rId6"/>
+    <p:sldId id="320" r:id="rId6"/>
     <p:sldId id="349" r:id="rId7"/>
     <p:sldId id="322" r:id="rId8"/>
     <p:sldId id="325" r:id="rId9"/>
@@ -283,7 +283,7 @@
           <a:p>
             <a:fld id="{0B842F42-2CE9-4E35-95C1-410DC08A50B1}" type="datetimeFigureOut">
               <a:rPr lang="en-US" smtClean="0"/>
-              <a:t>7/28/2023</a:t>
+              <a:t>10/26/2023</a:t>
             </a:fld>
             <a:endParaRPr lang="en-US"/>
           </a:p>
@@ -448,7 +448,7 @@
           <a:p>
             <a:fld id="{6F282904-F315-4730-8D91-37D99E141A6F}" type="datetimeFigureOut">
               <a:rPr lang="en-US" smtClean="0"/>
-              <a:t>7/28/2023</a:t>
+              <a:t>10/26/2023</a:t>
             </a:fld>
             <a:endParaRPr lang="en-US"/>
           </a:p>
@@ -6595,14 +6595,25 @@
           <a:bodyPr/>
           <a:lstStyle/>
           <a:p>
-            <a:pPr>
-              <a:spcBef>
-                <a:spcPts val="2800"/>
-              </a:spcBef>
-            </a:pPr>
+            <a:r>
+              <a:rPr lang="en-US" sz="2000" b="0" i="0" dirty="0">
+                <a:solidFill>
+                  <a:srgbClr val="111111"/>
+                </a:solidFill>
+                <a:effectLst/>
+                <a:latin typeface="+mn-lt"/>
+              </a:rPr>
+              <a:t>Better Software for Reproducible Science tutorial</a:t>
+            </a:r>
+            <a:r>
+              <a:rPr lang="en-US" sz="2000" dirty="0">
+                <a:latin typeface="+mn-lt"/>
+              </a:rPr>
+              <a:t> </a:t>
+            </a:r>
             <a:r>
               <a:rPr lang="en-US" sz="2000" dirty="0"/>
-              <a:t>Better Scientific Software tutorial @ NOAA Global Systems Laboratory </a:t>
+              <a:t>@ SC23</a:t>
             </a:r>
           </a:p>
         </p:txBody>
@@ -9638,9 +9649,9 @@
                   <a:srgbClr val="111111"/>
                 </a:solidFill>
                 <a:effectLst/>
-                <a:latin typeface="+mj-lt"/>
+                <a:latin typeface="+mn-lt"/>
               </a:rPr>
-              <a:t>David E. Bernholdt, Anshu Dubey, and Patricia A. Grubel, Better Scientific Software tutorial, in NOAA Global Systems Laboratory, Boulder, Colorado, 2023. DOI: </a:t>
+              <a:t>David E. Bernholdt, Patricia A. Grubel, David M. Rogers, and Gregory R. Watson, Better Software for Reproducible Science tutorial, in The International Conference for High-Performance Computing, Networking, Storage, and Analysis (SC23), Denver, Colorado, 2023. DOI: </a:t>
             </a:r>
             <a:r>
               <a:rPr lang="en-US" sz="1600" b="0" i="0" u="none" strike="noStrike" dirty="0">
@@ -9648,10 +9659,10 @@
                   <a:srgbClr val="2A7AE2"/>
                 </a:solidFill>
                 <a:effectLst/>
-                <a:latin typeface="+mj-lt"/>
+                <a:latin typeface="+mn-lt"/>
                 <a:hlinkClick r:id="rId4"/>
               </a:rPr>
-              <a:t>10.6084/m9.figshare.23796606</a:t>
+              <a:t>10.6084/m9.figshare.24226105</a:t>
             </a:r>
             <a:r>
               <a:rPr lang="en-US" sz="1600" b="0" i="0" dirty="0">
@@ -9659,7 +9670,7 @@
                   <a:srgbClr val="111111"/>
                 </a:solidFill>
                 <a:effectLst/>
-                <a:latin typeface="+mj-lt"/>
+                <a:latin typeface="+mn-lt"/>
               </a:rPr>
               <a:t>.</a:t>
             </a:r>
@@ -9832,7 +9843,7 @@
     </p:spTree>
     <p:extLst>
       <p:ext uri="{BB962C8B-B14F-4D97-AF65-F5344CB8AC3E}">
-        <p14:creationId xmlns:p14="http://schemas.microsoft.com/office/powerpoint/2010/main" val="1080259182"/>
+        <p14:creationId xmlns:p14="http://schemas.microsoft.com/office/powerpoint/2010/main" val="978726433"/>
       </p:ext>
     </p:extLst>
   </p:cSld>
@@ -13778,15 +13789,6 @@
 </file>
 
 <file path=customXml/item1.xml><?xml version="1.0" encoding="utf-8"?>
-<?mso-contentType ?>
-<FormTemplates xmlns="http://schemas.microsoft.com/sharepoint/v3/contenttype/forms">
-  <Display>DocumentLibraryForm</Display>
-  <Edit>DocumentLibraryForm</Edit>
-  <New>DocumentLibraryForm</New>
-</FormTemplates>
-</file>
-
-<file path=customXml/item2.xml><?xml version="1.0" encoding="utf-8"?>
 <ct:contentTypeSchema xmlns:ct="http://schemas.microsoft.com/office/2006/metadata/contentType" xmlns:ma="http://schemas.microsoft.com/office/2006/metadata/properties/metaAttributes" ct:_="" ma:_="" ma:contentTypeName="Document" ma:contentTypeID="0x010100565464437F680748A68B85EB6594EA7D" ma:contentTypeVersion="0" ma:contentTypeDescription="Create a new document." ma:contentTypeScope="" ma:versionID="fe3f4dd58d5914c51cfc6deaa8ad845c">
   <xsd:schema xmlns:xsd="http://www.w3.org/2001/XMLSchema" xmlns:p="http://schemas.microsoft.com/office/2006/metadata/properties" targetNamespace="http://schemas.microsoft.com/office/2006/metadata/properties" ma:root="true" ma:fieldsID="4aeb20c0e3442673af7ee10786458764">
     <xsd:element name="properties">
@@ -13835,6 +13837,15 @@
 </ct:contentTypeSchema>
 </file>
 
+<file path=customXml/item2.xml><?xml version="1.0" encoding="utf-8"?>
+<?mso-contentType ?>
+<FormTemplates xmlns="http://schemas.microsoft.com/sharepoint/v3/contenttype/forms">
+  <Display>DocumentLibraryForm</Display>
+  <Edit>DocumentLibraryForm</Edit>
+  <New>DocumentLibraryForm</New>
+</FormTemplates>
+</file>
+
 <file path=customXml/item3.xml><?xml version="1.0" encoding="utf-8"?>
 <p:properties xmlns:p="http://schemas.microsoft.com/office/2006/metadata/properties" xmlns:xsi="http://www.w3.org/2001/XMLSchema-instance" xmlns:pc="http://schemas.microsoft.com/office/infopath/2007/PartnerControls">
   <documentManagement/>
@@ -13842,14 +13853,6 @@
 </file>
 
 <file path=customXml/itemProps1.xml><?xml version="1.0" encoding="utf-8"?>
-<ds:datastoreItem xmlns:ds="http://schemas.openxmlformats.org/officeDocument/2006/customXml" ds:itemID="{19E20559-B232-4371-8690-E3D8007EDB82}">
-  <ds:schemaRefs>
-    <ds:schemaRef ds:uri="http://schemas.microsoft.com/sharepoint/v3/contenttype/forms"/>
-  </ds:schemaRefs>
-</ds:datastoreItem>
-</file>
-
-<file path=customXml/itemProps2.xml><?xml version="1.0" encoding="utf-8"?>
 <ds:datastoreItem xmlns:ds="http://schemas.openxmlformats.org/officeDocument/2006/customXml" ds:itemID="{E8DB7DEB-074E-4EE8-9B6E-FD277323109C}">
   <ds:schemaRefs>
     <ds:schemaRef ds:uri="http://schemas.microsoft.com/office/2006/metadata/contentType"/>
@@ -13860,6 +13863,14 @@
     <ds:schemaRef ds:uri="http://purl.org/dc/elements/1.1/"/>
     <ds:schemaRef ds:uri="http://purl.org/dc/terms/"/>
     <ds:schemaRef ds:uri="http://schemas.microsoft.com/office/internal/2005/internalDocumentation"/>
+  </ds:schemaRefs>
+</ds:datastoreItem>
+</file>
+
+<file path=customXml/itemProps2.xml><?xml version="1.0" encoding="utf-8"?>
+<ds:datastoreItem xmlns:ds="http://schemas.openxmlformats.org/officeDocument/2006/customXml" ds:itemID="{19E20559-B232-4371-8690-E3D8007EDB82}">
+  <ds:schemaRefs>
+    <ds:schemaRef ds:uri="http://schemas.microsoft.com/sharepoint/v3/contenttype/forms"/>
   </ds:schemaRefs>
 </ds:datastoreItem>
 </file>

--- a/lab-notebooks.pptx
+++ b/lab-notebooks.pptx
@@ -283,7 +283,7 @@
           <a:p>
             <a:fld id="{0B842F42-2CE9-4E35-95C1-410DC08A50B1}" type="datetimeFigureOut">
               <a:rPr lang="en-US" smtClean="0"/>
-              <a:t>10/26/2023</a:t>
+              <a:t>11/11/2023</a:t>
             </a:fld>
             <a:endParaRPr lang="en-US"/>
           </a:p>
@@ -448,7 +448,7 @@
           <a:p>
             <a:fld id="{6F282904-F315-4730-8D91-37D99E141A6F}" type="datetimeFigureOut">
               <a:rPr lang="en-US" smtClean="0"/>
-              <a:t>10/26/2023</a:t>
+              <a:t>11/11/2023</a:t>
             </a:fld>
             <a:endParaRPr lang="en-US"/>
           </a:p>
@@ -13789,6 +13789,15 @@
 </file>
 
 <file path=customXml/item1.xml><?xml version="1.0" encoding="utf-8"?>
+<?mso-contentType ?>
+<FormTemplates xmlns="http://schemas.microsoft.com/sharepoint/v3/contenttype/forms">
+  <Display>DocumentLibraryForm</Display>
+  <Edit>DocumentLibraryForm</Edit>
+  <New>DocumentLibraryForm</New>
+</FormTemplates>
+</file>
+
+<file path=customXml/item2.xml><?xml version="1.0" encoding="utf-8"?>
 <ct:contentTypeSchema xmlns:ct="http://schemas.microsoft.com/office/2006/metadata/contentType" xmlns:ma="http://schemas.microsoft.com/office/2006/metadata/properties/metaAttributes" ct:_="" ma:_="" ma:contentTypeName="Document" ma:contentTypeID="0x010100565464437F680748A68B85EB6594EA7D" ma:contentTypeVersion="0" ma:contentTypeDescription="Create a new document." ma:contentTypeScope="" ma:versionID="fe3f4dd58d5914c51cfc6deaa8ad845c">
   <xsd:schema xmlns:xsd="http://www.w3.org/2001/XMLSchema" xmlns:p="http://schemas.microsoft.com/office/2006/metadata/properties" targetNamespace="http://schemas.microsoft.com/office/2006/metadata/properties" ma:root="true" ma:fieldsID="4aeb20c0e3442673af7ee10786458764">
     <xsd:element name="properties">
@@ -13837,15 +13846,6 @@
 </ct:contentTypeSchema>
 </file>
 
-<file path=customXml/item2.xml><?xml version="1.0" encoding="utf-8"?>
-<?mso-contentType ?>
-<FormTemplates xmlns="http://schemas.microsoft.com/sharepoint/v3/contenttype/forms">
-  <Display>DocumentLibraryForm</Display>
-  <Edit>DocumentLibraryForm</Edit>
-  <New>DocumentLibraryForm</New>
-</FormTemplates>
-</file>
-
 <file path=customXml/item3.xml><?xml version="1.0" encoding="utf-8"?>
 <p:properties xmlns:p="http://schemas.microsoft.com/office/2006/metadata/properties" xmlns:xsi="http://www.w3.org/2001/XMLSchema-instance" xmlns:pc="http://schemas.microsoft.com/office/infopath/2007/PartnerControls">
   <documentManagement/>
@@ -13853,6 +13853,14 @@
 </file>
 
 <file path=customXml/itemProps1.xml><?xml version="1.0" encoding="utf-8"?>
+<ds:datastoreItem xmlns:ds="http://schemas.openxmlformats.org/officeDocument/2006/customXml" ds:itemID="{19E20559-B232-4371-8690-E3D8007EDB82}">
+  <ds:schemaRefs>
+    <ds:schemaRef ds:uri="http://schemas.microsoft.com/sharepoint/v3/contenttype/forms"/>
+  </ds:schemaRefs>
+</ds:datastoreItem>
+</file>
+
+<file path=customXml/itemProps2.xml><?xml version="1.0" encoding="utf-8"?>
 <ds:datastoreItem xmlns:ds="http://schemas.openxmlformats.org/officeDocument/2006/customXml" ds:itemID="{E8DB7DEB-074E-4EE8-9B6E-FD277323109C}">
   <ds:schemaRefs>
     <ds:schemaRef ds:uri="http://schemas.microsoft.com/office/2006/metadata/contentType"/>
@@ -13863,14 +13871,6 @@
     <ds:schemaRef ds:uri="http://purl.org/dc/elements/1.1/"/>
     <ds:schemaRef ds:uri="http://purl.org/dc/terms/"/>
     <ds:schemaRef ds:uri="http://schemas.microsoft.com/office/internal/2005/internalDocumentation"/>
-  </ds:schemaRefs>
-</ds:datastoreItem>
-</file>
-
-<file path=customXml/itemProps2.xml><?xml version="1.0" encoding="utf-8"?>
-<ds:datastoreItem xmlns:ds="http://schemas.openxmlformats.org/officeDocument/2006/customXml" ds:itemID="{19E20559-B232-4371-8690-E3D8007EDB82}">
-  <ds:schemaRefs>
-    <ds:schemaRef ds:uri="http://schemas.microsoft.com/sharepoint/v3/contenttype/forms"/>
   </ds:schemaRefs>
 </ds:datastoreItem>
 </file>

--- a/lab-notebooks.pptx
+++ b/lab-notebooks.pptx
@@ -11,7 +11,7 @@
     <p:handoutMasterId r:id="rId35"/>
   </p:handoutMasterIdLst>
   <p:sldIdLst>
-    <p:sldId id="256" r:id="rId5"/>
+    <p:sldId id="617" r:id="rId5"/>
     <p:sldId id="320" r:id="rId6"/>
     <p:sldId id="349" r:id="rId7"/>
     <p:sldId id="322" r:id="rId8"/>
@@ -283,7 +283,7 @@
           <a:p>
             <a:fld id="{0B842F42-2CE9-4E35-95C1-410DC08A50B1}" type="datetimeFigureOut">
               <a:rPr lang="en-US" smtClean="0"/>
-              <a:t>11/11/2023</a:t>
+              <a:t>3/19/24</a:t>
             </a:fld>
             <a:endParaRPr lang="en-US"/>
           </a:p>
@@ -448,7 +448,7 @@
           <a:p>
             <a:fld id="{6F282904-F315-4730-8D91-37D99E141A6F}" type="datetimeFigureOut">
               <a:rPr lang="en-US" smtClean="0"/>
-              <a:t>11/11/2023</a:t>
+              <a:t>3/19/24</a:t>
             </a:fld>
             <a:endParaRPr lang="en-US"/>
           </a:p>
@@ -761,7 +761,7 @@
           <a:p>
             <a:r>
               <a:rPr lang="en-US" dirty="0"/>
-              <a:t>This talk was designed for 45 minutes</a:t>
+              <a:t>Module designed with the expectation that attendees have a basic idea of what a lab notebook is as well as some experience (e.g., in university lab classes).</a:t>
             </a:r>
           </a:p>
           <a:p>
@@ -770,95 +770,16 @@
           <a:p>
             <a:r>
               <a:rPr lang="en-US" dirty="0"/>
-              <a:t>This is a journey because we ramp up from fundamental, high-level concepts, through documentation to a concrete example of documentation.  </a:t>
-            </a:r>
-            <a:r>
-              <a:rPr lang="en-US" dirty="0" err="1"/>
-              <a:t>Anshu</a:t>
-            </a:r>
-            <a:r>
-              <a:rPr lang="en-US" dirty="0"/>
-              <a:t> and I have designed this talk and the talk on lab environments that follows it so that one is the extension of the other.  The second acknowledges that lab notebooks don’t exist as a single entity but must be baked into a larger lab env.  </a:t>
-            </a:r>
-            <a:r>
-              <a:rPr lang="en-US" dirty="0" err="1"/>
-              <a:t>Anshu</a:t>
-            </a:r>
-            <a:r>
-              <a:rPr lang="en-US" dirty="0"/>
-              <a:t> caps it all off by discussing how to use a lab env in the larger scale of a research campaign.  In this case, we have structured the journey as a long, sustained bottom-up crescendo toward discussing the importance of scientific rigor in computational sciences in a way that will hopefully be immediately relatable to the audience’s life.  Hopefully, this will help them appreciate retroactively the mundane low-level details discussed earlier.</a:t>
+              <a:t>This is just a moment to confirm this and understand the bare minimum of what a lab notebook should do.  Put this up front so that people can relate slides to what they understand of lab notes.</a:t>
             </a:r>
           </a:p>
           <a:p>
             <a:endParaRPr lang="en-US" dirty="0"/>
           </a:p>
           <a:p>
-            <a:pPr marL="0" marR="0" lvl="0" indent="0" algn="l" defTabSz="914400" rtl="0" eaLnBrk="1" fontAlgn="auto" latinLnBrk="0" hangingPunct="1">
-              <a:lnSpc>
-                <a:spcPct val="100000"/>
-              </a:lnSpc>
-              <a:spcBef>
-                <a:spcPts val="0"/>
-              </a:spcBef>
-              <a:spcAft>
-                <a:spcPts val="0"/>
-              </a:spcAft>
-              <a:buClrTx/>
-              <a:buSzTx/>
-              <a:buFontTx/>
-              <a:buNone/>
-              <a:tabLst/>
-              <a:defRPr/>
-            </a:pPr>
-            <a:r>
-              <a:rPr lang="en-US" sz="1200" kern="1200" dirty="0">
-                <a:solidFill>
-                  <a:schemeClr val="tx1"/>
-                </a:solidFill>
-                <a:effectLst/>
-                <a:latin typeface="+mn-lt"/>
-                <a:ea typeface="+mn-ea"/>
-                <a:cs typeface="+mn-cs"/>
-              </a:rPr>
-              <a:t>This talk has grown from many interesting conversations that I have had with a variety of different computational sciences.  This includes different disciplines and different experience levels.  When I have these conversations, all parties generally tend to learn something.  This module will continue along those lines.  I am not here to convince anyone of anything.  I am not here to preach.  I am just here to present a novel experience. </a:t>
-            </a:r>
-            <a:endParaRPr lang="en-US" dirty="0"/>
-          </a:p>
-          <a:p>
-            <a:endParaRPr lang="en-US" dirty="0"/>
-          </a:p>
-          <a:p>
-            <a:r>
-              <a:rPr lang="en-US" dirty="0"/>
-              <a:t>If you look at the content of this </a:t>
-            </a:r>
-            <a:r>
-              <a:rPr lang="en-US" dirty="0" err="1"/>
-              <a:t>slidedeck</a:t>
-            </a:r>
-            <a:r>
-              <a:rPr lang="en-US" dirty="0"/>
-              <a:t> alone, the content fizzles out.  In particular, it just raises questions at the end.  Therefore, it should be stated up front that</a:t>
-            </a:r>
-          </a:p>
-          <a:p>
-            <a:pPr marL="171450" indent="-171450">
-              <a:buFont typeface="Arial" panose="020B0604020202020204" pitchFamily="34" charset="0"/>
-              <a:buChar char="•"/>
-            </a:pPr>
-            <a:r>
-              <a:rPr lang="en-US" dirty="0"/>
-              <a:t>There is no single format for a lab notebook.  It will depend on each user, on a team, on a project.  Also, the tools and needs will change with time.  Therefore, this is not a talk designed to inform or instruct.  It is a discussion and its intent is to get people thinking.</a:t>
-            </a:r>
-          </a:p>
-          <a:p>
-            <a:pPr marL="171450" indent="-171450">
-              <a:buFont typeface="Arial" panose="020B0604020202020204" pitchFamily="34" charset="0"/>
-              <a:buChar char="•"/>
-            </a:pPr>
-            <a:r>
-              <a:rPr lang="en-US" dirty="0"/>
-              <a:t>That this journey doesn’t end with this talk.  It flows into the next talk.</a:t>
+            <a:r>
+              <a:rPr lang="en-US" dirty="0"/>
+              <a:t>Emphasize that this is mostly likely the base minimum.  In this sense, the notebook is like a cookbook with a collection of recipes we want others to execute.</a:t>
             </a:r>
           </a:p>
         </p:txBody>
@@ -880,7 +801,7 @@
           <a:p>
             <a:fld id="{54E672D7-8E2D-4611-973D-F4591A707C34}" type="slidenum">
               <a:rPr lang="en-US" smtClean="0"/>
-              <a:t>1</a:t>
+              <a:t>3</a:t>
             </a:fld>
             <a:endParaRPr lang="en-US"/>
           </a:p>
@@ -889,7 +810,7 @@
     </p:spTree>
     <p:extLst>
       <p:ext uri="{BB962C8B-B14F-4D97-AF65-F5344CB8AC3E}">
-        <p14:creationId xmlns:p14="http://schemas.microsoft.com/office/powerpoint/2010/main" val="4134398682"/>
+        <p14:creationId xmlns:p14="http://schemas.microsoft.com/office/powerpoint/2010/main" val="95302566"/>
       </p:ext>
     </p:extLst>
   </p:cSld>
@@ -945,7 +866,7 @@
           <a:p>
             <a:r>
               <a:rPr lang="en-US" dirty="0"/>
-              <a:t>Documentation is capture, preserve, &amp; communicate</a:t>
+              <a:t>Automated is in quotes because the TIOs and astronomers still needed to input information into a system.  But there was a process for them to input such data into tools that aggregated their input with other notes.</a:t>
             </a:r>
           </a:p>
           <a:p>
@@ -954,14 +875,17 @@
           <a:p>
             <a:r>
               <a:rPr lang="en-US" dirty="0"/>
-              <a:t>Not all documents are alike.</a:t>
+              <a:t>Relate back to minimal lab notebook definition.  We want more that just a cookbook.</a:t>
             </a:r>
           </a:p>
           <a:p>
             <a:endParaRPr lang="en-US" dirty="0"/>
           </a:p>
           <a:p>
-            <a:endParaRPr lang="en-US" dirty="0"/>
+            <a:r>
+              <a:rPr lang="en-US" dirty="0"/>
+              <a:t>Notebooks serve as implicit communication</a:t>
+            </a:r>
           </a:p>
         </p:txBody>
       </p:sp>
@@ -982,7 +906,7 @@
           <a:p>
             <a:fld id="{54E672D7-8E2D-4611-973D-F4591A707C34}" type="slidenum">
               <a:rPr lang="en-US" smtClean="0"/>
-              <a:t>11</a:t>
+              <a:t>12</a:t>
             </a:fld>
             <a:endParaRPr lang="en-US"/>
           </a:p>
@@ -991,7 +915,7 @@
     </p:spTree>
     <p:extLst>
       <p:ext uri="{BB962C8B-B14F-4D97-AF65-F5344CB8AC3E}">
-        <p14:creationId xmlns:p14="http://schemas.microsoft.com/office/powerpoint/2010/main" val="4157260062"/>
+        <p14:creationId xmlns:p14="http://schemas.microsoft.com/office/powerpoint/2010/main" val="2141150432"/>
       </p:ext>
     </p:extLst>
   </p:cSld>
@@ -1045,28 +969,7 @@
           <a:bodyPr/>
           <a:lstStyle/>
           <a:p>
-            <a:r>
-              <a:rPr lang="en-US" dirty="0"/>
-              <a:t>Automated is in quotes because the TIOs and astronomers still needed to input information into a system.  But there was a process for them to input such data into tools that aggregated their input with other notes.</a:t>
-            </a:r>
-          </a:p>
-          <a:p>
             <a:endParaRPr lang="en-US" dirty="0"/>
-          </a:p>
-          <a:p>
-            <a:r>
-              <a:rPr lang="en-US" dirty="0"/>
-              <a:t>Relate back to minimal lab notebook definition.  We want more that just a cookbook.</a:t>
-            </a:r>
-          </a:p>
-          <a:p>
-            <a:endParaRPr lang="en-US" dirty="0"/>
-          </a:p>
-          <a:p>
-            <a:r>
-              <a:rPr lang="en-US" dirty="0"/>
-              <a:t>Notebooks serve as implicit communication</a:t>
-            </a:r>
           </a:p>
         </p:txBody>
       </p:sp>
@@ -1087,7 +990,7 @@
           <a:p>
             <a:fld id="{54E672D7-8E2D-4611-973D-F4591A707C34}" type="slidenum">
               <a:rPr lang="en-US" smtClean="0"/>
-              <a:t>12</a:t>
+              <a:t>13</a:t>
             </a:fld>
             <a:endParaRPr lang="en-US"/>
           </a:p>
@@ -1096,7 +999,7 @@
     </p:spTree>
     <p:extLst>
       <p:ext uri="{BB962C8B-B14F-4D97-AF65-F5344CB8AC3E}">
-        <p14:creationId xmlns:p14="http://schemas.microsoft.com/office/powerpoint/2010/main" val="2141150432"/>
+        <p14:creationId xmlns:p14="http://schemas.microsoft.com/office/powerpoint/2010/main" val="3785804979"/>
       </p:ext>
     </p:extLst>
   </p:cSld>
@@ -1150,7 +1053,19 @@
           <a:bodyPr/>
           <a:lstStyle/>
           <a:p>
+            <a:r>
+              <a:rPr lang="en-US" dirty="0"/>
+              <a:t>Procedures – someone with understanding writes down a recipe so that someone with knowledge can execute it.</a:t>
+            </a:r>
+          </a:p>
+          <a:p>
             <a:endParaRPr lang="en-US" dirty="0"/>
+          </a:p>
+          <a:p>
+            <a:r>
+              <a:rPr lang="en-US" dirty="0"/>
+              <a:t>How about, "I went into science because I hated English. Now you're telling me my English teacher was right?"</a:t>
+            </a:r>
           </a:p>
         </p:txBody>
       </p:sp>
@@ -1169,9 +1084,9 @@
           <a:bodyPr/>
           <a:lstStyle/>
           <a:p>
-            <a:fld id="{54E672D7-8E2D-4611-973D-F4591A707C34}" type="slidenum">
+            <a:fld id="{3EAA7A1A-8011-3A42-91B8-EE1BD44E4455}" type="slidenum">
               <a:rPr lang="en-US" smtClean="0"/>
-              <a:t>13</a:t>
+              <a:t>14</a:t>
             </a:fld>
             <a:endParaRPr lang="en-US"/>
           </a:p>
@@ -1180,7 +1095,7 @@
     </p:spTree>
     <p:extLst>
       <p:ext uri="{BB962C8B-B14F-4D97-AF65-F5344CB8AC3E}">
-        <p14:creationId xmlns:p14="http://schemas.microsoft.com/office/powerpoint/2010/main" val="3785804979"/>
+        <p14:creationId xmlns:p14="http://schemas.microsoft.com/office/powerpoint/2010/main" val="633075281"/>
       </p:ext>
     </p:extLst>
   </p:cSld>
@@ -1234,18 +1149,80 @@
           <a:bodyPr/>
           <a:lstStyle/>
           <a:p>
-            <a:r>
-              <a:rPr lang="en-US" dirty="0"/>
-              <a:t>Procedures – someone with understanding writes down a recipe so that someone with knowledge can execute it.</a:t>
-            </a:r>
-          </a:p>
-          <a:p>
+            <a:pPr marL="0" indent="0">
+              <a:buFont typeface="Arial" panose="020B0604020202020204" pitchFamily="34" charset="0"/>
+              <a:buNone/>
+            </a:pPr>
+            <a:r>
+              <a:rPr lang="en-US" dirty="0"/>
+              <a:t>Bad example is not at all comprehensive.  Imagine if we have three different researchers acquiring data and taking no notes or just these notes.  How can you stitch the whole data set together at the time much less at a later time?</a:t>
+            </a:r>
+          </a:p>
+          <a:p>
+            <a:pPr marL="171450" indent="-171450">
+              <a:buFont typeface="Arial" panose="020B0604020202020204" pitchFamily="34" charset="0"/>
+              <a:buChar char="•"/>
+            </a:pPr>
             <a:endParaRPr lang="en-US" dirty="0"/>
           </a:p>
           <a:p>
-            <a:r>
-              <a:rPr lang="en-US" dirty="0"/>
-              <a:t>How about, "I went into science because I hated English. Now you're telling me my English teacher was right?"</a:t>
+            <a:pPr marL="171450" indent="-171450">
+              <a:buFont typeface="Arial" panose="020B0604020202020204" pitchFamily="34" charset="0"/>
+              <a:buChar char="•"/>
+            </a:pPr>
+            <a:r>
+              <a:rPr lang="en-US" dirty="0"/>
+              <a:t>Doesn’t need to be exhaustive.  I can just leave myself some bread crumbs with the expectation that writing notes is easier, but recreating notes could be time consuming should I ever need to do so.</a:t>
+            </a:r>
+          </a:p>
+          <a:p>
+            <a:pPr marL="171450" indent="-171450">
+              <a:buFont typeface="Arial" panose="020B0604020202020204" pitchFamily="34" charset="0"/>
+              <a:buChar char="•"/>
+            </a:pPr>
+            <a:r>
+              <a:rPr lang="en-US" dirty="0"/>
+              <a:t>Are the bread crumbs enough?  Can they determine what flags are implied by debug version?  What about the full SW stack?  What about the SW stack for the analysis?  Is such detail needed for this stage of work and if not, is that filtering?</a:t>
+            </a:r>
+          </a:p>
+          <a:p>
+            <a:pPr marL="171450" indent="-171450">
+              <a:buFont typeface="Arial" panose="020B0604020202020204" pitchFamily="34" charset="0"/>
+              <a:buChar char="•"/>
+            </a:pPr>
+            <a:r>
+              <a:rPr lang="en-US" dirty="0"/>
+              <a:t>Note that the build logs are acting as lab notes.</a:t>
+            </a:r>
+          </a:p>
+          <a:p>
+            <a:pPr marL="171450" indent="-171450">
+              <a:buFont typeface="Arial" panose="020B0604020202020204" pitchFamily="34" charset="0"/>
+              <a:buChar char="•"/>
+            </a:pPr>
+            <a:r>
+              <a:rPr lang="en-US" dirty="0"/>
+              <a:t>Note also, that we could have included git information in the build logs to make things simpler.</a:t>
+            </a:r>
+          </a:p>
+          <a:p>
+            <a:pPr marL="171450" indent="-171450">
+              <a:buFont typeface="Arial" panose="020B0604020202020204" pitchFamily="34" charset="0"/>
+              <a:buChar char="•"/>
+            </a:pPr>
+            <a:r>
+              <a:rPr lang="en-US" dirty="0"/>
+              <a:t>We likely should have included a graphic that points out missing peak.  Annotating the graphic with what was expected would be nice.</a:t>
+            </a:r>
+          </a:p>
+          <a:p>
+            <a:pPr marL="171450" indent="-171450">
+              <a:buFont typeface="Arial" panose="020B0604020202020204" pitchFamily="34" charset="0"/>
+              <a:buChar char="•"/>
+            </a:pPr>
+            <a:r>
+              <a:rPr lang="en-US" dirty="0"/>
+              <a:t>The better example is also not great.</a:t>
             </a:r>
           </a:p>
         </p:txBody>
@@ -1265,9 +1242,9 @@
           <a:bodyPr/>
           <a:lstStyle/>
           <a:p>
-            <a:fld id="{3EAA7A1A-8011-3A42-91B8-EE1BD44E4455}" type="slidenum">
+            <a:fld id="{54E672D7-8E2D-4611-973D-F4591A707C34}" type="slidenum">
               <a:rPr lang="en-US" smtClean="0"/>
-              <a:t>14</a:t>
+              <a:t>15</a:t>
             </a:fld>
             <a:endParaRPr lang="en-US"/>
           </a:p>
@@ -1276,7 +1253,7 @@
     </p:spTree>
     <p:extLst>
       <p:ext uri="{BB962C8B-B14F-4D97-AF65-F5344CB8AC3E}">
-        <p14:creationId xmlns:p14="http://schemas.microsoft.com/office/powerpoint/2010/main" val="633075281"/>
+        <p14:creationId xmlns:p14="http://schemas.microsoft.com/office/powerpoint/2010/main" val="1636867555"/>
       </p:ext>
     </p:extLst>
   </p:cSld>
@@ -1330,80 +1307,27 @@
           <a:bodyPr/>
           <a:lstStyle/>
           <a:p>
-            <a:pPr marL="0" indent="0">
-              <a:buFont typeface="Arial" panose="020B0604020202020204" pitchFamily="34" charset="0"/>
-              <a:buNone/>
-            </a:pPr>
-            <a:r>
-              <a:rPr lang="en-US" dirty="0"/>
-              <a:t>Bad example is not at all comprehensive.  Imagine if we have three different researchers acquiring data and taking no notes or just these notes.  How can you stitch the whole data set together at the time much less at a later time?</a:t>
-            </a:r>
-          </a:p>
-          <a:p>
-            <a:pPr marL="171450" indent="-171450">
-              <a:buFont typeface="Arial" panose="020B0604020202020204" pitchFamily="34" charset="0"/>
-              <a:buChar char="•"/>
-            </a:pPr>
+            <a:r>
+              <a:rPr lang="en-US" dirty="0"/>
+              <a:t>Don’t say so much about paper &amp; pen since it won’t work.  This will save time.  Still worthwhile saying why paper &amp; pen is good.</a:t>
+            </a:r>
+          </a:p>
+          <a:p>
             <a:endParaRPr lang="en-US" dirty="0"/>
           </a:p>
           <a:p>
-            <a:pPr marL="171450" indent="-171450">
-              <a:buFont typeface="Arial" panose="020B0604020202020204" pitchFamily="34" charset="0"/>
-              <a:buChar char="•"/>
-            </a:pPr>
-            <a:r>
-              <a:rPr lang="en-US" dirty="0"/>
-              <a:t>Doesn’t need to be exhaustive.  I can just leave myself some bread crumbs with the expectation that writing notes is easier, but recreating notes could be time consuming should I ever need to do so.</a:t>
-            </a:r>
-          </a:p>
-          <a:p>
-            <a:pPr marL="171450" indent="-171450">
-              <a:buFont typeface="Arial" panose="020B0604020202020204" pitchFamily="34" charset="0"/>
-              <a:buChar char="•"/>
-            </a:pPr>
-            <a:r>
-              <a:rPr lang="en-US" dirty="0"/>
-              <a:t>Are the bread crumbs enough?  Can they determine what flags are implied by debug version?  What about the full SW stack?  What about the SW stack for the analysis?  Is such detail needed for this stage of work and if not, is that filtering?</a:t>
-            </a:r>
-          </a:p>
-          <a:p>
-            <a:pPr marL="171450" indent="-171450">
-              <a:buFont typeface="Arial" panose="020B0604020202020204" pitchFamily="34" charset="0"/>
-              <a:buChar char="•"/>
-            </a:pPr>
-            <a:r>
-              <a:rPr lang="en-US" dirty="0"/>
-              <a:t>Note that the build logs are acting as lab notes.</a:t>
-            </a:r>
-          </a:p>
-          <a:p>
-            <a:pPr marL="171450" indent="-171450">
-              <a:buFont typeface="Arial" panose="020B0604020202020204" pitchFamily="34" charset="0"/>
-              <a:buChar char="•"/>
-            </a:pPr>
-            <a:r>
-              <a:rPr lang="en-US" dirty="0"/>
-              <a:t>Note also, that we could have included git information in the build logs to make things simpler.</a:t>
-            </a:r>
-          </a:p>
-          <a:p>
-            <a:pPr marL="171450" indent="-171450">
-              <a:buFont typeface="Arial" panose="020B0604020202020204" pitchFamily="34" charset="0"/>
-              <a:buChar char="•"/>
-            </a:pPr>
-            <a:r>
-              <a:rPr lang="en-US" dirty="0"/>
-              <a:t>We likely should have included a graphic that points out missing peak.  Annotating the graphic with what was expected would be nice.</a:t>
-            </a:r>
-          </a:p>
-          <a:p>
-            <a:pPr marL="171450" indent="-171450">
-              <a:buFont typeface="Arial" panose="020B0604020202020204" pitchFamily="34" charset="0"/>
-              <a:buChar char="•"/>
-            </a:pPr>
-            <a:r>
-              <a:rPr lang="en-US" dirty="0"/>
-              <a:t>The better example is also not great.</a:t>
+            <a:r>
+              <a:rPr lang="en-US" dirty="0"/>
+              <a:t>Emphasize how difficult it is to choose the solutions and that clearly, then, each team will need to figure out what they need to use.</a:t>
+            </a:r>
+          </a:p>
+          <a:p>
+            <a:endParaRPr lang="en-US" dirty="0"/>
+          </a:p>
+          <a:p>
+            <a:r>
+              <a:rPr lang="en-US" dirty="0"/>
+              <a:t>Need to find a solution that, among other things, makes it as easy as possible to write notes.  Especially important since no one likes writing lab notes…</a:t>
             </a:r>
           </a:p>
         </p:txBody>
@@ -1423,9 +1347,9 @@
           <a:bodyPr/>
           <a:lstStyle/>
           <a:p>
-            <a:fld id="{54E672D7-8E2D-4611-973D-F4591A707C34}" type="slidenum">
+            <a:fld id="{3EAA7A1A-8011-3A42-91B8-EE1BD44E4455}" type="slidenum">
               <a:rPr lang="en-US" smtClean="0"/>
-              <a:t>15</a:t>
+              <a:t>16</a:t>
             </a:fld>
             <a:endParaRPr lang="en-US"/>
           </a:p>
@@ -1434,7 +1358,7 @@
     </p:spTree>
     <p:extLst>
       <p:ext uri="{BB962C8B-B14F-4D97-AF65-F5344CB8AC3E}">
-        <p14:creationId xmlns:p14="http://schemas.microsoft.com/office/powerpoint/2010/main" val="1636867555"/>
+        <p14:creationId xmlns:p14="http://schemas.microsoft.com/office/powerpoint/2010/main" val="3564644443"/>
       </p:ext>
     </p:extLst>
   </p:cSld>
@@ -1488,111 +1412,6 @@
           <a:bodyPr/>
           <a:lstStyle/>
           <a:p>
-            <a:r>
-              <a:rPr lang="en-US" dirty="0"/>
-              <a:t>Don’t say so much about paper &amp; pen since it won’t work.  This will save time.  Still worthwhile saying why paper &amp; pen is good.</a:t>
-            </a:r>
-          </a:p>
-          <a:p>
-            <a:endParaRPr lang="en-US" dirty="0"/>
-          </a:p>
-          <a:p>
-            <a:r>
-              <a:rPr lang="en-US" dirty="0"/>
-              <a:t>Emphasize how difficult it is to choose the solutions and that clearly, then, each team will need to figure out what they need to use.</a:t>
-            </a:r>
-          </a:p>
-          <a:p>
-            <a:endParaRPr lang="en-US" dirty="0"/>
-          </a:p>
-          <a:p>
-            <a:r>
-              <a:rPr lang="en-US" dirty="0"/>
-              <a:t>Need to find a solution that, among other things, makes it as easy as possible to write notes.  Especially important since no one likes writing lab notes…</a:t>
-            </a:r>
-          </a:p>
-        </p:txBody>
-      </p:sp>
-      <p:sp>
-        <p:nvSpPr>
-          <p:cNvPr id="4" name="Slide Number Placeholder 3"/>
-          <p:cNvSpPr>
-            <a:spLocks noGrp="1"/>
-          </p:cNvSpPr>
-          <p:nvPr>
-            <p:ph type="sldNum" sz="quarter" idx="5"/>
-          </p:nvPr>
-        </p:nvSpPr>
-        <p:spPr/>
-        <p:txBody>
-          <a:bodyPr/>
-          <a:lstStyle/>
-          <a:p>
-            <a:fld id="{3EAA7A1A-8011-3A42-91B8-EE1BD44E4455}" type="slidenum">
-              <a:rPr lang="en-US" smtClean="0"/>
-              <a:t>16</a:t>
-            </a:fld>
-            <a:endParaRPr lang="en-US"/>
-          </a:p>
-        </p:txBody>
-      </p:sp>
-    </p:spTree>
-    <p:extLst>
-      <p:ext uri="{BB962C8B-B14F-4D97-AF65-F5344CB8AC3E}">
-        <p14:creationId xmlns:p14="http://schemas.microsoft.com/office/powerpoint/2010/main" val="3564644443"/>
-      </p:ext>
-    </p:extLst>
-  </p:cSld>
-  <p:clrMapOvr>
-    <a:masterClrMapping/>
-  </p:clrMapOvr>
-</p:notes>
-</file>
-
-<file path=ppt/notesSlides/notesSlide16.xml><?xml version="1.0" encoding="utf-8"?>
-<p:notes xmlns:a="http://schemas.openxmlformats.org/drawingml/2006/main" xmlns:r="http://schemas.openxmlformats.org/officeDocument/2006/relationships" xmlns:p="http://schemas.openxmlformats.org/presentationml/2006/main">
-  <p:cSld>
-    <p:spTree>
-      <p:nvGrpSpPr>
-        <p:cNvPr id="1" name=""/>
-        <p:cNvGrpSpPr/>
-        <p:nvPr/>
-      </p:nvGrpSpPr>
-      <p:grpSpPr>
-        <a:xfrm>
-          <a:off x="0" y="0"/>
-          <a:ext cx="0" cy="0"/>
-          <a:chOff x="0" y="0"/>
-          <a:chExt cx="0" cy="0"/>
-        </a:xfrm>
-      </p:grpSpPr>
-      <p:sp>
-        <p:nvSpPr>
-          <p:cNvPr id="2" name="Slide Image Placeholder 1"/>
-          <p:cNvSpPr>
-            <a:spLocks noGrp="1" noRot="1" noChangeAspect="1"/>
-          </p:cNvSpPr>
-          <p:nvPr>
-            <p:ph type="sldImg"/>
-          </p:nvPr>
-        </p:nvSpPr>
-        <p:spPr/>
-      </p:sp>
-      <p:sp>
-        <p:nvSpPr>
-          <p:cNvPr id="3" name="Notes Placeholder 2"/>
-          <p:cNvSpPr>
-            <a:spLocks noGrp="1"/>
-          </p:cNvSpPr>
-          <p:nvPr>
-            <p:ph type="body" idx="1"/>
-          </p:nvPr>
-        </p:nvSpPr>
-        <p:spPr/>
-        <p:txBody>
-          <a:bodyPr/>
-          <a:lstStyle/>
-          <a:p>
             <a:endParaRPr lang="en-US" dirty="0"/>
           </a:p>
         </p:txBody>
@@ -1633,7 +1452,7 @@
 </p:notes>
 </file>
 
-<file path=ppt/notesSlides/notesSlide17.xml><?xml version="1.0" encoding="utf-8"?>
+<file path=ppt/notesSlides/notesSlide16.xml><?xml version="1.0" encoding="utf-8"?>
 <p:notes xmlns:a="http://schemas.openxmlformats.org/drawingml/2006/main" xmlns:r="http://schemas.openxmlformats.org/officeDocument/2006/relationships" xmlns:p="http://schemas.openxmlformats.org/presentationml/2006/main">
   <p:cSld>
     <p:spTree>
@@ -1763,7 +1582,37 @@
           <a:p>
             <a:r>
               <a:rPr lang="en-US" dirty="0"/>
-              <a:t>Module designed with the expectation that attendees have a basic idea of what a lab notebook is as well as some experience (e.g., in university lab classes).</a:t>
+              <a:t>Emphasize that Katherine’s quote has three main points, each of which resonates with me.</a:t>
+            </a:r>
+          </a:p>
+          <a:p>
+            <a:pPr marL="171450" indent="-171450">
+              <a:buFont typeface="Arial" panose="020B0604020202020204" pitchFamily="34" charset="0"/>
+              <a:buChar char="•"/>
+            </a:pPr>
+            <a:r>
+              <a:rPr lang="en-US" dirty="0"/>
+              <a:t>low-level science practices are required to do rigorous, reproducible science</a:t>
+            </a:r>
+          </a:p>
+          <a:p>
+            <a:pPr marL="171450" indent="-171450">
+              <a:buFont typeface="Arial" panose="020B0604020202020204" pitchFamily="34" charset="0"/>
+              <a:buChar char="•"/>
+            </a:pPr>
+            <a:r>
+              <a:rPr lang="en-US" dirty="0"/>
+              <a:t>Experimentalists do understand this</a:t>
+            </a:r>
+          </a:p>
+          <a:p>
+            <a:pPr marL="171450" indent="-171450">
+              <a:buFont typeface="Arial" panose="020B0604020202020204" pitchFamily="34" charset="0"/>
+              <a:buChar char="•"/>
+            </a:pPr>
+            <a:r>
+              <a:rPr lang="en-US" dirty="0"/>
+              <a:t>Computational science not so much</a:t>
             </a:r>
           </a:p>
           <a:p>
@@ -1772,7 +1621,57 @@
           <a:p>
             <a:r>
               <a:rPr lang="en-US" dirty="0"/>
-              <a:t>This is just a moment to confirm this and understand the bare minimum of what a lab notebook should do.  Put this up front so that people can relate slides to what they understand of lab notes.</a:t>
+              <a:t>What does she mean by software practices</a:t>
+            </a:r>
+          </a:p>
+          <a:p>
+            <a:pPr marL="171450" indent="-171450">
+              <a:buFont typeface="Arial" panose="020B0604020202020204" pitchFamily="34" charset="0"/>
+              <a:buChar char="•"/>
+            </a:pPr>
+            <a:r>
+              <a:rPr lang="en-US" dirty="0"/>
+              <a:t>Design and implement software following best practices</a:t>
+            </a:r>
+          </a:p>
+          <a:p>
+            <a:pPr marL="171450" indent="-171450">
+              <a:buFont typeface="Arial" panose="020B0604020202020204" pitchFamily="34" charset="0"/>
+              <a:buChar char="•"/>
+            </a:pPr>
+            <a:r>
+              <a:rPr lang="en-US" dirty="0"/>
+              <a:t>Test your code</a:t>
+            </a:r>
+          </a:p>
+          <a:p>
+            <a:pPr marL="171450" indent="-171450">
+              <a:buFont typeface="Arial" panose="020B0604020202020204" pitchFamily="34" charset="0"/>
+              <a:buChar char="•"/>
+            </a:pPr>
+            <a:r>
+              <a:rPr lang="en-US" dirty="0"/>
+              <a:t>Use version control and use it well</a:t>
+            </a:r>
+          </a:p>
+          <a:p>
+            <a:pPr marL="171450" indent="-171450">
+              <a:buFont typeface="Arial" panose="020B0604020202020204" pitchFamily="34" charset="0"/>
+              <a:buChar char="•"/>
+            </a:pPr>
+            <a:r>
+              <a:rPr lang="en-US" dirty="0"/>
+              <a:t>Code reviews</a:t>
+            </a:r>
+          </a:p>
+          <a:p>
+            <a:pPr marL="171450" indent="-171450">
+              <a:buFont typeface="Arial" panose="020B0604020202020204" pitchFamily="34" charset="0"/>
+              <a:buChar char="•"/>
+            </a:pPr>
+            <a:r>
+              <a:rPr lang="en-US" dirty="0"/>
+              <a:t>Documentation (e.g., document your assumptions)</a:t>
             </a:r>
           </a:p>
           <a:p>
@@ -1781,7 +1680,15 @@
           <a:p>
             <a:r>
               <a:rPr lang="en-US" dirty="0"/>
-              <a:t>Emphasize that this is mostly likely the base minimum.  In this sense, the notebook is like a cookbook with a collection of recipes we want others to execute.</a:t>
+              <a:t>Many people refer to software practices as “software engineering”.  I whole-heartedly disagree with this.  I understand this work to be foundational, bedrock science that is required to do high-quality trustworthy high-level science.  The people in charge of the high-level science need to control &amp; own the low-level science because they know what is needed to do good research.  But, we need not reinvent the wheel.  We can learn from the SW </a:t>
+            </a:r>
+            <a:r>
+              <a:rPr lang="en-US" dirty="0" err="1"/>
+              <a:t>Eng</a:t>
+            </a:r>
+            <a:r>
+              <a:rPr lang="en-US" dirty="0"/>
+              <a:t> community and adapt what they know and use.</a:t>
             </a:r>
           </a:p>
         </p:txBody>
@@ -1803,7 +1710,7 @@
           <a:p>
             <a:fld id="{54E672D7-8E2D-4611-973D-F4591A707C34}" type="slidenum">
               <a:rPr lang="en-US" smtClean="0"/>
-              <a:t>3</a:t>
+              <a:t>4</a:t>
             </a:fld>
             <a:endParaRPr lang="en-US"/>
           </a:p>
@@ -1812,7 +1719,7 @@
     </p:spTree>
     <p:extLst>
       <p:ext uri="{BB962C8B-B14F-4D97-AF65-F5344CB8AC3E}">
-        <p14:creationId xmlns:p14="http://schemas.microsoft.com/office/powerpoint/2010/main" val="95302566"/>
+        <p14:creationId xmlns:p14="http://schemas.microsoft.com/office/powerpoint/2010/main" val="1936705258"/>
       </p:ext>
     </p:extLst>
   </p:cSld>
@@ -1868,37 +1775,7 @@
           <a:p>
             <a:r>
               <a:rPr lang="en-US" dirty="0"/>
-              <a:t>Emphasize that Katherine’s quote has three main points, each of which resonates with me.</a:t>
-            </a:r>
-          </a:p>
-          <a:p>
-            <a:pPr marL="171450" indent="-171450">
-              <a:buFont typeface="Arial" panose="020B0604020202020204" pitchFamily="34" charset="0"/>
-              <a:buChar char="•"/>
-            </a:pPr>
-            <a:r>
-              <a:rPr lang="en-US" dirty="0"/>
-              <a:t>low-level science practices are required to do rigorous, reproducible science</a:t>
-            </a:r>
-          </a:p>
-          <a:p>
-            <a:pPr marL="171450" indent="-171450">
-              <a:buFont typeface="Arial" panose="020B0604020202020204" pitchFamily="34" charset="0"/>
-              <a:buChar char="•"/>
-            </a:pPr>
-            <a:r>
-              <a:rPr lang="en-US" dirty="0"/>
-              <a:t>Experimentalists do understand this</a:t>
-            </a:r>
-          </a:p>
-          <a:p>
-            <a:pPr marL="171450" indent="-171450">
-              <a:buFont typeface="Arial" panose="020B0604020202020204" pitchFamily="34" charset="0"/>
-              <a:buChar char="•"/>
-            </a:pPr>
-            <a:r>
-              <a:rPr lang="en-US" dirty="0"/>
-              <a:t>Computational science not so much</a:t>
+              <a:t>Point out that if they search for this, they will find many pages.  Those pages have changed over time – it used to be DIKUW, now it’s the DIKW pyramid. I don’t know much beyond this classification, but find the classification to be quite useful and don’t know why they exclude understanding now.  I present my understanding and what I see as useful for the following discussion.</a:t>
             </a:r>
           </a:p>
           <a:p>
@@ -1907,74 +1784,7 @@
           <a:p>
             <a:r>
               <a:rPr lang="en-US" dirty="0"/>
-              <a:t>What does she mean by software practices</a:t>
-            </a:r>
-          </a:p>
-          <a:p>
-            <a:pPr marL="171450" indent="-171450">
-              <a:buFont typeface="Arial" panose="020B0604020202020204" pitchFamily="34" charset="0"/>
-              <a:buChar char="•"/>
-            </a:pPr>
-            <a:r>
-              <a:rPr lang="en-US" dirty="0"/>
-              <a:t>Design and implement software following best practices</a:t>
-            </a:r>
-          </a:p>
-          <a:p>
-            <a:pPr marL="171450" indent="-171450">
-              <a:buFont typeface="Arial" panose="020B0604020202020204" pitchFamily="34" charset="0"/>
-              <a:buChar char="•"/>
-            </a:pPr>
-            <a:r>
-              <a:rPr lang="en-US" dirty="0"/>
-              <a:t>Test your code</a:t>
-            </a:r>
-          </a:p>
-          <a:p>
-            <a:pPr marL="171450" indent="-171450">
-              <a:buFont typeface="Arial" panose="020B0604020202020204" pitchFamily="34" charset="0"/>
-              <a:buChar char="•"/>
-            </a:pPr>
-            <a:r>
-              <a:rPr lang="en-US" dirty="0"/>
-              <a:t>Use version control and use it well</a:t>
-            </a:r>
-          </a:p>
-          <a:p>
-            <a:pPr marL="171450" indent="-171450">
-              <a:buFont typeface="Arial" panose="020B0604020202020204" pitchFamily="34" charset="0"/>
-              <a:buChar char="•"/>
-            </a:pPr>
-            <a:r>
-              <a:rPr lang="en-US" dirty="0"/>
-              <a:t>Code reviews</a:t>
-            </a:r>
-          </a:p>
-          <a:p>
-            <a:pPr marL="171450" indent="-171450">
-              <a:buFont typeface="Arial" panose="020B0604020202020204" pitchFamily="34" charset="0"/>
-              <a:buChar char="•"/>
-            </a:pPr>
-            <a:r>
-              <a:rPr lang="en-US" dirty="0"/>
-              <a:t>Documentation (e.g., document your assumptions)</a:t>
-            </a:r>
-          </a:p>
-          <a:p>
-            <a:endParaRPr lang="en-US" dirty="0"/>
-          </a:p>
-          <a:p>
-            <a:r>
-              <a:rPr lang="en-US" dirty="0"/>
-              <a:t>Many people refer to software practices as “software engineering”.  I whole-heartedly disagree with this.  I understand this work to be foundational, bedrock science that is required to do high-quality trustworthy high-level science.  The people in charge of the high-level science need to control &amp; own the low-level science because they know what is needed to do good research.  But, we need not reinvent the wheel.  We can learn from the SW </a:t>
-            </a:r>
-            <a:r>
-              <a:rPr lang="en-US" dirty="0" err="1"/>
-              <a:t>Eng</a:t>
-            </a:r>
-            <a:r>
-              <a:rPr lang="en-US" dirty="0"/>
-              <a:t> community and adapt what they know and use.</a:t>
+              <a:t>We won’t be defining these terms exactly as that is likely quite hard.  We will go through examples to gain an intuitive understanding of these concepts.</a:t>
             </a:r>
           </a:p>
         </p:txBody>
@@ -1996,7 +1806,7 @@
           <a:p>
             <a:fld id="{54E672D7-8E2D-4611-973D-F4591A707C34}" type="slidenum">
               <a:rPr lang="en-US" smtClean="0"/>
-              <a:t>4</a:t>
+              <a:t>5</a:t>
             </a:fld>
             <a:endParaRPr lang="en-US"/>
           </a:p>
@@ -2005,7 +1815,7 @@
     </p:spTree>
     <p:extLst>
       <p:ext uri="{BB962C8B-B14F-4D97-AF65-F5344CB8AC3E}">
-        <p14:creationId xmlns:p14="http://schemas.microsoft.com/office/powerpoint/2010/main" val="1936705258"/>
+        <p14:creationId xmlns:p14="http://schemas.microsoft.com/office/powerpoint/2010/main" val="2958482426"/>
       </p:ext>
     </p:extLst>
   </p:cSld>
@@ -2061,7 +1871,7 @@
           <a:p>
             <a:r>
               <a:rPr lang="en-US" dirty="0"/>
-              <a:t>Point out that if they search for this, they will find many pages.  Those pages have changed over time – it used to be DIKUW, now it’s the DIKW pyramid. I don’t know much beyond this classification, but find the classification to be quite useful and don’t know why they exclude understanding now.  I present my understanding and what I see as useful for the following discussion.</a:t>
+              <a:t>My understanding is that data is *not* facts, as some claim.  Rather, data can be flawed and noisy.  Information is facts that are true relative to the potentially flawed data.</a:t>
             </a:r>
           </a:p>
           <a:p>
@@ -2070,7 +1880,16 @@
           <a:p>
             <a:r>
               <a:rPr lang="en-US" dirty="0"/>
-              <a:t>We won’t be defining these terms exactly as that is likely quite hard.  We will go through examples to gain an intuitive understanding of these concepts.</a:t>
+              <a:t>Data is valuable because it helps us make decisions.</a:t>
+            </a:r>
+          </a:p>
+          <a:p>
+            <a:endParaRPr lang="en-US" dirty="0"/>
+          </a:p>
+          <a:p>
+            <a:r>
+              <a:rPr lang="en-US" dirty="0"/>
+              <a:t>Information is data made (hopefully) useful.</a:t>
             </a:r>
           </a:p>
         </p:txBody>
@@ -2092,7 +1911,7 @@
           <a:p>
             <a:fld id="{54E672D7-8E2D-4611-973D-F4591A707C34}" type="slidenum">
               <a:rPr lang="en-US" smtClean="0"/>
-              <a:t>5</a:t>
+              <a:t>6</a:t>
             </a:fld>
             <a:endParaRPr lang="en-US"/>
           </a:p>
@@ -2101,7 +1920,7 @@
     </p:spTree>
     <p:extLst>
       <p:ext uri="{BB962C8B-B14F-4D97-AF65-F5344CB8AC3E}">
-        <p14:creationId xmlns:p14="http://schemas.microsoft.com/office/powerpoint/2010/main" val="2958482426"/>
+        <p14:creationId xmlns:p14="http://schemas.microsoft.com/office/powerpoint/2010/main" val="720366741"/>
       </p:ext>
     </p:extLst>
   </p:cSld>
@@ -2157,16 +1976,33 @@
           <a:p>
             <a:r>
               <a:rPr lang="en-US" dirty="0"/>
-              <a:t>My understanding is that data is *not* facts, as some claim.  Rather, data can be flawed and noisy.  Information is facts that are true relative to the potentially flawed data.</a:t>
+              <a:t>Knowledge is generated by a process in such a way that it is an educated best guess.  But, it should be a solid and justifiable educated guess.  In this sense, it is not true but our best current guess at what is true.</a:t>
             </a:r>
           </a:p>
           <a:p>
             <a:endParaRPr lang="en-US" dirty="0"/>
           </a:p>
           <a:p>
-            <a:r>
-              <a:rPr lang="en-US" dirty="0"/>
-              <a:t>Data is valuable because it helps us make decisions.</a:t>
+            <a:pPr marL="0" marR="0" lvl="0" indent="0" algn="l" defTabSz="914400" rtl="0" eaLnBrk="1" fontAlgn="auto" latinLnBrk="0" hangingPunct="1">
+              <a:lnSpc>
+                <a:spcPct val="100000"/>
+              </a:lnSpc>
+              <a:spcBef>
+                <a:spcPts val="0"/>
+              </a:spcBef>
+              <a:spcAft>
+                <a:spcPts val="0"/>
+              </a:spcAft>
+              <a:buClrTx/>
+              <a:buSzTx/>
+              <a:buFontTx/>
+              <a:buNone/>
+              <a:tabLst/>
+              <a:defRPr/>
+            </a:pPr>
+            <a:r>
+              <a:rPr lang="en-US" dirty="0"/>
+              <a:t>I didn’t use the given timeseries information to derive this knowledge.  Someone with understanding of meteorology did. They have a deep understanding derived from years of study and experience. However, that person presented and communicated the knowledge for consumption by those without understanding.</a:t>
             </a:r>
           </a:p>
           <a:p>
@@ -2175,7 +2011,34 @@
           <a:p>
             <a:r>
               <a:rPr lang="en-US" dirty="0"/>
-              <a:t>Information is data made (hopefully) useful.</a:t>
+              <a:t>If a person doesn’t have understanding they can speculate at what the knowledge should be.  Hopefully having understanding can elevate the statement from speculation to knowledge because understanding can substantiate at a level required by other experts.</a:t>
+            </a:r>
+          </a:p>
+          <a:p>
+            <a:endParaRPr lang="en-US" dirty="0"/>
+          </a:p>
+          <a:p>
+            <a:r>
+              <a:rPr lang="en-US" dirty="0"/>
+              <a:t>It’s hard to define understanding.  I have just written down my best guesses.</a:t>
+            </a:r>
+          </a:p>
+          <a:p>
+            <a:endParaRPr lang="en-US" dirty="0"/>
+          </a:p>
+          <a:p>
+            <a:r>
+              <a:rPr lang="en-US" dirty="0"/>
+              <a:t>When you go to school, are your teachers and professors putting understanding in your head or do they share knowledge and create an environment in which one can generate understanding?</a:t>
+            </a:r>
+          </a:p>
+          <a:p>
+            <a:endParaRPr lang="en-US" dirty="0"/>
+          </a:p>
+          <a:p>
+            <a:r>
+              <a:rPr lang="en-US" dirty="0"/>
+              <a:t>Understanding is built on the shoulders of giants.  You read an article that helps you generate understanding.  But the author of that article generated it from understanding he or she developed from taking classes with other </a:t>
             </a:r>
           </a:p>
         </p:txBody>
@@ -2197,7 +2060,7 @@
           <a:p>
             <a:fld id="{54E672D7-8E2D-4611-973D-F4591A707C34}" type="slidenum">
               <a:rPr lang="en-US" smtClean="0"/>
-              <a:t>6</a:t>
+              <a:t>7</a:t>
             </a:fld>
             <a:endParaRPr lang="en-US"/>
           </a:p>
@@ -2206,7 +2069,7 @@
     </p:spTree>
     <p:extLst>
       <p:ext uri="{BB962C8B-B14F-4D97-AF65-F5344CB8AC3E}">
-        <p14:creationId xmlns:p14="http://schemas.microsoft.com/office/powerpoint/2010/main" val="720366741"/>
+        <p14:creationId xmlns:p14="http://schemas.microsoft.com/office/powerpoint/2010/main" val="2638889168"/>
       </p:ext>
     </p:extLst>
   </p:cSld>
@@ -2260,15 +2123,6 @@
           <a:bodyPr/>
           <a:lstStyle/>
           <a:p>
-            <a:r>
-              <a:rPr lang="en-US" dirty="0"/>
-              <a:t>Knowledge is generated by a process in such a way that it is an educated best guess.  But, it should be a solid and justifiable educated guess.  In this sense, it is not true but our best current guess at what is true.</a:t>
-            </a:r>
-          </a:p>
-          <a:p>
-            <a:endParaRPr lang="en-US" dirty="0"/>
-          </a:p>
-          <a:p>
             <a:pPr marL="0" marR="0" lvl="0" indent="0" algn="l" defTabSz="914400" rtl="0" eaLnBrk="1" fontAlgn="auto" latinLnBrk="0" hangingPunct="1">
               <a:lnSpc>
                 <a:spcPct val="100000"/>
@@ -2288,43 +2142,139 @@
             </a:pPr>
             <a:r>
               <a:rPr lang="en-US" dirty="0"/>
-              <a:t>I didn’t use the given timeseries information to derive this knowledge.  Someone with understanding of meteorology did. They have a deep understanding derived from years of study and experience. However, that person presented and communicated the knowledge for consumption by those without understanding.</a:t>
-            </a:r>
-          </a:p>
-          <a:p>
+              <a:t>One extreme is trying to understand all aspects of the work that we do.  Is that feasible or even achievable?</a:t>
+            </a:r>
+          </a:p>
+          <a:p>
+            <a:pPr marL="0" marR="0" lvl="0" indent="0" algn="l" defTabSz="914400" rtl="0" eaLnBrk="1" fontAlgn="auto" latinLnBrk="0" hangingPunct="1">
+              <a:lnSpc>
+                <a:spcPct val="100000"/>
+              </a:lnSpc>
+              <a:spcBef>
+                <a:spcPts val="0"/>
+              </a:spcBef>
+              <a:spcAft>
+                <a:spcPts val="0"/>
+              </a:spcAft>
+              <a:buClrTx/>
+              <a:buSzTx/>
+              <a:buFontTx/>
+              <a:buNone/>
+              <a:tabLst/>
+              <a:defRPr/>
+            </a:pPr>
             <a:endParaRPr lang="en-US" dirty="0"/>
           </a:p>
           <a:p>
-            <a:r>
-              <a:rPr lang="en-US" dirty="0"/>
-              <a:t>If a person doesn’t have understanding they can speculate at what the knowledge should be.  Hopefully having understanding can elevate the statement from speculation to knowledge because understanding can substantiate at a level required by other experts.</a:t>
-            </a:r>
-          </a:p>
-          <a:p>
+            <a:pPr marL="0" marR="0" lvl="0" indent="0" algn="l" defTabSz="914400" rtl="0" eaLnBrk="1" fontAlgn="auto" latinLnBrk="0" hangingPunct="1">
+              <a:lnSpc>
+                <a:spcPct val="100000"/>
+              </a:lnSpc>
+              <a:spcBef>
+                <a:spcPts val="0"/>
+              </a:spcBef>
+              <a:spcAft>
+                <a:spcPts val="0"/>
+              </a:spcAft>
+              <a:buClrTx/>
+              <a:buSzTx/>
+              <a:buFontTx/>
+              <a:buNone/>
+              <a:tabLst/>
+              <a:defRPr/>
+            </a:pPr>
+            <a:r>
+              <a:rPr lang="en-US" dirty="0"/>
+              <a:t>The other extreme is in choosing how we use the internet:</a:t>
+            </a:r>
+          </a:p>
+          <a:p>
+            <a:pPr marL="0" marR="0" lvl="0" indent="0" algn="l" defTabSz="914400" rtl="0" eaLnBrk="1" fontAlgn="auto" latinLnBrk="0" hangingPunct="1">
+              <a:lnSpc>
+                <a:spcPct val="100000"/>
+              </a:lnSpc>
+              <a:spcBef>
+                <a:spcPts val="0"/>
+              </a:spcBef>
+              <a:spcAft>
+                <a:spcPts val="0"/>
+              </a:spcAft>
+              <a:buClrTx/>
+              <a:buSzTx/>
+              <a:buFontTx/>
+              <a:buNone/>
+              <a:tabLst/>
+              <a:defRPr/>
+            </a:pPr>
+            <a:r>
+              <a:rPr lang="en-US" dirty="0"/>
+              <a:t>When you read the internet are you gaining knowledge of understanding?  Is it possible to build understanding by only accessing bits of knowledge scattered across the internet?  I believe that Elaine’s work would say no.  You need someone with understanding to collect knowledge sources across the internet, organize these, and present them in such a way that the novice can generate understanding.</a:t>
+            </a:r>
+          </a:p>
+          <a:p>
+            <a:pPr marL="0" marR="0" lvl="0" indent="0" algn="l" defTabSz="914400" rtl="0" eaLnBrk="1" fontAlgn="auto" latinLnBrk="0" hangingPunct="1">
+              <a:lnSpc>
+                <a:spcPct val="100000"/>
+              </a:lnSpc>
+              <a:spcBef>
+                <a:spcPts val="0"/>
+              </a:spcBef>
+              <a:spcAft>
+                <a:spcPts val="0"/>
+              </a:spcAft>
+              <a:buClrTx/>
+              <a:buSzTx/>
+              <a:buFontTx/>
+              <a:buNone/>
+              <a:tabLst/>
+              <a:defRPr/>
+            </a:pPr>
             <a:endParaRPr lang="en-US" dirty="0"/>
           </a:p>
           <a:p>
-            <a:r>
-              <a:rPr lang="en-US" dirty="0"/>
-              <a:t>It’s hard to define understanding.  I have just written down my best guesses.</a:t>
-            </a:r>
-          </a:p>
-          <a:p>
-            <a:endParaRPr lang="en-US" dirty="0"/>
-          </a:p>
-          <a:p>
-            <a:r>
-              <a:rPr lang="en-US" dirty="0"/>
-              <a:t>When you go to school, are your teachers and professors putting understanding in your head or do they share knowledge and create an environment in which one can generate understanding?</a:t>
-            </a:r>
-          </a:p>
-          <a:p>
-            <a:endParaRPr lang="en-US" dirty="0"/>
-          </a:p>
-          <a:p>
-            <a:r>
-              <a:rPr lang="en-US" dirty="0"/>
-              <a:t>Understanding is built on the shoulders of giants.  You read an article that helps you generate understanding.  But the author of that article generated it from understanding he or she developed from taking classes with other </a:t>
+            <a:pPr marL="0" marR="0" lvl="0" indent="0" algn="l" defTabSz="914400" rtl="0" eaLnBrk="1" fontAlgn="auto" latinLnBrk="0" hangingPunct="1">
+              <a:lnSpc>
+                <a:spcPct val="100000"/>
+              </a:lnSpc>
+              <a:spcBef>
+                <a:spcPts val="0"/>
+              </a:spcBef>
+              <a:spcAft>
+                <a:spcPts val="0"/>
+              </a:spcAft>
+              <a:buClrTx/>
+              <a:buSzTx/>
+              <a:buFontTx/>
+              <a:buNone/>
+              <a:tabLst/>
+              <a:defRPr/>
+            </a:pPr>
+            <a:r>
+              <a:rPr lang="en-US" dirty="0"/>
+              <a:t>A different, modern way to approach this same question:</a:t>
+            </a:r>
+          </a:p>
+          <a:p>
+            <a:pPr marL="0" marR="0" lvl="0" indent="0" algn="l" defTabSz="914400" rtl="0" eaLnBrk="1" fontAlgn="auto" latinLnBrk="0" hangingPunct="1">
+              <a:lnSpc>
+                <a:spcPct val="100000"/>
+              </a:lnSpc>
+              <a:spcBef>
+                <a:spcPts val="0"/>
+              </a:spcBef>
+              <a:spcAft>
+                <a:spcPts val="0"/>
+              </a:spcAft>
+              <a:buClrTx/>
+              <a:buSzTx/>
+              <a:buFontTx/>
+              <a:buNone/>
+              <a:tabLst/>
+              <a:defRPr/>
+            </a:pPr>
+            <a:r>
+              <a:rPr lang="en-US" dirty="0"/>
+              <a:t>If an ML/DL code had generated the knowledge given in the example but in such a way that interpretability is low, are we OK with inexpressible or inaccessible understanding?</a:t>
             </a:r>
           </a:p>
         </p:txBody>
@@ -2346,7 +2296,7 @@
           <a:p>
             <a:fld id="{54E672D7-8E2D-4611-973D-F4591A707C34}" type="slidenum">
               <a:rPr lang="en-US" smtClean="0"/>
-              <a:t>7</a:t>
+              <a:t>8</a:t>
             </a:fld>
             <a:endParaRPr lang="en-US"/>
           </a:p>
@@ -2355,7 +2305,7 @@
     </p:spTree>
     <p:extLst>
       <p:ext uri="{BB962C8B-B14F-4D97-AF65-F5344CB8AC3E}">
-        <p14:creationId xmlns:p14="http://schemas.microsoft.com/office/powerpoint/2010/main" val="2638889168"/>
+        <p14:creationId xmlns:p14="http://schemas.microsoft.com/office/powerpoint/2010/main" val="29386948"/>
       </p:ext>
     </p:extLst>
   </p:cSld>
@@ -2409,158 +2359,27 @@
           <a:bodyPr/>
           <a:lstStyle/>
           <a:p>
-            <a:pPr marL="0" marR="0" lvl="0" indent="0" algn="l" defTabSz="914400" rtl="0" eaLnBrk="1" fontAlgn="auto" latinLnBrk="0" hangingPunct="1">
-              <a:lnSpc>
-                <a:spcPct val="100000"/>
-              </a:lnSpc>
-              <a:spcBef>
-                <a:spcPts val="0"/>
-              </a:spcBef>
-              <a:spcAft>
-                <a:spcPts val="0"/>
-              </a:spcAft>
-              <a:buClrTx/>
-              <a:buSzTx/>
-              <a:buFontTx/>
-              <a:buNone/>
-              <a:tabLst/>
-              <a:defRPr/>
-            </a:pPr>
-            <a:r>
-              <a:rPr lang="en-US" dirty="0"/>
-              <a:t>One extreme is trying to understand all aspects of the work that we do.  Is that feasible or even achievable?</a:t>
-            </a:r>
-          </a:p>
-          <a:p>
-            <a:pPr marL="0" marR="0" lvl="0" indent="0" algn="l" defTabSz="914400" rtl="0" eaLnBrk="1" fontAlgn="auto" latinLnBrk="0" hangingPunct="1">
-              <a:lnSpc>
-                <a:spcPct val="100000"/>
-              </a:lnSpc>
-              <a:spcBef>
-                <a:spcPts val="0"/>
-              </a:spcBef>
-              <a:spcAft>
-                <a:spcPts val="0"/>
-              </a:spcAft>
-              <a:buClrTx/>
-              <a:buSzTx/>
-              <a:buFontTx/>
-              <a:buNone/>
-              <a:tabLst/>
-              <a:defRPr/>
-            </a:pPr>
+            <a:r>
+              <a:rPr lang="en-US" dirty="0"/>
+              <a:t>Really most any project benefits from putting some thought into knowledge management.  </a:t>
+            </a:r>
+          </a:p>
+          <a:p>
             <a:endParaRPr lang="en-US" dirty="0"/>
           </a:p>
           <a:p>
-            <a:pPr marL="0" marR="0" lvl="0" indent="0" algn="l" defTabSz="914400" rtl="0" eaLnBrk="1" fontAlgn="auto" latinLnBrk="0" hangingPunct="1">
-              <a:lnSpc>
-                <a:spcPct val="100000"/>
-              </a:lnSpc>
-              <a:spcBef>
-                <a:spcPts val="0"/>
-              </a:spcBef>
-              <a:spcAft>
-                <a:spcPts val="0"/>
-              </a:spcAft>
-              <a:buClrTx/>
-              <a:buSzTx/>
-              <a:buFontTx/>
-              <a:buNone/>
-              <a:tabLst/>
-              <a:defRPr/>
-            </a:pPr>
-            <a:r>
-              <a:rPr lang="en-US" dirty="0"/>
-              <a:t>The other extreme is in choosing how we use the internet:</a:t>
-            </a:r>
-          </a:p>
-          <a:p>
-            <a:pPr marL="0" marR="0" lvl="0" indent="0" algn="l" defTabSz="914400" rtl="0" eaLnBrk="1" fontAlgn="auto" latinLnBrk="0" hangingPunct="1">
-              <a:lnSpc>
-                <a:spcPct val="100000"/>
-              </a:lnSpc>
-              <a:spcBef>
-                <a:spcPts val="0"/>
-              </a:spcBef>
-              <a:spcAft>
-                <a:spcPts val="0"/>
-              </a:spcAft>
-              <a:buClrTx/>
-              <a:buSzTx/>
-              <a:buFontTx/>
-              <a:buNone/>
-              <a:tabLst/>
-              <a:defRPr/>
-            </a:pPr>
-            <a:r>
-              <a:rPr lang="en-US" dirty="0"/>
-              <a:t>When you read the internet are you gaining knowledge of understanding?  Is it possible to build understanding by only accessing bits of knowledge scattered across the internet?  I believe that Elaine’s work would say no.  You need someone with understanding to collect knowledge sources across the internet, organize these, and present them in such a way that the novice can generate understanding.</a:t>
-            </a:r>
-          </a:p>
-          <a:p>
-            <a:pPr marL="0" marR="0" lvl="0" indent="0" algn="l" defTabSz="914400" rtl="0" eaLnBrk="1" fontAlgn="auto" latinLnBrk="0" hangingPunct="1">
-              <a:lnSpc>
-                <a:spcPct val="100000"/>
-              </a:lnSpc>
-              <a:spcBef>
-                <a:spcPts val="0"/>
-              </a:spcBef>
-              <a:spcAft>
-                <a:spcPts val="0"/>
-              </a:spcAft>
-              <a:buClrTx/>
-              <a:buSzTx/>
-              <a:buFontTx/>
-              <a:buNone/>
-              <a:tabLst/>
-              <a:defRPr/>
-            </a:pPr>
+            <a:r>
+              <a:rPr lang="en-US" dirty="0"/>
+              <a:t>The key is first to recognize when knowledge is generated.  Once I became aware of this classification and began to think in terms of it, it became easier for me to recognize knowledge generation.  It’s as if a bell goes off in my brain that indicates we need to record what was just said.</a:t>
+            </a:r>
+          </a:p>
+          <a:p>
             <a:endParaRPr lang="en-US" dirty="0"/>
           </a:p>
           <a:p>
-            <a:pPr marL="0" marR="0" lvl="0" indent="0" algn="l" defTabSz="914400" rtl="0" eaLnBrk="1" fontAlgn="auto" latinLnBrk="0" hangingPunct="1">
-              <a:lnSpc>
-                <a:spcPct val="100000"/>
-              </a:lnSpc>
-              <a:spcBef>
-                <a:spcPts val="0"/>
-              </a:spcBef>
-              <a:spcAft>
-                <a:spcPts val="0"/>
-              </a:spcAft>
-              <a:buClrTx/>
-              <a:buSzTx/>
-              <a:buFontTx/>
-              <a:buNone/>
-              <a:tabLst/>
-              <a:defRPr/>
-            </a:pPr>
-            <a:r>
-              <a:rPr lang="en-US" dirty="0"/>
-              <a:t>A different, modern way to approach this same question:</a:t>
-            </a:r>
-          </a:p>
-          <a:p>
-            <a:pPr marL="0" marR="0" lvl="0" indent="0" algn="l" defTabSz="914400" rtl="0" eaLnBrk="1" fontAlgn="auto" latinLnBrk="0" hangingPunct="1">
-              <a:lnSpc>
-                <a:spcPct val="100000"/>
-              </a:lnSpc>
-              <a:spcBef>
-                <a:spcPts val="0"/>
-              </a:spcBef>
-              <a:spcAft>
-                <a:spcPts val="0"/>
-              </a:spcAft>
-              <a:buClrTx/>
-              <a:buSzTx/>
-              <a:buFontTx/>
-              <a:buNone/>
-              <a:tabLst/>
-              <a:defRPr/>
-            </a:pPr>
-            <a:r>
-              <a:rPr lang="en-US" dirty="0"/>
-              <a:t>If an ML/DL code had generated the knowledge given in the example but in such a way that interpretability is low, are we OK with inexpressible or inaccessible understanding?</a:t>
+            <a:r>
+              <a:rPr lang="en-US" dirty="0"/>
+              <a:t>The answer to the question is ”clearly no”,  We need to communicate to our future selves for the sake of productivity and reproducible research.  Refer back to minimal definition of lab notebooks.</a:t>
             </a:r>
           </a:p>
         </p:txBody>
@@ -2582,7 +2401,7 @@
           <a:p>
             <a:fld id="{54E672D7-8E2D-4611-973D-F4591A707C34}" type="slidenum">
               <a:rPr lang="en-US" smtClean="0"/>
-              <a:t>8</a:t>
+              <a:t>9</a:t>
             </a:fld>
             <a:endParaRPr lang="en-US"/>
           </a:p>
@@ -2591,7 +2410,7 @@
     </p:spTree>
     <p:extLst>
       <p:ext uri="{BB962C8B-B14F-4D97-AF65-F5344CB8AC3E}">
-        <p14:creationId xmlns:p14="http://schemas.microsoft.com/office/powerpoint/2010/main" val="29386948"/>
+        <p14:creationId xmlns:p14="http://schemas.microsoft.com/office/powerpoint/2010/main" val="1399277158"/>
       </p:ext>
     </p:extLst>
   </p:cSld>
@@ -2647,7 +2466,7 @@
           <a:p>
             <a:r>
               <a:rPr lang="en-US" dirty="0"/>
-              <a:t>Really most any project benefits from putting some thought into knowledge management.  </a:t>
+              <a:t>The point of this slide is to map the high-level, abstract concepts (which some might not like) onto a concrete example that we know &amp; understand.</a:t>
             </a:r>
           </a:p>
           <a:p>
@@ -2656,17 +2475,14 @@
           <a:p>
             <a:r>
               <a:rPr lang="en-US" dirty="0"/>
-              <a:t>The key is first to recognize when knowledge is generated.  Once I became aware of this classification and began to think in terms of it, it became easier for me to recognize knowledge generation.  It’s as if a bell goes off in my brain that indicates we need to record what was just said.</a:t>
+              <a:t>I believe that this is also known as debriefing.</a:t>
             </a:r>
           </a:p>
           <a:p>
             <a:endParaRPr lang="en-US" dirty="0"/>
           </a:p>
           <a:p>
-            <a:r>
-              <a:rPr lang="en-US" dirty="0"/>
-              <a:t>The answer to the question is ”clearly no”,  We need to communicate to our future selves for the sake of productivity and reproducible research.  Refer back to minimal definition of lab notebooks.</a:t>
-            </a:r>
+            <a:endParaRPr lang="en-US" dirty="0"/>
           </a:p>
         </p:txBody>
       </p:sp>
@@ -2687,7 +2503,7 @@
           <a:p>
             <a:fld id="{54E672D7-8E2D-4611-973D-F4591A707C34}" type="slidenum">
               <a:rPr lang="en-US" smtClean="0"/>
-              <a:t>9</a:t>
+              <a:t>10</a:t>
             </a:fld>
             <a:endParaRPr lang="en-US"/>
           </a:p>
@@ -2696,7 +2512,7 @@
     </p:spTree>
     <p:extLst>
       <p:ext uri="{BB962C8B-B14F-4D97-AF65-F5344CB8AC3E}">
-        <p14:creationId xmlns:p14="http://schemas.microsoft.com/office/powerpoint/2010/main" val="1399277158"/>
+        <p14:creationId xmlns:p14="http://schemas.microsoft.com/office/powerpoint/2010/main" val="3152359200"/>
       </p:ext>
     </p:extLst>
   </p:cSld>
@@ -2752,7 +2568,7 @@
           <a:p>
             <a:r>
               <a:rPr lang="en-US" dirty="0"/>
-              <a:t>The point of this slide is to map the high-level, abstract concepts (which some might not like) onto a concrete example that we know &amp; understand.</a:t>
+              <a:t>Documentation is capture, preserve, &amp; communicate</a:t>
             </a:r>
           </a:p>
           <a:p>
@@ -2761,7 +2577,7 @@
           <a:p>
             <a:r>
               <a:rPr lang="en-US" dirty="0"/>
-              <a:t>I believe that this is also known as debriefing.</a:t>
+              <a:t>Not all documents are alike.</a:t>
             </a:r>
           </a:p>
           <a:p>
@@ -2789,7 +2605,7 @@
           <a:p>
             <a:fld id="{54E672D7-8E2D-4611-973D-F4591A707C34}" type="slidenum">
               <a:rPr lang="en-US" smtClean="0"/>
-              <a:t>10</a:t>
+              <a:t>11</a:t>
             </a:fld>
             <a:endParaRPr lang="en-US"/>
           </a:p>
@@ -2798,7 +2614,7 @@
     </p:spTree>
     <p:extLst>
       <p:ext uri="{BB962C8B-B14F-4D97-AF65-F5344CB8AC3E}">
-        <p14:creationId xmlns:p14="http://schemas.microsoft.com/office/powerpoint/2010/main" val="3152359200"/>
+        <p14:creationId xmlns:p14="http://schemas.microsoft.com/office/powerpoint/2010/main" val="4157260062"/>
       </p:ext>
     </p:extLst>
   </p:cSld>
@@ -2810,7 +2626,7 @@
 
 <file path=ppt/slideLayouts/slideLayout1.xml><?xml version="1.0" encoding="utf-8"?>
 <p:sldLayout xmlns:a="http://schemas.openxmlformats.org/drawingml/2006/main" xmlns:r="http://schemas.openxmlformats.org/officeDocument/2006/relationships" xmlns:p="http://schemas.openxmlformats.org/presentationml/2006/main" showMasterSp="0" preserve="1" userDrawn="1">
-  <p:cSld name="9_Title Slide">
+  <p:cSld name="7_Title Slide">
     <p:spTree>
       <p:nvGrpSpPr>
         <p:cNvPr id="1" name=""/>
@@ -2892,743 +2708,14 @@
                 <a:spcPct val="90000"/>
               </a:lnSpc>
             </a:pPr>
-            <a:r>
-              <a:rPr lang="en-US" sz="1600" dirty="0">
-                <a:ln>
-                  <a:noFill/>
-                </a:ln>
-                <a:solidFill>
-                  <a:schemeClr val="bg1"/>
-                </a:solidFill>
-              </a:rPr>
-              <a:t>exascaleproject.org</a:t>
-            </a:r>
-          </a:p>
-        </p:txBody>
-      </p:sp>
-      <p:sp>
-        <p:nvSpPr>
-          <p:cNvPr id="22" name="Rectangle 21"/>
-          <p:cNvSpPr/>
-          <p:nvPr userDrawn="1"/>
-        </p:nvSpPr>
-        <p:spPr>
-          <a:xfrm>
-            <a:off x="8305800" y="5921829"/>
-            <a:ext cx="3883025" cy="936171"/>
-          </a:xfrm>
-          <a:prstGeom prst="rect">
-            <a:avLst/>
-          </a:prstGeom>
-          <a:noFill/>
-          <a:ln>
-            <a:noFill/>
-          </a:ln>
-          <a:effectLst/>
-          <a:scene3d>
-            <a:camera prst="orthographicFront">
-              <a:rot lat="0" lon="0" rev="0"/>
-            </a:camera>
-            <a:lightRig rig="threePt" dir="t">
-              <a:rot lat="0" lon="0" rev="1200000"/>
-            </a:lightRig>
-          </a:scene3d>
-          <a:sp3d/>
-        </p:spPr>
-        <p:style>
-          <a:lnRef idx="0">
-            <a:schemeClr val="accent1"/>
-          </a:lnRef>
-          <a:fillRef idx="3">
-            <a:schemeClr val="accent1"/>
-          </a:fillRef>
-          <a:effectRef idx="3">
-            <a:schemeClr val="accent1"/>
-          </a:effectRef>
-          <a:fontRef idx="minor">
-            <a:schemeClr val="lt1"/>
-          </a:fontRef>
-        </p:style>
-        <p:txBody>
-          <a:bodyPr rot="0" spcFirstLastPara="0" vertOverflow="overflow" horzOverflow="overflow" vert="horz" wrap="square" lIns="45720" tIns="45720" rIns="45720" bIns="45720" numCol="1" spcCol="0" rtlCol="0" fromWordArt="0" anchor="ctr" anchorCtr="0" forceAA="0" compatLnSpc="1">
-            <a:prstTxWarp prst="textNoShape">
-              <a:avLst/>
-            </a:prstTxWarp>
-            <a:noAutofit/>
-          </a:bodyPr>
-          <a:lstStyle/>
-          <a:p>
-            <a:pPr algn="ctr">
-              <a:lnSpc>
-                <a:spcPct val="90000"/>
-              </a:lnSpc>
-            </a:pPr>
-            <a:endParaRPr lang="en-US" dirty="0">
+            <a:endParaRPr lang="en-US" sz="1600" dirty="0">
+              <a:ln>
+                <a:noFill/>
+              </a:ln>
               <a:solidFill>
-                <a:schemeClr val="tx1"/>
+                <a:schemeClr val="bg1"/>
               </a:solidFill>
             </a:endParaRPr>
-          </a:p>
-        </p:txBody>
-      </p:sp>
-      <p:sp>
-        <p:nvSpPr>
-          <p:cNvPr id="2" name="Title 1"/>
-          <p:cNvSpPr>
-            <a:spLocks noGrp="1"/>
-          </p:cNvSpPr>
-          <p:nvPr userDrawn="1">
-            <p:ph type="ctrTitle"/>
-          </p:nvPr>
-        </p:nvSpPr>
-        <p:spPr>
-          <a:xfrm>
-            <a:off x="3177633" y="503144"/>
-            <a:ext cx="8292316" cy="1030930"/>
-          </a:xfrm>
-        </p:spPr>
-        <p:txBody>
-          <a:bodyPr anchor="b"/>
-          <a:lstStyle>
-            <a:lvl1pPr algn="l">
-              <a:defRPr sz="3200" b="1">
-                <a:solidFill>
-                  <a:schemeClr val="tx1"/>
-                </a:solidFill>
-                <a:latin typeface="+mn-lt"/>
-              </a:defRPr>
-            </a:lvl1pPr>
-          </a:lstStyle>
-          <a:p>
-            <a:r>
-              <a:rPr lang="en-US" dirty="0"/>
-              <a:t>Click to edit Master title style</a:t>
-            </a:r>
-          </a:p>
-        </p:txBody>
-      </p:sp>
-      <p:pic>
-        <p:nvPicPr>
-          <p:cNvPr id="12" name="Picture 11"/>
-          <p:cNvPicPr>
-            <a:picLocks noChangeAspect="1"/>
-          </p:cNvPicPr>
-          <p:nvPr userDrawn="1"/>
-        </p:nvPicPr>
-        <p:blipFill>
-          <a:blip r:embed="rId2" cstate="print">
-            <a:extLst>
-              <a:ext uri="{28A0092B-C50C-407E-A947-70E740481C1C}">
-                <a14:useLocalDpi xmlns:a14="http://schemas.microsoft.com/office/drawing/2010/main" val="0"/>
-              </a:ext>
-            </a:extLst>
-          </a:blip>
-          <a:stretch>
-            <a:fillRect/>
-          </a:stretch>
-        </p:blipFill>
-        <p:spPr>
-          <a:xfrm>
-            <a:off x="362749" y="483164"/>
-            <a:ext cx="2050840" cy="935496"/>
-          </a:xfrm>
-          <a:prstGeom prst="rect">
-            <a:avLst/>
-          </a:prstGeom>
-        </p:spPr>
-      </p:pic>
-      <p:pic>
-        <p:nvPicPr>
-          <p:cNvPr id="16" name="Picture 15"/>
-          <p:cNvPicPr>
-            <a:picLocks noChangeAspect="1"/>
-          </p:cNvPicPr>
-          <p:nvPr userDrawn="1"/>
-        </p:nvPicPr>
-        <p:blipFill>
-          <a:blip r:embed="rId3" cstate="print">
-            <a:extLst>
-              <a:ext uri="{BEBA8EAE-BF5A-486C-A8C5-ECC9F3942E4B}">
-                <a14:imgProps xmlns:a14="http://schemas.microsoft.com/office/drawing/2010/main">
-                  <a14:imgLayer r:embed="rId4">
-                    <a14:imgEffect>
-                      <a14:brightnessContrast bright="100000"/>
-                    </a14:imgEffect>
-                  </a14:imgLayer>
-                </a14:imgProps>
-              </a:ext>
-              <a:ext uri="{28A0092B-C50C-407E-A947-70E740481C1C}">
-                <a14:useLocalDpi xmlns:a14="http://schemas.microsoft.com/office/drawing/2010/main" val="0"/>
-              </a:ext>
-            </a:extLst>
-          </a:blip>
-          <a:stretch>
-            <a:fillRect/>
-          </a:stretch>
-        </p:blipFill>
-        <p:spPr>
-          <a:xfrm>
-            <a:off x="7289921" y="6322747"/>
-            <a:ext cx="2409477" cy="401008"/>
-          </a:xfrm>
-          <a:prstGeom prst="rect">
-            <a:avLst/>
-          </a:prstGeom>
-        </p:spPr>
-      </p:pic>
-      <p:pic>
-        <p:nvPicPr>
-          <p:cNvPr id="17" name="Picture 16"/>
-          <p:cNvPicPr>
-            <a:picLocks noChangeAspect="1"/>
-          </p:cNvPicPr>
-          <p:nvPr userDrawn="1"/>
-        </p:nvPicPr>
-        <p:blipFill rotWithShape="1">
-          <a:blip r:embed="rId5" cstate="print">
-            <a:extLst>
-              <a:ext uri="{BEBA8EAE-BF5A-486C-A8C5-ECC9F3942E4B}">
-                <a14:imgProps xmlns:a14="http://schemas.microsoft.com/office/drawing/2010/main">
-                  <a14:imgLayer r:embed="rId6">
-                    <a14:imgEffect>
-                      <a14:brightnessContrast bright="100000"/>
-                    </a14:imgEffect>
-                  </a14:imgLayer>
-                </a14:imgProps>
-              </a:ext>
-              <a:ext uri="{28A0092B-C50C-407E-A947-70E740481C1C}">
-                <a14:useLocalDpi xmlns:a14="http://schemas.microsoft.com/office/drawing/2010/main" val="0"/>
-              </a:ext>
-            </a:extLst>
-          </a:blip>
-          <a:srcRect b="70693"/>
-          <a:stretch/>
-        </p:blipFill>
-        <p:spPr>
-          <a:xfrm>
-            <a:off x="10204521" y="6307740"/>
-            <a:ext cx="1367541" cy="428915"/>
-          </a:xfrm>
-          <a:prstGeom prst="rect">
-            <a:avLst/>
-          </a:prstGeom>
-        </p:spPr>
-      </p:pic>
-      <p:pic>
-        <p:nvPicPr>
-          <p:cNvPr id="8" name="Picture 7" descr="A picture containing shape&#10;&#10;Description automatically generated">
-            <a:extLst>
-              <a:ext uri="{FF2B5EF4-FFF2-40B4-BE49-F238E27FC236}">
-                <a16:creationId xmlns:a16="http://schemas.microsoft.com/office/drawing/2014/main" id="{C432A180-7341-4E28-8C2B-73F9AB53D13F}"/>
-              </a:ext>
-            </a:extLst>
-          </p:cNvPr>
-          <p:cNvPicPr>
-            <a:picLocks noChangeAspect="1"/>
-          </p:cNvPicPr>
-          <p:nvPr userDrawn="1"/>
-        </p:nvPicPr>
-        <p:blipFill>
-          <a:blip r:embed="rId7">
-            <a:extLst>
-              <a:ext uri="{28A0092B-C50C-407E-A947-70E740481C1C}">
-                <a14:useLocalDpi xmlns:a14="http://schemas.microsoft.com/office/drawing/2010/main" val="0"/>
-              </a:ext>
-            </a:extLst>
-          </a:blip>
-          <a:stretch>
-            <a:fillRect/>
-          </a:stretch>
-        </p:blipFill>
-        <p:spPr>
-          <a:xfrm>
-            <a:off x="333920" y="1848659"/>
-            <a:ext cx="2108499" cy="914400"/>
-          </a:xfrm>
-          <a:prstGeom prst="rect">
-            <a:avLst/>
-          </a:prstGeom>
-        </p:spPr>
-      </p:pic>
-      <p:pic>
-        <p:nvPicPr>
-          <p:cNvPr id="13" name="Picture 2" descr="https://licensebuttons.net/l/by/4.0/88x31.png">
-            <a:extLst>
-              <a:ext uri="{FF2B5EF4-FFF2-40B4-BE49-F238E27FC236}">
-                <a16:creationId xmlns:a16="http://schemas.microsoft.com/office/drawing/2014/main" id="{FAFD7D99-41CA-4FD0-9396-9C5659F22045}"/>
-              </a:ext>
-            </a:extLst>
-          </p:cNvPr>
-          <p:cNvPicPr>
-            <a:picLocks noChangeAspect="1" noChangeArrowheads="1"/>
-          </p:cNvPicPr>
-          <p:nvPr userDrawn="1"/>
-        </p:nvPicPr>
-        <p:blipFill>
-          <a:blip r:embed="rId8">
-            <a:extLst>
-              <a:ext uri="{28A0092B-C50C-407E-A947-70E740481C1C}">
-                <a14:useLocalDpi xmlns:a14="http://schemas.microsoft.com/office/drawing/2010/main" val="0"/>
-              </a:ext>
-            </a:extLst>
-          </a:blip>
-          <a:srcRect/>
-          <a:stretch>
-            <a:fillRect/>
-          </a:stretch>
-        </p:blipFill>
-        <p:spPr bwMode="auto">
-          <a:xfrm>
-            <a:off x="969069" y="5841262"/>
-            <a:ext cx="838200" cy="295275"/>
-          </a:xfrm>
-          <a:prstGeom prst="rect">
-            <a:avLst/>
-          </a:prstGeom>
-          <a:noFill/>
-          <a:extLst>
-            <a:ext uri="{909E8E84-426E-40DD-AFC4-6F175D3DCCD1}">
-              <a14:hiddenFill xmlns:a14="http://schemas.microsoft.com/office/drawing/2010/main">
-                <a:solidFill>
-                  <a:srgbClr val="FFFFFF"/>
-                </a:solidFill>
-              </a14:hiddenFill>
-            </a:ext>
-          </a:extLst>
-        </p:spPr>
-      </p:pic>
-      <p:sp>
-        <p:nvSpPr>
-          <p:cNvPr id="14" name="TextBox 13">
-            <a:extLst>
-              <a:ext uri="{FF2B5EF4-FFF2-40B4-BE49-F238E27FC236}">
-                <a16:creationId xmlns:a16="http://schemas.microsoft.com/office/drawing/2014/main" id="{9D022D1C-99FF-490C-8690-D8081D33C0AF}"/>
-              </a:ext>
-            </a:extLst>
-          </p:cNvPr>
-          <p:cNvSpPr txBox="1"/>
-          <p:nvPr userDrawn="1"/>
-        </p:nvSpPr>
-        <p:spPr>
-          <a:xfrm>
-            <a:off x="1810964" y="5776533"/>
-            <a:ext cx="1171114" cy="424732"/>
-          </a:xfrm>
-          <a:prstGeom prst="rect">
-            <a:avLst/>
-          </a:prstGeom>
-          <a:noFill/>
-        </p:spPr>
-        <p:txBody>
-          <a:bodyPr wrap="square" rtlCol="0">
-            <a:spAutoFit/>
-          </a:bodyPr>
-          <a:lstStyle/>
-          <a:p>
-            <a:pPr algn="ctr">
-              <a:lnSpc>
-                <a:spcPct val="90000"/>
-              </a:lnSpc>
-            </a:pPr>
-            <a:r>
-              <a:rPr lang="en-US" sz="1200" dirty="0"/>
-              <a:t>See slide 2 for license details</a:t>
-            </a:r>
-          </a:p>
-        </p:txBody>
-      </p:sp>
-      <p:pic>
-        <p:nvPicPr>
-          <p:cNvPr id="15" name="Picture 14">
-            <a:extLst>
-              <a:ext uri="{FF2B5EF4-FFF2-40B4-BE49-F238E27FC236}">
-                <a16:creationId xmlns:a16="http://schemas.microsoft.com/office/drawing/2014/main" id="{C554CDC7-44CF-4751-9869-0265C8E01840}"/>
-              </a:ext>
-            </a:extLst>
-          </p:cNvPr>
-          <p:cNvPicPr>
-            <a:picLocks noChangeAspect="1"/>
-          </p:cNvPicPr>
-          <p:nvPr userDrawn="1"/>
-        </p:nvPicPr>
-        <p:blipFill>
-          <a:blip r:embed="rId9" cstate="print">
-            <a:extLst>
-              <a:ext uri="{28A0092B-C50C-407E-A947-70E740481C1C}">
-                <a14:useLocalDpi xmlns:a14="http://schemas.microsoft.com/office/drawing/2010/main" val="0"/>
-              </a:ext>
-            </a:extLst>
-          </a:blip>
-          <a:stretch>
-            <a:fillRect/>
-          </a:stretch>
-        </p:blipFill>
-        <p:spPr>
-          <a:xfrm>
-            <a:off x="333211" y="3189686"/>
-            <a:ext cx="2109916" cy="905256"/>
-          </a:xfrm>
-          <a:prstGeom prst="rect">
-            <a:avLst/>
-          </a:prstGeom>
-        </p:spPr>
-      </p:pic>
-      <p:sp>
-        <p:nvSpPr>
-          <p:cNvPr id="6" name="Text Placeholder 5">
-            <a:extLst>
-              <a:ext uri="{FF2B5EF4-FFF2-40B4-BE49-F238E27FC236}">
-                <a16:creationId xmlns:a16="http://schemas.microsoft.com/office/drawing/2014/main" id="{516372F2-F09E-4139-B638-4F1B290B77B9}"/>
-              </a:ext>
-            </a:extLst>
-          </p:cNvPr>
-          <p:cNvSpPr>
-            <a:spLocks noGrp="1"/>
-          </p:cNvSpPr>
-          <p:nvPr>
-            <p:ph type="body" sz="quarter" idx="10" hasCustomPrompt="1"/>
-          </p:nvPr>
-        </p:nvSpPr>
-        <p:spPr>
-          <a:xfrm>
-            <a:off x="9335896" y="5913283"/>
-            <a:ext cx="2852929" cy="262814"/>
-          </a:xfrm>
-        </p:spPr>
-        <p:txBody>
-          <a:bodyPr/>
-          <a:lstStyle>
-            <a:lvl1pPr marL="0" indent="0" algn="r">
-              <a:buNone/>
-              <a:defRPr sz="1200"/>
-            </a:lvl1pPr>
-          </a:lstStyle>
-          <a:p>
-            <a:pPr lvl="0"/>
-            <a:r>
-              <a:rPr lang="en-US" dirty="0"/>
-              <a:t>R&amp;R number (if required)</a:t>
-            </a:r>
-          </a:p>
-        </p:txBody>
-      </p:sp>
-      <p:sp>
-        <p:nvSpPr>
-          <p:cNvPr id="9" name="Text Placeholder 8">
-            <a:extLst>
-              <a:ext uri="{FF2B5EF4-FFF2-40B4-BE49-F238E27FC236}">
-                <a16:creationId xmlns:a16="http://schemas.microsoft.com/office/drawing/2014/main" id="{7A08ED72-5D36-44C1-A3D6-C72E158E1FA6}"/>
-              </a:ext>
-            </a:extLst>
-          </p:cNvPr>
-          <p:cNvSpPr>
-            <a:spLocks noGrp="1"/>
-          </p:cNvSpPr>
-          <p:nvPr>
-            <p:ph type="body" sz="quarter" idx="11" hasCustomPrompt="1"/>
-          </p:nvPr>
-        </p:nvSpPr>
-        <p:spPr>
-          <a:xfrm>
-            <a:off x="3176924" y="2085870"/>
-            <a:ext cx="2427268" cy="424732"/>
-          </a:xfrm>
-        </p:spPr>
-        <p:txBody>
-          <a:bodyPr wrap="none">
-            <a:spAutoFit/>
-          </a:bodyPr>
-          <a:lstStyle>
-            <a:lvl1pPr marL="0" indent="0">
-              <a:buNone/>
-              <a:defRPr u="sng"/>
-            </a:lvl1pPr>
-          </a:lstStyle>
-          <a:p>
-            <a:pPr lvl="0"/>
-            <a:r>
-              <a:rPr lang="en-US" dirty="0"/>
-              <a:t>Presenter Name</a:t>
-            </a:r>
-          </a:p>
-        </p:txBody>
-      </p:sp>
-      <p:sp>
-        <p:nvSpPr>
-          <p:cNvPr id="11" name="Text Placeholder 10">
-            <a:extLst>
-              <a:ext uri="{FF2B5EF4-FFF2-40B4-BE49-F238E27FC236}">
-                <a16:creationId xmlns:a16="http://schemas.microsoft.com/office/drawing/2014/main" id="{07C2C5E0-3F9A-4B6C-82C6-FEE7176DA8DC}"/>
-              </a:ext>
-            </a:extLst>
-          </p:cNvPr>
-          <p:cNvSpPr>
-            <a:spLocks noGrp="1"/>
-          </p:cNvSpPr>
-          <p:nvPr>
-            <p:ph type="body" sz="quarter" idx="12" hasCustomPrompt="1"/>
-          </p:nvPr>
-        </p:nvSpPr>
-        <p:spPr>
-          <a:xfrm>
-            <a:off x="5667411" y="2134517"/>
-            <a:ext cx="1690167" cy="376085"/>
-          </a:xfrm>
-        </p:spPr>
-        <p:txBody>
-          <a:bodyPr>
-            <a:spAutoFit/>
-          </a:bodyPr>
-          <a:lstStyle>
-            <a:lvl1pPr marL="0" indent="0">
-              <a:buNone/>
-              <a:defRPr sz="2000"/>
-            </a:lvl1pPr>
-          </a:lstStyle>
-          <a:p>
-            <a:pPr lvl="0"/>
-            <a:r>
-              <a:rPr lang="en-US" dirty="0"/>
-              <a:t>(pronouns)</a:t>
-            </a:r>
-          </a:p>
-        </p:txBody>
-      </p:sp>
-      <p:sp>
-        <p:nvSpPr>
-          <p:cNvPr id="20" name="Text Placeholder 10">
-            <a:extLst>
-              <a:ext uri="{FF2B5EF4-FFF2-40B4-BE49-F238E27FC236}">
-                <a16:creationId xmlns:a16="http://schemas.microsoft.com/office/drawing/2014/main" id="{6EE16D41-009C-4DB1-A6DF-FEBADC8C343B}"/>
-              </a:ext>
-            </a:extLst>
-          </p:cNvPr>
-          <p:cNvSpPr>
-            <a:spLocks noGrp="1"/>
-          </p:cNvSpPr>
-          <p:nvPr>
-            <p:ph type="body" sz="quarter" idx="13" hasCustomPrompt="1"/>
-          </p:nvPr>
-        </p:nvSpPr>
-        <p:spPr>
-          <a:xfrm>
-            <a:off x="3176924" y="2459716"/>
-            <a:ext cx="8292315" cy="369332"/>
-          </a:xfrm>
-        </p:spPr>
-        <p:txBody>
-          <a:bodyPr wrap="square">
-            <a:spAutoFit/>
-          </a:bodyPr>
-          <a:lstStyle>
-            <a:lvl1pPr marL="0" indent="0">
-              <a:buNone/>
-              <a:defRPr sz="2000"/>
-            </a:lvl1pPr>
-          </a:lstStyle>
-          <a:p>
-            <a:pPr lvl="0"/>
-            <a:r>
-              <a:rPr lang="en-US" dirty="0"/>
-              <a:t>Long affiliation</a:t>
-            </a:r>
-          </a:p>
-        </p:txBody>
-      </p:sp>
-      <p:sp>
-        <p:nvSpPr>
-          <p:cNvPr id="21" name="Text Placeholder 10">
-            <a:extLst>
-              <a:ext uri="{FF2B5EF4-FFF2-40B4-BE49-F238E27FC236}">
-                <a16:creationId xmlns:a16="http://schemas.microsoft.com/office/drawing/2014/main" id="{8E791C6E-DB06-44D1-AB4E-AA0EF8215FBB}"/>
-              </a:ext>
-            </a:extLst>
-          </p:cNvPr>
-          <p:cNvSpPr>
-            <a:spLocks noGrp="1"/>
-          </p:cNvSpPr>
-          <p:nvPr>
-            <p:ph type="body" sz="quarter" idx="14" hasCustomPrompt="1"/>
-          </p:nvPr>
-        </p:nvSpPr>
-        <p:spPr>
-          <a:xfrm>
-            <a:off x="3176925" y="3161813"/>
-            <a:ext cx="8292316" cy="369332"/>
-          </a:xfrm>
-        </p:spPr>
-        <p:txBody>
-          <a:bodyPr wrap="square">
-            <a:spAutoFit/>
-          </a:bodyPr>
-          <a:lstStyle>
-            <a:lvl1pPr marL="0" indent="0">
-              <a:buNone/>
-              <a:defRPr sz="2000"/>
-            </a:lvl1pPr>
-          </a:lstStyle>
-          <a:p>
-            <a:pPr lvl="0"/>
-            <a:r>
-              <a:rPr lang="en-US" dirty="0"/>
-              <a:t>Tutorial title @ Venue</a:t>
-            </a:r>
-          </a:p>
-        </p:txBody>
-      </p:sp>
-      <p:sp>
-        <p:nvSpPr>
-          <p:cNvPr id="23" name="Text Placeholder 10">
-            <a:extLst>
-              <a:ext uri="{FF2B5EF4-FFF2-40B4-BE49-F238E27FC236}">
-                <a16:creationId xmlns:a16="http://schemas.microsoft.com/office/drawing/2014/main" id="{AA4CD3CE-55B5-4132-9AC3-B94506768C36}"/>
-              </a:ext>
-            </a:extLst>
-          </p:cNvPr>
-          <p:cNvSpPr>
-            <a:spLocks noGrp="1"/>
-          </p:cNvSpPr>
-          <p:nvPr>
-            <p:ph type="body" sz="quarter" idx="15" hasCustomPrompt="1"/>
-          </p:nvPr>
-        </p:nvSpPr>
-        <p:spPr>
-          <a:xfrm>
-            <a:off x="3176924" y="3792588"/>
-            <a:ext cx="8292316" cy="646331"/>
-          </a:xfrm>
-        </p:spPr>
-        <p:txBody>
-          <a:bodyPr wrap="square">
-            <a:spAutoFit/>
-          </a:bodyPr>
-          <a:lstStyle>
-            <a:lvl1pPr marL="0" indent="0">
-              <a:buNone/>
-              <a:defRPr sz="2000"/>
-            </a:lvl1pPr>
-          </a:lstStyle>
-          <a:p>
-            <a:pPr>
-              <a:spcBef>
-                <a:spcPts val="2800"/>
-              </a:spcBef>
-            </a:pPr>
-            <a:r>
-              <a:rPr lang="en-US" sz="2000" dirty="0"/>
-              <a:t>Contributors: Contributor Name (short affiliation), … in alphabetical order</a:t>
-            </a:r>
-          </a:p>
-        </p:txBody>
-      </p:sp>
-    </p:spTree>
-    <p:extLst>
-      <p:ext uri="{BB962C8B-B14F-4D97-AF65-F5344CB8AC3E}">
-        <p14:creationId xmlns:p14="http://schemas.microsoft.com/office/powerpoint/2010/main" val="4107341702"/>
-      </p:ext>
-    </p:extLst>
-  </p:cSld>
-  <p:clrMapOvr>
-    <a:masterClrMapping/>
-  </p:clrMapOvr>
-</p:sldLayout>
-</file>
-
-<file path=ppt/slideLayouts/slideLayout2.xml><?xml version="1.0" encoding="utf-8"?>
-<p:sldLayout xmlns:a="http://schemas.openxmlformats.org/drawingml/2006/main" xmlns:r="http://schemas.openxmlformats.org/officeDocument/2006/relationships" xmlns:p="http://schemas.openxmlformats.org/presentationml/2006/main" showMasterSp="0" preserve="1" userDrawn="1">
-  <p:cSld name="8_Title Slide">
-    <p:spTree>
-      <p:nvGrpSpPr>
-        <p:cNvPr id="1" name=""/>
-        <p:cNvGrpSpPr/>
-        <p:nvPr/>
-      </p:nvGrpSpPr>
-      <p:grpSpPr>
-        <a:xfrm>
-          <a:off x="0" y="0"/>
-          <a:ext cx="0" cy="0"/>
-          <a:chOff x="0" y="0"/>
-          <a:chExt cx="0" cy="0"/>
-        </a:xfrm>
-      </p:grpSpPr>
-      <p:sp>
-        <p:nvSpPr>
-          <p:cNvPr id="4" name="Rectangle 3">
-            <a:extLst>
-              <a:ext uri="{FF2B5EF4-FFF2-40B4-BE49-F238E27FC236}">
-                <a16:creationId xmlns:a16="http://schemas.microsoft.com/office/drawing/2014/main" id="{2E2177C6-060C-4445-8C10-ADA6D3CE5F74}"/>
-              </a:ext>
-            </a:extLst>
-          </p:cNvPr>
-          <p:cNvSpPr/>
-          <p:nvPr userDrawn="1"/>
-        </p:nvSpPr>
-        <p:spPr>
-          <a:xfrm>
-            <a:off x="0" y="6186396"/>
-            <a:ext cx="12188825" cy="671604"/>
-          </a:xfrm>
-          <a:prstGeom prst="rect">
-            <a:avLst/>
-          </a:prstGeom>
-          <a:solidFill>
-            <a:schemeClr val="accent1">
-              <a:lumMod val="75000"/>
-            </a:schemeClr>
-          </a:solidFill>
-          <a:ln>
-            <a:noFill/>
-          </a:ln>
-          <a:effectLst/>
-          <a:scene3d>
-            <a:camera prst="orthographicFront">
-              <a:rot lat="0" lon="0" rev="0"/>
-            </a:camera>
-            <a:lightRig rig="threePt" dir="t">
-              <a:rot lat="0" lon="0" rev="1200000"/>
-            </a:lightRig>
-          </a:scene3d>
-          <a:sp3d/>
-        </p:spPr>
-        <p:style>
-          <a:lnRef idx="0">
-            <a:schemeClr val="accent1"/>
-          </a:lnRef>
-          <a:fillRef idx="3">
-            <a:schemeClr val="accent1"/>
-          </a:fillRef>
-          <a:effectRef idx="3">
-            <a:schemeClr val="accent1"/>
-          </a:effectRef>
-          <a:fontRef idx="minor">
-            <a:schemeClr val="lt1"/>
-          </a:fontRef>
-        </p:style>
-        <p:txBody>
-          <a:bodyPr rot="0" spcFirstLastPara="0" vertOverflow="overflow" horzOverflow="overflow" vert="horz" wrap="square" lIns="548640" tIns="45720" rIns="45720" bIns="45720" numCol="1" spcCol="0" rtlCol="0" fromWordArt="0" anchor="ctr" anchorCtr="0" forceAA="0" compatLnSpc="1">
-            <a:prstTxWarp prst="textNoShape">
-              <a:avLst/>
-            </a:prstTxWarp>
-            <a:noAutofit/>
-          </a:bodyPr>
-          <a:lstStyle/>
-          <a:p>
-            <a:pPr algn="l">
-              <a:lnSpc>
-                <a:spcPct val="90000"/>
-              </a:lnSpc>
-            </a:pPr>
-            <a:r>
-              <a:rPr lang="en-US" sz="1600" dirty="0">
-                <a:ln>
-                  <a:noFill/>
-                </a:ln>
-                <a:solidFill>
-                  <a:schemeClr val="bg1"/>
-                </a:solidFill>
-              </a:rPr>
-              <a:t>exascaleproject.org</a:t>
-            </a:r>
           </a:p>
         </p:txBody>
       </p:sp>
@@ -3855,7 +2942,7 @@
       </p:sp>
       <p:pic>
         <p:nvPicPr>
-          <p:cNvPr id="12" name="Picture 11"/>
+          <p:cNvPr id="16" name="Picture 15"/>
           <p:cNvPicPr>
             <a:picLocks noChangeAspect="1"/>
           </p:cNvPicPr>
@@ -3864,39 +2951,9 @@
         <p:blipFill>
           <a:blip r:embed="rId2" cstate="print">
             <a:extLst>
-              <a:ext uri="{28A0092B-C50C-407E-A947-70E740481C1C}">
-                <a14:useLocalDpi xmlns:a14="http://schemas.microsoft.com/office/drawing/2010/main" val="0"/>
-              </a:ext>
-            </a:extLst>
-          </a:blip>
-          <a:stretch>
-            <a:fillRect/>
-          </a:stretch>
-        </p:blipFill>
-        <p:spPr>
-          <a:xfrm>
-            <a:off x="362749" y="483164"/>
-            <a:ext cx="2050840" cy="935496"/>
-          </a:xfrm>
-          <a:prstGeom prst="rect">
-            <a:avLst/>
-          </a:prstGeom>
-        </p:spPr>
-      </p:pic>
-      <p:pic>
-        <p:nvPicPr>
-          <p:cNvPr id="16" name="Picture 15"/>
-          <p:cNvPicPr>
-            <a:picLocks noChangeAspect="1"/>
-          </p:cNvPicPr>
-          <p:nvPr userDrawn="1"/>
-        </p:nvPicPr>
-        <p:blipFill>
-          <a:blip r:embed="rId3" cstate="print">
-            <a:extLst>
               <a:ext uri="{BEBA8EAE-BF5A-486C-A8C5-ECC9F3942E4B}">
                 <a14:imgProps xmlns:a14="http://schemas.microsoft.com/office/drawing/2010/main">
-                  <a14:imgLayer r:embed="rId4">
+                  <a14:imgLayer r:embed="rId3">
                     <a14:imgEffect>
                       <a14:brightnessContrast bright="100000"/>
                     </a14:imgEffect>
@@ -3914,7 +2971,7 @@
         </p:blipFill>
         <p:spPr>
           <a:xfrm>
-            <a:off x="7289921" y="6322747"/>
+            <a:off x="9357260" y="6321694"/>
             <a:ext cx="2409477" cy="401008"/>
           </a:xfrm>
           <a:prstGeom prst="rect">
@@ -3922,20 +2979,349 @@
           </a:prstGeom>
         </p:spPr>
       </p:pic>
+    </p:spTree>
+    <p:extLst>
+      <p:ext uri="{BB962C8B-B14F-4D97-AF65-F5344CB8AC3E}">
+        <p14:creationId xmlns:p14="http://schemas.microsoft.com/office/powerpoint/2010/main" val="324926385"/>
+      </p:ext>
+    </p:extLst>
+  </p:cSld>
+  <p:clrMapOvr>
+    <a:masterClrMapping/>
+  </p:clrMapOvr>
+</p:sldLayout>
+</file>
+
+<file path=ppt/slideLayouts/slideLayout2.xml><?xml version="1.0" encoding="utf-8"?>
+<p:sldLayout xmlns:a="http://schemas.openxmlformats.org/drawingml/2006/main" xmlns:r="http://schemas.openxmlformats.org/officeDocument/2006/relationships" xmlns:p="http://schemas.openxmlformats.org/presentationml/2006/main" showMasterSp="0" preserve="1" userDrawn="1">
+  <p:cSld name="8_Title Slide">
+    <p:spTree>
+      <p:nvGrpSpPr>
+        <p:cNvPr id="1" name=""/>
+        <p:cNvGrpSpPr/>
+        <p:nvPr/>
+      </p:nvGrpSpPr>
+      <p:grpSpPr>
+        <a:xfrm>
+          <a:off x="0" y="0"/>
+          <a:ext cx="0" cy="0"/>
+          <a:chOff x="0" y="0"/>
+          <a:chExt cx="0" cy="0"/>
+        </a:xfrm>
+      </p:grpSpPr>
+      <p:sp>
+        <p:nvSpPr>
+          <p:cNvPr id="4" name="Rectangle 3">
+            <a:extLst>
+              <a:ext uri="{FF2B5EF4-FFF2-40B4-BE49-F238E27FC236}">
+                <a16:creationId xmlns:a16="http://schemas.microsoft.com/office/drawing/2014/main" id="{2E2177C6-060C-4445-8C10-ADA6D3CE5F74}"/>
+              </a:ext>
+            </a:extLst>
+          </p:cNvPr>
+          <p:cNvSpPr/>
+          <p:nvPr userDrawn="1"/>
+        </p:nvSpPr>
+        <p:spPr>
+          <a:xfrm>
+            <a:off x="0" y="6186396"/>
+            <a:ext cx="12188825" cy="671604"/>
+          </a:xfrm>
+          <a:prstGeom prst="rect">
+            <a:avLst/>
+          </a:prstGeom>
+          <a:solidFill>
+            <a:schemeClr val="accent1">
+              <a:lumMod val="75000"/>
+            </a:schemeClr>
+          </a:solidFill>
+          <a:ln>
+            <a:noFill/>
+          </a:ln>
+          <a:effectLst/>
+          <a:scene3d>
+            <a:camera prst="orthographicFront">
+              <a:rot lat="0" lon="0" rev="0"/>
+            </a:camera>
+            <a:lightRig rig="threePt" dir="t">
+              <a:rot lat="0" lon="0" rev="1200000"/>
+            </a:lightRig>
+          </a:scene3d>
+          <a:sp3d/>
+        </p:spPr>
+        <p:style>
+          <a:lnRef idx="0">
+            <a:schemeClr val="accent1"/>
+          </a:lnRef>
+          <a:fillRef idx="3">
+            <a:schemeClr val="accent1"/>
+          </a:fillRef>
+          <a:effectRef idx="3">
+            <a:schemeClr val="accent1"/>
+          </a:effectRef>
+          <a:fontRef idx="minor">
+            <a:schemeClr val="lt1"/>
+          </a:fontRef>
+        </p:style>
+        <p:txBody>
+          <a:bodyPr rot="0" spcFirstLastPara="0" vertOverflow="overflow" horzOverflow="overflow" vert="horz" wrap="square" lIns="548640" tIns="45720" rIns="45720" bIns="45720" numCol="1" spcCol="0" rtlCol="0" fromWordArt="0" anchor="ctr" anchorCtr="0" forceAA="0" compatLnSpc="1">
+            <a:prstTxWarp prst="textNoShape">
+              <a:avLst/>
+            </a:prstTxWarp>
+            <a:noAutofit/>
+          </a:bodyPr>
+          <a:lstStyle/>
+          <a:p>
+            <a:pPr algn="l">
+              <a:lnSpc>
+                <a:spcPct val="90000"/>
+              </a:lnSpc>
+            </a:pPr>
+            <a:endParaRPr lang="en-US" sz="1600" dirty="0">
+              <a:ln>
+                <a:noFill/>
+              </a:ln>
+              <a:solidFill>
+                <a:schemeClr val="bg1"/>
+              </a:solidFill>
+            </a:endParaRPr>
+          </a:p>
+        </p:txBody>
+      </p:sp>
+      <p:sp>
+        <p:nvSpPr>
+          <p:cNvPr id="22" name="Rectangle 21"/>
+          <p:cNvSpPr/>
+          <p:nvPr userDrawn="1"/>
+        </p:nvSpPr>
+        <p:spPr>
+          <a:xfrm>
+            <a:off x="8305800" y="5921829"/>
+            <a:ext cx="3883025" cy="936171"/>
+          </a:xfrm>
+          <a:prstGeom prst="rect">
+            <a:avLst/>
+          </a:prstGeom>
+          <a:noFill/>
+          <a:ln>
+            <a:noFill/>
+          </a:ln>
+          <a:effectLst/>
+          <a:scene3d>
+            <a:camera prst="orthographicFront">
+              <a:rot lat="0" lon="0" rev="0"/>
+            </a:camera>
+            <a:lightRig rig="threePt" dir="t">
+              <a:rot lat="0" lon="0" rev="1200000"/>
+            </a:lightRig>
+          </a:scene3d>
+          <a:sp3d/>
+        </p:spPr>
+        <p:style>
+          <a:lnRef idx="0">
+            <a:schemeClr val="accent1"/>
+          </a:lnRef>
+          <a:fillRef idx="3">
+            <a:schemeClr val="accent1"/>
+          </a:fillRef>
+          <a:effectRef idx="3">
+            <a:schemeClr val="accent1"/>
+          </a:effectRef>
+          <a:fontRef idx="minor">
+            <a:schemeClr val="lt1"/>
+          </a:fontRef>
+        </p:style>
+        <p:txBody>
+          <a:bodyPr rot="0" spcFirstLastPara="0" vertOverflow="overflow" horzOverflow="overflow" vert="horz" wrap="square" lIns="45720" tIns="45720" rIns="45720" bIns="45720" numCol="1" spcCol="0" rtlCol="0" fromWordArt="0" anchor="ctr" anchorCtr="0" forceAA="0" compatLnSpc="1">
+            <a:prstTxWarp prst="textNoShape">
+              <a:avLst/>
+            </a:prstTxWarp>
+            <a:noAutofit/>
+          </a:bodyPr>
+          <a:lstStyle/>
+          <a:p>
+            <a:pPr algn="ctr">
+              <a:lnSpc>
+                <a:spcPct val="90000"/>
+              </a:lnSpc>
+            </a:pPr>
+            <a:endParaRPr lang="en-US" dirty="0">
+              <a:solidFill>
+                <a:schemeClr val="tx1"/>
+              </a:solidFill>
+            </a:endParaRPr>
+          </a:p>
+        </p:txBody>
+      </p:sp>
+      <p:sp>
+        <p:nvSpPr>
+          <p:cNvPr id="2" name="Title 1"/>
+          <p:cNvSpPr>
+            <a:spLocks noGrp="1"/>
+          </p:cNvSpPr>
+          <p:nvPr userDrawn="1">
+            <p:ph type="ctrTitle"/>
+          </p:nvPr>
+        </p:nvSpPr>
+        <p:spPr>
+          <a:xfrm>
+            <a:off x="3177633" y="503144"/>
+            <a:ext cx="8292316" cy="1030930"/>
+          </a:xfrm>
+        </p:spPr>
+        <p:txBody>
+          <a:bodyPr anchor="b"/>
+          <a:lstStyle>
+            <a:lvl1pPr algn="l">
+              <a:defRPr sz="3200" b="1">
+                <a:solidFill>
+                  <a:schemeClr val="tx1"/>
+                </a:solidFill>
+                <a:latin typeface="+mn-lt"/>
+              </a:defRPr>
+            </a:lvl1pPr>
+          </a:lstStyle>
+          <a:p>
+            <a:r>
+              <a:rPr lang="en-US"/>
+              <a:t>Click to edit Master title style</a:t>
+            </a:r>
+            <a:endParaRPr lang="en-US" dirty="0"/>
+          </a:p>
+        </p:txBody>
+      </p:sp>
+      <p:sp>
+        <p:nvSpPr>
+          <p:cNvPr id="3" name="Subtitle 2"/>
+          <p:cNvSpPr>
+            <a:spLocks noGrp="1"/>
+          </p:cNvSpPr>
+          <p:nvPr userDrawn="1">
+            <p:ph type="subTitle" idx="1"/>
+          </p:nvPr>
+        </p:nvSpPr>
+        <p:spPr>
+          <a:xfrm>
+            <a:off x="3177632" y="2085962"/>
+            <a:ext cx="8292317" cy="2855300"/>
+          </a:xfrm>
+        </p:spPr>
+        <p:txBody>
+          <a:bodyPr lIns="109728"/>
+          <a:lstStyle>
+            <a:lvl1pPr marL="0" indent="0" algn="l">
+              <a:buNone/>
+              <a:defRPr sz="2400">
+                <a:solidFill>
+                  <a:schemeClr val="tx1"/>
+                </a:solidFill>
+                <a:latin typeface="Arial" panose="020B0604020202020204" pitchFamily="34" charset="0"/>
+                <a:cs typeface="Arial" panose="020B0604020202020204" pitchFamily="34" charset="0"/>
+              </a:defRPr>
+            </a:lvl1pPr>
+            <a:lvl2pPr marL="457200" indent="0" algn="ctr">
+              <a:buNone/>
+              <a:defRPr>
+                <a:solidFill>
+                  <a:schemeClr val="tx1">
+                    <a:tint val="75000"/>
+                  </a:schemeClr>
+                </a:solidFill>
+              </a:defRPr>
+            </a:lvl2pPr>
+            <a:lvl3pPr marL="914400" indent="0" algn="ctr">
+              <a:buNone/>
+              <a:defRPr>
+                <a:solidFill>
+                  <a:schemeClr val="tx1">
+                    <a:tint val="75000"/>
+                  </a:schemeClr>
+                </a:solidFill>
+              </a:defRPr>
+            </a:lvl3pPr>
+            <a:lvl4pPr marL="1371600" indent="0" algn="ctr">
+              <a:buNone/>
+              <a:defRPr>
+                <a:solidFill>
+                  <a:schemeClr val="tx1">
+                    <a:tint val="75000"/>
+                  </a:schemeClr>
+                </a:solidFill>
+              </a:defRPr>
+            </a:lvl4pPr>
+            <a:lvl5pPr marL="1828800" indent="0" algn="ctr">
+              <a:buNone/>
+              <a:defRPr>
+                <a:solidFill>
+                  <a:schemeClr val="tx1">
+                    <a:tint val="75000"/>
+                  </a:schemeClr>
+                </a:solidFill>
+              </a:defRPr>
+            </a:lvl5pPr>
+            <a:lvl6pPr marL="2286000" indent="0" algn="ctr">
+              <a:buNone/>
+              <a:defRPr>
+                <a:solidFill>
+                  <a:schemeClr val="tx1">
+                    <a:tint val="75000"/>
+                  </a:schemeClr>
+                </a:solidFill>
+              </a:defRPr>
+            </a:lvl6pPr>
+            <a:lvl7pPr marL="2743200" indent="0" algn="ctr">
+              <a:buNone/>
+              <a:defRPr>
+                <a:solidFill>
+                  <a:schemeClr val="tx1">
+                    <a:tint val="75000"/>
+                  </a:schemeClr>
+                </a:solidFill>
+              </a:defRPr>
+            </a:lvl7pPr>
+            <a:lvl8pPr marL="3200400" indent="0" algn="ctr">
+              <a:buNone/>
+              <a:defRPr>
+                <a:solidFill>
+                  <a:schemeClr val="tx1">
+                    <a:tint val="75000"/>
+                  </a:schemeClr>
+                </a:solidFill>
+              </a:defRPr>
+            </a:lvl8pPr>
+            <a:lvl9pPr marL="3657600" indent="0" algn="ctr">
+              <a:buNone/>
+              <a:defRPr>
+                <a:solidFill>
+                  <a:schemeClr val="tx1">
+                    <a:tint val="75000"/>
+                  </a:schemeClr>
+                </a:solidFill>
+              </a:defRPr>
+            </a:lvl9pPr>
+          </a:lstStyle>
+          <a:p>
+            <a:r>
+              <a:rPr lang="en-US"/>
+              <a:t>Click to edit Master subtitle style</a:t>
+            </a:r>
+            <a:endParaRPr lang="en-US" dirty="0"/>
+          </a:p>
+        </p:txBody>
+      </p:sp>
       <p:pic>
         <p:nvPicPr>
-          <p:cNvPr id="17" name="Picture 16"/>
+          <p:cNvPr id="16" name="Picture 15"/>
           <p:cNvPicPr>
             <a:picLocks noChangeAspect="1"/>
           </p:cNvPicPr>
           <p:nvPr userDrawn="1"/>
         </p:nvPicPr>
-        <p:blipFill rotWithShape="1">
-          <a:blip r:embed="rId5" cstate="print">
+        <p:blipFill>
+          <a:blip r:embed="rId2" cstate="print">
             <a:extLst>
               <a:ext uri="{BEBA8EAE-BF5A-486C-A8C5-ECC9F3942E4B}">
                 <a14:imgProps xmlns:a14="http://schemas.microsoft.com/office/drawing/2010/main">
-                  <a14:imgLayer r:embed="rId6">
+                  <a14:imgLayer r:embed="rId3">
                     <a14:imgEffect>
                       <a14:brightnessContrast bright="100000"/>
                     </a14:imgEffect>
@@ -3947,49 +3333,14 @@
               </a:ext>
             </a:extLst>
           </a:blip>
-          <a:srcRect b="70693"/>
-          <a:stretch/>
-        </p:blipFill>
-        <p:spPr>
-          <a:xfrm>
-            <a:off x="10204521" y="6307740"/>
-            <a:ext cx="1367541" cy="428915"/>
-          </a:xfrm>
-          <a:prstGeom prst="rect">
-            <a:avLst/>
-          </a:prstGeom>
-        </p:spPr>
-      </p:pic>
-      <p:pic>
-        <p:nvPicPr>
-          <p:cNvPr id="8" name="Picture 7" descr="A picture containing shape&#10;&#10;Description automatically generated">
-            <a:extLst>
-              <a:ext uri="{FF2B5EF4-FFF2-40B4-BE49-F238E27FC236}">
-                <a16:creationId xmlns:a16="http://schemas.microsoft.com/office/drawing/2014/main" id="{C432A180-7341-4E28-8C2B-73F9AB53D13F}"/>
-              </a:ext>
-            </a:extLst>
-          </p:cNvPr>
-          <p:cNvPicPr>
-            <a:picLocks noChangeAspect="1"/>
-          </p:cNvPicPr>
-          <p:nvPr userDrawn="1"/>
-        </p:nvPicPr>
-        <p:blipFill>
-          <a:blip r:embed="rId7">
-            <a:extLst>
-              <a:ext uri="{28A0092B-C50C-407E-A947-70E740481C1C}">
-                <a14:useLocalDpi xmlns:a14="http://schemas.microsoft.com/office/drawing/2010/main" val="0"/>
-              </a:ext>
-            </a:extLst>
-          </a:blip>
           <a:stretch>
             <a:fillRect/>
           </a:stretch>
         </p:blipFill>
         <p:spPr>
           <a:xfrm>
-            <a:off x="333920" y="1848659"/>
-            <a:ext cx="2108499" cy="914400"/>
+            <a:off x="9536165" y="6321694"/>
+            <a:ext cx="2409477" cy="401008"/>
           </a:xfrm>
           <a:prstGeom prst="rect">
             <a:avLst/>
@@ -4011,7 +3362,7 @@
           <p:nvPr userDrawn="1"/>
         </p:nvPicPr>
         <p:blipFill>
-          <a:blip r:embed="rId8">
+          <a:blip r:embed="rId4">
             <a:extLst>
               <a:ext uri="{28A0092B-C50C-407E-A947-70E740481C1C}">
                 <a14:useLocalDpi xmlns:a14="http://schemas.microsoft.com/office/drawing/2010/main" val="0"/>
@@ -4098,7 +3449,7 @@
           <p:nvPr userDrawn="1"/>
         </p:nvPicPr>
         <p:blipFill>
-          <a:blip r:embed="rId9" cstate="print">
+          <a:blip r:embed="rId5" cstate="print">
             <a:extLst>
               <a:ext uri="{28A0092B-C50C-407E-A947-70E740481C1C}">
                 <a14:useLocalDpi xmlns:a14="http://schemas.microsoft.com/office/drawing/2010/main" val="0"/>
@@ -5778,36 +5129,6 @@
           </a:p>
         </p:txBody>
       </p:sp>
-      <p:pic>
-        <p:nvPicPr>
-          <p:cNvPr id="13" name="Picture 12"/>
-          <p:cNvPicPr>
-            <a:picLocks noChangeAspect="1"/>
-          </p:cNvPicPr>
-          <p:nvPr userDrawn="1"/>
-        </p:nvPicPr>
-        <p:blipFill>
-          <a:blip r:embed="rId9" cstate="print">
-            <a:extLst>
-              <a:ext uri="{28A0092B-C50C-407E-A947-70E740481C1C}">
-                <a14:useLocalDpi xmlns:a14="http://schemas.microsoft.com/office/drawing/2010/main" val="0"/>
-              </a:ext>
-            </a:extLst>
-          </a:blip>
-          <a:stretch>
-            <a:fillRect/>
-          </a:stretch>
-        </p:blipFill>
-        <p:spPr>
-          <a:xfrm>
-            <a:off x="9741160" y="6185919"/>
-            <a:ext cx="1971212" cy="533060"/>
-          </a:xfrm>
-          <a:prstGeom prst="rect">
-            <a:avLst/>
-          </a:prstGeom>
-        </p:spPr>
-      </p:pic>
       <p:sp>
         <p:nvSpPr>
           <p:cNvPr id="8" name="Rectangle 256"/>
@@ -5911,42 +5232,6 @@
           </a:p>
         </p:txBody>
       </p:sp>
-      <p:pic>
-        <p:nvPicPr>
-          <p:cNvPr id="3" name="Picture 2" descr="A picture containing shape&#10;&#10;Description automatically generated">
-            <a:extLst>
-              <a:ext uri="{FF2B5EF4-FFF2-40B4-BE49-F238E27FC236}">
-                <a16:creationId xmlns:a16="http://schemas.microsoft.com/office/drawing/2014/main" id="{2A4943B8-0F89-4A94-B130-A128F45E57C4}"/>
-              </a:ext>
-            </a:extLst>
-          </p:cNvPr>
-          <p:cNvPicPr>
-            <a:picLocks noChangeAspect="1"/>
-          </p:cNvPicPr>
-          <p:nvPr userDrawn="1"/>
-        </p:nvPicPr>
-        <p:blipFill>
-          <a:blip r:embed="rId10">
-            <a:extLst>
-              <a:ext uri="{28A0092B-C50C-407E-A947-70E740481C1C}">
-                <a14:useLocalDpi xmlns:a14="http://schemas.microsoft.com/office/drawing/2010/main" val="0"/>
-              </a:ext>
-            </a:extLst>
-          </a:blip>
-          <a:stretch>
-            <a:fillRect/>
-          </a:stretch>
-        </p:blipFill>
-        <p:spPr>
-          <a:xfrm>
-            <a:off x="7806050" y="6114121"/>
-            <a:ext cx="1560289" cy="676656"/>
-          </a:xfrm>
-          <a:prstGeom prst="rect">
-            <a:avLst/>
-          </a:prstGeom>
-        </p:spPr>
-      </p:pic>
     </p:spTree>
     <p:extLst>
       <p:ext uri="{BB962C8B-B14F-4D97-AF65-F5344CB8AC3E}">
@@ -5956,7 +5241,7 @@
   </p:cSld>
   <p:clrMap bg1="lt1" tx1="dk1" bg2="lt2" tx2="dk2" accent1="accent1" accent2="accent2" accent3="accent3" accent4="accent4" accent5="accent5" accent6="accent6" hlink="hlink" folHlink="folHlink"/>
   <p:sldLayoutIdLst>
-    <p:sldLayoutId id="2147483952" r:id="rId1"/>
+    <p:sldLayoutId id="2147483949" r:id="rId1"/>
     <p:sldLayoutId id="2147483951" r:id="rId2"/>
     <p:sldLayoutId id="2147483937" r:id="rId3"/>
     <p:sldLayoutId id="2147483939" r:id="rId4"/>
@@ -6423,10 +5708,10 @@
       </p:grpSpPr>
       <p:sp>
         <p:nvSpPr>
-          <p:cNvPr id="2" name="Title 1">
+          <p:cNvPr id="3" name="Subtitle 2">
             <a:extLst>
               <a:ext uri="{FF2B5EF4-FFF2-40B4-BE49-F238E27FC236}">
-                <a16:creationId xmlns:a16="http://schemas.microsoft.com/office/drawing/2014/main" id="{0AAFB3B4-69DA-4728-BD80-41CE41CDE796}"/>
+                <a16:creationId xmlns:a16="http://schemas.microsoft.com/office/drawing/2014/main" id="{115D6CAC-8B77-472D-91BE-E47FFB7E8C7A}"/>
               </a:ext>
             </a:extLst>
           </p:cNvPr>
@@ -6434,196 +5719,89 @@
             <a:spLocks noGrp="1"/>
           </p:cNvSpPr>
           <p:nvPr>
-            <p:ph type="ctrTitle"/>
-          </p:nvPr>
-        </p:nvSpPr>
-        <p:spPr/>
+            <p:ph type="subTitle" idx="1"/>
+          </p:nvPr>
+        </p:nvSpPr>
+        <p:spPr>
+          <a:xfrm>
+            <a:off x="3177632" y="1959498"/>
+            <a:ext cx="7772308" cy="2855300"/>
+          </a:xfrm>
+        </p:spPr>
         <p:txBody>
           <a:bodyPr/>
           <a:lstStyle/>
           <a:p>
             <a:r>
               <a:rPr lang="en-US" dirty="0"/>
-              <a:t>Lab Notebooks for Computational Mathematics, Sciences, &amp; Engineering</a:t>
-            </a:r>
-            <a:endParaRPr lang="en-US" sz="2000" b="0" dirty="0"/>
-          </a:p>
-        </p:txBody>
-      </p:sp>
-      <p:sp>
-        <p:nvSpPr>
-          <p:cNvPr id="3" name="Text Placeholder 2">
-            <a:extLst>
-              <a:ext uri="{FF2B5EF4-FFF2-40B4-BE49-F238E27FC236}">
-                <a16:creationId xmlns:a16="http://schemas.microsoft.com/office/drawing/2014/main" id="{A99BF10E-A133-4BAB-A18B-C7563472A356}"/>
-              </a:ext>
-            </a:extLst>
-          </p:cNvPr>
-          <p:cNvSpPr>
-            <a:spLocks noGrp="1"/>
-          </p:cNvSpPr>
-          <p:nvPr>
-            <p:ph type="body" sz="quarter" idx="10"/>
-          </p:nvPr>
-        </p:nvSpPr>
-        <p:spPr/>
-        <p:txBody>
-          <a:bodyPr/>
-          <a:lstStyle/>
-          <a:p>
-            <a:endParaRPr lang="en-US" dirty="0"/>
-          </a:p>
-        </p:txBody>
-      </p:sp>
-      <p:sp>
-        <p:nvSpPr>
-          <p:cNvPr id="4" name="Text Placeholder 3">
-            <a:extLst>
-              <a:ext uri="{FF2B5EF4-FFF2-40B4-BE49-F238E27FC236}">
-                <a16:creationId xmlns:a16="http://schemas.microsoft.com/office/drawing/2014/main" id="{CAA49102-FA8F-46A7-83A0-A9A05667E16E}"/>
-              </a:ext>
-            </a:extLst>
-          </p:cNvPr>
-          <p:cNvSpPr>
-            <a:spLocks noGrp="1"/>
-          </p:cNvSpPr>
-          <p:nvPr>
-            <p:ph type="body" sz="quarter" idx="11"/>
-          </p:nvPr>
-        </p:nvSpPr>
-        <p:spPr>
-          <a:xfrm>
-            <a:off x="3176924" y="2085870"/>
-            <a:ext cx="2752677" cy="424732"/>
-          </a:xfrm>
-        </p:spPr>
-        <p:txBody>
-          <a:bodyPr/>
-          <a:lstStyle/>
-          <a:p>
-            <a:r>
-              <a:rPr lang="en-US" dirty="0"/>
-              <a:t>David E. Bernholdt</a:t>
-            </a:r>
-          </a:p>
-        </p:txBody>
-      </p:sp>
-      <p:sp>
-        <p:nvSpPr>
-          <p:cNvPr id="5" name="Text Placeholder 4">
-            <a:extLst>
-              <a:ext uri="{FF2B5EF4-FFF2-40B4-BE49-F238E27FC236}">
-                <a16:creationId xmlns:a16="http://schemas.microsoft.com/office/drawing/2014/main" id="{65EE6617-5516-4E55-AE7E-7E31417CEDFF}"/>
-              </a:ext>
-            </a:extLst>
-          </p:cNvPr>
-          <p:cNvSpPr>
-            <a:spLocks noGrp="1"/>
-          </p:cNvSpPr>
-          <p:nvPr>
-            <p:ph type="body" sz="quarter" idx="12"/>
-          </p:nvPr>
-        </p:nvSpPr>
-        <p:spPr>
-          <a:xfrm>
-            <a:off x="5914520" y="2134517"/>
-            <a:ext cx="1690167" cy="376085"/>
-          </a:xfrm>
-        </p:spPr>
-        <p:txBody>
-          <a:bodyPr/>
-          <a:lstStyle/>
-          <a:p>
-            <a:r>
-              <a:rPr lang="en-US" dirty="0"/>
-              <a:t>(he/him)</a:t>
-            </a:r>
-          </a:p>
-        </p:txBody>
-      </p:sp>
-      <p:sp>
-        <p:nvSpPr>
-          <p:cNvPr id="6" name="Text Placeholder 5">
-            <a:extLst>
-              <a:ext uri="{FF2B5EF4-FFF2-40B4-BE49-F238E27FC236}">
-                <a16:creationId xmlns:a16="http://schemas.microsoft.com/office/drawing/2014/main" id="{A2D55B71-8B0F-4FB0-8981-1394D64313AD}"/>
-              </a:ext>
-            </a:extLst>
-          </p:cNvPr>
-          <p:cNvSpPr>
-            <a:spLocks noGrp="1"/>
-          </p:cNvSpPr>
-          <p:nvPr>
-            <p:ph type="body" sz="quarter" idx="13"/>
-          </p:nvPr>
-        </p:nvSpPr>
-        <p:spPr/>
-        <p:txBody>
-          <a:bodyPr/>
-          <a:lstStyle/>
-          <a:p>
-            <a:r>
-              <a:rPr lang="en-US" dirty="0"/>
-              <a:t>Oak Ridge National Laboratory</a:t>
-            </a:r>
-          </a:p>
-        </p:txBody>
-      </p:sp>
-      <p:sp>
-        <p:nvSpPr>
-          <p:cNvPr id="7" name="Text Placeholder 6">
-            <a:extLst>
-              <a:ext uri="{FF2B5EF4-FFF2-40B4-BE49-F238E27FC236}">
-                <a16:creationId xmlns:a16="http://schemas.microsoft.com/office/drawing/2014/main" id="{F5829A8F-4A06-4B9D-8269-0962AD5516DA}"/>
-              </a:ext>
-            </a:extLst>
-          </p:cNvPr>
-          <p:cNvSpPr>
-            <a:spLocks noGrp="1"/>
-          </p:cNvSpPr>
-          <p:nvPr>
-            <p:ph type="body" sz="quarter" idx="14"/>
-          </p:nvPr>
-        </p:nvSpPr>
-        <p:spPr>
-          <a:xfrm>
-            <a:off x="3176925" y="3161813"/>
-            <a:ext cx="8292316" cy="369332"/>
-          </a:xfrm>
-        </p:spPr>
-        <p:txBody>
-          <a:bodyPr/>
-          <a:lstStyle/>
-          <a:p>
-            <a:r>
-              <a:rPr lang="en-US" sz="2000" b="0" i="0" dirty="0">
+              <a:t>Anshu Dubey</a:t>
+            </a:r>
+          </a:p>
+          <a:p>
+            <a:r>
+              <a:rPr lang="en-US" b="0" i="0" dirty="0">
                 <a:solidFill>
                   <a:srgbClr val="111111"/>
                 </a:solidFill>
                 <a:effectLst/>
-                <a:latin typeface="+mn-lt"/>
+                <a:latin typeface="-apple-system"/>
               </a:rPr>
-              <a:t>Better Software for Reproducible Science tutorial</a:t>
-            </a:r>
-            <a:r>
-              <a:rPr lang="en-US" sz="2000" dirty="0">
-                <a:latin typeface="+mn-lt"/>
-              </a:rPr>
-              <a:t> </a:t>
-            </a:r>
+              <a:t>Better Scientific Software Tutorial @ ISC24</a:t>
+            </a:r>
+          </a:p>
+          <a:p>
+            <a:endParaRPr lang="en-US" dirty="0">
+              <a:solidFill>
+                <a:srgbClr val="111111"/>
+              </a:solidFill>
+              <a:latin typeface="-apple-system"/>
+            </a:endParaRPr>
+          </a:p>
+          <a:p>
             <a:r>
               <a:rPr lang="en-US" sz="2000" dirty="0"/>
-              <a:t>@ SC23</a:t>
-            </a:r>
-          </a:p>
-        </p:txBody>
-      </p:sp>
-      <p:sp>
-        <p:nvSpPr>
-          <p:cNvPr id="8" name="Text Placeholder 7">
+              <a:t>Contributors: Jared O’Neal, Anshu Dubey (ANL), David </a:t>
+            </a:r>
+            <a:r>
+              <a:rPr lang="en-US" sz="2000" dirty="0" err="1"/>
+              <a:t>Bernholdt</a:t>
+            </a:r>
+            <a:r>
+              <a:rPr lang="en-US" sz="2000" dirty="0"/>
+              <a:t> (ORNL)</a:t>
+            </a:r>
+          </a:p>
+          <a:p>
+            <a:r>
+              <a:rPr lang="en-US" sz="1600" dirty="0"/>
+              <a:t>Additional thanks to Juan Pablo Haddad, Akash Dhruv, Steve </a:t>
+            </a:r>
+            <a:r>
+              <a:rPr lang="en-US" sz="1600" dirty="0" err="1"/>
+              <a:t>Fickas</a:t>
+            </a:r>
+            <a:r>
+              <a:rPr lang="en-US" sz="1600" dirty="0"/>
+              <a:t>, Carlo Graziani, </a:t>
+            </a:r>
+            <a:r>
+              <a:rPr lang="en-US" sz="1600" dirty="0" err="1"/>
+              <a:t>Boyana</a:t>
+            </a:r>
+            <a:r>
+              <a:rPr lang="en-US" sz="1600" dirty="0"/>
+              <a:t> Norris</a:t>
+            </a:r>
+            <a:endParaRPr lang="en-US" sz="2000" dirty="0"/>
+          </a:p>
+        </p:txBody>
+      </p:sp>
+      <p:sp>
+        <p:nvSpPr>
+          <p:cNvPr id="5" name="Title 1">
             <a:extLst>
               <a:ext uri="{FF2B5EF4-FFF2-40B4-BE49-F238E27FC236}">
-                <a16:creationId xmlns:a16="http://schemas.microsoft.com/office/drawing/2014/main" id="{00425D42-C089-4CFF-BE75-87BF248450A9}"/>
+                <a16:creationId xmlns:a16="http://schemas.microsoft.com/office/drawing/2014/main" id="{435BD536-E044-FD42-465E-71047A8B28B3}"/>
               </a:ext>
             </a:extLst>
           </p:cNvPr>
@@ -6631,13 +5809,13 @@
             <a:spLocks noGrp="1"/>
           </p:cNvSpPr>
           <p:nvPr>
-            <p:ph type="body" sz="quarter" idx="15"/>
+            <p:ph type="ctrTitle"/>
           </p:nvPr>
         </p:nvSpPr>
         <p:spPr>
           <a:xfrm>
-            <a:off x="3176924" y="4204068"/>
-            <a:ext cx="8292316" cy="646331"/>
+            <a:off x="3177633" y="503144"/>
+            <a:ext cx="8292316" cy="1030930"/>
           </a:xfrm>
         </p:spPr>
         <p:txBody>
@@ -6646,258 +5824,16 @@
           <a:p>
             <a:r>
               <a:rPr lang="en-US" dirty="0"/>
-              <a:t>Contributors: David E. Bernholdt (ORNL), Anshu Dubey (ANL), Jared O’Neal (ANL)</a:t>
-            </a:r>
-          </a:p>
-        </p:txBody>
-      </p:sp>
-      <p:sp>
-        <p:nvSpPr>
-          <p:cNvPr id="9" name="Text Placeholder 7">
-            <a:extLst>
-              <a:ext uri="{FF2B5EF4-FFF2-40B4-BE49-F238E27FC236}">
-                <a16:creationId xmlns:a16="http://schemas.microsoft.com/office/drawing/2014/main" id="{809E7AEE-B8AE-E35D-B25A-B0E14780D185}"/>
-              </a:ext>
-            </a:extLst>
-          </p:cNvPr>
-          <p:cNvSpPr txBox="1">
-            <a:spLocks/>
-          </p:cNvSpPr>
-          <p:nvPr/>
-        </p:nvSpPr>
-        <p:spPr bwMode="auto">
-          <a:xfrm>
-            <a:off x="3176923" y="5133164"/>
-            <a:ext cx="7923467" cy="646331"/>
-          </a:xfrm>
-          <a:prstGeom prst="rect">
-            <a:avLst/>
-          </a:prstGeom>
-          <a:noFill/>
-          <a:ln w="9525">
-            <a:noFill/>
-            <a:miter lim="800000"/>
-            <a:headEnd/>
-            <a:tailEnd/>
-          </a:ln>
-        </p:spPr>
-        <p:txBody>
-          <a:bodyPr vert="horz" wrap="square" lIns="91440" tIns="45720" rIns="91440" bIns="45720" numCol="1" anchor="t" anchorCtr="0" compatLnSpc="1">
-            <a:prstTxWarp prst="textNoShape">
-              <a:avLst/>
-            </a:prstTxWarp>
-            <a:spAutoFit/>
-          </a:bodyPr>
-          <a:lstStyle>
-            <a:lvl1pPr marL="0" indent="0" algn="l" rtl="0" eaLnBrk="1" fontAlgn="base" hangingPunct="1">
-              <a:lnSpc>
-                <a:spcPct val="90000"/>
-              </a:lnSpc>
-              <a:spcBef>
-                <a:spcPts val="1400"/>
-              </a:spcBef>
-              <a:spcAft>
-                <a:spcPct val="0"/>
-              </a:spcAft>
-              <a:buClr>
-                <a:schemeClr val="tx1"/>
-              </a:buClr>
-              <a:buFont typeface="Arial" charset="0"/>
-              <a:buNone/>
-              <a:defRPr sz="2000" kern="1200">
-                <a:solidFill>
-                  <a:schemeClr val="tx1"/>
-                </a:solidFill>
-                <a:latin typeface="+mn-lt"/>
-                <a:ea typeface="+mn-ea"/>
-                <a:cs typeface="+mn-cs"/>
-              </a:defRPr>
-            </a:lvl1pPr>
-            <a:lvl2pPr marL="625475" indent="-279400" algn="l" rtl="0" eaLnBrk="1" fontAlgn="base" hangingPunct="1">
-              <a:lnSpc>
-                <a:spcPct val="90000"/>
-              </a:lnSpc>
-              <a:spcBef>
-                <a:spcPts val="800"/>
-              </a:spcBef>
-              <a:spcAft>
-                <a:spcPct val="0"/>
-              </a:spcAft>
-              <a:buClr>
-                <a:schemeClr val="tx1"/>
-              </a:buClr>
-              <a:buFont typeface="Arial" charset="0"/>
-              <a:buChar char="–"/>
-              <a:defRPr sz="2000" kern="1200">
-                <a:solidFill>
-                  <a:schemeClr val="tx1"/>
-                </a:solidFill>
-                <a:latin typeface="+mn-lt"/>
-                <a:ea typeface="+mn-ea"/>
-                <a:cs typeface="+mn-cs"/>
-              </a:defRPr>
-            </a:lvl2pPr>
-            <a:lvl3pPr marL="914400" indent="-230188" algn="l" rtl="0" eaLnBrk="1" fontAlgn="base" hangingPunct="1">
-              <a:lnSpc>
-                <a:spcPct val="90000"/>
-              </a:lnSpc>
-              <a:spcBef>
-                <a:spcPts val="800"/>
-              </a:spcBef>
-              <a:spcAft>
-                <a:spcPct val="0"/>
-              </a:spcAft>
-              <a:buClr>
-                <a:schemeClr val="tx1"/>
-              </a:buClr>
-              <a:buFont typeface="Arial" charset="0"/>
-              <a:buChar char="•"/>
-              <a:defRPr sz="1800" kern="1200">
-                <a:solidFill>
-                  <a:schemeClr val="tx1"/>
-                </a:solidFill>
-                <a:latin typeface="+mn-lt"/>
-                <a:ea typeface="+mn-ea"/>
-                <a:cs typeface="+mn-cs"/>
-              </a:defRPr>
-            </a:lvl3pPr>
-            <a:lvl4pPr marL="1144588" indent="-173038" algn="l" rtl="0" eaLnBrk="1" fontAlgn="base" hangingPunct="1">
-              <a:lnSpc>
-                <a:spcPct val="90000"/>
-              </a:lnSpc>
-              <a:spcBef>
-                <a:spcPts val="800"/>
-              </a:spcBef>
-              <a:spcAft>
-                <a:spcPct val="0"/>
-              </a:spcAft>
-              <a:buClr>
-                <a:schemeClr val="tx1"/>
-              </a:buClr>
-              <a:buFont typeface="Arial" charset="0"/>
-              <a:buChar char="–"/>
-              <a:defRPr sz="1600" kern="1200">
-                <a:solidFill>
-                  <a:schemeClr val="tx1"/>
-                </a:solidFill>
-                <a:latin typeface="+mn-lt"/>
-                <a:ea typeface="+mn-ea"/>
-                <a:cs typeface="+mn-cs"/>
-              </a:defRPr>
-            </a:lvl4pPr>
-            <a:lvl5pPr marL="1482725" indent="-222250" algn="l" rtl="0" eaLnBrk="1" fontAlgn="base" hangingPunct="1">
-              <a:lnSpc>
-                <a:spcPct val="90000"/>
-              </a:lnSpc>
-              <a:spcBef>
-                <a:spcPts val="600"/>
-              </a:spcBef>
-              <a:spcAft>
-                <a:spcPct val="0"/>
-              </a:spcAft>
-              <a:buClr>
-                <a:schemeClr val="tx1"/>
-              </a:buClr>
-              <a:buFont typeface="Arial" charset="0"/>
-              <a:buChar char="»"/>
-              <a:defRPr sz="1600" kern="1200">
-                <a:solidFill>
-                  <a:schemeClr val="tx1"/>
-                </a:solidFill>
-                <a:latin typeface="+mn-lt"/>
-                <a:ea typeface="+mn-ea"/>
-                <a:cs typeface="+mn-cs"/>
-              </a:defRPr>
-            </a:lvl5pPr>
-            <a:lvl6pPr marL="2514600" indent="-228600" algn="l" defTabSz="914400" rtl="0" eaLnBrk="1" latinLnBrk="0" hangingPunct="1">
-              <a:spcBef>
-                <a:spcPct val="20000"/>
-              </a:spcBef>
-              <a:buFont typeface="Arial" pitchFamily="34" charset="0"/>
-              <a:buChar char="•"/>
-              <a:defRPr sz="2000" kern="1200">
-                <a:solidFill>
-                  <a:schemeClr val="tx1"/>
-                </a:solidFill>
-                <a:latin typeface="+mn-lt"/>
-                <a:ea typeface="+mn-ea"/>
-                <a:cs typeface="+mn-cs"/>
-              </a:defRPr>
-            </a:lvl6pPr>
-            <a:lvl7pPr marL="2971800" indent="-228600" algn="l" defTabSz="914400" rtl="0" eaLnBrk="1" latinLnBrk="0" hangingPunct="1">
-              <a:spcBef>
-                <a:spcPct val="20000"/>
-              </a:spcBef>
-              <a:buFont typeface="Arial" pitchFamily="34" charset="0"/>
-              <a:buChar char="•"/>
-              <a:defRPr sz="2000" kern="1200">
-                <a:solidFill>
-                  <a:schemeClr val="tx1"/>
-                </a:solidFill>
-                <a:latin typeface="+mn-lt"/>
-                <a:ea typeface="+mn-ea"/>
-                <a:cs typeface="+mn-cs"/>
-              </a:defRPr>
-            </a:lvl7pPr>
-            <a:lvl8pPr marL="3429000" indent="-228600" algn="l" defTabSz="914400" rtl="0" eaLnBrk="1" latinLnBrk="0" hangingPunct="1">
-              <a:spcBef>
-                <a:spcPct val="20000"/>
-              </a:spcBef>
-              <a:buFont typeface="Arial" pitchFamily="34" charset="0"/>
-              <a:buChar char="•"/>
-              <a:defRPr sz="2000" kern="1200">
-                <a:solidFill>
-                  <a:schemeClr val="tx1"/>
-                </a:solidFill>
-                <a:latin typeface="+mn-lt"/>
-                <a:ea typeface="+mn-ea"/>
-                <a:cs typeface="+mn-cs"/>
-              </a:defRPr>
-            </a:lvl8pPr>
-            <a:lvl9pPr marL="3886200" indent="-228600" algn="l" defTabSz="914400" rtl="0" eaLnBrk="1" latinLnBrk="0" hangingPunct="1">
-              <a:spcBef>
-                <a:spcPct val="20000"/>
-              </a:spcBef>
-              <a:buFont typeface="Arial" pitchFamily="34" charset="0"/>
-              <a:buChar char="•"/>
-              <a:defRPr sz="2000" kern="1200">
-                <a:solidFill>
-                  <a:schemeClr val="tx1"/>
-                </a:solidFill>
-                <a:latin typeface="+mn-lt"/>
-                <a:ea typeface="+mn-ea"/>
-                <a:cs typeface="+mn-cs"/>
-              </a:defRPr>
-            </a:lvl9pPr>
-          </a:lstStyle>
-          <a:p>
-            <a:r>
-              <a:rPr lang="en-US" dirty="0"/>
-              <a:t>Additional thanks to: Juan Pablo Haddad, Akash Dhruv, Steve </a:t>
-            </a:r>
-            <a:r>
-              <a:rPr lang="en-US" dirty="0" err="1"/>
-              <a:t>Fickas</a:t>
-            </a:r>
-            <a:r>
-              <a:rPr lang="en-US" dirty="0"/>
-              <a:t>, Carlo Graziani, </a:t>
-            </a:r>
-            <a:r>
-              <a:rPr lang="en-US" dirty="0" err="1"/>
-              <a:t>Boyana</a:t>
-            </a:r>
-            <a:r>
-              <a:rPr lang="en-US" dirty="0"/>
-              <a:t> Norris</a:t>
-            </a:r>
+              <a:t>Lab Notebooks for Computational Mathematics, Sciences, &amp; Engineering</a:t>
+            </a:r>
+            <a:endParaRPr lang="en-US" sz="2000" b="0" dirty="0"/>
           </a:p>
         </p:txBody>
       </p:sp>
     </p:spTree>
     <p:extLst>
       <p:ext uri="{BB962C8B-B14F-4D97-AF65-F5344CB8AC3E}">
-        <p14:creationId xmlns:p14="http://schemas.microsoft.com/office/powerpoint/2010/main" val="2194705569"/>
+        <p14:creationId xmlns:p14="http://schemas.microsoft.com/office/powerpoint/2010/main" val="2146778437"/>
       </p:ext>
     </p:extLst>
   </p:cSld>
@@ -9590,8 +8526,8 @@
         </p:nvSpPr>
         <p:spPr>
           <a:xfrm>
-            <a:off x="409507" y="570111"/>
-            <a:ext cx="11369809" cy="4047778"/>
+            <a:off x="409507" y="879673"/>
+            <a:ext cx="11369809" cy="5293976"/>
           </a:xfrm>
         </p:spPr>
         <p:txBody>
@@ -9651,18 +8587,17 @@
                 <a:effectLst/>
                 <a:latin typeface="+mn-lt"/>
               </a:rPr>
-              <a:t>David E. Bernholdt, Patricia A. Grubel, David M. Rogers, and Gregory R. Watson, Better Software for Reproducible Science tutorial, in The International Conference for High-Performance Computing, Networking, Storage, and Analysis (SC23), Denver, Colorado, 2023. DOI: </a:t>
-            </a:r>
-            <a:r>
-              <a:rPr lang="en-US" sz="1600" b="0" i="0" u="none" strike="noStrike" dirty="0">
+              <a:t>Anshu Dubey, David E. </a:t>
+            </a:r>
+            <a:r>
+              <a:rPr lang="en-US" sz="1600" b="0" i="0" dirty="0" err="1">
                 <a:solidFill>
-                  <a:srgbClr val="2A7AE2"/>
+                  <a:srgbClr val="111111"/>
                 </a:solidFill>
                 <a:effectLst/>
                 <a:latin typeface="+mn-lt"/>
-                <a:hlinkClick r:id="rId4"/>
               </a:rPr>
-              <a:t>10.6084/m9.figshare.24226105</a:t>
+              <a:t>Bernholdt</a:t>
             </a:r>
             <a:r>
               <a:rPr lang="en-US" sz="1600" b="0" i="0" dirty="0">
@@ -9672,7 +8607,7 @@
                 <a:effectLst/>
                 <a:latin typeface="+mn-lt"/>
               </a:rPr>
-              <a:t>.</a:t>
+              <a:t>, Better Scientific Software tutorial, in ISC High Performance, Hamburg, Germany and online, 2024</a:t>
             </a:r>
           </a:p>
           <a:p>
@@ -9681,32 +8616,26 @@
                 <a:spcPts val="400"/>
               </a:spcBef>
             </a:pPr>
-            <a:r>
-              <a:rPr lang="en-US" sz="1600" dirty="0"/>
-              <a:t>Individual modules may be cited as </a:t>
-            </a:r>
-            <a:r>
-              <a:rPr lang="en-US" sz="1600" i="1" dirty="0"/>
-              <a:t>Speaker, Module Title</a:t>
-            </a:r>
-            <a:r>
-              <a:rPr lang="en-US" sz="1600" dirty="0"/>
-              <a:t>, in </a:t>
-            </a:r>
-            <a:r>
-              <a:rPr lang="en-US" sz="1600" b="0" i="1" dirty="0">
-                <a:solidFill>
-                  <a:srgbClr val="111111"/>
-                </a:solidFill>
-                <a:effectLst/>
-                <a:latin typeface="+mn-lt"/>
-              </a:rPr>
-              <a:t>Tutorial Title</a:t>
-            </a:r>
-            <a:r>
-              <a:rPr lang="en-US" sz="1600" dirty="0"/>
-              <a:t>, …</a:t>
-            </a:r>
+            <a:endParaRPr lang="en-US" sz="1600" dirty="0">
+              <a:solidFill>
+                <a:srgbClr val="111111"/>
+              </a:solidFill>
+              <a:latin typeface="+mn-lt"/>
+            </a:endParaRPr>
+          </a:p>
+          <a:p>
+            <a:pPr>
+              <a:spcBef>
+                <a:spcPts val="400"/>
+              </a:spcBef>
+            </a:pPr>
+            <a:endParaRPr lang="en-US" sz="1600" b="0" i="0" dirty="0">
+              <a:solidFill>
+                <a:srgbClr val="111111"/>
+              </a:solidFill>
+              <a:effectLst/>
+              <a:latin typeface="+mn-lt"/>
+            </a:endParaRPr>
           </a:p>
           <a:p>
             <a:pPr marL="0" indent="0">
@@ -9726,14 +8655,6 @@
                 <a:spcPts val="400"/>
               </a:spcBef>
             </a:pPr>
-            <a:r>
-              <a:rPr lang="en-US" sz="1400" dirty="0"/>
-              <a:t>This work was supported by the U.S. Department of Energy Office of Science, Office of Advanced Scientific Computing Research (ASCR), and by the Exascale Computing Project (17-SC-20-SC), a collaborative effort of the U.S. Department of Energy Office of Science and the National Nuclear Security Administration</a:t>
-            </a:r>
-            <a:r>
-              <a:rPr lang="en-US" sz="1400" i="1" dirty="0"/>
-              <a:t>.</a:t>
-            </a:r>
             <a:endParaRPr lang="en-US" sz="1400" dirty="0"/>
           </a:p>
           <a:p>
@@ -9744,8 +8665,13 @@
             </a:pPr>
             <a:r>
               <a:rPr lang="en-US" sz="1400" dirty="0"/>
-              <a:t>This work was performed in part at the Argonne National Laboratory, which is managed by UChicago Argonne, LLC for the U.S. Department of Energy under Contract No. DE-AC02-06CH11357.</a:t>
-            </a:r>
+              <a:t>Material included in these presentation is derived from work supported by the U.S. Department of Energy Office of Science, Office of Advanced Scientific Computing Research (ASCR), and by the Exascale Computing Project (17-SC-20-SC), a collaborative effort of the U.S. Department of Energy Office of Science and the National Nuclear Security Administration</a:t>
+            </a:r>
+            <a:r>
+              <a:rPr lang="en-US" sz="1400" i="1" dirty="0"/>
+              <a:t>.</a:t>
+            </a:r>
+            <a:endParaRPr lang="en-US" sz="1400" dirty="0"/>
           </a:p>
           <a:p>
             <a:pPr>
@@ -9753,10 +8679,7 @@
                 <a:spcPts val="400"/>
               </a:spcBef>
             </a:pPr>
-            <a:r>
-              <a:rPr lang="en-US" sz="1400" dirty="0"/>
-              <a:t>This work was performed in part at the Lawrence Livermore National Laboratory, which is managed by Lawrence Livermore National Security, LLC for the U.S. Department of Energy under Contract No. DE-AC52-07NA27344.</a:t>
-            </a:r>
+            <a:endParaRPr lang="en-US" sz="1400" dirty="0"/>
           </a:p>
           <a:p>
             <a:pPr>
@@ -9766,7 +8689,7 @@
             </a:pPr>
             <a:r>
               <a:rPr lang="en-US" sz="1400" dirty="0"/>
-              <a:t>This work was performed in part at the Los Alamos National Laboratory, which is managed by Triad National Security, LLC for the U.S. Department of Energy under Contract No.89233218CNA000001</a:t>
+              <a:t>This work was performed in part at the Argonne National Laboratory, which is managed by UChicago Argonne, LLC for the U.S. Department of Energy under Contract No. DE-AC02-06CH11357.</a:t>
             </a:r>
           </a:p>
           <a:p>
@@ -9775,10 +8698,7 @@
                 <a:spcPts val="400"/>
               </a:spcBef>
             </a:pPr>
-            <a:r>
-              <a:rPr lang="en-US" sz="1400" dirty="0"/>
-              <a:t>This work was performed in part at the Oak Ridge National Laboratory, which is managed by UT-Battelle, LLC for the U.S. Department of Energy under Contract No. DE-AC05-00OR22725.</a:t>
-            </a:r>
+            <a:endParaRPr lang="en-US" sz="1400" dirty="0"/>
           </a:p>
           <a:p>
             <a:pPr>
@@ -9788,8 +8708,24 @@
             </a:pPr>
             <a:r>
               <a:rPr lang="en-US" sz="1400" dirty="0"/>
-              <a:t>This work was performed in part at Sandia National Laboratories. Sandia National Laboratories is a multi-mission laboratory managed and operated by National Technology and Engineering Solutions of Sandia, LLC., a wholly owned subsidiary of Honeywell International, Inc., for the U.S. Department of Energy’s National Nuclear Security Administration under contract DE-NA0003525.</a:t>
-            </a:r>
+              <a:t>This work was performed in part at the Oak Ridge National Laboratory, which is managed by UT-Battelle, LLC for the U.S. Department of Energy under Contract No. DE-AC05-00OR22725.</a:t>
+            </a:r>
+          </a:p>
+          <a:p>
+            <a:pPr>
+              <a:spcBef>
+                <a:spcPts val="400"/>
+              </a:spcBef>
+            </a:pPr>
+            <a:endParaRPr lang="en-US" sz="1400" dirty="0"/>
+          </a:p>
+          <a:p>
+            <a:pPr>
+              <a:spcBef>
+                <a:spcPts val="400"/>
+              </a:spcBef>
+            </a:pPr>
+            <a:endParaRPr lang="en-US" sz="1400" dirty="0"/>
           </a:p>
         </p:txBody>
       </p:sp>
@@ -9808,7 +8744,7 @@
           <p:nvPr/>
         </p:nvPicPr>
         <p:blipFill>
-          <a:blip r:embed="rId5">
+          <a:blip r:embed="rId4">
             <a:extLst>
               <a:ext uri="{28A0092B-C50C-407E-A947-70E740481C1C}">
                 <a14:useLocalDpi xmlns:a14="http://schemas.microsoft.com/office/drawing/2010/main" val="0"/>
@@ -9843,7 +8779,7 @@
     </p:spTree>
     <p:extLst>
       <p:ext uri="{BB962C8B-B14F-4D97-AF65-F5344CB8AC3E}">
-        <p14:creationId xmlns:p14="http://schemas.microsoft.com/office/powerpoint/2010/main" val="978726433"/>
+        <p14:creationId xmlns:p14="http://schemas.microsoft.com/office/powerpoint/2010/main" val="300521932"/>
       </p:ext>
     </p:extLst>
   </p:cSld>
@@ -13798,6 +12734,12 @@
 </file>
 
 <file path=customXml/item2.xml><?xml version="1.0" encoding="utf-8"?>
+<p:properties xmlns:p="http://schemas.microsoft.com/office/2006/metadata/properties" xmlns:xsi="http://www.w3.org/2001/XMLSchema-instance" xmlns:pc="http://schemas.microsoft.com/office/infopath/2007/PartnerControls">
+  <documentManagement/>
+</p:properties>
+</file>
+
+<file path=customXml/item3.xml><?xml version="1.0" encoding="utf-8"?>
 <ct:contentTypeSchema xmlns:ct="http://schemas.microsoft.com/office/2006/metadata/contentType" xmlns:ma="http://schemas.microsoft.com/office/2006/metadata/properties/metaAttributes" ct:_="" ma:_="" ma:contentTypeName="Document" ma:contentTypeID="0x010100565464437F680748A68B85EB6594EA7D" ma:contentTypeVersion="0" ma:contentTypeDescription="Create a new document." ma:contentTypeScope="" ma:versionID="fe3f4dd58d5914c51cfc6deaa8ad845c">
   <xsd:schema xmlns:xsd="http://www.w3.org/2001/XMLSchema" xmlns:p="http://schemas.microsoft.com/office/2006/metadata/properties" targetNamespace="http://schemas.microsoft.com/office/2006/metadata/properties" ma:root="true" ma:fieldsID="4aeb20c0e3442673af7ee10786458764">
     <xsd:element name="properties">
@@ -13846,12 +12788,6 @@
 </ct:contentTypeSchema>
 </file>
 
-<file path=customXml/item3.xml><?xml version="1.0" encoding="utf-8"?>
-<p:properties xmlns:p="http://schemas.microsoft.com/office/2006/metadata/properties" xmlns:xsi="http://www.w3.org/2001/XMLSchema-instance" xmlns:pc="http://schemas.microsoft.com/office/infopath/2007/PartnerControls">
-  <documentManagement/>
-</p:properties>
-</file>
-
 <file path=customXml/itemProps1.xml><?xml version="1.0" encoding="utf-8"?>
 <ds:datastoreItem xmlns:ds="http://schemas.openxmlformats.org/officeDocument/2006/customXml" ds:itemID="{19E20559-B232-4371-8690-E3D8007EDB82}">
   <ds:schemaRefs>
@@ -13861,6 +12797,21 @@
 </file>
 
 <file path=customXml/itemProps2.xml><?xml version="1.0" encoding="utf-8"?>
+<ds:datastoreItem xmlns:ds="http://schemas.openxmlformats.org/officeDocument/2006/customXml" ds:itemID="{A50EC660-24D0-43A0-AE5E-E274115E726B}">
+  <ds:schemaRefs>
+    <ds:schemaRef ds:uri="http://purl.org/dc/elements/1.1/"/>
+    <ds:schemaRef ds:uri="http://schemas.microsoft.com/office/2006/metadata/properties"/>
+    <ds:schemaRef ds:uri="http://purl.org/dc/terms/"/>
+    <ds:schemaRef ds:uri="http://schemas.openxmlformats.org/package/2006/metadata/core-properties"/>
+    <ds:schemaRef ds:uri="http://schemas.microsoft.com/office/2006/documentManagement/types"/>
+    <ds:schemaRef ds:uri="http://www.w3.org/XML/1998/namespace"/>
+    <ds:schemaRef ds:uri="http://purl.org/dc/dcmitype/"/>
+    <ds:schemaRef ds:uri="http://schemas.microsoft.com/office/infopath/2007/PartnerControls"/>
+  </ds:schemaRefs>
+</ds:datastoreItem>
+</file>
+
+<file path=customXml/itemProps3.xml><?xml version="1.0" encoding="utf-8"?>
 <ds:datastoreItem xmlns:ds="http://schemas.openxmlformats.org/officeDocument/2006/customXml" ds:itemID="{E8DB7DEB-074E-4EE8-9B6E-FD277323109C}">
   <ds:schemaRefs>
     <ds:schemaRef ds:uri="http://schemas.microsoft.com/office/2006/metadata/contentType"/>
@@ -13873,19 +12824,4 @@
     <ds:schemaRef ds:uri="http://schemas.microsoft.com/office/internal/2005/internalDocumentation"/>
   </ds:schemaRefs>
 </ds:datastoreItem>
-</file>
-
-<file path=customXml/itemProps3.xml><?xml version="1.0" encoding="utf-8"?>
-<ds:datastoreItem xmlns:ds="http://schemas.openxmlformats.org/officeDocument/2006/customXml" ds:itemID="{A50EC660-24D0-43A0-AE5E-E274115E726B}">
-  <ds:schemaRefs>
-    <ds:schemaRef ds:uri="http://purl.org/dc/elements/1.1/"/>
-    <ds:schemaRef ds:uri="http://schemas.microsoft.com/office/2006/metadata/properties"/>
-    <ds:schemaRef ds:uri="http://purl.org/dc/terms/"/>
-    <ds:schemaRef ds:uri="http://schemas.openxmlformats.org/package/2006/metadata/core-properties"/>
-    <ds:schemaRef ds:uri="http://schemas.microsoft.com/office/2006/documentManagement/types"/>
-    <ds:schemaRef ds:uri="http://www.w3.org/XML/1998/namespace"/>
-    <ds:schemaRef ds:uri="http://purl.org/dc/dcmitype/"/>
-    <ds:schemaRef ds:uri="http://schemas.microsoft.com/office/infopath/2007/PartnerControls"/>
-  </ds:schemaRefs>
-</ds:datastoreItem>
 </file>
--- a/lab-notebooks.pptx
+++ b/lab-notebooks.pptx
@@ -283,7 +283,7 @@
           <a:p>
             <a:fld id="{0B842F42-2CE9-4E35-95C1-410DC08A50B1}" type="datetimeFigureOut">
               <a:rPr lang="en-US" smtClean="0"/>
-              <a:t>3/19/24</a:t>
+              <a:t>3/25/24</a:t>
             </a:fld>
             <a:endParaRPr lang="en-US"/>
           </a:p>
@@ -448,7 +448,7 @@
           <a:p>
             <a:fld id="{6F282904-F315-4730-8D91-37D99E141A6F}" type="datetimeFigureOut">
               <a:rPr lang="en-US" smtClean="0"/>
-              <a:t>3/19/24</a:t>
+              <a:t>3/25/24</a:t>
             </a:fld>
             <a:endParaRPr lang="en-US"/>
           </a:p>
@@ -3436,10 +3436,10 @@
       </p:sp>
       <p:pic>
         <p:nvPicPr>
-          <p:cNvPr id="15" name="Picture 14">
+          <p:cNvPr id="5" name="Picture 4">
             <a:extLst>
               <a:ext uri="{FF2B5EF4-FFF2-40B4-BE49-F238E27FC236}">
-                <a16:creationId xmlns:a16="http://schemas.microsoft.com/office/drawing/2014/main" id="{C554CDC7-44CF-4751-9869-0265C8E01840}"/>
+                <a16:creationId xmlns:a16="http://schemas.microsoft.com/office/drawing/2014/main" id="{02E3CD42-9372-2E48-5AB1-B43B5E973570}"/>
               </a:ext>
             </a:extLst>
           </p:cNvPr>
@@ -3462,12 +3462,106 @@
         </p:blipFill>
         <p:spPr>
           <a:xfrm>
-            <a:off x="333211" y="3189686"/>
+            <a:off x="601269" y="1812348"/>
             <a:ext cx="2109916" cy="905256"/>
           </a:xfrm>
           <a:prstGeom prst="rect">
             <a:avLst/>
           </a:prstGeom>
+        </p:spPr>
+      </p:pic>
+      <p:pic>
+        <p:nvPicPr>
+          <p:cNvPr id="6" name="Picture 2">
+            <a:extLst>
+              <a:ext uri="{FF2B5EF4-FFF2-40B4-BE49-F238E27FC236}">
+                <a16:creationId xmlns:a16="http://schemas.microsoft.com/office/drawing/2014/main" id="{92F6FC37-051A-CCCA-7918-C20FE790C755}"/>
+              </a:ext>
+            </a:extLst>
+          </p:cNvPr>
+          <p:cNvPicPr>
+            <a:picLocks noChangeAspect="1" noChangeArrowheads="1"/>
+          </p:cNvPicPr>
+          <p:nvPr userDrawn="1"/>
+        </p:nvPicPr>
+        <p:blipFill>
+          <a:blip r:embed="rId6">
+            <a:extLst>
+              <a:ext uri="{28A0092B-C50C-407E-A947-70E740481C1C}">
+                <a14:useLocalDpi xmlns:a14="http://schemas.microsoft.com/office/drawing/2010/main" val="0"/>
+              </a:ext>
+            </a:extLst>
+          </a:blip>
+          <a:srcRect/>
+          <a:stretch>
+            <a:fillRect/>
+          </a:stretch>
+        </p:blipFill>
+        <p:spPr bwMode="auto">
+          <a:xfrm>
+            <a:off x="240177" y="4159671"/>
+            <a:ext cx="2832100" cy="1003300"/>
+          </a:xfrm>
+          <a:prstGeom prst="rect">
+            <a:avLst/>
+          </a:prstGeom>
+          <a:noFill/>
+          <a:extLst>
+            <a:ext uri="{909E8E84-426E-40DD-AFC4-6F175D3DCCD1}">
+              <a14:hiddenFill xmlns:a14="http://schemas.microsoft.com/office/drawing/2010/main">
+                <a:solidFill>
+                  <a:srgbClr val="FFFFFF"/>
+                </a:solidFill>
+              </a14:hiddenFill>
+            </a:ext>
+          </a:extLst>
+        </p:spPr>
+      </p:pic>
+      <p:pic>
+        <p:nvPicPr>
+          <p:cNvPr id="7" name="Picture 4">
+            <a:extLst>
+              <a:ext uri="{FF2B5EF4-FFF2-40B4-BE49-F238E27FC236}">
+                <a16:creationId xmlns:a16="http://schemas.microsoft.com/office/drawing/2014/main" id="{64D54919-6964-8AFE-A361-3F67FF3C3F21}"/>
+              </a:ext>
+            </a:extLst>
+          </p:cNvPr>
+          <p:cNvPicPr>
+            <a:picLocks noChangeAspect="1" noChangeArrowheads="1"/>
+          </p:cNvPicPr>
+          <p:nvPr userDrawn="1"/>
+        </p:nvPicPr>
+        <p:blipFill>
+          <a:blip r:embed="rId7">
+            <a:extLst>
+              <a:ext uri="{28A0092B-C50C-407E-A947-70E740481C1C}">
+                <a14:useLocalDpi xmlns:a14="http://schemas.microsoft.com/office/drawing/2010/main" val="0"/>
+              </a:ext>
+            </a:extLst>
+          </a:blip>
+          <a:srcRect/>
+          <a:stretch>
+            <a:fillRect/>
+          </a:stretch>
+        </p:blipFill>
+        <p:spPr bwMode="auto">
+          <a:xfrm>
+            <a:off x="76990" y="3344480"/>
+            <a:ext cx="2937455" cy="682907"/>
+          </a:xfrm>
+          <a:prstGeom prst="rect">
+            <a:avLst/>
+          </a:prstGeom>
+          <a:noFill/>
+          <a:extLst>
+            <a:ext uri="{909E8E84-426E-40DD-AFC4-6F175D3DCCD1}">
+              <a14:hiddenFill xmlns:a14="http://schemas.microsoft.com/office/drawing/2010/main">
+                <a:solidFill>
+                  <a:srgbClr val="FFFFFF"/>
+                </a:solidFill>
+              </a14:hiddenFill>
+            </a:ext>
+          </a:extLst>
         </p:spPr>
       </p:pic>
     </p:spTree>
@@ -12725,18 +12819,18 @@
 </file>
 
 <file path=customXml/item1.xml><?xml version="1.0" encoding="utf-8"?>
+<p:properties xmlns:p="http://schemas.microsoft.com/office/2006/metadata/properties" xmlns:xsi="http://www.w3.org/2001/XMLSchema-instance" xmlns:pc="http://schemas.microsoft.com/office/infopath/2007/PartnerControls">
+  <documentManagement/>
+</p:properties>
+</file>
+
+<file path=customXml/item2.xml><?xml version="1.0" encoding="utf-8"?>
 <?mso-contentType ?>
 <FormTemplates xmlns="http://schemas.microsoft.com/sharepoint/v3/contenttype/forms">
   <Display>DocumentLibraryForm</Display>
   <Edit>DocumentLibraryForm</Edit>
   <New>DocumentLibraryForm</New>
 </FormTemplates>
-</file>
-
-<file path=customXml/item2.xml><?xml version="1.0" encoding="utf-8"?>
-<p:properties xmlns:p="http://schemas.microsoft.com/office/2006/metadata/properties" xmlns:xsi="http://www.w3.org/2001/XMLSchema-instance" xmlns:pc="http://schemas.microsoft.com/office/infopath/2007/PartnerControls">
-  <documentManagement/>
-</p:properties>
 </file>
 
 <file path=customXml/item3.xml><?xml version="1.0" encoding="utf-8"?>
@@ -12789,14 +12883,6 @@
 </file>
 
 <file path=customXml/itemProps1.xml><?xml version="1.0" encoding="utf-8"?>
-<ds:datastoreItem xmlns:ds="http://schemas.openxmlformats.org/officeDocument/2006/customXml" ds:itemID="{19E20559-B232-4371-8690-E3D8007EDB82}">
-  <ds:schemaRefs>
-    <ds:schemaRef ds:uri="http://schemas.microsoft.com/sharepoint/v3/contenttype/forms"/>
-  </ds:schemaRefs>
-</ds:datastoreItem>
-</file>
-
-<file path=customXml/itemProps2.xml><?xml version="1.0" encoding="utf-8"?>
 <ds:datastoreItem xmlns:ds="http://schemas.openxmlformats.org/officeDocument/2006/customXml" ds:itemID="{A50EC660-24D0-43A0-AE5E-E274115E726B}">
   <ds:schemaRefs>
     <ds:schemaRef ds:uri="http://purl.org/dc/elements/1.1/"/>
@@ -12807,6 +12893,14 @@
     <ds:schemaRef ds:uri="http://www.w3.org/XML/1998/namespace"/>
     <ds:schemaRef ds:uri="http://purl.org/dc/dcmitype/"/>
     <ds:schemaRef ds:uri="http://schemas.microsoft.com/office/infopath/2007/PartnerControls"/>
+  </ds:schemaRefs>
+</ds:datastoreItem>
+</file>
+
+<file path=customXml/itemProps2.xml><?xml version="1.0" encoding="utf-8"?>
+<ds:datastoreItem xmlns:ds="http://schemas.openxmlformats.org/officeDocument/2006/customXml" ds:itemID="{19E20559-B232-4371-8690-E3D8007EDB82}">
+  <ds:schemaRefs>
+    <ds:schemaRef ds:uri="http://schemas.microsoft.com/sharepoint/v3/contenttype/forms"/>
   </ds:schemaRefs>
 </ds:datastoreItem>
 </file>

--- a/lab-notebooks.pptx
+++ b/lab-notebooks.pptx
@@ -283,7 +283,7 @@
           <a:p>
             <a:fld id="{0B842F42-2CE9-4E35-95C1-410DC08A50B1}" type="datetimeFigureOut">
               <a:rPr lang="en-US" smtClean="0"/>
-              <a:t>3/25/24</a:t>
+              <a:t>4/4/24</a:t>
             </a:fld>
             <a:endParaRPr lang="en-US"/>
           </a:p>
@@ -448,7 +448,7 @@
           <a:p>
             <a:fld id="{6F282904-F315-4730-8D91-37D99E141A6F}" type="datetimeFigureOut">
               <a:rPr lang="en-US" smtClean="0"/>
-              <a:t>3/25/24</a:t>
+              <a:t>4/4/24</a:t>
             </a:fld>
             <a:endParaRPr lang="en-US"/>
           </a:p>
@@ -3434,136 +3434,193 @@
           </a:p>
         </p:txBody>
       </p:sp>
-      <p:pic>
-        <p:nvPicPr>
-          <p:cNvPr id="5" name="Picture 4">
+      <p:grpSp>
+        <p:nvGrpSpPr>
+          <p:cNvPr id="8" name="Group 7">
             <a:extLst>
               <a:ext uri="{FF2B5EF4-FFF2-40B4-BE49-F238E27FC236}">
-                <a16:creationId xmlns:a16="http://schemas.microsoft.com/office/drawing/2014/main" id="{02E3CD42-9372-2E48-5AB1-B43B5E973570}"/>
+                <a16:creationId xmlns:a16="http://schemas.microsoft.com/office/drawing/2014/main" id="{0150F854-8D38-7B75-27EA-A3E913AC8536}"/>
               </a:ext>
             </a:extLst>
           </p:cNvPr>
-          <p:cNvPicPr>
-            <a:picLocks noChangeAspect="1"/>
-          </p:cNvPicPr>
+          <p:cNvGrpSpPr/>
           <p:nvPr userDrawn="1"/>
-        </p:nvPicPr>
-        <p:blipFill>
-          <a:blip r:embed="rId5" cstate="print">
+        </p:nvGrpSpPr>
+        <p:grpSpPr>
+          <a:xfrm>
+            <a:off x="32331" y="169798"/>
+            <a:ext cx="2937455" cy="5079380"/>
+            <a:chOff x="-80559" y="113353"/>
+            <a:chExt cx="2937455" cy="5079380"/>
+          </a:xfrm>
+        </p:grpSpPr>
+        <p:pic>
+          <p:nvPicPr>
+            <p:cNvPr id="9" name="Picture 8">
+              <a:extLst>
+                <a:ext uri="{FF2B5EF4-FFF2-40B4-BE49-F238E27FC236}">
+                  <a16:creationId xmlns:a16="http://schemas.microsoft.com/office/drawing/2014/main" id="{4E2234C6-07E4-086A-913B-1ED9DB4C5C17}"/>
+                </a:ext>
+              </a:extLst>
+            </p:cNvPr>
+            <p:cNvPicPr>
+              <a:picLocks noChangeAspect="1"/>
+            </p:cNvPicPr>
+            <p:nvPr userDrawn="1"/>
+          </p:nvPicPr>
+          <p:blipFill>
+            <a:blip r:embed="rId5" cstate="print">
+              <a:extLst>
+                <a:ext uri="{28A0092B-C50C-407E-A947-70E740481C1C}">
+                  <a14:useLocalDpi xmlns:a14="http://schemas.microsoft.com/office/drawing/2010/main" val="0"/>
+                </a:ext>
+              </a:extLst>
+            </a:blip>
+            <a:stretch>
+              <a:fillRect/>
+            </a:stretch>
+          </p:blipFill>
+          <p:spPr>
+            <a:xfrm>
+              <a:off x="263939" y="113353"/>
+              <a:ext cx="2109916" cy="905256"/>
+            </a:xfrm>
+            <a:prstGeom prst="rect">
+              <a:avLst/>
+            </a:prstGeom>
+          </p:spPr>
+        </p:pic>
+        <p:pic>
+          <p:nvPicPr>
+            <p:cNvPr id="10" name="Picture 2">
+              <a:extLst>
+                <a:ext uri="{FF2B5EF4-FFF2-40B4-BE49-F238E27FC236}">
+                  <a16:creationId xmlns:a16="http://schemas.microsoft.com/office/drawing/2014/main" id="{2BAF5552-780A-9235-F078-322E7F8768B0}"/>
+                </a:ext>
+              </a:extLst>
+            </p:cNvPr>
+            <p:cNvPicPr>
+              <a:picLocks noChangeAspect="1" noChangeArrowheads="1"/>
+            </p:cNvPicPr>
+            <p:nvPr userDrawn="1"/>
+          </p:nvPicPr>
+          <p:blipFill>
+            <a:blip r:embed="rId6">
+              <a:extLst>
+                <a:ext uri="{28A0092B-C50C-407E-A947-70E740481C1C}">
+                  <a14:useLocalDpi xmlns:a14="http://schemas.microsoft.com/office/drawing/2010/main" val="0"/>
+                </a:ext>
+              </a:extLst>
+            </a:blip>
+            <a:srcRect/>
+            <a:stretch>
+              <a:fillRect/>
+            </a:stretch>
+          </p:blipFill>
+          <p:spPr bwMode="auto">
+            <a:xfrm>
+              <a:off x="24796" y="3155674"/>
+              <a:ext cx="2832100" cy="1003300"/>
+            </a:xfrm>
+            <a:prstGeom prst="rect">
+              <a:avLst/>
+            </a:prstGeom>
+            <a:noFill/>
             <a:extLst>
-              <a:ext uri="{28A0092B-C50C-407E-A947-70E740481C1C}">
-                <a14:useLocalDpi xmlns:a14="http://schemas.microsoft.com/office/drawing/2010/main" val="0"/>
+              <a:ext uri="{909E8E84-426E-40DD-AFC4-6F175D3DCCD1}">
+                <a14:hiddenFill xmlns:a14="http://schemas.microsoft.com/office/drawing/2010/main">
+                  <a:solidFill>
+                    <a:srgbClr val="FFFFFF"/>
+                  </a:solidFill>
+                </a14:hiddenFill>
               </a:ext>
             </a:extLst>
-          </a:blip>
-          <a:stretch>
-            <a:fillRect/>
-          </a:stretch>
-        </p:blipFill>
-        <p:spPr>
-          <a:xfrm>
-            <a:off x="601269" y="1812348"/>
-            <a:ext cx="2109916" cy="905256"/>
-          </a:xfrm>
-          <a:prstGeom prst="rect">
-            <a:avLst/>
-          </a:prstGeom>
-        </p:spPr>
-      </p:pic>
-      <p:pic>
-        <p:nvPicPr>
-          <p:cNvPr id="6" name="Picture 2">
+          </p:spPr>
+        </p:pic>
+        <p:pic>
+          <p:nvPicPr>
+            <p:cNvPr id="11" name="Picture 4">
+              <a:extLst>
+                <a:ext uri="{FF2B5EF4-FFF2-40B4-BE49-F238E27FC236}">
+                  <a16:creationId xmlns:a16="http://schemas.microsoft.com/office/drawing/2014/main" id="{0880F8E9-ADFA-054B-9839-5F29E475AEDB}"/>
+                </a:ext>
+              </a:extLst>
+            </p:cNvPr>
+            <p:cNvPicPr>
+              <a:picLocks noChangeAspect="1" noChangeArrowheads="1"/>
+            </p:cNvPicPr>
+            <p:nvPr userDrawn="1"/>
+          </p:nvPicPr>
+          <p:blipFill>
+            <a:blip r:embed="rId7">
+              <a:extLst>
+                <a:ext uri="{28A0092B-C50C-407E-A947-70E740481C1C}">
+                  <a14:useLocalDpi xmlns:a14="http://schemas.microsoft.com/office/drawing/2010/main" val="0"/>
+                </a:ext>
+              </a:extLst>
+            </a:blip>
+            <a:srcRect/>
+            <a:stretch>
+              <a:fillRect/>
+            </a:stretch>
+          </p:blipFill>
+          <p:spPr bwMode="auto">
+            <a:xfrm>
+              <a:off x="-80559" y="2517770"/>
+              <a:ext cx="2937455" cy="682907"/>
+            </a:xfrm>
+            <a:prstGeom prst="rect">
+              <a:avLst/>
+            </a:prstGeom>
+            <a:noFill/>
             <a:extLst>
-              <a:ext uri="{FF2B5EF4-FFF2-40B4-BE49-F238E27FC236}">
-                <a16:creationId xmlns:a16="http://schemas.microsoft.com/office/drawing/2014/main" id="{92F6FC37-051A-CCCA-7918-C20FE790C755}"/>
+              <a:ext uri="{909E8E84-426E-40DD-AFC4-6F175D3DCCD1}">
+                <a14:hiddenFill xmlns:a14="http://schemas.microsoft.com/office/drawing/2010/main">
+                  <a:solidFill>
+                    <a:srgbClr val="FFFFFF"/>
+                  </a:solidFill>
+                </a14:hiddenFill>
               </a:ext>
             </a:extLst>
-          </p:cNvPr>
-          <p:cNvPicPr>
-            <a:picLocks noChangeAspect="1" noChangeArrowheads="1"/>
-          </p:cNvPicPr>
-          <p:nvPr userDrawn="1"/>
-        </p:nvPicPr>
-        <p:blipFill>
-          <a:blip r:embed="rId6">
-            <a:extLst>
-              <a:ext uri="{28A0092B-C50C-407E-A947-70E740481C1C}">
-                <a14:useLocalDpi xmlns:a14="http://schemas.microsoft.com/office/drawing/2010/main" val="0"/>
-              </a:ext>
-            </a:extLst>
-          </a:blip>
-          <a:srcRect/>
-          <a:stretch>
-            <a:fillRect/>
-          </a:stretch>
-        </p:blipFill>
-        <p:spPr bwMode="auto">
-          <a:xfrm>
-            <a:off x="240177" y="4159671"/>
-            <a:ext cx="2832100" cy="1003300"/>
-          </a:xfrm>
-          <a:prstGeom prst="rect">
-            <a:avLst/>
-          </a:prstGeom>
-          <a:noFill/>
-          <a:extLst>
-            <a:ext uri="{909E8E84-426E-40DD-AFC4-6F175D3DCCD1}">
-              <a14:hiddenFill xmlns:a14="http://schemas.microsoft.com/office/drawing/2010/main">
-                <a:solidFill>
-                  <a:srgbClr val="FFFFFF"/>
-                </a:solidFill>
-              </a14:hiddenFill>
-            </a:ext>
-          </a:extLst>
-        </p:spPr>
-      </p:pic>
-      <p:pic>
-        <p:nvPicPr>
-          <p:cNvPr id="7" name="Picture 4">
-            <a:extLst>
-              <a:ext uri="{FF2B5EF4-FFF2-40B4-BE49-F238E27FC236}">
-                <a16:creationId xmlns:a16="http://schemas.microsoft.com/office/drawing/2014/main" id="{64D54919-6964-8AFE-A361-3F67FF3C3F21}"/>
-              </a:ext>
-            </a:extLst>
-          </p:cNvPr>
-          <p:cNvPicPr>
-            <a:picLocks noChangeAspect="1" noChangeArrowheads="1"/>
-          </p:cNvPicPr>
-          <p:nvPr userDrawn="1"/>
-        </p:nvPicPr>
-        <p:blipFill>
-          <a:blip r:embed="rId7">
-            <a:extLst>
-              <a:ext uri="{28A0092B-C50C-407E-A947-70E740481C1C}">
-                <a14:useLocalDpi xmlns:a14="http://schemas.microsoft.com/office/drawing/2010/main" val="0"/>
-              </a:ext>
-            </a:extLst>
-          </a:blip>
-          <a:srcRect/>
-          <a:stretch>
-            <a:fillRect/>
-          </a:stretch>
-        </p:blipFill>
-        <p:spPr bwMode="auto">
-          <a:xfrm>
-            <a:off x="76990" y="3344480"/>
-            <a:ext cx="2937455" cy="682907"/>
-          </a:xfrm>
-          <a:prstGeom prst="rect">
-            <a:avLst/>
-          </a:prstGeom>
-          <a:noFill/>
-          <a:extLst>
-            <a:ext uri="{909E8E84-426E-40DD-AFC4-6F175D3DCCD1}">
-              <a14:hiddenFill xmlns:a14="http://schemas.microsoft.com/office/drawing/2010/main">
-                <a:solidFill>
-                  <a:srgbClr val="FFFFFF"/>
-                </a:solidFill>
-              </a14:hiddenFill>
-            </a:ext>
-          </a:extLst>
-        </p:spPr>
-      </p:pic>
+          </p:spPr>
+        </p:pic>
+        <p:pic>
+          <p:nvPicPr>
+            <p:cNvPr id="12" name="Picture 11" descr="A black and white sign with blue text&#10;&#10;Description automatically generated">
+              <a:extLst>
+                <a:ext uri="{FF2B5EF4-FFF2-40B4-BE49-F238E27FC236}">
+                  <a16:creationId xmlns:a16="http://schemas.microsoft.com/office/drawing/2014/main" id="{30068CD6-2F59-71A6-A930-01C49CC81A11}"/>
+                </a:ext>
+              </a:extLst>
+            </p:cNvPr>
+            <p:cNvPicPr>
+              <a:picLocks noChangeAspect="1"/>
+            </p:cNvPicPr>
+            <p:nvPr userDrawn="1"/>
+          </p:nvPicPr>
+          <p:blipFill>
+            <a:blip r:embed="rId8">
+              <a:extLst>
+                <a:ext uri="{28A0092B-C50C-407E-A947-70E740481C1C}">
+                  <a14:useLocalDpi xmlns:a14="http://schemas.microsoft.com/office/drawing/2010/main" val="0"/>
+                </a:ext>
+              </a:extLst>
+            </a:blip>
+            <a:stretch>
+              <a:fillRect/>
+            </a:stretch>
+          </p:blipFill>
+          <p:spPr>
+            <a:xfrm>
+              <a:off x="263939" y="4401022"/>
+              <a:ext cx="2455333" cy="791711"/>
+            </a:xfrm>
+            <a:prstGeom prst="rect">
+              <a:avLst/>
+            </a:prstGeom>
+          </p:spPr>
+        </p:pic>
+      </p:grpSp>
     </p:spTree>
     <p:extLst>
       <p:ext uri="{BB962C8B-B14F-4D97-AF65-F5344CB8AC3E}">
@@ -12819,21 +12876,6 @@
 </file>
 
 <file path=customXml/item1.xml><?xml version="1.0" encoding="utf-8"?>
-<p:properties xmlns:p="http://schemas.microsoft.com/office/2006/metadata/properties" xmlns:xsi="http://www.w3.org/2001/XMLSchema-instance" xmlns:pc="http://schemas.microsoft.com/office/infopath/2007/PartnerControls">
-  <documentManagement/>
-</p:properties>
-</file>
-
-<file path=customXml/item2.xml><?xml version="1.0" encoding="utf-8"?>
-<?mso-contentType ?>
-<FormTemplates xmlns="http://schemas.microsoft.com/sharepoint/v3/contenttype/forms">
-  <Display>DocumentLibraryForm</Display>
-  <Edit>DocumentLibraryForm</Edit>
-  <New>DocumentLibraryForm</New>
-</FormTemplates>
-</file>
-
-<file path=customXml/item3.xml><?xml version="1.0" encoding="utf-8"?>
 <ct:contentTypeSchema xmlns:ct="http://schemas.microsoft.com/office/2006/metadata/contentType" xmlns:ma="http://schemas.microsoft.com/office/2006/metadata/properties/metaAttributes" ct:_="" ma:_="" ma:contentTypeName="Document" ma:contentTypeID="0x010100565464437F680748A68B85EB6594EA7D" ma:contentTypeVersion="0" ma:contentTypeDescription="Create a new document." ma:contentTypeScope="" ma:versionID="fe3f4dd58d5914c51cfc6deaa8ad845c">
   <xsd:schema xmlns:xsd="http://www.w3.org/2001/XMLSchema" xmlns:p="http://schemas.microsoft.com/office/2006/metadata/properties" targetNamespace="http://schemas.microsoft.com/office/2006/metadata/properties" ma:root="true" ma:fieldsID="4aeb20c0e3442673af7ee10786458764">
     <xsd:element name="properties">
@@ -12882,7 +12924,37 @@
 </ct:contentTypeSchema>
 </file>
 
+<file path=customXml/item2.xml><?xml version="1.0" encoding="utf-8"?>
+<p:properties xmlns:p="http://schemas.microsoft.com/office/2006/metadata/properties" xmlns:xsi="http://www.w3.org/2001/XMLSchema-instance" xmlns:pc="http://schemas.microsoft.com/office/infopath/2007/PartnerControls">
+  <documentManagement/>
+</p:properties>
+</file>
+
+<file path=customXml/item3.xml><?xml version="1.0" encoding="utf-8"?>
+<?mso-contentType ?>
+<FormTemplates xmlns="http://schemas.microsoft.com/sharepoint/v3/contenttype/forms">
+  <Display>DocumentLibraryForm</Display>
+  <Edit>DocumentLibraryForm</Edit>
+  <New>DocumentLibraryForm</New>
+</FormTemplates>
+</file>
+
 <file path=customXml/itemProps1.xml><?xml version="1.0" encoding="utf-8"?>
+<ds:datastoreItem xmlns:ds="http://schemas.openxmlformats.org/officeDocument/2006/customXml" ds:itemID="{E8DB7DEB-074E-4EE8-9B6E-FD277323109C}">
+  <ds:schemaRefs>
+    <ds:schemaRef ds:uri="http://schemas.microsoft.com/office/2006/metadata/contentType"/>
+    <ds:schemaRef ds:uri="http://schemas.microsoft.com/office/2006/metadata/properties/metaAttributes"/>
+    <ds:schemaRef ds:uri="http://www.w3.org/2001/XMLSchema"/>
+    <ds:schemaRef ds:uri="http://schemas.microsoft.com/office/2006/metadata/properties"/>
+    <ds:schemaRef ds:uri="http://schemas.openxmlformats.org/package/2006/metadata/core-properties"/>
+    <ds:schemaRef ds:uri="http://purl.org/dc/elements/1.1/"/>
+    <ds:schemaRef ds:uri="http://purl.org/dc/terms/"/>
+    <ds:schemaRef ds:uri="http://schemas.microsoft.com/office/internal/2005/internalDocumentation"/>
+  </ds:schemaRefs>
+</ds:datastoreItem>
+</file>
+
+<file path=customXml/itemProps2.xml><?xml version="1.0" encoding="utf-8"?>
 <ds:datastoreItem xmlns:ds="http://schemas.openxmlformats.org/officeDocument/2006/customXml" ds:itemID="{A50EC660-24D0-43A0-AE5E-E274115E726B}">
   <ds:schemaRefs>
     <ds:schemaRef ds:uri="http://purl.org/dc/elements/1.1/"/>
@@ -12897,25 +12969,10 @@
 </ds:datastoreItem>
 </file>
 
-<file path=customXml/itemProps2.xml><?xml version="1.0" encoding="utf-8"?>
+<file path=customXml/itemProps3.xml><?xml version="1.0" encoding="utf-8"?>
 <ds:datastoreItem xmlns:ds="http://schemas.openxmlformats.org/officeDocument/2006/customXml" ds:itemID="{19E20559-B232-4371-8690-E3D8007EDB82}">
   <ds:schemaRefs>
     <ds:schemaRef ds:uri="http://schemas.microsoft.com/sharepoint/v3/contenttype/forms"/>
   </ds:schemaRefs>
 </ds:datastoreItem>
-</file>
-
-<file path=customXml/itemProps3.xml><?xml version="1.0" encoding="utf-8"?>
-<ds:datastoreItem xmlns:ds="http://schemas.openxmlformats.org/officeDocument/2006/customXml" ds:itemID="{E8DB7DEB-074E-4EE8-9B6E-FD277323109C}">
-  <ds:schemaRefs>
-    <ds:schemaRef ds:uri="http://schemas.microsoft.com/office/2006/metadata/contentType"/>
-    <ds:schemaRef ds:uri="http://schemas.microsoft.com/office/2006/metadata/properties/metaAttributes"/>
-    <ds:schemaRef ds:uri="http://www.w3.org/2001/XMLSchema"/>
-    <ds:schemaRef ds:uri="http://schemas.microsoft.com/office/2006/metadata/properties"/>
-    <ds:schemaRef ds:uri="http://schemas.openxmlformats.org/package/2006/metadata/core-properties"/>
-    <ds:schemaRef ds:uri="http://purl.org/dc/elements/1.1/"/>
-    <ds:schemaRef ds:uri="http://purl.org/dc/terms/"/>
-    <ds:schemaRef ds:uri="http://schemas.microsoft.com/office/internal/2005/internalDocumentation"/>
-  </ds:schemaRefs>
-</ds:datastoreItem>
 </file>
--- a/lab-notebooks.pptx
+++ b/lab-notebooks.pptx
@@ -283,7 +283,7 @@
           <a:p>
             <a:fld id="{0B842F42-2CE9-4E35-95C1-410DC08A50B1}" type="datetimeFigureOut">
               <a:rPr lang="en-US" smtClean="0"/>
-              <a:t>4/4/24</a:t>
+              <a:t>4/24/2024</a:t>
             </a:fld>
             <a:endParaRPr lang="en-US"/>
           </a:p>
@@ -448,7 +448,7 @@
           <a:p>
             <a:fld id="{6F282904-F315-4730-8D91-37D99E141A6F}" type="datetimeFigureOut">
               <a:rPr lang="en-US" smtClean="0"/>
-              <a:t>4/4/24</a:t>
+              <a:t>4/24/2024</a:t>
             </a:fld>
             <a:endParaRPr lang="en-US"/>
           </a:p>
@@ -3552,7 +3552,7 @@
             <p:nvPr userDrawn="1"/>
           </p:nvPicPr>
           <p:blipFill>
-            <a:blip r:embed="rId7">
+            <a:blip r:embed="rId7" cstate="print">
               <a:extLst>
                 <a:ext uri="{28A0092B-C50C-407E-A947-70E740481C1C}">
                   <a14:useLocalDpi xmlns:a14="http://schemas.microsoft.com/office/drawing/2010/main" val="0"/>
@@ -3599,7 +3599,7 @@
             <p:nvPr userDrawn="1"/>
           </p:nvPicPr>
           <p:blipFill>
-            <a:blip r:embed="rId8">
+            <a:blip r:embed="rId8" cstate="print">
               <a:extLst>
                 <a:ext uri="{28A0092B-C50C-407E-A947-70E740481C1C}">
                   <a14:useLocalDpi xmlns:a14="http://schemas.microsoft.com/office/drawing/2010/main" val="0"/>
@@ -12876,6 +12876,12 @@
 </file>
 
 <file path=customXml/item1.xml><?xml version="1.0" encoding="utf-8"?>
+<p:properties xmlns:p="http://schemas.microsoft.com/office/2006/metadata/properties" xmlns:xsi="http://www.w3.org/2001/XMLSchema-instance" xmlns:pc="http://schemas.microsoft.com/office/infopath/2007/PartnerControls">
+  <documentManagement/>
+</p:properties>
+</file>
+
+<file path=customXml/item2.xml><?xml version="1.0" encoding="utf-8"?>
 <ct:contentTypeSchema xmlns:ct="http://schemas.microsoft.com/office/2006/metadata/contentType" xmlns:ma="http://schemas.microsoft.com/office/2006/metadata/properties/metaAttributes" ct:_="" ma:_="" ma:contentTypeName="Document" ma:contentTypeID="0x010100565464437F680748A68B85EB6594EA7D" ma:contentTypeVersion="0" ma:contentTypeDescription="Create a new document." ma:contentTypeScope="" ma:versionID="fe3f4dd58d5914c51cfc6deaa8ad845c">
   <xsd:schema xmlns:xsd="http://www.w3.org/2001/XMLSchema" xmlns:p="http://schemas.microsoft.com/office/2006/metadata/properties" targetNamespace="http://schemas.microsoft.com/office/2006/metadata/properties" ma:root="true" ma:fieldsID="4aeb20c0e3442673af7ee10786458764">
     <xsd:element name="properties">
@@ -12924,12 +12930,6 @@
 </ct:contentTypeSchema>
 </file>
 
-<file path=customXml/item2.xml><?xml version="1.0" encoding="utf-8"?>
-<p:properties xmlns:p="http://schemas.microsoft.com/office/2006/metadata/properties" xmlns:xsi="http://www.w3.org/2001/XMLSchema-instance" xmlns:pc="http://schemas.microsoft.com/office/infopath/2007/PartnerControls">
-  <documentManagement/>
-</p:properties>
-</file>
-
 <file path=customXml/item3.xml><?xml version="1.0" encoding="utf-8"?>
 <?mso-contentType ?>
 <FormTemplates xmlns="http://schemas.microsoft.com/sharepoint/v3/contenttype/forms">
@@ -12940,6 +12940,21 @@
 </file>
 
 <file path=customXml/itemProps1.xml><?xml version="1.0" encoding="utf-8"?>
+<ds:datastoreItem xmlns:ds="http://schemas.openxmlformats.org/officeDocument/2006/customXml" ds:itemID="{A50EC660-24D0-43A0-AE5E-E274115E726B}">
+  <ds:schemaRefs>
+    <ds:schemaRef ds:uri="http://purl.org/dc/elements/1.1/"/>
+    <ds:schemaRef ds:uri="http://schemas.microsoft.com/office/2006/metadata/properties"/>
+    <ds:schemaRef ds:uri="http://purl.org/dc/terms/"/>
+    <ds:schemaRef ds:uri="http://schemas.openxmlformats.org/package/2006/metadata/core-properties"/>
+    <ds:schemaRef ds:uri="http://schemas.microsoft.com/office/2006/documentManagement/types"/>
+    <ds:schemaRef ds:uri="http://www.w3.org/XML/1998/namespace"/>
+    <ds:schemaRef ds:uri="http://purl.org/dc/dcmitype/"/>
+    <ds:schemaRef ds:uri="http://schemas.microsoft.com/office/infopath/2007/PartnerControls"/>
+  </ds:schemaRefs>
+</ds:datastoreItem>
+</file>
+
+<file path=customXml/itemProps2.xml><?xml version="1.0" encoding="utf-8"?>
 <ds:datastoreItem xmlns:ds="http://schemas.openxmlformats.org/officeDocument/2006/customXml" ds:itemID="{E8DB7DEB-074E-4EE8-9B6E-FD277323109C}">
   <ds:schemaRefs>
     <ds:schemaRef ds:uri="http://schemas.microsoft.com/office/2006/metadata/contentType"/>
@@ -12954,21 +12969,6 @@
 </ds:datastoreItem>
 </file>
 
-<file path=customXml/itemProps2.xml><?xml version="1.0" encoding="utf-8"?>
-<ds:datastoreItem xmlns:ds="http://schemas.openxmlformats.org/officeDocument/2006/customXml" ds:itemID="{A50EC660-24D0-43A0-AE5E-E274115E726B}">
-  <ds:schemaRefs>
-    <ds:schemaRef ds:uri="http://purl.org/dc/elements/1.1/"/>
-    <ds:schemaRef ds:uri="http://schemas.microsoft.com/office/2006/metadata/properties"/>
-    <ds:schemaRef ds:uri="http://purl.org/dc/terms/"/>
-    <ds:schemaRef ds:uri="http://schemas.openxmlformats.org/package/2006/metadata/core-properties"/>
-    <ds:schemaRef ds:uri="http://schemas.microsoft.com/office/2006/documentManagement/types"/>
-    <ds:schemaRef ds:uri="http://www.w3.org/XML/1998/namespace"/>
-    <ds:schemaRef ds:uri="http://purl.org/dc/dcmitype/"/>
-    <ds:schemaRef ds:uri="http://schemas.microsoft.com/office/infopath/2007/PartnerControls"/>
-  </ds:schemaRefs>
-</ds:datastoreItem>
-</file>
-
 <file path=customXml/itemProps3.xml><?xml version="1.0" encoding="utf-8"?>
 <ds:datastoreItem xmlns:ds="http://schemas.openxmlformats.org/officeDocument/2006/customXml" ds:itemID="{19E20559-B232-4371-8690-E3D8007EDB82}">
   <ds:schemaRefs>

--- a/lab-notebooks.pptx
+++ b/lab-notebooks.pptx
@@ -11,8 +11,8 @@
     <p:handoutMasterId r:id="rId35"/>
   </p:handoutMasterIdLst>
   <p:sldIdLst>
-    <p:sldId id="617" r:id="rId5"/>
-    <p:sldId id="320" r:id="rId6"/>
+    <p:sldId id="618" r:id="rId5"/>
+    <p:sldId id="619" r:id="rId6"/>
     <p:sldId id="349" r:id="rId7"/>
     <p:sldId id="322" r:id="rId8"/>
     <p:sldId id="325" r:id="rId9"/>
@@ -283,7 +283,7 @@
           <a:p>
             <a:fld id="{0B842F42-2CE9-4E35-95C1-410DC08A50B1}" type="datetimeFigureOut">
               <a:rPr lang="en-US" smtClean="0"/>
-              <a:t>4/24/2024</a:t>
+              <a:t>4/28/2024</a:t>
             </a:fld>
             <a:endParaRPr lang="en-US"/>
           </a:p>
@@ -448,7 +448,7 @@
           <a:p>
             <a:fld id="{6F282904-F315-4730-8D91-37D99E141A6F}" type="datetimeFigureOut">
               <a:rPr lang="en-US" smtClean="0"/>
-              <a:t>4/24/2024</a:t>
+              <a:t>4/28/2024</a:t>
             </a:fld>
             <a:endParaRPr lang="en-US"/>
           </a:p>
@@ -2626,7 +2626,1036 @@
 
 <file path=ppt/slideLayouts/slideLayout1.xml><?xml version="1.0" encoding="utf-8"?>
 <p:sldLayout xmlns:a="http://schemas.openxmlformats.org/drawingml/2006/main" xmlns:r="http://schemas.openxmlformats.org/officeDocument/2006/relationships" xmlns:p="http://schemas.openxmlformats.org/presentationml/2006/main" showMasterSp="0" preserve="1" userDrawn="1">
-  <p:cSld name="7_Title Slide">
+  <p:cSld name="9_Title Slide">
+    <p:spTree>
+      <p:nvGrpSpPr>
+        <p:cNvPr id="1" name=""/>
+        <p:cNvGrpSpPr/>
+        <p:nvPr/>
+      </p:nvGrpSpPr>
+      <p:grpSpPr>
+        <a:xfrm>
+          <a:off x="0" y="0"/>
+          <a:ext cx="0" cy="0"/>
+          <a:chOff x="0" y="0"/>
+          <a:chExt cx="0" cy="0"/>
+        </a:xfrm>
+      </p:grpSpPr>
+      <p:sp>
+        <p:nvSpPr>
+          <p:cNvPr id="4" name="Rectangle 3">
+            <a:extLst>
+              <a:ext uri="{FF2B5EF4-FFF2-40B4-BE49-F238E27FC236}">
+                <a16:creationId xmlns:a16="http://schemas.microsoft.com/office/drawing/2014/main" id="{2E2177C6-060C-4445-8C10-ADA6D3CE5F74}"/>
+              </a:ext>
+            </a:extLst>
+          </p:cNvPr>
+          <p:cNvSpPr/>
+          <p:nvPr userDrawn="1"/>
+        </p:nvSpPr>
+        <p:spPr>
+          <a:xfrm>
+            <a:off x="0" y="6186396"/>
+            <a:ext cx="12188825" cy="671604"/>
+          </a:xfrm>
+          <a:prstGeom prst="rect">
+            <a:avLst/>
+          </a:prstGeom>
+          <a:solidFill>
+            <a:schemeClr val="accent1">
+              <a:lumMod val="75000"/>
+            </a:schemeClr>
+          </a:solidFill>
+          <a:ln>
+            <a:noFill/>
+          </a:ln>
+          <a:effectLst/>
+          <a:scene3d>
+            <a:camera prst="orthographicFront">
+              <a:rot lat="0" lon="0" rev="0"/>
+            </a:camera>
+            <a:lightRig rig="threePt" dir="t">
+              <a:rot lat="0" lon="0" rev="1200000"/>
+            </a:lightRig>
+          </a:scene3d>
+          <a:sp3d/>
+        </p:spPr>
+        <p:style>
+          <a:lnRef idx="0">
+            <a:schemeClr val="accent1"/>
+          </a:lnRef>
+          <a:fillRef idx="3">
+            <a:schemeClr val="accent1"/>
+          </a:fillRef>
+          <a:effectRef idx="3">
+            <a:schemeClr val="accent1"/>
+          </a:effectRef>
+          <a:fontRef idx="minor">
+            <a:schemeClr val="lt1"/>
+          </a:fontRef>
+        </p:style>
+        <p:txBody>
+          <a:bodyPr rot="0" spcFirstLastPara="0" vertOverflow="overflow" horzOverflow="overflow" vert="horz" wrap="square" lIns="548640" tIns="45720" rIns="45720" bIns="45720" numCol="1" spcCol="0" rtlCol="0" fromWordArt="0" anchor="ctr" anchorCtr="0" forceAA="0" compatLnSpc="1">
+            <a:prstTxWarp prst="textNoShape">
+              <a:avLst/>
+            </a:prstTxWarp>
+            <a:noAutofit/>
+          </a:bodyPr>
+          <a:lstStyle/>
+          <a:p>
+            <a:pPr algn="l">
+              <a:lnSpc>
+                <a:spcPct val="90000"/>
+              </a:lnSpc>
+            </a:pPr>
+            <a:endParaRPr lang="en-US" sz="1600" dirty="0">
+              <a:ln>
+                <a:noFill/>
+              </a:ln>
+              <a:solidFill>
+                <a:schemeClr val="bg1"/>
+              </a:solidFill>
+            </a:endParaRPr>
+          </a:p>
+        </p:txBody>
+      </p:sp>
+      <p:sp>
+        <p:nvSpPr>
+          <p:cNvPr id="22" name="Rectangle 21"/>
+          <p:cNvSpPr/>
+          <p:nvPr userDrawn="1"/>
+        </p:nvSpPr>
+        <p:spPr>
+          <a:xfrm>
+            <a:off x="8305800" y="5921829"/>
+            <a:ext cx="3883025" cy="936171"/>
+          </a:xfrm>
+          <a:prstGeom prst="rect">
+            <a:avLst/>
+          </a:prstGeom>
+          <a:noFill/>
+          <a:ln>
+            <a:noFill/>
+          </a:ln>
+          <a:effectLst/>
+          <a:scene3d>
+            <a:camera prst="orthographicFront">
+              <a:rot lat="0" lon="0" rev="0"/>
+            </a:camera>
+            <a:lightRig rig="threePt" dir="t">
+              <a:rot lat="0" lon="0" rev="1200000"/>
+            </a:lightRig>
+          </a:scene3d>
+          <a:sp3d/>
+        </p:spPr>
+        <p:style>
+          <a:lnRef idx="0">
+            <a:schemeClr val="accent1"/>
+          </a:lnRef>
+          <a:fillRef idx="3">
+            <a:schemeClr val="accent1"/>
+          </a:fillRef>
+          <a:effectRef idx="3">
+            <a:schemeClr val="accent1"/>
+          </a:effectRef>
+          <a:fontRef idx="minor">
+            <a:schemeClr val="lt1"/>
+          </a:fontRef>
+        </p:style>
+        <p:txBody>
+          <a:bodyPr rot="0" spcFirstLastPara="0" vertOverflow="overflow" horzOverflow="overflow" vert="horz" wrap="square" lIns="45720" tIns="45720" rIns="45720" bIns="45720" numCol="1" spcCol="0" rtlCol="0" fromWordArt="0" anchor="ctr" anchorCtr="0" forceAA="0" compatLnSpc="1">
+            <a:prstTxWarp prst="textNoShape">
+              <a:avLst/>
+            </a:prstTxWarp>
+            <a:noAutofit/>
+          </a:bodyPr>
+          <a:lstStyle/>
+          <a:p>
+            <a:pPr algn="ctr">
+              <a:lnSpc>
+                <a:spcPct val="90000"/>
+              </a:lnSpc>
+            </a:pPr>
+            <a:endParaRPr lang="en-US" dirty="0">
+              <a:solidFill>
+                <a:schemeClr val="tx1"/>
+              </a:solidFill>
+            </a:endParaRPr>
+          </a:p>
+        </p:txBody>
+      </p:sp>
+      <p:sp>
+        <p:nvSpPr>
+          <p:cNvPr id="2" name="Title 1"/>
+          <p:cNvSpPr>
+            <a:spLocks noGrp="1"/>
+          </p:cNvSpPr>
+          <p:nvPr userDrawn="1">
+            <p:ph type="ctrTitle"/>
+          </p:nvPr>
+        </p:nvSpPr>
+        <p:spPr>
+          <a:xfrm>
+            <a:off x="3177633" y="503144"/>
+            <a:ext cx="8292316" cy="1030930"/>
+          </a:xfrm>
+        </p:spPr>
+        <p:txBody>
+          <a:bodyPr anchor="b"/>
+          <a:lstStyle>
+            <a:lvl1pPr algn="l">
+              <a:defRPr sz="3200" b="1">
+                <a:solidFill>
+                  <a:schemeClr val="tx1"/>
+                </a:solidFill>
+                <a:latin typeface="+mn-lt"/>
+              </a:defRPr>
+            </a:lvl1pPr>
+          </a:lstStyle>
+          <a:p>
+            <a:r>
+              <a:rPr lang="en-US" dirty="0"/>
+              <a:t>Click to edit Master title style</a:t>
+            </a:r>
+          </a:p>
+        </p:txBody>
+      </p:sp>
+      <p:pic>
+        <p:nvPicPr>
+          <p:cNvPr id="13" name="Picture 2" descr="https://licensebuttons.net/l/by/4.0/88x31.png">
+            <a:extLst>
+              <a:ext uri="{FF2B5EF4-FFF2-40B4-BE49-F238E27FC236}">
+                <a16:creationId xmlns:a16="http://schemas.microsoft.com/office/drawing/2014/main" id="{FAFD7D99-41CA-4FD0-9396-9C5659F22045}"/>
+              </a:ext>
+            </a:extLst>
+          </p:cNvPr>
+          <p:cNvPicPr>
+            <a:picLocks noChangeAspect="1" noChangeArrowheads="1"/>
+          </p:cNvPicPr>
+          <p:nvPr userDrawn="1"/>
+        </p:nvPicPr>
+        <p:blipFill>
+          <a:blip r:embed="rId2">
+            <a:extLst>
+              <a:ext uri="{28A0092B-C50C-407E-A947-70E740481C1C}">
+                <a14:useLocalDpi xmlns:a14="http://schemas.microsoft.com/office/drawing/2010/main" val="0"/>
+              </a:ext>
+            </a:extLst>
+          </a:blip>
+          <a:srcRect/>
+          <a:stretch>
+            <a:fillRect/>
+          </a:stretch>
+        </p:blipFill>
+        <p:spPr bwMode="auto">
+          <a:xfrm>
+            <a:off x="969069" y="5841262"/>
+            <a:ext cx="838200" cy="295275"/>
+          </a:xfrm>
+          <a:prstGeom prst="rect">
+            <a:avLst/>
+          </a:prstGeom>
+          <a:noFill/>
+          <a:extLst>
+            <a:ext uri="{909E8E84-426E-40DD-AFC4-6F175D3DCCD1}">
+              <a14:hiddenFill xmlns:a14="http://schemas.microsoft.com/office/drawing/2010/main">
+                <a:solidFill>
+                  <a:srgbClr val="FFFFFF"/>
+                </a:solidFill>
+              </a14:hiddenFill>
+            </a:ext>
+          </a:extLst>
+        </p:spPr>
+      </p:pic>
+      <p:sp>
+        <p:nvSpPr>
+          <p:cNvPr id="14" name="TextBox 13">
+            <a:extLst>
+              <a:ext uri="{FF2B5EF4-FFF2-40B4-BE49-F238E27FC236}">
+                <a16:creationId xmlns:a16="http://schemas.microsoft.com/office/drawing/2014/main" id="{9D022D1C-99FF-490C-8690-D8081D33C0AF}"/>
+              </a:ext>
+            </a:extLst>
+          </p:cNvPr>
+          <p:cNvSpPr txBox="1"/>
+          <p:nvPr userDrawn="1"/>
+        </p:nvSpPr>
+        <p:spPr>
+          <a:xfrm>
+            <a:off x="1810964" y="5776533"/>
+            <a:ext cx="1171114" cy="424732"/>
+          </a:xfrm>
+          <a:prstGeom prst="rect">
+            <a:avLst/>
+          </a:prstGeom>
+          <a:noFill/>
+        </p:spPr>
+        <p:txBody>
+          <a:bodyPr wrap="square" rtlCol="0">
+            <a:spAutoFit/>
+          </a:bodyPr>
+          <a:lstStyle/>
+          <a:p>
+            <a:pPr algn="ctr">
+              <a:lnSpc>
+                <a:spcPct val="90000"/>
+              </a:lnSpc>
+            </a:pPr>
+            <a:r>
+              <a:rPr lang="en-US" sz="1200" dirty="0"/>
+              <a:t>See slide 2 for license details</a:t>
+            </a:r>
+          </a:p>
+        </p:txBody>
+      </p:sp>
+      <p:sp>
+        <p:nvSpPr>
+          <p:cNvPr id="6" name="Text Placeholder 5">
+            <a:extLst>
+              <a:ext uri="{FF2B5EF4-FFF2-40B4-BE49-F238E27FC236}">
+                <a16:creationId xmlns:a16="http://schemas.microsoft.com/office/drawing/2014/main" id="{516372F2-F09E-4139-B638-4F1B290B77B9}"/>
+              </a:ext>
+            </a:extLst>
+          </p:cNvPr>
+          <p:cNvSpPr>
+            <a:spLocks noGrp="1"/>
+          </p:cNvSpPr>
+          <p:nvPr>
+            <p:ph type="body" sz="quarter" idx="10" hasCustomPrompt="1"/>
+          </p:nvPr>
+        </p:nvSpPr>
+        <p:spPr>
+          <a:xfrm>
+            <a:off x="9335896" y="5913283"/>
+            <a:ext cx="2852929" cy="262814"/>
+          </a:xfrm>
+        </p:spPr>
+        <p:txBody>
+          <a:bodyPr/>
+          <a:lstStyle>
+            <a:lvl1pPr marL="0" indent="0" algn="r">
+              <a:buNone/>
+              <a:defRPr sz="1200"/>
+            </a:lvl1pPr>
+          </a:lstStyle>
+          <a:p>
+            <a:pPr lvl="0"/>
+            <a:r>
+              <a:rPr lang="en-US" dirty="0"/>
+              <a:t>R&amp;R number (if required)</a:t>
+            </a:r>
+          </a:p>
+        </p:txBody>
+      </p:sp>
+      <p:sp>
+        <p:nvSpPr>
+          <p:cNvPr id="9" name="Text Placeholder 8">
+            <a:extLst>
+              <a:ext uri="{FF2B5EF4-FFF2-40B4-BE49-F238E27FC236}">
+                <a16:creationId xmlns:a16="http://schemas.microsoft.com/office/drawing/2014/main" id="{7A08ED72-5D36-44C1-A3D6-C72E158E1FA6}"/>
+              </a:ext>
+            </a:extLst>
+          </p:cNvPr>
+          <p:cNvSpPr>
+            <a:spLocks noGrp="1"/>
+          </p:cNvSpPr>
+          <p:nvPr>
+            <p:ph type="body" sz="quarter" idx="11" hasCustomPrompt="1"/>
+          </p:nvPr>
+        </p:nvSpPr>
+        <p:spPr>
+          <a:xfrm>
+            <a:off x="3176924" y="2085870"/>
+            <a:ext cx="2427268" cy="424732"/>
+          </a:xfrm>
+        </p:spPr>
+        <p:txBody>
+          <a:bodyPr wrap="none">
+            <a:spAutoFit/>
+          </a:bodyPr>
+          <a:lstStyle>
+            <a:lvl1pPr marL="0" indent="0">
+              <a:buNone/>
+              <a:defRPr u="sng"/>
+            </a:lvl1pPr>
+          </a:lstStyle>
+          <a:p>
+            <a:pPr lvl="0"/>
+            <a:r>
+              <a:rPr lang="en-US" dirty="0"/>
+              <a:t>Presenter Name</a:t>
+            </a:r>
+          </a:p>
+        </p:txBody>
+      </p:sp>
+      <p:sp>
+        <p:nvSpPr>
+          <p:cNvPr id="11" name="Text Placeholder 10">
+            <a:extLst>
+              <a:ext uri="{FF2B5EF4-FFF2-40B4-BE49-F238E27FC236}">
+                <a16:creationId xmlns:a16="http://schemas.microsoft.com/office/drawing/2014/main" id="{07C2C5E0-3F9A-4B6C-82C6-FEE7176DA8DC}"/>
+              </a:ext>
+            </a:extLst>
+          </p:cNvPr>
+          <p:cNvSpPr>
+            <a:spLocks noGrp="1"/>
+          </p:cNvSpPr>
+          <p:nvPr>
+            <p:ph type="body" sz="quarter" idx="12" hasCustomPrompt="1"/>
+          </p:nvPr>
+        </p:nvSpPr>
+        <p:spPr>
+          <a:xfrm>
+            <a:off x="5667411" y="2134517"/>
+            <a:ext cx="1690167" cy="376085"/>
+          </a:xfrm>
+        </p:spPr>
+        <p:txBody>
+          <a:bodyPr>
+            <a:spAutoFit/>
+          </a:bodyPr>
+          <a:lstStyle>
+            <a:lvl1pPr marL="0" indent="0">
+              <a:buNone/>
+              <a:defRPr sz="2000"/>
+            </a:lvl1pPr>
+          </a:lstStyle>
+          <a:p>
+            <a:pPr lvl="0"/>
+            <a:r>
+              <a:rPr lang="en-US" dirty="0"/>
+              <a:t>(pronouns)</a:t>
+            </a:r>
+          </a:p>
+        </p:txBody>
+      </p:sp>
+      <p:sp>
+        <p:nvSpPr>
+          <p:cNvPr id="20" name="Text Placeholder 10">
+            <a:extLst>
+              <a:ext uri="{FF2B5EF4-FFF2-40B4-BE49-F238E27FC236}">
+                <a16:creationId xmlns:a16="http://schemas.microsoft.com/office/drawing/2014/main" id="{6EE16D41-009C-4DB1-A6DF-FEBADC8C343B}"/>
+              </a:ext>
+            </a:extLst>
+          </p:cNvPr>
+          <p:cNvSpPr>
+            <a:spLocks noGrp="1"/>
+          </p:cNvSpPr>
+          <p:nvPr>
+            <p:ph type="body" sz="quarter" idx="13" hasCustomPrompt="1"/>
+          </p:nvPr>
+        </p:nvSpPr>
+        <p:spPr>
+          <a:xfrm>
+            <a:off x="3176924" y="2459716"/>
+            <a:ext cx="8292315" cy="369332"/>
+          </a:xfrm>
+        </p:spPr>
+        <p:txBody>
+          <a:bodyPr wrap="square">
+            <a:spAutoFit/>
+          </a:bodyPr>
+          <a:lstStyle>
+            <a:lvl1pPr marL="0" indent="0">
+              <a:buNone/>
+              <a:defRPr sz="2000"/>
+            </a:lvl1pPr>
+          </a:lstStyle>
+          <a:p>
+            <a:pPr lvl="0"/>
+            <a:r>
+              <a:rPr lang="en-US" dirty="0"/>
+              <a:t>Long affiliation</a:t>
+            </a:r>
+          </a:p>
+        </p:txBody>
+      </p:sp>
+      <p:sp>
+        <p:nvSpPr>
+          <p:cNvPr id="21" name="Text Placeholder 10">
+            <a:extLst>
+              <a:ext uri="{FF2B5EF4-FFF2-40B4-BE49-F238E27FC236}">
+                <a16:creationId xmlns:a16="http://schemas.microsoft.com/office/drawing/2014/main" id="{8E791C6E-DB06-44D1-AB4E-AA0EF8215FBB}"/>
+              </a:ext>
+            </a:extLst>
+          </p:cNvPr>
+          <p:cNvSpPr>
+            <a:spLocks noGrp="1"/>
+          </p:cNvSpPr>
+          <p:nvPr>
+            <p:ph type="body" sz="quarter" idx="14" hasCustomPrompt="1"/>
+          </p:nvPr>
+        </p:nvSpPr>
+        <p:spPr>
+          <a:xfrm>
+            <a:off x="3176925" y="3161813"/>
+            <a:ext cx="8292316" cy="369332"/>
+          </a:xfrm>
+        </p:spPr>
+        <p:txBody>
+          <a:bodyPr wrap="square">
+            <a:spAutoFit/>
+          </a:bodyPr>
+          <a:lstStyle>
+            <a:lvl1pPr marL="0" indent="0">
+              <a:buNone/>
+              <a:defRPr sz="2000"/>
+            </a:lvl1pPr>
+          </a:lstStyle>
+          <a:p>
+            <a:pPr lvl="0"/>
+            <a:r>
+              <a:rPr lang="en-US" dirty="0"/>
+              <a:t>Tutorial title @ Venue</a:t>
+            </a:r>
+          </a:p>
+        </p:txBody>
+      </p:sp>
+      <p:sp>
+        <p:nvSpPr>
+          <p:cNvPr id="23" name="Text Placeholder 10">
+            <a:extLst>
+              <a:ext uri="{FF2B5EF4-FFF2-40B4-BE49-F238E27FC236}">
+                <a16:creationId xmlns:a16="http://schemas.microsoft.com/office/drawing/2014/main" id="{AA4CD3CE-55B5-4132-9AC3-B94506768C36}"/>
+              </a:ext>
+            </a:extLst>
+          </p:cNvPr>
+          <p:cNvSpPr>
+            <a:spLocks noGrp="1"/>
+          </p:cNvSpPr>
+          <p:nvPr>
+            <p:ph type="body" sz="quarter" idx="15" hasCustomPrompt="1"/>
+          </p:nvPr>
+        </p:nvSpPr>
+        <p:spPr>
+          <a:xfrm>
+            <a:off x="3176924" y="3792588"/>
+            <a:ext cx="8292316" cy="646331"/>
+          </a:xfrm>
+        </p:spPr>
+        <p:txBody>
+          <a:bodyPr wrap="square">
+            <a:spAutoFit/>
+          </a:bodyPr>
+          <a:lstStyle>
+            <a:lvl1pPr marL="0" indent="0">
+              <a:buNone/>
+              <a:defRPr sz="2000"/>
+            </a:lvl1pPr>
+          </a:lstStyle>
+          <a:p>
+            <a:pPr>
+              <a:spcBef>
+                <a:spcPts val="2800"/>
+              </a:spcBef>
+            </a:pPr>
+            <a:r>
+              <a:rPr lang="en-US" sz="2000" dirty="0"/>
+              <a:t>Contributors: Contributor Name (short affiliation), … in alphabetical order</a:t>
+            </a:r>
+          </a:p>
+        </p:txBody>
+      </p:sp>
+      <p:pic>
+        <p:nvPicPr>
+          <p:cNvPr id="3" name="Picture 2">
+            <a:extLst>
+              <a:ext uri="{FF2B5EF4-FFF2-40B4-BE49-F238E27FC236}">
+                <a16:creationId xmlns:a16="http://schemas.microsoft.com/office/drawing/2014/main" id="{E5A81C43-A5B9-D933-9CA0-B9EBBA5B6295}"/>
+              </a:ext>
+            </a:extLst>
+          </p:cNvPr>
+          <p:cNvPicPr>
+            <a:picLocks noChangeAspect="1"/>
+          </p:cNvPicPr>
+          <p:nvPr userDrawn="1"/>
+        </p:nvPicPr>
+        <p:blipFill>
+          <a:blip r:embed="rId3" cstate="print">
+            <a:extLst>
+              <a:ext uri="{28A0092B-C50C-407E-A947-70E740481C1C}">
+                <a14:useLocalDpi xmlns:a14="http://schemas.microsoft.com/office/drawing/2010/main" val="0"/>
+              </a:ext>
+            </a:extLst>
+          </a:blip>
+          <a:stretch>
+            <a:fillRect/>
+          </a:stretch>
+        </p:blipFill>
+        <p:spPr>
+          <a:xfrm>
+            <a:off x="418659" y="158509"/>
+            <a:ext cx="2109916" cy="905256"/>
+          </a:xfrm>
+          <a:prstGeom prst="rect">
+            <a:avLst/>
+          </a:prstGeom>
+        </p:spPr>
+      </p:pic>
+      <p:grpSp>
+        <p:nvGrpSpPr>
+          <p:cNvPr id="5" name="Group 4">
+            <a:extLst>
+              <a:ext uri="{FF2B5EF4-FFF2-40B4-BE49-F238E27FC236}">
+                <a16:creationId xmlns:a16="http://schemas.microsoft.com/office/drawing/2014/main" id="{2211A969-E7EA-13C3-D014-C029084F4EFB}"/>
+              </a:ext>
+            </a:extLst>
+          </p:cNvPr>
+          <p:cNvGrpSpPr/>
+          <p:nvPr userDrawn="1"/>
+        </p:nvGrpSpPr>
+        <p:grpSpPr>
+          <a:xfrm>
+            <a:off x="366259" y="3655396"/>
+            <a:ext cx="2214716" cy="356329"/>
+            <a:chOff x="341278" y="3628835"/>
+            <a:chExt cx="2214716" cy="356329"/>
+          </a:xfrm>
+        </p:grpSpPr>
+        <p:pic>
+          <p:nvPicPr>
+            <p:cNvPr id="7" name="Picture 2">
+              <a:extLst>
+                <a:ext uri="{FF2B5EF4-FFF2-40B4-BE49-F238E27FC236}">
+                  <a16:creationId xmlns:a16="http://schemas.microsoft.com/office/drawing/2014/main" id="{D16A6A85-AECD-6121-D004-ECB79BC13076}"/>
+                </a:ext>
+              </a:extLst>
+            </p:cNvPr>
+            <p:cNvPicPr>
+              <a:picLocks noChangeAspect="1" noChangeArrowheads="1"/>
+            </p:cNvPicPr>
+            <p:nvPr userDrawn="1"/>
+          </p:nvPicPr>
+          <p:blipFill>
+            <a:blip r:embed="rId4">
+              <a:extLst>
+                <a:ext uri="{28A0092B-C50C-407E-A947-70E740481C1C}">
+                  <a14:useLocalDpi xmlns:a14="http://schemas.microsoft.com/office/drawing/2010/main" val="0"/>
+                </a:ext>
+              </a:extLst>
+            </a:blip>
+            <a:srcRect/>
+            <a:stretch>
+              <a:fillRect/>
+            </a:stretch>
+          </p:blipFill>
+          <p:spPr bwMode="auto">
+            <a:xfrm>
+              <a:off x="341278" y="3628835"/>
+              <a:ext cx="1005840" cy="356329"/>
+            </a:xfrm>
+            <a:prstGeom prst="rect">
+              <a:avLst/>
+            </a:prstGeom>
+            <a:noFill/>
+            <a:extLst>
+              <a:ext uri="{909E8E84-426E-40DD-AFC4-6F175D3DCCD1}">
+                <a14:hiddenFill xmlns:a14="http://schemas.microsoft.com/office/drawing/2010/main">
+                  <a:solidFill>
+                    <a:srgbClr val="FFFFFF"/>
+                  </a:solidFill>
+                </a14:hiddenFill>
+              </a:ext>
+            </a:extLst>
+          </p:spPr>
+        </p:pic>
+        <p:pic>
+          <p:nvPicPr>
+            <p:cNvPr id="10" name="Picture 4">
+              <a:extLst>
+                <a:ext uri="{FF2B5EF4-FFF2-40B4-BE49-F238E27FC236}">
+                  <a16:creationId xmlns:a16="http://schemas.microsoft.com/office/drawing/2014/main" id="{87D2793C-01C6-B180-3495-5A2067445539}"/>
+                </a:ext>
+              </a:extLst>
+            </p:cNvPr>
+            <p:cNvPicPr>
+              <a:picLocks noChangeAspect="1" noChangeArrowheads="1"/>
+            </p:cNvPicPr>
+            <p:nvPr userDrawn="1"/>
+          </p:nvPicPr>
+          <p:blipFill>
+            <a:blip r:embed="rId5" cstate="print">
+              <a:extLst>
+                <a:ext uri="{28A0092B-C50C-407E-A947-70E740481C1C}">
+                  <a14:useLocalDpi xmlns:a14="http://schemas.microsoft.com/office/drawing/2010/main" val="0"/>
+                </a:ext>
+              </a:extLst>
+            </a:blip>
+            <a:srcRect/>
+            <a:stretch>
+              <a:fillRect/>
+            </a:stretch>
+          </p:blipFill>
+          <p:spPr bwMode="auto">
+            <a:xfrm>
+              <a:off x="1550154" y="3690079"/>
+              <a:ext cx="1005840" cy="233840"/>
+            </a:xfrm>
+            <a:prstGeom prst="rect">
+              <a:avLst/>
+            </a:prstGeom>
+            <a:noFill/>
+            <a:extLst>
+              <a:ext uri="{909E8E84-426E-40DD-AFC4-6F175D3DCCD1}">
+                <a14:hiddenFill xmlns:a14="http://schemas.microsoft.com/office/drawing/2010/main">
+                  <a:solidFill>
+                    <a:srgbClr val="FFFFFF"/>
+                  </a:solidFill>
+                </a14:hiddenFill>
+              </a:ext>
+            </a:extLst>
+          </p:spPr>
+        </p:pic>
+      </p:grpSp>
+      <p:pic>
+        <p:nvPicPr>
+          <p:cNvPr id="18" name="Picture 17" descr="A black and white sign with blue text&#10;&#10;Description automatically generated">
+            <a:extLst>
+              <a:ext uri="{FF2B5EF4-FFF2-40B4-BE49-F238E27FC236}">
+                <a16:creationId xmlns:a16="http://schemas.microsoft.com/office/drawing/2014/main" id="{90ECFB80-075A-EDC0-363D-3CE459F436D1}"/>
+              </a:ext>
+            </a:extLst>
+          </p:cNvPr>
+          <p:cNvPicPr>
+            <a:picLocks noChangeAspect="1"/>
+          </p:cNvPicPr>
+          <p:nvPr userDrawn="1"/>
+        </p:nvPicPr>
+        <p:blipFill>
+          <a:blip r:embed="rId6" cstate="print">
+            <a:extLst>
+              <a:ext uri="{28A0092B-C50C-407E-A947-70E740481C1C}">
+                <a14:useLocalDpi xmlns:a14="http://schemas.microsoft.com/office/drawing/2010/main" val="0"/>
+              </a:ext>
+            </a:extLst>
+          </a:blip>
+          <a:stretch>
+            <a:fillRect/>
+          </a:stretch>
+        </p:blipFill>
+        <p:spPr>
+          <a:xfrm>
+            <a:off x="970697" y="4125123"/>
+            <a:ext cx="1005840" cy="324328"/>
+          </a:xfrm>
+          <a:prstGeom prst="rect">
+            <a:avLst/>
+          </a:prstGeom>
+        </p:spPr>
+      </p:pic>
+      <p:sp>
+        <p:nvSpPr>
+          <p:cNvPr id="19" name="TextBox 18">
+            <a:extLst>
+              <a:ext uri="{FF2B5EF4-FFF2-40B4-BE49-F238E27FC236}">
+                <a16:creationId xmlns:a16="http://schemas.microsoft.com/office/drawing/2014/main" id="{23984D22-2BE9-C684-93D1-920B201DC418}"/>
+              </a:ext>
+            </a:extLst>
+          </p:cNvPr>
+          <p:cNvSpPr txBox="1"/>
+          <p:nvPr userDrawn="1"/>
+        </p:nvSpPr>
+        <p:spPr>
+          <a:xfrm>
+            <a:off x="901538" y="1776974"/>
+            <a:ext cx="1144159" cy="350865"/>
+          </a:xfrm>
+          <a:prstGeom prst="rect">
+            <a:avLst/>
+          </a:prstGeom>
+          <a:noFill/>
+        </p:spPr>
+        <p:txBody>
+          <a:bodyPr wrap="none" lIns="118872" tIns="91440" rIns="118872" bIns="91440" rtlCol="0" anchor="ctr" anchorCtr="0">
+            <a:spAutoFit/>
+          </a:bodyPr>
+          <a:lstStyle/>
+          <a:p>
+            <a:pPr algn="l">
+              <a:lnSpc>
+                <a:spcPct val="90000"/>
+              </a:lnSpc>
+            </a:pPr>
+            <a:r>
+              <a:rPr lang="en-US" sz="1200" i="1" dirty="0"/>
+              <a:t>Presented by</a:t>
+            </a:r>
+          </a:p>
+        </p:txBody>
+      </p:sp>
+      <p:sp>
+        <p:nvSpPr>
+          <p:cNvPr id="24" name="TextBox 23">
+            <a:extLst>
+              <a:ext uri="{FF2B5EF4-FFF2-40B4-BE49-F238E27FC236}">
+                <a16:creationId xmlns:a16="http://schemas.microsoft.com/office/drawing/2014/main" id="{9EA65A86-1694-D0BE-3C46-045E2B00D094}"/>
+              </a:ext>
+            </a:extLst>
+          </p:cNvPr>
+          <p:cNvSpPr txBox="1"/>
+          <p:nvPr userDrawn="1"/>
+        </p:nvSpPr>
+        <p:spPr>
+          <a:xfrm>
+            <a:off x="28657" y="2079048"/>
+            <a:ext cx="2889921" cy="932563"/>
+          </a:xfrm>
+          <a:prstGeom prst="rect">
+            <a:avLst/>
+          </a:prstGeom>
+          <a:noFill/>
+        </p:spPr>
+        <p:txBody>
+          <a:bodyPr wrap="square" lIns="118872" tIns="91440" rIns="118872" bIns="91440" rtlCol="0" anchor="ctr" anchorCtr="0">
+            <a:spAutoFit/>
+          </a:bodyPr>
+          <a:lstStyle/>
+          <a:p>
+            <a:pPr algn="l">
+              <a:lnSpc>
+                <a:spcPct val="90000"/>
+              </a:lnSpc>
+            </a:pPr>
+            <a:r>
+              <a:rPr lang="en-US" b="1" dirty="0"/>
+              <a:t>COLABS: Collaboration for Better Software for Science</a:t>
+            </a:r>
+          </a:p>
+        </p:txBody>
+      </p:sp>
+      <p:sp>
+        <p:nvSpPr>
+          <p:cNvPr id="25" name="TextBox 24">
+            <a:extLst>
+              <a:ext uri="{FF2B5EF4-FFF2-40B4-BE49-F238E27FC236}">
+                <a16:creationId xmlns:a16="http://schemas.microsoft.com/office/drawing/2014/main" id="{7C98D32A-D229-5172-E298-9AF976ACE627}"/>
+              </a:ext>
+            </a:extLst>
+          </p:cNvPr>
+          <p:cNvSpPr txBox="1"/>
+          <p:nvPr userDrawn="1"/>
+        </p:nvSpPr>
+        <p:spPr>
+          <a:xfrm>
+            <a:off x="676315" y="3191133"/>
+            <a:ext cx="1594604" cy="350865"/>
+          </a:xfrm>
+          <a:prstGeom prst="rect">
+            <a:avLst/>
+          </a:prstGeom>
+          <a:noFill/>
+        </p:spPr>
+        <p:txBody>
+          <a:bodyPr wrap="none" lIns="118872" tIns="91440" rIns="118872" bIns="91440" rtlCol="0" anchor="ctr" anchorCtr="0">
+            <a:spAutoFit/>
+          </a:bodyPr>
+          <a:lstStyle/>
+          <a:p>
+            <a:pPr algn="l">
+              <a:lnSpc>
+                <a:spcPct val="90000"/>
+              </a:lnSpc>
+            </a:pPr>
+            <a:r>
+              <a:rPr lang="en-US" sz="1200" i="1" dirty="0"/>
+              <a:t>In collaboration with</a:t>
+            </a:r>
+          </a:p>
+        </p:txBody>
+      </p:sp>
+      <p:sp>
+        <p:nvSpPr>
+          <p:cNvPr id="26" name="TextBox 25">
+            <a:extLst>
+              <a:ext uri="{FF2B5EF4-FFF2-40B4-BE49-F238E27FC236}">
+                <a16:creationId xmlns:a16="http://schemas.microsoft.com/office/drawing/2014/main" id="{64D46951-9F99-A303-D249-27B751A562DB}"/>
+              </a:ext>
+            </a:extLst>
+          </p:cNvPr>
+          <p:cNvSpPr txBox="1"/>
+          <p:nvPr userDrawn="1"/>
+        </p:nvSpPr>
+        <p:spPr>
+          <a:xfrm>
+            <a:off x="572120" y="4562849"/>
+            <a:ext cx="1802994" cy="350865"/>
+          </a:xfrm>
+          <a:prstGeom prst="rect">
+            <a:avLst/>
+          </a:prstGeom>
+          <a:noFill/>
+        </p:spPr>
+        <p:txBody>
+          <a:bodyPr wrap="none" lIns="118872" tIns="91440" rIns="118872" bIns="91440" rtlCol="0" anchor="ctr" anchorCtr="0">
+            <a:spAutoFit/>
+          </a:bodyPr>
+          <a:lstStyle/>
+          <a:p>
+            <a:pPr algn="l">
+              <a:lnSpc>
+                <a:spcPct val="90000"/>
+              </a:lnSpc>
+            </a:pPr>
+            <a:r>
+              <a:rPr lang="en-US" sz="1200" i="1" dirty="0"/>
+              <a:t>With prior support from</a:t>
+            </a:r>
+          </a:p>
+        </p:txBody>
+      </p:sp>
+      <p:grpSp>
+        <p:nvGrpSpPr>
+          <p:cNvPr id="27" name="Group 26">
+            <a:extLst>
+              <a:ext uri="{FF2B5EF4-FFF2-40B4-BE49-F238E27FC236}">
+                <a16:creationId xmlns:a16="http://schemas.microsoft.com/office/drawing/2014/main" id="{CC665AB1-818C-15F6-A435-7A7C14109262}"/>
+              </a:ext>
+            </a:extLst>
+          </p:cNvPr>
+          <p:cNvGrpSpPr/>
+          <p:nvPr userDrawn="1"/>
+        </p:nvGrpSpPr>
+        <p:grpSpPr>
+          <a:xfrm>
+            <a:off x="355043" y="5027111"/>
+            <a:ext cx="2237149" cy="457200"/>
+            <a:chOff x="343050" y="5128711"/>
+            <a:chExt cx="2237149" cy="457200"/>
+          </a:xfrm>
+        </p:grpSpPr>
+        <p:pic>
+          <p:nvPicPr>
+            <p:cNvPr id="28" name="Picture 27">
+              <a:extLst>
+                <a:ext uri="{FF2B5EF4-FFF2-40B4-BE49-F238E27FC236}">
+                  <a16:creationId xmlns:a16="http://schemas.microsoft.com/office/drawing/2014/main" id="{D8D4DA06-93FC-7C79-22C0-69CD6E71946F}"/>
+                </a:ext>
+              </a:extLst>
+            </p:cNvPr>
+            <p:cNvPicPr>
+              <a:picLocks noChangeAspect="1"/>
+            </p:cNvPicPr>
+            <p:nvPr userDrawn="1"/>
+          </p:nvPicPr>
+          <p:blipFill>
+            <a:blip r:embed="rId7" cstate="print">
+              <a:extLst>
+                <a:ext uri="{28A0092B-C50C-407E-A947-70E740481C1C}">
+                  <a14:useLocalDpi xmlns:a14="http://schemas.microsoft.com/office/drawing/2010/main" val="0"/>
+                </a:ext>
+              </a:extLst>
+            </a:blip>
+            <a:stretch>
+              <a:fillRect/>
+            </a:stretch>
+          </p:blipFill>
+          <p:spPr>
+            <a:xfrm>
+              <a:off x="343050" y="5128711"/>
+              <a:ext cx="1002296" cy="457200"/>
+            </a:xfrm>
+            <a:prstGeom prst="rect">
+              <a:avLst/>
+            </a:prstGeom>
+          </p:spPr>
+        </p:pic>
+        <p:pic>
+          <p:nvPicPr>
+            <p:cNvPr id="29" name="Picture 28" descr="A picture containing shape&#10;&#10;Description automatically generated">
+              <a:extLst>
+                <a:ext uri="{FF2B5EF4-FFF2-40B4-BE49-F238E27FC236}">
+                  <a16:creationId xmlns:a16="http://schemas.microsoft.com/office/drawing/2014/main" id="{3A576A20-C17C-D6D5-507F-A7C5D2EE03B7}"/>
+                </a:ext>
+              </a:extLst>
+            </p:cNvPr>
+            <p:cNvPicPr>
+              <a:picLocks noChangeAspect="1"/>
+            </p:cNvPicPr>
+            <p:nvPr userDrawn="1"/>
+          </p:nvPicPr>
+          <p:blipFill>
+            <a:blip r:embed="rId8">
+              <a:extLst>
+                <a:ext uri="{28A0092B-C50C-407E-A947-70E740481C1C}">
+                  <a14:useLocalDpi xmlns:a14="http://schemas.microsoft.com/office/drawing/2010/main" val="0"/>
+                </a:ext>
+              </a:extLst>
+            </a:blip>
+            <a:stretch>
+              <a:fillRect/>
+            </a:stretch>
+          </p:blipFill>
+          <p:spPr>
+            <a:xfrm>
+              <a:off x="1525950" y="5128711"/>
+              <a:ext cx="1054249" cy="457200"/>
+            </a:xfrm>
+            <a:prstGeom prst="rect">
+              <a:avLst/>
+            </a:prstGeom>
+          </p:spPr>
+        </p:pic>
+      </p:grpSp>
+      <p:pic>
+        <p:nvPicPr>
+          <p:cNvPr id="31" name="Picture 30">
+            <a:extLst>
+              <a:ext uri="{FF2B5EF4-FFF2-40B4-BE49-F238E27FC236}">
+                <a16:creationId xmlns:a16="http://schemas.microsoft.com/office/drawing/2014/main" id="{F6BAEEDA-B6C4-7DDA-6A83-26F20E08F28B}"/>
+              </a:ext>
+            </a:extLst>
+          </p:cNvPr>
+          <p:cNvPicPr>
+            <a:picLocks noChangeAspect="1"/>
+          </p:cNvPicPr>
+          <p:nvPr userDrawn="1"/>
+        </p:nvPicPr>
+        <p:blipFill>
+          <a:blip r:embed="rId9" cstate="print">
+            <a:extLst>
+              <a:ext uri="{BEBA8EAE-BF5A-486C-A8C5-ECC9F3942E4B}">
+                <a14:imgProps xmlns:a14="http://schemas.microsoft.com/office/drawing/2010/main">
+                  <a14:imgLayer r:embed="rId10">
+                    <a14:imgEffect>
+                      <a14:brightnessContrast bright="100000"/>
+                    </a14:imgEffect>
+                  </a14:imgLayer>
+                </a14:imgProps>
+              </a:ext>
+              <a:ext uri="{28A0092B-C50C-407E-A947-70E740481C1C}">
+                <a14:useLocalDpi xmlns:a14="http://schemas.microsoft.com/office/drawing/2010/main" val="0"/>
+              </a:ext>
+            </a:extLst>
+          </a:blip>
+          <a:stretch>
+            <a:fillRect/>
+          </a:stretch>
+        </p:blipFill>
+        <p:spPr>
+          <a:xfrm>
+            <a:off x="9536165" y="6321694"/>
+            <a:ext cx="2409477" cy="401008"/>
+          </a:xfrm>
+          <a:prstGeom prst="rect">
+            <a:avLst/>
+          </a:prstGeom>
+        </p:spPr>
+      </p:pic>
+    </p:spTree>
+    <p:extLst>
+      <p:ext uri="{BB962C8B-B14F-4D97-AF65-F5344CB8AC3E}">
+        <p14:creationId xmlns:p14="http://schemas.microsoft.com/office/powerpoint/2010/main" val="3066306731"/>
+      </p:ext>
+    </p:extLst>
+  </p:cSld>
+  <p:clrMapOvr>
+    <a:masterClrMapping/>
+  </p:clrMapOvr>
+</p:sldLayout>
+</file>
+
+<file path=ppt/slideLayouts/slideLayout2.xml><?xml version="1.0" encoding="utf-8"?>
+<p:sldLayout xmlns:a="http://schemas.openxmlformats.org/drawingml/2006/main" xmlns:r="http://schemas.openxmlformats.org/officeDocument/2006/relationships" xmlns:p="http://schemas.openxmlformats.org/presentationml/2006/main" showMasterSp="0" preserve="1" userDrawn="1">
+  <p:cSld name="10_Title Slide">
     <p:spTree>
       <p:nvGrpSpPr>
         <p:cNvPr id="1" name=""/>
@@ -2971,374 +4000,6 @@
         </p:blipFill>
         <p:spPr>
           <a:xfrm>
-            <a:off x="9357260" y="6321694"/>
-            <a:ext cx="2409477" cy="401008"/>
-          </a:xfrm>
-          <a:prstGeom prst="rect">
-            <a:avLst/>
-          </a:prstGeom>
-        </p:spPr>
-      </p:pic>
-    </p:spTree>
-    <p:extLst>
-      <p:ext uri="{BB962C8B-B14F-4D97-AF65-F5344CB8AC3E}">
-        <p14:creationId xmlns:p14="http://schemas.microsoft.com/office/powerpoint/2010/main" val="324926385"/>
-      </p:ext>
-    </p:extLst>
-  </p:cSld>
-  <p:clrMapOvr>
-    <a:masterClrMapping/>
-  </p:clrMapOvr>
-</p:sldLayout>
-</file>
-
-<file path=ppt/slideLayouts/slideLayout2.xml><?xml version="1.0" encoding="utf-8"?>
-<p:sldLayout xmlns:a="http://schemas.openxmlformats.org/drawingml/2006/main" xmlns:r="http://schemas.openxmlformats.org/officeDocument/2006/relationships" xmlns:p="http://schemas.openxmlformats.org/presentationml/2006/main" showMasterSp="0" preserve="1" userDrawn="1">
-  <p:cSld name="8_Title Slide">
-    <p:spTree>
-      <p:nvGrpSpPr>
-        <p:cNvPr id="1" name=""/>
-        <p:cNvGrpSpPr/>
-        <p:nvPr/>
-      </p:nvGrpSpPr>
-      <p:grpSpPr>
-        <a:xfrm>
-          <a:off x="0" y="0"/>
-          <a:ext cx="0" cy="0"/>
-          <a:chOff x="0" y="0"/>
-          <a:chExt cx="0" cy="0"/>
-        </a:xfrm>
-      </p:grpSpPr>
-      <p:sp>
-        <p:nvSpPr>
-          <p:cNvPr id="4" name="Rectangle 3">
-            <a:extLst>
-              <a:ext uri="{FF2B5EF4-FFF2-40B4-BE49-F238E27FC236}">
-                <a16:creationId xmlns:a16="http://schemas.microsoft.com/office/drawing/2014/main" id="{2E2177C6-060C-4445-8C10-ADA6D3CE5F74}"/>
-              </a:ext>
-            </a:extLst>
-          </p:cNvPr>
-          <p:cNvSpPr/>
-          <p:nvPr userDrawn="1"/>
-        </p:nvSpPr>
-        <p:spPr>
-          <a:xfrm>
-            <a:off x="0" y="6186396"/>
-            <a:ext cx="12188825" cy="671604"/>
-          </a:xfrm>
-          <a:prstGeom prst="rect">
-            <a:avLst/>
-          </a:prstGeom>
-          <a:solidFill>
-            <a:schemeClr val="accent1">
-              <a:lumMod val="75000"/>
-            </a:schemeClr>
-          </a:solidFill>
-          <a:ln>
-            <a:noFill/>
-          </a:ln>
-          <a:effectLst/>
-          <a:scene3d>
-            <a:camera prst="orthographicFront">
-              <a:rot lat="0" lon="0" rev="0"/>
-            </a:camera>
-            <a:lightRig rig="threePt" dir="t">
-              <a:rot lat="0" lon="0" rev="1200000"/>
-            </a:lightRig>
-          </a:scene3d>
-          <a:sp3d/>
-        </p:spPr>
-        <p:style>
-          <a:lnRef idx="0">
-            <a:schemeClr val="accent1"/>
-          </a:lnRef>
-          <a:fillRef idx="3">
-            <a:schemeClr val="accent1"/>
-          </a:fillRef>
-          <a:effectRef idx="3">
-            <a:schemeClr val="accent1"/>
-          </a:effectRef>
-          <a:fontRef idx="minor">
-            <a:schemeClr val="lt1"/>
-          </a:fontRef>
-        </p:style>
-        <p:txBody>
-          <a:bodyPr rot="0" spcFirstLastPara="0" vertOverflow="overflow" horzOverflow="overflow" vert="horz" wrap="square" lIns="548640" tIns="45720" rIns="45720" bIns="45720" numCol="1" spcCol="0" rtlCol="0" fromWordArt="0" anchor="ctr" anchorCtr="0" forceAA="0" compatLnSpc="1">
-            <a:prstTxWarp prst="textNoShape">
-              <a:avLst/>
-            </a:prstTxWarp>
-            <a:noAutofit/>
-          </a:bodyPr>
-          <a:lstStyle/>
-          <a:p>
-            <a:pPr algn="l">
-              <a:lnSpc>
-                <a:spcPct val="90000"/>
-              </a:lnSpc>
-            </a:pPr>
-            <a:endParaRPr lang="en-US" sz="1600" dirty="0">
-              <a:ln>
-                <a:noFill/>
-              </a:ln>
-              <a:solidFill>
-                <a:schemeClr val="bg1"/>
-              </a:solidFill>
-            </a:endParaRPr>
-          </a:p>
-        </p:txBody>
-      </p:sp>
-      <p:sp>
-        <p:nvSpPr>
-          <p:cNvPr id="22" name="Rectangle 21"/>
-          <p:cNvSpPr/>
-          <p:nvPr userDrawn="1"/>
-        </p:nvSpPr>
-        <p:spPr>
-          <a:xfrm>
-            <a:off x="8305800" y="5921829"/>
-            <a:ext cx="3883025" cy="936171"/>
-          </a:xfrm>
-          <a:prstGeom prst="rect">
-            <a:avLst/>
-          </a:prstGeom>
-          <a:noFill/>
-          <a:ln>
-            <a:noFill/>
-          </a:ln>
-          <a:effectLst/>
-          <a:scene3d>
-            <a:camera prst="orthographicFront">
-              <a:rot lat="0" lon="0" rev="0"/>
-            </a:camera>
-            <a:lightRig rig="threePt" dir="t">
-              <a:rot lat="0" lon="0" rev="1200000"/>
-            </a:lightRig>
-          </a:scene3d>
-          <a:sp3d/>
-        </p:spPr>
-        <p:style>
-          <a:lnRef idx="0">
-            <a:schemeClr val="accent1"/>
-          </a:lnRef>
-          <a:fillRef idx="3">
-            <a:schemeClr val="accent1"/>
-          </a:fillRef>
-          <a:effectRef idx="3">
-            <a:schemeClr val="accent1"/>
-          </a:effectRef>
-          <a:fontRef idx="minor">
-            <a:schemeClr val="lt1"/>
-          </a:fontRef>
-        </p:style>
-        <p:txBody>
-          <a:bodyPr rot="0" spcFirstLastPara="0" vertOverflow="overflow" horzOverflow="overflow" vert="horz" wrap="square" lIns="45720" tIns="45720" rIns="45720" bIns="45720" numCol="1" spcCol="0" rtlCol="0" fromWordArt="0" anchor="ctr" anchorCtr="0" forceAA="0" compatLnSpc="1">
-            <a:prstTxWarp prst="textNoShape">
-              <a:avLst/>
-            </a:prstTxWarp>
-            <a:noAutofit/>
-          </a:bodyPr>
-          <a:lstStyle/>
-          <a:p>
-            <a:pPr algn="ctr">
-              <a:lnSpc>
-                <a:spcPct val="90000"/>
-              </a:lnSpc>
-            </a:pPr>
-            <a:endParaRPr lang="en-US" dirty="0">
-              <a:solidFill>
-                <a:schemeClr val="tx1"/>
-              </a:solidFill>
-            </a:endParaRPr>
-          </a:p>
-        </p:txBody>
-      </p:sp>
-      <p:sp>
-        <p:nvSpPr>
-          <p:cNvPr id="2" name="Title 1"/>
-          <p:cNvSpPr>
-            <a:spLocks noGrp="1"/>
-          </p:cNvSpPr>
-          <p:nvPr userDrawn="1">
-            <p:ph type="ctrTitle"/>
-          </p:nvPr>
-        </p:nvSpPr>
-        <p:spPr>
-          <a:xfrm>
-            <a:off x="3177633" y="503144"/>
-            <a:ext cx="8292316" cy="1030930"/>
-          </a:xfrm>
-        </p:spPr>
-        <p:txBody>
-          <a:bodyPr anchor="b"/>
-          <a:lstStyle>
-            <a:lvl1pPr algn="l">
-              <a:defRPr sz="3200" b="1">
-                <a:solidFill>
-                  <a:schemeClr val="tx1"/>
-                </a:solidFill>
-                <a:latin typeface="+mn-lt"/>
-              </a:defRPr>
-            </a:lvl1pPr>
-          </a:lstStyle>
-          <a:p>
-            <a:r>
-              <a:rPr lang="en-US"/>
-              <a:t>Click to edit Master title style</a:t>
-            </a:r>
-            <a:endParaRPr lang="en-US" dirty="0"/>
-          </a:p>
-        </p:txBody>
-      </p:sp>
-      <p:sp>
-        <p:nvSpPr>
-          <p:cNvPr id="3" name="Subtitle 2"/>
-          <p:cNvSpPr>
-            <a:spLocks noGrp="1"/>
-          </p:cNvSpPr>
-          <p:nvPr userDrawn="1">
-            <p:ph type="subTitle" idx="1"/>
-          </p:nvPr>
-        </p:nvSpPr>
-        <p:spPr>
-          <a:xfrm>
-            <a:off x="3177632" y="2085962"/>
-            <a:ext cx="8292317" cy="2855300"/>
-          </a:xfrm>
-        </p:spPr>
-        <p:txBody>
-          <a:bodyPr lIns="109728"/>
-          <a:lstStyle>
-            <a:lvl1pPr marL="0" indent="0" algn="l">
-              <a:buNone/>
-              <a:defRPr sz="2400">
-                <a:solidFill>
-                  <a:schemeClr val="tx1"/>
-                </a:solidFill>
-                <a:latin typeface="Arial" panose="020B0604020202020204" pitchFamily="34" charset="0"/>
-                <a:cs typeface="Arial" panose="020B0604020202020204" pitchFamily="34" charset="0"/>
-              </a:defRPr>
-            </a:lvl1pPr>
-            <a:lvl2pPr marL="457200" indent="0" algn="ctr">
-              <a:buNone/>
-              <a:defRPr>
-                <a:solidFill>
-                  <a:schemeClr val="tx1">
-                    <a:tint val="75000"/>
-                  </a:schemeClr>
-                </a:solidFill>
-              </a:defRPr>
-            </a:lvl2pPr>
-            <a:lvl3pPr marL="914400" indent="0" algn="ctr">
-              <a:buNone/>
-              <a:defRPr>
-                <a:solidFill>
-                  <a:schemeClr val="tx1">
-                    <a:tint val="75000"/>
-                  </a:schemeClr>
-                </a:solidFill>
-              </a:defRPr>
-            </a:lvl3pPr>
-            <a:lvl4pPr marL="1371600" indent="0" algn="ctr">
-              <a:buNone/>
-              <a:defRPr>
-                <a:solidFill>
-                  <a:schemeClr val="tx1">
-                    <a:tint val="75000"/>
-                  </a:schemeClr>
-                </a:solidFill>
-              </a:defRPr>
-            </a:lvl4pPr>
-            <a:lvl5pPr marL="1828800" indent="0" algn="ctr">
-              <a:buNone/>
-              <a:defRPr>
-                <a:solidFill>
-                  <a:schemeClr val="tx1">
-                    <a:tint val="75000"/>
-                  </a:schemeClr>
-                </a:solidFill>
-              </a:defRPr>
-            </a:lvl5pPr>
-            <a:lvl6pPr marL="2286000" indent="0" algn="ctr">
-              <a:buNone/>
-              <a:defRPr>
-                <a:solidFill>
-                  <a:schemeClr val="tx1">
-                    <a:tint val="75000"/>
-                  </a:schemeClr>
-                </a:solidFill>
-              </a:defRPr>
-            </a:lvl6pPr>
-            <a:lvl7pPr marL="2743200" indent="0" algn="ctr">
-              <a:buNone/>
-              <a:defRPr>
-                <a:solidFill>
-                  <a:schemeClr val="tx1">
-                    <a:tint val="75000"/>
-                  </a:schemeClr>
-                </a:solidFill>
-              </a:defRPr>
-            </a:lvl7pPr>
-            <a:lvl8pPr marL="3200400" indent="0" algn="ctr">
-              <a:buNone/>
-              <a:defRPr>
-                <a:solidFill>
-                  <a:schemeClr val="tx1">
-                    <a:tint val="75000"/>
-                  </a:schemeClr>
-                </a:solidFill>
-              </a:defRPr>
-            </a:lvl8pPr>
-            <a:lvl9pPr marL="3657600" indent="0" algn="ctr">
-              <a:buNone/>
-              <a:defRPr>
-                <a:solidFill>
-                  <a:schemeClr val="tx1">
-                    <a:tint val="75000"/>
-                  </a:schemeClr>
-                </a:solidFill>
-              </a:defRPr>
-            </a:lvl9pPr>
-          </a:lstStyle>
-          <a:p>
-            <a:r>
-              <a:rPr lang="en-US"/>
-              <a:t>Click to edit Master subtitle style</a:t>
-            </a:r>
-            <a:endParaRPr lang="en-US" dirty="0"/>
-          </a:p>
-        </p:txBody>
-      </p:sp>
-      <p:pic>
-        <p:nvPicPr>
-          <p:cNvPr id="16" name="Picture 15"/>
-          <p:cNvPicPr>
-            <a:picLocks noChangeAspect="1"/>
-          </p:cNvPicPr>
-          <p:nvPr userDrawn="1"/>
-        </p:nvPicPr>
-        <p:blipFill>
-          <a:blip r:embed="rId2" cstate="print">
-            <a:extLst>
-              <a:ext uri="{BEBA8EAE-BF5A-486C-A8C5-ECC9F3942E4B}">
-                <a14:imgProps xmlns:a14="http://schemas.microsoft.com/office/drawing/2010/main">
-                  <a14:imgLayer r:embed="rId3">
-                    <a14:imgEffect>
-                      <a14:brightnessContrast bright="100000"/>
-                    </a14:imgEffect>
-                  </a14:imgLayer>
-                </a14:imgProps>
-              </a:ext>
-              <a:ext uri="{28A0092B-C50C-407E-A947-70E740481C1C}">
-                <a14:useLocalDpi xmlns:a14="http://schemas.microsoft.com/office/drawing/2010/main" val="0"/>
-              </a:ext>
-            </a:extLst>
-          </a:blip>
-          <a:stretch>
-            <a:fillRect/>
-          </a:stretch>
-        </p:blipFill>
-        <p:spPr>
-          <a:xfrm>
             <a:off x="9536165" y="6321694"/>
             <a:ext cx="2409477" cy="401008"/>
           </a:xfrm>
@@ -3434,12 +4095,48 @@
           </a:p>
         </p:txBody>
       </p:sp>
+      <p:pic>
+        <p:nvPicPr>
+          <p:cNvPr id="5" name="Picture 4">
+            <a:extLst>
+              <a:ext uri="{FF2B5EF4-FFF2-40B4-BE49-F238E27FC236}">
+                <a16:creationId xmlns:a16="http://schemas.microsoft.com/office/drawing/2014/main" id="{39A0B7EC-D4C0-0A37-EF93-54309C1E7E8C}"/>
+              </a:ext>
+            </a:extLst>
+          </p:cNvPr>
+          <p:cNvPicPr>
+            <a:picLocks noChangeAspect="1"/>
+          </p:cNvPicPr>
+          <p:nvPr userDrawn="1"/>
+        </p:nvPicPr>
+        <p:blipFill>
+          <a:blip r:embed="rId5" cstate="print">
+            <a:extLst>
+              <a:ext uri="{28A0092B-C50C-407E-A947-70E740481C1C}">
+                <a14:useLocalDpi xmlns:a14="http://schemas.microsoft.com/office/drawing/2010/main" val="0"/>
+              </a:ext>
+            </a:extLst>
+          </a:blip>
+          <a:stretch>
+            <a:fillRect/>
+          </a:stretch>
+        </p:blipFill>
+        <p:spPr>
+          <a:xfrm>
+            <a:off x="418659" y="158509"/>
+            <a:ext cx="2109916" cy="905256"/>
+          </a:xfrm>
+          <a:prstGeom prst="rect">
+            <a:avLst/>
+          </a:prstGeom>
+        </p:spPr>
+      </p:pic>
       <p:grpSp>
         <p:nvGrpSpPr>
-          <p:cNvPr id="8" name="Group 7">
+          <p:cNvPr id="21" name="Group 20">
             <a:extLst>
               <a:ext uri="{FF2B5EF4-FFF2-40B4-BE49-F238E27FC236}">
-                <a16:creationId xmlns:a16="http://schemas.microsoft.com/office/drawing/2014/main" id="{0150F854-8D38-7B75-27EA-A3E913AC8536}"/>
+                <a16:creationId xmlns:a16="http://schemas.microsoft.com/office/drawing/2014/main" id="{23F39736-1AFA-8528-C9E3-41B55EABEDCA}"/>
               </a:ext>
             </a:extLst>
           </p:cNvPr>
@@ -3448,54 +4145,18 @@
         </p:nvGrpSpPr>
         <p:grpSpPr>
           <a:xfrm>
-            <a:off x="32331" y="169798"/>
-            <a:ext cx="2937455" cy="5079380"/>
-            <a:chOff x="-80559" y="113353"/>
-            <a:chExt cx="2937455" cy="5079380"/>
+            <a:off x="366259" y="3655396"/>
+            <a:ext cx="2214716" cy="356329"/>
+            <a:chOff x="341278" y="3628835"/>
+            <a:chExt cx="2214716" cy="356329"/>
           </a:xfrm>
         </p:grpSpPr>
         <p:pic>
           <p:nvPicPr>
-            <p:cNvPr id="9" name="Picture 8">
+            <p:cNvPr id="6" name="Picture 2">
               <a:extLst>
                 <a:ext uri="{FF2B5EF4-FFF2-40B4-BE49-F238E27FC236}">
-                  <a16:creationId xmlns:a16="http://schemas.microsoft.com/office/drawing/2014/main" id="{4E2234C6-07E4-086A-913B-1ED9DB4C5C17}"/>
-                </a:ext>
-              </a:extLst>
-            </p:cNvPr>
-            <p:cNvPicPr>
-              <a:picLocks noChangeAspect="1"/>
-            </p:cNvPicPr>
-            <p:nvPr userDrawn="1"/>
-          </p:nvPicPr>
-          <p:blipFill>
-            <a:blip r:embed="rId5" cstate="print">
-              <a:extLst>
-                <a:ext uri="{28A0092B-C50C-407E-A947-70E740481C1C}">
-                  <a14:useLocalDpi xmlns:a14="http://schemas.microsoft.com/office/drawing/2010/main" val="0"/>
-                </a:ext>
-              </a:extLst>
-            </a:blip>
-            <a:stretch>
-              <a:fillRect/>
-            </a:stretch>
-          </p:blipFill>
-          <p:spPr>
-            <a:xfrm>
-              <a:off x="263939" y="113353"/>
-              <a:ext cx="2109916" cy="905256"/>
-            </a:xfrm>
-            <a:prstGeom prst="rect">
-              <a:avLst/>
-            </a:prstGeom>
-          </p:spPr>
-        </p:pic>
-        <p:pic>
-          <p:nvPicPr>
-            <p:cNvPr id="10" name="Picture 2">
-              <a:extLst>
-                <a:ext uri="{FF2B5EF4-FFF2-40B4-BE49-F238E27FC236}">
-                  <a16:creationId xmlns:a16="http://schemas.microsoft.com/office/drawing/2014/main" id="{2BAF5552-780A-9235-F078-322E7F8768B0}"/>
+                  <a16:creationId xmlns:a16="http://schemas.microsoft.com/office/drawing/2014/main" id="{EF0692E1-7D85-78AD-9CB9-EDC5C0A1CD96}"/>
                 </a:ext>
               </a:extLst>
             </p:cNvPr>
@@ -3519,8 +4180,8 @@
           </p:blipFill>
           <p:spPr bwMode="auto">
             <a:xfrm>
-              <a:off x="24796" y="3155674"/>
-              <a:ext cx="2832100" cy="1003300"/>
+              <a:off x="341278" y="3628835"/>
+              <a:ext cx="1005840" cy="356329"/>
             </a:xfrm>
             <a:prstGeom prst="rect">
               <a:avLst/>
@@ -3539,10 +4200,10 @@
         </p:pic>
         <p:pic>
           <p:nvPicPr>
-            <p:cNvPr id="11" name="Picture 4">
+            <p:cNvPr id="7" name="Picture 4">
               <a:extLst>
                 <a:ext uri="{FF2B5EF4-FFF2-40B4-BE49-F238E27FC236}">
-                  <a16:creationId xmlns:a16="http://schemas.microsoft.com/office/drawing/2014/main" id="{0880F8E9-ADFA-054B-9839-5F29E475AEDB}"/>
+                  <a16:creationId xmlns:a16="http://schemas.microsoft.com/office/drawing/2014/main" id="{05CDAB3D-B8D6-9AC9-8507-6F95230AEE45}"/>
                 </a:ext>
               </a:extLst>
             </p:cNvPr>
@@ -3566,8 +4227,8 @@
           </p:blipFill>
           <p:spPr bwMode="auto">
             <a:xfrm>
-              <a:off x="-80559" y="2517770"/>
-              <a:ext cx="2937455" cy="682907"/>
+              <a:off x="1550154" y="3690079"/>
+              <a:ext cx="1005840" cy="233840"/>
             </a:xfrm>
             <a:prstGeom prst="rect">
               <a:avLst/>
@@ -3584,12 +4245,229 @@
             </a:extLst>
           </p:spPr>
         </p:pic>
+      </p:grpSp>
+      <p:pic>
+        <p:nvPicPr>
+          <p:cNvPr id="11" name="Picture 10" descr="A black and white sign with blue text&#10;&#10;Description automatically generated">
+            <a:extLst>
+              <a:ext uri="{FF2B5EF4-FFF2-40B4-BE49-F238E27FC236}">
+                <a16:creationId xmlns:a16="http://schemas.microsoft.com/office/drawing/2014/main" id="{A50B83FE-88FB-1C61-17CC-A58C0BE092BF}"/>
+              </a:ext>
+            </a:extLst>
+          </p:cNvPr>
+          <p:cNvPicPr>
+            <a:picLocks noChangeAspect="1"/>
+          </p:cNvPicPr>
+          <p:nvPr userDrawn="1"/>
+        </p:nvPicPr>
+        <p:blipFill>
+          <a:blip r:embed="rId8" cstate="print">
+            <a:extLst>
+              <a:ext uri="{28A0092B-C50C-407E-A947-70E740481C1C}">
+                <a14:useLocalDpi xmlns:a14="http://schemas.microsoft.com/office/drawing/2010/main" val="0"/>
+              </a:ext>
+            </a:extLst>
+          </a:blip>
+          <a:stretch>
+            <a:fillRect/>
+          </a:stretch>
+        </p:blipFill>
+        <p:spPr>
+          <a:xfrm>
+            <a:off x="970697" y="4125123"/>
+            <a:ext cx="1005840" cy="324328"/>
+          </a:xfrm>
+          <a:prstGeom prst="rect">
+            <a:avLst/>
+          </a:prstGeom>
+        </p:spPr>
+      </p:pic>
+      <p:sp>
+        <p:nvSpPr>
+          <p:cNvPr id="8" name="TextBox 7">
+            <a:extLst>
+              <a:ext uri="{FF2B5EF4-FFF2-40B4-BE49-F238E27FC236}">
+                <a16:creationId xmlns:a16="http://schemas.microsoft.com/office/drawing/2014/main" id="{DBDB4EA8-7E00-EB97-386F-806F04EDC41A}"/>
+              </a:ext>
+            </a:extLst>
+          </p:cNvPr>
+          <p:cNvSpPr txBox="1"/>
+          <p:nvPr userDrawn="1"/>
+        </p:nvSpPr>
+        <p:spPr>
+          <a:xfrm>
+            <a:off x="901538" y="1776974"/>
+            <a:ext cx="1144159" cy="350865"/>
+          </a:xfrm>
+          <a:prstGeom prst="rect">
+            <a:avLst/>
+          </a:prstGeom>
+          <a:noFill/>
+        </p:spPr>
+        <p:txBody>
+          <a:bodyPr wrap="none" lIns="118872" tIns="91440" rIns="118872" bIns="91440" rtlCol="0" anchor="ctr" anchorCtr="0">
+            <a:spAutoFit/>
+          </a:bodyPr>
+          <a:lstStyle/>
+          <a:p>
+            <a:pPr algn="l">
+              <a:lnSpc>
+                <a:spcPct val="90000"/>
+              </a:lnSpc>
+            </a:pPr>
+            <a:r>
+              <a:rPr lang="en-US" sz="1200" i="1" dirty="0"/>
+              <a:t>Presented by</a:t>
+            </a:r>
+          </a:p>
+        </p:txBody>
+      </p:sp>
+      <p:sp>
+        <p:nvSpPr>
+          <p:cNvPr id="9" name="TextBox 8">
+            <a:extLst>
+              <a:ext uri="{FF2B5EF4-FFF2-40B4-BE49-F238E27FC236}">
+                <a16:creationId xmlns:a16="http://schemas.microsoft.com/office/drawing/2014/main" id="{9C6AA8F1-3D17-46A7-8926-BC4892D4C51C}"/>
+              </a:ext>
+            </a:extLst>
+          </p:cNvPr>
+          <p:cNvSpPr txBox="1"/>
+          <p:nvPr userDrawn="1"/>
+        </p:nvSpPr>
+        <p:spPr>
+          <a:xfrm>
+            <a:off x="28657" y="2079048"/>
+            <a:ext cx="2889921" cy="932563"/>
+          </a:xfrm>
+          <a:prstGeom prst="rect">
+            <a:avLst/>
+          </a:prstGeom>
+          <a:noFill/>
+        </p:spPr>
+        <p:txBody>
+          <a:bodyPr wrap="square" lIns="118872" tIns="91440" rIns="118872" bIns="91440" rtlCol="0" anchor="ctr" anchorCtr="0">
+            <a:spAutoFit/>
+          </a:bodyPr>
+          <a:lstStyle/>
+          <a:p>
+            <a:pPr algn="l">
+              <a:lnSpc>
+                <a:spcPct val="90000"/>
+              </a:lnSpc>
+            </a:pPr>
+            <a:r>
+              <a:rPr lang="en-US" b="1" dirty="0"/>
+              <a:t>COLABS: Collaboration for Better Software for Science</a:t>
+            </a:r>
+          </a:p>
+        </p:txBody>
+      </p:sp>
+      <p:sp>
+        <p:nvSpPr>
+          <p:cNvPr id="10" name="TextBox 9">
+            <a:extLst>
+              <a:ext uri="{FF2B5EF4-FFF2-40B4-BE49-F238E27FC236}">
+                <a16:creationId xmlns:a16="http://schemas.microsoft.com/office/drawing/2014/main" id="{CE38D39D-3F53-1EF5-8F58-4DF913CFD07D}"/>
+              </a:ext>
+            </a:extLst>
+          </p:cNvPr>
+          <p:cNvSpPr txBox="1"/>
+          <p:nvPr userDrawn="1"/>
+        </p:nvSpPr>
+        <p:spPr>
+          <a:xfrm>
+            <a:off x="676315" y="3191133"/>
+            <a:ext cx="1594604" cy="350865"/>
+          </a:xfrm>
+          <a:prstGeom prst="rect">
+            <a:avLst/>
+          </a:prstGeom>
+          <a:noFill/>
+        </p:spPr>
+        <p:txBody>
+          <a:bodyPr wrap="none" lIns="118872" tIns="91440" rIns="118872" bIns="91440" rtlCol="0" anchor="ctr" anchorCtr="0">
+            <a:spAutoFit/>
+          </a:bodyPr>
+          <a:lstStyle/>
+          <a:p>
+            <a:pPr algn="l">
+              <a:lnSpc>
+                <a:spcPct val="90000"/>
+              </a:lnSpc>
+            </a:pPr>
+            <a:r>
+              <a:rPr lang="en-US" sz="1200" i="1" dirty="0"/>
+              <a:t>In collaboration with</a:t>
+            </a:r>
+          </a:p>
+        </p:txBody>
+      </p:sp>
+      <p:sp>
+        <p:nvSpPr>
+          <p:cNvPr id="15" name="TextBox 14">
+            <a:extLst>
+              <a:ext uri="{FF2B5EF4-FFF2-40B4-BE49-F238E27FC236}">
+                <a16:creationId xmlns:a16="http://schemas.microsoft.com/office/drawing/2014/main" id="{38A567DA-27A0-BFAF-CB9E-0EA56E125664}"/>
+              </a:ext>
+            </a:extLst>
+          </p:cNvPr>
+          <p:cNvSpPr txBox="1"/>
+          <p:nvPr userDrawn="1"/>
+        </p:nvSpPr>
+        <p:spPr>
+          <a:xfrm>
+            <a:off x="572120" y="4562849"/>
+            <a:ext cx="1802994" cy="350865"/>
+          </a:xfrm>
+          <a:prstGeom prst="rect">
+            <a:avLst/>
+          </a:prstGeom>
+          <a:noFill/>
+        </p:spPr>
+        <p:txBody>
+          <a:bodyPr wrap="none" lIns="118872" tIns="91440" rIns="118872" bIns="91440" rtlCol="0" anchor="ctr" anchorCtr="0">
+            <a:spAutoFit/>
+          </a:bodyPr>
+          <a:lstStyle/>
+          <a:p>
+            <a:pPr algn="l">
+              <a:lnSpc>
+                <a:spcPct val="90000"/>
+              </a:lnSpc>
+            </a:pPr>
+            <a:r>
+              <a:rPr lang="en-US" sz="1200" i="1" dirty="0"/>
+              <a:t>With prior support from</a:t>
+            </a:r>
+          </a:p>
+        </p:txBody>
+      </p:sp>
+      <p:grpSp>
+        <p:nvGrpSpPr>
+          <p:cNvPr id="20" name="Group 19">
+            <a:extLst>
+              <a:ext uri="{FF2B5EF4-FFF2-40B4-BE49-F238E27FC236}">
+                <a16:creationId xmlns:a16="http://schemas.microsoft.com/office/drawing/2014/main" id="{63A83523-6C92-DDA5-E072-BAC75B3276B6}"/>
+              </a:ext>
+            </a:extLst>
+          </p:cNvPr>
+          <p:cNvGrpSpPr/>
+          <p:nvPr userDrawn="1"/>
+        </p:nvGrpSpPr>
+        <p:grpSpPr>
+          <a:xfrm>
+            <a:off x="355043" y="5027111"/>
+            <a:ext cx="2237149" cy="457200"/>
+            <a:chOff x="343050" y="5128711"/>
+            <a:chExt cx="2237149" cy="457200"/>
+          </a:xfrm>
+        </p:grpSpPr>
         <p:pic>
           <p:nvPicPr>
-            <p:cNvPr id="12" name="Picture 11" descr="A black and white sign with blue text&#10;&#10;Description automatically generated">
+            <p:cNvPr id="17" name="Picture 16">
               <a:extLst>
                 <a:ext uri="{FF2B5EF4-FFF2-40B4-BE49-F238E27FC236}">
-                  <a16:creationId xmlns:a16="http://schemas.microsoft.com/office/drawing/2014/main" id="{30068CD6-2F59-71A6-A930-01C49CC81A11}"/>
+                  <a16:creationId xmlns:a16="http://schemas.microsoft.com/office/drawing/2014/main" id="{70EB972A-C812-2D11-E993-9648F06DCD53}"/>
                 </a:ext>
               </a:extLst>
             </p:cNvPr>
@@ -3599,7 +4477,7 @@
             <p:nvPr userDrawn="1"/>
           </p:nvPicPr>
           <p:blipFill>
-            <a:blip r:embed="rId8" cstate="print">
+            <a:blip r:embed="rId9" cstate="print">
               <a:extLst>
                 <a:ext uri="{28A0092B-C50C-407E-A947-70E740481C1C}">
                   <a14:useLocalDpi xmlns:a14="http://schemas.microsoft.com/office/drawing/2010/main" val="0"/>
@@ -3612,8 +4490,44 @@
           </p:blipFill>
           <p:spPr>
             <a:xfrm>
-              <a:off x="263939" y="4401022"/>
-              <a:ext cx="2455333" cy="791711"/>
+              <a:off x="343050" y="5128711"/>
+              <a:ext cx="1002296" cy="457200"/>
+            </a:xfrm>
+            <a:prstGeom prst="rect">
+              <a:avLst/>
+            </a:prstGeom>
+          </p:spPr>
+        </p:pic>
+        <p:pic>
+          <p:nvPicPr>
+            <p:cNvPr id="18" name="Picture 17" descr="A picture containing shape&#10;&#10;Description automatically generated">
+              <a:extLst>
+                <a:ext uri="{FF2B5EF4-FFF2-40B4-BE49-F238E27FC236}">
+                  <a16:creationId xmlns:a16="http://schemas.microsoft.com/office/drawing/2014/main" id="{DC5CC62A-5FBA-A239-536C-E231ED3105F0}"/>
+                </a:ext>
+              </a:extLst>
+            </p:cNvPr>
+            <p:cNvPicPr>
+              <a:picLocks noChangeAspect="1"/>
+            </p:cNvPicPr>
+            <p:nvPr userDrawn="1"/>
+          </p:nvPicPr>
+          <p:blipFill>
+            <a:blip r:embed="rId10">
+              <a:extLst>
+                <a:ext uri="{28A0092B-C50C-407E-A947-70E740481C1C}">
+                  <a14:useLocalDpi xmlns:a14="http://schemas.microsoft.com/office/drawing/2010/main" val="0"/>
+                </a:ext>
+              </a:extLst>
+            </a:blip>
+            <a:stretch>
+              <a:fillRect/>
+            </a:stretch>
+          </p:blipFill>
+          <p:spPr>
+            <a:xfrm>
+              <a:off x="1525950" y="5128711"/>
+              <a:ext cx="1054249" cy="457200"/>
             </a:xfrm>
             <a:prstGeom prst="rect">
               <a:avLst/>
@@ -3624,7 +4538,7 @@
     </p:spTree>
     <p:extLst>
       <p:ext uri="{BB962C8B-B14F-4D97-AF65-F5344CB8AC3E}">
-        <p14:creationId xmlns:p14="http://schemas.microsoft.com/office/powerpoint/2010/main" val="451228200"/>
+        <p14:creationId xmlns:p14="http://schemas.microsoft.com/office/powerpoint/2010/main" val="1727176579"/>
       </p:ext>
     </p:extLst>
   </p:cSld>
@@ -5392,8 +6306,8 @@
   </p:cSld>
   <p:clrMap bg1="lt1" tx1="dk1" bg2="lt2" tx2="dk2" accent1="accent1" accent2="accent2" accent3="accent3" accent4="accent4" accent5="accent5" accent6="accent6" hlink="hlink" folHlink="folHlink"/>
   <p:sldLayoutIdLst>
-    <p:sldLayoutId id="2147483949" r:id="rId1"/>
-    <p:sldLayoutId id="2147483951" r:id="rId2"/>
+    <p:sldLayoutId id="2147483952" r:id="rId1"/>
+    <p:sldLayoutId id="2147483953" r:id="rId2"/>
     <p:sldLayoutId id="2147483937" r:id="rId3"/>
     <p:sldLayoutId id="2147483939" r:id="rId4"/>
     <p:sldLayoutId id="2147483950" r:id="rId5"/>
@@ -5859,10 +6773,10 @@
       </p:grpSpPr>
       <p:sp>
         <p:nvSpPr>
-          <p:cNvPr id="3" name="Subtitle 2">
+          <p:cNvPr id="4" name="Title 3">
             <a:extLst>
               <a:ext uri="{FF2B5EF4-FFF2-40B4-BE49-F238E27FC236}">
-                <a16:creationId xmlns:a16="http://schemas.microsoft.com/office/drawing/2014/main" id="{115D6CAC-8B77-472D-91BE-E47FFB7E8C7A}"/>
+                <a16:creationId xmlns:a16="http://schemas.microsoft.com/office/drawing/2014/main" id="{1A75DC50-39E2-4A0D-18AA-2F6167F2BA50}"/>
               </a:ext>
             </a:extLst>
           </p:cNvPr>
@@ -5870,89 +6784,27 @@
             <a:spLocks noGrp="1"/>
           </p:cNvSpPr>
           <p:nvPr>
-            <p:ph type="subTitle" idx="1"/>
-          </p:nvPr>
-        </p:nvSpPr>
-        <p:spPr>
-          <a:xfrm>
-            <a:off x="3177632" y="1959498"/>
-            <a:ext cx="7772308" cy="2855300"/>
-          </a:xfrm>
-        </p:spPr>
+            <p:ph type="ctrTitle"/>
+          </p:nvPr>
+        </p:nvSpPr>
+        <p:spPr/>
         <p:txBody>
           <a:bodyPr/>
           <a:lstStyle/>
           <a:p>
             <a:r>
               <a:rPr lang="en-US" dirty="0"/>
-              <a:t>Anshu Dubey</a:t>
-            </a:r>
-          </a:p>
-          <a:p>
-            <a:r>
-              <a:rPr lang="en-US" b="0" i="0" dirty="0">
-                <a:solidFill>
-                  <a:srgbClr val="111111"/>
-                </a:solidFill>
-                <a:effectLst/>
-                <a:latin typeface="-apple-system"/>
-              </a:rPr>
-              <a:t>Better Scientific Software Tutorial @ ISC24</a:t>
-            </a:r>
-          </a:p>
-          <a:p>
-            <a:endParaRPr lang="en-US" dirty="0">
-              <a:solidFill>
-                <a:srgbClr val="111111"/>
-              </a:solidFill>
-              <a:latin typeface="-apple-system"/>
-            </a:endParaRPr>
-          </a:p>
-          <a:p>
-            <a:r>
-              <a:rPr lang="en-US" sz="2000" dirty="0"/>
-              <a:t>Contributors: Jared O’Neal, Anshu Dubey (ANL), David </a:t>
-            </a:r>
-            <a:r>
-              <a:rPr lang="en-US" sz="2000" dirty="0" err="1"/>
-              <a:t>Bernholdt</a:t>
-            </a:r>
-            <a:r>
-              <a:rPr lang="en-US" sz="2000" dirty="0"/>
-              <a:t> (ORNL)</a:t>
-            </a:r>
-          </a:p>
-          <a:p>
-            <a:r>
-              <a:rPr lang="en-US" sz="1600" dirty="0"/>
-              <a:t>Additional thanks to Juan Pablo Haddad, Akash Dhruv, Steve </a:t>
-            </a:r>
-            <a:r>
-              <a:rPr lang="en-US" sz="1600" dirty="0" err="1"/>
-              <a:t>Fickas</a:t>
-            </a:r>
-            <a:r>
-              <a:rPr lang="en-US" sz="1600" dirty="0"/>
-              <a:t>, Carlo Graziani, </a:t>
-            </a:r>
-            <a:r>
-              <a:rPr lang="en-US" sz="1600" dirty="0" err="1"/>
-              <a:t>Boyana</a:t>
-            </a:r>
-            <a:r>
-              <a:rPr lang="en-US" sz="1600" dirty="0"/>
-              <a:t> Norris</a:t>
-            </a:r>
-            <a:endParaRPr lang="en-US" sz="2000" dirty="0"/>
-          </a:p>
-        </p:txBody>
-      </p:sp>
-      <p:sp>
-        <p:nvSpPr>
-          <p:cNvPr id="5" name="Title 1">
+              <a:t>Lab Notebooks for Computational Mathematics, Sciences, &amp; Engineering</a:t>
+            </a:r>
+          </a:p>
+        </p:txBody>
+      </p:sp>
+      <p:sp>
+        <p:nvSpPr>
+          <p:cNvPr id="5" name="Text Placeholder 4">
             <a:extLst>
               <a:ext uri="{FF2B5EF4-FFF2-40B4-BE49-F238E27FC236}">
-                <a16:creationId xmlns:a16="http://schemas.microsoft.com/office/drawing/2014/main" id="{435BD536-E044-FD42-465E-71047A8B28B3}"/>
+                <a16:creationId xmlns:a16="http://schemas.microsoft.com/office/drawing/2014/main" id="{73942C1C-25AF-23D5-744D-1E8EABF3837E}"/>
               </a:ext>
             </a:extLst>
           </p:cNvPr>
@@ -5960,13 +6812,38 @@
             <a:spLocks noGrp="1"/>
           </p:cNvSpPr>
           <p:nvPr>
-            <p:ph type="ctrTitle"/>
+            <p:ph type="body" sz="quarter" idx="10"/>
+          </p:nvPr>
+        </p:nvSpPr>
+        <p:spPr/>
+        <p:txBody>
+          <a:bodyPr/>
+          <a:lstStyle/>
+          <a:p>
+            <a:endParaRPr lang="en-US"/>
+          </a:p>
+        </p:txBody>
+      </p:sp>
+      <p:sp>
+        <p:nvSpPr>
+          <p:cNvPr id="6" name="Text Placeholder 5">
+            <a:extLst>
+              <a:ext uri="{FF2B5EF4-FFF2-40B4-BE49-F238E27FC236}">
+                <a16:creationId xmlns:a16="http://schemas.microsoft.com/office/drawing/2014/main" id="{CBEE39D5-3DA0-DCAC-BB20-F45A4AE30E81}"/>
+              </a:ext>
+            </a:extLst>
+          </p:cNvPr>
+          <p:cNvSpPr>
+            <a:spLocks noGrp="1"/>
+          </p:cNvSpPr>
+          <p:nvPr>
+            <p:ph type="body" sz="quarter" idx="11"/>
           </p:nvPr>
         </p:nvSpPr>
         <p:spPr>
           <a:xfrm>
-            <a:off x="3177633" y="503144"/>
-            <a:ext cx="8292316" cy="1030930"/>
+            <a:off x="3176924" y="2085870"/>
+            <a:ext cx="2034531" cy="424732"/>
           </a:xfrm>
         </p:spPr>
         <p:txBody>
@@ -5975,16 +6852,152 @@
           <a:p>
             <a:r>
               <a:rPr lang="en-US" dirty="0"/>
-              <a:t>Lab Notebooks for Computational Mathematics, Sciences, &amp; Engineering</a:t>
-            </a:r>
-            <a:endParaRPr lang="en-US" sz="2000" b="0" dirty="0"/>
+              <a:t>Anshu Dubey</a:t>
+            </a:r>
+          </a:p>
+        </p:txBody>
+      </p:sp>
+      <p:sp>
+        <p:nvSpPr>
+          <p:cNvPr id="7" name="Text Placeholder 6">
+            <a:extLst>
+              <a:ext uri="{FF2B5EF4-FFF2-40B4-BE49-F238E27FC236}">
+                <a16:creationId xmlns:a16="http://schemas.microsoft.com/office/drawing/2014/main" id="{833E7C38-4FA0-8B5F-9844-FDB98BB9E92C}"/>
+              </a:ext>
+            </a:extLst>
+          </p:cNvPr>
+          <p:cNvSpPr>
+            <a:spLocks noGrp="1"/>
+          </p:cNvSpPr>
+          <p:nvPr>
+            <p:ph type="body" sz="quarter" idx="12"/>
+          </p:nvPr>
+        </p:nvSpPr>
+        <p:spPr>
+          <a:xfrm>
+            <a:off x="5198781" y="2134517"/>
+            <a:ext cx="1690167" cy="376085"/>
+          </a:xfrm>
+        </p:spPr>
+        <p:txBody>
+          <a:bodyPr/>
+          <a:lstStyle/>
+          <a:p>
+            <a:r>
+              <a:rPr lang="en-US" dirty="0"/>
+              <a:t>(she/her)</a:t>
+            </a:r>
+          </a:p>
+        </p:txBody>
+      </p:sp>
+      <p:sp>
+        <p:nvSpPr>
+          <p:cNvPr id="8" name="Text Placeholder 7">
+            <a:extLst>
+              <a:ext uri="{FF2B5EF4-FFF2-40B4-BE49-F238E27FC236}">
+                <a16:creationId xmlns:a16="http://schemas.microsoft.com/office/drawing/2014/main" id="{403FC0D0-6143-3F5B-C7E1-50FC4D250A1E}"/>
+              </a:ext>
+            </a:extLst>
+          </p:cNvPr>
+          <p:cNvSpPr>
+            <a:spLocks noGrp="1"/>
+          </p:cNvSpPr>
+          <p:nvPr>
+            <p:ph type="body" sz="quarter" idx="13"/>
+          </p:nvPr>
+        </p:nvSpPr>
+        <p:spPr/>
+        <p:txBody>
+          <a:bodyPr/>
+          <a:lstStyle/>
+          <a:p>
+            <a:r>
+              <a:rPr lang="en-US" dirty="0"/>
+              <a:t>Argonne National Laboratory</a:t>
+            </a:r>
+          </a:p>
+        </p:txBody>
+      </p:sp>
+      <p:sp>
+        <p:nvSpPr>
+          <p:cNvPr id="9" name="Text Placeholder 8">
+            <a:extLst>
+              <a:ext uri="{FF2B5EF4-FFF2-40B4-BE49-F238E27FC236}">
+                <a16:creationId xmlns:a16="http://schemas.microsoft.com/office/drawing/2014/main" id="{1C17317D-BA05-ED19-4013-726856D1F142}"/>
+              </a:ext>
+            </a:extLst>
+          </p:cNvPr>
+          <p:cNvSpPr>
+            <a:spLocks noGrp="1"/>
+          </p:cNvSpPr>
+          <p:nvPr>
+            <p:ph type="body" sz="quarter" idx="14"/>
+          </p:nvPr>
+        </p:nvSpPr>
+        <p:spPr/>
+        <p:txBody>
+          <a:bodyPr/>
+          <a:lstStyle/>
+          <a:p>
+            <a:r>
+              <a:rPr lang="en-US" dirty="0"/>
+              <a:t>Better Scientific Software tutorial @ ISC24</a:t>
+            </a:r>
+          </a:p>
+        </p:txBody>
+      </p:sp>
+      <p:sp>
+        <p:nvSpPr>
+          <p:cNvPr id="10" name="Text Placeholder 9">
+            <a:extLst>
+              <a:ext uri="{FF2B5EF4-FFF2-40B4-BE49-F238E27FC236}">
+                <a16:creationId xmlns:a16="http://schemas.microsoft.com/office/drawing/2014/main" id="{EB4DC382-6A5D-13F4-95B2-D3E10379DD32}"/>
+              </a:ext>
+            </a:extLst>
+          </p:cNvPr>
+          <p:cNvSpPr>
+            <a:spLocks noGrp="1"/>
+          </p:cNvSpPr>
+          <p:nvPr>
+            <p:ph type="body" sz="quarter" idx="15"/>
+          </p:nvPr>
+        </p:nvSpPr>
+        <p:spPr>
+          <a:xfrm>
+            <a:off x="3176924" y="3792588"/>
+            <a:ext cx="8292316" cy="1269065"/>
+          </a:xfrm>
+        </p:spPr>
+        <p:txBody>
+          <a:bodyPr/>
+          <a:lstStyle/>
+          <a:p>
+            <a:r>
+              <a:rPr lang="en-US" dirty="0"/>
+              <a:t>Contributors: Jared O’Neal, Anshu Dubey (ANL), David Bernholdt (ORNL)</a:t>
+            </a:r>
+          </a:p>
+          <a:p>
+            <a:r>
+              <a:rPr lang="en-US" sz="1600" dirty="0"/>
+              <a:t>Additional thanks to Juan Pablo Haddad, Akash Dhruv, Steve Fickas, Carlo Graziani, </a:t>
+            </a:r>
+            <a:r>
+              <a:rPr lang="en-US" sz="1600" dirty="0" err="1"/>
+              <a:t>Boyana</a:t>
+            </a:r>
+            <a:r>
+              <a:rPr lang="en-US" sz="1600" dirty="0"/>
+              <a:t> Norris</a:t>
+            </a:r>
+            <a:endParaRPr lang="en-US" dirty="0"/>
           </a:p>
         </p:txBody>
       </p:sp>
     </p:spTree>
     <p:extLst>
       <p:ext uri="{BB962C8B-B14F-4D97-AF65-F5344CB8AC3E}">
-        <p14:creationId xmlns:p14="http://schemas.microsoft.com/office/powerpoint/2010/main" val="2146778437"/>
+        <p14:creationId xmlns:p14="http://schemas.microsoft.com/office/powerpoint/2010/main" val="1185260290"/>
       </p:ext>
     </p:extLst>
   </p:cSld>
@@ -8677,8 +9690,8 @@
         </p:nvSpPr>
         <p:spPr>
           <a:xfrm>
-            <a:off x="409507" y="879673"/>
-            <a:ext cx="11369809" cy="5293976"/>
+            <a:off x="409507" y="570111"/>
+            <a:ext cx="11369809" cy="4047778"/>
           </a:xfrm>
         </p:spPr>
         <p:txBody>
@@ -8738,17 +9751,18 @@
                 <a:effectLst/>
                 <a:latin typeface="+mn-lt"/>
               </a:rPr>
-              <a:t>Anshu Dubey, David E. </a:t>
-            </a:r>
-            <a:r>
-              <a:rPr lang="en-US" sz="1600" b="0" i="0" dirty="0" err="1">
+              <a:t>Anshu Dubey, Better Scientific Software tutorial, in ISC High Performance (ISC24), Hamburg, Germany, and online, 2024. DOI: </a:t>
+            </a:r>
+            <a:r>
+              <a:rPr lang="en-US" sz="1600" b="0" i="0" u="none" strike="noStrike" dirty="0">
                 <a:solidFill>
-                  <a:srgbClr val="111111"/>
+                  <a:srgbClr val="2A7AE2"/>
                 </a:solidFill>
                 <a:effectLst/>
                 <a:latin typeface="+mn-lt"/>
+                <a:hlinkClick r:id="rId4"/>
               </a:rPr>
-              <a:t>Bernholdt</a:t>
+              <a:t>10.6084/m9.figshare.25686426</a:t>
             </a:r>
             <a:r>
               <a:rPr lang="en-US" sz="1600" b="0" i="0" dirty="0">
@@ -8758,7 +9772,7 @@
                 <a:effectLst/>
                 <a:latin typeface="+mn-lt"/>
               </a:rPr>
-              <a:t>, Better Scientific Software tutorial, in ISC High Performance, Hamburg, Germany and online, 2024</a:t>
+              <a:t>.</a:t>
             </a:r>
           </a:p>
           <a:p>
@@ -8767,26 +9781,32 @@
                 <a:spcPts val="400"/>
               </a:spcBef>
             </a:pPr>
-            <a:endParaRPr lang="en-US" sz="1600" dirty="0">
-              <a:solidFill>
-                <a:srgbClr val="111111"/>
-              </a:solidFill>
-              <a:latin typeface="+mn-lt"/>
-            </a:endParaRPr>
-          </a:p>
-          <a:p>
-            <a:pPr>
-              <a:spcBef>
-                <a:spcPts val="400"/>
-              </a:spcBef>
-            </a:pPr>
-            <a:endParaRPr lang="en-US" sz="1600" b="0" i="0" dirty="0">
-              <a:solidFill>
-                <a:srgbClr val="111111"/>
-              </a:solidFill>
-              <a:effectLst/>
-              <a:latin typeface="+mn-lt"/>
-            </a:endParaRPr>
+            <a:r>
+              <a:rPr lang="en-US" sz="1600" dirty="0"/>
+              <a:t>Individual modules may be cited as </a:t>
+            </a:r>
+            <a:r>
+              <a:rPr lang="en-US" sz="1600" i="1" dirty="0"/>
+              <a:t>Speaker, Module Title</a:t>
+            </a:r>
+            <a:r>
+              <a:rPr lang="en-US" sz="1600" dirty="0"/>
+              <a:t>, in </a:t>
+            </a:r>
+            <a:r>
+              <a:rPr lang="en-US" sz="1600" b="0" i="1" dirty="0">
+                <a:solidFill>
+                  <a:srgbClr val="111111"/>
+                </a:solidFill>
+                <a:effectLst/>
+                <a:latin typeface="+mn-lt"/>
+              </a:rPr>
+              <a:t>Tutorial Title</a:t>
+            </a:r>
+            <a:r>
+              <a:rPr lang="en-US" sz="1600" dirty="0"/>
+              <a:t>, …</a:t>
+            </a:r>
           </a:p>
           <a:p>
             <a:pPr marL="0" indent="0">
@@ -8806,7 +9826,14 @@
                 <a:spcPts val="400"/>
               </a:spcBef>
             </a:pPr>
-            <a:endParaRPr lang="en-US" sz="1400" dirty="0"/>
+            <a:r>
+              <a:rPr lang="en-US" sz="1400" dirty="0"/>
+              <a:t>This work was supported by the U.S. Department of Energy Office of Science, Office of Advanced Scientific Computing Research (ASCR), and by the Exascale Computing Project (17-SC-20-SC), a collaborative effort of the U.S. Department of Energy Office of Science and the National Nuclear Security Administration</a:t>
+            </a:r>
+            <a:r>
+              <a:rPr lang="en-US" sz="1400" i="1" dirty="0"/>
+              <a:t>.</a:t>
+            </a:r>
           </a:p>
           <a:p>
             <a:pPr>
@@ -8815,14 +9842,12 @@
               </a:spcBef>
             </a:pPr>
             <a:r>
-              <a:rPr lang="en-US" sz="1400" dirty="0"/>
-              <a:t>Material included in these presentation is derived from work supported by the U.S. Department of Energy Office of Science, Office of Advanced Scientific Computing Research (ASCR), and by the Exascale Computing Project (17-SC-20-SC), a collaborative effort of the U.S. Department of Energy Office of Science and the National Nuclear Security Administration</a:t>
-            </a:r>
-            <a:r>
-              <a:rPr lang="en-US" sz="1400" i="1" dirty="0"/>
-              <a:t>.</a:t>
-            </a:r>
-            <a:endParaRPr lang="en-US" sz="1400" dirty="0"/>
+              <a:rPr lang="en-US" sz="1400" b="0" i="0" dirty="0">
+                <a:effectLst/>
+                <a:latin typeface="+mn-lt"/>
+              </a:rPr>
+              <a:t>This work was supported by the U.S. Department of Energy, Office of Science, Office of Advanced Scientific Computing Research, Next-Generation Scientific Software Technologies (NGSST) program.</a:t>
+            </a:r>
           </a:p>
           <a:p>
             <a:pPr>
@@ -8830,7 +9855,10 @@
                 <a:spcPts val="400"/>
               </a:spcBef>
             </a:pPr>
-            <a:endParaRPr lang="en-US" sz="1400" dirty="0"/>
+            <a:r>
+              <a:rPr lang="en-US" sz="1400" dirty="0"/>
+              <a:t>This work was performed in part at the Argonne National Laboratory, which is managed by UChicago Argonne, LLC for the U.S. Department of Energy under Contract No. DE-AC02-06CH11357.</a:t>
+            </a:r>
           </a:p>
           <a:p>
             <a:pPr>
@@ -8840,7 +9868,7 @@
             </a:pPr>
             <a:r>
               <a:rPr lang="en-US" sz="1400" dirty="0"/>
-              <a:t>This work was performed in part at the Argonne National Laboratory, which is managed by UChicago Argonne, LLC for the U.S. Department of Energy under Contract No. DE-AC02-06CH11357.</a:t>
+              <a:t>This work was performed in part at the Lawrence Livermore National Laboratory, which is managed by Lawrence Livermore National Security, LLC for the U.S. Department of Energy under Contract No. DE-AC52-07NA27344.</a:t>
             </a:r>
           </a:p>
           <a:p>
@@ -8849,7 +9877,10 @@
                 <a:spcPts val="400"/>
               </a:spcBef>
             </a:pPr>
-            <a:endParaRPr lang="en-US" sz="1400" dirty="0"/>
+            <a:r>
+              <a:rPr lang="en-US" sz="1400" dirty="0"/>
+              <a:t>This work was performed in part at the Los Alamos National Laboratory, which is managed by Triad National Security, LLC for the U.S. Department of Energy under Contract No.89233218CNA000001</a:t>
+            </a:r>
           </a:p>
           <a:p>
             <a:pPr>
@@ -8868,15 +9899,10 @@
                 <a:spcPts val="400"/>
               </a:spcBef>
             </a:pPr>
-            <a:endParaRPr lang="en-US" sz="1400" dirty="0"/>
-          </a:p>
-          <a:p>
-            <a:pPr>
-              <a:spcBef>
-                <a:spcPts val="400"/>
-              </a:spcBef>
-            </a:pPr>
-            <a:endParaRPr lang="en-US" sz="1400" dirty="0"/>
+            <a:r>
+              <a:rPr lang="en-US" sz="1400" dirty="0"/>
+              <a:t>This work was performed in part at Sandia National Laboratories. Sandia National Laboratories is a multi-mission laboratory managed and operated by National Technology and Engineering Solutions of Sandia, LLC., a wholly owned subsidiary of Honeywell International, Inc., for the U.S. Department of Energy’s National Nuclear Security Administration under contract DE-NA0003525.</a:t>
+            </a:r>
           </a:p>
         </p:txBody>
       </p:sp>
@@ -8895,7 +9921,7 @@
           <p:nvPr/>
         </p:nvPicPr>
         <p:blipFill>
-          <a:blip r:embed="rId4">
+          <a:blip r:embed="rId5">
             <a:extLst>
               <a:ext uri="{28A0092B-C50C-407E-A947-70E740481C1C}">
                 <a14:useLocalDpi xmlns:a14="http://schemas.microsoft.com/office/drawing/2010/main" val="0"/>
@@ -8930,7 +9956,7 @@
     </p:spTree>
     <p:extLst>
       <p:ext uri="{BB962C8B-B14F-4D97-AF65-F5344CB8AC3E}">
-        <p14:creationId xmlns:p14="http://schemas.microsoft.com/office/powerpoint/2010/main" val="300521932"/>
+        <p14:creationId xmlns:p14="http://schemas.microsoft.com/office/powerpoint/2010/main" val="978726433"/>
       </p:ext>
     </p:extLst>
   </p:cSld>
@@ -12876,12 +13902,6 @@
 </file>
 
 <file path=customXml/item1.xml><?xml version="1.0" encoding="utf-8"?>
-<p:properties xmlns:p="http://schemas.microsoft.com/office/2006/metadata/properties" xmlns:xsi="http://www.w3.org/2001/XMLSchema-instance" xmlns:pc="http://schemas.microsoft.com/office/infopath/2007/PartnerControls">
-  <documentManagement/>
-</p:properties>
-</file>
-
-<file path=customXml/item2.xml><?xml version="1.0" encoding="utf-8"?>
 <ct:contentTypeSchema xmlns:ct="http://schemas.microsoft.com/office/2006/metadata/contentType" xmlns:ma="http://schemas.microsoft.com/office/2006/metadata/properties/metaAttributes" ct:_="" ma:_="" ma:contentTypeName="Document" ma:contentTypeID="0x010100565464437F680748A68B85EB6594EA7D" ma:contentTypeVersion="0" ma:contentTypeDescription="Create a new document." ma:contentTypeScope="" ma:versionID="fe3f4dd58d5914c51cfc6deaa8ad845c">
   <xsd:schema xmlns:xsd="http://www.w3.org/2001/XMLSchema" xmlns:p="http://schemas.microsoft.com/office/2006/metadata/properties" targetNamespace="http://schemas.microsoft.com/office/2006/metadata/properties" ma:root="true" ma:fieldsID="4aeb20c0e3442673af7ee10786458764">
     <xsd:element name="properties">
@@ -12930,6 +13950,12 @@
 </ct:contentTypeSchema>
 </file>
 
+<file path=customXml/item2.xml><?xml version="1.0" encoding="utf-8"?>
+<p:properties xmlns:p="http://schemas.microsoft.com/office/2006/metadata/properties" xmlns:xsi="http://www.w3.org/2001/XMLSchema-instance" xmlns:pc="http://schemas.microsoft.com/office/infopath/2007/PartnerControls">
+  <documentManagement/>
+</p:properties>
+</file>
+
 <file path=customXml/item3.xml><?xml version="1.0" encoding="utf-8"?>
 <?mso-contentType ?>
 <FormTemplates xmlns="http://schemas.microsoft.com/sharepoint/v3/contenttype/forms">
@@ -12940,6 +13966,21 @@
 </file>
 
 <file path=customXml/itemProps1.xml><?xml version="1.0" encoding="utf-8"?>
+<ds:datastoreItem xmlns:ds="http://schemas.openxmlformats.org/officeDocument/2006/customXml" ds:itemID="{E8DB7DEB-074E-4EE8-9B6E-FD277323109C}">
+  <ds:schemaRefs>
+    <ds:schemaRef ds:uri="http://schemas.microsoft.com/office/2006/metadata/contentType"/>
+    <ds:schemaRef ds:uri="http://schemas.microsoft.com/office/2006/metadata/properties/metaAttributes"/>
+    <ds:schemaRef ds:uri="http://www.w3.org/2001/XMLSchema"/>
+    <ds:schemaRef ds:uri="http://schemas.microsoft.com/office/2006/metadata/properties"/>
+    <ds:schemaRef ds:uri="http://schemas.openxmlformats.org/package/2006/metadata/core-properties"/>
+    <ds:schemaRef ds:uri="http://purl.org/dc/elements/1.1/"/>
+    <ds:schemaRef ds:uri="http://purl.org/dc/terms/"/>
+    <ds:schemaRef ds:uri="http://schemas.microsoft.com/office/internal/2005/internalDocumentation"/>
+  </ds:schemaRefs>
+</ds:datastoreItem>
+</file>
+
+<file path=customXml/itemProps2.xml><?xml version="1.0" encoding="utf-8"?>
 <ds:datastoreItem xmlns:ds="http://schemas.openxmlformats.org/officeDocument/2006/customXml" ds:itemID="{A50EC660-24D0-43A0-AE5E-E274115E726B}">
   <ds:schemaRefs>
     <ds:schemaRef ds:uri="http://purl.org/dc/elements/1.1/"/>
@@ -12954,21 +13995,6 @@
 </ds:datastoreItem>
 </file>
 
-<file path=customXml/itemProps2.xml><?xml version="1.0" encoding="utf-8"?>
-<ds:datastoreItem xmlns:ds="http://schemas.openxmlformats.org/officeDocument/2006/customXml" ds:itemID="{E8DB7DEB-074E-4EE8-9B6E-FD277323109C}">
-  <ds:schemaRefs>
-    <ds:schemaRef ds:uri="http://schemas.microsoft.com/office/2006/metadata/contentType"/>
-    <ds:schemaRef ds:uri="http://schemas.microsoft.com/office/2006/metadata/properties/metaAttributes"/>
-    <ds:schemaRef ds:uri="http://www.w3.org/2001/XMLSchema"/>
-    <ds:schemaRef ds:uri="http://schemas.microsoft.com/office/2006/metadata/properties"/>
-    <ds:schemaRef ds:uri="http://schemas.openxmlformats.org/package/2006/metadata/core-properties"/>
-    <ds:schemaRef ds:uri="http://purl.org/dc/elements/1.1/"/>
-    <ds:schemaRef ds:uri="http://purl.org/dc/terms/"/>
-    <ds:schemaRef ds:uri="http://schemas.microsoft.com/office/internal/2005/internalDocumentation"/>
-  </ds:schemaRefs>
-</ds:datastoreItem>
-</file>
-
 <file path=customXml/itemProps3.xml><?xml version="1.0" encoding="utf-8"?>
 <ds:datastoreItem xmlns:ds="http://schemas.openxmlformats.org/officeDocument/2006/customXml" ds:itemID="{19E20559-B232-4371-8690-E3D8007EDB82}">
   <ds:schemaRefs>
